--- a/aulas_3dias/slides_3dias.pptx
+++ b/aulas_3dias/slides_3dias.pptx
@@ -5,7 +5,7 @@
     <p:sldMasterId id="2147483648" r:id="rId1"/>
   </p:sldMasterIdLst>
   <p:notesMasterIdLst>
-    <p:notesMasterId r:id="rId12"/>
+    <p:notesMasterId r:id="rId28"/>
   </p:notesMasterIdLst>
   <p:sldIdLst>
     <p:sldId id="258" r:id="rId2"/>
@@ -18,6 +18,22 @@
     <p:sldId id="265" r:id="rId9"/>
     <p:sldId id="266" r:id="rId10"/>
     <p:sldId id="267" r:id="rId11"/>
+    <p:sldId id="268" r:id="rId12"/>
+    <p:sldId id="269" r:id="rId13"/>
+    <p:sldId id="270" r:id="rId14"/>
+    <p:sldId id="271" r:id="rId15"/>
+    <p:sldId id="272" r:id="rId16"/>
+    <p:sldId id="273" r:id="rId17"/>
+    <p:sldId id="274" r:id="rId18"/>
+    <p:sldId id="275" r:id="rId19"/>
+    <p:sldId id="276" r:id="rId20"/>
+    <p:sldId id="277" r:id="rId21"/>
+    <p:sldId id="278" r:id="rId22"/>
+    <p:sldId id="279" r:id="rId23"/>
+    <p:sldId id="280" r:id="rId24"/>
+    <p:sldId id="281" r:id="rId25"/>
+    <p:sldId id="282" r:id="rId26"/>
+    <p:sldId id="283" r:id="rId27"/>
   </p:sldIdLst>
   <p:sldSz cx="9144000" cy="6858000" type="screen4x3"/>
   <p:notesSz cx="6858000" cy="9144000"/>
@@ -569,6 +585,762 @@
 </p:notes>
 </file>
 
+<file path=ppt/notesSlides/notesSlide10.xml><?xml version="1.0" encoding="utf-8"?>
+<p:notes xmlns:a="http://schemas.openxmlformats.org/drawingml/2006/main" xmlns:r="http://schemas.openxmlformats.org/officeDocument/2006/relationships" xmlns:p="http://schemas.openxmlformats.org/presentationml/2006/main">
+  <p:cSld>
+    <p:spTree>
+      <p:nvGrpSpPr>
+        <p:cNvPr id="1" name=""/>
+        <p:cNvGrpSpPr/>
+        <p:nvPr/>
+      </p:nvGrpSpPr>
+      <p:grpSpPr>
+        <a:xfrm>
+          <a:off x="0" y="0"/>
+          <a:ext cx="0" cy="0"/>
+          <a:chOff x="0" y="0"/>
+          <a:chExt cx="0" cy="0"/>
+        </a:xfrm>
+      </p:grpSpPr>
+      <p:sp>
+        <p:nvSpPr>
+          <p:cNvPr id="2" name="Espaço Reservado para Imagem de Slide 1"/>
+          <p:cNvSpPr>
+            <a:spLocks noGrp="1" noRot="1" noChangeAspect="1"/>
+          </p:cNvSpPr>
+          <p:nvPr>
+            <p:ph type="sldImg"/>
+          </p:nvPr>
+        </p:nvSpPr>
+        <p:spPr/>
+      </p:sp>
+      <p:sp>
+        <p:nvSpPr>
+          <p:cNvPr id="3" name="Espaço Reservado para Anotações 2"/>
+          <p:cNvSpPr>
+            <a:spLocks noGrp="1"/>
+          </p:cNvSpPr>
+          <p:nvPr>
+            <p:ph type="body" idx="1"/>
+          </p:nvPr>
+        </p:nvSpPr>
+        <p:spPr/>
+        <p:txBody>
+          <a:bodyPr/>
+          <a:lstStyle/>
+          <a:p>
+            <a:endParaRPr lang="pt-BR" dirty="0"/>
+          </a:p>
+        </p:txBody>
+      </p:sp>
+      <p:sp>
+        <p:nvSpPr>
+          <p:cNvPr id="4" name="Espaço Reservado para Número de Slide 3"/>
+          <p:cNvSpPr>
+            <a:spLocks noGrp="1"/>
+          </p:cNvSpPr>
+          <p:nvPr>
+            <p:ph type="sldNum" sz="quarter" idx="10"/>
+          </p:nvPr>
+        </p:nvSpPr>
+        <p:spPr/>
+        <p:txBody>
+          <a:bodyPr/>
+          <a:lstStyle/>
+          <a:p>
+            <a:fld id="{1A618A8B-0752-40D5-9454-79BB13FA29FA}" type="slidenum">
+              <a:rPr lang="pt-BR" smtClean="0"/>
+              <a:t>18</a:t>
+            </a:fld>
+            <a:endParaRPr lang="pt-BR"/>
+          </a:p>
+        </p:txBody>
+      </p:sp>
+    </p:spTree>
+    <p:extLst>
+      <p:ext uri="{BB962C8B-B14F-4D97-AF65-F5344CB8AC3E}">
+        <p14:creationId xmlns:p14="http://schemas.microsoft.com/office/powerpoint/2010/main" val="2095654408"/>
+      </p:ext>
+    </p:extLst>
+  </p:cSld>
+  <p:clrMapOvr>
+    <a:masterClrMapping/>
+  </p:clrMapOvr>
+</p:notes>
+</file>
+
+<file path=ppt/notesSlides/notesSlide11.xml><?xml version="1.0" encoding="utf-8"?>
+<p:notes xmlns:a="http://schemas.openxmlformats.org/drawingml/2006/main" xmlns:r="http://schemas.openxmlformats.org/officeDocument/2006/relationships" xmlns:p="http://schemas.openxmlformats.org/presentationml/2006/main">
+  <p:cSld>
+    <p:spTree>
+      <p:nvGrpSpPr>
+        <p:cNvPr id="1" name=""/>
+        <p:cNvGrpSpPr/>
+        <p:nvPr/>
+      </p:nvGrpSpPr>
+      <p:grpSpPr>
+        <a:xfrm>
+          <a:off x="0" y="0"/>
+          <a:ext cx="0" cy="0"/>
+          <a:chOff x="0" y="0"/>
+          <a:chExt cx="0" cy="0"/>
+        </a:xfrm>
+      </p:grpSpPr>
+      <p:sp>
+        <p:nvSpPr>
+          <p:cNvPr id="2" name="Espaço Reservado para Imagem de Slide 1"/>
+          <p:cNvSpPr>
+            <a:spLocks noGrp="1" noRot="1" noChangeAspect="1"/>
+          </p:cNvSpPr>
+          <p:nvPr>
+            <p:ph type="sldImg"/>
+          </p:nvPr>
+        </p:nvSpPr>
+        <p:spPr/>
+      </p:sp>
+      <p:sp>
+        <p:nvSpPr>
+          <p:cNvPr id="3" name="Espaço Reservado para Anotações 2"/>
+          <p:cNvSpPr>
+            <a:spLocks noGrp="1"/>
+          </p:cNvSpPr>
+          <p:nvPr>
+            <p:ph type="body" idx="1"/>
+          </p:nvPr>
+        </p:nvSpPr>
+        <p:spPr/>
+        <p:txBody>
+          <a:bodyPr/>
+          <a:lstStyle/>
+          <a:p>
+            <a:endParaRPr lang="pt-BR" dirty="0"/>
+          </a:p>
+        </p:txBody>
+      </p:sp>
+      <p:sp>
+        <p:nvSpPr>
+          <p:cNvPr id="4" name="Espaço Reservado para Número de Slide 3"/>
+          <p:cNvSpPr>
+            <a:spLocks noGrp="1"/>
+          </p:cNvSpPr>
+          <p:nvPr>
+            <p:ph type="sldNum" sz="quarter" idx="10"/>
+          </p:nvPr>
+        </p:nvSpPr>
+        <p:spPr/>
+        <p:txBody>
+          <a:bodyPr/>
+          <a:lstStyle/>
+          <a:p>
+            <a:fld id="{1A618A8B-0752-40D5-9454-79BB13FA29FA}" type="slidenum">
+              <a:rPr lang="pt-BR" smtClean="0"/>
+              <a:t>19</a:t>
+            </a:fld>
+            <a:endParaRPr lang="pt-BR"/>
+          </a:p>
+        </p:txBody>
+      </p:sp>
+    </p:spTree>
+    <p:extLst>
+      <p:ext uri="{BB962C8B-B14F-4D97-AF65-F5344CB8AC3E}">
+        <p14:creationId xmlns:p14="http://schemas.microsoft.com/office/powerpoint/2010/main" val="3906118446"/>
+      </p:ext>
+    </p:extLst>
+  </p:cSld>
+  <p:clrMapOvr>
+    <a:masterClrMapping/>
+  </p:clrMapOvr>
+</p:notes>
+</file>
+
+<file path=ppt/notesSlides/notesSlide12.xml><?xml version="1.0" encoding="utf-8"?>
+<p:notes xmlns:a="http://schemas.openxmlformats.org/drawingml/2006/main" xmlns:r="http://schemas.openxmlformats.org/officeDocument/2006/relationships" xmlns:p="http://schemas.openxmlformats.org/presentationml/2006/main">
+  <p:cSld>
+    <p:spTree>
+      <p:nvGrpSpPr>
+        <p:cNvPr id="1" name=""/>
+        <p:cNvGrpSpPr/>
+        <p:nvPr/>
+      </p:nvGrpSpPr>
+      <p:grpSpPr>
+        <a:xfrm>
+          <a:off x="0" y="0"/>
+          <a:ext cx="0" cy="0"/>
+          <a:chOff x="0" y="0"/>
+          <a:chExt cx="0" cy="0"/>
+        </a:xfrm>
+      </p:grpSpPr>
+      <p:sp>
+        <p:nvSpPr>
+          <p:cNvPr id="2" name="Espaço Reservado para Imagem de Slide 1"/>
+          <p:cNvSpPr>
+            <a:spLocks noGrp="1" noRot="1" noChangeAspect="1"/>
+          </p:cNvSpPr>
+          <p:nvPr>
+            <p:ph type="sldImg"/>
+          </p:nvPr>
+        </p:nvSpPr>
+        <p:spPr/>
+      </p:sp>
+      <p:sp>
+        <p:nvSpPr>
+          <p:cNvPr id="3" name="Espaço Reservado para Anotações 2"/>
+          <p:cNvSpPr>
+            <a:spLocks noGrp="1"/>
+          </p:cNvSpPr>
+          <p:nvPr>
+            <p:ph type="body" idx="1"/>
+          </p:nvPr>
+        </p:nvSpPr>
+        <p:spPr/>
+        <p:txBody>
+          <a:bodyPr/>
+          <a:lstStyle/>
+          <a:p>
+            <a:endParaRPr lang="pt-BR" dirty="0"/>
+          </a:p>
+        </p:txBody>
+      </p:sp>
+      <p:sp>
+        <p:nvSpPr>
+          <p:cNvPr id="4" name="Espaço Reservado para Número de Slide 3"/>
+          <p:cNvSpPr>
+            <a:spLocks noGrp="1"/>
+          </p:cNvSpPr>
+          <p:nvPr>
+            <p:ph type="sldNum" sz="quarter" idx="10"/>
+          </p:nvPr>
+        </p:nvSpPr>
+        <p:spPr/>
+        <p:txBody>
+          <a:bodyPr/>
+          <a:lstStyle/>
+          <a:p>
+            <a:fld id="{1A618A8B-0752-40D5-9454-79BB13FA29FA}" type="slidenum">
+              <a:rPr lang="pt-BR" smtClean="0"/>
+              <a:t>20</a:t>
+            </a:fld>
+            <a:endParaRPr lang="pt-BR"/>
+          </a:p>
+        </p:txBody>
+      </p:sp>
+    </p:spTree>
+    <p:extLst>
+      <p:ext uri="{BB962C8B-B14F-4D97-AF65-F5344CB8AC3E}">
+        <p14:creationId xmlns:p14="http://schemas.microsoft.com/office/powerpoint/2010/main" val="3314503402"/>
+      </p:ext>
+    </p:extLst>
+  </p:cSld>
+  <p:clrMapOvr>
+    <a:masterClrMapping/>
+  </p:clrMapOvr>
+</p:notes>
+</file>
+
+<file path=ppt/notesSlides/notesSlide13.xml><?xml version="1.0" encoding="utf-8"?>
+<p:notes xmlns:a="http://schemas.openxmlformats.org/drawingml/2006/main" xmlns:r="http://schemas.openxmlformats.org/officeDocument/2006/relationships" xmlns:p="http://schemas.openxmlformats.org/presentationml/2006/main">
+  <p:cSld>
+    <p:spTree>
+      <p:nvGrpSpPr>
+        <p:cNvPr id="1" name=""/>
+        <p:cNvGrpSpPr/>
+        <p:nvPr/>
+      </p:nvGrpSpPr>
+      <p:grpSpPr>
+        <a:xfrm>
+          <a:off x="0" y="0"/>
+          <a:ext cx="0" cy="0"/>
+          <a:chOff x="0" y="0"/>
+          <a:chExt cx="0" cy="0"/>
+        </a:xfrm>
+      </p:grpSpPr>
+      <p:sp>
+        <p:nvSpPr>
+          <p:cNvPr id="2" name="Espaço Reservado para Imagem de Slide 1"/>
+          <p:cNvSpPr>
+            <a:spLocks noGrp="1" noRot="1" noChangeAspect="1"/>
+          </p:cNvSpPr>
+          <p:nvPr>
+            <p:ph type="sldImg"/>
+          </p:nvPr>
+        </p:nvSpPr>
+        <p:spPr/>
+      </p:sp>
+      <p:sp>
+        <p:nvSpPr>
+          <p:cNvPr id="3" name="Espaço Reservado para Anotações 2"/>
+          <p:cNvSpPr>
+            <a:spLocks noGrp="1"/>
+          </p:cNvSpPr>
+          <p:nvPr>
+            <p:ph type="body" idx="1"/>
+          </p:nvPr>
+        </p:nvSpPr>
+        <p:spPr/>
+        <p:txBody>
+          <a:bodyPr/>
+          <a:lstStyle/>
+          <a:p>
+            <a:endParaRPr lang="pt-BR" dirty="0"/>
+          </a:p>
+        </p:txBody>
+      </p:sp>
+      <p:sp>
+        <p:nvSpPr>
+          <p:cNvPr id="4" name="Espaço Reservado para Número de Slide 3"/>
+          <p:cNvSpPr>
+            <a:spLocks noGrp="1"/>
+          </p:cNvSpPr>
+          <p:nvPr>
+            <p:ph type="sldNum" sz="quarter" idx="10"/>
+          </p:nvPr>
+        </p:nvSpPr>
+        <p:spPr/>
+        <p:txBody>
+          <a:bodyPr/>
+          <a:lstStyle/>
+          <a:p>
+            <a:fld id="{1A618A8B-0752-40D5-9454-79BB13FA29FA}" type="slidenum">
+              <a:rPr lang="pt-BR" smtClean="0"/>
+              <a:t>21</a:t>
+            </a:fld>
+            <a:endParaRPr lang="pt-BR"/>
+          </a:p>
+        </p:txBody>
+      </p:sp>
+    </p:spTree>
+    <p:extLst>
+      <p:ext uri="{BB962C8B-B14F-4D97-AF65-F5344CB8AC3E}">
+        <p14:creationId xmlns:p14="http://schemas.microsoft.com/office/powerpoint/2010/main" val="3768046969"/>
+      </p:ext>
+    </p:extLst>
+  </p:cSld>
+  <p:clrMapOvr>
+    <a:masterClrMapping/>
+  </p:clrMapOvr>
+</p:notes>
+</file>
+
+<file path=ppt/notesSlides/notesSlide14.xml><?xml version="1.0" encoding="utf-8"?>
+<p:notes xmlns:a="http://schemas.openxmlformats.org/drawingml/2006/main" xmlns:r="http://schemas.openxmlformats.org/officeDocument/2006/relationships" xmlns:p="http://schemas.openxmlformats.org/presentationml/2006/main">
+  <p:cSld>
+    <p:spTree>
+      <p:nvGrpSpPr>
+        <p:cNvPr id="1" name=""/>
+        <p:cNvGrpSpPr/>
+        <p:nvPr/>
+      </p:nvGrpSpPr>
+      <p:grpSpPr>
+        <a:xfrm>
+          <a:off x="0" y="0"/>
+          <a:ext cx="0" cy="0"/>
+          <a:chOff x="0" y="0"/>
+          <a:chExt cx="0" cy="0"/>
+        </a:xfrm>
+      </p:grpSpPr>
+      <p:sp>
+        <p:nvSpPr>
+          <p:cNvPr id="2" name="Espaço Reservado para Imagem de Slide 1"/>
+          <p:cNvSpPr>
+            <a:spLocks noGrp="1" noRot="1" noChangeAspect="1"/>
+          </p:cNvSpPr>
+          <p:nvPr>
+            <p:ph type="sldImg"/>
+          </p:nvPr>
+        </p:nvSpPr>
+        <p:spPr/>
+      </p:sp>
+      <p:sp>
+        <p:nvSpPr>
+          <p:cNvPr id="3" name="Espaço Reservado para Anotações 2"/>
+          <p:cNvSpPr>
+            <a:spLocks noGrp="1"/>
+          </p:cNvSpPr>
+          <p:nvPr>
+            <p:ph type="body" idx="1"/>
+          </p:nvPr>
+        </p:nvSpPr>
+        <p:spPr/>
+        <p:txBody>
+          <a:bodyPr/>
+          <a:lstStyle/>
+          <a:p>
+            <a:endParaRPr lang="pt-BR" dirty="0"/>
+          </a:p>
+        </p:txBody>
+      </p:sp>
+      <p:sp>
+        <p:nvSpPr>
+          <p:cNvPr id="4" name="Espaço Reservado para Número de Slide 3"/>
+          <p:cNvSpPr>
+            <a:spLocks noGrp="1"/>
+          </p:cNvSpPr>
+          <p:nvPr>
+            <p:ph type="sldNum" sz="quarter" idx="10"/>
+          </p:nvPr>
+        </p:nvSpPr>
+        <p:spPr/>
+        <p:txBody>
+          <a:bodyPr/>
+          <a:lstStyle/>
+          <a:p>
+            <a:fld id="{1A618A8B-0752-40D5-9454-79BB13FA29FA}" type="slidenum">
+              <a:rPr lang="pt-BR" smtClean="0"/>
+              <a:t>22</a:t>
+            </a:fld>
+            <a:endParaRPr lang="pt-BR"/>
+          </a:p>
+        </p:txBody>
+      </p:sp>
+    </p:spTree>
+    <p:extLst>
+      <p:ext uri="{BB962C8B-B14F-4D97-AF65-F5344CB8AC3E}">
+        <p14:creationId xmlns:p14="http://schemas.microsoft.com/office/powerpoint/2010/main" val="4269829074"/>
+      </p:ext>
+    </p:extLst>
+  </p:cSld>
+  <p:clrMapOvr>
+    <a:masterClrMapping/>
+  </p:clrMapOvr>
+</p:notes>
+</file>
+
+<file path=ppt/notesSlides/notesSlide15.xml><?xml version="1.0" encoding="utf-8"?>
+<p:notes xmlns:a="http://schemas.openxmlformats.org/drawingml/2006/main" xmlns:r="http://schemas.openxmlformats.org/officeDocument/2006/relationships" xmlns:p="http://schemas.openxmlformats.org/presentationml/2006/main">
+  <p:cSld>
+    <p:spTree>
+      <p:nvGrpSpPr>
+        <p:cNvPr id="1" name=""/>
+        <p:cNvGrpSpPr/>
+        <p:nvPr/>
+      </p:nvGrpSpPr>
+      <p:grpSpPr>
+        <a:xfrm>
+          <a:off x="0" y="0"/>
+          <a:ext cx="0" cy="0"/>
+          <a:chOff x="0" y="0"/>
+          <a:chExt cx="0" cy="0"/>
+        </a:xfrm>
+      </p:grpSpPr>
+      <p:sp>
+        <p:nvSpPr>
+          <p:cNvPr id="2" name="Espaço Reservado para Imagem de Slide 1"/>
+          <p:cNvSpPr>
+            <a:spLocks noGrp="1" noRot="1" noChangeAspect="1"/>
+          </p:cNvSpPr>
+          <p:nvPr>
+            <p:ph type="sldImg"/>
+          </p:nvPr>
+        </p:nvSpPr>
+        <p:spPr/>
+      </p:sp>
+      <p:sp>
+        <p:nvSpPr>
+          <p:cNvPr id="3" name="Espaço Reservado para Anotações 2"/>
+          <p:cNvSpPr>
+            <a:spLocks noGrp="1"/>
+          </p:cNvSpPr>
+          <p:nvPr>
+            <p:ph type="body" idx="1"/>
+          </p:nvPr>
+        </p:nvSpPr>
+        <p:spPr/>
+        <p:txBody>
+          <a:bodyPr/>
+          <a:lstStyle/>
+          <a:p>
+            <a:endParaRPr lang="pt-BR" dirty="0"/>
+          </a:p>
+        </p:txBody>
+      </p:sp>
+      <p:sp>
+        <p:nvSpPr>
+          <p:cNvPr id="4" name="Espaço Reservado para Número de Slide 3"/>
+          <p:cNvSpPr>
+            <a:spLocks noGrp="1"/>
+          </p:cNvSpPr>
+          <p:nvPr>
+            <p:ph type="sldNum" sz="quarter" idx="10"/>
+          </p:nvPr>
+        </p:nvSpPr>
+        <p:spPr/>
+        <p:txBody>
+          <a:bodyPr/>
+          <a:lstStyle/>
+          <a:p>
+            <a:fld id="{1A618A8B-0752-40D5-9454-79BB13FA29FA}" type="slidenum">
+              <a:rPr lang="pt-BR" smtClean="0"/>
+              <a:t>23</a:t>
+            </a:fld>
+            <a:endParaRPr lang="pt-BR"/>
+          </a:p>
+        </p:txBody>
+      </p:sp>
+    </p:spTree>
+    <p:extLst>
+      <p:ext uri="{BB962C8B-B14F-4D97-AF65-F5344CB8AC3E}">
+        <p14:creationId xmlns:p14="http://schemas.microsoft.com/office/powerpoint/2010/main" val="785103576"/>
+      </p:ext>
+    </p:extLst>
+  </p:cSld>
+  <p:clrMapOvr>
+    <a:masterClrMapping/>
+  </p:clrMapOvr>
+</p:notes>
+</file>
+
+<file path=ppt/notesSlides/notesSlide16.xml><?xml version="1.0" encoding="utf-8"?>
+<p:notes xmlns:a="http://schemas.openxmlformats.org/drawingml/2006/main" xmlns:r="http://schemas.openxmlformats.org/officeDocument/2006/relationships" xmlns:p="http://schemas.openxmlformats.org/presentationml/2006/main">
+  <p:cSld>
+    <p:spTree>
+      <p:nvGrpSpPr>
+        <p:cNvPr id="1" name=""/>
+        <p:cNvGrpSpPr/>
+        <p:nvPr/>
+      </p:nvGrpSpPr>
+      <p:grpSpPr>
+        <a:xfrm>
+          <a:off x="0" y="0"/>
+          <a:ext cx="0" cy="0"/>
+          <a:chOff x="0" y="0"/>
+          <a:chExt cx="0" cy="0"/>
+        </a:xfrm>
+      </p:grpSpPr>
+      <p:sp>
+        <p:nvSpPr>
+          <p:cNvPr id="2" name="Espaço Reservado para Imagem de Slide 1"/>
+          <p:cNvSpPr>
+            <a:spLocks noGrp="1" noRot="1" noChangeAspect="1"/>
+          </p:cNvSpPr>
+          <p:nvPr>
+            <p:ph type="sldImg"/>
+          </p:nvPr>
+        </p:nvSpPr>
+        <p:spPr/>
+      </p:sp>
+      <p:sp>
+        <p:nvSpPr>
+          <p:cNvPr id="3" name="Espaço Reservado para Anotações 2"/>
+          <p:cNvSpPr>
+            <a:spLocks noGrp="1"/>
+          </p:cNvSpPr>
+          <p:nvPr>
+            <p:ph type="body" idx="1"/>
+          </p:nvPr>
+        </p:nvSpPr>
+        <p:spPr/>
+        <p:txBody>
+          <a:bodyPr/>
+          <a:lstStyle/>
+          <a:p>
+            <a:endParaRPr lang="pt-BR" dirty="0"/>
+          </a:p>
+        </p:txBody>
+      </p:sp>
+      <p:sp>
+        <p:nvSpPr>
+          <p:cNvPr id="4" name="Espaço Reservado para Número de Slide 3"/>
+          <p:cNvSpPr>
+            <a:spLocks noGrp="1"/>
+          </p:cNvSpPr>
+          <p:nvPr>
+            <p:ph type="sldNum" sz="quarter" idx="10"/>
+          </p:nvPr>
+        </p:nvSpPr>
+        <p:spPr/>
+        <p:txBody>
+          <a:bodyPr/>
+          <a:lstStyle/>
+          <a:p>
+            <a:fld id="{1A618A8B-0752-40D5-9454-79BB13FA29FA}" type="slidenum">
+              <a:rPr lang="pt-BR" smtClean="0"/>
+              <a:t>24</a:t>
+            </a:fld>
+            <a:endParaRPr lang="pt-BR"/>
+          </a:p>
+        </p:txBody>
+      </p:sp>
+    </p:spTree>
+    <p:extLst>
+      <p:ext uri="{BB962C8B-B14F-4D97-AF65-F5344CB8AC3E}">
+        <p14:creationId xmlns:p14="http://schemas.microsoft.com/office/powerpoint/2010/main" val="2568763623"/>
+      </p:ext>
+    </p:extLst>
+  </p:cSld>
+  <p:clrMapOvr>
+    <a:masterClrMapping/>
+  </p:clrMapOvr>
+</p:notes>
+</file>
+
+<file path=ppt/notesSlides/notesSlide17.xml><?xml version="1.0" encoding="utf-8"?>
+<p:notes xmlns:a="http://schemas.openxmlformats.org/drawingml/2006/main" xmlns:r="http://schemas.openxmlformats.org/officeDocument/2006/relationships" xmlns:p="http://schemas.openxmlformats.org/presentationml/2006/main">
+  <p:cSld>
+    <p:spTree>
+      <p:nvGrpSpPr>
+        <p:cNvPr id="1" name=""/>
+        <p:cNvGrpSpPr/>
+        <p:nvPr/>
+      </p:nvGrpSpPr>
+      <p:grpSpPr>
+        <a:xfrm>
+          <a:off x="0" y="0"/>
+          <a:ext cx="0" cy="0"/>
+          <a:chOff x="0" y="0"/>
+          <a:chExt cx="0" cy="0"/>
+        </a:xfrm>
+      </p:grpSpPr>
+      <p:sp>
+        <p:nvSpPr>
+          <p:cNvPr id="2" name="Espaço Reservado para Imagem de Slide 1"/>
+          <p:cNvSpPr>
+            <a:spLocks noGrp="1" noRot="1" noChangeAspect="1"/>
+          </p:cNvSpPr>
+          <p:nvPr>
+            <p:ph type="sldImg"/>
+          </p:nvPr>
+        </p:nvSpPr>
+        <p:spPr/>
+      </p:sp>
+      <p:sp>
+        <p:nvSpPr>
+          <p:cNvPr id="3" name="Espaço Reservado para Anotações 2"/>
+          <p:cNvSpPr>
+            <a:spLocks noGrp="1"/>
+          </p:cNvSpPr>
+          <p:nvPr>
+            <p:ph type="body" idx="1"/>
+          </p:nvPr>
+        </p:nvSpPr>
+        <p:spPr/>
+        <p:txBody>
+          <a:bodyPr/>
+          <a:lstStyle/>
+          <a:p>
+            <a:endParaRPr lang="pt-BR" dirty="0"/>
+          </a:p>
+        </p:txBody>
+      </p:sp>
+      <p:sp>
+        <p:nvSpPr>
+          <p:cNvPr id="4" name="Espaço Reservado para Número de Slide 3"/>
+          <p:cNvSpPr>
+            <a:spLocks noGrp="1"/>
+          </p:cNvSpPr>
+          <p:nvPr>
+            <p:ph type="sldNum" sz="quarter" idx="10"/>
+          </p:nvPr>
+        </p:nvSpPr>
+        <p:spPr/>
+        <p:txBody>
+          <a:bodyPr/>
+          <a:lstStyle/>
+          <a:p>
+            <a:fld id="{1A618A8B-0752-40D5-9454-79BB13FA29FA}" type="slidenum">
+              <a:rPr lang="pt-BR" smtClean="0"/>
+              <a:t>25</a:t>
+            </a:fld>
+            <a:endParaRPr lang="pt-BR"/>
+          </a:p>
+        </p:txBody>
+      </p:sp>
+    </p:spTree>
+    <p:extLst>
+      <p:ext uri="{BB962C8B-B14F-4D97-AF65-F5344CB8AC3E}">
+        <p14:creationId xmlns:p14="http://schemas.microsoft.com/office/powerpoint/2010/main" val="1276811389"/>
+      </p:ext>
+    </p:extLst>
+  </p:cSld>
+  <p:clrMapOvr>
+    <a:masterClrMapping/>
+  </p:clrMapOvr>
+</p:notes>
+</file>
+
+<file path=ppt/notesSlides/notesSlide18.xml><?xml version="1.0" encoding="utf-8"?>
+<p:notes xmlns:a="http://schemas.openxmlformats.org/drawingml/2006/main" xmlns:r="http://schemas.openxmlformats.org/officeDocument/2006/relationships" xmlns:p="http://schemas.openxmlformats.org/presentationml/2006/main">
+  <p:cSld>
+    <p:spTree>
+      <p:nvGrpSpPr>
+        <p:cNvPr id="1" name=""/>
+        <p:cNvGrpSpPr/>
+        <p:nvPr/>
+      </p:nvGrpSpPr>
+      <p:grpSpPr>
+        <a:xfrm>
+          <a:off x="0" y="0"/>
+          <a:ext cx="0" cy="0"/>
+          <a:chOff x="0" y="0"/>
+          <a:chExt cx="0" cy="0"/>
+        </a:xfrm>
+      </p:grpSpPr>
+      <p:sp>
+        <p:nvSpPr>
+          <p:cNvPr id="2" name="Espaço Reservado para Imagem de Slide 1"/>
+          <p:cNvSpPr>
+            <a:spLocks noGrp="1" noRot="1" noChangeAspect="1"/>
+          </p:cNvSpPr>
+          <p:nvPr>
+            <p:ph type="sldImg"/>
+          </p:nvPr>
+        </p:nvSpPr>
+        <p:spPr/>
+      </p:sp>
+      <p:sp>
+        <p:nvSpPr>
+          <p:cNvPr id="3" name="Espaço Reservado para Anotações 2"/>
+          <p:cNvSpPr>
+            <a:spLocks noGrp="1"/>
+          </p:cNvSpPr>
+          <p:nvPr>
+            <p:ph type="body" idx="1"/>
+          </p:nvPr>
+        </p:nvSpPr>
+        <p:spPr/>
+        <p:txBody>
+          <a:bodyPr/>
+          <a:lstStyle/>
+          <a:p>
+            <a:endParaRPr lang="pt-BR" dirty="0"/>
+          </a:p>
+        </p:txBody>
+      </p:sp>
+      <p:sp>
+        <p:nvSpPr>
+          <p:cNvPr id="4" name="Espaço Reservado para Número de Slide 3"/>
+          <p:cNvSpPr>
+            <a:spLocks noGrp="1"/>
+          </p:cNvSpPr>
+          <p:nvPr>
+            <p:ph type="sldNum" sz="quarter" idx="10"/>
+          </p:nvPr>
+        </p:nvSpPr>
+        <p:spPr/>
+        <p:txBody>
+          <a:bodyPr/>
+          <a:lstStyle/>
+          <a:p>
+            <a:fld id="{1A618A8B-0752-40D5-9454-79BB13FA29FA}" type="slidenum">
+              <a:rPr lang="pt-BR" smtClean="0"/>
+              <a:t>26</a:t>
+            </a:fld>
+            <a:endParaRPr lang="pt-BR"/>
+          </a:p>
+        </p:txBody>
+      </p:sp>
+    </p:spTree>
+    <p:extLst>
+      <p:ext uri="{BB962C8B-B14F-4D97-AF65-F5344CB8AC3E}">
+        <p14:creationId xmlns:p14="http://schemas.microsoft.com/office/powerpoint/2010/main" val="1460220967"/>
+      </p:ext>
+    </p:extLst>
+  </p:cSld>
+  <p:clrMapOvr>
+    <a:masterClrMapping/>
+  </p:clrMapOvr>
+</p:notes>
+</file>
+
 <file path=ppt/notesSlides/notesSlide2.xml><?xml version="1.0" encoding="utf-8"?>
 <p:notes xmlns:a="http://schemas.openxmlformats.org/drawingml/2006/main" xmlns:r="http://schemas.openxmlformats.org/officeDocument/2006/relationships" xmlns:p="http://schemas.openxmlformats.org/presentationml/2006/main">
   <p:cSld>
@@ -644,6 +1416,594 @@
     <p:extLst>
       <p:ext uri="{BB962C8B-B14F-4D97-AF65-F5344CB8AC3E}">
         <p14:creationId xmlns:p14="http://schemas.microsoft.com/office/powerpoint/2010/main" val="1503402084"/>
+      </p:ext>
+    </p:extLst>
+  </p:cSld>
+  <p:clrMapOvr>
+    <a:masterClrMapping/>
+  </p:clrMapOvr>
+</p:notes>
+</file>
+
+<file path=ppt/notesSlides/notesSlide3.xml><?xml version="1.0" encoding="utf-8"?>
+<p:notes xmlns:a="http://schemas.openxmlformats.org/drawingml/2006/main" xmlns:r="http://schemas.openxmlformats.org/officeDocument/2006/relationships" xmlns:p="http://schemas.openxmlformats.org/presentationml/2006/main">
+  <p:cSld>
+    <p:spTree>
+      <p:nvGrpSpPr>
+        <p:cNvPr id="1" name=""/>
+        <p:cNvGrpSpPr/>
+        <p:nvPr/>
+      </p:nvGrpSpPr>
+      <p:grpSpPr>
+        <a:xfrm>
+          <a:off x="0" y="0"/>
+          <a:ext cx="0" cy="0"/>
+          <a:chOff x="0" y="0"/>
+          <a:chExt cx="0" cy="0"/>
+        </a:xfrm>
+      </p:grpSpPr>
+      <p:sp>
+        <p:nvSpPr>
+          <p:cNvPr id="2" name="Espaço Reservado para Imagem de Slide 1"/>
+          <p:cNvSpPr>
+            <a:spLocks noGrp="1" noRot="1" noChangeAspect="1"/>
+          </p:cNvSpPr>
+          <p:nvPr>
+            <p:ph type="sldImg"/>
+          </p:nvPr>
+        </p:nvSpPr>
+        <p:spPr/>
+      </p:sp>
+      <p:sp>
+        <p:nvSpPr>
+          <p:cNvPr id="3" name="Espaço Reservado para Anotações 2"/>
+          <p:cNvSpPr>
+            <a:spLocks noGrp="1"/>
+          </p:cNvSpPr>
+          <p:nvPr>
+            <p:ph type="body" idx="1"/>
+          </p:nvPr>
+        </p:nvSpPr>
+        <p:spPr/>
+        <p:txBody>
+          <a:bodyPr/>
+          <a:lstStyle/>
+          <a:p>
+            <a:endParaRPr lang="pt-BR" dirty="0"/>
+          </a:p>
+        </p:txBody>
+      </p:sp>
+      <p:sp>
+        <p:nvSpPr>
+          <p:cNvPr id="4" name="Espaço Reservado para Número de Slide 3"/>
+          <p:cNvSpPr>
+            <a:spLocks noGrp="1"/>
+          </p:cNvSpPr>
+          <p:nvPr>
+            <p:ph type="sldNum" sz="quarter" idx="10"/>
+          </p:nvPr>
+        </p:nvSpPr>
+        <p:spPr/>
+        <p:txBody>
+          <a:bodyPr/>
+          <a:lstStyle/>
+          <a:p>
+            <a:fld id="{1A618A8B-0752-40D5-9454-79BB13FA29FA}" type="slidenum">
+              <a:rPr lang="pt-BR" smtClean="0"/>
+              <a:t>11</a:t>
+            </a:fld>
+            <a:endParaRPr lang="pt-BR"/>
+          </a:p>
+        </p:txBody>
+      </p:sp>
+    </p:spTree>
+    <p:extLst>
+      <p:ext uri="{BB962C8B-B14F-4D97-AF65-F5344CB8AC3E}">
+        <p14:creationId xmlns:p14="http://schemas.microsoft.com/office/powerpoint/2010/main" val="1195516631"/>
+      </p:ext>
+    </p:extLst>
+  </p:cSld>
+  <p:clrMapOvr>
+    <a:masterClrMapping/>
+  </p:clrMapOvr>
+</p:notes>
+</file>
+
+<file path=ppt/notesSlides/notesSlide4.xml><?xml version="1.0" encoding="utf-8"?>
+<p:notes xmlns:a="http://schemas.openxmlformats.org/drawingml/2006/main" xmlns:r="http://schemas.openxmlformats.org/officeDocument/2006/relationships" xmlns:p="http://schemas.openxmlformats.org/presentationml/2006/main">
+  <p:cSld>
+    <p:spTree>
+      <p:nvGrpSpPr>
+        <p:cNvPr id="1" name=""/>
+        <p:cNvGrpSpPr/>
+        <p:nvPr/>
+      </p:nvGrpSpPr>
+      <p:grpSpPr>
+        <a:xfrm>
+          <a:off x="0" y="0"/>
+          <a:ext cx="0" cy="0"/>
+          <a:chOff x="0" y="0"/>
+          <a:chExt cx="0" cy="0"/>
+        </a:xfrm>
+      </p:grpSpPr>
+      <p:sp>
+        <p:nvSpPr>
+          <p:cNvPr id="2" name="Espaço Reservado para Imagem de Slide 1"/>
+          <p:cNvSpPr>
+            <a:spLocks noGrp="1" noRot="1" noChangeAspect="1"/>
+          </p:cNvSpPr>
+          <p:nvPr>
+            <p:ph type="sldImg"/>
+          </p:nvPr>
+        </p:nvSpPr>
+        <p:spPr/>
+      </p:sp>
+      <p:sp>
+        <p:nvSpPr>
+          <p:cNvPr id="3" name="Espaço Reservado para Anotações 2"/>
+          <p:cNvSpPr>
+            <a:spLocks noGrp="1"/>
+          </p:cNvSpPr>
+          <p:nvPr>
+            <p:ph type="body" idx="1"/>
+          </p:nvPr>
+        </p:nvSpPr>
+        <p:spPr/>
+        <p:txBody>
+          <a:bodyPr/>
+          <a:lstStyle/>
+          <a:p>
+            <a:endParaRPr lang="pt-BR" dirty="0"/>
+          </a:p>
+        </p:txBody>
+      </p:sp>
+      <p:sp>
+        <p:nvSpPr>
+          <p:cNvPr id="4" name="Espaço Reservado para Número de Slide 3"/>
+          <p:cNvSpPr>
+            <a:spLocks noGrp="1"/>
+          </p:cNvSpPr>
+          <p:nvPr>
+            <p:ph type="sldNum" sz="quarter" idx="10"/>
+          </p:nvPr>
+        </p:nvSpPr>
+        <p:spPr/>
+        <p:txBody>
+          <a:bodyPr/>
+          <a:lstStyle/>
+          <a:p>
+            <a:fld id="{1A618A8B-0752-40D5-9454-79BB13FA29FA}" type="slidenum">
+              <a:rPr lang="pt-BR" smtClean="0"/>
+              <a:t>12</a:t>
+            </a:fld>
+            <a:endParaRPr lang="pt-BR"/>
+          </a:p>
+        </p:txBody>
+      </p:sp>
+    </p:spTree>
+    <p:extLst>
+      <p:ext uri="{BB962C8B-B14F-4D97-AF65-F5344CB8AC3E}">
+        <p14:creationId xmlns:p14="http://schemas.microsoft.com/office/powerpoint/2010/main" val="497101789"/>
+      </p:ext>
+    </p:extLst>
+  </p:cSld>
+  <p:clrMapOvr>
+    <a:masterClrMapping/>
+  </p:clrMapOvr>
+</p:notes>
+</file>
+
+<file path=ppt/notesSlides/notesSlide5.xml><?xml version="1.0" encoding="utf-8"?>
+<p:notes xmlns:a="http://schemas.openxmlformats.org/drawingml/2006/main" xmlns:r="http://schemas.openxmlformats.org/officeDocument/2006/relationships" xmlns:p="http://schemas.openxmlformats.org/presentationml/2006/main">
+  <p:cSld>
+    <p:spTree>
+      <p:nvGrpSpPr>
+        <p:cNvPr id="1" name=""/>
+        <p:cNvGrpSpPr/>
+        <p:nvPr/>
+      </p:nvGrpSpPr>
+      <p:grpSpPr>
+        <a:xfrm>
+          <a:off x="0" y="0"/>
+          <a:ext cx="0" cy="0"/>
+          <a:chOff x="0" y="0"/>
+          <a:chExt cx="0" cy="0"/>
+        </a:xfrm>
+      </p:grpSpPr>
+      <p:sp>
+        <p:nvSpPr>
+          <p:cNvPr id="2" name="Espaço Reservado para Imagem de Slide 1"/>
+          <p:cNvSpPr>
+            <a:spLocks noGrp="1" noRot="1" noChangeAspect="1"/>
+          </p:cNvSpPr>
+          <p:nvPr>
+            <p:ph type="sldImg"/>
+          </p:nvPr>
+        </p:nvSpPr>
+        <p:spPr/>
+      </p:sp>
+      <p:sp>
+        <p:nvSpPr>
+          <p:cNvPr id="3" name="Espaço Reservado para Anotações 2"/>
+          <p:cNvSpPr>
+            <a:spLocks noGrp="1"/>
+          </p:cNvSpPr>
+          <p:nvPr>
+            <p:ph type="body" idx="1"/>
+          </p:nvPr>
+        </p:nvSpPr>
+        <p:spPr/>
+        <p:txBody>
+          <a:bodyPr/>
+          <a:lstStyle/>
+          <a:p>
+            <a:endParaRPr lang="pt-BR" dirty="0"/>
+          </a:p>
+        </p:txBody>
+      </p:sp>
+      <p:sp>
+        <p:nvSpPr>
+          <p:cNvPr id="4" name="Espaço Reservado para Número de Slide 3"/>
+          <p:cNvSpPr>
+            <a:spLocks noGrp="1"/>
+          </p:cNvSpPr>
+          <p:nvPr>
+            <p:ph type="sldNum" sz="quarter" idx="10"/>
+          </p:nvPr>
+        </p:nvSpPr>
+        <p:spPr/>
+        <p:txBody>
+          <a:bodyPr/>
+          <a:lstStyle/>
+          <a:p>
+            <a:fld id="{1A618A8B-0752-40D5-9454-79BB13FA29FA}" type="slidenum">
+              <a:rPr lang="pt-BR" smtClean="0"/>
+              <a:t>13</a:t>
+            </a:fld>
+            <a:endParaRPr lang="pt-BR"/>
+          </a:p>
+        </p:txBody>
+      </p:sp>
+    </p:spTree>
+    <p:extLst>
+      <p:ext uri="{BB962C8B-B14F-4D97-AF65-F5344CB8AC3E}">
+        <p14:creationId xmlns:p14="http://schemas.microsoft.com/office/powerpoint/2010/main" val="2366148113"/>
+      </p:ext>
+    </p:extLst>
+  </p:cSld>
+  <p:clrMapOvr>
+    <a:masterClrMapping/>
+  </p:clrMapOvr>
+</p:notes>
+</file>
+
+<file path=ppt/notesSlides/notesSlide6.xml><?xml version="1.0" encoding="utf-8"?>
+<p:notes xmlns:a="http://schemas.openxmlformats.org/drawingml/2006/main" xmlns:r="http://schemas.openxmlformats.org/officeDocument/2006/relationships" xmlns:p="http://schemas.openxmlformats.org/presentationml/2006/main">
+  <p:cSld>
+    <p:spTree>
+      <p:nvGrpSpPr>
+        <p:cNvPr id="1" name=""/>
+        <p:cNvGrpSpPr/>
+        <p:nvPr/>
+      </p:nvGrpSpPr>
+      <p:grpSpPr>
+        <a:xfrm>
+          <a:off x="0" y="0"/>
+          <a:ext cx="0" cy="0"/>
+          <a:chOff x="0" y="0"/>
+          <a:chExt cx="0" cy="0"/>
+        </a:xfrm>
+      </p:grpSpPr>
+      <p:sp>
+        <p:nvSpPr>
+          <p:cNvPr id="2" name="Espaço Reservado para Imagem de Slide 1"/>
+          <p:cNvSpPr>
+            <a:spLocks noGrp="1" noRot="1" noChangeAspect="1"/>
+          </p:cNvSpPr>
+          <p:nvPr>
+            <p:ph type="sldImg"/>
+          </p:nvPr>
+        </p:nvSpPr>
+        <p:spPr/>
+      </p:sp>
+      <p:sp>
+        <p:nvSpPr>
+          <p:cNvPr id="3" name="Espaço Reservado para Anotações 2"/>
+          <p:cNvSpPr>
+            <a:spLocks noGrp="1"/>
+          </p:cNvSpPr>
+          <p:nvPr>
+            <p:ph type="body" idx="1"/>
+          </p:nvPr>
+        </p:nvSpPr>
+        <p:spPr/>
+        <p:txBody>
+          <a:bodyPr/>
+          <a:lstStyle/>
+          <a:p>
+            <a:endParaRPr lang="pt-BR" dirty="0"/>
+          </a:p>
+        </p:txBody>
+      </p:sp>
+      <p:sp>
+        <p:nvSpPr>
+          <p:cNvPr id="4" name="Espaço Reservado para Número de Slide 3"/>
+          <p:cNvSpPr>
+            <a:spLocks noGrp="1"/>
+          </p:cNvSpPr>
+          <p:nvPr>
+            <p:ph type="sldNum" sz="quarter" idx="10"/>
+          </p:nvPr>
+        </p:nvSpPr>
+        <p:spPr/>
+        <p:txBody>
+          <a:bodyPr/>
+          <a:lstStyle/>
+          <a:p>
+            <a:fld id="{1A618A8B-0752-40D5-9454-79BB13FA29FA}" type="slidenum">
+              <a:rPr lang="pt-BR" smtClean="0"/>
+              <a:t>14</a:t>
+            </a:fld>
+            <a:endParaRPr lang="pt-BR"/>
+          </a:p>
+        </p:txBody>
+      </p:sp>
+    </p:spTree>
+    <p:extLst>
+      <p:ext uri="{BB962C8B-B14F-4D97-AF65-F5344CB8AC3E}">
+        <p14:creationId xmlns:p14="http://schemas.microsoft.com/office/powerpoint/2010/main" val="1267129821"/>
+      </p:ext>
+    </p:extLst>
+  </p:cSld>
+  <p:clrMapOvr>
+    <a:masterClrMapping/>
+  </p:clrMapOvr>
+</p:notes>
+</file>
+
+<file path=ppt/notesSlides/notesSlide7.xml><?xml version="1.0" encoding="utf-8"?>
+<p:notes xmlns:a="http://schemas.openxmlformats.org/drawingml/2006/main" xmlns:r="http://schemas.openxmlformats.org/officeDocument/2006/relationships" xmlns:p="http://schemas.openxmlformats.org/presentationml/2006/main">
+  <p:cSld>
+    <p:spTree>
+      <p:nvGrpSpPr>
+        <p:cNvPr id="1" name=""/>
+        <p:cNvGrpSpPr/>
+        <p:nvPr/>
+      </p:nvGrpSpPr>
+      <p:grpSpPr>
+        <a:xfrm>
+          <a:off x="0" y="0"/>
+          <a:ext cx="0" cy="0"/>
+          <a:chOff x="0" y="0"/>
+          <a:chExt cx="0" cy="0"/>
+        </a:xfrm>
+      </p:grpSpPr>
+      <p:sp>
+        <p:nvSpPr>
+          <p:cNvPr id="2" name="Espaço Reservado para Imagem de Slide 1"/>
+          <p:cNvSpPr>
+            <a:spLocks noGrp="1" noRot="1" noChangeAspect="1"/>
+          </p:cNvSpPr>
+          <p:nvPr>
+            <p:ph type="sldImg"/>
+          </p:nvPr>
+        </p:nvSpPr>
+        <p:spPr/>
+      </p:sp>
+      <p:sp>
+        <p:nvSpPr>
+          <p:cNvPr id="3" name="Espaço Reservado para Anotações 2"/>
+          <p:cNvSpPr>
+            <a:spLocks noGrp="1"/>
+          </p:cNvSpPr>
+          <p:nvPr>
+            <p:ph type="body" idx="1"/>
+          </p:nvPr>
+        </p:nvSpPr>
+        <p:spPr/>
+        <p:txBody>
+          <a:bodyPr/>
+          <a:lstStyle/>
+          <a:p>
+            <a:endParaRPr lang="pt-BR" dirty="0"/>
+          </a:p>
+        </p:txBody>
+      </p:sp>
+      <p:sp>
+        <p:nvSpPr>
+          <p:cNvPr id="4" name="Espaço Reservado para Número de Slide 3"/>
+          <p:cNvSpPr>
+            <a:spLocks noGrp="1"/>
+          </p:cNvSpPr>
+          <p:nvPr>
+            <p:ph type="sldNum" sz="quarter" idx="10"/>
+          </p:nvPr>
+        </p:nvSpPr>
+        <p:spPr/>
+        <p:txBody>
+          <a:bodyPr/>
+          <a:lstStyle/>
+          <a:p>
+            <a:fld id="{1A618A8B-0752-40D5-9454-79BB13FA29FA}" type="slidenum">
+              <a:rPr lang="pt-BR" smtClean="0"/>
+              <a:t>15</a:t>
+            </a:fld>
+            <a:endParaRPr lang="pt-BR"/>
+          </a:p>
+        </p:txBody>
+      </p:sp>
+    </p:spTree>
+    <p:extLst>
+      <p:ext uri="{BB962C8B-B14F-4D97-AF65-F5344CB8AC3E}">
+        <p14:creationId xmlns:p14="http://schemas.microsoft.com/office/powerpoint/2010/main" val="2607924494"/>
+      </p:ext>
+    </p:extLst>
+  </p:cSld>
+  <p:clrMapOvr>
+    <a:masterClrMapping/>
+  </p:clrMapOvr>
+</p:notes>
+</file>
+
+<file path=ppt/notesSlides/notesSlide8.xml><?xml version="1.0" encoding="utf-8"?>
+<p:notes xmlns:a="http://schemas.openxmlformats.org/drawingml/2006/main" xmlns:r="http://schemas.openxmlformats.org/officeDocument/2006/relationships" xmlns:p="http://schemas.openxmlformats.org/presentationml/2006/main">
+  <p:cSld>
+    <p:spTree>
+      <p:nvGrpSpPr>
+        <p:cNvPr id="1" name=""/>
+        <p:cNvGrpSpPr/>
+        <p:nvPr/>
+      </p:nvGrpSpPr>
+      <p:grpSpPr>
+        <a:xfrm>
+          <a:off x="0" y="0"/>
+          <a:ext cx="0" cy="0"/>
+          <a:chOff x="0" y="0"/>
+          <a:chExt cx="0" cy="0"/>
+        </a:xfrm>
+      </p:grpSpPr>
+      <p:sp>
+        <p:nvSpPr>
+          <p:cNvPr id="2" name="Espaço Reservado para Imagem de Slide 1"/>
+          <p:cNvSpPr>
+            <a:spLocks noGrp="1" noRot="1" noChangeAspect="1"/>
+          </p:cNvSpPr>
+          <p:nvPr>
+            <p:ph type="sldImg"/>
+          </p:nvPr>
+        </p:nvSpPr>
+        <p:spPr/>
+      </p:sp>
+      <p:sp>
+        <p:nvSpPr>
+          <p:cNvPr id="3" name="Espaço Reservado para Anotações 2"/>
+          <p:cNvSpPr>
+            <a:spLocks noGrp="1"/>
+          </p:cNvSpPr>
+          <p:nvPr>
+            <p:ph type="body" idx="1"/>
+          </p:nvPr>
+        </p:nvSpPr>
+        <p:spPr/>
+        <p:txBody>
+          <a:bodyPr/>
+          <a:lstStyle/>
+          <a:p>
+            <a:endParaRPr lang="pt-BR" dirty="0"/>
+          </a:p>
+        </p:txBody>
+      </p:sp>
+      <p:sp>
+        <p:nvSpPr>
+          <p:cNvPr id="4" name="Espaço Reservado para Número de Slide 3"/>
+          <p:cNvSpPr>
+            <a:spLocks noGrp="1"/>
+          </p:cNvSpPr>
+          <p:nvPr>
+            <p:ph type="sldNum" sz="quarter" idx="10"/>
+          </p:nvPr>
+        </p:nvSpPr>
+        <p:spPr/>
+        <p:txBody>
+          <a:bodyPr/>
+          <a:lstStyle/>
+          <a:p>
+            <a:fld id="{1A618A8B-0752-40D5-9454-79BB13FA29FA}" type="slidenum">
+              <a:rPr lang="pt-BR" smtClean="0"/>
+              <a:t>16</a:t>
+            </a:fld>
+            <a:endParaRPr lang="pt-BR"/>
+          </a:p>
+        </p:txBody>
+      </p:sp>
+    </p:spTree>
+    <p:extLst>
+      <p:ext uri="{BB962C8B-B14F-4D97-AF65-F5344CB8AC3E}">
+        <p14:creationId xmlns:p14="http://schemas.microsoft.com/office/powerpoint/2010/main" val="3717476772"/>
+      </p:ext>
+    </p:extLst>
+  </p:cSld>
+  <p:clrMapOvr>
+    <a:masterClrMapping/>
+  </p:clrMapOvr>
+</p:notes>
+</file>
+
+<file path=ppt/notesSlides/notesSlide9.xml><?xml version="1.0" encoding="utf-8"?>
+<p:notes xmlns:a="http://schemas.openxmlformats.org/drawingml/2006/main" xmlns:r="http://schemas.openxmlformats.org/officeDocument/2006/relationships" xmlns:p="http://schemas.openxmlformats.org/presentationml/2006/main">
+  <p:cSld>
+    <p:spTree>
+      <p:nvGrpSpPr>
+        <p:cNvPr id="1" name=""/>
+        <p:cNvGrpSpPr/>
+        <p:nvPr/>
+      </p:nvGrpSpPr>
+      <p:grpSpPr>
+        <a:xfrm>
+          <a:off x="0" y="0"/>
+          <a:ext cx="0" cy="0"/>
+          <a:chOff x="0" y="0"/>
+          <a:chExt cx="0" cy="0"/>
+        </a:xfrm>
+      </p:grpSpPr>
+      <p:sp>
+        <p:nvSpPr>
+          <p:cNvPr id="2" name="Espaço Reservado para Imagem de Slide 1"/>
+          <p:cNvSpPr>
+            <a:spLocks noGrp="1" noRot="1" noChangeAspect="1"/>
+          </p:cNvSpPr>
+          <p:nvPr>
+            <p:ph type="sldImg"/>
+          </p:nvPr>
+        </p:nvSpPr>
+        <p:spPr/>
+      </p:sp>
+      <p:sp>
+        <p:nvSpPr>
+          <p:cNvPr id="3" name="Espaço Reservado para Anotações 2"/>
+          <p:cNvSpPr>
+            <a:spLocks noGrp="1"/>
+          </p:cNvSpPr>
+          <p:nvPr>
+            <p:ph type="body" idx="1"/>
+          </p:nvPr>
+        </p:nvSpPr>
+        <p:spPr/>
+        <p:txBody>
+          <a:bodyPr/>
+          <a:lstStyle/>
+          <a:p>
+            <a:endParaRPr lang="pt-BR" dirty="0"/>
+          </a:p>
+        </p:txBody>
+      </p:sp>
+      <p:sp>
+        <p:nvSpPr>
+          <p:cNvPr id="4" name="Espaço Reservado para Número de Slide 3"/>
+          <p:cNvSpPr>
+            <a:spLocks noGrp="1"/>
+          </p:cNvSpPr>
+          <p:nvPr>
+            <p:ph type="sldNum" sz="quarter" idx="10"/>
+          </p:nvPr>
+        </p:nvSpPr>
+        <p:spPr/>
+        <p:txBody>
+          <a:bodyPr/>
+          <a:lstStyle/>
+          <a:p>
+            <a:fld id="{1A618A8B-0752-40D5-9454-79BB13FA29FA}" type="slidenum">
+              <a:rPr lang="pt-BR" smtClean="0"/>
+              <a:t>17</a:t>
+            </a:fld>
+            <a:endParaRPr lang="pt-BR"/>
+          </a:p>
+        </p:txBody>
+      </p:sp>
+    </p:spTree>
+    <p:extLst>
+      <p:ext uri="{BB962C8B-B14F-4D97-AF65-F5344CB8AC3E}">
+        <p14:creationId xmlns:p14="http://schemas.microsoft.com/office/powerpoint/2010/main" val="3745824210"/>
       </p:ext>
     </p:extLst>
   </p:cSld>
@@ -3979,6 +5339,32 @@
             </a:br>
             <a:r>
               <a:rPr lang="pt-BR" sz="4000" dirty="0" smtClean="0"/>
+              <a:t>           </a:t>
+            </a:r>
+            <a:r>
+              <a:rPr lang="pt-BR" sz="1800" dirty="0" smtClean="0">
+                <a:hlinkClick r:id="rId2"/>
+              </a:rPr>
+              <a:t>https</a:t>
+            </a:r>
+            <a:r>
+              <a:rPr lang="pt-BR" sz="1800" dirty="0">
+                <a:hlinkClick r:id="rId2"/>
+              </a:rPr>
+              <a:t>://</a:t>
+            </a:r>
+            <a:r>
+              <a:rPr lang="pt-BR" sz="1800" dirty="0" smtClean="0">
+                <a:hlinkClick r:id="rId2"/>
+              </a:rPr>
+              <a:t>github.com/PauloCarvalhoRJ/cursoVTKgeo</a:t>
+            </a:r>
+            <a:r>
+              <a:rPr lang="pt-BR" sz="1800" dirty="0" smtClean="0"/>
+              <a:t> </a:t>
+            </a:r>
+            <a:r>
+              <a:rPr lang="pt-BR" sz="4000" dirty="0" smtClean="0"/>
               <a:t/>
             </a:r>
             <a:br>
@@ -4013,6 +5399,41 @@
           </a:p>
         </p:txBody>
       </p:sp>
+      <p:pic>
+        <p:nvPicPr>
+          <p:cNvPr id="3" name="Imagem 2"/>
+          <p:cNvPicPr>
+            <a:picLocks noChangeAspect="1"/>
+          </p:cNvPicPr>
+          <p:nvPr/>
+        </p:nvPicPr>
+        <p:blipFill>
+          <a:blip r:embed="rId3">
+            <a:clrChange>
+              <a:clrFrom>
+                <a:srgbClr val="FFFFFF"/>
+              </a:clrFrom>
+              <a:clrTo>
+                <a:srgbClr val="FFFFFF">
+                  <a:alpha val="0"/>
+                </a:srgbClr>
+              </a:clrTo>
+            </a:clrChange>
+          </a:blip>
+          <a:stretch>
+            <a:fillRect/>
+          </a:stretch>
+        </p:blipFill>
+        <p:spPr>
+          <a:xfrm>
+            <a:off x="1475656" y="4005064"/>
+            <a:ext cx="1383224" cy="457528"/>
+          </a:xfrm>
+          <a:prstGeom prst="rect">
+            <a:avLst/>
+          </a:prstGeom>
+        </p:spPr>
+      </p:pic>
     </p:spTree>
     <p:extLst>
       <p:ext uri="{BB962C8B-B14F-4D97-AF65-F5344CB8AC3E}">
@@ -4074,7 +5495,7 @@
           <a:p>
             <a:r>
               <a:rPr lang="pt-BR" sz="2400" dirty="0" smtClean="0"/>
-              <a:t>Aplicações C++/</a:t>
+              <a:t>4) Aplicações C++/</a:t>
             </a:r>
             <a:r>
               <a:rPr lang="pt-BR" sz="2400" dirty="0" err="1" smtClean="0"/>
@@ -4085,36 +5506,6 @@
               <a:t> com VTK</a:t>
             </a:r>
             <a:endParaRPr lang="pt-BR" sz="1400" dirty="0"/>
-          </a:p>
-        </p:txBody>
-      </p:sp>
-      <p:sp>
-        <p:nvSpPr>
-          <p:cNvPr id="13" name="CaixaDeTexto 12"/>
-          <p:cNvSpPr txBox="1"/>
-          <p:nvPr/>
-        </p:nvSpPr>
-        <p:spPr>
-          <a:xfrm>
-            <a:off x="3131840" y="908720"/>
-            <a:ext cx="3336683" cy="369332"/>
-          </a:xfrm>
-          <a:prstGeom prst="rect">
-            <a:avLst/>
-          </a:prstGeom>
-          <a:noFill/>
-        </p:spPr>
-        <p:txBody>
-          <a:bodyPr wrap="none" rtlCol="0">
-            <a:spAutoFit/>
-          </a:bodyPr>
-          <a:lstStyle/>
-          <a:p>
-            <a:r>
-              <a:rPr lang="pt-BR" b="1" dirty="0" smtClean="0"/>
-              <a:t>O modelo de visualização do VTK</a:t>
-            </a:r>
-            <a:endParaRPr lang="pt-BR" b="1" dirty="0"/>
           </a:p>
         </p:txBody>
       </p:sp>
@@ -4126,7 +5517,7 @@
         </p:nvSpPr>
         <p:spPr>
           <a:xfrm>
-            <a:off x="611560" y="1340768"/>
+            <a:off x="611560" y="1619508"/>
             <a:ext cx="7848872" cy="369332"/>
           </a:xfrm>
           <a:prstGeom prst="rect">
@@ -4171,7 +5562,7 @@
         </p:blipFill>
         <p:spPr>
           <a:xfrm>
-            <a:off x="1403648" y="3491716"/>
+            <a:off x="1403648" y="3645024"/>
             <a:ext cx="6041529" cy="1441634"/>
           </a:xfrm>
           <a:prstGeom prst="rect">
@@ -4199,7 +5590,7 @@
         </p:nvGrpSpPr>
         <p:grpSpPr>
           <a:xfrm>
-            <a:off x="3478059" y="2051556"/>
+            <a:off x="3478059" y="2204864"/>
             <a:ext cx="3228239" cy="369332"/>
             <a:chOff x="3478059" y="3282015"/>
             <a:chExt cx="3228239" cy="369332"/>
@@ -4310,7 +5701,7 @@
         </p:nvGrpSpPr>
         <p:grpSpPr>
           <a:xfrm>
-            <a:off x="3478059" y="5867980"/>
+            <a:off x="3478059" y="6021288"/>
             <a:ext cx="2254431" cy="369332"/>
             <a:chOff x="3721725" y="5368366"/>
             <a:chExt cx="2254431" cy="369332"/>
@@ -4434,7 +5825,7 @@
         </p:blipFill>
         <p:spPr>
           <a:xfrm flipH="1">
-            <a:off x="5856303" y="4700891"/>
+            <a:off x="5856303" y="4854199"/>
             <a:ext cx="1145628" cy="1145628"/>
           </a:xfrm>
           <a:prstGeom prst="rect">
@@ -4450,7 +5841,7 @@
         </p:nvGrpSpPr>
         <p:grpSpPr>
           <a:xfrm>
-            <a:off x="4779712" y="5147900"/>
+            <a:off x="4779712" y="5301208"/>
             <a:ext cx="656384" cy="492288"/>
             <a:chOff x="971600" y="3865464"/>
             <a:chExt cx="423828" cy="317871"/>
@@ -4550,7 +5941,7 @@
         </p:nvSpPr>
         <p:spPr>
           <a:xfrm>
-            <a:off x="4932040" y="4859868"/>
+            <a:off x="4932040" y="5013176"/>
             <a:ext cx="99842" cy="288032"/>
           </a:xfrm>
           <a:prstGeom prst="downArrow">
@@ -4602,7 +5993,7 @@
         </p:nvSpPr>
         <p:spPr>
           <a:xfrm flipV="1">
-            <a:off x="5207461" y="4859868"/>
+            <a:off x="5207461" y="5013176"/>
             <a:ext cx="99842" cy="288032"/>
           </a:xfrm>
           <a:prstGeom prst="downArrow">
@@ -4673,7 +6064,7 @@
         </p:blipFill>
         <p:spPr>
           <a:xfrm flipH="1">
-            <a:off x="6876256" y="4700891"/>
+            <a:off x="6876256" y="4854199"/>
             <a:ext cx="1605291" cy="978836"/>
           </a:xfrm>
           <a:prstGeom prst="rect">
@@ -4718,7 +6109,7 @@
         </p:blipFill>
         <p:spPr>
           <a:xfrm>
-            <a:off x="2727896" y="5171994"/>
+            <a:off x="2727896" y="5325302"/>
             <a:ext cx="1268040" cy="551970"/>
           </a:xfrm>
           <a:prstGeom prst="rect">
@@ -4734,7 +6125,7 @@
         </p:nvSpPr>
         <p:spPr>
           <a:xfrm>
-            <a:off x="3074817" y="4918599"/>
+            <a:off x="3074817" y="5071907"/>
             <a:ext cx="99842" cy="288032"/>
           </a:xfrm>
           <a:prstGeom prst="downArrow">
@@ -4786,7 +6177,7 @@
         </p:nvSpPr>
         <p:spPr>
           <a:xfrm flipV="1">
-            <a:off x="3350238" y="4918599"/>
+            <a:off x="3350238" y="5071907"/>
             <a:ext cx="99842" cy="288032"/>
           </a:xfrm>
           <a:prstGeom prst="downArrow">
@@ -4838,7 +6229,7 @@
         </p:nvCxnSpPr>
         <p:spPr>
           <a:xfrm>
-            <a:off x="395536" y="4211796"/>
+            <a:off x="395536" y="4365104"/>
             <a:ext cx="8352928" cy="3528"/>
           </a:xfrm>
           <a:prstGeom prst="line">
@@ -4876,7 +6267,7 @@
         </p:nvSpPr>
         <p:spPr>
           <a:xfrm>
-            <a:off x="317187" y="4287019"/>
+            <a:off x="317187" y="4440327"/>
             <a:ext cx="899349" cy="646331"/>
           </a:xfrm>
           <a:prstGeom prst="rect">
@@ -4917,7 +6308,7 @@
         </p:nvSpPr>
         <p:spPr>
           <a:xfrm>
-            <a:off x="312435" y="3654497"/>
+            <a:off x="312435" y="3807805"/>
             <a:ext cx="902811" cy="369332"/>
           </a:xfrm>
           <a:prstGeom prst="rect">
@@ -4950,7 +6341,7 @@
         </p:nvSpPr>
         <p:spPr>
           <a:xfrm rot="2791189">
-            <a:off x="6300192" y="3169357"/>
+            <a:off x="6300192" y="3322665"/>
             <a:ext cx="288032" cy="535952"/>
           </a:xfrm>
           <a:prstGeom prst="downArrow">
@@ -5002,7 +6393,7 @@
         </p:nvSpPr>
         <p:spPr>
           <a:xfrm>
-            <a:off x="6706298" y="2858155"/>
+            <a:off x="6706298" y="3011463"/>
             <a:ext cx="1685398" cy="523220"/>
           </a:xfrm>
           <a:prstGeom prst="rect">
@@ -5037,7 +6428,7 @@
         </p:nvSpPr>
         <p:spPr>
           <a:xfrm rot="16200000">
-            <a:off x="5128780" y="2940367"/>
+            <a:off x="5128780" y="3093675"/>
             <a:ext cx="186955" cy="319901"/>
           </a:xfrm>
           <a:prstGeom prst="downArrow">
@@ -5089,8 +6480,8 @@
         </p:nvSpPr>
         <p:spPr>
           <a:xfrm>
-            <a:off x="4414209" y="2814088"/>
-            <a:ext cx="726481" cy="600164"/>
+            <a:off x="4414209" y="2967396"/>
+            <a:ext cx="811441" cy="600164"/>
           </a:xfrm>
           <a:prstGeom prst="rect">
             <a:avLst/>
@@ -5140,7 +6531,7 @@
                 <a:latin typeface="Courier New" panose="02070309020205020404" pitchFamily="49" charset="0"/>
                 <a:cs typeface="Courier New" panose="02070309020205020404" pitchFamily="49" charset="0"/>
               </a:rPr>
-              <a:t>-0.7]</a:t>
+              <a:t>-0.7 ]</a:t>
             </a:r>
             <a:r>
               <a:rPr lang="pt-BR" sz="1100" b="1" dirty="0" smtClean="0"/>
@@ -5157,7 +6548,7 @@
         </p:nvCxnSpPr>
         <p:spPr>
           <a:xfrm flipV="1">
-            <a:off x="5243465" y="2858155"/>
+            <a:off x="5243465" y="3011463"/>
             <a:ext cx="408655" cy="523220"/>
           </a:xfrm>
           <a:prstGeom prst="line">
@@ -5202,7 +6593,7 @@
         </p:blipFill>
         <p:spPr>
           <a:xfrm>
-            <a:off x="2934140" y="2544356"/>
+            <a:off x="2934140" y="2697664"/>
             <a:ext cx="599097" cy="860053"/>
           </a:xfrm>
           <a:prstGeom prst="rect">
@@ -5218,7 +6609,7 @@
         </p:nvSpPr>
         <p:spPr>
           <a:xfrm rot="16200000">
-            <a:off x="3561221" y="2916240"/>
+            <a:off x="3561221" y="3069548"/>
             <a:ext cx="186955" cy="163692"/>
           </a:xfrm>
           <a:prstGeom prst="downArrow">
@@ -5289,7 +6680,7 @@
         </p:blipFill>
         <p:spPr>
           <a:xfrm>
-            <a:off x="3759672" y="2556348"/>
+            <a:off x="3759672" y="2709656"/>
             <a:ext cx="596304" cy="863360"/>
           </a:xfrm>
           <a:prstGeom prst="rect">
@@ -5329,7 +6720,7 @@
         </p:blipFill>
         <p:spPr>
           <a:xfrm>
-            <a:off x="2210991" y="2708920"/>
+            <a:off x="2210991" y="2862228"/>
             <a:ext cx="587664" cy="587664"/>
           </a:xfrm>
           <a:prstGeom prst="rect">
@@ -5345,7 +6736,7 @@
         </p:nvSpPr>
         <p:spPr>
           <a:xfrm>
-            <a:off x="2456385" y="3220350"/>
+            <a:off x="2456385" y="3373658"/>
             <a:ext cx="99391" cy="446602"/>
           </a:xfrm>
           <a:prstGeom prst="downArrow">
@@ -5397,7 +6788,7 @@
         </p:nvSpPr>
         <p:spPr>
           <a:xfrm>
-            <a:off x="1136716" y="2780928"/>
+            <a:off x="1136716" y="2934236"/>
             <a:ext cx="1039067" cy="307777"/>
           </a:xfrm>
           <a:prstGeom prst="rect">
@@ -5426,7 +6817,7 @@
         </p:nvSpPr>
         <p:spPr>
           <a:xfrm>
-            <a:off x="1804741" y="3091564"/>
+            <a:off x="1804741" y="3244872"/>
             <a:ext cx="114167" cy="562877"/>
           </a:xfrm>
           <a:prstGeom prst="downArrow">
@@ -5470,10 +6861,2084 @@
           </a:p>
         </p:txBody>
       </p:sp>
+      <p:sp>
+        <p:nvSpPr>
+          <p:cNvPr id="43" name="CaixaDeTexto 42"/>
+          <p:cNvSpPr txBox="1"/>
+          <p:nvPr/>
+        </p:nvSpPr>
+        <p:spPr>
+          <a:xfrm>
+            <a:off x="3347864" y="1218238"/>
+            <a:ext cx="3526286" cy="338554"/>
+          </a:xfrm>
+          <a:prstGeom prst="rect">
+            <a:avLst/>
+          </a:prstGeom>
+          <a:noFill/>
+        </p:spPr>
+        <p:txBody>
+          <a:bodyPr wrap="none" rtlCol="0">
+            <a:spAutoFit/>
+          </a:bodyPr>
+          <a:lstStyle/>
+          <a:p>
+            <a:r>
+              <a:rPr lang="pt-BR" sz="1600" b="1" dirty="0" smtClean="0"/>
+              <a:t>4.1.2) O modelo de visualização do VTK</a:t>
+            </a:r>
+            <a:endParaRPr lang="pt-BR" sz="1600" b="1" dirty="0"/>
+          </a:p>
+        </p:txBody>
+      </p:sp>
+      <p:sp>
+        <p:nvSpPr>
+          <p:cNvPr id="44" name="CaixaDeTexto 43"/>
+          <p:cNvSpPr txBox="1"/>
+          <p:nvPr/>
+        </p:nvSpPr>
+        <p:spPr>
+          <a:xfrm>
+            <a:off x="2987824" y="908720"/>
+            <a:ext cx="4154984" cy="369332"/>
+          </a:xfrm>
+          <a:prstGeom prst="rect">
+            <a:avLst/>
+          </a:prstGeom>
+          <a:noFill/>
+        </p:spPr>
+        <p:txBody>
+          <a:bodyPr wrap="none" rtlCol="0">
+            <a:spAutoFit/>
+          </a:bodyPr>
+          <a:lstStyle/>
+          <a:p>
+            <a:r>
+              <a:rPr lang="pt-BR" b="1" dirty="0" smtClean="0"/>
+              <a:t>4.1) Criando um aplicativo VTK elementar</a:t>
+            </a:r>
+            <a:endParaRPr lang="pt-BR" b="1" dirty="0"/>
+          </a:p>
+        </p:txBody>
+      </p:sp>
     </p:spTree>
     <p:extLst>
       <p:ext uri="{BB962C8B-B14F-4D97-AF65-F5344CB8AC3E}">
         <p14:creationId xmlns:p14="http://schemas.microsoft.com/office/powerpoint/2010/main" val="2986245494"/>
+      </p:ext>
+    </p:extLst>
+  </p:cSld>
+  <p:clrMapOvr>
+    <a:masterClrMapping/>
+  </p:clrMapOvr>
+  <p:timing>
+    <p:tnLst>
+      <p:par>
+        <p:cTn id="1" dur="indefinite" restart="never" nodeType="tmRoot"/>
+      </p:par>
+    </p:tnLst>
+  </p:timing>
+</p:sld>
+</file>
+
+<file path=ppt/slides/slide11.xml><?xml version="1.0" encoding="utf-8"?>
+<p:sld xmlns:a="http://schemas.openxmlformats.org/drawingml/2006/main" xmlns:r="http://schemas.openxmlformats.org/officeDocument/2006/relationships" xmlns:p="http://schemas.openxmlformats.org/presentationml/2006/main">
+  <p:cSld>
+    <p:spTree>
+      <p:nvGrpSpPr>
+        <p:cNvPr id="1" name=""/>
+        <p:cNvGrpSpPr/>
+        <p:nvPr/>
+      </p:nvGrpSpPr>
+      <p:grpSpPr>
+        <a:xfrm>
+          <a:off x="0" y="0"/>
+          <a:ext cx="0" cy="0"/>
+          <a:chOff x="0" y="0"/>
+          <a:chExt cx="0" cy="0"/>
+        </a:xfrm>
+      </p:grpSpPr>
+      <p:sp>
+        <p:nvSpPr>
+          <p:cNvPr id="4" name="Título 3"/>
+          <p:cNvSpPr>
+            <a:spLocks noGrp="1"/>
+          </p:cNvSpPr>
+          <p:nvPr>
+            <p:ph type="ctrTitle"/>
+          </p:nvPr>
+        </p:nvSpPr>
+        <p:spPr>
+          <a:xfrm>
+            <a:off x="3275856" y="138754"/>
+            <a:ext cx="4680520" cy="504056"/>
+          </a:xfrm>
+        </p:spPr>
+        <p:txBody>
+          <a:bodyPr>
+            <a:normAutofit/>
+          </a:bodyPr>
+          <a:lstStyle/>
+          <a:p>
+            <a:r>
+              <a:rPr lang="pt-BR" sz="2400" dirty="0" smtClean="0"/>
+              <a:t>4) Aplicações C++/</a:t>
+            </a:r>
+            <a:r>
+              <a:rPr lang="pt-BR" sz="2400" dirty="0" err="1" smtClean="0"/>
+              <a:t>Qt</a:t>
+            </a:r>
+            <a:r>
+              <a:rPr lang="pt-BR" sz="2400" dirty="0" smtClean="0"/>
+              <a:t> com VTK</a:t>
+            </a:r>
+            <a:endParaRPr lang="pt-BR" sz="1400" dirty="0"/>
+          </a:p>
+        </p:txBody>
+      </p:sp>
+      <p:pic>
+        <p:nvPicPr>
+          <p:cNvPr id="3" name="Imagem 2"/>
+          <p:cNvPicPr>
+            <a:picLocks noChangeAspect="1"/>
+          </p:cNvPicPr>
+          <p:nvPr/>
+        </p:nvPicPr>
+        <p:blipFill>
+          <a:blip r:embed="rId3"/>
+          <a:stretch>
+            <a:fillRect/>
+          </a:stretch>
+        </p:blipFill>
+        <p:spPr>
+          <a:xfrm>
+            <a:off x="1403648" y="3212976"/>
+            <a:ext cx="6041529" cy="1441634"/>
+          </a:xfrm>
+          <a:prstGeom prst="rect">
+            <a:avLst/>
+          </a:prstGeom>
+          <a:ln>
+            <a:solidFill>
+              <a:schemeClr val="tx1"/>
+            </a:solidFill>
+          </a:ln>
+          <a:effectLst>
+            <a:outerShdw blurRad="292100" dist="139700" dir="2700000" algn="tl" rotWithShape="0">
+              <a:srgbClr val="333333">
+                <a:alpha val="65000"/>
+              </a:srgbClr>
+            </a:outerShdw>
+          </a:effectLst>
+        </p:spPr>
+      </p:pic>
+      <p:sp>
+        <p:nvSpPr>
+          <p:cNvPr id="2" name="Retângulo 1"/>
+          <p:cNvSpPr/>
+          <p:nvPr/>
+        </p:nvSpPr>
+        <p:spPr>
+          <a:xfrm>
+            <a:off x="2699792" y="4941168"/>
+            <a:ext cx="1366080" cy="307777"/>
+          </a:xfrm>
+          <a:prstGeom prst="rect">
+            <a:avLst/>
+          </a:prstGeom>
+        </p:spPr>
+        <p:txBody>
+          <a:bodyPr wrap="none">
+            <a:spAutoFit/>
+          </a:bodyPr>
+          <a:lstStyle/>
+          <a:p>
+            <a:r>
+              <a:rPr lang="pt-BR" sz="1400" b="1" dirty="0" err="1">
+                <a:solidFill>
+                  <a:srgbClr val="800080"/>
+                </a:solidFill>
+                <a:latin typeface="Courier New" panose="02070309020205020404" pitchFamily="49" charset="0"/>
+                <a:cs typeface="Courier New" panose="02070309020205020404" pitchFamily="49" charset="0"/>
+              </a:rPr>
+              <a:t>vtkRenderer</a:t>
+            </a:r>
+            <a:endParaRPr lang="pt-BR" sz="1400" b="1" dirty="0">
+              <a:latin typeface="Courier New" panose="02070309020205020404" pitchFamily="49" charset="0"/>
+              <a:cs typeface="Courier New" panose="02070309020205020404" pitchFamily="49" charset="0"/>
+            </a:endParaRPr>
+          </a:p>
+        </p:txBody>
+      </p:sp>
+      <p:sp>
+        <p:nvSpPr>
+          <p:cNvPr id="22" name="Retângulo 21"/>
+          <p:cNvSpPr/>
+          <p:nvPr/>
+        </p:nvSpPr>
+        <p:spPr>
+          <a:xfrm>
+            <a:off x="3036285" y="5517232"/>
+            <a:ext cx="3191899" cy="307777"/>
+          </a:xfrm>
+          <a:prstGeom prst="rect">
+            <a:avLst/>
+          </a:prstGeom>
+        </p:spPr>
+        <p:txBody>
+          <a:bodyPr wrap="none">
+            <a:spAutoFit/>
+          </a:bodyPr>
+          <a:lstStyle/>
+          <a:p>
+            <a:r>
+              <a:rPr lang="pt-BR" sz="1400" b="1" dirty="0" err="1">
+                <a:solidFill>
+                  <a:srgbClr val="800080"/>
+                </a:solidFill>
+                <a:latin typeface="Courier New" panose="02070309020205020404" pitchFamily="49" charset="0"/>
+                <a:cs typeface="Courier New" panose="02070309020205020404" pitchFamily="49" charset="0"/>
+              </a:rPr>
+              <a:t>vtkGenericOpenGLRenderWindow</a:t>
+            </a:r>
+            <a:endParaRPr lang="pt-BR" sz="1400" b="1" dirty="0">
+              <a:latin typeface="Courier New" panose="02070309020205020404" pitchFamily="49" charset="0"/>
+              <a:cs typeface="Courier New" panose="02070309020205020404" pitchFamily="49" charset="0"/>
+            </a:endParaRPr>
+          </a:p>
+        </p:txBody>
+      </p:sp>
+      <p:sp>
+        <p:nvSpPr>
+          <p:cNvPr id="31" name="Retângulo 30"/>
+          <p:cNvSpPr/>
+          <p:nvPr/>
+        </p:nvSpPr>
+        <p:spPr>
+          <a:xfrm>
+            <a:off x="6012160" y="4921423"/>
+            <a:ext cx="1688283" cy="307777"/>
+          </a:xfrm>
+          <a:prstGeom prst="rect">
+            <a:avLst/>
+          </a:prstGeom>
+        </p:spPr>
+        <p:txBody>
+          <a:bodyPr wrap="none">
+            <a:spAutoFit/>
+          </a:bodyPr>
+          <a:lstStyle/>
+          <a:p>
+            <a:r>
+              <a:rPr lang="pt-BR" sz="1400" b="1" dirty="0" err="1">
+                <a:solidFill>
+                  <a:srgbClr val="7030A0"/>
+                </a:solidFill>
+                <a:latin typeface="Courier New" panose="02070309020205020404" pitchFamily="49" charset="0"/>
+                <a:cs typeface="Courier New" panose="02070309020205020404" pitchFamily="49" charset="0"/>
+              </a:rPr>
+              <a:t>QVTKInteractor</a:t>
+            </a:r>
+            <a:endParaRPr lang="pt-BR" sz="1400" b="1" dirty="0">
+              <a:solidFill>
+                <a:srgbClr val="7030A0"/>
+              </a:solidFill>
+              <a:latin typeface="Courier New" panose="02070309020205020404" pitchFamily="49" charset="0"/>
+              <a:cs typeface="Courier New" panose="02070309020205020404" pitchFamily="49" charset="0"/>
+            </a:endParaRPr>
+          </a:p>
+        </p:txBody>
+      </p:sp>
+      <p:sp>
+        <p:nvSpPr>
+          <p:cNvPr id="41" name="Retângulo 40"/>
+          <p:cNvSpPr/>
+          <p:nvPr/>
+        </p:nvSpPr>
+        <p:spPr>
+          <a:xfrm>
+            <a:off x="5522226" y="2701546"/>
+            <a:ext cx="1043876" cy="307777"/>
+          </a:xfrm>
+          <a:prstGeom prst="rect">
+            <a:avLst/>
+          </a:prstGeom>
+        </p:spPr>
+        <p:txBody>
+          <a:bodyPr wrap="none">
+            <a:spAutoFit/>
+          </a:bodyPr>
+          <a:lstStyle/>
+          <a:p>
+            <a:r>
+              <a:rPr lang="pt-BR" sz="1400" b="1" dirty="0" err="1" smtClean="0">
+                <a:solidFill>
+                  <a:srgbClr val="800080"/>
+                </a:solidFill>
+                <a:latin typeface="Courier New" panose="02070309020205020404" pitchFamily="49" charset="0"/>
+                <a:cs typeface="Courier New" panose="02070309020205020404" pitchFamily="49" charset="0"/>
+              </a:rPr>
+              <a:t>vtkActor</a:t>
+            </a:r>
+            <a:endParaRPr lang="pt-BR" sz="1400" b="1" dirty="0">
+              <a:latin typeface="Courier New" panose="02070309020205020404" pitchFamily="49" charset="0"/>
+              <a:cs typeface="Courier New" panose="02070309020205020404" pitchFamily="49" charset="0"/>
+            </a:endParaRPr>
+          </a:p>
+        </p:txBody>
+      </p:sp>
+      <p:sp>
+        <p:nvSpPr>
+          <p:cNvPr id="34" name="Retângulo 33"/>
+          <p:cNvSpPr/>
+          <p:nvPr/>
+        </p:nvSpPr>
+        <p:spPr>
+          <a:xfrm>
+            <a:off x="4227559" y="2699628"/>
+            <a:ext cx="1151277" cy="307777"/>
+          </a:xfrm>
+          <a:prstGeom prst="rect">
+            <a:avLst/>
+          </a:prstGeom>
+        </p:spPr>
+        <p:txBody>
+          <a:bodyPr wrap="none">
+            <a:spAutoFit/>
+          </a:bodyPr>
+          <a:lstStyle/>
+          <a:p>
+            <a:r>
+              <a:rPr lang="pt-BR" sz="1400" b="1" dirty="0" err="1" smtClean="0">
+                <a:solidFill>
+                  <a:srgbClr val="7030A0"/>
+                </a:solidFill>
+                <a:latin typeface="Courier New" panose="02070309020205020404" pitchFamily="49" charset="0"/>
+                <a:cs typeface="Courier New" panose="02070309020205020404" pitchFamily="49" charset="0"/>
+              </a:rPr>
+              <a:t>vtkMapper</a:t>
+            </a:r>
+            <a:endParaRPr lang="pt-BR" sz="1400" b="1" dirty="0">
+              <a:solidFill>
+                <a:srgbClr val="7030A0"/>
+              </a:solidFill>
+              <a:latin typeface="Courier New" panose="02070309020205020404" pitchFamily="49" charset="0"/>
+              <a:cs typeface="Courier New" panose="02070309020205020404" pitchFamily="49" charset="0"/>
+            </a:endParaRPr>
+          </a:p>
+        </p:txBody>
+      </p:sp>
+      <p:sp>
+        <p:nvSpPr>
+          <p:cNvPr id="42" name="Retângulo 41"/>
+          <p:cNvSpPr/>
+          <p:nvPr/>
+        </p:nvSpPr>
+        <p:spPr>
+          <a:xfrm>
+            <a:off x="2964628" y="2698351"/>
+            <a:ext cx="1258678" cy="307777"/>
+          </a:xfrm>
+          <a:prstGeom prst="rect">
+            <a:avLst/>
+          </a:prstGeom>
+        </p:spPr>
+        <p:txBody>
+          <a:bodyPr wrap="none">
+            <a:spAutoFit/>
+          </a:bodyPr>
+          <a:lstStyle/>
+          <a:p>
+            <a:r>
+              <a:rPr lang="pt-BR" sz="1400" b="1" dirty="0" err="1" smtClean="0">
+                <a:solidFill>
+                  <a:srgbClr val="800080"/>
+                </a:solidFill>
+                <a:latin typeface="Courier New" panose="02070309020205020404" pitchFamily="49" charset="0"/>
+                <a:cs typeface="Courier New" panose="02070309020205020404" pitchFamily="49" charset="0"/>
+              </a:rPr>
+              <a:t>vtk</a:t>
+            </a:r>
+            <a:r>
+              <a:rPr lang="pt-BR" sz="1400" b="1" dirty="0" smtClean="0">
+                <a:solidFill>
+                  <a:srgbClr val="800080"/>
+                </a:solidFill>
+                <a:latin typeface="Courier New" panose="02070309020205020404" pitchFamily="49" charset="0"/>
+                <a:cs typeface="Courier New" panose="02070309020205020404" pitchFamily="49" charset="0"/>
+              </a:rPr>
+              <a:t>*</a:t>
+            </a:r>
+            <a:r>
+              <a:rPr lang="pt-BR" sz="1400" b="1" dirty="0" err="1" smtClean="0">
+                <a:solidFill>
+                  <a:srgbClr val="800080"/>
+                </a:solidFill>
+                <a:latin typeface="Courier New" panose="02070309020205020404" pitchFamily="49" charset="0"/>
+                <a:cs typeface="Courier New" panose="02070309020205020404" pitchFamily="49" charset="0"/>
+              </a:rPr>
+              <a:t>Filter</a:t>
+            </a:r>
+            <a:endParaRPr lang="pt-BR" sz="1400" b="1" dirty="0">
+              <a:latin typeface="Courier New" panose="02070309020205020404" pitchFamily="49" charset="0"/>
+              <a:cs typeface="Courier New" panose="02070309020205020404" pitchFamily="49" charset="0"/>
+            </a:endParaRPr>
+          </a:p>
+        </p:txBody>
+      </p:sp>
+      <p:sp>
+        <p:nvSpPr>
+          <p:cNvPr id="43" name="Retângulo 42"/>
+          <p:cNvSpPr/>
+          <p:nvPr/>
+        </p:nvSpPr>
+        <p:spPr>
+          <a:xfrm>
+            <a:off x="695003" y="2659034"/>
+            <a:ext cx="1258678" cy="307777"/>
+          </a:xfrm>
+          <a:prstGeom prst="rect">
+            <a:avLst/>
+          </a:prstGeom>
+        </p:spPr>
+        <p:txBody>
+          <a:bodyPr wrap="none">
+            <a:spAutoFit/>
+          </a:bodyPr>
+          <a:lstStyle/>
+          <a:p>
+            <a:r>
+              <a:rPr lang="pt-BR" sz="1400" b="1" dirty="0" err="1" smtClean="0">
+                <a:solidFill>
+                  <a:srgbClr val="800080"/>
+                </a:solidFill>
+                <a:latin typeface="Courier New" panose="02070309020205020404" pitchFamily="49" charset="0"/>
+                <a:cs typeface="Courier New" panose="02070309020205020404" pitchFamily="49" charset="0"/>
+              </a:rPr>
+              <a:t>vtk</a:t>
+            </a:r>
+            <a:r>
+              <a:rPr lang="pt-BR" sz="1400" b="1" dirty="0" smtClean="0">
+                <a:solidFill>
+                  <a:srgbClr val="800080"/>
+                </a:solidFill>
+                <a:latin typeface="Courier New" panose="02070309020205020404" pitchFamily="49" charset="0"/>
+                <a:cs typeface="Courier New" panose="02070309020205020404" pitchFamily="49" charset="0"/>
+              </a:rPr>
+              <a:t>*</a:t>
+            </a:r>
+            <a:r>
+              <a:rPr lang="pt-BR" sz="1400" b="1" dirty="0" err="1" smtClean="0">
+                <a:solidFill>
+                  <a:srgbClr val="800080"/>
+                </a:solidFill>
+                <a:latin typeface="Courier New" panose="02070309020205020404" pitchFamily="49" charset="0"/>
+                <a:cs typeface="Courier New" panose="02070309020205020404" pitchFamily="49" charset="0"/>
+              </a:rPr>
+              <a:t>Source</a:t>
+            </a:r>
+            <a:endParaRPr lang="pt-BR" sz="1400" b="1" dirty="0">
+              <a:latin typeface="Courier New" panose="02070309020205020404" pitchFamily="49" charset="0"/>
+              <a:cs typeface="Courier New" panose="02070309020205020404" pitchFamily="49" charset="0"/>
+            </a:endParaRPr>
+          </a:p>
+        </p:txBody>
+      </p:sp>
+      <p:sp>
+        <p:nvSpPr>
+          <p:cNvPr id="44" name="Retângulo 43"/>
+          <p:cNvSpPr/>
+          <p:nvPr/>
+        </p:nvSpPr>
+        <p:spPr>
+          <a:xfrm>
+            <a:off x="1560384" y="2267580"/>
+            <a:ext cx="1580882" cy="307777"/>
+          </a:xfrm>
+          <a:prstGeom prst="rect">
+            <a:avLst/>
+          </a:prstGeom>
+        </p:spPr>
+        <p:txBody>
+          <a:bodyPr wrap="none">
+            <a:spAutoFit/>
+          </a:bodyPr>
+          <a:lstStyle/>
+          <a:p>
+            <a:r>
+              <a:rPr lang="pt-BR" sz="1400" b="1" dirty="0" err="1" smtClean="0">
+                <a:solidFill>
+                  <a:srgbClr val="800080"/>
+                </a:solidFill>
+                <a:latin typeface="Courier New" panose="02070309020205020404" pitchFamily="49" charset="0"/>
+                <a:cs typeface="Courier New" panose="02070309020205020404" pitchFamily="49" charset="0"/>
+              </a:rPr>
+              <a:t>vtkDataReader</a:t>
+            </a:r>
+            <a:endParaRPr lang="pt-BR" sz="1400" b="1" dirty="0">
+              <a:latin typeface="Courier New" panose="02070309020205020404" pitchFamily="49" charset="0"/>
+              <a:cs typeface="Courier New" panose="02070309020205020404" pitchFamily="49" charset="0"/>
+            </a:endParaRPr>
+          </a:p>
+        </p:txBody>
+      </p:sp>
+      <p:sp>
+        <p:nvSpPr>
+          <p:cNvPr id="45" name="Seta para baixo 44"/>
+          <p:cNvSpPr/>
+          <p:nvPr/>
+        </p:nvSpPr>
+        <p:spPr>
+          <a:xfrm>
+            <a:off x="2412835" y="2514229"/>
+            <a:ext cx="142941" cy="914771"/>
+          </a:xfrm>
+          <a:prstGeom prst="downArrow">
+            <a:avLst/>
+          </a:prstGeom>
+          <a:pattFill prst="pct25">
+            <a:fgClr>
+              <a:schemeClr val="dk1"/>
+            </a:fgClr>
+            <a:bgClr>
+              <a:schemeClr val="bg1"/>
+            </a:bgClr>
+          </a:pattFill>
+        </p:spPr>
+        <p:style>
+          <a:lnRef idx="2">
+            <a:schemeClr val="dk1">
+              <a:shade val="50000"/>
+            </a:schemeClr>
+          </a:lnRef>
+          <a:fillRef idx="1">
+            <a:schemeClr val="dk1"/>
+          </a:fillRef>
+          <a:effectRef idx="0">
+            <a:schemeClr val="dk1"/>
+          </a:effectRef>
+          <a:fontRef idx="minor">
+            <a:schemeClr val="lt1"/>
+          </a:fontRef>
+        </p:style>
+        <p:txBody>
+          <a:bodyPr rtlCol="0" anchor="ctr"/>
+          <a:lstStyle/>
+          <a:p>
+            <a:pPr algn="ctr"/>
+            <a:endParaRPr lang="pt-BR" dirty="0" smtClean="0">
+              <a:solidFill>
+                <a:schemeClr val="tx1"/>
+              </a:solidFill>
+            </a:endParaRPr>
+          </a:p>
+        </p:txBody>
+      </p:sp>
+      <p:sp>
+        <p:nvSpPr>
+          <p:cNvPr id="46" name="Seta para baixo 45"/>
+          <p:cNvSpPr/>
+          <p:nvPr/>
+        </p:nvSpPr>
+        <p:spPr>
+          <a:xfrm rot="19000592">
+            <a:off x="1597881" y="2874575"/>
+            <a:ext cx="118219" cy="605470"/>
+          </a:xfrm>
+          <a:prstGeom prst="downArrow">
+            <a:avLst/>
+          </a:prstGeom>
+          <a:pattFill prst="pct25">
+            <a:fgClr>
+              <a:schemeClr val="dk1"/>
+            </a:fgClr>
+            <a:bgClr>
+              <a:schemeClr val="bg1"/>
+            </a:bgClr>
+          </a:pattFill>
+        </p:spPr>
+        <p:style>
+          <a:lnRef idx="2">
+            <a:schemeClr val="dk1">
+              <a:shade val="50000"/>
+            </a:schemeClr>
+          </a:lnRef>
+          <a:fillRef idx="1">
+            <a:schemeClr val="dk1"/>
+          </a:fillRef>
+          <a:effectRef idx="0">
+            <a:schemeClr val="dk1"/>
+          </a:effectRef>
+          <a:fontRef idx="minor">
+            <a:schemeClr val="lt1"/>
+          </a:fontRef>
+        </p:style>
+        <p:txBody>
+          <a:bodyPr rtlCol="0" anchor="ctr"/>
+          <a:lstStyle/>
+          <a:p>
+            <a:pPr algn="ctr"/>
+            <a:endParaRPr lang="pt-BR" dirty="0" smtClean="0">
+              <a:solidFill>
+                <a:schemeClr val="tx1"/>
+              </a:solidFill>
+            </a:endParaRPr>
+          </a:p>
+        </p:txBody>
+      </p:sp>
+      <p:sp>
+        <p:nvSpPr>
+          <p:cNvPr id="47" name="Seta para baixo 46"/>
+          <p:cNvSpPr/>
+          <p:nvPr/>
+        </p:nvSpPr>
+        <p:spPr>
+          <a:xfrm>
+            <a:off x="3593967" y="2935612"/>
+            <a:ext cx="113937" cy="349374"/>
+          </a:xfrm>
+          <a:prstGeom prst="downArrow">
+            <a:avLst/>
+          </a:prstGeom>
+          <a:pattFill prst="pct25">
+            <a:fgClr>
+              <a:schemeClr val="dk1"/>
+            </a:fgClr>
+            <a:bgClr>
+              <a:schemeClr val="bg1"/>
+            </a:bgClr>
+          </a:pattFill>
+        </p:spPr>
+        <p:style>
+          <a:lnRef idx="2">
+            <a:schemeClr val="dk1">
+              <a:shade val="50000"/>
+            </a:schemeClr>
+          </a:lnRef>
+          <a:fillRef idx="1">
+            <a:schemeClr val="dk1"/>
+          </a:fillRef>
+          <a:effectRef idx="0">
+            <a:schemeClr val="dk1"/>
+          </a:effectRef>
+          <a:fontRef idx="minor">
+            <a:schemeClr val="lt1"/>
+          </a:fontRef>
+        </p:style>
+        <p:txBody>
+          <a:bodyPr rtlCol="0" anchor="ctr"/>
+          <a:lstStyle/>
+          <a:p>
+            <a:pPr algn="ctr"/>
+            <a:endParaRPr lang="pt-BR" dirty="0" smtClean="0">
+              <a:solidFill>
+                <a:schemeClr val="tx1"/>
+              </a:solidFill>
+            </a:endParaRPr>
+          </a:p>
+        </p:txBody>
+      </p:sp>
+      <p:sp>
+        <p:nvSpPr>
+          <p:cNvPr id="48" name="Seta para baixo 47"/>
+          <p:cNvSpPr/>
+          <p:nvPr/>
+        </p:nvSpPr>
+        <p:spPr>
+          <a:xfrm>
+            <a:off x="4746095" y="2935610"/>
+            <a:ext cx="113937" cy="349374"/>
+          </a:xfrm>
+          <a:prstGeom prst="downArrow">
+            <a:avLst/>
+          </a:prstGeom>
+          <a:pattFill prst="pct25">
+            <a:fgClr>
+              <a:schemeClr val="dk1"/>
+            </a:fgClr>
+            <a:bgClr>
+              <a:schemeClr val="bg1"/>
+            </a:bgClr>
+          </a:pattFill>
+        </p:spPr>
+        <p:style>
+          <a:lnRef idx="2">
+            <a:schemeClr val="dk1">
+              <a:shade val="50000"/>
+            </a:schemeClr>
+          </a:lnRef>
+          <a:fillRef idx="1">
+            <a:schemeClr val="dk1"/>
+          </a:fillRef>
+          <a:effectRef idx="0">
+            <a:schemeClr val="dk1"/>
+          </a:effectRef>
+          <a:fontRef idx="minor">
+            <a:schemeClr val="lt1"/>
+          </a:fontRef>
+        </p:style>
+        <p:txBody>
+          <a:bodyPr rtlCol="0" anchor="ctr"/>
+          <a:lstStyle/>
+          <a:p>
+            <a:pPr algn="ctr"/>
+            <a:endParaRPr lang="pt-BR" dirty="0" smtClean="0">
+              <a:solidFill>
+                <a:schemeClr val="tx1"/>
+              </a:solidFill>
+            </a:endParaRPr>
+          </a:p>
+        </p:txBody>
+      </p:sp>
+      <p:sp>
+        <p:nvSpPr>
+          <p:cNvPr id="49" name="Seta para baixo 48"/>
+          <p:cNvSpPr/>
+          <p:nvPr/>
+        </p:nvSpPr>
+        <p:spPr>
+          <a:xfrm>
+            <a:off x="5970231" y="2924944"/>
+            <a:ext cx="113937" cy="349374"/>
+          </a:xfrm>
+          <a:prstGeom prst="downArrow">
+            <a:avLst/>
+          </a:prstGeom>
+          <a:pattFill prst="pct25">
+            <a:fgClr>
+              <a:schemeClr val="dk1"/>
+            </a:fgClr>
+            <a:bgClr>
+              <a:schemeClr val="bg1"/>
+            </a:bgClr>
+          </a:pattFill>
+        </p:spPr>
+        <p:style>
+          <a:lnRef idx="2">
+            <a:schemeClr val="dk1">
+              <a:shade val="50000"/>
+            </a:schemeClr>
+          </a:lnRef>
+          <a:fillRef idx="1">
+            <a:schemeClr val="dk1"/>
+          </a:fillRef>
+          <a:effectRef idx="0">
+            <a:schemeClr val="dk1"/>
+          </a:effectRef>
+          <a:fontRef idx="minor">
+            <a:schemeClr val="lt1"/>
+          </a:fontRef>
+        </p:style>
+        <p:txBody>
+          <a:bodyPr rtlCol="0" anchor="ctr"/>
+          <a:lstStyle/>
+          <a:p>
+            <a:pPr algn="ctr"/>
+            <a:endParaRPr lang="pt-BR" dirty="0" smtClean="0">
+              <a:solidFill>
+                <a:schemeClr val="tx1"/>
+              </a:solidFill>
+            </a:endParaRPr>
+          </a:p>
+        </p:txBody>
+      </p:sp>
+      <p:sp>
+        <p:nvSpPr>
+          <p:cNvPr id="50" name="Seta para baixo 49"/>
+          <p:cNvSpPr/>
+          <p:nvPr/>
+        </p:nvSpPr>
+        <p:spPr>
+          <a:xfrm flipV="1">
+            <a:off x="3360361" y="4581128"/>
+            <a:ext cx="119022" cy="359924"/>
+          </a:xfrm>
+          <a:prstGeom prst="downArrow">
+            <a:avLst/>
+          </a:prstGeom>
+          <a:pattFill prst="pct25">
+            <a:fgClr>
+              <a:schemeClr val="dk1"/>
+            </a:fgClr>
+            <a:bgClr>
+              <a:schemeClr val="bg1"/>
+            </a:bgClr>
+          </a:pattFill>
+        </p:spPr>
+        <p:style>
+          <a:lnRef idx="2">
+            <a:schemeClr val="dk1">
+              <a:shade val="50000"/>
+            </a:schemeClr>
+          </a:lnRef>
+          <a:fillRef idx="1">
+            <a:schemeClr val="dk1"/>
+          </a:fillRef>
+          <a:effectRef idx="0">
+            <a:schemeClr val="dk1"/>
+          </a:effectRef>
+          <a:fontRef idx="minor">
+            <a:schemeClr val="lt1"/>
+          </a:fontRef>
+        </p:style>
+        <p:txBody>
+          <a:bodyPr rtlCol="0" anchor="ctr"/>
+          <a:lstStyle/>
+          <a:p>
+            <a:pPr algn="ctr"/>
+            <a:endParaRPr lang="pt-BR" dirty="0" smtClean="0">
+              <a:solidFill>
+                <a:schemeClr val="tx1"/>
+              </a:solidFill>
+            </a:endParaRPr>
+          </a:p>
+        </p:txBody>
+      </p:sp>
+      <p:sp>
+        <p:nvSpPr>
+          <p:cNvPr id="51" name="Seta para baixo 50"/>
+          <p:cNvSpPr/>
+          <p:nvPr/>
+        </p:nvSpPr>
+        <p:spPr>
+          <a:xfrm flipV="1">
+            <a:off x="6757234" y="4581244"/>
+            <a:ext cx="119022" cy="359924"/>
+          </a:xfrm>
+          <a:prstGeom prst="downArrow">
+            <a:avLst/>
+          </a:prstGeom>
+          <a:pattFill prst="pct25">
+            <a:fgClr>
+              <a:schemeClr val="dk1"/>
+            </a:fgClr>
+            <a:bgClr>
+              <a:schemeClr val="bg1"/>
+            </a:bgClr>
+          </a:pattFill>
+        </p:spPr>
+        <p:style>
+          <a:lnRef idx="2">
+            <a:schemeClr val="dk1">
+              <a:shade val="50000"/>
+            </a:schemeClr>
+          </a:lnRef>
+          <a:fillRef idx="1">
+            <a:schemeClr val="dk1"/>
+          </a:fillRef>
+          <a:effectRef idx="0">
+            <a:schemeClr val="dk1"/>
+          </a:effectRef>
+          <a:fontRef idx="minor">
+            <a:schemeClr val="lt1"/>
+          </a:fontRef>
+        </p:style>
+        <p:txBody>
+          <a:bodyPr rtlCol="0" anchor="ctr"/>
+          <a:lstStyle/>
+          <a:p>
+            <a:pPr algn="ctr"/>
+            <a:endParaRPr lang="pt-BR" dirty="0" smtClean="0">
+              <a:solidFill>
+                <a:schemeClr val="tx1"/>
+              </a:solidFill>
+            </a:endParaRPr>
+          </a:p>
+        </p:txBody>
+      </p:sp>
+      <p:sp>
+        <p:nvSpPr>
+          <p:cNvPr id="52" name="Seta para baixo 51"/>
+          <p:cNvSpPr/>
+          <p:nvPr/>
+        </p:nvSpPr>
+        <p:spPr>
+          <a:xfrm flipV="1">
+            <a:off x="5101050" y="4581127"/>
+            <a:ext cx="119022" cy="996443"/>
+          </a:xfrm>
+          <a:prstGeom prst="downArrow">
+            <a:avLst/>
+          </a:prstGeom>
+          <a:pattFill prst="pct25">
+            <a:fgClr>
+              <a:schemeClr val="dk1"/>
+            </a:fgClr>
+            <a:bgClr>
+              <a:schemeClr val="bg1"/>
+            </a:bgClr>
+          </a:pattFill>
+        </p:spPr>
+        <p:style>
+          <a:lnRef idx="2">
+            <a:schemeClr val="dk1">
+              <a:shade val="50000"/>
+            </a:schemeClr>
+          </a:lnRef>
+          <a:fillRef idx="1">
+            <a:schemeClr val="dk1"/>
+          </a:fillRef>
+          <a:effectRef idx="0">
+            <a:schemeClr val="dk1"/>
+          </a:effectRef>
+          <a:fontRef idx="minor">
+            <a:schemeClr val="lt1"/>
+          </a:fontRef>
+        </p:style>
+        <p:txBody>
+          <a:bodyPr rtlCol="0" anchor="ctr"/>
+          <a:lstStyle/>
+          <a:p>
+            <a:pPr algn="ctr"/>
+            <a:endParaRPr lang="pt-BR" dirty="0" smtClean="0">
+              <a:solidFill>
+                <a:schemeClr val="tx1"/>
+              </a:solidFill>
+            </a:endParaRPr>
+          </a:p>
+        </p:txBody>
+      </p:sp>
+      <p:sp>
+        <p:nvSpPr>
+          <p:cNvPr id="53" name="Retângulo 52"/>
+          <p:cNvSpPr/>
+          <p:nvPr/>
+        </p:nvSpPr>
+        <p:spPr>
+          <a:xfrm>
+            <a:off x="6127895" y="1912415"/>
+            <a:ext cx="1258678" cy="307777"/>
+          </a:xfrm>
+          <a:prstGeom prst="rect">
+            <a:avLst/>
+          </a:prstGeom>
+          <a:ln>
+            <a:solidFill>
+              <a:schemeClr val="tx1"/>
+            </a:solidFill>
+          </a:ln>
+        </p:spPr>
+        <p:txBody>
+          <a:bodyPr wrap="none">
+            <a:spAutoFit/>
+          </a:bodyPr>
+          <a:lstStyle/>
+          <a:p>
+            <a:r>
+              <a:rPr lang="pt-BR" sz="1400" b="1" dirty="0" err="1" smtClean="0">
+                <a:solidFill>
+                  <a:srgbClr val="800080"/>
+                </a:solidFill>
+                <a:latin typeface="Courier New" panose="02070309020205020404" pitchFamily="49" charset="0"/>
+                <a:cs typeface="Courier New" panose="02070309020205020404" pitchFamily="49" charset="0"/>
+              </a:rPr>
+              <a:t>vtkDataSet</a:t>
+            </a:r>
+            <a:endParaRPr lang="pt-BR" sz="1400" b="1" dirty="0">
+              <a:latin typeface="Courier New" panose="02070309020205020404" pitchFamily="49" charset="0"/>
+              <a:cs typeface="Courier New" panose="02070309020205020404" pitchFamily="49" charset="0"/>
+            </a:endParaRPr>
+          </a:p>
+        </p:txBody>
+      </p:sp>
+      <p:sp>
+        <p:nvSpPr>
+          <p:cNvPr id="54" name="CaixaDeTexto 53"/>
+          <p:cNvSpPr txBox="1"/>
+          <p:nvPr/>
+        </p:nvSpPr>
+        <p:spPr>
+          <a:xfrm>
+            <a:off x="2267744" y="1218238"/>
+            <a:ext cx="5415650" cy="338554"/>
+          </a:xfrm>
+          <a:prstGeom prst="rect">
+            <a:avLst/>
+          </a:prstGeom>
+          <a:noFill/>
+        </p:spPr>
+        <p:txBody>
+          <a:bodyPr wrap="none" rtlCol="0">
+            <a:spAutoFit/>
+          </a:bodyPr>
+          <a:lstStyle/>
+          <a:p>
+            <a:r>
+              <a:rPr lang="pt-BR" sz="1600" b="1" dirty="0" smtClean="0"/>
+              <a:t>4.1.2) Modelo de visualização: principais classes e hierarquias</a:t>
+            </a:r>
+            <a:endParaRPr lang="pt-BR" sz="1600" b="1" dirty="0"/>
+          </a:p>
+        </p:txBody>
+      </p:sp>
+      <p:sp>
+        <p:nvSpPr>
+          <p:cNvPr id="55" name="CaixaDeTexto 54"/>
+          <p:cNvSpPr txBox="1"/>
+          <p:nvPr/>
+        </p:nvSpPr>
+        <p:spPr>
+          <a:xfrm>
+            <a:off x="2987824" y="908720"/>
+            <a:ext cx="4154984" cy="369332"/>
+          </a:xfrm>
+          <a:prstGeom prst="rect">
+            <a:avLst/>
+          </a:prstGeom>
+          <a:noFill/>
+        </p:spPr>
+        <p:txBody>
+          <a:bodyPr wrap="none" rtlCol="0">
+            <a:spAutoFit/>
+          </a:bodyPr>
+          <a:lstStyle/>
+          <a:p>
+            <a:r>
+              <a:rPr lang="pt-BR" b="1" dirty="0" smtClean="0"/>
+              <a:t>4.1) Criando um aplicativo VTK elementar</a:t>
+            </a:r>
+            <a:endParaRPr lang="pt-BR" b="1" dirty="0"/>
+          </a:p>
+        </p:txBody>
+      </p:sp>
+    </p:spTree>
+    <p:extLst>
+      <p:ext uri="{BB962C8B-B14F-4D97-AF65-F5344CB8AC3E}">
+        <p14:creationId xmlns:p14="http://schemas.microsoft.com/office/powerpoint/2010/main" val="1643701177"/>
+      </p:ext>
+    </p:extLst>
+  </p:cSld>
+  <p:clrMapOvr>
+    <a:masterClrMapping/>
+  </p:clrMapOvr>
+  <p:timing>
+    <p:tnLst>
+      <p:par>
+        <p:cTn id="1" dur="indefinite" restart="never" nodeType="tmRoot"/>
+      </p:par>
+    </p:tnLst>
+  </p:timing>
+</p:sld>
+</file>
+
+<file path=ppt/slides/slide12.xml><?xml version="1.0" encoding="utf-8"?>
+<p:sld xmlns:a="http://schemas.openxmlformats.org/drawingml/2006/main" xmlns:r="http://schemas.openxmlformats.org/officeDocument/2006/relationships" xmlns:p="http://schemas.openxmlformats.org/presentationml/2006/main">
+  <p:cSld>
+    <p:spTree>
+      <p:nvGrpSpPr>
+        <p:cNvPr id="1" name=""/>
+        <p:cNvGrpSpPr/>
+        <p:nvPr/>
+      </p:nvGrpSpPr>
+      <p:grpSpPr>
+        <a:xfrm>
+          <a:off x="0" y="0"/>
+          <a:ext cx="0" cy="0"/>
+          <a:chOff x="0" y="0"/>
+          <a:chExt cx="0" cy="0"/>
+        </a:xfrm>
+      </p:grpSpPr>
+      <p:sp>
+        <p:nvSpPr>
+          <p:cNvPr id="4" name="Título 3"/>
+          <p:cNvSpPr>
+            <a:spLocks noGrp="1"/>
+          </p:cNvSpPr>
+          <p:nvPr>
+            <p:ph type="ctrTitle"/>
+          </p:nvPr>
+        </p:nvSpPr>
+        <p:spPr>
+          <a:xfrm>
+            <a:off x="3275856" y="138754"/>
+            <a:ext cx="4680520" cy="504056"/>
+          </a:xfrm>
+        </p:spPr>
+        <p:txBody>
+          <a:bodyPr>
+            <a:normAutofit/>
+          </a:bodyPr>
+          <a:lstStyle/>
+          <a:p>
+            <a:r>
+              <a:rPr lang="pt-BR" sz="2400" dirty="0" smtClean="0"/>
+              <a:t>4) Aplicações C++/</a:t>
+            </a:r>
+            <a:r>
+              <a:rPr lang="pt-BR" sz="2400" dirty="0" err="1" smtClean="0"/>
+              <a:t>Qt</a:t>
+            </a:r>
+            <a:r>
+              <a:rPr lang="pt-BR" sz="2400" dirty="0" smtClean="0"/>
+              <a:t> com VTK</a:t>
+            </a:r>
+            <a:endParaRPr lang="pt-BR" sz="1400" dirty="0"/>
+          </a:p>
+        </p:txBody>
+      </p:sp>
+      <p:sp>
+        <p:nvSpPr>
+          <p:cNvPr id="54" name="CaixaDeTexto 53"/>
+          <p:cNvSpPr txBox="1"/>
+          <p:nvPr/>
+        </p:nvSpPr>
+        <p:spPr>
+          <a:xfrm>
+            <a:off x="4067944" y="1218238"/>
+            <a:ext cx="1608133" cy="338554"/>
+          </a:xfrm>
+          <a:prstGeom prst="rect">
+            <a:avLst/>
+          </a:prstGeom>
+          <a:noFill/>
+        </p:spPr>
+        <p:txBody>
+          <a:bodyPr wrap="none" rtlCol="0">
+            <a:spAutoFit/>
+          </a:bodyPr>
+          <a:lstStyle/>
+          <a:p>
+            <a:r>
+              <a:rPr lang="pt-BR" sz="1600" b="1" dirty="0" smtClean="0"/>
+              <a:t>4.1.3) </a:t>
+            </a:r>
+            <a:r>
+              <a:rPr lang="pt-BR" sz="1600" b="1" dirty="0" err="1" smtClean="0"/>
+              <a:t>Hello</a:t>
+            </a:r>
+            <a:r>
+              <a:rPr lang="pt-BR" sz="1600" b="1" dirty="0" smtClean="0"/>
+              <a:t> VTK!</a:t>
+            </a:r>
+            <a:endParaRPr lang="pt-BR" sz="1600" b="1" dirty="0"/>
+          </a:p>
+        </p:txBody>
+      </p:sp>
+      <p:sp>
+        <p:nvSpPr>
+          <p:cNvPr id="55" name="CaixaDeTexto 54"/>
+          <p:cNvSpPr txBox="1"/>
+          <p:nvPr/>
+        </p:nvSpPr>
+        <p:spPr>
+          <a:xfrm>
+            <a:off x="2987824" y="908720"/>
+            <a:ext cx="4154984" cy="369332"/>
+          </a:xfrm>
+          <a:prstGeom prst="rect">
+            <a:avLst/>
+          </a:prstGeom>
+          <a:noFill/>
+        </p:spPr>
+        <p:txBody>
+          <a:bodyPr wrap="none" rtlCol="0">
+            <a:spAutoFit/>
+          </a:bodyPr>
+          <a:lstStyle/>
+          <a:p>
+            <a:r>
+              <a:rPr lang="pt-BR" b="1" dirty="0" smtClean="0"/>
+              <a:t>4.1) Criando um aplicativo VTK elementar</a:t>
+            </a:r>
+            <a:endParaRPr lang="pt-BR" b="1" dirty="0"/>
+          </a:p>
+        </p:txBody>
+      </p:sp>
+    </p:spTree>
+    <p:extLst>
+      <p:ext uri="{BB962C8B-B14F-4D97-AF65-F5344CB8AC3E}">
+        <p14:creationId xmlns:p14="http://schemas.microsoft.com/office/powerpoint/2010/main" val="3067780939"/>
+      </p:ext>
+    </p:extLst>
+  </p:cSld>
+  <p:clrMapOvr>
+    <a:masterClrMapping/>
+  </p:clrMapOvr>
+  <p:timing>
+    <p:tnLst>
+      <p:par>
+        <p:cTn id="1" dur="indefinite" restart="never" nodeType="tmRoot"/>
+      </p:par>
+    </p:tnLst>
+  </p:timing>
+</p:sld>
+</file>
+
+<file path=ppt/slides/slide13.xml><?xml version="1.0" encoding="utf-8"?>
+<p:sld xmlns:a="http://schemas.openxmlformats.org/drawingml/2006/main" xmlns:r="http://schemas.openxmlformats.org/officeDocument/2006/relationships" xmlns:p="http://schemas.openxmlformats.org/presentationml/2006/main">
+  <p:cSld>
+    <p:spTree>
+      <p:nvGrpSpPr>
+        <p:cNvPr id="1" name=""/>
+        <p:cNvGrpSpPr/>
+        <p:nvPr/>
+      </p:nvGrpSpPr>
+      <p:grpSpPr>
+        <a:xfrm>
+          <a:off x="0" y="0"/>
+          <a:ext cx="0" cy="0"/>
+          <a:chOff x="0" y="0"/>
+          <a:chExt cx="0" cy="0"/>
+        </a:xfrm>
+      </p:grpSpPr>
+      <p:sp>
+        <p:nvSpPr>
+          <p:cNvPr id="4" name="Título 3"/>
+          <p:cNvSpPr>
+            <a:spLocks noGrp="1"/>
+          </p:cNvSpPr>
+          <p:nvPr>
+            <p:ph type="ctrTitle"/>
+          </p:nvPr>
+        </p:nvSpPr>
+        <p:spPr>
+          <a:xfrm>
+            <a:off x="3275856" y="138754"/>
+            <a:ext cx="4680520" cy="504056"/>
+          </a:xfrm>
+        </p:spPr>
+        <p:txBody>
+          <a:bodyPr>
+            <a:normAutofit/>
+          </a:bodyPr>
+          <a:lstStyle/>
+          <a:p>
+            <a:r>
+              <a:rPr lang="pt-BR" sz="2400" dirty="0" smtClean="0"/>
+              <a:t>4) Aplicações C++/</a:t>
+            </a:r>
+            <a:r>
+              <a:rPr lang="pt-BR" sz="2400" dirty="0" err="1" smtClean="0"/>
+              <a:t>Qt</a:t>
+            </a:r>
+            <a:r>
+              <a:rPr lang="pt-BR" sz="2400" dirty="0" smtClean="0"/>
+              <a:t> com VTK</a:t>
+            </a:r>
+            <a:endParaRPr lang="pt-BR" sz="1400" dirty="0"/>
+          </a:p>
+        </p:txBody>
+      </p:sp>
+      <p:sp>
+        <p:nvSpPr>
+          <p:cNvPr id="55" name="CaixaDeTexto 54"/>
+          <p:cNvSpPr txBox="1"/>
+          <p:nvPr/>
+        </p:nvSpPr>
+        <p:spPr>
+          <a:xfrm>
+            <a:off x="3257104" y="908720"/>
+            <a:ext cx="2323008" cy="369332"/>
+          </a:xfrm>
+          <a:prstGeom prst="rect">
+            <a:avLst/>
+          </a:prstGeom>
+          <a:noFill/>
+        </p:spPr>
+        <p:txBody>
+          <a:bodyPr wrap="none" rtlCol="0">
+            <a:spAutoFit/>
+          </a:bodyPr>
+          <a:lstStyle/>
+          <a:p>
+            <a:r>
+              <a:rPr lang="pt-BR" b="1" dirty="0" smtClean="0"/>
+              <a:t>4.2) Nuvens de pontos</a:t>
+            </a:r>
+            <a:endParaRPr lang="pt-BR" b="1" dirty="0"/>
+          </a:p>
+        </p:txBody>
+      </p:sp>
+    </p:spTree>
+    <p:extLst>
+      <p:ext uri="{BB962C8B-B14F-4D97-AF65-F5344CB8AC3E}">
+        <p14:creationId xmlns:p14="http://schemas.microsoft.com/office/powerpoint/2010/main" val="3232042557"/>
+      </p:ext>
+    </p:extLst>
+  </p:cSld>
+  <p:clrMapOvr>
+    <a:masterClrMapping/>
+  </p:clrMapOvr>
+  <p:timing>
+    <p:tnLst>
+      <p:par>
+        <p:cTn id="1" dur="indefinite" restart="never" nodeType="tmRoot"/>
+      </p:par>
+    </p:tnLst>
+  </p:timing>
+</p:sld>
+</file>
+
+<file path=ppt/slides/slide14.xml><?xml version="1.0" encoding="utf-8"?>
+<p:sld xmlns:a="http://schemas.openxmlformats.org/drawingml/2006/main" xmlns:r="http://schemas.openxmlformats.org/officeDocument/2006/relationships" xmlns:p="http://schemas.openxmlformats.org/presentationml/2006/main">
+  <p:cSld>
+    <p:spTree>
+      <p:nvGrpSpPr>
+        <p:cNvPr id="1" name=""/>
+        <p:cNvGrpSpPr/>
+        <p:nvPr/>
+      </p:nvGrpSpPr>
+      <p:grpSpPr>
+        <a:xfrm>
+          <a:off x="0" y="0"/>
+          <a:ext cx="0" cy="0"/>
+          <a:chOff x="0" y="0"/>
+          <a:chExt cx="0" cy="0"/>
+        </a:xfrm>
+      </p:grpSpPr>
+      <p:sp>
+        <p:nvSpPr>
+          <p:cNvPr id="4" name="Título 3"/>
+          <p:cNvSpPr>
+            <a:spLocks noGrp="1"/>
+          </p:cNvSpPr>
+          <p:nvPr>
+            <p:ph type="ctrTitle"/>
+          </p:nvPr>
+        </p:nvSpPr>
+        <p:spPr>
+          <a:xfrm>
+            <a:off x="3275856" y="138754"/>
+            <a:ext cx="4680520" cy="504056"/>
+          </a:xfrm>
+        </p:spPr>
+        <p:txBody>
+          <a:bodyPr>
+            <a:normAutofit/>
+          </a:bodyPr>
+          <a:lstStyle/>
+          <a:p>
+            <a:r>
+              <a:rPr lang="pt-BR" sz="2400" dirty="0" smtClean="0"/>
+              <a:t>4) Aplicações C++/</a:t>
+            </a:r>
+            <a:r>
+              <a:rPr lang="pt-BR" sz="2400" dirty="0" err="1" smtClean="0"/>
+              <a:t>Qt</a:t>
+            </a:r>
+            <a:r>
+              <a:rPr lang="pt-BR" sz="2400" dirty="0" smtClean="0"/>
+              <a:t> com VTK</a:t>
+            </a:r>
+            <a:endParaRPr lang="pt-BR" sz="1400" dirty="0"/>
+          </a:p>
+        </p:txBody>
+      </p:sp>
+      <p:sp>
+        <p:nvSpPr>
+          <p:cNvPr id="54" name="CaixaDeTexto 53"/>
+          <p:cNvSpPr txBox="1"/>
+          <p:nvPr/>
+        </p:nvSpPr>
+        <p:spPr>
+          <a:xfrm>
+            <a:off x="2763644" y="1218238"/>
+            <a:ext cx="3320524" cy="338554"/>
+          </a:xfrm>
+          <a:prstGeom prst="rect">
+            <a:avLst/>
+          </a:prstGeom>
+          <a:noFill/>
+        </p:spPr>
+        <p:txBody>
+          <a:bodyPr wrap="none" rtlCol="0">
+            <a:spAutoFit/>
+          </a:bodyPr>
+          <a:lstStyle/>
+          <a:p>
+            <a:r>
+              <a:rPr lang="pt-BR" sz="1600" b="1" dirty="0" smtClean="0"/>
+              <a:t>4.2.1) Associando valores aos pontos</a:t>
+            </a:r>
+            <a:endParaRPr lang="pt-BR" sz="1600" b="1" dirty="0"/>
+          </a:p>
+        </p:txBody>
+      </p:sp>
+      <p:sp>
+        <p:nvSpPr>
+          <p:cNvPr id="5" name="CaixaDeTexto 4"/>
+          <p:cNvSpPr txBox="1"/>
+          <p:nvPr/>
+        </p:nvSpPr>
+        <p:spPr>
+          <a:xfrm>
+            <a:off x="3257104" y="908720"/>
+            <a:ext cx="2323008" cy="369332"/>
+          </a:xfrm>
+          <a:prstGeom prst="rect">
+            <a:avLst/>
+          </a:prstGeom>
+          <a:noFill/>
+        </p:spPr>
+        <p:txBody>
+          <a:bodyPr wrap="none" rtlCol="0">
+            <a:spAutoFit/>
+          </a:bodyPr>
+          <a:lstStyle/>
+          <a:p>
+            <a:r>
+              <a:rPr lang="pt-BR" b="1" dirty="0" smtClean="0"/>
+              <a:t>4.2) Nuvens de pontos</a:t>
+            </a:r>
+            <a:endParaRPr lang="pt-BR" b="1" dirty="0"/>
+          </a:p>
+        </p:txBody>
+      </p:sp>
+    </p:spTree>
+    <p:extLst>
+      <p:ext uri="{BB962C8B-B14F-4D97-AF65-F5344CB8AC3E}">
+        <p14:creationId xmlns:p14="http://schemas.microsoft.com/office/powerpoint/2010/main" val="311133971"/>
+      </p:ext>
+    </p:extLst>
+  </p:cSld>
+  <p:clrMapOvr>
+    <a:masterClrMapping/>
+  </p:clrMapOvr>
+  <p:timing>
+    <p:tnLst>
+      <p:par>
+        <p:cTn id="1" dur="indefinite" restart="never" nodeType="tmRoot"/>
+      </p:par>
+    </p:tnLst>
+  </p:timing>
+</p:sld>
+</file>
+
+<file path=ppt/slides/slide15.xml><?xml version="1.0" encoding="utf-8"?>
+<p:sld xmlns:a="http://schemas.openxmlformats.org/drawingml/2006/main" xmlns:r="http://schemas.openxmlformats.org/officeDocument/2006/relationships" xmlns:p="http://schemas.openxmlformats.org/presentationml/2006/main">
+  <p:cSld>
+    <p:spTree>
+      <p:nvGrpSpPr>
+        <p:cNvPr id="1" name=""/>
+        <p:cNvGrpSpPr/>
+        <p:nvPr/>
+      </p:nvGrpSpPr>
+      <p:grpSpPr>
+        <a:xfrm>
+          <a:off x="0" y="0"/>
+          <a:ext cx="0" cy="0"/>
+          <a:chOff x="0" y="0"/>
+          <a:chExt cx="0" cy="0"/>
+        </a:xfrm>
+      </p:grpSpPr>
+      <p:sp>
+        <p:nvSpPr>
+          <p:cNvPr id="4" name="Título 3"/>
+          <p:cNvSpPr>
+            <a:spLocks noGrp="1"/>
+          </p:cNvSpPr>
+          <p:nvPr>
+            <p:ph type="ctrTitle"/>
+          </p:nvPr>
+        </p:nvSpPr>
+        <p:spPr>
+          <a:xfrm>
+            <a:off x="3275856" y="138754"/>
+            <a:ext cx="4680520" cy="504056"/>
+          </a:xfrm>
+        </p:spPr>
+        <p:txBody>
+          <a:bodyPr>
+            <a:normAutofit/>
+          </a:bodyPr>
+          <a:lstStyle/>
+          <a:p>
+            <a:r>
+              <a:rPr lang="pt-BR" sz="2400" dirty="0" smtClean="0"/>
+              <a:t>4) Aplicações C++/</a:t>
+            </a:r>
+            <a:r>
+              <a:rPr lang="pt-BR" sz="2400" dirty="0" err="1" smtClean="0"/>
+              <a:t>Qt</a:t>
+            </a:r>
+            <a:r>
+              <a:rPr lang="pt-BR" sz="2400" dirty="0" smtClean="0"/>
+              <a:t> com VTK</a:t>
+            </a:r>
+            <a:endParaRPr lang="pt-BR" sz="1400" dirty="0"/>
+          </a:p>
+        </p:txBody>
+      </p:sp>
+      <p:sp>
+        <p:nvSpPr>
+          <p:cNvPr id="54" name="CaixaDeTexto 53"/>
+          <p:cNvSpPr txBox="1"/>
+          <p:nvPr/>
+        </p:nvSpPr>
+        <p:spPr>
+          <a:xfrm>
+            <a:off x="2411760" y="1218238"/>
+            <a:ext cx="4341317" cy="338554"/>
+          </a:xfrm>
+          <a:prstGeom prst="rect">
+            <a:avLst/>
+          </a:prstGeom>
+          <a:noFill/>
+        </p:spPr>
+        <p:txBody>
+          <a:bodyPr wrap="none" rtlCol="0">
+            <a:spAutoFit/>
+          </a:bodyPr>
+          <a:lstStyle/>
+          <a:p>
+            <a:r>
+              <a:rPr lang="pt-BR" sz="1600" b="1" dirty="0" smtClean="0"/>
+              <a:t>4.2.2) Variáveis categóricas: a </a:t>
+            </a:r>
+            <a:r>
+              <a:rPr lang="pt-BR" sz="1600" b="1" dirty="0" err="1" smtClean="0"/>
+              <a:t>Lookup</a:t>
+            </a:r>
+            <a:r>
+              <a:rPr lang="pt-BR" sz="1600" b="1" dirty="0" smtClean="0"/>
+              <a:t> </a:t>
+            </a:r>
+            <a:r>
+              <a:rPr lang="pt-BR" sz="1600" b="1" dirty="0" err="1" smtClean="0"/>
+              <a:t>Table</a:t>
+            </a:r>
+            <a:r>
+              <a:rPr lang="pt-BR" sz="1600" b="1" dirty="0" smtClean="0"/>
+              <a:t> (LUT)</a:t>
+            </a:r>
+            <a:endParaRPr lang="pt-BR" sz="1600" b="1" dirty="0"/>
+          </a:p>
+        </p:txBody>
+      </p:sp>
+      <p:sp>
+        <p:nvSpPr>
+          <p:cNvPr id="5" name="CaixaDeTexto 4"/>
+          <p:cNvSpPr txBox="1"/>
+          <p:nvPr/>
+        </p:nvSpPr>
+        <p:spPr>
+          <a:xfrm>
+            <a:off x="3257104" y="908720"/>
+            <a:ext cx="2323008" cy="369332"/>
+          </a:xfrm>
+          <a:prstGeom prst="rect">
+            <a:avLst/>
+          </a:prstGeom>
+          <a:noFill/>
+        </p:spPr>
+        <p:txBody>
+          <a:bodyPr wrap="none" rtlCol="0">
+            <a:spAutoFit/>
+          </a:bodyPr>
+          <a:lstStyle/>
+          <a:p>
+            <a:r>
+              <a:rPr lang="pt-BR" b="1" dirty="0" smtClean="0"/>
+              <a:t>4.2) Nuvens de pontos</a:t>
+            </a:r>
+            <a:endParaRPr lang="pt-BR" b="1" dirty="0"/>
+          </a:p>
+        </p:txBody>
+      </p:sp>
+    </p:spTree>
+    <p:extLst>
+      <p:ext uri="{BB962C8B-B14F-4D97-AF65-F5344CB8AC3E}">
+        <p14:creationId xmlns:p14="http://schemas.microsoft.com/office/powerpoint/2010/main" val="60893757"/>
+      </p:ext>
+    </p:extLst>
+  </p:cSld>
+  <p:clrMapOvr>
+    <a:masterClrMapping/>
+  </p:clrMapOvr>
+  <p:timing>
+    <p:tnLst>
+      <p:par>
+        <p:cTn id="1" dur="indefinite" restart="never" nodeType="tmRoot"/>
+      </p:par>
+    </p:tnLst>
+  </p:timing>
+</p:sld>
+</file>
+
+<file path=ppt/slides/slide16.xml><?xml version="1.0" encoding="utf-8"?>
+<p:sld xmlns:a="http://schemas.openxmlformats.org/drawingml/2006/main" xmlns:r="http://schemas.openxmlformats.org/officeDocument/2006/relationships" xmlns:p="http://schemas.openxmlformats.org/presentationml/2006/main">
+  <p:cSld>
+    <p:spTree>
+      <p:nvGrpSpPr>
+        <p:cNvPr id="1" name=""/>
+        <p:cNvGrpSpPr/>
+        <p:nvPr/>
+      </p:nvGrpSpPr>
+      <p:grpSpPr>
+        <a:xfrm>
+          <a:off x="0" y="0"/>
+          <a:ext cx="0" cy="0"/>
+          <a:chOff x="0" y="0"/>
+          <a:chExt cx="0" cy="0"/>
+        </a:xfrm>
+      </p:grpSpPr>
+      <p:sp>
+        <p:nvSpPr>
+          <p:cNvPr id="4" name="Título 3"/>
+          <p:cNvSpPr>
+            <a:spLocks noGrp="1"/>
+          </p:cNvSpPr>
+          <p:nvPr>
+            <p:ph type="ctrTitle"/>
+          </p:nvPr>
+        </p:nvSpPr>
+        <p:spPr>
+          <a:xfrm>
+            <a:off x="3275856" y="138754"/>
+            <a:ext cx="4680520" cy="504056"/>
+          </a:xfrm>
+        </p:spPr>
+        <p:txBody>
+          <a:bodyPr>
+            <a:normAutofit/>
+          </a:bodyPr>
+          <a:lstStyle/>
+          <a:p>
+            <a:r>
+              <a:rPr lang="pt-BR" sz="2400" dirty="0" smtClean="0"/>
+              <a:t>4) Aplicações C++/</a:t>
+            </a:r>
+            <a:r>
+              <a:rPr lang="pt-BR" sz="2400" dirty="0" err="1" smtClean="0"/>
+              <a:t>Qt</a:t>
+            </a:r>
+            <a:r>
+              <a:rPr lang="pt-BR" sz="2400" dirty="0" smtClean="0"/>
+              <a:t> com VTK</a:t>
+            </a:r>
+            <a:endParaRPr lang="pt-BR" sz="1400" dirty="0"/>
+          </a:p>
+        </p:txBody>
+      </p:sp>
+      <p:sp>
+        <p:nvSpPr>
+          <p:cNvPr id="5" name="CaixaDeTexto 4"/>
+          <p:cNvSpPr txBox="1"/>
+          <p:nvPr/>
+        </p:nvSpPr>
+        <p:spPr>
+          <a:xfrm>
+            <a:off x="3851920" y="908720"/>
+            <a:ext cx="1564852" cy="369332"/>
+          </a:xfrm>
+          <a:prstGeom prst="rect">
+            <a:avLst/>
+          </a:prstGeom>
+          <a:noFill/>
+        </p:spPr>
+        <p:txBody>
+          <a:bodyPr wrap="none" rtlCol="0">
+            <a:spAutoFit/>
+          </a:bodyPr>
+          <a:lstStyle/>
+          <a:p>
+            <a:r>
+              <a:rPr lang="pt-BR" b="1" dirty="0" smtClean="0"/>
+              <a:t>4.3) Mapas 2D</a:t>
+            </a:r>
+            <a:endParaRPr lang="pt-BR" b="1" dirty="0"/>
+          </a:p>
+        </p:txBody>
+      </p:sp>
+    </p:spTree>
+    <p:extLst>
+      <p:ext uri="{BB962C8B-B14F-4D97-AF65-F5344CB8AC3E}">
+        <p14:creationId xmlns:p14="http://schemas.microsoft.com/office/powerpoint/2010/main" val="4174760171"/>
+      </p:ext>
+    </p:extLst>
+  </p:cSld>
+  <p:clrMapOvr>
+    <a:masterClrMapping/>
+  </p:clrMapOvr>
+  <p:timing>
+    <p:tnLst>
+      <p:par>
+        <p:cTn id="1" dur="indefinite" restart="never" nodeType="tmRoot"/>
+      </p:par>
+    </p:tnLst>
+  </p:timing>
+</p:sld>
+</file>
+
+<file path=ppt/slides/slide17.xml><?xml version="1.0" encoding="utf-8"?>
+<p:sld xmlns:a="http://schemas.openxmlformats.org/drawingml/2006/main" xmlns:r="http://schemas.openxmlformats.org/officeDocument/2006/relationships" xmlns:p="http://schemas.openxmlformats.org/presentationml/2006/main">
+  <p:cSld>
+    <p:spTree>
+      <p:nvGrpSpPr>
+        <p:cNvPr id="1" name=""/>
+        <p:cNvGrpSpPr/>
+        <p:nvPr/>
+      </p:nvGrpSpPr>
+      <p:grpSpPr>
+        <a:xfrm>
+          <a:off x="0" y="0"/>
+          <a:ext cx="0" cy="0"/>
+          <a:chOff x="0" y="0"/>
+          <a:chExt cx="0" cy="0"/>
+        </a:xfrm>
+      </p:grpSpPr>
+      <p:sp>
+        <p:nvSpPr>
+          <p:cNvPr id="4" name="Título 3"/>
+          <p:cNvSpPr>
+            <a:spLocks noGrp="1"/>
+          </p:cNvSpPr>
+          <p:nvPr>
+            <p:ph type="ctrTitle"/>
+          </p:nvPr>
+        </p:nvSpPr>
+        <p:spPr>
+          <a:xfrm>
+            <a:off x="3275856" y="138754"/>
+            <a:ext cx="4680520" cy="504056"/>
+          </a:xfrm>
+        </p:spPr>
+        <p:txBody>
+          <a:bodyPr>
+            <a:normAutofit/>
+          </a:bodyPr>
+          <a:lstStyle/>
+          <a:p>
+            <a:r>
+              <a:rPr lang="pt-BR" sz="2400" dirty="0" smtClean="0"/>
+              <a:t>4) Aplicações C++/</a:t>
+            </a:r>
+            <a:r>
+              <a:rPr lang="pt-BR" sz="2400" dirty="0" err="1" smtClean="0"/>
+              <a:t>Qt</a:t>
+            </a:r>
+            <a:r>
+              <a:rPr lang="pt-BR" sz="2400" dirty="0" smtClean="0"/>
+              <a:t> com VTK</a:t>
+            </a:r>
+            <a:endParaRPr lang="pt-BR" sz="1400" dirty="0"/>
+          </a:p>
+        </p:txBody>
+      </p:sp>
+      <p:sp>
+        <p:nvSpPr>
+          <p:cNvPr id="5" name="CaixaDeTexto 4"/>
+          <p:cNvSpPr txBox="1"/>
+          <p:nvPr/>
+        </p:nvSpPr>
+        <p:spPr>
+          <a:xfrm>
+            <a:off x="3851920" y="908720"/>
+            <a:ext cx="1564852" cy="369332"/>
+          </a:xfrm>
+          <a:prstGeom prst="rect">
+            <a:avLst/>
+          </a:prstGeom>
+          <a:noFill/>
+        </p:spPr>
+        <p:txBody>
+          <a:bodyPr wrap="none" rtlCol="0">
+            <a:spAutoFit/>
+          </a:bodyPr>
+          <a:lstStyle/>
+          <a:p>
+            <a:r>
+              <a:rPr lang="pt-BR" b="1" dirty="0" smtClean="0"/>
+              <a:t>4.3) Mapas 2D</a:t>
+            </a:r>
+            <a:endParaRPr lang="pt-BR" b="1" dirty="0"/>
+          </a:p>
+        </p:txBody>
+      </p:sp>
+      <p:sp>
+        <p:nvSpPr>
+          <p:cNvPr id="6" name="CaixaDeTexto 5"/>
+          <p:cNvSpPr txBox="1"/>
+          <p:nvPr/>
+        </p:nvSpPr>
+        <p:spPr>
+          <a:xfrm>
+            <a:off x="2267744" y="1218238"/>
+            <a:ext cx="4832157" cy="338554"/>
+          </a:xfrm>
+          <a:prstGeom prst="rect">
+            <a:avLst/>
+          </a:prstGeom>
+          <a:noFill/>
+        </p:spPr>
+        <p:txBody>
+          <a:bodyPr wrap="none" rtlCol="0">
+            <a:spAutoFit/>
+          </a:bodyPr>
+          <a:lstStyle/>
+          <a:p>
+            <a:r>
+              <a:rPr lang="pt-BR" sz="1600" b="1" dirty="0" smtClean="0"/>
+              <a:t>4.3.1) Ocultando valores nulos e locais não amostrados</a:t>
+            </a:r>
+            <a:endParaRPr lang="pt-BR" sz="1600" b="1" dirty="0"/>
+          </a:p>
+        </p:txBody>
+      </p:sp>
+    </p:spTree>
+    <p:extLst>
+      <p:ext uri="{BB962C8B-B14F-4D97-AF65-F5344CB8AC3E}">
+        <p14:creationId xmlns:p14="http://schemas.microsoft.com/office/powerpoint/2010/main" val="3585225282"/>
+      </p:ext>
+    </p:extLst>
+  </p:cSld>
+  <p:clrMapOvr>
+    <a:masterClrMapping/>
+  </p:clrMapOvr>
+  <p:timing>
+    <p:tnLst>
+      <p:par>
+        <p:cTn id="1" dur="indefinite" restart="never" nodeType="tmRoot"/>
+      </p:par>
+    </p:tnLst>
+  </p:timing>
+</p:sld>
+</file>
+
+<file path=ppt/slides/slide18.xml><?xml version="1.0" encoding="utf-8"?>
+<p:sld xmlns:a="http://schemas.openxmlformats.org/drawingml/2006/main" xmlns:r="http://schemas.openxmlformats.org/officeDocument/2006/relationships" xmlns:p="http://schemas.openxmlformats.org/presentationml/2006/main">
+  <p:cSld>
+    <p:spTree>
+      <p:nvGrpSpPr>
+        <p:cNvPr id="1" name=""/>
+        <p:cNvGrpSpPr/>
+        <p:nvPr/>
+      </p:nvGrpSpPr>
+      <p:grpSpPr>
+        <a:xfrm>
+          <a:off x="0" y="0"/>
+          <a:ext cx="0" cy="0"/>
+          <a:chOff x="0" y="0"/>
+          <a:chExt cx="0" cy="0"/>
+        </a:xfrm>
+      </p:grpSpPr>
+      <p:sp>
+        <p:nvSpPr>
+          <p:cNvPr id="4" name="Título 3"/>
+          <p:cNvSpPr>
+            <a:spLocks noGrp="1"/>
+          </p:cNvSpPr>
+          <p:nvPr>
+            <p:ph type="ctrTitle"/>
+          </p:nvPr>
+        </p:nvSpPr>
+        <p:spPr>
+          <a:xfrm>
+            <a:off x="3275856" y="138754"/>
+            <a:ext cx="4680520" cy="504056"/>
+          </a:xfrm>
+        </p:spPr>
+        <p:txBody>
+          <a:bodyPr>
+            <a:normAutofit/>
+          </a:bodyPr>
+          <a:lstStyle/>
+          <a:p>
+            <a:r>
+              <a:rPr lang="pt-BR" sz="2400" dirty="0" smtClean="0"/>
+              <a:t>4) Aplicações C++/</a:t>
+            </a:r>
+            <a:r>
+              <a:rPr lang="pt-BR" sz="2400" dirty="0" err="1" smtClean="0"/>
+              <a:t>Qt</a:t>
+            </a:r>
+            <a:r>
+              <a:rPr lang="pt-BR" sz="2400" dirty="0" smtClean="0"/>
+              <a:t> com VTK</a:t>
+            </a:r>
+            <a:endParaRPr lang="pt-BR" sz="1400" dirty="0"/>
+          </a:p>
+        </p:txBody>
+      </p:sp>
+      <p:sp>
+        <p:nvSpPr>
+          <p:cNvPr id="5" name="CaixaDeTexto 4"/>
+          <p:cNvSpPr txBox="1"/>
+          <p:nvPr/>
+        </p:nvSpPr>
+        <p:spPr>
+          <a:xfrm>
+            <a:off x="3851920" y="908720"/>
+            <a:ext cx="1503938" cy="369332"/>
+          </a:xfrm>
+          <a:prstGeom prst="rect">
+            <a:avLst/>
+          </a:prstGeom>
+          <a:noFill/>
+        </p:spPr>
+        <p:txBody>
+          <a:bodyPr wrap="none" rtlCol="0">
+            <a:spAutoFit/>
+          </a:bodyPr>
+          <a:lstStyle/>
+          <a:p>
+            <a:r>
+              <a:rPr lang="pt-BR" b="1" dirty="0" smtClean="0"/>
+              <a:t>4.4) Cubos 3D</a:t>
+            </a:r>
+            <a:endParaRPr lang="pt-BR" b="1" dirty="0"/>
+          </a:p>
+        </p:txBody>
+      </p:sp>
+    </p:spTree>
+    <p:extLst>
+      <p:ext uri="{BB962C8B-B14F-4D97-AF65-F5344CB8AC3E}">
+        <p14:creationId xmlns:p14="http://schemas.microsoft.com/office/powerpoint/2010/main" val="1653003107"/>
+      </p:ext>
+    </p:extLst>
+  </p:cSld>
+  <p:clrMapOvr>
+    <a:masterClrMapping/>
+  </p:clrMapOvr>
+  <p:timing>
+    <p:tnLst>
+      <p:par>
+        <p:cTn id="1" dur="indefinite" restart="never" nodeType="tmRoot"/>
+      </p:par>
+    </p:tnLst>
+  </p:timing>
+</p:sld>
+</file>
+
+<file path=ppt/slides/slide19.xml><?xml version="1.0" encoding="utf-8"?>
+<p:sld xmlns:a="http://schemas.openxmlformats.org/drawingml/2006/main" xmlns:r="http://schemas.openxmlformats.org/officeDocument/2006/relationships" xmlns:p="http://schemas.openxmlformats.org/presentationml/2006/main">
+  <p:cSld>
+    <p:spTree>
+      <p:nvGrpSpPr>
+        <p:cNvPr id="1" name=""/>
+        <p:cNvGrpSpPr/>
+        <p:nvPr/>
+      </p:nvGrpSpPr>
+      <p:grpSpPr>
+        <a:xfrm>
+          <a:off x="0" y="0"/>
+          <a:ext cx="0" cy="0"/>
+          <a:chOff x="0" y="0"/>
+          <a:chExt cx="0" cy="0"/>
+        </a:xfrm>
+      </p:grpSpPr>
+      <p:sp>
+        <p:nvSpPr>
+          <p:cNvPr id="4" name="Título 3"/>
+          <p:cNvSpPr>
+            <a:spLocks noGrp="1"/>
+          </p:cNvSpPr>
+          <p:nvPr>
+            <p:ph type="ctrTitle"/>
+          </p:nvPr>
+        </p:nvSpPr>
+        <p:spPr>
+          <a:xfrm>
+            <a:off x="3275856" y="138754"/>
+            <a:ext cx="4680520" cy="504056"/>
+          </a:xfrm>
+        </p:spPr>
+        <p:txBody>
+          <a:bodyPr>
+            <a:normAutofit/>
+          </a:bodyPr>
+          <a:lstStyle/>
+          <a:p>
+            <a:r>
+              <a:rPr lang="pt-BR" sz="2400" dirty="0" smtClean="0"/>
+              <a:t>4) Aplicações C++/</a:t>
+            </a:r>
+            <a:r>
+              <a:rPr lang="pt-BR" sz="2400" dirty="0" err="1" smtClean="0"/>
+              <a:t>Qt</a:t>
+            </a:r>
+            <a:r>
+              <a:rPr lang="pt-BR" sz="2400" dirty="0" smtClean="0"/>
+              <a:t> com VTK</a:t>
+            </a:r>
+            <a:endParaRPr lang="pt-BR" sz="1400" dirty="0"/>
+          </a:p>
+        </p:txBody>
+      </p:sp>
+      <p:sp>
+        <p:nvSpPr>
+          <p:cNvPr id="5" name="CaixaDeTexto 4"/>
+          <p:cNvSpPr txBox="1"/>
+          <p:nvPr/>
+        </p:nvSpPr>
+        <p:spPr>
+          <a:xfrm>
+            <a:off x="3851920" y="908720"/>
+            <a:ext cx="1503938" cy="369332"/>
+          </a:xfrm>
+          <a:prstGeom prst="rect">
+            <a:avLst/>
+          </a:prstGeom>
+          <a:noFill/>
+        </p:spPr>
+        <p:txBody>
+          <a:bodyPr wrap="none" rtlCol="0">
+            <a:spAutoFit/>
+          </a:bodyPr>
+          <a:lstStyle/>
+          <a:p>
+            <a:r>
+              <a:rPr lang="pt-BR" b="1" dirty="0" smtClean="0"/>
+              <a:t>4.4) Cubos 3D</a:t>
+            </a:r>
+            <a:endParaRPr lang="pt-BR" b="1" dirty="0"/>
+          </a:p>
+        </p:txBody>
+      </p:sp>
+      <p:sp>
+        <p:nvSpPr>
+          <p:cNvPr id="6" name="CaixaDeTexto 5"/>
+          <p:cNvSpPr txBox="1"/>
+          <p:nvPr/>
+        </p:nvSpPr>
+        <p:spPr>
+          <a:xfrm>
+            <a:off x="2987824" y="1218238"/>
+            <a:ext cx="3371116" cy="338554"/>
+          </a:xfrm>
+          <a:prstGeom prst="rect">
+            <a:avLst/>
+          </a:prstGeom>
+          <a:noFill/>
+        </p:spPr>
+        <p:txBody>
+          <a:bodyPr wrap="none" rtlCol="0">
+            <a:spAutoFit/>
+          </a:bodyPr>
+          <a:lstStyle/>
+          <a:p>
+            <a:r>
+              <a:rPr lang="pt-BR" sz="1600" b="1" dirty="0" smtClean="0"/>
+              <a:t>4.4.1) Seções </a:t>
+            </a:r>
+            <a:r>
+              <a:rPr lang="pt-BR" sz="1600" b="1" dirty="0" err="1" smtClean="0"/>
+              <a:t>inline</a:t>
+            </a:r>
+            <a:r>
+              <a:rPr lang="pt-BR" sz="1600" b="1" dirty="0" smtClean="0"/>
+              <a:t>, </a:t>
+            </a:r>
+            <a:r>
+              <a:rPr lang="pt-BR" sz="1600" b="1" dirty="0" err="1" smtClean="0"/>
+              <a:t>crossline</a:t>
+            </a:r>
+            <a:r>
+              <a:rPr lang="pt-BR" sz="1600" b="1" dirty="0" smtClean="0"/>
+              <a:t> e z-</a:t>
+            </a:r>
+            <a:r>
+              <a:rPr lang="pt-BR" sz="1600" b="1" dirty="0" err="1" smtClean="0"/>
+              <a:t>slice</a:t>
+            </a:r>
+            <a:endParaRPr lang="pt-BR" sz="1600" b="1" dirty="0"/>
+          </a:p>
+        </p:txBody>
+      </p:sp>
+    </p:spTree>
+    <p:extLst>
+      <p:ext uri="{BB962C8B-B14F-4D97-AF65-F5344CB8AC3E}">
+        <p14:creationId xmlns:p14="http://schemas.microsoft.com/office/powerpoint/2010/main" val="760961505"/>
       </p:ext>
     </p:extLst>
   </p:cSld>
@@ -5587,6 +9052,1039 @@
 </p:sld>
 </file>
 
+<file path=ppt/slides/slide20.xml><?xml version="1.0" encoding="utf-8"?>
+<p:sld xmlns:a="http://schemas.openxmlformats.org/drawingml/2006/main" xmlns:r="http://schemas.openxmlformats.org/officeDocument/2006/relationships" xmlns:p="http://schemas.openxmlformats.org/presentationml/2006/main">
+  <p:cSld>
+    <p:spTree>
+      <p:nvGrpSpPr>
+        <p:cNvPr id="1" name=""/>
+        <p:cNvGrpSpPr/>
+        <p:nvPr/>
+      </p:nvGrpSpPr>
+      <p:grpSpPr>
+        <a:xfrm>
+          <a:off x="0" y="0"/>
+          <a:ext cx="0" cy="0"/>
+          <a:chOff x="0" y="0"/>
+          <a:chExt cx="0" cy="0"/>
+        </a:xfrm>
+      </p:grpSpPr>
+      <p:sp>
+        <p:nvSpPr>
+          <p:cNvPr id="4" name="Título 3"/>
+          <p:cNvSpPr>
+            <a:spLocks noGrp="1"/>
+          </p:cNvSpPr>
+          <p:nvPr>
+            <p:ph type="ctrTitle"/>
+          </p:nvPr>
+        </p:nvSpPr>
+        <p:spPr>
+          <a:xfrm>
+            <a:off x="3275856" y="138754"/>
+            <a:ext cx="4680520" cy="504056"/>
+          </a:xfrm>
+        </p:spPr>
+        <p:txBody>
+          <a:bodyPr>
+            <a:normAutofit/>
+          </a:bodyPr>
+          <a:lstStyle/>
+          <a:p>
+            <a:r>
+              <a:rPr lang="pt-BR" sz="2400" dirty="0" smtClean="0"/>
+              <a:t>4) Aplicações C++/</a:t>
+            </a:r>
+            <a:r>
+              <a:rPr lang="pt-BR" sz="2400" dirty="0" err="1" smtClean="0"/>
+              <a:t>Qt</a:t>
+            </a:r>
+            <a:r>
+              <a:rPr lang="pt-BR" sz="2400" dirty="0" smtClean="0"/>
+              <a:t> com VTK</a:t>
+            </a:r>
+            <a:endParaRPr lang="pt-BR" sz="1400" dirty="0"/>
+          </a:p>
+        </p:txBody>
+      </p:sp>
+      <p:sp>
+        <p:nvSpPr>
+          <p:cNvPr id="5" name="CaixaDeTexto 4"/>
+          <p:cNvSpPr txBox="1"/>
+          <p:nvPr/>
+        </p:nvSpPr>
+        <p:spPr>
+          <a:xfrm>
+            <a:off x="3851920" y="908720"/>
+            <a:ext cx="1503938" cy="369332"/>
+          </a:xfrm>
+          <a:prstGeom prst="rect">
+            <a:avLst/>
+          </a:prstGeom>
+          <a:noFill/>
+        </p:spPr>
+        <p:txBody>
+          <a:bodyPr wrap="none" rtlCol="0">
+            <a:spAutoFit/>
+          </a:bodyPr>
+          <a:lstStyle/>
+          <a:p>
+            <a:r>
+              <a:rPr lang="pt-BR" b="1" dirty="0" smtClean="0"/>
+              <a:t>4.4) Cubos 3D</a:t>
+            </a:r>
+            <a:endParaRPr lang="pt-BR" b="1" dirty="0"/>
+          </a:p>
+        </p:txBody>
+      </p:sp>
+      <p:sp>
+        <p:nvSpPr>
+          <p:cNvPr id="6" name="CaixaDeTexto 5"/>
+          <p:cNvSpPr txBox="1"/>
+          <p:nvPr/>
+        </p:nvSpPr>
+        <p:spPr>
+          <a:xfrm>
+            <a:off x="3624835" y="1218238"/>
+            <a:ext cx="2099293" cy="338554"/>
+          </a:xfrm>
+          <a:prstGeom prst="rect">
+            <a:avLst/>
+          </a:prstGeom>
+          <a:noFill/>
+        </p:spPr>
+        <p:txBody>
+          <a:bodyPr wrap="none" rtlCol="0">
+            <a:spAutoFit/>
+          </a:bodyPr>
+          <a:lstStyle/>
+          <a:p>
+            <a:r>
+              <a:rPr lang="pt-BR" sz="1600" b="1" dirty="0" smtClean="0"/>
+              <a:t>4.4.2) </a:t>
+            </a:r>
+            <a:r>
+              <a:rPr lang="pt-BR" sz="1600" b="1" dirty="0" err="1" smtClean="0"/>
+              <a:t>Subamostragem</a:t>
+            </a:r>
+            <a:endParaRPr lang="pt-BR" sz="1600" b="1" dirty="0"/>
+          </a:p>
+        </p:txBody>
+      </p:sp>
+    </p:spTree>
+    <p:extLst>
+      <p:ext uri="{BB962C8B-B14F-4D97-AF65-F5344CB8AC3E}">
+        <p14:creationId xmlns:p14="http://schemas.microsoft.com/office/powerpoint/2010/main" val="2988628406"/>
+      </p:ext>
+    </p:extLst>
+  </p:cSld>
+  <p:clrMapOvr>
+    <a:masterClrMapping/>
+  </p:clrMapOvr>
+  <p:timing>
+    <p:tnLst>
+      <p:par>
+        <p:cTn id="1" dur="indefinite" restart="never" nodeType="tmRoot"/>
+      </p:par>
+    </p:tnLst>
+  </p:timing>
+</p:sld>
+</file>
+
+<file path=ppt/slides/slide21.xml><?xml version="1.0" encoding="utf-8"?>
+<p:sld xmlns:a="http://schemas.openxmlformats.org/drawingml/2006/main" xmlns:r="http://schemas.openxmlformats.org/officeDocument/2006/relationships" xmlns:p="http://schemas.openxmlformats.org/presentationml/2006/main">
+  <p:cSld>
+    <p:spTree>
+      <p:nvGrpSpPr>
+        <p:cNvPr id="1" name=""/>
+        <p:cNvGrpSpPr/>
+        <p:nvPr/>
+      </p:nvGrpSpPr>
+      <p:grpSpPr>
+        <a:xfrm>
+          <a:off x="0" y="0"/>
+          <a:ext cx="0" cy="0"/>
+          <a:chOff x="0" y="0"/>
+          <a:chExt cx="0" cy="0"/>
+        </a:xfrm>
+      </p:grpSpPr>
+      <p:sp>
+        <p:nvSpPr>
+          <p:cNvPr id="4" name="Título 3"/>
+          <p:cNvSpPr>
+            <a:spLocks noGrp="1"/>
+          </p:cNvSpPr>
+          <p:nvPr>
+            <p:ph type="ctrTitle"/>
+          </p:nvPr>
+        </p:nvSpPr>
+        <p:spPr>
+          <a:xfrm>
+            <a:off x="3275856" y="138754"/>
+            <a:ext cx="4680520" cy="504056"/>
+          </a:xfrm>
+        </p:spPr>
+        <p:txBody>
+          <a:bodyPr>
+            <a:normAutofit/>
+          </a:bodyPr>
+          <a:lstStyle/>
+          <a:p>
+            <a:r>
+              <a:rPr lang="pt-BR" sz="2400" dirty="0" smtClean="0"/>
+              <a:t>4) Aplicações C++/</a:t>
+            </a:r>
+            <a:r>
+              <a:rPr lang="pt-BR" sz="2400" dirty="0" err="1" smtClean="0"/>
+              <a:t>Qt</a:t>
+            </a:r>
+            <a:r>
+              <a:rPr lang="pt-BR" sz="2400" dirty="0" smtClean="0"/>
+              <a:t> com VTK</a:t>
+            </a:r>
+            <a:endParaRPr lang="pt-BR" sz="1400" dirty="0"/>
+          </a:p>
+        </p:txBody>
+      </p:sp>
+      <p:sp>
+        <p:nvSpPr>
+          <p:cNvPr id="5" name="CaixaDeTexto 4"/>
+          <p:cNvSpPr txBox="1"/>
+          <p:nvPr/>
+        </p:nvSpPr>
+        <p:spPr>
+          <a:xfrm>
+            <a:off x="2843808" y="908720"/>
+            <a:ext cx="3865930" cy="369332"/>
+          </a:xfrm>
+          <a:prstGeom prst="rect">
+            <a:avLst/>
+          </a:prstGeom>
+          <a:noFill/>
+        </p:spPr>
+        <p:txBody>
+          <a:bodyPr wrap="none" rtlCol="0">
+            <a:spAutoFit/>
+          </a:bodyPr>
+          <a:lstStyle/>
+          <a:p>
+            <a:r>
+              <a:rPr lang="pt-BR" b="1" dirty="0" smtClean="0"/>
+              <a:t>4.5) Estruturas de geometria complexa</a:t>
+            </a:r>
+            <a:endParaRPr lang="pt-BR" b="1" dirty="0"/>
+          </a:p>
+        </p:txBody>
+      </p:sp>
+      <p:sp>
+        <p:nvSpPr>
+          <p:cNvPr id="6" name="CaixaDeTexto 5"/>
+          <p:cNvSpPr txBox="1"/>
+          <p:nvPr/>
+        </p:nvSpPr>
+        <p:spPr>
+          <a:xfrm>
+            <a:off x="3624835" y="1218238"/>
+            <a:ext cx="2091855" cy="338554"/>
+          </a:xfrm>
+          <a:prstGeom prst="rect">
+            <a:avLst/>
+          </a:prstGeom>
+          <a:noFill/>
+        </p:spPr>
+        <p:txBody>
+          <a:bodyPr wrap="none" rtlCol="0">
+            <a:spAutoFit/>
+          </a:bodyPr>
+          <a:lstStyle/>
+          <a:p>
+            <a:r>
+              <a:rPr lang="pt-BR" sz="1600" b="1" dirty="0" smtClean="0"/>
+              <a:t>4.5.1) Linha poligonais</a:t>
+            </a:r>
+            <a:endParaRPr lang="pt-BR" sz="1600" b="1" dirty="0"/>
+          </a:p>
+        </p:txBody>
+      </p:sp>
+    </p:spTree>
+    <p:extLst>
+      <p:ext uri="{BB962C8B-B14F-4D97-AF65-F5344CB8AC3E}">
+        <p14:creationId xmlns:p14="http://schemas.microsoft.com/office/powerpoint/2010/main" val="2161034562"/>
+      </p:ext>
+    </p:extLst>
+  </p:cSld>
+  <p:clrMapOvr>
+    <a:masterClrMapping/>
+  </p:clrMapOvr>
+  <p:timing>
+    <p:tnLst>
+      <p:par>
+        <p:cTn id="1" dur="indefinite" restart="never" nodeType="tmRoot"/>
+      </p:par>
+    </p:tnLst>
+  </p:timing>
+</p:sld>
+</file>
+
+<file path=ppt/slides/slide22.xml><?xml version="1.0" encoding="utf-8"?>
+<p:sld xmlns:a="http://schemas.openxmlformats.org/drawingml/2006/main" xmlns:r="http://schemas.openxmlformats.org/officeDocument/2006/relationships" xmlns:p="http://schemas.openxmlformats.org/presentationml/2006/main">
+  <p:cSld>
+    <p:spTree>
+      <p:nvGrpSpPr>
+        <p:cNvPr id="1" name=""/>
+        <p:cNvGrpSpPr/>
+        <p:nvPr/>
+      </p:nvGrpSpPr>
+      <p:grpSpPr>
+        <a:xfrm>
+          <a:off x="0" y="0"/>
+          <a:ext cx="0" cy="0"/>
+          <a:chOff x="0" y="0"/>
+          <a:chExt cx="0" cy="0"/>
+        </a:xfrm>
+      </p:grpSpPr>
+      <p:sp>
+        <p:nvSpPr>
+          <p:cNvPr id="4" name="Título 3"/>
+          <p:cNvSpPr>
+            <a:spLocks noGrp="1"/>
+          </p:cNvSpPr>
+          <p:nvPr>
+            <p:ph type="ctrTitle"/>
+          </p:nvPr>
+        </p:nvSpPr>
+        <p:spPr>
+          <a:xfrm>
+            <a:off x="3275856" y="138754"/>
+            <a:ext cx="4680520" cy="504056"/>
+          </a:xfrm>
+        </p:spPr>
+        <p:txBody>
+          <a:bodyPr>
+            <a:normAutofit/>
+          </a:bodyPr>
+          <a:lstStyle/>
+          <a:p>
+            <a:r>
+              <a:rPr lang="pt-BR" sz="2400" dirty="0" smtClean="0"/>
+              <a:t>4) Aplicações C++/</a:t>
+            </a:r>
+            <a:r>
+              <a:rPr lang="pt-BR" sz="2400" dirty="0" err="1" smtClean="0"/>
+              <a:t>Qt</a:t>
+            </a:r>
+            <a:r>
+              <a:rPr lang="pt-BR" sz="2400" dirty="0" smtClean="0"/>
+              <a:t> com VTK</a:t>
+            </a:r>
+            <a:endParaRPr lang="pt-BR" sz="1400" dirty="0"/>
+          </a:p>
+        </p:txBody>
+      </p:sp>
+      <p:sp>
+        <p:nvSpPr>
+          <p:cNvPr id="5" name="CaixaDeTexto 4"/>
+          <p:cNvSpPr txBox="1"/>
+          <p:nvPr/>
+        </p:nvSpPr>
+        <p:spPr>
+          <a:xfrm>
+            <a:off x="2843808" y="908720"/>
+            <a:ext cx="3865930" cy="369332"/>
+          </a:xfrm>
+          <a:prstGeom prst="rect">
+            <a:avLst/>
+          </a:prstGeom>
+          <a:noFill/>
+        </p:spPr>
+        <p:txBody>
+          <a:bodyPr wrap="none" rtlCol="0">
+            <a:spAutoFit/>
+          </a:bodyPr>
+          <a:lstStyle/>
+          <a:p>
+            <a:r>
+              <a:rPr lang="pt-BR" b="1" dirty="0" smtClean="0"/>
+              <a:t>4.5) Estruturas de geometria complexa</a:t>
+            </a:r>
+            <a:endParaRPr lang="pt-BR" b="1" dirty="0"/>
+          </a:p>
+        </p:txBody>
+      </p:sp>
+      <p:sp>
+        <p:nvSpPr>
+          <p:cNvPr id="6" name="CaixaDeTexto 5"/>
+          <p:cNvSpPr txBox="1"/>
+          <p:nvPr/>
+        </p:nvSpPr>
+        <p:spPr>
+          <a:xfrm>
+            <a:off x="3859896" y="1218238"/>
+            <a:ext cx="1648208" cy="338554"/>
+          </a:xfrm>
+          <a:prstGeom prst="rect">
+            <a:avLst/>
+          </a:prstGeom>
+          <a:noFill/>
+        </p:spPr>
+        <p:txBody>
+          <a:bodyPr wrap="none" rtlCol="0">
+            <a:spAutoFit/>
+          </a:bodyPr>
+          <a:lstStyle/>
+          <a:p>
+            <a:r>
+              <a:rPr lang="pt-BR" sz="1600" b="1" dirty="0" smtClean="0"/>
+              <a:t>4.5.2) Superfícies</a:t>
+            </a:r>
+            <a:endParaRPr lang="pt-BR" sz="1600" b="1" dirty="0"/>
+          </a:p>
+        </p:txBody>
+      </p:sp>
+    </p:spTree>
+    <p:extLst>
+      <p:ext uri="{BB962C8B-B14F-4D97-AF65-F5344CB8AC3E}">
+        <p14:creationId xmlns:p14="http://schemas.microsoft.com/office/powerpoint/2010/main" val="3812166210"/>
+      </p:ext>
+    </p:extLst>
+  </p:cSld>
+  <p:clrMapOvr>
+    <a:masterClrMapping/>
+  </p:clrMapOvr>
+  <p:timing>
+    <p:tnLst>
+      <p:par>
+        <p:cTn id="1" dur="indefinite" restart="never" nodeType="tmRoot"/>
+      </p:par>
+    </p:tnLst>
+  </p:timing>
+</p:sld>
+</file>
+
+<file path=ppt/slides/slide23.xml><?xml version="1.0" encoding="utf-8"?>
+<p:sld xmlns:a="http://schemas.openxmlformats.org/drawingml/2006/main" xmlns:r="http://schemas.openxmlformats.org/officeDocument/2006/relationships" xmlns:p="http://schemas.openxmlformats.org/presentationml/2006/main">
+  <p:cSld>
+    <p:spTree>
+      <p:nvGrpSpPr>
+        <p:cNvPr id="1" name=""/>
+        <p:cNvGrpSpPr/>
+        <p:nvPr/>
+      </p:nvGrpSpPr>
+      <p:grpSpPr>
+        <a:xfrm>
+          <a:off x="0" y="0"/>
+          <a:ext cx="0" cy="0"/>
+          <a:chOff x="0" y="0"/>
+          <a:chExt cx="0" cy="0"/>
+        </a:xfrm>
+      </p:grpSpPr>
+      <p:sp>
+        <p:nvSpPr>
+          <p:cNvPr id="4" name="Título 3"/>
+          <p:cNvSpPr>
+            <a:spLocks noGrp="1"/>
+          </p:cNvSpPr>
+          <p:nvPr>
+            <p:ph type="ctrTitle"/>
+          </p:nvPr>
+        </p:nvSpPr>
+        <p:spPr>
+          <a:xfrm>
+            <a:off x="3275856" y="138754"/>
+            <a:ext cx="4680520" cy="504056"/>
+          </a:xfrm>
+        </p:spPr>
+        <p:txBody>
+          <a:bodyPr>
+            <a:normAutofit/>
+          </a:bodyPr>
+          <a:lstStyle/>
+          <a:p>
+            <a:r>
+              <a:rPr lang="pt-BR" sz="2400" dirty="0" smtClean="0"/>
+              <a:t>4) Aplicações C++/</a:t>
+            </a:r>
+            <a:r>
+              <a:rPr lang="pt-BR" sz="2400" dirty="0" err="1" smtClean="0"/>
+              <a:t>Qt</a:t>
+            </a:r>
+            <a:r>
+              <a:rPr lang="pt-BR" sz="2400" dirty="0" smtClean="0"/>
+              <a:t> com VTK</a:t>
+            </a:r>
+            <a:endParaRPr lang="pt-BR" sz="1400" dirty="0"/>
+          </a:p>
+        </p:txBody>
+      </p:sp>
+      <p:sp>
+        <p:nvSpPr>
+          <p:cNvPr id="5" name="CaixaDeTexto 4"/>
+          <p:cNvSpPr txBox="1"/>
+          <p:nvPr/>
+        </p:nvSpPr>
+        <p:spPr>
+          <a:xfrm>
+            <a:off x="2421706" y="908720"/>
+            <a:ext cx="4670574" cy="369332"/>
+          </a:xfrm>
+          <a:prstGeom prst="rect">
+            <a:avLst/>
+          </a:prstGeom>
+          <a:noFill/>
+        </p:spPr>
+        <p:txBody>
+          <a:bodyPr wrap="none" rtlCol="0">
+            <a:spAutoFit/>
+          </a:bodyPr>
+          <a:lstStyle/>
+          <a:p>
+            <a:r>
+              <a:rPr lang="pt-BR" b="1" dirty="0" smtClean="0"/>
+              <a:t>4.6) Interação com o modelo: </a:t>
+            </a:r>
+            <a:r>
+              <a:rPr lang="pt-BR" b="1" i="1" dirty="0" err="1" smtClean="0"/>
+              <a:t>picking</a:t>
+            </a:r>
+            <a:r>
+              <a:rPr lang="pt-BR" b="1" dirty="0" smtClean="0"/>
+              <a:t> e </a:t>
+            </a:r>
+            <a:r>
+              <a:rPr lang="pt-BR" b="1" i="1" dirty="0" err="1" smtClean="0"/>
+              <a:t>probing</a:t>
+            </a:r>
+            <a:endParaRPr lang="pt-BR" b="1" i="1" dirty="0"/>
+          </a:p>
+        </p:txBody>
+      </p:sp>
+    </p:spTree>
+    <p:extLst>
+      <p:ext uri="{BB962C8B-B14F-4D97-AF65-F5344CB8AC3E}">
+        <p14:creationId xmlns:p14="http://schemas.microsoft.com/office/powerpoint/2010/main" val="3321787556"/>
+      </p:ext>
+    </p:extLst>
+  </p:cSld>
+  <p:clrMapOvr>
+    <a:masterClrMapping/>
+  </p:clrMapOvr>
+  <p:timing>
+    <p:tnLst>
+      <p:par>
+        <p:cTn id="1" dur="indefinite" restart="never" nodeType="tmRoot"/>
+      </p:par>
+    </p:tnLst>
+  </p:timing>
+</p:sld>
+</file>
+
+<file path=ppt/slides/slide24.xml><?xml version="1.0" encoding="utf-8"?>
+<p:sld xmlns:a="http://schemas.openxmlformats.org/drawingml/2006/main" xmlns:r="http://schemas.openxmlformats.org/officeDocument/2006/relationships" xmlns:p="http://schemas.openxmlformats.org/presentationml/2006/main">
+  <p:cSld>
+    <p:spTree>
+      <p:nvGrpSpPr>
+        <p:cNvPr id="1" name=""/>
+        <p:cNvGrpSpPr/>
+        <p:nvPr/>
+      </p:nvGrpSpPr>
+      <p:grpSpPr>
+        <a:xfrm>
+          <a:off x="0" y="0"/>
+          <a:ext cx="0" cy="0"/>
+          <a:chOff x="0" y="0"/>
+          <a:chExt cx="0" cy="0"/>
+        </a:xfrm>
+      </p:grpSpPr>
+      <p:sp>
+        <p:nvSpPr>
+          <p:cNvPr id="4" name="Título 3"/>
+          <p:cNvSpPr>
+            <a:spLocks noGrp="1"/>
+          </p:cNvSpPr>
+          <p:nvPr>
+            <p:ph type="ctrTitle"/>
+          </p:nvPr>
+        </p:nvSpPr>
+        <p:spPr>
+          <a:xfrm>
+            <a:off x="3275856" y="138754"/>
+            <a:ext cx="4680520" cy="504056"/>
+          </a:xfrm>
+        </p:spPr>
+        <p:txBody>
+          <a:bodyPr>
+            <a:normAutofit/>
+          </a:bodyPr>
+          <a:lstStyle/>
+          <a:p>
+            <a:r>
+              <a:rPr lang="pt-BR" sz="2400" dirty="0" smtClean="0"/>
+              <a:t>Mais sobre VTK</a:t>
+            </a:r>
+            <a:endParaRPr lang="pt-BR" sz="1400" dirty="0"/>
+          </a:p>
+        </p:txBody>
+      </p:sp>
+      <p:sp>
+        <p:nvSpPr>
+          <p:cNvPr id="5" name="CaixaDeTexto 4"/>
+          <p:cNvSpPr txBox="1"/>
+          <p:nvPr/>
+        </p:nvSpPr>
+        <p:spPr>
+          <a:xfrm>
+            <a:off x="827584" y="1412776"/>
+            <a:ext cx="1002582" cy="369332"/>
+          </a:xfrm>
+          <a:prstGeom prst="rect">
+            <a:avLst/>
+          </a:prstGeom>
+          <a:noFill/>
+        </p:spPr>
+        <p:txBody>
+          <a:bodyPr wrap="none" rtlCol="0">
+            <a:spAutoFit/>
+          </a:bodyPr>
+          <a:lstStyle/>
+          <a:p>
+            <a:pPr marL="285750" indent="-285750">
+              <a:buFont typeface="Wingdings" panose="05000000000000000000" pitchFamily="2" charset="2"/>
+              <a:buChar char="Ø"/>
+            </a:pPr>
+            <a:r>
+              <a:rPr lang="pt-BR" b="1" dirty="0" smtClean="0"/>
+              <a:t>Livro:</a:t>
+            </a:r>
+            <a:endParaRPr lang="pt-BR" b="1" i="1" dirty="0"/>
+          </a:p>
+        </p:txBody>
+      </p:sp>
+      <p:pic>
+        <p:nvPicPr>
+          <p:cNvPr id="2" name="Imagem 1"/>
+          <p:cNvPicPr>
+            <a:picLocks noChangeAspect="1"/>
+          </p:cNvPicPr>
+          <p:nvPr/>
+        </p:nvPicPr>
+        <p:blipFill>
+          <a:blip r:embed="rId3">
+            <a:extLst>
+              <a:ext uri="{28A0092B-C50C-407E-A947-70E740481C1C}">
+                <a14:useLocalDpi xmlns:a14="http://schemas.microsoft.com/office/drawing/2010/main" val="0"/>
+              </a:ext>
+            </a:extLst>
+          </a:blip>
+          <a:stretch>
+            <a:fillRect/>
+          </a:stretch>
+        </p:blipFill>
+        <p:spPr>
+          <a:xfrm>
+            <a:off x="3377711" y="1433165"/>
+            <a:ext cx="2706457" cy="3789040"/>
+          </a:xfrm>
+          <a:prstGeom prst="rect">
+            <a:avLst/>
+          </a:prstGeom>
+        </p:spPr>
+      </p:pic>
+      <p:sp>
+        <p:nvSpPr>
+          <p:cNvPr id="3" name="Retângulo 2"/>
+          <p:cNvSpPr/>
+          <p:nvPr/>
+        </p:nvSpPr>
+        <p:spPr>
+          <a:xfrm>
+            <a:off x="1565920" y="5147900"/>
+            <a:ext cx="6174432" cy="369332"/>
+          </a:xfrm>
+          <a:prstGeom prst="rect">
+            <a:avLst/>
+          </a:prstGeom>
+        </p:spPr>
+        <p:txBody>
+          <a:bodyPr wrap="square">
+            <a:spAutoFit/>
+          </a:bodyPr>
+          <a:lstStyle/>
+          <a:p>
+            <a:r>
+              <a:rPr lang="pt-BR" dirty="0">
+                <a:hlinkClick r:id="rId4"/>
+              </a:rPr>
+              <a:t>https://</a:t>
+            </a:r>
+            <a:r>
+              <a:rPr lang="pt-BR" dirty="0" smtClean="0">
+                <a:hlinkClick r:id="rId4"/>
+              </a:rPr>
+              <a:t>www.kitware.com/products/books/VTKTextbook.pdf</a:t>
+            </a:r>
+            <a:r>
+              <a:rPr lang="pt-BR" dirty="0" smtClean="0"/>
+              <a:t> </a:t>
+            </a:r>
+            <a:endParaRPr lang="pt-BR" dirty="0"/>
+          </a:p>
+        </p:txBody>
+      </p:sp>
+    </p:spTree>
+    <p:extLst>
+      <p:ext uri="{BB962C8B-B14F-4D97-AF65-F5344CB8AC3E}">
+        <p14:creationId xmlns:p14="http://schemas.microsoft.com/office/powerpoint/2010/main" val="3048172996"/>
+      </p:ext>
+    </p:extLst>
+  </p:cSld>
+  <p:clrMapOvr>
+    <a:masterClrMapping/>
+  </p:clrMapOvr>
+  <p:timing>
+    <p:tnLst>
+      <p:par>
+        <p:cTn id="1" dur="indefinite" restart="never" nodeType="tmRoot"/>
+      </p:par>
+    </p:tnLst>
+  </p:timing>
+</p:sld>
+</file>
+
+<file path=ppt/slides/slide25.xml><?xml version="1.0" encoding="utf-8"?>
+<p:sld xmlns:a="http://schemas.openxmlformats.org/drawingml/2006/main" xmlns:r="http://schemas.openxmlformats.org/officeDocument/2006/relationships" xmlns:p="http://schemas.openxmlformats.org/presentationml/2006/main">
+  <p:cSld>
+    <p:spTree>
+      <p:nvGrpSpPr>
+        <p:cNvPr id="1" name=""/>
+        <p:cNvGrpSpPr/>
+        <p:nvPr/>
+      </p:nvGrpSpPr>
+      <p:grpSpPr>
+        <a:xfrm>
+          <a:off x="0" y="0"/>
+          <a:ext cx="0" cy="0"/>
+          <a:chOff x="0" y="0"/>
+          <a:chExt cx="0" cy="0"/>
+        </a:xfrm>
+      </p:grpSpPr>
+      <p:sp>
+        <p:nvSpPr>
+          <p:cNvPr id="4" name="Título 3"/>
+          <p:cNvSpPr>
+            <a:spLocks noGrp="1"/>
+          </p:cNvSpPr>
+          <p:nvPr>
+            <p:ph type="ctrTitle"/>
+          </p:nvPr>
+        </p:nvSpPr>
+        <p:spPr>
+          <a:xfrm>
+            <a:off x="3275856" y="138754"/>
+            <a:ext cx="4680520" cy="504056"/>
+          </a:xfrm>
+        </p:spPr>
+        <p:txBody>
+          <a:bodyPr>
+            <a:normAutofit/>
+          </a:bodyPr>
+          <a:lstStyle/>
+          <a:p>
+            <a:r>
+              <a:rPr lang="pt-BR" sz="2400" dirty="0" smtClean="0"/>
+              <a:t>Mais sobre VTK</a:t>
+            </a:r>
+            <a:endParaRPr lang="pt-BR" sz="1400" dirty="0"/>
+          </a:p>
+        </p:txBody>
+      </p:sp>
+      <p:sp>
+        <p:nvSpPr>
+          <p:cNvPr id="5" name="CaixaDeTexto 4"/>
+          <p:cNvSpPr txBox="1"/>
+          <p:nvPr/>
+        </p:nvSpPr>
+        <p:spPr>
+          <a:xfrm>
+            <a:off x="1808280" y="2549803"/>
+            <a:ext cx="5951181" cy="2585323"/>
+          </a:xfrm>
+          <a:prstGeom prst="rect">
+            <a:avLst/>
+          </a:prstGeom>
+          <a:noFill/>
+        </p:spPr>
+        <p:txBody>
+          <a:bodyPr wrap="none" rtlCol="0">
+            <a:spAutoFit/>
+          </a:bodyPr>
+          <a:lstStyle/>
+          <a:p>
+            <a:pPr marL="285750" indent="-285750">
+              <a:buFont typeface="Wingdings" panose="05000000000000000000" pitchFamily="2" charset="2"/>
+              <a:buChar char="Ø"/>
+            </a:pPr>
+            <a:r>
+              <a:rPr lang="pt-BR" b="1" dirty="0" smtClean="0"/>
+              <a:t>                   :  </a:t>
+            </a:r>
+            <a:r>
+              <a:rPr lang="pt-BR" b="1" dirty="0">
+                <a:hlinkClick r:id="rId3"/>
+              </a:rPr>
+              <a:t>https://</a:t>
+            </a:r>
+            <a:r>
+              <a:rPr lang="pt-BR" b="1" dirty="0" smtClean="0">
+                <a:hlinkClick r:id="rId3"/>
+              </a:rPr>
+              <a:t>vtk.org/doc/nightly/html/index.html</a:t>
+            </a:r>
+            <a:endParaRPr lang="pt-BR" b="1" dirty="0" smtClean="0"/>
+          </a:p>
+          <a:p>
+            <a:pPr marL="285750" indent="-285750">
+              <a:buFont typeface="Wingdings" panose="05000000000000000000" pitchFamily="2" charset="2"/>
+              <a:buChar char="Ø"/>
+            </a:pPr>
+            <a:endParaRPr lang="pt-BR" b="1" dirty="0" smtClean="0"/>
+          </a:p>
+          <a:p>
+            <a:pPr marL="285750" indent="-285750">
+              <a:buFont typeface="Wingdings" panose="05000000000000000000" pitchFamily="2" charset="2"/>
+              <a:buChar char="Ø"/>
+            </a:pPr>
+            <a:endParaRPr lang="pt-BR" b="1" dirty="0"/>
+          </a:p>
+          <a:p>
+            <a:pPr marL="285750" indent="-285750">
+              <a:buFont typeface="Wingdings" panose="05000000000000000000" pitchFamily="2" charset="2"/>
+              <a:buChar char="Ø"/>
+            </a:pPr>
+            <a:r>
+              <a:rPr lang="pt-BR" b="1" dirty="0" smtClean="0"/>
+              <a:t>Fórum de discussão</a:t>
+            </a:r>
+            <a:r>
+              <a:rPr lang="pt-BR" b="1" dirty="0"/>
+              <a:t>: </a:t>
+            </a:r>
+            <a:r>
+              <a:rPr lang="pt-BR" b="1" dirty="0">
+                <a:hlinkClick r:id="rId4"/>
+              </a:rPr>
+              <a:t>https://discourse.vtk.org</a:t>
+            </a:r>
+            <a:r>
+              <a:rPr lang="pt-BR" b="1" dirty="0" smtClean="0">
+                <a:hlinkClick r:id="rId4"/>
+              </a:rPr>
+              <a:t>/</a:t>
+            </a:r>
+            <a:r>
+              <a:rPr lang="pt-BR" b="1" dirty="0" smtClean="0"/>
+              <a:t> </a:t>
+            </a:r>
+          </a:p>
+          <a:p>
+            <a:pPr marL="285750" indent="-285750">
+              <a:buFont typeface="Wingdings" panose="05000000000000000000" pitchFamily="2" charset="2"/>
+              <a:buChar char="Ø"/>
+            </a:pPr>
+            <a:endParaRPr lang="pt-BR" b="1" dirty="0" smtClean="0"/>
+          </a:p>
+          <a:p>
+            <a:pPr marL="285750" indent="-285750">
+              <a:buFont typeface="Wingdings" panose="05000000000000000000" pitchFamily="2" charset="2"/>
+              <a:buChar char="Ø"/>
+            </a:pPr>
+            <a:endParaRPr lang="pt-BR" b="1" dirty="0"/>
+          </a:p>
+          <a:p>
+            <a:pPr marL="285750" indent="-285750">
+              <a:buFont typeface="Wingdings" panose="05000000000000000000" pitchFamily="2" charset="2"/>
+              <a:buChar char="Ø"/>
+            </a:pPr>
+            <a:r>
+              <a:rPr lang="pt-BR" b="1" dirty="0" smtClean="0"/>
+              <a:t>               : </a:t>
+            </a:r>
+            <a:r>
+              <a:rPr lang="pt-BR" b="1" dirty="0">
+                <a:hlinkClick r:id="rId5"/>
+              </a:rPr>
+              <a:t>https://</a:t>
+            </a:r>
+            <a:r>
+              <a:rPr lang="pt-BR" b="1" dirty="0" smtClean="0">
+                <a:hlinkClick r:id="rId5"/>
+              </a:rPr>
+              <a:t>gitlab.kitware.com/vtk/vtk</a:t>
+            </a:r>
+            <a:r>
+              <a:rPr lang="pt-BR" b="1" dirty="0" smtClean="0"/>
+              <a:t> </a:t>
+            </a:r>
+          </a:p>
+          <a:p>
+            <a:endParaRPr lang="pt-BR" b="1" i="1" dirty="0"/>
+          </a:p>
+          <a:p>
+            <a:endParaRPr lang="pt-BR" b="1" i="1" dirty="0"/>
+          </a:p>
+        </p:txBody>
+      </p:sp>
+      <p:pic>
+        <p:nvPicPr>
+          <p:cNvPr id="6" name="Imagem 5"/>
+          <p:cNvPicPr>
+            <a:picLocks noChangeAspect="1"/>
+          </p:cNvPicPr>
+          <p:nvPr/>
+        </p:nvPicPr>
+        <p:blipFill>
+          <a:blip r:embed="rId6">
+            <a:extLst>
+              <a:ext uri="{28A0092B-C50C-407E-A947-70E740481C1C}">
+                <a14:useLocalDpi xmlns:a14="http://schemas.microsoft.com/office/drawing/2010/main" val="0"/>
+              </a:ext>
+            </a:extLst>
+          </a:blip>
+          <a:stretch>
+            <a:fillRect/>
+          </a:stretch>
+        </p:blipFill>
+        <p:spPr>
+          <a:xfrm>
+            <a:off x="2183068" y="2592315"/>
+            <a:ext cx="990600" cy="295275"/>
+          </a:xfrm>
+          <a:prstGeom prst="rect">
+            <a:avLst/>
+          </a:prstGeom>
+        </p:spPr>
+      </p:pic>
+      <p:pic>
+        <p:nvPicPr>
+          <p:cNvPr id="9" name="Imagem 8"/>
+          <p:cNvPicPr>
+            <a:picLocks noChangeAspect="1"/>
+          </p:cNvPicPr>
+          <p:nvPr/>
+        </p:nvPicPr>
+        <p:blipFill>
+          <a:blip r:embed="rId7">
+            <a:clrChange>
+              <a:clrFrom>
+                <a:srgbClr val="FFFFFF"/>
+              </a:clrFrom>
+              <a:clrTo>
+                <a:srgbClr val="FFFFFF">
+                  <a:alpha val="0"/>
+                </a:srgbClr>
+              </a:clrTo>
+            </a:clrChange>
+          </a:blip>
+          <a:stretch>
+            <a:fillRect/>
+          </a:stretch>
+        </p:blipFill>
+        <p:spPr>
+          <a:xfrm>
+            <a:off x="2024304" y="4163828"/>
+            <a:ext cx="1008112" cy="443569"/>
+          </a:xfrm>
+          <a:prstGeom prst="rect">
+            <a:avLst/>
+          </a:prstGeom>
+        </p:spPr>
+      </p:pic>
+    </p:spTree>
+    <p:extLst>
+      <p:ext uri="{BB962C8B-B14F-4D97-AF65-F5344CB8AC3E}">
+        <p14:creationId xmlns:p14="http://schemas.microsoft.com/office/powerpoint/2010/main" val="1293738746"/>
+      </p:ext>
+    </p:extLst>
+  </p:cSld>
+  <p:clrMapOvr>
+    <a:masterClrMapping/>
+  </p:clrMapOvr>
+  <p:timing>
+    <p:tnLst>
+      <p:par>
+        <p:cTn id="1" dur="indefinite" restart="never" nodeType="tmRoot"/>
+      </p:par>
+    </p:tnLst>
+  </p:timing>
+</p:sld>
+</file>
+
+<file path=ppt/slides/slide26.xml><?xml version="1.0" encoding="utf-8"?>
+<p:sld xmlns:a="http://schemas.openxmlformats.org/drawingml/2006/main" xmlns:r="http://schemas.openxmlformats.org/officeDocument/2006/relationships" xmlns:p="http://schemas.openxmlformats.org/presentationml/2006/main">
+  <p:cSld>
+    <p:spTree>
+      <p:nvGrpSpPr>
+        <p:cNvPr id="1" name=""/>
+        <p:cNvGrpSpPr/>
+        <p:nvPr/>
+      </p:nvGrpSpPr>
+      <p:grpSpPr>
+        <a:xfrm>
+          <a:off x="0" y="0"/>
+          <a:ext cx="0" cy="0"/>
+          <a:chOff x="0" y="0"/>
+          <a:chExt cx="0" cy="0"/>
+        </a:xfrm>
+      </p:grpSpPr>
+      <p:sp>
+        <p:nvSpPr>
+          <p:cNvPr id="4" name="Título 3"/>
+          <p:cNvSpPr>
+            <a:spLocks noGrp="1"/>
+          </p:cNvSpPr>
+          <p:nvPr>
+            <p:ph type="ctrTitle"/>
+          </p:nvPr>
+        </p:nvSpPr>
+        <p:spPr>
+          <a:xfrm>
+            <a:off x="2339752" y="3140968"/>
+            <a:ext cx="4680520" cy="504056"/>
+          </a:xfrm>
+        </p:spPr>
+        <p:txBody>
+          <a:bodyPr>
+            <a:normAutofit/>
+          </a:bodyPr>
+          <a:lstStyle/>
+          <a:p>
+            <a:r>
+              <a:rPr lang="pt-BR" sz="2400" dirty="0" smtClean="0"/>
+              <a:t>Obrigado!</a:t>
+            </a:r>
+            <a:endParaRPr lang="pt-BR" sz="1400" dirty="0"/>
+          </a:p>
+        </p:txBody>
+      </p:sp>
+    </p:spTree>
+    <p:extLst>
+      <p:ext uri="{BB962C8B-B14F-4D97-AF65-F5344CB8AC3E}">
+        <p14:creationId xmlns:p14="http://schemas.microsoft.com/office/powerpoint/2010/main" val="1307440721"/>
+      </p:ext>
+    </p:extLst>
+  </p:cSld>
+  <p:clrMapOvr>
+    <a:masterClrMapping/>
+  </p:clrMapOvr>
+  <p:timing>
+    <p:tnLst>
+      <p:par>
+        <p:cTn id="1" dur="indefinite" restart="never" nodeType="tmRoot"/>
+      </p:par>
+    </p:tnLst>
+  </p:timing>
+</p:sld>
+</file>
+
 <file path=ppt/slides/slide3.xml><?xml version="1.0" encoding="utf-8"?>
 <p:sld xmlns:a="http://schemas.openxmlformats.org/drawingml/2006/main" xmlns:r="http://schemas.openxmlformats.org/officeDocument/2006/relationships" xmlns:p="http://schemas.openxmlformats.org/presentationml/2006/main">
   <p:cSld>
@@ -5628,7 +10126,7 @@
           <a:p>
             <a:r>
               <a:rPr lang="pt-BR" sz="2400" dirty="0" smtClean="0"/>
-              <a:t>Introdução</a:t>
+              <a:t>1) Introdução</a:t>
             </a:r>
             <a:endParaRPr lang="pt-BR" sz="1400" dirty="0"/>
           </a:p>
@@ -5764,7 +10262,7 @@
             </a:r>
             <a:r>
               <a:rPr lang="pt-BR" dirty="0" smtClean="0"/>
-              <a:t>) encapsulam as primitivas geométricas do </a:t>
+              <a:t>) no lugar de primitivas geométricas do </a:t>
             </a:r>
             <a:r>
               <a:rPr lang="pt-BR" dirty="0" err="1" smtClean="0"/>
@@ -5829,15 +10327,7 @@
             </a:r>
             <a:r>
               <a:rPr lang="pt-BR" dirty="0" smtClean="0"/>
-              <a:t>), </a:t>
-            </a:r>
-            <a:r>
-              <a:rPr lang="pt-BR" smtClean="0"/>
-              <a:t>HUD (hierarquias </a:t>
-            </a:r>
-            <a:r>
-              <a:rPr lang="pt-BR" dirty="0" smtClean="0"/>
-              <a:t>de </a:t>
+              <a:t>), HUD (hierarquias de </a:t>
             </a:r>
             <a:r>
               <a:rPr lang="pt-BR" dirty="0" err="1" smtClean="0">
@@ -5929,7 +10419,7 @@
           <a:p>
             <a:r>
               <a:rPr lang="pt-BR" sz="2400" dirty="0" smtClean="0"/>
-              <a:t>Ambien</a:t>
+              <a:t>2) Ambien</a:t>
             </a:r>
             <a:r>
               <a:rPr lang="pt-BR" sz="2400" dirty="0" smtClean="0"/>
@@ -5966,6 +10456,10 @@
               <a:buChar char="Ø"/>
             </a:pPr>
             <a:r>
+              <a:rPr lang="pt-BR" dirty="0" smtClean="0"/>
+              <a:t>2.1) </a:t>
+            </a:r>
+            <a:r>
               <a:rPr lang="pt-BR" i="1" dirty="0" err="1" smtClean="0"/>
               <a:t>Toolchain</a:t>
             </a:r>
@@ -5995,7 +10489,7 @@
             </a:r>
             <a:r>
               <a:rPr lang="pt-BR" dirty="0" smtClean="0"/>
-              <a:t>.      Visual Studio 2015.  Versão </a:t>
+              <a:t>.        Visual Studio 2015.  Versão </a:t>
             </a:r>
             <a:r>
               <a:rPr lang="pt-BR" dirty="0" err="1" smtClean="0"/>
@@ -6044,7 +10538,7 @@
             </a:pPr>
             <a:r>
               <a:rPr lang="pt-BR" dirty="0" smtClean="0"/>
-              <a:t>                : controle de versão. </a:t>
+              <a:t>2.2)                : controle de versão. </a:t>
             </a:r>
             <a:r>
               <a:rPr lang="pt-BR" dirty="0"/>
@@ -6085,7 +10579,7 @@
             </a:pPr>
             <a:r>
               <a:rPr lang="pt-BR" dirty="0" smtClean="0"/>
-              <a:t>          5.12/</a:t>
+              <a:t>2.3)     5.12/</a:t>
             </a:r>
             <a:r>
               <a:rPr lang="pt-BR" dirty="0" err="1" smtClean="0"/>
@@ -6142,7 +10636,7 @@
             </a:pPr>
             <a:r>
               <a:rPr lang="pt-BR" dirty="0" smtClean="0"/>
-              <a:t>                        : meta-</a:t>
+              <a:t>2.4)                        : meta-</a:t>
             </a:r>
             <a:r>
               <a:rPr lang="pt-BR" dirty="0" err="1" smtClean="0"/>
@@ -6191,7 +10685,7 @@
             </a:pPr>
             <a:r>
               <a:rPr lang="pt-BR" dirty="0" smtClean="0"/>
-              <a:t>          código-fonte</a:t>
+              <a:t>2.5)            código-fonte</a:t>
             </a:r>
             <a:r>
               <a:rPr lang="pt-BR" dirty="0"/>
@@ -6243,7 +10737,7 @@
         </p:blipFill>
         <p:spPr>
           <a:xfrm>
-            <a:off x="971600" y="4831407"/>
+            <a:off x="1331640" y="4831407"/>
             <a:ext cx="1224136" cy="477413"/>
           </a:xfrm>
           <a:prstGeom prst="rect">
@@ -6259,7 +10753,7 @@
         </p:nvGrpSpPr>
         <p:grpSpPr>
           <a:xfrm>
-            <a:off x="971600" y="3865464"/>
+            <a:off x="1403648" y="3865464"/>
             <a:ext cx="423828" cy="317871"/>
             <a:chOff x="971600" y="3865464"/>
             <a:chExt cx="423828" cy="317871"/>
@@ -6373,7 +10867,7 @@
         </p:blipFill>
         <p:spPr>
           <a:xfrm>
-            <a:off x="971600" y="3052636"/>
+            <a:off x="1366778" y="3060010"/>
             <a:ext cx="792088" cy="331237"/>
           </a:xfrm>
           <a:prstGeom prst="rect">
@@ -6408,8 +10902,8 @@
         </p:blipFill>
         <p:spPr>
           <a:xfrm>
-            <a:off x="7236296" y="1447031"/>
-            <a:ext cx="523359" cy="523359"/>
+            <a:off x="7409808" y="1584556"/>
+            <a:ext cx="360040" cy="360040"/>
           </a:xfrm>
           <a:prstGeom prst="rect">
             <a:avLst/>
@@ -6448,7 +10942,7 @@
         </p:blipFill>
         <p:spPr>
           <a:xfrm>
-            <a:off x="899592" y="5798422"/>
+            <a:off x="1389142" y="5798422"/>
             <a:ext cx="590570" cy="316939"/>
           </a:xfrm>
           <a:prstGeom prst="rect">
@@ -6517,7 +11011,7 @@
           <a:p>
             <a:r>
               <a:rPr lang="pt-BR" sz="2400" dirty="0" smtClean="0"/>
-              <a:t>Compilação do VTK</a:t>
+              <a:t>3) Compilação do VTK</a:t>
             </a:r>
             <a:endParaRPr lang="pt-BR" sz="1400" dirty="0"/>
           </a:p>
@@ -6532,7 +11026,7 @@
         <p:spPr>
           <a:xfrm>
             <a:off x="3203848" y="908720"/>
-            <a:ext cx="2606163" cy="369332"/>
+            <a:ext cx="3026149" cy="369332"/>
           </a:xfrm>
           <a:prstGeom prst="rect">
             <a:avLst/>
@@ -6547,7 +11041,7 @@
           <a:p>
             <a:r>
               <a:rPr lang="pt-BR" b="1" dirty="0" smtClean="0"/>
-              <a:t>Configuração com </a:t>
+              <a:t>3.1) Configuração com </a:t>
             </a:r>
             <a:r>
               <a:rPr lang="pt-BR" b="1" dirty="0" err="1" smtClean="0"/>
@@ -6991,7 +11485,7 @@
         <p:spPr>
           <a:xfrm>
             <a:off x="3203848" y="908720"/>
-            <a:ext cx="2606163" cy="369332"/>
+            <a:ext cx="3026149" cy="369332"/>
           </a:xfrm>
           <a:prstGeom prst="rect">
             <a:avLst/>
@@ -7006,7 +11500,7 @@
           <a:p>
             <a:r>
               <a:rPr lang="pt-BR" b="1" dirty="0" smtClean="0"/>
-              <a:t>Configuração com </a:t>
+              <a:t>3.1) Configuração com </a:t>
             </a:r>
             <a:r>
               <a:rPr lang="pt-BR" b="1" dirty="0" err="1" smtClean="0"/>
@@ -7230,7 +11724,7 @@
         <p:spPr>
           <a:xfrm>
             <a:off x="3365214" y="908720"/>
-            <a:ext cx="2430922" cy="369332"/>
+            <a:ext cx="2850909" cy="369332"/>
           </a:xfrm>
           <a:prstGeom prst="rect">
             <a:avLst/>
@@ -7245,7 +11739,7 @@
           <a:p>
             <a:r>
               <a:rPr lang="pt-BR" b="1" dirty="0" smtClean="0"/>
-              <a:t>Build com Visual Studio</a:t>
+              <a:t>3.2) Build com Visual Studio</a:t>
             </a:r>
             <a:endParaRPr lang="pt-BR" b="1" dirty="0"/>
           </a:p>
@@ -7327,7 +11821,7 @@
         <p:spPr>
           <a:xfrm>
             <a:off x="4147467" y="908720"/>
-            <a:ext cx="856581" cy="369332"/>
+            <a:ext cx="1276568" cy="369332"/>
           </a:xfrm>
           <a:prstGeom prst="rect">
             <a:avLst/>
@@ -7340,6 +11834,10 @@
           </a:bodyPr>
           <a:lstStyle/>
           <a:p>
+            <a:r>
+              <a:rPr lang="pt-BR" b="1" dirty="0" smtClean="0"/>
+              <a:t>3.3) </a:t>
+            </a:r>
             <a:r>
               <a:rPr lang="pt-BR" b="1" dirty="0" err="1" smtClean="0"/>
               <a:t>Deploy</a:t>
@@ -7409,7 +11907,7 @@
           <a:p>
             <a:r>
               <a:rPr lang="pt-BR" sz="2400" dirty="0" smtClean="0"/>
-              <a:t>Aplicações C++/</a:t>
+              <a:t>4) Aplicações C++/</a:t>
             </a:r>
             <a:r>
               <a:rPr lang="pt-BR" sz="2400" dirty="0" err="1" smtClean="0"/>
@@ -7431,8 +11929,8 @@
         </p:nvSpPr>
         <p:spPr>
           <a:xfrm>
-            <a:off x="3838099" y="908720"/>
-            <a:ext cx="1886029" cy="369332"/>
+            <a:off x="3491880" y="1218238"/>
+            <a:ext cx="3107133" cy="338554"/>
           </a:xfrm>
           <a:prstGeom prst="rect">
             <a:avLst/>
@@ -7446,10 +11944,10 @@
           <a:lstStyle/>
           <a:p>
             <a:r>
-              <a:rPr lang="pt-BR" b="1" dirty="0" smtClean="0"/>
-              <a:t>Antes de começar</a:t>
-            </a:r>
-            <a:endParaRPr lang="pt-BR" b="1" dirty="0"/>
+              <a:rPr lang="pt-BR" sz="1600" b="1" dirty="0" smtClean="0"/>
+              <a:t>4.1.1) Gerenciamento de memória</a:t>
+            </a:r>
+            <a:endParaRPr lang="pt-BR" sz="1600" b="1" dirty="0"/>
           </a:p>
         </p:txBody>
       </p:sp>
@@ -7588,6 +12086,36 @@
           </a:effectLst>
         </p:spPr>
       </p:pic>
+      <p:sp>
+        <p:nvSpPr>
+          <p:cNvPr id="40" name="CaixaDeTexto 39"/>
+          <p:cNvSpPr txBox="1"/>
+          <p:nvPr/>
+        </p:nvSpPr>
+        <p:spPr>
+          <a:xfrm>
+            <a:off x="2987824" y="908720"/>
+            <a:ext cx="4154984" cy="369332"/>
+          </a:xfrm>
+          <a:prstGeom prst="rect">
+            <a:avLst/>
+          </a:prstGeom>
+          <a:noFill/>
+        </p:spPr>
+        <p:txBody>
+          <a:bodyPr wrap="none" rtlCol="0">
+            <a:spAutoFit/>
+          </a:bodyPr>
+          <a:lstStyle/>
+          <a:p>
+            <a:r>
+              <a:rPr lang="pt-BR" b="1" dirty="0" smtClean="0"/>
+              <a:t>4.1) Criando um aplicativo VTK elementar</a:t>
+            </a:r>
+            <a:endParaRPr lang="pt-BR" b="1" dirty="0"/>
+          </a:p>
+        </p:txBody>
+      </p:sp>
     </p:spTree>
     <p:extLst>
       <p:ext uri="{BB962C8B-B14F-4D97-AF65-F5344CB8AC3E}">

--- a/aulas_3dias/slides_3dias.pptx
+++ b/aulas_3dias/slides_3dias.pptx
@@ -5,7 +5,7 @@
     <p:sldMasterId id="2147483648" r:id="rId1"/>
   </p:sldMasterIdLst>
   <p:notesMasterIdLst>
-    <p:notesMasterId r:id="rId28"/>
+    <p:notesMasterId r:id="rId35"/>
   </p:notesMasterIdLst>
   <p:sldIdLst>
     <p:sldId id="258" r:id="rId2"/>
@@ -13,27 +13,34 @@
     <p:sldId id="260" r:id="rId4"/>
     <p:sldId id="261" r:id="rId5"/>
     <p:sldId id="262" r:id="rId6"/>
-    <p:sldId id="263" r:id="rId7"/>
-    <p:sldId id="264" r:id="rId8"/>
-    <p:sldId id="265" r:id="rId9"/>
-    <p:sldId id="266" r:id="rId10"/>
-    <p:sldId id="267" r:id="rId11"/>
-    <p:sldId id="268" r:id="rId12"/>
-    <p:sldId id="269" r:id="rId13"/>
-    <p:sldId id="270" r:id="rId14"/>
-    <p:sldId id="271" r:id="rId15"/>
-    <p:sldId id="272" r:id="rId16"/>
-    <p:sldId id="273" r:id="rId17"/>
-    <p:sldId id="274" r:id="rId18"/>
-    <p:sldId id="275" r:id="rId19"/>
-    <p:sldId id="276" r:id="rId20"/>
-    <p:sldId id="277" r:id="rId21"/>
-    <p:sldId id="278" r:id="rId22"/>
-    <p:sldId id="279" r:id="rId23"/>
-    <p:sldId id="280" r:id="rId24"/>
-    <p:sldId id="281" r:id="rId25"/>
-    <p:sldId id="282" r:id="rId26"/>
-    <p:sldId id="283" r:id="rId27"/>
+    <p:sldId id="284" r:id="rId7"/>
+    <p:sldId id="263" r:id="rId8"/>
+    <p:sldId id="264" r:id="rId9"/>
+    <p:sldId id="265" r:id="rId10"/>
+    <p:sldId id="266" r:id="rId11"/>
+    <p:sldId id="267" r:id="rId12"/>
+    <p:sldId id="268" r:id="rId13"/>
+    <p:sldId id="289" r:id="rId14"/>
+    <p:sldId id="285" r:id="rId15"/>
+    <p:sldId id="286" r:id="rId16"/>
+    <p:sldId id="287" r:id="rId17"/>
+    <p:sldId id="288" r:id="rId18"/>
+    <p:sldId id="290" r:id="rId19"/>
+    <p:sldId id="291" r:id="rId20"/>
+    <p:sldId id="270" r:id="rId21"/>
+    <p:sldId id="271" r:id="rId22"/>
+    <p:sldId id="272" r:id="rId23"/>
+    <p:sldId id="273" r:id="rId24"/>
+    <p:sldId id="274" r:id="rId25"/>
+    <p:sldId id="275" r:id="rId26"/>
+    <p:sldId id="276" r:id="rId27"/>
+    <p:sldId id="277" r:id="rId28"/>
+    <p:sldId id="278" r:id="rId29"/>
+    <p:sldId id="279" r:id="rId30"/>
+    <p:sldId id="280" r:id="rId31"/>
+    <p:sldId id="281" r:id="rId32"/>
+    <p:sldId id="282" r:id="rId33"/>
+    <p:sldId id="283" r:id="rId34"/>
   </p:sldIdLst>
   <p:sldSz cx="9144000" cy="6858000" type="screen4x3"/>
   <p:notesSz cx="6858000" cy="9144000"/>
@@ -233,7 +240,7 @@
           <a:p>
             <a:fld id="{3FDA2B63-9726-4330-BBC3-D46B5CC46B61}" type="datetimeFigureOut">
               <a:rPr lang="pt-BR" smtClean="0"/>
-              <a:t>02/05/2019</a:t>
+              <a:t>03/05/2019</a:t>
             </a:fld>
             <a:endParaRPr lang="pt-BR"/>
           </a:p>
@@ -566,7 +573,7 @@
           <a:p>
             <a:fld id="{1A618A8B-0752-40D5-9454-79BB13FA29FA}" type="slidenum">
               <a:rPr lang="pt-BR" smtClean="0"/>
-              <a:t>9</a:t>
+              <a:t>10</a:t>
             </a:fld>
             <a:endParaRPr lang="pt-BR"/>
           </a:p>
@@ -650,7 +657,7 @@
           <a:p>
             <a:fld id="{1A618A8B-0752-40D5-9454-79BB13FA29FA}" type="slidenum">
               <a:rPr lang="pt-BR" smtClean="0"/>
-              <a:t>18</a:t>
+              <a:t>19</a:t>
             </a:fld>
             <a:endParaRPr lang="pt-BR"/>
           </a:p>
@@ -659,7 +666,7 @@
     </p:spTree>
     <p:extLst>
       <p:ext uri="{BB962C8B-B14F-4D97-AF65-F5344CB8AC3E}">
-        <p14:creationId xmlns:p14="http://schemas.microsoft.com/office/powerpoint/2010/main" val="2095654408"/>
+        <p14:creationId xmlns:p14="http://schemas.microsoft.com/office/powerpoint/2010/main" val="1856236287"/>
       </p:ext>
     </p:extLst>
   </p:cSld>
@@ -734,7 +741,7 @@
           <a:p>
             <a:fld id="{1A618A8B-0752-40D5-9454-79BB13FA29FA}" type="slidenum">
               <a:rPr lang="pt-BR" smtClean="0"/>
-              <a:t>19</a:t>
+              <a:t>20</a:t>
             </a:fld>
             <a:endParaRPr lang="pt-BR"/>
           </a:p>
@@ -743,7 +750,7 @@
     </p:spTree>
     <p:extLst>
       <p:ext uri="{BB962C8B-B14F-4D97-AF65-F5344CB8AC3E}">
-        <p14:creationId xmlns:p14="http://schemas.microsoft.com/office/powerpoint/2010/main" val="3906118446"/>
+        <p14:creationId xmlns:p14="http://schemas.microsoft.com/office/powerpoint/2010/main" val="2366148113"/>
       </p:ext>
     </p:extLst>
   </p:cSld>
@@ -818,7 +825,7 @@
           <a:p>
             <a:fld id="{1A618A8B-0752-40D5-9454-79BB13FA29FA}" type="slidenum">
               <a:rPr lang="pt-BR" smtClean="0"/>
-              <a:t>20</a:t>
+              <a:t>21</a:t>
             </a:fld>
             <a:endParaRPr lang="pt-BR"/>
           </a:p>
@@ -827,7 +834,7 @@
     </p:spTree>
     <p:extLst>
       <p:ext uri="{BB962C8B-B14F-4D97-AF65-F5344CB8AC3E}">
-        <p14:creationId xmlns:p14="http://schemas.microsoft.com/office/powerpoint/2010/main" val="3314503402"/>
+        <p14:creationId xmlns:p14="http://schemas.microsoft.com/office/powerpoint/2010/main" val="1267129821"/>
       </p:ext>
     </p:extLst>
   </p:cSld>
@@ -902,7 +909,7 @@
           <a:p>
             <a:fld id="{1A618A8B-0752-40D5-9454-79BB13FA29FA}" type="slidenum">
               <a:rPr lang="pt-BR" smtClean="0"/>
-              <a:t>21</a:t>
+              <a:t>22</a:t>
             </a:fld>
             <a:endParaRPr lang="pt-BR"/>
           </a:p>
@@ -911,7 +918,7 @@
     </p:spTree>
     <p:extLst>
       <p:ext uri="{BB962C8B-B14F-4D97-AF65-F5344CB8AC3E}">
-        <p14:creationId xmlns:p14="http://schemas.microsoft.com/office/powerpoint/2010/main" val="3768046969"/>
+        <p14:creationId xmlns:p14="http://schemas.microsoft.com/office/powerpoint/2010/main" val="2607924494"/>
       </p:ext>
     </p:extLst>
   </p:cSld>
@@ -986,7 +993,7 @@
           <a:p>
             <a:fld id="{1A618A8B-0752-40D5-9454-79BB13FA29FA}" type="slidenum">
               <a:rPr lang="pt-BR" smtClean="0"/>
-              <a:t>22</a:t>
+              <a:t>23</a:t>
             </a:fld>
             <a:endParaRPr lang="pt-BR"/>
           </a:p>
@@ -995,7 +1002,7 @@
     </p:spTree>
     <p:extLst>
       <p:ext uri="{BB962C8B-B14F-4D97-AF65-F5344CB8AC3E}">
-        <p14:creationId xmlns:p14="http://schemas.microsoft.com/office/powerpoint/2010/main" val="4269829074"/>
+        <p14:creationId xmlns:p14="http://schemas.microsoft.com/office/powerpoint/2010/main" val="3717476772"/>
       </p:ext>
     </p:extLst>
   </p:cSld>
@@ -1070,7 +1077,7 @@
           <a:p>
             <a:fld id="{1A618A8B-0752-40D5-9454-79BB13FA29FA}" type="slidenum">
               <a:rPr lang="pt-BR" smtClean="0"/>
-              <a:t>23</a:t>
+              <a:t>24</a:t>
             </a:fld>
             <a:endParaRPr lang="pt-BR"/>
           </a:p>
@@ -1079,7 +1086,7 @@
     </p:spTree>
     <p:extLst>
       <p:ext uri="{BB962C8B-B14F-4D97-AF65-F5344CB8AC3E}">
-        <p14:creationId xmlns:p14="http://schemas.microsoft.com/office/powerpoint/2010/main" val="785103576"/>
+        <p14:creationId xmlns:p14="http://schemas.microsoft.com/office/powerpoint/2010/main" val="3745824210"/>
       </p:ext>
     </p:extLst>
   </p:cSld>
@@ -1154,7 +1161,7 @@
           <a:p>
             <a:fld id="{1A618A8B-0752-40D5-9454-79BB13FA29FA}" type="slidenum">
               <a:rPr lang="pt-BR" smtClean="0"/>
-              <a:t>24</a:t>
+              <a:t>25</a:t>
             </a:fld>
             <a:endParaRPr lang="pt-BR"/>
           </a:p>
@@ -1163,7 +1170,7 @@
     </p:spTree>
     <p:extLst>
       <p:ext uri="{BB962C8B-B14F-4D97-AF65-F5344CB8AC3E}">
-        <p14:creationId xmlns:p14="http://schemas.microsoft.com/office/powerpoint/2010/main" val="2568763623"/>
+        <p14:creationId xmlns:p14="http://schemas.microsoft.com/office/powerpoint/2010/main" val="2095654408"/>
       </p:ext>
     </p:extLst>
   </p:cSld>
@@ -1238,7 +1245,7 @@
           <a:p>
             <a:fld id="{1A618A8B-0752-40D5-9454-79BB13FA29FA}" type="slidenum">
               <a:rPr lang="pt-BR" smtClean="0"/>
-              <a:t>25</a:t>
+              <a:t>26</a:t>
             </a:fld>
             <a:endParaRPr lang="pt-BR"/>
           </a:p>
@@ -1247,7 +1254,7 @@
     </p:spTree>
     <p:extLst>
       <p:ext uri="{BB962C8B-B14F-4D97-AF65-F5344CB8AC3E}">
-        <p14:creationId xmlns:p14="http://schemas.microsoft.com/office/powerpoint/2010/main" val="1276811389"/>
+        <p14:creationId xmlns:p14="http://schemas.microsoft.com/office/powerpoint/2010/main" val="3906118446"/>
       </p:ext>
     </p:extLst>
   </p:cSld>
@@ -1322,7 +1329,7 @@
           <a:p>
             <a:fld id="{1A618A8B-0752-40D5-9454-79BB13FA29FA}" type="slidenum">
               <a:rPr lang="pt-BR" smtClean="0"/>
-              <a:t>26</a:t>
+              <a:t>27</a:t>
             </a:fld>
             <a:endParaRPr lang="pt-BR"/>
           </a:p>
@@ -1331,7 +1338,91 @@
     </p:spTree>
     <p:extLst>
       <p:ext uri="{BB962C8B-B14F-4D97-AF65-F5344CB8AC3E}">
-        <p14:creationId xmlns:p14="http://schemas.microsoft.com/office/powerpoint/2010/main" val="1460220967"/>
+        <p14:creationId xmlns:p14="http://schemas.microsoft.com/office/powerpoint/2010/main" val="3314503402"/>
+      </p:ext>
+    </p:extLst>
+  </p:cSld>
+  <p:clrMapOvr>
+    <a:masterClrMapping/>
+  </p:clrMapOvr>
+</p:notes>
+</file>
+
+<file path=ppt/notesSlides/notesSlide19.xml><?xml version="1.0" encoding="utf-8"?>
+<p:notes xmlns:a="http://schemas.openxmlformats.org/drawingml/2006/main" xmlns:r="http://schemas.openxmlformats.org/officeDocument/2006/relationships" xmlns:p="http://schemas.openxmlformats.org/presentationml/2006/main">
+  <p:cSld>
+    <p:spTree>
+      <p:nvGrpSpPr>
+        <p:cNvPr id="1" name=""/>
+        <p:cNvGrpSpPr/>
+        <p:nvPr/>
+      </p:nvGrpSpPr>
+      <p:grpSpPr>
+        <a:xfrm>
+          <a:off x="0" y="0"/>
+          <a:ext cx="0" cy="0"/>
+          <a:chOff x="0" y="0"/>
+          <a:chExt cx="0" cy="0"/>
+        </a:xfrm>
+      </p:grpSpPr>
+      <p:sp>
+        <p:nvSpPr>
+          <p:cNvPr id="2" name="Espaço Reservado para Imagem de Slide 1"/>
+          <p:cNvSpPr>
+            <a:spLocks noGrp="1" noRot="1" noChangeAspect="1"/>
+          </p:cNvSpPr>
+          <p:nvPr>
+            <p:ph type="sldImg"/>
+          </p:nvPr>
+        </p:nvSpPr>
+        <p:spPr/>
+      </p:sp>
+      <p:sp>
+        <p:nvSpPr>
+          <p:cNvPr id="3" name="Espaço Reservado para Anotações 2"/>
+          <p:cNvSpPr>
+            <a:spLocks noGrp="1"/>
+          </p:cNvSpPr>
+          <p:nvPr>
+            <p:ph type="body" idx="1"/>
+          </p:nvPr>
+        </p:nvSpPr>
+        <p:spPr/>
+        <p:txBody>
+          <a:bodyPr/>
+          <a:lstStyle/>
+          <a:p>
+            <a:endParaRPr lang="pt-BR" dirty="0"/>
+          </a:p>
+        </p:txBody>
+      </p:sp>
+      <p:sp>
+        <p:nvSpPr>
+          <p:cNvPr id="4" name="Espaço Reservado para Número de Slide 3"/>
+          <p:cNvSpPr>
+            <a:spLocks noGrp="1"/>
+          </p:cNvSpPr>
+          <p:nvPr>
+            <p:ph type="sldNum" sz="quarter" idx="10"/>
+          </p:nvPr>
+        </p:nvSpPr>
+        <p:spPr/>
+        <p:txBody>
+          <a:bodyPr/>
+          <a:lstStyle/>
+          <a:p>
+            <a:fld id="{1A618A8B-0752-40D5-9454-79BB13FA29FA}" type="slidenum">
+              <a:rPr lang="pt-BR" smtClean="0"/>
+              <a:t>28</a:t>
+            </a:fld>
+            <a:endParaRPr lang="pt-BR"/>
+          </a:p>
+        </p:txBody>
+      </p:sp>
+    </p:spTree>
+    <p:extLst>
+      <p:ext uri="{BB962C8B-B14F-4D97-AF65-F5344CB8AC3E}">
+        <p14:creationId xmlns:p14="http://schemas.microsoft.com/office/powerpoint/2010/main" val="3768046969"/>
       </p:ext>
     </p:extLst>
   </p:cSld>
@@ -1406,7 +1497,7 @@
           <a:p>
             <a:fld id="{1A618A8B-0752-40D5-9454-79BB13FA29FA}" type="slidenum">
               <a:rPr lang="pt-BR" smtClean="0"/>
-              <a:t>10</a:t>
+              <a:t>11</a:t>
             </a:fld>
             <a:endParaRPr lang="pt-BR"/>
           </a:p>
@@ -1416,6 +1507,426 @@
     <p:extLst>
       <p:ext uri="{BB962C8B-B14F-4D97-AF65-F5344CB8AC3E}">
         <p14:creationId xmlns:p14="http://schemas.microsoft.com/office/powerpoint/2010/main" val="1503402084"/>
+      </p:ext>
+    </p:extLst>
+  </p:cSld>
+  <p:clrMapOvr>
+    <a:masterClrMapping/>
+  </p:clrMapOvr>
+</p:notes>
+</file>
+
+<file path=ppt/notesSlides/notesSlide20.xml><?xml version="1.0" encoding="utf-8"?>
+<p:notes xmlns:a="http://schemas.openxmlformats.org/drawingml/2006/main" xmlns:r="http://schemas.openxmlformats.org/officeDocument/2006/relationships" xmlns:p="http://schemas.openxmlformats.org/presentationml/2006/main">
+  <p:cSld>
+    <p:spTree>
+      <p:nvGrpSpPr>
+        <p:cNvPr id="1" name=""/>
+        <p:cNvGrpSpPr/>
+        <p:nvPr/>
+      </p:nvGrpSpPr>
+      <p:grpSpPr>
+        <a:xfrm>
+          <a:off x="0" y="0"/>
+          <a:ext cx="0" cy="0"/>
+          <a:chOff x="0" y="0"/>
+          <a:chExt cx="0" cy="0"/>
+        </a:xfrm>
+      </p:grpSpPr>
+      <p:sp>
+        <p:nvSpPr>
+          <p:cNvPr id="2" name="Espaço Reservado para Imagem de Slide 1"/>
+          <p:cNvSpPr>
+            <a:spLocks noGrp="1" noRot="1" noChangeAspect="1"/>
+          </p:cNvSpPr>
+          <p:nvPr>
+            <p:ph type="sldImg"/>
+          </p:nvPr>
+        </p:nvSpPr>
+        <p:spPr/>
+      </p:sp>
+      <p:sp>
+        <p:nvSpPr>
+          <p:cNvPr id="3" name="Espaço Reservado para Anotações 2"/>
+          <p:cNvSpPr>
+            <a:spLocks noGrp="1"/>
+          </p:cNvSpPr>
+          <p:nvPr>
+            <p:ph type="body" idx="1"/>
+          </p:nvPr>
+        </p:nvSpPr>
+        <p:spPr/>
+        <p:txBody>
+          <a:bodyPr/>
+          <a:lstStyle/>
+          <a:p>
+            <a:endParaRPr lang="pt-BR" dirty="0"/>
+          </a:p>
+        </p:txBody>
+      </p:sp>
+      <p:sp>
+        <p:nvSpPr>
+          <p:cNvPr id="4" name="Espaço Reservado para Número de Slide 3"/>
+          <p:cNvSpPr>
+            <a:spLocks noGrp="1"/>
+          </p:cNvSpPr>
+          <p:nvPr>
+            <p:ph type="sldNum" sz="quarter" idx="10"/>
+          </p:nvPr>
+        </p:nvSpPr>
+        <p:spPr/>
+        <p:txBody>
+          <a:bodyPr/>
+          <a:lstStyle/>
+          <a:p>
+            <a:fld id="{1A618A8B-0752-40D5-9454-79BB13FA29FA}" type="slidenum">
+              <a:rPr lang="pt-BR" smtClean="0"/>
+              <a:t>29</a:t>
+            </a:fld>
+            <a:endParaRPr lang="pt-BR"/>
+          </a:p>
+        </p:txBody>
+      </p:sp>
+    </p:spTree>
+    <p:extLst>
+      <p:ext uri="{BB962C8B-B14F-4D97-AF65-F5344CB8AC3E}">
+        <p14:creationId xmlns:p14="http://schemas.microsoft.com/office/powerpoint/2010/main" val="4269829074"/>
+      </p:ext>
+    </p:extLst>
+  </p:cSld>
+  <p:clrMapOvr>
+    <a:masterClrMapping/>
+  </p:clrMapOvr>
+</p:notes>
+</file>
+
+<file path=ppt/notesSlides/notesSlide21.xml><?xml version="1.0" encoding="utf-8"?>
+<p:notes xmlns:a="http://schemas.openxmlformats.org/drawingml/2006/main" xmlns:r="http://schemas.openxmlformats.org/officeDocument/2006/relationships" xmlns:p="http://schemas.openxmlformats.org/presentationml/2006/main">
+  <p:cSld>
+    <p:spTree>
+      <p:nvGrpSpPr>
+        <p:cNvPr id="1" name=""/>
+        <p:cNvGrpSpPr/>
+        <p:nvPr/>
+      </p:nvGrpSpPr>
+      <p:grpSpPr>
+        <a:xfrm>
+          <a:off x="0" y="0"/>
+          <a:ext cx="0" cy="0"/>
+          <a:chOff x="0" y="0"/>
+          <a:chExt cx="0" cy="0"/>
+        </a:xfrm>
+      </p:grpSpPr>
+      <p:sp>
+        <p:nvSpPr>
+          <p:cNvPr id="2" name="Espaço Reservado para Imagem de Slide 1"/>
+          <p:cNvSpPr>
+            <a:spLocks noGrp="1" noRot="1" noChangeAspect="1"/>
+          </p:cNvSpPr>
+          <p:nvPr>
+            <p:ph type="sldImg"/>
+          </p:nvPr>
+        </p:nvSpPr>
+        <p:spPr/>
+      </p:sp>
+      <p:sp>
+        <p:nvSpPr>
+          <p:cNvPr id="3" name="Espaço Reservado para Anotações 2"/>
+          <p:cNvSpPr>
+            <a:spLocks noGrp="1"/>
+          </p:cNvSpPr>
+          <p:nvPr>
+            <p:ph type="body" idx="1"/>
+          </p:nvPr>
+        </p:nvSpPr>
+        <p:spPr/>
+        <p:txBody>
+          <a:bodyPr/>
+          <a:lstStyle/>
+          <a:p>
+            <a:endParaRPr lang="pt-BR" dirty="0"/>
+          </a:p>
+        </p:txBody>
+      </p:sp>
+      <p:sp>
+        <p:nvSpPr>
+          <p:cNvPr id="4" name="Espaço Reservado para Número de Slide 3"/>
+          <p:cNvSpPr>
+            <a:spLocks noGrp="1"/>
+          </p:cNvSpPr>
+          <p:nvPr>
+            <p:ph type="sldNum" sz="quarter" idx="10"/>
+          </p:nvPr>
+        </p:nvSpPr>
+        <p:spPr/>
+        <p:txBody>
+          <a:bodyPr/>
+          <a:lstStyle/>
+          <a:p>
+            <a:fld id="{1A618A8B-0752-40D5-9454-79BB13FA29FA}" type="slidenum">
+              <a:rPr lang="pt-BR" smtClean="0"/>
+              <a:t>30</a:t>
+            </a:fld>
+            <a:endParaRPr lang="pt-BR"/>
+          </a:p>
+        </p:txBody>
+      </p:sp>
+    </p:spTree>
+    <p:extLst>
+      <p:ext uri="{BB962C8B-B14F-4D97-AF65-F5344CB8AC3E}">
+        <p14:creationId xmlns:p14="http://schemas.microsoft.com/office/powerpoint/2010/main" val="785103576"/>
+      </p:ext>
+    </p:extLst>
+  </p:cSld>
+  <p:clrMapOvr>
+    <a:masterClrMapping/>
+  </p:clrMapOvr>
+</p:notes>
+</file>
+
+<file path=ppt/notesSlides/notesSlide22.xml><?xml version="1.0" encoding="utf-8"?>
+<p:notes xmlns:a="http://schemas.openxmlformats.org/drawingml/2006/main" xmlns:r="http://schemas.openxmlformats.org/officeDocument/2006/relationships" xmlns:p="http://schemas.openxmlformats.org/presentationml/2006/main">
+  <p:cSld>
+    <p:spTree>
+      <p:nvGrpSpPr>
+        <p:cNvPr id="1" name=""/>
+        <p:cNvGrpSpPr/>
+        <p:nvPr/>
+      </p:nvGrpSpPr>
+      <p:grpSpPr>
+        <a:xfrm>
+          <a:off x="0" y="0"/>
+          <a:ext cx="0" cy="0"/>
+          <a:chOff x="0" y="0"/>
+          <a:chExt cx="0" cy="0"/>
+        </a:xfrm>
+      </p:grpSpPr>
+      <p:sp>
+        <p:nvSpPr>
+          <p:cNvPr id="2" name="Espaço Reservado para Imagem de Slide 1"/>
+          <p:cNvSpPr>
+            <a:spLocks noGrp="1" noRot="1" noChangeAspect="1"/>
+          </p:cNvSpPr>
+          <p:nvPr>
+            <p:ph type="sldImg"/>
+          </p:nvPr>
+        </p:nvSpPr>
+        <p:spPr/>
+      </p:sp>
+      <p:sp>
+        <p:nvSpPr>
+          <p:cNvPr id="3" name="Espaço Reservado para Anotações 2"/>
+          <p:cNvSpPr>
+            <a:spLocks noGrp="1"/>
+          </p:cNvSpPr>
+          <p:nvPr>
+            <p:ph type="body" idx="1"/>
+          </p:nvPr>
+        </p:nvSpPr>
+        <p:spPr/>
+        <p:txBody>
+          <a:bodyPr/>
+          <a:lstStyle/>
+          <a:p>
+            <a:endParaRPr lang="pt-BR" dirty="0"/>
+          </a:p>
+        </p:txBody>
+      </p:sp>
+      <p:sp>
+        <p:nvSpPr>
+          <p:cNvPr id="4" name="Espaço Reservado para Número de Slide 3"/>
+          <p:cNvSpPr>
+            <a:spLocks noGrp="1"/>
+          </p:cNvSpPr>
+          <p:nvPr>
+            <p:ph type="sldNum" sz="quarter" idx="10"/>
+          </p:nvPr>
+        </p:nvSpPr>
+        <p:spPr/>
+        <p:txBody>
+          <a:bodyPr/>
+          <a:lstStyle/>
+          <a:p>
+            <a:fld id="{1A618A8B-0752-40D5-9454-79BB13FA29FA}" type="slidenum">
+              <a:rPr lang="pt-BR" smtClean="0"/>
+              <a:t>31</a:t>
+            </a:fld>
+            <a:endParaRPr lang="pt-BR"/>
+          </a:p>
+        </p:txBody>
+      </p:sp>
+    </p:spTree>
+    <p:extLst>
+      <p:ext uri="{BB962C8B-B14F-4D97-AF65-F5344CB8AC3E}">
+        <p14:creationId xmlns:p14="http://schemas.microsoft.com/office/powerpoint/2010/main" val="2568763623"/>
+      </p:ext>
+    </p:extLst>
+  </p:cSld>
+  <p:clrMapOvr>
+    <a:masterClrMapping/>
+  </p:clrMapOvr>
+</p:notes>
+</file>
+
+<file path=ppt/notesSlides/notesSlide23.xml><?xml version="1.0" encoding="utf-8"?>
+<p:notes xmlns:a="http://schemas.openxmlformats.org/drawingml/2006/main" xmlns:r="http://schemas.openxmlformats.org/officeDocument/2006/relationships" xmlns:p="http://schemas.openxmlformats.org/presentationml/2006/main">
+  <p:cSld>
+    <p:spTree>
+      <p:nvGrpSpPr>
+        <p:cNvPr id="1" name=""/>
+        <p:cNvGrpSpPr/>
+        <p:nvPr/>
+      </p:nvGrpSpPr>
+      <p:grpSpPr>
+        <a:xfrm>
+          <a:off x="0" y="0"/>
+          <a:ext cx="0" cy="0"/>
+          <a:chOff x="0" y="0"/>
+          <a:chExt cx="0" cy="0"/>
+        </a:xfrm>
+      </p:grpSpPr>
+      <p:sp>
+        <p:nvSpPr>
+          <p:cNvPr id="2" name="Espaço Reservado para Imagem de Slide 1"/>
+          <p:cNvSpPr>
+            <a:spLocks noGrp="1" noRot="1" noChangeAspect="1"/>
+          </p:cNvSpPr>
+          <p:nvPr>
+            <p:ph type="sldImg"/>
+          </p:nvPr>
+        </p:nvSpPr>
+        <p:spPr/>
+      </p:sp>
+      <p:sp>
+        <p:nvSpPr>
+          <p:cNvPr id="3" name="Espaço Reservado para Anotações 2"/>
+          <p:cNvSpPr>
+            <a:spLocks noGrp="1"/>
+          </p:cNvSpPr>
+          <p:nvPr>
+            <p:ph type="body" idx="1"/>
+          </p:nvPr>
+        </p:nvSpPr>
+        <p:spPr/>
+        <p:txBody>
+          <a:bodyPr/>
+          <a:lstStyle/>
+          <a:p>
+            <a:endParaRPr lang="pt-BR" dirty="0"/>
+          </a:p>
+        </p:txBody>
+      </p:sp>
+      <p:sp>
+        <p:nvSpPr>
+          <p:cNvPr id="4" name="Espaço Reservado para Número de Slide 3"/>
+          <p:cNvSpPr>
+            <a:spLocks noGrp="1"/>
+          </p:cNvSpPr>
+          <p:nvPr>
+            <p:ph type="sldNum" sz="quarter" idx="10"/>
+          </p:nvPr>
+        </p:nvSpPr>
+        <p:spPr/>
+        <p:txBody>
+          <a:bodyPr/>
+          <a:lstStyle/>
+          <a:p>
+            <a:fld id="{1A618A8B-0752-40D5-9454-79BB13FA29FA}" type="slidenum">
+              <a:rPr lang="pt-BR" smtClean="0"/>
+              <a:t>32</a:t>
+            </a:fld>
+            <a:endParaRPr lang="pt-BR"/>
+          </a:p>
+        </p:txBody>
+      </p:sp>
+    </p:spTree>
+    <p:extLst>
+      <p:ext uri="{BB962C8B-B14F-4D97-AF65-F5344CB8AC3E}">
+        <p14:creationId xmlns:p14="http://schemas.microsoft.com/office/powerpoint/2010/main" val="1276811389"/>
+      </p:ext>
+    </p:extLst>
+  </p:cSld>
+  <p:clrMapOvr>
+    <a:masterClrMapping/>
+  </p:clrMapOvr>
+</p:notes>
+</file>
+
+<file path=ppt/notesSlides/notesSlide24.xml><?xml version="1.0" encoding="utf-8"?>
+<p:notes xmlns:a="http://schemas.openxmlformats.org/drawingml/2006/main" xmlns:r="http://schemas.openxmlformats.org/officeDocument/2006/relationships" xmlns:p="http://schemas.openxmlformats.org/presentationml/2006/main">
+  <p:cSld>
+    <p:spTree>
+      <p:nvGrpSpPr>
+        <p:cNvPr id="1" name=""/>
+        <p:cNvGrpSpPr/>
+        <p:nvPr/>
+      </p:nvGrpSpPr>
+      <p:grpSpPr>
+        <a:xfrm>
+          <a:off x="0" y="0"/>
+          <a:ext cx="0" cy="0"/>
+          <a:chOff x="0" y="0"/>
+          <a:chExt cx="0" cy="0"/>
+        </a:xfrm>
+      </p:grpSpPr>
+      <p:sp>
+        <p:nvSpPr>
+          <p:cNvPr id="2" name="Espaço Reservado para Imagem de Slide 1"/>
+          <p:cNvSpPr>
+            <a:spLocks noGrp="1" noRot="1" noChangeAspect="1"/>
+          </p:cNvSpPr>
+          <p:nvPr>
+            <p:ph type="sldImg"/>
+          </p:nvPr>
+        </p:nvSpPr>
+        <p:spPr/>
+      </p:sp>
+      <p:sp>
+        <p:nvSpPr>
+          <p:cNvPr id="3" name="Espaço Reservado para Anotações 2"/>
+          <p:cNvSpPr>
+            <a:spLocks noGrp="1"/>
+          </p:cNvSpPr>
+          <p:nvPr>
+            <p:ph type="body" idx="1"/>
+          </p:nvPr>
+        </p:nvSpPr>
+        <p:spPr/>
+        <p:txBody>
+          <a:bodyPr/>
+          <a:lstStyle/>
+          <a:p>
+            <a:endParaRPr lang="pt-BR" dirty="0"/>
+          </a:p>
+        </p:txBody>
+      </p:sp>
+      <p:sp>
+        <p:nvSpPr>
+          <p:cNvPr id="4" name="Espaço Reservado para Número de Slide 3"/>
+          <p:cNvSpPr>
+            <a:spLocks noGrp="1"/>
+          </p:cNvSpPr>
+          <p:nvPr>
+            <p:ph type="sldNum" sz="quarter" idx="10"/>
+          </p:nvPr>
+        </p:nvSpPr>
+        <p:spPr/>
+        <p:txBody>
+          <a:bodyPr/>
+          <a:lstStyle/>
+          <a:p>
+            <a:fld id="{1A618A8B-0752-40D5-9454-79BB13FA29FA}" type="slidenum">
+              <a:rPr lang="pt-BR" smtClean="0"/>
+              <a:t>33</a:t>
+            </a:fld>
+            <a:endParaRPr lang="pt-BR"/>
+          </a:p>
+        </p:txBody>
+      </p:sp>
+    </p:spTree>
+    <p:extLst>
+      <p:ext uri="{BB962C8B-B14F-4D97-AF65-F5344CB8AC3E}">
+        <p14:creationId xmlns:p14="http://schemas.microsoft.com/office/powerpoint/2010/main" val="1460220967"/>
       </p:ext>
     </p:extLst>
   </p:cSld>
@@ -1490,7 +2001,7 @@
           <a:p>
             <a:fld id="{1A618A8B-0752-40D5-9454-79BB13FA29FA}" type="slidenum">
               <a:rPr lang="pt-BR" smtClean="0"/>
-              <a:t>11</a:t>
+              <a:t>12</a:t>
             </a:fld>
             <a:endParaRPr lang="pt-BR"/>
           </a:p>
@@ -1574,7 +2085,7 @@
           <a:p>
             <a:fld id="{1A618A8B-0752-40D5-9454-79BB13FA29FA}" type="slidenum">
               <a:rPr lang="pt-BR" smtClean="0"/>
-              <a:t>12</a:t>
+              <a:t>13</a:t>
             </a:fld>
             <a:endParaRPr lang="pt-BR"/>
           </a:p>
@@ -1583,7 +2094,7 @@
     </p:spTree>
     <p:extLst>
       <p:ext uri="{BB962C8B-B14F-4D97-AF65-F5344CB8AC3E}">
-        <p14:creationId xmlns:p14="http://schemas.microsoft.com/office/powerpoint/2010/main" val="497101789"/>
+        <p14:creationId xmlns:p14="http://schemas.microsoft.com/office/powerpoint/2010/main" val="2737498223"/>
       </p:ext>
     </p:extLst>
   </p:cSld>
@@ -1658,7 +2169,7 @@
           <a:p>
             <a:fld id="{1A618A8B-0752-40D5-9454-79BB13FA29FA}" type="slidenum">
               <a:rPr lang="pt-BR" smtClean="0"/>
-              <a:t>13</a:t>
+              <a:t>14</a:t>
             </a:fld>
             <a:endParaRPr lang="pt-BR"/>
           </a:p>
@@ -1667,7 +2178,7 @@
     </p:spTree>
     <p:extLst>
       <p:ext uri="{BB962C8B-B14F-4D97-AF65-F5344CB8AC3E}">
-        <p14:creationId xmlns:p14="http://schemas.microsoft.com/office/powerpoint/2010/main" val="2366148113"/>
+        <p14:creationId xmlns:p14="http://schemas.microsoft.com/office/powerpoint/2010/main" val="2321915418"/>
       </p:ext>
     </p:extLst>
   </p:cSld>
@@ -1742,7 +2253,7 @@
           <a:p>
             <a:fld id="{1A618A8B-0752-40D5-9454-79BB13FA29FA}" type="slidenum">
               <a:rPr lang="pt-BR" smtClean="0"/>
-              <a:t>14</a:t>
+              <a:t>15</a:t>
             </a:fld>
             <a:endParaRPr lang="pt-BR"/>
           </a:p>
@@ -1751,7 +2262,7 @@
     </p:spTree>
     <p:extLst>
       <p:ext uri="{BB962C8B-B14F-4D97-AF65-F5344CB8AC3E}">
-        <p14:creationId xmlns:p14="http://schemas.microsoft.com/office/powerpoint/2010/main" val="1267129821"/>
+        <p14:creationId xmlns:p14="http://schemas.microsoft.com/office/powerpoint/2010/main" val="3985887250"/>
       </p:ext>
     </p:extLst>
   </p:cSld>
@@ -1826,7 +2337,7 @@
           <a:p>
             <a:fld id="{1A618A8B-0752-40D5-9454-79BB13FA29FA}" type="slidenum">
               <a:rPr lang="pt-BR" smtClean="0"/>
-              <a:t>15</a:t>
+              <a:t>16</a:t>
             </a:fld>
             <a:endParaRPr lang="pt-BR"/>
           </a:p>
@@ -1835,7 +2346,7 @@
     </p:spTree>
     <p:extLst>
       <p:ext uri="{BB962C8B-B14F-4D97-AF65-F5344CB8AC3E}">
-        <p14:creationId xmlns:p14="http://schemas.microsoft.com/office/powerpoint/2010/main" val="2607924494"/>
+        <p14:creationId xmlns:p14="http://schemas.microsoft.com/office/powerpoint/2010/main" val="400615553"/>
       </p:ext>
     </p:extLst>
   </p:cSld>
@@ -1910,7 +2421,7 @@
           <a:p>
             <a:fld id="{1A618A8B-0752-40D5-9454-79BB13FA29FA}" type="slidenum">
               <a:rPr lang="pt-BR" smtClean="0"/>
-              <a:t>16</a:t>
+              <a:t>17</a:t>
             </a:fld>
             <a:endParaRPr lang="pt-BR"/>
           </a:p>
@@ -1919,7 +2430,7 @@
     </p:spTree>
     <p:extLst>
       <p:ext uri="{BB962C8B-B14F-4D97-AF65-F5344CB8AC3E}">
-        <p14:creationId xmlns:p14="http://schemas.microsoft.com/office/powerpoint/2010/main" val="3717476772"/>
+        <p14:creationId xmlns:p14="http://schemas.microsoft.com/office/powerpoint/2010/main" val="425529066"/>
       </p:ext>
     </p:extLst>
   </p:cSld>
@@ -1994,7 +2505,7 @@
           <a:p>
             <a:fld id="{1A618A8B-0752-40D5-9454-79BB13FA29FA}" type="slidenum">
               <a:rPr lang="pt-BR" smtClean="0"/>
-              <a:t>17</a:t>
+              <a:t>18</a:t>
             </a:fld>
             <a:endParaRPr lang="pt-BR"/>
           </a:p>
@@ -2003,7 +2514,7 @@
     </p:spTree>
     <p:extLst>
       <p:ext uri="{BB962C8B-B14F-4D97-AF65-F5344CB8AC3E}">
-        <p14:creationId xmlns:p14="http://schemas.microsoft.com/office/powerpoint/2010/main" val="3745824210"/>
+        <p14:creationId xmlns:p14="http://schemas.microsoft.com/office/powerpoint/2010/main" val="1740967797"/>
       </p:ext>
     </p:extLst>
   </p:cSld>
@@ -2113,7 +2624,7 @@
           <a:p>
             <a:fld id="{2E700DB3-DBF0-4086-B675-117E7A9610B8}" type="datetimeFigureOut">
               <a:rPr lang="pt-BR" smtClean="0"/>
-              <a:t>02/05/2019</a:t>
+              <a:t>03/05/2019</a:t>
             </a:fld>
             <a:endParaRPr lang="pt-BR"/>
           </a:p>
@@ -2311,15 +2822,7 @@
                   <a:schemeClr val="tx1"/>
                 </a:solidFill>
               </a:rPr>
-              <a:t>/40 – </a:t>
-            </a:r>
-            <a:r>
-              <a:rPr lang="pt-BR" sz="1200" dirty="0" smtClean="0">
-                <a:solidFill>
-                  <a:schemeClr val="tx1"/>
-                </a:solidFill>
-              </a:rPr>
-              <a:t>13 a 15/05/2019</a:t>
+              <a:t>/40 – 13 a 15/05/2019</a:t>
             </a:r>
             <a:endParaRPr lang="pt-BR" sz="1200" dirty="0">
               <a:solidFill>
@@ -2582,7 +3085,7 @@
           <a:p>
             <a:fld id="{2E700DB3-DBF0-4086-B675-117E7A9610B8}" type="datetimeFigureOut">
               <a:rPr lang="pt-BR" smtClean="0"/>
-              <a:t>02/05/2019</a:t>
+              <a:t>03/05/2019</a:t>
             </a:fld>
             <a:endParaRPr lang="pt-BR"/>
           </a:p>
@@ -2757,7 +3260,7 @@
           <a:p>
             <a:fld id="{2E700DB3-DBF0-4086-B675-117E7A9610B8}" type="datetimeFigureOut">
               <a:rPr lang="pt-BR" smtClean="0"/>
-              <a:t>02/05/2019</a:t>
+              <a:t>03/05/2019</a:t>
             </a:fld>
             <a:endParaRPr lang="pt-BR"/>
           </a:p>
@@ -2922,7 +3425,7 @@
           <a:p>
             <a:fld id="{2E700DB3-DBF0-4086-B675-117E7A9610B8}" type="datetimeFigureOut">
               <a:rPr lang="pt-BR" smtClean="0"/>
-              <a:t>02/05/2019</a:t>
+              <a:t>03/05/2019</a:t>
             </a:fld>
             <a:endParaRPr lang="pt-BR"/>
           </a:p>
@@ -3289,7 +3792,7 @@
           <a:p>
             <a:fld id="{2E700DB3-DBF0-4086-B675-117E7A9610B8}" type="datetimeFigureOut">
               <a:rPr lang="pt-BR" smtClean="0"/>
-              <a:t>02/05/2019</a:t>
+              <a:t>03/05/2019</a:t>
             </a:fld>
             <a:endParaRPr lang="pt-BR"/>
           </a:p>
@@ -3572,7 +4075,7 @@
           <a:p>
             <a:fld id="{2E700DB3-DBF0-4086-B675-117E7A9610B8}" type="datetimeFigureOut">
               <a:rPr lang="pt-BR" smtClean="0"/>
-              <a:t>02/05/2019</a:t>
+              <a:t>03/05/2019</a:t>
             </a:fld>
             <a:endParaRPr lang="pt-BR"/>
           </a:p>
@@ -3989,7 +4492,7 @@
           <a:p>
             <a:fld id="{2E700DB3-DBF0-4086-B675-117E7A9610B8}" type="datetimeFigureOut">
               <a:rPr lang="pt-BR" smtClean="0"/>
-              <a:t>02/05/2019</a:t>
+              <a:t>03/05/2019</a:t>
             </a:fld>
             <a:endParaRPr lang="pt-BR"/>
           </a:p>
@@ -4102,7 +4605,7 @@
           <a:p>
             <a:fld id="{2E700DB3-DBF0-4086-B675-117E7A9610B8}" type="datetimeFigureOut">
               <a:rPr lang="pt-BR" smtClean="0"/>
-              <a:t>02/05/2019</a:t>
+              <a:t>03/05/2019</a:t>
             </a:fld>
             <a:endParaRPr lang="pt-BR"/>
           </a:p>
@@ -4192,7 +4695,7 @@
           <a:p>
             <a:fld id="{2E700DB3-DBF0-4086-B675-117E7A9610B8}" type="datetimeFigureOut">
               <a:rPr lang="pt-BR" smtClean="0"/>
-              <a:t>02/05/2019</a:t>
+              <a:t>03/05/2019</a:t>
             </a:fld>
             <a:endParaRPr lang="pt-BR"/>
           </a:p>
@@ -4464,7 +4967,7 @@
           <a:p>
             <a:fld id="{2E700DB3-DBF0-4086-B675-117E7A9610B8}" type="datetimeFigureOut">
               <a:rPr lang="pt-BR" smtClean="0"/>
-              <a:t>02/05/2019</a:t>
+              <a:t>03/05/2019</a:t>
             </a:fld>
             <a:endParaRPr lang="pt-BR"/>
           </a:p>
@@ -4712,7 +5215,7 @@
           <a:p>
             <a:fld id="{2E700DB3-DBF0-4086-B675-117E7A9610B8}" type="datetimeFigureOut">
               <a:rPr lang="pt-BR" smtClean="0"/>
-              <a:t>02/05/2019</a:t>
+              <a:t>03/05/2019</a:t>
             </a:fld>
             <a:endParaRPr lang="pt-BR"/>
           </a:p>
@@ -4920,7 +5423,7 @@
           <a:p>
             <a:fld id="{2E700DB3-DBF0-4086-B675-117E7A9610B8}" type="datetimeFigureOut">
               <a:rPr lang="pt-BR" smtClean="0"/>
-              <a:t>02/05/2019</a:t>
+              <a:t>03/05/2019</a:t>
             </a:fld>
             <a:endParaRPr lang="pt-BR"/>
           </a:p>
@@ -5323,10 +5826,6 @@
               <a:rPr lang="pt-BR" sz="3100" dirty="0" smtClean="0"/>
               <a:t>com ênfase em geociências</a:t>
             </a:r>
-            <a:r>
-              <a:rPr lang="pt-BR" sz="3100" dirty="0" smtClean="0"/>
-              <a:t/>
-            </a:r>
             <a:br>
               <a:rPr lang="pt-BR" sz="3100" dirty="0" smtClean="0"/>
             </a:br>
@@ -5455,6 +5954,276 @@
 </file>
 
 <file path=ppt/slides/slide10.xml><?xml version="1.0" encoding="utf-8"?>
+<p:sld xmlns:a="http://schemas.openxmlformats.org/drawingml/2006/main" xmlns:r="http://schemas.openxmlformats.org/officeDocument/2006/relationships" xmlns:p="http://schemas.openxmlformats.org/presentationml/2006/main">
+  <p:cSld>
+    <p:spTree>
+      <p:nvGrpSpPr>
+        <p:cNvPr id="1" name=""/>
+        <p:cNvGrpSpPr/>
+        <p:nvPr/>
+      </p:nvGrpSpPr>
+      <p:grpSpPr>
+        <a:xfrm>
+          <a:off x="0" y="0"/>
+          <a:ext cx="0" cy="0"/>
+          <a:chOff x="0" y="0"/>
+          <a:chExt cx="0" cy="0"/>
+        </a:xfrm>
+      </p:grpSpPr>
+      <p:sp>
+        <p:nvSpPr>
+          <p:cNvPr id="4" name="Título 3"/>
+          <p:cNvSpPr>
+            <a:spLocks noGrp="1"/>
+          </p:cNvSpPr>
+          <p:nvPr>
+            <p:ph type="ctrTitle"/>
+          </p:nvPr>
+        </p:nvSpPr>
+        <p:spPr>
+          <a:xfrm>
+            <a:off x="3275856" y="138754"/>
+            <a:ext cx="4680520" cy="504056"/>
+          </a:xfrm>
+        </p:spPr>
+        <p:txBody>
+          <a:bodyPr>
+            <a:normAutofit/>
+          </a:bodyPr>
+          <a:lstStyle/>
+          <a:p>
+            <a:r>
+              <a:rPr lang="pt-BR" sz="2400" dirty="0" smtClean="0"/>
+              <a:t>4) Aplicações C++/</a:t>
+            </a:r>
+            <a:r>
+              <a:rPr lang="pt-BR" sz="2400" dirty="0" err="1" smtClean="0"/>
+              <a:t>Qt</a:t>
+            </a:r>
+            <a:r>
+              <a:rPr lang="pt-BR" sz="2400" dirty="0" smtClean="0"/>
+              <a:t> com VTK</a:t>
+            </a:r>
+            <a:endParaRPr lang="pt-BR" sz="1400" dirty="0"/>
+          </a:p>
+        </p:txBody>
+      </p:sp>
+      <p:sp>
+        <p:nvSpPr>
+          <p:cNvPr id="13" name="CaixaDeTexto 12"/>
+          <p:cNvSpPr txBox="1"/>
+          <p:nvPr/>
+        </p:nvSpPr>
+        <p:spPr>
+          <a:xfrm>
+            <a:off x="3491880" y="1218238"/>
+            <a:ext cx="3107133" cy="338554"/>
+          </a:xfrm>
+          <a:prstGeom prst="rect">
+            <a:avLst/>
+          </a:prstGeom>
+          <a:noFill/>
+        </p:spPr>
+        <p:txBody>
+          <a:bodyPr wrap="none" rtlCol="0">
+            <a:spAutoFit/>
+          </a:bodyPr>
+          <a:lstStyle/>
+          <a:p>
+            <a:r>
+              <a:rPr lang="pt-BR" sz="1600" b="1" dirty="0" smtClean="0"/>
+              <a:t>4.1.1) Gerenciamento de memória</a:t>
+            </a:r>
+            <a:endParaRPr lang="pt-BR" sz="1600" b="1" dirty="0"/>
+          </a:p>
+        </p:txBody>
+      </p:sp>
+      <p:sp>
+        <p:nvSpPr>
+          <p:cNvPr id="5" name="CaixaDeTexto 4"/>
+          <p:cNvSpPr txBox="1"/>
+          <p:nvPr/>
+        </p:nvSpPr>
+        <p:spPr>
+          <a:xfrm>
+            <a:off x="1403648" y="3452807"/>
+            <a:ext cx="6307611" cy="1200329"/>
+          </a:xfrm>
+          <a:prstGeom prst="rect">
+            <a:avLst/>
+          </a:prstGeom>
+          <a:noFill/>
+        </p:spPr>
+        <p:txBody>
+          <a:bodyPr wrap="square" rtlCol="0">
+            <a:spAutoFit/>
+          </a:bodyPr>
+          <a:lstStyle/>
+          <a:p>
+            <a:pPr marL="285750" indent="-285750" algn="just">
+              <a:buFont typeface="Wingdings" panose="05000000000000000000" pitchFamily="2" charset="2"/>
+              <a:buChar char="Ø"/>
+            </a:pPr>
+            <a:r>
+              <a:rPr lang="pt-BR" sz="2400" dirty="0" smtClean="0"/>
+              <a:t>Sempre use </a:t>
+            </a:r>
+            <a:r>
+              <a:rPr lang="pt-BR" sz="2400" i="1" dirty="0" err="1" smtClean="0"/>
+              <a:t>smart</a:t>
+            </a:r>
+            <a:r>
+              <a:rPr lang="pt-BR" sz="2400" i="1" dirty="0" smtClean="0"/>
+              <a:t> pointers</a:t>
+            </a:r>
+            <a:r>
+              <a:rPr lang="pt-BR" sz="2400" dirty="0" smtClean="0"/>
+              <a:t>!</a:t>
+            </a:r>
+          </a:p>
+          <a:p>
+            <a:pPr marL="285750" indent="-285750" algn="just">
+              <a:buFont typeface="Wingdings" panose="05000000000000000000" pitchFamily="2" charset="2"/>
+              <a:buChar char="Ø"/>
+            </a:pPr>
+            <a:endParaRPr lang="pt-BR" sz="2400" dirty="0" smtClean="0"/>
+          </a:p>
+          <a:p>
+            <a:pPr marL="285750" indent="-285750" algn="just">
+              <a:buFont typeface="Wingdings" panose="05000000000000000000" pitchFamily="2" charset="2"/>
+              <a:buChar char="Ø"/>
+            </a:pPr>
+            <a:r>
+              <a:rPr lang="pt-BR" sz="2400" dirty="0" smtClean="0"/>
+              <a:t> </a:t>
+            </a:r>
+            <a:r>
+              <a:rPr lang="pt-BR" sz="2400" dirty="0" err="1" smtClean="0">
+                <a:latin typeface="Courier New" panose="02070309020205020404" pitchFamily="49" charset="0"/>
+                <a:cs typeface="Courier New" panose="02070309020205020404" pitchFamily="49" charset="0"/>
+              </a:rPr>
+              <a:t>vtkSmartPointer</a:t>
+            </a:r>
+            <a:r>
+              <a:rPr lang="pt-BR" sz="2400" dirty="0" smtClean="0">
+                <a:latin typeface="Courier New" panose="02070309020205020404" pitchFamily="49" charset="0"/>
+                <a:cs typeface="Courier New" panose="02070309020205020404" pitchFamily="49" charset="0"/>
+              </a:rPr>
+              <a:t>&lt; </a:t>
+            </a:r>
+            <a:r>
+              <a:rPr lang="pt-BR" sz="2400" dirty="0" err="1" smtClean="0">
+                <a:latin typeface="Courier New" panose="02070309020205020404" pitchFamily="49" charset="0"/>
+                <a:cs typeface="Courier New" panose="02070309020205020404" pitchFamily="49" charset="0"/>
+              </a:rPr>
+              <a:t>vtk</a:t>
+            </a:r>
+            <a:r>
+              <a:rPr lang="pt-BR" sz="2400" dirty="0" smtClean="0">
+                <a:latin typeface="Courier New" panose="02070309020205020404" pitchFamily="49" charset="0"/>
+                <a:cs typeface="Courier New" panose="02070309020205020404" pitchFamily="49" charset="0"/>
+              </a:rPr>
+              <a:t>* &gt;::New() </a:t>
+            </a:r>
+          </a:p>
+        </p:txBody>
+      </p:sp>
+      <p:pic>
+        <p:nvPicPr>
+          <p:cNvPr id="39" name="Imagem 38"/>
+          <p:cNvPicPr>
+            <a:picLocks noChangeAspect="1"/>
+          </p:cNvPicPr>
+          <p:nvPr/>
+        </p:nvPicPr>
+        <p:blipFill>
+          <a:blip r:embed="rId3">
+            <a:clrChange>
+              <a:clrFrom>
+                <a:srgbClr val="FFFFFF"/>
+              </a:clrFrom>
+              <a:clrTo>
+                <a:srgbClr val="FFFFFF">
+                  <a:alpha val="0"/>
+                </a:srgbClr>
+              </a:clrTo>
+            </a:clrChange>
+          </a:blip>
+          <a:stretch>
+            <a:fillRect/>
+          </a:stretch>
+        </p:blipFill>
+        <p:spPr>
+          <a:xfrm>
+            <a:off x="4235052" y="1861373"/>
+            <a:ext cx="1092122" cy="1008112"/>
+          </a:xfrm>
+          <a:prstGeom prst="rect">
+            <a:avLst/>
+          </a:prstGeom>
+          <a:ln>
+            <a:noFill/>
+          </a:ln>
+          <a:effectLst>
+            <a:outerShdw blurRad="292100" dist="139700" dir="2700000" algn="tl" rotWithShape="0">
+              <a:srgbClr val="333333">
+                <a:alpha val="65000"/>
+              </a:srgbClr>
+            </a:outerShdw>
+          </a:effectLst>
+        </p:spPr>
+      </p:pic>
+      <p:sp>
+        <p:nvSpPr>
+          <p:cNvPr id="40" name="CaixaDeTexto 39"/>
+          <p:cNvSpPr txBox="1"/>
+          <p:nvPr/>
+        </p:nvSpPr>
+        <p:spPr>
+          <a:xfrm>
+            <a:off x="2987824" y="908720"/>
+            <a:ext cx="4154984" cy="369332"/>
+          </a:xfrm>
+          <a:prstGeom prst="rect">
+            <a:avLst/>
+          </a:prstGeom>
+          <a:noFill/>
+        </p:spPr>
+        <p:txBody>
+          <a:bodyPr wrap="none" rtlCol="0">
+            <a:spAutoFit/>
+          </a:bodyPr>
+          <a:lstStyle/>
+          <a:p>
+            <a:r>
+              <a:rPr lang="pt-BR" b="1" dirty="0" smtClean="0"/>
+              <a:t>4.1) Criando um aplicativo VTK elementar</a:t>
+            </a:r>
+            <a:endParaRPr lang="pt-BR" b="1" dirty="0"/>
+          </a:p>
+        </p:txBody>
+      </p:sp>
+    </p:spTree>
+    <p:extLst>
+      <p:ext uri="{BB962C8B-B14F-4D97-AF65-F5344CB8AC3E}">
+        <p14:creationId xmlns:p14="http://schemas.microsoft.com/office/powerpoint/2010/main" val="3717946208"/>
+      </p:ext>
+    </p:extLst>
+  </p:cSld>
+  <p:clrMapOvr>
+    <a:masterClrMapping/>
+  </p:clrMapOvr>
+  <p:timing>
+    <p:tnLst>
+      <p:par>
+        <p:cTn id="1" dur="indefinite" restart="never" nodeType="tmRoot"/>
+      </p:par>
+    </p:tnLst>
+  </p:timing>
+</p:sld>
+</file>
+
+<file path=ppt/slides/slide11.xml><?xml version="1.0" encoding="utf-8"?>
 <p:sld xmlns:a="http://schemas.openxmlformats.org/drawingml/2006/main" xmlns:r="http://schemas.openxmlformats.org/officeDocument/2006/relationships" xmlns:p="http://schemas.openxmlformats.org/presentationml/2006/main">
   <p:cSld>
     <p:spTree>
@@ -6697,7 +7466,7 @@
           <p:nvPr/>
         </p:nvPicPr>
         <p:blipFill>
-          <a:blip r:embed="rId10">
+          <a:blip r:embed="rId10" cstate="print">
             <a:clrChange>
               <a:clrFrom>
                 <a:srgbClr val="FFFFFF"/>
@@ -6925,986 +7694,6 @@
     <p:extLst>
       <p:ext uri="{BB962C8B-B14F-4D97-AF65-F5344CB8AC3E}">
         <p14:creationId xmlns:p14="http://schemas.microsoft.com/office/powerpoint/2010/main" val="2986245494"/>
-      </p:ext>
-    </p:extLst>
-  </p:cSld>
-  <p:clrMapOvr>
-    <a:masterClrMapping/>
-  </p:clrMapOvr>
-  <p:timing>
-    <p:tnLst>
-      <p:par>
-        <p:cTn id="1" dur="indefinite" restart="never" nodeType="tmRoot"/>
-      </p:par>
-    </p:tnLst>
-  </p:timing>
-</p:sld>
-</file>
-
-<file path=ppt/slides/slide11.xml><?xml version="1.0" encoding="utf-8"?>
-<p:sld xmlns:a="http://schemas.openxmlformats.org/drawingml/2006/main" xmlns:r="http://schemas.openxmlformats.org/officeDocument/2006/relationships" xmlns:p="http://schemas.openxmlformats.org/presentationml/2006/main">
-  <p:cSld>
-    <p:spTree>
-      <p:nvGrpSpPr>
-        <p:cNvPr id="1" name=""/>
-        <p:cNvGrpSpPr/>
-        <p:nvPr/>
-      </p:nvGrpSpPr>
-      <p:grpSpPr>
-        <a:xfrm>
-          <a:off x="0" y="0"/>
-          <a:ext cx="0" cy="0"/>
-          <a:chOff x="0" y="0"/>
-          <a:chExt cx="0" cy="0"/>
-        </a:xfrm>
-      </p:grpSpPr>
-      <p:sp>
-        <p:nvSpPr>
-          <p:cNvPr id="4" name="Título 3"/>
-          <p:cNvSpPr>
-            <a:spLocks noGrp="1"/>
-          </p:cNvSpPr>
-          <p:nvPr>
-            <p:ph type="ctrTitle"/>
-          </p:nvPr>
-        </p:nvSpPr>
-        <p:spPr>
-          <a:xfrm>
-            <a:off x="3275856" y="138754"/>
-            <a:ext cx="4680520" cy="504056"/>
-          </a:xfrm>
-        </p:spPr>
-        <p:txBody>
-          <a:bodyPr>
-            <a:normAutofit/>
-          </a:bodyPr>
-          <a:lstStyle/>
-          <a:p>
-            <a:r>
-              <a:rPr lang="pt-BR" sz="2400" dirty="0" smtClean="0"/>
-              <a:t>4) Aplicações C++/</a:t>
-            </a:r>
-            <a:r>
-              <a:rPr lang="pt-BR" sz="2400" dirty="0" err="1" smtClean="0"/>
-              <a:t>Qt</a:t>
-            </a:r>
-            <a:r>
-              <a:rPr lang="pt-BR" sz="2400" dirty="0" smtClean="0"/>
-              <a:t> com VTK</a:t>
-            </a:r>
-            <a:endParaRPr lang="pt-BR" sz="1400" dirty="0"/>
-          </a:p>
-        </p:txBody>
-      </p:sp>
-      <p:pic>
-        <p:nvPicPr>
-          <p:cNvPr id="3" name="Imagem 2"/>
-          <p:cNvPicPr>
-            <a:picLocks noChangeAspect="1"/>
-          </p:cNvPicPr>
-          <p:nvPr/>
-        </p:nvPicPr>
-        <p:blipFill>
-          <a:blip r:embed="rId3"/>
-          <a:stretch>
-            <a:fillRect/>
-          </a:stretch>
-        </p:blipFill>
-        <p:spPr>
-          <a:xfrm>
-            <a:off x="1403648" y="3212976"/>
-            <a:ext cx="6041529" cy="1441634"/>
-          </a:xfrm>
-          <a:prstGeom prst="rect">
-            <a:avLst/>
-          </a:prstGeom>
-          <a:ln>
-            <a:solidFill>
-              <a:schemeClr val="tx1"/>
-            </a:solidFill>
-          </a:ln>
-          <a:effectLst>
-            <a:outerShdw blurRad="292100" dist="139700" dir="2700000" algn="tl" rotWithShape="0">
-              <a:srgbClr val="333333">
-                <a:alpha val="65000"/>
-              </a:srgbClr>
-            </a:outerShdw>
-          </a:effectLst>
-        </p:spPr>
-      </p:pic>
-      <p:sp>
-        <p:nvSpPr>
-          <p:cNvPr id="2" name="Retângulo 1"/>
-          <p:cNvSpPr/>
-          <p:nvPr/>
-        </p:nvSpPr>
-        <p:spPr>
-          <a:xfrm>
-            <a:off x="2699792" y="4941168"/>
-            <a:ext cx="1366080" cy="307777"/>
-          </a:xfrm>
-          <a:prstGeom prst="rect">
-            <a:avLst/>
-          </a:prstGeom>
-        </p:spPr>
-        <p:txBody>
-          <a:bodyPr wrap="none">
-            <a:spAutoFit/>
-          </a:bodyPr>
-          <a:lstStyle/>
-          <a:p>
-            <a:r>
-              <a:rPr lang="pt-BR" sz="1400" b="1" dirty="0" err="1">
-                <a:solidFill>
-                  <a:srgbClr val="800080"/>
-                </a:solidFill>
-                <a:latin typeface="Courier New" panose="02070309020205020404" pitchFamily="49" charset="0"/>
-                <a:cs typeface="Courier New" panose="02070309020205020404" pitchFamily="49" charset="0"/>
-              </a:rPr>
-              <a:t>vtkRenderer</a:t>
-            </a:r>
-            <a:endParaRPr lang="pt-BR" sz="1400" b="1" dirty="0">
-              <a:latin typeface="Courier New" panose="02070309020205020404" pitchFamily="49" charset="0"/>
-              <a:cs typeface="Courier New" panose="02070309020205020404" pitchFamily="49" charset="0"/>
-            </a:endParaRPr>
-          </a:p>
-        </p:txBody>
-      </p:sp>
-      <p:sp>
-        <p:nvSpPr>
-          <p:cNvPr id="22" name="Retângulo 21"/>
-          <p:cNvSpPr/>
-          <p:nvPr/>
-        </p:nvSpPr>
-        <p:spPr>
-          <a:xfrm>
-            <a:off x="3036285" y="5517232"/>
-            <a:ext cx="3191899" cy="307777"/>
-          </a:xfrm>
-          <a:prstGeom prst="rect">
-            <a:avLst/>
-          </a:prstGeom>
-        </p:spPr>
-        <p:txBody>
-          <a:bodyPr wrap="none">
-            <a:spAutoFit/>
-          </a:bodyPr>
-          <a:lstStyle/>
-          <a:p>
-            <a:r>
-              <a:rPr lang="pt-BR" sz="1400" b="1" dirty="0" err="1">
-                <a:solidFill>
-                  <a:srgbClr val="800080"/>
-                </a:solidFill>
-                <a:latin typeface="Courier New" panose="02070309020205020404" pitchFamily="49" charset="0"/>
-                <a:cs typeface="Courier New" panose="02070309020205020404" pitchFamily="49" charset="0"/>
-              </a:rPr>
-              <a:t>vtkGenericOpenGLRenderWindow</a:t>
-            </a:r>
-            <a:endParaRPr lang="pt-BR" sz="1400" b="1" dirty="0">
-              <a:latin typeface="Courier New" panose="02070309020205020404" pitchFamily="49" charset="0"/>
-              <a:cs typeface="Courier New" panose="02070309020205020404" pitchFamily="49" charset="0"/>
-            </a:endParaRPr>
-          </a:p>
-        </p:txBody>
-      </p:sp>
-      <p:sp>
-        <p:nvSpPr>
-          <p:cNvPr id="31" name="Retângulo 30"/>
-          <p:cNvSpPr/>
-          <p:nvPr/>
-        </p:nvSpPr>
-        <p:spPr>
-          <a:xfrm>
-            <a:off x="6012160" y="4921423"/>
-            <a:ext cx="1688283" cy="307777"/>
-          </a:xfrm>
-          <a:prstGeom prst="rect">
-            <a:avLst/>
-          </a:prstGeom>
-        </p:spPr>
-        <p:txBody>
-          <a:bodyPr wrap="none">
-            <a:spAutoFit/>
-          </a:bodyPr>
-          <a:lstStyle/>
-          <a:p>
-            <a:r>
-              <a:rPr lang="pt-BR" sz="1400" b="1" dirty="0" err="1">
-                <a:solidFill>
-                  <a:srgbClr val="7030A0"/>
-                </a:solidFill>
-                <a:latin typeface="Courier New" panose="02070309020205020404" pitchFamily="49" charset="0"/>
-                <a:cs typeface="Courier New" panose="02070309020205020404" pitchFamily="49" charset="0"/>
-              </a:rPr>
-              <a:t>QVTKInteractor</a:t>
-            </a:r>
-            <a:endParaRPr lang="pt-BR" sz="1400" b="1" dirty="0">
-              <a:solidFill>
-                <a:srgbClr val="7030A0"/>
-              </a:solidFill>
-              <a:latin typeface="Courier New" panose="02070309020205020404" pitchFamily="49" charset="0"/>
-              <a:cs typeface="Courier New" panose="02070309020205020404" pitchFamily="49" charset="0"/>
-            </a:endParaRPr>
-          </a:p>
-        </p:txBody>
-      </p:sp>
-      <p:sp>
-        <p:nvSpPr>
-          <p:cNvPr id="41" name="Retângulo 40"/>
-          <p:cNvSpPr/>
-          <p:nvPr/>
-        </p:nvSpPr>
-        <p:spPr>
-          <a:xfrm>
-            <a:off x="5522226" y="2701546"/>
-            <a:ext cx="1043876" cy="307777"/>
-          </a:xfrm>
-          <a:prstGeom prst="rect">
-            <a:avLst/>
-          </a:prstGeom>
-        </p:spPr>
-        <p:txBody>
-          <a:bodyPr wrap="none">
-            <a:spAutoFit/>
-          </a:bodyPr>
-          <a:lstStyle/>
-          <a:p>
-            <a:r>
-              <a:rPr lang="pt-BR" sz="1400" b="1" dirty="0" err="1" smtClean="0">
-                <a:solidFill>
-                  <a:srgbClr val="800080"/>
-                </a:solidFill>
-                <a:latin typeface="Courier New" panose="02070309020205020404" pitchFamily="49" charset="0"/>
-                <a:cs typeface="Courier New" panose="02070309020205020404" pitchFamily="49" charset="0"/>
-              </a:rPr>
-              <a:t>vtkActor</a:t>
-            </a:r>
-            <a:endParaRPr lang="pt-BR" sz="1400" b="1" dirty="0">
-              <a:latin typeface="Courier New" panose="02070309020205020404" pitchFamily="49" charset="0"/>
-              <a:cs typeface="Courier New" panose="02070309020205020404" pitchFamily="49" charset="0"/>
-            </a:endParaRPr>
-          </a:p>
-        </p:txBody>
-      </p:sp>
-      <p:sp>
-        <p:nvSpPr>
-          <p:cNvPr id="34" name="Retângulo 33"/>
-          <p:cNvSpPr/>
-          <p:nvPr/>
-        </p:nvSpPr>
-        <p:spPr>
-          <a:xfrm>
-            <a:off x="4227559" y="2699628"/>
-            <a:ext cx="1151277" cy="307777"/>
-          </a:xfrm>
-          <a:prstGeom prst="rect">
-            <a:avLst/>
-          </a:prstGeom>
-        </p:spPr>
-        <p:txBody>
-          <a:bodyPr wrap="none">
-            <a:spAutoFit/>
-          </a:bodyPr>
-          <a:lstStyle/>
-          <a:p>
-            <a:r>
-              <a:rPr lang="pt-BR" sz="1400" b="1" dirty="0" err="1" smtClean="0">
-                <a:solidFill>
-                  <a:srgbClr val="7030A0"/>
-                </a:solidFill>
-                <a:latin typeface="Courier New" panose="02070309020205020404" pitchFamily="49" charset="0"/>
-                <a:cs typeface="Courier New" panose="02070309020205020404" pitchFamily="49" charset="0"/>
-              </a:rPr>
-              <a:t>vtkMapper</a:t>
-            </a:r>
-            <a:endParaRPr lang="pt-BR" sz="1400" b="1" dirty="0">
-              <a:solidFill>
-                <a:srgbClr val="7030A0"/>
-              </a:solidFill>
-              <a:latin typeface="Courier New" panose="02070309020205020404" pitchFamily="49" charset="0"/>
-              <a:cs typeface="Courier New" panose="02070309020205020404" pitchFamily="49" charset="0"/>
-            </a:endParaRPr>
-          </a:p>
-        </p:txBody>
-      </p:sp>
-      <p:sp>
-        <p:nvSpPr>
-          <p:cNvPr id="42" name="Retângulo 41"/>
-          <p:cNvSpPr/>
-          <p:nvPr/>
-        </p:nvSpPr>
-        <p:spPr>
-          <a:xfrm>
-            <a:off x="2964628" y="2698351"/>
-            <a:ext cx="1258678" cy="307777"/>
-          </a:xfrm>
-          <a:prstGeom prst="rect">
-            <a:avLst/>
-          </a:prstGeom>
-        </p:spPr>
-        <p:txBody>
-          <a:bodyPr wrap="none">
-            <a:spAutoFit/>
-          </a:bodyPr>
-          <a:lstStyle/>
-          <a:p>
-            <a:r>
-              <a:rPr lang="pt-BR" sz="1400" b="1" dirty="0" err="1" smtClean="0">
-                <a:solidFill>
-                  <a:srgbClr val="800080"/>
-                </a:solidFill>
-                <a:latin typeface="Courier New" panose="02070309020205020404" pitchFamily="49" charset="0"/>
-                <a:cs typeface="Courier New" panose="02070309020205020404" pitchFamily="49" charset="0"/>
-              </a:rPr>
-              <a:t>vtk</a:t>
-            </a:r>
-            <a:r>
-              <a:rPr lang="pt-BR" sz="1400" b="1" dirty="0" smtClean="0">
-                <a:solidFill>
-                  <a:srgbClr val="800080"/>
-                </a:solidFill>
-                <a:latin typeface="Courier New" panose="02070309020205020404" pitchFamily="49" charset="0"/>
-                <a:cs typeface="Courier New" panose="02070309020205020404" pitchFamily="49" charset="0"/>
-              </a:rPr>
-              <a:t>*</a:t>
-            </a:r>
-            <a:r>
-              <a:rPr lang="pt-BR" sz="1400" b="1" dirty="0" err="1" smtClean="0">
-                <a:solidFill>
-                  <a:srgbClr val="800080"/>
-                </a:solidFill>
-                <a:latin typeface="Courier New" panose="02070309020205020404" pitchFamily="49" charset="0"/>
-                <a:cs typeface="Courier New" panose="02070309020205020404" pitchFamily="49" charset="0"/>
-              </a:rPr>
-              <a:t>Filter</a:t>
-            </a:r>
-            <a:endParaRPr lang="pt-BR" sz="1400" b="1" dirty="0">
-              <a:latin typeface="Courier New" panose="02070309020205020404" pitchFamily="49" charset="0"/>
-              <a:cs typeface="Courier New" panose="02070309020205020404" pitchFamily="49" charset="0"/>
-            </a:endParaRPr>
-          </a:p>
-        </p:txBody>
-      </p:sp>
-      <p:sp>
-        <p:nvSpPr>
-          <p:cNvPr id="43" name="Retângulo 42"/>
-          <p:cNvSpPr/>
-          <p:nvPr/>
-        </p:nvSpPr>
-        <p:spPr>
-          <a:xfrm>
-            <a:off x="695003" y="2659034"/>
-            <a:ext cx="1258678" cy="307777"/>
-          </a:xfrm>
-          <a:prstGeom prst="rect">
-            <a:avLst/>
-          </a:prstGeom>
-        </p:spPr>
-        <p:txBody>
-          <a:bodyPr wrap="none">
-            <a:spAutoFit/>
-          </a:bodyPr>
-          <a:lstStyle/>
-          <a:p>
-            <a:r>
-              <a:rPr lang="pt-BR" sz="1400" b="1" dirty="0" err="1" smtClean="0">
-                <a:solidFill>
-                  <a:srgbClr val="800080"/>
-                </a:solidFill>
-                <a:latin typeface="Courier New" panose="02070309020205020404" pitchFamily="49" charset="0"/>
-                <a:cs typeface="Courier New" panose="02070309020205020404" pitchFamily="49" charset="0"/>
-              </a:rPr>
-              <a:t>vtk</a:t>
-            </a:r>
-            <a:r>
-              <a:rPr lang="pt-BR" sz="1400" b="1" dirty="0" smtClean="0">
-                <a:solidFill>
-                  <a:srgbClr val="800080"/>
-                </a:solidFill>
-                <a:latin typeface="Courier New" panose="02070309020205020404" pitchFamily="49" charset="0"/>
-                <a:cs typeface="Courier New" panose="02070309020205020404" pitchFamily="49" charset="0"/>
-              </a:rPr>
-              <a:t>*</a:t>
-            </a:r>
-            <a:r>
-              <a:rPr lang="pt-BR" sz="1400" b="1" dirty="0" err="1" smtClean="0">
-                <a:solidFill>
-                  <a:srgbClr val="800080"/>
-                </a:solidFill>
-                <a:latin typeface="Courier New" panose="02070309020205020404" pitchFamily="49" charset="0"/>
-                <a:cs typeface="Courier New" panose="02070309020205020404" pitchFamily="49" charset="0"/>
-              </a:rPr>
-              <a:t>Source</a:t>
-            </a:r>
-            <a:endParaRPr lang="pt-BR" sz="1400" b="1" dirty="0">
-              <a:latin typeface="Courier New" panose="02070309020205020404" pitchFamily="49" charset="0"/>
-              <a:cs typeface="Courier New" panose="02070309020205020404" pitchFamily="49" charset="0"/>
-            </a:endParaRPr>
-          </a:p>
-        </p:txBody>
-      </p:sp>
-      <p:sp>
-        <p:nvSpPr>
-          <p:cNvPr id="44" name="Retângulo 43"/>
-          <p:cNvSpPr/>
-          <p:nvPr/>
-        </p:nvSpPr>
-        <p:spPr>
-          <a:xfrm>
-            <a:off x="1560384" y="2267580"/>
-            <a:ext cx="1580882" cy="307777"/>
-          </a:xfrm>
-          <a:prstGeom prst="rect">
-            <a:avLst/>
-          </a:prstGeom>
-        </p:spPr>
-        <p:txBody>
-          <a:bodyPr wrap="none">
-            <a:spAutoFit/>
-          </a:bodyPr>
-          <a:lstStyle/>
-          <a:p>
-            <a:r>
-              <a:rPr lang="pt-BR" sz="1400" b="1" dirty="0" err="1" smtClean="0">
-                <a:solidFill>
-                  <a:srgbClr val="800080"/>
-                </a:solidFill>
-                <a:latin typeface="Courier New" panose="02070309020205020404" pitchFamily="49" charset="0"/>
-                <a:cs typeface="Courier New" panose="02070309020205020404" pitchFamily="49" charset="0"/>
-              </a:rPr>
-              <a:t>vtkDataReader</a:t>
-            </a:r>
-            <a:endParaRPr lang="pt-BR" sz="1400" b="1" dirty="0">
-              <a:latin typeface="Courier New" panose="02070309020205020404" pitchFamily="49" charset="0"/>
-              <a:cs typeface="Courier New" panose="02070309020205020404" pitchFamily="49" charset="0"/>
-            </a:endParaRPr>
-          </a:p>
-        </p:txBody>
-      </p:sp>
-      <p:sp>
-        <p:nvSpPr>
-          <p:cNvPr id="45" name="Seta para baixo 44"/>
-          <p:cNvSpPr/>
-          <p:nvPr/>
-        </p:nvSpPr>
-        <p:spPr>
-          <a:xfrm>
-            <a:off x="2412835" y="2514229"/>
-            <a:ext cx="142941" cy="914771"/>
-          </a:xfrm>
-          <a:prstGeom prst="downArrow">
-            <a:avLst/>
-          </a:prstGeom>
-          <a:pattFill prst="pct25">
-            <a:fgClr>
-              <a:schemeClr val="dk1"/>
-            </a:fgClr>
-            <a:bgClr>
-              <a:schemeClr val="bg1"/>
-            </a:bgClr>
-          </a:pattFill>
-        </p:spPr>
-        <p:style>
-          <a:lnRef idx="2">
-            <a:schemeClr val="dk1">
-              <a:shade val="50000"/>
-            </a:schemeClr>
-          </a:lnRef>
-          <a:fillRef idx="1">
-            <a:schemeClr val="dk1"/>
-          </a:fillRef>
-          <a:effectRef idx="0">
-            <a:schemeClr val="dk1"/>
-          </a:effectRef>
-          <a:fontRef idx="minor">
-            <a:schemeClr val="lt1"/>
-          </a:fontRef>
-        </p:style>
-        <p:txBody>
-          <a:bodyPr rtlCol="0" anchor="ctr"/>
-          <a:lstStyle/>
-          <a:p>
-            <a:pPr algn="ctr"/>
-            <a:endParaRPr lang="pt-BR" dirty="0" smtClean="0">
-              <a:solidFill>
-                <a:schemeClr val="tx1"/>
-              </a:solidFill>
-            </a:endParaRPr>
-          </a:p>
-        </p:txBody>
-      </p:sp>
-      <p:sp>
-        <p:nvSpPr>
-          <p:cNvPr id="46" name="Seta para baixo 45"/>
-          <p:cNvSpPr/>
-          <p:nvPr/>
-        </p:nvSpPr>
-        <p:spPr>
-          <a:xfrm rot="19000592">
-            <a:off x="1597881" y="2874575"/>
-            <a:ext cx="118219" cy="605470"/>
-          </a:xfrm>
-          <a:prstGeom prst="downArrow">
-            <a:avLst/>
-          </a:prstGeom>
-          <a:pattFill prst="pct25">
-            <a:fgClr>
-              <a:schemeClr val="dk1"/>
-            </a:fgClr>
-            <a:bgClr>
-              <a:schemeClr val="bg1"/>
-            </a:bgClr>
-          </a:pattFill>
-        </p:spPr>
-        <p:style>
-          <a:lnRef idx="2">
-            <a:schemeClr val="dk1">
-              <a:shade val="50000"/>
-            </a:schemeClr>
-          </a:lnRef>
-          <a:fillRef idx="1">
-            <a:schemeClr val="dk1"/>
-          </a:fillRef>
-          <a:effectRef idx="0">
-            <a:schemeClr val="dk1"/>
-          </a:effectRef>
-          <a:fontRef idx="minor">
-            <a:schemeClr val="lt1"/>
-          </a:fontRef>
-        </p:style>
-        <p:txBody>
-          <a:bodyPr rtlCol="0" anchor="ctr"/>
-          <a:lstStyle/>
-          <a:p>
-            <a:pPr algn="ctr"/>
-            <a:endParaRPr lang="pt-BR" dirty="0" smtClean="0">
-              <a:solidFill>
-                <a:schemeClr val="tx1"/>
-              </a:solidFill>
-            </a:endParaRPr>
-          </a:p>
-        </p:txBody>
-      </p:sp>
-      <p:sp>
-        <p:nvSpPr>
-          <p:cNvPr id="47" name="Seta para baixo 46"/>
-          <p:cNvSpPr/>
-          <p:nvPr/>
-        </p:nvSpPr>
-        <p:spPr>
-          <a:xfrm>
-            <a:off x="3593967" y="2935612"/>
-            <a:ext cx="113937" cy="349374"/>
-          </a:xfrm>
-          <a:prstGeom prst="downArrow">
-            <a:avLst/>
-          </a:prstGeom>
-          <a:pattFill prst="pct25">
-            <a:fgClr>
-              <a:schemeClr val="dk1"/>
-            </a:fgClr>
-            <a:bgClr>
-              <a:schemeClr val="bg1"/>
-            </a:bgClr>
-          </a:pattFill>
-        </p:spPr>
-        <p:style>
-          <a:lnRef idx="2">
-            <a:schemeClr val="dk1">
-              <a:shade val="50000"/>
-            </a:schemeClr>
-          </a:lnRef>
-          <a:fillRef idx="1">
-            <a:schemeClr val="dk1"/>
-          </a:fillRef>
-          <a:effectRef idx="0">
-            <a:schemeClr val="dk1"/>
-          </a:effectRef>
-          <a:fontRef idx="minor">
-            <a:schemeClr val="lt1"/>
-          </a:fontRef>
-        </p:style>
-        <p:txBody>
-          <a:bodyPr rtlCol="0" anchor="ctr"/>
-          <a:lstStyle/>
-          <a:p>
-            <a:pPr algn="ctr"/>
-            <a:endParaRPr lang="pt-BR" dirty="0" smtClean="0">
-              <a:solidFill>
-                <a:schemeClr val="tx1"/>
-              </a:solidFill>
-            </a:endParaRPr>
-          </a:p>
-        </p:txBody>
-      </p:sp>
-      <p:sp>
-        <p:nvSpPr>
-          <p:cNvPr id="48" name="Seta para baixo 47"/>
-          <p:cNvSpPr/>
-          <p:nvPr/>
-        </p:nvSpPr>
-        <p:spPr>
-          <a:xfrm>
-            <a:off x="4746095" y="2935610"/>
-            <a:ext cx="113937" cy="349374"/>
-          </a:xfrm>
-          <a:prstGeom prst="downArrow">
-            <a:avLst/>
-          </a:prstGeom>
-          <a:pattFill prst="pct25">
-            <a:fgClr>
-              <a:schemeClr val="dk1"/>
-            </a:fgClr>
-            <a:bgClr>
-              <a:schemeClr val="bg1"/>
-            </a:bgClr>
-          </a:pattFill>
-        </p:spPr>
-        <p:style>
-          <a:lnRef idx="2">
-            <a:schemeClr val="dk1">
-              <a:shade val="50000"/>
-            </a:schemeClr>
-          </a:lnRef>
-          <a:fillRef idx="1">
-            <a:schemeClr val="dk1"/>
-          </a:fillRef>
-          <a:effectRef idx="0">
-            <a:schemeClr val="dk1"/>
-          </a:effectRef>
-          <a:fontRef idx="minor">
-            <a:schemeClr val="lt1"/>
-          </a:fontRef>
-        </p:style>
-        <p:txBody>
-          <a:bodyPr rtlCol="0" anchor="ctr"/>
-          <a:lstStyle/>
-          <a:p>
-            <a:pPr algn="ctr"/>
-            <a:endParaRPr lang="pt-BR" dirty="0" smtClean="0">
-              <a:solidFill>
-                <a:schemeClr val="tx1"/>
-              </a:solidFill>
-            </a:endParaRPr>
-          </a:p>
-        </p:txBody>
-      </p:sp>
-      <p:sp>
-        <p:nvSpPr>
-          <p:cNvPr id="49" name="Seta para baixo 48"/>
-          <p:cNvSpPr/>
-          <p:nvPr/>
-        </p:nvSpPr>
-        <p:spPr>
-          <a:xfrm>
-            <a:off x="5970231" y="2924944"/>
-            <a:ext cx="113937" cy="349374"/>
-          </a:xfrm>
-          <a:prstGeom prst="downArrow">
-            <a:avLst/>
-          </a:prstGeom>
-          <a:pattFill prst="pct25">
-            <a:fgClr>
-              <a:schemeClr val="dk1"/>
-            </a:fgClr>
-            <a:bgClr>
-              <a:schemeClr val="bg1"/>
-            </a:bgClr>
-          </a:pattFill>
-        </p:spPr>
-        <p:style>
-          <a:lnRef idx="2">
-            <a:schemeClr val="dk1">
-              <a:shade val="50000"/>
-            </a:schemeClr>
-          </a:lnRef>
-          <a:fillRef idx="1">
-            <a:schemeClr val="dk1"/>
-          </a:fillRef>
-          <a:effectRef idx="0">
-            <a:schemeClr val="dk1"/>
-          </a:effectRef>
-          <a:fontRef idx="minor">
-            <a:schemeClr val="lt1"/>
-          </a:fontRef>
-        </p:style>
-        <p:txBody>
-          <a:bodyPr rtlCol="0" anchor="ctr"/>
-          <a:lstStyle/>
-          <a:p>
-            <a:pPr algn="ctr"/>
-            <a:endParaRPr lang="pt-BR" dirty="0" smtClean="0">
-              <a:solidFill>
-                <a:schemeClr val="tx1"/>
-              </a:solidFill>
-            </a:endParaRPr>
-          </a:p>
-        </p:txBody>
-      </p:sp>
-      <p:sp>
-        <p:nvSpPr>
-          <p:cNvPr id="50" name="Seta para baixo 49"/>
-          <p:cNvSpPr/>
-          <p:nvPr/>
-        </p:nvSpPr>
-        <p:spPr>
-          <a:xfrm flipV="1">
-            <a:off x="3360361" y="4581128"/>
-            <a:ext cx="119022" cy="359924"/>
-          </a:xfrm>
-          <a:prstGeom prst="downArrow">
-            <a:avLst/>
-          </a:prstGeom>
-          <a:pattFill prst="pct25">
-            <a:fgClr>
-              <a:schemeClr val="dk1"/>
-            </a:fgClr>
-            <a:bgClr>
-              <a:schemeClr val="bg1"/>
-            </a:bgClr>
-          </a:pattFill>
-        </p:spPr>
-        <p:style>
-          <a:lnRef idx="2">
-            <a:schemeClr val="dk1">
-              <a:shade val="50000"/>
-            </a:schemeClr>
-          </a:lnRef>
-          <a:fillRef idx="1">
-            <a:schemeClr val="dk1"/>
-          </a:fillRef>
-          <a:effectRef idx="0">
-            <a:schemeClr val="dk1"/>
-          </a:effectRef>
-          <a:fontRef idx="minor">
-            <a:schemeClr val="lt1"/>
-          </a:fontRef>
-        </p:style>
-        <p:txBody>
-          <a:bodyPr rtlCol="0" anchor="ctr"/>
-          <a:lstStyle/>
-          <a:p>
-            <a:pPr algn="ctr"/>
-            <a:endParaRPr lang="pt-BR" dirty="0" smtClean="0">
-              <a:solidFill>
-                <a:schemeClr val="tx1"/>
-              </a:solidFill>
-            </a:endParaRPr>
-          </a:p>
-        </p:txBody>
-      </p:sp>
-      <p:sp>
-        <p:nvSpPr>
-          <p:cNvPr id="51" name="Seta para baixo 50"/>
-          <p:cNvSpPr/>
-          <p:nvPr/>
-        </p:nvSpPr>
-        <p:spPr>
-          <a:xfrm flipV="1">
-            <a:off x="6757234" y="4581244"/>
-            <a:ext cx="119022" cy="359924"/>
-          </a:xfrm>
-          <a:prstGeom prst="downArrow">
-            <a:avLst/>
-          </a:prstGeom>
-          <a:pattFill prst="pct25">
-            <a:fgClr>
-              <a:schemeClr val="dk1"/>
-            </a:fgClr>
-            <a:bgClr>
-              <a:schemeClr val="bg1"/>
-            </a:bgClr>
-          </a:pattFill>
-        </p:spPr>
-        <p:style>
-          <a:lnRef idx="2">
-            <a:schemeClr val="dk1">
-              <a:shade val="50000"/>
-            </a:schemeClr>
-          </a:lnRef>
-          <a:fillRef idx="1">
-            <a:schemeClr val="dk1"/>
-          </a:fillRef>
-          <a:effectRef idx="0">
-            <a:schemeClr val="dk1"/>
-          </a:effectRef>
-          <a:fontRef idx="minor">
-            <a:schemeClr val="lt1"/>
-          </a:fontRef>
-        </p:style>
-        <p:txBody>
-          <a:bodyPr rtlCol="0" anchor="ctr"/>
-          <a:lstStyle/>
-          <a:p>
-            <a:pPr algn="ctr"/>
-            <a:endParaRPr lang="pt-BR" dirty="0" smtClean="0">
-              <a:solidFill>
-                <a:schemeClr val="tx1"/>
-              </a:solidFill>
-            </a:endParaRPr>
-          </a:p>
-        </p:txBody>
-      </p:sp>
-      <p:sp>
-        <p:nvSpPr>
-          <p:cNvPr id="52" name="Seta para baixo 51"/>
-          <p:cNvSpPr/>
-          <p:nvPr/>
-        </p:nvSpPr>
-        <p:spPr>
-          <a:xfrm flipV="1">
-            <a:off x="5101050" y="4581127"/>
-            <a:ext cx="119022" cy="996443"/>
-          </a:xfrm>
-          <a:prstGeom prst="downArrow">
-            <a:avLst/>
-          </a:prstGeom>
-          <a:pattFill prst="pct25">
-            <a:fgClr>
-              <a:schemeClr val="dk1"/>
-            </a:fgClr>
-            <a:bgClr>
-              <a:schemeClr val="bg1"/>
-            </a:bgClr>
-          </a:pattFill>
-        </p:spPr>
-        <p:style>
-          <a:lnRef idx="2">
-            <a:schemeClr val="dk1">
-              <a:shade val="50000"/>
-            </a:schemeClr>
-          </a:lnRef>
-          <a:fillRef idx="1">
-            <a:schemeClr val="dk1"/>
-          </a:fillRef>
-          <a:effectRef idx="0">
-            <a:schemeClr val="dk1"/>
-          </a:effectRef>
-          <a:fontRef idx="minor">
-            <a:schemeClr val="lt1"/>
-          </a:fontRef>
-        </p:style>
-        <p:txBody>
-          <a:bodyPr rtlCol="0" anchor="ctr"/>
-          <a:lstStyle/>
-          <a:p>
-            <a:pPr algn="ctr"/>
-            <a:endParaRPr lang="pt-BR" dirty="0" smtClean="0">
-              <a:solidFill>
-                <a:schemeClr val="tx1"/>
-              </a:solidFill>
-            </a:endParaRPr>
-          </a:p>
-        </p:txBody>
-      </p:sp>
-      <p:sp>
-        <p:nvSpPr>
-          <p:cNvPr id="53" name="Retângulo 52"/>
-          <p:cNvSpPr/>
-          <p:nvPr/>
-        </p:nvSpPr>
-        <p:spPr>
-          <a:xfrm>
-            <a:off x="6127895" y="1912415"/>
-            <a:ext cx="1258678" cy="307777"/>
-          </a:xfrm>
-          <a:prstGeom prst="rect">
-            <a:avLst/>
-          </a:prstGeom>
-          <a:ln>
-            <a:solidFill>
-              <a:schemeClr val="tx1"/>
-            </a:solidFill>
-          </a:ln>
-        </p:spPr>
-        <p:txBody>
-          <a:bodyPr wrap="none">
-            <a:spAutoFit/>
-          </a:bodyPr>
-          <a:lstStyle/>
-          <a:p>
-            <a:r>
-              <a:rPr lang="pt-BR" sz="1400" b="1" dirty="0" err="1" smtClean="0">
-                <a:solidFill>
-                  <a:srgbClr val="800080"/>
-                </a:solidFill>
-                <a:latin typeface="Courier New" panose="02070309020205020404" pitchFamily="49" charset="0"/>
-                <a:cs typeface="Courier New" panose="02070309020205020404" pitchFamily="49" charset="0"/>
-              </a:rPr>
-              <a:t>vtkDataSet</a:t>
-            </a:r>
-            <a:endParaRPr lang="pt-BR" sz="1400" b="1" dirty="0">
-              <a:latin typeface="Courier New" panose="02070309020205020404" pitchFamily="49" charset="0"/>
-              <a:cs typeface="Courier New" panose="02070309020205020404" pitchFamily="49" charset="0"/>
-            </a:endParaRPr>
-          </a:p>
-        </p:txBody>
-      </p:sp>
-      <p:sp>
-        <p:nvSpPr>
-          <p:cNvPr id="54" name="CaixaDeTexto 53"/>
-          <p:cNvSpPr txBox="1"/>
-          <p:nvPr/>
-        </p:nvSpPr>
-        <p:spPr>
-          <a:xfrm>
-            <a:off x="2267744" y="1218238"/>
-            <a:ext cx="5415650" cy="338554"/>
-          </a:xfrm>
-          <a:prstGeom prst="rect">
-            <a:avLst/>
-          </a:prstGeom>
-          <a:noFill/>
-        </p:spPr>
-        <p:txBody>
-          <a:bodyPr wrap="none" rtlCol="0">
-            <a:spAutoFit/>
-          </a:bodyPr>
-          <a:lstStyle/>
-          <a:p>
-            <a:r>
-              <a:rPr lang="pt-BR" sz="1600" b="1" dirty="0" smtClean="0"/>
-              <a:t>4.1.2) Modelo de visualização: principais classes e hierarquias</a:t>
-            </a:r>
-            <a:endParaRPr lang="pt-BR" sz="1600" b="1" dirty="0"/>
-          </a:p>
-        </p:txBody>
-      </p:sp>
-      <p:sp>
-        <p:nvSpPr>
-          <p:cNvPr id="55" name="CaixaDeTexto 54"/>
-          <p:cNvSpPr txBox="1"/>
-          <p:nvPr/>
-        </p:nvSpPr>
-        <p:spPr>
-          <a:xfrm>
-            <a:off x="2987824" y="908720"/>
-            <a:ext cx="4154984" cy="369332"/>
-          </a:xfrm>
-          <a:prstGeom prst="rect">
-            <a:avLst/>
-          </a:prstGeom>
-          <a:noFill/>
-        </p:spPr>
-        <p:txBody>
-          <a:bodyPr wrap="none" rtlCol="0">
-            <a:spAutoFit/>
-          </a:bodyPr>
-          <a:lstStyle/>
-          <a:p>
-            <a:r>
-              <a:rPr lang="pt-BR" b="1" dirty="0" smtClean="0"/>
-              <a:t>4.1) Criando um aplicativo VTK elementar</a:t>
-            </a:r>
-            <a:endParaRPr lang="pt-BR" b="1" dirty="0"/>
-          </a:p>
-        </p:txBody>
-      </p:sp>
-    </p:spTree>
-    <p:extLst>
-      <p:ext uri="{BB962C8B-B14F-4D97-AF65-F5344CB8AC3E}">
-        <p14:creationId xmlns:p14="http://schemas.microsoft.com/office/powerpoint/2010/main" val="1643701177"/>
       </p:ext>
     </p:extLst>
   </p:cSld>
@@ -7976,6 +7765,851 @@
           </a:p>
         </p:txBody>
       </p:sp>
+      <p:pic>
+        <p:nvPicPr>
+          <p:cNvPr id="3" name="Imagem 2"/>
+          <p:cNvPicPr>
+            <a:picLocks noChangeAspect="1"/>
+          </p:cNvPicPr>
+          <p:nvPr/>
+        </p:nvPicPr>
+        <p:blipFill>
+          <a:blip r:embed="rId3"/>
+          <a:stretch>
+            <a:fillRect/>
+          </a:stretch>
+        </p:blipFill>
+        <p:spPr>
+          <a:xfrm>
+            <a:off x="1403648" y="3212976"/>
+            <a:ext cx="6041529" cy="1441634"/>
+          </a:xfrm>
+          <a:prstGeom prst="rect">
+            <a:avLst/>
+          </a:prstGeom>
+          <a:ln>
+            <a:solidFill>
+              <a:schemeClr val="tx1"/>
+            </a:solidFill>
+          </a:ln>
+          <a:effectLst>
+            <a:outerShdw blurRad="292100" dist="139700" dir="2700000" algn="tl" rotWithShape="0">
+              <a:srgbClr val="333333">
+                <a:alpha val="65000"/>
+              </a:srgbClr>
+            </a:outerShdw>
+          </a:effectLst>
+        </p:spPr>
+      </p:pic>
+      <p:sp>
+        <p:nvSpPr>
+          <p:cNvPr id="2" name="Retângulo 1"/>
+          <p:cNvSpPr/>
+          <p:nvPr/>
+        </p:nvSpPr>
+        <p:spPr>
+          <a:xfrm>
+            <a:off x="2699792" y="4941168"/>
+            <a:ext cx="1366080" cy="307777"/>
+          </a:xfrm>
+          <a:prstGeom prst="rect">
+            <a:avLst/>
+          </a:prstGeom>
+        </p:spPr>
+        <p:txBody>
+          <a:bodyPr wrap="none">
+            <a:spAutoFit/>
+          </a:bodyPr>
+          <a:lstStyle/>
+          <a:p>
+            <a:r>
+              <a:rPr lang="pt-BR" sz="1400" b="1" dirty="0" err="1">
+                <a:solidFill>
+                  <a:srgbClr val="800080"/>
+                </a:solidFill>
+                <a:latin typeface="Courier New" panose="02070309020205020404" pitchFamily="49" charset="0"/>
+                <a:cs typeface="Courier New" panose="02070309020205020404" pitchFamily="49" charset="0"/>
+              </a:rPr>
+              <a:t>vtkRenderer</a:t>
+            </a:r>
+            <a:endParaRPr lang="pt-BR" sz="1400" b="1" dirty="0">
+              <a:latin typeface="Courier New" panose="02070309020205020404" pitchFamily="49" charset="0"/>
+              <a:cs typeface="Courier New" panose="02070309020205020404" pitchFamily="49" charset="0"/>
+            </a:endParaRPr>
+          </a:p>
+        </p:txBody>
+      </p:sp>
+      <p:sp>
+        <p:nvSpPr>
+          <p:cNvPr id="22" name="Retângulo 21"/>
+          <p:cNvSpPr/>
+          <p:nvPr/>
+        </p:nvSpPr>
+        <p:spPr>
+          <a:xfrm>
+            <a:off x="3036285" y="5517232"/>
+            <a:ext cx="3191899" cy="307777"/>
+          </a:xfrm>
+          <a:prstGeom prst="rect">
+            <a:avLst/>
+          </a:prstGeom>
+        </p:spPr>
+        <p:txBody>
+          <a:bodyPr wrap="none">
+            <a:spAutoFit/>
+          </a:bodyPr>
+          <a:lstStyle/>
+          <a:p>
+            <a:r>
+              <a:rPr lang="pt-BR" sz="1400" b="1" dirty="0" err="1">
+                <a:solidFill>
+                  <a:srgbClr val="800080"/>
+                </a:solidFill>
+                <a:latin typeface="Courier New" panose="02070309020205020404" pitchFamily="49" charset="0"/>
+                <a:cs typeface="Courier New" panose="02070309020205020404" pitchFamily="49" charset="0"/>
+              </a:rPr>
+              <a:t>vtkGenericOpenGLRenderWindow</a:t>
+            </a:r>
+            <a:endParaRPr lang="pt-BR" sz="1400" b="1" dirty="0">
+              <a:latin typeface="Courier New" panose="02070309020205020404" pitchFamily="49" charset="0"/>
+              <a:cs typeface="Courier New" panose="02070309020205020404" pitchFamily="49" charset="0"/>
+            </a:endParaRPr>
+          </a:p>
+        </p:txBody>
+      </p:sp>
+      <p:sp>
+        <p:nvSpPr>
+          <p:cNvPr id="31" name="Retângulo 30"/>
+          <p:cNvSpPr/>
+          <p:nvPr/>
+        </p:nvSpPr>
+        <p:spPr>
+          <a:xfrm>
+            <a:off x="6012160" y="4921423"/>
+            <a:ext cx="1688283" cy="307777"/>
+          </a:xfrm>
+          <a:prstGeom prst="rect">
+            <a:avLst/>
+          </a:prstGeom>
+        </p:spPr>
+        <p:txBody>
+          <a:bodyPr wrap="none">
+            <a:spAutoFit/>
+          </a:bodyPr>
+          <a:lstStyle/>
+          <a:p>
+            <a:r>
+              <a:rPr lang="pt-BR" sz="1400" b="1" dirty="0" err="1">
+                <a:solidFill>
+                  <a:srgbClr val="7030A0"/>
+                </a:solidFill>
+                <a:latin typeface="Courier New" panose="02070309020205020404" pitchFamily="49" charset="0"/>
+                <a:cs typeface="Courier New" panose="02070309020205020404" pitchFamily="49" charset="0"/>
+              </a:rPr>
+              <a:t>QVTKInteractor</a:t>
+            </a:r>
+            <a:endParaRPr lang="pt-BR" sz="1400" b="1" dirty="0">
+              <a:solidFill>
+                <a:srgbClr val="7030A0"/>
+              </a:solidFill>
+              <a:latin typeface="Courier New" panose="02070309020205020404" pitchFamily="49" charset="0"/>
+              <a:cs typeface="Courier New" panose="02070309020205020404" pitchFamily="49" charset="0"/>
+            </a:endParaRPr>
+          </a:p>
+        </p:txBody>
+      </p:sp>
+      <p:sp>
+        <p:nvSpPr>
+          <p:cNvPr id="41" name="Retângulo 40"/>
+          <p:cNvSpPr/>
+          <p:nvPr/>
+        </p:nvSpPr>
+        <p:spPr>
+          <a:xfrm>
+            <a:off x="5522226" y="2701546"/>
+            <a:ext cx="1043876" cy="307777"/>
+          </a:xfrm>
+          <a:prstGeom prst="rect">
+            <a:avLst/>
+          </a:prstGeom>
+        </p:spPr>
+        <p:txBody>
+          <a:bodyPr wrap="none">
+            <a:spAutoFit/>
+          </a:bodyPr>
+          <a:lstStyle/>
+          <a:p>
+            <a:r>
+              <a:rPr lang="pt-BR" sz="1400" b="1" dirty="0" err="1" smtClean="0">
+                <a:solidFill>
+                  <a:srgbClr val="800080"/>
+                </a:solidFill>
+                <a:latin typeface="Courier New" panose="02070309020205020404" pitchFamily="49" charset="0"/>
+                <a:cs typeface="Courier New" panose="02070309020205020404" pitchFamily="49" charset="0"/>
+              </a:rPr>
+              <a:t>vtkActor</a:t>
+            </a:r>
+            <a:endParaRPr lang="pt-BR" sz="1400" b="1" dirty="0">
+              <a:latin typeface="Courier New" panose="02070309020205020404" pitchFamily="49" charset="0"/>
+              <a:cs typeface="Courier New" panose="02070309020205020404" pitchFamily="49" charset="0"/>
+            </a:endParaRPr>
+          </a:p>
+        </p:txBody>
+      </p:sp>
+      <p:sp>
+        <p:nvSpPr>
+          <p:cNvPr id="34" name="Retângulo 33"/>
+          <p:cNvSpPr/>
+          <p:nvPr/>
+        </p:nvSpPr>
+        <p:spPr>
+          <a:xfrm>
+            <a:off x="4227559" y="2699628"/>
+            <a:ext cx="1151277" cy="307777"/>
+          </a:xfrm>
+          <a:prstGeom prst="rect">
+            <a:avLst/>
+          </a:prstGeom>
+        </p:spPr>
+        <p:txBody>
+          <a:bodyPr wrap="none">
+            <a:spAutoFit/>
+          </a:bodyPr>
+          <a:lstStyle/>
+          <a:p>
+            <a:r>
+              <a:rPr lang="pt-BR" sz="1400" b="1" dirty="0" err="1" smtClean="0">
+                <a:solidFill>
+                  <a:srgbClr val="7030A0"/>
+                </a:solidFill>
+                <a:latin typeface="Courier New" panose="02070309020205020404" pitchFamily="49" charset="0"/>
+                <a:cs typeface="Courier New" panose="02070309020205020404" pitchFamily="49" charset="0"/>
+              </a:rPr>
+              <a:t>vtkMapper</a:t>
+            </a:r>
+            <a:endParaRPr lang="pt-BR" sz="1400" b="1" dirty="0">
+              <a:solidFill>
+                <a:srgbClr val="7030A0"/>
+              </a:solidFill>
+              <a:latin typeface="Courier New" panose="02070309020205020404" pitchFamily="49" charset="0"/>
+              <a:cs typeface="Courier New" panose="02070309020205020404" pitchFamily="49" charset="0"/>
+            </a:endParaRPr>
+          </a:p>
+        </p:txBody>
+      </p:sp>
+      <p:sp>
+        <p:nvSpPr>
+          <p:cNvPr id="42" name="Retângulo 41"/>
+          <p:cNvSpPr/>
+          <p:nvPr/>
+        </p:nvSpPr>
+        <p:spPr>
+          <a:xfrm>
+            <a:off x="2964628" y="2698351"/>
+            <a:ext cx="1258678" cy="307777"/>
+          </a:xfrm>
+          <a:prstGeom prst="rect">
+            <a:avLst/>
+          </a:prstGeom>
+        </p:spPr>
+        <p:txBody>
+          <a:bodyPr wrap="none">
+            <a:spAutoFit/>
+          </a:bodyPr>
+          <a:lstStyle/>
+          <a:p>
+            <a:r>
+              <a:rPr lang="pt-BR" sz="1400" b="1" dirty="0" err="1" smtClean="0">
+                <a:solidFill>
+                  <a:srgbClr val="800080"/>
+                </a:solidFill>
+                <a:latin typeface="Courier New" panose="02070309020205020404" pitchFamily="49" charset="0"/>
+                <a:cs typeface="Courier New" panose="02070309020205020404" pitchFamily="49" charset="0"/>
+              </a:rPr>
+              <a:t>vtk</a:t>
+            </a:r>
+            <a:r>
+              <a:rPr lang="pt-BR" sz="1400" b="1" dirty="0" smtClean="0">
+                <a:solidFill>
+                  <a:srgbClr val="800080"/>
+                </a:solidFill>
+                <a:latin typeface="Courier New" panose="02070309020205020404" pitchFamily="49" charset="0"/>
+                <a:cs typeface="Courier New" panose="02070309020205020404" pitchFamily="49" charset="0"/>
+              </a:rPr>
+              <a:t>*</a:t>
+            </a:r>
+            <a:r>
+              <a:rPr lang="pt-BR" sz="1400" b="1" dirty="0" err="1" smtClean="0">
+                <a:solidFill>
+                  <a:srgbClr val="800080"/>
+                </a:solidFill>
+                <a:latin typeface="Courier New" panose="02070309020205020404" pitchFamily="49" charset="0"/>
+                <a:cs typeface="Courier New" panose="02070309020205020404" pitchFamily="49" charset="0"/>
+              </a:rPr>
+              <a:t>Filter</a:t>
+            </a:r>
+            <a:endParaRPr lang="pt-BR" sz="1400" b="1" dirty="0">
+              <a:latin typeface="Courier New" panose="02070309020205020404" pitchFamily="49" charset="0"/>
+              <a:cs typeface="Courier New" panose="02070309020205020404" pitchFamily="49" charset="0"/>
+            </a:endParaRPr>
+          </a:p>
+        </p:txBody>
+      </p:sp>
+      <p:sp>
+        <p:nvSpPr>
+          <p:cNvPr id="43" name="Retângulo 42"/>
+          <p:cNvSpPr/>
+          <p:nvPr/>
+        </p:nvSpPr>
+        <p:spPr>
+          <a:xfrm>
+            <a:off x="695003" y="2659034"/>
+            <a:ext cx="1258678" cy="307777"/>
+          </a:xfrm>
+          <a:prstGeom prst="rect">
+            <a:avLst/>
+          </a:prstGeom>
+        </p:spPr>
+        <p:txBody>
+          <a:bodyPr wrap="none">
+            <a:spAutoFit/>
+          </a:bodyPr>
+          <a:lstStyle/>
+          <a:p>
+            <a:r>
+              <a:rPr lang="pt-BR" sz="1400" b="1" dirty="0" err="1" smtClean="0">
+                <a:solidFill>
+                  <a:srgbClr val="800080"/>
+                </a:solidFill>
+                <a:latin typeface="Courier New" panose="02070309020205020404" pitchFamily="49" charset="0"/>
+                <a:cs typeface="Courier New" panose="02070309020205020404" pitchFamily="49" charset="0"/>
+              </a:rPr>
+              <a:t>vtk</a:t>
+            </a:r>
+            <a:r>
+              <a:rPr lang="pt-BR" sz="1400" b="1" dirty="0" smtClean="0">
+                <a:solidFill>
+                  <a:srgbClr val="800080"/>
+                </a:solidFill>
+                <a:latin typeface="Courier New" panose="02070309020205020404" pitchFamily="49" charset="0"/>
+                <a:cs typeface="Courier New" panose="02070309020205020404" pitchFamily="49" charset="0"/>
+              </a:rPr>
+              <a:t>*</a:t>
+            </a:r>
+            <a:r>
+              <a:rPr lang="pt-BR" sz="1400" b="1" dirty="0" err="1" smtClean="0">
+                <a:solidFill>
+                  <a:srgbClr val="800080"/>
+                </a:solidFill>
+                <a:latin typeface="Courier New" panose="02070309020205020404" pitchFamily="49" charset="0"/>
+                <a:cs typeface="Courier New" panose="02070309020205020404" pitchFamily="49" charset="0"/>
+              </a:rPr>
+              <a:t>Source</a:t>
+            </a:r>
+            <a:endParaRPr lang="pt-BR" sz="1400" b="1" dirty="0">
+              <a:latin typeface="Courier New" panose="02070309020205020404" pitchFamily="49" charset="0"/>
+              <a:cs typeface="Courier New" panose="02070309020205020404" pitchFamily="49" charset="0"/>
+            </a:endParaRPr>
+          </a:p>
+        </p:txBody>
+      </p:sp>
+      <p:sp>
+        <p:nvSpPr>
+          <p:cNvPr id="44" name="Retângulo 43"/>
+          <p:cNvSpPr/>
+          <p:nvPr/>
+        </p:nvSpPr>
+        <p:spPr>
+          <a:xfrm>
+            <a:off x="1560384" y="2267580"/>
+            <a:ext cx="1580882" cy="307777"/>
+          </a:xfrm>
+          <a:prstGeom prst="rect">
+            <a:avLst/>
+          </a:prstGeom>
+        </p:spPr>
+        <p:txBody>
+          <a:bodyPr wrap="none">
+            <a:spAutoFit/>
+          </a:bodyPr>
+          <a:lstStyle/>
+          <a:p>
+            <a:r>
+              <a:rPr lang="pt-BR" sz="1400" b="1" dirty="0" err="1" smtClean="0">
+                <a:solidFill>
+                  <a:srgbClr val="800080"/>
+                </a:solidFill>
+                <a:latin typeface="Courier New" panose="02070309020205020404" pitchFamily="49" charset="0"/>
+                <a:cs typeface="Courier New" panose="02070309020205020404" pitchFamily="49" charset="0"/>
+              </a:rPr>
+              <a:t>vtkDataReader</a:t>
+            </a:r>
+            <a:endParaRPr lang="pt-BR" sz="1400" b="1" dirty="0">
+              <a:latin typeface="Courier New" panose="02070309020205020404" pitchFamily="49" charset="0"/>
+              <a:cs typeface="Courier New" panose="02070309020205020404" pitchFamily="49" charset="0"/>
+            </a:endParaRPr>
+          </a:p>
+        </p:txBody>
+      </p:sp>
+      <p:sp>
+        <p:nvSpPr>
+          <p:cNvPr id="45" name="Seta para baixo 44"/>
+          <p:cNvSpPr/>
+          <p:nvPr/>
+        </p:nvSpPr>
+        <p:spPr>
+          <a:xfrm>
+            <a:off x="2412835" y="2514229"/>
+            <a:ext cx="142941" cy="914771"/>
+          </a:xfrm>
+          <a:prstGeom prst="downArrow">
+            <a:avLst/>
+          </a:prstGeom>
+          <a:pattFill prst="pct25">
+            <a:fgClr>
+              <a:schemeClr val="dk1"/>
+            </a:fgClr>
+            <a:bgClr>
+              <a:schemeClr val="bg1"/>
+            </a:bgClr>
+          </a:pattFill>
+        </p:spPr>
+        <p:style>
+          <a:lnRef idx="2">
+            <a:schemeClr val="dk1">
+              <a:shade val="50000"/>
+            </a:schemeClr>
+          </a:lnRef>
+          <a:fillRef idx="1">
+            <a:schemeClr val="dk1"/>
+          </a:fillRef>
+          <a:effectRef idx="0">
+            <a:schemeClr val="dk1"/>
+          </a:effectRef>
+          <a:fontRef idx="minor">
+            <a:schemeClr val="lt1"/>
+          </a:fontRef>
+        </p:style>
+        <p:txBody>
+          <a:bodyPr rtlCol="0" anchor="ctr"/>
+          <a:lstStyle/>
+          <a:p>
+            <a:pPr algn="ctr"/>
+            <a:endParaRPr lang="pt-BR" dirty="0" smtClean="0">
+              <a:solidFill>
+                <a:schemeClr val="tx1"/>
+              </a:solidFill>
+            </a:endParaRPr>
+          </a:p>
+        </p:txBody>
+      </p:sp>
+      <p:sp>
+        <p:nvSpPr>
+          <p:cNvPr id="46" name="Seta para baixo 45"/>
+          <p:cNvSpPr/>
+          <p:nvPr/>
+        </p:nvSpPr>
+        <p:spPr>
+          <a:xfrm rot="19000592">
+            <a:off x="1597881" y="2874575"/>
+            <a:ext cx="118219" cy="605470"/>
+          </a:xfrm>
+          <a:prstGeom prst="downArrow">
+            <a:avLst/>
+          </a:prstGeom>
+          <a:pattFill prst="pct25">
+            <a:fgClr>
+              <a:schemeClr val="dk1"/>
+            </a:fgClr>
+            <a:bgClr>
+              <a:schemeClr val="bg1"/>
+            </a:bgClr>
+          </a:pattFill>
+        </p:spPr>
+        <p:style>
+          <a:lnRef idx="2">
+            <a:schemeClr val="dk1">
+              <a:shade val="50000"/>
+            </a:schemeClr>
+          </a:lnRef>
+          <a:fillRef idx="1">
+            <a:schemeClr val="dk1"/>
+          </a:fillRef>
+          <a:effectRef idx="0">
+            <a:schemeClr val="dk1"/>
+          </a:effectRef>
+          <a:fontRef idx="minor">
+            <a:schemeClr val="lt1"/>
+          </a:fontRef>
+        </p:style>
+        <p:txBody>
+          <a:bodyPr rtlCol="0" anchor="ctr"/>
+          <a:lstStyle/>
+          <a:p>
+            <a:pPr algn="ctr"/>
+            <a:endParaRPr lang="pt-BR" dirty="0" smtClean="0">
+              <a:solidFill>
+                <a:schemeClr val="tx1"/>
+              </a:solidFill>
+            </a:endParaRPr>
+          </a:p>
+        </p:txBody>
+      </p:sp>
+      <p:sp>
+        <p:nvSpPr>
+          <p:cNvPr id="47" name="Seta para baixo 46"/>
+          <p:cNvSpPr/>
+          <p:nvPr/>
+        </p:nvSpPr>
+        <p:spPr>
+          <a:xfrm>
+            <a:off x="3593967" y="2935612"/>
+            <a:ext cx="113937" cy="349374"/>
+          </a:xfrm>
+          <a:prstGeom prst="downArrow">
+            <a:avLst/>
+          </a:prstGeom>
+          <a:pattFill prst="pct25">
+            <a:fgClr>
+              <a:schemeClr val="dk1"/>
+            </a:fgClr>
+            <a:bgClr>
+              <a:schemeClr val="bg1"/>
+            </a:bgClr>
+          </a:pattFill>
+        </p:spPr>
+        <p:style>
+          <a:lnRef idx="2">
+            <a:schemeClr val="dk1">
+              <a:shade val="50000"/>
+            </a:schemeClr>
+          </a:lnRef>
+          <a:fillRef idx="1">
+            <a:schemeClr val="dk1"/>
+          </a:fillRef>
+          <a:effectRef idx="0">
+            <a:schemeClr val="dk1"/>
+          </a:effectRef>
+          <a:fontRef idx="minor">
+            <a:schemeClr val="lt1"/>
+          </a:fontRef>
+        </p:style>
+        <p:txBody>
+          <a:bodyPr rtlCol="0" anchor="ctr"/>
+          <a:lstStyle/>
+          <a:p>
+            <a:pPr algn="ctr"/>
+            <a:endParaRPr lang="pt-BR" dirty="0" smtClean="0">
+              <a:solidFill>
+                <a:schemeClr val="tx1"/>
+              </a:solidFill>
+            </a:endParaRPr>
+          </a:p>
+        </p:txBody>
+      </p:sp>
+      <p:sp>
+        <p:nvSpPr>
+          <p:cNvPr id="48" name="Seta para baixo 47"/>
+          <p:cNvSpPr/>
+          <p:nvPr/>
+        </p:nvSpPr>
+        <p:spPr>
+          <a:xfrm>
+            <a:off x="4746095" y="2935610"/>
+            <a:ext cx="113937" cy="349374"/>
+          </a:xfrm>
+          <a:prstGeom prst="downArrow">
+            <a:avLst/>
+          </a:prstGeom>
+          <a:pattFill prst="pct25">
+            <a:fgClr>
+              <a:schemeClr val="dk1"/>
+            </a:fgClr>
+            <a:bgClr>
+              <a:schemeClr val="bg1"/>
+            </a:bgClr>
+          </a:pattFill>
+        </p:spPr>
+        <p:style>
+          <a:lnRef idx="2">
+            <a:schemeClr val="dk1">
+              <a:shade val="50000"/>
+            </a:schemeClr>
+          </a:lnRef>
+          <a:fillRef idx="1">
+            <a:schemeClr val="dk1"/>
+          </a:fillRef>
+          <a:effectRef idx="0">
+            <a:schemeClr val="dk1"/>
+          </a:effectRef>
+          <a:fontRef idx="minor">
+            <a:schemeClr val="lt1"/>
+          </a:fontRef>
+        </p:style>
+        <p:txBody>
+          <a:bodyPr rtlCol="0" anchor="ctr"/>
+          <a:lstStyle/>
+          <a:p>
+            <a:pPr algn="ctr"/>
+            <a:endParaRPr lang="pt-BR" dirty="0" smtClean="0">
+              <a:solidFill>
+                <a:schemeClr val="tx1"/>
+              </a:solidFill>
+            </a:endParaRPr>
+          </a:p>
+        </p:txBody>
+      </p:sp>
+      <p:sp>
+        <p:nvSpPr>
+          <p:cNvPr id="49" name="Seta para baixo 48"/>
+          <p:cNvSpPr/>
+          <p:nvPr/>
+        </p:nvSpPr>
+        <p:spPr>
+          <a:xfrm>
+            <a:off x="5970231" y="2924944"/>
+            <a:ext cx="113937" cy="349374"/>
+          </a:xfrm>
+          <a:prstGeom prst="downArrow">
+            <a:avLst/>
+          </a:prstGeom>
+          <a:pattFill prst="pct25">
+            <a:fgClr>
+              <a:schemeClr val="dk1"/>
+            </a:fgClr>
+            <a:bgClr>
+              <a:schemeClr val="bg1"/>
+            </a:bgClr>
+          </a:pattFill>
+        </p:spPr>
+        <p:style>
+          <a:lnRef idx="2">
+            <a:schemeClr val="dk1">
+              <a:shade val="50000"/>
+            </a:schemeClr>
+          </a:lnRef>
+          <a:fillRef idx="1">
+            <a:schemeClr val="dk1"/>
+          </a:fillRef>
+          <a:effectRef idx="0">
+            <a:schemeClr val="dk1"/>
+          </a:effectRef>
+          <a:fontRef idx="minor">
+            <a:schemeClr val="lt1"/>
+          </a:fontRef>
+        </p:style>
+        <p:txBody>
+          <a:bodyPr rtlCol="0" anchor="ctr"/>
+          <a:lstStyle/>
+          <a:p>
+            <a:pPr algn="ctr"/>
+            <a:endParaRPr lang="pt-BR" dirty="0" smtClean="0">
+              <a:solidFill>
+                <a:schemeClr val="tx1"/>
+              </a:solidFill>
+            </a:endParaRPr>
+          </a:p>
+        </p:txBody>
+      </p:sp>
+      <p:sp>
+        <p:nvSpPr>
+          <p:cNvPr id="50" name="Seta para baixo 49"/>
+          <p:cNvSpPr/>
+          <p:nvPr/>
+        </p:nvSpPr>
+        <p:spPr>
+          <a:xfrm flipV="1">
+            <a:off x="3360361" y="4581128"/>
+            <a:ext cx="119022" cy="359924"/>
+          </a:xfrm>
+          <a:prstGeom prst="downArrow">
+            <a:avLst/>
+          </a:prstGeom>
+          <a:pattFill prst="pct25">
+            <a:fgClr>
+              <a:schemeClr val="dk1"/>
+            </a:fgClr>
+            <a:bgClr>
+              <a:schemeClr val="bg1"/>
+            </a:bgClr>
+          </a:pattFill>
+        </p:spPr>
+        <p:style>
+          <a:lnRef idx="2">
+            <a:schemeClr val="dk1">
+              <a:shade val="50000"/>
+            </a:schemeClr>
+          </a:lnRef>
+          <a:fillRef idx="1">
+            <a:schemeClr val="dk1"/>
+          </a:fillRef>
+          <a:effectRef idx="0">
+            <a:schemeClr val="dk1"/>
+          </a:effectRef>
+          <a:fontRef idx="minor">
+            <a:schemeClr val="lt1"/>
+          </a:fontRef>
+        </p:style>
+        <p:txBody>
+          <a:bodyPr rtlCol="0" anchor="ctr"/>
+          <a:lstStyle/>
+          <a:p>
+            <a:pPr algn="ctr"/>
+            <a:endParaRPr lang="pt-BR" dirty="0" smtClean="0">
+              <a:solidFill>
+                <a:schemeClr val="tx1"/>
+              </a:solidFill>
+            </a:endParaRPr>
+          </a:p>
+        </p:txBody>
+      </p:sp>
+      <p:sp>
+        <p:nvSpPr>
+          <p:cNvPr id="51" name="Seta para baixo 50"/>
+          <p:cNvSpPr/>
+          <p:nvPr/>
+        </p:nvSpPr>
+        <p:spPr>
+          <a:xfrm flipV="1">
+            <a:off x="6757234" y="4581244"/>
+            <a:ext cx="119022" cy="359924"/>
+          </a:xfrm>
+          <a:prstGeom prst="downArrow">
+            <a:avLst/>
+          </a:prstGeom>
+          <a:pattFill prst="pct25">
+            <a:fgClr>
+              <a:schemeClr val="dk1"/>
+            </a:fgClr>
+            <a:bgClr>
+              <a:schemeClr val="bg1"/>
+            </a:bgClr>
+          </a:pattFill>
+        </p:spPr>
+        <p:style>
+          <a:lnRef idx="2">
+            <a:schemeClr val="dk1">
+              <a:shade val="50000"/>
+            </a:schemeClr>
+          </a:lnRef>
+          <a:fillRef idx="1">
+            <a:schemeClr val="dk1"/>
+          </a:fillRef>
+          <a:effectRef idx="0">
+            <a:schemeClr val="dk1"/>
+          </a:effectRef>
+          <a:fontRef idx="minor">
+            <a:schemeClr val="lt1"/>
+          </a:fontRef>
+        </p:style>
+        <p:txBody>
+          <a:bodyPr rtlCol="0" anchor="ctr"/>
+          <a:lstStyle/>
+          <a:p>
+            <a:pPr algn="ctr"/>
+            <a:endParaRPr lang="pt-BR" dirty="0" smtClean="0">
+              <a:solidFill>
+                <a:schemeClr val="tx1"/>
+              </a:solidFill>
+            </a:endParaRPr>
+          </a:p>
+        </p:txBody>
+      </p:sp>
+      <p:sp>
+        <p:nvSpPr>
+          <p:cNvPr id="52" name="Seta para baixo 51"/>
+          <p:cNvSpPr/>
+          <p:nvPr/>
+        </p:nvSpPr>
+        <p:spPr>
+          <a:xfrm flipV="1">
+            <a:off x="5101050" y="4581127"/>
+            <a:ext cx="119022" cy="996443"/>
+          </a:xfrm>
+          <a:prstGeom prst="downArrow">
+            <a:avLst/>
+          </a:prstGeom>
+          <a:pattFill prst="pct25">
+            <a:fgClr>
+              <a:schemeClr val="dk1"/>
+            </a:fgClr>
+            <a:bgClr>
+              <a:schemeClr val="bg1"/>
+            </a:bgClr>
+          </a:pattFill>
+        </p:spPr>
+        <p:style>
+          <a:lnRef idx="2">
+            <a:schemeClr val="dk1">
+              <a:shade val="50000"/>
+            </a:schemeClr>
+          </a:lnRef>
+          <a:fillRef idx="1">
+            <a:schemeClr val="dk1"/>
+          </a:fillRef>
+          <a:effectRef idx="0">
+            <a:schemeClr val="dk1"/>
+          </a:effectRef>
+          <a:fontRef idx="minor">
+            <a:schemeClr val="lt1"/>
+          </a:fontRef>
+        </p:style>
+        <p:txBody>
+          <a:bodyPr rtlCol="0" anchor="ctr"/>
+          <a:lstStyle/>
+          <a:p>
+            <a:pPr algn="ctr"/>
+            <a:endParaRPr lang="pt-BR" dirty="0" smtClean="0">
+              <a:solidFill>
+                <a:schemeClr val="tx1"/>
+              </a:solidFill>
+            </a:endParaRPr>
+          </a:p>
+        </p:txBody>
+      </p:sp>
+      <p:sp>
+        <p:nvSpPr>
+          <p:cNvPr id="53" name="Retângulo 52"/>
+          <p:cNvSpPr/>
+          <p:nvPr/>
+        </p:nvSpPr>
+        <p:spPr>
+          <a:xfrm>
+            <a:off x="6127895" y="1912415"/>
+            <a:ext cx="1258678" cy="307777"/>
+          </a:xfrm>
+          <a:prstGeom prst="rect">
+            <a:avLst/>
+          </a:prstGeom>
+          <a:ln>
+            <a:solidFill>
+              <a:schemeClr val="tx1"/>
+            </a:solidFill>
+          </a:ln>
+        </p:spPr>
+        <p:txBody>
+          <a:bodyPr wrap="none">
+            <a:spAutoFit/>
+          </a:bodyPr>
+          <a:lstStyle/>
+          <a:p>
+            <a:r>
+              <a:rPr lang="pt-BR" sz="1400" b="1" dirty="0" err="1" smtClean="0">
+                <a:solidFill>
+                  <a:srgbClr val="800080"/>
+                </a:solidFill>
+                <a:latin typeface="Courier New" panose="02070309020205020404" pitchFamily="49" charset="0"/>
+                <a:cs typeface="Courier New" panose="02070309020205020404" pitchFamily="49" charset="0"/>
+              </a:rPr>
+              <a:t>vtkDataSet</a:t>
+            </a:r>
+            <a:endParaRPr lang="pt-BR" sz="1400" b="1" dirty="0">
+              <a:latin typeface="Courier New" panose="02070309020205020404" pitchFamily="49" charset="0"/>
+              <a:cs typeface="Courier New" panose="02070309020205020404" pitchFamily="49" charset="0"/>
+            </a:endParaRPr>
+          </a:p>
+        </p:txBody>
+      </p:sp>
       <p:sp>
         <p:nvSpPr>
           <p:cNvPr id="54" name="CaixaDeTexto 53"/>
@@ -7984,8 +8618,8 @@
         </p:nvSpPr>
         <p:spPr>
           <a:xfrm>
-            <a:off x="4067944" y="1218238"/>
-            <a:ext cx="1608133" cy="338554"/>
+            <a:off x="2267744" y="1218238"/>
+            <a:ext cx="5415650" cy="338554"/>
           </a:xfrm>
           <a:prstGeom prst="rect">
             <a:avLst/>
@@ -8000,15 +8634,7 @@
           <a:p>
             <a:r>
               <a:rPr lang="pt-BR" sz="1600" b="1" dirty="0" smtClean="0"/>
-              <a:t>4.1.3) </a:t>
-            </a:r>
-            <a:r>
-              <a:rPr lang="pt-BR" sz="1600" b="1" dirty="0" err="1" smtClean="0"/>
-              <a:t>Hello</a:t>
-            </a:r>
-            <a:r>
-              <a:rPr lang="pt-BR" sz="1600" b="1" dirty="0" smtClean="0"/>
-              <a:t> VTK!</a:t>
+              <a:t>4.1.2) Modelo de visualização: principais classes e hierarquias</a:t>
             </a:r>
             <a:endParaRPr lang="pt-BR" sz="1600" b="1" dirty="0"/>
           </a:p>
@@ -8047,7 +8673,7 @@
     </p:spTree>
     <p:extLst>
       <p:ext uri="{BB962C8B-B14F-4D97-AF65-F5344CB8AC3E}">
-        <p14:creationId xmlns:p14="http://schemas.microsoft.com/office/powerpoint/2010/main" val="3067780939"/>
+        <p14:creationId xmlns:p14="http://schemas.microsoft.com/office/powerpoint/2010/main" val="1643701177"/>
       </p:ext>
     </p:extLst>
   </p:cSld>
@@ -8121,14 +8747,14 @@
       </p:sp>
       <p:sp>
         <p:nvSpPr>
-          <p:cNvPr id="55" name="CaixaDeTexto 54"/>
+          <p:cNvPr id="54" name="CaixaDeTexto 53"/>
           <p:cNvSpPr txBox="1"/>
           <p:nvPr/>
         </p:nvSpPr>
         <p:spPr>
           <a:xfrm>
-            <a:off x="3257104" y="908720"/>
-            <a:ext cx="2323008" cy="369332"/>
+            <a:off x="4067944" y="1218238"/>
+            <a:ext cx="1608133" cy="338554"/>
           </a:xfrm>
           <a:prstGeom prst="rect">
             <a:avLst/>
@@ -8142,17 +8768,499 @@
           <a:lstStyle/>
           <a:p>
             <a:r>
+              <a:rPr lang="pt-BR" sz="1600" b="1" dirty="0" smtClean="0"/>
+              <a:t>4.1.3) </a:t>
+            </a:r>
+            <a:r>
+              <a:rPr lang="pt-BR" sz="1600" b="1" dirty="0" err="1" smtClean="0"/>
+              <a:t>Hello</a:t>
+            </a:r>
+            <a:r>
+              <a:rPr lang="pt-BR" sz="1600" b="1" dirty="0" smtClean="0"/>
+              <a:t> VTK!</a:t>
+            </a:r>
+            <a:endParaRPr lang="pt-BR" sz="1600" b="1" dirty="0"/>
+          </a:p>
+        </p:txBody>
+      </p:sp>
+      <p:sp>
+        <p:nvSpPr>
+          <p:cNvPr id="55" name="CaixaDeTexto 54"/>
+          <p:cNvSpPr txBox="1"/>
+          <p:nvPr/>
+        </p:nvSpPr>
+        <p:spPr>
+          <a:xfrm>
+            <a:off x="2987824" y="908720"/>
+            <a:ext cx="4154984" cy="369332"/>
+          </a:xfrm>
+          <a:prstGeom prst="rect">
+            <a:avLst/>
+          </a:prstGeom>
+          <a:noFill/>
+        </p:spPr>
+        <p:txBody>
+          <a:bodyPr wrap="none" rtlCol="0">
+            <a:spAutoFit/>
+          </a:bodyPr>
+          <a:lstStyle/>
+          <a:p>
+            <a:r>
               <a:rPr lang="pt-BR" b="1" dirty="0" smtClean="0"/>
-              <a:t>4.2) Nuvens de pontos</a:t>
+              <a:t>4.1) Criando um aplicativo VTK elementar</a:t>
             </a:r>
             <a:endParaRPr lang="pt-BR" b="1" dirty="0"/>
+          </a:p>
+        </p:txBody>
+      </p:sp>
+      <p:pic>
+        <p:nvPicPr>
+          <p:cNvPr id="2" name="Imagem 1"/>
+          <p:cNvPicPr>
+            <a:picLocks noChangeAspect="1"/>
+          </p:cNvPicPr>
+          <p:nvPr/>
+        </p:nvPicPr>
+        <p:blipFill>
+          <a:blip r:embed="rId3"/>
+          <a:stretch>
+            <a:fillRect/>
+          </a:stretch>
+        </p:blipFill>
+        <p:spPr>
+          <a:xfrm>
+            <a:off x="241573" y="2204864"/>
+            <a:ext cx="4978499" cy="4146081"/>
+          </a:xfrm>
+          <a:prstGeom prst="rect">
+            <a:avLst/>
+          </a:prstGeom>
+          <a:ln>
+            <a:noFill/>
+          </a:ln>
+          <a:effectLst>
+            <a:outerShdw blurRad="292100" dist="139700" dir="2700000" algn="tl" rotWithShape="0">
+              <a:srgbClr val="333333">
+                <a:alpha val="65000"/>
+              </a:srgbClr>
+            </a:outerShdw>
+          </a:effectLst>
+        </p:spPr>
+      </p:pic>
+      <p:sp>
+        <p:nvSpPr>
+          <p:cNvPr id="3" name="Seta para baixo 2"/>
+          <p:cNvSpPr/>
+          <p:nvPr/>
+        </p:nvSpPr>
+        <p:spPr>
+          <a:xfrm rot="6517891">
+            <a:off x="4876821" y="2213448"/>
+            <a:ext cx="207162" cy="1704016"/>
+          </a:xfrm>
+          <a:prstGeom prst="downArrow">
+            <a:avLst/>
+          </a:prstGeom>
+          <a:pattFill prst="pct25">
+            <a:fgClr>
+              <a:schemeClr val="dk1"/>
+            </a:fgClr>
+            <a:bgClr>
+              <a:schemeClr val="bg1"/>
+            </a:bgClr>
+          </a:pattFill>
+        </p:spPr>
+        <p:style>
+          <a:lnRef idx="2">
+            <a:schemeClr val="dk1">
+              <a:shade val="50000"/>
+            </a:schemeClr>
+          </a:lnRef>
+          <a:fillRef idx="1">
+            <a:schemeClr val="dk1"/>
+          </a:fillRef>
+          <a:effectRef idx="0">
+            <a:schemeClr val="dk1"/>
+          </a:effectRef>
+          <a:fontRef idx="minor">
+            <a:schemeClr val="lt1"/>
+          </a:fontRef>
+        </p:style>
+        <p:txBody>
+          <a:bodyPr rtlCol="0" anchor="ctr"/>
+          <a:lstStyle/>
+          <a:p>
+            <a:pPr algn="ctr"/>
+            <a:endParaRPr lang="pt-BR" dirty="0" smtClean="0">
+              <a:solidFill>
+                <a:schemeClr val="tx1"/>
+              </a:solidFill>
+            </a:endParaRPr>
+          </a:p>
+        </p:txBody>
+      </p:sp>
+      <p:sp>
+        <p:nvSpPr>
+          <p:cNvPr id="5" name="CaixaDeTexto 4"/>
+          <p:cNvSpPr txBox="1"/>
+          <p:nvPr/>
+        </p:nvSpPr>
+        <p:spPr>
+          <a:xfrm>
+            <a:off x="5796136" y="3212976"/>
+            <a:ext cx="3088731" cy="369332"/>
+          </a:xfrm>
+          <a:prstGeom prst="rect">
+            <a:avLst/>
+          </a:prstGeom>
+          <a:noFill/>
+        </p:spPr>
+        <p:txBody>
+          <a:bodyPr wrap="none" rtlCol="0">
+            <a:spAutoFit/>
+          </a:bodyPr>
+          <a:lstStyle/>
+          <a:p>
+            <a:r>
+              <a:rPr lang="pt-BR" dirty="0" smtClean="0"/>
+              <a:t>onde está </a:t>
+            </a:r>
+            <a:r>
+              <a:rPr lang="pt-BR" dirty="0" smtClean="0">
+                <a:latin typeface="Courier New" panose="02070309020205020404" pitchFamily="49" charset="0"/>
+                <a:cs typeface="Courier New" panose="02070309020205020404" pitchFamily="49" charset="0"/>
+              </a:rPr>
+              <a:t>CMakeLists.txt</a:t>
+            </a:r>
+            <a:endParaRPr lang="pt-BR" dirty="0">
+              <a:latin typeface="Courier New" panose="02070309020205020404" pitchFamily="49" charset="0"/>
+              <a:cs typeface="Courier New" panose="02070309020205020404" pitchFamily="49" charset="0"/>
+            </a:endParaRPr>
+          </a:p>
+        </p:txBody>
+      </p:sp>
+      <p:sp>
+        <p:nvSpPr>
+          <p:cNvPr id="8" name="Seta para baixo 7"/>
+          <p:cNvSpPr/>
+          <p:nvPr/>
+        </p:nvSpPr>
+        <p:spPr>
+          <a:xfrm rot="6517891">
+            <a:off x="4768430" y="2492187"/>
+            <a:ext cx="207162" cy="1704016"/>
+          </a:xfrm>
+          <a:prstGeom prst="downArrow">
+            <a:avLst/>
+          </a:prstGeom>
+          <a:pattFill prst="pct25">
+            <a:fgClr>
+              <a:schemeClr val="dk1"/>
+            </a:fgClr>
+            <a:bgClr>
+              <a:schemeClr val="bg1"/>
+            </a:bgClr>
+          </a:pattFill>
+        </p:spPr>
+        <p:style>
+          <a:lnRef idx="2">
+            <a:schemeClr val="dk1">
+              <a:shade val="50000"/>
+            </a:schemeClr>
+          </a:lnRef>
+          <a:fillRef idx="1">
+            <a:schemeClr val="dk1"/>
+          </a:fillRef>
+          <a:effectRef idx="0">
+            <a:schemeClr val="dk1"/>
+          </a:effectRef>
+          <a:fontRef idx="minor">
+            <a:schemeClr val="lt1"/>
+          </a:fontRef>
+        </p:style>
+        <p:txBody>
+          <a:bodyPr rtlCol="0" anchor="ctr"/>
+          <a:lstStyle/>
+          <a:p>
+            <a:pPr algn="ctr"/>
+            <a:endParaRPr lang="pt-BR" dirty="0" smtClean="0">
+              <a:solidFill>
+                <a:schemeClr val="tx1"/>
+              </a:solidFill>
+            </a:endParaRPr>
+          </a:p>
+        </p:txBody>
+      </p:sp>
+      <p:sp>
+        <p:nvSpPr>
+          <p:cNvPr id="9" name="CaixaDeTexto 8"/>
+          <p:cNvSpPr txBox="1"/>
+          <p:nvPr/>
+        </p:nvSpPr>
+        <p:spPr>
+          <a:xfrm>
+            <a:off x="5652120" y="3545433"/>
+            <a:ext cx="2977610" cy="369332"/>
+          </a:xfrm>
+          <a:prstGeom prst="rect">
+            <a:avLst/>
+          </a:prstGeom>
+          <a:noFill/>
+        </p:spPr>
+        <p:txBody>
+          <a:bodyPr wrap="none" rtlCol="0">
+            <a:spAutoFit/>
+          </a:bodyPr>
+          <a:lstStyle/>
+          <a:p>
+            <a:r>
+              <a:rPr lang="pt-BR" dirty="0" smtClean="0"/>
+              <a:t>onde </a:t>
+            </a:r>
+            <a:r>
+              <a:rPr lang="pt-BR" dirty="0" err="1" smtClean="0"/>
+              <a:t>MOCs</a:t>
+            </a:r>
+            <a:r>
+              <a:rPr lang="pt-BR" dirty="0" smtClean="0"/>
+              <a:t>, </a:t>
+            </a:r>
+            <a:r>
+              <a:rPr lang="pt-BR" dirty="0" err="1" smtClean="0"/>
+              <a:t>OBJs</a:t>
+            </a:r>
+            <a:r>
+              <a:rPr lang="pt-BR" dirty="0" smtClean="0"/>
+              <a:t>, etc. ficarão</a:t>
+            </a:r>
+            <a:endParaRPr lang="pt-BR" dirty="0">
+              <a:latin typeface="Courier New" panose="02070309020205020404" pitchFamily="49" charset="0"/>
+              <a:cs typeface="Courier New" panose="02070309020205020404" pitchFamily="49" charset="0"/>
+            </a:endParaRPr>
+          </a:p>
+        </p:txBody>
+      </p:sp>
+      <p:sp>
+        <p:nvSpPr>
+          <p:cNvPr id="10" name="Seta para baixo 9"/>
+          <p:cNvSpPr/>
+          <p:nvPr/>
+        </p:nvSpPr>
+        <p:spPr>
+          <a:xfrm rot="6517891">
+            <a:off x="1601322" y="4171481"/>
+            <a:ext cx="207162" cy="1704016"/>
+          </a:xfrm>
+          <a:prstGeom prst="downArrow">
+            <a:avLst/>
+          </a:prstGeom>
+          <a:pattFill prst="pct25">
+            <a:fgClr>
+              <a:schemeClr val="dk1"/>
+            </a:fgClr>
+            <a:bgClr>
+              <a:schemeClr val="bg1"/>
+            </a:bgClr>
+          </a:pattFill>
+        </p:spPr>
+        <p:style>
+          <a:lnRef idx="2">
+            <a:schemeClr val="dk1">
+              <a:shade val="50000"/>
+            </a:schemeClr>
+          </a:lnRef>
+          <a:fillRef idx="1">
+            <a:schemeClr val="dk1"/>
+          </a:fillRef>
+          <a:effectRef idx="0">
+            <a:schemeClr val="dk1"/>
+          </a:effectRef>
+          <a:fontRef idx="minor">
+            <a:schemeClr val="lt1"/>
+          </a:fontRef>
+        </p:style>
+        <p:txBody>
+          <a:bodyPr rtlCol="0" anchor="ctr"/>
+          <a:lstStyle/>
+          <a:p>
+            <a:pPr algn="ctr"/>
+            <a:endParaRPr lang="pt-BR" dirty="0" smtClean="0">
+              <a:solidFill>
+                <a:schemeClr val="tx1"/>
+              </a:solidFill>
+            </a:endParaRPr>
+          </a:p>
+        </p:txBody>
+      </p:sp>
+      <p:sp>
+        <p:nvSpPr>
+          <p:cNvPr id="11" name="CaixaDeTexto 10"/>
+          <p:cNvSpPr txBox="1"/>
+          <p:nvPr/>
+        </p:nvSpPr>
+        <p:spPr>
+          <a:xfrm>
+            <a:off x="1192746" y="5301208"/>
+            <a:ext cx="3122586" cy="646331"/>
+          </a:xfrm>
+          <a:prstGeom prst="rect">
+            <a:avLst/>
+          </a:prstGeom>
+          <a:noFill/>
+        </p:spPr>
+        <p:txBody>
+          <a:bodyPr wrap="none" rtlCol="0">
+            <a:spAutoFit/>
+          </a:bodyPr>
+          <a:lstStyle/>
+          <a:p>
+            <a:pPr algn="ctr"/>
+            <a:r>
+              <a:rPr lang="pt-BR" dirty="0" smtClean="0"/>
+              <a:t>pressione para começar o ciclo </a:t>
+            </a:r>
+          </a:p>
+          <a:p>
+            <a:pPr algn="ctr"/>
+            <a:r>
+              <a:rPr lang="pt-BR" dirty="0" smtClean="0"/>
+              <a:t>de configuração</a:t>
+            </a:r>
+            <a:endParaRPr lang="pt-BR" dirty="0">
+              <a:latin typeface="Courier New" panose="02070309020205020404" pitchFamily="49" charset="0"/>
+              <a:cs typeface="Courier New" panose="02070309020205020404" pitchFamily="49" charset="0"/>
+            </a:endParaRPr>
+          </a:p>
+        </p:txBody>
+      </p:sp>
+      <p:sp>
+        <p:nvSpPr>
+          <p:cNvPr id="12" name="Seta para baixo 11"/>
+          <p:cNvSpPr/>
+          <p:nvPr/>
+        </p:nvSpPr>
+        <p:spPr>
+          <a:xfrm>
+            <a:off x="7596336" y="2764921"/>
+            <a:ext cx="207162" cy="521576"/>
+          </a:xfrm>
+          <a:prstGeom prst="downArrow">
+            <a:avLst/>
+          </a:prstGeom>
+          <a:pattFill prst="pct25">
+            <a:fgClr>
+              <a:schemeClr val="dk1"/>
+            </a:fgClr>
+            <a:bgClr>
+              <a:schemeClr val="bg1"/>
+            </a:bgClr>
+          </a:pattFill>
+        </p:spPr>
+        <p:style>
+          <a:lnRef idx="2">
+            <a:schemeClr val="dk1">
+              <a:shade val="50000"/>
+            </a:schemeClr>
+          </a:lnRef>
+          <a:fillRef idx="1">
+            <a:schemeClr val="dk1"/>
+          </a:fillRef>
+          <a:effectRef idx="0">
+            <a:schemeClr val="dk1"/>
+          </a:effectRef>
+          <a:fontRef idx="minor">
+            <a:schemeClr val="lt1"/>
+          </a:fontRef>
+        </p:style>
+        <p:txBody>
+          <a:bodyPr rtlCol="0" anchor="ctr"/>
+          <a:lstStyle/>
+          <a:p>
+            <a:pPr algn="ctr"/>
+            <a:endParaRPr lang="pt-BR" dirty="0" smtClean="0">
+              <a:solidFill>
+                <a:schemeClr val="tx1"/>
+              </a:solidFill>
+            </a:endParaRPr>
+          </a:p>
+        </p:txBody>
+      </p:sp>
+      <p:sp>
+        <p:nvSpPr>
+          <p:cNvPr id="6" name="CaixaDeTexto 5"/>
+          <p:cNvSpPr txBox="1"/>
+          <p:nvPr/>
+        </p:nvSpPr>
+        <p:spPr>
+          <a:xfrm>
+            <a:off x="6667381" y="2411596"/>
+            <a:ext cx="2081083" cy="369332"/>
+          </a:xfrm>
+          <a:prstGeom prst="rect">
+            <a:avLst/>
+          </a:prstGeom>
+          <a:noFill/>
+        </p:spPr>
+        <p:txBody>
+          <a:bodyPr wrap="none" rtlCol="0">
+            <a:spAutoFit/>
+          </a:bodyPr>
+          <a:lstStyle/>
+          <a:p>
+            <a:r>
+              <a:rPr lang="pt-BR" dirty="0" smtClean="0"/>
+              <a:t>definição do projeto</a:t>
+            </a:r>
+            <a:endParaRPr lang="pt-BR" dirty="0"/>
+          </a:p>
+        </p:txBody>
+      </p:sp>
+      <p:sp>
+        <p:nvSpPr>
+          <p:cNvPr id="14" name="CaixaDeTexto 13"/>
+          <p:cNvSpPr txBox="1"/>
+          <p:nvPr/>
+        </p:nvSpPr>
+        <p:spPr>
+          <a:xfrm>
+            <a:off x="263696" y="1650286"/>
+            <a:ext cx="5654177" cy="338554"/>
+          </a:xfrm>
+          <a:prstGeom prst="rect">
+            <a:avLst/>
+          </a:prstGeom>
+          <a:noFill/>
+        </p:spPr>
+        <p:txBody>
+          <a:bodyPr wrap="none" rtlCol="0">
+            <a:spAutoFit/>
+          </a:bodyPr>
+          <a:lstStyle/>
+          <a:p>
+            <a:pPr marL="285750" indent="-285750">
+              <a:buFont typeface="Wingdings" panose="05000000000000000000" pitchFamily="2" charset="2"/>
+              <a:buChar char="Ø"/>
+            </a:pPr>
+            <a:r>
+              <a:rPr lang="pt-BR" sz="1600" dirty="0" smtClean="0"/>
+              <a:t>Iniciar a configuração da compilação do aplicativo no </a:t>
+            </a:r>
+            <a:r>
+              <a:rPr lang="pt-BR" sz="1600" dirty="0" err="1" smtClean="0"/>
+              <a:t>CMake</a:t>
+            </a:r>
+            <a:r>
+              <a:rPr lang="pt-BR" sz="1600" dirty="0" smtClean="0"/>
+              <a:t>.</a:t>
+            </a:r>
+            <a:endParaRPr lang="pt-BR" sz="1600" dirty="0"/>
           </a:p>
         </p:txBody>
       </p:sp>
     </p:spTree>
     <p:extLst>
       <p:ext uri="{BB962C8B-B14F-4D97-AF65-F5344CB8AC3E}">
-        <p14:creationId xmlns:p14="http://schemas.microsoft.com/office/powerpoint/2010/main" val="3232042557"/>
+        <p14:creationId xmlns:p14="http://schemas.microsoft.com/office/powerpoint/2010/main" val="3420052842"/>
       </p:ext>
     </p:extLst>
   </p:cSld>
@@ -8186,6 +9294,40 @@
           <a:chExt cx="0" cy="0"/>
         </a:xfrm>
       </p:grpSpPr>
+      <p:pic>
+        <p:nvPicPr>
+          <p:cNvPr id="13" name="Imagem 12"/>
+          <p:cNvPicPr>
+            <a:picLocks noChangeAspect="1"/>
+          </p:cNvPicPr>
+          <p:nvPr/>
+        </p:nvPicPr>
+        <p:blipFill>
+          <a:blip r:embed="rId3"/>
+          <a:stretch>
+            <a:fillRect/>
+          </a:stretch>
+        </p:blipFill>
+        <p:spPr>
+          <a:xfrm>
+            <a:off x="410344" y="2962171"/>
+            <a:ext cx="3127613" cy="2858834"/>
+          </a:xfrm>
+          <a:prstGeom prst="rect">
+            <a:avLst/>
+          </a:prstGeom>
+          <a:ln>
+            <a:noFill/>
+          </a:ln>
+          <a:effectLst>
+            <a:outerShdw blurRad="292100" dist="139700" dir="2700000" algn="tl" rotWithShape="0">
+              <a:srgbClr val="333333">
+                <a:alpha val="65000"/>
+              </a:srgbClr>
+            </a:outerShdw>
+          </a:effectLst>
+        </p:spPr>
+      </p:pic>
       <p:sp>
         <p:nvSpPr>
           <p:cNvPr id="4" name="Título 3"/>
@@ -8232,8 +9374,8 @@
         </p:nvSpPr>
         <p:spPr>
           <a:xfrm>
-            <a:off x="2763644" y="1218238"/>
-            <a:ext cx="3320524" cy="338554"/>
+            <a:off x="4067944" y="1218238"/>
+            <a:ext cx="1608133" cy="338554"/>
           </a:xfrm>
           <a:prstGeom prst="rect">
             <a:avLst/>
@@ -8248,7 +9390,15 @@
           <a:p>
             <a:r>
               <a:rPr lang="pt-BR" sz="1600" b="1" dirty="0" smtClean="0"/>
-              <a:t>4.2.1) Associando valores aos pontos</a:t>
+              <a:t>4.1.3) </a:t>
+            </a:r>
+            <a:r>
+              <a:rPr lang="pt-BR" sz="1600" b="1" dirty="0" err="1" smtClean="0"/>
+              <a:t>Hello</a:t>
+            </a:r>
+            <a:r>
+              <a:rPr lang="pt-BR" sz="1600" b="1" dirty="0" smtClean="0"/>
+              <a:t> VTK!</a:t>
             </a:r>
             <a:endParaRPr lang="pt-BR" sz="1600" b="1" dirty="0"/>
           </a:p>
@@ -8256,14 +9406,14 @@
       </p:sp>
       <p:sp>
         <p:nvSpPr>
-          <p:cNvPr id="5" name="CaixaDeTexto 4"/>
+          <p:cNvPr id="55" name="CaixaDeTexto 54"/>
           <p:cNvSpPr txBox="1"/>
           <p:nvPr/>
         </p:nvSpPr>
         <p:spPr>
           <a:xfrm>
-            <a:off x="3257104" y="908720"/>
-            <a:ext cx="2323008" cy="369332"/>
+            <a:off x="2987824" y="908720"/>
+            <a:ext cx="4154984" cy="369332"/>
           </a:xfrm>
           <a:prstGeom prst="rect">
             <a:avLst/>
@@ -8278,16 +9428,224 @@
           <a:p>
             <a:r>
               <a:rPr lang="pt-BR" b="1" dirty="0" smtClean="0"/>
-              <a:t>4.2) Nuvens de pontos</a:t>
+              <a:t>4.1) Criando um aplicativo VTK elementar</a:t>
             </a:r>
             <a:endParaRPr lang="pt-BR" b="1" dirty="0"/>
           </a:p>
         </p:txBody>
       </p:sp>
+      <p:sp>
+        <p:nvSpPr>
+          <p:cNvPr id="8" name="Seta para baixo 7"/>
+          <p:cNvSpPr/>
+          <p:nvPr/>
+        </p:nvSpPr>
+        <p:spPr>
+          <a:xfrm rot="6517891">
+            <a:off x="3182833" y="3635815"/>
+            <a:ext cx="202327" cy="3106201"/>
+          </a:xfrm>
+          <a:prstGeom prst="downArrow">
+            <a:avLst/>
+          </a:prstGeom>
+          <a:pattFill prst="pct25">
+            <a:fgClr>
+              <a:schemeClr val="dk1"/>
+            </a:fgClr>
+            <a:bgClr>
+              <a:schemeClr val="bg1"/>
+            </a:bgClr>
+          </a:pattFill>
+        </p:spPr>
+        <p:style>
+          <a:lnRef idx="2">
+            <a:schemeClr val="dk1">
+              <a:shade val="50000"/>
+            </a:schemeClr>
+          </a:lnRef>
+          <a:fillRef idx="1">
+            <a:schemeClr val="dk1"/>
+          </a:fillRef>
+          <a:effectRef idx="0">
+            <a:schemeClr val="dk1"/>
+          </a:effectRef>
+          <a:fontRef idx="minor">
+            <a:schemeClr val="lt1"/>
+          </a:fontRef>
+        </p:style>
+        <p:txBody>
+          <a:bodyPr rtlCol="0" anchor="ctr"/>
+          <a:lstStyle/>
+          <a:p>
+            <a:pPr algn="ctr"/>
+            <a:endParaRPr lang="pt-BR" dirty="0" smtClean="0">
+              <a:solidFill>
+                <a:schemeClr val="tx1"/>
+              </a:solidFill>
+            </a:endParaRPr>
+          </a:p>
+        </p:txBody>
+      </p:sp>
+      <p:sp>
+        <p:nvSpPr>
+          <p:cNvPr id="9" name="CaixaDeTexto 8"/>
+          <p:cNvSpPr txBox="1"/>
+          <p:nvPr/>
+        </p:nvSpPr>
+        <p:spPr>
+          <a:xfrm>
+            <a:off x="4295133" y="5662989"/>
+            <a:ext cx="3906326" cy="646331"/>
+          </a:xfrm>
+          <a:prstGeom prst="rect">
+            <a:avLst/>
+          </a:prstGeom>
+          <a:noFill/>
+        </p:spPr>
+        <p:txBody>
+          <a:bodyPr wrap="none" rtlCol="0">
+            <a:spAutoFit/>
+          </a:bodyPr>
+          <a:lstStyle/>
+          <a:p>
+            <a:r>
+              <a:rPr lang="pt-BR" dirty="0" smtClean="0"/>
+              <a:t>pode ser interessante especificar os</a:t>
+            </a:r>
+          </a:p>
+          <a:p>
+            <a:r>
+              <a:rPr lang="pt-BR" dirty="0" smtClean="0"/>
+              <a:t>compiladores (e.g. </a:t>
+            </a:r>
+            <a:r>
+              <a:rPr lang="pt-BR" dirty="0" err="1" smtClean="0">
+                <a:latin typeface="Courier New" panose="02070309020205020404" pitchFamily="49" charset="0"/>
+                <a:cs typeface="Courier New" panose="02070309020205020404" pitchFamily="49" charset="0"/>
+              </a:rPr>
+              <a:t>icc</a:t>
+            </a:r>
+            <a:r>
+              <a:rPr lang="pt-BR" dirty="0" smtClean="0"/>
+              <a:t> ou invés do </a:t>
+            </a:r>
+            <a:r>
+              <a:rPr lang="pt-BR" dirty="0" smtClean="0">
+                <a:latin typeface="Courier New" panose="02070309020205020404" pitchFamily="49" charset="0"/>
+                <a:cs typeface="Courier New" panose="02070309020205020404" pitchFamily="49" charset="0"/>
+              </a:rPr>
+              <a:t>cl</a:t>
+            </a:r>
+            <a:r>
+              <a:rPr lang="pt-BR" dirty="0" smtClean="0"/>
+              <a:t>)</a:t>
+            </a:r>
+          </a:p>
+        </p:txBody>
+      </p:sp>
+      <p:sp>
+        <p:nvSpPr>
+          <p:cNvPr id="14" name="CaixaDeTexto 13"/>
+          <p:cNvSpPr txBox="1"/>
+          <p:nvPr/>
+        </p:nvSpPr>
+        <p:spPr>
+          <a:xfrm>
+            <a:off x="263696" y="2530122"/>
+            <a:ext cx="5976701" cy="338554"/>
+          </a:xfrm>
+          <a:prstGeom prst="rect">
+            <a:avLst/>
+          </a:prstGeom>
+          <a:noFill/>
+        </p:spPr>
+        <p:txBody>
+          <a:bodyPr wrap="none" rtlCol="0">
+            <a:spAutoFit/>
+          </a:bodyPr>
+          <a:lstStyle/>
+          <a:p>
+            <a:pPr marL="285750" indent="-285750">
+              <a:buFont typeface="Wingdings" panose="05000000000000000000" pitchFamily="2" charset="2"/>
+              <a:buChar char="Ø"/>
+            </a:pPr>
+            <a:r>
+              <a:rPr lang="pt-BR" sz="1600" dirty="0" smtClean="0"/>
+              <a:t>Definir o tipo de projeto (ex. </a:t>
+            </a:r>
+            <a:r>
+              <a:rPr lang="pt-BR" sz="1600" dirty="0" err="1" smtClean="0"/>
+              <a:t>Makefile</a:t>
+            </a:r>
+            <a:r>
+              <a:rPr lang="pt-BR" sz="1600" dirty="0" smtClean="0"/>
+              <a:t> do GNU ou </a:t>
+            </a:r>
+            <a:r>
+              <a:rPr lang="pt-BR" sz="1600" dirty="0" err="1" smtClean="0"/>
+              <a:t>Solution</a:t>
+            </a:r>
+            <a:r>
+              <a:rPr lang="pt-BR" sz="1600" dirty="0" smtClean="0"/>
+              <a:t> do VS)</a:t>
+            </a:r>
+            <a:r>
+              <a:rPr lang="pt-BR" sz="1600" dirty="0" smtClean="0"/>
+              <a:t>.</a:t>
+            </a:r>
+            <a:endParaRPr lang="pt-BR" sz="1600" dirty="0"/>
+          </a:p>
+        </p:txBody>
+      </p:sp>
+      <p:pic>
+        <p:nvPicPr>
+          <p:cNvPr id="17" name="Imagem 16"/>
+          <p:cNvPicPr>
+            <a:picLocks noChangeAspect="1"/>
+          </p:cNvPicPr>
+          <p:nvPr/>
+        </p:nvPicPr>
+        <p:blipFill>
+          <a:blip r:embed="rId4">
+            <a:clrChange>
+              <a:clrFrom>
+                <a:srgbClr val="FFFFFF"/>
+              </a:clrFrom>
+              <a:clrTo>
+                <a:srgbClr val="FFFFFF">
+                  <a:alpha val="0"/>
+                </a:srgbClr>
+              </a:clrTo>
+            </a:clrChange>
+          </a:blip>
+          <a:stretch>
+            <a:fillRect/>
+          </a:stretch>
+        </p:blipFill>
+        <p:spPr>
+          <a:xfrm>
+            <a:off x="4127950" y="1526857"/>
+            <a:ext cx="1092122" cy="1008112"/>
+          </a:xfrm>
+          <a:prstGeom prst="rect">
+            <a:avLst/>
+          </a:prstGeom>
+          <a:ln>
+            <a:noFill/>
+          </a:ln>
+          <a:effectLst>
+            <a:outerShdw blurRad="292100" dist="139700" dir="2700000" algn="tl" rotWithShape="0">
+              <a:srgbClr val="333333">
+                <a:alpha val="65000"/>
+              </a:srgbClr>
+            </a:outerShdw>
+          </a:effectLst>
+        </p:spPr>
+      </p:pic>
     </p:spTree>
     <p:extLst>
       <p:ext uri="{BB962C8B-B14F-4D97-AF65-F5344CB8AC3E}">
-        <p14:creationId xmlns:p14="http://schemas.microsoft.com/office/powerpoint/2010/main" val="311133971"/>
+        <p14:creationId xmlns:p14="http://schemas.microsoft.com/office/powerpoint/2010/main" val="1007317725"/>
       </p:ext>
     </p:extLst>
   </p:cSld>
@@ -8367,8 +9725,8 @@
         </p:nvSpPr>
         <p:spPr>
           <a:xfrm>
-            <a:off x="2411760" y="1218238"/>
-            <a:ext cx="4341317" cy="338554"/>
+            <a:off x="4067944" y="1218238"/>
+            <a:ext cx="1608133" cy="338554"/>
           </a:xfrm>
           <a:prstGeom prst="rect">
             <a:avLst/>
@@ -8383,23 +9741,15 @@
           <a:p>
             <a:r>
               <a:rPr lang="pt-BR" sz="1600" b="1" dirty="0" smtClean="0"/>
-              <a:t>4.2.2) Variáveis categóricas: a </a:t>
+              <a:t>4.1.3) </a:t>
             </a:r>
             <a:r>
               <a:rPr lang="pt-BR" sz="1600" b="1" dirty="0" err="1" smtClean="0"/>
-              <a:t>Lookup</a:t>
+              <a:t>Hello</a:t>
             </a:r>
             <a:r>
               <a:rPr lang="pt-BR" sz="1600" b="1" dirty="0" smtClean="0"/>
-              <a:t> </a:t>
-            </a:r>
-            <a:r>
-              <a:rPr lang="pt-BR" sz="1600" b="1" dirty="0" err="1" smtClean="0"/>
-              <a:t>Table</a:t>
-            </a:r>
-            <a:r>
-              <a:rPr lang="pt-BR" sz="1600" b="1" dirty="0" smtClean="0"/>
-              <a:t> (LUT)</a:t>
+              <a:t> VTK!</a:t>
             </a:r>
             <a:endParaRPr lang="pt-BR" sz="1600" b="1" dirty="0"/>
           </a:p>
@@ -8407,14 +9757,14 @@
       </p:sp>
       <p:sp>
         <p:nvSpPr>
-          <p:cNvPr id="5" name="CaixaDeTexto 4"/>
+          <p:cNvPr id="55" name="CaixaDeTexto 54"/>
           <p:cNvSpPr txBox="1"/>
           <p:nvPr/>
         </p:nvSpPr>
         <p:spPr>
           <a:xfrm>
-            <a:off x="3257104" y="908720"/>
-            <a:ext cx="2323008" cy="369332"/>
+            <a:off x="2987824" y="908720"/>
+            <a:ext cx="4154984" cy="369332"/>
           </a:xfrm>
           <a:prstGeom prst="rect">
             <a:avLst/>
@@ -8429,16 +9779,210 @@
           <a:p>
             <a:r>
               <a:rPr lang="pt-BR" b="1" dirty="0" smtClean="0"/>
-              <a:t>4.2) Nuvens de pontos</a:t>
+              <a:t>4.1) Criando um aplicativo VTK elementar</a:t>
             </a:r>
             <a:endParaRPr lang="pt-BR" b="1" dirty="0"/>
           </a:p>
         </p:txBody>
       </p:sp>
+      <p:sp>
+        <p:nvSpPr>
+          <p:cNvPr id="14" name="CaixaDeTexto 13"/>
+          <p:cNvSpPr txBox="1"/>
+          <p:nvPr/>
+        </p:nvSpPr>
+        <p:spPr>
+          <a:xfrm>
+            <a:off x="263696" y="1700808"/>
+            <a:ext cx="8231997" cy="338554"/>
+          </a:xfrm>
+          <a:prstGeom prst="rect">
+            <a:avLst/>
+          </a:prstGeom>
+          <a:noFill/>
+        </p:spPr>
+        <p:txBody>
+          <a:bodyPr wrap="none" rtlCol="0">
+            <a:spAutoFit/>
+          </a:bodyPr>
+          <a:lstStyle/>
+          <a:p>
+            <a:pPr marL="285750" indent="-285750">
+              <a:buFont typeface="Wingdings" panose="05000000000000000000" pitchFamily="2" charset="2"/>
+              <a:buChar char="Ø"/>
+            </a:pPr>
+            <a:r>
+              <a:rPr lang="pt-BR" sz="1600" dirty="0" smtClean="0"/>
+              <a:t>1º passo do ciclo de configuração: </a:t>
+            </a:r>
+            <a:r>
+              <a:rPr lang="pt-BR" sz="1600" dirty="0" err="1" smtClean="0"/>
+              <a:t>CMake</a:t>
+            </a:r>
+            <a:r>
+              <a:rPr lang="pt-BR" sz="1600" dirty="0" smtClean="0"/>
+              <a:t> verifica se as ferramentas estão todas funcionando</a:t>
+            </a:r>
+            <a:r>
+              <a:rPr lang="pt-BR" sz="1600" dirty="0" smtClean="0"/>
+              <a:t>.</a:t>
+            </a:r>
+            <a:endParaRPr lang="pt-BR" sz="1600" dirty="0"/>
+          </a:p>
+        </p:txBody>
+      </p:sp>
+      <p:pic>
+        <p:nvPicPr>
+          <p:cNvPr id="2" name="Imagem 1"/>
+          <p:cNvPicPr>
+            <a:picLocks noChangeAspect="1"/>
+          </p:cNvPicPr>
+          <p:nvPr/>
+        </p:nvPicPr>
+        <p:blipFill>
+          <a:blip r:embed="rId3"/>
+          <a:stretch>
+            <a:fillRect/>
+          </a:stretch>
+        </p:blipFill>
+        <p:spPr>
+          <a:xfrm>
+            <a:off x="1619672" y="2060848"/>
+            <a:ext cx="5725542" cy="3768527"/>
+          </a:xfrm>
+          <a:prstGeom prst="rect">
+            <a:avLst/>
+          </a:prstGeom>
+          <a:ln>
+            <a:noFill/>
+          </a:ln>
+          <a:effectLst>
+            <a:outerShdw blurRad="292100" dist="139700" dir="2700000" algn="tl" rotWithShape="0">
+              <a:srgbClr val="333333">
+                <a:alpha val="65000"/>
+              </a:srgbClr>
+            </a:outerShdw>
+          </a:effectLst>
+        </p:spPr>
+      </p:pic>
+      <p:grpSp>
+        <p:nvGrpSpPr>
+          <p:cNvPr id="10" name="Grupo 9"/>
+          <p:cNvGrpSpPr/>
+          <p:nvPr/>
+        </p:nvGrpSpPr>
+        <p:grpSpPr>
+          <a:xfrm>
+            <a:off x="1866673" y="6021288"/>
+            <a:ext cx="5153599" cy="464907"/>
+            <a:chOff x="424118" y="6243596"/>
+            <a:chExt cx="5153599" cy="464907"/>
+          </a:xfrm>
+        </p:grpSpPr>
+        <p:pic>
+          <p:nvPicPr>
+            <p:cNvPr id="11" name="Imagem 10"/>
+            <p:cNvPicPr>
+              <a:picLocks noChangeAspect="1"/>
+            </p:cNvPicPr>
+            <p:nvPr/>
+          </p:nvPicPr>
+          <p:blipFill>
+            <a:blip r:embed="rId4"/>
+            <a:stretch>
+              <a:fillRect/>
+            </a:stretch>
+          </p:blipFill>
+          <p:spPr>
+            <a:xfrm>
+              <a:off x="3059832" y="6273659"/>
+              <a:ext cx="1125220" cy="323693"/>
+            </a:xfrm>
+            <a:prstGeom prst="rect">
+              <a:avLst/>
+            </a:prstGeom>
+            <a:ln>
+              <a:noFill/>
+            </a:ln>
+            <a:effectLst>
+              <a:outerShdw blurRad="292100" dist="139700" dir="2700000" algn="tl" rotWithShape="0">
+                <a:srgbClr val="333333">
+                  <a:alpha val="65000"/>
+                </a:srgbClr>
+              </a:outerShdw>
+            </a:effectLst>
+          </p:spPr>
+        </p:pic>
+        <p:sp>
+          <p:nvSpPr>
+            <p:cNvPr id="5" name="CaixaDeTexto 4"/>
+            <p:cNvSpPr txBox="1"/>
+            <p:nvPr/>
+          </p:nvSpPr>
+          <p:spPr>
+            <a:xfrm>
+              <a:off x="910670" y="6243596"/>
+              <a:ext cx="4667047" cy="369332"/>
+            </a:xfrm>
+            <a:prstGeom prst="rect">
+              <a:avLst/>
+            </a:prstGeom>
+            <a:noFill/>
+          </p:spPr>
+          <p:txBody>
+            <a:bodyPr wrap="none" rtlCol="0">
+              <a:spAutoFit/>
+            </a:bodyPr>
+            <a:lstStyle/>
+            <a:p>
+              <a:r>
+                <a:rPr lang="pt-BR" dirty="0" smtClean="0"/>
+                <a:t>Ao terminar, checar e                          novamente.</a:t>
+              </a:r>
+              <a:endParaRPr lang="pt-BR" dirty="0"/>
+            </a:p>
+          </p:txBody>
+        </p:sp>
+        <p:pic>
+          <p:nvPicPr>
+            <p:cNvPr id="7" name="Imagem 6"/>
+            <p:cNvPicPr>
+              <a:picLocks noChangeAspect="1"/>
+            </p:cNvPicPr>
+            <p:nvPr/>
+          </p:nvPicPr>
+          <p:blipFill>
+            <a:blip r:embed="rId5">
+              <a:clrChange>
+                <a:clrFrom>
+                  <a:srgbClr val="FFFFFF"/>
+                </a:clrFrom>
+                <a:clrTo>
+                  <a:srgbClr val="FFFFFF">
+                    <a:alpha val="0"/>
+                  </a:srgbClr>
+                </a:clrTo>
+              </a:clrChange>
+            </a:blip>
+            <a:stretch>
+              <a:fillRect/>
+            </a:stretch>
+          </p:blipFill>
+          <p:spPr>
+            <a:xfrm>
+              <a:off x="424118" y="6287198"/>
+              <a:ext cx="547482" cy="421305"/>
+            </a:xfrm>
+            <a:prstGeom prst="rect">
+              <a:avLst/>
+            </a:prstGeom>
+          </p:spPr>
+        </p:pic>
+      </p:grpSp>
     </p:spTree>
     <p:extLst>
       <p:ext uri="{BB962C8B-B14F-4D97-AF65-F5344CB8AC3E}">
-        <p14:creationId xmlns:p14="http://schemas.microsoft.com/office/powerpoint/2010/main" val="60893757"/>
+        <p14:creationId xmlns:p14="http://schemas.microsoft.com/office/powerpoint/2010/main" val="3335962471"/>
       </p:ext>
     </p:extLst>
   </p:cSld>
@@ -8512,14 +10056,14 @@
       </p:sp>
       <p:sp>
         <p:nvSpPr>
-          <p:cNvPr id="5" name="CaixaDeTexto 4"/>
+          <p:cNvPr id="54" name="CaixaDeTexto 53"/>
           <p:cNvSpPr txBox="1"/>
           <p:nvPr/>
         </p:nvSpPr>
         <p:spPr>
           <a:xfrm>
-            <a:off x="3851920" y="908720"/>
-            <a:ext cx="1564852" cy="369332"/>
+            <a:off x="4067944" y="1218238"/>
+            <a:ext cx="1608133" cy="338554"/>
           </a:xfrm>
           <a:prstGeom prst="rect">
             <a:avLst/>
@@ -8533,17 +10077,311 @@
           <a:lstStyle/>
           <a:p>
             <a:r>
+              <a:rPr lang="pt-BR" sz="1600" b="1" dirty="0" smtClean="0"/>
+              <a:t>4.1.3) </a:t>
+            </a:r>
+            <a:r>
+              <a:rPr lang="pt-BR" sz="1600" b="1" dirty="0" err="1" smtClean="0"/>
+              <a:t>Hello</a:t>
+            </a:r>
+            <a:r>
+              <a:rPr lang="pt-BR" sz="1600" b="1" dirty="0" smtClean="0"/>
+              <a:t> VTK!</a:t>
+            </a:r>
+            <a:endParaRPr lang="pt-BR" sz="1600" b="1" dirty="0"/>
+          </a:p>
+        </p:txBody>
+      </p:sp>
+      <p:sp>
+        <p:nvSpPr>
+          <p:cNvPr id="55" name="CaixaDeTexto 54"/>
+          <p:cNvSpPr txBox="1"/>
+          <p:nvPr/>
+        </p:nvSpPr>
+        <p:spPr>
+          <a:xfrm>
+            <a:off x="2987824" y="908720"/>
+            <a:ext cx="4154984" cy="369332"/>
+          </a:xfrm>
+          <a:prstGeom prst="rect">
+            <a:avLst/>
+          </a:prstGeom>
+          <a:noFill/>
+        </p:spPr>
+        <p:txBody>
+          <a:bodyPr wrap="none" rtlCol="0">
+            <a:spAutoFit/>
+          </a:bodyPr>
+          <a:lstStyle/>
+          <a:p>
+            <a:r>
               <a:rPr lang="pt-BR" b="1" dirty="0" smtClean="0"/>
-              <a:t>4.3) Mapas 2D</a:t>
+              <a:t>4.1) Criando um aplicativo VTK elementar</a:t>
             </a:r>
             <a:endParaRPr lang="pt-BR" b="1" dirty="0"/>
           </a:p>
         </p:txBody>
       </p:sp>
+      <p:sp>
+        <p:nvSpPr>
+          <p:cNvPr id="14" name="CaixaDeTexto 13"/>
+          <p:cNvSpPr txBox="1"/>
+          <p:nvPr/>
+        </p:nvSpPr>
+        <p:spPr>
+          <a:xfrm>
+            <a:off x="263696" y="1700808"/>
+            <a:ext cx="6768456" cy="338554"/>
+          </a:xfrm>
+          <a:prstGeom prst="rect">
+            <a:avLst/>
+          </a:prstGeom>
+          <a:noFill/>
+        </p:spPr>
+        <p:txBody>
+          <a:bodyPr wrap="none" rtlCol="0">
+            <a:spAutoFit/>
+          </a:bodyPr>
+          <a:lstStyle/>
+          <a:p>
+            <a:pPr marL="285750" indent="-285750">
+              <a:buFont typeface="Wingdings" panose="05000000000000000000" pitchFamily="2" charset="2"/>
+              <a:buChar char="Ø"/>
+            </a:pPr>
+            <a:r>
+              <a:rPr lang="pt-BR" sz="1600" dirty="0" smtClean="0"/>
+              <a:t>2º passo do ciclo de configuração: Definir tipo de build e local de instalação</a:t>
+            </a:r>
+            <a:r>
+              <a:rPr lang="pt-BR" sz="1600" dirty="0" smtClean="0"/>
+              <a:t>.</a:t>
+            </a:r>
+            <a:endParaRPr lang="pt-BR" sz="1600" dirty="0"/>
+          </a:p>
+        </p:txBody>
+      </p:sp>
+      <p:grpSp>
+        <p:nvGrpSpPr>
+          <p:cNvPr id="10" name="Grupo 9"/>
+          <p:cNvGrpSpPr/>
+          <p:nvPr/>
+        </p:nvGrpSpPr>
+        <p:grpSpPr>
+          <a:xfrm>
+            <a:off x="1866673" y="6021288"/>
+            <a:ext cx="5153599" cy="464907"/>
+            <a:chOff x="424118" y="6243596"/>
+            <a:chExt cx="5153599" cy="464907"/>
+          </a:xfrm>
+        </p:grpSpPr>
+        <p:pic>
+          <p:nvPicPr>
+            <p:cNvPr id="11" name="Imagem 10"/>
+            <p:cNvPicPr>
+              <a:picLocks noChangeAspect="1"/>
+            </p:cNvPicPr>
+            <p:nvPr/>
+          </p:nvPicPr>
+          <p:blipFill>
+            <a:blip r:embed="rId3"/>
+            <a:stretch>
+              <a:fillRect/>
+            </a:stretch>
+          </p:blipFill>
+          <p:spPr>
+            <a:xfrm>
+              <a:off x="3059832" y="6273659"/>
+              <a:ext cx="1125220" cy="323693"/>
+            </a:xfrm>
+            <a:prstGeom prst="rect">
+              <a:avLst/>
+            </a:prstGeom>
+            <a:ln>
+              <a:noFill/>
+            </a:ln>
+            <a:effectLst>
+              <a:outerShdw blurRad="292100" dist="139700" dir="2700000" algn="tl" rotWithShape="0">
+                <a:srgbClr val="333333">
+                  <a:alpha val="65000"/>
+                </a:srgbClr>
+              </a:outerShdw>
+            </a:effectLst>
+          </p:spPr>
+        </p:pic>
+        <p:sp>
+          <p:nvSpPr>
+            <p:cNvPr id="5" name="CaixaDeTexto 4"/>
+            <p:cNvSpPr txBox="1"/>
+            <p:nvPr/>
+          </p:nvSpPr>
+          <p:spPr>
+            <a:xfrm>
+              <a:off x="910670" y="6243596"/>
+              <a:ext cx="4667047" cy="369332"/>
+            </a:xfrm>
+            <a:prstGeom prst="rect">
+              <a:avLst/>
+            </a:prstGeom>
+            <a:noFill/>
+          </p:spPr>
+          <p:txBody>
+            <a:bodyPr wrap="none" rtlCol="0">
+              <a:spAutoFit/>
+            </a:bodyPr>
+            <a:lstStyle/>
+            <a:p>
+              <a:r>
+                <a:rPr lang="pt-BR" dirty="0" smtClean="0"/>
+                <a:t>Ao terminar, checar e                          novamente.</a:t>
+              </a:r>
+              <a:endParaRPr lang="pt-BR" dirty="0"/>
+            </a:p>
+          </p:txBody>
+        </p:sp>
+        <p:pic>
+          <p:nvPicPr>
+            <p:cNvPr id="7" name="Imagem 6"/>
+            <p:cNvPicPr>
+              <a:picLocks noChangeAspect="1"/>
+            </p:cNvPicPr>
+            <p:nvPr/>
+          </p:nvPicPr>
+          <p:blipFill>
+            <a:blip r:embed="rId4">
+              <a:clrChange>
+                <a:clrFrom>
+                  <a:srgbClr val="FFFFFF"/>
+                </a:clrFrom>
+                <a:clrTo>
+                  <a:srgbClr val="FFFFFF">
+                    <a:alpha val="0"/>
+                  </a:srgbClr>
+                </a:clrTo>
+              </a:clrChange>
+            </a:blip>
+            <a:stretch>
+              <a:fillRect/>
+            </a:stretch>
+          </p:blipFill>
+          <p:spPr>
+            <a:xfrm>
+              <a:off x="424118" y="6287198"/>
+              <a:ext cx="547482" cy="421305"/>
+            </a:xfrm>
+            <a:prstGeom prst="rect">
+              <a:avLst/>
+            </a:prstGeom>
+          </p:spPr>
+        </p:pic>
+      </p:grpSp>
+      <p:pic>
+        <p:nvPicPr>
+          <p:cNvPr id="16" name="Imagem 15"/>
+          <p:cNvPicPr>
+            <a:picLocks noChangeAspect="1"/>
+          </p:cNvPicPr>
+          <p:nvPr/>
+        </p:nvPicPr>
+        <p:blipFill>
+          <a:blip r:embed="rId5"/>
+          <a:stretch>
+            <a:fillRect/>
+          </a:stretch>
+        </p:blipFill>
+        <p:spPr>
+          <a:xfrm>
+            <a:off x="1619673" y="2060848"/>
+            <a:ext cx="5725542" cy="3768527"/>
+          </a:xfrm>
+          <a:prstGeom prst="rect">
+            <a:avLst/>
+          </a:prstGeom>
+          <a:ln>
+            <a:noFill/>
+          </a:ln>
+          <a:effectLst>
+            <a:outerShdw blurRad="292100" dist="139700" dir="2700000" algn="tl" rotWithShape="0">
+              <a:srgbClr val="333333">
+                <a:alpha val="65000"/>
+              </a:srgbClr>
+            </a:outerShdw>
+          </a:effectLst>
+        </p:spPr>
+      </p:pic>
+      <p:pic>
+        <p:nvPicPr>
+          <p:cNvPr id="17" name="Imagem 16"/>
+          <p:cNvPicPr>
+            <a:picLocks noChangeAspect="1"/>
+          </p:cNvPicPr>
+          <p:nvPr/>
+        </p:nvPicPr>
+        <p:blipFill>
+          <a:blip r:embed="rId4">
+            <a:clrChange>
+              <a:clrFrom>
+                <a:srgbClr val="FFFFFF"/>
+              </a:clrFrom>
+              <a:clrTo>
+                <a:srgbClr val="FFFFFF">
+                  <a:alpha val="0"/>
+                </a:srgbClr>
+              </a:clrTo>
+            </a:clrChange>
+          </a:blip>
+          <a:stretch>
+            <a:fillRect/>
+          </a:stretch>
+        </p:blipFill>
+        <p:spPr>
+          <a:xfrm flipH="1">
+            <a:off x="4960622" y="3212975"/>
+            <a:ext cx="547482" cy="421305"/>
+          </a:xfrm>
+          <a:prstGeom prst="rect">
+            <a:avLst/>
+          </a:prstGeom>
+        </p:spPr>
+      </p:pic>
+      <p:pic>
+        <p:nvPicPr>
+          <p:cNvPr id="19" name="Imagem 18"/>
+          <p:cNvPicPr>
+            <a:picLocks noChangeAspect="1"/>
+          </p:cNvPicPr>
+          <p:nvPr/>
+        </p:nvPicPr>
+        <p:blipFill>
+          <a:blip r:embed="rId4">
+            <a:clrChange>
+              <a:clrFrom>
+                <a:srgbClr val="FFFFFF"/>
+              </a:clrFrom>
+              <a:clrTo>
+                <a:srgbClr val="FFFFFF">
+                  <a:alpha val="0"/>
+                </a:srgbClr>
+              </a:clrTo>
+            </a:clrChange>
+          </a:blip>
+          <a:stretch>
+            <a:fillRect/>
+          </a:stretch>
+        </p:blipFill>
+        <p:spPr>
+          <a:xfrm rot="19147307" flipH="1">
+            <a:off x="6174632" y="3212975"/>
+            <a:ext cx="547482" cy="421305"/>
+          </a:xfrm>
+          <a:prstGeom prst="rect">
+            <a:avLst/>
+          </a:prstGeom>
+        </p:spPr>
+      </p:pic>
     </p:spTree>
     <p:extLst>
       <p:ext uri="{BB962C8B-B14F-4D97-AF65-F5344CB8AC3E}">
-        <p14:creationId xmlns:p14="http://schemas.microsoft.com/office/powerpoint/2010/main" val="4174760171"/>
+        <p14:creationId xmlns:p14="http://schemas.microsoft.com/office/powerpoint/2010/main" val="332444690"/>
       </p:ext>
     </p:extLst>
   </p:cSld>
@@ -8617,14 +10455,14 @@
       </p:sp>
       <p:sp>
         <p:nvSpPr>
-          <p:cNvPr id="5" name="CaixaDeTexto 4"/>
+          <p:cNvPr id="54" name="CaixaDeTexto 53"/>
           <p:cNvSpPr txBox="1"/>
           <p:nvPr/>
         </p:nvSpPr>
         <p:spPr>
           <a:xfrm>
-            <a:off x="3851920" y="908720"/>
-            <a:ext cx="1564852" cy="369332"/>
+            <a:off x="4067944" y="1218238"/>
+            <a:ext cx="1608133" cy="338554"/>
           </a:xfrm>
           <a:prstGeom prst="rect">
             <a:avLst/>
@@ -8638,23 +10476,31 @@
           <a:lstStyle/>
           <a:p>
             <a:r>
-              <a:rPr lang="pt-BR" b="1" dirty="0" smtClean="0"/>
-              <a:t>4.3) Mapas 2D</a:t>
-            </a:r>
-            <a:endParaRPr lang="pt-BR" b="1" dirty="0"/>
-          </a:p>
-        </p:txBody>
-      </p:sp>
-      <p:sp>
-        <p:nvSpPr>
-          <p:cNvPr id="6" name="CaixaDeTexto 5"/>
+              <a:rPr lang="pt-BR" sz="1600" b="1" dirty="0" smtClean="0"/>
+              <a:t>4.1.3) </a:t>
+            </a:r>
+            <a:r>
+              <a:rPr lang="pt-BR" sz="1600" b="1" dirty="0" err="1" smtClean="0"/>
+              <a:t>Hello</a:t>
+            </a:r>
+            <a:r>
+              <a:rPr lang="pt-BR" sz="1600" b="1" dirty="0" smtClean="0"/>
+              <a:t> VTK!</a:t>
+            </a:r>
+            <a:endParaRPr lang="pt-BR" sz="1600" b="1" dirty="0"/>
+          </a:p>
+        </p:txBody>
+      </p:sp>
+      <p:sp>
+        <p:nvSpPr>
+          <p:cNvPr id="55" name="CaixaDeTexto 54"/>
           <p:cNvSpPr txBox="1"/>
           <p:nvPr/>
         </p:nvSpPr>
         <p:spPr>
           <a:xfrm>
-            <a:off x="2267744" y="1218238"/>
-            <a:ext cx="4832157" cy="338554"/>
+            <a:off x="2987824" y="908720"/>
+            <a:ext cx="4154984" cy="369332"/>
           </a:xfrm>
           <a:prstGeom prst="rect">
             <a:avLst/>
@@ -8668,17 +10514,255 @@
           <a:lstStyle/>
           <a:p>
             <a:r>
-              <a:rPr lang="pt-BR" sz="1600" b="1" dirty="0" smtClean="0"/>
-              <a:t>4.3.1) Ocultando valores nulos e locais não amostrados</a:t>
-            </a:r>
-            <a:endParaRPr lang="pt-BR" sz="1600" b="1" dirty="0"/>
+              <a:rPr lang="pt-BR" b="1" dirty="0" smtClean="0"/>
+              <a:t>4.1) Criando um aplicativo VTK elementar</a:t>
+            </a:r>
+            <a:endParaRPr lang="pt-BR" b="1" dirty="0"/>
+          </a:p>
+        </p:txBody>
+      </p:sp>
+      <p:sp>
+        <p:nvSpPr>
+          <p:cNvPr id="14" name="CaixaDeTexto 13"/>
+          <p:cNvSpPr txBox="1"/>
+          <p:nvPr/>
+        </p:nvSpPr>
+        <p:spPr>
+          <a:xfrm>
+            <a:off x="263696" y="1700808"/>
+            <a:ext cx="8863645" cy="338554"/>
+          </a:xfrm>
+          <a:prstGeom prst="rect">
+            <a:avLst/>
+          </a:prstGeom>
+          <a:noFill/>
+        </p:spPr>
+        <p:txBody>
+          <a:bodyPr wrap="none" rtlCol="0">
+            <a:spAutoFit/>
+          </a:bodyPr>
+          <a:lstStyle/>
+          <a:p>
+            <a:pPr marL="285750" indent="-285750">
+              <a:buFont typeface="Wingdings" panose="05000000000000000000" pitchFamily="2" charset="2"/>
+              <a:buChar char="Ø"/>
+            </a:pPr>
+            <a:r>
+              <a:rPr lang="pt-BR" sz="1600" dirty="0" smtClean="0"/>
+              <a:t>Repetir os passos de configuração até que nenhuma variável nova apareça (destacadas em vermelho)</a:t>
+            </a:r>
+            <a:r>
+              <a:rPr lang="pt-BR" sz="1600" dirty="0" smtClean="0"/>
+              <a:t>.</a:t>
+            </a:r>
+            <a:endParaRPr lang="pt-BR" sz="1600" dirty="0"/>
+          </a:p>
+        </p:txBody>
+      </p:sp>
+      <p:pic>
+        <p:nvPicPr>
+          <p:cNvPr id="17" name="Imagem 16"/>
+          <p:cNvPicPr>
+            <a:picLocks noChangeAspect="1"/>
+          </p:cNvPicPr>
+          <p:nvPr/>
+        </p:nvPicPr>
+        <p:blipFill>
+          <a:blip r:embed="rId3">
+            <a:clrChange>
+              <a:clrFrom>
+                <a:srgbClr val="FFFFFF"/>
+              </a:clrFrom>
+              <a:clrTo>
+                <a:srgbClr val="FFFFFF">
+                  <a:alpha val="0"/>
+                </a:srgbClr>
+              </a:clrTo>
+            </a:clrChange>
+          </a:blip>
+          <a:stretch>
+            <a:fillRect/>
+          </a:stretch>
+        </p:blipFill>
+        <p:spPr>
+          <a:xfrm flipH="1">
+            <a:off x="4960622" y="3212975"/>
+            <a:ext cx="547482" cy="421305"/>
+          </a:xfrm>
+          <a:prstGeom prst="rect">
+            <a:avLst/>
+          </a:prstGeom>
+        </p:spPr>
+      </p:pic>
+      <p:pic>
+        <p:nvPicPr>
+          <p:cNvPr id="19" name="Imagem 18"/>
+          <p:cNvPicPr>
+            <a:picLocks noChangeAspect="1"/>
+          </p:cNvPicPr>
+          <p:nvPr/>
+        </p:nvPicPr>
+        <p:blipFill>
+          <a:blip r:embed="rId3">
+            <a:clrChange>
+              <a:clrFrom>
+                <a:srgbClr val="FFFFFF"/>
+              </a:clrFrom>
+              <a:clrTo>
+                <a:srgbClr val="FFFFFF">
+                  <a:alpha val="0"/>
+                </a:srgbClr>
+              </a:clrTo>
+            </a:clrChange>
+          </a:blip>
+          <a:stretch>
+            <a:fillRect/>
+          </a:stretch>
+        </p:blipFill>
+        <p:spPr>
+          <a:xfrm rot="19147307" flipH="1">
+            <a:off x="6174632" y="3212975"/>
+            <a:ext cx="547482" cy="421305"/>
+          </a:xfrm>
+          <a:prstGeom prst="rect">
+            <a:avLst/>
+          </a:prstGeom>
+        </p:spPr>
+      </p:pic>
+      <p:pic>
+        <p:nvPicPr>
+          <p:cNvPr id="15" name="Imagem 14"/>
+          <p:cNvPicPr>
+            <a:picLocks noChangeAspect="1"/>
+          </p:cNvPicPr>
+          <p:nvPr/>
+        </p:nvPicPr>
+        <p:blipFill>
+          <a:blip r:embed="rId4"/>
+          <a:stretch>
+            <a:fillRect/>
+          </a:stretch>
+        </p:blipFill>
+        <p:spPr>
+          <a:xfrm>
+            <a:off x="1619673" y="2060847"/>
+            <a:ext cx="5725542" cy="3768527"/>
+          </a:xfrm>
+          <a:prstGeom prst="rect">
+            <a:avLst/>
+          </a:prstGeom>
+          <a:ln>
+            <a:noFill/>
+          </a:ln>
+          <a:effectLst>
+            <a:outerShdw blurRad="292100" dist="139700" dir="2700000" algn="tl" rotWithShape="0">
+              <a:srgbClr val="333333">
+                <a:alpha val="65000"/>
+              </a:srgbClr>
+            </a:outerShdw>
+          </a:effectLst>
+        </p:spPr>
+      </p:pic>
+      <p:pic>
+        <p:nvPicPr>
+          <p:cNvPr id="18" name="Imagem 17"/>
+          <p:cNvPicPr>
+            <a:picLocks noChangeAspect="1"/>
+          </p:cNvPicPr>
+          <p:nvPr/>
+        </p:nvPicPr>
+        <p:blipFill>
+          <a:blip r:embed="rId3">
+            <a:clrChange>
+              <a:clrFrom>
+                <a:srgbClr val="FFFFFF"/>
+              </a:clrFrom>
+              <a:clrTo>
+                <a:srgbClr val="FFFFFF">
+                  <a:alpha val="0"/>
+                </a:srgbClr>
+              </a:clrTo>
+            </a:clrChange>
+          </a:blip>
+          <a:stretch>
+            <a:fillRect/>
+          </a:stretch>
+        </p:blipFill>
+        <p:spPr>
+          <a:xfrm rot="2513887" flipH="1">
+            <a:off x="2672036" y="4422045"/>
+            <a:ext cx="547482" cy="421305"/>
+          </a:xfrm>
+          <a:prstGeom prst="rect">
+            <a:avLst/>
+          </a:prstGeom>
+        </p:spPr>
+      </p:pic>
+      <p:sp>
+        <p:nvSpPr>
+          <p:cNvPr id="20" name="CaixaDeTexto 19"/>
+          <p:cNvSpPr txBox="1"/>
+          <p:nvPr/>
+        </p:nvSpPr>
+        <p:spPr>
+          <a:xfrm>
+            <a:off x="266268" y="5970766"/>
+            <a:ext cx="8775351" cy="338554"/>
+          </a:xfrm>
+          <a:prstGeom prst="rect">
+            <a:avLst/>
+          </a:prstGeom>
+          <a:noFill/>
+        </p:spPr>
+        <p:txBody>
+          <a:bodyPr wrap="none" rtlCol="0">
+            <a:spAutoFit/>
+          </a:bodyPr>
+          <a:lstStyle/>
+          <a:p>
+            <a:pPr marL="285750" indent="-285750">
+              <a:buFont typeface="Wingdings" panose="05000000000000000000" pitchFamily="2" charset="2"/>
+              <a:buChar char="Ø"/>
+            </a:pPr>
+            <a:r>
+              <a:rPr lang="pt-BR" sz="1600" dirty="0" smtClean="0"/>
+              <a:t>O botão “</a:t>
+            </a:r>
+            <a:r>
+              <a:rPr lang="pt-BR" sz="1600" dirty="0" err="1" smtClean="0"/>
+              <a:t>Generate</a:t>
+            </a:r>
+            <a:r>
+              <a:rPr lang="pt-BR" sz="1600" dirty="0" smtClean="0"/>
+              <a:t>” gera um </a:t>
+            </a:r>
+            <a:r>
+              <a:rPr lang="pt-BR" sz="1600" dirty="0" err="1" smtClean="0"/>
+              <a:t>Makefile</a:t>
+            </a:r>
+            <a:r>
+              <a:rPr lang="pt-BR" sz="1600" dirty="0" smtClean="0"/>
+              <a:t> ou um </a:t>
+            </a:r>
+            <a:r>
+              <a:rPr lang="pt-BR" sz="1600" dirty="0" err="1" smtClean="0"/>
+              <a:t>Solution</a:t>
+            </a:r>
+            <a:r>
+              <a:rPr lang="pt-BR" sz="1600" dirty="0" smtClean="0"/>
+              <a:t> pronto para compilação no diretório de build</a:t>
+            </a:r>
+            <a:r>
+              <a:rPr lang="pt-BR" sz="1600" dirty="0" smtClean="0"/>
+              <a:t>.</a:t>
+            </a:r>
           </a:p>
         </p:txBody>
       </p:sp>
     </p:spTree>
     <p:extLst>
       <p:ext uri="{BB962C8B-B14F-4D97-AF65-F5344CB8AC3E}">
-        <p14:creationId xmlns:p14="http://schemas.microsoft.com/office/powerpoint/2010/main" val="3585225282"/>
+        <p14:creationId xmlns:p14="http://schemas.microsoft.com/office/powerpoint/2010/main" val="1560415685"/>
       </p:ext>
     </p:extLst>
   </p:cSld>
@@ -8752,14 +10836,14 @@
       </p:sp>
       <p:sp>
         <p:nvSpPr>
-          <p:cNvPr id="5" name="CaixaDeTexto 4"/>
+          <p:cNvPr id="54" name="CaixaDeTexto 53"/>
           <p:cNvSpPr txBox="1"/>
           <p:nvPr/>
         </p:nvSpPr>
         <p:spPr>
           <a:xfrm>
-            <a:off x="3851920" y="908720"/>
-            <a:ext cx="1503938" cy="369332"/>
+            <a:off x="4067944" y="1218238"/>
+            <a:ext cx="1608133" cy="338554"/>
           </a:xfrm>
           <a:prstGeom prst="rect">
             <a:avLst/>
@@ -8773,17 +10857,455 @@
           <a:lstStyle/>
           <a:p>
             <a:r>
+              <a:rPr lang="pt-BR" sz="1600" b="1" dirty="0" smtClean="0"/>
+              <a:t>4.1.3) </a:t>
+            </a:r>
+            <a:r>
+              <a:rPr lang="pt-BR" sz="1600" b="1" dirty="0" err="1" smtClean="0"/>
+              <a:t>Hello</a:t>
+            </a:r>
+            <a:r>
+              <a:rPr lang="pt-BR" sz="1600" b="1" dirty="0" smtClean="0"/>
+              <a:t> VTK!</a:t>
+            </a:r>
+            <a:endParaRPr lang="pt-BR" sz="1600" b="1" dirty="0"/>
+          </a:p>
+        </p:txBody>
+      </p:sp>
+      <p:sp>
+        <p:nvSpPr>
+          <p:cNvPr id="55" name="CaixaDeTexto 54"/>
+          <p:cNvSpPr txBox="1"/>
+          <p:nvPr/>
+        </p:nvSpPr>
+        <p:spPr>
+          <a:xfrm>
+            <a:off x="2987824" y="908720"/>
+            <a:ext cx="4154984" cy="369332"/>
+          </a:xfrm>
+          <a:prstGeom prst="rect">
+            <a:avLst/>
+          </a:prstGeom>
+          <a:noFill/>
+        </p:spPr>
+        <p:txBody>
+          <a:bodyPr wrap="none" rtlCol="0">
+            <a:spAutoFit/>
+          </a:bodyPr>
+          <a:lstStyle/>
+          <a:p>
+            <a:r>
               <a:rPr lang="pt-BR" b="1" dirty="0" smtClean="0"/>
-              <a:t>4.4) Cubos 3D</a:t>
+              <a:t>4.1) Criando um aplicativo VTK elementar</a:t>
             </a:r>
             <a:endParaRPr lang="pt-BR" b="1" dirty="0"/>
+          </a:p>
+        </p:txBody>
+      </p:sp>
+      <p:sp>
+        <p:nvSpPr>
+          <p:cNvPr id="14" name="CaixaDeTexto 13"/>
+          <p:cNvSpPr txBox="1"/>
+          <p:nvPr/>
+        </p:nvSpPr>
+        <p:spPr>
+          <a:xfrm>
+            <a:off x="263696" y="1700808"/>
+            <a:ext cx="8484768" cy="1569660"/>
+          </a:xfrm>
+          <a:prstGeom prst="rect">
+            <a:avLst/>
+          </a:prstGeom>
+          <a:noFill/>
+        </p:spPr>
+        <p:txBody>
+          <a:bodyPr wrap="square" rtlCol="0">
+            <a:spAutoFit/>
+          </a:bodyPr>
+          <a:lstStyle/>
+          <a:p>
+            <a:pPr marL="285750" indent="-285750" algn="just">
+              <a:buFont typeface="Wingdings" panose="05000000000000000000" pitchFamily="2" charset="2"/>
+              <a:buChar char="Ø"/>
+            </a:pPr>
+            <a:r>
+              <a:rPr lang="pt-BR" sz="1600" dirty="0" smtClean="0"/>
+              <a:t>Disparar a compilação de acordo com o procedimento do </a:t>
+            </a:r>
+            <a:r>
+              <a:rPr lang="pt-BR" sz="1600" i="1" dirty="0" err="1" smtClean="0"/>
+              <a:t>toolset</a:t>
+            </a:r>
+            <a:r>
+              <a:rPr lang="pt-BR" sz="1600" dirty="0" smtClean="0"/>
+              <a:t> escolhido, por exemplo:</a:t>
+            </a:r>
+          </a:p>
+          <a:p>
+            <a:pPr lvl="1" algn="just"/>
+            <a:r>
+              <a:rPr lang="pt-BR" sz="1600" dirty="0" smtClean="0">
+                <a:latin typeface="Courier New" panose="02070309020205020404" pitchFamily="49" charset="0"/>
+                <a:cs typeface="Courier New" panose="02070309020205020404" pitchFamily="49" charset="0"/>
+              </a:rPr>
+              <a:t>$ </a:t>
+            </a:r>
+            <a:r>
+              <a:rPr lang="pt-BR" sz="1600" dirty="0" err="1" smtClean="0">
+                <a:latin typeface="Courier New" panose="02070309020205020404" pitchFamily="49" charset="0"/>
+                <a:cs typeface="Courier New" panose="02070309020205020404" pitchFamily="49" charset="0"/>
+              </a:rPr>
+              <a:t>cd</a:t>
+            </a:r>
+            <a:r>
+              <a:rPr lang="pt-BR" sz="1600" dirty="0" smtClean="0">
+                <a:latin typeface="Courier New" panose="02070309020205020404" pitchFamily="49" charset="0"/>
+                <a:cs typeface="Courier New" panose="02070309020205020404" pitchFamily="49" charset="0"/>
+              </a:rPr>
+              <a:t> &lt;</a:t>
+            </a:r>
+            <a:r>
+              <a:rPr lang="pt-BR" sz="1600" dirty="0" err="1" smtClean="0">
+                <a:latin typeface="Courier New" panose="02070309020205020404" pitchFamily="49" charset="0"/>
+                <a:cs typeface="Courier New" panose="02070309020205020404" pitchFamily="49" charset="0"/>
+              </a:rPr>
+              <a:t>build_dir</a:t>
+            </a:r>
+            <a:r>
+              <a:rPr lang="pt-BR" sz="1600" dirty="0" smtClean="0">
+                <a:latin typeface="Courier New" panose="02070309020205020404" pitchFamily="49" charset="0"/>
+                <a:cs typeface="Courier New" panose="02070309020205020404" pitchFamily="49" charset="0"/>
+              </a:rPr>
+              <a:t>&gt;; </a:t>
+            </a:r>
+            <a:r>
+              <a:rPr lang="pt-BR" sz="1600" dirty="0" err="1" smtClean="0">
+                <a:latin typeface="Courier New" panose="02070309020205020404" pitchFamily="49" charset="0"/>
+                <a:cs typeface="Courier New" panose="02070309020205020404" pitchFamily="49" charset="0"/>
+              </a:rPr>
+              <a:t>make</a:t>
+            </a:r>
+            <a:r>
+              <a:rPr lang="pt-BR" sz="1600" dirty="0" smtClean="0">
+                <a:latin typeface="Courier New" panose="02070309020205020404" pitchFamily="49" charset="0"/>
+                <a:cs typeface="Courier New" panose="02070309020205020404" pitchFamily="49" charset="0"/>
+              </a:rPr>
+              <a:t>; </a:t>
+            </a:r>
+            <a:r>
+              <a:rPr lang="pt-BR" sz="1600" dirty="0" err="1" smtClean="0">
+                <a:latin typeface="Courier New" panose="02070309020205020404" pitchFamily="49" charset="0"/>
+                <a:cs typeface="Courier New" panose="02070309020205020404" pitchFamily="49" charset="0"/>
+              </a:rPr>
+              <a:t>make</a:t>
+            </a:r>
+            <a:r>
+              <a:rPr lang="pt-BR" sz="1600" dirty="0" smtClean="0">
+                <a:latin typeface="Courier New" panose="02070309020205020404" pitchFamily="49" charset="0"/>
+                <a:cs typeface="Courier New" panose="02070309020205020404" pitchFamily="49" charset="0"/>
+              </a:rPr>
+              <a:t> </a:t>
+            </a:r>
+            <a:r>
+              <a:rPr lang="pt-BR" sz="1600" dirty="0" err="1" smtClean="0">
+                <a:latin typeface="Courier New" panose="02070309020205020404" pitchFamily="49" charset="0"/>
+                <a:cs typeface="Courier New" panose="02070309020205020404" pitchFamily="49" charset="0"/>
+              </a:rPr>
+              <a:t>install</a:t>
+            </a:r>
+            <a:r>
+              <a:rPr lang="pt-BR" sz="1600" dirty="0" smtClean="0"/>
+              <a:t> para GNU ou clique no botão                     .                do </a:t>
+            </a:r>
+            <a:r>
+              <a:rPr lang="pt-BR" sz="1600" dirty="0" err="1" smtClean="0"/>
+              <a:t>CMake</a:t>
+            </a:r>
+            <a:r>
+              <a:rPr lang="pt-BR" sz="1600" dirty="0" smtClean="0"/>
+              <a:t> GUI para abrir a </a:t>
+            </a:r>
+            <a:r>
+              <a:rPr lang="pt-BR" sz="1600" dirty="0" err="1" smtClean="0"/>
+              <a:t>Solution</a:t>
+            </a:r>
+            <a:r>
+              <a:rPr lang="pt-BR" sz="1600" dirty="0" smtClean="0"/>
+              <a:t> no VS e disparar a compilação e instalação.</a:t>
+            </a:r>
+          </a:p>
+          <a:p>
+            <a:pPr lvl="1" algn="just"/>
+            <a:endParaRPr lang="pt-BR" sz="1600" dirty="0"/>
+          </a:p>
+          <a:p>
+            <a:pPr marL="285750" indent="-285750" algn="just">
+              <a:buFont typeface="Wingdings" panose="05000000000000000000" pitchFamily="2" charset="2"/>
+              <a:buChar char="Ø"/>
+            </a:pPr>
+            <a:r>
+              <a:rPr lang="pt-BR" sz="1600" dirty="0" smtClean="0"/>
+              <a:t>Configurar o projeto no </a:t>
+            </a:r>
+            <a:r>
+              <a:rPr lang="pt-BR" sz="1600" dirty="0" err="1" smtClean="0"/>
+              <a:t>Qt</a:t>
+            </a:r>
+            <a:r>
+              <a:rPr lang="pt-BR" sz="1600" dirty="0" smtClean="0"/>
+              <a:t> </a:t>
+            </a:r>
+            <a:r>
+              <a:rPr lang="pt-BR" sz="1600" dirty="0" err="1" smtClean="0"/>
+              <a:t>Creator</a:t>
+            </a:r>
+            <a:r>
+              <a:rPr lang="pt-BR" sz="1600" dirty="0" smtClean="0"/>
+              <a:t>: File </a:t>
+            </a:r>
+            <a:r>
+              <a:rPr lang="pt-BR" sz="1600" dirty="0" smtClean="0">
+                <a:sym typeface="Wingdings" panose="05000000000000000000" pitchFamily="2" charset="2"/>
+              </a:rPr>
+              <a:t> Open  </a:t>
+            </a:r>
+            <a:r>
+              <a:rPr lang="pt-BR" sz="1600" dirty="0" smtClean="0">
+                <a:latin typeface="Courier New" panose="02070309020205020404" pitchFamily="49" charset="0"/>
+                <a:cs typeface="Courier New" panose="02070309020205020404" pitchFamily="49" charset="0"/>
+                <a:sym typeface="Wingdings" panose="05000000000000000000" pitchFamily="2" charset="2"/>
+              </a:rPr>
+              <a:t>CMakeLists.txt</a:t>
+            </a:r>
+            <a:endParaRPr lang="pt-BR" sz="1600" dirty="0">
+              <a:latin typeface="Courier New" panose="02070309020205020404" pitchFamily="49" charset="0"/>
+              <a:cs typeface="Courier New" panose="02070309020205020404" pitchFamily="49" charset="0"/>
+            </a:endParaRPr>
+          </a:p>
+          <a:p>
+            <a:pPr lvl="1" algn="just"/>
+            <a:endParaRPr lang="pt-BR" sz="1600" dirty="0" smtClean="0"/>
+          </a:p>
+        </p:txBody>
+      </p:sp>
+      <p:pic>
+        <p:nvPicPr>
+          <p:cNvPr id="2" name="Imagem 1"/>
+          <p:cNvPicPr>
+            <a:picLocks noChangeAspect="1"/>
+          </p:cNvPicPr>
+          <p:nvPr/>
+        </p:nvPicPr>
+        <p:blipFill>
+          <a:blip r:embed="rId3"/>
+          <a:stretch>
+            <a:fillRect/>
+          </a:stretch>
+        </p:blipFill>
+        <p:spPr>
+          <a:xfrm>
+            <a:off x="827584" y="2276872"/>
+            <a:ext cx="695325" cy="200025"/>
+          </a:xfrm>
+          <a:prstGeom prst="rect">
+            <a:avLst/>
+          </a:prstGeom>
+        </p:spPr>
+      </p:pic>
+      <p:pic>
+        <p:nvPicPr>
+          <p:cNvPr id="3" name="Imagem 2"/>
+          <p:cNvPicPr>
+            <a:picLocks noChangeAspect="1"/>
+          </p:cNvPicPr>
+          <p:nvPr/>
+        </p:nvPicPr>
+        <p:blipFill>
+          <a:blip r:embed="rId4"/>
+          <a:stretch>
+            <a:fillRect/>
+          </a:stretch>
+        </p:blipFill>
+        <p:spPr>
+          <a:xfrm>
+            <a:off x="971600" y="2996952"/>
+            <a:ext cx="6842904" cy="2153806"/>
+          </a:xfrm>
+          <a:prstGeom prst="rect">
+            <a:avLst/>
+          </a:prstGeom>
+          <a:ln>
+            <a:noFill/>
+          </a:ln>
+          <a:effectLst>
+            <a:outerShdw blurRad="292100" dist="139700" dir="2700000" algn="tl" rotWithShape="0">
+              <a:srgbClr val="333333">
+                <a:alpha val="65000"/>
+              </a:srgbClr>
+            </a:outerShdw>
+          </a:effectLst>
+        </p:spPr>
+      </p:pic>
+      <p:pic>
+        <p:nvPicPr>
+          <p:cNvPr id="13" name="Imagem 12"/>
+          <p:cNvPicPr>
+            <a:picLocks noChangeAspect="1"/>
+          </p:cNvPicPr>
+          <p:nvPr/>
+        </p:nvPicPr>
+        <p:blipFill>
+          <a:blip r:embed="rId5">
+            <a:clrChange>
+              <a:clrFrom>
+                <a:srgbClr val="FFFFFF"/>
+              </a:clrFrom>
+              <a:clrTo>
+                <a:srgbClr val="FFFFFF">
+                  <a:alpha val="0"/>
+                </a:srgbClr>
+              </a:clrTo>
+            </a:clrChange>
+          </a:blip>
+          <a:stretch>
+            <a:fillRect/>
+          </a:stretch>
+        </p:blipFill>
+        <p:spPr>
+          <a:xfrm rot="2513887" flipH="1">
+            <a:off x="1978393" y="4695562"/>
+            <a:ext cx="547482" cy="421305"/>
+          </a:xfrm>
+          <a:prstGeom prst="rect">
+            <a:avLst/>
+          </a:prstGeom>
+        </p:spPr>
+      </p:pic>
+      <p:pic>
+        <p:nvPicPr>
+          <p:cNvPr id="5" name="Imagem 4"/>
+          <p:cNvPicPr>
+            <a:picLocks noChangeAspect="1"/>
+          </p:cNvPicPr>
+          <p:nvPr/>
+        </p:nvPicPr>
+        <p:blipFill>
+          <a:blip r:embed="rId6"/>
+          <a:stretch>
+            <a:fillRect/>
+          </a:stretch>
+        </p:blipFill>
+        <p:spPr>
+          <a:xfrm>
+            <a:off x="1592188" y="5445224"/>
+            <a:ext cx="5053052" cy="1001678"/>
+          </a:xfrm>
+          <a:prstGeom prst="rect">
+            <a:avLst/>
+          </a:prstGeom>
+          <a:ln>
+            <a:noFill/>
+          </a:ln>
+          <a:effectLst>
+            <a:outerShdw blurRad="292100" dist="139700" dir="2700000" algn="tl" rotWithShape="0">
+              <a:srgbClr val="333333">
+                <a:alpha val="65000"/>
+              </a:srgbClr>
+            </a:outerShdw>
+          </a:effectLst>
+        </p:spPr>
+      </p:pic>
+      <p:pic>
+        <p:nvPicPr>
+          <p:cNvPr id="16" name="Imagem 15"/>
+          <p:cNvPicPr>
+            <a:picLocks noChangeAspect="1"/>
+          </p:cNvPicPr>
+          <p:nvPr/>
+        </p:nvPicPr>
+        <p:blipFill>
+          <a:blip r:embed="rId5">
+            <a:clrChange>
+              <a:clrFrom>
+                <a:srgbClr val="FFFFFF"/>
+              </a:clrFrom>
+              <a:clrTo>
+                <a:srgbClr val="FFFFFF">
+                  <a:alpha val="0"/>
+                </a:srgbClr>
+              </a:clrTo>
+            </a:clrChange>
+          </a:blip>
+          <a:stretch>
+            <a:fillRect/>
+          </a:stretch>
+        </p:blipFill>
+        <p:spPr>
+          <a:xfrm>
+            <a:off x="1131002" y="5643358"/>
+            <a:ext cx="547482" cy="421305"/>
+          </a:xfrm>
+          <a:prstGeom prst="rect">
+            <a:avLst/>
+          </a:prstGeom>
+        </p:spPr>
+      </p:pic>
+      <p:sp>
+        <p:nvSpPr>
+          <p:cNvPr id="21" name="Seta para baixo 20"/>
+          <p:cNvSpPr/>
+          <p:nvPr/>
+        </p:nvSpPr>
+        <p:spPr>
+          <a:xfrm rot="20701908">
+            <a:off x="2751084" y="4665317"/>
+            <a:ext cx="213762" cy="909170"/>
+          </a:xfrm>
+          <a:prstGeom prst="downArrow">
+            <a:avLst/>
+          </a:prstGeom>
+          <a:pattFill prst="pct25">
+            <a:fgClr>
+              <a:schemeClr val="dk1"/>
+            </a:fgClr>
+            <a:bgClr>
+              <a:schemeClr val="bg1"/>
+            </a:bgClr>
+          </a:pattFill>
+        </p:spPr>
+        <p:style>
+          <a:lnRef idx="2">
+            <a:schemeClr val="dk1">
+              <a:shade val="50000"/>
+            </a:schemeClr>
+          </a:lnRef>
+          <a:fillRef idx="1">
+            <a:schemeClr val="dk1"/>
+          </a:fillRef>
+          <a:effectRef idx="0">
+            <a:schemeClr val="dk1"/>
+          </a:effectRef>
+          <a:fontRef idx="minor">
+            <a:schemeClr val="lt1"/>
+          </a:fontRef>
+        </p:style>
+        <p:txBody>
+          <a:bodyPr rtlCol="0" anchor="ctr"/>
+          <a:lstStyle/>
+          <a:p>
+            <a:pPr algn="ctr"/>
+            <a:endParaRPr lang="pt-BR" dirty="0" smtClean="0">
+              <a:solidFill>
+                <a:schemeClr val="tx1"/>
+              </a:solidFill>
+            </a:endParaRPr>
           </a:p>
         </p:txBody>
       </p:sp>
     </p:spTree>
     <p:extLst>
       <p:ext uri="{BB962C8B-B14F-4D97-AF65-F5344CB8AC3E}">
-        <p14:creationId xmlns:p14="http://schemas.microsoft.com/office/powerpoint/2010/main" val="1653003107"/>
+        <p14:creationId xmlns:p14="http://schemas.microsoft.com/office/powerpoint/2010/main" val="3852235901"/>
       </p:ext>
     </p:extLst>
   </p:cSld>
@@ -8857,14 +11379,14 @@
       </p:sp>
       <p:sp>
         <p:nvSpPr>
-          <p:cNvPr id="5" name="CaixaDeTexto 4"/>
+          <p:cNvPr id="54" name="CaixaDeTexto 53"/>
           <p:cNvSpPr txBox="1"/>
           <p:nvPr/>
         </p:nvSpPr>
         <p:spPr>
           <a:xfrm>
-            <a:off x="3851920" y="908720"/>
-            <a:ext cx="1503938" cy="369332"/>
+            <a:off x="4067944" y="1218238"/>
+            <a:ext cx="1608133" cy="338554"/>
           </a:xfrm>
           <a:prstGeom prst="rect">
             <a:avLst/>
@@ -8878,23 +11400,31 @@
           <a:lstStyle/>
           <a:p>
             <a:r>
-              <a:rPr lang="pt-BR" b="1" dirty="0" smtClean="0"/>
-              <a:t>4.4) Cubos 3D</a:t>
-            </a:r>
-            <a:endParaRPr lang="pt-BR" b="1" dirty="0"/>
-          </a:p>
-        </p:txBody>
-      </p:sp>
-      <p:sp>
-        <p:nvSpPr>
-          <p:cNvPr id="6" name="CaixaDeTexto 5"/>
+              <a:rPr lang="pt-BR" sz="1600" b="1" dirty="0" smtClean="0"/>
+              <a:t>4.1.3) </a:t>
+            </a:r>
+            <a:r>
+              <a:rPr lang="pt-BR" sz="1600" b="1" dirty="0" err="1" smtClean="0"/>
+              <a:t>Hello</a:t>
+            </a:r>
+            <a:r>
+              <a:rPr lang="pt-BR" sz="1600" b="1" dirty="0" smtClean="0"/>
+              <a:t> VTK!</a:t>
+            </a:r>
+            <a:endParaRPr lang="pt-BR" sz="1600" b="1" dirty="0"/>
+          </a:p>
+        </p:txBody>
+      </p:sp>
+      <p:sp>
+        <p:nvSpPr>
+          <p:cNvPr id="55" name="CaixaDeTexto 54"/>
           <p:cNvSpPr txBox="1"/>
           <p:nvPr/>
         </p:nvSpPr>
         <p:spPr>
           <a:xfrm>
-            <a:off x="2987824" y="1218238"/>
-            <a:ext cx="3371116" cy="338554"/>
+            <a:off x="2987824" y="908720"/>
+            <a:ext cx="4154984" cy="369332"/>
           </a:xfrm>
           <a:prstGeom prst="rect">
             <a:avLst/>
@@ -8908,37 +11438,203 @@
           <a:lstStyle/>
           <a:p>
             <a:r>
+              <a:rPr lang="pt-BR" b="1" dirty="0" smtClean="0"/>
+              <a:t>4.1) Criando um aplicativo VTK elementar</a:t>
+            </a:r>
+            <a:endParaRPr lang="pt-BR" b="1" dirty="0"/>
+          </a:p>
+        </p:txBody>
+      </p:sp>
+      <p:sp>
+        <p:nvSpPr>
+          <p:cNvPr id="14" name="CaixaDeTexto 13"/>
+          <p:cNvSpPr txBox="1"/>
+          <p:nvPr/>
+        </p:nvSpPr>
+        <p:spPr>
+          <a:xfrm>
+            <a:off x="263696" y="2814027"/>
+            <a:ext cx="8484768" cy="584775"/>
+          </a:xfrm>
+          <a:prstGeom prst="rect">
+            <a:avLst/>
+          </a:prstGeom>
+          <a:noFill/>
+        </p:spPr>
+        <p:txBody>
+          <a:bodyPr wrap="square" rtlCol="0">
+            <a:spAutoFit/>
+          </a:bodyPr>
+          <a:lstStyle/>
+          <a:p>
+            <a:pPr marL="285750" indent="-285750" algn="just">
+              <a:buFont typeface="Wingdings" panose="05000000000000000000" pitchFamily="2" charset="2"/>
+              <a:buChar char="Ø"/>
+            </a:pPr>
+            <a:r>
+              <a:rPr lang="pt-BR" sz="1600" dirty="0" err="1" smtClean="0"/>
+              <a:t>Qt</a:t>
+            </a:r>
+            <a:r>
+              <a:rPr lang="pt-BR" sz="1600" dirty="0" smtClean="0"/>
+              <a:t> </a:t>
+            </a:r>
+            <a:r>
+              <a:rPr lang="pt-BR" sz="1600" dirty="0" err="1" smtClean="0"/>
+              <a:t>Creator</a:t>
+            </a:r>
+            <a:r>
+              <a:rPr lang="pt-BR" sz="1600" dirty="0" smtClean="0"/>
+              <a:t>: sempre que houver alterações no projeto (via alterações no </a:t>
+            </a:r>
+            <a:r>
+              <a:rPr lang="pt-BR" sz="1600" dirty="0" smtClean="0">
+                <a:latin typeface="Courier New" panose="02070309020205020404" pitchFamily="49" charset="0"/>
+                <a:cs typeface="Courier New" panose="02070309020205020404" pitchFamily="49" charset="0"/>
+              </a:rPr>
+              <a:t>CMakeLists.txt</a:t>
+            </a:r>
+            <a:r>
+              <a:rPr lang="pt-BR" sz="1600" dirty="0" smtClean="0"/>
+              <a:t>), deve-se chamar o menu de contexto do projeto e acionar a opção </a:t>
+            </a:r>
+            <a:r>
+              <a:rPr lang="pt-BR" sz="1600" b="1" dirty="0" err="1" smtClean="0"/>
+              <a:t>Run</a:t>
+            </a:r>
+            <a:r>
               <a:rPr lang="pt-BR" sz="1600" b="1" dirty="0" smtClean="0"/>
-              <a:t>4.4.1) Seções </a:t>
+              <a:t> </a:t>
             </a:r>
             <a:r>
               <a:rPr lang="pt-BR" sz="1600" b="1" dirty="0" err="1" smtClean="0"/>
-              <a:t>inline</a:t>
-            </a:r>
-            <a:r>
-              <a:rPr lang="pt-BR" sz="1600" b="1" dirty="0" smtClean="0"/>
-              <a:t>, </a:t>
-            </a:r>
-            <a:r>
-              <a:rPr lang="pt-BR" sz="1600" b="1" dirty="0" err="1" smtClean="0"/>
-              <a:t>crossline</a:t>
-            </a:r>
-            <a:r>
-              <a:rPr lang="pt-BR" sz="1600" b="1" dirty="0" smtClean="0"/>
-              <a:t> e z-</a:t>
-            </a:r>
-            <a:r>
-              <a:rPr lang="pt-BR" sz="1600" b="1" dirty="0" err="1" smtClean="0"/>
-              <a:t>slice</a:t>
-            </a:r>
-            <a:endParaRPr lang="pt-BR" sz="1600" b="1" dirty="0"/>
-          </a:p>
-        </p:txBody>
-      </p:sp>
+              <a:t>CMake</a:t>
+            </a:r>
+            <a:r>
+              <a:rPr lang="pt-BR" sz="1600" dirty="0"/>
+              <a:t>.</a:t>
+            </a:r>
+            <a:endParaRPr lang="pt-BR" sz="1600" dirty="0">
+              <a:latin typeface="Courier New" panose="02070309020205020404" pitchFamily="49" charset="0"/>
+              <a:cs typeface="Courier New" panose="02070309020205020404" pitchFamily="49" charset="0"/>
+            </a:endParaRPr>
+          </a:p>
+        </p:txBody>
+      </p:sp>
+      <p:pic>
+        <p:nvPicPr>
+          <p:cNvPr id="12" name="Imagem 11"/>
+          <p:cNvPicPr>
+            <a:picLocks noChangeAspect="1"/>
+          </p:cNvPicPr>
+          <p:nvPr/>
+        </p:nvPicPr>
+        <p:blipFill>
+          <a:blip r:embed="rId3">
+            <a:clrChange>
+              <a:clrFrom>
+                <a:srgbClr val="FFFFFF"/>
+              </a:clrFrom>
+              <a:clrTo>
+                <a:srgbClr val="FFFFFF">
+                  <a:alpha val="0"/>
+                </a:srgbClr>
+              </a:clrTo>
+            </a:clrChange>
+          </a:blip>
+          <a:stretch>
+            <a:fillRect/>
+          </a:stretch>
+        </p:blipFill>
+        <p:spPr>
+          <a:xfrm>
+            <a:off x="4127950" y="1628800"/>
+            <a:ext cx="1092122" cy="1008112"/>
+          </a:xfrm>
+          <a:prstGeom prst="rect">
+            <a:avLst/>
+          </a:prstGeom>
+          <a:ln>
+            <a:noFill/>
+          </a:ln>
+          <a:effectLst>
+            <a:outerShdw blurRad="292100" dist="139700" dir="2700000" algn="tl" rotWithShape="0">
+              <a:srgbClr val="333333">
+                <a:alpha val="65000"/>
+              </a:srgbClr>
+            </a:outerShdw>
+          </a:effectLst>
+        </p:spPr>
+      </p:pic>
+      <p:pic>
+        <p:nvPicPr>
+          <p:cNvPr id="6" name="Imagem 5"/>
+          <p:cNvPicPr>
+            <a:picLocks noChangeAspect="1"/>
+          </p:cNvPicPr>
+          <p:nvPr/>
+        </p:nvPicPr>
+        <p:blipFill>
+          <a:blip r:embed="rId4"/>
+          <a:stretch>
+            <a:fillRect/>
+          </a:stretch>
+        </p:blipFill>
+        <p:spPr>
+          <a:xfrm>
+            <a:off x="2771800" y="3449269"/>
+            <a:ext cx="3220988" cy="3133934"/>
+          </a:xfrm>
+          <a:prstGeom prst="rect">
+            <a:avLst/>
+          </a:prstGeom>
+          <a:ln>
+            <a:noFill/>
+          </a:ln>
+          <a:effectLst>
+            <a:softEdge rad="112500"/>
+          </a:effectLst>
+        </p:spPr>
+      </p:pic>
+      <p:pic>
+        <p:nvPicPr>
+          <p:cNvPr id="15" name="Imagem 14"/>
+          <p:cNvPicPr>
+            <a:picLocks noChangeAspect="1"/>
+          </p:cNvPicPr>
+          <p:nvPr/>
+        </p:nvPicPr>
+        <p:blipFill>
+          <a:blip r:embed="rId5">
+            <a:clrChange>
+              <a:clrFrom>
+                <a:srgbClr val="FFFFFF"/>
+              </a:clrFrom>
+              <a:clrTo>
+                <a:srgbClr val="FFFFFF">
+                  <a:alpha val="0"/>
+                </a:srgbClr>
+              </a:clrTo>
+            </a:clrChange>
+          </a:blip>
+          <a:stretch>
+            <a:fillRect/>
+          </a:stretch>
+        </p:blipFill>
+        <p:spPr>
+          <a:xfrm flipH="1">
+            <a:off x="5105504" y="4030555"/>
+            <a:ext cx="547482" cy="421305"/>
+          </a:xfrm>
+          <a:prstGeom prst="rect">
+            <a:avLst/>
+          </a:prstGeom>
+        </p:spPr>
+      </p:pic>
     </p:spTree>
     <p:extLst>
       <p:ext uri="{BB962C8B-B14F-4D97-AF65-F5344CB8AC3E}">
-        <p14:creationId xmlns:p14="http://schemas.microsoft.com/office/powerpoint/2010/main" val="760961505"/>
+        <p14:creationId xmlns:p14="http://schemas.microsoft.com/office/powerpoint/2010/main" val="3160225612"/>
       </p:ext>
     </p:extLst>
   </p:cSld>
@@ -9109,14 +11805,14 @@
       </p:sp>
       <p:sp>
         <p:nvSpPr>
-          <p:cNvPr id="5" name="CaixaDeTexto 4"/>
+          <p:cNvPr id="55" name="CaixaDeTexto 54"/>
           <p:cNvSpPr txBox="1"/>
           <p:nvPr/>
         </p:nvSpPr>
         <p:spPr>
           <a:xfrm>
-            <a:off x="3851920" y="908720"/>
-            <a:ext cx="1503938" cy="369332"/>
+            <a:off x="3257104" y="908720"/>
+            <a:ext cx="2323008" cy="369332"/>
           </a:xfrm>
           <a:prstGeom prst="rect">
             <a:avLst/>
@@ -9131,50 +11827,16 @@
           <a:p>
             <a:r>
               <a:rPr lang="pt-BR" b="1" dirty="0" smtClean="0"/>
-              <a:t>4.4) Cubos 3D</a:t>
+              <a:t>4.2) Nuvens de pontos</a:t>
             </a:r>
             <a:endParaRPr lang="pt-BR" b="1" dirty="0"/>
-          </a:p>
-        </p:txBody>
-      </p:sp>
-      <p:sp>
-        <p:nvSpPr>
-          <p:cNvPr id="6" name="CaixaDeTexto 5"/>
-          <p:cNvSpPr txBox="1"/>
-          <p:nvPr/>
-        </p:nvSpPr>
-        <p:spPr>
-          <a:xfrm>
-            <a:off x="3624835" y="1218238"/>
-            <a:ext cx="2099293" cy="338554"/>
-          </a:xfrm>
-          <a:prstGeom prst="rect">
-            <a:avLst/>
-          </a:prstGeom>
-          <a:noFill/>
-        </p:spPr>
-        <p:txBody>
-          <a:bodyPr wrap="none" rtlCol="0">
-            <a:spAutoFit/>
-          </a:bodyPr>
-          <a:lstStyle/>
-          <a:p>
-            <a:r>
-              <a:rPr lang="pt-BR" sz="1600" b="1" dirty="0" smtClean="0"/>
-              <a:t>4.4.2) </a:t>
-            </a:r>
-            <a:r>
-              <a:rPr lang="pt-BR" sz="1600" b="1" dirty="0" err="1" smtClean="0"/>
-              <a:t>Subamostragem</a:t>
-            </a:r>
-            <a:endParaRPr lang="pt-BR" sz="1600" b="1" dirty="0"/>
           </a:p>
         </p:txBody>
       </p:sp>
     </p:spTree>
     <p:extLst>
       <p:ext uri="{BB962C8B-B14F-4D97-AF65-F5344CB8AC3E}">
-        <p14:creationId xmlns:p14="http://schemas.microsoft.com/office/powerpoint/2010/main" val="2988628406"/>
+        <p14:creationId xmlns:p14="http://schemas.microsoft.com/office/powerpoint/2010/main" val="3232042557"/>
       </p:ext>
     </p:extLst>
   </p:cSld>
@@ -9248,14 +11910,14 @@
       </p:sp>
       <p:sp>
         <p:nvSpPr>
-          <p:cNvPr id="5" name="CaixaDeTexto 4"/>
+          <p:cNvPr id="54" name="CaixaDeTexto 53"/>
           <p:cNvSpPr txBox="1"/>
           <p:nvPr/>
         </p:nvSpPr>
         <p:spPr>
           <a:xfrm>
-            <a:off x="2843808" y="908720"/>
-            <a:ext cx="3865930" cy="369332"/>
+            <a:off x="2763644" y="1218238"/>
+            <a:ext cx="3320524" cy="338554"/>
           </a:xfrm>
           <a:prstGeom prst="rect">
             <a:avLst/>
@@ -9269,23 +11931,23 @@
           <a:lstStyle/>
           <a:p>
             <a:r>
-              <a:rPr lang="pt-BR" b="1" dirty="0" smtClean="0"/>
-              <a:t>4.5) Estruturas de geometria complexa</a:t>
-            </a:r>
-            <a:endParaRPr lang="pt-BR" b="1" dirty="0"/>
-          </a:p>
-        </p:txBody>
-      </p:sp>
-      <p:sp>
-        <p:nvSpPr>
-          <p:cNvPr id="6" name="CaixaDeTexto 5"/>
+              <a:rPr lang="pt-BR" sz="1600" b="1" dirty="0" smtClean="0"/>
+              <a:t>4.2.1) Associando valores aos pontos</a:t>
+            </a:r>
+            <a:endParaRPr lang="pt-BR" sz="1600" b="1" dirty="0"/>
+          </a:p>
+        </p:txBody>
+      </p:sp>
+      <p:sp>
+        <p:nvSpPr>
+          <p:cNvPr id="5" name="CaixaDeTexto 4"/>
           <p:cNvSpPr txBox="1"/>
           <p:nvPr/>
         </p:nvSpPr>
         <p:spPr>
           <a:xfrm>
-            <a:off x="3624835" y="1218238"/>
-            <a:ext cx="2091855" cy="338554"/>
+            <a:off x="3257104" y="908720"/>
+            <a:ext cx="2323008" cy="369332"/>
           </a:xfrm>
           <a:prstGeom prst="rect">
             <a:avLst/>
@@ -9299,17 +11961,17 @@
           <a:lstStyle/>
           <a:p>
             <a:r>
-              <a:rPr lang="pt-BR" sz="1600" b="1" dirty="0" smtClean="0"/>
-              <a:t>4.5.1) Linha poligonais</a:t>
-            </a:r>
-            <a:endParaRPr lang="pt-BR" sz="1600" b="1" dirty="0"/>
+              <a:rPr lang="pt-BR" b="1" dirty="0" smtClean="0"/>
+              <a:t>4.2) Nuvens de pontos</a:t>
+            </a:r>
+            <a:endParaRPr lang="pt-BR" b="1" dirty="0"/>
           </a:p>
         </p:txBody>
       </p:sp>
     </p:spTree>
     <p:extLst>
       <p:ext uri="{BB962C8B-B14F-4D97-AF65-F5344CB8AC3E}">
-        <p14:creationId xmlns:p14="http://schemas.microsoft.com/office/powerpoint/2010/main" val="2161034562"/>
+        <p14:creationId xmlns:p14="http://schemas.microsoft.com/office/powerpoint/2010/main" val="311133971"/>
       </p:ext>
     </p:extLst>
   </p:cSld>
@@ -9383,14 +12045,14 @@
       </p:sp>
       <p:sp>
         <p:nvSpPr>
-          <p:cNvPr id="5" name="CaixaDeTexto 4"/>
+          <p:cNvPr id="54" name="CaixaDeTexto 53"/>
           <p:cNvSpPr txBox="1"/>
           <p:nvPr/>
         </p:nvSpPr>
         <p:spPr>
           <a:xfrm>
-            <a:off x="2843808" y="908720"/>
-            <a:ext cx="3865930" cy="369332"/>
+            <a:off x="2411760" y="1218238"/>
+            <a:ext cx="4341317" cy="338554"/>
           </a:xfrm>
           <a:prstGeom prst="rect">
             <a:avLst/>
@@ -9404,23 +12066,39 @@
           <a:lstStyle/>
           <a:p>
             <a:r>
-              <a:rPr lang="pt-BR" b="1" dirty="0" smtClean="0"/>
-              <a:t>4.5) Estruturas de geometria complexa</a:t>
-            </a:r>
-            <a:endParaRPr lang="pt-BR" b="1" dirty="0"/>
-          </a:p>
-        </p:txBody>
-      </p:sp>
-      <p:sp>
-        <p:nvSpPr>
-          <p:cNvPr id="6" name="CaixaDeTexto 5"/>
+              <a:rPr lang="pt-BR" sz="1600" b="1" dirty="0" smtClean="0"/>
+              <a:t>4.2.2) Variáveis categóricas: a </a:t>
+            </a:r>
+            <a:r>
+              <a:rPr lang="pt-BR" sz="1600" b="1" dirty="0" err="1" smtClean="0"/>
+              <a:t>Lookup</a:t>
+            </a:r>
+            <a:r>
+              <a:rPr lang="pt-BR" sz="1600" b="1" dirty="0" smtClean="0"/>
+              <a:t> </a:t>
+            </a:r>
+            <a:r>
+              <a:rPr lang="pt-BR" sz="1600" b="1" dirty="0" err="1" smtClean="0"/>
+              <a:t>Table</a:t>
+            </a:r>
+            <a:r>
+              <a:rPr lang="pt-BR" sz="1600" b="1" dirty="0" smtClean="0"/>
+              <a:t> (LUT)</a:t>
+            </a:r>
+            <a:endParaRPr lang="pt-BR" sz="1600" b="1" dirty="0"/>
+          </a:p>
+        </p:txBody>
+      </p:sp>
+      <p:sp>
+        <p:nvSpPr>
+          <p:cNvPr id="5" name="CaixaDeTexto 4"/>
           <p:cNvSpPr txBox="1"/>
           <p:nvPr/>
         </p:nvSpPr>
         <p:spPr>
           <a:xfrm>
-            <a:off x="3859896" y="1218238"/>
-            <a:ext cx="1648208" cy="338554"/>
+            <a:off x="3257104" y="908720"/>
+            <a:ext cx="2323008" cy="369332"/>
           </a:xfrm>
           <a:prstGeom prst="rect">
             <a:avLst/>
@@ -9434,17 +12112,17 @@
           <a:lstStyle/>
           <a:p>
             <a:r>
-              <a:rPr lang="pt-BR" sz="1600" b="1" dirty="0" smtClean="0"/>
-              <a:t>4.5.2) Superfícies</a:t>
-            </a:r>
-            <a:endParaRPr lang="pt-BR" sz="1600" b="1" dirty="0"/>
+              <a:rPr lang="pt-BR" b="1" dirty="0" smtClean="0"/>
+              <a:t>4.2) Nuvens de pontos</a:t>
+            </a:r>
+            <a:endParaRPr lang="pt-BR" b="1" dirty="0"/>
           </a:p>
         </p:txBody>
       </p:sp>
     </p:spTree>
     <p:extLst>
       <p:ext uri="{BB962C8B-B14F-4D97-AF65-F5344CB8AC3E}">
-        <p14:creationId xmlns:p14="http://schemas.microsoft.com/office/powerpoint/2010/main" val="3812166210"/>
+        <p14:creationId xmlns:p14="http://schemas.microsoft.com/office/powerpoint/2010/main" val="60893757"/>
       </p:ext>
     </p:extLst>
   </p:cSld>
@@ -9524,8 +12202,8 @@
         </p:nvSpPr>
         <p:spPr>
           <a:xfrm>
-            <a:off x="2421706" y="908720"/>
-            <a:ext cx="4670574" cy="369332"/>
+            <a:off x="3851920" y="908720"/>
+            <a:ext cx="1564852" cy="369332"/>
           </a:xfrm>
           <a:prstGeom prst="rect">
             <a:avLst/>
@@ -9540,28 +12218,16 @@
           <a:p>
             <a:r>
               <a:rPr lang="pt-BR" b="1" dirty="0" smtClean="0"/>
-              <a:t>4.6) Interação com o modelo: </a:t>
-            </a:r>
-            <a:r>
-              <a:rPr lang="pt-BR" b="1" i="1" dirty="0" err="1" smtClean="0"/>
-              <a:t>picking</a:t>
-            </a:r>
-            <a:r>
-              <a:rPr lang="pt-BR" b="1" dirty="0" smtClean="0"/>
-              <a:t> e </a:t>
-            </a:r>
-            <a:r>
-              <a:rPr lang="pt-BR" b="1" i="1" dirty="0" err="1" smtClean="0"/>
-              <a:t>probing</a:t>
-            </a:r>
-            <a:endParaRPr lang="pt-BR" b="1" i="1" dirty="0"/>
+              <a:t>4.3) Mapas 2D</a:t>
+            </a:r>
+            <a:endParaRPr lang="pt-BR" b="1" dirty="0"/>
           </a:p>
         </p:txBody>
       </p:sp>
     </p:spTree>
     <p:extLst>
       <p:ext uri="{BB962C8B-B14F-4D97-AF65-F5344CB8AC3E}">
-        <p14:creationId xmlns:p14="http://schemas.microsoft.com/office/powerpoint/2010/main" val="3321787556"/>
+        <p14:creationId xmlns:p14="http://schemas.microsoft.com/office/powerpoint/2010/main" val="4174760171"/>
       </p:ext>
     </p:extLst>
   </p:cSld>
@@ -9619,7 +12285,15 @@
           <a:p>
             <a:r>
               <a:rPr lang="pt-BR" sz="2400" dirty="0" smtClean="0"/>
-              <a:t>Mais sobre VTK</a:t>
+              <a:t>4) Aplicações C++/</a:t>
+            </a:r>
+            <a:r>
+              <a:rPr lang="pt-BR" sz="2400" dirty="0" err="1" smtClean="0"/>
+              <a:t>Qt</a:t>
+            </a:r>
+            <a:r>
+              <a:rPr lang="pt-BR" sz="2400" dirty="0" smtClean="0"/>
+              <a:t> com VTK</a:t>
             </a:r>
             <a:endParaRPr lang="pt-BR" sz="1400" dirty="0"/>
           </a:p>
@@ -9633,8 +12307,8 @@
         </p:nvSpPr>
         <p:spPr>
           <a:xfrm>
-            <a:off x="827584" y="1412776"/>
-            <a:ext cx="1002582" cy="369332"/>
+            <a:off x="3851920" y="908720"/>
+            <a:ext cx="1564852" cy="369332"/>
           </a:xfrm>
           <a:prstGeom prst="rect">
             <a:avLst/>
@@ -9647,93 +12321,48 @@
           </a:bodyPr>
           <a:lstStyle/>
           <a:p>
-            <a:pPr marL="285750" indent="-285750">
-              <a:buFont typeface="Wingdings" panose="05000000000000000000" pitchFamily="2" charset="2"/>
-              <a:buChar char="Ø"/>
-            </a:pPr>
             <a:r>
               <a:rPr lang="pt-BR" b="1" dirty="0" smtClean="0"/>
-              <a:t>Livro:</a:t>
-            </a:r>
-            <a:endParaRPr lang="pt-BR" b="1" i="1" dirty="0"/>
-          </a:p>
-        </p:txBody>
-      </p:sp>
-      <p:pic>
-        <p:nvPicPr>
-          <p:cNvPr id="2" name="Imagem 1"/>
-          <p:cNvPicPr>
-            <a:picLocks noChangeAspect="1"/>
-          </p:cNvPicPr>
+              <a:t>4.3) Mapas 2D</a:t>
+            </a:r>
+            <a:endParaRPr lang="pt-BR" b="1" dirty="0"/>
+          </a:p>
+        </p:txBody>
+      </p:sp>
+      <p:sp>
+        <p:nvSpPr>
+          <p:cNvPr id="6" name="CaixaDeTexto 5"/>
+          <p:cNvSpPr txBox="1"/>
           <p:nvPr/>
-        </p:nvPicPr>
-        <p:blipFill>
-          <a:blip r:embed="rId3">
-            <a:extLst>
-              <a:ext uri="{28A0092B-C50C-407E-A947-70E740481C1C}">
-                <a14:useLocalDpi xmlns:a14="http://schemas.microsoft.com/office/drawing/2010/main" val="0"/>
-              </a:ext>
-            </a:extLst>
-          </a:blip>
-          <a:stretch>
-            <a:fillRect/>
-          </a:stretch>
-        </p:blipFill>
-        <p:spPr>
-          <a:xfrm>
-            <a:off x="3377711" y="1433165"/>
-            <a:ext cx="2706457" cy="3789040"/>
+        </p:nvSpPr>
+        <p:spPr>
+          <a:xfrm>
+            <a:off x="2267744" y="1218238"/>
+            <a:ext cx="4832157" cy="338554"/>
           </a:xfrm>
           <a:prstGeom prst="rect">
             <a:avLst/>
           </a:prstGeom>
-        </p:spPr>
-      </p:pic>
-      <p:sp>
-        <p:nvSpPr>
-          <p:cNvPr id="3" name="Retângulo 2"/>
-          <p:cNvSpPr/>
-          <p:nvPr/>
-        </p:nvSpPr>
-        <p:spPr>
-          <a:xfrm>
-            <a:off x="1565920" y="5147900"/>
-            <a:ext cx="6174432" cy="369332"/>
-          </a:xfrm>
-          <a:prstGeom prst="rect">
-            <a:avLst/>
-          </a:prstGeom>
-        </p:spPr>
-        <p:txBody>
-          <a:bodyPr wrap="square">
+          <a:noFill/>
+        </p:spPr>
+        <p:txBody>
+          <a:bodyPr wrap="none" rtlCol="0">
             <a:spAutoFit/>
           </a:bodyPr>
           <a:lstStyle/>
           <a:p>
             <a:r>
-              <a:rPr lang="pt-BR" dirty="0">
-                <a:hlinkClick r:id="rId4"/>
-              </a:rPr>
-              <a:t>https://</a:t>
-            </a:r>
-            <a:r>
-              <a:rPr lang="pt-BR" dirty="0" smtClean="0">
-                <a:hlinkClick r:id="rId4"/>
-              </a:rPr>
-              <a:t>www.kitware.com/products/books/VTKTextbook.pdf</a:t>
-            </a:r>
-            <a:r>
-              <a:rPr lang="pt-BR" dirty="0" smtClean="0"/>
-              <a:t> </a:t>
-            </a:r>
-            <a:endParaRPr lang="pt-BR" dirty="0"/>
+              <a:rPr lang="pt-BR" sz="1600" b="1" dirty="0" smtClean="0"/>
+              <a:t>4.3.1) Ocultando valores nulos e locais não amostrados</a:t>
+            </a:r>
+            <a:endParaRPr lang="pt-BR" sz="1600" b="1" dirty="0"/>
           </a:p>
         </p:txBody>
       </p:sp>
     </p:spTree>
     <p:extLst>
       <p:ext uri="{BB962C8B-B14F-4D97-AF65-F5344CB8AC3E}">
-        <p14:creationId xmlns:p14="http://schemas.microsoft.com/office/powerpoint/2010/main" val="3048172996"/>
+        <p14:creationId xmlns:p14="http://schemas.microsoft.com/office/powerpoint/2010/main" val="3585225282"/>
       </p:ext>
     </p:extLst>
   </p:cSld>
@@ -9791,7 +12420,15 @@
           <a:p>
             <a:r>
               <a:rPr lang="pt-BR" sz="2400" dirty="0" smtClean="0"/>
-              <a:t>Mais sobre VTK</a:t>
+              <a:t>4) Aplicações C++/</a:t>
+            </a:r>
+            <a:r>
+              <a:rPr lang="pt-BR" sz="2400" dirty="0" err="1" smtClean="0"/>
+              <a:t>Qt</a:t>
+            </a:r>
+            <a:r>
+              <a:rPr lang="pt-BR" sz="2400" dirty="0" smtClean="0"/>
+              <a:t> com VTK</a:t>
             </a:r>
             <a:endParaRPr lang="pt-BR" sz="1400" dirty="0"/>
           </a:p>
@@ -9805,8 +12442,8 @@
         </p:nvSpPr>
         <p:spPr>
           <a:xfrm>
-            <a:off x="1808280" y="2549803"/>
-            <a:ext cx="5951181" cy="2585323"/>
+            <a:off x="3851920" y="908720"/>
+            <a:ext cx="1503938" cy="369332"/>
           </a:xfrm>
           <a:prstGeom prst="rect">
             <a:avLst/>
@@ -9819,189 +12456,18 @@
           </a:bodyPr>
           <a:lstStyle/>
           <a:p>
-            <a:pPr marL="285750" indent="-285750">
-              <a:buFont typeface="Wingdings" panose="05000000000000000000" pitchFamily="2" charset="2"/>
-              <a:buChar char="Ø"/>
-            </a:pPr>
             <a:r>
               <a:rPr lang="pt-BR" b="1" dirty="0" smtClean="0"/>
-              <a:t>                   :  </a:t>
-            </a:r>
-            <a:r>
-              <a:rPr lang="pt-BR" b="1" dirty="0">
-                <a:hlinkClick r:id="rId3"/>
-              </a:rPr>
-              <a:t>https://</a:t>
-            </a:r>
-            <a:r>
-              <a:rPr lang="pt-BR" b="1" dirty="0" smtClean="0">
-                <a:hlinkClick r:id="rId3"/>
-              </a:rPr>
-              <a:t>vtk.org/doc/nightly/html/index.html</a:t>
-            </a:r>
-            <a:endParaRPr lang="pt-BR" b="1" dirty="0" smtClean="0"/>
-          </a:p>
-          <a:p>
-            <a:pPr marL="285750" indent="-285750">
-              <a:buFont typeface="Wingdings" panose="05000000000000000000" pitchFamily="2" charset="2"/>
-              <a:buChar char="Ø"/>
-            </a:pPr>
-            <a:endParaRPr lang="pt-BR" b="1" dirty="0" smtClean="0"/>
-          </a:p>
-          <a:p>
-            <a:pPr marL="285750" indent="-285750">
-              <a:buFont typeface="Wingdings" panose="05000000000000000000" pitchFamily="2" charset="2"/>
-              <a:buChar char="Ø"/>
-            </a:pPr>
+              <a:t>4.4) Cubos 3D</a:t>
+            </a:r>
             <a:endParaRPr lang="pt-BR" b="1" dirty="0"/>
           </a:p>
-          <a:p>
-            <a:pPr marL="285750" indent="-285750">
-              <a:buFont typeface="Wingdings" panose="05000000000000000000" pitchFamily="2" charset="2"/>
-              <a:buChar char="Ø"/>
-            </a:pPr>
-            <a:r>
-              <a:rPr lang="pt-BR" b="1" dirty="0" smtClean="0"/>
-              <a:t>Fórum de discussão</a:t>
-            </a:r>
-            <a:r>
-              <a:rPr lang="pt-BR" b="1" dirty="0"/>
-              <a:t>: </a:t>
-            </a:r>
-            <a:r>
-              <a:rPr lang="pt-BR" b="1" dirty="0">
-                <a:hlinkClick r:id="rId4"/>
-              </a:rPr>
-              <a:t>https://discourse.vtk.org</a:t>
-            </a:r>
-            <a:r>
-              <a:rPr lang="pt-BR" b="1" dirty="0" smtClean="0">
-                <a:hlinkClick r:id="rId4"/>
-              </a:rPr>
-              <a:t>/</a:t>
-            </a:r>
-            <a:r>
-              <a:rPr lang="pt-BR" b="1" dirty="0" smtClean="0"/>
-              <a:t> </a:t>
-            </a:r>
-          </a:p>
-          <a:p>
-            <a:pPr marL="285750" indent="-285750">
-              <a:buFont typeface="Wingdings" panose="05000000000000000000" pitchFamily="2" charset="2"/>
-              <a:buChar char="Ø"/>
-            </a:pPr>
-            <a:endParaRPr lang="pt-BR" b="1" dirty="0" smtClean="0"/>
-          </a:p>
-          <a:p>
-            <a:pPr marL="285750" indent="-285750">
-              <a:buFont typeface="Wingdings" panose="05000000000000000000" pitchFamily="2" charset="2"/>
-              <a:buChar char="Ø"/>
-            </a:pPr>
-            <a:endParaRPr lang="pt-BR" b="1" dirty="0"/>
-          </a:p>
-          <a:p>
-            <a:pPr marL="285750" indent="-285750">
-              <a:buFont typeface="Wingdings" panose="05000000000000000000" pitchFamily="2" charset="2"/>
-              <a:buChar char="Ø"/>
-            </a:pPr>
-            <a:r>
-              <a:rPr lang="pt-BR" b="1" dirty="0" smtClean="0"/>
-              <a:t>               : </a:t>
-            </a:r>
-            <a:r>
-              <a:rPr lang="pt-BR" b="1" dirty="0">
-                <a:hlinkClick r:id="rId5"/>
-              </a:rPr>
-              <a:t>https://</a:t>
-            </a:r>
-            <a:r>
-              <a:rPr lang="pt-BR" b="1" dirty="0" smtClean="0">
-                <a:hlinkClick r:id="rId5"/>
-              </a:rPr>
-              <a:t>gitlab.kitware.com/vtk/vtk</a:t>
-            </a:r>
-            <a:r>
-              <a:rPr lang="pt-BR" b="1" dirty="0" smtClean="0"/>
-              <a:t> </a:t>
-            </a:r>
-          </a:p>
-          <a:p>
-            <a:endParaRPr lang="pt-BR" b="1" i="1" dirty="0"/>
-          </a:p>
-          <a:p>
-            <a:endParaRPr lang="pt-BR" b="1" i="1" dirty="0"/>
-          </a:p>
-        </p:txBody>
-      </p:sp>
-      <p:pic>
-        <p:nvPicPr>
-          <p:cNvPr id="6" name="Imagem 5"/>
-          <p:cNvPicPr>
-            <a:picLocks noChangeAspect="1"/>
-          </p:cNvPicPr>
-          <p:nvPr/>
-        </p:nvPicPr>
-        <p:blipFill>
-          <a:blip r:embed="rId6">
-            <a:extLst>
-              <a:ext uri="{28A0092B-C50C-407E-A947-70E740481C1C}">
-                <a14:useLocalDpi xmlns:a14="http://schemas.microsoft.com/office/drawing/2010/main" val="0"/>
-              </a:ext>
-            </a:extLst>
-          </a:blip>
-          <a:stretch>
-            <a:fillRect/>
-          </a:stretch>
-        </p:blipFill>
-        <p:spPr>
-          <a:xfrm>
-            <a:off x="2183068" y="2592315"/>
-            <a:ext cx="990600" cy="295275"/>
-          </a:xfrm>
-          <a:prstGeom prst="rect">
-            <a:avLst/>
-          </a:prstGeom>
-        </p:spPr>
-      </p:pic>
-      <p:pic>
-        <p:nvPicPr>
-          <p:cNvPr id="9" name="Imagem 8"/>
-          <p:cNvPicPr>
-            <a:picLocks noChangeAspect="1"/>
-          </p:cNvPicPr>
-          <p:nvPr/>
-        </p:nvPicPr>
-        <p:blipFill>
-          <a:blip r:embed="rId7">
-            <a:clrChange>
-              <a:clrFrom>
-                <a:srgbClr val="FFFFFF"/>
-              </a:clrFrom>
-              <a:clrTo>
-                <a:srgbClr val="FFFFFF">
-                  <a:alpha val="0"/>
-                </a:srgbClr>
-              </a:clrTo>
-            </a:clrChange>
-          </a:blip>
-          <a:stretch>
-            <a:fillRect/>
-          </a:stretch>
-        </p:blipFill>
-        <p:spPr>
-          <a:xfrm>
-            <a:off x="2024304" y="4163828"/>
-            <a:ext cx="1008112" cy="443569"/>
-          </a:xfrm>
-          <a:prstGeom prst="rect">
-            <a:avLst/>
-          </a:prstGeom>
-        </p:spPr>
-      </p:pic>
+        </p:txBody>
+      </p:sp>
     </p:spTree>
     <p:extLst>
       <p:ext uri="{BB962C8B-B14F-4D97-AF65-F5344CB8AC3E}">
-        <p14:creationId xmlns:p14="http://schemas.microsoft.com/office/powerpoint/2010/main" val="1293738746"/>
+        <p14:creationId xmlns:p14="http://schemas.microsoft.com/office/powerpoint/2010/main" val="1653003107"/>
       </p:ext>
     </p:extLst>
   </p:cSld>
@@ -10047,7 +12513,7 @@
         </p:nvSpPr>
         <p:spPr>
           <a:xfrm>
-            <a:off x="2339752" y="3140968"/>
+            <a:off x="3275856" y="138754"/>
             <a:ext cx="4680520" cy="504056"/>
           </a:xfrm>
         </p:spPr>
@@ -10059,16 +12525,513 @@
           <a:p>
             <a:r>
               <a:rPr lang="pt-BR" sz="2400" dirty="0" smtClean="0"/>
-              <a:t>Obrigado!</a:t>
+              <a:t>4) Aplicações C++/</a:t>
+            </a:r>
+            <a:r>
+              <a:rPr lang="pt-BR" sz="2400" dirty="0" err="1" smtClean="0"/>
+              <a:t>Qt</a:t>
+            </a:r>
+            <a:r>
+              <a:rPr lang="pt-BR" sz="2400" dirty="0" smtClean="0"/>
+              <a:t> com VTK</a:t>
             </a:r>
             <a:endParaRPr lang="pt-BR" sz="1400" dirty="0"/>
+          </a:p>
+        </p:txBody>
+      </p:sp>
+      <p:sp>
+        <p:nvSpPr>
+          <p:cNvPr id="5" name="CaixaDeTexto 4"/>
+          <p:cNvSpPr txBox="1"/>
+          <p:nvPr/>
+        </p:nvSpPr>
+        <p:spPr>
+          <a:xfrm>
+            <a:off x="3851920" y="908720"/>
+            <a:ext cx="1503938" cy="369332"/>
+          </a:xfrm>
+          <a:prstGeom prst="rect">
+            <a:avLst/>
+          </a:prstGeom>
+          <a:noFill/>
+        </p:spPr>
+        <p:txBody>
+          <a:bodyPr wrap="none" rtlCol="0">
+            <a:spAutoFit/>
+          </a:bodyPr>
+          <a:lstStyle/>
+          <a:p>
+            <a:r>
+              <a:rPr lang="pt-BR" b="1" dirty="0" smtClean="0"/>
+              <a:t>4.4) Cubos 3D</a:t>
+            </a:r>
+            <a:endParaRPr lang="pt-BR" b="1" dirty="0"/>
+          </a:p>
+        </p:txBody>
+      </p:sp>
+      <p:sp>
+        <p:nvSpPr>
+          <p:cNvPr id="6" name="CaixaDeTexto 5"/>
+          <p:cNvSpPr txBox="1"/>
+          <p:nvPr/>
+        </p:nvSpPr>
+        <p:spPr>
+          <a:xfrm>
+            <a:off x="2987824" y="1218238"/>
+            <a:ext cx="3371116" cy="338554"/>
+          </a:xfrm>
+          <a:prstGeom prst="rect">
+            <a:avLst/>
+          </a:prstGeom>
+          <a:noFill/>
+        </p:spPr>
+        <p:txBody>
+          <a:bodyPr wrap="none" rtlCol="0">
+            <a:spAutoFit/>
+          </a:bodyPr>
+          <a:lstStyle/>
+          <a:p>
+            <a:r>
+              <a:rPr lang="pt-BR" sz="1600" b="1" dirty="0" smtClean="0"/>
+              <a:t>4.4.1) Seções </a:t>
+            </a:r>
+            <a:r>
+              <a:rPr lang="pt-BR" sz="1600" b="1" dirty="0" err="1" smtClean="0"/>
+              <a:t>inline</a:t>
+            </a:r>
+            <a:r>
+              <a:rPr lang="pt-BR" sz="1600" b="1" dirty="0" smtClean="0"/>
+              <a:t>, </a:t>
+            </a:r>
+            <a:r>
+              <a:rPr lang="pt-BR" sz="1600" b="1" dirty="0" err="1" smtClean="0"/>
+              <a:t>crossline</a:t>
+            </a:r>
+            <a:r>
+              <a:rPr lang="pt-BR" sz="1600" b="1" dirty="0" smtClean="0"/>
+              <a:t> e z-</a:t>
+            </a:r>
+            <a:r>
+              <a:rPr lang="pt-BR" sz="1600" b="1" dirty="0" err="1" smtClean="0"/>
+              <a:t>slice</a:t>
+            </a:r>
+            <a:endParaRPr lang="pt-BR" sz="1600" b="1" dirty="0"/>
           </a:p>
         </p:txBody>
       </p:sp>
     </p:spTree>
     <p:extLst>
       <p:ext uri="{BB962C8B-B14F-4D97-AF65-F5344CB8AC3E}">
-        <p14:creationId xmlns:p14="http://schemas.microsoft.com/office/powerpoint/2010/main" val="1307440721"/>
+        <p14:creationId xmlns:p14="http://schemas.microsoft.com/office/powerpoint/2010/main" val="760961505"/>
+      </p:ext>
+    </p:extLst>
+  </p:cSld>
+  <p:clrMapOvr>
+    <a:masterClrMapping/>
+  </p:clrMapOvr>
+  <p:timing>
+    <p:tnLst>
+      <p:par>
+        <p:cTn id="1" dur="indefinite" restart="never" nodeType="tmRoot"/>
+      </p:par>
+    </p:tnLst>
+  </p:timing>
+</p:sld>
+</file>
+
+<file path=ppt/slides/slide27.xml><?xml version="1.0" encoding="utf-8"?>
+<p:sld xmlns:a="http://schemas.openxmlformats.org/drawingml/2006/main" xmlns:r="http://schemas.openxmlformats.org/officeDocument/2006/relationships" xmlns:p="http://schemas.openxmlformats.org/presentationml/2006/main">
+  <p:cSld>
+    <p:spTree>
+      <p:nvGrpSpPr>
+        <p:cNvPr id="1" name=""/>
+        <p:cNvGrpSpPr/>
+        <p:nvPr/>
+      </p:nvGrpSpPr>
+      <p:grpSpPr>
+        <a:xfrm>
+          <a:off x="0" y="0"/>
+          <a:ext cx="0" cy="0"/>
+          <a:chOff x="0" y="0"/>
+          <a:chExt cx="0" cy="0"/>
+        </a:xfrm>
+      </p:grpSpPr>
+      <p:sp>
+        <p:nvSpPr>
+          <p:cNvPr id="4" name="Título 3"/>
+          <p:cNvSpPr>
+            <a:spLocks noGrp="1"/>
+          </p:cNvSpPr>
+          <p:nvPr>
+            <p:ph type="ctrTitle"/>
+          </p:nvPr>
+        </p:nvSpPr>
+        <p:spPr>
+          <a:xfrm>
+            <a:off x="3275856" y="138754"/>
+            <a:ext cx="4680520" cy="504056"/>
+          </a:xfrm>
+        </p:spPr>
+        <p:txBody>
+          <a:bodyPr>
+            <a:normAutofit/>
+          </a:bodyPr>
+          <a:lstStyle/>
+          <a:p>
+            <a:r>
+              <a:rPr lang="pt-BR" sz="2400" dirty="0" smtClean="0"/>
+              <a:t>4) Aplicações C++/</a:t>
+            </a:r>
+            <a:r>
+              <a:rPr lang="pt-BR" sz="2400" dirty="0" err="1" smtClean="0"/>
+              <a:t>Qt</a:t>
+            </a:r>
+            <a:r>
+              <a:rPr lang="pt-BR" sz="2400" dirty="0" smtClean="0"/>
+              <a:t> com VTK</a:t>
+            </a:r>
+            <a:endParaRPr lang="pt-BR" sz="1400" dirty="0"/>
+          </a:p>
+        </p:txBody>
+      </p:sp>
+      <p:sp>
+        <p:nvSpPr>
+          <p:cNvPr id="5" name="CaixaDeTexto 4"/>
+          <p:cNvSpPr txBox="1"/>
+          <p:nvPr/>
+        </p:nvSpPr>
+        <p:spPr>
+          <a:xfrm>
+            <a:off x="3851920" y="908720"/>
+            <a:ext cx="1503938" cy="369332"/>
+          </a:xfrm>
+          <a:prstGeom prst="rect">
+            <a:avLst/>
+          </a:prstGeom>
+          <a:noFill/>
+        </p:spPr>
+        <p:txBody>
+          <a:bodyPr wrap="none" rtlCol="0">
+            <a:spAutoFit/>
+          </a:bodyPr>
+          <a:lstStyle/>
+          <a:p>
+            <a:r>
+              <a:rPr lang="pt-BR" b="1" dirty="0" smtClean="0"/>
+              <a:t>4.4) Cubos 3D</a:t>
+            </a:r>
+            <a:endParaRPr lang="pt-BR" b="1" dirty="0"/>
+          </a:p>
+        </p:txBody>
+      </p:sp>
+      <p:sp>
+        <p:nvSpPr>
+          <p:cNvPr id="6" name="CaixaDeTexto 5"/>
+          <p:cNvSpPr txBox="1"/>
+          <p:nvPr/>
+        </p:nvSpPr>
+        <p:spPr>
+          <a:xfrm>
+            <a:off x="3624835" y="1218238"/>
+            <a:ext cx="2099293" cy="338554"/>
+          </a:xfrm>
+          <a:prstGeom prst="rect">
+            <a:avLst/>
+          </a:prstGeom>
+          <a:noFill/>
+        </p:spPr>
+        <p:txBody>
+          <a:bodyPr wrap="none" rtlCol="0">
+            <a:spAutoFit/>
+          </a:bodyPr>
+          <a:lstStyle/>
+          <a:p>
+            <a:r>
+              <a:rPr lang="pt-BR" sz="1600" b="1" dirty="0" smtClean="0"/>
+              <a:t>4.4.2) </a:t>
+            </a:r>
+            <a:r>
+              <a:rPr lang="pt-BR" sz="1600" b="1" dirty="0" err="1" smtClean="0"/>
+              <a:t>Subamostragem</a:t>
+            </a:r>
+            <a:endParaRPr lang="pt-BR" sz="1600" b="1" dirty="0"/>
+          </a:p>
+        </p:txBody>
+      </p:sp>
+    </p:spTree>
+    <p:extLst>
+      <p:ext uri="{BB962C8B-B14F-4D97-AF65-F5344CB8AC3E}">
+        <p14:creationId xmlns:p14="http://schemas.microsoft.com/office/powerpoint/2010/main" val="2988628406"/>
+      </p:ext>
+    </p:extLst>
+  </p:cSld>
+  <p:clrMapOvr>
+    <a:masterClrMapping/>
+  </p:clrMapOvr>
+  <p:timing>
+    <p:tnLst>
+      <p:par>
+        <p:cTn id="1" dur="indefinite" restart="never" nodeType="tmRoot"/>
+      </p:par>
+    </p:tnLst>
+  </p:timing>
+</p:sld>
+</file>
+
+<file path=ppt/slides/slide28.xml><?xml version="1.0" encoding="utf-8"?>
+<p:sld xmlns:a="http://schemas.openxmlformats.org/drawingml/2006/main" xmlns:r="http://schemas.openxmlformats.org/officeDocument/2006/relationships" xmlns:p="http://schemas.openxmlformats.org/presentationml/2006/main">
+  <p:cSld>
+    <p:spTree>
+      <p:nvGrpSpPr>
+        <p:cNvPr id="1" name=""/>
+        <p:cNvGrpSpPr/>
+        <p:nvPr/>
+      </p:nvGrpSpPr>
+      <p:grpSpPr>
+        <a:xfrm>
+          <a:off x="0" y="0"/>
+          <a:ext cx="0" cy="0"/>
+          <a:chOff x="0" y="0"/>
+          <a:chExt cx="0" cy="0"/>
+        </a:xfrm>
+      </p:grpSpPr>
+      <p:sp>
+        <p:nvSpPr>
+          <p:cNvPr id="4" name="Título 3"/>
+          <p:cNvSpPr>
+            <a:spLocks noGrp="1"/>
+          </p:cNvSpPr>
+          <p:nvPr>
+            <p:ph type="ctrTitle"/>
+          </p:nvPr>
+        </p:nvSpPr>
+        <p:spPr>
+          <a:xfrm>
+            <a:off x="3275856" y="138754"/>
+            <a:ext cx="4680520" cy="504056"/>
+          </a:xfrm>
+        </p:spPr>
+        <p:txBody>
+          <a:bodyPr>
+            <a:normAutofit/>
+          </a:bodyPr>
+          <a:lstStyle/>
+          <a:p>
+            <a:r>
+              <a:rPr lang="pt-BR" sz="2400" dirty="0" smtClean="0"/>
+              <a:t>4) Aplicações C++/</a:t>
+            </a:r>
+            <a:r>
+              <a:rPr lang="pt-BR" sz="2400" dirty="0" err="1" smtClean="0"/>
+              <a:t>Qt</a:t>
+            </a:r>
+            <a:r>
+              <a:rPr lang="pt-BR" sz="2400" dirty="0" smtClean="0"/>
+              <a:t> com VTK</a:t>
+            </a:r>
+            <a:endParaRPr lang="pt-BR" sz="1400" dirty="0"/>
+          </a:p>
+        </p:txBody>
+      </p:sp>
+      <p:sp>
+        <p:nvSpPr>
+          <p:cNvPr id="5" name="CaixaDeTexto 4"/>
+          <p:cNvSpPr txBox="1"/>
+          <p:nvPr/>
+        </p:nvSpPr>
+        <p:spPr>
+          <a:xfrm>
+            <a:off x="2843808" y="908720"/>
+            <a:ext cx="3865930" cy="369332"/>
+          </a:xfrm>
+          <a:prstGeom prst="rect">
+            <a:avLst/>
+          </a:prstGeom>
+          <a:noFill/>
+        </p:spPr>
+        <p:txBody>
+          <a:bodyPr wrap="none" rtlCol="0">
+            <a:spAutoFit/>
+          </a:bodyPr>
+          <a:lstStyle/>
+          <a:p>
+            <a:r>
+              <a:rPr lang="pt-BR" b="1" dirty="0" smtClean="0"/>
+              <a:t>4.5) Estruturas de geometria complexa</a:t>
+            </a:r>
+            <a:endParaRPr lang="pt-BR" b="1" dirty="0"/>
+          </a:p>
+        </p:txBody>
+      </p:sp>
+      <p:sp>
+        <p:nvSpPr>
+          <p:cNvPr id="6" name="CaixaDeTexto 5"/>
+          <p:cNvSpPr txBox="1"/>
+          <p:nvPr/>
+        </p:nvSpPr>
+        <p:spPr>
+          <a:xfrm>
+            <a:off x="3624835" y="1218238"/>
+            <a:ext cx="2091855" cy="338554"/>
+          </a:xfrm>
+          <a:prstGeom prst="rect">
+            <a:avLst/>
+          </a:prstGeom>
+          <a:noFill/>
+        </p:spPr>
+        <p:txBody>
+          <a:bodyPr wrap="none" rtlCol="0">
+            <a:spAutoFit/>
+          </a:bodyPr>
+          <a:lstStyle/>
+          <a:p>
+            <a:r>
+              <a:rPr lang="pt-BR" sz="1600" b="1" dirty="0" smtClean="0"/>
+              <a:t>4.5.1) Linha poligonais</a:t>
+            </a:r>
+            <a:endParaRPr lang="pt-BR" sz="1600" b="1" dirty="0"/>
+          </a:p>
+        </p:txBody>
+      </p:sp>
+    </p:spTree>
+    <p:extLst>
+      <p:ext uri="{BB962C8B-B14F-4D97-AF65-F5344CB8AC3E}">
+        <p14:creationId xmlns:p14="http://schemas.microsoft.com/office/powerpoint/2010/main" val="2161034562"/>
+      </p:ext>
+    </p:extLst>
+  </p:cSld>
+  <p:clrMapOvr>
+    <a:masterClrMapping/>
+  </p:clrMapOvr>
+  <p:timing>
+    <p:tnLst>
+      <p:par>
+        <p:cTn id="1" dur="indefinite" restart="never" nodeType="tmRoot"/>
+      </p:par>
+    </p:tnLst>
+  </p:timing>
+</p:sld>
+</file>
+
+<file path=ppt/slides/slide29.xml><?xml version="1.0" encoding="utf-8"?>
+<p:sld xmlns:a="http://schemas.openxmlformats.org/drawingml/2006/main" xmlns:r="http://schemas.openxmlformats.org/officeDocument/2006/relationships" xmlns:p="http://schemas.openxmlformats.org/presentationml/2006/main">
+  <p:cSld>
+    <p:spTree>
+      <p:nvGrpSpPr>
+        <p:cNvPr id="1" name=""/>
+        <p:cNvGrpSpPr/>
+        <p:nvPr/>
+      </p:nvGrpSpPr>
+      <p:grpSpPr>
+        <a:xfrm>
+          <a:off x="0" y="0"/>
+          <a:ext cx="0" cy="0"/>
+          <a:chOff x="0" y="0"/>
+          <a:chExt cx="0" cy="0"/>
+        </a:xfrm>
+      </p:grpSpPr>
+      <p:sp>
+        <p:nvSpPr>
+          <p:cNvPr id="4" name="Título 3"/>
+          <p:cNvSpPr>
+            <a:spLocks noGrp="1"/>
+          </p:cNvSpPr>
+          <p:nvPr>
+            <p:ph type="ctrTitle"/>
+          </p:nvPr>
+        </p:nvSpPr>
+        <p:spPr>
+          <a:xfrm>
+            <a:off x="3275856" y="138754"/>
+            <a:ext cx="4680520" cy="504056"/>
+          </a:xfrm>
+        </p:spPr>
+        <p:txBody>
+          <a:bodyPr>
+            <a:normAutofit/>
+          </a:bodyPr>
+          <a:lstStyle/>
+          <a:p>
+            <a:r>
+              <a:rPr lang="pt-BR" sz="2400" dirty="0" smtClean="0"/>
+              <a:t>4) Aplicações C++/</a:t>
+            </a:r>
+            <a:r>
+              <a:rPr lang="pt-BR" sz="2400" dirty="0" err="1" smtClean="0"/>
+              <a:t>Qt</a:t>
+            </a:r>
+            <a:r>
+              <a:rPr lang="pt-BR" sz="2400" dirty="0" smtClean="0"/>
+              <a:t> com VTK</a:t>
+            </a:r>
+            <a:endParaRPr lang="pt-BR" sz="1400" dirty="0"/>
+          </a:p>
+        </p:txBody>
+      </p:sp>
+      <p:sp>
+        <p:nvSpPr>
+          <p:cNvPr id="5" name="CaixaDeTexto 4"/>
+          <p:cNvSpPr txBox="1"/>
+          <p:nvPr/>
+        </p:nvSpPr>
+        <p:spPr>
+          <a:xfrm>
+            <a:off x="2843808" y="908720"/>
+            <a:ext cx="3865930" cy="369332"/>
+          </a:xfrm>
+          <a:prstGeom prst="rect">
+            <a:avLst/>
+          </a:prstGeom>
+          <a:noFill/>
+        </p:spPr>
+        <p:txBody>
+          <a:bodyPr wrap="none" rtlCol="0">
+            <a:spAutoFit/>
+          </a:bodyPr>
+          <a:lstStyle/>
+          <a:p>
+            <a:r>
+              <a:rPr lang="pt-BR" b="1" dirty="0" smtClean="0"/>
+              <a:t>4.5) Estruturas de geometria complexa</a:t>
+            </a:r>
+            <a:endParaRPr lang="pt-BR" b="1" dirty="0"/>
+          </a:p>
+        </p:txBody>
+      </p:sp>
+      <p:sp>
+        <p:nvSpPr>
+          <p:cNvPr id="6" name="CaixaDeTexto 5"/>
+          <p:cNvSpPr txBox="1"/>
+          <p:nvPr/>
+        </p:nvSpPr>
+        <p:spPr>
+          <a:xfrm>
+            <a:off x="3859896" y="1218238"/>
+            <a:ext cx="1648208" cy="338554"/>
+          </a:xfrm>
+          <a:prstGeom prst="rect">
+            <a:avLst/>
+          </a:prstGeom>
+          <a:noFill/>
+        </p:spPr>
+        <p:txBody>
+          <a:bodyPr wrap="none" rtlCol="0">
+            <a:spAutoFit/>
+          </a:bodyPr>
+          <a:lstStyle/>
+          <a:p>
+            <a:r>
+              <a:rPr lang="pt-BR" sz="1600" b="1" dirty="0" smtClean="0"/>
+              <a:t>4.5.2) Superfícies</a:t>
+            </a:r>
+            <a:endParaRPr lang="pt-BR" sz="1600" b="1" dirty="0"/>
+          </a:p>
+        </p:txBody>
+      </p:sp>
+    </p:spTree>
+    <p:extLst>
+      <p:ext uri="{BB962C8B-B14F-4D97-AF65-F5344CB8AC3E}">
+        <p14:creationId xmlns:p14="http://schemas.microsoft.com/office/powerpoint/2010/main" val="3812166210"/>
       </p:ext>
     </p:extLst>
   </p:cSld>
@@ -10378,6 +13341,630 @@
 </p:sld>
 </file>
 
+<file path=ppt/slides/slide30.xml><?xml version="1.0" encoding="utf-8"?>
+<p:sld xmlns:a="http://schemas.openxmlformats.org/drawingml/2006/main" xmlns:r="http://schemas.openxmlformats.org/officeDocument/2006/relationships" xmlns:p="http://schemas.openxmlformats.org/presentationml/2006/main">
+  <p:cSld>
+    <p:spTree>
+      <p:nvGrpSpPr>
+        <p:cNvPr id="1" name=""/>
+        <p:cNvGrpSpPr/>
+        <p:nvPr/>
+      </p:nvGrpSpPr>
+      <p:grpSpPr>
+        <a:xfrm>
+          <a:off x="0" y="0"/>
+          <a:ext cx="0" cy="0"/>
+          <a:chOff x="0" y="0"/>
+          <a:chExt cx="0" cy="0"/>
+        </a:xfrm>
+      </p:grpSpPr>
+      <p:sp>
+        <p:nvSpPr>
+          <p:cNvPr id="4" name="Título 3"/>
+          <p:cNvSpPr>
+            <a:spLocks noGrp="1"/>
+          </p:cNvSpPr>
+          <p:nvPr>
+            <p:ph type="ctrTitle"/>
+          </p:nvPr>
+        </p:nvSpPr>
+        <p:spPr>
+          <a:xfrm>
+            <a:off x="3275856" y="138754"/>
+            <a:ext cx="4680520" cy="504056"/>
+          </a:xfrm>
+        </p:spPr>
+        <p:txBody>
+          <a:bodyPr>
+            <a:normAutofit/>
+          </a:bodyPr>
+          <a:lstStyle/>
+          <a:p>
+            <a:r>
+              <a:rPr lang="pt-BR" sz="2400" dirty="0" smtClean="0"/>
+              <a:t>4) Aplicações C++/</a:t>
+            </a:r>
+            <a:r>
+              <a:rPr lang="pt-BR" sz="2400" dirty="0" err="1" smtClean="0"/>
+              <a:t>Qt</a:t>
+            </a:r>
+            <a:r>
+              <a:rPr lang="pt-BR" sz="2400" dirty="0" smtClean="0"/>
+              <a:t> com VTK</a:t>
+            </a:r>
+            <a:endParaRPr lang="pt-BR" sz="1400" dirty="0"/>
+          </a:p>
+        </p:txBody>
+      </p:sp>
+      <p:sp>
+        <p:nvSpPr>
+          <p:cNvPr id="5" name="CaixaDeTexto 4"/>
+          <p:cNvSpPr txBox="1"/>
+          <p:nvPr/>
+        </p:nvSpPr>
+        <p:spPr>
+          <a:xfrm>
+            <a:off x="2421706" y="908720"/>
+            <a:ext cx="4670574" cy="369332"/>
+          </a:xfrm>
+          <a:prstGeom prst="rect">
+            <a:avLst/>
+          </a:prstGeom>
+          <a:noFill/>
+        </p:spPr>
+        <p:txBody>
+          <a:bodyPr wrap="none" rtlCol="0">
+            <a:spAutoFit/>
+          </a:bodyPr>
+          <a:lstStyle/>
+          <a:p>
+            <a:r>
+              <a:rPr lang="pt-BR" b="1" dirty="0" smtClean="0"/>
+              <a:t>4.6) Interação com o modelo: </a:t>
+            </a:r>
+            <a:r>
+              <a:rPr lang="pt-BR" b="1" i="1" dirty="0" err="1" smtClean="0"/>
+              <a:t>picking</a:t>
+            </a:r>
+            <a:r>
+              <a:rPr lang="pt-BR" b="1" dirty="0" smtClean="0"/>
+              <a:t> e </a:t>
+            </a:r>
+            <a:r>
+              <a:rPr lang="pt-BR" b="1" i="1" dirty="0" err="1" smtClean="0"/>
+              <a:t>probing</a:t>
+            </a:r>
+            <a:endParaRPr lang="pt-BR" b="1" i="1" dirty="0"/>
+          </a:p>
+        </p:txBody>
+      </p:sp>
+    </p:spTree>
+    <p:extLst>
+      <p:ext uri="{BB962C8B-B14F-4D97-AF65-F5344CB8AC3E}">
+        <p14:creationId xmlns:p14="http://schemas.microsoft.com/office/powerpoint/2010/main" val="3321787556"/>
+      </p:ext>
+    </p:extLst>
+  </p:cSld>
+  <p:clrMapOvr>
+    <a:masterClrMapping/>
+  </p:clrMapOvr>
+  <p:timing>
+    <p:tnLst>
+      <p:par>
+        <p:cTn id="1" dur="indefinite" restart="never" nodeType="tmRoot"/>
+      </p:par>
+    </p:tnLst>
+  </p:timing>
+</p:sld>
+</file>
+
+<file path=ppt/slides/slide31.xml><?xml version="1.0" encoding="utf-8"?>
+<p:sld xmlns:a="http://schemas.openxmlformats.org/drawingml/2006/main" xmlns:r="http://schemas.openxmlformats.org/officeDocument/2006/relationships" xmlns:p="http://schemas.openxmlformats.org/presentationml/2006/main">
+  <p:cSld>
+    <p:spTree>
+      <p:nvGrpSpPr>
+        <p:cNvPr id="1" name=""/>
+        <p:cNvGrpSpPr/>
+        <p:nvPr/>
+      </p:nvGrpSpPr>
+      <p:grpSpPr>
+        <a:xfrm>
+          <a:off x="0" y="0"/>
+          <a:ext cx="0" cy="0"/>
+          <a:chOff x="0" y="0"/>
+          <a:chExt cx="0" cy="0"/>
+        </a:xfrm>
+      </p:grpSpPr>
+      <p:sp>
+        <p:nvSpPr>
+          <p:cNvPr id="4" name="Título 3"/>
+          <p:cNvSpPr>
+            <a:spLocks noGrp="1"/>
+          </p:cNvSpPr>
+          <p:nvPr>
+            <p:ph type="ctrTitle"/>
+          </p:nvPr>
+        </p:nvSpPr>
+        <p:spPr>
+          <a:xfrm>
+            <a:off x="3275856" y="138754"/>
+            <a:ext cx="4680520" cy="504056"/>
+          </a:xfrm>
+        </p:spPr>
+        <p:txBody>
+          <a:bodyPr>
+            <a:normAutofit/>
+          </a:bodyPr>
+          <a:lstStyle/>
+          <a:p>
+            <a:r>
+              <a:rPr lang="pt-BR" sz="2400" dirty="0" smtClean="0"/>
+              <a:t>Mais sobre VTK</a:t>
+            </a:r>
+            <a:endParaRPr lang="pt-BR" sz="1400" dirty="0"/>
+          </a:p>
+        </p:txBody>
+      </p:sp>
+      <p:sp>
+        <p:nvSpPr>
+          <p:cNvPr id="5" name="CaixaDeTexto 4"/>
+          <p:cNvSpPr txBox="1"/>
+          <p:nvPr/>
+        </p:nvSpPr>
+        <p:spPr>
+          <a:xfrm>
+            <a:off x="827584" y="1412776"/>
+            <a:ext cx="1002582" cy="369332"/>
+          </a:xfrm>
+          <a:prstGeom prst="rect">
+            <a:avLst/>
+          </a:prstGeom>
+          <a:noFill/>
+        </p:spPr>
+        <p:txBody>
+          <a:bodyPr wrap="none" rtlCol="0">
+            <a:spAutoFit/>
+          </a:bodyPr>
+          <a:lstStyle/>
+          <a:p>
+            <a:pPr marL="285750" indent="-285750">
+              <a:buFont typeface="Wingdings" panose="05000000000000000000" pitchFamily="2" charset="2"/>
+              <a:buChar char="Ø"/>
+            </a:pPr>
+            <a:r>
+              <a:rPr lang="pt-BR" b="1" dirty="0" smtClean="0"/>
+              <a:t>Livro:</a:t>
+            </a:r>
+            <a:endParaRPr lang="pt-BR" b="1" i="1" dirty="0"/>
+          </a:p>
+        </p:txBody>
+      </p:sp>
+      <p:pic>
+        <p:nvPicPr>
+          <p:cNvPr id="2" name="Imagem 1"/>
+          <p:cNvPicPr>
+            <a:picLocks noChangeAspect="1"/>
+          </p:cNvPicPr>
+          <p:nvPr/>
+        </p:nvPicPr>
+        <p:blipFill>
+          <a:blip r:embed="rId3">
+            <a:extLst>
+              <a:ext uri="{28A0092B-C50C-407E-A947-70E740481C1C}">
+                <a14:useLocalDpi xmlns:a14="http://schemas.microsoft.com/office/drawing/2010/main" val="0"/>
+              </a:ext>
+            </a:extLst>
+          </a:blip>
+          <a:stretch>
+            <a:fillRect/>
+          </a:stretch>
+        </p:blipFill>
+        <p:spPr>
+          <a:xfrm>
+            <a:off x="3377711" y="1433165"/>
+            <a:ext cx="2706457" cy="3789040"/>
+          </a:xfrm>
+          <a:prstGeom prst="rect">
+            <a:avLst/>
+          </a:prstGeom>
+        </p:spPr>
+      </p:pic>
+      <p:sp>
+        <p:nvSpPr>
+          <p:cNvPr id="3" name="Retângulo 2"/>
+          <p:cNvSpPr/>
+          <p:nvPr/>
+        </p:nvSpPr>
+        <p:spPr>
+          <a:xfrm>
+            <a:off x="1565920" y="5147900"/>
+            <a:ext cx="6174432" cy="369332"/>
+          </a:xfrm>
+          <a:prstGeom prst="rect">
+            <a:avLst/>
+          </a:prstGeom>
+        </p:spPr>
+        <p:txBody>
+          <a:bodyPr wrap="square">
+            <a:spAutoFit/>
+          </a:bodyPr>
+          <a:lstStyle/>
+          <a:p>
+            <a:r>
+              <a:rPr lang="pt-BR" dirty="0">
+                <a:hlinkClick r:id="rId4"/>
+              </a:rPr>
+              <a:t>https://</a:t>
+            </a:r>
+            <a:r>
+              <a:rPr lang="pt-BR" dirty="0" smtClean="0">
+                <a:hlinkClick r:id="rId4"/>
+              </a:rPr>
+              <a:t>www.kitware.com/products/books/VTKTextbook.pdf</a:t>
+            </a:r>
+            <a:r>
+              <a:rPr lang="pt-BR" dirty="0" smtClean="0"/>
+              <a:t> </a:t>
+            </a:r>
+            <a:endParaRPr lang="pt-BR" dirty="0"/>
+          </a:p>
+        </p:txBody>
+      </p:sp>
+    </p:spTree>
+    <p:extLst>
+      <p:ext uri="{BB962C8B-B14F-4D97-AF65-F5344CB8AC3E}">
+        <p14:creationId xmlns:p14="http://schemas.microsoft.com/office/powerpoint/2010/main" val="3048172996"/>
+      </p:ext>
+    </p:extLst>
+  </p:cSld>
+  <p:clrMapOvr>
+    <a:masterClrMapping/>
+  </p:clrMapOvr>
+  <p:timing>
+    <p:tnLst>
+      <p:par>
+        <p:cTn id="1" dur="indefinite" restart="never" nodeType="tmRoot"/>
+      </p:par>
+    </p:tnLst>
+  </p:timing>
+</p:sld>
+</file>
+
+<file path=ppt/slides/slide32.xml><?xml version="1.0" encoding="utf-8"?>
+<p:sld xmlns:a="http://schemas.openxmlformats.org/drawingml/2006/main" xmlns:r="http://schemas.openxmlformats.org/officeDocument/2006/relationships" xmlns:p="http://schemas.openxmlformats.org/presentationml/2006/main">
+  <p:cSld>
+    <p:spTree>
+      <p:nvGrpSpPr>
+        <p:cNvPr id="1" name=""/>
+        <p:cNvGrpSpPr/>
+        <p:nvPr/>
+      </p:nvGrpSpPr>
+      <p:grpSpPr>
+        <a:xfrm>
+          <a:off x="0" y="0"/>
+          <a:ext cx="0" cy="0"/>
+          <a:chOff x="0" y="0"/>
+          <a:chExt cx="0" cy="0"/>
+        </a:xfrm>
+      </p:grpSpPr>
+      <p:sp>
+        <p:nvSpPr>
+          <p:cNvPr id="4" name="Título 3"/>
+          <p:cNvSpPr>
+            <a:spLocks noGrp="1"/>
+          </p:cNvSpPr>
+          <p:nvPr>
+            <p:ph type="ctrTitle"/>
+          </p:nvPr>
+        </p:nvSpPr>
+        <p:spPr>
+          <a:xfrm>
+            <a:off x="3275856" y="138754"/>
+            <a:ext cx="4680520" cy="504056"/>
+          </a:xfrm>
+        </p:spPr>
+        <p:txBody>
+          <a:bodyPr>
+            <a:normAutofit/>
+          </a:bodyPr>
+          <a:lstStyle/>
+          <a:p>
+            <a:r>
+              <a:rPr lang="pt-BR" sz="2400" dirty="0" smtClean="0"/>
+              <a:t>Mais sobre VTK</a:t>
+            </a:r>
+            <a:endParaRPr lang="pt-BR" sz="1400" dirty="0"/>
+          </a:p>
+        </p:txBody>
+      </p:sp>
+      <p:sp>
+        <p:nvSpPr>
+          <p:cNvPr id="5" name="CaixaDeTexto 4"/>
+          <p:cNvSpPr txBox="1"/>
+          <p:nvPr/>
+        </p:nvSpPr>
+        <p:spPr>
+          <a:xfrm>
+            <a:off x="1808280" y="2549803"/>
+            <a:ext cx="5951181" cy="2585323"/>
+          </a:xfrm>
+          <a:prstGeom prst="rect">
+            <a:avLst/>
+          </a:prstGeom>
+          <a:noFill/>
+        </p:spPr>
+        <p:txBody>
+          <a:bodyPr wrap="none" rtlCol="0">
+            <a:spAutoFit/>
+          </a:bodyPr>
+          <a:lstStyle/>
+          <a:p>
+            <a:pPr marL="285750" indent="-285750">
+              <a:buFont typeface="Wingdings" panose="05000000000000000000" pitchFamily="2" charset="2"/>
+              <a:buChar char="Ø"/>
+            </a:pPr>
+            <a:r>
+              <a:rPr lang="pt-BR" b="1" dirty="0" smtClean="0"/>
+              <a:t>                   :  </a:t>
+            </a:r>
+            <a:r>
+              <a:rPr lang="pt-BR" b="1" dirty="0">
+                <a:hlinkClick r:id="rId3"/>
+              </a:rPr>
+              <a:t>https://</a:t>
+            </a:r>
+            <a:r>
+              <a:rPr lang="pt-BR" b="1" dirty="0" smtClean="0">
+                <a:hlinkClick r:id="rId3"/>
+              </a:rPr>
+              <a:t>vtk.org/doc/nightly/html/index.html</a:t>
+            </a:r>
+            <a:endParaRPr lang="pt-BR" b="1" dirty="0" smtClean="0"/>
+          </a:p>
+          <a:p>
+            <a:pPr marL="285750" indent="-285750">
+              <a:buFont typeface="Wingdings" panose="05000000000000000000" pitchFamily="2" charset="2"/>
+              <a:buChar char="Ø"/>
+            </a:pPr>
+            <a:endParaRPr lang="pt-BR" b="1" dirty="0" smtClean="0"/>
+          </a:p>
+          <a:p>
+            <a:pPr marL="285750" indent="-285750">
+              <a:buFont typeface="Wingdings" panose="05000000000000000000" pitchFamily="2" charset="2"/>
+              <a:buChar char="Ø"/>
+            </a:pPr>
+            <a:endParaRPr lang="pt-BR" b="1" dirty="0"/>
+          </a:p>
+          <a:p>
+            <a:pPr marL="285750" indent="-285750">
+              <a:buFont typeface="Wingdings" panose="05000000000000000000" pitchFamily="2" charset="2"/>
+              <a:buChar char="Ø"/>
+            </a:pPr>
+            <a:r>
+              <a:rPr lang="pt-BR" b="1" dirty="0" smtClean="0"/>
+              <a:t>Fórum de discussão</a:t>
+            </a:r>
+            <a:r>
+              <a:rPr lang="pt-BR" b="1" dirty="0"/>
+              <a:t>: </a:t>
+            </a:r>
+            <a:r>
+              <a:rPr lang="pt-BR" b="1" dirty="0">
+                <a:hlinkClick r:id="rId4"/>
+              </a:rPr>
+              <a:t>https://discourse.vtk.org</a:t>
+            </a:r>
+            <a:r>
+              <a:rPr lang="pt-BR" b="1" dirty="0" smtClean="0">
+                <a:hlinkClick r:id="rId4"/>
+              </a:rPr>
+              <a:t>/</a:t>
+            </a:r>
+            <a:r>
+              <a:rPr lang="pt-BR" b="1" dirty="0" smtClean="0"/>
+              <a:t> </a:t>
+            </a:r>
+          </a:p>
+          <a:p>
+            <a:pPr marL="285750" indent="-285750">
+              <a:buFont typeface="Wingdings" panose="05000000000000000000" pitchFamily="2" charset="2"/>
+              <a:buChar char="Ø"/>
+            </a:pPr>
+            <a:endParaRPr lang="pt-BR" b="1" dirty="0" smtClean="0"/>
+          </a:p>
+          <a:p>
+            <a:pPr marL="285750" indent="-285750">
+              <a:buFont typeface="Wingdings" panose="05000000000000000000" pitchFamily="2" charset="2"/>
+              <a:buChar char="Ø"/>
+            </a:pPr>
+            <a:endParaRPr lang="pt-BR" b="1" dirty="0"/>
+          </a:p>
+          <a:p>
+            <a:pPr marL="285750" indent="-285750">
+              <a:buFont typeface="Wingdings" panose="05000000000000000000" pitchFamily="2" charset="2"/>
+              <a:buChar char="Ø"/>
+            </a:pPr>
+            <a:r>
+              <a:rPr lang="pt-BR" b="1" dirty="0" smtClean="0"/>
+              <a:t>               : </a:t>
+            </a:r>
+            <a:r>
+              <a:rPr lang="pt-BR" b="1" dirty="0">
+                <a:hlinkClick r:id="rId5"/>
+              </a:rPr>
+              <a:t>https://</a:t>
+            </a:r>
+            <a:r>
+              <a:rPr lang="pt-BR" b="1" dirty="0" smtClean="0">
+                <a:hlinkClick r:id="rId5"/>
+              </a:rPr>
+              <a:t>gitlab.kitware.com/vtk/vtk</a:t>
+            </a:r>
+            <a:r>
+              <a:rPr lang="pt-BR" b="1" dirty="0" smtClean="0"/>
+              <a:t> </a:t>
+            </a:r>
+          </a:p>
+          <a:p>
+            <a:endParaRPr lang="pt-BR" b="1" i="1" dirty="0"/>
+          </a:p>
+          <a:p>
+            <a:endParaRPr lang="pt-BR" b="1" i="1" dirty="0"/>
+          </a:p>
+        </p:txBody>
+      </p:sp>
+      <p:pic>
+        <p:nvPicPr>
+          <p:cNvPr id="6" name="Imagem 5"/>
+          <p:cNvPicPr>
+            <a:picLocks noChangeAspect="1"/>
+          </p:cNvPicPr>
+          <p:nvPr/>
+        </p:nvPicPr>
+        <p:blipFill>
+          <a:blip r:embed="rId6">
+            <a:extLst>
+              <a:ext uri="{28A0092B-C50C-407E-A947-70E740481C1C}">
+                <a14:useLocalDpi xmlns:a14="http://schemas.microsoft.com/office/drawing/2010/main" val="0"/>
+              </a:ext>
+            </a:extLst>
+          </a:blip>
+          <a:stretch>
+            <a:fillRect/>
+          </a:stretch>
+        </p:blipFill>
+        <p:spPr>
+          <a:xfrm>
+            <a:off x="2183068" y="2592315"/>
+            <a:ext cx="990600" cy="295275"/>
+          </a:xfrm>
+          <a:prstGeom prst="rect">
+            <a:avLst/>
+          </a:prstGeom>
+        </p:spPr>
+      </p:pic>
+      <p:pic>
+        <p:nvPicPr>
+          <p:cNvPr id="9" name="Imagem 8"/>
+          <p:cNvPicPr>
+            <a:picLocks noChangeAspect="1"/>
+          </p:cNvPicPr>
+          <p:nvPr/>
+        </p:nvPicPr>
+        <p:blipFill>
+          <a:blip r:embed="rId7">
+            <a:clrChange>
+              <a:clrFrom>
+                <a:srgbClr val="FFFFFF"/>
+              </a:clrFrom>
+              <a:clrTo>
+                <a:srgbClr val="FFFFFF">
+                  <a:alpha val="0"/>
+                </a:srgbClr>
+              </a:clrTo>
+            </a:clrChange>
+          </a:blip>
+          <a:stretch>
+            <a:fillRect/>
+          </a:stretch>
+        </p:blipFill>
+        <p:spPr>
+          <a:xfrm>
+            <a:off x="2024304" y="4163828"/>
+            <a:ext cx="1008112" cy="443569"/>
+          </a:xfrm>
+          <a:prstGeom prst="rect">
+            <a:avLst/>
+          </a:prstGeom>
+        </p:spPr>
+      </p:pic>
+    </p:spTree>
+    <p:extLst>
+      <p:ext uri="{BB962C8B-B14F-4D97-AF65-F5344CB8AC3E}">
+        <p14:creationId xmlns:p14="http://schemas.microsoft.com/office/powerpoint/2010/main" val="1293738746"/>
+      </p:ext>
+    </p:extLst>
+  </p:cSld>
+  <p:clrMapOvr>
+    <a:masterClrMapping/>
+  </p:clrMapOvr>
+  <p:timing>
+    <p:tnLst>
+      <p:par>
+        <p:cTn id="1" dur="indefinite" restart="never" nodeType="tmRoot"/>
+      </p:par>
+    </p:tnLst>
+  </p:timing>
+</p:sld>
+</file>
+
+<file path=ppt/slides/slide33.xml><?xml version="1.0" encoding="utf-8"?>
+<p:sld xmlns:a="http://schemas.openxmlformats.org/drawingml/2006/main" xmlns:r="http://schemas.openxmlformats.org/officeDocument/2006/relationships" xmlns:p="http://schemas.openxmlformats.org/presentationml/2006/main">
+  <p:cSld>
+    <p:spTree>
+      <p:nvGrpSpPr>
+        <p:cNvPr id="1" name=""/>
+        <p:cNvGrpSpPr/>
+        <p:nvPr/>
+      </p:nvGrpSpPr>
+      <p:grpSpPr>
+        <a:xfrm>
+          <a:off x="0" y="0"/>
+          <a:ext cx="0" cy="0"/>
+          <a:chOff x="0" y="0"/>
+          <a:chExt cx="0" cy="0"/>
+        </a:xfrm>
+      </p:grpSpPr>
+      <p:sp>
+        <p:nvSpPr>
+          <p:cNvPr id="4" name="Título 3"/>
+          <p:cNvSpPr>
+            <a:spLocks noGrp="1"/>
+          </p:cNvSpPr>
+          <p:nvPr>
+            <p:ph type="ctrTitle"/>
+          </p:nvPr>
+        </p:nvSpPr>
+        <p:spPr>
+          <a:xfrm>
+            <a:off x="2339752" y="3140968"/>
+            <a:ext cx="4680520" cy="504056"/>
+          </a:xfrm>
+        </p:spPr>
+        <p:txBody>
+          <a:bodyPr>
+            <a:normAutofit/>
+          </a:bodyPr>
+          <a:lstStyle/>
+          <a:p>
+            <a:r>
+              <a:rPr lang="pt-BR" sz="2400" dirty="0" smtClean="0"/>
+              <a:t>Obrigado!</a:t>
+            </a:r>
+            <a:endParaRPr lang="pt-BR" sz="1400" dirty="0"/>
+          </a:p>
+        </p:txBody>
+      </p:sp>
+    </p:spTree>
+    <p:extLst>
+      <p:ext uri="{BB962C8B-B14F-4D97-AF65-F5344CB8AC3E}">
+        <p14:creationId xmlns:p14="http://schemas.microsoft.com/office/powerpoint/2010/main" val="1307440721"/>
+      </p:ext>
+    </p:extLst>
+  </p:cSld>
+  <p:clrMapOvr>
+    <a:masterClrMapping/>
+  </p:clrMapOvr>
+  <p:timing>
+    <p:tnLst>
+      <p:par>
+        <p:cTn id="1" dur="indefinite" restart="never" nodeType="tmRoot"/>
+      </p:par>
+    </p:tnLst>
+  </p:timing>
+</p:sld>
+</file>
+
 <file path=ppt/slides/slide4.xml><?xml version="1.0" encoding="utf-8"?>
 <p:sld xmlns:a="http://schemas.openxmlformats.org/drawingml/2006/main" xmlns:r="http://schemas.openxmlformats.org/officeDocument/2006/relationships" xmlns:p="http://schemas.openxmlformats.org/presentationml/2006/main">
   <p:cSld>
@@ -10419,11 +14006,7 @@
           <a:p>
             <a:r>
               <a:rPr lang="pt-BR" sz="2400" dirty="0" smtClean="0"/>
-              <a:t>2) Ambien</a:t>
-            </a:r>
-            <a:r>
-              <a:rPr lang="pt-BR" sz="2400" dirty="0" smtClean="0"/>
-              <a:t>te de desenvolvimento</a:t>
+              <a:t>2) Ambiente de desenvolvimento</a:t>
             </a:r>
             <a:endParaRPr lang="pt-BR" sz="1400" dirty="0"/>
           </a:p>
@@ -11051,40 +14634,6 @@
           </a:p>
         </p:txBody>
       </p:sp>
-      <p:pic>
-        <p:nvPicPr>
-          <p:cNvPr id="14" name="Imagem 13"/>
-          <p:cNvPicPr>
-            <a:picLocks noChangeAspect="1"/>
-          </p:cNvPicPr>
-          <p:nvPr/>
-        </p:nvPicPr>
-        <p:blipFill>
-          <a:blip r:embed="rId2"/>
-          <a:stretch>
-            <a:fillRect/>
-          </a:stretch>
-        </p:blipFill>
-        <p:spPr>
-          <a:xfrm>
-            <a:off x="1907704" y="1412776"/>
-            <a:ext cx="5600842" cy="4896544"/>
-          </a:xfrm>
-          <a:prstGeom prst="rect">
-            <a:avLst/>
-          </a:prstGeom>
-          <a:ln>
-            <a:noFill/>
-          </a:ln>
-          <a:effectLst>
-            <a:outerShdw blurRad="292100" dist="139700" dir="2700000" algn="tl" rotWithShape="0">
-              <a:srgbClr val="333333">
-                <a:alpha val="65000"/>
-              </a:srgbClr>
-            </a:outerShdw>
-          </a:effectLst>
-        </p:spPr>
-      </p:pic>
     </p:spTree>
     <p:extLst>
       <p:ext uri="{BB962C8B-B14F-4D97-AF65-F5344CB8AC3E}">
@@ -11146,41 +14695,64 @@
           <a:p>
             <a:r>
               <a:rPr lang="pt-BR" sz="2400" dirty="0" smtClean="0"/>
-              <a:t>Compilação do VTK</a:t>
+              <a:t>3) Compilação do VTK</a:t>
             </a:r>
             <a:endParaRPr lang="pt-BR" sz="1400" dirty="0"/>
+          </a:p>
+        </p:txBody>
+      </p:sp>
+      <p:sp>
+        <p:nvSpPr>
+          <p:cNvPr id="13" name="CaixaDeTexto 12"/>
+          <p:cNvSpPr txBox="1"/>
+          <p:nvPr/>
+        </p:nvSpPr>
+        <p:spPr>
+          <a:xfrm>
+            <a:off x="3203848" y="908720"/>
+            <a:ext cx="3026149" cy="369332"/>
+          </a:xfrm>
+          <a:prstGeom prst="rect">
+            <a:avLst/>
+          </a:prstGeom>
+          <a:noFill/>
+        </p:spPr>
+        <p:txBody>
+          <a:bodyPr wrap="none" rtlCol="0">
+            <a:spAutoFit/>
+          </a:bodyPr>
+          <a:lstStyle/>
+          <a:p>
+            <a:r>
+              <a:rPr lang="pt-BR" b="1" dirty="0" smtClean="0"/>
+              <a:t>3.1) Configuração com </a:t>
+            </a:r>
+            <a:r>
+              <a:rPr lang="pt-BR" b="1" dirty="0" err="1" smtClean="0"/>
+              <a:t>CMake</a:t>
+            </a:r>
+            <a:endParaRPr lang="pt-BR" b="1" dirty="0"/>
           </a:p>
         </p:txBody>
       </p:sp>
       <p:pic>
         <p:nvPicPr>
-          <p:cNvPr id="11" name="Imagem 10"/>
+          <p:cNvPr id="14" name="Imagem 13"/>
           <p:cNvPicPr>
             <a:picLocks noChangeAspect="1"/>
           </p:cNvPicPr>
           <p:nvPr/>
         </p:nvPicPr>
         <p:blipFill>
-          <a:blip r:embed="rId2">
-            <a:clrChange>
-              <a:clrFrom>
-                <a:srgbClr val="FFFFFF"/>
-              </a:clrFrom>
-              <a:clrTo>
-                <a:srgbClr val="FFFFFF">
-                  <a:alpha val="0"/>
-                </a:srgbClr>
-              </a:clrTo>
-            </a:clrChange>
-          </a:blip>
+          <a:blip r:embed="rId2"/>
           <a:stretch>
             <a:fillRect/>
           </a:stretch>
         </p:blipFill>
         <p:spPr>
           <a:xfrm>
-            <a:off x="395536" y="1988840"/>
-            <a:ext cx="1092122" cy="1008112"/>
+            <a:off x="1907704" y="1412776"/>
+            <a:ext cx="5600842" cy="4896544"/>
           </a:xfrm>
           <a:prstGeom prst="rect">
             <a:avLst/>
@@ -11197,461 +14769,10 @@
           </a:effectLst>
         </p:spPr>
       </p:pic>
-      <p:sp>
-        <p:nvSpPr>
-          <p:cNvPr id="12" name="CaixaDeTexto 11"/>
-          <p:cNvSpPr txBox="1"/>
-          <p:nvPr/>
-        </p:nvSpPr>
-        <p:spPr>
-          <a:xfrm>
-            <a:off x="1619672" y="1628800"/>
-            <a:ext cx="7200800" cy="2585323"/>
-          </a:xfrm>
-          <a:prstGeom prst="rect">
-            <a:avLst/>
-          </a:prstGeom>
-          <a:noFill/>
-        </p:spPr>
-        <p:txBody>
-          <a:bodyPr wrap="square" rtlCol="0">
-            <a:spAutoFit/>
-          </a:bodyPr>
-          <a:lstStyle/>
-          <a:p>
-            <a:r>
-              <a:rPr lang="pt-BR" dirty="0" smtClean="0"/>
-              <a:t>Campo “</a:t>
-            </a:r>
-            <a:r>
-              <a:rPr lang="pt-BR" dirty="0" err="1" smtClean="0"/>
-              <a:t>Where</a:t>
-            </a:r>
-            <a:r>
-              <a:rPr lang="pt-BR" dirty="0" smtClean="0"/>
-              <a:t> </a:t>
-            </a:r>
-            <a:r>
-              <a:rPr lang="pt-BR" dirty="0" err="1" smtClean="0"/>
-              <a:t>is</a:t>
-            </a:r>
-            <a:r>
-              <a:rPr lang="pt-BR" dirty="0" smtClean="0"/>
-              <a:t> </a:t>
-            </a:r>
-            <a:r>
-              <a:rPr lang="pt-BR" dirty="0" err="1" smtClean="0"/>
-              <a:t>the</a:t>
-            </a:r>
-            <a:r>
-              <a:rPr lang="pt-BR" dirty="0" smtClean="0"/>
-              <a:t> </a:t>
-            </a:r>
-            <a:r>
-              <a:rPr lang="pt-BR" dirty="0" err="1" smtClean="0"/>
-              <a:t>source</a:t>
-            </a:r>
-            <a:r>
-              <a:rPr lang="pt-BR" dirty="0" smtClean="0"/>
-              <a:t> </a:t>
-            </a:r>
-            <a:r>
-              <a:rPr lang="pt-BR" dirty="0" err="1" smtClean="0"/>
-              <a:t>code</a:t>
-            </a:r>
-            <a:r>
-              <a:rPr lang="pt-BR" dirty="0" smtClean="0"/>
-              <a:t>” (</a:t>
-            </a:r>
-            <a:r>
-              <a:rPr lang="pt-BR" sz="1400" dirty="0">
-                <a:latin typeface="Courier New" panose="02070309020205020404" pitchFamily="49" charset="0"/>
-                <a:cs typeface="Courier New" panose="02070309020205020404" pitchFamily="49" charset="0"/>
-              </a:rPr>
-              <a:t>C:/acme</a:t>
-            </a:r>
-            <a:r>
-              <a:rPr lang="pt-BR" sz="1400" dirty="0" smtClean="0">
-                <a:latin typeface="Courier New" panose="02070309020205020404" pitchFamily="49" charset="0"/>
-                <a:cs typeface="Courier New" panose="02070309020205020404" pitchFamily="49" charset="0"/>
-              </a:rPr>
-              <a:t>/.../VTK-8.1.2</a:t>
-            </a:r>
-            <a:r>
-              <a:rPr lang="pt-BR" dirty="0" smtClean="0"/>
-              <a:t>)</a:t>
-            </a:r>
-          </a:p>
-          <a:p>
-            <a:r>
-              <a:rPr lang="pt-BR" dirty="0" smtClean="0"/>
-              <a:t>Campo “</a:t>
-            </a:r>
-            <a:r>
-              <a:rPr lang="pt-BR" dirty="0" err="1" smtClean="0"/>
-              <a:t>Where</a:t>
-            </a:r>
-            <a:r>
-              <a:rPr lang="pt-BR" dirty="0" smtClean="0"/>
-              <a:t> </a:t>
-            </a:r>
-            <a:r>
-              <a:rPr lang="pt-BR" dirty="0" err="1" smtClean="0"/>
-              <a:t>to</a:t>
-            </a:r>
-            <a:r>
-              <a:rPr lang="pt-BR" dirty="0" smtClean="0"/>
-              <a:t> build </a:t>
-            </a:r>
-            <a:r>
-              <a:rPr lang="pt-BR" dirty="0" err="1" smtClean="0"/>
-              <a:t>the</a:t>
-            </a:r>
-            <a:r>
-              <a:rPr lang="pt-BR" dirty="0" smtClean="0"/>
-              <a:t> </a:t>
-            </a:r>
-            <a:r>
-              <a:rPr lang="pt-BR" dirty="0" err="1" smtClean="0"/>
-              <a:t>binaries</a:t>
-            </a:r>
-            <a:r>
-              <a:rPr lang="pt-BR" dirty="0" smtClean="0"/>
-              <a:t>” </a:t>
-            </a:r>
-            <a:r>
-              <a:rPr lang="pt-BR" dirty="0"/>
-              <a:t>(</a:t>
-            </a:r>
-            <a:r>
-              <a:rPr lang="pt-BR" sz="1400" dirty="0">
-                <a:latin typeface="Courier New" panose="02070309020205020404" pitchFamily="49" charset="0"/>
-                <a:cs typeface="Courier New" panose="02070309020205020404" pitchFamily="49" charset="0"/>
-              </a:rPr>
-              <a:t>C:/acme</a:t>
-            </a:r>
-            <a:r>
-              <a:rPr lang="pt-BR" sz="1400" dirty="0" smtClean="0">
-                <a:latin typeface="Courier New" panose="02070309020205020404" pitchFamily="49" charset="0"/>
-                <a:cs typeface="Courier New" panose="02070309020205020404" pitchFamily="49" charset="0"/>
-              </a:rPr>
-              <a:t>/.../</a:t>
-            </a:r>
-            <a:r>
-              <a:rPr lang="pt-BR" sz="1400" dirty="0" err="1" smtClean="0">
-                <a:latin typeface="Courier New" panose="02070309020205020404" pitchFamily="49" charset="0"/>
-                <a:cs typeface="Courier New" panose="02070309020205020404" pitchFamily="49" charset="0"/>
-              </a:rPr>
-              <a:t>vtk_build_release</a:t>
-            </a:r>
-            <a:r>
-              <a:rPr lang="pt-BR" dirty="0" smtClean="0"/>
-              <a:t>)</a:t>
-            </a:r>
-            <a:endParaRPr lang="pt-BR" dirty="0"/>
-          </a:p>
-          <a:p>
-            <a:r>
-              <a:rPr lang="pt-BR" dirty="0" smtClean="0"/>
-              <a:t>Escolher o </a:t>
-            </a:r>
-            <a:r>
-              <a:rPr lang="pt-BR" i="1" dirty="0" err="1" smtClean="0"/>
-              <a:t>generator</a:t>
-            </a:r>
-            <a:r>
-              <a:rPr lang="pt-BR" dirty="0" smtClean="0"/>
-              <a:t> correto: Visual Studio 2015.</a:t>
-            </a:r>
-          </a:p>
-          <a:p>
-            <a:r>
-              <a:rPr lang="pt-BR" dirty="0" smtClean="0"/>
-              <a:t>CMAKE_INSTALL_PREFIX (</a:t>
-            </a:r>
-            <a:r>
-              <a:rPr lang="pt-BR" sz="1400" dirty="0" smtClean="0">
-                <a:latin typeface="Courier New" panose="02070309020205020404" pitchFamily="49" charset="0"/>
-                <a:cs typeface="Courier New" panose="02070309020205020404" pitchFamily="49" charset="0"/>
-              </a:rPr>
-              <a:t>C:/acme/.../</a:t>
-            </a:r>
-            <a:r>
-              <a:rPr lang="pt-BR" sz="1400" dirty="0" err="1" smtClean="0">
-                <a:latin typeface="Courier New" panose="02070309020205020404" pitchFamily="49" charset="0"/>
-                <a:cs typeface="Courier New" panose="02070309020205020404" pitchFamily="49" charset="0"/>
-              </a:rPr>
-              <a:t>vtk_install_release</a:t>
-            </a:r>
-            <a:r>
-              <a:rPr lang="pt-BR" dirty="0" smtClean="0"/>
-              <a:t>)</a:t>
-            </a:r>
-          </a:p>
-          <a:p>
-            <a:r>
-              <a:rPr lang="pt-BR" dirty="0" smtClean="0"/>
-              <a:t>CMAKE_BUILD_TYPE (</a:t>
-            </a:r>
-            <a:r>
-              <a:rPr lang="pt-BR" sz="1400" dirty="0" smtClean="0">
-                <a:latin typeface="Courier New" panose="02070309020205020404" pitchFamily="49" charset="0"/>
-                <a:cs typeface="Courier New" panose="02070309020205020404" pitchFamily="49" charset="0"/>
-              </a:rPr>
-              <a:t>Release</a:t>
-            </a:r>
-            <a:r>
-              <a:rPr lang="pt-BR" dirty="0" smtClean="0"/>
-              <a:t> ou </a:t>
-            </a:r>
-            <a:r>
-              <a:rPr lang="pt-BR" sz="1400" dirty="0" smtClean="0">
-                <a:latin typeface="Courier New" panose="02070309020205020404" pitchFamily="49" charset="0"/>
-                <a:cs typeface="Courier New" panose="02070309020205020404" pitchFamily="49" charset="0"/>
-              </a:rPr>
-              <a:t>Debug</a:t>
-            </a:r>
-            <a:r>
-              <a:rPr lang="pt-BR" dirty="0" smtClean="0"/>
-              <a:t>)</a:t>
-            </a:r>
-          </a:p>
-          <a:p>
-            <a:r>
-              <a:rPr lang="pt-BR" dirty="0" smtClean="0"/>
-              <a:t>VTK_QT_VERSION (</a:t>
-            </a:r>
-            <a:r>
-              <a:rPr lang="pt-BR" sz="1400" dirty="0" smtClean="0">
-                <a:latin typeface="Courier New" panose="02070309020205020404" pitchFamily="49" charset="0"/>
-                <a:cs typeface="Courier New" panose="02070309020205020404" pitchFamily="49" charset="0"/>
-              </a:rPr>
-              <a:t>5</a:t>
-            </a:r>
-            <a:r>
-              <a:rPr lang="pt-BR" dirty="0" smtClean="0"/>
-              <a:t>)</a:t>
-            </a:r>
-          </a:p>
-          <a:p>
-            <a:r>
-              <a:rPr lang="pt-BR" dirty="0" smtClean="0"/>
-              <a:t>VTK_RENDERING_BACKEND (</a:t>
-            </a:r>
-            <a:r>
-              <a:rPr lang="pt-BR" sz="1400" dirty="0" smtClean="0">
-                <a:latin typeface="Courier New" panose="02070309020205020404" pitchFamily="49" charset="0"/>
-                <a:cs typeface="Courier New" panose="02070309020205020404" pitchFamily="49" charset="0"/>
-              </a:rPr>
-              <a:t>OpenGL2</a:t>
-            </a:r>
-            <a:r>
-              <a:rPr lang="pt-BR" dirty="0" smtClean="0"/>
-              <a:t>)</a:t>
-            </a:r>
-          </a:p>
-          <a:p>
-            <a:r>
-              <a:rPr lang="pt-BR" dirty="0" err="1" smtClean="0"/>
-              <a:t>VTK_Group_Qt</a:t>
-            </a:r>
-            <a:r>
-              <a:rPr lang="pt-BR" dirty="0" smtClean="0"/>
-              <a:t> (</a:t>
-            </a:r>
-            <a:r>
-              <a:rPr lang="pt-BR" sz="1400" dirty="0" err="1" smtClean="0">
-                <a:latin typeface="Courier New" panose="02070309020205020404" pitchFamily="49" charset="0"/>
-                <a:cs typeface="Courier New" panose="02070309020205020404" pitchFamily="49" charset="0"/>
-              </a:rPr>
-              <a:t>true</a:t>
-            </a:r>
-            <a:r>
-              <a:rPr lang="pt-BR" dirty="0" smtClean="0"/>
-              <a:t>)</a:t>
-            </a:r>
-          </a:p>
-          <a:p>
-            <a:endParaRPr lang="pt-BR" dirty="0"/>
-          </a:p>
-        </p:txBody>
-      </p:sp>
-      <p:sp>
-        <p:nvSpPr>
-          <p:cNvPr id="13" name="CaixaDeTexto 12"/>
-          <p:cNvSpPr txBox="1"/>
-          <p:nvPr/>
-        </p:nvSpPr>
-        <p:spPr>
-          <a:xfrm>
-            <a:off x="3203848" y="908720"/>
-            <a:ext cx="3026149" cy="369332"/>
-          </a:xfrm>
-          <a:prstGeom prst="rect">
-            <a:avLst/>
-          </a:prstGeom>
-          <a:noFill/>
-        </p:spPr>
-        <p:txBody>
-          <a:bodyPr wrap="none" rtlCol="0">
-            <a:spAutoFit/>
-          </a:bodyPr>
-          <a:lstStyle/>
-          <a:p>
-            <a:r>
-              <a:rPr lang="pt-BR" b="1" dirty="0" smtClean="0"/>
-              <a:t>3.1) Configuração com </a:t>
-            </a:r>
-            <a:r>
-              <a:rPr lang="pt-BR" b="1" dirty="0" err="1" smtClean="0"/>
-              <a:t>CMake</a:t>
-            </a:r>
-            <a:endParaRPr lang="pt-BR" b="1" dirty="0"/>
-          </a:p>
-        </p:txBody>
-      </p:sp>
-      <p:pic>
-        <p:nvPicPr>
-          <p:cNvPr id="2" name="Imagem 1"/>
-          <p:cNvPicPr>
-            <a:picLocks noChangeAspect="1"/>
-          </p:cNvPicPr>
-          <p:nvPr/>
-        </p:nvPicPr>
-        <p:blipFill>
-          <a:blip r:embed="rId3"/>
-          <a:stretch>
-            <a:fillRect/>
-          </a:stretch>
-        </p:blipFill>
-        <p:spPr>
-          <a:xfrm>
-            <a:off x="1806200" y="4869160"/>
-            <a:ext cx="2781404" cy="800130"/>
-          </a:xfrm>
-          <a:prstGeom prst="rect">
-            <a:avLst/>
-          </a:prstGeom>
-          <a:ln>
-            <a:noFill/>
-          </a:ln>
-          <a:effectLst>
-            <a:outerShdw blurRad="292100" dist="139700" dir="2700000" algn="tl" rotWithShape="0">
-              <a:srgbClr val="333333">
-                <a:alpha val="65000"/>
-              </a:srgbClr>
-            </a:outerShdw>
-          </a:effectLst>
-        </p:spPr>
-      </p:pic>
-      <p:sp>
-        <p:nvSpPr>
-          <p:cNvPr id="3" name="Seta em curva para a direita 2"/>
-          <p:cNvSpPr/>
-          <p:nvPr/>
-        </p:nvSpPr>
-        <p:spPr>
-          <a:xfrm rot="10800000">
-            <a:off x="4640881" y="3933056"/>
-            <a:ext cx="720080" cy="1224136"/>
-          </a:xfrm>
-          <a:prstGeom prst="curvedRightArrow">
-            <a:avLst/>
-          </a:prstGeom>
-          <a:pattFill prst="pct25">
-            <a:fgClr>
-              <a:schemeClr val="dk1"/>
-            </a:fgClr>
-            <a:bgClr>
-              <a:schemeClr val="bg1"/>
-            </a:bgClr>
-          </a:pattFill>
-        </p:spPr>
-        <p:style>
-          <a:lnRef idx="2">
-            <a:schemeClr val="dk1">
-              <a:shade val="50000"/>
-            </a:schemeClr>
-          </a:lnRef>
-          <a:fillRef idx="1">
-            <a:schemeClr val="dk1"/>
-          </a:fillRef>
-          <a:effectRef idx="0">
-            <a:schemeClr val="dk1"/>
-          </a:effectRef>
-          <a:fontRef idx="minor">
-            <a:schemeClr val="lt1"/>
-          </a:fontRef>
-        </p:style>
-        <p:txBody>
-          <a:bodyPr rtlCol="0" anchor="ctr"/>
-          <a:lstStyle/>
-          <a:p>
-            <a:pPr algn="ctr"/>
-            <a:endParaRPr lang="pt-BR" dirty="0" smtClean="0">
-              <a:solidFill>
-                <a:schemeClr val="tx1"/>
-              </a:solidFill>
-            </a:endParaRPr>
-          </a:p>
-        </p:txBody>
-      </p:sp>
-      <p:sp>
-        <p:nvSpPr>
-          <p:cNvPr id="8" name="Seta em curva para a direita 7"/>
-          <p:cNvSpPr/>
-          <p:nvPr/>
-        </p:nvSpPr>
-        <p:spPr>
-          <a:xfrm>
-            <a:off x="1039815" y="3941440"/>
-            <a:ext cx="720080" cy="1224136"/>
-          </a:xfrm>
-          <a:prstGeom prst="curvedRightArrow">
-            <a:avLst/>
-          </a:prstGeom>
-          <a:pattFill prst="pct25">
-            <a:fgClr>
-              <a:schemeClr val="dk1"/>
-            </a:fgClr>
-            <a:bgClr>
-              <a:schemeClr val="bg1"/>
-            </a:bgClr>
-          </a:pattFill>
-        </p:spPr>
-        <p:style>
-          <a:lnRef idx="2">
-            <a:schemeClr val="dk1">
-              <a:shade val="50000"/>
-            </a:schemeClr>
-          </a:lnRef>
-          <a:fillRef idx="1">
-            <a:schemeClr val="dk1"/>
-          </a:fillRef>
-          <a:effectRef idx="0">
-            <a:schemeClr val="dk1"/>
-          </a:effectRef>
-          <a:fontRef idx="minor">
-            <a:schemeClr val="lt1"/>
-          </a:fontRef>
-        </p:style>
-        <p:txBody>
-          <a:bodyPr rtlCol="0" anchor="ctr"/>
-          <a:lstStyle/>
-          <a:p>
-            <a:pPr algn="ctr"/>
-            <a:endParaRPr lang="pt-BR" dirty="0" smtClean="0">
-              <a:solidFill>
-                <a:schemeClr val="tx1"/>
-              </a:solidFill>
-            </a:endParaRPr>
-          </a:p>
-        </p:txBody>
-      </p:sp>
     </p:spTree>
     <p:extLst>
       <p:ext uri="{BB962C8B-B14F-4D97-AF65-F5344CB8AC3E}">
-        <p14:creationId xmlns:p14="http://schemas.microsoft.com/office/powerpoint/2010/main" val="1344114479"/>
+        <p14:creationId xmlns:p14="http://schemas.microsoft.com/office/powerpoint/2010/main" val="3677489221"/>
       </p:ext>
     </p:extLst>
   </p:cSld>
@@ -11715,16 +14836,61 @@
           </a:p>
         </p:txBody>
       </p:sp>
-      <p:sp>
-        <p:nvSpPr>
-          <p:cNvPr id="13" name="CaixaDeTexto 12"/>
+      <p:pic>
+        <p:nvPicPr>
+          <p:cNvPr id="11" name="Imagem 10"/>
+          <p:cNvPicPr>
+            <a:picLocks noChangeAspect="1"/>
+          </p:cNvPicPr>
+          <p:nvPr/>
+        </p:nvPicPr>
+        <p:blipFill>
+          <a:blip r:embed="rId2">
+            <a:clrChange>
+              <a:clrFrom>
+                <a:srgbClr val="FFFFFF"/>
+              </a:clrFrom>
+              <a:clrTo>
+                <a:srgbClr val="FFFFFF">
+                  <a:alpha val="0"/>
+                </a:srgbClr>
+              </a:clrTo>
+            </a:clrChange>
+          </a:blip>
+          <a:stretch>
+            <a:fillRect/>
+          </a:stretch>
+        </p:blipFill>
+        <p:spPr>
+          <a:xfrm>
+            <a:off x="395536" y="1988840"/>
+            <a:ext cx="1092122" cy="1008112"/>
+          </a:xfrm>
+          <a:prstGeom prst="rect">
+            <a:avLst/>
+          </a:prstGeom>
+          <a:ln>
+            <a:noFill/>
+          </a:ln>
+          <a:effectLst>
+            <a:outerShdw blurRad="292100" dist="139700" dir="2700000" algn="tl" rotWithShape="0">
+              <a:srgbClr val="333333">
+                <a:alpha val="65000"/>
+              </a:srgbClr>
+            </a:outerShdw>
+          </a:effectLst>
+        </p:spPr>
+      </p:pic>
+      <p:sp>
+        <p:nvSpPr>
+          <p:cNvPr id="12" name="CaixaDeTexto 11"/>
           <p:cNvSpPr txBox="1"/>
           <p:nvPr/>
         </p:nvSpPr>
         <p:spPr>
           <a:xfrm>
-            <a:off x="3365214" y="908720"/>
-            <a:ext cx="2850909" cy="369332"/>
+            <a:off x="1619672" y="1628800"/>
+            <a:ext cx="7200800" cy="2585323"/>
           </a:xfrm>
           <a:prstGeom prst="rect">
             <a:avLst/>
@@ -11732,6 +14898,285 @@
           <a:noFill/>
         </p:spPr>
         <p:txBody>
+          <a:bodyPr wrap="square" rtlCol="0">
+            <a:spAutoFit/>
+          </a:bodyPr>
+          <a:lstStyle/>
+          <a:p>
+            <a:r>
+              <a:rPr lang="pt-BR" dirty="0" smtClean="0"/>
+              <a:t>Campo “</a:t>
+            </a:r>
+            <a:r>
+              <a:rPr lang="pt-BR" dirty="0" err="1" smtClean="0"/>
+              <a:t>Where</a:t>
+            </a:r>
+            <a:r>
+              <a:rPr lang="pt-BR" dirty="0" smtClean="0"/>
+              <a:t> </a:t>
+            </a:r>
+            <a:r>
+              <a:rPr lang="pt-BR" dirty="0" err="1" smtClean="0"/>
+              <a:t>is</a:t>
+            </a:r>
+            <a:r>
+              <a:rPr lang="pt-BR" dirty="0" smtClean="0"/>
+              <a:t> </a:t>
+            </a:r>
+            <a:r>
+              <a:rPr lang="pt-BR" dirty="0" err="1" smtClean="0"/>
+              <a:t>the</a:t>
+            </a:r>
+            <a:r>
+              <a:rPr lang="pt-BR" dirty="0" smtClean="0"/>
+              <a:t> </a:t>
+            </a:r>
+            <a:r>
+              <a:rPr lang="pt-BR" dirty="0" err="1" smtClean="0"/>
+              <a:t>source</a:t>
+            </a:r>
+            <a:r>
+              <a:rPr lang="pt-BR" dirty="0" smtClean="0"/>
+              <a:t> </a:t>
+            </a:r>
+            <a:r>
+              <a:rPr lang="pt-BR" dirty="0" err="1" smtClean="0"/>
+              <a:t>code</a:t>
+            </a:r>
+            <a:r>
+              <a:rPr lang="pt-BR" dirty="0" smtClean="0"/>
+              <a:t>” (</a:t>
+            </a:r>
+            <a:r>
+              <a:rPr lang="pt-BR" sz="1400" dirty="0">
+                <a:latin typeface="Courier New" panose="02070309020205020404" pitchFamily="49" charset="0"/>
+                <a:cs typeface="Courier New" panose="02070309020205020404" pitchFamily="49" charset="0"/>
+              </a:rPr>
+              <a:t>C:/acme</a:t>
+            </a:r>
+            <a:r>
+              <a:rPr lang="pt-BR" sz="1400" dirty="0" smtClean="0">
+                <a:latin typeface="Courier New" panose="02070309020205020404" pitchFamily="49" charset="0"/>
+                <a:cs typeface="Courier New" panose="02070309020205020404" pitchFamily="49" charset="0"/>
+              </a:rPr>
+              <a:t>/.../VTK-8.1.2</a:t>
+            </a:r>
+            <a:r>
+              <a:rPr lang="pt-BR" dirty="0" smtClean="0"/>
+              <a:t>)</a:t>
+            </a:r>
+          </a:p>
+          <a:p>
+            <a:r>
+              <a:rPr lang="pt-BR" dirty="0" smtClean="0"/>
+              <a:t>Campo “</a:t>
+            </a:r>
+            <a:r>
+              <a:rPr lang="pt-BR" dirty="0" err="1" smtClean="0"/>
+              <a:t>Where</a:t>
+            </a:r>
+            <a:r>
+              <a:rPr lang="pt-BR" dirty="0" smtClean="0"/>
+              <a:t> </a:t>
+            </a:r>
+            <a:r>
+              <a:rPr lang="pt-BR" dirty="0" err="1" smtClean="0"/>
+              <a:t>to</a:t>
+            </a:r>
+            <a:r>
+              <a:rPr lang="pt-BR" dirty="0" smtClean="0"/>
+              <a:t> build </a:t>
+            </a:r>
+            <a:r>
+              <a:rPr lang="pt-BR" dirty="0" err="1" smtClean="0"/>
+              <a:t>the</a:t>
+            </a:r>
+            <a:r>
+              <a:rPr lang="pt-BR" dirty="0" smtClean="0"/>
+              <a:t> </a:t>
+            </a:r>
+            <a:r>
+              <a:rPr lang="pt-BR" dirty="0" err="1" smtClean="0"/>
+              <a:t>binaries</a:t>
+            </a:r>
+            <a:r>
+              <a:rPr lang="pt-BR" dirty="0" smtClean="0"/>
+              <a:t>” </a:t>
+            </a:r>
+            <a:r>
+              <a:rPr lang="pt-BR" dirty="0"/>
+              <a:t>(</a:t>
+            </a:r>
+            <a:r>
+              <a:rPr lang="pt-BR" sz="1400" dirty="0">
+                <a:latin typeface="Courier New" panose="02070309020205020404" pitchFamily="49" charset="0"/>
+                <a:cs typeface="Courier New" panose="02070309020205020404" pitchFamily="49" charset="0"/>
+              </a:rPr>
+              <a:t>C:/acme</a:t>
+            </a:r>
+            <a:r>
+              <a:rPr lang="pt-BR" sz="1400" dirty="0" smtClean="0">
+                <a:latin typeface="Courier New" panose="02070309020205020404" pitchFamily="49" charset="0"/>
+                <a:cs typeface="Courier New" panose="02070309020205020404" pitchFamily="49" charset="0"/>
+              </a:rPr>
+              <a:t>/.../</a:t>
+            </a:r>
+            <a:r>
+              <a:rPr lang="pt-BR" sz="1400" dirty="0" err="1" smtClean="0">
+                <a:latin typeface="Courier New" panose="02070309020205020404" pitchFamily="49" charset="0"/>
+                <a:cs typeface="Courier New" panose="02070309020205020404" pitchFamily="49" charset="0"/>
+              </a:rPr>
+              <a:t>vtk_build_release</a:t>
+            </a:r>
+            <a:r>
+              <a:rPr lang="pt-BR" dirty="0" smtClean="0"/>
+              <a:t>)</a:t>
+            </a:r>
+            <a:endParaRPr lang="pt-BR" dirty="0"/>
+          </a:p>
+          <a:p>
+            <a:r>
+              <a:rPr lang="pt-BR" dirty="0" smtClean="0"/>
+              <a:t>Escolher o </a:t>
+            </a:r>
+            <a:r>
+              <a:rPr lang="pt-BR" i="1" dirty="0" err="1" smtClean="0"/>
+              <a:t>generator</a:t>
+            </a:r>
+            <a:r>
+              <a:rPr lang="pt-BR" dirty="0" smtClean="0"/>
+              <a:t> correto: Visual Studio 2015.</a:t>
+            </a:r>
+          </a:p>
+          <a:p>
+            <a:r>
+              <a:rPr lang="pt-BR" dirty="0" smtClean="0"/>
+              <a:t>CMAKE_INSTALL_PREFIX (</a:t>
+            </a:r>
+            <a:r>
+              <a:rPr lang="pt-BR" sz="1400" dirty="0" smtClean="0">
+                <a:latin typeface="Courier New" panose="02070309020205020404" pitchFamily="49" charset="0"/>
+                <a:cs typeface="Courier New" panose="02070309020205020404" pitchFamily="49" charset="0"/>
+              </a:rPr>
+              <a:t>C:/acme/.../</a:t>
+            </a:r>
+            <a:r>
+              <a:rPr lang="pt-BR" sz="1400" dirty="0" err="1" smtClean="0">
+                <a:latin typeface="Courier New" panose="02070309020205020404" pitchFamily="49" charset="0"/>
+                <a:cs typeface="Courier New" panose="02070309020205020404" pitchFamily="49" charset="0"/>
+              </a:rPr>
+              <a:t>vtk_install_release</a:t>
+            </a:r>
+            <a:r>
+              <a:rPr lang="pt-BR" dirty="0" smtClean="0"/>
+              <a:t>)</a:t>
+            </a:r>
+          </a:p>
+          <a:p>
+            <a:r>
+              <a:rPr lang="pt-BR" dirty="0" smtClean="0"/>
+              <a:t>CMAKE_BUILD_TYPE (</a:t>
+            </a:r>
+            <a:r>
+              <a:rPr lang="pt-BR" sz="1400" dirty="0" smtClean="0">
+                <a:latin typeface="Courier New" panose="02070309020205020404" pitchFamily="49" charset="0"/>
+                <a:cs typeface="Courier New" panose="02070309020205020404" pitchFamily="49" charset="0"/>
+              </a:rPr>
+              <a:t>Release</a:t>
+            </a:r>
+            <a:r>
+              <a:rPr lang="pt-BR" dirty="0" smtClean="0"/>
+              <a:t> ou </a:t>
+            </a:r>
+            <a:r>
+              <a:rPr lang="pt-BR" sz="1400" dirty="0" smtClean="0">
+                <a:latin typeface="Courier New" panose="02070309020205020404" pitchFamily="49" charset="0"/>
+                <a:cs typeface="Courier New" panose="02070309020205020404" pitchFamily="49" charset="0"/>
+              </a:rPr>
+              <a:t>Debug</a:t>
+            </a:r>
+            <a:r>
+              <a:rPr lang="pt-BR" dirty="0" smtClean="0"/>
+              <a:t>)</a:t>
+            </a:r>
+          </a:p>
+          <a:p>
+            <a:r>
+              <a:rPr lang="pt-BR" dirty="0" smtClean="0"/>
+              <a:t>VTK_QT_VERSION (</a:t>
+            </a:r>
+            <a:r>
+              <a:rPr lang="pt-BR" sz="1400" dirty="0" smtClean="0">
+                <a:latin typeface="Courier New" panose="02070309020205020404" pitchFamily="49" charset="0"/>
+                <a:cs typeface="Courier New" panose="02070309020205020404" pitchFamily="49" charset="0"/>
+              </a:rPr>
+              <a:t>5</a:t>
+            </a:r>
+            <a:r>
+              <a:rPr lang="pt-BR" dirty="0" smtClean="0"/>
+              <a:t>)</a:t>
+            </a:r>
+          </a:p>
+          <a:p>
+            <a:r>
+              <a:rPr lang="pt-BR" dirty="0" smtClean="0"/>
+              <a:t>VTK_RENDERING_BACKEND (</a:t>
+            </a:r>
+            <a:r>
+              <a:rPr lang="pt-BR" sz="1400" dirty="0" smtClean="0">
+                <a:latin typeface="Courier New" panose="02070309020205020404" pitchFamily="49" charset="0"/>
+                <a:cs typeface="Courier New" panose="02070309020205020404" pitchFamily="49" charset="0"/>
+              </a:rPr>
+              <a:t>OpenGL2</a:t>
+            </a:r>
+            <a:r>
+              <a:rPr lang="pt-BR" dirty="0" smtClean="0"/>
+              <a:t>)</a:t>
+            </a:r>
+          </a:p>
+          <a:p>
+            <a:r>
+              <a:rPr lang="pt-BR" dirty="0" err="1" smtClean="0"/>
+              <a:t>VTK_Group_Qt</a:t>
+            </a:r>
+            <a:r>
+              <a:rPr lang="pt-BR" dirty="0" smtClean="0"/>
+              <a:t> (</a:t>
+            </a:r>
+            <a:r>
+              <a:rPr lang="pt-BR" sz="1400" dirty="0" err="1" smtClean="0">
+                <a:latin typeface="Courier New" panose="02070309020205020404" pitchFamily="49" charset="0"/>
+                <a:cs typeface="Courier New" panose="02070309020205020404" pitchFamily="49" charset="0"/>
+              </a:rPr>
+              <a:t>true</a:t>
+            </a:r>
+            <a:r>
+              <a:rPr lang="pt-BR" dirty="0" smtClean="0"/>
+              <a:t>)</a:t>
+            </a:r>
+          </a:p>
+          <a:p>
+            <a:endParaRPr lang="pt-BR" dirty="0"/>
+          </a:p>
+        </p:txBody>
+      </p:sp>
+      <p:sp>
+        <p:nvSpPr>
+          <p:cNvPr id="13" name="CaixaDeTexto 12"/>
+          <p:cNvSpPr txBox="1"/>
+          <p:nvPr/>
+        </p:nvSpPr>
+        <p:spPr>
+          <a:xfrm>
+            <a:off x="3203848" y="908720"/>
+            <a:ext cx="3026149" cy="369332"/>
+          </a:xfrm>
+          <a:prstGeom prst="rect">
+            <a:avLst/>
+          </a:prstGeom>
+          <a:noFill/>
+        </p:spPr>
+        <p:txBody>
           <a:bodyPr wrap="none" rtlCol="0">
             <a:spAutoFit/>
           </a:bodyPr>
@@ -11739,16 +15184,158 @@
           <a:p>
             <a:r>
               <a:rPr lang="pt-BR" b="1" dirty="0" smtClean="0"/>
-              <a:t>3.2) Build com Visual Studio</a:t>
+              <a:t>3.1) Configuração com </a:t>
+            </a:r>
+            <a:r>
+              <a:rPr lang="pt-BR" b="1" dirty="0" err="1" smtClean="0"/>
+              <a:t>CMake</a:t>
             </a:r>
             <a:endParaRPr lang="pt-BR" b="1" dirty="0"/>
+          </a:p>
+        </p:txBody>
+      </p:sp>
+      <p:pic>
+        <p:nvPicPr>
+          <p:cNvPr id="2" name="Imagem 1"/>
+          <p:cNvPicPr>
+            <a:picLocks noChangeAspect="1"/>
+          </p:cNvPicPr>
+          <p:nvPr/>
+        </p:nvPicPr>
+        <p:blipFill>
+          <a:blip r:embed="rId3"/>
+          <a:stretch>
+            <a:fillRect/>
+          </a:stretch>
+        </p:blipFill>
+        <p:spPr>
+          <a:xfrm>
+            <a:off x="1806200" y="4869160"/>
+            <a:ext cx="2781404" cy="800130"/>
+          </a:xfrm>
+          <a:prstGeom prst="rect">
+            <a:avLst/>
+          </a:prstGeom>
+          <a:ln>
+            <a:noFill/>
+          </a:ln>
+          <a:effectLst>
+            <a:outerShdw blurRad="292100" dist="139700" dir="2700000" algn="tl" rotWithShape="0">
+              <a:srgbClr val="333333">
+                <a:alpha val="65000"/>
+              </a:srgbClr>
+            </a:outerShdw>
+          </a:effectLst>
+        </p:spPr>
+      </p:pic>
+      <p:sp>
+        <p:nvSpPr>
+          <p:cNvPr id="3" name="Seta em curva para a direita 2"/>
+          <p:cNvSpPr/>
+          <p:nvPr/>
+        </p:nvSpPr>
+        <p:spPr>
+          <a:xfrm rot="10800000">
+            <a:off x="4640881" y="3933056"/>
+            <a:ext cx="720080" cy="1224136"/>
+          </a:xfrm>
+          <a:prstGeom prst="curvedRightArrow">
+            <a:avLst/>
+          </a:prstGeom>
+          <a:pattFill prst="pct25">
+            <a:fgClr>
+              <a:schemeClr val="dk1"/>
+            </a:fgClr>
+            <a:bgClr>
+              <a:schemeClr val="bg1"/>
+            </a:bgClr>
+          </a:pattFill>
+        </p:spPr>
+        <p:style>
+          <a:lnRef idx="2">
+            <a:schemeClr val="dk1">
+              <a:shade val="50000"/>
+            </a:schemeClr>
+          </a:lnRef>
+          <a:fillRef idx="1">
+            <a:schemeClr val="dk1"/>
+          </a:fillRef>
+          <a:effectRef idx="0">
+            <a:schemeClr val="dk1"/>
+          </a:effectRef>
+          <a:fontRef idx="minor">
+            <a:schemeClr val="lt1"/>
+          </a:fontRef>
+        </p:style>
+        <p:txBody>
+          <a:bodyPr rtlCol="0" anchor="ctr"/>
+          <a:lstStyle/>
+          <a:p>
+            <a:pPr algn="ctr"/>
+            <a:endParaRPr lang="pt-BR" dirty="0" smtClean="0">
+              <a:solidFill>
+                <a:schemeClr val="tx1"/>
+              </a:solidFill>
+            </a:endParaRPr>
+          </a:p>
+        </p:txBody>
+      </p:sp>
+      <p:sp>
+        <p:nvSpPr>
+          <p:cNvPr id="8" name="Seta em curva para a direita 7"/>
+          <p:cNvSpPr/>
+          <p:nvPr/>
+        </p:nvSpPr>
+        <p:spPr>
+          <a:xfrm>
+            <a:off x="1039815" y="3941440"/>
+            <a:ext cx="720080" cy="1224136"/>
+          </a:xfrm>
+          <a:prstGeom prst="curvedRightArrow">
+            <a:avLst/>
+          </a:prstGeom>
+          <a:pattFill prst="pct25">
+            <a:fgClr>
+              <a:schemeClr val="dk1"/>
+            </a:fgClr>
+            <a:bgClr>
+              <a:schemeClr val="bg1"/>
+            </a:bgClr>
+          </a:pattFill>
+        </p:spPr>
+        <p:style>
+          <a:lnRef idx="2">
+            <a:schemeClr val="dk1">
+              <a:shade val="50000"/>
+            </a:schemeClr>
+          </a:lnRef>
+          <a:fillRef idx="1">
+            <a:schemeClr val="dk1"/>
+          </a:fillRef>
+          <a:effectRef idx="0">
+            <a:schemeClr val="dk1"/>
+          </a:effectRef>
+          <a:fontRef idx="minor">
+            <a:schemeClr val="lt1"/>
+          </a:fontRef>
+        </p:style>
+        <p:txBody>
+          <a:bodyPr rtlCol="0" anchor="ctr"/>
+          <a:lstStyle/>
+          <a:p>
+            <a:pPr algn="ctr"/>
+            <a:endParaRPr lang="pt-BR" dirty="0" smtClean="0">
+              <a:solidFill>
+                <a:schemeClr val="tx1"/>
+              </a:solidFill>
+            </a:endParaRPr>
           </a:p>
         </p:txBody>
       </p:sp>
     </p:spTree>
     <p:extLst>
       <p:ext uri="{BB962C8B-B14F-4D97-AF65-F5344CB8AC3E}">
-        <p14:creationId xmlns:p14="http://schemas.microsoft.com/office/powerpoint/2010/main" val="3891357202"/>
+        <p14:creationId xmlns:p14="http://schemas.microsoft.com/office/powerpoint/2010/main" val="1344114479"/>
       </p:ext>
     </p:extLst>
   </p:cSld>
@@ -11820,8 +15407,8 @@
         </p:nvSpPr>
         <p:spPr>
           <a:xfrm>
-            <a:off x="4147467" y="908720"/>
-            <a:ext cx="1276568" cy="369332"/>
+            <a:off x="3365214" y="908720"/>
+            <a:ext cx="2850909" cy="369332"/>
           </a:xfrm>
           <a:prstGeom prst="rect">
             <a:avLst/>
@@ -11836,11 +15423,7 @@
           <a:p>
             <a:r>
               <a:rPr lang="pt-BR" b="1" dirty="0" smtClean="0"/>
-              <a:t>3.3) </a:t>
-            </a:r>
-            <a:r>
-              <a:rPr lang="pt-BR" b="1" dirty="0" err="1" smtClean="0"/>
-              <a:t>Deploy</a:t>
+              <a:t>3.2) Build com Visual Studio</a:t>
             </a:r>
             <a:endParaRPr lang="pt-BR" b="1" dirty="0"/>
           </a:p>
@@ -11849,7 +15432,7 @@
     </p:spTree>
     <p:extLst>
       <p:ext uri="{BB962C8B-B14F-4D97-AF65-F5344CB8AC3E}">
-        <p14:creationId xmlns:p14="http://schemas.microsoft.com/office/powerpoint/2010/main" val="1158625077"/>
+        <p14:creationId xmlns:p14="http://schemas.microsoft.com/office/powerpoint/2010/main" val="3891357202"/>
       </p:ext>
     </p:extLst>
   </p:cSld>
@@ -11907,15 +15490,7 @@
           <a:p>
             <a:r>
               <a:rPr lang="pt-BR" sz="2400" dirty="0" smtClean="0"/>
-              <a:t>4) Aplicações C++/</a:t>
-            </a:r>
-            <a:r>
-              <a:rPr lang="pt-BR" sz="2400" dirty="0" err="1" smtClean="0"/>
-              <a:t>Qt</a:t>
-            </a:r>
-            <a:r>
-              <a:rPr lang="pt-BR" sz="2400" dirty="0" smtClean="0"/>
-              <a:t> com VTK</a:t>
+              <a:t>Compilação do VTK</a:t>
             </a:r>
             <a:endParaRPr lang="pt-BR" sz="1400" dirty="0"/>
           </a:p>
@@ -11929,8 +15504,8 @@
         </p:nvSpPr>
         <p:spPr>
           <a:xfrm>
-            <a:off x="3491880" y="1218238"/>
-            <a:ext cx="3107133" cy="338554"/>
+            <a:off x="4147467" y="908720"/>
+            <a:ext cx="1276568" cy="369332"/>
           </a:xfrm>
           <a:prstGeom prst="rect">
             <a:avLst/>
@@ -11944,173 +15519,12 @@
           <a:lstStyle/>
           <a:p>
             <a:r>
-              <a:rPr lang="pt-BR" sz="1600" b="1" dirty="0" smtClean="0"/>
-              <a:t>4.1.1) Gerenciamento de memória</a:t>
-            </a:r>
-            <a:endParaRPr lang="pt-BR" sz="1600" b="1" dirty="0"/>
-          </a:p>
-        </p:txBody>
-      </p:sp>
-      <p:sp>
-        <p:nvSpPr>
-          <p:cNvPr id="5" name="CaixaDeTexto 4"/>
-          <p:cNvSpPr txBox="1"/>
-          <p:nvPr/>
-        </p:nvSpPr>
-        <p:spPr>
-          <a:xfrm>
-            <a:off x="1403648" y="3452807"/>
-            <a:ext cx="6307611" cy="1200329"/>
-          </a:xfrm>
-          <a:prstGeom prst="rect">
-            <a:avLst/>
-          </a:prstGeom>
-          <a:noFill/>
-        </p:spPr>
-        <p:txBody>
-          <a:bodyPr wrap="square" rtlCol="0">
-            <a:spAutoFit/>
-          </a:bodyPr>
-          <a:lstStyle/>
-          <a:p>
-            <a:pPr marL="285750" indent="-285750" algn="just">
-              <a:buFont typeface="Wingdings" panose="05000000000000000000" pitchFamily="2" charset="2"/>
-              <a:buChar char="Ø"/>
-            </a:pPr>
-            <a:r>
-              <a:rPr lang="pt-BR" sz="2400" dirty="0" smtClean="0"/>
-              <a:t>Sempre use </a:t>
-            </a:r>
-            <a:r>
-              <a:rPr lang="pt-BR" sz="2400" i="1" dirty="0" err="1" smtClean="0"/>
-              <a:t>smart</a:t>
-            </a:r>
-            <a:r>
-              <a:rPr lang="pt-BR" sz="2400" i="1" dirty="0" smtClean="0"/>
-              <a:t> pointers</a:t>
-            </a:r>
-            <a:r>
-              <a:rPr lang="pt-BR" sz="2400" dirty="0" smtClean="0"/>
-              <a:t>!</a:t>
-            </a:r>
-          </a:p>
-          <a:p>
-            <a:pPr marL="285750" indent="-285750" algn="just">
-              <a:buFont typeface="Wingdings" panose="05000000000000000000" pitchFamily="2" charset="2"/>
-              <a:buChar char="Ø"/>
-            </a:pPr>
-            <a:endParaRPr lang="pt-BR" sz="2400" dirty="0" smtClean="0"/>
-          </a:p>
-          <a:p>
-            <a:pPr marL="285750" indent="-285750" algn="just">
-              <a:buFont typeface="Wingdings" panose="05000000000000000000" pitchFamily="2" charset="2"/>
-              <a:buChar char="Ø"/>
-            </a:pPr>
-            <a:r>
-              <a:rPr lang="pt-BR" sz="2400" dirty="0" smtClean="0"/>
-              <a:t> </a:t>
-            </a:r>
-            <a:r>
-              <a:rPr lang="pt-BR" sz="2400" dirty="0" err="1" smtClean="0">
-                <a:latin typeface="Courier New" panose="02070309020205020404" pitchFamily="49" charset="0"/>
-                <a:cs typeface="Courier New" panose="02070309020205020404" pitchFamily="49" charset="0"/>
-              </a:rPr>
-              <a:t>vtkSmartPointer</a:t>
-            </a:r>
-            <a:r>
-              <a:rPr lang="pt-BR" sz="2400" dirty="0" smtClean="0">
-                <a:latin typeface="Courier New" panose="02070309020205020404" pitchFamily="49" charset="0"/>
-                <a:cs typeface="Courier New" panose="02070309020205020404" pitchFamily="49" charset="0"/>
-              </a:rPr>
-              <a:t>&lt; </a:t>
-            </a:r>
-            <a:r>
-              <a:rPr lang="pt-BR" sz="2400" dirty="0" err="1" smtClean="0">
-                <a:latin typeface="Courier New" panose="02070309020205020404" pitchFamily="49" charset="0"/>
-                <a:cs typeface="Courier New" panose="02070309020205020404" pitchFamily="49" charset="0"/>
-              </a:rPr>
-              <a:t>vtk</a:t>
-            </a:r>
-            <a:r>
-              <a:rPr lang="pt-BR" sz="2400" dirty="0" smtClean="0">
-                <a:latin typeface="Courier New" panose="02070309020205020404" pitchFamily="49" charset="0"/>
-                <a:cs typeface="Courier New" panose="02070309020205020404" pitchFamily="49" charset="0"/>
-              </a:rPr>
-              <a:t>* &gt;::New() </a:t>
-            </a:r>
-          </a:p>
-        </p:txBody>
-      </p:sp>
-      <p:pic>
-        <p:nvPicPr>
-          <p:cNvPr id="39" name="Imagem 38"/>
-          <p:cNvPicPr>
-            <a:picLocks noChangeAspect="1"/>
-          </p:cNvPicPr>
-          <p:nvPr/>
-        </p:nvPicPr>
-        <p:blipFill>
-          <a:blip r:embed="rId3">
-            <a:clrChange>
-              <a:clrFrom>
-                <a:srgbClr val="FFFFFF"/>
-              </a:clrFrom>
-              <a:clrTo>
-                <a:srgbClr val="FFFFFF">
-                  <a:alpha val="0"/>
-                </a:srgbClr>
-              </a:clrTo>
-            </a:clrChange>
-          </a:blip>
-          <a:stretch>
-            <a:fillRect/>
-          </a:stretch>
-        </p:blipFill>
-        <p:spPr>
-          <a:xfrm>
-            <a:off x="4235052" y="1861373"/>
-            <a:ext cx="1092122" cy="1008112"/>
-          </a:xfrm>
-          <a:prstGeom prst="rect">
-            <a:avLst/>
-          </a:prstGeom>
-          <a:ln>
-            <a:noFill/>
-          </a:ln>
-          <a:effectLst>
-            <a:outerShdw blurRad="292100" dist="139700" dir="2700000" algn="tl" rotWithShape="0">
-              <a:srgbClr val="333333">
-                <a:alpha val="65000"/>
-              </a:srgbClr>
-            </a:outerShdw>
-          </a:effectLst>
-        </p:spPr>
-      </p:pic>
-      <p:sp>
-        <p:nvSpPr>
-          <p:cNvPr id="40" name="CaixaDeTexto 39"/>
-          <p:cNvSpPr txBox="1"/>
-          <p:nvPr/>
-        </p:nvSpPr>
-        <p:spPr>
-          <a:xfrm>
-            <a:off x="2987824" y="908720"/>
-            <a:ext cx="4154984" cy="369332"/>
-          </a:xfrm>
-          <a:prstGeom prst="rect">
-            <a:avLst/>
-          </a:prstGeom>
-          <a:noFill/>
-        </p:spPr>
-        <p:txBody>
-          <a:bodyPr wrap="none" rtlCol="0">
-            <a:spAutoFit/>
-          </a:bodyPr>
-          <a:lstStyle/>
-          <a:p>
-            <a:r>
               <a:rPr lang="pt-BR" b="1" dirty="0" smtClean="0"/>
-              <a:t>4.1) Criando um aplicativo VTK elementar</a:t>
+              <a:t>3.3) </a:t>
+            </a:r>
+            <a:r>
+              <a:rPr lang="pt-BR" b="1" dirty="0" err="1" smtClean="0"/>
+              <a:t>Deploy</a:t>
             </a:r>
             <a:endParaRPr lang="pt-BR" b="1" dirty="0"/>
           </a:p>
@@ -12119,7 +15533,7 @@
     </p:spTree>
     <p:extLst>
       <p:ext uri="{BB962C8B-B14F-4D97-AF65-F5344CB8AC3E}">
-        <p14:creationId xmlns:p14="http://schemas.microsoft.com/office/powerpoint/2010/main" val="3717946208"/>
+        <p14:creationId xmlns:p14="http://schemas.microsoft.com/office/powerpoint/2010/main" val="1158625077"/>
       </p:ext>
     </p:extLst>
   </p:cSld>

--- a/aulas_3dias/slides_3dias.pptx
+++ b/aulas_3dias/slides_3dias.pptx
@@ -5,7 +5,7 @@
     <p:sldMasterId id="2147483648" r:id="rId1"/>
   </p:sldMasterIdLst>
   <p:notesMasterIdLst>
-    <p:notesMasterId r:id="rId35"/>
+    <p:notesMasterId r:id="rId38"/>
   </p:notesMasterIdLst>
   <p:sldIdLst>
     <p:sldId id="258" r:id="rId2"/>
@@ -21,26 +21,29 @@
     <p:sldId id="267" r:id="rId12"/>
     <p:sldId id="268" r:id="rId13"/>
     <p:sldId id="289" r:id="rId14"/>
-    <p:sldId id="285" r:id="rId15"/>
-    <p:sldId id="286" r:id="rId16"/>
-    <p:sldId id="287" r:id="rId17"/>
-    <p:sldId id="288" r:id="rId18"/>
-    <p:sldId id="290" r:id="rId19"/>
-    <p:sldId id="291" r:id="rId20"/>
-    <p:sldId id="270" r:id="rId21"/>
-    <p:sldId id="271" r:id="rId22"/>
-    <p:sldId id="272" r:id="rId23"/>
-    <p:sldId id="273" r:id="rId24"/>
-    <p:sldId id="274" r:id="rId25"/>
-    <p:sldId id="275" r:id="rId26"/>
-    <p:sldId id="276" r:id="rId27"/>
-    <p:sldId id="277" r:id="rId28"/>
-    <p:sldId id="278" r:id="rId29"/>
-    <p:sldId id="279" r:id="rId30"/>
-    <p:sldId id="280" r:id="rId31"/>
-    <p:sldId id="281" r:id="rId32"/>
-    <p:sldId id="282" r:id="rId33"/>
-    <p:sldId id="283" r:id="rId34"/>
+    <p:sldId id="294" r:id="rId15"/>
+    <p:sldId id="285" r:id="rId16"/>
+    <p:sldId id="286" r:id="rId17"/>
+    <p:sldId id="287" r:id="rId18"/>
+    <p:sldId id="288" r:id="rId19"/>
+    <p:sldId id="290" r:id="rId20"/>
+    <p:sldId id="291" r:id="rId21"/>
+    <p:sldId id="292" r:id="rId22"/>
+    <p:sldId id="293" r:id="rId23"/>
+    <p:sldId id="270" r:id="rId24"/>
+    <p:sldId id="271" r:id="rId25"/>
+    <p:sldId id="272" r:id="rId26"/>
+    <p:sldId id="273" r:id="rId27"/>
+    <p:sldId id="274" r:id="rId28"/>
+    <p:sldId id="275" r:id="rId29"/>
+    <p:sldId id="276" r:id="rId30"/>
+    <p:sldId id="277" r:id="rId31"/>
+    <p:sldId id="278" r:id="rId32"/>
+    <p:sldId id="279" r:id="rId33"/>
+    <p:sldId id="280" r:id="rId34"/>
+    <p:sldId id="281" r:id="rId35"/>
+    <p:sldId id="282" r:id="rId36"/>
+    <p:sldId id="283" r:id="rId37"/>
   </p:sldIdLst>
   <p:sldSz cx="9144000" cy="6858000" type="screen4x3"/>
   <p:notesSz cx="6858000" cy="9144000"/>
@@ -240,7 +243,7 @@
           <a:p>
             <a:fld id="{3FDA2B63-9726-4330-BBC3-D46B5CC46B61}" type="datetimeFigureOut">
               <a:rPr lang="pt-BR" smtClean="0"/>
-              <a:t>03/05/2019</a:t>
+              <a:t>08/05/2019</a:t>
             </a:fld>
             <a:endParaRPr lang="pt-BR"/>
           </a:p>
@@ -666,7 +669,7 @@
     </p:spTree>
     <p:extLst>
       <p:ext uri="{BB962C8B-B14F-4D97-AF65-F5344CB8AC3E}">
-        <p14:creationId xmlns:p14="http://schemas.microsoft.com/office/powerpoint/2010/main" val="1856236287"/>
+        <p14:creationId xmlns:p14="http://schemas.microsoft.com/office/powerpoint/2010/main" val="1740967797"/>
       </p:ext>
     </p:extLst>
   </p:cSld>
@@ -750,7 +753,7 @@
     </p:spTree>
     <p:extLst>
       <p:ext uri="{BB962C8B-B14F-4D97-AF65-F5344CB8AC3E}">
-        <p14:creationId xmlns:p14="http://schemas.microsoft.com/office/powerpoint/2010/main" val="2366148113"/>
+        <p14:creationId xmlns:p14="http://schemas.microsoft.com/office/powerpoint/2010/main" val="1856236287"/>
       </p:ext>
     </p:extLst>
   </p:cSld>
@@ -834,7 +837,7 @@
     </p:spTree>
     <p:extLst>
       <p:ext uri="{BB962C8B-B14F-4D97-AF65-F5344CB8AC3E}">
-        <p14:creationId xmlns:p14="http://schemas.microsoft.com/office/powerpoint/2010/main" val="1267129821"/>
+        <p14:creationId xmlns:p14="http://schemas.microsoft.com/office/powerpoint/2010/main" val="2323619707"/>
       </p:ext>
     </p:extLst>
   </p:cSld>
@@ -918,7 +921,7 @@
     </p:spTree>
     <p:extLst>
       <p:ext uri="{BB962C8B-B14F-4D97-AF65-F5344CB8AC3E}">
-        <p14:creationId xmlns:p14="http://schemas.microsoft.com/office/powerpoint/2010/main" val="2607924494"/>
+        <p14:creationId xmlns:p14="http://schemas.microsoft.com/office/powerpoint/2010/main" val="1076945236"/>
       </p:ext>
     </p:extLst>
   </p:cSld>
@@ -1002,7 +1005,7 @@
     </p:spTree>
     <p:extLst>
       <p:ext uri="{BB962C8B-B14F-4D97-AF65-F5344CB8AC3E}">
-        <p14:creationId xmlns:p14="http://schemas.microsoft.com/office/powerpoint/2010/main" val="3717476772"/>
+        <p14:creationId xmlns:p14="http://schemas.microsoft.com/office/powerpoint/2010/main" val="2366148113"/>
       </p:ext>
     </p:extLst>
   </p:cSld>
@@ -1086,7 +1089,7 @@
     </p:spTree>
     <p:extLst>
       <p:ext uri="{BB962C8B-B14F-4D97-AF65-F5344CB8AC3E}">
-        <p14:creationId xmlns:p14="http://schemas.microsoft.com/office/powerpoint/2010/main" val="3745824210"/>
+        <p14:creationId xmlns:p14="http://schemas.microsoft.com/office/powerpoint/2010/main" val="1267129821"/>
       </p:ext>
     </p:extLst>
   </p:cSld>
@@ -1170,7 +1173,7 @@
     </p:spTree>
     <p:extLst>
       <p:ext uri="{BB962C8B-B14F-4D97-AF65-F5344CB8AC3E}">
-        <p14:creationId xmlns:p14="http://schemas.microsoft.com/office/powerpoint/2010/main" val="2095654408"/>
+        <p14:creationId xmlns:p14="http://schemas.microsoft.com/office/powerpoint/2010/main" val="2607924494"/>
       </p:ext>
     </p:extLst>
   </p:cSld>
@@ -1254,7 +1257,7 @@
     </p:spTree>
     <p:extLst>
       <p:ext uri="{BB962C8B-B14F-4D97-AF65-F5344CB8AC3E}">
-        <p14:creationId xmlns:p14="http://schemas.microsoft.com/office/powerpoint/2010/main" val="3906118446"/>
+        <p14:creationId xmlns:p14="http://schemas.microsoft.com/office/powerpoint/2010/main" val="3717476772"/>
       </p:ext>
     </p:extLst>
   </p:cSld>
@@ -1338,7 +1341,7 @@
     </p:spTree>
     <p:extLst>
       <p:ext uri="{BB962C8B-B14F-4D97-AF65-F5344CB8AC3E}">
-        <p14:creationId xmlns:p14="http://schemas.microsoft.com/office/powerpoint/2010/main" val="3314503402"/>
+        <p14:creationId xmlns:p14="http://schemas.microsoft.com/office/powerpoint/2010/main" val="3745824210"/>
       </p:ext>
     </p:extLst>
   </p:cSld>
@@ -1422,7 +1425,7 @@
     </p:spTree>
     <p:extLst>
       <p:ext uri="{BB962C8B-B14F-4D97-AF65-F5344CB8AC3E}">
-        <p14:creationId xmlns:p14="http://schemas.microsoft.com/office/powerpoint/2010/main" val="3768046969"/>
+        <p14:creationId xmlns:p14="http://schemas.microsoft.com/office/powerpoint/2010/main" val="2095654408"/>
       </p:ext>
     </p:extLst>
   </p:cSld>
@@ -1590,7 +1593,7 @@
     </p:spTree>
     <p:extLst>
       <p:ext uri="{BB962C8B-B14F-4D97-AF65-F5344CB8AC3E}">
-        <p14:creationId xmlns:p14="http://schemas.microsoft.com/office/powerpoint/2010/main" val="4269829074"/>
+        <p14:creationId xmlns:p14="http://schemas.microsoft.com/office/powerpoint/2010/main" val="3906118446"/>
       </p:ext>
     </p:extLst>
   </p:cSld>
@@ -1674,7 +1677,7 @@
     </p:spTree>
     <p:extLst>
       <p:ext uri="{BB962C8B-B14F-4D97-AF65-F5344CB8AC3E}">
-        <p14:creationId xmlns:p14="http://schemas.microsoft.com/office/powerpoint/2010/main" val="785103576"/>
+        <p14:creationId xmlns:p14="http://schemas.microsoft.com/office/powerpoint/2010/main" val="3314503402"/>
       </p:ext>
     </p:extLst>
   </p:cSld>
@@ -1758,7 +1761,7 @@
     </p:spTree>
     <p:extLst>
       <p:ext uri="{BB962C8B-B14F-4D97-AF65-F5344CB8AC3E}">
-        <p14:creationId xmlns:p14="http://schemas.microsoft.com/office/powerpoint/2010/main" val="2568763623"/>
+        <p14:creationId xmlns:p14="http://schemas.microsoft.com/office/powerpoint/2010/main" val="3768046969"/>
       </p:ext>
     </p:extLst>
   </p:cSld>
@@ -1842,7 +1845,7 @@
     </p:spTree>
     <p:extLst>
       <p:ext uri="{BB962C8B-B14F-4D97-AF65-F5344CB8AC3E}">
-        <p14:creationId xmlns:p14="http://schemas.microsoft.com/office/powerpoint/2010/main" val="1276811389"/>
+        <p14:creationId xmlns:p14="http://schemas.microsoft.com/office/powerpoint/2010/main" val="4269829074"/>
       </p:ext>
     </p:extLst>
   </p:cSld>
@@ -1918,6 +1921,258 @@
             <a:fld id="{1A618A8B-0752-40D5-9454-79BB13FA29FA}" type="slidenum">
               <a:rPr lang="pt-BR" smtClean="0"/>
               <a:t>33</a:t>
+            </a:fld>
+            <a:endParaRPr lang="pt-BR"/>
+          </a:p>
+        </p:txBody>
+      </p:sp>
+    </p:spTree>
+    <p:extLst>
+      <p:ext uri="{BB962C8B-B14F-4D97-AF65-F5344CB8AC3E}">
+        <p14:creationId xmlns:p14="http://schemas.microsoft.com/office/powerpoint/2010/main" val="785103576"/>
+      </p:ext>
+    </p:extLst>
+  </p:cSld>
+  <p:clrMapOvr>
+    <a:masterClrMapping/>
+  </p:clrMapOvr>
+</p:notes>
+</file>
+
+<file path=ppt/notesSlides/notesSlide25.xml><?xml version="1.0" encoding="utf-8"?>
+<p:notes xmlns:a="http://schemas.openxmlformats.org/drawingml/2006/main" xmlns:r="http://schemas.openxmlformats.org/officeDocument/2006/relationships" xmlns:p="http://schemas.openxmlformats.org/presentationml/2006/main">
+  <p:cSld>
+    <p:spTree>
+      <p:nvGrpSpPr>
+        <p:cNvPr id="1" name=""/>
+        <p:cNvGrpSpPr/>
+        <p:nvPr/>
+      </p:nvGrpSpPr>
+      <p:grpSpPr>
+        <a:xfrm>
+          <a:off x="0" y="0"/>
+          <a:ext cx="0" cy="0"/>
+          <a:chOff x="0" y="0"/>
+          <a:chExt cx="0" cy="0"/>
+        </a:xfrm>
+      </p:grpSpPr>
+      <p:sp>
+        <p:nvSpPr>
+          <p:cNvPr id="2" name="Espaço Reservado para Imagem de Slide 1"/>
+          <p:cNvSpPr>
+            <a:spLocks noGrp="1" noRot="1" noChangeAspect="1"/>
+          </p:cNvSpPr>
+          <p:nvPr>
+            <p:ph type="sldImg"/>
+          </p:nvPr>
+        </p:nvSpPr>
+        <p:spPr/>
+      </p:sp>
+      <p:sp>
+        <p:nvSpPr>
+          <p:cNvPr id="3" name="Espaço Reservado para Anotações 2"/>
+          <p:cNvSpPr>
+            <a:spLocks noGrp="1"/>
+          </p:cNvSpPr>
+          <p:nvPr>
+            <p:ph type="body" idx="1"/>
+          </p:nvPr>
+        </p:nvSpPr>
+        <p:spPr/>
+        <p:txBody>
+          <a:bodyPr/>
+          <a:lstStyle/>
+          <a:p>
+            <a:endParaRPr lang="pt-BR" dirty="0"/>
+          </a:p>
+        </p:txBody>
+      </p:sp>
+      <p:sp>
+        <p:nvSpPr>
+          <p:cNvPr id="4" name="Espaço Reservado para Número de Slide 3"/>
+          <p:cNvSpPr>
+            <a:spLocks noGrp="1"/>
+          </p:cNvSpPr>
+          <p:nvPr>
+            <p:ph type="sldNum" sz="quarter" idx="10"/>
+          </p:nvPr>
+        </p:nvSpPr>
+        <p:spPr/>
+        <p:txBody>
+          <a:bodyPr/>
+          <a:lstStyle/>
+          <a:p>
+            <a:fld id="{1A618A8B-0752-40D5-9454-79BB13FA29FA}" type="slidenum">
+              <a:rPr lang="pt-BR" smtClean="0"/>
+              <a:t>34</a:t>
+            </a:fld>
+            <a:endParaRPr lang="pt-BR"/>
+          </a:p>
+        </p:txBody>
+      </p:sp>
+    </p:spTree>
+    <p:extLst>
+      <p:ext uri="{BB962C8B-B14F-4D97-AF65-F5344CB8AC3E}">
+        <p14:creationId xmlns:p14="http://schemas.microsoft.com/office/powerpoint/2010/main" val="2568763623"/>
+      </p:ext>
+    </p:extLst>
+  </p:cSld>
+  <p:clrMapOvr>
+    <a:masterClrMapping/>
+  </p:clrMapOvr>
+</p:notes>
+</file>
+
+<file path=ppt/notesSlides/notesSlide26.xml><?xml version="1.0" encoding="utf-8"?>
+<p:notes xmlns:a="http://schemas.openxmlformats.org/drawingml/2006/main" xmlns:r="http://schemas.openxmlformats.org/officeDocument/2006/relationships" xmlns:p="http://schemas.openxmlformats.org/presentationml/2006/main">
+  <p:cSld>
+    <p:spTree>
+      <p:nvGrpSpPr>
+        <p:cNvPr id="1" name=""/>
+        <p:cNvGrpSpPr/>
+        <p:nvPr/>
+      </p:nvGrpSpPr>
+      <p:grpSpPr>
+        <a:xfrm>
+          <a:off x="0" y="0"/>
+          <a:ext cx="0" cy="0"/>
+          <a:chOff x="0" y="0"/>
+          <a:chExt cx="0" cy="0"/>
+        </a:xfrm>
+      </p:grpSpPr>
+      <p:sp>
+        <p:nvSpPr>
+          <p:cNvPr id="2" name="Espaço Reservado para Imagem de Slide 1"/>
+          <p:cNvSpPr>
+            <a:spLocks noGrp="1" noRot="1" noChangeAspect="1"/>
+          </p:cNvSpPr>
+          <p:nvPr>
+            <p:ph type="sldImg"/>
+          </p:nvPr>
+        </p:nvSpPr>
+        <p:spPr/>
+      </p:sp>
+      <p:sp>
+        <p:nvSpPr>
+          <p:cNvPr id="3" name="Espaço Reservado para Anotações 2"/>
+          <p:cNvSpPr>
+            <a:spLocks noGrp="1"/>
+          </p:cNvSpPr>
+          <p:nvPr>
+            <p:ph type="body" idx="1"/>
+          </p:nvPr>
+        </p:nvSpPr>
+        <p:spPr/>
+        <p:txBody>
+          <a:bodyPr/>
+          <a:lstStyle/>
+          <a:p>
+            <a:endParaRPr lang="pt-BR" dirty="0"/>
+          </a:p>
+        </p:txBody>
+      </p:sp>
+      <p:sp>
+        <p:nvSpPr>
+          <p:cNvPr id="4" name="Espaço Reservado para Número de Slide 3"/>
+          <p:cNvSpPr>
+            <a:spLocks noGrp="1"/>
+          </p:cNvSpPr>
+          <p:nvPr>
+            <p:ph type="sldNum" sz="quarter" idx="10"/>
+          </p:nvPr>
+        </p:nvSpPr>
+        <p:spPr/>
+        <p:txBody>
+          <a:bodyPr/>
+          <a:lstStyle/>
+          <a:p>
+            <a:fld id="{1A618A8B-0752-40D5-9454-79BB13FA29FA}" type="slidenum">
+              <a:rPr lang="pt-BR" smtClean="0"/>
+              <a:t>35</a:t>
+            </a:fld>
+            <a:endParaRPr lang="pt-BR"/>
+          </a:p>
+        </p:txBody>
+      </p:sp>
+    </p:spTree>
+    <p:extLst>
+      <p:ext uri="{BB962C8B-B14F-4D97-AF65-F5344CB8AC3E}">
+        <p14:creationId xmlns:p14="http://schemas.microsoft.com/office/powerpoint/2010/main" val="1276811389"/>
+      </p:ext>
+    </p:extLst>
+  </p:cSld>
+  <p:clrMapOvr>
+    <a:masterClrMapping/>
+  </p:clrMapOvr>
+</p:notes>
+</file>
+
+<file path=ppt/notesSlides/notesSlide27.xml><?xml version="1.0" encoding="utf-8"?>
+<p:notes xmlns:a="http://schemas.openxmlformats.org/drawingml/2006/main" xmlns:r="http://schemas.openxmlformats.org/officeDocument/2006/relationships" xmlns:p="http://schemas.openxmlformats.org/presentationml/2006/main">
+  <p:cSld>
+    <p:spTree>
+      <p:nvGrpSpPr>
+        <p:cNvPr id="1" name=""/>
+        <p:cNvGrpSpPr/>
+        <p:nvPr/>
+      </p:nvGrpSpPr>
+      <p:grpSpPr>
+        <a:xfrm>
+          <a:off x="0" y="0"/>
+          <a:ext cx="0" cy="0"/>
+          <a:chOff x="0" y="0"/>
+          <a:chExt cx="0" cy="0"/>
+        </a:xfrm>
+      </p:grpSpPr>
+      <p:sp>
+        <p:nvSpPr>
+          <p:cNvPr id="2" name="Espaço Reservado para Imagem de Slide 1"/>
+          <p:cNvSpPr>
+            <a:spLocks noGrp="1" noRot="1" noChangeAspect="1"/>
+          </p:cNvSpPr>
+          <p:nvPr>
+            <p:ph type="sldImg"/>
+          </p:nvPr>
+        </p:nvSpPr>
+        <p:spPr/>
+      </p:sp>
+      <p:sp>
+        <p:nvSpPr>
+          <p:cNvPr id="3" name="Espaço Reservado para Anotações 2"/>
+          <p:cNvSpPr>
+            <a:spLocks noGrp="1"/>
+          </p:cNvSpPr>
+          <p:nvPr>
+            <p:ph type="body" idx="1"/>
+          </p:nvPr>
+        </p:nvSpPr>
+        <p:spPr/>
+        <p:txBody>
+          <a:bodyPr/>
+          <a:lstStyle/>
+          <a:p>
+            <a:endParaRPr lang="pt-BR" dirty="0"/>
+          </a:p>
+        </p:txBody>
+      </p:sp>
+      <p:sp>
+        <p:nvSpPr>
+          <p:cNvPr id="4" name="Espaço Reservado para Número de Slide 3"/>
+          <p:cNvSpPr>
+            <a:spLocks noGrp="1"/>
+          </p:cNvSpPr>
+          <p:nvPr>
+            <p:ph type="sldNum" sz="quarter" idx="10"/>
+          </p:nvPr>
+        </p:nvSpPr>
+        <p:spPr/>
+        <p:txBody>
+          <a:bodyPr/>
+          <a:lstStyle/>
+          <a:p>
+            <a:fld id="{1A618A8B-0752-40D5-9454-79BB13FA29FA}" type="slidenum">
+              <a:rPr lang="pt-BR" smtClean="0"/>
+              <a:t>36</a:t>
             </a:fld>
             <a:endParaRPr lang="pt-BR"/>
           </a:p>
@@ -2178,7 +2433,7 @@
     </p:spTree>
     <p:extLst>
       <p:ext uri="{BB962C8B-B14F-4D97-AF65-F5344CB8AC3E}">
-        <p14:creationId xmlns:p14="http://schemas.microsoft.com/office/powerpoint/2010/main" val="2321915418"/>
+        <p14:creationId xmlns:p14="http://schemas.microsoft.com/office/powerpoint/2010/main" val="3783503954"/>
       </p:ext>
     </p:extLst>
   </p:cSld>
@@ -2262,7 +2517,7 @@
     </p:spTree>
     <p:extLst>
       <p:ext uri="{BB962C8B-B14F-4D97-AF65-F5344CB8AC3E}">
-        <p14:creationId xmlns:p14="http://schemas.microsoft.com/office/powerpoint/2010/main" val="3985887250"/>
+        <p14:creationId xmlns:p14="http://schemas.microsoft.com/office/powerpoint/2010/main" val="2321915418"/>
       </p:ext>
     </p:extLst>
   </p:cSld>
@@ -2346,7 +2601,7 @@
     </p:spTree>
     <p:extLst>
       <p:ext uri="{BB962C8B-B14F-4D97-AF65-F5344CB8AC3E}">
-        <p14:creationId xmlns:p14="http://schemas.microsoft.com/office/powerpoint/2010/main" val="400615553"/>
+        <p14:creationId xmlns:p14="http://schemas.microsoft.com/office/powerpoint/2010/main" val="3985887250"/>
       </p:ext>
     </p:extLst>
   </p:cSld>
@@ -2430,7 +2685,7 @@
     </p:spTree>
     <p:extLst>
       <p:ext uri="{BB962C8B-B14F-4D97-AF65-F5344CB8AC3E}">
-        <p14:creationId xmlns:p14="http://schemas.microsoft.com/office/powerpoint/2010/main" val="425529066"/>
+        <p14:creationId xmlns:p14="http://schemas.microsoft.com/office/powerpoint/2010/main" val="400615553"/>
       </p:ext>
     </p:extLst>
   </p:cSld>
@@ -2514,7 +2769,7 @@
     </p:spTree>
     <p:extLst>
       <p:ext uri="{BB962C8B-B14F-4D97-AF65-F5344CB8AC3E}">
-        <p14:creationId xmlns:p14="http://schemas.microsoft.com/office/powerpoint/2010/main" val="1740967797"/>
+        <p14:creationId xmlns:p14="http://schemas.microsoft.com/office/powerpoint/2010/main" val="425529066"/>
       </p:ext>
     </p:extLst>
   </p:cSld>
@@ -2624,7 +2879,7 @@
           <a:p>
             <a:fld id="{2E700DB3-DBF0-4086-B675-117E7A9610B8}" type="datetimeFigureOut">
               <a:rPr lang="pt-BR" smtClean="0"/>
-              <a:t>03/05/2019</a:t>
+              <a:t>08/05/2019</a:t>
             </a:fld>
             <a:endParaRPr lang="pt-BR"/>
           </a:p>
@@ -3085,7 +3340,7 @@
           <a:p>
             <a:fld id="{2E700DB3-DBF0-4086-B675-117E7A9610B8}" type="datetimeFigureOut">
               <a:rPr lang="pt-BR" smtClean="0"/>
-              <a:t>03/05/2019</a:t>
+              <a:t>08/05/2019</a:t>
             </a:fld>
             <a:endParaRPr lang="pt-BR"/>
           </a:p>
@@ -3260,7 +3515,7 @@
           <a:p>
             <a:fld id="{2E700DB3-DBF0-4086-B675-117E7A9610B8}" type="datetimeFigureOut">
               <a:rPr lang="pt-BR" smtClean="0"/>
-              <a:t>03/05/2019</a:t>
+              <a:t>08/05/2019</a:t>
             </a:fld>
             <a:endParaRPr lang="pt-BR"/>
           </a:p>
@@ -3425,7 +3680,7 @@
           <a:p>
             <a:fld id="{2E700DB3-DBF0-4086-B675-117E7A9610B8}" type="datetimeFigureOut">
               <a:rPr lang="pt-BR" smtClean="0"/>
-              <a:t>03/05/2019</a:t>
+              <a:t>08/05/2019</a:t>
             </a:fld>
             <a:endParaRPr lang="pt-BR"/>
           </a:p>
@@ -3792,7 +4047,7 @@
           <a:p>
             <a:fld id="{2E700DB3-DBF0-4086-B675-117E7A9610B8}" type="datetimeFigureOut">
               <a:rPr lang="pt-BR" smtClean="0"/>
-              <a:t>03/05/2019</a:t>
+              <a:t>08/05/2019</a:t>
             </a:fld>
             <a:endParaRPr lang="pt-BR"/>
           </a:p>
@@ -4075,7 +4330,7 @@
           <a:p>
             <a:fld id="{2E700DB3-DBF0-4086-B675-117E7A9610B8}" type="datetimeFigureOut">
               <a:rPr lang="pt-BR" smtClean="0"/>
-              <a:t>03/05/2019</a:t>
+              <a:t>08/05/2019</a:t>
             </a:fld>
             <a:endParaRPr lang="pt-BR"/>
           </a:p>
@@ -4492,7 +4747,7 @@
           <a:p>
             <a:fld id="{2E700DB3-DBF0-4086-B675-117E7A9610B8}" type="datetimeFigureOut">
               <a:rPr lang="pt-BR" smtClean="0"/>
-              <a:t>03/05/2019</a:t>
+              <a:t>08/05/2019</a:t>
             </a:fld>
             <a:endParaRPr lang="pt-BR"/>
           </a:p>
@@ -4605,7 +4860,7 @@
           <a:p>
             <a:fld id="{2E700DB3-DBF0-4086-B675-117E7A9610B8}" type="datetimeFigureOut">
               <a:rPr lang="pt-BR" smtClean="0"/>
-              <a:t>03/05/2019</a:t>
+              <a:t>08/05/2019</a:t>
             </a:fld>
             <a:endParaRPr lang="pt-BR"/>
           </a:p>
@@ -4695,7 +4950,7 @@
           <a:p>
             <a:fld id="{2E700DB3-DBF0-4086-B675-117E7A9610B8}" type="datetimeFigureOut">
               <a:rPr lang="pt-BR" smtClean="0"/>
-              <a:t>03/05/2019</a:t>
+              <a:t>08/05/2019</a:t>
             </a:fld>
             <a:endParaRPr lang="pt-BR"/>
           </a:p>
@@ -4967,7 +5222,7 @@
           <a:p>
             <a:fld id="{2E700DB3-DBF0-4086-B675-117E7A9610B8}" type="datetimeFigureOut">
               <a:rPr lang="pt-BR" smtClean="0"/>
-              <a:t>03/05/2019</a:t>
+              <a:t>08/05/2019</a:t>
             </a:fld>
             <a:endParaRPr lang="pt-BR"/>
           </a:p>
@@ -5215,7 +5470,7 @@
           <a:p>
             <a:fld id="{2E700DB3-DBF0-4086-B675-117E7A9610B8}" type="datetimeFigureOut">
               <a:rPr lang="pt-BR" smtClean="0"/>
-              <a:t>03/05/2019</a:t>
+              <a:t>08/05/2019</a:t>
             </a:fld>
             <a:endParaRPr lang="pt-BR"/>
           </a:p>
@@ -5423,7 +5678,7 @@
           <a:p>
             <a:fld id="{2E700DB3-DBF0-4086-B675-117E7A9610B8}" type="datetimeFigureOut">
               <a:rPr lang="pt-BR" smtClean="0"/>
-              <a:t>03/05/2019</a:t>
+              <a:t>08/05/2019</a:t>
             </a:fld>
             <a:endParaRPr lang="pt-BR"/>
           </a:p>
@@ -8813,102 +9068,16 @@
           </a:p>
         </p:txBody>
       </p:sp>
-      <p:pic>
-        <p:nvPicPr>
-          <p:cNvPr id="2" name="Imagem 1"/>
-          <p:cNvPicPr>
-            <a:picLocks noChangeAspect="1"/>
-          </p:cNvPicPr>
-          <p:nvPr/>
-        </p:nvPicPr>
-        <p:blipFill>
-          <a:blip r:embed="rId3"/>
-          <a:stretch>
-            <a:fillRect/>
-          </a:stretch>
-        </p:blipFill>
-        <p:spPr>
-          <a:xfrm>
-            <a:off x="241573" y="2204864"/>
-            <a:ext cx="4978499" cy="4146081"/>
-          </a:xfrm>
-          <a:prstGeom prst="rect">
-            <a:avLst/>
-          </a:prstGeom>
-          <a:ln>
-            <a:noFill/>
-          </a:ln>
-          <a:effectLst>
-            <a:outerShdw blurRad="292100" dist="139700" dir="2700000" algn="tl" rotWithShape="0">
-              <a:srgbClr val="333333">
-                <a:alpha val="65000"/>
-              </a:srgbClr>
-            </a:outerShdw>
-          </a:effectLst>
-        </p:spPr>
-      </p:pic>
-      <p:sp>
-        <p:nvSpPr>
-          <p:cNvPr id="3" name="Seta para baixo 2"/>
-          <p:cNvSpPr/>
-          <p:nvPr/>
-        </p:nvSpPr>
-        <p:spPr>
-          <a:xfrm rot="6517891">
-            <a:off x="4876821" y="2213448"/>
-            <a:ext cx="207162" cy="1704016"/>
-          </a:xfrm>
-          <a:prstGeom prst="downArrow">
-            <a:avLst/>
-          </a:prstGeom>
-          <a:pattFill prst="pct25">
-            <a:fgClr>
-              <a:schemeClr val="dk1"/>
-            </a:fgClr>
-            <a:bgClr>
-              <a:schemeClr val="bg1"/>
-            </a:bgClr>
-          </a:pattFill>
-        </p:spPr>
-        <p:style>
-          <a:lnRef idx="2">
-            <a:schemeClr val="dk1">
-              <a:shade val="50000"/>
-            </a:schemeClr>
-          </a:lnRef>
-          <a:fillRef idx="1">
-            <a:schemeClr val="dk1"/>
-          </a:fillRef>
-          <a:effectRef idx="0">
-            <a:schemeClr val="dk1"/>
-          </a:effectRef>
-          <a:fontRef idx="minor">
-            <a:schemeClr val="lt1"/>
-          </a:fontRef>
-        </p:style>
-        <p:txBody>
-          <a:bodyPr rtlCol="0" anchor="ctr"/>
-          <a:lstStyle/>
-          <a:p>
-            <a:pPr algn="ctr"/>
-            <a:endParaRPr lang="pt-BR" dirty="0" smtClean="0">
-              <a:solidFill>
-                <a:schemeClr val="tx1"/>
-              </a:solidFill>
-            </a:endParaRPr>
-          </a:p>
-        </p:txBody>
-      </p:sp>
-      <p:sp>
-        <p:nvSpPr>
-          <p:cNvPr id="5" name="CaixaDeTexto 4"/>
+      <p:sp>
+        <p:nvSpPr>
+          <p:cNvPr id="14" name="CaixaDeTexto 13"/>
           <p:cNvSpPr txBox="1"/>
           <p:nvPr/>
         </p:nvSpPr>
         <p:spPr>
           <a:xfrm>
-            <a:off x="5796136" y="3212976"/>
-            <a:ext cx="3088731" cy="369332"/>
+            <a:off x="1501325" y="3140968"/>
+            <a:ext cx="5573449" cy="338554"/>
           </a:xfrm>
           <a:prstGeom prst="rect">
             <a:avLst/>
@@ -8921,339 +9090,36 @@
           </a:bodyPr>
           <a:lstStyle/>
           <a:p>
-            <a:r>
-              <a:rPr lang="pt-BR" dirty="0" smtClean="0"/>
-              <a:t>onde está </a:t>
-            </a:r>
-            <a:r>
-              <a:rPr lang="pt-BR" dirty="0" smtClean="0">
-                <a:latin typeface="Courier New" panose="02070309020205020404" pitchFamily="49" charset="0"/>
-                <a:cs typeface="Courier New" panose="02070309020205020404" pitchFamily="49" charset="0"/>
-              </a:rPr>
-              <a:t>CMakeLists.txt</a:t>
-            </a:r>
-            <a:endParaRPr lang="pt-BR" dirty="0">
-              <a:latin typeface="Courier New" panose="02070309020205020404" pitchFamily="49" charset="0"/>
-              <a:cs typeface="Courier New" panose="02070309020205020404" pitchFamily="49" charset="0"/>
-            </a:endParaRPr>
-          </a:p>
-        </p:txBody>
-      </p:sp>
-      <p:sp>
-        <p:nvSpPr>
-          <p:cNvPr id="8" name="Seta para baixo 7"/>
-          <p:cNvSpPr/>
-          <p:nvPr/>
-        </p:nvSpPr>
-        <p:spPr>
-          <a:xfrm rot="6517891">
-            <a:off x="4768430" y="2492187"/>
-            <a:ext cx="207162" cy="1704016"/>
-          </a:xfrm>
-          <a:prstGeom prst="downArrow">
-            <a:avLst/>
-          </a:prstGeom>
-          <a:pattFill prst="pct25">
-            <a:fgClr>
-              <a:schemeClr val="dk1"/>
-            </a:fgClr>
-            <a:bgClr>
-              <a:schemeClr val="bg1"/>
-            </a:bgClr>
-          </a:pattFill>
-        </p:spPr>
-        <p:style>
-          <a:lnRef idx="2">
-            <a:schemeClr val="dk1">
-              <a:shade val="50000"/>
-            </a:schemeClr>
-          </a:lnRef>
-          <a:fillRef idx="1">
-            <a:schemeClr val="dk1"/>
-          </a:fillRef>
-          <a:effectRef idx="0">
-            <a:schemeClr val="dk1"/>
-          </a:effectRef>
-          <a:fontRef idx="minor">
-            <a:schemeClr val="lt1"/>
-          </a:fontRef>
-        </p:style>
-        <p:txBody>
-          <a:bodyPr rtlCol="0" anchor="ctr"/>
-          <a:lstStyle/>
-          <a:p>
-            <a:pPr algn="ctr"/>
-            <a:endParaRPr lang="pt-BR" dirty="0" smtClean="0">
-              <a:solidFill>
-                <a:schemeClr val="tx1"/>
-              </a:solidFill>
-            </a:endParaRPr>
-          </a:p>
-        </p:txBody>
-      </p:sp>
-      <p:sp>
-        <p:nvSpPr>
-          <p:cNvPr id="9" name="CaixaDeTexto 8"/>
-          <p:cNvSpPr txBox="1"/>
-          <p:nvPr/>
-        </p:nvSpPr>
-        <p:spPr>
-          <a:xfrm>
-            <a:off x="5652120" y="3545433"/>
-            <a:ext cx="2977610" cy="369332"/>
-          </a:xfrm>
-          <a:prstGeom prst="rect">
-            <a:avLst/>
-          </a:prstGeom>
-          <a:noFill/>
-        </p:spPr>
-        <p:txBody>
-          <a:bodyPr wrap="none" rtlCol="0">
-            <a:spAutoFit/>
-          </a:bodyPr>
-          <a:lstStyle/>
-          <a:p>
-            <a:r>
-              <a:rPr lang="pt-BR" dirty="0" smtClean="0"/>
-              <a:t>onde </a:t>
-            </a:r>
-            <a:r>
-              <a:rPr lang="pt-BR" dirty="0" err="1" smtClean="0"/>
-              <a:t>MOCs</a:t>
-            </a:r>
-            <a:r>
-              <a:rPr lang="pt-BR" dirty="0" smtClean="0"/>
-              <a:t>, </a:t>
-            </a:r>
-            <a:r>
-              <a:rPr lang="pt-BR" dirty="0" err="1" smtClean="0"/>
-              <a:t>OBJs</a:t>
-            </a:r>
-            <a:r>
-              <a:rPr lang="pt-BR" dirty="0" smtClean="0"/>
-              <a:t>, etc. ficarão</a:t>
-            </a:r>
-            <a:endParaRPr lang="pt-BR" dirty="0">
-              <a:latin typeface="Courier New" panose="02070309020205020404" pitchFamily="49" charset="0"/>
-              <a:cs typeface="Courier New" panose="02070309020205020404" pitchFamily="49" charset="0"/>
-            </a:endParaRPr>
-          </a:p>
-        </p:txBody>
-      </p:sp>
-      <p:sp>
-        <p:nvSpPr>
-          <p:cNvPr id="10" name="Seta para baixo 9"/>
-          <p:cNvSpPr/>
-          <p:nvPr/>
-        </p:nvSpPr>
-        <p:spPr>
-          <a:xfrm rot="6517891">
-            <a:off x="1601322" y="4171481"/>
-            <a:ext cx="207162" cy="1704016"/>
-          </a:xfrm>
-          <a:prstGeom prst="downArrow">
-            <a:avLst/>
-          </a:prstGeom>
-          <a:pattFill prst="pct25">
-            <a:fgClr>
-              <a:schemeClr val="dk1"/>
-            </a:fgClr>
-            <a:bgClr>
-              <a:schemeClr val="bg1"/>
-            </a:bgClr>
-          </a:pattFill>
-        </p:spPr>
-        <p:style>
-          <a:lnRef idx="2">
-            <a:schemeClr val="dk1">
-              <a:shade val="50000"/>
-            </a:schemeClr>
-          </a:lnRef>
-          <a:fillRef idx="1">
-            <a:schemeClr val="dk1"/>
-          </a:fillRef>
-          <a:effectRef idx="0">
-            <a:schemeClr val="dk1"/>
-          </a:effectRef>
-          <a:fontRef idx="minor">
-            <a:schemeClr val="lt1"/>
-          </a:fontRef>
-        </p:style>
-        <p:txBody>
-          <a:bodyPr rtlCol="0" anchor="ctr"/>
-          <a:lstStyle/>
-          <a:p>
-            <a:pPr algn="ctr"/>
-            <a:endParaRPr lang="pt-BR" dirty="0" smtClean="0">
-              <a:solidFill>
-                <a:schemeClr val="tx1"/>
-              </a:solidFill>
-            </a:endParaRPr>
-          </a:p>
-        </p:txBody>
-      </p:sp>
-      <p:sp>
-        <p:nvSpPr>
-          <p:cNvPr id="11" name="CaixaDeTexto 10"/>
-          <p:cNvSpPr txBox="1"/>
-          <p:nvPr/>
-        </p:nvSpPr>
-        <p:spPr>
-          <a:xfrm>
-            <a:off x="1192746" y="5301208"/>
-            <a:ext cx="3122586" cy="646331"/>
-          </a:xfrm>
-          <a:prstGeom prst="rect">
-            <a:avLst/>
-          </a:prstGeom>
-          <a:noFill/>
-        </p:spPr>
-        <p:txBody>
-          <a:bodyPr wrap="none" rtlCol="0">
-            <a:spAutoFit/>
-          </a:bodyPr>
-          <a:lstStyle/>
-          <a:p>
-            <a:pPr algn="ctr"/>
-            <a:r>
-              <a:rPr lang="pt-BR" dirty="0" smtClean="0"/>
-              <a:t>pressione para começar o ciclo </a:t>
-            </a:r>
-          </a:p>
-          <a:p>
-            <a:pPr algn="ctr"/>
-            <a:r>
-              <a:rPr lang="pt-BR" dirty="0" smtClean="0"/>
-              <a:t>de configuração</a:t>
-            </a:r>
-            <a:endParaRPr lang="pt-BR" dirty="0">
-              <a:latin typeface="Courier New" panose="02070309020205020404" pitchFamily="49" charset="0"/>
-              <a:cs typeface="Courier New" panose="02070309020205020404" pitchFamily="49" charset="0"/>
-            </a:endParaRPr>
-          </a:p>
-        </p:txBody>
-      </p:sp>
-      <p:sp>
-        <p:nvSpPr>
-          <p:cNvPr id="12" name="Seta para baixo 11"/>
-          <p:cNvSpPr/>
-          <p:nvPr/>
-        </p:nvSpPr>
-        <p:spPr>
-          <a:xfrm>
-            <a:off x="7596336" y="2764921"/>
-            <a:ext cx="207162" cy="521576"/>
-          </a:xfrm>
-          <a:prstGeom prst="downArrow">
-            <a:avLst/>
-          </a:prstGeom>
-          <a:pattFill prst="pct25">
-            <a:fgClr>
-              <a:schemeClr val="dk1"/>
-            </a:fgClr>
-            <a:bgClr>
-              <a:schemeClr val="bg1"/>
-            </a:bgClr>
-          </a:pattFill>
-        </p:spPr>
-        <p:style>
-          <a:lnRef idx="2">
-            <a:schemeClr val="dk1">
-              <a:shade val="50000"/>
-            </a:schemeClr>
-          </a:lnRef>
-          <a:fillRef idx="1">
-            <a:schemeClr val="dk1"/>
-          </a:fillRef>
-          <a:effectRef idx="0">
-            <a:schemeClr val="dk1"/>
-          </a:effectRef>
-          <a:fontRef idx="minor">
-            <a:schemeClr val="lt1"/>
-          </a:fontRef>
-        </p:style>
-        <p:txBody>
-          <a:bodyPr rtlCol="0" anchor="ctr"/>
-          <a:lstStyle/>
-          <a:p>
-            <a:pPr algn="ctr"/>
-            <a:endParaRPr lang="pt-BR" dirty="0" smtClean="0">
-              <a:solidFill>
-                <a:schemeClr val="tx1"/>
-              </a:solidFill>
-            </a:endParaRPr>
-          </a:p>
-        </p:txBody>
-      </p:sp>
-      <p:sp>
-        <p:nvSpPr>
-          <p:cNvPr id="6" name="CaixaDeTexto 5"/>
-          <p:cNvSpPr txBox="1"/>
-          <p:nvPr/>
-        </p:nvSpPr>
-        <p:spPr>
-          <a:xfrm>
-            <a:off x="6667381" y="2411596"/>
-            <a:ext cx="2081083" cy="369332"/>
-          </a:xfrm>
-          <a:prstGeom prst="rect">
-            <a:avLst/>
-          </a:prstGeom>
-          <a:noFill/>
-        </p:spPr>
-        <p:txBody>
-          <a:bodyPr wrap="none" rtlCol="0">
-            <a:spAutoFit/>
-          </a:bodyPr>
-          <a:lstStyle/>
-          <a:p>
-            <a:r>
-              <a:rPr lang="pt-BR" dirty="0" smtClean="0"/>
-              <a:t>definição do projeto</a:t>
-            </a:r>
-            <a:endParaRPr lang="pt-BR" dirty="0"/>
-          </a:p>
-        </p:txBody>
-      </p:sp>
-      <p:sp>
-        <p:nvSpPr>
-          <p:cNvPr id="14" name="CaixaDeTexto 13"/>
-          <p:cNvSpPr txBox="1"/>
-          <p:nvPr/>
-        </p:nvSpPr>
-        <p:spPr>
-          <a:xfrm>
-            <a:off x="263696" y="1650286"/>
-            <a:ext cx="5654177" cy="338554"/>
-          </a:xfrm>
-          <a:prstGeom prst="rect">
-            <a:avLst/>
-          </a:prstGeom>
-          <a:noFill/>
-        </p:spPr>
-        <p:txBody>
-          <a:bodyPr wrap="none" rtlCol="0">
-            <a:spAutoFit/>
-          </a:bodyPr>
-          <a:lstStyle/>
-          <a:p>
             <a:pPr marL="285750" indent="-285750">
               <a:buFont typeface="Wingdings" panose="05000000000000000000" pitchFamily="2" charset="2"/>
               <a:buChar char="Ø"/>
             </a:pPr>
             <a:r>
               <a:rPr lang="pt-BR" sz="1600" dirty="0" smtClean="0"/>
-              <a:t>Iniciar a configuração da compilação do aplicativo no </a:t>
-            </a:r>
-            <a:r>
-              <a:rPr lang="pt-BR" sz="1600" dirty="0" err="1" smtClean="0"/>
-              <a:t>CMake</a:t>
+              <a:t>F</a:t>
             </a:r>
             <a:r>
               <a:rPr lang="pt-BR" sz="1600" dirty="0" smtClean="0"/>
-              <a:t>.</a:t>
-            </a:r>
-            <a:endParaRPr lang="pt-BR" sz="1600" dirty="0"/>
+              <a:t>ontes: </a:t>
+            </a:r>
+            <a:r>
+              <a:rPr lang="pt-BR" sz="1600" dirty="0" smtClean="0">
+                <a:latin typeface="Courier New" panose="02070309020205020404" pitchFamily="49" charset="0"/>
+                <a:cs typeface="Courier New" panose="02070309020205020404" pitchFamily="49" charset="0"/>
+              </a:rPr>
+              <a:t>...\</a:t>
+            </a:r>
+            <a:r>
+              <a:rPr lang="pt-BR" sz="1600" dirty="0">
+                <a:latin typeface="Courier New" panose="02070309020205020404" pitchFamily="49" charset="0"/>
+                <a:cs typeface="Courier New" panose="02070309020205020404" pitchFamily="49" charset="0"/>
+              </a:rPr>
+              <a:t>cursoVTKgeo\aulas_3dias\HelloVTK</a:t>
+            </a:r>
+            <a:endParaRPr lang="pt-BR" sz="1600" dirty="0">
+              <a:latin typeface="Courier New" panose="02070309020205020404" pitchFamily="49" charset="0"/>
+              <a:cs typeface="Courier New" panose="02070309020205020404" pitchFamily="49" charset="0"/>
+            </a:endParaRPr>
           </a:p>
         </p:txBody>
       </p:sp>
@@ -9296,7 +9162,7 @@
       </p:grpSpPr>
       <p:pic>
         <p:nvPicPr>
-          <p:cNvPr id="13" name="Imagem 12"/>
+          <p:cNvPr id="7" name="Imagem 6"/>
           <p:cNvPicPr>
             <a:picLocks noChangeAspect="1"/>
           </p:cNvPicPr>
@@ -9310,8 +9176,8 @@
         </p:blipFill>
         <p:spPr>
           <a:xfrm>
-            <a:off x="410344" y="2962171"/>
-            <a:ext cx="3127613" cy="2858834"/>
+            <a:off x="250334" y="2298994"/>
+            <a:ext cx="5152248" cy="4104456"/>
           </a:xfrm>
           <a:prstGeom prst="rect">
             <a:avLst/>
@@ -9436,14 +9302,14 @@
       </p:sp>
       <p:sp>
         <p:nvSpPr>
-          <p:cNvPr id="8" name="Seta para baixo 7"/>
+          <p:cNvPr id="3" name="Seta para baixo 2"/>
           <p:cNvSpPr/>
           <p:nvPr/>
         </p:nvSpPr>
         <p:spPr>
           <a:xfrm rot="6517891">
-            <a:off x="3182833" y="3635815"/>
-            <a:ext cx="202327" cy="3106201"/>
+            <a:off x="4876821" y="2213448"/>
+            <a:ext cx="207162" cy="1704016"/>
           </a:xfrm>
           <a:prstGeom prst="downArrow">
             <a:avLst/>
@@ -9488,14 +9354,14 @@
       </p:sp>
       <p:sp>
         <p:nvSpPr>
-          <p:cNvPr id="9" name="CaixaDeTexto 8"/>
+          <p:cNvPr id="5" name="CaixaDeTexto 4"/>
           <p:cNvSpPr txBox="1"/>
           <p:nvPr/>
         </p:nvSpPr>
         <p:spPr>
           <a:xfrm>
-            <a:off x="4295133" y="5662989"/>
-            <a:ext cx="3906326" cy="646331"/>
+            <a:off x="5796136" y="3212976"/>
+            <a:ext cx="3088731" cy="369332"/>
           </a:xfrm>
           <a:prstGeom prst="rect">
             <a:avLst/>
@@ -9510,49 +9376,84 @@
           <a:p>
             <a:r>
               <a:rPr lang="pt-BR" dirty="0" smtClean="0"/>
-              <a:t>pode ser interessante especificar os</a:t>
-            </a:r>
-          </a:p>
-          <a:p>
-            <a:r>
-              <a:rPr lang="pt-BR" dirty="0" smtClean="0"/>
-              <a:t>compiladores (e.g. </a:t>
-            </a:r>
-            <a:r>
-              <a:rPr lang="pt-BR" dirty="0" err="1" smtClean="0">
-                <a:latin typeface="Courier New" panose="02070309020205020404" pitchFamily="49" charset="0"/>
-                <a:cs typeface="Courier New" panose="02070309020205020404" pitchFamily="49" charset="0"/>
-              </a:rPr>
-              <a:t>icc</a:t>
-            </a:r>
-            <a:r>
-              <a:rPr lang="pt-BR" dirty="0" smtClean="0"/>
-              <a:t> ou invés do </a:t>
+              <a:t>onde está </a:t>
             </a:r>
             <a:r>
               <a:rPr lang="pt-BR" dirty="0" smtClean="0">
                 <a:latin typeface="Courier New" panose="02070309020205020404" pitchFamily="49" charset="0"/>
                 <a:cs typeface="Courier New" panose="02070309020205020404" pitchFamily="49" charset="0"/>
               </a:rPr>
-              <a:t>cl</a:t>
-            </a:r>
-            <a:r>
-              <a:rPr lang="pt-BR" dirty="0" smtClean="0"/>
-              <a:t>)</a:t>
-            </a:r>
-          </a:p>
-        </p:txBody>
-      </p:sp>
-      <p:sp>
-        <p:nvSpPr>
-          <p:cNvPr id="14" name="CaixaDeTexto 13"/>
+              <a:t>CMakeLists.txt</a:t>
+            </a:r>
+            <a:endParaRPr lang="pt-BR" dirty="0">
+              <a:latin typeface="Courier New" panose="02070309020205020404" pitchFamily="49" charset="0"/>
+              <a:cs typeface="Courier New" panose="02070309020205020404" pitchFamily="49" charset="0"/>
+            </a:endParaRPr>
+          </a:p>
+        </p:txBody>
+      </p:sp>
+      <p:sp>
+        <p:nvSpPr>
+          <p:cNvPr id="8" name="Seta para baixo 7"/>
+          <p:cNvSpPr/>
+          <p:nvPr/>
+        </p:nvSpPr>
+        <p:spPr>
+          <a:xfrm rot="6517891">
+            <a:off x="4768430" y="2492187"/>
+            <a:ext cx="207162" cy="1704016"/>
+          </a:xfrm>
+          <a:prstGeom prst="downArrow">
+            <a:avLst/>
+          </a:prstGeom>
+          <a:pattFill prst="pct25">
+            <a:fgClr>
+              <a:schemeClr val="dk1"/>
+            </a:fgClr>
+            <a:bgClr>
+              <a:schemeClr val="bg1"/>
+            </a:bgClr>
+          </a:pattFill>
+        </p:spPr>
+        <p:style>
+          <a:lnRef idx="2">
+            <a:schemeClr val="dk1">
+              <a:shade val="50000"/>
+            </a:schemeClr>
+          </a:lnRef>
+          <a:fillRef idx="1">
+            <a:schemeClr val="dk1"/>
+          </a:fillRef>
+          <a:effectRef idx="0">
+            <a:schemeClr val="dk1"/>
+          </a:effectRef>
+          <a:fontRef idx="minor">
+            <a:schemeClr val="lt1"/>
+          </a:fontRef>
+        </p:style>
+        <p:txBody>
+          <a:bodyPr rtlCol="0" anchor="ctr"/>
+          <a:lstStyle/>
+          <a:p>
+            <a:pPr algn="ctr"/>
+            <a:endParaRPr lang="pt-BR" dirty="0" smtClean="0">
+              <a:solidFill>
+                <a:schemeClr val="tx1"/>
+              </a:solidFill>
+            </a:endParaRPr>
+          </a:p>
+        </p:txBody>
+      </p:sp>
+      <p:sp>
+        <p:nvSpPr>
+          <p:cNvPr id="9" name="CaixaDeTexto 8"/>
           <p:cNvSpPr txBox="1"/>
           <p:nvPr/>
         </p:nvSpPr>
         <p:spPr>
           <a:xfrm>
-            <a:off x="263696" y="2530122"/>
-            <a:ext cx="5976701" cy="338554"/>
+            <a:off x="5652120" y="3545433"/>
+            <a:ext cx="2977610" cy="369332"/>
           </a:xfrm>
           <a:prstGeom prst="rect">
             <a:avLst/>
@@ -9565,29 +9466,241 @@
           </a:bodyPr>
           <a:lstStyle/>
           <a:p>
+            <a:r>
+              <a:rPr lang="pt-BR" dirty="0" smtClean="0"/>
+              <a:t>onde </a:t>
+            </a:r>
+            <a:r>
+              <a:rPr lang="pt-BR" dirty="0" err="1" smtClean="0"/>
+              <a:t>MOCs</a:t>
+            </a:r>
+            <a:r>
+              <a:rPr lang="pt-BR" dirty="0" smtClean="0"/>
+              <a:t>, </a:t>
+            </a:r>
+            <a:r>
+              <a:rPr lang="pt-BR" dirty="0" err="1" smtClean="0"/>
+              <a:t>OBJs</a:t>
+            </a:r>
+            <a:r>
+              <a:rPr lang="pt-BR" dirty="0" smtClean="0"/>
+              <a:t>, etc. ficarão</a:t>
+            </a:r>
+            <a:endParaRPr lang="pt-BR" dirty="0">
+              <a:latin typeface="Courier New" panose="02070309020205020404" pitchFamily="49" charset="0"/>
+              <a:cs typeface="Courier New" panose="02070309020205020404" pitchFamily="49" charset="0"/>
+            </a:endParaRPr>
+          </a:p>
+        </p:txBody>
+      </p:sp>
+      <p:sp>
+        <p:nvSpPr>
+          <p:cNvPr id="10" name="Seta para baixo 9"/>
+          <p:cNvSpPr/>
+          <p:nvPr/>
+        </p:nvSpPr>
+        <p:spPr>
+          <a:xfrm rot="6517891">
+            <a:off x="1601322" y="4171481"/>
+            <a:ext cx="207162" cy="1704016"/>
+          </a:xfrm>
+          <a:prstGeom prst="downArrow">
+            <a:avLst/>
+          </a:prstGeom>
+          <a:pattFill prst="pct25">
+            <a:fgClr>
+              <a:schemeClr val="dk1"/>
+            </a:fgClr>
+            <a:bgClr>
+              <a:schemeClr val="bg1"/>
+            </a:bgClr>
+          </a:pattFill>
+        </p:spPr>
+        <p:style>
+          <a:lnRef idx="2">
+            <a:schemeClr val="dk1">
+              <a:shade val="50000"/>
+            </a:schemeClr>
+          </a:lnRef>
+          <a:fillRef idx="1">
+            <a:schemeClr val="dk1"/>
+          </a:fillRef>
+          <a:effectRef idx="0">
+            <a:schemeClr val="dk1"/>
+          </a:effectRef>
+          <a:fontRef idx="minor">
+            <a:schemeClr val="lt1"/>
+          </a:fontRef>
+        </p:style>
+        <p:txBody>
+          <a:bodyPr rtlCol="0" anchor="ctr"/>
+          <a:lstStyle/>
+          <a:p>
+            <a:pPr algn="ctr"/>
+            <a:endParaRPr lang="pt-BR" dirty="0" smtClean="0">
+              <a:solidFill>
+                <a:schemeClr val="tx1"/>
+              </a:solidFill>
+            </a:endParaRPr>
+          </a:p>
+        </p:txBody>
+      </p:sp>
+      <p:sp>
+        <p:nvSpPr>
+          <p:cNvPr id="11" name="CaixaDeTexto 10"/>
+          <p:cNvSpPr txBox="1"/>
+          <p:nvPr/>
+        </p:nvSpPr>
+        <p:spPr>
+          <a:xfrm>
+            <a:off x="1192746" y="5301208"/>
+            <a:ext cx="3122586" cy="646331"/>
+          </a:xfrm>
+          <a:prstGeom prst="rect">
+            <a:avLst/>
+          </a:prstGeom>
+          <a:noFill/>
+        </p:spPr>
+        <p:txBody>
+          <a:bodyPr wrap="none" rtlCol="0">
+            <a:spAutoFit/>
+          </a:bodyPr>
+          <a:lstStyle/>
+          <a:p>
+            <a:pPr algn="ctr"/>
+            <a:r>
+              <a:rPr lang="pt-BR" dirty="0" smtClean="0"/>
+              <a:t>pressione para começar o ciclo </a:t>
+            </a:r>
+          </a:p>
+          <a:p>
+            <a:pPr algn="ctr"/>
+            <a:r>
+              <a:rPr lang="pt-BR" dirty="0" smtClean="0"/>
+              <a:t>de configuração</a:t>
+            </a:r>
+            <a:endParaRPr lang="pt-BR" dirty="0">
+              <a:latin typeface="Courier New" panose="02070309020205020404" pitchFamily="49" charset="0"/>
+              <a:cs typeface="Courier New" panose="02070309020205020404" pitchFamily="49" charset="0"/>
+            </a:endParaRPr>
+          </a:p>
+        </p:txBody>
+      </p:sp>
+      <p:sp>
+        <p:nvSpPr>
+          <p:cNvPr id="12" name="Seta para baixo 11"/>
+          <p:cNvSpPr/>
+          <p:nvPr/>
+        </p:nvSpPr>
+        <p:spPr>
+          <a:xfrm>
+            <a:off x="7596336" y="2764921"/>
+            <a:ext cx="207162" cy="521576"/>
+          </a:xfrm>
+          <a:prstGeom prst="downArrow">
+            <a:avLst/>
+          </a:prstGeom>
+          <a:pattFill prst="pct25">
+            <a:fgClr>
+              <a:schemeClr val="dk1"/>
+            </a:fgClr>
+            <a:bgClr>
+              <a:schemeClr val="bg1"/>
+            </a:bgClr>
+          </a:pattFill>
+        </p:spPr>
+        <p:style>
+          <a:lnRef idx="2">
+            <a:schemeClr val="dk1">
+              <a:shade val="50000"/>
+            </a:schemeClr>
+          </a:lnRef>
+          <a:fillRef idx="1">
+            <a:schemeClr val="dk1"/>
+          </a:fillRef>
+          <a:effectRef idx="0">
+            <a:schemeClr val="dk1"/>
+          </a:effectRef>
+          <a:fontRef idx="minor">
+            <a:schemeClr val="lt1"/>
+          </a:fontRef>
+        </p:style>
+        <p:txBody>
+          <a:bodyPr rtlCol="0" anchor="ctr"/>
+          <a:lstStyle/>
+          <a:p>
+            <a:pPr algn="ctr"/>
+            <a:endParaRPr lang="pt-BR" dirty="0" smtClean="0">
+              <a:solidFill>
+                <a:schemeClr val="tx1"/>
+              </a:solidFill>
+            </a:endParaRPr>
+          </a:p>
+        </p:txBody>
+      </p:sp>
+      <p:sp>
+        <p:nvSpPr>
+          <p:cNvPr id="6" name="CaixaDeTexto 5"/>
+          <p:cNvSpPr txBox="1"/>
+          <p:nvPr/>
+        </p:nvSpPr>
+        <p:spPr>
+          <a:xfrm>
+            <a:off x="6667381" y="2411596"/>
+            <a:ext cx="2081083" cy="369332"/>
+          </a:xfrm>
+          <a:prstGeom prst="rect">
+            <a:avLst/>
+          </a:prstGeom>
+          <a:noFill/>
+        </p:spPr>
+        <p:txBody>
+          <a:bodyPr wrap="none" rtlCol="0">
+            <a:spAutoFit/>
+          </a:bodyPr>
+          <a:lstStyle/>
+          <a:p>
+            <a:r>
+              <a:rPr lang="pt-BR" dirty="0" smtClean="0"/>
+              <a:t>definição do projeto</a:t>
+            </a:r>
+            <a:endParaRPr lang="pt-BR" dirty="0"/>
+          </a:p>
+        </p:txBody>
+      </p:sp>
+      <p:sp>
+        <p:nvSpPr>
+          <p:cNvPr id="14" name="CaixaDeTexto 13"/>
+          <p:cNvSpPr txBox="1"/>
+          <p:nvPr/>
+        </p:nvSpPr>
+        <p:spPr>
+          <a:xfrm>
+            <a:off x="263696" y="1650286"/>
+            <a:ext cx="5654177" cy="338554"/>
+          </a:xfrm>
+          <a:prstGeom prst="rect">
+            <a:avLst/>
+          </a:prstGeom>
+          <a:noFill/>
+        </p:spPr>
+        <p:txBody>
+          <a:bodyPr wrap="none" rtlCol="0">
+            <a:spAutoFit/>
+          </a:bodyPr>
+          <a:lstStyle/>
+          <a:p>
             <a:pPr marL="285750" indent="-285750">
               <a:buFont typeface="Wingdings" panose="05000000000000000000" pitchFamily="2" charset="2"/>
               <a:buChar char="Ø"/>
             </a:pPr>
             <a:r>
               <a:rPr lang="pt-BR" sz="1600" dirty="0" smtClean="0"/>
-              <a:t>Definir o tipo de projeto (ex. </a:t>
+              <a:t>Iniciar a configuração da compilação do aplicativo no </a:t>
             </a:r>
             <a:r>
               <a:rPr lang="pt-BR" sz="1600" dirty="0" err="1" smtClean="0"/>
-              <a:t>Makefile</a:t>
-            </a:r>
-            <a:r>
-              <a:rPr lang="pt-BR" sz="1600" dirty="0" smtClean="0"/>
-              <a:t> do GNU ou </a:t>
-            </a:r>
-            <a:r>
-              <a:rPr lang="pt-BR" sz="1600" dirty="0" err="1" smtClean="0"/>
-              <a:t>Solution</a:t>
-            </a:r>
-            <a:r>
-              <a:rPr lang="pt-BR" sz="1600" dirty="0" smtClean="0"/>
-              <a:t> do VS)</a:t>
+              <a:t>CMake</a:t>
             </a:r>
             <a:r>
               <a:rPr lang="pt-BR" sz="1600" dirty="0" smtClean="0"/>
@@ -9597,55 +9710,10 @@
           </a:p>
         </p:txBody>
       </p:sp>
-      <p:pic>
-        <p:nvPicPr>
-          <p:cNvPr id="17" name="Imagem 16"/>
-          <p:cNvPicPr>
-            <a:picLocks noChangeAspect="1"/>
-          </p:cNvPicPr>
-          <p:nvPr/>
-        </p:nvPicPr>
-        <p:blipFill>
-          <a:blip r:embed="rId4">
-            <a:clrChange>
-              <a:clrFrom>
-                <a:srgbClr val="FFFFFF"/>
-              </a:clrFrom>
-              <a:clrTo>
-                <a:srgbClr val="FFFFFF">
-                  <a:alpha val="0"/>
-                </a:srgbClr>
-              </a:clrTo>
-            </a:clrChange>
-          </a:blip>
-          <a:stretch>
-            <a:fillRect/>
-          </a:stretch>
-        </p:blipFill>
-        <p:spPr>
-          <a:xfrm>
-            <a:off x="4127950" y="1526857"/>
-            <a:ext cx="1092122" cy="1008112"/>
-          </a:xfrm>
-          <a:prstGeom prst="rect">
-            <a:avLst/>
-          </a:prstGeom>
-          <a:ln>
-            <a:noFill/>
-          </a:ln>
-          <a:effectLst>
-            <a:outerShdw blurRad="292100" dist="139700" dir="2700000" algn="tl" rotWithShape="0">
-              <a:srgbClr val="333333">
-                <a:alpha val="65000"/>
-              </a:srgbClr>
-            </a:outerShdw>
-          </a:effectLst>
-        </p:spPr>
-      </p:pic>
     </p:spTree>
     <p:extLst>
       <p:ext uri="{BB962C8B-B14F-4D97-AF65-F5344CB8AC3E}">
-        <p14:creationId xmlns:p14="http://schemas.microsoft.com/office/powerpoint/2010/main" val="1007317725"/>
+        <p14:creationId xmlns:p14="http://schemas.microsoft.com/office/powerpoint/2010/main" val="381147001"/>
       </p:ext>
     </p:extLst>
   </p:cSld>
@@ -9679,161 +9747,9 @@
           <a:chExt cx="0" cy="0"/>
         </a:xfrm>
       </p:grpSpPr>
-      <p:sp>
-        <p:nvSpPr>
-          <p:cNvPr id="4" name="Título 3"/>
-          <p:cNvSpPr>
-            <a:spLocks noGrp="1"/>
-          </p:cNvSpPr>
-          <p:nvPr>
-            <p:ph type="ctrTitle"/>
-          </p:nvPr>
-        </p:nvSpPr>
-        <p:spPr>
-          <a:xfrm>
-            <a:off x="3275856" y="138754"/>
-            <a:ext cx="4680520" cy="504056"/>
-          </a:xfrm>
-        </p:spPr>
-        <p:txBody>
-          <a:bodyPr>
-            <a:normAutofit/>
-          </a:bodyPr>
-          <a:lstStyle/>
-          <a:p>
-            <a:r>
-              <a:rPr lang="pt-BR" sz="2400" dirty="0" smtClean="0"/>
-              <a:t>4) Aplicações C++/</a:t>
-            </a:r>
-            <a:r>
-              <a:rPr lang="pt-BR" sz="2400" dirty="0" err="1" smtClean="0"/>
-              <a:t>Qt</a:t>
-            </a:r>
-            <a:r>
-              <a:rPr lang="pt-BR" sz="2400" dirty="0" smtClean="0"/>
-              <a:t> com VTK</a:t>
-            </a:r>
-            <a:endParaRPr lang="pt-BR" sz="1400" dirty="0"/>
-          </a:p>
-        </p:txBody>
-      </p:sp>
-      <p:sp>
-        <p:nvSpPr>
-          <p:cNvPr id="54" name="CaixaDeTexto 53"/>
-          <p:cNvSpPr txBox="1"/>
-          <p:nvPr/>
-        </p:nvSpPr>
-        <p:spPr>
-          <a:xfrm>
-            <a:off x="4067944" y="1218238"/>
-            <a:ext cx="1608133" cy="338554"/>
-          </a:xfrm>
-          <a:prstGeom prst="rect">
-            <a:avLst/>
-          </a:prstGeom>
-          <a:noFill/>
-        </p:spPr>
-        <p:txBody>
-          <a:bodyPr wrap="none" rtlCol="0">
-            <a:spAutoFit/>
-          </a:bodyPr>
-          <a:lstStyle/>
-          <a:p>
-            <a:r>
-              <a:rPr lang="pt-BR" sz="1600" b="1" dirty="0" smtClean="0"/>
-              <a:t>4.1.3) </a:t>
-            </a:r>
-            <a:r>
-              <a:rPr lang="pt-BR" sz="1600" b="1" dirty="0" err="1" smtClean="0"/>
-              <a:t>Hello</a:t>
-            </a:r>
-            <a:r>
-              <a:rPr lang="pt-BR" sz="1600" b="1" dirty="0" smtClean="0"/>
-              <a:t> VTK!</a:t>
-            </a:r>
-            <a:endParaRPr lang="pt-BR" sz="1600" b="1" dirty="0"/>
-          </a:p>
-        </p:txBody>
-      </p:sp>
-      <p:sp>
-        <p:nvSpPr>
-          <p:cNvPr id="55" name="CaixaDeTexto 54"/>
-          <p:cNvSpPr txBox="1"/>
-          <p:nvPr/>
-        </p:nvSpPr>
-        <p:spPr>
-          <a:xfrm>
-            <a:off x="2987824" y="908720"/>
-            <a:ext cx="4154984" cy="369332"/>
-          </a:xfrm>
-          <a:prstGeom prst="rect">
-            <a:avLst/>
-          </a:prstGeom>
-          <a:noFill/>
-        </p:spPr>
-        <p:txBody>
-          <a:bodyPr wrap="none" rtlCol="0">
-            <a:spAutoFit/>
-          </a:bodyPr>
-          <a:lstStyle/>
-          <a:p>
-            <a:r>
-              <a:rPr lang="pt-BR" b="1" dirty="0" smtClean="0"/>
-              <a:t>4.1) Criando um aplicativo VTK elementar</a:t>
-            </a:r>
-            <a:endParaRPr lang="pt-BR" b="1" dirty="0"/>
-          </a:p>
-        </p:txBody>
-      </p:sp>
-      <p:sp>
-        <p:nvSpPr>
-          <p:cNvPr id="14" name="CaixaDeTexto 13"/>
-          <p:cNvSpPr txBox="1"/>
-          <p:nvPr/>
-        </p:nvSpPr>
-        <p:spPr>
-          <a:xfrm>
-            <a:off x="263696" y="1700808"/>
-            <a:ext cx="8231997" cy="338554"/>
-          </a:xfrm>
-          <a:prstGeom prst="rect">
-            <a:avLst/>
-          </a:prstGeom>
-          <a:noFill/>
-        </p:spPr>
-        <p:txBody>
-          <a:bodyPr wrap="none" rtlCol="0">
-            <a:spAutoFit/>
-          </a:bodyPr>
-          <a:lstStyle/>
-          <a:p>
-            <a:pPr marL="285750" indent="-285750">
-              <a:buFont typeface="Wingdings" panose="05000000000000000000" pitchFamily="2" charset="2"/>
-              <a:buChar char="Ø"/>
-            </a:pPr>
-            <a:r>
-              <a:rPr lang="pt-BR" sz="1600" dirty="0" smtClean="0"/>
-              <a:t>1º passo do ciclo de configuração: </a:t>
-            </a:r>
-            <a:r>
-              <a:rPr lang="pt-BR" sz="1600" dirty="0" err="1" smtClean="0"/>
-              <a:t>CMake</a:t>
-            </a:r>
-            <a:r>
-              <a:rPr lang="pt-BR" sz="1600" dirty="0" smtClean="0"/>
-              <a:t> verifica se as ferramentas estão todas funcionando</a:t>
-            </a:r>
-            <a:r>
-              <a:rPr lang="pt-BR" sz="1600" dirty="0" smtClean="0"/>
-              <a:t>.</a:t>
-            </a:r>
-            <a:endParaRPr lang="pt-BR" sz="1600" dirty="0"/>
-          </a:p>
-        </p:txBody>
-      </p:sp>
       <p:pic>
         <p:nvPicPr>
-          <p:cNvPr id="2" name="Imagem 1"/>
+          <p:cNvPr id="13" name="Imagem 12"/>
           <p:cNvPicPr>
             <a:picLocks noChangeAspect="1"/>
           </p:cNvPicPr>
@@ -9847,8 +9763,8 @@
         </p:blipFill>
         <p:spPr>
           <a:xfrm>
-            <a:off x="1619672" y="2060848"/>
-            <a:ext cx="5725542" cy="3768527"/>
+            <a:off x="410344" y="2962171"/>
+            <a:ext cx="3127613" cy="2858834"/>
           </a:xfrm>
           <a:prstGeom prst="rect">
             <a:avLst/>
@@ -9865,124 +9781,320 @@
           </a:effectLst>
         </p:spPr>
       </p:pic>
-      <p:grpSp>
-        <p:nvGrpSpPr>
-          <p:cNvPr id="10" name="Grupo 9"/>
-          <p:cNvGrpSpPr/>
+      <p:sp>
+        <p:nvSpPr>
+          <p:cNvPr id="4" name="Título 3"/>
+          <p:cNvSpPr>
+            <a:spLocks noGrp="1"/>
+          </p:cNvSpPr>
+          <p:nvPr>
+            <p:ph type="ctrTitle"/>
+          </p:nvPr>
+        </p:nvSpPr>
+        <p:spPr>
+          <a:xfrm>
+            <a:off x="3275856" y="138754"/>
+            <a:ext cx="4680520" cy="504056"/>
+          </a:xfrm>
+        </p:spPr>
+        <p:txBody>
+          <a:bodyPr>
+            <a:normAutofit/>
+          </a:bodyPr>
+          <a:lstStyle/>
+          <a:p>
+            <a:r>
+              <a:rPr lang="pt-BR" sz="2400" dirty="0" smtClean="0"/>
+              <a:t>4) Aplicações C++/</a:t>
+            </a:r>
+            <a:r>
+              <a:rPr lang="pt-BR" sz="2400" dirty="0" err="1" smtClean="0"/>
+              <a:t>Qt</a:t>
+            </a:r>
+            <a:r>
+              <a:rPr lang="pt-BR" sz="2400" dirty="0" smtClean="0"/>
+              <a:t> com VTK</a:t>
+            </a:r>
+            <a:endParaRPr lang="pt-BR" sz="1400" dirty="0"/>
+          </a:p>
+        </p:txBody>
+      </p:sp>
+      <p:sp>
+        <p:nvSpPr>
+          <p:cNvPr id="54" name="CaixaDeTexto 53"/>
+          <p:cNvSpPr txBox="1"/>
           <p:nvPr/>
-        </p:nvGrpSpPr>
-        <p:grpSpPr>
-          <a:xfrm>
-            <a:off x="1866673" y="6021288"/>
-            <a:ext cx="5153599" cy="464907"/>
-            <a:chOff x="424118" y="6243596"/>
-            <a:chExt cx="5153599" cy="464907"/>
-          </a:xfrm>
-        </p:grpSpPr>
-        <p:pic>
-          <p:nvPicPr>
-            <p:cNvPr id="11" name="Imagem 10"/>
-            <p:cNvPicPr>
-              <a:picLocks noChangeAspect="1"/>
-            </p:cNvPicPr>
-            <p:nvPr/>
-          </p:nvPicPr>
-          <p:blipFill>
-            <a:blip r:embed="rId4"/>
-            <a:stretch>
-              <a:fillRect/>
-            </a:stretch>
-          </p:blipFill>
-          <p:spPr>
-            <a:xfrm>
-              <a:off x="3059832" y="6273659"/>
-              <a:ext cx="1125220" cy="323693"/>
-            </a:xfrm>
-            <a:prstGeom prst="rect">
-              <a:avLst/>
-            </a:prstGeom>
-            <a:ln>
-              <a:noFill/>
-            </a:ln>
-            <a:effectLst>
-              <a:outerShdw blurRad="292100" dist="139700" dir="2700000" algn="tl" rotWithShape="0">
-                <a:srgbClr val="333333">
-                  <a:alpha val="65000"/>
+        </p:nvSpPr>
+        <p:spPr>
+          <a:xfrm>
+            <a:off x="4067944" y="1218238"/>
+            <a:ext cx="1608133" cy="338554"/>
+          </a:xfrm>
+          <a:prstGeom prst="rect">
+            <a:avLst/>
+          </a:prstGeom>
+          <a:noFill/>
+        </p:spPr>
+        <p:txBody>
+          <a:bodyPr wrap="none" rtlCol="0">
+            <a:spAutoFit/>
+          </a:bodyPr>
+          <a:lstStyle/>
+          <a:p>
+            <a:r>
+              <a:rPr lang="pt-BR" sz="1600" b="1" dirty="0" smtClean="0"/>
+              <a:t>4.1.3) </a:t>
+            </a:r>
+            <a:r>
+              <a:rPr lang="pt-BR" sz="1600" b="1" dirty="0" err="1" smtClean="0"/>
+              <a:t>Hello</a:t>
+            </a:r>
+            <a:r>
+              <a:rPr lang="pt-BR" sz="1600" b="1" dirty="0" smtClean="0"/>
+              <a:t> VTK!</a:t>
+            </a:r>
+            <a:endParaRPr lang="pt-BR" sz="1600" b="1" dirty="0"/>
+          </a:p>
+        </p:txBody>
+      </p:sp>
+      <p:sp>
+        <p:nvSpPr>
+          <p:cNvPr id="55" name="CaixaDeTexto 54"/>
+          <p:cNvSpPr txBox="1"/>
+          <p:nvPr/>
+        </p:nvSpPr>
+        <p:spPr>
+          <a:xfrm>
+            <a:off x="2987824" y="908720"/>
+            <a:ext cx="4154984" cy="369332"/>
+          </a:xfrm>
+          <a:prstGeom prst="rect">
+            <a:avLst/>
+          </a:prstGeom>
+          <a:noFill/>
+        </p:spPr>
+        <p:txBody>
+          <a:bodyPr wrap="none" rtlCol="0">
+            <a:spAutoFit/>
+          </a:bodyPr>
+          <a:lstStyle/>
+          <a:p>
+            <a:r>
+              <a:rPr lang="pt-BR" b="1" dirty="0" smtClean="0"/>
+              <a:t>4.1) Criando um aplicativo VTK elementar</a:t>
+            </a:r>
+            <a:endParaRPr lang="pt-BR" b="1" dirty="0"/>
+          </a:p>
+        </p:txBody>
+      </p:sp>
+      <p:sp>
+        <p:nvSpPr>
+          <p:cNvPr id="8" name="Seta para baixo 7"/>
+          <p:cNvSpPr/>
+          <p:nvPr/>
+        </p:nvSpPr>
+        <p:spPr>
+          <a:xfrm rot="6517891">
+            <a:off x="3182833" y="3635815"/>
+            <a:ext cx="202327" cy="3106201"/>
+          </a:xfrm>
+          <a:prstGeom prst="downArrow">
+            <a:avLst/>
+          </a:prstGeom>
+          <a:pattFill prst="pct25">
+            <a:fgClr>
+              <a:schemeClr val="dk1"/>
+            </a:fgClr>
+            <a:bgClr>
+              <a:schemeClr val="bg1"/>
+            </a:bgClr>
+          </a:pattFill>
+        </p:spPr>
+        <p:style>
+          <a:lnRef idx="2">
+            <a:schemeClr val="dk1">
+              <a:shade val="50000"/>
+            </a:schemeClr>
+          </a:lnRef>
+          <a:fillRef idx="1">
+            <a:schemeClr val="dk1"/>
+          </a:fillRef>
+          <a:effectRef idx="0">
+            <a:schemeClr val="dk1"/>
+          </a:effectRef>
+          <a:fontRef idx="minor">
+            <a:schemeClr val="lt1"/>
+          </a:fontRef>
+        </p:style>
+        <p:txBody>
+          <a:bodyPr rtlCol="0" anchor="ctr"/>
+          <a:lstStyle/>
+          <a:p>
+            <a:pPr algn="ctr"/>
+            <a:endParaRPr lang="pt-BR" dirty="0" smtClean="0">
+              <a:solidFill>
+                <a:schemeClr val="tx1"/>
+              </a:solidFill>
+            </a:endParaRPr>
+          </a:p>
+        </p:txBody>
+      </p:sp>
+      <p:sp>
+        <p:nvSpPr>
+          <p:cNvPr id="9" name="CaixaDeTexto 8"/>
+          <p:cNvSpPr txBox="1"/>
+          <p:nvPr/>
+        </p:nvSpPr>
+        <p:spPr>
+          <a:xfrm>
+            <a:off x="4295133" y="5662989"/>
+            <a:ext cx="3906326" cy="646331"/>
+          </a:xfrm>
+          <a:prstGeom prst="rect">
+            <a:avLst/>
+          </a:prstGeom>
+          <a:noFill/>
+        </p:spPr>
+        <p:txBody>
+          <a:bodyPr wrap="none" rtlCol="0">
+            <a:spAutoFit/>
+          </a:bodyPr>
+          <a:lstStyle/>
+          <a:p>
+            <a:r>
+              <a:rPr lang="pt-BR" dirty="0" smtClean="0"/>
+              <a:t>pode ser interessante especificar os</a:t>
+            </a:r>
+          </a:p>
+          <a:p>
+            <a:r>
+              <a:rPr lang="pt-BR" dirty="0" smtClean="0"/>
+              <a:t>compiladores (e.g. </a:t>
+            </a:r>
+            <a:r>
+              <a:rPr lang="pt-BR" dirty="0" err="1" smtClean="0">
+                <a:latin typeface="Courier New" panose="02070309020205020404" pitchFamily="49" charset="0"/>
+                <a:cs typeface="Courier New" panose="02070309020205020404" pitchFamily="49" charset="0"/>
+              </a:rPr>
+              <a:t>icc</a:t>
+            </a:r>
+            <a:r>
+              <a:rPr lang="pt-BR" dirty="0" smtClean="0"/>
+              <a:t> ou invés do </a:t>
+            </a:r>
+            <a:r>
+              <a:rPr lang="pt-BR" dirty="0" smtClean="0">
+                <a:latin typeface="Courier New" panose="02070309020205020404" pitchFamily="49" charset="0"/>
+                <a:cs typeface="Courier New" panose="02070309020205020404" pitchFamily="49" charset="0"/>
+              </a:rPr>
+              <a:t>cl</a:t>
+            </a:r>
+            <a:r>
+              <a:rPr lang="pt-BR" dirty="0" smtClean="0"/>
+              <a:t>)</a:t>
+            </a:r>
+          </a:p>
+        </p:txBody>
+      </p:sp>
+      <p:sp>
+        <p:nvSpPr>
+          <p:cNvPr id="14" name="CaixaDeTexto 13"/>
+          <p:cNvSpPr txBox="1"/>
+          <p:nvPr/>
+        </p:nvSpPr>
+        <p:spPr>
+          <a:xfrm>
+            <a:off x="263696" y="2530122"/>
+            <a:ext cx="5976701" cy="338554"/>
+          </a:xfrm>
+          <a:prstGeom prst="rect">
+            <a:avLst/>
+          </a:prstGeom>
+          <a:noFill/>
+        </p:spPr>
+        <p:txBody>
+          <a:bodyPr wrap="none" rtlCol="0">
+            <a:spAutoFit/>
+          </a:bodyPr>
+          <a:lstStyle/>
+          <a:p>
+            <a:pPr marL="285750" indent="-285750">
+              <a:buFont typeface="Wingdings" panose="05000000000000000000" pitchFamily="2" charset="2"/>
+              <a:buChar char="Ø"/>
+            </a:pPr>
+            <a:r>
+              <a:rPr lang="pt-BR" sz="1600" dirty="0" smtClean="0"/>
+              <a:t>Definir o tipo de projeto (ex. </a:t>
+            </a:r>
+            <a:r>
+              <a:rPr lang="pt-BR" sz="1600" dirty="0" err="1" smtClean="0"/>
+              <a:t>Makefile</a:t>
+            </a:r>
+            <a:r>
+              <a:rPr lang="pt-BR" sz="1600" dirty="0" smtClean="0"/>
+              <a:t> do GNU ou </a:t>
+            </a:r>
+            <a:r>
+              <a:rPr lang="pt-BR" sz="1600" dirty="0" err="1" smtClean="0"/>
+              <a:t>Solution</a:t>
+            </a:r>
+            <a:r>
+              <a:rPr lang="pt-BR" sz="1600" dirty="0" smtClean="0"/>
+              <a:t> do VS).</a:t>
+            </a:r>
+            <a:endParaRPr lang="pt-BR" sz="1600" dirty="0"/>
+          </a:p>
+        </p:txBody>
+      </p:sp>
+      <p:pic>
+        <p:nvPicPr>
+          <p:cNvPr id="17" name="Imagem 16"/>
+          <p:cNvPicPr>
+            <a:picLocks noChangeAspect="1"/>
+          </p:cNvPicPr>
+          <p:nvPr/>
+        </p:nvPicPr>
+        <p:blipFill>
+          <a:blip r:embed="rId4">
+            <a:clrChange>
+              <a:clrFrom>
+                <a:srgbClr val="FFFFFF"/>
+              </a:clrFrom>
+              <a:clrTo>
+                <a:srgbClr val="FFFFFF">
+                  <a:alpha val="0"/>
                 </a:srgbClr>
-              </a:outerShdw>
-            </a:effectLst>
-          </p:spPr>
-        </p:pic>
-        <p:sp>
-          <p:nvSpPr>
-            <p:cNvPr id="5" name="CaixaDeTexto 4"/>
-            <p:cNvSpPr txBox="1"/>
-            <p:nvPr/>
-          </p:nvSpPr>
-          <p:spPr>
-            <a:xfrm>
-              <a:off x="910670" y="6243596"/>
-              <a:ext cx="4667047" cy="369332"/>
-            </a:xfrm>
-            <a:prstGeom prst="rect">
-              <a:avLst/>
-            </a:prstGeom>
+              </a:clrTo>
+            </a:clrChange>
+          </a:blip>
+          <a:stretch>
+            <a:fillRect/>
+          </a:stretch>
+        </p:blipFill>
+        <p:spPr>
+          <a:xfrm>
+            <a:off x="4127950" y="1526857"/>
+            <a:ext cx="1092122" cy="1008112"/>
+          </a:xfrm>
+          <a:prstGeom prst="rect">
+            <a:avLst/>
+          </a:prstGeom>
+          <a:ln>
             <a:noFill/>
-          </p:spPr>
-          <p:txBody>
-            <a:bodyPr wrap="none" rtlCol="0">
-              <a:spAutoFit/>
-            </a:bodyPr>
-            <a:lstStyle/>
-            <a:p>
-              <a:r>
-                <a:rPr lang="pt-BR" dirty="0" smtClean="0"/>
-                <a:t>Ao terminar, checar e                          novamente.</a:t>
-              </a:r>
-              <a:endParaRPr lang="pt-BR" dirty="0"/>
-            </a:p>
-          </p:txBody>
-        </p:sp>
-        <p:pic>
-          <p:nvPicPr>
-            <p:cNvPr id="7" name="Imagem 6"/>
-            <p:cNvPicPr>
-              <a:picLocks noChangeAspect="1"/>
-            </p:cNvPicPr>
-            <p:nvPr/>
-          </p:nvPicPr>
-          <p:blipFill>
-            <a:blip r:embed="rId5">
-              <a:clrChange>
-                <a:clrFrom>
-                  <a:srgbClr val="FFFFFF"/>
-                </a:clrFrom>
-                <a:clrTo>
-                  <a:srgbClr val="FFFFFF">
-                    <a:alpha val="0"/>
-                  </a:srgbClr>
-                </a:clrTo>
-              </a:clrChange>
-            </a:blip>
-            <a:stretch>
-              <a:fillRect/>
-            </a:stretch>
-          </p:blipFill>
-          <p:spPr>
-            <a:xfrm>
-              <a:off x="424118" y="6287198"/>
-              <a:ext cx="547482" cy="421305"/>
-            </a:xfrm>
-            <a:prstGeom prst="rect">
-              <a:avLst/>
-            </a:prstGeom>
-          </p:spPr>
-        </p:pic>
-      </p:grpSp>
+          </a:ln>
+          <a:effectLst>
+            <a:outerShdw blurRad="292100" dist="139700" dir="2700000" algn="tl" rotWithShape="0">
+              <a:srgbClr val="333333">
+                <a:alpha val="65000"/>
+              </a:srgbClr>
+            </a:outerShdw>
+          </a:effectLst>
+        </p:spPr>
+      </p:pic>
     </p:spTree>
     <p:extLst>
       <p:ext uri="{BB962C8B-B14F-4D97-AF65-F5344CB8AC3E}">
-        <p14:creationId xmlns:p14="http://schemas.microsoft.com/office/powerpoint/2010/main" val="3335962471"/>
+        <p14:creationId xmlns:p14="http://schemas.microsoft.com/office/powerpoint/2010/main" val="1007317725"/>
       </p:ext>
     </p:extLst>
   </p:cSld>
@@ -10131,7 +10243,7 @@
         <p:spPr>
           <a:xfrm>
             <a:off x="263696" y="1700808"/>
-            <a:ext cx="6768456" cy="338554"/>
+            <a:ext cx="8231997" cy="338554"/>
           </a:xfrm>
           <a:prstGeom prst="rect">
             <a:avLst/>
@@ -10150,11 +10262,15 @@
             </a:pPr>
             <a:r>
               <a:rPr lang="pt-BR" sz="1600" dirty="0" smtClean="0"/>
-              <a:t>2º passo do ciclo de configuração: Definir tipo de build e local de instalação</a:t>
+              <a:t>1º passo do ciclo de configuração: </a:t>
+            </a:r>
+            <a:r>
+              <a:rPr lang="pt-BR" sz="1600" dirty="0" err="1" smtClean="0"/>
+              <a:t>CMake</a:t>
             </a:r>
             <a:r>
               <a:rPr lang="pt-BR" sz="1600" dirty="0" smtClean="0"/>
-              <a:t>.</a:t>
+              <a:t> verifica se as ferramentas estão todas funcionando.</a:t>
             </a:r>
             <a:endParaRPr lang="pt-BR" sz="1600" dirty="0"/>
           </a:p>
@@ -10276,7 +10392,7 @@
       </p:grpSp>
       <p:pic>
         <p:nvPicPr>
-          <p:cNvPr id="16" name="Imagem 15"/>
+          <p:cNvPr id="6" name="Imagem 5"/>
           <p:cNvPicPr>
             <a:picLocks noChangeAspect="1"/>
           </p:cNvPicPr>
@@ -10290,8 +10406,8 @@
         </p:blipFill>
         <p:spPr>
           <a:xfrm>
-            <a:off x="1619673" y="2060848"/>
-            <a:ext cx="5725542" cy="3768527"/>
+            <a:off x="2324657" y="2132856"/>
+            <a:ext cx="4767623" cy="3798050"/>
           </a:xfrm>
           <a:prstGeom prst="rect">
             <a:avLst/>
@@ -10308,80 +10424,10 @@
           </a:effectLst>
         </p:spPr>
       </p:pic>
-      <p:pic>
-        <p:nvPicPr>
-          <p:cNvPr id="17" name="Imagem 16"/>
-          <p:cNvPicPr>
-            <a:picLocks noChangeAspect="1"/>
-          </p:cNvPicPr>
-          <p:nvPr/>
-        </p:nvPicPr>
-        <p:blipFill>
-          <a:blip r:embed="rId4">
-            <a:clrChange>
-              <a:clrFrom>
-                <a:srgbClr val="FFFFFF"/>
-              </a:clrFrom>
-              <a:clrTo>
-                <a:srgbClr val="FFFFFF">
-                  <a:alpha val="0"/>
-                </a:srgbClr>
-              </a:clrTo>
-            </a:clrChange>
-          </a:blip>
-          <a:stretch>
-            <a:fillRect/>
-          </a:stretch>
-        </p:blipFill>
-        <p:spPr>
-          <a:xfrm flipH="1">
-            <a:off x="4960622" y="3212975"/>
-            <a:ext cx="547482" cy="421305"/>
-          </a:xfrm>
-          <a:prstGeom prst="rect">
-            <a:avLst/>
-          </a:prstGeom>
-        </p:spPr>
-      </p:pic>
-      <p:pic>
-        <p:nvPicPr>
-          <p:cNvPr id="19" name="Imagem 18"/>
-          <p:cNvPicPr>
-            <a:picLocks noChangeAspect="1"/>
-          </p:cNvPicPr>
-          <p:nvPr/>
-        </p:nvPicPr>
-        <p:blipFill>
-          <a:blip r:embed="rId4">
-            <a:clrChange>
-              <a:clrFrom>
-                <a:srgbClr val="FFFFFF"/>
-              </a:clrFrom>
-              <a:clrTo>
-                <a:srgbClr val="FFFFFF">
-                  <a:alpha val="0"/>
-                </a:srgbClr>
-              </a:clrTo>
-            </a:clrChange>
-          </a:blip>
-          <a:stretch>
-            <a:fillRect/>
-          </a:stretch>
-        </p:blipFill>
-        <p:spPr>
-          <a:xfrm rot="19147307" flipH="1">
-            <a:off x="6174632" y="3212975"/>
-            <a:ext cx="547482" cy="421305"/>
-          </a:xfrm>
-          <a:prstGeom prst="rect">
-            <a:avLst/>
-          </a:prstGeom>
-        </p:spPr>
-      </p:pic>
     </p:spTree>
     <p:extLst>
       <p:ext uri="{BB962C8B-B14F-4D97-AF65-F5344CB8AC3E}">
-        <p14:creationId xmlns:p14="http://schemas.microsoft.com/office/powerpoint/2010/main" val="332444690"/>
+        <p14:creationId xmlns:p14="http://schemas.microsoft.com/office/powerpoint/2010/main" val="3335962471"/>
       </p:ext>
     </p:extLst>
   </p:cSld>
@@ -10415,6 +10461,40 @@
           <a:chExt cx="0" cy="0"/>
         </a:xfrm>
       </p:grpSpPr>
+      <p:pic>
+        <p:nvPicPr>
+          <p:cNvPr id="3" name="Imagem 2"/>
+          <p:cNvPicPr>
+            <a:picLocks noChangeAspect="1"/>
+          </p:cNvPicPr>
+          <p:nvPr/>
+        </p:nvPicPr>
+        <p:blipFill>
+          <a:blip r:embed="rId3"/>
+          <a:stretch>
+            <a:fillRect/>
+          </a:stretch>
+        </p:blipFill>
+        <p:spPr>
+          <a:xfrm>
+            <a:off x="1903544" y="2328491"/>
+            <a:ext cx="5074146" cy="3553050"/>
+          </a:xfrm>
+          <a:prstGeom prst="rect">
+            <a:avLst/>
+          </a:prstGeom>
+          <a:ln>
+            <a:noFill/>
+          </a:ln>
+          <a:effectLst>
+            <a:outerShdw blurRad="292100" dist="139700" dir="2700000" algn="tl" rotWithShape="0">
+              <a:srgbClr val="333333">
+                <a:alpha val="65000"/>
+              </a:srgbClr>
+            </a:outerShdw>
+          </a:effectLst>
+        </p:spPr>
+      </p:pic>
       <p:sp>
         <p:nvSpPr>
           <p:cNvPr id="4" name="Título 3"/>
@@ -10530,7 +10610,7 @@
         <p:spPr>
           <a:xfrm>
             <a:off x="263696" y="1700808"/>
-            <a:ext cx="8863645" cy="338554"/>
+            <a:ext cx="6768456" cy="338554"/>
           </a:xfrm>
           <a:prstGeom prst="rect">
             <a:avLst/>
@@ -10549,16 +10629,126 @@
             </a:pPr>
             <a:r>
               <a:rPr lang="pt-BR" sz="1600" dirty="0" smtClean="0"/>
-              <a:t>Repetir os passos de configuração até que nenhuma variável nova apareça (destacadas em vermelho)</a:t>
-            </a:r>
-            <a:r>
-              <a:rPr lang="pt-BR" sz="1600" dirty="0" smtClean="0"/>
-              <a:t>.</a:t>
+              <a:t>2º passo do ciclo de configuração: Definir tipo de build e local de instalação.</a:t>
             </a:r>
             <a:endParaRPr lang="pt-BR" sz="1600" dirty="0"/>
           </a:p>
         </p:txBody>
       </p:sp>
+      <p:grpSp>
+        <p:nvGrpSpPr>
+          <p:cNvPr id="10" name="Grupo 9"/>
+          <p:cNvGrpSpPr/>
+          <p:nvPr/>
+        </p:nvGrpSpPr>
+        <p:grpSpPr>
+          <a:xfrm>
+            <a:off x="1866673" y="6021288"/>
+            <a:ext cx="5153599" cy="464907"/>
+            <a:chOff x="424118" y="6243596"/>
+            <a:chExt cx="5153599" cy="464907"/>
+          </a:xfrm>
+        </p:grpSpPr>
+        <p:pic>
+          <p:nvPicPr>
+            <p:cNvPr id="11" name="Imagem 10"/>
+            <p:cNvPicPr>
+              <a:picLocks noChangeAspect="1"/>
+            </p:cNvPicPr>
+            <p:nvPr/>
+          </p:nvPicPr>
+          <p:blipFill>
+            <a:blip r:embed="rId4"/>
+            <a:stretch>
+              <a:fillRect/>
+            </a:stretch>
+          </p:blipFill>
+          <p:spPr>
+            <a:xfrm>
+              <a:off x="3059832" y="6273659"/>
+              <a:ext cx="1125220" cy="323693"/>
+            </a:xfrm>
+            <a:prstGeom prst="rect">
+              <a:avLst/>
+            </a:prstGeom>
+            <a:ln>
+              <a:noFill/>
+            </a:ln>
+            <a:effectLst>
+              <a:outerShdw blurRad="292100" dist="139700" dir="2700000" algn="tl" rotWithShape="0">
+                <a:srgbClr val="333333">
+                  <a:alpha val="65000"/>
+                </a:srgbClr>
+              </a:outerShdw>
+            </a:effectLst>
+          </p:spPr>
+        </p:pic>
+        <p:sp>
+          <p:nvSpPr>
+            <p:cNvPr id="5" name="CaixaDeTexto 4"/>
+            <p:cNvSpPr txBox="1"/>
+            <p:nvPr/>
+          </p:nvSpPr>
+          <p:spPr>
+            <a:xfrm>
+              <a:off x="910670" y="6243596"/>
+              <a:ext cx="4667047" cy="369332"/>
+            </a:xfrm>
+            <a:prstGeom prst="rect">
+              <a:avLst/>
+            </a:prstGeom>
+            <a:noFill/>
+          </p:spPr>
+          <p:txBody>
+            <a:bodyPr wrap="none" rtlCol="0">
+              <a:spAutoFit/>
+            </a:bodyPr>
+            <a:lstStyle/>
+            <a:p>
+              <a:r>
+                <a:rPr lang="pt-BR" dirty="0" smtClean="0"/>
+                <a:t>Ao terminar, checar e                          novamente.</a:t>
+              </a:r>
+              <a:endParaRPr lang="pt-BR" dirty="0"/>
+            </a:p>
+          </p:txBody>
+        </p:sp>
+        <p:pic>
+          <p:nvPicPr>
+            <p:cNvPr id="7" name="Imagem 6"/>
+            <p:cNvPicPr>
+              <a:picLocks noChangeAspect="1"/>
+            </p:cNvPicPr>
+            <p:nvPr/>
+          </p:nvPicPr>
+          <p:blipFill>
+            <a:blip r:embed="rId5">
+              <a:clrChange>
+                <a:clrFrom>
+                  <a:srgbClr val="FFFFFF"/>
+                </a:clrFrom>
+                <a:clrTo>
+                  <a:srgbClr val="FFFFFF">
+                    <a:alpha val="0"/>
+                  </a:srgbClr>
+                </a:clrTo>
+              </a:clrChange>
+            </a:blip>
+            <a:stretch>
+              <a:fillRect/>
+            </a:stretch>
+          </p:blipFill>
+          <p:spPr>
+            <a:xfrm>
+              <a:off x="424118" y="6287198"/>
+              <a:ext cx="547482" cy="421305"/>
+            </a:xfrm>
+            <a:prstGeom prst="rect">
+              <a:avLst/>
+            </a:prstGeom>
+          </p:spPr>
+        </p:pic>
+      </p:grpSp>
       <p:pic>
         <p:nvPicPr>
           <p:cNvPr id="17" name="Imagem 16"/>
@@ -10568,7 +10758,7 @@
           <p:nvPr/>
         </p:nvPicPr>
         <p:blipFill>
-          <a:blip r:embed="rId3">
+          <a:blip r:embed="rId5">
             <a:clrChange>
               <a:clrFrom>
                 <a:srgbClr val="FFFFFF"/>
@@ -10603,7 +10793,7 @@
           <p:nvPr/>
         </p:nvPicPr>
         <p:blipFill>
-          <a:blip r:embed="rId3">
+          <a:blip r:embed="rId5">
             <a:clrChange>
               <a:clrFrom>
                 <a:srgbClr val="FFFFFF"/>
@@ -10621,7 +10811,7 @@
         </p:blipFill>
         <p:spPr>
           <a:xfrm rot="19147307" flipH="1">
-            <a:off x="6174632" y="3212975"/>
+            <a:off x="5931868" y="3190853"/>
             <a:ext cx="547482" cy="421305"/>
           </a:xfrm>
           <a:prstGeom prst="rect">
@@ -10629,140 +10819,10 @@
           </a:prstGeom>
         </p:spPr>
       </p:pic>
-      <p:pic>
-        <p:nvPicPr>
-          <p:cNvPr id="15" name="Imagem 14"/>
-          <p:cNvPicPr>
-            <a:picLocks noChangeAspect="1"/>
-          </p:cNvPicPr>
-          <p:nvPr/>
-        </p:nvPicPr>
-        <p:blipFill>
-          <a:blip r:embed="rId4"/>
-          <a:stretch>
-            <a:fillRect/>
-          </a:stretch>
-        </p:blipFill>
-        <p:spPr>
-          <a:xfrm>
-            <a:off x="1619673" y="2060847"/>
-            <a:ext cx="5725542" cy="3768527"/>
-          </a:xfrm>
-          <a:prstGeom prst="rect">
-            <a:avLst/>
-          </a:prstGeom>
-          <a:ln>
-            <a:noFill/>
-          </a:ln>
-          <a:effectLst>
-            <a:outerShdw blurRad="292100" dist="139700" dir="2700000" algn="tl" rotWithShape="0">
-              <a:srgbClr val="333333">
-                <a:alpha val="65000"/>
-              </a:srgbClr>
-            </a:outerShdw>
-          </a:effectLst>
-        </p:spPr>
-      </p:pic>
-      <p:pic>
-        <p:nvPicPr>
-          <p:cNvPr id="18" name="Imagem 17"/>
-          <p:cNvPicPr>
-            <a:picLocks noChangeAspect="1"/>
-          </p:cNvPicPr>
-          <p:nvPr/>
-        </p:nvPicPr>
-        <p:blipFill>
-          <a:blip r:embed="rId3">
-            <a:clrChange>
-              <a:clrFrom>
-                <a:srgbClr val="FFFFFF"/>
-              </a:clrFrom>
-              <a:clrTo>
-                <a:srgbClr val="FFFFFF">
-                  <a:alpha val="0"/>
-                </a:srgbClr>
-              </a:clrTo>
-            </a:clrChange>
-          </a:blip>
-          <a:stretch>
-            <a:fillRect/>
-          </a:stretch>
-        </p:blipFill>
-        <p:spPr>
-          <a:xfrm rot="2513887" flipH="1">
-            <a:off x="2672036" y="4422045"/>
-            <a:ext cx="547482" cy="421305"/>
-          </a:xfrm>
-          <a:prstGeom prst="rect">
-            <a:avLst/>
-          </a:prstGeom>
-        </p:spPr>
-      </p:pic>
-      <p:sp>
-        <p:nvSpPr>
-          <p:cNvPr id="20" name="CaixaDeTexto 19"/>
-          <p:cNvSpPr txBox="1"/>
-          <p:nvPr/>
-        </p:nvSpPr>
-        <p:spPr>
-          <a:xfrm>
-            <a:off x="266268" y="5970766"/>
-            <a:ext cx="8775351" cy="338554"/>
-          </a:xfrm>
-          <a:prstGeom prst="rect">
-            <a:avLst/>
-          </a:prstGeom>
-          <a:noFill/>
-        </p:spPr>
-        <p:txBody>
-          <a:bodyPr wrap="none" rtlCol="0">
-            <a:spAutoFit/>
-          </a:bodyPr>
-          <a:lstStyle/>
-          <a:p>
-            <a:pPr marL="285750" indent="-285750">
-              <a:buFont typeface="Wingdings" panose="05000000000000000000" pitchFamily="2" charset="2"/>
-              <a:buChar char="Ø"/>
-            </a:pPr>
-            <a:r>
-              <a:rPr lang="pt-BR" sz="1600" dirty="0" smtClean="0"/>
-              <a:t>O botão “</a:t>
-            </a:r>
-            <a:r>
-              <a:rPr lang="pt-BR" sz="1600" dirty="0" err="1" smtClean="0"/>
-              <a:t>Generate</a:t>
-            </a:r>
-            <a:r>
-              <a:rPr lang="pt-BR" sz="1600" dirty="0" smtClean="0"/>
-              <a:t>” gera um </a:t>
-            </a:r>
-            <a:r>
-              <a:rPr lang="pt-BR" sz="1600" dirty="0" err="1" smtClean="0"/>
-              <a:t>Makefile</a:t>
-            </a:r>
-            <a:r>
-              <a:rPr lang="pt-BR" sz="1600" dirty="0" smtClean="0"/>
-              <a:t> ou um </a:t>
-            </a:r>
-            <a:r>
-              <a:rPr lang="pt-BR" sz="1600" dirty="0" err="1" smtClean="0"/>
-              <a:t>Solution</a:t>
-            </a:r>
-            <a:r>
-              <a:rPr lang="pt-BR" sz="1600" dirty="0" smtClean="0"/>
-              <a:t> pronto para compilação no diretório de build</a:t>
-            </a:r>
-            <a:r>
-              <a:rPr lang="pt-BR" sz="1600" dirty="0" smtClean="0"/>
-              <a:t>.</a:t>
-            </a:r>
-          </a:p>
-        </p:txBody>
-      </p:sp>
     </p:spTree>
     <p:extLst>
       <p:ext uri="{BB962C8B-B14F-4D97-AF65-F5344CB8AC3E}">
-        <p14:creationId xmlns:p14="http://schemas.microsoft.com/office/powerpoint/2010/main" val="1560415685"/>
+        <p14:creationId xmlns:p14="http://schemas.microsoft.com/office/powerpoint/2010/main" val="332444690"/>
       </p:ext>
     </p:extLst>
   </p:cSld>
@@ -10796,298 +10856,6 @@
           <a:chExt cx="0" cy="0"/>
         </a:xfrm>
       </p:grpSpPr>
-      <p:sp>
-        <p:nvSpPr>
-          <p:cNvPr id="4" name="Título 3"/>
-          <p:cNvSpPr>
-            <a:spLocks noGrp="1"/>
-          </p:cNvSpPr>
-          <p:nvPr>
-            <p:ph type="ctrTitle"/>
-          </p:nvPr>
-        </p:nvSpPr>
-        <p:spPr>
-          <a:xfrm>
-            <a:off x="3275856" y="138754"/>
-            <a:ext cx="4680520" cy="504056"/>
-          </a:xfrm>
-        </p:spPr>
-        <p:txBody>
-          <a:bodyPr>
-            <a:normAutofit/>
-          </a:bodyPr>
-          <a:lstStyle/>
-          <a:p>
-            <a:r>
-              <a:rPr lang="pt-BR" sz="2400" dirty="0" smtClean="0"/>
-              <a:t>4) Aplicações C++/</a:t>
-            </a:r>
-            <a:r>
-              <a:rPr lang="pt-BR" sz="2400" dirty="0" err="1" smtClean="0"/>
-              <a:t>Qt</a:t>
-            </a:r>
-            <a:r>
-              <a:rPr lang="pt-BR" sz="2400" dirty="0" smtClean="0"/>
-              <a:t> com VTK</a:t>
-            </a:r>
-            <a:endParaRPr lang="pt-BR" sz="1400" dirty="0"/>
-          </a:p>
-        </p:txBody>
-      </p:sp>
-      <p:sp>
-        <p:nvSpPr>
-          <p:cNvPr id="54" name="CaixaDeTexto 53"/>
-          <p:cNvSpPr txBox="1"/>
-          <p:nvPr/>
-        </p:nvSpPr>
-        <p:spPr>
-          <a:xfrm>
-            <a:off x="4067944" y="1218238"/>
-            <a:ext cx="1608133" cy="338554"/>
-          </a:xfrm>
-          <a:prstGeom prst="rect">
-            <a:avLst/>
-          </a:prstGeom>
-          <a:noFill/>
-        </p:spPr>
-        <p:txBody>
-          <a:bodyPr wrap="none" rtlCol="0">
-            <a:spAutoFit/>
-          </a:bodyPr>
-          <a:lstStyle/>
-          <a:p>
-            <a:r>
-              <a:rPr lang="pt-BR" sz="1600" b="1" dirty="0" smtClean="0"/>
-              <a:t>4.1.3) </a:t>
-            </a:r>
-            <a:r>
-              <a:rPr lang="pt-BR" sz="1600" b="1" dirty="0" err="1" smtClean="0"/>
-              <a:t>Hello</a:t>
-            </a:r>
-            <a:r>
-              <a:rPr lang="pt-BR" sz="1600" b="1" dirty="0" smtClean="0"/>
-              <a:t> VTK!</a:t>
-            </a:r>
-            <a:endParaRPr lang="pt-BR" sz="1600" b="1" dirty="0"/>
-          </a:p>
-        </p:txBody>
-      </p:sp>
-      <p:sp>
-        <p:nvSpPr>
-          <p:cNvPr id="55" name="CaixaDeTexto 54"/>
-          <p:cNvSpPr txBox="1"/>
-          <p:nvPr/>
-        </p:nvSpPr>
-        <p:spPr>
-          <a:xfrm>
-            <a:off x="2987824" y="908720"/>
-            <a:ext cx="4154984" cy="369332"/>
-          </a:xfrm>
-          <a:prstGeom prst="rect">
-            <a:avLst/>
-          </a:prstGeom>
-          <a:noFill/>
-        </p:spPr>
-        <p:txBody>
-          <a:bodyPr wrap="none" rtlCol="0">
-            <a:spAutoFit/>
-          </a:bodyPr>
-          <a:lstStyle/>
-          <a:p>
-            <a:r>
-              <a:rPr lang="pt-BR" b="1" dirty="0" smtClean="0"/>
-              <a:t>4.1) Criando um aplicativo VTK elementar</a:t>
-            </a:r>
-            <a:endParaRPr lang="pt-BR" b="1" dirty="0"/>
-          </a:p>
-        </p:txBody>
-      </p:sp>
-      <p:sp>
-        <p:nvSpPr>
-          <p:cNvPr id="14" name="CaixaDeTexto 13"/>
-          <p:cNvSpPr txBox="1"/>
-          <p:nvPr/>
-        </p:nvSpPr>
-        <p:spPr>
-          <a:xfrm>
-            <a:off x="263696" y="1700808"/>
-            <a:ext cx="8484768" cy="1569660"/>
-          </a:xfrm>
-          <a:prstGeom prst="rect">
-            <a:avLst/>
-          </a:prstGeom>
-          <a:noFill/>
-        </p:spPr>
-        <p:txBody>
-          <a:bodyPr wrap="square" rtlCol="0">
-            <a:spAutoFit/>
-          </a:bodyPr>
-          <a:lstStyle/>
-          <a:p>
-            <a:pPr marL="285750" indent="-285750" algn="just">
-              <a:buFont typeface="Wingdings" panose="05000000000000000000" pitchFamily="2" charset="2"/>
-              <a:buChar char="Ø"/>
-            </a:pPr>
-            <a:r>
-              <a:rPr lang="pt-BR" sz="1600" dirty="0" smtClean="0"/>
-              <a:t>Disparar a compilação de acordo com o procedimento do </a:t>
-            </a:r>
-            <a:r>
-              <a:rPr lang="pt-BR" sz="1600" i="1" dirty="0" err="1" smtClean="0"/>
-              <a:t>toolset</a:t>
-            </a:r>
-            <a:r>
-              <a:rPr lang="pt-BR" sz="1600" dirty="0" smtClean="0"/>
-              <a:t> escolhido, por exemplo:</a:t>
-            </a:r>
-          </a:p>
-          <a:p>
-            <a:pPr lvl="1" algn="just"/>
-            <a:r>
-              <a:rPr lang="pt-BR" sz="1600" dirty="0" smtClean="0">
-                <a:latin typeface="Courier New" panose="02070309020205020404" pitchFamily="49" charset="0"/>
-                <a:cs typeface="Courier New" panose="02070309020205020404" pitchFamily="49" charset="0"/>
-              </a:rPr>
-              <a:t>$ </a:t>
-            </a:r>
-            <a:r>
-              <a:rPr lang="pt-BR" sz="1600" dirty="0" err="1" smtClean="0">
-                <a:latin typeface="Courier New" panose="02070309020205020404" pitchFamily="49" charset="0"/>
-                <a:cs typeface="Courier New" panose="02070309020205020404" pitchFamily="49" charset="0"/>
-              </a:rPr>
-              <a:t>cd</a:t>
-            </a:r>
-            <a:r>
-              <a:rPr lang="pt-BR" sz="1600" dirty="0" smtClean="0">
-                <a:latin typeface="Courier New" panose="02070309020205020404" pitchFamily="49" charset="0"/>
-                <a:cs typeface="Courier New" panose="02070309020205020404" pitchFamily="49" charset="0"/>
-              </a:rPr>
-              <a:t> &lt;</a:t>
-            </a:r>
-            <a:r>
-              <a:rPr lang="pt-BR" sz="1600" dirty="0" err="1" smtClean="0">
-                <a:latin typeface="Courier New" panose="02070309020205020404" pitchFamily="49" charset="0"/>
-                <a:cs typeface="Courier New" panose="02070309020205020404" pitchFamily="49" charset="0"/>
-              </a:rPr>
-              <a:t>build_dir</a:t>
-            </a:r>
-            <a:r>
-              <a:rPr lang="pt-BR" sz="1600" dirty="0" smtClean="0">
-                <a:latin typeface="Courier New" panose="02070309020205020404" pitchFamily="49" charset="0"/>
-                <a:cs typeface="Courier New" panose="02070309020205020404" pitchFamily="49" charset="0"/>
-              </a:rPr>
-              <a:t>&gt;; </a:t>
-            </a:r>
-            <a:r>
-              <a:rPr lang="pt-BR" sz="1600" dirty="0" err="1" smtClean="0">
-                <a:latin typeface="Courier New" panose="02070309020205020404" pitchFamily="49" charset="0"/>
-                <a:cs typeface="Courier New" panose="02070309020205020404" pitchFamily="49" charset="0"/>
-              </a:rPr>
-              <a:t>make</a:t>
-            </a:r>
-            <a:r>
-              <a:rPr lang="pt-BR" sz="1600" dirty="0" smtClean="0">
-                <a:latin typeface="Courier New" panose="02070309020205020404" pitchFamily="49" charset="0"/>
-                <a:cs typeface="Courier New" panose="02070309020205020404" pitchFamily="49" charset="0"/>
-              </a:rPr>
-              <a:t>; </a:t>
-            </a:r>
-            <a:r>
-              <a:rPr lang="pt-BR" sz="1600" dirty="0" err="1" smtClean="0">
-                <a:latin typeface="Courier New" panose="02070309020205020404" pitchFamily="49" charset="0"/>
-                <a:cs typeface="Courier New" panose="02070309020205020404" pitchFamily="49" charset="0"/>
-              </a:rPr>
-              <a:t>make</a:t>
-            </a:r>
-            <a:r>
-              <a:rPr lang="pt-BR" sz="1600" dirty="0" smtClean="0">
-                <a:latin typeface="Courier New" panose="02070309020205020404" pitchFamily="49" charset="0"/>
-                <a:cs typeface="Courier New" panose="02070309020205020404" pitchFamily="49" charset="0"/>
-              </a:rPr>
-              <a:t> </a:t>
-            </a:r>
-            <a:r>
-              <a:rPr lang="pt-BR" sz="1600" dirty="0" err="1" smtClean="0">
-                <a:latin typeface="Courier New" panose="02070309020205020404" pitchFamily="49" charset="0"/>
-                <a:cs typeface="Courier New" panose="02070309020205020404" pitchFamily="49" charset="0"/>
-              </a:rPr>
-              <a:t>install</a:t>
-            </a:r>
-            <a:r>
-              <a:rPr lang="pt-BR" sz="1600" dirty="0" smtClean="0"/>
-              <a:t> para GNU ou clique no botão                     .                do </a:t>
-            </a:r>
-            <a:r>
-              <a:rPr lang="pt-BR" sz="1600" dirty="0" err="1" smtClean="0"/>
-              <a:t>CMake</a:t>
-            </a:r>
-            <a:r>
-              <a:rPr lang="pt-BR" sz="1600" dirty="0" smtClean="0"/>
-              <a:t> GUI para abrir a </a:t>
-            </a:r>
-            <a:r>
-              <a:rPr lang="pt-BR" sz="1600" dirty="0" err="1" smtClean="0"/>
-              <a:t>Solution</a:t>
-            </a:r>
-            <a:r>
-              <a:rPr lang="pt-BR" sz="1600" dirty="0" smtClean="0"/>
-              <a:t> no VS e disparar a compilação e instalação.</a:t>
-            </a:r>
-          </a:p>
-          <a:p>
-            <a:pPr lvl="1" algn="just"/>
-            <a:endParaRPr lang="pt-BR" sz="1600" dirty="0"/>
-          </a:p>
-          <a:p>
-            <a:pPr marL="285750" indent="-285750" algn="just">
-              <a:buFont typeface="Wingdings" panose="05000000000000000000" pitchFamily="2" charset="2"/>
-              <a:buChar char="Ø"/>
-            </a:pPr>
-            <a:r>
-              <a:rPr lang="pt-BR" sz="1600" dirty="0" smtClean="0"/>
-              <a:t>Configurar o projeto no </a:t>
-            </a:r>
-            <a:r>
-              <a:rPr lang="pt-BR" sz="1600" dirty="0" err="1" smtClean="0"/>
-              <a:t>Qt</a:t>
-            </a:r>
-            <a:r>
-              <a:rPr lang="pt-BR" sz="1600" dirty="0" smtClean="0"/>
-              <a:t> </a:t>
-            </a:r>
-            <a:r>
-              <a:rPr lang="pt-BR" sz="1600" dirty="0" err="1" smtClean="0"/>
-              <a:t>Creator</a:t>
-            </a:r>
-            <a:r>
-              <a:rPr lang="pt-BR" sz="1600" dirty="0" smtClean="0"/>
-              <a:t>: File </a:t>
-            </a:r>
-            <a:r>
-              <a:rPr lang="pt-BR" sz="1600" dirty="0" smtClean="0">
-                <a:sym typeface="Wingdings" panose="05000000000000000000" pitchFamily="2" charset="2"/>
-              </a:rPr>
-              <a:t> Open  </a:t>
-            </a:r>
-            <a:r>
-              <a:rPr lang="pt-BR" sz="1600" dirty="0" smtClean="0">
-                <a:latin typeface="Courier New" panose="02070309020205020404" pitchFamily="49" charset="0"/>
-                <a:cs typeface="Courier New" panose="02070309020205020404" pitchFamily="49" charset="0"/>
-                <a:sym typeface="Wingdings" panose="05000000000000000000" pitchFamily="2" charset="2"/>
-              </a:rPr>
-              <a:t>CMakeLists.txt</a:t>
-            </a:r>
-            <a:endParaRPr lang="pt-BR" sz="1600" dirty="0">
-              <a:latin typeface="Courier New" panose="02070309020205020404" pitchFamily="49" charset="0"/>
-              <a:cs typeface="Courier New" panose="02070309020205020404" pitchFamily="49" charset="0"/>
-            </a:endParaRPr>
-          </a:p>
-          <a:p>
-            <a:pPr lvl="1" algn="just"/>
-            <a:endParaRPr lang="pt-BR" sz="1600" dirty="0" smtClean="0"/>
-          </a:p>
-        </p:txBody>
-      </p:sp>
       <p:pic>
         <p:nvPicPr>
           <p:cNvPr id="2" name="Imagem 1"/>
@@ -11104,32 +10872,8 @@
         </p:blipFill>
         <p:spPr>
           <a:xfrm>
-            <a:off x="827584" y="2276872"/>
-            <a:ext cx="695325" cy="200025"/>
-          </a:xfrm>
-          <a:prstGeom prst="rect">
-            <a:avLst/>
-          </a:prstGeom>
-        </p:spPr>
-      </p:pic>
-      <p:pic>
-        <p:nvPicPr>
-          <p:cNvPr id="3" name="Imagem 2"/>
-          <p:cNvPicPr>
-            <a:picLocks noChangeAspect="1"/>
-          </p:cNvPicPr>
-          <p:nvPr/>
-        </p:nvPicPr>
-        <p:blipFill>
-          <a:blip r:embed="rId4"/>
-          <a:stretch>
-            <a:fillRect/>
-          </a:stretch>
-        </p:blipFill>
-        <p:spPr>
-          <a:xfrm>
-            <a:off x="971600" y="2996952"/>
-            <a:ext cx="6842904" cy="2153806"/>
+            <a:off x="1907704" y="2132856"/>
+            <a:ext cx="5362178" cy="3754738"/>
           </a:xfrm>
           <a:prstGeom prst="rect">
             <a:avLst/>
@@ -11146,16 +10890,156 @@
           </a:effectLst>
         </p:spPr>
       </p:pic>
+      <p:sp>
+        <p:nvSpPr>
+          <p:cNvPr id="4" name="Título 3"/>
+          <p:cNvSpPr>
+            <a:spLocks noGrp="1"/>
+          </p:cNvSpPr>
+          <p:nvPr>
+            <p:ph type="ctrTitle"/>
+          </p:nvPr>
+        </p:nvSpPr>
+        <p:spPr>
+          <a:xfrm>
+            <a:off x="3275856" y="138754"/>
+            <a:ext cx="4680520" cy="504056"/>
+          </a:xfrm>
+        </p:spPr>
+        <p:txBody>
+          <a:bodyPr>
+            <a:normAutofit/>
+          </a:bodyPr>
+          <a:lstStyle/>
+          <a:p>
+            <a:r>
+              <a:rPr lang="pt-BR" sz="2400" dirty="0" smtClean="0"/>
+              <a:t>4) Aplicações C++/</a:t>
+            </a:r>
+            <a:r>
+              <a:rPr lang="pt-BR" sz="2400" dirty="0" err="1" smtClean="0"/>
+              <a:t>Qt</a:t>
+            </a:r>
+            <a:r>
+              <a:rPr lang="pt-BR" sz="2400" dirty="0" smtClean="0"/>
+              <a:t> com VTK</a:t>
+            </a:r>
+            <a:endParaRPr lang="pt-BR" sz="1400" dirty="0"/>
+          </a:p>
+        </p:txBody>
+      </p:sp>
+      <p:sp>
+        <p:nvSpPr>
+          <p:cNvPr id="54" name="CaixaDeTexto 53"/>
+          <p:cNvSpPr txBox="1"/>
+          <p:nvPr/>
+        </p:nvSpPr>
+        <p:spPr>
+          <a:xfrm>
+            <a:off x="4067944" y="1218238"/>
+            <a:ext cx="1608133" cy="338554"/>
+          </a:xfrm>
+          <a:prstGeom prst="rect">
+            <a:avLst/>
+          </a:prstGeom>
+          <a:noFill/>
+        </p:spPr>
+        <p:txBody>
+          <a:bodyPr wrap="none" rtlCol="0">
+            <a:spAutoFit/>
+          </a:bodyPr>
+          <a:lstStyle/>
+          <a:p>
+            <a:r>
+              <a:rPr lang="pt-BR" sz="1600" b="1" dirty="0" smtClean="0"/>
+              <a:t>4.1.3) </a:t>
+            </a:r>
+            <a:r>
+              <a:rPr lang="pt-BR" sz="1600" b="1" dirty="0" err="1" smtClean="0"/>
+              <a:t>Hello</a:t>
+            </a:r>
+            <a:r>
+              <a:rPr lang="pt-BR" sz="1600" b="1" dirty="0" smtClean="0"/>
+              <a:t> VTK!</a:t>
+            </a:r>
+            <a:endParaRPr lang="pt-BR" sz="1600" b="1" dirty="0"/>
+          </a:p>
+        </p:txBody>
+      </p:sp>
+      <p:sp>
+        <p:nvSpPr>
+          <p:cNvPr id="55" name="CaixaDeTexto 54"/>
+          <p:cNvSpPr txBox="1"/>
+          <p:nvPr/>
+        </p:nvSpPr>
+        <p:spPr>
+          <a:xfrm>
+            <a:off x="2987824" y="908720"/>
+            <a:ext cx="4154984" cy="369332"/>
+          </a:xfrm>
+          <a:prstGeom prst="rect">
+            <a:avLst/>
+          </a:prstGeom>
+          <a:noFill/>
+        </p:spPr>
+        <p:txBody>
+          <a:bodyPr wrap="none" rtlCol="0">
+            <a:spAutoFit/>
+          </a:bodyPr>
+          <a:lstStyle/>
+          <a:p>
+            <a:r>
+              <a:rPr lang="pt-BR" b="1" dirty="0" smtClean="0"/>
+              <a:t>4.1) Criando um aplicativo VTK elementar</a:t>
+            </a:r>
+            <a:endParaRPr lang="pt-BR" b="1" dirty="0"/>
+          </a:p>
+        </p:txBody>
+      </p:sp>
+      <p:sp>
+        <p:nvSpPr>
+          <p:cNvPr id="14" name="CaixaDeTexto 13"/>
+          <p:cNvSpPr txBox="1"/>
+          <p:nvPr/>
+        </p:nvSpPr>
+        <p:spPr>
+          <a:xfrm>
+            <a:off x="263696" y="1700808"/>
+            <a:ext cx="8863645" cy="338554"/>
+          </a:xfrm>
+          <a:prstGeom prst="rect">
+            <a:avLst/>
+          </a:prstGeom>
+          <a:noFill/>
+        </p:spPr>
+        <p:txBody>
+          <a:bodyPr wrap="none" rtlCol="0">
+            <a:spAutoFit/>
+          </a:bodyPr>
+          <a:lstStyle/>
+          <a:p>
+            <a:pPr marL="285750" indent="-285750">
+              <a:buFont typeface="Wingdings" panose="05000000000000000000" pitchFamily="2" charset="2"/>
+              <a:buChar char="Ø"/>
+            </a:pPr>
+            <a:r>
+              <a:rPr lang="pt-BR" sz="1600" dirty="0" smtClean="0"/>
+              <a:t>Repetir os passos de configuração até que nenhuma variável nova apareça (destacadas em vermelho).</a:t>
+            </a:r>
+            <a:endParaRPr lang="pt-BR" sz="1600" dirty="0"/>
+          </a:p>
+        </p:txBody>
+      </p:sp>
       <p:pic>
         <p:nvPicPr>
-          <p:cNvPr id="13" name="Imagem 12"/>
+          <p:cNvPr id="18" name="Imagem 17"/>
           <p:cNvPicPr>
             <a:picLocks noChangeAspect="1"/>
           </p:cNvPicPr>
           <p:nvPr/>
         </p:nvPicPr>
         <p:blipFill>
-          <a:blip r:embed="rId5">
+          <a:blip r:embed="rId4">
             <a:clrChange>
               <a:clrFrom>
                 <a:srgbClr val="FFFFFF"/>
@@ -11173,7 +11057,7 @@
         </p:blipFill>
         <p:spPr>
           <a:xfrm rot="2513887" flipH="1">
-            <a:off x="1978393" y="4695562"/>
+            <a:off x="2809074" y="4318905"/>
             <a:ext cx="547482" cy="421305"/>
           </a:xfrm>
           <a:prstGeom prst="rect">
@@ -11181,131 +11065,67 @@
           </a:prstGeom>
         </p:spPr>
       </p:pic>
-      <p:pic>
-        <p:nvPicPr>
-          <p:cNvPr id="5" name="Imagem 4"/>
-          <p:cNvPicPr>
-            <a:picLocks noChangeAspect="1"/>
-          </p:cNvPicPr>
+      <p:sp>
+        <p:nvSpPr>
+          <p:cNvPr id="20" name="CaixaDeTexto 19"/>
+          <p:cNvSpPr txBox="1"/>
           <p:nvPr/>
-        </p:nvPicPr>
-        <p:blipFill>
-          <a:blip r:embed="rId6"/>
-          <a:stretch>
-            <a:fillRect/>
-          </a:stretch>
-        </p:blipFill>
-        <p:spPr>
-          <a:xfrm>
-            <a:off x="1592188" y="5445224"/>
-            <a:ext cx="5053052" cy="1001678"/>
+        </p:nvSpPr>
+        <p:spPr>
+          <a:xfrm>
+            <a:off x="266268" y="5970766"/>
+            <a:ext cx="8775351" cy="338554"/>
           </a:xfrm>
           <a:prstGeom prst="rect">
             <a:avLst/>
           </a:prstGeom>
-          <a:ln>
-            <a:noFill/>
-          </a:ln>
-          <a:effectLst>
-            <a:outerShdw blurRad="292100" dist="139700" dir="2700000" algn="tl" rotWithShape="0">
-              <a:srgbClr val="333333">
-                <a:alpha val="65000"/>
-              </a:srgbClr>
-            </a:outerShdw>
-          </a:effectLst>
-        </p:spPr>
-      </p:pic>
-      <p:pic>
-        <p:nvPicPr>
-          <p:cNvPr id="16" name="Imagem 15"/>
-          <p:cNvPicPr>
-            <a:picLocks noChangeAspect="1"/>
-          </p:cNvPicPr>
-          <p:nvPr/>
-        </p:nvPicPr>
-        <p:blipFill>
-          <a:blip r:embed="rId5">
-            <a:clrChange>
-              <a:clrFrom>
-                <a:srgbClr val="FFFFFF"/>
-              </a:clrFrom>
-              <a:clrTo>
-                <a:srgbClr val="FFFFFF">
-                  <a:alpha val="0"/>
-                </a:srgbClr>
-              </a:clrTo>
-            </a:clrChange>
-          </a:blip>
-          <a:stretch>
-            <a:fillRect/>
-          </a:stretch>
-        </p:blipFill>
-        <p:spPr>
-          <a:xfrm>
-            <a:off x="1131002" y="5643358"/>
-            <a:ext cx="547482" cy="421305"/>
-          </a:xfrm>
-          <a:prstGeom prst="rect">
-            <a:avLst/>
-          </a:prstGeom>
-        </p:spPr>
-      </p:pic>
-      <p:sp>
-        <p:nvSpPr>
-          <p:cNvPr id="21" name="Seta para baixo 20"/>
-          <p:cNvSpPr/>
-          <p:nvPr/>
-        </p:nvSpPr>
-        <p:spPr>
-          <a:xfrm rot="20701908">
-            <a:off x="2751084" y="4665317"/>
-            <a:ext cx="213762" cy="909170"/>
-          </a:xfrm>
-          <a:prstGeom prst="downArrow">
-            <a:avLst/>
-          </a:prstGeom>
-          <a:pattFill prst="pct25">
-            <a:fgClr>
-              <a:schemeClr val="dk1"/>
-            </a:fgClr>
-            <a:bgClr>
-              <a:schemeClr val="bg1"/>
-            </a:bgClr>
-          </a:pattFill>
-        </p:spPr>
-        <p:style>
-          <a:lnRef idx="2">
-            <a:schemeClr val="dk1">
-              <a:shade val="50000"/>
-            </a:schemeClr>
-          </a:lnRef>
-          <a:fillRef idx="1">
-            <a:schemeClr val="dk1"/>
-          </a:fillRef>
-          <a:effectRef idx="0">
-            <a:schemeClr val="dk1"/>
-          </a:effectRef>
-          <a:fontRef idx="minor">
-            <a:schemeClr val="lt1"/>
-          </a:fontRef>
-        </p:style>
-        <p:txBody>
-          <a:bodyPr rtlCol="0" anchor="ctr"/>
-          <a:lstStyle/>
-          <a:p>
-            <a:pPr algn="ctr"/>
-            <a:endParaRPr lang="pt-BR" dirty="0" smtClean="0">
-              <a:solidFill>
-                <a:schemeClr val="tx1"/>
-              </a:solidFill>
-            </a:endParaRPr>
+          <a:noFill/>
+        </p:spPr>
+        <p:txBody>
+          <a:bodyPr wrap="none" rtlCol="0">
+            <a:spAutoFit/>
+          </a:bodyPr>
+          <a:lstStyle/>
+          <a:p>
+            <a:pPr marL="285750" indent="-285750">
+              <a:buFont typeface="Wingdings" panose="05000000000000000000" pitchFamily="2" charset="2"/>
+              <a:buChar char="Ø"/>
+            </a:pPr>
+            <a:r>
+              <a:rPr lang="pt-BR" sz="1600" dirty="0" smtClean="0"/>
+              <a:t>O botão “</a:t>
+            </a:r>
+            <a:r>
+              <a:rPr lang="pt-BR" sz="1600" dirty="0" err="1" smtClean="0"/>
+              <a:t>Generate</a:t>
+            </a:r>
+            <a:r>
+              <a:rPr lang="pt-BR" sz="1600" dirty="0" smtClean="0"/>
+              <a:t>” gera um </a:t>
+            </a:r>
+            <a:r>
+              <a:rPr lang="pt-BR" sz="1600" dirty="0" err="1" smtClean="0"/>
+              <a:t>Makefile</a:t>
+            </a:r>
+            <a:r>
+              <a:rPr lang="pt-BR" sz="1600" dirty="0" smtClean="0"/>
+              <a:t> ou um </a:t>
+            </a:r>
+            <a:r>
+              <a:rPr lang="pt-BR" sz="1600" dirty="0" err="1" smtClean="0"/>
+              <a:t>Solution</a:t>
+            </a:r>
+            <a:r>
+              <a:rPr lang="pt-BR" sz="1600" dirty="0" smtClean="0"/>
+              <a:t> pronto para compilação no diretório de build.</a:t>
+            </a:r>
           </a:p>
         </p:txBody>
       </p:sp>
     </p:spTree>
     <p:extLst>
       <p:ext uri="{BB962C8B-B14F-4D97-AF65-F5344CB8AC3E}">
-        <p14:creationId xmlns:p14="http://schemas.microsoft.com/office/powerpoint/2010/main" val="3852235901"/>
+        <p14:creationId xmlns:p14="http://schemas.microsoft.com/office/powerpoint/2010/main" val="1560415685"/>
       </p:ext>
     </p:extLst>
   </p:cSld>
@@ -11339,217 +11159,24 @@
           <a:chExt cx="0" cy="0"/>
         </a:xfrm>
       </p:grpSpPr>
-      <p:sp>
-        <p:nvSpPr>
-          <p:cNvPr id="4" name="Título 3"/>
-          <p:cNvSpPr>
-            <a:spLocks noGrp="1"/>
-          </p:cNvSpPr>
-          <p:nvPr>
-            <p:ph type="ctrTitle"/>
-          </p:nvPr>
-        </p:nvSpPr>
-        <p:spPr>
-          <a:xfrm>
-            <a:off x="3275856" y="138754"/>
-            <a:ext cx="4680520" cy="504056"/>
-          </a:xfrm>
-        </p:spPr>
-        <p:txBody>
-          <a:bodyPr>
-            <a:normAutofit/>
-          </a:bodyPr>
-          <a:lstStyle/>
-          <a:p>
-            <a:r>
-              <a:rPr lang="pt-BR" sz="2400" dirty="0" smtClean="0"/>
-              <a:t>4) Aplicações C++/</a:t>
-            </a:r>
-            <a:r>
-              <a:rPr lang="pt-BR" sz="2400" dirty="0" err="1" smtClean="0"/>
-              <a:t>Qt</a:t>
-            </a:r>
-            <a:r>
-              <a:rPr lang="pt-BR" sz="2400" dirty="0" smtClean="0"/>
-              <a:t> com VTK</a:t>
-            </a:r>
-            <a:endParaRPr lang="pt-BR" sz="1400" dirty="0"/>
-          </a:p>
-        </p:txBody>
-      </p:sp>
-      <p:sp>
-        <p:nvSpPr>
-          <p:cNvPr id="54" name="CaixaDeTexto 53"/>
-          <p:cNvSpPr txBox="1"/>
-          <p:nvPr/>
-        </p:nvSpPr>
-        <p:spPr>
-          <a:xfrm>
-            <a:off x="4067944" y="1218238"/>
-            <a:ext cx="1608133" cy="338554"/>
-          </a:xfrm>
-          <a:prstGeom prst="rect">
-            <a:avLst/>
-          </a:prstGeom>
-          <a:noFill/>
-        </p:spPr>
-        <p:txBody>
-          <a:bodyPr wrap="none" rtlCol="0">
-            <a:spAutoFit/>
-          </a:bodyPr>
-          <a:lstStyle/>
-          <a:p>
-            <a:r>
-              <a:rPr lang="pt-BR" sz="1600" b="1" dirty="0" smtClean="0"/>
-              <a:t>4.1.3) </a:t>
-            </a:r>
-            <a:r>
-              <a:rPr lang="pt-BR" sz="1600" b="1" dirty="0" err="1" smtClean="0"/>
-              <a:t>Hello</a:t>
-            </a:r>
-            <a:r>
-              <a:rPr lang="pt-BR" sz="1600" b="1" dirty="0" smtClean="0"/>
-              <a:t> VTK!</a:t>
-            </a:r>
-            <a:endParaRPr lang="pt-BR" sz="1600" b="1" dirty="0"/>
-          </a:p>
-        </p:txBody>
-      </p:sp>
-      <p:sp>
-        <p:nvSpPr>
-          <p:cNvPr id="55" name="CaixaDeTexto 54"/>
-          <p:cNvSpPr txBox="1"/>
-          <p:nvPr/>
-        </p:nvSpPr>
-        <p:spPr>
-          <a:xfrm>
-            <a:off x="2987824" y="908720"/>
-            <a:ext cx="4154984" cy="369332"/>
-          </a:xfrm>
-          <a:prstGeom prst="rect">
-            <a:avLst/>
-          </a:prstGeom>
-          <a:noFill/>
-        </p:spPr>
-        <p:txBody>
-          <a:bodyPr wrap="none" rtlCol="0">
-            <a:spAutoFit/>
-          </a:bodyPr>
-          <a:lstStyle/>
-          <a:p>
-            <a:r>
-              <a:rPr lang="pt-BR" b="1" dirty="0" smtClean="0"/>
-              <a:t>4.1) Criando um aplicativo VTK elementar</a:t>
-            </a:r>
-            <a:endParaRPr lang="pt-BR" b="1" dirty="0"/>
-          </a:p>
-        </p:txBody>
-      </p:sp>
-      <p:sp>
-        <p:nvSpPr>
-          <p:cNvPr id="14" name="CaixaDeTexto 13"/>
-          <p:cNvSpPr txBox="1"/>
-          <p:nvPr/>
-        </p:nvSpPr>
-        <p:spPr>
-          <a:xfrm>
-            <a:off x="263696" y="2814027"/>
-            <a:ext cx="8484768" cy="584775"/>
-          </a:xfrm>
-          <a:prstGeom prst="rect">
-            <a:avLst/>
-          </a:prstGeom>
-          <a:noFill/>
-        </p:spPr>
-        <p:txBody>
-          <a:bodyPr wrap="square" rtlCol="0">
-            <a:spAutoFit/>
-          </a:bodyPr>
-          <a:lstStyle/>
-          <a:p>
-            <a:pPr marL="285750" indent="-285750" algn="just">
-              <a:buFont typeface="Wingdings" panose="05000000000000000000" pitchFamily="2" charset="2"/>
-              <a:buChar char="Ø"/>
-            </a:pPr>
-            <a:r>
-              <a:rPr lang="pt-BR" sz="1600" dirty="0" err="1" smtClean="0"/>
-              <a:t>Qt</a:t>
-            </a:r>
-            <a:r>
-              <a:rPr lang="pt-BR" sz="1600" dirty="0" smtClean="0"/>
-              <a:t> </a:t>
-            </a:r>
-            <a:r>
-              <a:rPr lang="pt-BR" sz="1600" dirty="0" err="1" smtClean="0"/>
-              <a:t>Creator</a:t>
-            </a:r>
-            <a:r>
-              <a:rPr lang="pt-BR" sz="1600" dirty="0" smtClean="0"/>
-              <a:t>: sempre que houver alterações no projeto (via alterações no </a:t>
-            </a:r>
-            <a:r>
-              <a:rPr lang="pt-BR" sz="1600" dirty="0" smtClean="0">
-                <a:latin typeface="Courier New" panose="02070309020205020404" pitchFamily="49" charset="0"/>
-                <a:cs typeface="Courier New" panose="02070309020205020404" pitchFamily="49" charset="0"/>
-              </a:rPr>
-              <a:t>CMakeLists.txt</a:t>
-            </a:r>
-            <a:r>
-              <a:rPr lang="pt-BR" sz="1600" dirty="0" smtClean="0"/>
-              <a:t>), deve-se chamar o menu de contexto do projeto e acionar a opção </a:t>
-            </a:r>
-            <a:r>
-              <a:rPr lang="pt-BR" sz="1600" b="1" dirty="0" err="1" smtClean="0"/>
-              <a:t>Run</a:t>
-            </a:r>
-            <a:r>
-              <a:rPr lang="pt-BR" sz="1600" b="1" dirty="0" smtClean="0"/>
-              <a:t> </a:t>
-            </a:r>
-            <a:r>
-              <a:rPr lang="pt-BR" sz="1600" b="1" dirty="0" err="1" smtClean="0"/>
-              <a:t>CMake</a:t>
-            </a:r>
-            <a:r>
-              <a:rPr lang="pt-BR" sz="1600" dirty="0"/>
-              <a:t>.</a:t>
-            </a:r>
-            <a:endParaRPr lang="pt-BR" sz="1600" dirty="0">
-              <a:latin typeface="Courier New" panose="02070309020205020404" pitchFamily="49" charset="0"/>
-              <a:cs typeface="Courier New" panose="02070309020205020404" pitchFamily="49" charset="0"/>
-            </a:endParaRPr>
-          </a:p>
-        </p:txBody>
-      </p:sp>
       <p:pic>
         <p:nvPicPr>
-          <p:cNvPr id="12" name="Imagem 11"/>
+          <p:cNvPr id="7" name="Imagem 6"/>
           <p:cNvPicPr>
             <a:picLocks noChangeAspect="1"/>
           </p:cNvPicPr>
           <p:nvPr/>
         </p:nvPicPr>
         <p:blipFill>
-          <a:blip r:embed="rId3">
-            <a:clrChange>
-              <a:clrFrom>
-                <a:srgbClr val="FFFFFF"/>
-              </a:clrFrom>
-              <a:clrTo>
-                <a:srgbClr val="FFFFFF">
-                  <a:alpha val="0"/>
-                </a:srgbClr>
-              </a:clrTo>
-            </a:clrChange>
-          </a:blip>
+          <a:blip r:embed="rId3"/>
           <a:stretch>
             <a:fillRect/>
           </a:stretch>
         </p:blipFill>
         <p:spPr>
           <a:xfrm>
-            <a:off x="4127950" y="1628800"/>
-            <a:ext cx="1092122" cy="1008112"/>
+            <a:off x="467544" y="3183829"/>
+            <a:ext cx="5961672" cy="3341515"/>
           </a:xfrm>
           <a:prstGeom prst="rect">
             <a:avLst/>
@@ -11566,9 +11193,325 @@
           </a:effectLst>
         </p:spPr>
       </p:pic>
+      <p:sp>
+        <p:nvSpPr>
+          <p:cNvPr id="4" name="Título 3"/>
+          <p:cNvSpPr>
+            <a:spLocks noGrp="1"/>
+          </p:cNvSpPr>
+          <p:nvPr>
+            <p:ph type="ctrTitle"/>
+          </p:nvPr>
+        </p:nvSpPr>
+        <p:spPr>
+          <a:xfrm>
+            <a:off x="3275856" y="138754"/>
+            <a:ext cx="4680520" cy="504056"/>
+          </a:xfrm>
+        </p:spPr>
+        <p:txBody>
+          <a:bodyPr>
+            <a:normAutofit/>
+          </a:bodyPr>
+          <a:lstStyle/>
+          <a:p>
+            <a:r>
+              <a:rPr lang="pt-BR" sz="2400" dirty="0" smtClean="0"/>
+              <a:t>4) Aplicações C++/</a:t>
+            </a:r>
+            <a:r>
+              <a:rPr lang="pt-BR" sz="2400" dirty="0" err="1" smtClean="0"/>
+              <a:t>Qt</a:t>
+            </a:r>
+            <a:r>
+              <a:rPr lang="pt-BR" sz="2400" dirty="0" smtClean="0"/>
+              <a:t> com VTK</a:t>
+            </a:r>
+            <a:endParaRPr lang="pt-BR" sz="1400" dirty="0"/>
+          </a:p>
+        </p:txBody>
+      </p:sp>
+      <p:sp>
+        <p:nvSpPr>
+          <p:cNvPr id="54" name="CaixaDeTexto 53"/>
+          <p:cNvSpPr txBox="1"/>
+          <p:nvPr/>
+        </p:nvSpPr>
+        <p:spPr>
+          <a:xfrm>
+            <a:off x="4067944" y="1218238"/>
+            <a:ext cx="1608133" cy="338554"/>
+          </a:xfrm>
+          <a:prstGeom prst="rect">
+            <a:avLst/>
+          </a:prstGeom>
+          <a:noFill/>
+        </p:spPr>
+        <p:txBody>
+          <a:bodyPr wrap="none" rtlCol="0">
+            <a:spAutoFit/>
+          </a:bodyPr>
+          <a:lstStyle/>
+          <a:p>
+            <a:r>
+              <a:rPr lang="pt-BR" sz="1600" b="1" dirty="0" smtClean="0"/>
+              <a:t>4.1.3) </a:t>
+            </a:r>
+            <a:r>
+              <a:rPr lang="pt-BR" sz="1600" b="1" dirty="0" err="1" smtClean="0"/>
+              <a:t>Hello</a:t>
+            </a:r>
+            <a:r>
+              <a:rPr lang="pt-BR" sz="1600" b="1" dirty="0" smtClean="0"/>
+              <a:t> VTK!</a:t>
+            </a:r>
+            <a:endParaRPr lang="pt-BR" sz="1600" b="1" dirty="0"/>
+          </a:p>
+        </p:txBody>
+      </p:sp>
+      <p:sp>
+        <p:nvSpPr>
+          <p:cNvPr id="55" name="CaixaDeTexto 54"/>
+          <p:cNvSpPr txBox="1"/>
+          <p:nvPr/>
+        </p:nvSpPr>
+        <p:spPr>
+          <a:xfrm>
+            <a:off x="2987824" y="908720"/>
+            <a:ext cx="4154984" cy="369332"/>
+          </a:xfrm>
+          <a:prstGeom prst="rect">
+            <a:avLst/>
+          </a:prstGeom>
+          <a:noFill/>
+        </p:spPr>
+        <p:txBody>
+          <a:bodyPr wrap="none" rtlCol="0">
+            <a:spAutoFit/>
+          </a:bodyPr>
+          <a:lstStyle/>
+          <a:p>
+            <a:r>
+              <a:rPr lang="pt-BR" b="1" dirty="0" smtClean="0"/>
+              <a:t>4.1) Criando um aplicativo VTK elementar</a:t>
+            </a:r>
+            <a:endParaRPr lang="pt-BR" b="1" dirty="0"/>
+          </a:p>
+        </p:txBody>
+      </p:sp>
+      <p:sp>
+        <p:nvSpPr>
+          <p:cNvPr id="14" name="CaixaDeTexto 13"/>
+          <p:cNvSpPr txBox="1"/>
+          <p:nvPr/>
+        </p:nvSpPr>
+        <p:spPr>
+          <a:xfrm>
+            <a:off x="263696" y="1700808"/>
+            <a:ext cx="8484768" cy="1569660"/>
+          </a:xfrm>
+          <a:prstGeom prst="rect">
+            <a:avLst/>
+          </a:prstGeom>
+          <a:noFill/>
+        </p:spPr>
+        <p:txBody>
+          <a:bodyPr wrap="square" rtlCol="0">
+            <a:spAutoFit/>
+          </a:bodyPr>
+          <a:lstStyle/>
+          <a:p>
+            <a:pPr marL="285750" indent="-285750" algn="just">
+              <a:buFont typeface="Wingdings" panose="05000000000000000000" pitchFamily="2" charset="2"/>
+              <a:buChar char="Ø"/>
+            </a:pPr>
+            <a:r>
+              <a:rPr lang="pt-BR" sz="1600" dirty="0" smtClean="0"/>
+              <a:t>Disparar a compilação de acordo com o procedimento do </a:t>
+            </a:r>
+            <a:r>
+              <a:rPr lang="pt-BR" sz="1600" i="1" dirty="0" err="1" smtClean="0"/>
+              <a:t>toolset</a:t>
+            </a:r>
+            <a:r>
+              <a:rPr lang="pt-BR" sz="1600" dirty="0" smtClean="0"/>
+              <a:t> escolhido, por exemplo:</a:t>
+            </a:r>
+          </a:p>
+          <a:p>
+            <a:pPr lvl="1" algn="just"/>
+            <a:r>
+              <a:rPr lang="pt-BR" sz="1600" dirty="0" smtClean="0">
+                <a:latin typeface="Courier New" panose="02070309020205020404" pitchFamily="49" charset="0"/>
+                <a:cs typeface="Courier New" panose="02070309020205020404" pitchFamily="49" charset="0"/>
+              </a:rPr>
+              <a:t>$ </a:t>
+            </a:r>
+            <a:r>
+              <a:rPr lang="pt-BR" sz="1600" dirty="0" err="1" smtClean="0">
+                <a:latin typeface="Courier New" panose="02070309020205020404" pitchFamily="49" charset="0"/>
+                <a:cs typeface="Courier New" panose="02070309020205020404" pitchFamily="49" charset="0"/>
+              </a:rPr>
+              <a:t>cd</a:t>
+            </a:r>
+            <a:r>
+              <a:rPr lang="pt-BR" sz="1600" dirty="0" smtClean="0">
+                <a:latin typeface="Courier New" panose="02070309020205020404" pitchFamily="49" charset="0"/>
+                <a:cs typeface="Courier New" panose="02070309020205020404" pitchFamily="49" charset="0"/>
+              </a:rPr>
+              <a:t> &lt;</a:t>
+            </a:r>
+            <a:r>
+              <a:rPr lang="pt-BR" sz="1600" dirty="0" err="1" smtClean="0">
+                <a:latin typeface="Courier New" panose="02070309020205020404" pitchFamily="49" charset="0"/>
+                <a:cs typeface="Courier New" panose="02070309020205020404" pitchFamily="49" charset="0"/>
+              </a:rPr>
+              <a:t>build_dir</a:t>
+            </a:r>
+            <a:r>
+              <a:rPr lang="pt-BR" sz="1600" dirty="0" smtClean="0">
+                <a:latin typeface="Courier New" panose="02070309020205020404" pitchFamily="49" charset="0"/>
+                <a:cs typeface="Courier New" panose="02070309020205020404" pitchFamily="49" charset="0"/>
+              </a:rPr>
+              <a:t>&gt;; </a:t>
+            </a:r>
+            <a:r>
+              <a:rPr lang="pt-BR" sz="1600" dirty="0" err="1" smtClean="0">
+                <a:latin typeface="Courier New" panose="02070309020205020404" pitchFamily="49" charset="0"/>
+                <a:cs typeface="Courier New" panose="02070309020205020404" pitchFamily="49" charset="0"/>
+              </a:rPr>
+              <a:t>make</a:t>
+            </a:r>
+            <a:r>
+              <a:rPr lang="pt-BR" sz="1600" dirty="0" smtClean="0">
+                <a:latin typeface="Courier New" panose="02070309020205020404" pitchFamily="49" charset="0"/>
+                <a:cs typeface="Courier New" panose="02070309020205020404" pitchFamily="49" charset="0"/>
+              </a:rPr>
+              <a:t>; </a:t>
+            </a:r>
+            <a:r>
+              <a:rPr lang="pt-BR" sz="1600" dirty="0" err="1" smtClean="0">
+                <a:latin typeface="Courier New" panose="02070309020205020404" pitchFamily="49" charset="0"/>
+                <a:cs typeface="Courier New" panose="02070309020205020404" pitchFamily="49" charset="0"/>
+              </a:rPr>
+              <a:t>make</a:t>
+            </a:r>
+            <a:r>
+              <a:rPr lang="pt-BR" sz="1600" dirty="0" smtClean="0">
+                <a:latin typeface="Courier New" panose="02070309020205020404" pitchFamily="49" charset="0"/>
+                <a:cs typeface="Courier New" panose="02070309020205020404" pitchFamily="49" charset="0"/>
+              </a:rPr>
+              <a:t> </a:t>
+            </a:r>
+            <a:r>
+              <a:rPr lang="pt-BR" sz="1600" dirty="0" err="1" smtClean="0">
+                <a:latin typeface="Courier New" panose="02070309020205020404" pitchFamily="49" charset="0"/>
+                <a:cs typeface="Courier New" panose="02070309020205020404" pitchFamily="49" charset="0"/>
+              </a:rPr>
+              <a:t>install</a:t>
+            </a:r>
+            <a:r>
+              <a:rPr lang="pt-BR" sz="1600" dirty="0" smtClean="0"/>
+              <a:t> para GNU ou clique no botão                     .                do </a:t>
+            </a:r>
+            <a:r>
+              <a:rPr lang="pt-BR" sz="1600" dirty="0" err="1" smtClean="0"/>
+              <a:t>CMake</a:t>
+            </a:r>
+            <a:r>
+              <a:rPr lang="pt-BR" sz="1600" dirty="0" smtClean="0"/>
+              <a:t> GUI para abrir a </a:t>
+            </a:r>
+            <a:r>
+              <a:rPr lang="pt-BR" sz="1600" dirty="0" err="1" smtClean="0"/>
+              <a:t>Solution</a:t>
+            </a:r>
+            <a:r>
+              <a:rPr lang="pt-BR" sz="1600" dirty="0" smtClean="0"/>
+              <a:t> no VS e disparar a compilação e instalação.</a:t>
+            </a:r>
+          </a:p>
+          <a:p>
+            <a:pPr lvl="1" algn="just"/>
+            <a:endParaRPr lang="pt-BR" sz="1600" dirty="0"/>
+          </a:p>
+          <a:p>
+            <a:pPr marL="285750" indent="-285750" algn="just">
+              <a:buFont typeface="Wingdings" panose="05000000000000000000" pitchFamily="2" charset="2"/>
+              <a:buChar char="Ø"/>
+            </a:pPr>
+            <a:r>
+              <a:rPr lang="pt-BR" sz="1600" dirty="0" smtClean="0"/>
+              <a:t>Configurar o projeto no </a:t>
+            </a:r>
+            <a:r>
+              <a:rPr lang="pt-BR" sz="1600" dirty="0" err="1" smtClean="0"/>
+              <a:t>Qt</a:t>
+            </a:r>
+            <a:r>
+              <a:rPr lang="pt-BR" sz="1600" dirty="0" smtClean="0"/>
+              <a:t> </a:t>
+            </a:r>
+            <a:r>
+              <a:rPr lang="pt-BR" sz="1600" dirty="0" err="1" smtClean="0"/>
+              <a:t>Creator</a:t>
+            </a:r>
+            <a:r>
+              <a:rPr lang="pt-BR" sz="1600" dirty="0" smtClean="0"/>
+              <a:t>: File </a:t>
+            </a:r>
+            <a:r>
+              <a:rPr lang="pt-BR" sz="1600" dirty="0" smtClean="0">
+                <a:sym typeface="Wingdings" panose="05000000000000000000" pitchFamily="2" charset="2"/>
+              </a:rPr>
+              <a:t> </a:t>
+            </a:r>
+            <a:r>
+              <a:rPr lang="pt-BR" sz="1600" dirty="0" smtClean="0">
+                <a:sym typeface="Wingdings" panose="05000000000000000000" pitchFamily="2" charset="2"/>
+              </a:rPr>
+              <a:t>Open File </a:t>
+            </a:r>
+            <a:r>
+              <a:rPr lang="pt-BR" sz="1600" dirty="0" err="1" smtClean="0">
+                <a:sym typeface="Wingdings" panose="05000000000000000000" pitchFamily="2" charset="2"/>
+              </a:rPr>
+              <a:t>or</a:t>
+            </a:r>
+            <a:r>
+              <a:rPr lang="pt-BR" sz="1600" dirty="0" smtClean="0">
+                <a:sym typeface="Wingdings" panose="05000000000000000000" pitchFamily="2" charset="2"/>
+              </a:rPr>
+              <a:t> Project </a:t>
+            </a:r>
+            <a:r>
+              <a:rPr lang="pt-BR" sz="1600" dirty="0" smtClean="0">
+                <a:sym typeface="Wingdings" panose="05000000000000000000" pitchFamily="2" charset="2"/>
+              </a:rPr>
+              <a:t> </a:t>
+            </a:r>
+            <a:r>
+              <a:rPr lang="pt-BR" sz="1600" dirty="0" smtClean="0">
+                <a:latin typeface="Courier New" panose="02070309020205020404" pitchFamily="49" charset="0"/>
+                <a:cs typeface="Courier New" panose="02070309020205020404" pitchFamily="49" charset="0"/>
+                <a:sym typeface="Wingdings" panose="05000000000000000000" pitchFamily="2" charset="2"/>
+              </a:rPr>
+              <a:t>CMakeLists.txt</a:t>
+            </a:r>
+            <a:endParaRPr lang="pt-BR" sz="1600" dirty="0">
+              <a:latin typeface="Courier New" panose="02070309020205020404" pitchFamily="49" charset="0"/>
+              <a:cs typeface="Courier New" panose="02070309020205020404" pitchFamily="49" charset="0"/>
+            </a:endParaRPr>
+          </a:p>
+          <a:p>
+            <a:pPr lvl="1" algn="just"/>
+            <a:endParaRPr lang="pt-BR" sz="1600" dirty="0" smtClean="0"/>
+          </a:p>
+        </p:txBody>
+      </p:sp>
       <p:pic>
         <p:nvPicPr>
-          <p:cNvPr id="6" name="Imagem 5"/>
+          <p:cNvPr id="2" name="Imagem 1"/>
           <p:cNvPicPr>
             <a:picLocks noChangeAspect="1"/>
           </p:cNvPicPr>
@@ -11582,23 +11525,17 @@
         </p:blipFill>
         <p:spPr>
           <a:xfrm>
-            <a:off x="2771800" y="3449269"/>
-            <a:ext cx="3220988" cy="3133934"/>
+            <a:off x="827584" y="2276872"/>
+            <a:ext cx="695325" cy="200025"/>
           </a:xfrm>
           <a:prstGeom prst="rect">
             <a:avLst/>
           </a:prstGeom>
-          <a:ln>
-            <a:noFill/>
-          </a:ln>
-          <a:effectLst>
-            <a:softEdge rad="112500"/>
-          </a:effectLst>
         </p:spPr>
       </p:pic>
       <p:pic>
         <p:nvPicPr>
-          <p:cNvPr id="15" name="Imagem 14"/>
+          <p:cNvPr id="13" name="Imagem 12"/>
           <p:cNvPicPr>
             <a:picLocks noChangeAspect="1"/>
           </p:cNvPicPr>
@@ -11622,8 +11559,43 @@
           </a:stretch>
         </p:blipFill>
         <p:spPr>
+          <a:xfrm rot="2513887" flipH="1">
+            <a:off x="2714083" y="5975089"/>
+            <a:ext cx="547482" cy="421305"/>
+          </a:xfrm>
+          <a:prstGeom prst="rect">
+            <a:avLst/>
+          </a:prstGeom>
+        </p:spPr>
+      </p:pic>
+      <p:pic>
+        <p:nvPicPr>
+          <p:cNvPr id="16" name="Imagem 15"/>
+          <p:cNvPicPr>
+            <a:picLocks noChangeAspect="1"/>
+          </p:cNvPicPr>
+          <p:nvPr/>
+        </p:nvPicPr>
+        <p:blipFill>
+          <a:blip r:embed="rId5">
+            <a:clrChange>
+              <a:clrFrom>
+                <a:srgbClr val="FFFFFF"/>
+              </a:clrFrom>
+              <a:clrTo>
+                <a:srgbClr val="FFFFFF">
+                  <a:alpha val="0"/>
+                </a:srgbClr>
+              </a:clrTo>
+            </a:clrChange>
+          </a:blip>
+          <a:stretch>
+            <a:fillRect/>
+          </a:stretch>
+        </p:blipFill>
+        <p:spPr>
           <a:xfrm flipH="1">
-            <a:off x="5105504" y="4030555"/>
+            <a:off x="6201195" y="6225195"/>
             <a:ext cx="547482" cy="421305"/>
           </a:xfrm>
           <a:prstGeom prst="rect">
@@ -11634,7 +11606,7 @@
     </p:spTree>
     <p:extLst>
       <p:ext uri="{BB962C8B-B14F-4D97-AF65-F5344CB8AC3E}">
-        <p14:creationId xmlns:p14="http://schemas.microsoft.com/office/powerpoint/2010/main" val="3160225612"/>
+        <p14:creationId xmlns:p14="http://schemas.microsoft.com/office/powerpoint/2010/main" val="3852235901"/>
       </p:ext>
     </p:extLst>
   </p:cSld>
@@ -11765,6 +11737,36 @@
           <a:chExt cx="0" cy="0"/>
         </a:xfrm>
       </p:grpSpPr>
+      <p:pic>
+        <p:nvPicPr>
+          <p:cNvPr id="2" name="Imagem 1"/>
+          <p:cNvPicPr>
+            <a:picLocks noChangeAspect="1"/>
+          </p:cNvPicPr>
+          <p:nvPr/>
+        </p:nvPicPr>
+        <p:blipFill>
+          <a:blip r:embed="rId3"/>
+          <a:stretch>
+            <a:fillRect/>
+          </a:stretch>
+        </p:blipFill>
+        <p:spPr>
+          <a:xfrm>
+            <a:off x="3101360" y="3418789"/>
+            <a:ext cx="2901402" cy="3171300"/>
+          </a:xfrm>
+          <a:prstGeom prst="rect">
+            <a:avLst/>
+          </a:prstGeom>
+          <a:ln>
+            <a:noFill/>
+          </a:ln>
+          <a:effectLst>
+            <a:softEdge rad="112500"/>
+          </a:effectLst>
+        </p:spPr>
+      </p:pic>
       <p:sp>
         <p:nvSpPr>
           <p:cNvPr id="4" name="Título 3"/>
@@ -11805,14 +11807,14 @@
       </p:sp>
       <p:sp>
         <p:nvSpPr>
-          <p:cNvPr id="55" name="CaixaDeTexto 54"/>
+          <p:cNvPr id="54" name="CaixaDeTexto 53"/>
           <p:cNvSpPr txBox="1"/>
           <p:nvPr/>
         </p:nvSpPr>
         <p:spPr>
           <a:xfrm>
-            <a:off x="3257104" y="908720"/>
-            <a:ext cx="2323008" cy="369332"/>
+            <a:off x="4067944" y="1218238"/>
+            <a:ext cx="1608133" cy="338554"/>
           </a:xfrm>
           <a:prstGeom prst="rect">
             <a:avLst/>
@@ -11826,17 +11828,211 @@
           <a:lstStyle/>
           <a:p>
             <a:r>
+              <a:rPr lang="pt-BR" sz="1600" b="1" dirty="0" smtClean="0"/>
+              <a:t>4.1.3) </a:t>
+            </a:r>
+            <a:r>
+              <a:rPr lang="pt-BR" sz="1600" b="1" dirty="0" err="1" smtClean="0"/>
+              <a:t>Hello</a:t>
+            </a:r>
+            <a:r>
+              <a:rPr lang="pt-BR" sz="1600" b="1" dirty="0" smtClean="0"/>
+              <a:t> VTK!</a:t>
+            </a:r>
+            <a:endParaRPr lang="pt-BR" sz="1600" b="1" dirty="0"/>
+          </a:p>
+        </p:txBody>
+      </p:sp>
+      <p:sp>
+        <p:nvSpPr>
+          <p:cNvPr id="55" name="CaixaDeTexto 54"/>
+          <p:cNvSpPr txBox="1"/>
+          <p:nvPr/>
+        </p:nvSpPr>
+        <p:spPr>
+          <a:xfrm>
+            <a:off x="2987824" y="908720"/>
+            <a:ext cx="4154984" cy="369332"/>
+          </a:xfrm>
+          <a:prstGeom prst="rect">
+            <a:avLst/>
+          </a:prstGeom>
+          <a:noFill/>
+        </p:spPr>
+        <p:txBody>
+          <a:bodyPr wrap="none" rtlCol="0">
+            <a:spAutoFit/>
+          </a:bodyPr>
+          <a:lstStyle/>
+          <a:p>
+            <a:r>
               <a:rPr lang="pt-BR" b="1" dirty="0" smtClean="0"/>
-              <a:t>4.2) Nuvens de pontos</a:t>
+              <a:t>4.1) Criando um aplicativo VTK elementar</a:t>
             </a:r>
             <a:endParaRPr lang="pt-BR" b="1" dirty="0"/>
           </a:p>
         </p:txBody>
       </p:sp>
+      <p:sp>
+        <p:nvSpPr>
+          <p:cNvPr id="14" name="CaixaDeTexto 13"/>
+          <p:cNvSpPr txBox="1"/>
+          <p:nvPr/>
+        </p:nvSpPr>
+        <p:spPr>
+          <a:xfrm>
+            <a:off x="263696" y="2814027"/>
+            <a:ext cx="8484768" cy="584775"/>
+          </a:xfrm>
+          <a:prstGeom prst="rect">
+            <a:avLst/>
+          </a:prstGeom>
+          <a:noFill/>
+        </p:spPr>
+        <p:txBody>
+          <a:bodyPr wrap="square" rtlCol="0">
+            <a:spAutoFit/>
+          </a:bodyPr>
+          <a:lstStyle/>
+          <a:p>
+            <a:pPr marL="285750" indent="-285750" algn="just">
+              <a:buFont typeface="Wingdings" panose="05000000000000000000" pitchFamily="2" charset="2"/>
+              <a:buChar char="Ø"/>
+            </a:pPr>
+            <a:r>
+              <a:rPr lang="pt-BR" sz="1600" dirty="0" err="1" smtClean="0"/>
+              <a:t>Qt</a:t>
+            </a:r>
+            <a:r>
+              <a:rPr lang="pt-BR" sz="1600" dirty="0" smtClean="0"/>
+              <a:t> </a:t>
+            </a:r>
+            <a:r>
+              <a:rPr lang="pt-BR" sz="1600" dirty="0" err="1" smtClean="0"/>
+              <a:t>Creator</a:t>
+            </a:r>
+            <a:r>
+              <a:rPr lang="pt-BR" sz="1600" dirty="0" smtClean="0"/>
+              <a:t>: sempre que houver alterações no projeto (via alterações no </a:t>
+            </a:r>
+            <a:r>
+              <a:rPr lang="pt-BR" sz="1600" dirty="0" smtClean="0">
+                <a:latin typeface="Courier New" panose="02070309020205020404" pitchFamily="49" charset="0"/>
+                <a:cs typeface="Courier New" panose="02070309020205020404" pitchFamily="49" charset="0"/>
+              </a:rPr>
+              <a:t>CMakeLists.txt</a:t>
+            </a:r>
+            <a:r>
+              <a:rPr lang="pt-BR" sz="1600" dirty="0" smtClean="0"/>
+              <a:t>), deve-se chamar o menu de contexto do projeto e acionar a opção </a:t>
+            </a:r>
+            <a:r>
+              <a:rPr lang="pt-BR" sz="1600" b="1" dirty="0" err="1" smtClean="0"/>
+              <a:t>Run</a:t>
+            </a:r>
+            <a:r>
+              <a:rPr lang="pt-BR" sz="1600" b="1" dirty="0" smtClean="0"/>
+              <a:t> </a:t>
+            </a:r>
+            <a:r>
+              <a:rPr lang="pt-BR" sz="1600" b="1" dirty="0" err="1" smtClean="0"/>
+              <a:t>CMake</a:t>
+            </a:r>
+            <a:r>
+              <a:rPr lang="pt-BR" sz="1600" dirty="0"/>
+              <a:t>.</a:t>
+            </a:r>
+            <a:endParaRPr lang="pt-BR" sz="1600" dirty="0">
+              <a:latin typeface="Courier New" panose="02070309020205020404" pitchFamily="49" charset="0"/>
+              <a:cs typeface="Courier New" panose="02070309020205020404" pitchFamily="49" charset="0"/>
+            </a:endParaRPr>
+          </a:p>
+        </p:txBody>
+      </p:sp>
+      <p:pic>
+        <p:nvPicPr>
+          <p:cNvPr id="12" name="Imagem 11"/>
+          <p:cNvPicPr>
+            <a:picLocks noChangeAspect="1"/>
+          </p:cNvPicPr>
+          <p:nvPr/>
+        </p:nvPicPr>
+        <p:blipFill>
+          <a:blip r:embed="rId4">
+            <a:clrChange>
+              <a:clrFrom>
+                <a:srgbClr val="FFFFFF"/>
+              </a:clrFrom>
+              <a:clrTo>
+                <a:srgbClr val="FFFFFF">
+                  <a:alpha val="0"/>
+                </a:srgbClr>
+              </a:clrTo>
+            </a:clrChange>
+          </a:blip>
+          <a:stretch>
+            <a:fillRect/>
+          </a:stretch>
+        </p:blipFill>
+        <p:spPr>
+          <a:xfrm>
+            <a:off x="4127950" y="1628800"/>
+            <a:ext cx="1092122" cy="1008112"/>
+          </a:xfrm>
+          <a:prstGeom prst="rect">
+            <a:avLst/>
+          </a:prstGeom>
+          <a:ln>
+            <a:noFill/>
+          </a:ln>
+          <a:effectLst>
+            <a:outerShdw blurRad="292100" dist="139700" dir="2700000" algn="tl" rotWithShape="0">
+              <a:srgbClr val="333333">
+                <a:alpha val="65000"/>
+              </a:srgbClr>
+            </a:outerShdw>
+          </a:effectLst>
+        </p:spPr>
+      </p:pic>
+      <p:pic>
+        <p:nvPicPr>
+          <p:cNvPr id="15" name="Imagem 14"/>
+          <p:cNvPicPr>
+            <a:picLocks noChangeAspect="1"/>
+          </p:cNvPicPr>
+          <p:nvPr/>
+        </p:nvPicPr>
+        <p:blipFill>
+          <a:blip r:embed="rId5">
+            <a:clrChange>
+              <a:clrFrom>
+                <a:srgbClr val="FFFFFF"/>
+              </a:clrFrom>
+              <a:clrTo>
+                <a:srgbClr val="FFFFFF">
+                  <a:alpha val="0"/>
+                </a:srgbClr>
+              </a:clrTo>
+            </a:clrChange>
+          </a:blip>
+          <a:stretch>
+            <a:fillRect/>
+          </a:stretch>
+        </p:blipFill>
+        <p:spPr>
+          <a:xfrm flipH="1">
+            <a:off x="5105504" y="4030555"/>
+            <a:ext cx="547482" cy="421305"/>
+          </a:xfrm>
+          <a:prstGeom prst="rect">
+            <a:avLst/>
+          </a:prstGeom>
+        </p:spPr>
+      </p:pic>
     </p:spTree>
     <p:extLst>
       <p:ext uri="{BB962C8B-B14F-4D97-AF65-F5344CB8AC3E}">
-        <p14:creationId xmlns:p14="http://schemas.microsoft.com/office/powerpoint/2010/main" val="3232042557"/>
+        <p14:creationId xmlns:p14="http://schemas.microsoft.com/office/powerpoint/2010/main" val="3160225612"/>
       </p:ext>
     </p:extLst>
   </p:cSld>
@@ -11870,6 +12066,36 @@
           <a:chExt cx="0" cy="0"/>
         </a:xfrm>
       </p:grpSpPr>
+      <p:pic>
+        <p:nvPicPr>
+          <p:cNvPr id="5" name="Imagem 4"/>
+          <p:cNvPicPr>
+            <a:picLocks noChangeAspect="1"/>
+          </p:cNvPicPr>
+          <p:nvPr/>
+        </p:nvPicPr>
+        <p:blipFill>
+          <a:blip r:embed="rId3"/>
+          <a:stretch>
+            <a:fillRect/>
+          </a:stretch>
+        </p:blipFill>
+        <p:spPr>
+          <a:xfrm>
+            <a:off x="2374007" y="2538080"/>
+            <a:ext cx="2486025" cy="1085850"/>
+          </a:xfrm>
+          <a:prstGeom prst="rect">
+            <a:avLst/>
+          </a:prstGeom>
+          <a:ln>
+            <a:noFill/>
+          </a:ln>
+          <a:effectLst>
+            <a:softEdge rad="112500"/>
+          </a:effectLst>
+        </p:spPr>
+      </p:pic>
       <p:sp>
         <p:nvSpPr>
           <p:cNvPr id="4" name="Título 3"/>
@@ -11916,8 +12142,8 @@
         </p:nvSpPr>
         <p:spPr>
           <a:xfrm>
-            <a:off x="2763644" y="1218238"/>
-            <a:ext cx="3320524" cy="338554"/>
+            <a:off x="4067944" y="1218238"/>
+            <a:ext cx="1608133" cy="338554"/>
           </a:xfrm>
           <a:prstGeom prst="rect">
             <a:avLst/>
@@ -11932,7 +12158,15 @@
           <a:p>
             <a:r>
               <a:rPr lang="pt-BR" sz="1600" b="1" dirty="0" smtClean="0"/>
-              <a:t>4.2.1) Associando valores aos pontos</a:t>
+              <a:t>4.1.3) </a:t>
+            </a:r>
+            <a:r>
+              <a:rPr lang="pt-BR" sz="1600" b="1" dirty="0" err="1" smtClean="0"/>
+              <a:t>Hello</a:t>
+            </a:r>
+            <a:r>
+              <a:rPr lang="pt-BR" sz="1600" b="1" dirty="0" smtClean="0"/>
+              <a:t> VTK!</a:t>
             </a:r>
             <a:endParaRPr lang="pt-BR" sz="1600" b="1" dirty="0"/>
           </a:p>
@@ -11940,14 +12174,14 @@
       </p:sp>
       <p:sp>
         <p:nvSpPr>
-          <p:cNvPr id="5" name="CaixaDeTexto 4"/>
+          <p:cNvPr id="55" name="CaixaDeTexto 54"/>
           <p:cNvSpPr txBox="1"/>
           <p:nvPr/>
         </p:nvSpPr>
         <p:spPr>
           <a:xfrm>
-            <a:off x="3257104" y="908720"/>
-            <a:ext cx="2323008" cy="369332"/>
+            <a:off x="2987824" y="908720"/>
+            <a:ext cx="4154984" cy="369332"/>
           </a:xfrm>
           <a:prstGeom prst="rect">
             <a:avLst/>
@@ -11962,16 +12196,484 @@
           <a:p>
             <a:r>
               <a:rPr lang="pt-BR" b="1" dirty="0" smtClean="0"/>
-              <a:t>4.2) Nuvens de pontos</a:t>
+              <a:t>4.1) Criando um aplicativo VTK elementar</a:t>
             </a:r>
             <a:endParaRPr lang="pt-BR" b="1" dirty="0"/>
+          </a:p>
+        </p:txBody>
+      </p:sp>
+      <p:sp>
+        <p:nvSpPr>
+          <p:cNvPr id="14" name="CaixaDeTexto 13"/>
+          <p:cNvSpPr txBox="1"/>
+          <p:nvPr/>
+        </p:nvSpPr>
+        <p:spPr>
+          <a:xfrm>
+            <a:off x="251520" y="1700808"/>
+            <a:ext cx="8484768" cy="4770537"/>
+          </a:xfrm>
+          <a:prstGeom prst="rect">
+            <a:avLst/>
+          </a:prstGeom>
+          <a:noFill/>
+        </p:spPr>
+        <p:txBody>
+          <a:bodyPr wrap="square" rtlCol="0">
+            <a:spAutoFit/>
+          </a:bodyPr>
+          <a:lstStyle/>
+          <a:p>
+            <a:pPr marL="285750" indent="-285750" algn="just">
+              <a:buFont typeface="Wingdings" panose="05000000000000000000" pitchFamily="2" charset="2"/>
+              <a:buChar char="Ø"/>
+            </a:pPr>
+            <a:r>
+              <a:rPr lang="pt-BR" sz="1600" dirty="0" err="1" smtClean="0"/>
+              <a:t>Qt</a:t>
+            </a:r>
+            <a:r>
+              <a:rPr lang="pt-BR" sz="1600" dirty="0" smtClean="0"/>
+              <a:t> </a:t>
+            </a:r>
+            <a:r>
+              <a:rPr lang="pt-BR" sz="1600" dirty="0" err="1" smtClean="0"/>
+              <a:t>Creator</a:t>
+            </a:r>
+            <a:r>
+              <a:rPr lang="pt-BR" sz="1600" dirty="0" smtClean="0"/>
+              <a:t>: </a:t>
+            </a:r>
+            <a:r>
+              <a:rPr lang="pt-BR" sz="1600" dirty="0" smtClean="0"/>
+              <a:t>Ao executar (play) o programa pode </a:t>
+            </a:r>
+            <a:r>
+              <a:rPr lang="pt-BR" sz="1600" dirty="0" err="1" smtClean="0"/>
+              <a:t>abendar</a:t>
+            </a:r>
+            <a:r>
+              <a:rPr lang="pt-BR" sz="1600" dirty="0" smtClean="0"/>
+              <a:t> (crash).  Provavelmente porque os </a:t>
+            </a:r>
+            <a:r>
+              <a:rPr lang="pt-BR" sz="1600" dirty="0" err="1" smtClean="0"/>
+              <a:t>SOs</a:t>
+            </a:r>
+            <a:r>
+              <a:rPr lang="pt-BR" sz="1600" dirty="0" smtClean="0"/>
+              <a:t>/</a:t>
+            </a:r>
+            <a:r>
+              <a:rPr lang="pt-BR" sz="1600" dirty="0" err="1" smtClean="0"/>
+              <a:t>DLLs</a:t>
+            </a:r>
+            <a:r>
+              <a:rPr lang="pt-BR" sz="1600" dirty="0" smtClean="0"/>
+              <a:t> do VTK não estão visíveis (fora do </a:t>
+            </a:r>
+            <a:r>
+              <a:rPr lang="pt-BR" sz="1600" dirty="0" smtClean="0">
+                <a:latin typeface="Courier New" panose="02070309020205020404" pitchFamily="49" charset="0"/>
+                <a:cs typeface="Courier New" panose="02070309020205020404" pitchFamily="49" charset="0"/>
+              </a:rPr>
+              <a:t>PATH</a:t>
+            </a:r>
+            <a:r>
+              <a:rPr lang="pt-BR" sz="1600" dirty="0" smtClean="0"/>
+              <a:t> (Windows) ou </a:t>
+            </a:r>
+            <a:r>
+              <a:rPr lang="pt-BR" sz="1600" dirty="0" smtClean="0">
+                <a:latin typeface="Courier New" panose="02070309020205020404" pitchFamily="49" charset="0"/>
+                <a:cs typeface="Courier New" panose="02070309020205020404" pitchFamily="49" charset="0"/>
+              </a:rPr>
+              <a:t>LD_LIBRARY_PATH</a:t>
+            </a:r>
+            <a:r>
+              <a:rPr lang="pt-BR" sz="1600" dirty="0" smtClean="0"/>
+              <a:t> (Unix)).</a:t>
+            </a:r>
+          </a:p>
+          <a:p>
+            <a:pPr marL="285750" indent="-285750" algn="just">
+              <a:buFont typeface="Wingdings" panose="05000000000000000000" pitchFamily="2" charset="2"/>
+              <a:buChar char="Ø"/>
+            </a:pPr>
+            <a:endParaRPr lang="pt-BR" sz="1600" dirty="0"/>
+          </a:p>
+          <a:p>
+            <a:pPr marL="285750" indent="-285750" algn="just">
+              <a:buFont typeface="Wingdings" panose="05000000000000000000" pitchFamily="2" charset="2"/>
+              <a:buChar char="Ø"/>
+            </a:pPr>
+            <a:endParaRPr lang="pt-BR" sz="1600" dirty="0" smtClean="0"/>
+          </a:p>
+          <a:p>
+            <a:pPr marL="285750" indent="-285750" algn="just">
+              <a:buFont typeface="Wingdings" panose="05000000000000000000" pitchFamily="2" charset="2"/>
+              <a:buChar char="Ø"/>
+            </a:pPr>
+            <a:endParaRPr lang="pt-BR" sz="1600" dirty="0" smtClean="0">
+              <a:cs typeface="Courier New" panose="02070309020205020404" pitchFamily="49" charset="0"/>
+            </a:endParaRPr>
+          </a:p>
+          <a:p>
+            <a:pPr marL="285750" indent="-285750" algn="just">
+              <a:buFont typeface="Wingdings" panose="05000000000000000000" pitchFamily="2" charset="2"/>
+              <a:buChar char="Ø"/>
+            </a:pPr>
+            <a:r>
+              <a:rPr lang="pt-BR" sz="1600" dirty="0" smtClean="0">
+                <a:cs typeface="Courier New" panose="02070309020205020404" pitchFamily="49" charset="0"/>
+              </a:rPr>
+              <a:t>Ir em                depois</a:t>
+            </a:r>
+          </a:p>
+          <a:p>
+            <a:pPr marL="285750" indent="-285750" algn="just">
+              <a:buFont typeface="Wingdings" panose="05000000000000000000" pitchFamily="2" charset="2"/>
+              <a:buChar char="Ø"/>
+            </a:pPr>
+            <a:endParaRPr lang="pt-BR" sz="1600" dirty="0">
+              <a:cs typeface="Courier New" panose="02070309020205020404" pitchFamily="49" charset="0"/>
+            </a:endParaRPr>
+          </a:p>
+          <a:p>
+            <a:pPr marL="285750" indent="-285750" algn="just">
+              <a:buFont typeface="Wingdings" panose="05000000000000000000" pitchFamily="2" charset="2"/>
+              <a:buChar char="Ø"/>
+            </a:pPr>
+            <a:endParaRPr lang="pt-BR" sz="1600" dirty="0" smtClean="0">
+              <a:cs typeface="Courier New" panose="02070309020205020404" pitchFamily="49" charset="0"/>
+            </a:endParaRPr>
+          </a:p>
+          <a:p>
+            <a:pPr marL="285750" indent="-285750" algn="just">
+              <a:buFont typeface="Wingdings" panose="05000000000000000000" pitchFamily="2" charset="2"/>
+              <a:buChar char="Ø"/>
+            </a:pPr>
+            <a:endParaRPr lang="pt-BR" sz="1600" dirty="0">
+              <a:cs typeface="Courier New" panose="02070309020205020404" pitchFamily="49" charset="0"/>
+            </a:endParaRPr>
+          </a:p>
+          <a:p>
+            <a:pPr marL="285750" indent="-285750" algn="just">
+              <a:buFont typeface="Wingdings" panose="05000000000000000000" pitchFamily="2" charset="2"/>
+              <a:buChar char="Ø"/>
+            </a:pPr>
+            <a:endParaRPr lang="pt-BR" sz="1600" dirty="0" smtClean="0">
+              <a:cs typeface="Courier New" panose="02070309020205020404" pitchFamily="49" charset="0"/>
+            </a:endParaRPr>
+          </a:p>
+          <a:p>
+            <a:pPr marL="285750" indent="-285750" algn="just">
+              <a:buFont typeface="Wingdings" panose="05000000000000000000" pitchFamily="2" charset="2"/>
+              <a:buChar char="Ø"/>
+            </a:pPr>
+            <a:endParaRPr lang="pt-BR" sz="1600" dirty="0">
+              <a:cs typeface="Courier New" panose="02070309020205020404" pitchFamily="49" charset="0"/>
+            </a:endParaRPr>
+          </a:p>
+          <a:p>
+            <a:pPr marL="285750" indent="-285750" algn="just">
+              <a:buFont typeface="Wingdings" panose="05000000000000000000" pitchFamily="2" charset="2"/>
+              <a:buChar char="Ø"/>
+            </a:pPr>
+            <a:endParaRPr lang="pt-BR" sz="1600" dirty="0" smtClean="0">
+              <a:cs typeface="Courier New" panose="02070309020205020404" pitchFamily="49" charset="0"/>
+            </a:endParaRPr>
+          </a:p>
+          <a:p>
+            <a:pPr marL="285750" indent="-285750" algn="just">
+              <a:buFont typeface="Wingdings" panose="05000000000000000000" pitchFamily="2" charset="2"/>
+              <a:buChar char="Ø"/>
+            </a:pPr>
+            <a:endParaRPr lang="pt-BR" sz="1600" dirty="0">
+              <a:cs typeface="Courier New" panose="02070309020205020404" pitchFamily="49" charset="0"/>
+            </a:endParaRPr>
+          </a:p>
+          <a:p>
+            <a:pPr marL="285750" indent="-285750" algn="just">
+              <a:buFont typeface="Wingdings" panose="05000000000000000000" pitchFamily="2" charset="2"/>
+              <a:buChar char="Ø"/>
+            </a:pPr>
+            <a:endParaRPr lang="pt-BR" sz="1600" dirty="0" smtClean="0">
+              <a:cs typeface="Courier New" panose="02070309020205020404" pitchFamily="49" charset="0"/>
+            </a:endParaRPr>
+          </a:p>
+          <a:p>
+            <a:pPr marL="285750" indent="-285750" algn="just">
+              <a:buFont typeface="Wingdings" panose="05000000000000000000" pitchFamily="2" charset="2"/>
+              <a:buChar char="Ø"/>
+            </a:pPr>
+            <a:endParaRPr lang="pt-BR" sz="1600" dirty="0">
+              <a:cs typeface="Courier New" panose="02070309020205020404" pitchFamily="49" charset="0"/>
+            </a:endParaRPr>
+          </a:p>
+          <a:p>
+            <a:pPr marL="285750" indent="-285750" algn="just">
+              <a:buFont typeface="Wingdings" panose="05000000000000000000" pitchFamily="2" charset="2"/>
+              <a:buChar char="Ø"/>
+            </a:pPr>
+            <a:endParaRPr lang="pt-BR" sz="1600" dirty="0" smtClean="0">
+              <a:cs typeface="Courier New" panose="02070309020205020404" pitchFamily="49" charset="0"/>
+            </a:endParaRPr>
+          </a:p>
+          <a:p>
+            <a:pPr marL="285750" indent="-285750" algn="just">
+              <a:buFont typeface="Wingdings" panose="05000000000000000000" pitchFamily="2" charset="2"/>
+              <a:buChar char="Ø"/>
+            </a:pPr>
+            <a:endParaRPr lang="pt-BR" sz="1600" dirty="0">
+              <a:cs typeface="Courier New" panose="02070309020205020404" pitchFamily="49" charset="0"/>
+            </a:endParaRPr>
+          </a:p>
+          <a:p>
+            <a:pPr marL="285750" indent="-285750" algn="just">
+              <a:buFont typeface="Wingdings" panose="05000000000000000000" pitchFamily="2" charset="2"/>
+              <a:buChar char="Ø"/>
+            </a:pPr>
+            <a:r>
+              <a:rPr lang="pt-BR" sz="1600" dirty="0" smtClean="0">
+                <a:cs typeface="Courier New" panose="02070309020205020404" pitchFamily="49" charset="0"/>
+              </a:rPr>
+              <a:t>Pode ser que não funcione de primeira.  Nesse caso, fecha e abra o </a:t>
+            </a:r>
+            <a:r>
+              <a:rPr lang="pt-BR" sz="1600" dirty="0" err="1" smtClean="0">
+                <a:cs typeface="Courier New" panose="02070309020205020404" pitchFamily="49" charset="0"/>
+              </a:rPr>
+              <a:t>QtCreator</a:t>
+            </a:r>
+            <a:r>
+              <a:rPr lang="pt-BR" sz="1600" dirty="0" smtClean="0">
+                <a:cs typeface="Courier New" panose="02070309020205020404" pitchFamily="49" charset="0"/>
+              </a:rPr>
+              <a:t> de novo.</a:t>
+            </a:r>
+            <a:endParaRPr lang="pt-BR" sz="1600" dirty="0">
+              <a:cs typeface="Courier New" panose="02070309020205020404" pitchFamily="49" charset="0"/>
+            </a:endParaRPr>
+          </a:p>
+          <a:p>
+            <a:pPr marL="285750" indent="-285750" algn="just">
+              <a:buFont typeface="Wingdings" panose="05000000000000000000" pitchFamily="2" charset="2"/>
+              <a:buChar char="Ø"/>
+            </a:pPr>
+            <a:endParaRPr lang="pt-BR" sz="1600" dirty="0">
+              <a:latin typeface="Courier New" panose="02070309020205020404" pitchFamily="49" charset="0"/>
+              <a:cs typeface="Courier New" panose="02070309020205020404" pitchFamily="49" charset="0"/>
+            </a:endParaRPr>
+          </a:p>
+        </p:txBody>
+      </p:sp>
+      <p:pic>
+        <p:nvPicPr>
+          <p:cNvPr id="15" name="Imagem 14"/>
+          <p:cNvPicPr>
+            <a:picLocks noChangeAspect="1"/>
+          </p:cNvPicPr>
+          <p:nvPr/>
+        </p:nvPicPr>
+        <p:blipFill>
+          <a:blip r:embed="rId4">
+            <a:clrChange>
+              <a:clrFrom>
+                <a:srgbClr val="FFFFFF"/>
+              </a:clrFrom>
+              <a:clrTo>
+                <a:srgbClr val="FFFFFF">
+                  <a:alpha val="0"/>
+                </a:srgbClr>
+              </a:clrTo>
+            </a:clrChange>
+          </a:blip>
+          <a:stretch>
+            <a:fillRect/>
+          </a:stretch>
+        </p:blipFill>
+        <p:spPr>
+          <a:xfrm flipH="1">
+            <a:off x="3226708" y="3090380"/>
+            <a:ext cx="547482" cy="421305"/>
+          </a:xfrm>
+          <a:prstGeom prst="rect">
+            <a:avLst/>
+          </a:prstGeom>
+        </p:spPr>
+      </p:pic>
+      <p:pic>
+        <p:nvPicPr>
+          <p:cNvPr id="3" name="Imagem 2"/>
+          <p:cNvPicPr>
+            <a:picLocks noChangeAspect="1"/>
+          </p:cNvPicPr>
+          <p:nvPr/>
+        </p:nvPicPr>
+        <p:blipFill>
+          <a:blip r:embed="rId5"/>
+          <a:stretch>
+            <a:fillRect/>
+          </a:stretch>
+        </p:blipFill>
+        <p:spPr>
+          <a:xfrm>
+            <a:off x="1187624" y="2838118"/>
+            <a:ext cx="523875" cy="485775"/>
+          </a:xfrm>
+          <a:prstGeom prst="rect">
+            <a:avLst/>
+          </a:prstGeom>
+        </p:spPr>
+      </p:pic>
+      <p:pic>
+        <p:nvPicPr>
+          <p:cNvPr id="6" name="Imagem 5"/>
+          <p:cNvPicPr>
+            <a:picLocks noChangeAspect="1"/>
+          </p:cNvPicPr>
+          <p:nvPr/>
+        </p:nvPicPr>
+        <p:blipFill>
+          <a:blip r:embed="rId6"/>
+          <a:stretch>
+            <a:fillRect/>
+          </a:stretch>
+        </p:blipFill>
+        <p:spPr>
+          <a:xfrm>
+            <a:off x="1247392" y="3645024"/>
+            <a:ext cx="6493024" cy="941795"/>
+          </a:xfrm>
+          <a:prstGeom prst="rect">
+            <a:avLst/>
+          </a:prstGeom>
+          <a:ln>
+            <a:noFill/>
+          </a:ln>
+          <a:effectLst>
+            <a:softEdge rad="112500"/>
+          </a:effectLst>
+        </p:spPr>
+      </p:pic>
+      <p:pic>
+        <p:nvPicPr>
+          <p:cNvPr id="13" name="Imagem 12"/>
+          <p:cNvPicPr>
+            <a:picLocks noChangeAspect="1"/>
+          </p:cNvPicPr>
+          <p:nvPr/>
+        </p:nvPicPr>
+        <p:blipFill>
+          <a:blip r:embed="rId4">
+            <a:clrChange>
+              <a:clrFrom>
+                <a:srgbClr val="FFFFFF"/>
+              </a:clrFrom>
+              <a:clrTo>
+                <a:srgbClr val="FFFFFF">
+                  <a:alpha val="0"/>
+                </a:srgbClr>
+              </a:clrTo>
+            </a:clrChange>
+          </a:blip>
+          <a:stretch>
+            <a:fillRect/>
+          </a:stretch>
+        </p:blipFill>
+        <p:spPr>
+          <a:xfrm flipH="1">
+            <a:off x="7408894" y="4100365"/>
+            <a:ext cx="547482" cy="421305"/>
+          </a:xfrm>
+          <a:prstGeom prst="rect">
+            <a:avLst/>
+          </a:prstGeom>
+        </p:spPr>
+      </p:pic>
+      <p:pic>
+        <p:nvPicPr>
+          <p:cNvPr id="7" name="Imagem 6"/>
+          <p:cNvPicPr>
+            <a:picLocks noChangeAspect="1"/>
+          </p:cNvPicPr>
+          <p:nvPr/>
+        </p:nvPicPr>
+        <p:blipFill>
+          <a:blip r:embed="rId7"/>
+          <a:stretch>
+            <a:fillRect/>
+          </a:stretch>
+        </p:blipFill>
+        <p:spPr>
+          <a:xfrm>
+            <a:off x="1449561" y="4653136"/>
+            <a:ext cx="6648450" cy="933450"/>
+          </a:xfrm>
+          <a:prstGeom prst="rect">
+            <a:avLst/>
+          </a:prstGeom>
+          <a:ln>
+            <a:noFill/>
+          </a:ln>
+          <a:effectLst>
+            <a:softEdge rad="112500"/>
+          </a:effectLst>
+        </p:spPr>
+      </p:pic>
+      <p:sp>
+        <p:nvSpPr>
+          <p:cNvPr id="8" name="Chave direita 7"/>
+          <p:cNvSpPr/>
+          <p:nvPr/>
+        </p:nvSpPr>
+        <p:spPr>
+          <a:xfrm rot="16200000">
+            <a:off x="4451804" y="3575802"/>
+            <a:ext cx="288032" cy="2664296"/>
+          </a:xfrm>
+          <a:prstGeom prst="rightBrace">
+            <a:avLst>
+              <a:gd name="adj1" fmla="val 8333"/>
+              <a:gd name="adj2" fmla="val 51144"/>
+            </a:avLst>
+          </a:prstGeom>
+          <a:ln w="28575">
+            <a:solidFill>
+              <a:srgbClr val="FF0000"/>
+            </a:solidFill>
+            <a:headEnd type="none" w="med" len="med"/>
+            <a:tailEnd type="none" w="med" len="med"/>
+          </a:ln>
+        </p:spPr>
+        <p:style>
+          <a:lnRef idx="1">
+            <a:schemeClr val="accent1"/>
+          </a:lnRef>
+          <a:fillRef idx="0">
+            <a:schemeClr val="accent1"/>
+          </a:fillRef>
+          <a:effectRef idx="0">
+            <a:schemeClr val="accent1"/>
+          </a:effectRef>
+          <a:fontRef idx="minor">
+            <a:schemeClr val="tx1"/>
+          </a:fontRef>
+        </p:style>
+        <p:txBody>
+          <a:bodyPr rtlCol="0" anchor="ctr"/>
+          <a:lstStyle/>
+          <a:p>
+            <a:pPr algn="ctr"/>
+            <a:endParaRPr lang="pt-BR"/>
           </a:p>
         </p:txBody>
       </p:sp>
     </p:spTree>
     <p:extLst>
       <p:ext uri="{BB962C8B-B14F-4D97-AF65-F5344CB8AC3E}">
-        <p14:creationId xmlns:p14="http://schemas.microsoft.com/office/powerpoint/2010/main" val="311133971"/>
+        <p14:creationId xmlns:p14="http://schemas.microsoft.com/office/powerpoint/2010/main" val="3675336364"/>
       </p:ext>
     </p:extLst>
   </p:cSld>
@@ -12051,8 +12753,8 @@
         </p:nvSpPr>
         <p:spPr>
           <a:xfrm>
-            <a:off x="2411760" y="1218238"/>
-            <a:ext cx="4341317" cy="338554"/>
+            <a:off x="4067944" y="1218238"/>
+            <a:ext cx="1608133" cy="338554"/>
           </a:xfrm>
           <a:prstGeom prst="rect">
             <a:avLst/>
@@ -12067,23 +12769,15 @@
           <a:p>
             <a:r>
               <a:rPr lang="pt-BR" sz="1600" b="1" dirty="0" smtClean="0"/>
-              <a:t>4.2.2) Variáveis categóricas: a </a:t>
+              <a:t>4.1.3) </a:t>
             </a:r>
             <a:r>
               <a:rPr lang="pt-BR" sz="1600" b="1" dirty="0" err="1" smtClean="0"/>
-              <a:t>Lookup</a:t>
+              <a:t>Hello</a:t>
             </a:r>
             <a:r>
               <a:rPr lang="pt-BR" sz="1600" b="1" dirty="0" smtClean="0"/>
-              <a:t> </a:t>
-            </a:r>
-            <a:r>
-              <a:rPr lang="pt-BR" sz="1600" b="1" dirty="0" err="1" smtClean="0"/>
-              <a:t>Table</a:t>
-            </a:r>
-            <a:r>
-              <a:rPr lang="pt-BR" sz="1600" b="1" dirty="0" smtClean="0"/>
-              <a:t> (LUT)</a:t>
+              <a:t> VTK!</a:t>
             </a:r>
             <a:endParaRPr lang="pt-BR" sz="1600" b="1" dirty="0"/>
           </a:p>
@@ -12091,14 +12785,14 @@
       </p:sp>
       <p:sp>
         <p:nvSpPr>
-          <p:cNvPr id="5" name="CaixaDeTexto 4"/>
+          <p:cNvPr id="55" name="CaixaDeTexto 54"/>
           <p:cNvSpPr txBox="1"/>
           <p:nvPr/>
         </p:nvSpPr>
         <p:spPr>
           <a:xfrm>
-            <a:off x="3257104" y="908720"/>
-            <a:ext cx="2323008" cy="369332"/>
+            <a:off x="2987824" y="908720"/>
+            <a:ext cx="4154984" cy="369332"/>
           </a:xfrm>
           <a:prstGeom prst="rect">
             <a:avLst/>
@@ -12113,16 +12807,50 @@
           <a:p>
             <a:r>
               <a:rPr lang="pt-BR" b="1" dirty="0" smtClean="0"/>
-              <a:t>4.2) Nuvens de pontos</a:t>
+              <a:t>4.1) Criando um aplicativo VTK elementar</a:t>
             </a:r>
             <a:endParaRPr lang="pt-BR" b="1" dirty="0"/>
           </a:p>
         </p:txBody>
       </p:sp>
+      <p:pic>
+        <p:nvPicPr>
+          <p:cNvPr id="2" name="Imagem 1"/>
+          <p:cNvPicPr>
+            <a:picLocks noChangeAspect="1"/>
+          </p:cNvPicPr>
+          <p:nvPr/>
+        </p:nvPicPr>
+        <p:blipFill>
+          <a:blip r:embed="rId3"/>
+          <a:stretch>
+            <a:fillRect/>
+          </a:stretch>
+        </p:blipFill>
+        <p:spPr>
+          <a:xfrm>
+            <a:off x="2555776" y="1772816"/>
+            <a:ext cx="4096494" cy="4326399"/>
+          </a:xfrm>
+          <a:prstGeom prst="rect">
+            <a:avLst/>
+          </a:prstGeom>
+          <a:ln>
+            <a:noFill/>
+          </a:ln>
+          <a:effectLst>
+            <a:outerShdw blurRad="292100" dist="139700" dir="2700000" algn="tl" rotWithShape="0">
+              <a:srgbClr val="333333">
+                <a:alpha val="65000"/>
+              </a:srgbClr>
+            </a:outerShdw>
+          </a:effectLst>
+        </p:spPr>
+      </p:pic>
     </p:spTree>
     <p:extLst>
       <p:ext uri="{BB962C8B-B14F-4D97-AF65-F5344CB8AC3E}">
-        <p14:creationId xmlns:p14="http://schemas.microsoft.com/office/powerpoint/2010/main" val="60893757"/>
+        <p14:creationId xmlns:p14="http://schemas.microsoft.com/office/powerpoint/2010/main" val="1382819145"/>
       </p:ext>
     </p:extLst>
   </p:cSld>
@@ -12196,14 +12924,14 @@
       </p:sp>
       <p:sp>
         <p:nvSpPr>
-          <p:cNvPr id="5" name="CaixaDeTexto 4"/>
+          <p:cNvPr id="55" name="CaixaDeTexto 54"/>
           <p:cNvSpPr txBox="1"/>
           <p:nvPr/>
         </p:nvSpPr>
         <p:spPr>
           <a:xfrm>
-            <a:off x="3851920" y="908720"/>
-            <a:ext cx="1564852" cy="369332"/>
+            <a:off x="3257104" y="908720"/>
+            <a:ext cx="2323008" cy="369332"/>
           </a:xfrm>
           <a:prstGeom prst="rect">
             <a:avLst/>
@@ -12218,7 +12946,7 @@
           <a:p>
             <a:r>
               <a:rPr lang="pt-BR" b="1" dirty="0" smtClean="0"/>
-              <a:t>4.3) Mapas 2D</a:t>
+              <a:t>4.2) Nuvens de pontos</a:t>
             </a:r>
             <a:endParaRPr lang="pt-BR" b="1" dirty="0"/>
           </a:p>
@@ -12227,7 +12955,7 @@
     </p:spTree>
     <p:extLst>
       <p:ext uri="{BB962C8B-B14F-4D97-AF65-F5344CB8AC3E}">
-        <p14:creationId xmlns:p14="http://schemas.microsoft.com/office/powerpoint/2010/main" val="4174760171"/>
+        <p14:creationId xmlns:p14="http://schemas.microsoft.com/office/powerpoint/2010/main" val="3232042557"/>
       </p:ext>
     </p:extLst>
   </p:cSld>
@@ -12301,14 +13029,14 @@
       </p:sp>
       <p:sp>
         <p:nvSpPr>
-          <p:cNvPr id="5" name="CaixaDeTexto 4"/>
+          <p:cNvPr id="54" name="CaixaDeTexto 53"/>
           <p:cNvSpPr txBox="1"/>
           <p:nvPr/>
         </p:nvSpPr>
         <p:spPr>
           <a:xfrm>
-            <a:off x="3851920" y="908720"/>
-            <a:ext cx="1564852" cy="369332"/>
+            <a:off x="2763644" y="1218238"/>
+            <a:ext cx="3320524" cy="338554"/>
           </a:xfrm>
           <a:prstGeom prst="rect">
             <a:avLst/>
@@ -12322,23 +13050,23 @@
           <a:lstStyle/>
           <a:p>
             <a:r>
-              <a:rPr lang="pt-BR" b="1" dirty="0" smtClean="0"/>
-              <a:t>4.3) Mapas 2D</a:t>
-            </a:r>
-            <a:endParaRPr lang="pt-BR" b="1" dirty="0"/>
-          </a:p>
-        </p:txBody>
-      </p:sp>
-      <p:sp>
-        <p:nvSpPr>
-          <p:cNvPr id="6" name="CaixaDeTexto 5"/>
+              <a:rPr lang="pt-BR" sz="1600" b="1" dirty="0" smtClean="0"/>
+              <a:t>4.2.1) Associando valores aos pontos</a:t>
+            </a:r>
+            <a:endParaRPr lang="pt-BR" sz="1600" b="1" dirty="0"/>
+          </a:p>
+        </p:txBody>
+      </p:sp>
+      <p:sp>
+        <p:nvSpPr>
+          <p:cNvPr id="5" name="CaixaDeTexto 4"/>
           <p:cNvSpPr txBox="1"/>
           <p:nvPr/>
         </p:nvSpPr>
         <p:spPr>
           <a:xfrm>
-            <a:off x="2267744" y="1218238"/>
-            <a:ext cx="4832157" cy="338554"/>
+            <a:off x="3257104" y="908720"/>
+            <a:ext cx="2323008" cy="369332"/>
           </a:xfrm>
           <a:prstGeom prst="rect">
             <a:avLst/>
@@ -12352,17 +13080,17 @@
           <a:lstStyle/>
           <a:p>
             <a:r>
-              <a:rPr lang="pt-BR" sz="1600" b="1" dirty="0" smtClean="0"/>
-              <a:t>4.3.1) Ocultando valores nulos e locais não amostrados</a:t>
-            </a:r>
-            <a:endParaRPr lang="pt-BR" sz="1600" b="1" dirty="0"/>
+              <a:rPr lang="pt-BR" b="1" dirty="0" smtClean="0"/>
+              <a:t>4.2) Nuvens de pontos</a:t>
+            </a:r>
+            <a:endParaRPr lang="pt-BR" b="1" dirty="0"/>
           </a:p>
         </p:txBody>
       </p:sp>
     </p:spTree>
     <p:extLst>
       <p:ext uri="{BB962C8B-B14F-4D97-AF65-F5344CB8AC3E}">
-        <p14:creationId xmlns:p14="http://schemas.microsoft.com/office/powerpoint/2010/main" val="3585225282"/>
+        <p14:creationId xmlns:p14="http://schemas.microsoft.com/office/powerpoint/2010/main" val="311133971"/>
       </p:ext>
     </p:extLst>
   </p:cSld>
@@ -12436,14 +13164,14 @@
       </p:sp>
       <p:sp>
         <p:nvSpPr>
-          <p:cNvPr id="5" name="CaixaDeTexto 4"/>
+          <p:cNvPr id="54" name="CaixaDeTexto 53"/>
           <p:cNvSpPr txBox="1"/>
           <p:nvPr/>
         </p:nvSpPr>
         <p:spPr>
           <a:xfrm>
-            <a:off x="3851920" y="908720"/>
-            <a:ext cx="1503938" cy="369332"/>
+            <a:off x="2411760" y="1218238"/>
+            <a:ext cx="4341317" cy="338554"/>
           </a:xfrm>
           <a:prstGeom prst="rect">
             <a:avLst/>
@@ -12457,8 +13185,54 @@
           <a:lstStyle/>
           <a:p>
             <a:r>
+              <a:rPr lang="pt-BR" sz="1600" b="1" dirty="0" smtClean="0"/>
+              <a:t>4.2.2) Variáveis categóricas: a </a:t>
+            </a:r>
+            <a:r>
+              <a:rPr lang="pt-BR" sz="1600" b="1" dirty="0" err="1" smtClean="0"/>
+              <a:t>Lookup</a:t>
+            </a:r>
+            <a:r>
+              <a:rPr lang="pt-BR" sz="1600" b="1" dirty="0" smtClean="0"/>
+              <a:t> </a:t>
+            </a:r>
+            <a:r>
+              <a:rPr lang="pt-BR" sz="1600" b="1" dirty="0" err="1" smtClean="0"/>
+              <a:t>Table</a:t>
+            </a:r>
+            <a:r>
+              <a:rPr lang="pt-BR" sz="1600" b="1" dirty="0" smtClean="0"/>
+              <a:t> (LUT)</a:t>
+            </a:r>
+            <a:endParaRPr lang="pt-BR" sz="1600" b="1" dirty="0"/>
+          </a:p>
+        </p:txBody>
+      </p:sp>
+      <p:sp>
+        <p:nvSpPr>
+          <p:cNvPr id="5" name="CaixaDeTexto 4"/>
+          <p:cNvSpPr txBox="1"/>
+          <p:nvPr/>
+        </p:nvSpPr>
+        <p:spPr>
+          <a:xfrm>
+            <a:off x="3257104" y="908720"/>
+            <a:ext cx="2323008" cy="369332"/>
+          </a:xfrm>
+          <a:prstGeom prst="rect">
+            <a:avLst/>
+          </a:prstGeom>
+          <a:noFill/>
+        </p:spPr>
+        <p:txBody>
+          <a:bodyPr wrap="none" rtlCol="0">
+            <a:spAutoFit/>
+          </a:bodyPr>
+          <a:lstStyle/>
+          <a:p>
+            <a:r>
               <a:rPr lang="pt-BR" b="1" dirty="0" smtClean="0"/>
-              <a:t>4.4) Cubos 3D</a:t>
+              <a:t>4.2) Nuvens de pontos</a:t>
             </a:r>
             <a:endParaRPr lang="pt-BR" b="1" dirty="0"/>
           </a:p>
@@ -12467,7 +13241,7 @@
     </p:spTree>
     <p:extLst>
       <p:ext uri="{BB962C8B-B14F-4D97-AF65-F5344CB8AC3E}">
-        <p14:creationId xmlns:p14="http://schemas.microsoft.com/office/powerpoint/2010/main" val="1653003107"/>
+        <p14:creationId xmlns:p14="http://schemas.microsoft.com/office/powerpoint/2010/main" val="60893757"/>
       </p:ext>
     </p:extLst>
   </p:cSld>
@@ -12548,7 +13322,7 @@
         <p:spPr>
           <a:xfrm>
             <a:off x="3851920" y="908720"/>
-            <a:ext cx="1503938" cy="369332"/>
+            <a:ext cx="1564852" cy="369332"/>
           </a:xfrm>
           <a:prstGeom prst="rect">
             <a:avLst/>
@@ -12563,66 +13337,16 @@
           <a:p>
             <a:r>
               <a:rPr lang="pt-BR" b="1" dirty="0" smtClean="0"/>
-              <a:t>4.4) Cubos 3D</a:t>
+              <a:t>4.3) Mapas 2D</a:t>
             </a:r>
             <a:endParaRPr lang="pt-BR" b="1" dirty="0"/>
-          </a:p>
-        </p:txBody>
-      </p:sp>
-      <p:sp>
-        <p:nvSpPr>
-          <p:cNvPr id="6" name="CaixaDeTexto 5"/>
-          <p:cNvSpPr txBox="1"/>
-          <p:nvPr/>
-        </p:nvSpPr>
-        <p:spPr>
-          <a:xfrm>
-            <a:off x="2987824" y="1218238"/>
-            <a:ext cx="3371116" cy="338554"/>
-          </a:xfrm>
-          <a:prstGeom prst="rect">
-            <a:avLst/>
-          </a:prstGeom>
-          <a:noFill/>
-        </p:spPr>
-        <p:txBody>
-          <a:bodyPr wrap="none" rtlCol="0">
-            <a:spAutoFit/>
-          </a:bodyPr>
-          <a:lstStyle/>
-          <a:p>
-            <a:r>
-              <a:rPr lang="pt-BR" sz="1600" b="1" dirty="0" smtClean="0"/>
-              <a:t>4.4.1) Seções </a:t>
-            </a:r>
-            <a:r>
-              <a:rPr lang="pt-BR" sz="1600" b="1" dirty="0" err="1" smtClean="0"/>
-              <a:t>inline</a:t>
-            </a:r>
-            <a:r>
-              <a:rPr lang="pt-BR" sz="1600" b="1" dirty="0" smtClean="0"/>
-              <a:t>, </a:t>
-            </a:r>
-            <a:r>
-              <a:rPr lang="pt-BR" sz="1600" b="1" dirty="0" err="1" smtClean="0"/>
-              <a:t>crossline</a:t>
-            </a:r>
-            <a:r>
-              <a:rPr lang="pt-BR" sz="1600" b="1" dirty="0" smtClean="0"/>
-              <a:t> e z-</a:t>
-            </a:r>
-            <a:r>
-              <a:rPr lang="pt-BR" sz="1600" b="1" dirty="0" err="1" smtClean="0"/>
-              <a:t>slice</a:t>
-            </a:r>
-            <a:endParaRPr lang="pt-BR" sz="1600" b="1" dirty="0"/>
           </a:p>
         </p:txBody>
       </p:sp>
     </p:spTree>
     <p:extLst>
       <p:ext uri="{BB962C8B-B14F-4D97-AF65-F5344CB8AC3E}">
-        <p14:creationId xmlns:p14="http://schemas.microsoft.com/office/powerpoint/2010/main" val="760961505"/>
+        <p14:creationId xmlns:p14="http://schemas.microsoft.com/office/powerpoint/2010/main" val="4174760171"/>
       </p:ext>
     </p:extLst>
   </p:cSld>
@@ -12703,7 +13427,7 @@
         <p:spPr>
           <a:xfrm>
             <a:off x="3851920" y="908720"/>
-            <a:ext cx="1503938" cy="369332"/>
+            <a:ext cx="1564852" cy="369332"/>
           </a:xfrm>
           <a:prstGeom prst="rect">
             <a:avLst/>
@@ -12718,7 +13442,7 @@
           <a:p>
             <a:r>
               <a:rPr lang="pt-BR" b="1" dirty="0" smtClean="0"/>
-              <a:t>4.4) Cubos 3D</a:t>
+              <a:t>4.3) Mapas 2D</a:t>
             </a:r>
             <a:endParaRPr lang="pt-BR" b="1" dirty="0"/>
           </a:p>
@@ -12732,8 +13456,8 @@
         </p:nvSpPr>
         <p:spPr>
           <a:xfrm>
-            <a:off x="3624835" y="1218238"/>
-            <a:ext cx="2099293" cy="338554"/>
+            <a:off x="2267744" y="1218238"/>
+            <a:ext cx="4832157" cy="338554"/>
           </a:xfrm>
           <a:prstGeom prst="rect">
             <a:avLst/>
@@ -12748,11 +13472,7 @@
           <a:p>
             <a:r>
               <a:rPr lang="pt-BR" sz="1600" b="1" dirty="0" smtClean="0"/>
-              <a:t>4.4.2) </a:t>
-            </a:r>
-            <a:r>
-              <a:rPr lang="pt-BR" sz="1600" b="1" dirty="0" err="1" smtClean="0"/>
-              <a:t>Subamostragem</a:t>
+              <a:t>4.3.1) Ocultando valores nulos e locais não amostrados</a:t>
             </a:r>
             <a:endParaRPr lang="pt-BR" sz="1600" b="1" dirty="0"/>
           </a:p>
@@ -12761,7 +13481,7 @@
     </p:spTree>
     <p:extLst>
       <p:ext uri="{BB962C8B-B14F-4D97-AF65-F5344CB8AC3E}">
-        <p14:creationId xmlns:p14="http://schemas.microsoft.com/office/powerpoint/2010/main" val="2988628406"/>
+        <p14:creationId xmlns:p14="http://schemas.microsoft.com/office/powerpoint/2010/main" val="3585225282"/>
       </p:ext>
     </p:extLst>
   </p:cSld>
@@ -12841,8 +13561,8 @@
         </p:nvSpPr>
         <p:spPr>
           <a:xfrm>
-            <a:off x="2843808" y="908720"/>
-            <a:ext cx="3865930" cy="369332"/>
+            <a:off x="3851920" y="908720"/>
+            <a:ext cx="1503938" cy="369332"/>
           </a:xfrm>
           <a:prstGeom prst="rect">
             <a:avLst/>
@@ -12857,46 +13577,16 @@
           <a:p>
             <a:r>
               <a:rPr lang="pt-BR" b="1" dirty="0" smtClean="0"/>
-              <a:t>4.5) Estruturas de geometria complexa</a:t>
+              <a:t>4.4) Cubos 3D</a:t>
             </a:r>
             <a:endParaRPr lang="pt-BR" b="1" dirty="0"/>
-          </a:p>
-        </p:txBody>
-      </p:sp>
-      <p:sp>
-        <p:nvSpPr>
-          <p:cNvPr id="6" name="CaixaDeTexto 5"/>
-          <p:cNvSpPr txBox="1"/>
-          <p:nvPr/>
-        </p:nvSpPr>
-        <p:spPr>
-          <a:xfrm>
-            <a:off x="3624835" y="1218238"/>
-            <a:ext cx="2091855" cy="338554"/>
-          </a:xfrm>
-          <a:prstGeom prst="rect">
-            <a:avLst/>
-          </a:prstGeom>
-          <a:noFill/>
-        </p:spPr>
-        <p:txBody>
-          <a:bodyPr wrap="none" rtlCol="0">
-            <a:spAutoFit/>
-          </a:bodyPr>
-          <a:lstStyle/>
-          <a:p>
-            <a:r>
-              <a:rPr lang="pt-BR" sz="1600" b="1" dirty="0" smtClean="0"/>
-              <a:t>4.5.1) Linha poligonais</a:t>
-            </a:r>
-            <a:endParaRPr lang="pt-BR" sz="1600" b="1" dirty="0"/>
           </a:p>
         </p:txBody>
       </p:sp>
     </p:spTree>
     <p:extLst>
       <p:ext uri="{BB962C8B-B14F-4D97-AF65-F5344CB8AC3E}">
-        <p14:creationId xmlns:p14="http://schemas.microsoft.com/office/powerpoint/2010/main" val="2161034562"/>
+        <p14:creationId xmlns:p14="http://schemas.microsoft.com/office/powerpoint/2010/main" val="1653003107"/>
       </p:ext>
     </p:extLst>
   </p:cSld>
@@ -12976,8 +13666,8 @@
         </p:nvSpPr>
         <p:spPr>
           <a:xfrm>
-            <a:off x="2843808" y="908720"/>
-            <a:ext cx="3865930" cy="369332"/>
+            <a:off x="3851920" y="908720"/>
+            <a:ext cx="1503938" cy="369332"/>
           </a:xfrm>
           <a:prstGeom prst="rect">
             <a:avLst/>
@@ -12992,7 +13682,7 @@
           <a:p>
             <a:r>
               <a:rPr lang="pt-BR" b="1" dirty="0" smtClean="0"/>
-              <a:t>4.5) Estruturas de geometria complexa</a:t>
+              <a:t>4.4) Cubos 3D</a:t>
             </a:r>
             <a:endParaRPr lang="pt-BR" b="1" dirty="0"/>
           </a:p>
@@ -13006,8 +13696,8 @@
         </p:nvSpPr>
         <p:spPr>
           <a:xfrm>
-            <a:off x="3859896" y="1218238"/>
-            <a:ext cx="1648208" cy="338554"/>
+            <a:off x="2987824" y="1218238"/>
+            <a:ext cx="3371116" cy="338554"/>
           </a:xfrm>
           <a:prstGeom prst="rect">
             <a:avLst/>
@@ -13022,7 +13712,27 @@
           <a:p>
             <a:r>
               <a:rPr lang="pt-BR" sz="1600" b="1" dirty="0" smtClean="0"/>
-              <a:t>4.5.2) Superfícies</a:t>
+              <a:t>4.4.1) Seções </a:t>
+            </a:r>
+            <a:r>
+              <a:rPr lang="pt-BR" sz="1600" b="1" dirty="0" err="1" smtClean="0"/>
+              <a:t>inline</a:t>
+            </a:r>
+            <a:r>
+              <a:rPr lang="pt-BR" sz="1600" b="1" dirty="0" smtClean="0"/>
+              <a:t>, </a:t>
+            </a:r>
+            <a:r>
+              <a:rPr lang="pt-BR" sz="1600" b="1" dirty="0" err="1" smtClean="0"/>
+              <a:t>crossline</a:t>
+            </a:r>
+            <a:r>
+              <a:rPr lang="pt-BR" sz="1600" b="1" dirty="0" smtClean="0"/>
+              <a:t> e z-</a:t>
+            </a:r>
+            <a:r>
+              <a:rPr lang="pt-BR" sz="1600" b="1" dirty="0" err="1" smtClean="0"/>
+              <a:t>slice</a:t>
             </a:r>
             <a:endParaRPr lang="pt-BR" sz="1600" b="1" dirty="0"/>
           </a:p>
@@ -13031,7 +13741,7 @@
     </p:spTree>
     <p:extLst>
       <p:ext uri="{BB962C8B-B14F-4D97-AF65-F5344CB8AC3E}">
-        <p14:creationId xmlns:p14="http://schemas.microsoft.com/office/powerpoint/2010/main" val="3812166210"/>
+        <p14:creationId xmlns:p14="http://schemas.microsoft.com/office/powerpoint/2010/main" val="760961505"/>
       </p:ext>
     </p:extLst>
   </p:cSld>
@@ -13404,8 +14114,8 @@
         </p:nvSpPr>
         <p:spPr>
           <a:xfrm>
-            <a:off x="2421706" y="908720"/>
-            <a:ext cx="4670574" cy="369332"/>
+            <a:off x="3851920" y="908720"/>
+            <a:ext cx="1503938" cy="369332"/>
           </a:xfrm>
           <a:prstGeom prst="rect">
             <a:avLst/>
@@ -13420,28 +14130,50 @@
           <a:p>
             <a:r>
               <a:rPr lang="pt-BR" b="1" dirty="0" smtClean="0"/>
-              <a:t>4.6) Interação com o modelo: </a:t>
-            </a:r>
-            <a:r>
-              <a:rPr lang="pt-BR" b="1" i="1" dirty="0" err="1" smtClean="0"/>
-              <a:t>picking</a:t>
-            </a:r>
-            <a:r>
-              <a:rPr lang="pt-BR" b="1" dirty="0" smtClean="0"/>
-              <a:t> e </a:t>
-            </a:r>
-            <a:r>
-              <a:rPr lang="pt-BR" b="1" i="1" dirty="0" err="1" smtClean="0"/>
-              <a:t>probing</a:t>
-            </a:r>
-            <a:endParaRPr lang="pt-BR" b="1" i="1" dirty="0"/>
+              <a:t>4.4) Cubos 3D</a:t>
+            </a:r>
+            <a:endParaRPr lang="pt-BR" b="1" dirty="0"/>
+          </a:p>
+        </p:txBody>
+      </p:sp>
+      <p:sp>
+        <p:nvSpPr>
+          <p:cNvPr id="6" name="CaixaDeTexto 5"/>
+          <p:cNvSpPr txBox="1"/>
+          <p:nvPr/>
+        </p:nvSpPr>
+        <p:spPr>
+          <a:xfrm>
+            <a:off x="3624835" y="1218238"/>
+            <a:ext cx="2099293" cy="338554"/>
+          </a:xfrm>
+          <a:prstGeom prst="rect">
+            <a:avLst/>
+          </a:prstGeom>
+          <a:noFill/>
+        </p:spPr>
+        <p:txBody>
+          <a:bodyPr wrap="none" rtlCol="0">
+            <a:spAutoFit/>
+          </a:bodyPr>
+          <a:lstStyle/>
+          <a:p>
+            <a:r>
+              <a:rPr lang="pt-BR" sz="1600" b="1" dirty="0" smtClean="0"/>
+              <a:t>4.4.2) </a:t>
+            </a:r>
+            <a:r>
+              <a:rPr lang="pt-BR" sz="1600" b="1" dirty="0" err="1" smtClean="0"/>
+              <a:t>Subamostragem</a:t>
+            </a:r>
+            <a:endParaRPr lang="pt-BR" sz="1600" b="1" dirty="0"/>
           </a:p>
         </p:txBody>
       </p:sp>
     </p:spTree>
     <p:extLst>
       <p:ext uri="{BB962C8B-B14F-4D97-AF65-F5344CB8AC3E}">
-        <p14:creationId xmlns:p14="http://schemas.microsoft.com/office/powerpoint/2010/main" val="3321787556"/>
+        <p14:creationId xmlns:p14="http://schemas.microsoft.com/office/powerpoint/2010/main" val="2988628406"/>
       </p:ext>
     </p:extLst>
   </p:cSld>
@@ -13499,7 +14231,15 @@
           <a:p>
             <a:r>
               <a:rPr lang="pt-BR" sz="2400" dirty="0" smtClean="0"/>
-              <a:t>Mais sobre VTK</a:t>
+              <a:t>4) Aplicações C++/</a:t>
+            </a:r>
+            <a:r>
+              <a:rPr lang="pt-BR" sz="2400" dirty="0" err="1" smtClean="0"/>
+              <a:t>Qt</a:t>
+            </a:r>
+            <a:r>
+              <a:rPr lang="pt-BR" sz="2400" dirty="0" smtClean="0"/>
+              <a:t> com VTK</a:t>
             </a:r>
             <a:endParaRPr lang="pt-BR" sz="1400" dirty="0"/>
           </a:p>
@@ -13513,8 +14253,8 @@
         </p:nvSpPr>
         <p:spPr>
           <a:xfrm>
-            <a:off x="827584" y="1412776"/>
-            <a:ext cx="1002582" cy="369332"/>
+            <a:off x="2843808" y="908720"/>
+            <a:ext cx="3865930" cy="369332"/>
           </a:xfrm>
           <a:prstGeom prst="rect">
             <a:avLst/>
@@ -13527,93 +14267,48 @@
           </a:bodyPr>
           <a:lstStyle/>
           <a:p>
-            <a:pPr marL="285750" indent="-285750">
-              <a:buFont typeface="Wingdings" panose="05000000000000000000" pitchFamily="2" charset="2"/>
-              <a:buChar char="Ø"/>
-            </a:pPr>
             <a:r>
               <a:rPr lang="pt-BR" b="1" dirty="0" smtClean="0"/>
-              <a:t>Livro:</a:t>
-            </a:r>
-            <a:endParaRPr lang="pt-BR" b="1" i="1" dirty="0"/>
-          </a:p>
-        </p:txBody>
-      </p:sp>
-      <p:pic>
-        <p:nvPicPr>
-          <p:cNvPr id="2" name="Imagem 1"/>
-          <p:cNvPicPr>
-            <a:picLocks noChangeAspect="1"/>
-          </p:cNvPicPr>
+              <a:t>4.5) Estruturas de geometria complexa</a:t>
+            </a:r>
+            <a:endParaRPr lang="pt-BR" b="1" dirty="0"/>
+          </a:p>
+        </p:txBody>
+      </p:sp>
+      <p:sp>
+        <p:nvSpPr>
+          <p:cNvPr id="6" name="CaixaDeTexto 5"/>
+          <p:cNvSpPr txBox="1"/>
           <p:nvPr/>
-        </p:nvPicPr>
-        <p:blipFill>
-          <a:blip r:embed="rId3">
-            <a:extLst>
-              <a:ext uri="{28A0092B-C50C-407E-A947-70E740481C1C}">
-                <a14:useLocalDpi xmlns:a14="http://schemas.microsoft.com/office/drawing/2010/main" val="0"/>
-              </a:ext>
-            </a:extLst>
-          </a:blip>
-          <a:stretch>
-            <a:fillRect/>
-          </a:stretch>
-        </p:blipFill>
-        <p:spPr>
-          <a:xfrm>
-            <a:off x="3377711" y="1433165"/>
-            <a:ext cx="2706457" cy="3789040"/>
+        </p:nvSpPr>
+        <p:spPr>
+          <a:xfrm>
+            <a:off x="3624835" y="1218238"/>
+            <a:ext cx="2091855" cy="338554"/>
           </a:xfrm>
           <a:prstGeom prst="rect">
             <a:avLst/>
           </a:prstGeom>
-        </p:spPr>
-      </p:pic>
-      <p:sp>
-        <p:nvSpPr>
-          <p:cNvPr id="3" name="Retângulo 2"/>
-          <p:cNvSpPr/>
-          <p:nvPr/>
-        </p:nvSpPr>
-        <p:spPr>
-          <a:xfrm>
-            <a:off x="1565920" y="5147900"/>
-            <a:ext cx="6174432" cy="369332"/>
-          </a:xfrm>
-          <a:prstGeom prst="rect">
-            <a:avLst/>
-          </a:prstGeom>
-        </p:spPr>
-        <p:txBody>
-          <a:bodyPr wrap="square">
+          <a:noFill/>
+        </p:spPr>
+        <p:txBody>
+          <a:bodyPr wrap="none" rtlCol="0">
             <a:spAutoFit/>
           </a:bodyPr>
           <a:lstStyle/>
           <a:p>
             <a:r>
-              <a:rPr lang="pt-BR" dirty="0">
-                <a:hlinkClick r:id="rId4"/>
-              </a:rPr>
-              <a:t>https://</a:t>
-            </a:r>
-            <a:r>
-              <a:rPr lang="pt-BR" dirty="0" smtClean="0">
-                <a:hlinkClick r:id="rId4"/>
-              </a:rPr>
-              <a:t>www.kitware.com/products/books/VTKTextbook.pdf</a:t>
-            </a:r>
-            <a:r>
-              <a:rPr lang="pt-BR" dirty="0" smtClean="0"/>
-              <a:t> </a:t>
-            </a:r>
-            <a:endParaRPr lang="pt-BR" dirty="0"/>
+              <a:rPr lang="pt-BR" sz="1600" b="1" dirty="0" smtClean="0"/>
+              <a:t>4.5.1) Linha poligonais</a:t>
+            </a:r>
+            <a:endParaRPr lang="pt-BR" sz="1600" b="1" dirty="0"/>
           </a:p>
         </p:txBody>
       </p:sp>
     </p:spTree>
     <p:extLst>
       <p:ext uri="{BB962C8B-B14F-4D97-AF65-F5344CB8AC3E}">
-        <p14:creationId xmlns:p14="http://schemas.microsoft.com/office/powerpoint/2010/main" val="3048172996"/>
+        <p14:creationId xmlns:p14="http://schemas.microsoft.com/office/powerpoint/2010/main" val="2161034562"/>
       </p:ext>
     </p:extLst>
   </p:cSld>
@@ -13671,6 +14366,430 @@
           <a:p>
             <a:r>
               <a:rPr lang="pt-BR" sz="2400" dirty="0" smtClean="0"/>
+              <a:t>4) Aplicações C++/</a:t>
+            </a:r>
+            <a:r>
+              <a:rPr lang="pt-BR" sz="2400" dirty="0" err="1" smtClean="0"/>
+              <a:t>Qt</a:t>
+            </a:r>
+            <a:r>
+              <a:rPr lang="pt-BR" sz="2400" dirty="0" smtClean="0"/>
+              <a:t> com VTK</a:t>
+            </a:r>
+            <a:endParaRPr lang="pt-BR" sz="1400" dirty="0"/>
+          </a:p>
+        </p:txBody>
+      </p:sp>
+      <p:sp>
+        <p:nvSpPr>
+          <p:cNvPr id="5" name="CaixaDeTexto 4"/>
+          <p:cNvSpPr txBox="1"/>
+          <p:nvPr/>
+        </p:nvSpPr>
+        <p:spPr>
+          <a:xfrm>
+            <a:off x="2843808" y="908720"/>
+            <a:ext cx="3865930" cy="369332"/>
+          </a:xfrm>
+          <a:prstGeom prst="rect">
+            <a:avLst/>
+          </a:prstGeom>
+          <a:noFill/>
+        </p:spPr>
+        <p:txBody>
+          <a:bodyPr wrap="none" rtlCol="0">
+            <a:spAutoFit/>
+          </a:bodyPr>
+          <a:lstStyle/>
+          <a:p>
+            <a:r>
+              <a:rPr lang="pt-BR" b="1" dirty="0" smtClean="0"/>
+              <a:t>4.5) Estruturas de geometria complexa</a:t>
+            </a:r>
+            <a:endParaRPr lang="pt-BR" b="1" dirty="0"/>
+          </a:p>
+        </p:txBody>
+      </p:sp>
+      <p:sp>
+        <p:nvSpPr>
+          <p:cNvPr id="6" name="CaixaDeTexto 5"/>
+          <p:cNvSpPr txBox="1"/>
+          <p:nvPr/>
+        </p:nvSpPr>
+        <p:spPr>
+          <a:xfrm>
+            <a:off x="3859896" y="1218238"/>
+            <a:ext cx="1648208" cy="338554"/>
+          </a:xfrm>
+          <a:prstGeom prst="rect">
+            <a:avLst/>
+          </a:prstGeom>
+          <a:noFill/>
+        </p:spPr>
+        <p:txBody>
+          <a:bodyPr wrap="none" rtlCol="0">
+            <a:spAutoFit/>
+          </a:bodyPr>
+          <a:lstStyle/>
+          <a:p>
+            <a:r>
+              <a:rPr lang="pt-BR" sz="1600" b="1" dirty="0" smtClean="0"/>
+              <a:t>4.5.2) Superfícies</a:t>
+            </a:r>
+            <a:endParaRPr lang="pt-BR" sz="1600" b="1" dirty="0"/>
+          </a:p>
+        </p:txBody>
+      </p:sp>
+    </p:spTree>
+    <p:extLst>
+      <p:ext uri="{BB962C8B-B14F-4D97-AF65-F5344CB8AC3E}">
+        <p14:creationId xmlns:p14="http://schemas.microsoft.com/office/powerpoint/2010/main" val="3812166210"/>
+      </p:ext>
+    </p:extLst>
+  </p:cSld>
+  <p:clrMapOvr>
+    <a:masterClrMapping/>
+  </p:clrMapOvr>
+  <p:timing>
+    <p:tnLst>
+      <p:par>
+        <p:cTn id="1" dur="indefinite" restart="never" nodeType="tmRoot"/>
+      </p:par>
+    </p:tnLst>
+  </p:timing>
+</p:sld>
+</file>
+
+<file path=ppt/slides/slide33.xml><?xml version="1.0" encoding="utf-8"?>
+<p:sld xmlns:a="http://schemas.openxmlformats.org/drawingml/2006/main" xmlns:r="http://schemas.openxmlformats.org/officeDocument/2006/relationships" xmlns:p="http://schemas.openxmlformats.org/presentationml/2006/main">
+  <p:cSld>
+    <p:spTree>
+      <p:nvGrpSpPr>
+        <p:cNvPr id="1" name=""/>
+        <p:cNvGrpSpPr/>
+        <p:nvPr/>
+      </p:nvGrpSpPr>
+      <p:grpSpPr>
+        <a:xfrm>
+          <a:off x="0" y="0"/>
+          <a:ext cx="0" cy="0"/>
+          <a:chOff x="0" y="0"/>
+          <a:chExt cx="0" cy="0"/>
+        </a:xfrm>
+      </p:grpSpPr>
+      <p:sp>
+        <p:nvSpPr>
+          <p:cNvPr id="4" name="Título 3"/>
+          <p:cNvSpPr>
+            <a:spLocks noGrp="1"/>
+          </p:cNvSpPr>
+          <p:nvPr>
+            <p:ph type="ctrTitle"/>
+          </p:nvPr>
+        </p:nvSpPr>
+        <p:spPr>
+          <a:xfrm>
+            <a:off x="3275856" y="138754"/>
+            <a:ext cx="4680520" cy="504056"/>
+          </a:xfrm>
+        </p:spPr>
+        <p:txBody>
+          <a:bodyPr>
+            <a:normAutofit/>
+          </a:bodyPr>
+          <a:lstStyle/>
+          <a:p>
+            <a:r>
+              <a:rPr lang="pt-BR" sz="2400" dirty="0" smtClean="0"/>
+              <a:t>4) Aplicações C++/</a:t>
+            </a:r>
+            <a:r>
+              <a:rPr lang="pt-BR" sz="2400" dirty="0" err="1" smtClean="0"/>
+              <a:t>Qt</a:t>
+            </a:r>
+            <a:r>
+              <a:rPr lang="pt-BR" sz="2400" dirty="0" smtClean="0"/>
+              <a:t> com VTK</a:t>
+            </a:r>
+            <a:endParaRPr lang="pt-BR" sz="1400" dirty="0"/>
+          </a:p>
+        </p:txBody>
+      </p:sp>
+      <p:sp>
+        <p:nvSpPr>
+          <p:cNvPr id="5" name="CaixaDeTexto 4"/>
+          <p:cNvSpPr txBox="1"/>
+          <p:nvPr/>
+        </p:nvSpPr>
+        <p:spPr>
+          <a:xfrm>
+            <a:off x="2421706" y="908720"/>
+            <a:ext cx="4670574" cy="369332"/>
+          </a:xfrm>
+          <a:prstGeom prst="rect">
+            <a:avLst/>
+          </a:prstGeom>
+          <a:noFill/>
+        </p:spPr>
+        <p:txBody>
+          <a:bodyPr wrap="none" rtlCol="0">
+            <a:spAutoFit/>
+          </a:bodyPr>
+          <a:lstStyle/>
+          <a:p>
+            <a:r>
+              <a:rPr lang="pt-BR" b="1" dirty="0" smtClean="0"/>
+              <a:t>4.6) Interação com o modelo: </a:t>
+            </a:r>
+            <a:r>
+              <a:rPr lang="pt-BR" b="1" i="1" dirty="0" err="1" smtClean="0"/>
+              <a:t>picking</a:t>
+            </a:r>
+            <a:r>
+              <a:rPr lang="pt-BR" b="1" dirty="0" smtClean="0"/>
+              <a:t> e </a:t>
+            </a:r>
+            <a:r>
+              <a:rPr lang="pt-BR" b="1" i="1" dirty="0" err="1" smtClean="0"/>
+              <a:t>probing</a:t>
+            </a:r>
+            <a:endParaRPr lang="pt-BR" b="1" i="1" dirty="0"/>
+          </a:p>
+        </p:txBody>
+      </p:sp>
+    </p:spTree>
+    <p:extLst>
+      <p:ext uri="{BB962C8B-B14F-4D97-AF65-F5344CB8AC3E}">
+        <p14:creationId xmlns:p14="http://schemas.microsoft.com/office/powerpoint/2010/main" val="3321787556"/>
+      </p:ext>
+    </p:extLst>
+  </p:cSld>
+  <p:clrMapOvr>
+    <a:masterClrMapping/>
+  </p:clrMapOvr>
+  <p:timing>
+    <p:tnLst>
+      <p:par>
+        <p:cTn id="1" dur="indefinite" restart="never" nodeType="tmRoot"/>
+      </p:par>
+    </p:tnLst>
+  </p:timing>
+</p:sld>
+</file>
+
+<file path=ppt/slides/slide34.xml><?xml version="1.0" encoding="utf-8"?>
+<p:sld xmlns:a="http://schemas.openxmlformats.org/drawingml/2006/main" xmlns:r="http://schemas.openxmlformats.org/officeDocument/2006/relationships" xmlns:p="http://schemas.openxmlformats.org/presentationml/2006/main">
+  <p:cSld>
+    <p:spTree>
+      <p:nvGrpSpPr>
+        <p:cNvPr id="1" name=""/>
+        <p:cNvGrpSpPr/>
+        <p:nvPr/>
+      </p:nvGrpSpPr>
+      <p:grpSpPr>
+        <a:xfrm>
+          <a:off x="0" y="0"/>
+          <a:ext cx="0" cy="0"/>
+          <a:chOff x="0" y="0"/>
+          <a:chExt cx="0" cy="0"/>
+        </a:xfrm>
+      </p:grpSpPr>
+      <p:sp>
+        <p:nvSpPr>
+          <p:cNvPr id="4" name="Título 3"/>
+          <p:cNvSpPr>
+            <a:spLocks noGrp="1"/>
+          </p:cNvSpPr>
+          <p:nvPr>
+            <p:ph type="ctrTitle"/>
+          </p:nvPr>
+        </p:nvSpPr>
+        <p:spPr>
+          <a:xfrm>
+            <a:off x="3275856" y="138754"/>
+            <a:ext cx="4680520" cy="504056"/>
+          </a:xfrm>
+        </p:spPr>
+        <p:txBody>
+          <a:bodyPr>
+            <a:normAutofit/>
+          </a:bodyPr>
+          <a:lstStyle/>
+          <a:p>
+            <a:r>
+              <a:rPr lang="pt-BR" sz="2400" dirty="0" smtClean="0"/>
+              <a:t>Mais sobre VTK</a:t>
+            </a:r>
+            <a:endParaRPr lang="pt-BR" sz="1400" dirty="0"/>
+          </a:p>
+        </p:txBody>
+      </p:sp>
+      <p:sp>
+        <p:nvSpPr>
+          <p:cNvPr id="5" name="CaixaDeTexto 4"/>
+          <p:cNvSpPr txBox="1"/>
+          <p:nvPr/>
+        </p:nvSpPr>
+        <p:spPr>
+          <a:xfrm>
+            <a:off x="827584" y="1412776"/>
+            <a:ext cx="1002582" cy="369332"/>
+          </a:xfrm>
+          <a:prstGeom prst="rect">
+            <a:avLst/>
+          </a:prstGeom>
+          <a:noFill/>
+        </p:spPr>
+        <p:txBody>
+          <a:bodyPr wrap="none" rtlCol="0">
+            <a:spAutoFit/>
+          </a:bodyPr>
+          <a:lstStyle/>
+          <a:p>
+            <a:pPr marL="285750" indent="-285750">
+              <a:buFont typeface="Wingdings" panose="05000000000000000000" pitchFamily="2" charset="2"/>
+              <a:buChar char="Ø"/>
+            </a:pPr>
+            <a:r>
+              <a:rPr lang="pt-BR" b="1" dirty="0" smtClean="0"/>
+              <a:t>Livro:</a:t>
+            </a:r>
+            <a:endParaRPr lang="pt-BR" b="1" i="1" dirty="0"/>
+          </a:p>
+        </p:txBody>
+      </p:sp>
+      <p:pic>
+        <p:nvPicPr>
+          <p:cNvPr id="2" name="Imagem 1"/>
+          <p:cNvPicPr>
+            <a:picLocks noChangeAspect="1"/>
+          </p:cNvPicPr>
+          <p:nvPr/>
+        </p:nvPicPr>
+        <p:blipFill>
+          <a:blip r:embed="rId3">
+            <a:extLst>
+              <a:ext uri="{28A0092B-C50C-407E-A947-70E740481C1C}">
+                <a14:useLocalDpi xmlns:a14="http://schemas.microsoft.com/office/drawing/2010/main" val="0"/>
+              </a:ext>
+            </a:extLst>
+          </a:blip>
+          <a:stretch>
+            <a:fillRect/>
+          </a:stretch>
+        </p:blipFill>
+        <p:spPr>
+          <a:xfrm>
+            <a:off x="3377711" y="1433165"/>
+            <a:ext cx="2706457" cy="3789040"/>
+          </a:xfrm>
+          <a:prstGeom prst="rect">
+            <a:avLst/>
+          </a:prstGeom>
+        </p:spPr>
+      </p:pic>
+      <p:sp>
+        <p:nvSpPr>
+          <p:cNvPr id="3" name="Retângulo 2"/>
+          <p:cNvSpPr/>
+          <p:nvPr/>
+        </p:nvSpPr>
+        <p:spPr>
+          <a:xfrm>
+            <a:off x="1565920" y="5147900"/>
+            <a:ext cx="6174432" cy="369332"/>
+          </a:xfrm>
+          <a:prstGeom prst="rect">
+            <a:avLst/>
+          </a:prstGeom>
+        </p:spPr>
+        <p:txBody>
+          <a:bodyPr wrap="square">
+            <a:spAutoFit/>
+          </a:bodyPr>
+          <a:lstStyle/>
+          <a:p>
+            <a:r>
+              <a:rPr lang="pt-BR" dirty="0">
+                <a:hlinkClick r:id="rId4"/>
+              </a:rPr>
+              <a:t>https://</a:t>
+            </a:r>
+            <a:r>
+              <a:rPr lang="pt-BR" dirty="0" smtClean="0">
+                <a:hlinkClick r:id="rId4"/>
+              </a:rPr>
+              <a:t>www.kitware.com/products/books/VTKTextbook.pdf</a:t>
+            </a:r>
+            <a:r>
+              <a:rPr lang="pt-BR" dirty="0" smtClean="0"/>
+              <a:t> </a:t>
+            </a:r>
+            <a:endParaRPr lang="pt-BR" dirty="0"/>
+          </a:p>
+        </p:txBody>
+      </p:sp>
+    </p:spTree>
+    <p:extLst>
+      <p:ext uri="{BB962C8B-B14F-4D97-AF65-F5344CB8AC3E}">
+        <p14:creationId xmlns:p14="http://schemas.microsoft.com/office/powerpoint/2010/main" val="3048172996"/>
+      </p:ext>
+    </p:extLst>
+  </p:cSld>
+  <p:clrMapOvr>
+    <a:masterClrMapping/>
+  </p:clrMapOvr>
+  <p:timing>
+    <p:tnLst>
+      <p:par>
+        <p:cTn id="1" dur="indefinite" restart="never" nodeType="tmRoot"/>
+      </p:par>
+    </p:tnLst>
+  </p:timing>
+</p:sld>
+</file>
+
+<file path=ppt/slides/slide35.xml><?xml version="1.0" encoding="utf-8"?>
+<p:sld xmlns:a="http://schemas.openxmlformats.org/drawingml/2006/main" xmlns:r="http://schemas.openxmlformats.org/officeDocument/2006/relationships" xmlns:p="http://schemas.openxmlformats.org/presentationml/2006/main">
+  <p:cSld>
+    <p:spTree>
+      <p:nvGrpSpPr>
+        <p:cNvPr id="1" name=""/>
+        <p:cNvGrpSpPr/>
+        <p:nvPr/>
+      </p:nvGrpSpPr>
+      <p:grpSpPr>
+        <a:xfrm>
+          <a:off x="0" y="0"/>
+          <a:ext cx="0" cy="0"/>
+          <a:chOff x="0" y="0"/>
+          <a:chExt cx="0" cy="0"/>
+        </a:xfrm>
+      </p:grpSpPr>
+      <p:sp>
+        <p:nvSpPr>
+          <p:cNvPr id="4" name="Título 3"/>
+          <p:cNvSpPr>
+            <a:spLocks noGrp="1"/>
+          </p:cNvSpPr>
+          <p:nvPr>
+            <p:ph type="ctrTitle"/>
+          </p:nvPr>
+        </p:nvSpPr>
+        <p:spPr>
+          <a:xfrm>
+            <a:off x="3275856" y="138754"/>
+            <a:ext cx="4680520" cy="504056"/>
+          </a:xfrm>
+        </p:spPr>
+        <p:txBody>
+          <a:bodyPr>
+            <a:normAutofit/>
+          </a:bodyPr>
+          <a:lstStyle/>
+          <a:p>
+            <a:r>
+              <a:rPr lang="pt-BR" sz="2400" dirty="0" smtClean="0"/>
               <a:t>Mais sobre VTK</a:t>
             </a:r>
             <a:endParaRPr lang="pt-BR" sz="1400" dirty="0"/>
@@ -13898,7 +15017,7 @@
 </p:sld>
 </file>
 
-<file path=ppt/slides/slide33.xml><?xml version="1.0" encoding="utf-8"?>
+<file path=ppt/slides/slide36.xml><?xml version="1.0" encoding="utf-8"?>
 <p:sld xmlns:a="http://schemas.openxmlformats.org/drawingml/2006/main" xmlns:r="http://schemas.openxmlformats.org/officeDocument/2006/relationships" xmlns:p="http://schemas.openxmlformats.org/presentationml/2006/main">
   <p:cSld>
     <p:spTree>

--- a/aulas_3dias/slides_3dias.pptx
+++ b/aulas_3dias/slides_3dias.pptx
@@ -5,7 +5,7 @@
     <p:sldMasterId id="2147483648" r:id="rId1"/>
   </p:sldMasterIdLst>
   <p:notesMasterIdLst>
-    <p:notesMasterId r:id="rId38"/>
+    <p:notesMasterId r:id="rId40"/>
   </p:notesMasterIdLst>
   <p:sldIdLst>
     <p:sldId id="258" r:id="rId2"/>
@@ -28,22 +28,24 @@
     <p:sldId id="288" r:id="rId19"/>
     <p:sldId id="290" r:id="rId20"/>
     <p:sldId id="291" r:id="rId21"/>
-    <p:sldId id="292" r:id="rId22"/>
-    <p:sldId id="293" r:id="rId23"/>
-    <p:sldId id="270" r:id="rId24"/>
-    <p:sldId id="271" r:id="rId25"/>
-    <p:sldId id="272" r:id="rId26"/>
-    <p:sldId id="273" r:id="rId27"/>
-    <p:sldId id="274" r:id="rId28"/>
-    <p:sldId id="275" r:id="rId29"/>
-    <p:sldId id="276" r:id="rId30"/>
-    <p:sldId id="277" r:id="rId31"/>
-    <p:sldId id="278" r:id="rId32"/>
-    <p:sldId id="279" r:id="rId33"/>
-    <p:sldId id="280" r:id="rId34"/>
-    <p:sldId id="281" r:id="rId35"/>
-    <p:sldId id="282" r:id="rId36"/>
-    <p:sldId id="283" r:id="rId37"/>
+    <p:sldId id="295" r:id="rId22"/>
+    <p:sldId id="292" r:id="rId23"/>
+    <p:sldId id="293" r:id="rId24"/>
+    <p:sldId id="296" r:id="rId25"/>
+    <p:sldId id="270" r:id="rId26"/>
+    <p:sldId id="271" r:id="rId27"/>
+    <p:sldId id="272" r:id="rId28"/>
+    <p:sldId id="273" r:id="rId29"/>
+    <p:sldId id="274" r:id="rId30"/>
+    <p:sldId id="275" r:id="rId31"/>
+    <p:sldId id="276" r:id="rId32"/>
+    <p:sldId id="277" r:id="rId33"/>
+    <p:sldId id="278" r:id="rId34"/>
+    <p:sldId id="279" r:id="rId35"/>
+    <p:sldId id="280" r:id="rId36"/>
+    <p:sldId id="281" r:id="rId37"/>
+    <p:sldId id="282" r:id="rId38"/>
+    <p:sldId id="283" r:id="rId39"/>
   </p:sldIdLst>
   <p:sldSz cx="9144000" cy="6858000" type="screen4x3"/>
   <p:notesSz cx="6858000" cy="9144000"/>
@@ -837,7 +839,7 @@
     </p:spTree>
     <p:extLst>
       <p:ext uri="{BB962C8B-B14F-4D97-AF65-F5344CB8AC3E}">
-        <p14:creationId xmlns:p14="http://schemas.microsoft.com/office/powerpoint/2010/main" val="2323619707"/>
+        <p14:creationId xmlns:p14="http://schemas.microsoft.com/office/powerpoint/2010/main" val="2267543212"/>
       </p:ext>
     </p:extLst>
   </p:cSld>
@@ -921,7 +923,7 @@
     </p:spTree>
     <p:extLst>
       <p:ext uri="{BB962C8B-B14F-4D97-AF65-F5344CB8AC3E}">
-        <p14:creationId xmlns:p14="http://schemas.microsoft.com/office/powerpoint/2010/main" val="1076945236"/>
+        <p14:creationId xmlns:p14="http://schemas.microsoft.com/office/powerpoint/2010/main" val="2323619707"/>
       </p:ext>
     </p:extLst>
   </p:cSld>
@@ -1005,7 +1007,7 @@
     </p:spTree>
     <p:extLst>
       <p:ext uri="{BB962C8B-B14F-4D97-AF65-F5344CB8AC3E}">
-        <p14:creationId xmlns:p14="http://schemas.microsoft.com/office/powerpoint/2010/main" val="2366148113"/>
+        <p14:creationId xmlns:p14="http://schemas.microsoft.com/office/powerpoint/2010/main" val="1076945236"/>
       </p:ext>
     </p:extLst>
   </p:cSld>
@@ -1089,7 +1091,7 @@
     </p:spTree>
     <p:extLst>
       <p:ext uri="{BB962C8B-B14F-4D97-AF65-F5344CB8AC3E}">
-        <p14:creationId xmlns:p14="http://schemas.microsoft.com/office/powerpoint/2010/main" val="1267129821"/>
+        <p14:creationId xmlns:p14="http://schemas.microsoft.com/office/powerpoint/2010/main" val="3400388235"/>
       </p:ext>
     </p:extLst>
   </p:cSld>
@@ -1173,7 +1175,7 @@
     </p:spTree>
     <p:extLst>
       <p:ext uri="{BB962C8B-B14F-4D97-AF65-F5344CB8AC3E}">
-        <p14:creationId xmlns:p14="http://schemas.microsoft.com/office/powerpoint/2010/main" val="2607924494"/>
+        <p14:creationId xmlns:p14="http://schemas.microsoft.com/office/powerpoint/2010/main" val="2366148113"/>
       </p:ext>
     </p:extLst>
   </p:cSld>
@@ -1257,7 +1259,7 @@
     </p:spTree>
     <p:extLst>
       <p:ext uri="{BB962C8B-B14F-4D97-AF65-F5344CB8AC3E}">
-        <p14:creationId xmlns:p14="http://schemas.microsoft.com/office/powerpoint/2010/main" val="3717476772"/>
+        <p14:creationId xmlns:p14="http://schemas.microsoft.com/office/powerpoint/2010/main" val="1267129821"/>
       </p:ext>
     </p:extLst>
   </p:cSld>
@@ -1341,7 +1343,7 @@
     </p:spTree>
     <p:extLst>
       <p:ext uri="{BB962C8B-B14F-4D97-AF65-F5344CB8AC3E}">
-        <p14:creationId xmlns:p14="http://schemas.microsoft.com/office/powerpoint/2010/main" val="3745824210"/>
+        <p14:creationId xmlns:p14="http://schemas.microsoft.com/office/powerpoint/2010/main" val="2607924494"/>
       </p:ext>
     </p:extLst>
   </p:cSld>
@@ -1425,7 +1427,7 @@
     </p:spTree>
     <p:extLst>
       <p:ext uri="{BB962C8B-B14F-4D97-AF65-F5344CB8AC3E}">
-        <p14:creationId xmlns:p14="http://schemas.microsoft.com/office/powerpoint/2010/main" val="2095654408"/>
+        <p14:creationId xmlns:p14="http://schemas.microsoft.com/office/powerpoint/2010/main" val="3717476772"/>
       </p:ext>
     </p:extLst>
   </p:cSld>
@@ -1593,7 +1595,7 @@
     </p:spTree>
     <p:extLst>
       <p:ext uri="{BB962C8B-B14F-4D97-AF65-F5344CB8AC3E}">
-        <p14:creationId xmlns:p14="http://schemas.microsoft.com/office/powerpoint/2010/main" val="3906118446"/>
+        <p14:creationId xmlns:p14="http://schemas.microsoft.com/office/powerpoint/2010/main" val="3745824210"/>
       </p:ext>
     </p:extLst>
   </p:cSld>
@@ -1677,7 +1679,7 @@
     </p:spTree>
     <p:extLst>
       <p:ext uri="{BB962C8B-B14F-4D97-AF65-F5344CB8AC3E}">
-        <p14:creationId xmlns:p14="http://schemas.microsoft.com/office/powerpoint/2010/main" val="3314503402"/>
+        <p14:creationId xmlns:p14="http://schemas.microsoft.com/office/powerpoint/2010/main" val="2095654408"/>
       </p:ext>
     </p:extLst>
   </p:cSld>
@@ -1761,7 +1763,7 @@
     </p:spTree>
     <p:extLst>
       <p:ext uri="{BB962C8B-B14F-4D97-AF65-F5344CB8AC3E}">
-        <p14:creationId xmlns:p14="http://schemas.microsoft.com/office/powerpoint/2010/main" val="3768046969"/>
+        <p14:creationId xmlns:p14="http://schemas.microsoft.com/office/powerpoint/2010/main" val="3906118446"/>
       </p:ext>
     </p:extLst>
   </p:cSld>
@@ -1845,7 +1847,7 @@
     </p:spTree>
     <p:extLst>
       <p:ext uri="{BB962C8B-B14F-4D97-AF65-F5344CB8AC3E}">
-        <p14:creationId xmlns:p14="http://schemas.microsoft.com/office/powerpoint/2010/main" val="4269829074"/>
+        <p14:creationId xmlns:p14="http://schemas.microsoft.com/office/powerpoint/2010/main" val="3314503402"/>
       </p:ext>
     </p:extLst>
   </p:cSld>
@@ -1929,7 +1931,7 @@
     </p:spTree>
     <p:extLst>
       <p:ext uri="{BB962C8B-B14F-4D97-AF65-F5344CB8AC3E}">
-        <p14:creationId xmlns:p14="http://schemas.microsoft.com/office/powerpoint/2010/main" val="785103576"/>
+        <p14:creationId xmlns:p14="http://schemas.microsoft.com/office/powerpoint/2010/main" val="3768046969"/>
       </p:ext>
     </p:extLst>
   </p:cSld>
@@ -2013,7 +2015,7 @@
     </p:spTree>
     <p:extLst>
       <p:ext uri="{BB962C8B-B14F-4D97-AF65-F5344CB8AC3E}">
-        <p14:creationId xmlns:p14="http://schemas.microsoft.com/office/powerpoint/2010/main" val="2568763623"/>
+        <p14:creationId xmlns:p14="http://schemas.microsoft.com/office/powerpoint/2010/main" val="4269829074"/>
       </p:ext>
     </p:extLst>
   </p:cSld>
@@ -2097,7 +2099,7 @@
     </p:spTree>
     <p:extLst>
       <p:ext uri="{BB962C8B-B14F-4D97-AF65-F5344CB8AC3E}">
-        <p14:creationId xmlns:p14="http://schemas.microsoft.com/office/powerpoint/2010/main" val="1276811389"/>
+        <p14:creationId xmlns:p14="http://schemas.microsoft.com/office/powerpoint/2010/main" val="785103576"/>
       </p:ext>
     </p:extLst>
   </p:cSld>
@@ -2173,6 +2175,174 @@
             <a:fld id="{1A618A8B-0752-40D5-9454-79BB13FA29FA}" type="slidenum">
               <a:rPr lang="pt-BR" smtClean="0"/>
               <a:t>36</a:t>
+            </a:fld>
+            <a:endParaRPr lang="pt-BR"/>
+          </a:p>
+        </p:txBody>
+      </p:sp>
+    </p:spTree>
+    <p:extLst>
+      <p:ext uri="{BB962C8B-B14F-4D97-AF65-F5344CB8AC3E}">
+        <p14:creationId xmlns:p14="http://schemas.microsoft.com/office/powerpoint/2010/main" val="2568763623"/>
+      </p:ext>
+    </p:extLst>
+  </p:cSld>
+  <p:clrMapOvr>
+    <a:masterClrMapping/>
+  </p:clrMapOvr>
+</p:notes>
+</file>
+
+<file path=ppt/notesSlides/notesSlide28.xml><?xml version="1.0" encoding="utf-8"?>
+<p:notes xmlns:a="http://schemas.openxmlformats.org/drawingml/2006/main" xmlns:r="http://schemas.openxmlformats.org/officeDocument/2006/relationships" xmlns:p="http://schemas.openxmlformats.org/presentationml/2006/main">
+  <p:cSld>
+    <p:spTree>
+      <p:nvGrpSpPr>
+        <p:cNvPr id="1" name=""/>
+        <p:cNvGrpSpPr/>
+        <p:nvPr/>
+      </p:nvGrpSpPr>
+      <p:grpSpPr>
+        <a:xfrm>
+          <a:off x="0" y="0"/>
+          <a:ext cx="0" cy="0"/>
+          <a:chOff x="0" y="0"/>
+          <a:chExt cx="0" cy="0"/>
+        </a:xfrm>
+      </p:grpSpPr>
+      <p:sp>
+        <p:nvSpPr>
+          <p:cNvPr id="2" name="Espaço Reservado para Imagem de Slide 1"/>
+          <p:cNvSpPr>
+            <a:spLocks noGrp="1" noRot="1" noChangeAspect="1"/>
+          </p:cNvSpPr>
+          <p:nvPr>
+            <p:ph type="sldImg"/>
+          </p:nvPr>
+        </p:nvSpPr>
+        <p:spPr/>
+      </p:sp>
+      <p:sp>
+        <p:nvSpPr>
+          <p:cNvPr id="3" name="Espaço Reservado para Anotações 2"/>
+          <p:cNvSpPr>
+            <a:spLocks noGrp="1"/>
+          </p:cNvSpPr>
+          <p:nvPr>
+            <p:ph type="body" idx="1"/>
+          </p:nvPr>
+        </p:nvSpPr>
+        <p:spPr/>
+        <p:txBody>
+          <a:bodyPr/>
+          <a:lstStyle/>
+          <a:p>
+            <a:endParaRPr lang="pt-BR" dirty="0"/>
+          </a:p>
+        </p:txBody>
+      </p:sp>
+      <p:sp>
+        <p:nvSpPr>
+          <p:cNvPr id="4" name="Espaço Reservado para Número de Slide 3"/>
+          <p:cNvSpPr>
+            <a:spLocks noGrp="1"/>
+          </p:cNvSpPr>
+          <p:nvPr>
+            <p:ph type="sldNum" sz="quarter" idx="10"/>
+          </p:nvPr>
+        </p:nvSpPr>
+        <p:spPr/>
+        <p:txBody>
+          <a:bodyPr/>
+          <a:lstStyle/>
+          <a:p>
+            <a:fld id="{1A618A8B-0752-40D5-9454-79BB13FA29FA}" type="slidenum">
+              <a:rPr lang="pt-BR" smtClean="0"/>
+              <a:t>37</a:t>
+            </a:fld>
+            <a:endParaRPr lang="pt-BR"/>
+          </a:p>
+        </p:txBody>
+      </p:sp>
+    </p:spTree>
+    <p:extLst>
+      <p:ext uri="{BB962C8B-B14F-4D97-AF65-F5344CB8AC3E}">
+        <p14:creationId xmlns:p14="http://schemas.microsoft.com/office/powerpoint/2010/main" val="1276811389"/>
+      </p:ext>
+    </p:extLst>
+  </p:cSld>
+  <p:clrMapOvr>
+    <a:masterClrMapping/>
+  </p:clrMapOvr>
+</p:notes>
+</file>
+
+<file path=ppt/notesSlides/notesSlide29.xml><?xml version="1.0" encoding="utf-8"?>
+<p:notes xmlns:a="http://schemas.openxmlformats.org/drawingml/2006/main" xmlns:r="http://schemas.openxmlformats.org/officeDocument/2006/relationships" xmlns:p="http://schemas.openxmlformats.org/presentationml/2006/main">
+  <p:cSld>
+    <p:spTree>
+      <p:nvGrpSpPr>
+        <p:cNvPr id="1" name=""/>
+        <p:cNvGrpSpPr/>
+        <p:nvPr/>
+      </p:nvGrpSpPr>
+      <p:grpSpPr>
+        <a:xfrm>
+          <a:off x="0" y="0"/>
+          <a:ext cx="0" cy="0"/>
+          <a:chOff x="0" y="0"/>
+          <a:chExt cx="0" cy="0"/>
+        </a:xfrm>
+      </p:grpSpPr>
+      <p:sp>
+        <p:nvSpPr>
+          <p:cNvPr id="2" name="Espaço Reservado para Imagem de Slide 1"/>
+          <p:cNvSpPr>
+            <a:spLocks noGrp="1" noRot="1" noChangeAspect="1"/>
+          </p:cNvSpPr>
+          <p:nvPr>
+            <p:ph type="sldImg"/>
+          </p:nvPr>
+        </p:nvSpPr>
+        <p:spPr/>
+      </p:sp>
+      <p:sp>
+        <p:nvSpPr>
+          <p:cNvPr id="3" name="Espaço Reservado para Anotações 2"/>
+          <p:cNvSpPr>
+            <a:spLocks noGrp="1"/>
+          </p:cNvSpPr>
+          <p:nvPr>
+            <p:ph type="body" idx="1"/>
+          </p:nvPr>
+        </p:nvSpPr>
+        <p:spPr/>
+        <p:txBody>
+          <a:bodyPr/>
+          <a:lstStyle/>
+          <a:p>
+            <a:endParaRPr lang="pt-BR" dirty="0"/>
+          </a:p>
+        </p:txBody>
+      </p:sp>
+      <p:sp>
+        <p:nvSpPr>
+          <p:cNvPr id="4" name="Espaço Reservado para Número de Slide 3"/>
+          <p:cNvSpPr>
+            <a:spLocks noGrp="1"/>
+          </p:cNvSpPr>
+          <p:nvPr>
+            <p:ph type="sldNum" sz="quarter" idx="10"/>
+          </p:nvPr>
+        </p:nvSpPr>
+        <p:spPr/>
+        <p:txBody>
+          <a:bodyPr/>
+          <a:lstStyle/>
+          <a:p>
+            <a:fld id="{1A618A8B-0752-40D5-9454-79BB13FA29FA}" type="slidenum">
+              <a:rPr lang="pt-BR" smtClean="0"/>
+              <a:t>38</a:t>
             </a:fld>
             <a:endParaRPr lang="pt-BR"/>
           </a:p>
@@ -12066,9 +12236,168 @@
           <a:chExt cx="0" cy="0"/>
         </a:xfrm>
       </p:grpSpPr>
+      <p:sp>
+        <p:nvSpPr>
+          <p:cNvPr id="4" name="Título 3"/>
+          <p:cNvSpPr>
+            <a:spLocks noGrp="1"/>
+          </p:cNvSpPr>
+          <p:nvPr>
+            <p:ph type="ctrTitle"/>
+          </p:nvPr>
+        </p:nvSpPr>
+        <p:spPr>
+          <a:xfrm>
+            <a:off x="3275856" y="138754"/>
+            <a:ext cx="4680520" cy="504056"/>
+          </a:xfrm>
+        </p:spPr>
+        <p:txBody>
+          <a:bodyPr>
+            <a:normAutofit/>
+          </a:bodyPr>
+          <a:lstStyle/>
+          <a:p>
+            <a:r>
+              <a:rPr lang="pt-BR" sz="2400" dirty="0" smtClean="0"/>
+              <a:t>4) Aplicações C++/</a:t>
+            </a:r>
+            <a:r>
+              <a:rPr lang="pt-BR" sz="2400" dirty="0" err="1" smtClean="0"/>
+              <a:t>Qt</a:t>
+            </a:r>
+            <a:r>
+              <a:rPr lang="pt-BR" sz="2400" dirty="0" smtClean="0"/>
+              <a:t> com VTK</a:t>
+            </a:r>
+            <a:endParaRPr lang="pt-BR" sz="1400" dirty="0"/>
+          </a:p>
+        </p:txBody>
+      </p:sp>
+      <p:sp>
+        <p:nvSpPr>
+          <p:cNvPr id="54" name="CaixaDeTexto 53"/>
+          <p:cNvSpPr txBox="1"/>
+          <p:nvPr/>
+        </p:nvSpPr>
+        <p:spPr>
+          <a:xfrm>
+            <a:off x="4067944" y="1218238"/>
+            <a:ext cx="1608133" cy="338554"/>
+          </a:xfrm>
+          <a:prstGeom prst="rect">
+            <a:avLst/>
+          </a:prstGeom>
+          <a:noFill/>
+        </p:spPr>
+        <p:txBody>
+          <a:bodyPr wrap="none" rtlCol="0">
+            <a:spAutoFit/>
+          </a:bodyPr>
+          <a:lstStyle/>
+          <a:p>
+            <a:r>
+              <a:rPr lang="pt-BR" sz="1600" b="1" dirty="0" smtClean="0"/>
+              <a:t>4.1.3) </a:t>
+            </a:r>
+            <a:r>
+              <a:rPr lang="pt-BR" sz="1600" b="1" dirty="0" err="1" smtClean="0"/>
+              <a:t>Hello</a:t>
+            </a:r>
+            <a:r>
+              <a:rPr lang="pt-BR" sz="1600" b="1" dirty="0" smtClean="0"/>
+              <a:t> VTK!</a:t>
+            </a:r>
+            <a:endParaRPr lang="pt-BR" sz="1600" b="1" dirty="0"/>
+          </a:p>
+        </p:txBody>
+      </p:sp>
+      <p:sp>
+        <p:nvSpPr>
+          <p:cNvPr id="55" name="CaixaDeTexto 54"/>
+          <p:cNvSpPr txBox="1"/>
+          <p:nvPr/>
+        </p:nvSpPr>
+        <p:spPr>
+          <a:xfrm>
+            <a:off x="2987824" y="908720"/>
+            <a:ext cx="4154984" cy="369332"/>
+          </a:xfrm>
+          <a:prstGeom prst="rect">
+            <a:avLst/>
+          </a:prstGeom>
+          <a:noFill/>
+        </p:spPr>
+        <p:txBody>
+          <a:bodyPr wrap="none" rtlCol="0">
+            <a:spAutoFit/>
+          </a:bodyPr>
+          <a:lstStyle/>
+          <a:p>
+            <a:r>
+              <a:rPr lang="pt-BR" b="1" dirty="0" smtClean="0"/>
+              <a:t>4.1) Criando um aplicativo VTK elementar</a:t>
+            </a:r>
+            <a:endParaRPr lang="pt-BR" b="1" dirty="0"/>
+          </a:p>
+        </p:txBody>
+      </p:sp>
+      <p:sp>
+        <p:nvSpPr>
+          <p:cNvPr id="14" name="CaixaDeTexto 13"/>
+          <p:cNvSpPr txBox="1"/>
+          <p:nvPr/>
+        </p:nvSpPr>
+        <p:spPr>
+          <a:xfrm>
+            <a:off x="263696" y="2814027"/>
+            <a:ext cx="8484768" cy="338554"/>
+          </a:xfrm>
+          <a:prstGeom prst="rect">
+            <a:avLst/>
+          </a:prstGeom>
+          <a:noFill/>
+        </p:spPr>
+        <p:txBody>
+          <a:bodyPr wrap="square" rtlCol="0">
+            <a:spAutoFit/>
+          </a:bodyPr>
+          <a:lstStyle/>
+          <a:p>
+            <a:pPr marL="285750" indent="-285750" algn="just">
+              <a:buFont typeface="Wingdings" panose="05000000000000000000" pitchFamily="2" charset="2"/>
+              <a:buChar char="Ø"/>
+            </a:pPr>
+            <a:r>
+              <a:rPr lang="pt-BR" sz="1600" dirty="0" err="1" smtClean="0"/>
+              <a:t>Qt</a:t>
+            </a:r>
+            <a:r>
+              <a:rPr lang="pt-BR" sz="1600" dirty="0" smtClean="0"/>
+              <a:t> </a:t>
+            </a:r>
+            <a:r>
+              <a:rPr lang="pt-BR" sz="1600" dirty="0" err="1" smtClean="0"/>
+              <a:t>Creator</a:t>
+            </a:r>
+            <a:r>
+              <a:rPr lang="pt-BR" sz="1600" dirty="0" smtClean="0"/>
+              <a:t>: </a:t>
+            </a:r>
+            <a:r>
+              <a:rPr lang="pt-BR" sz="1600" dirty="0" smtClean="0"/>
+              <a:t>compile clicando em </a:t>
+            </a:r>
+            <a:endParaRPr lang="pt-BR" sz="1600" dirty="0">
+              <a:latin typeface="Courier New" panose="02070309020205020404" pitchFamily="49" charset="0"/>
+              <a:cs typeface="Courier New" panose="02070309020205020404" pitchFamily="49" charset="0"/>
+            </a:endParaRPr>
+          </a:p>
+        </p:txBody>
+      </p:sp>
       <p:pic>
         <p:nvPicPr>
-          <p:cNvPr id="5" name="Imagem 4"/>
+          <p:cNvPr id="3" name="Imagem 2"/>
           <p:cNvPicPr>
             <a:picLocks noChangeAspect="1"/>
           </p:cNvPicPr>
@@ -12082,8 +12411,8 @@
         </p:blipFill>
         <p:spPr>
           <a:xfrm>
-            <a:off x="2374007" y="2538080"/>
-            <a:ext cx="2486025" cy="1085850"/>
+            <a:off x="1847674" y="3861048"/>
+            <a:ext cx="6048672" cy="1896796"/>
           </a:xfrm>
           <a:prstGeom prst="rect">
             <a:avLst/>
@@ -12096,584 +12425,34 @@
           </a:effectLst>
         </p:spPr>
       </p:pic>
-      <p:sp>
-        <p:nvSpPr>
-          <p:cNvPr id="4" name="Título 3"/>
-          <p:cNvSpPr>
-            <a:spLocks noGrp="1"/>
-          </p:cNvSpPr>
-          <p:nvPr>
-            <p:ph type="ctrTitle"/>
-          </p:nvPr>
-        </p:nvSpPr>
-        <p:spPr>
-          <a:xfrm>
-            <a:off x="3275856" y="138754"/>
-            <a:ext cx="4680520" cy="504056"/>
-          </a:xfrm>
-        </p:spPr>
-        <p:txBody>
-          <a:bodyPr>
-            <a:normAutofit/>
-          </a:bodyPr>
-          <a:lstStyle/>
-          <a:p>
-            <a:r>
-              <a:rPr lang="pt-BR" sz="2400" dirty="0" smtClean="0"/>
-              <a:t>4) Aplicações C++/</a:t>
-            </a:r>
-            <a:r>
-              <a:rPr lang="pt-BR" sz="2400" dirty="0" err="1" smtClean="0"/>
-              <a:t>Qt</a:t>
-            </a:r>
-            <a:r>
-              <a:rPr lang="pt-BR" sz="2400" dirty="0" smtClean="0"/>
-              <a:t> com VTK</a:t>
-            </a:r>
-            <a:endParaRPr lang="pt-BR" sz="1400" dirty="0"/>
-          </a:p>
-        </p:txBody>
-      </p:sp>
-      <p:sp>
-        <p:nvSpPr>
-          <p:cNvPr id="54" name="CaixaDeTexto 53"/>
-          <p:cNvSpPr txBox="1"/>
-          <p:nvPr/>
-        </p:nvSpPr>
-        <p:spPr>
-          <a:xfrm>
-            <a:off x="4067944" y="1218238"/>
-            <a:ext cx="1608133" cy="338554"/>
-          </a:xfrm>
-          <a:prstGeom prst="rect">
-            <a:avLst/>
-          </a:prstGeom>
-          <a:noFill/>
-        </p:spPr>
-        <p:txBody>
-          <a:bodyPr wrap="none" rtlCol="0">
-            <a:spAutoFit/>
-          </a:bodyPr>
-          <a:lstStyle/>
-          <a:p>
-            <a:r>
-              <a:rPr lang="pt-BR" sz="1600" b="1" dirty="0" smtClean="0"/>
-              <a:t>4.1.3) </a:t>
-            </a:r>
-            <a:r>
-              <a:rPr lang="pt-BR" sz="1600" b="1" dirty="0" err="1" smtClean="0"/>
-              <a:t>Hello</a:t>
-            </a:r>
-            <a:r>
-              <a:rPr lang="pt-BR" sz="1600" b="1" dirty="0" smtClean="0"/>
-              <a:t> VTK!</a:t>
-            </a:r>
-            <a:endParaRPr lang="pt-BR" sz="1600" b="1" dirty="0"/>
-          </a:p>
-        </p:txBody>
-      </p:sp>
-      <p:sp>
-        <p:nvSpPr>
-          <p:cNvPr id="55" name="CaixaDeTexto 54"/>
-          <p:cNvSpPr txBox="1"/>
-          <p:nvPr/>
-        </p:nvSpPr>
-        <p:spPr>
-          <a:xfrm>
-            <a:off x="2987824" y="908720"/>
-            <a:ext cx="4154984" cy="369332"/>
-          </a:xfrm>
-          <a:prstGeom prst="rect">
-            <a:avLst/>
-          </a:prstGeom>
-          <a:noFill/>
-        </p:spPr>
-        <p:txBody>
-          <a:bodyPr wrap="none" rtlCol="0">
-            <a:spAutoFit/>
-          </a:bodyPr>
-          <a:lstStyle/>
-          <a:p>
-            <a:r>
-              <a:rPr lang="pt-BR" b="1" dirty="0" smtClean="0"/>
-              <a:t>4.1) Criando um aplicativo VTK elementar</a:t>
-            </a:r>
-            <a:endParaRPr lang="pt-BR" b="1" dirty="0"/>
-          </a:p>
-        </p:txBody>
-      </p:sp>
-      <p:sp>
-        <p:nvSpPr>
-          <p:cNvPr id="14" name="CaixaDeTexto 13"/>
-          <p:cNvSpPr txBox="1"/>
-          <p:nvPr/>
-        </p:nvSpPr>
-        <p:spPr>
-          <a:xfrm>
-            <a:off x="251520" y="1700808"/>
-            <a:ext cx="8484768" cy="4770537"/>
-          </a:xfrm>
-          <a:prstGeom prst="rect">
-            <a:avLst/>
-          </a:prstGeom>
-          <a:noFill/>
-        </p:spPr>
-        <p:txBody>
-          <a:bodyPr wrap="square" rtlCol="0">
-            <a:spAutoFit/>
-          </a:bodyPr>
-          <a:lstStyle/>
-          <a:p>
-            <a:pPr marL="285750" indent="-285750" algn="just">
-              <a:buFont typeface="Wingdings" panose="05000000000000000000" pitchFamily="2" charset="2"/>
-              <a:buChar char="Ø"/>
-            </a:pPr>
-            <a:r>
-              <a:rPr lang="pt-BR" sz="1600" dirty="0" err="1" smtClean="0"/>
-              <a:t>Qt</a:t>
-            </a:r>
-            <a:r>
-              <a:rPr lang="pt-BR" sz="1600" dirty="0" smtClean="0"/>
-              <a:t> </a:t>
-            </a:r>
-            <a:r>
-              <a:rPr lang="pt-BR" sz="1600" dirty="0" err="1" smtClean="0"/>
-              <a:t>Creator</a:t>
-            </a:r>
-            <a:r>
-              <a:rPr lang="pt-BR" sz="1600" dirty="0" smtClean="0"/>
-              <a:t>: </a:t>
-            </a:r>
-            <a:r>
-              <a:rPr lang="pt-BR" sz="1600" dirty="0" smtClean="0"/>
-              <a:t>Ao executar (play) o programa pode </a:t>
-            </a:r>
-            <a:r>
-              <a:rPr lang="pt-BR" sz="1600" dirty="0" err="1" smtClean="0"/>
-              <a:t>abendar</a:t>
-            </a:r>
-            <a:r>
-              <a:rPr lang="pt-BR" sz="1600" dirty="0" smtClean="0"/>
-              <a:t> (crash).  Provavelmente porque os </a:t>
-            </a:r>
-            <a:r>
-              <a:rPr lang="pt-BR" sz="1600" dirty="0" err="1" smtClean="0"/>
-              <a:t>SOs</a:t>
-            </a:r>
-            <a:r>
-              <a:rPr lang="pt-BR" sz="1600" dirty="0" smtClean="0"/>
-              <a:t>/</a:t>
-            </a:r>
-            <a:r>
-              <a:rPr lang="pt-BR" sz="1600" dirty="0" err="1" smtClean="0"/>
-              <a:t>DLLs</a:t>
-            </a:r>
-            <a:r>
-              <a:rPr lang="pt-BR" sz="1600" dirty="0" smtClean="0"/>
-              <a:t> do VTK não estão visíveis (fora do </a:t>
-            </a:r>
-            <a:r>
-              <a:rPr lang="pt-BR" sz="1600" dirty="0" smtClean="0">
-                <a:latin typeface="Courier New" panose="02070309020205020404" pitchFamily="49" charset="0"/>
-                <a:cs typeface="Courier New" panose="02070309020205020404" pitchFamily="49" charset="0"/>
-              </a:rPr>
-              <a:t>PATH</a:t>
-            </a:r>
-            <a:r>
-              <a:rPr lang="pt-BR" sz="1600" dirty="0" smtClean="0"/>
-              <a:t> (Windows) ou </a:t>
-            </a:r>
-            <a:r>
-              <a:rPr lang="pt-BR" sz="1600" dirty="0" smtClean="0">
-                <a:latin typeface="Courier New" panose="02070309020205020404" pitchFamily="49" charset="0"/>
-                <a:cs typeface="Courier New" panose="02070309020205020404" pitchFamily="49" charset="0"/>
-              </a:rPr>
-              <a:t>LD_LIBRARY_PATH</a:t>
-            </a:r>
-            <a:r>
-              <a:rPr lang="pt-BR" sz="1600" dirty="0" smtClean="0"/>
-              <a:t> (Unix)).</a:t>
-            </a:r>
-          </a:p>
-          <a:p>
-            <a:pPr marL="285750" indent="-285750" algn="just">
-              <a:buFont typeface="Wingdings" panose="05000000000000000000" pitchFamily="2" charset="2"/>
-              <a:buChar char="Ø"/>
-            </a:pPr>
-            <a:endParaRPr lang="pt-BR" sz="1600" dirty="0"/>
-          </a:p>
-          <a:p>
-            <a:pPr marL="285750" indent="-285750" algn="just">
-              <a:buFont typeface="Wingdings" panose="05000000000000000000" pitchFamily="2" charset="2"/>
-              <a:buChar char="Ø"/>
-            </a:pPr>
-            <a:endParaRPr lang="pt-BR" sz="1600" dirty="0" smtClean="0"/>
-          </a:p>
-          <a:p>
-            <a:pPr marL="285750" indent="-285750" algn="just">
-              <a:buFont typeface="Wingdings" panose="05000000000000000000" pitchFamily="2" charset="2"/>
-              <a:buChar char="Ø"/>
-            </a:pPr>
-            <a:endParaRPr lang="pt-BR" sz="1600" dirty="0" smtClean="0">
-              <a:cs typeface="Courier New" panose="02070309020205020404" pitchFamily="49" charset="0"/>
-            </a:endParaRPr>
-          </a:p>
-          <a:p>
-            <a:pPr marL="285750" indent="-285750" algn="just">
-              <a:buFont typeface="Wingdings" panose="05000000000000000000" pitchFamily="2" charset="2"/>
-              <a:buChar char="Ø"/>
-            </a:pPr>
-            <a:r>
-              <a:rPr lang="pt-BR" sz="1600" dirty="0" smtClean="0">
-                <a:cs typeface="Courier New" panose="02070309020205020404" pitchFamily="49" charset="0"/>
-              </a:rPr>
-              <a:t>Ir em                depois</a:t>
-            </a:r>
-          </a:p>
-          <a:p>
-            <a:pPr marL="285750" indent="-285750" algn="just">
-              <a:buFont typeface="Wingdings" panose="05000000000000000000" pitchFamily="2" charset="2"/>
-              <a:buChar char="Ø"/>
-            </a:pPr>
-            <a:endParaRPr lang="pt-BR" sz="1600" dirty="0">
-              <a:cs typeface="Courier New" panose="02070309020205020404" pitchFamily="49" charset="0"/>
-            </a:endParaRPr>
-          </a:p>
-          <a:p>
-            <a:pPr marL="285750" indent="-285750" algn="just">
-              <a:buFont typeface="Wingdings" panose="05000000000000000000" pitchFamily="2" charset="2"/>
-              <a:buChar char="Ø"/>
-            </a:pPr>
-            <a:endParaRPr lang="pt-BR" sz="1600" dirty="0" smtClean="0">
-              <a:cs typeface="Courier New" panose="02070309020205020404" pitchFamily="49" charset="0"/>
-            </a:endParaRPr>
-          </a:p>
-          <a:p>
-            <a:pPr marL="285750" indent="-285750" algn="just">
-              <a:buFont typeface="Wingdings" panose="05000000000000000000" pitchFamily="2" charset="2"/>
-              <a:buChar char="Ø"/>
-            </a:pPr>
-            <a:endParaRPr lang="pt-BR" sz="1600" dirty="0">
-              <a:cs typeface="Courier New" panose="02070309020205020404" pitchFamily="49" charset="0"/>
-            </a:endParaRPr>
-          </a:p>
-          <a:p>
-            <a:pPr marL="285750" indent="-285750" algn="just">
-              <a:buFont typeface="Wingdings" panose="05000000000000000000" pitchFamily="2" charset="2"/>
-              <a:buChar char="Ø"/>
-            </a:pPr>
-            <a:endParaRPr lang="pt-BR" sz="1600" dirty="0" smtClean="0">
-              <a:cs typeface="Courier New" panose="02070309020205020404" pitchFamily="49" charset="0"/>
-            </a:endParaRPr>
-          </a:p>
-          <a:p>
-            <a:pPr marL="285750" indent="-285750" algn="just">
-              <a:buFont typeface="Wingdings" panose="05000000000000000000" pitchFamily="2" charset="2"/>
-              <a:buChar char="Ø"/>
-            </a:pPr>
-            <a:endParaRPr lang="pt-BR" sz="1600" dirty="0">
-              <a:cs typeface="Courier New" panose="02070309020205020404" pitchFamily="49" charset="0"/>
-            </a:endParaRPr>
-          </a:p>
-          <a:p>
-            <a:pPr marL="285750" indent="-285750" algn="just">
-              <a:buFont typeface="Wingdings" panose="05000000000000000000" pitchFamily="2" charset="2"/>
-              <a:buChar char="Ø"/>
-            </a:pPr>
-            <a:endParaRPr lang="pt-BR" sz="1600" dirty="0" smtClean="0">
-              <a:cs typeface="Courier New" panose="02070309020205020404" pitchFamily="49" charset="0"/>
-            </a:endParaRPr>
-          </a:p>
-          <a:p>
-            <a:pPr marL="285750" indent="-285750" algn="just">
-              <a:buFont typeface="Wingdings" panose="05000000000000000000" pitchFamily="2" charset="2"/>
-              <a:buChar char="Ø"/>
-            </a:pPr>
-            <a:endParaRPr lang="pt-BR" sz="1600" dirty="0">
-              <a:cs typeface="Courier New" panose="02070309020205020404" pitchFamily="49" charset="0"/>
-            </a:endParaRPr>
-          </a:p>
-          <a:p>
-            <a:pPr marL="285750" indent="-285750" algn="just">
-              <a:buFont typeface="Wingdings" panose="05000000000000000000" pitchFamily="2" charset="2"/>
-              <a:buChar char="Ø"/>
-            </a:pPr>
-            <a:endParaRPr lang="pt-BR" sz="1600" dirty="0" smtClean="0">
-              <a:cs typeface="Courier New" panose="02070309020205020404" pitchFamily="49" charset="0"/>
-            </a:endParaRPr>
-          </a:p>
-          <a:p>
-            <a:pPr marL="285750" indent="-285750" algn="just">
-              <a:buFont typeface="Wingdings" panose="05000000000000000000" pitchFamily="2" charset="2"/>
-              <a:buChar char="Ø"/>
-            </a:pPr>
-            <a:endParaRPr lang="pt-BR" sz="1600" dirty="0">
-              <a:cs typeface="Courier New" panose="02070309020205020404" pitchFamily="49" charset="0"/>
-            </a:endParaRPr>
-          </a:p>
-          <a:p>
-            <a:pPr marL="285750" indent="-285750" algn="just">
-              <a:buFont typeface="Wingdings" panose="05000000000000000000" pitchFamily="2" charset="2"/>
-              <a:buChar char="Ø"/>
-            </a:pPr>
-            <a:endParaRPr lang="pt-BR" sz="1600" dirty="0" smtClean="0">
-              <a:cs typeface="Courier New" panose="02070309020205020404" pitchFamily="49" charset="0"/>
-            </a:endParaRPr>
-          </a:p>
-          <a:p>
-            <a:pPr marL="285750" indent="-285750" algn="just">
-              <a:buFont typeface="Wingdings" panose="05000000000000000000" pitchFamily="2" charset="2"/>
-              <a:buChar char="Ø"/>
-            </a:pPr>
-            <a:endParaRPr lang="pt-BR" sz="1600" dirty="0">
-              <a:cs typeface="Courier New" panose="02070309020205020404" pitchFamily="49" charset="0"/>
-            </a:endParaRPr>
-          </a:p>
-          <a:p>
-            <a:pPr marL="285750" indent="-285750" algn="just">
-              <a:buFont typeface="Wingdings" panose="05000000000000000000" pitchFamily="2" charset="2"/>
-              <a:buChar char="Ø"/>
-            </a:pPr>
-            <a:r>
-              <a:rPr lang="pt-BR" sz="1600" dirty="0" smtClean="0">
-                <a:cs typeface="Courier New" panose="02070309020205020404" pitchFamily="49" charset="0"/>
-              </a:rPr>
-              <a:t>Pode ser que não funcione de primeira.  Nesse caso, fecha e abra o </a:t>
-            </a:r>
-            <a:r>
-              <a:rPr lang="pt-BR" sz="1600" dirty="0" err="1" smtClean="0">
-                <a:cs typeface="Courier New" panose="02070309020205020404" pitchFamily="49" charset="0"/>
-              </a:rPr>
-              <a:t>QtCreator</a:t>
-            </a:r>
-            <a:r>
-              <a:rPr lang="pt-BR" sz="1600" dirty="0" smtClean="0">
-                <a:cs typeface="Courier New" panose="02070309020205020404" pitchFamily="49" charset="0"/>
-              </a:rPr>
-              <a:t> de novo.</a:t>
-            </a:r>
-            <a:endParaRPr lang="pt-BR" sz="1600" dirty="0">
-              <a:cs typeface="Courier New" panose="02070309020205020404" pitchFamily="49" charset="0"/>
-            </a:endParaRPr>
-          </a:p>
-          <a:p>
-            <a:pPr marL="285750" indent="-285750" algn="just">
-              <a:buFont typeface="Wingdings" panose="05000000000000000000" pitchFamily="2" charset="2"/>
-              <a:buChar char="Ø"/>
-            </a:pPr>
-            <a:endParaRPr lang="pt-BR" sz="1600" dirty="0">
-              <a:latin typeface="Courier New" panose="02070309020205020404" pitchFamily="49" charset="0"/>
-              <a:cs typeface="Courier New" panose="02070309020205020404" pitchFamily="49" charset="0"/>
-            </a:endParaRPr>
-          </a:p>
-        </p:txBody>
-      </p:sp>
       <p:pic>
         <p:nvPicPr>
-          <p:cNvPr id="15" name="Imagem 14"/>
+          <p:cNvPr id="5" name="Imagem 4"/>
           <p:cNvPicPr>
             <a:picLocks noChangeAspect="1"/>
           </p:cNvPicPr>
           <p:nvPr/>
         </p:nvPicPr>
         <p:blipFill>
-          <a:blip r:embed="rId4">
-            <a:clrChange>
-              <a:clrFrom>
-                <a:srgbClr val="FFFFFF"/>
-              </a:clrFrom>
-              <a:clrTo>
-                <a:srgbClr val="FFFFFF">
-                  <a:alpha val="0"/>
-                </a:srgbClr>
-              </a:clrTo>
-            </a:clrChange>
-          </a:blip>
+          <a:blip r:embed="rId4"/>
           <a:stretch>
             <a:fillRect/>
           </a:stretch>
         </p:blipFill>
         <p:spPr>
-          <a:xfrm flipH="1">
-            <a:off x="3226708" y="3090380"/>
-            <a:ext cx="547482" cy="421305"/>
+          <a:xfrm>
+            <a:off x="3419872" y="2814027"/>
+            <a:ext cx="571500" cy="381000"/>
           </a:xfrm>
           <a:prstGeom prst="rect">
             <a:avLst/>
           </a:prstGeom>
         </p:spPr>
       </p:pic>
-      <p:pic>
-        <p:nvPicPr>
-          <p:cNvPr id="3" name="Imagem 2"/>
-          <p:cNvPicPr>
-            <a:picLocks noChangeAspect="1"/>
-          </p:cNvPicPr>
-          <p:nvPr/>
-        </p:nvPicPr>
-        <p:blipFill>
-          <a:blip r:embed="rId5"/>
-          <a:stretch>
-            <a:fillRect/>
-          </a:stretch>
-        </p:blipFill>
-        <p:spPr>
-          <a:xfrm>
-            <a:off x="1187624" y="2838118"/>
-            <a:ext cx="523875" cy="485775"/>
-          </a:xfrm>
-          <a:prstGeom prst="rect">
-            <a:avLst/>
-          </a:prstGeom>
-        </p:spPr>
-      </p:pic>
-      <p:pic>
-        <p:nvPicPr>
-          <p:cNvPr id="6" name="Imagem 5"/>
-          <p:cNvPicPr>
-            <a:picLocks noChangeAspect="1"/>
-          </p:cNvPicPr>
-          <p:nvPr/>
-        </p:nvPicPr>
-        <p:blipFill>
-          <a:blip r:embed="rId6"/>
-          <a:stretch>
-            <a:fillRect/>
-          </a:stretch>
-        </p:blipFill>
-        <p:spPr>
-          <a:xfrm>
-            <a:off x="1247392" y="3645024"/>
-            <a:ext cx="6493024" cy="941795"/>
-          </a:xfrm>
-          <a:prstGeom prst="rect">
-            <a:avLst/>
-          </a:prstGeom>
-          <a:ln>
-            <a:noFill/>
-          </a:ln>
-          <a:effectLst>
-            <a:softEdge rad="112500"/>
-          </a:effectLst>
-        </p:spPr>
-      </p:pic>
-      <p:pic>
-        <p:nvPicPr>
-          <p:cNvPr id="13" name="Imagem 12"/>
-          <p:cNvPicPr>
-            <a:picLocks noChangeAspect="1"/>
-          </p:cNvPicPr>
-          <p:nvPr/>
-        </p:nvPicPr>
-        <p:blipFill>
-          <a:blip r:embed="rId4">
-            <a:clrChange>
-              <a:clrFrom>
-                <a:srgbClr val="FFFFFF"/>
-              </a:clrFrom>
-              <a:clrTo>
-                <a:srgbClr val="FFFFFF">
-                  <a:alpha val="0"/>
-                </a:srgbClr>
-              </a:clrTo>
-            </a:clrChange>
-          </a:blip>
-          <a:stretch>
-            <a:fillRect/>
-          </a:stretch>
-        </p:blipFill>
-        <p:spPr>
-          <a:xfrm flipH="1">
-            <a:off x="7408894" y="4100365"/>
-            <a:ext cx="547482" cy="421305"/>
-          </a:xfrm>
-          <a:prstGeom prst="rect">
-            <a:avLst/>
-          </a:prstGeom>
-        </p:spPr>
-      </p:pic>
-      <p:pic>
-        <p:nvPicPr>
-          <p:cNvPr id="7" name="Imagem 6"/>
-          <p:cNvPicPr>
-            <a:picLocks noChangeAspect="1"/>
-          </p:cNvPicPr>
-          <p:nvPr/>
-        </p:nvPicPr>
-        <p:blipFill>
-          <a:blip r:embed="rId7"/>
-          <a:stretch>
-            <a:fillRect/>
-          </a:stretch>
-        </p:blipFill>
-        <p:spPr>
-          <a:xfrm>
-            <a:off x="1449561" y="4653136"/>
-            <a:ext cx="6648450" cy="933450"/>
-          </a:xfrm>
-          <a:prstGeom prst="rect">
-            <a:avLst/>
-          </a:prstGeom>
-          <a:ln>
-            <a:noFill/>
-          </a:ln>
-          <a:effectLst>
-            <a:softEdge rad="112500"/>
-          </a:effectLst>
-        </p:spPr>
-      </p:pic>
-      <p:sp>
-        <p:nvSpPr>
-          <p:cNvPr id="8" name="Chave direita 7"/>
-          <p:cNvSpPr/>
-          <p:nvPr/>
-        </p:nvSpPr>
-        <p:spPr>
-          <a:xfrm rot="16200000">
-            <a:off x="4451804" y="3575802"/>
-            <a:ext cx="288032" cy="2664296"/>
-          </a:xfrm>
-          <a:prstGeom prst="rightBrace">
-            <a:avLst>
-              <a:gd name="adj1" fmla="val 8333"/>
-              <a:gd name="adj2" fmla="val 51144"/>
-            </a:avLst>
-          </a:prstGeom>
-          <a:ln w="28575">
-            <a:solidFill>
-              <a:srgbClr val="FF0000"/>
-            </a:solidFill>
-            <a:headEnd type="none" w="med" len="med"/>
-            <a:tailEnd type="none" w="med" len="med"/>
-          </a:ln>
-        </p:spPr>
-        <p:style>
-          <a:lnRef idx="1">
-            <a:schemeClr val="accent1"/>
-          </a:lnRef>
-          <a:fillRef idx="0">
-            <a:schemeClr val="accent1"/>
-          </a:fillRef>
-          <a:effectRef idx="0">
-            <a:schemeClr val="accent1"/>
-          </a:effectRef>
-          <a:fontRef idx="minor">
-            <a:schemeClr val="tx1"/>
-          </a:fontRef>
-        </p:style>
-        <p:txBody>
-          <a:bodyPr rtlCol="0" anchor="ctr"/>
-          <a:lstStyle/>
-          <a:p>
-            <a:pPr algn="ctr"/>
-            <a:endParaRPr lang="pt-BR"/>
-          </a:p>
-        </p:txBody>
-      </p:sp>
     </p:spTree>
     <p:extLst>
       <p:ext uri="{BB962C8B-B14F-4D97-AF65-F5344CB8AC3E}">
-        <p14:creationId xmlns:p14="http://schemas.microsoft.com/office/powerpoint/2010/main" val="3675336364"/>
+        <p14:creationId xmlns:p14="http://schemas.microsoft.com/office/powerpoint/2010/main" val="3796531025"/>
       </p:ext>
     </p:extLst>
   </p:cSld>
@@ -12707,115 +12486,9 @@
           <a:chExt cx="0" cy="0"/>
         </a:xfrm>
       </p:grpSpPr>
-      <p:sp>
-        <p:nvSpPr>
-          <p:cNvPr id="4" name="Título 3"/>
-          <p:cNvSpPr>
-            <a:spLocks noGrp="1"/>
-          </p:cNvSpPr>
-          <p:nvPr>
-            <p:ph type="ctrTitle"/>
-          </p:nvPr>
-        </p:nvSpPr>
-        <p:spPr>
-          <a:xfrm>
-            <a:off x="3275856" y="138754"/>
-            <a:ext cx="4680520" cy="504056"/>
-          </a:xfrm>
-        </p:spPr>
-        <p:txBody>
-          <a:bodyPr>
-            <a:normAutofit/>
-          </a:bodyPr>
-          <a:lstStyle/>
-          <a:p>
-            <a:r>
-              <a:rPr lang="pt-BR" sz="2400" dirty="0" smtClean="0"/>
-              <a:t>4) Aplicações C++/</a:t>
-            </a:r>
-            <a:r>
-              <a:rPr lang="pt-BR" sz="2400" dirty="0" err="1" smtClean="0"/>
-              <a:t>Qt</a:t>
-            </a:r>
-            <a:r>
-              <a:rPr lang="pt-BR" sz="2400" dirty="0" smtClean="0"/>
-              <a:t> com VTK</a:t>
-            </a:r>
-            <a:endParaRPr lang="pt-BR" sz="1400" dirty="0"/>
-          </a:p>
-        </p:txBody>
-      </p:sp>
-      <p:sp>
-        <p:nvSpPr>
-          <p:cNvPr id="54" name="CaixaDeTexto 53"/>
-          <p:cNvSpPr txBox="1"/>
-          <p:nvPr/>
-        </p:nvSpPr>
-        <p:spPr>
-          <a:xfrm>
-            <a:off x="4067944" y="1218238"/>
-            <a:ext cx="1608133" cy="338554"/>
-          </a:xfrm>
-          <a:prstGeom prst="rect">
-            <a:avLst/>
-          </a:prstGeom>
-          <a:noFill/>
-        </p:spPr>
-        <p:txBody>
-          <a:bodyPr wrap="none" rtlCol="0">
-            <a:spAutoFit/>
-          </a:bodyPr>
-          <a:lstStyle/>
-          <a:p>
-            <a:r>
-              <a:rPr lang="pt-BR" sz="1600" b="1" dirty="0" smtClean="0"/>
-              <a:t>4.1.3) </a:t>
-            </a:r>
-            <a:r>
-              <a:rPr lang="pt-BR" sz="1600" b="1" dirty="0" err="1" smtClean="0"/>
-              <a:t>Hello</a:t>
-            </a:r>
-            <a:r>
-              <a:rPr lang="pt-BR" sz="1600" b="1" dirty="0" smtClean="0"/>
-              <a:t> VTK!</a:t>
-            </a:r>
-            <a:endParaRPr lang="pt-BR" sz="1600" b="1" dirty="0"/>
-          </a:p>
-        </p:txBody>
-      </p:sp>
-      <p:sp>
-        <p:nvSpPr>
-          <p:cNvPr id="55" name="CaixaDeTexto 54"/>
-          <p:cNvSpPr txBox="1"/>
-          <p:nvPr/>
-        </p:nvSpPr>
-        <p:spPr>
-          <a:xfrm>
-            <a:off x="2987824" y="908720"/>
-            <a:ext cx="4154984" cy="369332"/>
-          </a:xfrm>
-          <a:prstGeom prst="rect">
-            <a:avLst/>
-          </a:prstGeom>
-          <a:noFill/>
-        </p:spPr>
-        <p:txBody>
-          <a:bodyPr wrap="none" rtlCol="0">
-            <a:spAutoFit/>
-          </a:bodyPr>
-          <a:lstStyle/>
-          <a:p>
-            <a:r>
-              <a:rPr lang="pt-BR" b="1" dirty="0" smtClean="0"/>
-              <a:t>4.1) Criando um aplicativo VTK elementar</a:t>
-            </a:r>
-            <a:endParaRPr lang="pt-BR" b="1" dirty="0"/>
-          </a:p>
-        </p:txBody>
-      </p:sp>
       <p:pic>
         <p:nvPicPr>
-          <p:cNvPr id="2" name="Imagem 1"/>
+          <p:cNvPr id="5" name="Imagem 4"/>
           <p:cNvPicPr>
             <a:picLocks noChangeAspect="1"/>
           </p:cNvPicPr>
@@ -12829,8 +12502,8 @@
         </p:blipFill>
         <p:spPr>
           <a:xfrm>
-            <a:off x="2555776" y="1772816"/>
-            <a:ext cx="4096494" cy="4326399"/>
+            <a:off x="2374007" y="2538080"/>
+            <a:ext cx="2486025" cy="1085850"/>
           </a:xfrm>
           <a:prstGeom prst="rect">
             <a:avLst/>
@@ -12839,18 +12512,588 @@
             <a:noFill/>
           </a:ln>
           <a:effectLst>
-            <a:outerShdw blurRad="292100" dist="139700" dir="2700000" algn="tl" rotWithShape="0">
-              <a:srgbClr val="333333">
-                <a:alpha val="65000"/>
-              </a:srgbClr>
-            </a:outerShdw>
+            <a:softEdge rad="112500"/>
           </a:effectLst>
         </p:spPr>
       </p:pic>
+      <p:sp>
+        <p:nvSpPr>
+          <p:cNvPr id="4" name="Título 3"/>
+          <p:cNvSpPr>
+            <a:spLocks noGrp="1"/>
+          </p:cNvSpPr>
+          <p:nvPr>
+            <p:ph type="ctrTitle"/>
+          </p:nvPr>
+        </p:nvSpPr>
+        <p:spPr>
+          <a:xfrm>
+            <a:off x="3275856" y="138754"/>
+            <a:ext cx="4680520" cy="504056"/>
+          </a:xfrm>
+        </p:spPr>
+        <p:txBody>
+          <a:bodyPr>
+            <a:normAutofit/>
+          </a:bodyPr>
+          <a:lstStyle/>
+          <a:p>
+            <a:r>
+              <a:rPr lang="pt-BR" sz="2400" dirty="0" smtClean="0"/>
+              <a:t>4) Aplicações C++/</a:t>
+            </a:r>
+            <a:r>
+              <a:rPr lang="pt-BR" sz="2400" dirty="0" err="1" smtClean="0"/>
+              <a:t>Qt</a:t>
+            </a:r>
+            <a:r>
+              <a:rPr lang="pt-BR" sz="2400" dirty="0" smtClean="0"/>
+              <a:t> com VTK</a:t>
+            </a:r>
+            <a:endParaRPr lang="pt-BR" sz="1400" dirty="0"/>
+          </a:p>
+        </p:txBody>
+      </p:sp>
+      <p:sp>
+        <p:nvSpPr>
+          <p:cNvPr id="54" name="CaixaDeTexto 53"/>
+          <p:cNvSpPr txBox="1"/>
+          <p:nvPr/>
+        </p:nvSpPr>
+        <p:spPr>
+          <a:xfrm>
+            <a:off x="4067944" y="1218238"/>
+            <a:ext cx="1608133" cy="338554"/>
+          </a:xfrm>
+          <a:prstGeom prst="rect">
+            <a:avLst/>
+          </a:prstGeom>
+          <a:noFill/>
+        </p:spPr>
+        <p:txBody>
+          <a:bodyPr wrap="none" rtlCol="0">
+            <a:spAutoFit/>
+          </a:bodyPr>
+          <a:lstStyle/>
+          <a:p>
+            <a:r>
+              <a:rPr lang="pt-BR" sz="1600" b="1" dirty="0" smtClean="0"/>
+              <a:t>4.1.3) </a:t>
+            </a:r>
+            <a:r>
+              <a:rPr lang="pt-BR" sz="1600" b="1" dirty="0" err="1" smtClean="0"/>
+              <a:t>Hello</a:t>
+            </a:r>
+            <a:r>
+              <a:rPr lang="pt-BR" sz="1600" b="1" dirty="0" smtClean="0"/>
+              <a:t> VTK!</a:t>
+            </a:r>
+            <a:endParaRPr lang="pt-BR" sz="1600" b="1" dirty="0"/>
+          </a:p>
+        </p:txBody>
+      </p:sp>
+      <p:sp>
+        <p:nvSpPr>
+          <p:cNvPr id="55" name="CaixaDeTexto 54"/>
+          <p:cNvSpPr txBox="1"/>
+          <p:nvPr/>
+        </p:nvSpPr>
+        <p:spPr>
+          <a:xfrm>
+            <a:off x="2987824" y="908720"/>
+            <a:ext cx="4154984" cy="369332"/>
+          </a:xfrm>
+          <a:prstGeom prst="rect">
+            <a:avLst/>
+          </a:prstGeom>
+          <a:noFill/>
+        </p:spPr>
+        <p:txBody>
+          <a:bodyPr wrap="none" rtlCol="0">
+            <a:spAutoFit/>
+          </a:bodyPr>
+          <a:lstStyle/>
+          <a:p>
+            <a:r>
+              <a:rPr lang="pt-BR" b="1" dirty="0" smtClean="0"/>
+              <a:t>4.1) Criando um aplicativo VTK elementar</a:t>
+            </a:r>
+            <a:endParaRPr lang="pt-BR" b="1" dirty="0"/>
+          </a:p>
+        </p:txBody>
+      </p:sp>
+      <p:sp>
+        <p:nvSpPr>
+          <p:cNvPr id="14" name="CaixaDeTexto 13"/>
+          <p:cNvSpPr txBox="1"/>
+          <p:nvPr/>
+        </p:nvSpPr>
+        <p:spPr>
+          <a:xfrm>
+            <a:off x="251520" y="1700808"/>
+            <a:ext cx="8484768" cy="4770537"/>
+          </a:xfrm>
+          <a:prstGeom prst="rect">
+            <a:avLst/>
+          </a:prstGeom>
+          <a:noFill/>
+        </p:spPr>
+        <p:txBody>
+          <a:bodyPr wrap="square" rtlCol="0">
+            <a:spAutoFit/>
+          </a:bodyPr>
+          <a:lstStyle/>
+          <a:p>
+            <a:pPr marL="285750" indent="-285750" algn="just">
+              <a:buFont typeface="Wingdings" panose="05000000000000000000" pitchFamily="2" charset="2"/>
+              <a:buChar char="Ø"/>
+            </a:pPr>
+            <a:r>
+              <a:rPr lang="pt-BR" sz="1600" dirty="0" err="1" smtClean="0"/>
+              <a:t>Qt</a:t>
+            </a:r>
+            <a:r>
+              <a:rPr lang="pt-BR" sz="1600" dirty="0" smtClean="0"/>
+              <a:t> </a:t>
+            </a:r>
+            <a:r>
+              <a:rPr lang="pt-BR" sz="1600" dirty="0" err="1" smtClean="0"/>
+              <a:t>Creator</a:t>
+            </a:r>
+            <a:r>
+              <a:rPr lang="pt-BR" sz="1600" dirty="0" smtClean="0"/>
+              <a:t>: </a:t>
+            </a:r>
+            <a:r>
+              <a:rPr lang="pt-BR" sz="1600" dirty="0" smtClean="0"/>
+              <a:t>Ao executar (play) o programa pode </a:t>
+            </a:r>
+            <a:r>
+              <a:rPr lang="pt-BR" sz="1600" dirty="0" err="1" smtClean="0"/>
+              <a:t>abendar</a:t>
+            </a:r>
+            <a:r>
+              <a:rPr lang="pt-BR" sz="1600" dirty="0" smtClean="0"/>
+              <a:t> (crash).  Provavelmente porque os </a:t>
+            </a:r>
+            <a:r>
+              <a:rPr lang="pt-BR" sz="1600" dirty="0" err="1" smtClean="0"/>
+              <a:t>SOs</a:t>
+            </a:r>
+            <a:r>
+              <a:rPr lang="pt-BR" sz="1600" dirty="0" smtClean="0"/>
+              <a:t>/</a:t>
+            </a:r>
+            <a:r>
+              <a:rPr lang="pt-BR" sz="1600" dirty="0" err="1" smtClean="0"/>
+              <a:t>DLLs</a:t>
+            </a:r>
+            <a:r>
+              <a:rPr lang="pt-BR" sz="1600" dirty="0" smtClean="0"/>
+              <a:t> do VTK não estão visíveis (fora do </a:t>
+            </a:r>
+            <a:r>
+              <a:rPr lang="pt-BR" sz="1600" dirty="0" smtClean="0">
+                <a:latin typeface="Courier New" panose="02070309020205020404" pitchFamily="49" charset="0"/>
+                <a:cs typeface="Courier New" panose="02070309020205020404" pitchFamily="49" charset="0"/>
+              </a:rPr>
+              <a:t>PATH</a:t>
+            </a:r>
+            <a:r>
+              <a:rPr lang="pt-BR" sz="1600" dirty="0" smtClean="0"/>
+              <a:t> (Windows) ou </a:t>
+            </a:r>
+            <a:r>
+              <a:rPr lang="pt-BR" sz="1600" dirty="0" smtClean="0">
+                <a:latin typeface="Courier New" panose="02070309020205020404" pitchFamily="49" charset="0"/>
+                <a:cs typeface="Courier New" panose="02070309020205020404" pitchFamily="49" charset="0"/>
+              </a:rPr>
+              <a:t>LD_LIBRARY_PATH</a:t>
+            </a:r>
+            <a:r>
+              <a:rPr lang="pt-BR" sz="1600" dirty="0" smtClean="0"/>
+              <a:t> (Unix)).</a:t>
+            </a:r>
+          </a:p>
+          <a:p>
+            <a:pPr marL="285750" indent="-285750" algn="just">
+              <a:buFont typeface="Wingdings" panose="05000000000000000000" pitchFamily="2" charset="2"/>
+              <a:buChar char="Ø"/>
+            </a:pPr>
+            <a:endParaRPr lang="pt-BR" sz="1600" dirty="0"/>
+          </a:p>
+          <a:p>
+            <a:pPr marL="285750" indent="-285750" algn="just">
+              <a:buFont typeface="Wingdings" panose="05000000000000000000" pitchFamily="2" charset="2"/>
+              <a:buChar char="Ø"/>
+            </a:pPr>
+            <a:endParaRPr lang="pt-BR" sz="1600" dirty="0" smtClean="0"/>
+          </a:p>
+          <a:p>
+            <a:pPr marL="285750" indent="-285750" algn="just">
+              <a:buFont typeface="Wingdings" panose="05000000000000000000" pitchFamily="2" charset="2"/>
+              <a:buChar char="Ø"/>
+            </a:pPr>
+            <a:endParaRPr lang="pt-BR" sz="1600" dirty="0" smtClean="0">
+              <a:cs typeface="Courier New" panose="02070309020205020404" pitchFamily="49" charset="0"/>
+            </a:endParaRPr>
+          </a:p>
+          <a:p>
+            <a:pPr marL="285750" indent="-285750" algn="just">
+              <a:buFont typeface="Wingdings" panose="05000000000000000000" pitchFamily="2" charset="2"/>
+              <a:buChar char="Ø"/>
+            </a:pPr>
+            <a:r>
+              <a:rPr lang="pt-BR" sz="1600" dirty="0" smtClean="0">
+                <a:cs typeface="Courier New" panose="02070309020205020404" pitchFamily="49" charset="0"/>
+              </a:rPr>
+              <a:t>Ir a                 depois</a:t>
+            </a:r>
+          </a:p>
+          <a:p>
+            <a:pPr marL="285750" indent="-285750" algn="just">
+              <a:buFont typeface="Wingdings" panose="05000000000000000000" pitchFamily="2" charset="2"/>
+              <a:buChar char="Ø"/>
+            </a:pPr>
+            <a:endParaRPr lang="pt-BR" sz="1600" dirty="0">
+              <a:cs typeface="Courier New" panose="02070309020205020404" pitchFamily="49" charset="0"/>
+            </a:endParaRPr>
+          </a:p>
+          <a:p>
+            <a:pPr marL="285750" indent="-285750" algn="just">
+              <a:buFont typeface="Wingdings" panose="05000000000000000000" pitchFamily="2" charset="2"/>
+              <a:buChar char="Ø"/>
+            </a:pPr>
+            <a:endParaRPr lang="pt-BR" sz="1600" dirty="0" smtClean="0">
+              <a:cs typeface="Courier New" panose="02070309020205020404" pitchFamily="49" charset="0"/>
+            </a:endParaRPr>
+          </a:p>
+          <a:p>
+            <a:pPr marL="285750" indent="-285750" algn="just">
+              <a:buFont typeface="Wingdings" panose="05000000000000000000" pitchFamily="2" charset="2"/>
+              <a:buChar char="Ø"/>
+            </a:pPr>
+            <a:endParaRPr lang="pt-BR" sz="1600" dirty="0">
+              <a:cs typeface="Courier New" panose="02070309020205020404" pitchFamily="49" charset="0"/>
+            </a:endParaRPr>
+          </a:p>
+          <a:p>
+            <a:pPr marL="285750" indent="-285750" algn="just">
+              <a:buFont typeface="Wingdings" panose="05000000000000000000" pitchFamily="2" charset="2"/>
+              <a:buChar char="Ø"/>
+            </a:pPr>
+            <a:endParaRPr lang="pt-BR" sz="1600" dirty="0" smtClean="0">
+              <a:cs typeface="Courier New" panose="02070309020205020404" pitchFamily="49" charset="0"/>
+            </a:endParaRPr>
+          </a:p>
+          <a:p>
+            <a:pPr marL="285750" indent="-285750" algn="just">
+              <a:buFont typeface="Wingdings" panose="05000000000000000000" pitchFamily="2" charset="2"/>
+              <a:buChar char="Ø"/>
+            </a:pPr>
+            <a:endParaRPr lang="pt-BR" sz="1600" dirty="0">
+              <a:cs typeface="Courier New" panose="02070309020205020404" pitchFamily="49" charset="0"/>
+            </a:endParaRPr>
+          </a:p>
+          <a:p>
+            <a:pPr marL="285750" indent="-285750" algn="just">
+              <a:buFont typeface="Wingdings" panose="05000000000000000000" pitchFamily="2" charset="2"/>
+              <a:buChar char="Ø"/>
+            </a:pPr>
+            <a:endParaRPr lang="pt-BR" sz="1600" dirty="0" smtClean="0">
+              <a:cs typeface="Courier New" panose="02070309020205020404" pitchFamily="49" charset="0"/>
+            </a:endParaRPr>
+          </a:p>
+          <a:p>
+            <a:pPr marL="285750" indent="-285750" algn="just">
+              <a:buFont typeface="Wingdings" panose="05000000000000000000" pitchFamily="2" charset="2"/>
+              <a:buChar char="Ø"/>
+            </a:pPr>
+            <a:endParaRPr lang="pt-BR" sz="1600" dirty="0">
+              <a:cs typeface="Courier New" panose="02070309020205020404" pitchFamily="49" charset="0"/>
+            </a:endParaRPr>
+          </a:p>
+          <a:p>
+            <a:pPr marL="285750" indent="-285750" algn="just">
+              <a:buFont typeface="Wingdings" panose="05000000000000000000" pitchFamily="2" charset="2"/>
+              <a:buChar char="Ø"/>
+            </a:pPr>
+            <a:endParaRPr lang="pt-BR" sz="1600" dirty="0" smtClean="0">
+              <a:cs typeface="Courier New" panose="02070309020205020404" pitchFamily="49" charset="0"/>
+            </a:endParaRPr>
+          </a:p>
+          <a:p>
+            <a:pPr marL="285750" indent="-285750" algn="just">
+              <a:buFont typeface="Wingdings" panose="05000000000000000000" pitchFamily="2" charset="2"/>
+              <a:buChar char="Ø"/>
+            </a:pPr>
+            <a:endParaRPr lang="pt-BR" sz="1600" dirty="0">
+              <a:cs typeface="Courier New" panose="02070309020205020404" pitchFamily="49" charset="0"/>
+            </a:endParaRPr>
+          </a:p>
+          <a:p>
+            <a:pPr marL="285750" indent="-285750" algn="just">
+              <a:buFont typeface="Wingdings" panose="05000000000000000000" pitchFamily="2" charset="2"/>
+              <a:buChar char="Ø"/>
+            </a:pPr>
+            <a:endParaRPr lang="pt-BR" sz="1600" dirty="0" smtClean="0">
+              <a:cs typeface="Courier New" panose="02070309020205020404" pitchFamily="49" charset="0"/>
+            </a:endParaRPr>
+          </a:p>
+          <a:p>
+            <a:pPr marL="285750" indent="-285750" algn="just">
+              <a:buFont typeface="Wingdings" panose="05000000000000000000" pitchFamily="2" charset="2"/>
+              <a:buChar char="Ø"/>
+            </a:pPr>
+            <a:endParaRPr lang="pt-BR" sz="1600" dirty="0">
+              <a:cs typeface="Courier New" panose="02070309020205020404" pitchFamily="49" charset="0"/>
+            </a:endParaRPr>
+          </a:p>
+          <a:p>
+            <a:pPr marL="285750" indent="-285750" algn="just">
+              <a:buFont typeface="Wingdings" panose="05000000000000000000" pitchFamily="2" charset="2"/>
+              <a:buChar char="Ø"/>
+            </a:pPr>
+            <a:r>
+              <a:rPr lang="pt-BR" sz="1600" dirty="0" smtClean="0">
+                <a:cs typeface="Courier New" panose="02070309020205020404" pitchFamily="49" charset="0"/>
+              </a:rPr>
+              <a:t>Pode ser que não funcione de primeira.  Nesse caso, fecha e abra o </a:t>
+            </a:r>
+            <a:r>
+              <a:rPr lang="pt-BR" sz="1600" dirty="0" err="1" smtClean="0">
+                <a:cs typeface="Courier New" panose="02070309020205020404" pitchFamily="49" charset="0"/>
+              </a:rPr>
+              <a:t>QtCreator</a:t>
+            </a:r>
+            <a:r>
+              <a:rPr lang="pt-BR" sz="1600" dirty="0" smtClean="0">
+                <a:cs typeface="Courier New" panose="02070309020205020404" pitchFamily="49" charset="0"/>
+              </a:rPr>
+              <a:t> de novo.</a:t>
+            </a:r>
+            <a:endParaRPr lang="pt-BR" sz="1600" dirty="0">
+              <a:cs typeface="Courier New" panose="02070309020205020404" pitchFamily="49" charset="0"/>
+            </a:endParaRPr>
+          </a:p>
+          <a:p>
+            <a:pPr marL="285750" indent="-285750" algn="just">
+              <a:buFont typeface="Wingdings" panose="05000000000000000000" pitchFamily="2" charset="2"/>
+              <a:buChar char="Ø"/>
+            </a:pPr>
+            <a:endParaRPr lang="pt-BR" sz="1600" dirty="0">
+              <a:latin typeface="Courier New" panose="02070309020205020404" pitchFamily="49" charset="0"/>
+              <a:cs typeface="Courier New" panose="02070309020205020404" pitchFamily="49" charset="0"/>
+            </a:endParaRPr>
+          </a:p>
+        </p:txBody>
+      </p:sp>
+      <p:pic>
+        <p:nvPicPr>
+          <p:cNvPr id="15" name="Imagem 14"/>
+          <p:cNvPicPr>
+            <a:picLocks noChangeAspect="1"/>
+          </p:cNvPicPr>
+          <p:nvPr/>
+        </p:nvPicPr>
+        <p:blipFill>
+          <a:blip r:embed="rId4">
+            <a:clrChange>
+              <a:clrFrom>
+                <a:srgbClr val="FFFFFF"/>
+              </a:clrFrom>
+              <a:clrTo>
+                <a:srgbClr val="FFFFFF">
+                  <a:alpha val="0"/>
+                </a:srgbClr>
+              </a:clrTo>
+            </a:clrChange>
+          </a:blip>
+          <a:stretch>
+            <a:fillRect/>
+          </a:stretch>
+        </p:blipFill>
+        <p:spPr>
+          <a:xfrm flipH="1">
+            <a:off x="3226708" y="3090380"/>
+            <a:ext cx="547482" cy="421305"/>
+          </a:xfrm>
+          <a:prstGeom prst="rect">
+            <a:avLst/>
+          </a:prstGeom>
+        </p:spPr>
+      </p:pic>
+      <p:pic>
+        <p:nvPicPr>
+          <p:cNvPr id="3" name="Imagem 2"/>
+          <p:cNvPicPr>
+            <a:picLocks noChangeAspect="1"/>
+          </p:cNvPicPr>
+          <p:nvPr/>
+        </p:nvPicPr>
+        <p:blipFill>
+          <a:blip r:embed="rId5"/>
+          <a:stretch>
+            <a:fillRect/>
+          </a:stretch>
+        </p:blipFill>
+        <p:spPr>
+          <a:xfrm>
+            <a:off x="1043608" y="2838118"/>
+            <a:ext cx="523875" cy="485775"/>
+          </a:xfrm>
+          <a:prstGeom prst="rect">
+            <a:avLst/>
+          </a:prstGeom>
+        </p:spPr>
+      </p:pic>
+      <p:pic>
+        <p:nvPicPr>
+          <p:cNvPr id="6" name="Imagem 5"/>
+          <p:cNvPicPr>
+            <a:picLocks noChangeAspect="1"/>
+          </p:cNvPicPr>
+          <p:nvPr/>
+        </p:nvPicPr>
+        <p:blipFill>
+          <a:blip r:embed="rId6"/>
+          <a:stretch>
+            <a:fillRect/>
+          </a:stretch>
+        </p:blipFill>
+        <p:spPr>
+          <a:xfrm>
+            <a:off x="1247392" y="3645024"/>
+            <a:ext cx="6493024" cy="941795"/>
+          </a:xfrm>
+          <a:prstGeom prst="rect">
+            <a:avLst/>
+          </a:prstGeom>
+          <a:ln>
+            <a:noFill/>
+          </a:ln>
+          <a:effectLst>
+            <a:softEdge rad="112500"/>
+          </a:effectLst>
+        </p:spPr>
+      </p:pic>
+      <p:pic>
+        <p:nvPicPr>
+          <p:cNvPr id="13" name="Imagem 12"/>
+          <p:cNvPicPr>
+            <a:picLocks noChangeAspect="1"/>
+          </p:cNvPicPr>
+          <p:nvPr/>
+        </p:nvPicPr>
+        <p:blipFill>
+          <a:blip r:embed="rId4">
+            <a:clrChange>
+              <a:clrFrom>
+                <a:srgbClr val="FFFFFF"/>
+              </a:clrFrom>
+              <a:clrTo>
+                <a:srgbClr val="FFFFFF">
+                  <a:alpha val="0"/>
+                </a:srgbClr>
+              </a:clrTo>
+            </a:clrChange>
+          </a:blip>
+          <a:stretch>
+            <a:fillRect/>
+          </a:stretch>
+        </p:blipFill>
+        <p:spPr>
+          <a:xfrm flipH="1">
+            <a:off x="7408894" y="4100365"/>
+            <a:ext cx="547482" cy="421305"/>
+          </a:xfrm>
+          <a:prstGeom prst="rect">
+            <a:avLst/>
+          </a:prstGeom>
+        </p:spPr>
+      </p:pic>
+      <p:pic>
+        <p:nvPicPr>
+          <p:cNvPr id="7" name="Imagem 6"/>
+          <p:cNvPicPr>
+            <a:picLocks noChangeAspect="1"/>
+          </p:cNvPicPr>
+          <p:nvPr/>
+        </p:nvPicPr>
+        <p:blipFill>
+          <a:blip r:embed="rId7"/>
+          <a:stretch>
+            <a:fillRect/>
+          </a:stretch>
+        </p:blipFill>
+        <p:spPr>
+          <a:xfrm>
+            <a:off x="1449561" y="4653136"/>
+            <a:ext cx="6648450" cy="933450"/>
+          </a:xfrm>
+          <a:prstGeom prst="rect">
+            <a:avLst/>
+          </a:prstGeom>
+          <a:ln>
+            <a:noFill/>
+          </a:ln>
+          <a:effectLst>
+            <a:softEdge rad="112500"/>
+          </a:effectLst>
+        </p:spPr>
+      </p:pic>
+      <p:sp>
+        <p:nvSpPr>
+          <p:cNvPr id="8" name="Chave direita 7"/>
+          <p:cNvSpPr/>
+          <p:nvPr/>
+        </p:nvSpPr>
+        <p:spPr>
+          <a:xfrm rot="16200000">
+            <a:off x="4451804" y="3575802"/>
+            <a:ext cx="288032" cy="2664296"/>
+          </a:xfrm>
+          <a:prstGeom prst="rightBrace">
+            <a:avLst>
+              <a:gd name="adj1" fmla="val 8333"/>
+              <a:gd name="adj2" fmla="val 51144"/>
+            </a:avLst>
+          </a:prstGeom>
+          <a:ln w="28575">
+            <a:solidFill>
+              <a:srgbClr val="FF0000"/>
+            </a:solidFill>
+            <a:headEnd type="none" w="med" len="med"/>
+            <a:tailEnd type="none" w="med" len="med"/>
+          </a:ln>
+        </p:spPr>
+        <p:style>
+          <a:lnRef idx="1">
+            <a:schemeClr val="accent1"/>
+          </a:lnRef>
+          <a:fillRef idx="0">
+            <a:schemeClr val="accent1"/>
+          </a:fillRef>
+          <a:effectRef idx="0">
+            <a:schemeClr val="accent1"/>
+          </a:effectRef>
+          <a:fontRef idx="minor">
+            <a:schemeClr val="tx1"/>
+          </a:fontRef>
+        </p:style>
+        <p:txBody>
+          <a:bodyPr rtlCol="0" anchor="ctr"/>
+          <a:lstStyle/>
+          <a:p>
+            <a:pPr algn="ctr"/>
+            <a:endParaRPr lang="pt-BR"/>
+          </a:p>
+        </p:txBody>
+      </p:sp>
     </p:spTree>
     <p:extLst>
       <p:ext uri="{BB962C8B-B14F-4D97-AF65-F5344CB8AC3E}">
-        <p14:creationId xmlns:p14="http://schemas.microsoft.com/office/powerpoint/2010/main" val="1382819145"/>
+        <p14:creationId xmlns:p14="http://schemas.microsoft.com/office/powerpoint/2010/main" val="3675336364"/>
       </p:ext>
     </p:extLst>
   </p:cSld>
@@ -12924,14 +13167,52 @@
       </p:sp>
       <p:sp>
         <p:nvSpPr>
+          <p:cNvPr id="54" name="CaixaDeTexto 53"/>
+          <p:cNvSpPr txBox="1"/>
+          <p:nvPr/>
+        </p:nvSpPr>
+        <p:spPr>
+          <a:xfrm>
+            <a:off x="4067944" y="1218238"/>
+            <a:ext cx="1608133" cy="338554"/>
+          </a:xfrm>
+          <a:prstGeom prst="rect">
+            <a:avLst/>
+          </a:prstGeom>
+          <a:noFill/>
+        </p:spPr>
+        <p:txBody>
+          <a:bodyPr wrap="none" rtlCol="0">
+            <a:spAutoFit/>
+          </a:bodyPr>
+          <a:lstStyle/>
+          <a:p>
+            <a:r>
+              <a:rPr lang="pt-BR" sz="1600" b="1" dirty="0" smtClean="0"/>
+              <a:t>4.1.3) </a:t>
+            </a:r>
+            <a:r>
+              <a:rPr lang="pt-BR" sz="1600" b="1" dirty="0" err="1" smtClean="0"/>
+              <a:t>Hello</a:t>
+            </a:r>
+            <a:r>
+              <a:rPr lang="pt-BR" sz="1600" b="1" dirty="0" smtClean="0"/>
+              <a:t> VTK!</a:t>
+            </a:r>
+            <a:endParaRPr lang="pt-BR" sz="1600" b="1" dirty="0"/>
+          </a:p>
+        </p:txBody>
+      </p:sp>
+      <p:sp>
+        <p:nvSpPr>
           <p:cNvPr id="55" name="CaixaDeTexto 54"/>
           <p:cNvSpPr txBox="1"/>
           <p:nvPr/>
         </p:nvSpPr>
         <p:spPr>
           <a:xfrm>
-            <a:off x="3257104" y="908720"/>
-            <a:ext cx="2323008" cy="369332"/>
+            <a:off x="2987824" y="908720"/>
+            <a:ext cx="4154984" cy="369332"/>
           </a:xfrm>
           <a:prstGeom prst="rect">
             <a:avLst/>
@@ -12946,16 +13227,50 @@
           <a:p>
             <a:r>
               <a:rPr lang="pt-BR" b="1" dirty="0" smtClean="0"/>
-              <a:t>4.2) Nuvens de pontos</a:t>
+              <a:t>4.1) Criando um aplicativo VTK elementar</a:t>
             </a:r>
             <a:endParaRPr lang="pt-BR" b="1" dirty="0"/>
           </a:p>
         </p:txBody>
       </p:sp>
+      <p:pic>
+        <p:nvPicPr>
+          <p:cNvPr id="2" name="Imagem 1"/>
+          <p:cNvPicPr>
+            <a:picLocks noChangeAspect="1"/>
+          </p:cNvPicPr>
+          <p:nvPr/>
+        </p:nvPicPr>
+        <p:blipFill>
+          <a:blip r:embed="rId3"/>
+          <a:stretch>
+            <a:fillRect/>
+          </a:stretch>
+        </p:blipFill>
+        <p:spPr>
+          <a:xfrm>
+            <a:off x="2555776" y="1772816"/>
+            <a:ext cx="4096494" cy="4326399"/>
+          </a:xfrm>
+          <a:prstGeom prst="rect">
+            <a:avLst/>
+          </a:prstGeom>
+          <a:ln>
+            <a:noFill/>
+          </a:ln>
+          <a:effectLst>
+            <a:outerShdw blurRad="292100" dist="139700" dir="2700000" algn="tl" rotWithShape="0">
+              <a:srgbClr val="333333">
+                <a:alpha val="65000"/>
+              </a:srgbClr>
+            </a:outerShdw>
+          </a:effectLst>
+        </p:spPr>
+      </p:pic>
     </p:spTree>
     <p:extLst>
       <p:ext uri="{BB962C8B-B14F-4D97-AF65-F5344CB8AC3E}">
-        <p14:creationId xmlns:p14="http://schemas.microsoft.com/office/powerpoint/2010/main" val="3232042557"/>
+        <p14:creationId xmlns:p14="http://schemas.microsoft.com/office/powerpoint/2010/main" val="1382819145"/>
       </p:ext>
     </p:extLst>
   </p:cSld>
@@ -13035,8 +13350,8 @@
         </p:nvSpPr>
         <p:spPr>
           <a:xfrm>
-            <a:off x="2763644" y="1218238"/>
-            <a:ext cx="3320524" cy="338554"/>
+            <a:off x="2771800" y="1218238"/>
+            <a:ext cx="4612288" cy="338554"/>
           </a:xfrm>
           <a:prstGeom prst="rect">
             <a:avLst/>
@@ -13051,7 +13366,7 @@
           <a:p>
             <a:r>
               <a:rPr lang="pt-BR" sz="1600" b="1" dirty="0" smtClean="0"/>
-              <a:t>4.2.1) Associando valores aos pontos</a:t>
+              <a:t>4.1.4) Adicionando eixos para orientação do usuário</a:t>
             </a:r>
             <a:endParaRPr lang="pt-BR" sz="1600" b="1" dirty="0"/>
           </a:p>
@@ -13059,14 +13374,14 @@
       </p:sp>
       <p:sp>
         <p:nvSpPr>
-          <p:cNvPr id="5" name="CaixaDeTexto 4"/>
+          <p:cNvPr id="55" name="CaixaDeTexto 54"/>
           <p:cNvSpPr txBox="1"/>
           <p:nvPr/>
         </p:nvSpPr>
         <p:spPr>
           <a:xfrm>
-            <a:off x="3257104" y="908720"/>
-            <a:ext cx="2323008" cy="369332"/>
+            <a:off x="2987824" y="908720"/>
+            <a:ext cx="4154984" cy="369332"/>
           </a:xfrm>
           <a:prstGeom prst="rect">
             <a:avLst/>
@@ -13081,7 +13396,7 @@
           <a:p>
             <a:r>
               <a:rPr lang="pt-BR" b="1" dirty="0" smtClean="0"/>
-              <a:t>4.2) Nuvens de pontos</a:t>
+              <a:t>4.1) Criando um aplicativo VTK elementar</a:t>
             </a:r>
             <a:endParaRPr lang="pt-BR" b="1" dirty="0"/>
           </a:p>
@@ -13090,7 +13405,7 @@
     </p:spTree>
     <p:extLst>
       <p:ext uri="{BB962C8B-B14F-4D97-AF65-F5344CB8AC3E}">
-        <p14:creationId xmlns:p14="http://schemas.microsoft.com/office/powerpoint/2010/main" val="311133971"/>
+        <p14:creationId xmlns:p14="http://schemas.microsoft.com/office/powerpoint/2010/main" val="3971569777"/>
       </p:ext>
     </p:extLst>
   </p:cSld>
@@ -13164,14 +13479,14 @@
       </p:sp>
       <p:sp>
         <p:nvSpPr>
-          <p:cNvPr id="54" name="CaixaDeTexto 53"/>
+          <p:cNvPr id="55" name="CaixaDeTexto 54"/>
           <p:cNvSpPr txBox="1"/>
           <p:nvPr/>
         </p:nvSpPr>
         <p:spPr>
           <a:xfrm>
-            <a:off x="2411760" y="1218238"/>
-            <a:ext cx="4341317" cy="338554"/>
+            <a:off x="3257104" y="908720"/>
+            <a:ext cx="2323008" cy="369332"/>
           </a:xfrm>
           <a:prstGeom prst="rect">
             <a:avLst/>
@@ -13185,52 +13500,6 @@
           <a:lstStyle/>
           <a:p>
             <a:r>
-              <a:rPr lang="pt-BR" sz="1600" b="1" dirty="0" smtClean="0"/>
-              <a:t>4.2.2) Variáveis categóricas: a </a:t>
-            </a:r>
-            <a:r>
-              <a:rPr lang="pt-BR" sz="1600" b="1" dirty="0" err="1" smtClean="0"/>
-              <a:t>Lookup</a:t>
-            </a:r>
-            <a:r>
-              <a:rPr lang="pt-BR" sz="1600" b="1" dirty="0" smtClean="0"/>
-              <a:t> </a:t>
-            </a:r>
-            <a:r>
-              <a:rPr lang="pt-BR" sz="1600" b="1" dirty="0" err="1" smtClean="0"/>
-              <a:t>Table</a:t>
-            </a:r>
-            <a:r>
-              <a:rPr lang="pt-BR" sz="1600" b="1" dirty="0" smtClean="0"/>
-              <a:t> (LUT)</a:t>
-            </a:r>
-            <a:endParaRPr lang="pt-BR" sz="1600" b="1" dirty="0"/>
-          </a:p>
-        </p:txBody>
-      </p:sp>
-      <p:sp>
-        <p:nvSpPr>
-          <p:cNvPr id="5" name="CaixaDeTexto 4"/>
-          <p:cNvSpPr txBox="1"/>
-          <p:nvPr/>
-        </p:nvSpPr>
-        <p:spPr>
-          <a:xfrm>
-            <a:off x="3257104" y="908720"/>
-            <a:ext cx="2323008" cy="369332"/>
-          </a:xfrm>
-          <a:prstGeom prst="rect">
-            <a:avLst/>
-          </a:prstGeom>
-          <a:noFill/>
-        </p:spPr>
-        <p:txBody>
-          <a:bodyPr wrap="none" rtlCol="0">
-            <a:spAutoFit/>
-          </a:bodyPr>
-          <a:lstStyle/>
-          <a:p>
-            <a:r>
               <a:rPr lang="pt-BR" b="1" dirty="0" smtClean="0"/>
               <a:t>4.2) Nuvens de pontos</a:t>
             </a:r>
@@ -13241,7 +13510,7 @@
     </p:spTree>
     <p:extLst>
       <p:ext uri="{BB962C8B-B14F-4D97-AF65-F5344CB8AC3E}">
-        <p14:creationId xmlns:p14="http://schemas.microsoft.com/office/powerpoint/2010/main" val="60893757"/>
+        <p14:creationId xmlns:p14="http://schemas.microsoft.com/office/powerpoint/2010/main" val="3232042557"/>
       </p:ext>
     </p:extLst>
   </p:cSld>
@@ -13315,14 +13584,44 @@
       </p:sp>
       <p:sp>
         <p:nvSpPr>
+          <p:cNvPr id="54" name="CaixaDeTexto 53"/>
+          <p:cNvSpPr txBox="1"/>
+          <p:nvPr/>
+        </p:nvSpPr>
+        <p:spPr>
+          <a:xfrm>
+            <a:off x="2763644" y="1218238"/>
+            <a:ext cx="3320524" cy="338554"/>
+          </a:xfrm>
+          <a:prstGeom prst="rect">
+            <a:avLst/>
+          </a:prstGeom>
+          <a:noFill/>
+        </p:spPr>
+        <p:txBody>
+          <a:bodyPr wrap="none" rtlCol="0">
+            <a:spAutoFit/>
+          </a:bodyPr>
+          <a:lstStyle/>
+          <a:p>
+            <a:r>
+              <a:rPr lang="pt-BR" sz="1600" b="1" dirty="0" smtClean="0"/>
+              <a:t>4.2.1) Associando valores aos pontos</a:t>
+            </a:r>
+            <a:endParaRPr lang="pt-BR" sz="1600" b="1" dirty="0"/>
+          </a:p>
+        </p:txBody>
+      </p:sp>
+      <p:sp>
+        <p:nvSpPr>
           <p:cNvPr id="5" name="CaixaDeTexto 4"/>
           <p:cNvSpPr txBox="1"/>
           <p:nvPr/>
         </p:nvSpPr>
         <p:spPr>
           <a:xfrm>
-            <a:off x="3851920" y="908720"/>
-            <a:ext cx="1564852" cy="369332"/>
+            <a:off x="3257104" y="908720"/>
+            <a:ext cx="2323008" cy="369332"/>
           </a:xfrm>
           <a:prstGeom prst="rect">
             <a:avLst/>
@@ -13337,7 +13636,7 @@
           <a:p>
             <a:r>
               <a:rPr lang="pt-BR" b="1" dirty="0" smtClean="0"/>
-              <a:t>4.3) Mapas 2D</a:t>
+              <a:t>4.2) Nuvens de pontos</a:t>
             </a:r>
             <a:endParaRPr lang="pt-BR" b="1" dirty="0"/>
           </a:p>
@@ -13346,7 +13645,7 @@
     </p:spTree>
     <p:extLst>
       <p:ext uri="{BB962C8B-B14F-4D97-AF65-F5344CB8AC3E}">
-        <p14:creationId xmlns:p14="http://schemas.microsoft.com/office/powerpoint/2010/main" val="4174760171"/>
+        <p14:creationId xmlns:p14="http://schemas.microsoft.com/office/powerpoint/2010/main" val="311133971"/>
       </p:ext>
     </p:extLst>
   </p:cSld>
@@ -13420,14 +13719,60 @@
       </p:sp>
       <p:sp>
         <p:nvSpPr>
+          <p:cNvPr id="54" name="CaixaDeTexto 53"/>
+          <p:cNvSpPr txBox="1"/>
+          <p:nvPr/>
+        </p:nvSpPr>
+        <p:spPr>
+          <a:xfrm>
+            <a:off x="2411760" y="1218238"/>
+            <a:ext cx="4341317" cy="338554"/>
+          </a:xfrm>
+          <a:prstGeom prst="rect">
+            <a:avLst/>
+          </a:prstGeom>
+          <a:noFill/>
+        </p:spPr>
+        <p:txBody>
+          <a:bodyPr wrap="none" rtlCol="0">
+            <a:spAutoFit/>
+          </a:bodyPr>
+          <a:lstStyle/>
+          <a:p>
+            <a:r>
+              <a:rPr lang="pt-BR" sz="1600" b="1" dirty="0" smtClean="0"/>
+              <a:t>4.2.2) Variáveis categóricas: a </a:t>
+            </a:r>
+            <a:r>
+              <a:rPr lang="pt-BR" sz="1600" b="1" dirty="0" err="1" smtClean="0"/>
+              <a:t>Lookup</a:t>
+            </a:r>
+            <a:r>
+              <a:rPr lang="pt-BR" sz="1600" b="1" dirty="0" smtClean="0"/>
+              <a:t> </a:t>
+            </a:r>
+            <a:r>
+              <a:rPr lang="pt-BR" sz="1600" b="1" dirty="0" err="1" smtClean="0"/>
+              <a:t>Table</a:t>
+            </a:r>
+            <a:r>
+              <a:rPr lang="pt-BR" sz="1600" b="1" dirty="0" smtClean="0"/>
+              <a:t> (LUT)</a:t>
+            </a:r>
+            <a:endParaRPr lang="pt-BR" sz="1600" b="1" dirty="0"/>
+          </a:p>
+        </p:txBody>
+      </p:sp>
+      <p:sp>
+        <p:nvSpPr>
           <p:cNvPr id="5" name="CaixaDeTexto 4"/>
           <p:cNvSpPr txBox="1"/>
           <p:nvPr/>
         </p:nvSpPr>
         <p:spPr>
           <a:xfrm>
-            <a:off x="3851920" y="908720"/>
-            <a:ext cx="1564852" cy="369332"/>
+            <a:off x="3257104" y="908720"/>
+            <a:ext cx="2323008" cy="369332"/>
           </a:xfrm>
           <a:prstGeom prst="rect">
             <a:avLst/>
@@ -13442,46 +13787,16 @@
           <a:p>
             <a:r>
               <a:rPr lang="pt-BR" b="1" dirty="0" smtClean="0"/>
-              <a:t>4.3) Mapas 2D</a:t>
+              <a:t>4.2) Nuvens de pontos</a:t>
             </a:r>
             <a:endParaRPr lang="pt-BR" b="1" dirty="0"/>
-          </a:p>
-        </p:txBody>
-      </p:sp>
-      <p:sp>
-        <p:nvSpPr>
-          <p:cNvPr id="6" name="CaixaDeTexto 5"/>
-          <p:cNvSpPr txBox="1"/>
-          <p:nvPr/>
-        </p:nvSpPr>
-        <p:spPr>
-          <a:xfrm>
-            <a:off x="2267744" y="1218238"/>
-            <a:ext cx="4832157" cy="338554"/>
-          </a:xfrm>
-          <a:prstGeom prst="rect">
-            <a:avLst/>
-          </a:prstGeom>
-          <a:noFill/>
-        </p:spPr>
-        <p:txBody>
-          <a:bodyPr wrap="none" rtlCol="0">
-            <a:spAutoFit/>
-          </a:bodyPr>
-          <a:lstStyle/>
-          <a:p>
-            <a:r>
-              <a:rPr lang="pt-BR" sz="1600" b="1" dirty="0" smtClean="0"/>
-              <a:t>4.3.1) Ocultando valores nulos e locais não amostrados</a:t>
-            </a:r>
-            <a:endParaRPr lang="pt-BR" sz="1600" b="1" dirty="0"/>
           </a:p>
         </p:txBody>
       </p:sp>
     </p:spTree>
     <p:extLst>
       <p:ext uri="{BB962C8B-B14F-4D97-AF65-F5344CB8AC3E}">
-        <p14:creationId xmlns:p14="http://schemas.microsoft.com/office/powerpoint/2010/main" val="3585225282"/>
+        <p14:creationId xmlns:p14="http://schemas.microsoft.com/office/powerpoint/2010/main" val="60893757"/>
       </p:ext>
     </p:extLst>
   </p:cSld>
@@ -13562,7 +13877,7 @@
         <p:spPr>
           <a:xfrm>
             <a:off x="3851920" y="908720"/>
-            <a:ext cx="1503938" cy="369332"/>
+            <a:ext cx="1564852" cy="369332"/>
           </a:xfrm>
           <a:prstGeom prst="rect">
             <a:avLst/>
@@ -13577,7 +13892,7 @@
           <a:p>
             <a:r>
               <a:rPr lang="pt-BR" b="1" dirty="0" smtClean="0"/>
-              <a:t>4.4) Cubos 3D</a:t>
+              <a:t>4.3) Mapas 2D</a:t>
             </a:r>
             <a:endParaRPr lang="pt-BR" b="1" dirty="0"/>
           </a:p>
@@ -13586,7 +13901,7 @@
     </p:spTree>
     <p:extLst>
       <p:ext uri="{BB962C8B-B14F-4D97-AF65-F5344CB8AC3E}">
-        <p14:creationId xmlns:p14="http://schemas.microsoft.com/office/powerpoint/2010/main" val="1653003107"/>
+        <p14:creationId xmlns:p14="http://schemas.microsoft.com/office/powerpoint/2010/main" val="4174760171"/>
       </p:ext>
     </p:extLst>
   </p:cSld>
@@ -13667,7 +13982,7 @@
         <p:spPr>
           <a:xfrm>
             <a:off x="3851920" y="908720"/>
-            <a:ext cx="1503938" cy="369332"/>
+            <a:ext cx="1564852" cy="369332"/>
           </a:xfrm>
           <a:prstGeom prst="rect">
             <a:avLst/>
@@ -13682,7 +13997,7 @@
           <a:p>
             <a:r>
               <a:rPr lang="pt-BR" b="1" dirty="0" smtClean="0"/>
-              <a:t>4.4) Cubos 3D</a:t>
+              <a:t>4.3) Mapas 2D</a:t>
             </a:r>
             <a:endParaRPr lang="pt-BR" b="1" dirty="0"/>
           </a:p>
@@ -13696,8 +14011,8 @@
         </p:nvSpPr>
         <p:spPr>
           <a:xfrm>
-            <a:off x="2987824" y="1218238"/>
-            <a:ext cx="3371116" cy="338554"/>
+            <a:off x="2267744" y="1218238"/>
+            <a:ext cx="4832157" cy="338554"/>
           </a:xfrm>
           <a:prstGeom prst="rect">
             <a:avLst/>
@@ -13712,27 +14027,7 @@
           <a:p>
             <a:r>
               <a:rPr lang="pt-BR" sz="1600" b="1" dirty="0" smtClean="0"/>
-              <a:t>4.4.1) Seções </a:t>
-            </a:r>
-            <a:r>
-              <a:rPr lang="pt-BR" sz="1600" b="1" dirty="0" err="1" smtClean="0"/>
-              <a:t>inline</a:t>
-            </a:r>
-            <a:r>
-              <a:rPr lang="pt-BR" sz="1600" b="1" dirty="0" smtClean="0"/>
-              <a:t>, </a:t>
-            </a:r>
-            <a:r>
-              <a:rPr lang="pt-BR" sz="1600" b="1" dirty="0" err="1" smtClean="0"/>
-              <a:t>crossline</a:t>
-            </a:r>
-            <a:r>
-              <a:rPr lang="pt-BR" sz="1600" b="1" dirty="0" smtClean="0"/>
-              <a:t> e z-</a:t>
-            </a:r>
-            <a:r>
-              <a:rPr lang="pt-BR" sz="1600" b="1" dirty="0" err="1" smtClean="0"/>
-              <a:t>slice</a:t>
+              <a:t>4.3.1) Ocultando valores nulos e locais não amostrados</a:t>
             </a:r>
             <a:endParaRPr lang="pt-BR" sz="1600" b="1" dirty="0"/>
           </a:p>
@@ -13741,7 +14036,7 @@
     </p:spTree>
     <p:extLst>
       <p:ext uri="{BB962C8B-B14F-4D97-AF65-F5344CB8AC3E}">
-        <p14:creationId xmlns:p14="http://schemas.microsoft.com/office/powerpoint/2010/main" val="760961505"/>
+        <p14:creationId xmlns:p14="http://schemas.microsoft.com/office/powerpoint/2010/main" val="3585225282"/>
       </p:ext>
     </p:extLst>
   </p:cSld>
@@ -14136,44 +14431,10 @@
           </a:p>
         </p:txBody>
       </p:sp>
-      <p:sp>
-        <p:nvSpPr>
-          <p:cNvPr id="6" name="CaixaDeTexto 5"/>
-          <p:cNvSpPr txBox="1"/>
-          <p:nvPr/>
-        </p:nvSpPr>
-        <p:spPr>
-          <a:xfrm>
-            <a:off x="3624835" y="1218238"/>
-            <a:ext cx="2099293" cy="338554"/>
-          </a:xfrm>
-          <a:prstGeom prst="rect">
-            <a:avLst/>
-          </a:prstGeom>
-          <a:noFill/>
-        </p:spPr>
-        <p:txBody>
-          <a:bodyPr wrap="none" rtlCol="0">
-            <a:spAutoFit/>
-          </a:bodyPr>
-          <a:lstStyle/>
-          <a:p>
-            <a:r>
-              <a:rPr lang="pt-BR" sz="1600" b="1" dirty="0" smtClean="0"/>
-              <a:t>4.4.2) </a:t>
-            </a:r>
-            <a:r>
-              <a:rPr lang="pt-BR" sz="1600" b="1" dirty="0" err="1" smtClean="0"/>
-              <a:t>Subamostragem</a:t>
-            </a:r>
-            <a:endParaRPr lang="pt-BR" sz="1600" b="1" dirty="0"/>
-          </a:p>
-        </p:txBody>
-      </p:sp>
     </p:spTree>
     <p:extLst>
       <p:ext uri="{BB962C8B-B14F-4D97-AF65-F5344CB8AC3E}">
-        <p14:creationId xmlns:p14="http://schemas.microsoft.com/office/powerpoint/2010/main" val="2988628406"/>
+        <p14:creationId xmlns:p14="http://schemas.microsoft.com/office/powerpoint/2010/main" val="1653003107"/>
       </p:ext>
     </p:extLst>
   </p:cSld>
@@ -14253,8 +14514,8 @@
         </p:nvSpPr>
         <p:spPr>
           <a:xfrm>
-            <a:off x="2843808" y="908720"/>
-            <a:ext cx="3865930" cy="369332"/>
+            <a:off x="3851920" y="908720"/>
+            <a:ext cx="1503938" cy="369332"/>
           </a:xfrm>
           <a:prstGeom prst="rect">
             <a:avLst/>
@@ -14269,7 +14530,7 @@
           <a:p>
             <a:r>
               <a:rPr lang="pt-BR" b="1" dirty="0" smtClean="0"/>
-              <a:t>4.5) Estruturas de geometria complexa</a:t>
+              <a:t>4.4) Cubos 3D</a:t>
             </a:r>
             <a:endParaRPr lang="pt-BR" b="1" dirty="0"/>
           </a:p>
@@ -14283,8 +14544,8 @@
         </p:nvSpPr>
         <p:spPr>
           <a:xfrm>
-            <a:off x="3624835" y="1218238"/>
-            <a:ext cx="2091855" cy="338554"/>
+            <a:off x="2987824" y="1218238"/>
+            <a:ext cx="3371116" cy="338554"/>
           </a:xfrm>
           <a:prstGeom prst="rect">
             <a:avLst/>
@@ -14299,7 +14560,27 @@
           <a:p>
             <a:r>
               <a:rPr lang="pt-BR" sz="1600" b="1" dirty="0" smtClean="0"/>
-              <a:t>4.5.1) Linha poligonais</a:t>
+              <a:t>4.4.1) Seções </a:t>
+            </a:r>
+            <a:r>
+              <a:rPr lang="pt-BR" sz="1600" b="1" dirty="0" err="1" smtClean="0"/>
+              <a:t>inline</a:t>
+            </a:r>
+            <a:r>
+              <a:rPr lang="pt-BR" sz="1600" b="1" dirty="0" smtClean="0"/>
+              <a:t>, </a:t>
+            </a:r>
+            <a:r>
+              <a:rPr lang="pt-BR" sz="1600" b="1" dirty="0" err="1" smtClean="0"/>
+              <a:t>crossline</a:t>
+            </a:r>
+            <a:r>
+              <a:rPr lang="pt-BR" sz="1600" b="1" dirty="0" smtClean="0"/>
+              <a:t> e z-</a:t>
+            </a:r>
+            <a:r>
+              <a:rPr lang="pt-BR" sz="1600" b="1" dirty="0" err="1" smtClean="0"/>
+              <a:t>slice</a:t>
             </a:r>
             <a:endParaRPr lang="pt-BR" sz="1600" b="1" dirty="0"/>
           </a:p>
@@ -14308,7 +14589,7 @@
     </p:spTree>
     <p:extLst>
       <p:ext uri="{BB962C8B-B14F-4D97-AF65-F5344CB8AC3E}">
-        <p14:creationId xmlns:p14="http://schemas.microsoft.com/office/powerpoint/2010/main" val="2161034562"/>
+        <p14:creationId xmlns:p14="http://schemas.microsoft.com/office/powerpoint/2010/main" val="760961505"/>
       </p:ext>
     </p:extLst>
   </p:cSld>
@@ -14388,8 +14669,8 @@
         </p:nvSpPr>
         <p:spPr>
           <a:xfrm>
-            <a:off x="2843808" y="908720"/>
-            <a:ext cx="3865930" cy="369332"/>
+            <a:off x="3851920" y="908720"/>
+            <a:ext cx="1503938" cy="369332"/>
           </a:xfrm>
           <a:prstGeom prst="rect">
             <a:avLst/>
@@ -14404,7 +14685,7 @@
           <a:p>
             <a:r>
               <a:rPr lang="pt-BR" b="1" dirty="0" smtClean="0"/>
-              <a:t>4.5) Estruturas de geometria complexa</a:t>
+              <a:t>4.4) Cubos 3D</a:t>
             </a:r>
             <a:endParaRPr lang="pt-BR" b="1" dirty="0"/>
           </a:p>
@@ -14418,8 +14699,8 @@
         </p:nvSpPr>
         <p:spPr>
           <a:xfrm>
-            <a:off x="3859896" y="1218238"/>
-            <a:ext cx="1648208" cy="338554"/>
+            <a:off x="3624835" y="1218238"/>
+            <a:ext cx="2099293" cy="338554"/>
           </a:xfrm>
           <a:prstGeom prst="rect">
             <a:avLst/>
@@ -14434,7 +14715,11 @@
           <a:p>
             <a:r>
               <a:rPr lang="pt-BR" sz="1600" b="1" dirty="0" smtClean="0"/>
-              <a:t>4.5.2) Superfícies</a:t>
+              <a:t>4.4.2) </a:t>
+            </a:r>
+            <a:r>
+              <a:rPr lang="pt-BR" sz="1600" b="1" dirty="0" err="1" smtClean="0"/>
+              <a:t>Subamostragem</a:t>
             </a:r>
             <a:endParaRPr lang="pt-BR" sz="1600" b="1" dirty="0"/>
           </a:p>
@@ -14443,7 +14728,7 @@
     </p:spTree>
     <p:extLst>
       <p:ext uri="{BB962C8B-B14F-4D97-AF65-F5344CB8AC3E}">
-        <p14:creationId xmlns:p14="http://schemas.microsoft.com/office/powerpoint/2010/main" val="3812166210"/>
+        <p14:creationId xmlns:p14="http://schemas.microsoft.com/office/powerpoint/2010/main" val="2988628406"/>
       </p:ext>
     </p:extLst>
   </p:cSld>
@@ -14523,8 +14808,8 @@
         </p:nvSpPr>
         <p:spPr>
           <a:xfrm>
-            <a:off x="2421706" y="908720"/>
-            <a:ext cx="4670574" cy="369332"/>
+            <a:off x="2843808" y="908720"/>
+            <a:ext cx="3865930" cy="369332"/>
           </a:xfrm>
           <a:prstGeom prst="rect">
             <a:avLst/>
@@ -14539,28 +14824,46 @@
           <a:p>
             <a:r>
               <a:rPr lang="pt-BR" b="1" dirty="0" smtClean="0"/>
-              <a:t>4.6) Interação com o modelo: </a:t>
-            </a:r>
-            <a:r>
-              <a:rPr lang="pt-BR" b="1" i="1" dirty="0" err="1" smtClean="0"/>
-              <a:t>picking</a:t>
-            </a:r>
-            <a:r>
-              <a:rPr lang="pt-BR" b="1" dirty="0" smtClean="0"/>
-              <a:t> e </a:t>
-            </a:r>
-            <a:r>
-              <a:rPr lang="pt-BR" b="1" i="1" dirty="0" err="1" smtClean="0"/>
-              <a:t>probing</a:t>
-            </a:r>
-            <a:endParaRPr lang="pt-BR" b="1" i="1" dirty="0"/>
+              <a:t>4.5) Estruturas de geometria complexa</a:t>
+            </a:r>
+            <a:endParaRPr lang="pt-BR" b="1" dirty="0"/>
+          </a:p>
+        </p:txBody>
+      </p:sp>
+      <p:sp>
+        <p:nvSpPr>
+          <p:cNvPr id="6" name="CaixaDeTexto 5"/>
+          <p:cNvSpPr txBox="1"/>
+          <p:nvPr/>
+        </p:nvSpPr>
+        <p:spPr>
+          <a:xfrm>
+            <a:off x="3624835" y="1218238"/>
+            <a:ext cx="2091855" cy="338554"/>
+          </a:xfrm>
+          <a:prstGeom prst="rect">
+            <a:avLst/>
+          </a:prstGeom>
+          <a:noFill/>
+        </p:spPr>
+        <p:txBody>
+          <a:bodyPr wrap="none" rtlCol="0">
+            <a:spAutoFit/>
+          </a:bodyPr>
+          <a:lstStyle/>
+          <a:p>
+            <a:r>
+              <a:rPr lang="pt-BR" sz="1600" b="1" dirty="0" smtClean="0"/>
+              <a:t>4.5.1) Linha poligonais</a:t>
+            </a:r>
+            <a:endParaRPr lang="pt-BR" sz="1600" b="1" dirty="0"/>
           </a:p>
         </p:txBody>
       </p:sp>
     </p:spTree>
     <p:extLst>
       <p:ext uri="{BB962C8B-B14F-4D97-AF65-F5344CB8AC3E}">
-        <p14:creationId xmlns:p14="http://schemas.microsoft.com/office/powerpoint/2010/main" val="3321787556"/>
+        <p14:creationId xmlns:p14="http://schemas.microsoft.com/office/powerpoint/2010/main" val="2161034562"/>
       </p:ext>
     </p:extLst>
   </p:cSld>
@@ -14618,7 +14921,15 @@
           <a:p>
             <a:r>
               <a:rPr lang="pt-BR" sz="2400" dirty="0" smtClean="0"/>
-              <a:t>Mais sobre VTK</a:t>
+              <a:t>4) Aplicações C++/</a:t>
+            </a:r>
+            <a:r>
+              <a:rPr lang="pt-BR" sz="2400" dirty="0" err="1" smtClean="0"/>
+              <a:t>Qt</a:t>
+            </a:r>
+            <a:r>
+              <a:rPr lang="pt-BR" sz="2400" dirty="0" smtClean="0"/>
+              <a:t> com VTK</a:t>
             </a:r>
             <a:endParaRPr lang="pt-BR" sz="1400" dirty="0"/>
           </a:p>
@@ -14632,8 +14943,8 @@
         </p:nvSpPr>
         <p:spPr>
           <a:xfrm>
-            <a:off x="827584" y="1412776"/>
-            <a:ext cx="1002582" cy="369332"/>
+            <a:off x="2843808" y="908720"/>
+            <a:ext cx="3865930" cy="369332"/>
           </a:xfrm>
           <a:prstGeom prst="rect">
             <a:avLst/>
@@ -14646,93 +14957,48 @@
           </a:bodyPr>
           <a:lstStyle/>
           <a:p>
-            <a:pPr marL="285750" indent="-285750">
-              <a:buFont typeface="Wingdings" panose="05000000000000000000" pitchFamily="2" charset="2"/>
-              <a:buChar char="Ø"/>
-            </a:pPr>
             <a:r>
               <a:rPr lang="pt-BR" b="1" dirty="0" smtClean="0"/>
-              <a:t>Livro:</a:t>
-            </a:r>
-            <a:endParaRPr lang="pt-BR" b="1" i="1" dirty="0"/>
-          </a:p>
-        </p:txBody>
-      </p:sp>
-      <p:pic>
-        <p:nvPicPr>
-          <p:cNvPr id="2" name="Imagem 1"/>
-          <p:cNvPicPr>
-            <a:picLocks noChangeAspect="1"/>
-          </p:cNvPicPr>
+              <a:t>4.5) Estruturas de geometria complexa</a:t>
+            </a:r>
+            <a:endParaRPr lang="pt-BR" b="1" dirty="0"/>
+          </a:p>
+        </p:txBody>
+      </p:sp>
+      <p:sp>
+        <p:nvSpPr>
+          <p:cNvPr id="6" name="CaixaDeTexto 5"/>
+          <p:cNvSpPr txBox="1"/>
           <p:nvPr/>
-        </p:nvPicPr>
-        <p:blipFill>
-          <a:blip r:embed="rId3">
-            <a:extLst>
-              <a:ext uri="{28A0092B-C50C-407E-A947-70E740481C1C}">
-                <a14:useLocalDpi xmlns:a14="http://schemas.microsoft.com/office/drawing/2010/main" val="0"/>
-              </a:ext>
-            </a:extLst>
-          </a:blip>
-          <a:stretch>
-            <a:fillRect/>
-          </a:stretch>
-        </p:blipFill>
-        <p:spPr>
-          <a:xfrm>
-            <a:off x="3377711" y="1433165"/>
-            <a:ext cx="2706457" cy="3789040"/>
+        </p:nvSpPr>
+        <p:spPr>
+          <a:xfrm>
+            <a:off x="3859896" y="1218238"/>
+            <a:ext cx="1648208" cy="338554"/>
           </a:xfrm>
           <a:prstGeom prst="rect">
             <a:avLst/>
           </a:prstGeom>
-        </p:spPr>
-      </p:pic>
-      <p:sp>
-        <p:nvSpPr>
-          <p:cNvPr id="3" name="Retângulo 2"/>
-          <p:cNvSpPr/>
-          <p:nvPr/>
-        </p:nvSpPr>
-        <p:spPr>
-          <a:xfrm>
-            <a:off x="1565920" y="5147900"/>
-            <a:ext cx="6174432" cy="369332"/>
-          </a:xfrm>
-          <a:prstGeom prst="rect">
-            <a:avLst/>
-          </a:prstGeom>
-        </p:spPr>
-        <p:txBody>
-          <a:bodyPr wrap="square">
+          <a:noFill/>
+        </p:spPr>
+        <p:txBody>
+          <a:bodyPr wrap="none" rtlCol="0">
             <a:spAutoFit/>
           </a:bodyPr>
           <a:lstStyle/>
           <a:p>
             <a:r>
-              <a:rPr lang="pt-BR" dirty="0">
-                <a:hlinkClick r:id="rId4"/>
-              </a:rPr>
-              <a:t>https://</a:t>
-            </a:r>
-            <a:r>
-              <a:rPr lang="pt-BR" dirty="0" smtClean="0">
-                <a:hlinkClick r:id="rId4"/>
-              </a:rPr>
-              <a:t>www.kitware.com/products/books/VTKTextbook.pdf</a:t>
-            </a:r>
-            <a:r>
-              <a:rPr lang="pt-BR" dirty="0" smtClean="0"/>
-              <a:t> </a:t>
-            </a:r>
-            <a:endParaRPr lang="pt-BR" dirty="0"/>
+              <a:rPr lang="pt-BR" sz="1600" b="1" dirty="0" smtClean="0"/>
+              <a:t>4.5.2) Superfícies</a:t>
+            </a:r>
+            <a:endParaRPr lang="pt-BR" sz="1600" b="1" dirty="0"/>
           </a:p>
         </p:txBody>
       </p:sp>
     </p:spTree>
     <p:extLst>
       <p:ext uri="{BB962C8B-B14F-4D97-AF65-F5344CB8AC3E}">
-        <p14:creationId xmlns:p14="http://schemas.microsoft.com/office/powerpoint/2010/main" val="3048172996"/>
+        <p14:creationId xmlns:p14="http://schemas.microsoft.com/office/powerpoint/2010/main" val="3812166210"/>
       </p:ext>
     </p:extLst>
   </p:cSld>
@@ -14790,6 +15056,295 @@
           <a:p>
             <a:r>
               <a:rPr lang="pt-BR" sz="2400" dirty="0" smtClean="0"/>
+              <a:t>4) Aplicações C++/</a:t>
+            </a:r>
+            <a:r>
+              <a:rPr lang="pt-BR" sz="2400" dirty="0" err="1" smtClean="0"/>
+              <a:t>Qt</a:t>
+            </a:r>
+            <a:r>
+              <a:rPr lang="pt-BR" sz="2400" dirty="0" smtClean="0"/>
+              <a:t> com VTK</a:t>
+            </a:r>
+            <a:endParaRPr lang="pt-BR" sz="1400" dirty="0"/>
+          </a:p>
+        </p:txBody>
+      </p:sp>
+      <p:sp>
+        <p:nvSpPr>
+          <p:cNvPr id="5" name="CaixaDeTexto 4"/>
+          <p:cNvSpPr txBox="1"/>
+          <p:nvPr/>
+        </p:nvSpPr>
+        <p:spPr>
+          <a:xfrm>
+            <a:off x="2421706" y="908720"/>
+            <a:ext cx="4670574" cy="369332"/>
+          </a:xfrm>
+          <a:prstGeom prst="rect">
+            <a:avLst/>
+          </a:prstGeom>
+          <a:noFill/>
+        </p:spPr>
+        <p:txBody>
+          <a:bodyPr wrap="none" rtlCol="0">
+            <a:spAutoFit/>
+          </a:bodyPr>
+          <a:lstStyle/>
+          <a:p>
+            <a:r>
+              <a:rPr lang="pt-BR" b="1" dirty="0" smtClean="0"/>
+              <a:t>4.6) Interação com o modelo: </a:t>
+            </a:r>
+            <a:r>
+              <a:rPr lang="pt-BR" b="1" i="1" dirty="0" err="1" smtClean="0"/>
+              <a:t>picking</a:t>
+            </a:r>
+            <a:r>
+              <a:rPr lang="pt-BR" b="1" dirty="0" smtClean="0"/>
+              <a:t> e </a:t>
+            </a:r>
+            <a:r>
+              <a:rPr lang="pt-BR" b="1" i="1" dirty="0" err="1" smtClean="0"/>
+              <a:t>probing</a:t>
+            </a:r>
+            <a:endParaRPr lang="pt-BR" b="1" i="1" dirty="0"/>
+          </a:p>
+        </p:txBody>
+      </p:sp>
+    </p:spTree>
+    <p:extLst>
+      <p:ext uri="{BB962C8B-B14F-4D97-AF65-F5344CB8AC3E}">
+        <p14:creationId xmlns:p14="http://schemas.microsoft.com/office/powerpoint/2010/main" val="3321787556"/>
+      </p:ext>
+    </p:extLst>
+  </p:cSld>
+  <p:clrMapOvr>
+    <a:masterClrMapping/>
+  </p:clrMapOvr>
+  <p:timing>
+    <p:tnLst>
+      <p:par>
+        <p:cTn id="1" dur="indefinite" restart="never" nodeType="tmRoot"/>
+      </p:par>
+    </p:tnLst>
+  </p:timing>
+</p:sld>
+</file>
+
+<file path=ppt/slides/slide36.xml><?xml version="1.0" encoding="utf-8"?>
+<p:sld xmlns:a="http://schemas.openxmlformats.org/drawingml/2006/main" xmlns:r="http://schemas.openxmlformats.org/officeDocument/2006/relationships" xmlns:p="http://schemas.openxmlformats.org/presentationml/2006/main">
+  <p:cSld>
+    <p:spTree>
+      <p:nvGrpSpPr>
+        <p:cNvPr id="1" name=""/>
+        <p:cNvGrpSpPr/>
+        <p:nvPr/>
+      </p:nvGrpSpPr>
+      <p:grpSpPr>
+        <a:xfrm>
+          <a:off x="0" y="0"/>
+          <a:ext cx="0" cy="0"/>
+          <a:chOff x="0" y="0"/>
+          <a:chExt cx="0" cy="0"/>
+        </a:xfrm>
+      </p:grpSpPr>
+      <p:sp>
+        <p:nvSpPr>
+          <p:cNvPr id="4" name="Título 3"/>
+          <p:cNvSpPr>
+            <a:spLocks noGrp="1"/>
+          </p:cNvSpPr>
+          <p:nvPr>
+            <p:ph type="ctrTitle"/>
+          </p:nvPr>
+        </p:nvSpPr>
+        <p:spPr>
+          <a:xfrm>
+            <a:off x="3275856" y="138754"/>
+            <a:ext cx="4680520" cy="504056"/>
+          </a:xfrm>
+        </p:spPr>
+        <p:txBody>
+          <a:bodyPr>
+            <a:normAutofit/>
+          </a:bodyPr>
+          <a:lstStyle/>
+          <a:p>
+            <a:r>
+              <a:rPr lang="pt-BR" sz="2400" dirty="0" smtClean="0"/>
+              <a:t>Mais sobre VTK</a:t>
+            </a:r>
+            <a:endParaRPr lang="pt-BR" sz="1400" dirty="0"/>
+          </a:p>
+        </p:txBody>
+      </p:sp>
+      <p:sp>
+        <p:nvSpPr>
+          <p:cNvPr id="5" name="CaixaDeTexto 4"/>
+          <p:cNvSpPr txBox="1"/>
+          <p:nvPr/>
+        </p:nvSpPr>
+        <p:spPr>
+          <a:xfrm>
+            <a:off x="827584" y="1412776"/>
+            <a:ext cx="1002582" cy="369332"/>
+          </a:xfrm>
+          <a:prstGeom prst="rect">
+            <a:avLst/>
+          </a:prstGeom>
+          <a:noFill/>
+        </p:spPr>
+        <p:txBody>
+          <a:bodyPr wrap="none" rtlCol="0">
+            <a:spAutoFit/>
+          </a:bodyPr>
+          <a:lstStyle/>
+          <a:p>
+            <a:pPr marL="285750" indent="-285750">
+              <a:buFont typeface="Wingdings" panose="05000000000000000000" pitchFamily="2" charset="2"/>
+              <a:buChar char="Ø"/>
+            </a:pPr>
+            <a:r>
+              <a:rPr lang="pt-BR" b="1" dirty="0" smtClean="0"/>
+              <a:t>Livro:</a:t>
+            </a:r>
+            <a:endParaRPr lang="pt-BR" b="1" i="1" dirty="0"/>
+          </a:p>
+        </p:txBody>
+      </p:sp>
+      <p:pic>
+        <p:nvPicPr>
+          <p:cNvPr id="2" name="Imagem 1"/>
+          <p:cNvPicPr>
+            <a:picLocks noChangeAspect="1"/>
+          </p:cNvPicPr>
+          <p:nvPr/>
+        </p:nvPicPr>
+        <p:blipFill>
+          <a:blip r:embed="rId3">
+            <a:extLst>
+              <a:ext uri="{28A0092B-C50C-407E-A947-70E740481C1C}">
+                <a14:useLocalDpi xmlns:a14="http://schemas.microsoft.com/office/drawing/2010/main" val="0"/>
+              </a:ext>
+            </a:extLst>
+          </a:blip>
+          <a:stretch>
+            <a:fillRect/>
+          </a:stretch>
+        </p:blipFill>
+        <p:spPr>
+          <a:xfrm>
+            <a:off x="3377711" y="1433165"/>
+            <a:ext cx="2706457" cy="3789040"/>
+          </a:xfrm>
+          <a:prstGeom prst="rect">
+            <a:avLst/>
+          </a:prstGeom>
+        </p:spPr>
+      </p:pic>
+      <p:sp>
+        <p:nvSpPr>
+          <p:cNvPr id="3" name="Retângulo 2"/>
+          <p:cNvSpPr/>
+          <p:nvPr/>
+        </p:nvSpPr>
+        <p:spPr>
+          <a:xfrm>
+            <a:off x="1565920" y="5147900"/>
+            <a:ext cx="6174432" cy="369332"/>
+          </a:xfrm>
+          <a:prstGeom prst="rect">
+            <a:avLst/>
+          </a:prstGeom>
+        </p:spPr>
+        <p:txBody>
+          <a:bodyPr wrap="square">
+            <a:spAutoFit/>
+          </a:bodyPr>
+          <a:lstStyle/>
+          <a:p>
+            <a:r>
+              <a:rPr lang="pt-BR" dirty="0">
+                <a:hlinkClick r:id="rId4"/>
+              </a:rPr>
+              <a:t>https://</a:t>
+            </a:r>
+            <a:r>
+              <a:rPr lang="pt-BR" dirty="0" smtClean="0">
+                <a:hlinkClick r:id="rId4"/>
+              </a:rPr>
+              <a:t>www.kitware.com/products/books/VTKTextbook.pdf</a:t>
+            </a:r>
+            <a:r>
+              <a:rPr lang="pt-BR" dirty="0" smtClean="0"/>
+              <a:t> </a:t>
+            </a:r>
+            <a:endParaRPr lang="pt-BR" dirty="0"/>
+          </a:p>
+        </p:txBody>
+      </p:sp>
+    </p:spTree>
+    <p:extLst>
+      <p:ext uri="{BB962C8B-B14F-4D97-AF65-F5344CB8AC3E}">
+        <p14:creationId xmlns:p14="http://schemas.microsoft.com/office/powerpoint/2010/main" val="3048172996"/>
+      </p:ext>
+    </p:extLst>
+  </p:cSld>
+  <p:clrMapOvr>
+    <a:masterClrMapping/>
+  </p:clrMapOvr>
+  <p:timing>
+    <p:tnLst>
+      <p:par>
+        <p:cTn id="1" dur="indefinite" restart="never" nodeType="tmRoot"/>
+      </p:par>
+    </p:tnLst>
+  </p:timing>
+</p:sld>
+</file>
+
+<file path=ppt/slides/slide37.xml><?xml version="1.0" encoding="utf-8"?>
+<p:sld xmlns:a="http://schemas.openxmlformats.org/drawingml/2006/main" xmlns:r="http://schemas.openxmlformats.org/officeDocument/2006/relationships" xmlns:p="http://schemas.openxmlformats.org/presentationml/2006/main">
+  <p:cSld>
+    <p:spTree>
+      <p:nvGrpSpPr>
+        <p:cNvPr id="1" name=""/>
+        <p:cNvGrpSpPr/>
+        <p:nvPr/>
+      </p:nvGrpSpPr>
+      <p:grpSpPr>
+        <a:xfrm>
+          <a:off x="0" y="0"/>
+          <a:ext cx="0" cy="0"/>
+          <a:chOff x="0" y="0"/>
+          <a:chExt cx="0" cy="0"/>
+        </a:xfrm>
+      </p:grpSpPr>
+      <p:sp>
+        <p:nvSpPr>
+          <p:cNvPr id="4" name="Título 3"/>
+          <p:cNvSpPr>
+            <a:spLocks noGrp="1"/>
+          </p:cNvSpPr>
+          <p:nvPr>
+            <p:ph type="ctrTitle"/>
+          </p:nvPr>
+        </p:nvSpPr>
+        <p:spPr>
+          <a:xfrm>
+            <a:off x="3275856" y="138754"/>
+            <a:ext cx="4680520" cy="504056"/>
+          </a:xfrm>
+        </p:spPr>
+        <p:txBody>
+          <a:bodyPr>
+            <a:normAutofit/>
+          </a:bodyPr>
+          <a:lstStyle/>
+          <a:p>
+            <a:r>
+              <a:rPr lang="pt-BR" sz="2400" dirty="0" smtClean="0"/>
               <a:t>Mais sobre VTK</a:t>
             </a:r>
             <a:endParaRPr lang="pt-BR" sz="1400" dirty="0"/>
@@ -15017,7 +15572,7 @@
 </p:sld>
 </file>
 
-<file path=ppt/slides/slide36.xml><?xml version="1.0" encoding="utf-8"?>
+<file path=ppt/slides/slide38.xml><?xml version="1.0" encoding="utf-8"?>
 <p:sld xmlns:a="http://schemas.openxmlformats.org/drawingml/2006/main" xmlns:r="http://schemas.openxmlformats.org/officeDocument/2006/relationships" xmlns:p="http://schemas.openxmlformats.org/presentationml/2006/main">
   <p:cSld>
     <p:spTree>

--- a/aulas_3dias/slides_3dias.pptx
+++ b/aulas_3dias/slides_3dias.pptx
@@ -13402,6 +13402,102 @@
           </a:p>
         </p:txBody>
       </p:sp>
+      <p:sp>
+        <p:nvSpPr>
+          <p:cNvPr id="6" name="CaixaDeTexto 5"/>
+          <p:cNvSpPr txBox="1"/>
+          <p:nvPr/>
+        </p:nvSpPr>
+        <p:spPr>
+          <a:xfrm>
+            <a:off x="1501325" y="1938318"/>
+            <a:ext cx="5203156" cy="338554"/>
+          </a:xfrm>
+          <a:prstGeom prst="rect">
+            <a:avLst/>
+          </a:prstGeom>
+          <a:noFill/>
+        </p:spPr>
+        <p:txBody>
+          <a:bodyPr wrap="none" rtlCol="0">
+            <a:spAutoFit/>
+          </a:bodyPr>
+          <a:lstStyle/>
+          <a:p>
+            <a:pPr marL="285750" indent="-285750">
+              <a:buFont typeface="Wingdings" panose="05000000000000000000" pitchFamily="2" charset="2"/>
+              <a:buChar char="Ø"/>
+            </a:pPr>
+            <a:r>
+              <a:rPr lang="pt-BR" sz="1600" dirty="0" smtClean="0"/>
+              <a:t>F</a:t>
+            </a:r>
+            <a:r>
+              <a:rPr lang="pt-BR" sz="1600" dirty="0" smtClean="0"/>
+              <a:t>ontes: </a:t>
+            </a:r>
+            <a:r>
+              <a:rPr lang="pt-BR" sz="1600" dirty="0" smtClean="0">
+                <a:latin typeface="Courier New" panose="02070309020205020404" pitchFamily="49" charset="0"/>
+                <a:cs typeface="Courier New" panose="02070309020205020404" pitchFamily="49" charset="0"/>
+              </a:rPr>
+              <a:t>...\</a:t>
+            </a:r>
+            <a:r>
+              <a:rPr lang="pt-BR" sz="1600" dirty="0" err="1" smtClean="0">
+                <a:latin typeface="Courier New" panose="02070309020205020404" pitchFamily="49" charset="0"/>
+                <a:cs typeface="Courier New" panose="02070309020205020404" pitchFamily="49" charset="0"/>
+              </a:rPr>
+              <a:t>cursoVTKgeo</a:t>
+            </a:r>
+            <a:r>
+              <a:rPr lang="pt-BR" sz="1600" dirty="0" smtClean="0">
+                <a:latin typeface="Courier New" panose="02070309020205020404" pitchFamily="49" charset="0"/>
+                <a:cs typeface="Courier New" panose="02070309020205020404" pitchFamily="49" charset="0"/>
+              </a:rPr>
+              <a:t>\aulas_3dias\Eixos</a:t>
+            </a:r>
+            <a:endParaRPr lang="pt-BR" sz="1600" dirty="0">
+              <a:latin typeface="Courier New" panose="02070309020205020404" pitchFamily="49" charset="0"/>
+              <a:cs typeface="Courier New" panose="02070309020205020404" pitchFamily="49" charset="0"/>
+            </a:endParaRPr>
+          </a:p>
+        </p:txBody>
+      </p:sp>
+      <p:pic>
+        <p:nvPicPr>
+          <p:cNvPr id="3" name="Imagem 2"/>
+          <p:cNvPicPr>
+            <a:picLocks noChangeAspect="1"/>
+          </p:cNvPicPr>
+          <p:nvPr/>
+        </p:nvPicPr>
+        <p:blipFill>
+          <a:blip r:embed="rId3"/>
+          <a:stretch>
+            <a:fillRect/>
+          </a:stretch>
+        </p:blipFill>
+        <p:spPr>
+          <a:xfrm>
+            <a:off x="2767980" y="2492896"/>
+            <a:ext cx="3520430" cy="3718005"/>
+          </a:xfrm>
+          <a:prstGeom prst="rect">
+            <a:avLst/>
+          </a:prstGeom>
+          <a:ln>
+            <a:noFill/>
+          </a:ln>
+          <a:effectLst>
+            <a:outerShdw blurRad="292100" dist="139700" dir="2700000" algn="tl" rotWithShape="0">
+              <a:srgbClr val="333333">
+                <a:alpha val="65000"/>
+              </a:srgbClr>
+            </a:outerShdw>
+          </a:effectLst>
+        </p:spPr>
+      </p:pic>
     </p:spTree>
     <p:extLst>
       <p:ext uri="{BB962C8B-B14F-4D97-AF65-F5344CB8AC3E}">
@@ -13507,6 +13603,109 @@
           </a:p>
         </p:txBody>
       </p:sp>
+      <p:sp>
+        <p:nvSpPr>
+          <p:cNvPr id="6" name="CaixaDeTexto 5"/>
+          <p:cNvSpPr txBox="1"/>
+          <p:nvPr/>
+        </p:nvSpPr>
+        <p:spPr>
+          <a:xfrm>
+            <a:off x="1501325" y="1412776"/>
+            <a:ext cx="5943743" cy="338554"/>
+          </a:xfrm>
+          <a:prstGeom prst="rect">
+            <a:avLst/>
+          </a:prstGeom>
+          <a:noFill/>
+        </p:spPr>
+        <p:txBody>
+          <a:bodyPr wrap="none" rtlCol="0">
+            <a:spAutoFit/>
+          </a:bodyPr>
+          <a:lstStyle/>
+          <a:p>
+            <a:pPr marL="285750" indent="-285750">
+              <a:buFont typeface="Wingdings" panose="05000000000000000000" pitchFamily="2" charset="2"/>
+              <a:buChar char="Ø"/>
+            </a:pPr>
+            <a:r>
+              <a:rPr lang="pt-BR" sz="1600" dirty="0" smtClean="0"/>
+              <a:t>F</a:t>
+            </a:r>
+            <a:r>
+              <a:rPr lang="pt-BR" sz="1600" dirty="0" smtClean="0"/>
+              <a:t>ontes: </a:t>
+            </a:r>
+            <a:r>
+              <a:rPr lang="pt-BR" sz="1600" dirty="0" smtClean="0">
+                <a:latin typeface="Courier New" panose="02070309020205020404" pitchFamily="49" charset="0"/>
+                <a:cs typeface="Courier New" panose="02070309020205020404" pitchFamily="49" charset="0"/>
+              </a:rPr>
+              <a:t>...\</a:t>
+            </a:r>
+            <a:r>
+              <a:rPr lang="pt-BR" sz="1600" dirty="0" err="1" smtClean="0">
+                <a:latin typeface="Courier New" panose="02070309020205020404" pitchFamily="49" charset="0"/>
+                <a:cs typeface="Courier New" panose="02070309020205020404" pitchFamily="49" charset="0"/>
+              </a:rPr>
+              <a:t>cursoVTKgeo</a:t>
+            </a:r>
+            <a:r>
+              <a:rPr lang="pt-BR" sz="1600" dirty="0" smtClean="0">
+                <a:latin typeface="Courier New" panose="02070309020205020404" pitchFamily="49" charset="0"/>
+                <a:cs typeface="Courier New" panose="02070309020205020404" pitchFamily="49" charset="0"/>
+              </a:rPr>
+              <a:t>\aulas_3dias\</a:t>
+            </a:r>
+            <a:r>
+              <a:rPr lang="pt-BR" sz="1600" dirty="0" err="1" smtClean="0">
+                <a:latin typeface="Courier New" panose="02070309020205020404" pitchFamily="49" charset="0"/>
+                <a:cs typeface="Courier New" panose="02070309020205020404" pitchFamily="49" charset="0"/>
+              </a:rPr>
+              <a:t>NuvemPontos</a:t>
+            </a:r>
+            <a:endParaRPr lang="pt-BR" sz="1600" dirty="0" smtClean="0">
+              <a:latin typeface="Courier New" panose="02070309020205020404" pitchFamily="49" charset="0"/>
+              <a:cs typeface="Courier New" panose="02070309020205020404" pitchFamily="49" charset="0"/>
+            </a:endParaRPr>
+          </a:p>
+        </p:txBody>
+      </p:sp>
+      <p:pic>
+        <p:nvPicPr>
+          <p:cNvPr id="2" name="Imagem 1"/>
+          <p:cNvPicPr>
+            <a:picLocks noChangeAspect="1"/>
+          </p:cNvPicPr>
+          <p:nvPr/>
+        </p:nvPicPr>
+        <p:blipFill>
+          <a:blip r:embed="rId3"/>
+          <a:stretch>
+            <a:fillRect/>
+          </a:stretch>
+        </p:blipFill>
+        <p:spPr>
+          <a:xfrm>
+            <a:off x="2195736" y="1988840"/>
+            <a:ext cx="4104456" cy="4334808"/>
+          </a:xfrm>
+          <a:prstGeom prst="rect">
+            <a:avLst/>
+          </a:prstGeom>
+          <a:ln>
+            <a:noFill/>
+          </a:ln>
+          <a:effectLst>
+            <a:outerShdw blurRad="292100" dist="139700" dir="2700000" algn="tl" rotWithShape="0">
+              <a:srgbClr val="333333">
+                <a:alpha val="65000"/>
+              </a:srgbClr>
+            </a:outerShdw>
+          </a:effectLst>
+        </p:spPr>
+      </p:pic>
     </p:spTree>
     <p:extLst>
       <p:ext uri="{BB962C8B-B14F-4D97-AF65-F5344CB8AC3E}">
@@ -13639,6 +13838,75 @@
               <a:t>4.2) Nuvens de pontos</a:t>
             </a:r>
             <a:endParaRPr lang="pt-BR" b="1" dirty="0"/>
+          </a:p>
+        </p:txBody>
+      </p:sp>
+      <p:sp>
+        <p:nvSpPr>
+          <p:cNvPr id="6" name="CaixaDeTexto 5"/>
+          <p:cNvSpPr txBox="1"/>
+          <p:nvPr/>
+        </p:nvSpPr>
+        <p:spPr>
+          <a:xfrm>
+            <a:off x="1501325" y="1578278"/>
+            <a:ext cx="6314036" cy="338554"/>
+          </a:xfrm>
+          <a:prstGeom prst="rect">
+            <a:avLst/>
+          </a:prstGeom>
+          <a:noFill/>
+        </p:spPr>
+        <p:txBody>
+          <a:bodyPr wrap="none" rtlCol="0">
+            <a:spAutoFit/>
+          </a:bodyPr>
+          <a:lstStyle/>
+          <a:p>
+            <a:pPr marL="285750" indent="-285750">
+              <a:buFont typeface="Wingdings" panose="05000000000000000000" pitchFamily="2" charset="2"/>
+              <a:buChar char="Ø"/>
+            </a:pPr>
+            <a:r>
+              <a:rPr lang="pt-BR" sz="1600" dirty="0" smtClean="0"/>
+              <a:t>F</a:t>
+            </a:r>
+            <a:r>
+              <a:rPr lang="pt-BR" sz="1600" dirty="0" smtClean="0"/>
+              <a:t>ontes: </a:t>
+            </a:r>
+            <a:r>
+              <a:rPr lang="pt-BR" sz="1600" dirty="0" smtClean="0">
+                <a:latin typeface="Courier New" panose="02070309020205020404" pitchFamily="49" charset="0"/>
+                <a:cs typeface="Courier New" panose="02070309020205020404" pitchFamily="49" charset="0"/>
+              </a:rPr>
+              <a:t>...\</a:t>
+            </a:r>
+            <a:r>
+              <a:rPr lang="pt-BR" sz="1600" dirty="0" err="1" smtClean="0">
+                <a:latin typeface="Courier New" panose="02070309020205020404" pitchFamily="49" charset="0"/>
+                <a:cs typeface="Courier New" panose="02070309020205020404" pitchFamily="49" charset="0"/>
+              </a:rPr>
+              <a:t>cursoVTKgeo</a:t>
+            </a:r>
+            <a:r>
+              <a:rPr lang="pt-BR" sz="1600" dirty="0" smtClean="0">
+                <a:latin typeface="Courier New" panose="02070309020205020404" pitchFamily="49" charset="0"/>
+                <a:cs typeface="Courier New" panose="02070309020205020404" pitchFamily="49" charset="0"/>
+              </a:rPr>
+              <a:t>\aulas_3dias\</a:t>
+            </a:r>
+            <a:r>
+              <a:rPr lang="pt-BR" sz="1600" dirty="0" err="1" smtClean="0">
+                <a:latin typeface="Courier New" panose="02070309020205020404" pitchFamily="49" charset="0"/>
+                <a:cs typeface="Courier New" panose="02070309020205020404" pitchFamily="49" charset="0"/>
+              </a:rPr>
+              <a:t>NuvemPontosVal</a:t>
+            </a:r>
+            <a:endParaRPr lang="pt-BR" sz="1600" dirty="0" smtClean="0">
+              <a:latin typeface="Courier New" panose="02070309020205020404" pitchFamily="49" charset="0"/>
+              <a:cs typeface="Courier New" panose="02070309020205020404" pitchFamily="49" charset="0"/>
+            </a:endParaRPr>
           </a:p>
         </p:txBody>
       </p:sp>

--- a/aulas_3dias/slides_3dias.pptx
+++ b/aulas_3dias/slides_3dias.pptx
@@ -5,7 +5,7 @@
     <p:sldMasterId id="2147483648" r:id="rId1"/>
   </p:sldMasterIdLst>
   <p:notesMasterIdLst>
-    <p:notesMasterId r:id="rId40"/>
+    <p:notesMasterId r:id="rId45"/>
   </p:notesMasterIdLst>
   <p:sldIdLst>
     <p:sldId id="258" r:id="rId2"/>
@@ -13,39 +13,44 @@
     <p:sldId id="260" r:id="rId4"/>
     <p:sldId id="261" r:id="rId5"/>
     <p:sldId id="262" r:id="rId6"/>
-    <p:sldId id="284" r:id="rId7"/>
-    <p:sldId id="263" r:id="rId8"/>
-    <p:sldId id="264" r:id="rId9"/>
-    <p:sldId id="265" r:id="rId10"/>
-    <p:sldId id="266" r:id="rId11"/>
-    <p:sldId id="267" r:id="rId12"/>
-    <p:sldId id="268" r:id="rId13"/>
-    <p:sldId id="289" r:id="rId14"/>
-    <p:sldId id="294" r:id="rId15"/>
-    <p:sldId id="285" r:id="rId16"/>
-    <p:sldId id="286" r:id="rId17"/>
-    <p:sldId id="287" r:id="rId18"/>
-    <p:sldId id="288" r:id="rId19"/>
-    <p:sldId id="290" r:id="rId20"/>
-    <p:sldId id="291" r:id="rId21"/>
-    <p:sldId id="295" r:id="rId22"/>
-    <p:sldId id="292" r:id="rId23"/>
-    <p:sldId id="293" r:id="rId24"/>
-    <p:sldId id="296" r:id="rId25"/>
-    <p:sldId id="270" r:id="rId26"/>
-    <p:sldId id="271" r:id="rId27"/>
-    <p:sldId id="272" r:id="rId28"/>
-    <p:sldId id="273" r:id="rId29"/>
-    <p:sldId id="274" r:id="rId30"/>
-    <p:sldId id="275" r:id="rId31"/>
-    <p:sldId id="276" r:id="rId32"/>
-    <p:sldId id="277" r:id="rId33"/>
-    <p:sldId id="278" r:id="rId34"/>
-    <p:sldId id="279" r:id="rId35"/>
-    <p:sldId id="280" r:id="rId36"/>
-    <p:sldId id="281" r:id="rId37"/>
-    <p:sldId id="282" r:id="rId38"/>
-    <p:sldId id="283" r:id="rId39"/>
+    <p:sldId id="297" r:id="rId7"/>
+    <p:sldId id="298" r:id="rId8"/>
+    <p:sldId id="299" r:id="rId9"/>
+    <p:sldId id="263" r:id="rId10"/>
+    <p:sldId id="300" r:id="rId11"/>
+    <p:sldId id="264" r:id="rId12"/>
+    <p:sldId id="301" r:id="rId13"/>
+    <p:sldId id="302" r:id="rId14"/>
+    <p:sldId id="265" r:id="rId15"/>
+    <p:sldId id="266" r:id="rId16"/>
+    <p:sldId id="267" r:id="rId17"/>
+    <p:sldId id="268" r:id="rId18"/>
+    <p:sldId id="289" r:id="rId19"/>
+    <p:sldId id="294" r:id="rId20"/>
+    <p:sldId id="285" r:id="rId21"/>
+    <p:sldId id="286" r:id="rId22"/>
+    <p:sldId id="287" r:id="rId23"/>
+    <p:sldId id="288" r:id="rId24"/>
+    <p:sldId id="290" r:id="rId25"/>
+    <p:sldId id="291" r:id="rId26"/>
+    <p:sldId id="295" r:id="rId27"/>
+    <p:sldId id="292" r:id="rId28"/>
+    <p:sldId id="293" r:id="rId29"/>
+    <p:sldId id="296" r:id="rId30"/>
+    <p:sldId id="270" r:id="rId31"/>
+    <p:sldId id="271" r:id="rId32"/>
+    <p:sldId id="272" r:id="rId33"/>
+    <p:sldId id="273" r:id="rId34"/>
+    <p:sldId id="274" r:id="rId35"/>
+    <p:sldId id="275" r:id="rId36"/>
+    <p:sldId id="276" r:id="rId37"/>
+    <p:sldId id="277" r:id="rId38"/>
+    <p:sldId id="278" r:id="rId39"/>
+    <p:sldId id="279" r:id="rId40"/>
+    <p:sldId id="280" r:id="rId41"/>
+    <p:sldId id="281" r:id="rId42"/>
+    <p:sldId id="282" r:id="rId43"/>
+    <p:sldId id="283" r:id="rId44"/>
   </p:sldIdLst>
   <p:sldSz cx="9144000" cy="6858000" type="screen4x3"/>
   <p:notesSz cx="6858000" cy="9144000"/>
@@ -578,7 +583,7 @@
           <a:p>
             <a:fld id="{1A618A8B-0752-40D5-9454-79BB13FA29FA}" type="slidenum">
               <a:rPr lang="pt-BR" smtClean="0"/>
-              <a:t>10</a:t>
+              <a:t>15</a:t>
             </a:fld>
             <a:endParaRPr lang="pt-BR"/>
           </a:p>
@@ -662,7 +667,7 @@
           <a:p>
             <a:fld id="{1A618A8B-0752-40D5-9454-79BB13FA29FA}" type="slidenum">
               <a:rPr lang="pt-BR" smtClean="0"/>
-              <a:t>19</a:t>
+              <a:t>24</a:t>
             </a:fld>
             <a:endParaRPr lang="pt-BR"/>
           </a:p>
@@ -746,7 +751,7 @@
           <a:p>
             <a:fld id="{1A618A8B-0752-40D5-9454-79BB13FA29FA}" type="slidenum">
               <a:rPr lang="pt-BR" smtClean="0"/>
-              <a:t>20</a:t>
+              <a:t>25</a:t>
             </a:fld>
             <a:endParaRPr lang="pt-BR"/>
           </a:p>
@@ -830,7 +835,7 @@
           <a:p>
             <a:fld id="{1A618A8B-0752-40D5-9454-79BB13FA29FA}" type="slidenum">
               <a:rPr lang="pt-BR" smtClean="0"/>
-              <a:t>21</a:t>
+              <a:t>26</a:t>
             </a:fld>
             <a:endParaRPr lang="pt-BR"/>
           </a:p>
@@ -914,7 +919,7 @@
           <a:p>
             <a:fld id="{1A618A8B-0752-40D5-9454-79BB13FA29FA}" type="slidenum">
               <a:rPr lang="pt-BR" smtClean="0"/>
-              <a:t>22</a:t>
+              <a:t>27</a:t>
             </a:fld>
             <a:endParaRPr lang="pt-BR"/>
           </a:p>
@@ -998,7 +1003,7 @@
           <a:p>
             <a:fld id="{1A618A8B-0752-40D5-9454-79BB13FA29FA}" type="slidenum">
               <a:rPr lang="pt-BR" smtClean="0"/>
-              <a:t>23</a:t>
+              <a:t>28</a:t>
             </a:fld>
             <a:endParaRPr lang="pt-BR"/>
           </a:p>
@@ -1082,7 +1087,7 @@
           <a:p>
             <a:fld id="{1A618A8B-0752-40D5-9454-79BB13FA29FA}" type="slidenum">
               <a:rPr lang="pt-BR" smtClean="0"/>
-              <a:t>24</a:t>
+              <a:t>29</a:t>
             </a:fld>
             <a:endParaRPr lang="pt-BR"/>
           </a:p>
@@ -1166,7 +1171,7 @@
           <a:p>
             <a:fld id="{1A618A8B-0752-40D5-9454-79BB13FA29FA}" type="slidenum">
               <a:rPr lang="pt-BR" smtClean="0"/>
-              <a:t>25</a:t>
+              <a:t>30</a:t>
             </a:fld>
             <a:endParaRPr lang="pt-BR"/>
           </a:p>
@@ -1250,7 +1255,7 @@
           <a:p>
             <a:fld id="{1A618A8B-0752-40D5-9454-79BB13FA29FA}" type="slidenum">
               <a:rPr lang="pt-BR" smtClean="0"/>
-              <a:t>26</a:t>
+              <a:t>31</a:t>
             </a:fld>
             <a:endParaRPr lang="pt-BR"/>
           </a:p>
@@ -1334,7 +1339,7 @@
           <a:p>
             <a:fld id="{1A618A8B-0752-40D5-9454-79BB13FA29FA}" type="slidenum">
               <a:rPr lang="pt-BR" smtClean="0"/>
-              <a:t>27</a:t>
+              <a:t>32</a:t>
             </a:fld>
             <a:endParaRPr lang="pt-BR"/>
           </a:p>
@@ -1418,7 +1423,7 @@
           <a:p>
             <a:fld id="{1A618A8B-0752-40D5-9454-79BB13FA29FA}" type="slidenum">
               <a:rPr lang="pt-BR" smtClean="0"/>
-              <a:t>28</a:t>
+              <a:t>33</a:t>
             </a:fld>
             <a:endParaRPr lang="pt-BR"/>
           </a:p>
@@ -1502,7 +1507,7 @@
           <a:p>
             <a:fld id="{1A618A8B-0752-40D5-9454-79BB13FA29FA}" type="slidenum">
               <a:rPr lang="pt-BR" smtClean="0"/>
-              <a:t>11</a:t>
+              <a:t>16</a:t>
             </a:fld>
             <a:endParaRPr lang="pt-BR"/>
           </a:p>
@@ -1586,7 +1591,7 @@
           <a:p>
             <a:fld id="{1A618A8B-0752-40D5-9454-79BB13FA29FA}" type="slidenum">
               <a:rPr lang="pt-BR" smtClean="0"/>
-              <a:t>29</a:t>
+              <a:t>34</a:t>
             </a:fld>
             <a:endParaRPr lang="pt-BR"/>
           </a:p>
@@ -1670,7 +1675,7 @@
           <a:p>
             <a:fld id="{1A618A8B-0752-40D5-9454-79BB13FA29FA}" type="slidenum">
               <a:rPr lang="pt-BR" smtClean="0"/>
-              <a:t>30</a:t>
+              <a:t>35</a:t>
             </a:fld>
             <a:endParaRPr lang="pt-BR"/>
           </a:p>
@@ -1754,7 +1759,7 @@
           <a:p>
             <a:fld id="{1A618A8B-0752-40D5-9454-79BB13FA29FA}" type="slidenum">
               <a:rPr lang="pt-BR" smtClean="0"/>
-              <a:t>31</a:t>
+              <a:t>36</a:t>
             </a:fld>
             <a:endParaRPr lang="pt-BR"/>
           </a:p>
@@ -1838,7 +1843,7 @@
           <a:p>
             <a:fld id="{1A618A8B-0752-40D5-9454-79BB13FA29FA}" type="slidenum">
               <a:rPr lang="pt-BR" smtClean="0"/>
-              <a:t>32</a:t>
+              <a:t>37</a:t>
             </a:fld>
             <a:endParaRPr lang="pt-BR"/>
           </a:p>
@@ -1922,7 +1927,7 @@
           <a:p>
             <a:fld id="{1A618A8B-0752-40D5-9454-79BB13FA29FA}" type="slidenum">
               <a:rPr lang="pt-BR" smtClean="0"/>
-              <a:t>33</a:t>
+              <a:t>38</a:t>
             </a:fld>
             <a:endParaRPr lang="pt-BR"/>
           </a:p>
@@ -2006,7 +2011,7 @@
           <a:p>
             <a:fld id="{1A618A8B-0752-40D5-9454-79BB13FA29FA}" type="slidenum">
               <a:rPr lang="pt-BR" smtClean="0"/>
-              <a:t>34</a:t>
+              <a:t>39</a:t>
             </a:fld>
             <a:endParaRPr lang="pt-BR"/>
           </a:p>
@@ -2090,7 +2095,7 @@
           <a:p>
             <a:fld id="{1A618A8B-0752-40D5-9454-79BB13FA29FA}" type="slidenum">
               <a:rPr lang="pt-BR" smtClean="0"/>
-              <a:t>35</a:t>
+              <a:t>40</a:t>
             </a:fld>
             <a:endParaRPr lang="pt-BR"/>
           </a:p>
@@ -2174,7 +2179,7 @@
           <a:p>
             <a:fld id="{1A618A8B-0752-40D5-9454-79BB13FA29FA}" type="slidenum">
               <a:rPr lang="pt-BR" smtClean="0"/>
-              <a:t>36</a:t>
+              <a:t>41</a:t>
             </a:fld>
             <a:endParaRPr lang="pt-BR"/>
           </a:p>
@@ -2258,7 +2263,7 @@
           <a:p>
             <a:fld id="{1A618A8B-0752-40D5-9454-79BB13FA29FA}" type="slidenum">
               <a:rPr lang="pt-BR" smtClean="0"/>
-              <a:t>37</a:t>
+              <a:t>42</a:t>
             </a:fld>
             <a:endParaRPr lang="pt-BR"/>
           </a:p>
@@ -2342,7 +2347,7 @@
           <a:p>
             <a:fld id="{1A618A8B-0752-40D5-9454-79BB13FA29FA}" type="slidenum">
               <a:rPr lang="pt-BR" smtClean="0"/>
-              <a:t>38</a:t>
+              <a:t>43</a:t>
             </a:fld>
             <a:endParaRPr lang="pt-BR"/>
           </a:p>
@@ -2426,7 +2431,7 @@
           <a:p>
             <a:fld id="{1A618A8B-0752-40D5-9454-79BB13FA29FA}" type="slidenum">
               <a:rPr lang="pt-BR" smtClean="0"/>
-              <a:t>12</a:t>
+              <a:t>17</a:t>
             </a:fld>
             <a:endParaRPr lang="pt-BR"/>
           </a:p>
@@ -2510,7 +2515,7 @@
           <a:p>
             <a:fld id="{1A618A8B-0752-40D5-9454-79BB13FA29FA}" type="slidenum">
               <a:rPr lang="pt-BR" smtClean="0"/>
-              <a:t>13</a:t>
+              <a:t>18</a:t>
             </a:fld>
             <a:endParaRPr lang="pt-BR"/>
           </a:p>
@@ -2594,7 +2599,7 @@
           <a:p>
             <a:fld id="{1A618A8B-0752-40D5-9454-79BB13FA29FA}" type="slidenum">
               <a:rPr lang="pt-BR" smtClean="0"/>
-              <a:t>14</a:t>
+              <a:t>19</a:t>
             </a:fld>
             <a:endParaRPr lang="pt-BR"/>
           </a:p>
@@ -2678,7 +2683,7 @@
           <a:p>
             <a:fld id="{1A618A8B-0752-40D5-9454-79BB13FA29FA}" type="slidenum">
               <a:rPr lang="pt-BR" smtClean="0"/>
-              <a:t>15</a:t>
+              <a:t>20</a:t>
             </a:fld>
             <a:endParaRPr lang="pt-BR"/>
           </a:p>
@@ -2762,7 +2767,7 @@
           <a:p>
             <a:fld id="{1A618A8B-0752-40D5-9454-79BB13FA29FA}" type="slidenum">
               <a:rPr lang="pt-BR" smtClean="0"/>
-              <a:t>16</a:t>
+              <a:t>21</a:t>
             </a:fld>
             <a:endParaRPr lang="pt-BR"/>
           </a:p>
@@ -2846,7 +2851,7 @@
           <a:p>
             <a:fld id="{1A618A8B-0752-40D5-9454-79BB13FA29FA}" type="slidenum">
               <a:rPr lang="pt-BR" smtClean="0"/>
-              <a:t>17</a:t>
+              <a:t>22</a:t>
             </a:fld>
             <a:endParaRPr lang="pt-BR"/>
           </a:p>
@@ -2930,7 +2935,7 @@
           <a:p>
             <a:fld id="{1A618A8B-0752-40D5-9454-79BB13FA29FA}" type="slidenum">
               <a:rPr lang="pt-BR" smtClean="0"/>
-              <a:t>18</a:t>
+              <a:t>23</a:t>
             </a:fld>
             <a:endParaRPr lang="pt-BR"/>
           </a:p>
@@ -6419,6 +6424,1045 @@
           <a:p>
             <a:r>
               <a:rPr lang="pt-BR" sz="2400" dirty="0" smtClean="0"/>
+              <a:t>Compilação do VTK</a:t>
+            </a:r>
+            <a:endParaRPr lang="pt-BR" sz="1400" dirty="0"/>
+          </a:p>
+        </p:txBody>
+      </p:sp>
+      <p:sp>
+        <p:nvSpPr>
+          <p:cNvPr id="13" name="CaixaDeTexto 12"/>
+          <p:cNvSpPr txBox="1"/>
+          <p:nvPr/>
+        </p:nvSpPr>
+        <p:spPr>
+          <a:xfrm>
+            <a:off x="3203848" y="908720"/>
+            <a:ext cx="3026149" cy="369332"/>
+          </a:xfrm>
+          <a:prstGeom prst="rect">
+            <a:avLst/>
+          </a:prstGeom>
+          <a:noFill/>
+        </p:spPr>
+        <p:txBody>
+          <a:bodyPr wrap="none" rtlCol="0">
+            <a:spAutoFit/>
+          </a:bodyPr>
+          <a:lstStyle/>
+          <a:p>
+            <a:r>
+              <a:rPr lang="pt-BR" b="1" dirty="0" smtClean="0"/>
+              <a:t>3.1) Configuração com </a:t>
+            </a:r>
+            <a:r>
+              <a:rPr lang="pt-BR" b="1" dirty="0" err="1" smtClean="0"/>
+              <a:t>CMake</a:t>
+            </a:r>
+            <a:endParaRPr lang="pt-BR" b="1" dirty="0"/>
+          </a:p>
+        </p:txBody>
+      </p:sp>
+      <p:sp>
+        <p:nvSpPr>
+          <p:cNvPr id="9" name="CaixaDeTexto 8"/>
+          <p:cNvSpPr txBox="1"/>
+          <p:nvPr/>
+        </p:nvSpPr>
+        <p:spPr>
+          <a:xfrm>
+            <a:off x="611560" y="1268760"/>
+            <a:ext cx="7848872" cy="369332"/>
+          </a:xfrm>
+          <a:prstGeom prst="rect">
+            <a:avLst/>
+          </a:prstGeom>
+          <a:noFill/>
+        </p:spPr>
+        <p:txBody>
+          <a:bodyPr wrap="square" rtlCol="0">
+            <a:spAutoFit/>
+          </a:bodyPr>
+          <a:lstStyle/>
+          <a:p>
+            <a:pPr marL="285750" indent="-285750" algn="just">
+              <a:buFont typeface="Wingdings" panose="05000000000000000000" pitchFamily="2" charset="2"/>
+              <a:buChar char="Ø"/>
+            </a:pPr>
+            <a:r>
+              <a:rPr lang="pt-BR" dirty="0" smtClean="0"/>
+              <a:t>Gerar </a:t>
+            </a:r>
+            <a:r>
+              <a:rPr lang="pt-BR" dirty="0" err="1" smtClean="0"/>
+              <a:t>Makefile</a:t>
+            </a:r>
+            <a:r>
+              <a:rPr lang="pt-BR" dirty="0" smtClean="0"/>
+              <a:t> ou </a:t>
+            </a:r>
+            <a:r>
+              <a:rPr lang="pt-BR" dirty="0" err="1" smtClean="0"/>
+              <a:t>Solution</a:t>
+            </a:r>
+            <a:r>
+              <a:rPr lang="pt-BR" dirty="0" smtClean="0"/>
+              <a:t> do VS.</a:t>
+            </a:r>
+            <a:endParaRPr lang="pt-BR" dirty="0" smtClean="0"/>
+          </a:p>
+        </p:txBody>
+      </p:sp>
+      <p:pic>
+        <p:nvPicPr>
+          <p:cNvPr id="5" name="Imagem 4"/>
+          <p:cNvPicPr>
+            <a:picLocks noChangeAspect="1"/>
+          </p:cNvPicPr>
+          <p:nvPr/>
+        </p:nvPicPr>
+        <p:blipFill>
+          <a:blip r:embed="rId2"/>
+          <a:stretch>
+            <a:fillRect/>
+          </a:stretch>
+        </p:blipFill>
+        <p:spPr>
+          <a:xfrm>
+            <a:off x="1979712" y="1882459"/>
+            <a:ext cx="5197003" cy="4192604"/>
+          </a:xfrm>
+          <a:prstGeom prst="rect">
+            <a:avLst/>
+          </a:prstGeom>
+          <a:ln>
+            <a:noFill/>
+          </a:ln>
+          <a:effectLst>
+            <a:outerShdw blurRad="292100" dist="139700" dir="2700000" algn="tl" rotWithShape="0">
+              <a:srgbClr val="333333">
+                <a:alpha val="65000"/>
+              </a:srgbClr>
+            </a:outerShdw>
+          </a:effectLst>
+        </p:spPr>
+      </p:pic>
+      <p:pic>
+        <p:nvPicPr>
+          <p:cNvPr id="14" name="Imagem 13"/>
+          <p:cNvPicPr>
+            <a:picLocks noChangeAspect="1"/>
+          </p:cNvPicPr>
+          <p:nvPr/>
+        </p:nvPicPr>
+        <p:blipFill>
+          <a:blip r:embed="rId3">
+            <a:clrChange>
+              <a:clrFrom>
+                <a:srgbClr val="FFFFFF"/>
+              </a:clrFrom>
+              <a:clrTo>
+                <a:srgbClr val="FFFFFF">
+                  <a:alpha val="0"/>
+                </a:srgbClr>
+              </a:clrTo>
+            </a:clrChange>
+          </a:blip>
+          <a:stretch>
+            <a:fillRect/>
+          </a:stretch>
+        </p:blipFill>
+        <p:spPr>
+          <a:xfrm rot="2729455" flipH="1">
+            <a:off x="3002115" y="4891683"/>
+            <a:ext cx="547482" cy="421305"/>
+          </a:xfrm>
+          <a:prstGeom prst="rect">
+            <a:avLst/>
+          </a:prstGeom>
+        </p:spPr>
+      </p:pic>
+    </p:spTree>
+    <p:extLst>
+      <p:ext uri="{BB962C8B-B14F-4D97-AF65-F5344CB8AC3E}">
+        <p14:creationId xmlns:p14="http://schemas.microsoft.com/office/powerpoint/2010/main" val="2869837296"/>
+      </p:ext>
+    </p:extLst>
+  </p:cSld>
+  <p:clrMapOvr>
+    <a:masterClrMapping/>
+  </p:clrMapOvr>
+  <p:timing>
+    <p:tnLst>
+      <p:par>
+        <p:cTn id="1" dur="indefinite" restart="never" nodeType="tmRoot"/>
+      </p:par>
+    </p:tnLst>
+  </p:timing>
+</p:sld>
+</file>
+
+<file path=ppt/slides/slide11.xml><?xml version="1.0" encoding="utf-8"?>
+<p:sld xmlns:a="http://schemas.openxmlformats.org/drawingml/2006/main" xmlns:r="http://schemas.openxmlformats.org/officeDocument/2006/relationships" xmlns:p="http://schemas.openxmlformats.org/presentationml/2006/main">
+  <p:cSld>
+    <p:spTree>
+      <p:nvGrpSpPr>
+        <p:cNvPr id="1" name=""/>
+        <p:cNvGrpSpPr/>
+        <p:nvPr/>
+      </p:nvGrpSpPr>
+      <p:grpSpPr>
+        <a:xfrm>
+          <a:off x="0" y="0"/>
+          <a:ext cx="0" cy="0"/>
+          <a:chOff x="0" y="0"/>
+          <a:chExt cx="0" cy="0"/>
+        </a:xfrm>
+      </p:grpSpPr>
+      <p:sp>
+        <p:nvSpPr>
+          <p:cNvPr id="4" name="Título 3"/>
+          <p:cNvSpPr>
+            <a:spLocks noGrp="1"/>
+          </p:cNvSpPr>
+          <p:nvPr>
+            <p:ph type="ctrTitle"/>
+          </p:nvPr>
+        </p:nvSpPr>
+        <p:spPr>
+          <a:xfrm>
+            <a:off x="3275856" y="138754"/>
+            <a:ext cx="4680520" cy="504056"/>
+          </a:xfrm>
+        </p:spPr>
+        <p:txBody>
+          <a:bodyPr>
+            <a:normAutofit/>
+          </a:bodyPr>
+          <a:lstStyle/>
+          <a:p>
+            <a:r>
+              <a:rPr lang="pt-BR" sz="2400" dirty="0" smtClean="0"/>
+              <a:t>Compilação do VTK</a:t>
+            </a:r>
+            <a:endParaRPr lang="pt-BR" sz="1400" dirty="0"/>
+          </a:p>
+        </p:txBody>
+      </p:sp>
+      <p:sp>
+        <p:nvSpPr>
+          <p:cNvPr id="13" name="CaixaDeTexto 12"/>
+          <p:cNvSpPr txBox="1"/>
+          <p:nvPr/>
+        </p:nvSpPr>
+        <p:spPr>
+          <a:xfrm>
+            <a:off x="3365214" y="908720"/>
+            <a:ext cx="2850909" cy="369332"/>
+          </a:xfrm>
+          <a:prstGeom prst="rect">
+            <a:avLst/>
+          </a:prstGeom>
+          <a:noFill/>
+        </p:spPr>
+        <p:txBody>
+          <a:bodyPr wrap="none" rtlCol="0">
+            <a:spAutoFit/>
+          </a:bodyPr>
+          <a:lstStyle/>
+          <a:p>
+            <a:r>
+              <a:rPr lang="pt-BR" b="1" dirty="0" smtClean="0"/>
+              <a:t>3.2) Build com Visual Studio</a:t>
+            </a:r>
+            <a:endParaRPr lang="pt-BR" b="1" dirty="0"/>
+          </a:p>
+        </p:txBody>
+      </p:sp>
+      <p:pic>
+        <p:nvPicPr>
+          <p:cNvPr id="2" name="Imagem 1"/>
+          <p:cNvPicPr>
+            <a:picLocks noChangeAspect="1"/>
+          </p:cNvPicPr>
+          <p:nvPr/>
+        </p:nvPicPr>
+        <p:blipFill>
+          <a:blip r:embed="rId2"/>
+          <a:stretch>
+            <a:fillRect/>
+          </a:stretch>
+        </p:blipFill>
+        <p:spPr>
+          <a:xfrm>
+            <a:off x="1475656" y="1772816"/>
+            <a:ext cx="5557043" cy="4483061"/>
+          </a:xfrm>
+          <a:prstGeom prst="rect">
+            <a:avLst/>
+          </a:prstGeom>
+          <a:ln>
+            <a:noFill/>
+          </a:ln>
+          <a:effectLst>
+            <a:outerShdw blurRad="292100" dist="139700" dir="2700000" algn="tl" rotWithShape="0">
+              <a:srgbClr val="333333">
+                <a:alpha val="65000"/>
+              </a:srgbClr>
+            </a:outerShdw>
+          </a:effectLst>
+        </p:spPr>
+      </p:pic>
+      <p:pic>
+        <p:nvPicPr>
+          <p:cNvPr id="5" name="Imagem 4"/>
+          <p:cNvPicPr>
+            <a:picLocks noChangeAspect="1"/>
+          </p:cNvPicPr>
+          <p:nvPr/>
+        </p:nvPicPr>
+        <p:blipFill>
+          <a:blip r:embed="rId3">
+            <a:clrChange>
+              <a:clrFrom>
+                <a:srgbClr val="FFFFFF"/>
+              </a:clrFrom>
+              <a:clrTo>
+                <a:srgbClr val="FFFFFF">
+                  <a:alpha val="0"/>
+                </a:srgbClr>
+              </a:clrTo>
+            </a:clrChange>
+          </a:blip>
+          <a:stretch>
+            <a:fillRect/>
+          </a:stretch>
+        </p:blipFill>
+        <p:spPr>
+          <a:xfrm rot="2729455" flipH="1">
+            <a:off x="3200223" y="4963691"/>
+            <a:ext cx="547482" cy="421305"/>
+          </a:xfrm>
+          <a:prstGeom prst="rect">
+            <a:avLst/>
+          </a:prstGeom>
+        </p:spPr>
+      </p:pic>
+      <p:sp>
+        <p:nvSpPr>
+          <p:cNvPr id="6" name="CaixaDeTexto 5"/>
+          <p:cNvSpPr txBox="1"/>
+          <p:nvPr/>
+        </p:nvSpPr>
+        <p:spPr>
+          <a:xfrm>
+            <a:off x="611560" y="1268760"/>
+            <a:ext cx="7848872" cy="369332"/>
+          </a:xfrm>
+          <a:prstGeom prst="rect">
+            <a:avLst/>
+          </a:prstGeom>
+          <a:noFill/>
+        </p:spPr>
+        <p:txBody>
+          <a:bodyPr wrap="square" rtlCol="0">
+            <a:spAutoFit/>
+          </a:bodyPr>
+          <a:lstStyle/>
+          <a:p>
+            <a:pPr marL="285750" indent="-285750" algn="just">
+              <a:buFont typeface="Wingdings" panose="05000000000000000000" pitchFamily="2" charset="2"/>
+              <a:buChar char="Ø"/>
+            </a:pPr>
+            <a:r>
+              <a:rPr lang="pt-BR" dirty="0" smtClean="0"/>
+              <a:t>Abrir a </a:t>
+            </a:r>
+            <a:r>
+              <a:rPr lang="pt-BR" dirty="0" err="1" smtClean="0"/>
+              <a:t>Solution</a:t>
+            </a:r>
+            <a:r>
+              <a:rPr lang="pt-BR" dirty="0" smtClean="0"/>
+              <a:t> no VS.  Demora alguns minutos para o VS processar os fontes.</a:t>
+            </a:r>
+            <a:endParaRPr lang="pt-BR" dirty="0" smtClean="0"/>
+          </a:p>
+        </p:txBody>
+      </p:sp>
+    </p:spTree>
+    <p:extLst>
+      <p:ext uri="{BB962C8B-B14F-4D97-AF65-F5344CB8AC3E}">
+        <p14:creationId xmlns:p14="http://schemas.microsoft.com/office/powerpoint/2010/main" val="3891357202"/>
+      </p:ext>
+    </p:extLst>
+  </p:cSld>
+  <p:clrMapOvr>
+    <a:masterClrMapping/>
+  </p:clrMapOvr>
+  <p:timing>
+    <p:tnLst>
+      <p:par>
+        <p:cTn id="1" dur="indefinite" restart="never" nodeType="tmRoot"/>
+      </p:par>
+    </p:tnLst>
+  </p:timing>
+</p:sld>
+</file>
+
+<file path=ppt/slides/slide12.xml><?xml version="1.0" encoding="utf-8"?>
+<p:sld xmlns:a="http://schemas.openxmlformats.org/drawingml/2006/main" xmlns:r="http://schemas.openxmlformats.org/officeDocument/2006/relationships" xmlns:p="http://schemas.openxmlformats.org/presentationml/2006/main">
+  <p:cSld>
+    <p:spTree>
+      <p:nvGrpSpPr>
+        <p:cNvPr id="1" name=""/>
+        <p:cNvGrpSpPr/>
+        <p:nvPr/>
+      </p:nvGrpSpPr>
+      <p:grpSpPr>
+        <a:xfrm>
+          <a:off x="0" y="0"/>
+          <a:ext cx="0" cy="0"/>
+          <a:chOff x="0" y="0"/>
+          <a:chExt cx="0" cy="0"/>
+        </a:xfrm>
+      </p:grpSpPr>
+      <p:pic>
+        <p:nvPicPr>
+          <p:cNvPr id="3" name="Imagem 2"/>
+          <p:cNvPicPr>
+            <a:picLocks noChangeAspect="1"/>
+          </p:cNvPicPr>
+          <p:nvPr/>
+        </p:nvPicPr>
+        <p:blipFill>
+          <a:blip r:embed="rId2"/>
+          <a:stretch>
+            <a:fillRect/>
+          </a:stretch>
+        </p:blipFill>
+        <p:spPr>
+          <a:xfrm>
+            <a:off x="1528762" y="3051770"/>
+            <a:ext cx="6086475" cy="3257550"/>
+          </a:xfrm>
+          <a:prstGeom prst="rect">
+            <a:avLst/>
+          </a:prstGeom>
+          <a:ln>
+            <a:noFill/>
+          </a:ln>
+          <a:effectLst>
+            <a:softEdge rad="112500"/>
+          </a:effectLst>
+        </p:spPr>
+      </p:pic>
+      <p:sp>
+        <p:nvSpPr>
+          <p:cNvPr id="4" name="Título 3"/>
+          <p:cNvSpPr>
+            <a:spLocks noGrp="1"/>
+          </p:cNvSpPr>
+          <p:nvPr>
+            <p:ph type="ctrTitle"/>
+          </p:nvPr>
+        </p:nvSpPr>
+        <p:spPr>
+          <a:xfrm>
+            <a:off x="3275856" y="138754"/>
+            <a:ext cx="4680520" cy="504056"/>
+          </a:xfrm>
+        </p:spPr>
+        <p:txBody>
+          <a:bodyPr>
+            <a:normAutofit/>
+          </a:bodyPr>
+          <a:lstStyle/>
+          <a:p>
+            <a:r>
+              <a:rPr lang="pt-BR" sz="2400" dirty="0" smtClean="0"/>
+              <a:t>Compilação do VTK</a:t>
+            </a:r>
+            <a:endParaRPr lang="pt-BR" sz="1400" dirty="0"/>
+          </a:p>
+        </p:txBody>
+      </p:sp>
+      <p:sp>
+        <p:nvSpPr>
+          <p:cNvPr id="13" name="CaixaDeTexto 12"/>
+          <p:cNvSpPr txBox="1"/>
+          <p:nvPr/>
+        </p:nvSpPr>
+        <p:spPr>
+          <a:xfrm>
+            <a:off x="3365214" y="908720"/>
+            <a:ext cx="2850909" cy="369332"/>
+          </a:xfrm>
+          <a:prstGeom prst="rect">
+            <a:avLst/>
+          </a:prstGeom>
+          <a:noFill/>
+        </p:spPr>
+        <p:txBody>
+          <a:bodyPr wrap="none" rtlCol="0">
+            <a:spAutoFit/>
+          </a:bodyPr>
+          <a:lstStyle/>
+          <a:p>
+            <a:r>
+              <a:rPr lang="pt-BR" b="1" dirty="0" smtClean="0"/>
+              <a:t>3.2) Build com Visual Studio</a:t>
+            </a:r>
+            <a:endParaRPr lang="pt-BR" b="1" dirty="0"/>
+          </a:p>
+        </p:txBody>
+      </p:sp>
+      <p:pic>
+        <p:nvPicPr>
+          <p:cNvPr id="5" name="Imagem 4"/>
+          <p:cNvPicPr>
+            <a:picLocks noChangeAspect="1"/>
+          </p:cNvPicPr>
+          <p:nvPr/>
+        </p:nvPicPr>
+        <p:blipFill>
+          <a:blip r:embed="rId3">
+            <a:clrChange>
+              <a:clrFrom>
+                <a:srgbClr val="FFFFFF"/>
+              </a:clrFrom>
+              <a:clrTo>
+                <a:srgbClr val="FFFFFF">
+                  <a:alpha val="0"/>
+                </a:srgbClr>
+              </a:clrTo>
+            </a:clrChange>
+          </a:blip>
+          <a:stretch>
+            <a:fillRect/>
+          </a:stretch>
+        </p:blipFill>
+        <p:spPr>
+          <a:xfrm rot="2729455" flipH="1">
+            <a:off x="4388183" y="4569348"/>
+            <a:ext cx="547482" cy="421305"/>
+          </a:xfrm>
+          <a:prstGeom prst="rect">
+            <a:avLst/>
+          </a:prstGeom>
+        </p:spPr>
+      </p:pic>
+      <p:sp>
+        <p:nvSpPr>
+          <p:cNvPr id="6" name="CaixaDeTexto 5"/>
+          <p:cNvSpPr txBox="1"/>
+          <p:nvPr/>
+        </p:nvSpPr>
+        <p:spPr>
+          <a:xfrm>
+            <a:off x="611560" y="1268760"/>
+            <a:ext cx="7848872" cy="369332"/>
+          </a:xfrm>
+          <a:prstGeom prst="rect">
+            <a:avLst/>
+          </a:prstGeom>
+          <a:noFill/>
+        </p:spPr>
+        <p:txBody>
+          <a:bodyPr wrap="square" rtlCol="0">
+            <a:spAutoFit/>
+          </a:bodyPr>
+          <a:lstStyle/>
+          <a:p>
+            <a:pPr marL="285750" indent="-285750" algn="just">
+              <a:buFont typeface="Wingdings" panose="05000000000000000000" pitchFamily="2" charset="2"/>
+              <a:buChar char="Ø"/>
+            </a:pPr>
+            <a:r>
+              <a:rPr lang="pt-BR" dirty="0" smtClean="0"/>
+              <a:t>Mandar construir o </a:t>
+            </a:r>
+            <a:r>
+              <a:rPr lang="pt-BR" i="1" dirty="0" err="1" smtClean="0"/>
+              <a:t>target</a:t>
+            </a:r>
+            <a:r>
+              <a:rPr lang="pt-BR" dirty="0" smtClean="0"/>
+              <a:t> ALL_BUILD.</a:t>
+            </a:r>
+            <a:endParaRPr lang="pt-BR" dirty="0" smtClean="0"/>
+          </a:p>
+        </p:txBody>
+      </p:sp>
+      <p:pic>
+        <p:nvPicPr>
+          <p:cNvPr id="8" name="Imagem 7"/>
+          <p:cNvPicPr>
+            <a:picLocks noChangeAspect="1"/>
+          </p:cNvPicPr>
+          <p:nvPr/>
+        </p:nvPicPr>
+        <p:blipFill>
+          <a:blip r:embed="rId4"/>
+          <a:stretch>
+            <a:fillRect/>
+          </a:stretch>
+        </p:blipFill>
+        <p:spPr>
+          <a:xfrm>
+            <a:off x="971600" y="1880118"/>
+            <a:ext cx="5924550" cy="1000125"/>
+          </a:xfrm>
+          <a:prstGeom prst="rect">
+            <a:avLst/>
+          </a:prstGeom>
+          <a:ln>
+            <a:noFill/>
+          </a:ln>
+          <a:effectLst>
+            <a:softEdge rad="112500"/>
+          </a:effectLst>
+        </p:spPr>
+      </p:pic>
+      <p:pic>
+        <p:nvPicPr>
+          <p:cNvPr id="10" name="Imagem 9"/>
+          <p:cNvPicPr>
+            <a:picLocks noChangeAspect="1"/>
+          </p:cNvPicPr>
+          <p:nvPr/>
+        </p:nvPicPr>
+        <p:blipFill>
+          <a:blip r:embed="rId3">
+            <a:clrChange>
+              <a:clrFrom>
+                <a:srgbClr val="FFFFFF"/>
+              </a:clrFrom>
+              <a:clrTo>
+                <a:srgbClr val="FFFFFF">
+                  <a:alpha val="0"/>
+                </a:srgbClr>
+              </a:clrTo>
+            </a:clrChange>
+          </a:blip>
+          <a:stretch>
+            <a:fillRect/>
+          </a:stretch>
+        </p:blipFill>
+        <p:spPr>
+          <a:xfrm rot="2729455" flipH="1">
+            <a:off x="3920132" y="2530510"/>
+            <a:ext cx="547482" cy="421305"/>
+          </a:xfrm>
+          <a:prstGeom prst="rect">
+            <a:avLst/>
+          </a:prstGeom>
+        </p:spPr>
+      </p:pic>
+      <p:pic>
+        <p:nvPicPr>
+          <p:cNvPr id="11" name="Imagem 10"/>
+          <p:cNvPicPr>
+            <a:picLocks noChangeAspect="1"/>
+          </p:cNvPicPr>
+          <p:nvPr/>
+        </p:nvPicPr>
+        <p:blipFill>
+          <a:blip r:embed="rId3">
+            <a:clrChange>
+              <a:clrFrom>
+                <a:srgbClr val="FFFFFF"/>
+              </a:clrFrom>
+              <a:clrTo>
+                <a:srgbClr val="FFFFFF">
+                  <a:alpha val="0"/>
+                </a:srgbClr>
+              </a:clrTo>
+            </a:clrChange>
+          </a:blip>
+          <a:stretch>
+            <a:fillRect/>
+          </a:stretch>
+        </p:blipFill>
+        <p:spPr>
+          <a:xfrm rot="2729455" flipH="1">
+            <a:off x="4891543" y="2515419"/>
+            <a:ext cx="547482" cy="421305"/>
+          </a:xfrm>
+          <a:prstGeom prst="rect">
+            <a:avLst/>
+          </a:prstGeom>
+        </p:spPr>
+      </p:pic>
+      <p:pic>
+        <p:nvPicPr>
+          <p:cNvPr id="12" name="Imagem 11"/>
+          <p:cNvPicPr>
+            <a:picLocks noChangeAspect="1"/>
+          </p:cNvPicPr>
+          <p:nvPr/>
+        </p:nvPicPr>
+        <p:blipFill>
+          <a:blip r:embed="rId5">
+            <a:clrChange>
+              <a:clrFrom>
+                <a:srgbClr val="FFFFFF"/>
+              </a:clrFrom>
+              <a:clrTo>
+                <a:srgbClr val="FFFFFF">
+                  <a:alpha val="0"/>
+                </a:srgbClr>
+              </a:clrTo>
+            </a:clrChange>
+          </a:blip>
+          <a:stretch>
+            <a:fillRect/>
+          </a:stretch>
+        </p:blipFill>
+        <p:spPr>
+          <a:xfrm>
+            <a:off x="6803226" y="2008098"/>
+            <a:ext cx="845381" cy="780351"/>
+          </a:xfrm>
+          <a:prstGeom prst="rect">
+            <a:avLst/>
+          </a:prstGeom>
+          <a:ln>
+            <a:noFill/>
+          </a:ln>
+          <a:effectLst>
+            <a:outerShdw blurRad="292100" dist="139700" dir="2700000" algn="tl" rotWithShape="0">
+              <a:srgbClr val="333333">
+                <a:alpha val="65000"/>
+              </a:srgbClr>
+            </a:outerShdw>
+          </a:effectLst>
+        </p:spPr>
+      </p:pic>
+    </p:spTree>
+    <p:extLst>
+      <p:ext uri="{BB962C8B-B14F-4D97-AF65-F5344CB8AC3E}">
+        <p14:creationId xmlns:p14="http://schemas.microsoft.com/office/powerpoint/2010/main" val="1635052776"/>
+      </p:ext>
+    </p:extLst>
+  </p:cSld>
+  <p:clrMapOvr>
+    <a:masterClrMapping/>
+  </p:clrMapOvr>
+  <p:timing>
+    <p:tnLst>
+      <p:par>
+        <p:cTn id="1" dur="indefinite" restart="never" nodeType="tmRoot"/>
+      </p:par>
+    </p:tnLst>
+  </p:timing>
+</p:sld>
+</file>
+
+<file path=ppt/slides/slide13.xml><?xml version="1.0" encoding="utf-8"?>
+<p:sld xmlns:a="http://schemas.openxmlformats.org/drawingml/2006/main" xmlns:r="http://schemas.openxmlformats.org/officeDocument/2006/relationships" xmlns:p="http://schemas.openxmlformats.org/presentationml/2006/main">
+  <p:cSld>
+    <p:spTree>
+      <p:nvGrpSpPr>
+        <p:cNvPr id="1" name=""/>
+        <p:cNvGrpSpPr/>
+        <p:nvPr/>
+      </p:nvGrpSpPr>
+      <p:grpSpPr>
+        <a:xfrm>
+          <a:off x="0" y="0"/>
+          <a:ext cx="0" cy="0"/>
+          <a:chOff x="0" y="0"/>
+          <a:chExt cx="0" cy="0"/>
+        </a:xfrm>
+      </p:grpSpPr>
+      <p:sp>
+        <p:nvSpPr>
+          <p:cNvPr id="4" name="Título 3"/>
+          <p:cNvSpPr>
+            <a:spLocks noGrp="1"/>
+          </p:cNvSpPr>
+          <p:nvPr>
+            <p:ph type="ctrTitle"/>
+          </p:nvPr>
+        </p:nvSpPr>
+        <p:spPr>
+          <a:xfrm>
+            <a:off x="3275856" y="138754"/>
+            <a:ext cx="4680520" cy="504056"/>
+          </a:xfrm>
+        </p:spPr>
+        <p:txBody>
+          <a:bodyPr>
+            <a:normAutofit/>
+          </a:bodyPr>
+          <a:lstStyle/>
+          <a:p>
+            <a:r>
+              <a:rPr lang="pt-BR" sz="2400" dirty="0" smtClean="0"/>
+              <a:t>Compilação do VTK</a:t>
+            </a:r>
+            <a:endParaRPr lang="pt-BR" sz="1400" dirty="0"/>
+          </a:p>
+        </p:txBody>
+      </p:sp>
+      <p:sp>
+        <p:nvSpPr>
+          <p:cNvPr id="13" name="CaixaDeTexto 12"/>
+          <p:cNvSpPr txBox="1"/>
+          <p:nvPr/>
+        </p:nvSpPr>
+        <p:spPr>
+          <a:xfrm>
+            <a:off x="3365214" y="908720"/>
+            <a:ext cx="2850909" cy="369332"/>
+          </a:xfrm>
+          <a:prstGeom prst="rect">
+            <a:avLst/>
+          </a:prstGeom>
+          <a:noFill/>
+        </p:spPr>
+        <p:txBody>
+          <a:bodyPr wrap="none" rtlCol="0">
+            <a:spAutoFit/>
+          </a:bodyPr>
+          <a:lstStyle/>
+          <a:p>
+            <a:r>
+              <a:rPr lang="pt-BR" b="1" dirty="0" smtClean="0"/>
+              <a:t>3.2) Build com Visual Studio</a:t>
+            </a:r>
+            <a:endParaRPr lang="pt-BR" b="1" dirty="0"/>
+          </a:p>
+        </p:txBody>
+      </p:sp>
+      <p:sp>
+        <p:nvSpPr>
+          <p:cNvPr id="6" name="CaixaDeTexto 5"/>
+          <p:cNvSpPr txBox="1"/>
+          <p:nvPr/>
+        </p:nvSpPr>
+        <p:spPr>
+          <a:xfrm>
+            <a:off x="611560" y="1403484"/>
+            <a:ext cx="7848872" cy="369332"/>
+          </a:xfrm>
+          <a:prstGeom prst="rect">
+            <a:avLst/>
+          </a:prstGeom>
+          <a:noFill/>
+        </p:spPr>
+        <p:txBody>
+          <a:bodyPr wrap="square" rtlCol="0">
+            <a:spAutoFit/>
+          </a:bodyPr>
+          <a:lstStyle/>
+          <a:p>
+            <a:pPr marL="285750" indent="-285750" algn="just">
+              <a:buFont typeface="Wingdings" panose="05000000000000000000" pitchFamily="2" charset="2"/>
+              <a:buChar char="Ø"/>
+            </a:pPr>
+            <a:r>
+              <a:rPr lang="pt-BR" dirty="0" smtClean="0"/>
+              <a:t>Compilando...  demora até 1h, a depender das configurações e da máquina.</a:t>
+            </a:r>
+            <a:endParaRPr lang="pt-BR" dirty="0" smtClean="0"/>
+          </a:p>
+        </p:txBody>
+      </p:sp>
+      <p:pic>
+        <p:nvPicPr>
+          <p:cNvPr id="2" name="Imagem 1"/>
+          <p:cNvPicPr>
+            <a:picLocks noChangeAspect="1"/>
+          </p:cNvPicPr>
+          <p:nvPr/>
+        </p:nvPicPr>
+        <p:blipFill>
+          <a:blip r:embed="rId2"/>
+          <a:stretch>
+            <a:fillRect/>
+          </a:stretch>
+        </p:blipFill>
+        <p:spPr>
+          <a:xfrm>
+            <a:off x="323528" y="2227447"/>
+            <a:ext cx="8610127" cy="3433801"/>
+          </a:xfrm>
+          <a:prstGeom prst="rect">
+            <a:avLst/>
+          </a:prstGeom>
+          <a:ln>
+            <a:noFill/>
+          </a:ln>
+          <a:effectLst>
+            <a:softEdge rad="112500"/>
+          </a:effectLst>
+        </p:spPr>
+      </p:pic>
+    </p:spTree>
+    <p:extLst>
+      <p:ext uri="{BB962C8B-B14F-4D97-AF65-F5344CB8AC3E}">
+        <p14:creationId xmlns:p14="http://schemas.microsoft.com/office/powerpoint/2010/main" val="1125400046"/>
+      </p:ext>
+    </p:extLst>
+  </p:cSld>
+  <p:clrMapOvr>
+    <a:masterClrMapping/>
+  </p:clrMapOvr>
+  <p:timing>
+    <p:tnLst>
+      <p:par>
+        <p:cTn id="1" dur="indefinite" restart="never" nodeType="tmRoot"/>
+      </p:par>
+    </p:tnLst>
+  </p:timing>
+</p:sld>
+</file>
+
+<file path=ppt/slides/slide14.xml><?xml version="1.0" encoding="utf-8"?>
+<p:sld xmlns:a="http://schemas.openxmlformats.org/drawingml/2006/main" xmlns:r="http://schemas.openxmlformats.org/officeDocument/2006/relationships" xmlns:p="http://schemas.openxmlformats.org/presentationml/2006/main">
+  <p:cSld>
+    <p:spTree>
+      <p:nvGrpSpPr>
+        <p:cNvPr id="1" name=""/>
+        <p:cNvGrpSpPr/>
+        <p:nvPr/>
+      </p:nvGrpSpPr>
+      <p:grpSpPr>
+        <a:xfrm>
+          <a:off x="0" y="0"/>
+          <a:ext cx="0" cy="0"/>
+          <a:chOff x="0" y="0"/>
+          <a:chExt cx="0" cy="0"/>
+        </a:xfrm>
+      </p:grpSpPr>
+      <p:sp>
+        <p:nvSpPr>
+          <p:cNvPr id="4" name="Título 3"/>
+          <p:cNvSpPr>
+            <a:spLocks noGrp="1"/>
+          </p:cNvSpPr>
+          <p:nvPr>
+            <p:ph type="ctrTitle"/>
+          </p:nvPr>
+        </p:nvSpPr>
+        <p:spPr>
+          <a:xfrm>
+            <a:off x="3275856" y="138754"/>
+            <a:ext cx="4680520" cy="504056"/>
+          </a:xfrm>
+        </p:spPr>
+        <p:txBody>
+          <a:bodyPr>
+            <a:normAutofit/>
+          </a:bodyPr>
+          <a:lstStyle/>
+          <a:p>
+            <a:r>
+              <a:rPr lang="pt-BR" sz="2400" dirty="0" smtClean="0"/>
+              <a:t>Compilação do VTK</a:t>
+            </a:r>
+            <a:endParaRPr lang="pt-BR" sz="1400" dirty="0"/>
+          </a:p>
+        </p:txBody>
+      </p:sp>
+      <p:sp>
+        <p:nvSpPr>
+          <p:cNvPr id="13" name="CaixaDeTexto 12"/>
+          <p:cNvSpPr txBox="1"/>
+          <p:nvPr/>
+        </p:nvSpPr>
+        <p:spPr>
+          <a:xfrm>
+            <a:off x="4147467" y="908720"/>
+            <a:ext cx="1276568" cy="369332"/>
+          </a:xfrm>
+          <a:prstGeom prst="rect">
+            <a:avLst/>
+          </a:prstGeom>
+          <a:noFill/>
+        </p:spPr>
+        <p:txBody>
+          <a:bodyPr wrap="none" rtlCol="0">
+            <a:spAutoFit/>
+          </a:bodyPr>
+          <a:lstStyle/>
+          <a:p>
+            <a:r>
+              <a:rPr lang="pt-BR" b="1" dirty="0" smtClean="0"/>
+              <a:t>3.3) </a:t>
+            </a:r>
+            <a:r>
+              <a:rPr lang="pt-BR" b="1" dirty="0" err="1" smtClean="0"/>
+              <a:t>Deploy</a:t>
+            </a:r>
+            <a:endParaRPr lang="pt-BR" b="1" dirty="0"/>
+          </a:p>
+        </p:txBody>
+      </p:sp>
+    </p:spTree>
+    <p:extLst>
+      <p:ext uri="{BB962C8B-B14F-4D97-AF65-F5344CB8AC3E}">
+        <p14:creationId xmlns:p14="http://schemas.microsoft.com/office/powerpoint/2010/main" val="1158625077"/>
+      </p:ext>
+    </p:extLst>
+  </p:cSld>
+  <p:clrMapOvr>
+    <a:masterClrMapping/>
+  </p:clrMapOvr>
+  <p:timing>
+    <p:tnLst>
+      <p:par>
+        <p:cTn id="1" dur="indefinite" restart="never" nodeType="tmRoot"/>
+      </p:par>
+    </p:tnLst>
+  </p:timing>
+</p:sld>
+</file>
+
+<file path=ppt/slides/slide15.xml><?xml version="1.0" encoding="utf-8"?>
+<p:sld xmlns:a="http://schemas.openxmlformats.org/drawingml/2006/main" xmlns:r="http://schemas.openxmlformats.org/officeDocument/2006/relationships" xmlns:p="http://schemas.openxmlformats.org/presentationml/2006/main">
+  <p:cSld>
+    <p:spTree>
+      <p:nvGrpSpPr>
+        <p:cNvPr id="1" name=""/>
+        <p:cNvGrpSpPr/>
+        <p:nvPr/>
+      </p:nvGrpSpPr>
+      <p:grpSpPr>
+        <a:xfrm>
+          <a:off x="0" y="0"/>
+          <a:ext cx="0" cy="0"/>
+          <a:chOff x="0" y="0"/>
+          <a:chExt cx="0" cy="0"/>
+        </a:xfrm>
+      </p:grpSpPr>
+      <p:sp>
+        <p:nvSpPr>
+          <p:cNvPr id="4" name="Título 3"/>
+          <p:cNvSpPr>
+            <a:spLocks noGrp="1"/>
+          </p:cNvSpPr>
+          <p:nvPr>
+            <p:ph type="ctrTitle"/>
+          </p:nvPr>
+        </p:nvSpPr>
+        <p:spPr>
+          <a:xfrm>
+            <a:off x="3275856" y="138754"/>
+            <a:ext cx="4680520" cy="504056"/>
+          </a:xfrm>
+        </p:spPr>
+        <p:txBody>
+          <a:bodyPr>
+            <a:normAutofit/>
+          </a:bodyPr>
+          <a:lstStyle/>
+          <a:p>
+            <a:r>
+              <a:rPr lang="pt-BR" sz="2400" dirty="0" smtClean="0"/>
               <a:t>4) Aplicações C++/</a:t>
             </a:r>
             <a:r>
@@ -6648,7 +7692,7 @@
 </p:sld>
 </file>
 
-<file path=ppt/slides/slide11.xml><?xml version="1.0" encoding="utf-8"?>
+<file path=ppt/slides/slide16.xml><?xml version="1.0" encoding="utf-8"?>
 <p:sld xmlns:a="http://schemas.openxmlformats.org/drawingml/2006/main" xmlns:r="http://schemas.openxmlformats.org/officeDocument/2006/relationships" xmlns:p="http://schemas.openxmlformats.org/presentationml/2006/main">
   <p:cSld>
     <p:spTree>
@@ -8135,7 +9179,7 @@
 </p:sld>
 </file>
 
-<file path=ppt/slides/slide12.xml><?xml version="1.0" encoding="utf-8"?>
+<file path=ppt/slides/slide17.xml><?xml version="1.0" encoding="utf-8"?>
 <p:sld xmlns:a="http://schemas.openxmlformats.org/drawingml/2006/main" xmlns:r="http://schemas.openxmlformats.org/officeDocument/2006/relationships" xmlns:p="http://schemas.openxmlformats.org/presentationml/2006/main">
   <p:cSld>
     <p:spTree>
@@ -9115,7 +10159,7 @@
 </p:sld>
 </file>
 
-<file path=ppt/slides/slide13.xml><?xml version="1.0" encoding="utf-8"?>
+<file path=ppt/slides/slide18.xml><?xml version="1.0" encoding="utf-8"?>
 <p:sld xmlns:a="http://schemas.openxmlformats.org/drawingml/2006/main" xmlns:r="http://schemas.openxmlformats.org/officeDocument/2006/relationships" xmlns:p="http://schemas.openxmlformats.org/presentationml/2006/main">
   <p:cSld>
     <p:spTree>
@@ -9266,11 +10310,7 @@
             </a:pPr>
             <a:r>
               <a:rPr lang="pt-BR" sz="1600" dirty="0" smtClean="0"/>
-              <a:t>F</a:t>
-            </a:r>
-            <a:r>
-              <a:rPr lang="pt-BR" sz="1600" dirty="0" smtClean="0"/>
-              <a:t>ontes: </a:t>
+              <a:t>Fontes: </a:t>
             </a:r>
             <a:r>
               <a:rPr lang="pt-BR" sz="1600" dirty="0" smtClean="0">
@@ -9286,10 +10326,6 @@
               </a:rPr>
               <a:t>cursoVTKgeo\aulas_3dias\HelloVTK</a:t>
             </a:r>
-            <a:endParaRPr lang="pt-BR" sz="1600" dirty="0">
-              <a:latin typeface="Courier New" panose="02070309020205020404" pitchFamily="49" charset="0"/>
-              <a:cs typeface="Courier New" panose="02070309020205020404" pitchFamily="49" charset="0"/>
-            </a:endParaRPr>
           </a:p>
         </p:txBody>
       </p:sp>
@@ -9313,7 +10349,7 @@
 </p:sld>
 </file>
 
-<file path=ppt/slides/slide14.xml><?xml version="1.0" encoding="utf-8"?>
+<file path=ppt/slides/slide19.xml><?xml version="1.0" encoding="utf-8"?>
 <p:sld xmlns:a="http://schemas.openxmlformats.org/drawingml/2006/main" xmlns:r="http://schemas.openxmlformats.org/officeDocument/2006/relationships" xmlns:p="http://schemas.openxmlformats.org/presentationml/2006/main">
   <p:cSld>
     <p:spTree>
@@ -9900,7 +10936,104 @@
 </p:sld>
 </file>
 
-<file path=ppt/slides/slide15.xml><?xml version="1.0" encoding="utf-8"?>
+<file path=ppt/slides/slide2.xml><?xml version="1.0" encoding="utf-8"?>
+<p:sld xmlns:a="http://schemas.openxmlformats.org/drawingml/2006/main" xmlns:r="http://schemas.openxmlformats.org/officeDocument/2006/relationships" xmlns:p="http://schemas.openxmlformats.org/presentationml/2006/main">
+  <p:cSld>
+    <p:spTree>
+      <p:nvGrpSpPr>
+        <p:cNvPr id="1" name=""/>
+        <p:cNvGrpSpPr/>
+        <p:nvPr/>
+      </p:nvGrpSpPr>
+      <p:grpSpPr>
+        <a:xfrm>
+          <a:off x="0" y="0"/>
+          <a:ext cx="0" cy="0"/>
+          <a:chOff x="0" y="0"/>
+          <a:chExt cx="0" cy="0"/>
+        </a:xfrm>
+      </p:grpSpPr>
+      <p:sp>
+        <p:nvSpPr>
+          <p:cNvPr id="4" name="Título 3"/>
+          <p:cNvSpPr>
+            <a:spLocks noGrp="1"/>
+          </p:cNvSpPr>
+          <p:nvPr>
+            <p:ph type="ctrTitle"/>
+          </p:nvPr>
+        </p:nvSpPr>
+        <p:spPr>
+          <a:xfrm>
+            <a:off x="3347864" y="188640"/>
+            <a:ext cx="5688632" cy="504056"/>
+          </a:xfrm>
+        </p:spPr>
+        <p:txBody>
+          <a:bodyPr>
+            <a:normAutofit/>
+          </a:bodyPr>
+          <a:lstStyle/>
+          <a:p>
+            <a:r>
+              <a:rPr lang="pt-BR" sz="2400" dirty="0" smtClean="0"/>
+              <a:t>Estrutura do curso</a:t>
+            </a:r>
+            <a:endParaRPr lang="pt-BR" sz="1400" dirty="0"/>
+          </a:p>
+        </p:txBody>
+      </p:sp>
+      <p:sp>
+        <p:nvSpPr>
+          <p:cNvPr id="2" name="CaixaDeTexto 1"/>
+          <p:cNvSpPr txBox="1"/>
+          <p:nvPr/>
+        </p:nvSpPr>
+        <p:spPr>
+          <a:xfrm>
+            <a:off x="1763688" y="1700808"/>
+            <a:ext cx="4608512" cy="369332"/>
+          </a:xfrm>
+          <a:prstGeom prst="rect">
+            <a:avLst/>
+          </a:prstGeom>
+          <a:noFill/>
+        </p:spPr>
+        <p:txBody>
+          <a:bodyPr wrap="square" rtlCol="0">
+            <a:spAutoFit/>
+          </a:bodyPr>
+          <a:lstStyle/>
+          <a:p>
+            <a:r>
+              <a:rPr lang="pt-BR" dirty="0" smtClean="0"/>
+              <a:t>1º dia: ....</a:t>
+            </a:r>
+            <a:endParaRPr lang="pt-BR" dirty="0"/>
+          </a:p>
+        </p:txBody>
+      </p:sp>
+    </p:spTree>
+    <p:extLst>
+      <p:ext uri="{BB962C8B-B14F-4D97-AF65-F5344CB8AC3E}">
+        <p14:creationId xmlns:p14="http://schemas.microsoft.com/office/powerpoint/2010/main" val="102267183"/>
+      </p:ext>
+    </p:extLst>
+  </p:cSld>
+  <p:clrMapOvr>
+    <a:masterClrMapping/>
+  </p:clrMapOvr>
+  <p:timing>
+    <p:tnLst>
+      <p:par>
+        <p:cTn id="1" dur="indefinite" restart="never" nodeType="tmRoot"/>
+      </p:par>
+    </p:tnLst>
+  </p:timing>
+</p:sld>
+</file>
+
+<file path=ppt/slides/slide20.xml><?xml version="1.0" encoding="utf-8"?>
 <p:sld xmlns:a="http://schemas.openxmlformats.org/drawingml/2006/main" xmlns:r="http://schemas.openxmlformats.org/officeDocument/2006/relationships" xmlns:p="http://schemas.openxmlformats.org/presentationml/2006/main">
   <p:cSld>
     <p:spTree>
@@ -10281,7 +11414,7 @@
 </p:sld>
 </file>
 
-<file path=ppt/slides/slide16.xml><?xml version="1.0" encoding="utf-8"?>
+<file path=ppt/slides/slide21.xml><?xml version="1.0" encoding="utf-8"?>
 <p:sld xmlns:a="http://schemas.openxmlformats.org/drawingml/2006/main" xmlns:r="http://schemas.openxmlformats.org/officeDocument/2006/relationships" xmlns:p="http://schemas.openxmlformats.org/presentationml/2006/main">
   <p:cSld>
     <p:spTree>
@@ -10614,7 +11747,7 @@
 </p:sld>
 </file>
 
-<file path=ppt/slides/slide17.xml><?xml version="1.0" encoding="utf-8"?>
+<file path=ppt/slides/slide22.xml><?xml version="1.0" encoding="utf-8"?>
 <p:sld xmlns:a="http://schemas.openxmlformats.org/drawingml/2006/main" xmlns:r="http://schemas.openxmlformats.org/officeDocument/2006/relationships" xmlns:p="http://schemas.openxmlformats.org/presentationml/2006/main">
   <p:cSld>
     <p:spTree>
@@ -11009,7 +12142,7 @@
 </p:sld>
 </file>
 
-<file path=ppt/slides/slide18.xml><?xml version="1.0" encoding="utf-8"?>
+<file path=ppt/slides/slide23.xml><?xml version="1.0" encoding="utf-8"?>
 <p:sld xmlns:a="http://schemas.openxmlformats.org/drawingml/2006/main" xmlns:r="http://schemas.openxmlformats.org/officeDocument/2006/relationships" xmlns:p="http://schemas.openxmlformats.org/presentationml/2006/main">
   <p:cSld>
     <p:spTree>
@@ -11296,1981 +12429,6 @@
     <p:extLst>
       <p:ext uri="{BB962C8B-B14F-4D97-AF65-F5344CB8AC3E}">
         <p14:creationId xmlns:p14="http://schemas.microsoft.com/office/powerpoint/2010/main" val="1560415685"/>
-      </p:ext>
-    </p:extLst>
-  </p:cSld>
-  <p:clrMapOvr>
-    <a:masterClrMapping/>
-  </p:clrMapOvr>
-  <p:timing>
-    <p:tnLst>
-      <p:par>
-        <p:cTn id="1" dur="indefinite" restart="never" nodeType="tmRoot"/>
-      </p:par>
-    </p:tnLst>
-  </p:timing>
-</p:sld>
-</file>
-
-<file path=ppt/slides/slide19.xml><?xml version="1.0" encoding="utf-8"?>
-<p:sld xmlns:a="http://schemas.openxmlformats.org/drawingml/2006/main" xmlns:r="http://schemas.openxmlformats.org/officeDocument/2006/relationships" xmlns:p="http://schemas.openxmlformats.org/presentationml/2006/main">
-  <p:cSld>
-    <p:spTree>
-      <p:nvGrpSpPr>
-        <p:cNvPr id="1" name=""/>
-        <p:cNvGrpSpPr/>
-        <p:nvPr/>
-      </p:nvGrpSpPr>
-      <p:grpSpPr>
-        <a:xfrm>
-          <a:off x="0" y="0"/>
-          <a:ext cx="0" cy="0"/>
-          <a:chOff x="0" y="0"/>
-          <a:chExt cx="0" cy="0"/>
-        </a:xfrm>
-      </p:grpSpPr>
-      <p:pic>
-        <p:nvPicPr>
-          <p:cNvPr id="7" name="Imagem 6"/>
-          <p:cNvPicPr>
-            <a:picLocks noChangeAspect="1"/>
-          </p:cNvPicPr>
-          <p:nvPr/>
-        </p:nvPicPr>
-        <p:blipFill>
-          <a:blip r:embed="rId3"/>
-          <a:stretch>
-            <a:fillRect/>
-          </a:stretch>
-        </p:blipFill>
-        <p:spPr>
-          <a:xfrm>
-            <a:off x="467544" y="3183829"/>
-            <a:ext cx="5961672" cy="3341515"/>
-          </a:xfrm>
-          <a:prstGeom prst="rect">
-            <a:avLst/>
-          </a:prstGeom>
-          <a:ln>
-            <a:noFill/>
-          </a:ln>
-          <a:effectLst>
-            <a:outerShdw blurRad="292100" dist="139700" dir="2700000" algn="tl" rotWithShape="0">
-              <a:srgbClr val="333333">
-                <a:alpha val="65000"/>
-              </a:srgbClr>
-            </a:outerShdw>
-          </a:effectLst>
-        </p:spPr>
-      </p:pic>
-      <p:sp>
-        <p:nvSpPr>
-          <p:cNvPr id="4" name="Título 3"/>
-          <p:cNvSpPr>
-            <a:spLocks noGrp="1"/>
-          </p:cNvSpPr>
-          <p:nvPr>
-            <p:ph type="ctrTitle"/>
-          </p:nvPr>
-        </p:nvSpPr>
-        <p:spPr>
-          <a:xfrm>
-            <a:off x="3275856" y="138754"/>
-            <a:ext cx="4680520" cy="504056"/>
-          </a:xfrm>
-        </p:spPr>
-        <p:txBody>
-          <a:bodyPr>
-            <a:normAutofit/>
-          </a:bodyPr>
-          <a:lstStyle/>
-          <a:p>
-            <a:r>
-              <a:rPr lang="pt-BR" sz="2400" dirty="0" smtClean="0"/>
-              <a:t>4) Aplicações C++/</a:t>
-            </a:r>
-            <a:r>
-              <a:rPr lang="pt-BR" sz="2400" dirty="0" err="1" smtClean="0"/>
-              <a:t>Qt</a:t>
-            </a:r>
-            <a:r>
-              <a:rPr lang="pt-BR" sz="2400" dirty="0" smtClean="0"/>
-              <a:t> com VTK</a:t>
-            </a:r>
-            <a:endParaRPr lang="pt-BR" sz="1400" dirty="0"/>
-          </a:p>
-        </p:txBody>
-      </p:sp>
-      <p:sp>
-        <p:nvSpPr>
-          <p:cNvPr id="54" name="CaixaDeTexto 53"/>
-          <p:cNvSpPr txBox="1"/>
-          <p:nvPr/>
-        </p:nvSpPr>
-        <p:spPr>
-          <a:xfrm>
-            <a:off x="4067944" y="1218238"/>
-            <a:ext cx="1608133" cy="338554"/>
-          </a:xfrm>
-          <a:prstGeom prst="rect">
-            <a:avLst/>
-          </a:prstGeom>
-          <a:noFill/>
-        </p:spPr>
-        <p:txBody>
-          <a:bodyPr wrap="none" rtlCol="0">
-            <a:spAutoFit/>
-          </a:bodyPr>
-          <a:lstStyle/>
-          <a:p>
-            <a:r>
-              <a:rPr lang="pt-BR" sz="1600" b="1" dirty="0" smtClean="0"/>
-              <a:t>4.1.3) </a:t>
-            </a:r>
-            <a:r>
-              <a:rPr lang="pt-BR" sz="1600" b="1" dirty="0" err="1" smtClean="0"/>
-              <a:t>Hello</a:t>
-            </a:r>
-            <a:r>
-              <a:rPr lang="pt-BR" sz="1600" b="1" dirty="0" smtClean="0"/>
-              <a:t> VTK!</a:t>
-            </a:r>
-            <a:endParaRPr lang="pt-BR" sz="1600" b="1" dirty="0"/>
-          </a:p>
-        </p:txBody>
-      </p:sp>
-      <p:sp>
-        <p:nvSpPr>
-          <p:cNvPr id="55" name="CaixaDeTexto 54"/>
-          <p:cNvSpPr txBox="1"/>
-          <p:nvPr/>
-        </p:nvSpPr>
-        <p:spPr>
-          <a:xfrm>
-            <a:off x="2987824" y="908720"/>
-            <a:ext cx="4154984" cy="369332"/>
-          </a:xfrm>
-          <a:prstGeom prst="rect">
-            <a:avLst/>
-          </a:prstGeom>
-          <a:noFill/>
-        </p:spPr>
-        <p:txBody>
-          <a:bodyPr wrap="none" rtlCol="0">
-            <a:spAutoFit/>
-          </a:bodyPr>
-          <a:lstStyle/>
-          <a:p>
-            <a:r>
-              <a:rPr lang="pt-BR" b="1" dirty="0" smtClean="0"/>
-              <a:t>4.1) Criando um aplicativo VTK elementar</a:t>
-            </a:r>
-            <a:endParaRPr lang="pt-BR" b="1" dirty="0"/>
-          </a:p>
-        </p:txBody>
-      </p:sp>
-      <p:sp>
-        <p:nvSpPr>
-          <p:cNvPr id="14" name="CaixaDeTexto 13"/>
-          <p:cNvSpPr txBox="1"/>
-          <p:nvPr/>
-        </p:nvSpPr>
-        <p:spPr>
-          <a:xfrm>
-            <a:off x="263696" y="1700808"/>
-            <a:ext cx="8484768" cy="1569660"/>
-          </a:xfrm>
-          <a:prstGeom prst="rect">
-            <a:avLst/>
-          </a:prstGeom>
-          <a:noFill/>
-        </p:spPr>
-        <p:txBody>
-          <a:bodyPr wrap="square" rtlCol="0">
-            <a:spAutoFit/>
-          </a:bodyPr>
-          <a:lstStyle/>
-          <a:p>
-            <a:pPr marL="285750" indent="-285750" algn="just">
-              <a:buFont typeface="Wingdings" panose="05000000000000000000" pitchFamily="2" charset="2"/>
-              <a:buChar char="Ø"/>
-            </a:pPr>
-            <a:r>
-              <a:rPr lang="pt-BR" sz="1600" dirty="0" smtClean="0"/>
-              <a:t>Disparar a compilação de acordo com o procedimento do </a:t>
-            </a:r>
-            <a:r>
-              <a:rPr lang="pt-BR" sz="1600" i="1" dirty="0" err="1" smtClean="0"/>
-              <a:t>toolset</a:t>
-            </a:r>
-            <a:r>
-              <a:rPr lang="pt-BR" sz="1600" dirty="0" smtClean="0"/>
-              <a:t> escolhido, por exemplo:</a:t>
-            </a:r>
-          </a:p>
-          <a:p>
-            <a:pPr lvl="1" algn="just"/>
-            <a:r>
-              <a:rPr lang="pt-BR" sz="1600" dirty="0" smtClean="0">
-                <a:latin typeface="Courier New" panose="02070309020205020404" pitchFamily="49" charset="0"/>
-                <a:cs typeface="Courier New" panose="02070309020205020404" pitchFamily="49" charset="0"/>
-              </a:rPr>
-              <a:t>$ </a:t>
-            </a:r>
-            <a:r>
-              <a:rPr lang="pt-BR" sz="1600" dirty="0" err="1" smtClean="0">
-                <a:latin typeface="Courier New" panose="02070309020205020404" pitchFamily="49" charset="0"/>
-                <a:cs typeface="Courier New" panose="02070309020205020404" pitchFamily="49" charset="0"/>
-              </a:rPr>
-              <a:t>cd</a:t>
-            </a:r>
-            <a:r>
-              <a:rPr lang="pt-BR" sz="1600" dirty="0" smtClean="0">
-                <a:latin typeface="Courier New" panose="02070309020205020404" pitchFamily="49" charset="0"/>
-                <a:cs typeface="Courier New" panose="02070309020205020404" pitchFamily="49" charset="0"/>
-              </a:rPr>
-              <a:t> &lt;</a:t>
-            </a:r>
-            <a:r>
-              <a:rPr lang="pt-BR" sz="1600" dirty="0" err="1" smtClean="0">
-                <a:latin typeface="Courier New" panose="02070309020205020404" pitchFamily="49" charset="0"/>
-                <a:cs typeface="Courier New" panose="02070309020205020404" pitchFamily="49" charset="0"/>
-              </a:rPr>
-              <a:t>build_dir</a:t>
-            </a:r>
-            <a:r>
-              <a:rPr lang="pt-BR" sz="1600" dirty="0" smtClean="0">
-                <a:latin typeface="Courier New" panose="02070309020205020404" pitchFamily="49" charset="0"/>
-                <a:cs typeface="Courier New" panose="02070309020205020404" pitchFamily="49" charset="0"/>
-              </a:rPr>
-              <a:t>&gt;; </a:t>
-            </a:r>
-            <a:r>
-              <a:rPr lang="pt-BR" sz="1600" dirty="0" err="1" smtClean="0">
-                <a:latin typeface="Courier New" panose="02070309020205020404" pitchFamily="49" charset="0"/>
-                <a:cs typeface="Courier New" panose="02070309020205020404" pitchFamily="49" charset="0"/>
-              </a:rPr>
-              <a:t>make</a:t>
-            </a:r>
-            <a:r>
-              <a:rPr lang="pt-BR" sz="1600" dirty="0" smtClean="0">
-                <a:latin typeface="Courier New" panose="02070309020205020404" pitchFamily="49" charset="0"/>
-                <a:cs typeface="Courier New" panose="02070309020205020404" pitchFamily="49" charset="0"/>
-              </a:rPr>
-              <a:t>; </a:t>
-            </a:r>
-            <a:r>
-              <a:rPr lang="pt-BR" sz="1600" dirty="0" err="1" smtClean="0">
-                <a:latin typeface="Courier New" panose="02070309020205020404" pitchFamily="49" charset="0"/>
-                <a:cs typeface="Courier New" panose="02070309020205020404" pitchFamily="49" charset="0"/>
-              </a:rPr>
-              <a:t>make</a:t>
-            </a:r>
-            <a:r>
-              <a:rPr lang="pt-BR" sz="1600" dirty="0" smtClean="0">
-                <a:latin typeface="Courier New" panose="02070309020205020404" pitchFamily="49" charset="0"/>
-                <a:cs typeface="Courier New" panose="02070309020205020404" pitchFamily="49" charset="0"/>
-              </a:rPr>
-              <a:t> </a:t>
-            </a:r>
-            <a:r>
-              <a:rPr lang="pt-BR" sz="1600" dirty="0" err="1" smtClean="0">
-                <a:latin typeface="Courier New" panose="02070309020205020404" pitchFamily="49" charset="0"/>
-                <a:cs typeface="Courier New" panose="02070309020205020404" pitchFamily="49" charset="0"/>
-              </a:rPr>
-              <a:t>install</a:t>
-            </a:r>
-            <a:r>
-              <a:rPr lang="pt-BR" sz="1600" dirty="0" smtClean="0"/>
-              <a:t> para GNU ou clique no botão                     .                do </a:t>
-            </a:r>
-            <a:r>
-              <a:rPr lang="pt-BR" sz="1600" dirty="0" err="1" smtClean="0"/>
-              <a:t>CMake</a:t>
-            </a:r>
-            <a:r>
-              <a:rPr lang="pt-BR" sz="1600" dirty="0" smtClean="0"/>
-              <a:t> GUI para abrir a </a:t>
-            </a:r>
-            <a:r>
-              <a:rPr lang="pt-BR" sz="1600" dirty="0" err="1" smtClean="0"/>
-              <a:t>Solution</a:t>
-            </a:r>
-            <a:r>
-              <a:rPr lang="pt-BR" sz="1600" dirty="0" smtClean="0"/>
-              <a:t> no VS e disparar a compilação e instalação.</a:t>
-            </a:r>
-          </a:p>
-          <a:p>
-            <a:pPr lvl="1" algn="just"/>
-            <a:endParaRPr lang="pt-BR" sz="1600" dirty="0"/>
-          </a:p>
-          <a:p>
-            <a:pPr marL="285750" indent="-285750" algn="just">
-              <a:buFont typeface="Wingdings" panose="05000000000000000000" pitchFamily="2" charset="2"/>
-              <a:buChar char="Ø"/>
-            </a:pPr>
-            <a:r>
-              <a:rPr lang="pt-BR" sz="1600" dirty="0" smtClean="0"/>
-              <a:t>Configurar o projeto no </a:t>
-            </a:r>
-            <a:r>
-              <a:rPr lang="pt-BR" sz="1600" dirty="0" err="1" smtClean="0"/>
-              <a:t>Qt</a:t>
-            </a:r>
-            <a:r>
-              <a:rPr lang="pt-BR" sz="1600" dirty="0" smtClean="0"/>
-              <a:t> </a:t>
-            </a:r>
-            <a:r>
-              <a:rPr lang="pt-BR" sz="1600" dirty="0" err="1" smtClean="0"/>
-              <a:t>Creator</a:t>
-            </a:r>
-            <a:r>
-              <a:rPr lang="pt-BR" sz="1600" dirty="0" smtClean="0"/>
-              <a:t>: File </a:t>
-            </a:r>
-            <a:r>
-              <a:rPr lang="pt-BR" sz="1600" dirty="0" smtClean="0">
-                <a:sym typeface="Wingdings" panose="05000000000000000000" pitchFamily="2" charset="2"/>
-              </a:rPr>
-              <a:t> </a:t>
-            </a:r>
-            <a:r>
-              <a:rPr lang="pt-BR" sz="1600" dirty="0" smtClean="0">
-                <a:sym typeface="Wingdings" panose="05000000000000000000" pitchFamily="2" charset="2"/>
-              </a:rPr>
-              <a:t>Open File </a:t>
-            </a:r>
-            <a:r>
-              <a:rPr lang="pt-BR" sz="1600" dirty="0" err="1" smtClean="0">
-                <a:sym typeface="Wingdings" panose="05000000000000000000" pitchFamily="2" charset="2"/>
-              </a:rPr>
-              <a:t>or</a:t>
-            </a:r>
-            <a:r>
-              <a:rPr lang="pt-BR" sz="1600" dirty="0" smtClean="0">
-                <a:sym typeface="Wingdings" panose="05000000000000000000" pitchFamily="2" charset="2"/>
-              </a:rPr>
-              <a:t> Project </a:t>
-            </a:r>
-            <a:r>
-              <a:rPr lang="pt-BR" sz="1600" dirty="0" smtClean="0">
-                <a:sym typeface="Wingdings" panose="05000000000000000000" pitchFamily="2" charset="2"/>
-              </a:rPr>
-              <a:t> </a:t>
-            </a:r>
-            <a:r>
-              <a:rPr lang="pt-BR" sz="1600" dirty="0" smtClean="0">
-                <a:latin typeface="Courier New" panose="02070309020205020404" pitchFamily="49" charset="0"/>
-                <a:cs typeface="Courier New" panose="02070309020205020404" pitchFamily="49" charset="0"/>
-                <a:sym typeface="Wingdings" panose="05000000000000000000" pitchFamily="2" charset="2"/>
-              </a:rPr>
-              <a:t>CMakeLists.txt</a:t>
-            </a:r>
-            <a:endParaRPr lang="pt-BR" sz="1600" dirty="0">
-              <a:latin typeface="Courier New" panose="02070309020205020404" pitchFamily="49" charset="0"/>
-              <a:cs typeface="Courier New" panose="02070309020205020404" pitchFamily="49" charset="0"/>
-            </a:endParaRPr>
-          </a:p>
-          <a:p>
-            <a:pPr lvl="1" algn="just"/>
-            <a:endParaRPr lang="pt-BR" sz="1600" dirty="0" smtClean="0"/>
-          </a:p>
-        </p:txBody>
-      </p:sp>
-      <p:pic>
-        <p:nvPicPr>
-          <p:cNvPr id="2" name="Imagem 1"/>
-          <p:cNvPicPr>
-            <a:picLocks noChangeAspect="1"/>
-          </p:cNvPicPr>
-          <p:nvPr/>
-        </p:nvPicPr>
-        <p:blipFill>
-          <a:blip r:embed="rId4"/>
-          <a:stretch>
-            <a:fillRect/>
-          </a:stretch>
-        </p:blipFill>
-        <p:spPr>
-          <a:xfrm>
-            <a:off x="827584" y="2276872"/>
-            <a:ext cx="695325" cy="200025"/>
-          </a:xfrm>
-          <a:prstGeom prst="rect">
-            <a:avLst/>
-          </a:prstGeom>
-        </p:spPr>
-      </p:pic>
-      <p:pic>
-        <p:nvPicPr>
-          <p:cNvPr id="13" name="Imagem 12"/>
-          <p:cNvPicPr>
-            <a:picLocks noChangeAspect="1"/>
-          </p:cNvPicPr>
-          <p:nvPr/>
-        </p:nvPicPr>
-        <p:blipFill>
-          <a:blip r:embed="rId5">
-            <a:clrChange>
-              <a:clrFrom>
-                <a:srgbClr val="FFFFFF"/>
-              </a:clrFrom>
-              <a:clrTo>
-                <a:srgbClr val="FFFFFF">
-                  <a:alpha val="0"/>
-                </a:srgbClr>
-              </a:clrTo>
-            </a:clrChange>
-          </a:blip>
-          <a:stretch>
-            <a:fillRect/>
-          </a:stretch>
-        </p:blipFill>
-        <p:spPr>
-          <a:xfrm rot="2513887" flipH="1">
-            <a:off x="2714083" y="5975089"/>
-            <a:ext cx="547482" cy="421305"/>
-          </a:xfrm>
-          <a:prstGeom prst="rect">
-            <a:avLst/>
-          </a:prstGeom>
-        </p:spPr>
-      </p:pic>
-      <p:pic>
-        <p:nvPicPr>
-          <p:cNvPr id="16" name="Imagem 15"/>
-          <p:cNvPicPr>
-            <a:picLocks noChangeAspect="1"/>
-          </p:cNvPicPr>
-          <p:nvPr/>
-        </p:nvPicPr>
-        <p:blipFill>
-          <a:blip r:embed="rId5">
-            <a:clrChange>
-              <a:clrFrom>
-                <a:srgbClr val="FFFFFF"/>
-              </a:clrFrom>
-              <a:clrTo>
-                <a:srgbClr val="FFFFFF">
-                  <a:alpha val="0"/>
-                </a:srgbClr>
-              </a:clrTo>
-            </a:clrChange>
-          </a:blip>
-          <a:stretch>
-            <a:fillRect/>
-          </a:stretch>
-        </p:blipFill>
-        <p:spPr>
-          <a:xfrm flipH="1">
-            <a:off x="6201195" y="6225195"/>
-            <a:ext cx="547482" cy="421305"/>
-          </a:xfrm>
-          <a:prstGeom prst="rect">
-            <a:avLst/>
-          </a:prstGeom>
-        </p:spPr>
-      </p:pic>
-    </p:spTree>
-    <p:extLst>
-      <p:ext uri="{BB962C8B-B14F-4D97-AF65-F5344CB8AC3E}">
-        <p14:creationId xmlns:p14="http://schemas.microsoft.com/office/powerpoint/2010/main" val="3852235901"/>
-      </p:ext>
-    </p:extLst>
-  </p:cSld>
-  <p:clrMapOvr>
-    <a:masterClrMapping/>
-  </p:clrMapOvr>
-  <p:timing>
-    <p:tnLst>
-      <p:par>
-        <p:cTn id="1" dur="indefinite" restart="never" nodeType="tmRoot"/>
-      </p:par>
-    </p:tnLst>
-  </p:timing>
-</p:sld>
-</file>
-
-<file path=ppt/slides/slide2.xml><?xml version="1.0" encoding="utf-8"?>
-<p:sld xmlns:a="http://schemas.openxmlformats.org/drawingml/2006/main" xmlns:r="http://schemas.openxmlformats.org/officeDocument/2006/relationships" xmlns:p="http://schemas.openxmlformats.org/presentationml/2006/main">
-  <p:cSld>
-    <p:spTree>
-      <p:nvGrpSpPr>
-        <p:cNvPr id="1" name=""/>
-        <p:cNvGrpSpPr/>
-        <p:nvPr/>
-      </p:nvGrpSpPr>
-      <p:grpSpPr>
-        <a:xfrm>
-          <a:off x="0" y="0"/>
-          <a:ext cx="0" cy="0"/>
-          <a:chOff x="0" y="0"/>
-          <a:chExt cx="0" cy="0"/>
-        </a:xfrm>
-      </p:grpSpPr>
-      <p:sp>
-        <p:nvSpPr>
-          <p:cNvPr id="4" name="Título 3"/>
-          <p:cNvSpPr>
-            <a:spLocks noGrp="1"/>
-          </p:cNvSpPr>
-          <p:nvPr>
-            <p:ph type="ctrTitle"/>
-          </p:nvPr>
-        </p:nvSpPr>
-        <p:spPr>
-          <a:xfrm>
-            <a:off x="3347864" y="188640"/>
-            <a:ext cx="5688632" cy="504056"/>
-          </a:xfrm>
-        </p:spPr>
-        <p:txBody>
-          <a:bodyPr>
-            <a:normAutofit/>
-          </a:bodyPr>
-          <a:lstStyle/>
-          <a:p>
-            <a:r>
-              <a:rPr lang="pt-BR" sz="2400" dirty="0" smtClean="0"/>
-              <a:t>Estrutura do curso</a:t>
-            </a:r>
-            <a:endParaRPr lang="pt-BR" sz="1400" dirty="0"/>
-          </a:p>
-        </p:txBody>
-      </p:sp>
-      <p:sp>
-        <p:nvSpPr>
-          <p:cNvPr id="2" name="CaixaDeTexto 1"/>
-          <p:cNvSpPr txBox="1"/>
-          <p:nvPr/>
-        </p:nvSpPr>
-        <p:spPr>
-          <a:xfrm>
-            <a:off x="1763688" y="1700808"/>
-            <a:ext cx="4608512" cy="369332"/>
-          </a:xfrm>
-          <a:prstGeom prst="rect">
-            <a:avLst/>
-          </a:prstGeom>
-          <a:noFill/>
-        </p:spPr>
-        <p:txBody>
-          <a:bodyPr wrap="square" rtlCol="0">
-            <a:spAutoFit/>
-          </a:bodyPr>
-          <a:lstStyle/>
-          <a:p>
-            <a:r>
-              <a:rPr lang="pt-BR" dirty="0" smtClean="0"/>
-              <a:t>1º dia: ....</a:t>
-            </a:r>
-            <a:endParaRPr lang="pt-BR" dirty="0"/>
-          </a:p>
-        </p:txBody>
-      </p:sp>
-    </p:spTree>
-    <p:extLst>
-      <p:ext uri="{BB962C8B-B14F-4D97-AF65-F5344CB8AC3E}">
-        <p14:creationId xmlns:p14="http://schemas.microsoft.com/office/powerpoint/2010/main" val="102267183"/>
-      </p:ext>
-    </p:extLst>
-  </p:cSld>
-  <p:clrMapOvr>
-    <a:masterClrMapping/>
-  </p:clrMapOvr>
-  <p:timing>
-    <p:tnLst>
-      <p:par>
-        <p:cTn id="1" dur="indefinite" restart="never" nodeType="tmRoot"/>
-      </p:par>
-    </p:tnLst>
-  </p:timing>
-</p:sld>
-</file>
-
-<file path=ppt/slides/slide20.xml><?xml version="1.0" encoding="utf-8"?>
-<p:sld xmlns:a="http://schemas.openxmlformats.org/drawingml/2006/main" xmlns:r="http://schemas.openxmlformats.org/officeDocument/2006/relationships" xmlns:p="http://schemas.openxmlformats.org/presentationml/2006/main">
-  <p:cSld>
-    <p:spTree>
-      <p:nvGrpSpPr>
-        <p:cNvPr id="1" name=""/>
-        <p:cNvGrpSpPr/>
-        <p:nvPr/>
-      </p:nvGrpSpPr>
-      <p:grpSpPr>
-        <a:xfrm>
-          <a:off x="0" y="0"/>
-          <a:ext cx="0" cy="0"/>
-          <a:chOff x="0" y="0"/>
-          <a:chExt cx="0" cy="0"/>
-        </a:xfrm>
-      </p:grpSpPr>
-      <p:pic>
-        <p:nvPicPr>
-          <p:cNvPr id="2" name="Imagem 1"/>
-          <p:cNvPicPr>
-            <a:picLocks noChangeAspect="1"/>
-          </p:cNvPicPr>
-          <p:nvPr/>
-        </p:nvPicPr>
-        <p:blipFill>
-          <a:blip r:embed="rId3"/>
-          <a:stretch>
-            <a:fillRect/>
-          </a:stretch>
-        </p:blipFill>
-        <p:spPr>
-          <a:xfrm>
-            <a:off x="3101360" y="3418789"/>
-            <a:ext cx="2901402" cy="3171300"/>
-          </a:xfrm>
-          <a:prstGeom prst="rect">
-            <a:avLst/>
-          </a:prstGeom>
-          <a:ln>
-            <a:noFill/>
-          </a:ln>
-          <a:effectLst>
-            <a:softEdge rad="112500"/>
-          </a:effectLst>
-        </p:spPr>
-      </p:pic>
-      <p:sp>
-        <p:nvSpPr>
-          <p:cNvPr id="4" name="Título 3"/>
-          <p:cNvSpPr>
-            <a:spLocks noGrp="1"/>
-          </p:cNvSpPr>
-          <p:nvPr>
-            <p:ph type="ctrTitle"/>
-          </p:nvPr>
-        </p:nvSpPr>
-        <p:spPr>
-          <a:xfrm>
-            <a:off x="3275856" y="138754"/>
-            <a:ext cx="4680520" cy="504056"/>
-          </a:xfrm>
-        </p:spPr>
-        <p:txBody>
-          <a:bodyPr>
-            <a:normAutofit/>
-          </a:bodyPr>
-          <a:lstStyle/>
-          <a:p>
-            <a:r>
-              <a:rPr lang="pt-BR" sz="2400" dirty="0" smtClean="0"/>
-              <a:t>4) Aplicações C++/</a:t>
-            </a:r>
-            <a:r>
-              <a:rPr lang="pt-BR" sz="2400" dirty="0" err="1" smtClean="0"/>
-              <a:t>Qt</a:t>
-            </a:r>
-            <a:r>
-              <a:rPr lang="pt-BR" sz="2400" dirty="0" smtClean="0"/>
-              <a:t> com VTK</a:t>
-            </a:r>
-            <a:endParaRPr lang="pt-BR" sz="1400" dirty="0"/>
-          </a:p>
-        </p:txBody>
-      </p:sp>
-      <p:sp>
-        <p:nvSpPr>
-          <p:cNvPr id="54" name="CaixaDeTexto 53"/>
-          <p:cNvSpPr txBox="1"/>
-          <p:nvPr/>
-        </p:nvSpPr>
-        <p:spPr>
-          <a:xfrm>
-            <a:off x="4067944" y="1218238"/>
-            <a:ext cx="1608133" cy="338554"/>
-          </a:xfrm>
-          <a:prstGeom prst="rect">
-            <a:avLst/>
-          </a:prstGeom>
-          <a:noFill/>
-        </p:spPr>
-        <p:txBody>
-          <a:bodyPr wrap="none" rtlCol="0">
-            <a:spAutoFit/>
-          </a:bodyPr>
-          <a:lstStyle/>
-          <a:p>
-            <a:r>
-              <a:rPr lang="pt-BR" sz="1600" b="1" dirty="0" smtClean="0"/>
-              <a:t>4.1.3) </a:t>
-            </a:r>
-            <a:r>
-              <a:rPr lang="pt-BR" sz="1600" b="1" dirty="0" err="1" smtClean="0"/>
-              <a:t>Hello</a:t>
-            </a:r>
-            <a:r>
-              <a:rPr lang="pt-BR" sz="1600" b="1" dirty="0" smtClean="0"/>
-              <a:t> VTK!</a:t>
-            </a:r>
-            <a:endParaRPr lang="pt-BR" sz="1600" b="1" dirty="0"/>
-          </a:p>
-        </p:txBody>
-      </p:sp>
-      <p:sp>
-        <p:nvSpPr>
-          <p:cNvPr id="55" name="CaixaDeTexto 54"/>
-          <p:cNvSpPr txBox="1"/>
-          <p:nvPr/>
-        </p:nvSpPr>
-        <p:spPr>
-          <a:xfrm>
-            <a:off x="2987824" y="908720"/>
-            <a:ext cx="4154984" cy="369332"/>
-          </a:xfrm>
-          <a:prstGeom prst="rect">
-            <a:avLst/>
-          </a:prstGeom>
-          <a:noFill/>
-        </p:spPr>
-        <p:txBody>
-          <a:bodyPr wrap="none" rtlCol="0">
-            <a:spAutoFit/>
-          </a:bodyPr>
-          <a:lstStyle/>
-          <a:p>
-            <a:r>
-              <a:rPr lang="pt-BR" b="1" dirty="0" smtClean="0"/>
-              <a:t>4.1) Criando um aplicativo VTK elementar</a:t>
-            </a:r>
-            <a:endParaRPr lang="pt-BR" b="1" dirty="0"/>
-          </a:p>
-        </p:txBody>
-      </p:sp>
-      <p:sp>
-        <p:nvSpPr>
-          <p:cNvPr id="14" name="CaixaDeTexto 13"/>
-          <p:cNvSpPr txBox="1"/>
-          <p:nvPr/>
-        </p:nvSpPr>
-        <p:spPr>
-          <a:xfrm>
-            <a:off x="263696" y="2814027"/>
-            <a:ext cx="8484768" cy="584775"/>
-          </a:xfrm>
-          <a:prstGeom prst="rect">
-            <a:avLst/>
-          </a:prstGeom>
-          <a:noFill/>
-        </p:spPr>
-        <p:txBody>
-          <a:bodyPr wrap="square" rtlCol="0">
-            <a:spAutoFit/>
-          </a:bodyPr>
-          <a:lstStyle/>
-          <a:p>
-            <a:pPr marL="285750" indent="-285750" algn="just">
-              <a:buFont typeface="Wingdings" panose="05000000000000000000" pitchFamily="2" charset="2"/>
-              <a:buChar char="Ø"/>
-            </a:pPr>
-            <a:r>
-              <a:rPr lang="pt-BR" sz="1600" dirty="0" err="1" smtClean="0"/>
-              <a:t>Qt</a:t>
-            </a:r>
-            <a:r>
-              <a:rPr lang="pt-BR" sz="1600" dirty="0" smtClean="0"/>
-              <a:t> </a:t>
-            </a:r>
-            <a:r>
-              <a:rPr lang="pt-BR" sz="1600" dirty="0" err="1" smtClean="0"/>
-              <a:t>Creator</a:t>
-            </a:r>
-            <a:r>
-              <a:rPr lang="pt-BR" sz="1600" dirty="0" smtClean="0"/>
-              <a:t>: sempre que houver alterações no projeto (via alterações no </a:t>
-            </a:r>
-            <a:r>
-              <a:rPr lang="pt-BR" sz="1600" dirty="0" smtClean="0">
-                <a:latin typeface="Courier New" panose="02070309020205020404" pitchFamily="49" charset="0"/>
-                <a:cs typeface="Courier New" panose="02070309020205020404" pitchFamily="49" charset="0"/>
-              </a:rPr>
-              <a:t>CMakeLists.txt</a:t>
-            </a:r>
-            <a:r>
-              <a:rPr lang="pt-BR" sz="1600" dirty="0" smtClean="0"/>
-              <a:t>), deve-se chamar o menu de contexto do projeto e acionar a opção </a:t>
-            </a:r>
-            <a:r>
-              <a:rPr lang="pt-BR" sz="1600" b="1" dirty="0" err="1" smtClean="0"/>
-              <a:t>Run</a:t>
-            </a:r>
-            <a:r>
-              <a:rPr lang="pt-BR" sz="1600" b="1" dirty="0" smtClean="0"/>
-              <a:t> </a:t>
-            </a:r>
-            <a:r>
-              <a:rPr lang="pt-BR" sz="1600" b="1" dirty="0" err="1" smtClean="0"/>
-              <a:t>CMake</a:t>
-            </a:r>
-            <a:r>
-              <a:rPr lang="pt-BR" sz="1600" dirty="0"/>
-              <a:t>.</a:t>
-            </a:r>
-            <a:endParaRPr lang="pt-BR" sz="1600" dirty="0">
-              <a:latin typeface="Courier New" panose="02070309020205020404" pitchFamily="49" charset="0"/>
-              <a:cs typeface="Courier New" panose="02070309020205020404" pitchFamily="49" charset="0"/>
-            </a:endParaRPr>
-          </a:p>
-        </p:txBody>
-      </p:sp>
-      <p:pic>
-        <p:nvPicPr>
-          <p:cNvPr id="12" name="Imagem 11"/>
-          <p:cNvPicPr>
-            <a:picLocks noChangeAspect="1"/>
-          </p:cNvPicPr>
-          <p:nvPr/>
-        </p:nvPicPr>
-        <p:blipFill>
-          <a:blip r:embed="rId4">
-            <a:clrChange>
-              <a:clrFrom>
-                <a:srgbClr val="FFFFFF"/>
-              </a:clrFrom>
-              <a:clrTo>
-                <a:srgbClr val="FFFFFF">
-                  <a:alpha val="0"/>
-                </a:srgbClr>
-              </a:clrTo>
-            </a:clrChange>
-          </a:blip>
-          <a:stretch>
-            <a:fillRect/>
-          </a:stretch>
-        </p:blipFill>
-        <p:spPr>
-          <a:xfrm>
-            <a:off x="4127950" y="1628800"/>
-            <a:ext cx="1092122" cy="1008112"/>
-          </a:xfrm>
-          <a:prstGeom prst="rect">
-            <a:avLst/>
-          </a:prstGeom>
-          <a:ln>
-            <a:noFill/>
-          </a:ln>
-          <a:effectLst>
-            <a:outerShdw blurRad="292100" dist="139700" dir="2700000" algn="tl" rotWithShape="0">
-              <a:srgbClr val="333333">
-                <a:alpha val="65000"/>
-              </a:srgbClr>
-            </a:outerShdw>
-          </a:effectLst>
-        </p:spPr>
-      </p:pic>
-      <p:pic>
-        <p:nvPicPr>
-          <p:cNvPr id="15" name="Imagem 14"/>
-          <p:cNvPicPr>
-            <a:picLocks noChangeAspect="1"/>
-          </p:cNvPicPr>
-          <p:nvPr/>
-        </p:nvPicPr>
-        <p:blipFill>
-          <a:blip r:embed="rId5">
-            <a:clrChange>
-              <a:clrFrom>
-                <a:srgbClr val="FFFFFF"/>
-              </a:clrFrom>
-              <a:clrTo>
-                <a:srgbClr val="FFFFFF">
-                  <a:alpha val="0"/>
-                </a:srgbClr>
-              </a:clrTo>
-            </a:clrChange>
-          </a:blip>
-          <a:stretch>
-            <a:fillRect/>
-          </a:stretch>
-        </p:blipFill>
-        <p:spPr>
-          <a:xfrm flipH="1">
-            <a:off x="5105504" y="4030555"/>
-            <a:ext cx="547482" cy="421305"/>
-          </a:xfrm>
-          <a:prstGeom prst="rect">
-            <a:avLst/>
-          </a:prstGeom>
-        </p:spPr>
-      </p:pic>
-    </p:spTree>
-    <p:extLst>
-      <p:ext uri="{BB962C8B-B14F-4D97-AF65-F5344CB8AC3E}">
-        <p14:creationId xmlns:p14="http://schemas.microsoft.com/office/powerpoint/2010/main" val="3160225612"/>
-      </p:ext>
-    </p:extLst>
-  </p:cSld>
-  <p:clrMapOvr>
-    <a:masterClrMapping/>
-  </p:clrMapOvr>
-  <p:timing>
-    <p:tnLst>
-      <p:par>
-        <p:cTn id="1" dur="indefinite" restart="never" nodeType="tmRoot"/>
-      </p:par>
-    </p:tnLst>
-  </p:timing>
-</p:sld>
-</file>
-
-<file path=ppt/slides/slide21.xml><?xml version="1.0" encoding="utf-8"?>
-<p:sld xmlns:a="http://schemas.openxmlformats.org/drawingml/2006/main" xmlns:r="http://schemas.openxmlformats.org/officeDocument/2006/relationships" xmlns:p="http://schemas.openxmlformats.org/presentationml/2006/main">
-  <p:cSld>
-    <p:spTree>
-      <p:nvGrpSpPr>
-        <p:cNvPr id="1" name=""/>
-        <p:cNvGrpSpPr/>
-        <p:nvPr/>
-      </p:nvGrpSpPr>
-      <p:grpSpPr>
-        <a:xfrm>
-          <a:off x="0" y="0"/>
-          <a:ext cx="0" cy="0"/>
-          <a:chOff x="0" y="0"/>
-          <a:chExt cx="0" cy="0"/>
-        </a:xfrm>
-      </p:grpSpPr>
-      <p:sp>
-        <p:nvSpPr>
-          <p:cNvPr id="4" name="Título 3"/>
-          <p:cNvSpPr>
-            <a:spLocks noGrp="1"/>
-          </p:cNvSpPr>
-          <p:nvPr>
-            <p:ph type="ctrTitle"/>
-          </p:nvPr>
-        </p:nvSpPr>
-        <p:spPr>
-          <a:xfrm>
-            <a:off x="3275856" y="138754"/>
-            <a:ext cx="4680520" cy="504056"/>
-          </a:xfrm>
-        </p:spPr>
-        <p:txBody>
-          <a:bodyPr>
-            <a:normAutofit/>
-          </a:bodyPr>
-          <a:lstStyle/>
-          <a:p>
-            <a:r>
-              <a:rPr lang="pt-BR" sz="2400" dirty="0" smtClean="0"/>
-              <a:t>4) Aplicações C++/</a:t>
-            </a:r>
-            <a:r>
-              <a:rPr lang="pt-BR" sz="2400" dirty="0" err="1" smtClean="0"/>
-              <a:t>Qt</a:t>
-            </a:r>
-            <a:r>
-              <a:rPr lang="pt-BR" sz="2400" dirty="0" smtClean="0"/>
-              <a:t> com VTK</a:t>
-            </a:r>
-            <a:endParaRPr lang="pt-BR" sz="1400" dirty="0"/>
-          </a:p>
-        </p:txBody>
-      </p:sp>
-      <p:sp>
-        <p:nvSpPr>
-          <p:cNvPr id="54" name="CaixaDeTexto 53"/>
-          <p:cNvSpPr txBox="1"/>
-          <p:nvPr/>
-        </p:nvSpPr>
-        <p:spPr>
-          <a:xfrm>
-            <a:off x="4067944" y="1218238"/>
-            <a:ext cx="1608133" cy="338554"/>
-          </a:xfrm>
-          <a:prstGeom prst="rect">
-            <a:avLst/>
-          </a:prstGeom>
-          <a:noFill/>
-        </p:spPr>
-        <p:txBody>
-          <a:bodyPr wrap="none" rtlCol="0">
-            <a:spAutoFit/>
-          </a:bodyPr>
-          <a:lstStyle/>
-          <a:p>
-            <a:r>
-              <a:rPr lang="pt-BR" sz="1600" b="1" dirty="0" smtClean="0"/>
-              <a:t>4.1.3) </a:t>
-            </a:r>
-            <a:r>
-              <a:rPr lang="pt-BR" sz="1600" b="1" dirty="0" err="1" smtClean="0"/>
-              <a:t>Hello</a:t>
-            </a:r>
-            <a:r>
-              <a:rPr lang="pt-BR" sz="1600" b="1" dirty="0" smtClean="0"/>
-              <a:t> VTK!</a:t>
-            </a:r>
-            <a:endParaRPr lang="pt-BR" sz="1600" b="1" dirty="0"/>
-          </a:p>
-        </p:txBody>
-      </p:sp>
-      <p:sp>
-        <p:nvSpPr>
-          <p:cNvPr id="55" name="CaixaDeTexto 54"/>
-          <p:cNvSpPr txBox="1"/>
-          <p:nvPr/>
-        </p:nvSpPr>
-        <p:spPr>
-          <a:xfrm>
-            <a:off x="2987824" y="908720"/>
-            <a:ext cx="4154984" cy="369332"/>
-          </a:xfrm>
-          <a:prstGeom prst="rect">
-            <a:avLst/>
-          </a:prstGeom>
-          <a:noFill/>
-        </p:spPr>
-        <p:txBody>
-          <a:bodyPr wrap="none" rtlCol="0">
-            <a:spAutoFit/>
-          </a:bodyPr>
-          <a:lstStyle/>
-          <a:p>
-            <a:r>
-              <a:rPr lang="pt-BR" b="1" dirty="0" smtClean="0"/>
-              <a:t>4.1) Criando um aplicativo VTK elementar</a:t>
-            </a:r>
-            <a:endParaRPr lang="pt-BR" b="1" dirty="0"/>
-          </a:p>
-        </p:txBody>
-      </p:sp>
-      <p:sp>
-        <p:nvSpPr>
-          <p:cNvPr id="14" name="CaixaDeTexto 13"/>
-          <p:cNvSpPr txBox="1"/>
-          <p:nvPr/>
-        </p:nvSpPr>
-        <p:spPr>
-          <a:xfrm>
-            <a:off x="263696" y="2814027"/>
-            <a:ext cx="8484768" cy="338554"/>
-          </a:xfrm>
-          <a:prstGeom prst="rect">
-            <a:avLst/>
-          </a:prstGeom>
-          <a:noFill/>
-        </p:spPr>
-        <p:txBody>
-          <a:bodyPr wrap="square" rtlCol="0">
-            <a:spAutoFit/>
-          </a:bodyPr>
-          <a:lstStyle/>
-          <a:p>
-            <a:pPr marL="285750" indent="-285750" algn="just">
-              <a:buFont typeface="Wingdings" panose="05000000000000000000" pitchFamily="2" charset="2"/>
-              <a:buChar char="Ø"/>
-            </a:pPr>
-            <a:r>
-              <a:rPr lang="pt-BR" sz="1600" dirty="0" err="1" smtClean="0"/>
-              <a:t>Qt</a:t>
-            </a:r>
-            <a:r>
-              <a:rPr lang="pt-BR" sz="1600" dirty="0" smtClean="0"/>
-              <a:t> </a:t>
-            </a:r>
-            <a:r>
-              <a:rPr lang="pt-BR" sz="1600" dirty="0" err="1" smtClean="0"/>
-              <a:t>Creator</a:t>
-            </a:r>
-            <a:r>
-              <a:rPr lang="pt-BR" sz="1600" dirty="0" smtClean="0"/>
-              <a:t>: </a:t>
-            </a:r>
-            <a:r>
-              <a:rPr lang="pt-BR" sz="1600" dirty="0" smtClean="0"/>
-              <a:t>compile clicando em </a:t>
-            </a:r>
-            <a:endParaRPr lang="pt-BR" sz="1600" dirty="0">
-              <a:latin typeface="Courier New" panose="02070309020205020404" pitchFamily="49" charset="0"/>
-              <a:cs typeface="Courier New" panose="02070309020205020404" pitchFamily="49" charset="0"/>
-            </a:endParaRPr>
-          </a:p>
-        </p:txBody>
-      </p:sp>
-      <p:pic>
-        <p:nvPicPr>
-          <p:cNvPr id="3" name="Imagem 2"/>
-          <p:cNvPicPr>
-            <a:picLocks noChangeAspect="1"/>
-          </p:cNvPicPr>
-          <p:nvPr/>
-        </p:nvPicPr>
-        <p:blipFill>
-          <a:blip r:embed="rId3"/>
-          <a:stretch>
-            <a:fillRect/>
-          </a:stretch>
-        </p:blipFill>
-        <p:spPr>
-          <a:xfrm>
-            <a:off x="1847674" y="3861048"/>
-            <a:ext cx="6048672" cy="1896796"/>
-          </a:xfrm>
-          <a:prstGeom prst="rect">
-            <a:avLst/>
-          </a:prstGeom>
-          <a:ln>
-            <a:noFill/>
-          </a:ln>
-          <a:effectLst>
-            <a:softEdge rad="112500"/>
-          </a:effectLst>
-        </p:spPr>
-      </p:pic>
-      <p:pic>
-        <p:nvPicPr>
-          <p:cNvPr id="5" name="Imagem 4"/>
-          <p:cNvPicPr>
-            <a:picLocks noChangeAspect="1"/>
-          </p:cNvPicPr>
-          <p:nvPr/>
-        </p:nvPicPr>
-        <p:blipFill>
-          <a:blip r:embed="rId4"/>
-          <a:stretch>
-            <a:fillRect/>
-          </a:stretch>
-        </p:blipFill>
-        <p:spPr>
-          <a:xfrm>
-            <a:off x="3419872" y="2814027"/>
-            <a:ext cx="571500" cy="381000"/>
-          </a:xfrm>
-          <a:prstGeom prst="rect">
-            <a:avLst/>
-          </a:prstGeom>
-        </p:spPr>
-      </p:pic>
-    </p:spTree>
-    <p:extLst>
-      <p:ext uri="{BB962C8B-B14F-4D97-AF65-F5344CB8AC3E}">
-        <p14:creationId xmlns:p14="http://schemas.microsoft.com/office/powerpoint/2010/main" val="3796531025"/>
-      </p:ext>
-    </p:extLst>
-  </p:cSld>
-  <p:clrMapOvr>
-    <a:masterClrMapping/>
-  </p:clrMapOvr>
-  <p:timing>
-    <p:tnLst>
-      <p:par>
-        <p:cTn id="1" dur="indefinite" restart="never" nodeType="tmRoot"/>
-      </p:par>
-    </p:tnLst>
-  </p:timing>
-</p:sld>
-</file>
-
-<file path=ppt/slides/slide22.xml><?xml version="1.0" encoding="utf-8"?>
-<p:sld xmlns:a="http://schemas.openxmlformats.org/drawingml/2006/main" xmlns:r="http://schemas.openxmlformats.org/officeDocument/2006/relationships" xmlns:p="http://schemas.openxmlformats.org/presentationml/2006/main">
-  <p:cSld>
-    <p:spTree>
-      <p:nvGrpSpPr>
-        <p:cNvPr id="1" name=""/>
-        <p:cNvGrpSpPr/>
-        <p:nvPr/>
-      </p:nvGrpSpPr>
-      <p:grpSpPr>
-        <a:xfrm>
-          <a:off x="0" y="0"/>
-          <a:ext cx="0" cy="0"/>
-          <a:chOff x="0" y="0"/>
-          <a:chExt cx="0" cy="0"/>
-        </a:xfrm>
-      </p:grpSpPr>
-      <p:pic>
-        <p:nvPicPr>
-          <p:cNvPr id="5" name="Imagem 4"/>
-          <p:cNvPicPr>
-            <a:picLocks noChangeAspect="1"/>
-          </p:cNvPicPr>
-          <p:nvPr/>
-        </p:nvPicPr>
-        <p:blipFill>
-          <a:blip r:embed="rId3"/>
-          <a:stretch>
-            <a:fillRect/>
-          </a:stretch>
-        </p:blipFill>
-        <p:spPr>
-          <a:xfrm>
-            <a:off x="2374007" y="2538080"/>
-            <a:ext cx="2486025" cy="1085850"/>
-          </a:xfrm>
-          <a:prstGeom prst="rect">
-            <a:avLst/>
-          </a:prstGeom>
-          <a:ln>
-            <a:noFill/>
-          </a:ln>
-          <a:effectLst>
-            <a:softEdge rad="112500"/>
-          </a:effectLst>
-        </p:spPr>
-      </p:pic>
-      <p:sp>
-        <p:nvSpPr>
-          <p:cNvPr id="4" name="Título 3"/>
-          <p:cNvSpPr>
-            <a:spLocks noGrp="1"/>
-          </p:cNvSpPr>
-          <p:nvPr>
-            <p:ph type="ctrTitle"/>
-          </p:nvPr>
-        </p:nvSpPr>
-        <p:spPr>
-          <a:xfrm>
-            <a:off x="3275856" y="138754"/>
-            <a:ext cx="4680520" cy="504056"/>
-          </a:xfrm>
-        </p:spPr>
-        <p:txBody>
-          <a:bodyPr>
-            <a:normAutofit/>
-          </a:bodyPr>
-          <a:lstStyle/>
-          <a:p>
-            <a:r>
-              <a:rPr lang="pt-BR" sz="2400" dirty="0" smtClean="0"/>
-              <a:t>4) Aplicações C++/</a:t>
-            </a:r>
-            <a:r>
-              <a:rPr lang="pt-BR" sz="2400" dirty="0" err="1" smtClean="0"/>
-              <a:t>Qt</a:t>
-            </a:r>
-            <a:r>
-              <a:rPr lang="pt-BR" sz="2400" dirty="0" smtClean="0"/>
-              <a:t> com VTK</a:t>
-            </a:r>
-            <a:endParaRPr lang="pt-BR" sz="1400" dirty="0"/>
-          </a:p>
-        </p:txBody>
-      </p:sp>
-      <p:sp>
-        <p:nvSpPr>
-          <p:cNvPr id="54" name="CaixaDeTexto 53"/>
-          <p:cNvSpPr txBox="1"/>
-          <p:nvPr/>
-        </p:nvSpPr>
-        <p:spPr>
-          <a:xfrm>
-            <a:off x="4067944" y="1218238"/>
-            <a:ext cx="1608133" cy="338554"/>
-          </a:xfrm>
-          <a:prstGeom prst="rect">
-            <a:avLst/>
-          </a:prstGeom>
-          <a:noFill/>
-        </p:spPr>
-        <p:txBody>
-          <a:bodyPr wrap="none" rtlCol="0">
-            <a:spAutoFit/>
-          </a:bodyPr>
-          <a:lstStyle/>
-          <a:p>
-            <a:r>
-              <a:rPr lang="pt-BR" sz="1600" b="1" dirty="0" smtClean="0"/>
-              <a:t>4.1.3) </a:t>
-            </a:r>
-            <a:r>
-              <a:rPr lang="pt-BR" sz="1600" b="1" dirty="0" err="1" smtClean="0"/>
-              <a:t>Hello</a:t>
-            </a:r>
-            <a:r>
-              <a:rPr lang="pt-BR" sz="1600" b="1" dirty="0" smtClean="0"/>
-              <a:t> VTK!</a:t>
-            </a:r>
-            <a:endParaRPr lang="pt-BR" sz="1600" b="1" dirty="0"/>
-          </a:p>
-        </p:txBody>
-      </p:sp>
-      <p:sp>
-        <p:nvSpPr>
-          <p:cNvPr id="55" name="CaixaDeTexto 54"/>
-          <p:cNvSpPr txBox="1"/>
-          <p:nvPr/>
-        </p:nvSpPr>
-        <p:spPr>
-          <a:xfrm>
-            <a:off x="2987824" y="908720"/>
-            <a:ext cx="4154984" cy="369332"/>
-          </a:xfrm>
-          <a:prstGeom prst="rect">
-            <a:avLst/>
-          </a:prstGeom>
-          <a:noFill/>
-        </p:spPr>
-        <p:txBody>
-          <a:bodyPr wrap="none" rtlCol="0">
-            <a:spAutoFit/>
-          </a:bodyPr>
-          <a:lstStyle/>
-          <a:p>
-            <a:r>
-              <a:rPr lang="pt-BR" b="1" dirty="0" smtClean="0"/>
-              <a:t>4.1) Criando um aplicativo VTK elementar</a:t>
-            </a:r>
-            <a:endParaRPr lang="pt-BR" b="1" dirty="0"/>
-          </a:p>
-        </p:txBody>
-      </p:sp>
-      <p:sp>
-        <p:nvSpPr>
-          <p:cNvPr id="14" name="CaixaDeTexto 13"/>
-          <p:cNvSpPr txBox="1"/>
-          <p:nvPr/>
-        </p:nvSpPr>
-        <p:spPr>
-          <a:xfrm>
-            <a:off x="251520" y="1700808"/>
-            <a:ext cx="8484768" cy="4770537"/>
-          </a:xfrm>
-          <a:prstGeom prst="rect">
-            <a:avLst/>
-          </a:prstGeom>
-          <a:noFill/>
-        </p:spPr>
-        <p:txBody>
-          <a:bodyPr wrap="square" rtlCol="0">
-            <a:spAutoFit/>
-          </a:bodyPr>
-          <a:lstStyle/>
-          <a:p>
-            <a:pPr marL="285750" indent="-285750" algn="just">
-              <a:buFont typeface="Wingdings" panose="05000000000000000000" pitchFamily="2" charset="2"/>
-              <a:buChar char="Ø"/>
-            </a:pPr>
-            <a:r>
-              <a:rPr lang="pt-BR" sz="1600" dirty="0" err="1" smtClean="0"/>
-              <a:t>Qt</a:t>
-            </a:r>
-            <a:r>
-              <a:rPr lang="pt-BR" sz="1600" dirty="0" smtClean="0"/>
-              <a:t> </a:t>
-            </a:r>
-            <a:r>
-              <a:rPr lang="pt-BR" sz="1600" dirty="0" err="1" smtClean="0"/>
-              <a:t>Creator</a:t>
-            </a:r>
-            <a:r>
-              <a:rPr lang="pt-BR" sz="1600" dirty="0" smtClean="0"/>
-              <a:t>: </a:t>
-            </a:r>
-            <a:r>
-              <a:rPr lang="pt-BR" sz="1600" dirty="0" smtClean="0"/>
-              <a:t>Ao executar (play) o programa pode </a:t>
-            </a:r>
-            <a:r>
-              <a:rPr lang="pt-BR" sz="1600" dirty="0" err="1" smtClean="0"/>
-              <a:t>abendar</a:t>
-            </a:r>
-            <a:r>
-              <a:rPr lang="pt-BR" sz="1600" dirty="0" smtClean="0"/>
-              <a:t> (crash).  Provavelmente porque os </a:t>
-            </a:r>
-            <a:r>
-              <a:rPr lang="pt-BR" sz="1600" dirty="0" err="1" smtClean="0"/>
-              <a:t>SOs</a:t>
-            </a:r>
-            <a:r>
-              <a:rPr lang="pt-BR" sz="1600" dirty="0" smtClean="0"/>
-              <a:t>/</a:t>
-            </a:r>
-            <a:r>
-              <a:rPr lang="pt-BR" sz="1600" dirty="0" err="1" smtClean="0"/>
-              <a:t>DLLs</a:t>
-            </a:r>
-            <a:r>
-              <a:rPr lang="pt-BR" sz="1600" dirty="0" smtClean="0"/>
-              <a:t> do VTK não estão visíveis (fora do </a:t>
-            </a:r>
-            <a:r>
-              <a:rPr lang="pt-BR" sz="1600" dirty="0" smtClean="0">
-                <a:latin typeface="Courier New" panose="02070309020205020404" pitchFamily="49" charset="0"/>
-                <a:cs typeface="Courier New" panose="02070309020205020404" pitchFamily="49" charset="0"/>
-              </a:rPr>
-              <a:t>PATH</a:t>
-            </a:r>
-            <a:r>
-              <a:rPr lang="pt-BR" sz="1600" dirty="0" smtClean="0"/>
-              <a:t> (Windows) ou </a:t>
-            </a:r>
-            <a:r>
-              <a:rPr lang="pt-BR" sz="1600" dirty="0" smtClean="0">
-                <a:latin typeface="Courier New" panose="02070309020205020404" pitchFamily="49" charset="0"/>
-                <a:cs typeface="Courier New" panose="02070309020205020404" pitchFamily="49" charset="0"/>
-              </a:rPr>
-              <a:t>LD_LIBRARY_PATH</a:t>
-            </a:r>
-            <a:r>
-              <a:rPr lang="pt-BR" sz="1600" dirty="0" smtClean="0"/>
-              <a:t> (Unix)).</a:t>
-            </a:r>
-          </a:p>
-          <a:p>
-            <a:pPr marL="285750" indent="-285750" algn="just">
-              <a:buFont typeface="Wingdings" panose="05000000000000000000" pitchFamily="2" charset="2"/>
-              <a:buChar char="Ø"/>
-            </a:pPr>
-            <a:endParaRPr lang="pt-BR" sz="1600" dirty="0"/>
-          </a:p>
-          <a:p>
-            <a:pPr marL="285750" indent="-285750" algn="just">
-              <a:buFont typeface="Wingdings" panose="05000000000000000000" pitchFamily="2" charset="2"/>
-              <a:buChar char="Ø"/>
-            </a:pPr>
-            <a:endParaRPr lang="pt-BR" sz="1600" dirty="0" smtClean="0"/>
-          </a:p>
-          <a:p>
-            <a:pPr marL="285750" indent="-285750" algn="just">
-              <a:buFont typeface="Wingdings" panose="05000000000000000000" pitchFamily="2" charset="2"/>
-              <a:buChar char="Ø"/>
-            </a:pPr>
-            <a:endParaRPr lang="pt-BR" sz="1600" dirty="0" smtClean="0">
-              <a:cs typeface="Courier New" panose="02070309020205020404" pitchFamily="49" charset="0"/>
-            </a:endParaRPr>
-          </a:p>
-          <a:p>
-            <a:pPr marL="285750" indent="-285750" algn="just">
-              <a:buFont typeface="Wingdings" panose="05000000000000000000" pitchFamily="2" charset="2"/>
-              <a:buChar char="Ø"/>
-            </a:pPr>
-            <a:r>
-              <a:rPr lang="pt-BR" sz="1600" dirty="0" smtClean="0">
-                <a:cs typeface="Courier New" panose="02070309020205020404" pitchFamily="49" charset="0"/>
-              </a:rPr>
-              <a:t>Ir a                 depois</a:t>
-            </a:r>
-          </a:p>
-          <a:p>
-            <a:pPr marL="285750" indent="-285750" algn="just">
-              <a:buFont typeface="Wingdings" panose="05000000000000000000" pitchFamily="2" charset="2"/>
-              <a:buChar char="Ø"/>
-            </a:pPr>
-            <a:endParaRPr lang="pt-BR" sz="1600" dirty="0">
-              <a:cs typeface="Courier New" panose="02070309020205020404" pitchFamily="49" charset="0"/>
-            </a:endParaRPr>
-          </a:p>
-          <a:p>
-            <a:pPr marL="285750" indent="-285750" algn="just">
-              <a:buFont typeface="Wingdings" panose="05000000000000000000" pitchFamily="2" charset="2"/>
-              <a:buChar char="Ø"/>
-            </a:pPr>
-            <a:endParaRPr lang="pt-BR" sz="1600" dirty="0" smtClean="0">
-              <a:cs typeface="Courier New" panose="02070309020205020404" pitchFamily="49" charset="0"/>
-            </a:endParaRPr>
-          </a:p>
-          <a:p>
-            <a:pPr marL="285750" indent="-285750" algn="just">
-              <a:buFont typeface="Wingdings" panose="05000000000000000000" pitchFamily="2" charset="2"/>
-              <a:buChar char="Ø"/>
-            </a:pPr>
-            <a:endParaRPr lang="pt-BR" sz="1600" dirty="0">
-              <a:cs typeface="Courier New" panose="02070309020205020404" pitchFamily="49" charset="0"/>
-            </a:endParaRPr>
-          </a:p>
-          <a:p>
-            <a:pPr marL="285750" indent="-285750" algn="just">
-              <a:buFont typeface="Wingdings" panose="05000000000000000000" pitchFamily="2" charset="2"/>
-              <a:buChar char="Ø"/>
-            </a:pPr>
-            <a:endParaRPr lang="pt-BR" sz="1600" dirty="0" smtClean="0">
-              <a:cs typeface="Courier New" panose="02070309020205020404" pitchFamily="49" charset="0"/>
-            </a:endParaRPr>
-          </a:p>
-          <a:p>
-            <a:pPr marL="285750" indent="-285750" algn="just">
-              <a:buFont typeface="Wingdings" panose="05000000000000000000" pitchFamily="2" charset="2"/>
-              <a:buChar char="Ø"/>
-            </a:pPr>
-            <a:endParaRPr lang="pt-BR" sz="1600" dirty="0">
-              <a:cs typeface="Courier New" panose="02070309020205020404" pitchFamily="49" charset="0"/>
-            </a:endParaRPr>
-          </a:p>
-          <a:p>
-            <a:pPr marL="285750" indent="-285750" algn="just">
-              <a:buFont typeface="Wingdings" panose="05000000000000000000" pitchFamily="2" charset="2"/>
-              <a:buChar char="Ø"/>
-            </a:pPr>
-            <a:endParaRPr lang="pt-BR" sz="1600" dirty="0" smtClean="0">
-              <a:cs typeface="Courier New" panose="02070309020205020404" pitchFamily="49" charset="0"/>
-            </a:endParaRPr>
-          </a:p>
-          <a:p>
-            <a:pPr marL="285750" indent="-285750" algn="just">
-              <a:buFont typeface="Wingdings" panose="05000000000000000000" pitchFamily="2" charset="2"/>
-              <a:buChar char="Ø"/>
-            </a:pPr>
-            <a:endParaRPr lang="pt-BR" sz="1600" dirty="0">
-              <a:cs typeface="Courier New" panose="02070309020205020404" pitchFamily="49" charset="0"/>
-            </a:endParaRPr>
-          </a:p>
-          <a:p>
-            <a:pPr marL="285750" indent="-285750" algn="just">
-              <a:buFont typeface="Wingdings" panose="05000000000000000000" pitchFamily="2" charset="2"/>
-              <a:buChar char="Ø"/>
-            </a:pPr>
-            <a:endParaRPr lang="pt-BR" sz="1600" dirty="0" smtClean="0">
-              <a:cs typeface="Courier New" panose="02070309020205020404" pitchFamily="49" charset="0"/>
-            </a:endParaRPr>
-          </a:p>
-          <a:p>
-            <a:pPr marL="285750" indent="-285750" algn="just">
-              <a:buFont typeface="Wingdings" panose="05000000000000000000" pitchFamily="2" charset="2"/>
-              <a:buChar char="Ø"/>
-            </a:pPr>
-            <a:endParaRPr lang="pt-BR" sz="1600" dirty="0">
-              <a:cs typeface="Courier New" panose="02070309020205020404" pitchFamily="49" charset="0"/>
-            </a:endParaRPr>
-          </a:p>
-          <a:p>
-            <a:pPr marL="285750" indent="-285750" algn="just">
-              <a:buFont typeface="Wingdings" panose="05000000000000000000" pitchFamily="2" charset="2"/>
-              <a:buChar char="Ø"/>
-            </a:pPr>
-            <a:endParaRPr lang="pt-BR" sz="1600" dirty="0" smtClean="0">
-              <a:cs typeface="Courier New" panose="02070309020205020404" pitchFamily="49" charset="0"/>
-            </a:endParaRPr>
-          </a:p>
-          <a:p>
-            <a:pPr marL="285750" indent="-285750" algn="just">
-              <a:buFont typeface="Wingdings" panose="05000000000000000000" pitchFamily="2" charset="2"/>
-              <a:buChar char="Ø"/>
-            </a:pPr>
-            <a:endParaRPr lang="pt-BR" sz="1600" dirty="0">
-              <a:cs typeface="Courier New" panose="02070309020205020404" pitchFamily="49" charset="0"/>
-            </a:endParaRPr>
-          </a:p>
-          <a:p>
-            <a:pPr marL="285750" indent="-285750" algn="just">
-              <a:buFont typeface="Wingdings" panose="05000000000000000000" pitchFamily="2" charset="2"/>
-              <a:buChar char="Ø"/>
-            </a:pPr>
-            <a:r>
-              <a:rPr lang="pt-BR" sz="1600" dirty="0" smtClean="0">
-                <a:cs typeface="Courier New" panose="02070309020205020404" pitchFamily="49" charset="0"/>
-              </a:rPr>
-              <a:t>Pode ser que não funcione de primeira.  Nesse caso, fecha e abra o </a:t>
-            </a:r>
-            <a:r>
-              <a:rPr lang="pt-BR" sz="1600" dirty="0" err="1" smtClean="0">
-                <a:cs typeface="Courier New" panose="02070309020205020404" pitchFamily="49" charset="0"/>
-              </a:rPr>
-              <a:t>QtCreator</a:t>
-            </a:r>
-            <a:r>
-              <a:rPr lang="pt-BR" sz="1600" dirty="0" smtClean="0">
-                <a:cs typeface="Courier New" panose="02070309020205020404" pitchFamily="49" charset="0"/>
-              </a:rPr>
-              <a:t> de novo.</a:t>
-            </a:r>
-            <a:endParaRPr lang="pt-BR" sz="1600" dirty="0">
-              <a:cs typeface="Courier New" panose="02070309020205020404" pitchFamily="49" charset="0"/>
-            </a:endParaRPr>
-          </a:p>
-          <a:p>
-            <a:pPr marL="285750" indent="-285750" algn="just">
-              <a:buFont typeface="Wingdings" panose="05000000000000000000" pitchFamily="2" charset="2"/>
-              <a:buChar char="Ø"/>
-            </a:pPr>
-            <a:endParaRPr lang="pt-BR" sz="1600" dirty="0">
-              <a:latin typeface="Courier New" panose="02070309020205020404" pitchFamily="49" charset="0"/>
-              <a:cs typeface="Courier New" panose="02070309020205020404" pitchFamily="49" charset="0"/>
-            </a:endParaRPr>
-          </a:p>
-        </p:txBody>
-      </p:sp>
-      <p:pic>
-        <p:nvPicPr>
-          <p:cNvPr id="15" name="Imagem 14"/>
-          <p:cNvPicPr>
-            <a:picLocks noChangeAspect="1"/>
-          </p:cNvPicPr>
-          <p:nvPr/>
-        </p:nvPicPr>
-        <p:blipFill>
-          <a:blip r:embed="rId4">
-            <a:clrChange>
-              <a:clrFrom>
-                <a:srgbClr val="FFFFFF"/>
-              </a:clrFrom>
-              <a:clrTo>
-                <a:srgbClr val="FFFFFF">
-                  <a:alpha val="0"/>
-                </a:srgbClr>
-              </a:clrTo>
-            </a:clrChange>
-          </a:blip>
-          <a:stretch>
-            <a:fillRect/>
-          </a:stretch>
-        </p:blipFill>
-        <p:spPr>
-          <a:xfrm flipH="1">
-            <a:off x="3226708" y="3090380"/>
-            <a:ext cx="547482" cy="421305"/>
-          </a:xfrm>
-          <a:prstGeom prst="rect">
-            <a:avLst/>
-          </a:prstGeom>
-        </p:spPr>
-      </p:pic>
-      <p:pic>
-        <p:nvPicPr>
-          <p:cNvPr id="3" name="Imagem 2"/>
-          <p:cNvPicPr>
-            <a:picLocks noChangeAspect="1"/>
-          </p:cNvPicPr>
-          <p:nvPr/>
-        </p:nvPicPr>
-        <p:blipFill>
-          <a:blip r:embed="rId5"/>
-          <a:stretch>
-            <a:fillRect/>
-          </a:stretch>
-        </p:blipFill>
-        <p:spPr>
-          <a:xfrm>
-            <a:off x="1043608" y="2838118"/>
-            <a:ext cx="523875" cy="485775"/>
-          </a:xfrm>
-          <a:prstGeom prst="rect">
-            <a:avLst/>
-          </a:prstGeom>
-        </p:spPr>
-      </p:pic>
-      <p:pic>
-        <p:nvPicPr>
-          <p:cNvPr id="6" name="Imagem 5"/>
-          <p:cNvPicPr>
-            <a:picLocks noChangeAspect="1"/>
-          </p:cNvPicPr>
-          <p:nvPr/>
-        </p:nvPicPr>
-        <p:blipFill>
-          <a:blip r:embed="rId6"/>
-          <a:stretch>
-            <a:fillRect/>
-          </a:stretch>
-        </p:blipFill>
-        <p:spPr>
-          <a:xfrm>
-            <a:off x="1247392" y="3645024"/>
-            <a:ext cx="6493024" cy="941795"/>
-          </a:xfrm>
-          <a:prstGeom prst="rect">
-            <a:avLst/>
-          </a:prstGeom>
-          <a:ln>
-            <a:noFill/>
-          </a:ln>
-          <a:effectLst>
-            <a:softEdge rad="112500"/>
-          </a:effectLst>
-        </p:spPr>
-      </p:pic>
-      <p:pic>
-        <p:nvPicPr>
-          <p:cNvPr id="13" name="Imagem 12"/>
-          <p:cNvPicPr>
-            <a:picLocks noChangeAspect="1"/>
-          </p:cNvPicPr>
-          <p:nvPr/>
-        </p:nvPicPr>
-        <p:blipFill>
-          <a:blip r:embed="rId4">
-            <a:clrChange>
-              <a:clrFrom>
-                <a:srgbClr val="FFFFFF"/>
-              </a:clrFrom>
-              <a:clrTo>
-                <a:srgbClr val="FFFFFF">
-                  <a:alpha val="0"/>
-                </a:srgbClr>
-              </a:clrTo>
-            </a:clrChange>
-          </a:blip>
-          <a:stretch>
-            <a:fillRect/>
-          </a:stretch>
-        </p:blipFill>
-        <p:spPr>
-          <a:xfrm flipH="1">
-            <a:off x="7408894" y="4100365"/>
-            <a:ext cx="547482" cy="421305"/>
-          </a:xfrm>
-          <a:prstGeom prst="rect">
-            <a:avLst/>
-          </a:prstGeom>
-        </p:spPr>
-      </p:pic>
-      <p:pic>
-        <p:nvPicPr>
-          <p:cNvPr id="7" name="Imagem 6"/>
-          <p:cNvPicPr>
-            <a:picLocks noChangeAspect="1"/>
-          </p:cNvPicPr>
-          <p:nvPr/>
-        </p:nvPicPr>
-        <p:blipFill>
-          <a:blip r:embed="rId7"/>
-          <a:stretch>
-            <a:fillRect/>
-          </a:stretch>
-        </p:blipFill>
-        <p:spPr>
-          <a:xfrm>
-            <a:off x="1449561" y="4653136"/>
-            <a:ext cx="6648450" cy="933450"/>
-          </a:xfrm>
-          <a:prstGeom prst="rect">
-            <a:avLst/>
-          </a:prstGeom>
-          <a:ln>
-            <a:noFill/>
-          </a:ln>
-          <a:effectLst>
-            <a:softEdge rad="112500"/>
-          </a:effectLst>
-        </p:spPr>
-      </p:pic>
-      <p:sp>
-        <p:nvSpPr>
-          <p:cNvPr id="8" name="Chave direita 7"/>
-          <p:cNvSpPr/>
-          <p:nvPr/>
-        </p:nvSpPr>
-        <p:spPr>
-          <a:xfrm rot="16200000">
-            <a:off x="4451804" y="3575802"/>
-            <a:ext cx="288032" cy="2664296"/>
-          </a:xfrm>
-          <a:prstGeom prst="rightBrace">
-            <a:avLst>
-              <a:gd name="adj1" fmla="val 8333"/>
-              <a:gd name="adj2" fmla="val 51144"/>
-            </a:avLst>
-          </a:prstGeom>
-          <a:ln w="28575">
-            <a:solidFill>
-              <a:srgbClr val="FF0000"/>
-            </a:solidFill>
-            <a:headEnd type="none" w="med" len="med"/>
-            <a:tailEnd type="none" w="med" len="med"/>
-          </a:ln>
-        </p:spPr>
-        <p:style>
-          <a:lnRef idx="1">
-            <a:schemeClr val="accent1"/>
-          </a:lnRef>
-          <a:fillRef idx="0">
-            <a:schemeClr val="accent1"/>
-          </a:fillRef>
-          <a:effectRef idx="0">
-            <a:schemeClr val="accent1"/>
-          </a:effectRef>
-          <a:fontRef idx="minor">
-            <a:schemeClr val="tx1"/>
-          </a:fontRef>
-        </p:style>
-        <p:txBody>
-          <a:bodyPr rtlCol="0" anchor="ctr"/>
-          <a:lstStyle/>
-          <a:p>
-            <a:pPr algn="ctr"/>
-            <a:endParaRPr lang="pt-BR"/>
-          </a:p>
-        </p:txBody>
-      </p:sp>
-    </p:spTree>
-    <p:extLst>
-      <p:ext uri="{BB962C8B-B14F-4D97-AF65-F5344CB8AC3E}">
-        <p14:creationId xmlns:p14="http://schemas.microsoft.com/office/powerpoint/2010/main" val="3675336364"/>
-      </p:ext>
-    </p:extLst>
-  </p:cSld>
-  <p:clrMapOvr>
-    <a:masterClrMapping/>
-  </p:clrMapOvr>
-  <p:timing>
-    <p:tnLst>
-      <p:par>
-        <p:cTn id="1" dur="indefinite" restart="never" nodeType="tmRoot"/>
-      </p:par>
-    </p:tnLst>
-  </p:timing>
-</p:sld>
-</file>
-
-<file path=ppt/slides/slide23.xml><?xml version="1.0" encoding="utf-8"?>
-<p:sld xmlns:a="http://schemas.openxmlformats.org/drawingml/2006/main" xmlns:r="http://schemas.openxmlformats.org/officeDocument/2006/relationships" xmlns:p="http://schemas.openxmlformats.org/presentationml/2006/main">
-  <p:cSld>
-    <p:spTree>
-      <p:nvGrpSpPr>
-        <p:cNvPr id="1" name=""/>
-        <p:cNvGrpSpPr/>
-        <p:nvPr/>
-      </p:nvGrpSpPr>
-      <p:grpSpPr>
-        <a:xfrm>
-          <a:off x="0" y="0"/>
-          <a:ext cx="0" cy="0"/>
-          <a:chOff x="0" y="0"/>
-          <a:chExt cx="0" cy="0"/>
-        </a:xfrm>
-      </p:grpSpPr>
-      <p:sp>
-        <p:nvSpPr>
-          <p:cNvPr id="4" name="Título 3"/>
-          <p:cNvSpPr>
-            <a:spLocks noGrp="1"/>
-          </p:cNvSpPr>
-          <p:nvPr>
-            <p:ph type="ctrTitle"/>
-          </p:nvPr>
-        </p:nvSpPr>
-        <p:spPr>
-          <a:xfrm>
-            <a:off x="3275856" y="138754"/>
-            <a:ext cx="4680520" cy="504056"/>
-          </a:xfrm>
-        </p:spPr>
-        <p:txBody>
-          <a:bodyPr>
-            <a:normAutofit/>
-          </a:bodyPr>
-          <a:lstStyle/>
-          <a:p>
-            <a:r>
-              <a:rPr lang="pt-BR" sz="2400" dirty="0" smtClean="0"/>
-              <a:t>4) Aplicações C++/</a:t>
-            </a:r>
-            <a:r>
-              <a:rPr lang="pt-BR" sz="2400" dirty="0" err="1" smtClean="0"/>
-              <a:t>Qt</a:t>
-            </a:r>
-            <a:r>
-              <a:rPr lang="pt-BR" sz="2400" dirty="0" smtClean="0"/>
-              <a:t> com VTK</a:t>
-            </a:r>
-            <a:endParaRPr lang="pt-BR" sz="1400" dirty="0"/>
-          </a:p>
-        </p:txBody>
-      </p:sp>
-      <p:sp>
-        <p:nvSpPr>
-          <p:cNvPr id="54" name="CaixaDeTexto 53"/>
-          <p:cNvSpPr txBox="1"/>
-          <p:nvPr/>
-        </p:nvSpPr>
-        <p:spPr>
-          <a:xfrm>
-            <a:off x="4067944" y="1218238"/>
-            <a:ext cx="1608133" cy="338554"/>
-          </a:xfrm>
-          <a:prstGeom prst="rect">
-            <a:avLst/>
-          </a:prstGeom>
-          <a:noFill/>
-        </p:spPr>
-        <p:txBody>
-          <a:bodyPr wrap="none" rtlCol="0">
-            <a:spAutoFit/>
-          </a:bodyPr>
-          <a:lstStyle/>
-          <a:p>
-            <a:r>
-              <a:rPr lang="pt-BR" sz="1600" b="1" dirty="0" smtClean="0"/>
-              <a:t>4.1.3) </a:t>
-            </a:r>
-            <a:r>
-              <a:rPr lang="pt-BR" sz="1600" b="1" dirty="0" err="1" smtClean="0"/>
-              <a:t>Hello</a:t>
-            </a:r>
-            <a:r>
-              <a:rPr lang="pt-BR" sz="1600" b="1" dirty="0" smtClean="0"/>
-              <a:t> VTK!</a:t>
-            </a:r>
-            <a:endParaRPr lang="pt-BR" sz="1600" b="1" dirty="0"/>
-          </a:p>
-        </p:txBody>
-      </p:sp>
-      <p:sp>
-        <p:nvSpPr>
-          <p:cNvPr id="55" name="CaixaDeTexto 54"/>
-          <p:cNvSpPr txBox="1"/>
-          <p:nvPr/>
-        </p:nvSpPr>
-        <p:spPr>
-          <a:xfrm>
-            <a:off x="2987824" y="908720"/>
-            <a:ext cx="4154984" cy="369332"/>
-          </a:xfrm>
-          <a:prstGeom prst="rect">
-            <a:avLst/>
-          </a:prstGeom>
-          <a:noFill/>
-        </p:spPr>
-        <p:txBody>
-          <a:bodyPr wrap="none" rtlCol="0">
-            <a:spAutoFit/>
-          </a:bodyPr>
-          <a:lstStyle/>
-          <a:p>
-            <a:r>
-              <a:rPr lang="pt-BR" b="1" dirty="0" smtClean="0"/>
-              <a:t>4.1) Criando um aplicativo VTK elementar</a:t>
-            </a:r>
-            <a:endParaRPr lang="pt-BR" b="1" dirty="0"/>
-          </a:p>
-        </p:txBody>
-      </p:sp>
-      <p:pic>
-        <p:nvPicPr>
-          <p:cNvPr id="2" name="Imagem 1"/>
-          <p:cNvPicPr>
-            <a:picLocks noChangeAspect="1"/>
-          </p:cNvPicPr>
-          <p:nvPr/>
-        </p:nvPicPr>
-        <p:blipFill>
-          <a:blip r:embed="rId3"/>
-          <a:stretch>
-            <a:fillRect/>
-          </a:stretch>
-        </p:blipFill>
-        <p:spPr>
-          <a:xfrm>
-            <a:off x="2555776" y="1772816"/>
-            <a:ext cx="4096494" cy="4326399"/>
-          </a:xfrm>
-          <a:prstGeom prst="rect">
-            <a:avLst/>
-          </a:prstGeom>
-          <a:ln>
-            <a:noFill/>
-          </a:ln>
-          <a:effectLst>
-            <a:outerShdw blurRad="292100" dist="139700" dir="2700000" algn="tl" rotWithShape="0">
-              <a:srgbClr val="333333">
-                <a:alpha val="65000"/>
-              </a:srgbClr>
-            </a:outerShdw>
-          </a:effectLst>
-        </p:spPr>
-      </p:pic>
-    </p:spTree>
-    <p:extLst>
-      <p:ext uri="{BB962C8B-B14F-4D97-AF65-F5344CB8AC3E}">
-        <p14:creationId xmlns:p14="http://schemas.microsoft.com/office/powerpoint/2010/main" val="1382819145"/>
       </p:ext>
     </p:extLst>
   </p:cSld>
@@ -13304,169 +12462,9 @@
           <a:chExt cx="0" cy="0"/>
         </a:xfrm>
       </p:grpSpPr>
-      <p:sp>
-        <p:nvSpPr>
-          <p:cNvPr id="4" name="Título 3"/>
-          <p:cNvSpPr>
-            <a:spLocks noGrp="1"/>
-          </p:cNvSpPr>
-          <p:nvPr>
-            <p:ph type="ctrTitle"/>
-          </p:nvPr>
-        </p:nvSpPr>
-        <p:spPr>
-          <a:xfrm>
-            <a:off x="3275856" y="138754"/>
-            <a:ext cx="4680520" cy="504056"/>
-          </a:xfrm>
-        </p:spPr>
-        <p:txBody>
-          <a:bodyPr>
-            <a:normAutofit/>
-          </a:bodyPr>
-          <a:lstStyle/>
-          <a:p>
-            <a:r>
-              <a:rPr lang="pt-BR" sz="2400" dirty="0" smtClean="0"/>
-              <a:t>4) Aplicações C++/</a:t>
-            </a:r>
-            <a:r>
-              <a:rPr lang="pt-BR" sz="2400" dirty="0" err="1" smtClean="0"/>
-              <a:t>Qt</a:t>
-            </a:r>
-            <a:r>
-              <a:rPr lang="pt-BR" sz="2400" dirty="0" smtClean="0"/>
-              <a:t> com VTK</a:t>
-            </a:r>
-            <a:endParaRPr lang="pt-BR" sz="1400" dirty="0"/>
-          </a:p>
-        </p:txBody>
-      </p:sp>
-      <p:sp>
-        <p:nvSpPr>
-          <p:cNvPr id="54" name="CaixaDeTexto 53"/>
-          <p:cNvSpPr txBox="1"/>
-          <p:nvPr/>
-        </p:nvSpPr>
-        <p:spPr>
-          <a:xfrm>
-            <a:off x="2771800" y="1218238"/>
-            <a:ext cx="4612288" cy="338554"/>
-          </a:xfrm>
-          <a:prstGeom prst="rect">
-            <a:avLst/>
-          </a:prstGeom>
-          <a:noFill/>
-        </p:spPr>
-        <p:txBody>
-          <a:bodyPr wrap="none" rtlCol="0">
-            <a:spAutoFit/>
-          </a:bodyPr>
-          <a:lstStyle/>
-          <a:p>
-            <a:r>
-              <a:rPr lang="pt-BR" sz="1600" b="1" dirty="0" smtClean="0"/>
-              <a:t>4.1.4) Adicionando eixos para orientação do usuário</a:t>
-            </a:r>
-            <a:endParaRPr lang="pt-BR" sz="1600" b="1" dirty="0"/>
-          </a:p>
-        </p:txBody>
-      </p:sp>
-      <p:sp>
-        <p:nvSpPr>
-          <p:cNvPr id="55" name="CaixaDeTexto 54"/>
-          <p:cNvSpPr txBox="1"/>
-          <p:nvPr/>
-        </p:nvSpPr>
-        <p:spPr>
-          <a:xfrm>
-            <a:off x="2987824" y="908720"/>
-            <a:ext cx="4154984" cy="369332"/>
-          </a:xfrm>
-          <a:prstGeom prst="rect">
-            <a:avLst/>
-          </a:prstGeom>
-          <a:noFill/>
-        </p:spPr>
-        <p:txBody>
-          <a:bodyPr wrap="none" rtlCol="0">
-            <a:spAutoFit/>
-          </a:bodyPr>
-          <a:lstStyle/>
-          <a:p>
-            <a:r>
-              <a:rPr lang="pt-BR" b="1" dirty="0" smtClean="0"/>
-              <a:t>4.1) Criando um aplicativo VTK elementar</a:t>
-            </a:r>
-            <a:endParaRPr lang="pt-BR" b="1" dirty="0"/>
-          </a:p>
-        </p:txBody>
-      </p:sp>
-      <p:sp>
-        <p:nvSpPr>
-          <p:cNvPr id="6" name="CaixaDeTexto 5"/>
-          <p:cNvSpPr txBox="1"/>
-          <p:nvPr/>
-        </p:nvSpPr>
-        <p:spPr>
-          <a:xfrm>
-            <a:off x="1501325" y="1938318"/>
-            <a:ext cx="5203156" cy="338554"/>
-          </a:xfrm>
-          <a:prstGeom prst="rect">
-            <a:avLst/>
-          </a:prstGeom>
-          <a:noFill/>
-        </p:spPr>
-        <p:txBody>
-          <a:bodyPr wrap="none" rtlCol="0">
-            <a:spAutoFit/>
-          </a:bodyPr>
-          <a:lstStyle/>
-          <a:p>
-            <a:pPr marL="285750" indent="-285750">
-              <a:buFont typeface="Wingdings" panose="05000000000000000000" pitchFamily="2" charset="2"/>
-              <a:buChar char="Ø"/>
-            </a:pPr>
-            <a:r>
-              <a:rPr lang="pt-BR" sz="1600" dirty="0" smtClean="0"/>
-              <a:t>F</a:t>
-            </a:r>
-            <a:r>
-              <a:rPr lang="pt-BR" sz="1600" dirty="0" smtClean="0"/>
-              <a:t>ontes: </a:t>
-            </a:r>
-            <a:r>
-              <a:rPr lang="pt-BR" sz="1600" dirty="0" smtClean="0">
-                <a:latin typeface="Courier New" panose="02070309020205020404" pitchFamily="49" charset="0"/>
-                <a:cs typeface="Courier New" panose="02070309020205020404" pitchFamily="49" charset="0"/>
-              </a:rPr>
-              <a:t>...\</a:t>
-            </a:r>
-            <a:r>
-              <a:rPr lang="pt-BR" sz="1600" dirty="0" err="1" smtClean="0">
-                <a:latin typeface="Courier New" panose="02070309020205020404" pitchFamily="49" charset="0"/>
-                <a:cs typeface="Courier New" panose="02070309020205020404" pitchFamily="49" charset="0"/>
-              </a:rPr>
-              <a:t>cursoVTKgeo</a:t>
-            </a:r>
-            <a:r>
-              <a:rPr lang="pt-BR" sz="1600" dirty="0" smtClean="0">
-                <a:latin typeface="Courier New" panose="02070309020205020404" pitchFamily="49" charset="0"/>
-                <a:cs typeface="Courier New" panose="02070309020205020404" pitchFamily="49" charset="0"/>
-              </a:rPr>
-              <a:t>\aulas_3dias\Eixos</a:t>
-            </a:r>
-            <a:endParaRPr lang="pt-BR" sz="1600" dirty="0">
-              <a:latin typeface="Courier New" panose="02070309020205020404" pitchFamily="49" charset="0"/>
-              <a:cs typeface="Courier New" panose="02070309020205020404" pitchFamily="49" charset="0"/>
-            </a:endParaRPr>
-          </a:p>
-        </p:txBody>
-      </p:sp>
       <p:pic>
         <p:nvPicPr>
-          <p:cNvPr id="3" name="Imagem 2"/>
+          <p:cNvPr id="7" name="Imagem 6"/>
           <p:cNvPicPr>
             <a:picLocks noChangeAspect="1"/>
           </p:cNvPicPr>
@@ -13480,8 +12478,8 @@
         </p:blipFill>
         <p:spPr>
           <a:xfrm>
-            <a:off x="2767980" y="2492896"/>
-            <a:ext cx="3520430" cy="3718005"/>
+            <a:off x="467544" y="3183829"/>
+            <a:ext cx="5961672" cy="3341515"/>
           </a:xfrm>
           <a:prstGeom prst="rect">
             <a:avLst/>
@@ -13498,10 +12496,408 @@
           </a:effectLst>
         </p:spPr>
       </p:pic>
+      <p:sp>
+        <p:nvSpPr>
+          <p:cNvPr id="4" name="Título 3"/>
+          <p:cNvSpPr>
+            <a:spLocks noGrp="1"/>
+          </p:cNvSpPr>
+          <p:nvPr>
+            <p:ph type="ctrTitle"/>
+          </p:nvPr>
+        </p:nvSpPr>
+        <p:spPr>
+          <a:xfrm>
+            <a:off x="3275856" y="138754"/>
+            <a:ext cx="4680520" cy="504056"/>
+          </a:xfrm>
+        </p:spPr>
+        <p:txBody>
+          <a:bodyPr>
+            <a:normAutofit/>
+          </a:bodyPr>
+          <a:lstStyle/>
+          <a:p>
+            <a:r>
+              <a:rPr lang="pt-BR" sz="2400" dirty="0" smtClean="0"/>
+              <a:t>4) Aplicações C++/</a:t>
+            </a:r>
+            <a:r>
+              <a:rPr lang="pt-BR" sz="2400" dirty="0" err="1" smtClean="0"/>
+              <a:t>Qt</a:t>
+            </a:r>
+            <a:r>
+              <a:rPr lang="pt-BR" sz="2400" dirty="0" smtClean="0"/>
+              <a:t> com VTK</a:t>
+            </a:r>
+            <a:endParaRPr lang="pt-BR" sz="1400" dirty="0"/>
+          </a:p>
+        </p:txBody>
+      </p:sp>
+      <p:sp>
+        <p:nvSpPr>
+          <p:cNvPr id="54" name="CaixaDeTexto 53"/>
+          <p:cNvSpPr txBox="1"/>
+          <p:nvPr/>
+        </p:nvSpPr>
+        <p:spPr>
+          <a:xfrm>
+            <a:off x="4067944" y="1218238"/>
+            <a:ext cx="1608133" cy="338554"/>
+          </a:xfrm>
+          <a:prstGeom prst="rect">
+            <a:avLst/>
+          </a:prstGeom>
+          <a:noFill/>
+        </p:spPr>
+        <p:txBody>
+          <a:bodyPr wrap="none" rtlCol="0">
+            <a:spAutoFit/>
+          </a:bodyPr>
+          <a:lstStyle/>
+          <a:p>
+            <a:r>
+              <a:rPr lang="pt-BR" sz="1600" b="1" dirty="0" smtClean="0"/>
+              <a:t>4.1.3) </a:t>
+            </a:r>
+            <a:r>
+              <a:rPr lang="pt-BR" sz="1600" b="1" dirty="0" err="1" smtClean="0"/>
+              <a:t>Hello</a:t>
+            </a:r>
+            <a:r>
+              <a:rPr lang="pt-BR" sz="1600" b="1" dirty="0" smtClean="0"/>
+              <a:t> VTK!</a:t>
+            </a:r>
+            <a:endParaRPr lang="pt-BR" sz="1600" b="1" dirty="0"/>
+          </a:p>
+        </p:txBody>
+      </p:sp>
+      <p:sp>
+        <p:nvSpPr>
+          <p:cNvPr id="55" name="CaixaDeTexto 54"/>
+          <p:cNvSpPr txBox="1"/>
+          <p:nvPr/>
+        </p:nvSpPr>
+        <p:spPr>
+          <a:xfrm>
+            <a:off x="2987824" y="908720"/>
+            <a:ext cx="4154984" cy="369332"/>
+          </a:xfrm>
+          <a:prstGeom prst="rect">
+            <a:avLst/>
+          </a:prstGeom>
+          <a:noFill/>
+        </p:spPr>
+        <p:txBody>
+          <a:bodyPr wrap="none" rtlCol="0">
+            <a:spAutoFit/>
+          </a:bodyPr>
+          <a:lstStyle/>
+          <a:p>
+            <a:r>
+              <a:rPr lang="pt-BR" b="1" dirty="0" smtClean="0"/>
+              <a:t>4.1) Criando um aplicativo VTK elementar</a:t>
+            </a:r>
+            <a:endParaRPr lang="pt-BR" b="1" dirty="0"/>
+          </a:p>
+        </p:txBody>
+      </p:sp>
+      <p:sp>
+        <p:nvSpPr>
+          <p:cNvPr id="14" name="CaixaDeTexto 13"/>
+          <p:cNvSpPr txBox="1"/>
+          <p:nvPr/>
+        </p:nvSpPr>
+        <p:spPr>
+          <a:xfrm>
+            <a:off x="263696" y="1700808"/>
+            <a:ext cx="8484768" cy="1569660"/>
+          </a:xfrm>
+          <a:prstGeom prst="rect">
+            <a:avLst/>
+          </a:prstGeom>
+          <a:noFill/>
+        </p:spPr>
+        <p:txBody>
+          <a:bodyPr wrap="square" rtlCol="0">
+            <a:spAutoFit/>
+          </a:bodyPr>
+          <a:lstStyle/>
+          <a:p>
+            <a:pPr marL="285750" indent="-285750" algn="just">
+              <a:buFont typeface="Wingdings" panose="05000000000000000000" pitchFamily="2" charset="2"/>
+              <a:buChar char="Ø"/>
+            </a:pPr>
+            <a:r>
+              <a:rPr lang="pt-BR" sz="1600" dirty="0" smtClean="0"/>
+              <a:t>Disparar a compilação de acordo com o procedimento do </a:t>
+            </a:r>
+            <a:r>
+              <a:rPr lang="pt-BR" sz="1600" i="1" dirty="0" err="1" smtClean="0"/>
+              <a:t>toolset</a:t>
+            </a:r>
+            <a:r>
+              <a:rPr lang="pt-BR" sz="1600" dirty="0" smtClean="0"/>
+              <a:t> escolhido, por exemplo:</a:t>
+            </a:r>
+          </a:p>
+          <a:p>
+            <a:pPr lvl="1" algn="just"/>
+            <a:r>
+              <a:rPr lang="pt-BR" sz="1600" dirty="0" smtClean="0">
+                <a:latin typeface="Courier New" panose="02070309020205020404" pitchFamily="49" charset="0"/>
+                <a:cs typeface="Courier New" panose="02070309020205020404" pitchFamily="49" charset="0"/>
+              </a:rPr>
+              <a:t>$ </a:t>
+            </a:r>
+            <a:r>
+              <a:rPr lang="pt-BR" sz="1600" dirty="0" err="1" smtClean="0">
+                <a:latin typeface="Courier New" panose="02070309020205020404" pitchFamily="49" charset="0"/>
+                <a:cs typeface="Courier New" panose="02070309020205020404" pitchFamily="49" charset="0"/>
+              </a:rPr>
+              <a:t>cd</a:t>
+            </a:r>
+            <a:r>
+              <a:rPr lang="pt-BR" sz="1600" dirty="0" smtClean="0">
+                <a:latin typeface="Courier New" panose="02070309020205020404" pitchFamily="49" charset="0"/>
+                <a:cs typeface="Courier New" panose="02070309020205020404" pitchFamily="49" charset="0"/>
+              </a:rPr>
+              <a:t> &lt;</a:t>
+            </a:r>
+            <a:r>
+              <a:rPr lang="pt-BR" sz="1600" dirty="0" err="1" smtClean="0">
+                <a:latin typeface="Courier New" panose="02070309020205020404" pitchFamily="49" charset="0"/>
+                <a:cs typeface="Courier New" panose="02070309020205020404" pitchFamily="49" charset="0"/>
+              </a:rPr>
+              <a:t>build_dir</a:t>
+            </a:r>
+            <a:r>
+              <a:rPr lang="pt-BR" sz="1600" dirty="0" smtClean="0">
+                <a:latin typeface="Courier New" panose="02070309020205020404" pitchFamily="49" charset="0"/>
+                <a:cs typeface="Courier New" panose="02070309020205020404" pitchFamily="49" charset="0"/>
+              </a:rPr>
+              <a:t>&gt;; </a:t>
+            </a:r>
+            <a:r>
+              <a:rPr lang="pt-BR" sz="1600" dirty="0" err="1" smtClean="0">
+                <a:latin typeface="Courier New" panose="02070309020205020404" pitchFamily="49" charset="0"/>
+                <a:cs typeface="Courier New" panose="02070309020205020404" pitchFamily="49" charset="0"/>
+              </a:rPr>
+              <a:t>make</a:t>
+            </a:r>
+            <a:r>
+              <a:rPr lang="pt-BR" sz="1600" dirty="0" smtClean="0">
+                <a:latin typeface="Courier New" panose="02070309020205020404" pitchFamily="49" charset="0"/>
+                <a:cs typeface="Courier New" panose="02070309020205020404" pitchFamily="49" charset="0"/>
+              </a:rPr>
+              <a:t>; </a:t>
+            </a:r>
+            <a:r>
+              <a:rPr lang="pt-BR" sz="1600" dirty="0" err="1" smtClean="0">
+                <a:latin typeface="Courier New" panose="02070309020205020404" pitchFamily="49" charset="0"/>
+                <a:cs typeface="Courier New" panose="02070309020205020404" pitchFamily="49" charset="0"/>
+              </a:rPr>
+              <a:t>make</a:t>
+            </a:r>
+            <a:r>
+              <a:rPr lang="pt-BR" sz="1600" dirty="0" smtClean="0">
+                <a:latin typeface="Courier New" panose="02070309020205020404" pitchFamily="49" charset="0"/>
+                <a:cs typeface="Courier New" panose="02070309020205020404" pitchFamily="49" charset="0"/>
+              </a:rPr>
+              <a:t> </a:t>
+            </a:r>
+            <a:r>
+              <a:rPr lang="pt-BR" sz="1600" dirty="0" err="1" smtClean="0">
+                <a:latin typeface="Courier New" panose="02070309020205020404" pitchFamily="49" charset="0"/>
+                <a:cs typeface="Courier New" panose="02070309020205020404" pitchFamily="49" charset="0"/>
+              </a:rPr>
+              <a:t>install</a:t>
+            </a:r>
+            <a:r>
+              <a:rPr lang="pt-BR" sz="1600" dirty="0" smtClean="0"/>
+              <a:t> para GNU ou clique no botão                     .                do </a:t>
+            </a:r>
+            <a:r>
+              <a:rPr lang="pt-BR" sz="1600" dirty="0" err="1" smtClean="0"/>
+              <a:t>CMake</a:t>
+            </a:r>
+            <a:r>
+              <a:rPr lang="pt-BR" sz="1600" dirty="0" smtClean="0"/>
+              <a:t> GUI para abrir a </a:t>
+            </a:r>
+            <a:r>
+              <a:rPr lang="pt-BR" sz="1600" dirty="0" err="1" smtClean="0"/>
+              <a:t>Solution</a:t>
+            </a:r>
+            <a:r>
+              <a:rPr lang="pt-BR" sz="1600" dirty="0" smtClean="0"/>
+              <a:t> no VS e disparar a compilação e instalação.</a:t>
+            </a:r>
+          </a:p>
+          <a:p>
+            <a:pPr lvl="1" algn="just"/>
+            <a:endParaRPr lang="pt-BR" sz="1600" dirty="0"/>
+          </a:p>
+          <a:p>
+            <a:pPr marL="285750" indent="-285750" algn="just">
+              <a:buFont typeface="Wingdings" panose="05000000000000000000" pitchFamily="2" charset="2"/>
+              <a:buChar char="Ø"/>
+            </a:pPr>
+            <a:r>
+              <a:rPr lang="pt-BR" sz="1600" dirty="0" smtClean="0"/>
+              <a:t>Configurar o projeto no </a:t>
+            </a:r>
+            <a:r>
+              <a:rPr lang="pt-BR" sz="1600" dirty="0" err="1" smtClean="0"/>
+              <a:t>Qt</a:t>
+            </a:r>
+            <a:r>
+              <a:rPr lang="pt-BR" sz="1600" dirty="0" smtClean="0"/>
+              <a:t> </a:t>
+            </a:r>
+            <a:r>
+              <a:rPr lang="pt-BR" sz="1600" dirty="0" err="1" smtClean="0"/>
+              <a:t>Creator</a:t>
+            </a:r>
+            <a:r>
+              <a:rPr lang="pt-BR" sz="1600" dirty="0" smtClean="0"/>
+              <a:t>: File </a:t>
+            </a:r>
+            <a:r>
+              <a:rPr lang="pt-BR" sz="1600" dirty="0" smtClean="0">
+                <a:sym typeface="Wingdings" panose="05000000000000000000" pitchFamily="2" charset="2"/>
+              </a:rPr>
+              <a:t> Open File </a:t>
+            </a:r>
+            <a:r>
+              <a:rPr lang="pt-BR" sz="1600" dirty="0" err="1" smtClean="0">
+                <a:sym typeface="Wingdings" panose="05000000000000000000" pitchFamily="2" charset="2"/>
+              </a:rPr>
+              <a:t>or</a:t>
+            </a:r>
+            <a:r>
+              <a:rPr lang="pt-BR" sz="1600" dirty="0" smtClean="0">
+                <a:sym typeface="Wingdings" panose="05000000000000000000" pitchFamily="2" charset="2"/>
+              </a:rPr>
+              <a:t> Project  </a:t>
+            </a:r>
+            <a:r>
+              <a:rPr lang="pt-BR" sz="1600" dirty="0" smtClean="0">
+                <a:latin typeface="Courier New" panose="02070309020205020404" pitchFamily="49" charset="0"/>
+                <a:cs typeface="Courier New" panose="02070309020205020404" pitchFamily="49" charset="0"/>
+                <a:sym typeface="Wingdings" panose="05000000000000000000" pitchFamily="2" charset="2"/>
+              </a:rPr>
+              <a:t>CMakeLists.txt</a:t>
+            </a:r>
+            <a:endParaRPr lang="pt-BR" sz="1600" dirty="0">
+              <a:latin typeface="Courier New" panose="02070309020205020404" pitchFamily="49" charset="0"/>
+              <a:cs typeface="Courier New" panose="02070309020205020404" pitchFamily="49" charset="0"/>
+            </a:endParaRPr>
+          </a:p>
+          <a:p>
+            <a:pPr lvl="1" algn="just"/>
+            <a:endParaRPr lang="pt-BR" sz="1600" dirty="0" smtClean="0"/>
+          </a:p>
+        </p:txBody>
+      </p:sp>
+      <p:pic>
+        <p:nvPicPr>
+          <p:cNvPr id="2" name="Imagem 1"/>
+          <p:cNvPicPr>
+            <a:picLocks noChangeAspect="1"/>
+          </p:cNvPicPr>
+          <p:nvPr/>
+        </p:nvPicPr>
+        <p:blipFill>
+          <a:blip r:embed="rId4"/>
+          <a:stretch>
+            <a:fillRect/>
+          </a:stretch>
+        </p:blipFill>
+        <p:spPr>
+          <a:xfrm>
+            <a:off x="827584" y="2276872"/>
+            <a:ext cx="695325" cy="200025"/>
+          </a:xfrm>
+          <a:prstGeom prst="rect">
+            <a:avLst/>
+          </a:prstGeom>
+        </p:spPr>
+      </p:pic>
+      <p:pic>
+        <p:nvPicPr>
+          <p:cNvPr id="13" name="Imagem 12"/>
+          <p:cNvPicPr>
+            <a:picLocks noChangeAspect="1"/>
+          </p:cNvPicPr>
+          <p:nvPr/>
+        </p:nvPicPr>
+        <p:blipFill>
+          <a:blip r:embed="rId5">
+            <a:clrChange>
+              <a:clrFrom>
+                <a:srgbClr val="FFFFFF"/>
+              </a:clrFrom>
+              <a:clrTo>
+                <a:srgbClr val="FFFFFF">
+                  <a:alpha val="0"/>
+                </a:srgbClr>
+              </a:clrTo>
+            </a:clrChange>
+          </a:blip>
+          <a:stretch>
+            <a:fillRect/>
+          </a:stretch>
+        </p:blipFill>
+        <p:spPr>
+          <a:xfrm rot="2513887" flipH="1">
+            <a:off x="2714083" y="5975089"/>
+            <a:ext cx="547482" cy="421305"/>
+          </a:xfrm>
+          <a:prstGeom prst="rect">
+            <a:avLst/>
+          </a:prstGeom>
+        </p:spPr>
+      </p:pic>
+      <p:pic>
+        <p:nvPicPr>
+          <p:cNvPr id="16" name="Imagem 15"/>
+          <p:cNvPicPr>
+            <a:picLocks noChangeAspect="1"/>
+          </p:cNvPicPr>
+          <p:nvPr/>
+        </p:nvPicPr>
+        <p:blipFill>
+          <a:blip r:embed="rId5">
+            <a:clrChange>
+              <a:clrFrom>
+                <a:srgbClr val="FFFFFF"/>
+              </a:clrFrom>
+              <a:clrTo>
+                <a:srgbClr val="FFFFFF">
+                  <a:alpha val="0"/>
+                </a:srgbClr>
+              </a:clrTo>
+            </a:clrChange>
+          </a:blip>
+          <a:stretch>
+            <a:fillRect/>
+          </a:stretch>
+        </p:blipFill>
+        <p:spPr>
+          <a:xfrm flipH="1">
+            <a:off x="6201195" y="6225195"/>
+            <a:ext cx="547482" cy="421305"/>
+          </a:xfrm>
+          <a:prstGeom prst="rect">
+            <a:avLst/>
+          </a:prstGeom>
+        </p:spPr>
+      </p:pic>
     </p:spTree>
     <p:extLst>
       <p:ext uri="{BB962C8B-B14F-4D97-AF65-F5344CB8AC3E}">
-        <p14:creationId xmlns:p14="http://schemas.microsoft.com/office/powerpoint/2010/main" val="3971569777"/>
+        <p14:creationId xmlns:p14="http://schemas.microsoft.com/office/powerpoint/2010/main" val="3852235901"/>
       </p:ext>
     </p:extLst>
   </p:cSld>
@@ -13535,143 +12931,6 @@
           <a:chExt cx="0" cy="0"/>
         </a:xfrm>
       </p:grpSpPr>
-      <p:sp>
-        <p:nvSpPr>
-          <p:cNvPr id="4" name="Título 3"/>
-          <p:cNvSpPr>
-            <a:spLocks noGrp="1"/>
-          </p:cNvSpPr>
-          <p:nvPr>
-            <p:ph type="ctrTitle"/>
-          </p:nvPr>
-        </p:nvSpPr>
-        <p:spPr>
-          <a:xfrm>
-            <a:off x="3275856" y="138754"/>
-            <a:ext cx="4680520" cy="504056"/>
-          </a:xfrm>
-        </p:spPr>
-        <p:txBody>
-          <a:bodyPr>
-            <a:normAutofit/>
-          </a:bodyPr>
-          <a:lstStyle/>
-          <a:p>
-            <a:r>
-              <a:rPr lang="pt-BR" sz="2400" dirty="0" smtClean="0"/>
-              <a:t>4) Aplicações C++/</a:t>
-            </a:r>
-            <a:r>
-              <a:rPr lang="pt-BR" sz="2400" dirty="0" err="1" smtClean="0"/>
-              <a:t>Qt</a:t>
-            </a:r>
-            <a:r>
-              <a:rPr lang="pt-BR" sz="2400" dirty="0" smtClean="0"/>
-              <a:t> com VTK</a:t>
-            </a:r>
-            <a:endParaRPr lang="pt-BR" sz="1400" dirty="0"/>
-          </a:p>
-        </p:txBody>
-      </p:sp>
-      <p:sp>
-        <p:nvSpPr>
-          <p:cNvPr id="55" name="CaixaDeTexto 54"/>
-          <p:cNvSpPr txBox="1"/>
-          <p:nvPr/>
-        </p:nvSpPr>
-        <p:spPr>
-          <a:xfrm>
-            <a:off x="3257104" y="908720"/>
-            <a:ext cx="2323008" cy="369332"/>
-          </a:xfrm>
-          <a:prstGeom prst="rect">
-            <a:avLst/>
-          </a:prstGeom>
-          <a:noFill/>
-        </p:spPr>
-        <p:txBody>
-          <a:bodyPr wrap="none" rtlCol="0">
-            <a:spAutoFit/>
-          </a:bodyPr>
-          <a:lstStyle/>
-          <a:p>
-            <a:r>
-              <a:rPr lang="pt-BR" b="1" dirty="0" smtClean="0"/>
-              <a:t>4.2) Nuvens de pontos</a:t>
-            </a:r>
-            <a:endParaRPr lang="pt-BR" b="1" dirty="0"/>
-          </a:p>
-        </p:txBody>
-      </p:sp>
-      <p:sp>
-        <p:nvSpPr>
-          <p:cNvPr id="6" name="CaixaDeTexto 5"/>
-          <p:cNvSpPr txBox="1"/>
-          <p:nvPr/>
-        </p:nvSpPr>
-        <p:spPr>
-          <a:xfrm>
-            <a:off x="1501325" y="1412776"/>
-            <a:ext cx="5943743" cy="338554"/>
-          </a:xfrm>
-          <a:prstGeom prst="rect">
-            <a:avLst/>
-          </a:prstGeom>
-          <a:noFill/>
-        </p:spPr>
-        <p:txBody>
-          <a:bodyPr wrap="none" rtlCol="0">
-            <a:spAutoFit/>
-          </a:bodyPr>
-          <a:lstStyle/>
-          <a:p>
-            <a:pPr marL="285750" indent="-285750">
-              <a:buFont typeface="Wingdings" panose="05000000000000000000" pitchFamily="2" charset="2"/>
-              <a:buChar char="Ø"/>
-            </a:pPr>
-            <a:r>
-              <a:rPr lang="pt-BR" sz="1600" dirty="0" smtClean="0"/>
-              <a:t>F</a:t>
-            </a:r>
-            <a:r>
-              <a:rPr lang="pt-BR" sz="1600" dirty="0" smtClean="0"/>
-              <a:t>ontes: </a:t>
-            </a:r>
-            <a:r>
-              <a:rPr lang="pt-BR" sz="1600" dirty="0" smtClean="0">
-                <a:latin typeface="Courier New" panose="02070309020205020404" pitchFamily="49" charset="0"/>
-                <a:cs typeface="Courier New" panose="02070309020205020404" pitchFamily="49" charset="0"/>
-              </a:rPr>
-              <a:t>...\</a:t>
-            </a:r>
-            <a:r>
-              <a:rPr lang="pt-BR" sz="1600" dirty="0" err="1" smtClean="0">
-                <a:latin typeface="Courier New" panose="02070309020205020404" pitchFamily="49" charset="0"/>
-                <a:cs typeface="Courier New" panose="02070309020205020404" pitchFamily="49" charset="0"/>
-              </a:rPr>
-              <a:t>cursoVTKgeo</a:t>
-            </a:r>
-            <a:r>
-              <a:rPr lang="pt-BR" sz="1600" dirty="0" smtClean="0">
-                <a:latin typeface="Courier New" panose="02070309020205020404" pitchFamily="49" charset="0"/>
-                <a:cs typeface="Courier New" panose="02070309020205020404" pitchFamily="49" charset="0"/>
-              </a:rPr>
-              <a:t>\aulas_3dias\</a:t>
-            </a:r>
-            <a:r>
-              <a:rPr lang="pt-BR" sz="1600" dirty="0" err="1" smtClean="0">
-                <a:latin typeface="Courier New" panose="02070309020205020404" pitchFamily="49" charset="0"/>
-                <a:cs typeface="Courier New" panose="02070309020205020404" pitchFamily="49" charset="0"/>
-              </a:rPr>
-              <a:t>NuvemPontos</a:t>
-            </a:r>
-            <a:endParaRPr lang="pt-BR" sz="1600" dirty="0" smtClean="0">
-              <a:latin typeface="Courier New" panose="02070309020205020404" pitchFamily="49" charset="0"/>
-              <a:cs typeface="Courier New" panose="02070309020205020404" pitchFamily="49" charset="0"/>
-            </a:endParaRPr>
-          </a:p>
-        </p:txBody>
-      </p:sp>
       <p:pic>
         <p:nvPicPr>
           <p:cNvPr id="2" name="Imagem 1"/>
@@ -13688,8 +12947,231 @@
         </p:blipFill>
         <p:spPr>
           <a:xfrm>
-            <a:off x="2195736" y="1988840"/>
-            <a:ext cx="4104456" cy="4334808"/>
+            <a:off x="3101360" y="3418789"/>
+            <a:ext cx="2901402" cy="3171300"/>
+          </a:xfrm>
+          <a:prstGeom prst="rect">
+            <a:avLst/>
+          </a:prstGeom>
+          <a:ln>
+            <a:noFill/>
+          </a:ln>
+          <a:effectLst>
+            <a:softEdge rad="112500"/>
+          </a:effectLst>
+        </p:spPr>
+      </p:pic>
+      <p:sp>
+        <p:nvSpPr>
+          <p:cNvPr id="4" name="Título 3"/>
+          <p:cNvSpPr>
+            <a:spLocks noGrp="1"/>
+          </p:cNvSpPr>
+          <p:nvPr>
+            <p:ph type="ctrTitle"/>
+          </p:nvPr>
+        </p:nvSpPr>
+        <p:spPr>
+          <a:xfrm>
+            <a:off x="3275856" y="138754"/>
+            <a:ext cx="4680520" cy="504056"/>
+          </a:xfrm>
+        </p:spPr>
+        <p:txBody>
+          <a:bodyPr>
+            <a:normAutofit/>
+          </a:bodyPr>
+          <a:lstStyle/>
+          <a:p>
+            <a:r>
+              <a:rPr lang="pt-BR" sz="2400" dirty="0" smtClean="0"/>
+              <a:t>4) Aplicações C++/</a:t>
+            </a:r>
+            <a:r>
+              <a:rPr lang="pt-BR" sz="2400" dirty="0" err="1" smtClean="0"/>
+              <a:t>Qt</a:t>
+            </a:r>
+            <a:r>
+              <a:rPr lang="pt-BR" sz="2400" dirty="0" smtClean="0"/>
+              <a:t> com VTK</a:t>
+            </a:r>
+            <a:endParaRPr lang="pt-BR" sz="1400" dirty="0"/>
+          </a:p>
+        </p:txBody>
+      </p:sp>
+      <p:sp>
+        <p:nvSpPr>
+          <p:cNvPr id="54" name="CaixaDeTexto 53"/>
+          <p:cNvSpPr txBox="1"/>
+          <p:nvPr/>
+        </p:nvSpPr>
+        <p:spPr>
+          <a:xfrm>
+            <a:off x="4067944" y="1218238"/>
+            <a:ext cx="1608133" cy="338554"/>
+          </a:xfrm>
+          <a:prstGeom prst="rect">
+            <a:avLst/>
+          </a:prstGeom>
+          <a:noFill/>
+        </p:spPr>
+        <p:txBody>
+          <a:bodyPr wrap="none" rtlCol="0">
+            <a:spAutoFit/>
+          </a:bodyPr>
+          <a:lstStyle/>
+          <a:p>
+            <a:r>
+              <a:rPr lang="pt-BR" sz="1600" b="1" dirty="0" smtClean="0"/>
+              <a:t>4.1.3) </a:t>
+            </a:r>
+            <a:r>
+              <a:rPr lang="pt-BR" sz="1600" b="1" dirty="0" err="1" smtClean="0"/>
+              <a:t>Hello</a:t>
+            </a:r>
+            <a:r>
+              <a:rPr lang="pt-BR" sz="1600" b="1" dirty="0" smtClean="0"/>
+              <a:t> VTK!</a:t>
+            </a:r>
+            <a:endParaRPr lang="pt-BR" sz="1600" b="1" dirty="0"/>
+          </a:p>
+        </p:txBody>
+      </p:sp>
+      <p:sp>
+        <p:nvSpPr>
+          <p:cNvPr id="55" name="CaixaDeTexto 54"/>
+          <p:cNvSpPr txBox="1"/>
+          <p:nvPr/>
+        </p:nvSpPr>
+        <p:spPr>
+          <a:xfrm>
+            <a:off x="2987824" y="908720"/>
+            <a:ext cx="4154984" cy="369332"/>
+          </a:xfrm>
+          <a:prstGeom prst="rect">
+            <a:avLst/>
+          </a:prstGeom>
+          <a:noFill/>
+        </p:spPr>
+        <p:txBody>
+          <a:bodyPr wrap="none" rtlCol="0">
+            <a:spAutoFit/>
+          </a:bodyPr>
+          <a:lstStyle/>
+          <a:p>
+            <a:r>
+              <a:rPr lang="pt-BR" b="1" dirty="0" smtClean="0"/>
+              <a:t>4.1) Criando um aplicativo VTK elementar</a:t>
+            </a:r>
+            <a:endParaRPr lang="pt-BR" b="1" dirty="0"/>
+          </a:p>
+        </p:txBody>
+      </p:sp>
+      <p:sp>
+        <p:nvSpPr>
+          <p:cNvPr id="14" name="CaixaDeTexto 13"/>
+          <p:cNvSpPr txBox="1"/>
+          <p:nvPr/>
+        </p:nvSpPr>
+        <p:spPr>
+          <a:xfrm>
+            <a:off x="263696" y="2814027"/>
+            <a:ext cx="8484768" cy="584775"/>
+          </a:xfrm>
+          <a:prstGeom prst="rect">
+            <a:avLst/>
+          </a:prstGeom>
+          <a:noFill/>
+        </p:spPr>
+        <p:txBody>
+          <a:bodyPr wrap="square" rtlCol="0">
+            <a:spAutoFit/>
+          </a:bodyPr>
+          <a:lstStyle/>
+          <a:p>
+            <a:pPr marL="285750" indent="-285750" algn="just">
+              <a:buFont typeface="Wingdings" panose="05000000000000000000" pitchFamily="2" charset="2"/>
+              <a:buChar char="Ø"/>
+            </a:pPr>
+            <a:r>
+              <a:rPr lang="pt-BR" sz="1600" dirty="0" err="1" smtClean="0"/>
+              <a:t>Qt</a:t>
+            </a:r>
+            <a:r>
+              <a:rPr lang="pt-BR" sz="1600" dirty="0" smtClean="0"/>
+              <a:t> </a:t>
+            </a:r>
+            <a:r>
+              <a:rPr lang="pt-BR" sz="1600" dirty="0" err="1" smtClean="0"/>
+              <a:t>Creator</a:t>
+            </a:r>
+            <a:r>
+              <a:rPr lang="pt-BR" sz="1600" dirty="0" smtClean="0"/>
+              <a:t>: sempre que houver alterações no projeto (via alterações no </a:t>
+            </a:r>
+            <a:r>
+              <a:rPr lang="pt-BR" sz="1600" dirty="0" smtClean="0">
+                <a:latin typeface="Courier New" panose="02070309020205020404" pitchFamily="49" charset="0"/>
+                <a:cs typeface="Courier New" panose="02070309020205020404" pitchFamily="49" charset="0"/>
+              </a:rPr>
+              <a:t>CMakeLists.txt</a:t>
+            </a:r>
+            <a:r>
+              <a:rPr lang="pt-BR" sz="1600" dirty="0" smtClean="0"/>
+              <a:t>), deve-se chamar o menu de contexto do projeto e acionar a opção </a:t>
+            </a:r>
+            <a:r>
+              <a:rPr lang="pt-BR" sz="1600" b="1" dirty="0" err="1" smtClean="0"/>
+              <a:t>Run</a:t>
+            </a:r>
+            <a:r>
+              <a:rPr lang="pt-BR" sz="1600" b="1" dirty="0" smtClean="0"/>
+              <a:t> </a:t>
+            </a:r>
+            <a:r>
+              <a:rPr lang="pt-BR" sz="1600" b="1" dirty="0" err="1" smtClean="0"/>
+              <a:t>CMake</a:t>
+            </a:r>
+            <a:r>
+              <a:rPr lang="pt-BR" sz="1600" dirty="0"/>
+              <a:t>.</a:t>
+            </a:r>
+            <a:endParaRPr lang="pt-BR" sz="1600" dirty="0">
+              <a:latin typeface="Courier New" panose="02070309020205020404" pitchFamily="49" charset="0"/>
+              <a:cs typeface="Courier New" panose="02070309020205020404" pitchFamily="49" charset="0"/>
+            </a:endParaRPr>
+          </a:p>
+        </p:txBody>
+      </p:sp>
+      <p:pic>
+        <p:nvPicPr>
+          <p:cNvPr id="12" name="Imagem 11"/>
+          <p:cNvPicPr>
+            <a:picLocks noChangeAspect="1"/>
+          </p:cNvPicPr>
+          <p:nvPr/>
+        </p:nvPicPr>
+        <p:blipFill>
+          <a:blip r:embed="rId4">
+            <a:clrChange>
+              <a:clrFrom>
+                <a:srgbClr val="FFFFFF"/>
+              </a:clrFrom>
+              <a:clrTo>
+                <a:srgbClr val="FFFFFF">
+                  <a:alpha val="0"/>
+                </a:srgbClr>
+              </a:clrTo>
+            </a:clrChange>
+          </a:blip>
+          <a:stretch>
+            <a:fillRect/>
+          </a:stretch>
+        </p:blipFill>
+        <p:spPr>
+          <a:xfrm>
+            <a:off x="4127950" y="1628800"/>
+            <a:ext cx="1092122" cy="1008112"/>
           </a:xfrm>
           <a:prstGeom prst="rect">
             <a:avLst/>
@@ -13706,10 +13188,45 @@
           </a:effectLst>
         </p:spPr>
       </p:pic>
+      <p:pic>
+        <p:nvPicPr>
+          <p:cNvPr id="15" name="Imagem 14"/>
+          <p:cNvPicPr>
+            <a:picLocks noChangeAspect="1"/>
+          </p:cNvPicPr>
+          <p:nvPr/>
+        </p:nvPicPr>
+        <p:blipFill>
+          <a:blip r:embed="rId5">
+            <a:clrChange>
+              <a:clrFrom>
+                <a:srgbClr val="FFFFFF"/>
+              </a:clrFrom>
+              <a:clrTo>
+                <a:srgbClr val="FFFFFF">
+                  <a:alpha val="0"/>
+                </a:srgbClr>
+              </a:clrTo>
+            </a:clrChange>
+          </a:blip>
+          <a:stretch>
+            <a:fillRect/>
+          </a:stretch>
+        </p:blipFill>
+        <p:spPr>
+          <a:xfrm flipH="1">
+            <a:off x="5105504" y="4030555"/>
+            <a:ext cx="547482" cy="421305"/>
+          </a:xfrm>
+          <a:prstGeom prst="rect">
+            <a:avLst/>
+          </a:prstGeom>
+        </p:spPr>
+      </p:pic>
     </p:spTree>
     <p:extLst>
       <p:ext uri="{BB962C8B-B14F-4D97-AF65-F5344CB8AC3E}">
-        <p14:creationId xmlns:p14="http://schemas.microsoft.com/office/powerpoint/2010/main" val="3232042557"/>
+        <p14:creationId xmlns:p14="http://schemas.microsoft.com/office/powerpoint/2010/main" val="3160225612"/>
       </p:ext>
     </p:extLst>
   </p:cSld>
@@ -13789,8 +13306,8 @@
         </p:nvSpPr>
         <p:spPr>
           <a:xfrm>
-            <a:off x="2763644" y="1218238"/>
-            <a:ext cx="3320524" cy="338554"/>
+            <a:off x="4067944" y="1218238"/>
+            <a:ext cx="1608133" cy="338554"/>
           </a:xfrm>
           <a:prstGeom prst="rect">
             <a:avLst/>
@@ -13805,7 +13322,15 @@
           <a:p>
             <a:r>
               <a:rPr lang="pt-BR" sz="1600" b="1" dirty="0" smtClean="0"/>
-              <a:t>4.2.1) Associando valores aos pontos</a:t>
+              <a:t>4.1.3) </a:t>
+            </a:r>
+            <a:r>
+              <a:rPr lang="pt-BR" sz="1600" b="1" dirty="0" err="1" smtClean="0"/>
+              <a:t>Hello</a:t>
+            </a:r>
+            <a:r>
+              <a:rPr lang="pt-BR" sz="1600" b="1" dirty="0" smtClean="0"/>
+              <a:t> VTK!</a:t>
             </a:r>
             <a:endParaRPr lang="pt-BR" sz="1600" b="1" dirty="0"/>
           </a:p>
@@ -13813,14 +13338,14 @@
       </p:sp>
       <p:sp>
         <p:nvSpPr>
-          <p:cNvPr id="5" name="CaixaDeTexto 4"/>
+          <p:cNvPr id="55" name="CaixaDeTexto 54"/>
           <p:cNvSpPr txBox="1"/>
           <p:nvPr/>
         </p:nvSpPr>
         <p:spPr>
           <a:xfrm>
-            <a:off x="3257104" y="908720"/>
-            <a:ext cx="2323008" cy="369332"/>
+            <a:off x="2987824" y="908720"/>
+            <a:ext cx="4154984" cy="369332"/>
           </a:xfrm>
           <a:prstGeom prst="rect">
             <a:avLst/>
@@ -13835,7 +13360,7 @@
           <a:p>
             <a:r>
               <a:rPr lang="pt-BR" b="1" dirty="0" smtClean="0"/>
-              <a:t>4.2) Nuvens de pontos</a:t>
+              <a:t>4.1) Criando um aplicativo VTK elementar</a:t>
             </a:r>
             <a:endParaRPr lang="pt-BR" b="1" dirty="0"/>
           </a:p>
@@ -13843,14 +13368,14 @@
       </p:sp>
       <p:sp>
         <p:nvSpPr>
-          <p:cNvPr id="6" name="CaixaDeTexto 5"/>
+          <p:cNvPr id="14" name="CaixaDeTexto 13"/>
           <p:cNvSpPr txBox="1"/>
           <p:nvPr/>
         </p:nvSpPr>
         <p:spPr>
           <a:xfrm>
-            <a:off x="1501325" y="1578278"/>
-            <a:ext cx="6314036" cy="338554"/>
+            <a:off x="263696" y="2814027"/>
+            <a:ext cx="8484768" cy="338554"/>
           </a:xfrm>
           <a:prstGeom prst="rect">
             <a:avLst/>
@@ -13858,62 +13383,96 @@
           <a:noFill/>
         </p:spPr>
         <p:txBody>
-          <a:bodyPr wrap="none" rtlCol="0">
+          <a:bodyPr wrap="square" rtlCol="0">
             <a:spAutoFit/>
           </a:bodyPr>
           <a:lstStyle/>
           <a:p>
-            <a:pPr marL="285750" indent="-285750">
+            <a:pPr marL="285750" indent="-285750" algn="just">
               <a:buFont typeface="Wingdings" panose="05000000000000000000" pitchFamily="2" charset="2"/>
               <a:buChar char="Ø"/>
             </a:pPr>
             <a:r>
+              <a:rPr lang="pt-BR" sz="1600" dirty="0" err="1" smtClean="0"/>
+              <a:t>Qt</a:t>
+            </a:r>
+            <a:r>
               <a:rPr lang="pt-BR" sz="1600" dirty="0" smtClean="0"/>
-              <a:t>F</a:t>
+              <a:t> </a:t>
+            </a:r>
+            <a:r>
+              <a:rPr lang="pt-BR" sz="1600" dirty="0" err="1" smtClean="0"/>
+              <a:t>Creator</a:t>
             </a:r>
             <a:r>
               <a:rPr lang="pt-BR" sz="1600" dirty="0" smtClean="0"/>
-              <a:t>ontes: </a:t>
-            </a:r>
-            <a:r>
-              <a:rPr lang="pt-BR" sz="1600" dirty="0" smtClean="0">
-                <a:latin typeface="Courier New" panose="02070309020205020404" pitchFamily="49" charset="0"/>
-                <a:cs typeface="Courier New" panose="02070309020205020404" pitchFamily="49" charset="0"/>
-              </a:rPr>
-              <a:t>...\</a:t>
-            </a:r>
-            <a:r>
-              <a:rPr lang="pt-BR" sz="1600" dirty="0" err="1" smtClean="0">
-                <a:latin typeface="Courier New" panose="02070309020205020404" pitchFamily="49" charset="0"/>
-                <a:cs typeface="Courier New" panose="02070309020205020404" pitchFamily="49" charset="0"/>
-              </a:rPr>
-              <a:t>cursoVTKgeo</a:t>
-            </a:r>
-            <a:r>
-              <a:rPr lang="pt-BR" sz="1600" dirty="0" smtClean="0">
-                <a:latin typeface="Courier New" panose="02070309020205020404" pitchFamily="49" charset="0"/>
-                <a:cs typeface="Courier New" panose="02070309020205020404" pitchFamily="49" charset="0"/>
-              </a:rPr>
-              <a:t>\aulas_3dias\</a:t>
-            </a:r>
-            <a:r>
-              <a:rPr lang="pt-BR" sz="1600" dirty="0" err="1" smtClean="0">
-                <a:latin typeface="Courier New" panose="02070309020205020404" pitchFamily="49" charset="0"/>
-                <a:cs typeface="Courier New" panose="02070309020205020404" pitchFamily="49" charset="0"/>
-              </a:rPr>
-              <a:t>NuvemPontosVal</a:t>
-            </a:r>
-            <a:endParaRPr lang="pt-BR" sz="1600" dirty="0" smtClean="0">
+              <a:t>: compile clicando em </a:t>
+            </a:r>
+            <a:endParaRPr lang="pt-BR" sz="1600" dirty="0">
               <a:latin typeface="Courier New" panose="02070309020205020404" pitchFamily="49" charset="0"/>
               <a:cs typeface="Courier New" panose="02070309020205020404" pitchFamily="49" charset="0"/>
             </a:endParaRPr>
           </a:p>
         </p:txBody>
       </p:sp>
+      <p:pic>
+        <p:nvPicPr>
+          <p:cNvPr id="3" name="Imagem 2"/>
+          <p:cNvPicPr>
+            <a:picLocks noChangeAspect="1"/>
+          </p:cNvPicPr>
+          <p:nvPr/>
+        </p:nvPicPr>
+        <p:blipFill>
+          <a:blip r:embed="rId3"/>
+          <a:stretch>
+            <a:fillRect/>
+          </a:stretch>
+        </p:blipFill>
+        <p:spPr>
+          <a:xfrm>
+            <a:off x="1847674" y="3861048"/>
+            <a:ext cx="6048672" cy="1896796"/>
+          </a:xfrm>
+          <a:prstGeom prst="rect">
+            <a:avLst/>
+          </a:prstGeom>
+          <a:ln>
+            <a:noFill/>
+          </a:ln>
+          <a:effectLst>
+            <a:softEdge rad="112500"/>
+          </a:effectLst>
+        </p:spPr>
+      </p:pic>
+      <p:pic>
+        <p:nvPicPr>
+          <p:cNvPr id="5" name="Imagem 4"/>
+          <p:cNvPicPr>
+            <a:picLocks noChangeAspect="1"/>
+          </p:cNvPicPr>
+          <p:nvPr/>
+        </p:nvPicPr>
+        <p:blipFill>
+          <a:blip r:embed="rId4"/>
+          <a:stretch>
+            <a:fillRect/>
+          </a:stretch>
+        </p:blipFill>
+        <p:spPr>
+          <a:xfrm>
+            <a:off x="3419872" y="2814027"/>
+            <a:ext cx="571500" cy="381000"/>
+          </a:xfrm>
+          <a:prstGeom prst="rect">
+            <a:avLst/>
+          </a:prstGeom>
+        </p:spPr>
+      </p:pic>
     </p:spTree>
     <p:extLst>
       <p:ext uri="{BB962C8B-B14F-4D97-AF65-F5344CB8AC3E}">
-        <p14:creationId xmlns:p14="http://schemas.microsoft.com/office/powerpoint/2010/main" val="311133971"/>
+        <p14:creationId xmlns:p14="http://schemas.microsoft.com/office/powerpoint/2010/main" val="3796531025"/>
       </p:ext>
     </p:extLst>
   </p:cSld>
@@ -13947,6 +13506,36 @@
           <a:chExt cx="0" cy="0"/>
         </a:xfrm>
       </p:grpSpPr>
+      <p:pic>
+        <p:nvPicPr>
+          <p:cNvPr id="5" name="Imagem 4"/>
+          <p:cNvPicPr>
+            <a:picLocks noChangeAspect="1"/>
+          </p:cNvPicPr>
+          <p:nvPr/>
+        </p:nvPicPr>
+        <p:blipFill>
+          <a:blip r:embed="rId3"/>
+          <a:stretch>
+            <a:fillRect/>
+          </a:stretch>
+        </p:blipFill>
+        <p:spPr>
+          <a:xfrm>
+            <a:off x="2374007" y="2538080"/>
+            <a:ext cx="2486025" cy="1085850"/>
+          </a:xfrm>
+          <a:prstGeom prst="rect">
+            <a:avLst/>
+          </a:prstGeom>
+          <a:ln>
+            <a:noFill/>
+          </a:ln>
+          <a:effectLst>
+            <a:softEdge rad="112500"/>
+          </a:effectLst>
+        </p:spPr>
+      </p:pic>
       <p:sp>
         <p:nvSpPr>
           <p:cNvPr id="4" name="Título 3"/>
@@ -13993,8 +13582,8 @@
         </p:nvSpPr>
         <p:spPr>
           <a:xfrm>
-            <a:off x="2411760" y="1218238"/>
-            <a:ext cx="4341317" cy="338554"/>
+            <a:off x="4067944" y="1218238"/>
+            <a:ext cx="1608133" cy="338554"/>
           </a:xfrm>
           <a:prstGeom prst="rect">
             <a:avLst/>
@@ -14009,23 +13598,15 @@
           <a:p>
             <a:r>
               <a:rPr lang="pt-BR" sz="1600" b="1" dirty="0" smtClean="0"/>
-              <a:t>4.2.2) Variáveis categóricas: a </a:t>
+              <a:t>4.1.3) </a:t>
             </a:r>
             <a:r>
               <a:rPr lang="pt-BR" sz="1600" b="1" dirty="0" err="1" smtClean="0"/>
-              <a:t>Lookup</a:t>
+              <a:t>Hello</a:t>
             </a:r>
             <a:r>
               <a:rPr lang="pt-BR" sz="1600" b="1" dirty="0" smtClean="0"/>
-              <a:t> </a:t>
-            </a:r>
-            <a:r>
-              <a:rPr lang="pt-BR" sz="1600" b="1" dirty="0" err="1" smtClean="0"/>
-              <a:t>Table</a:t>
-            </a:r>
-            <a:r>
-              <a:rPr lang="pt-BR" sz="1600" b="1" dirty="0" smtClean="0"/>
-              <a:t> (LUT)</a:t>
+              <a:t> VTK!</a:t>
             </a:r>
             <a:endParaRPr lang="pt-BR" sz="1600" b="1" dirty="0"/>
           </a:p>
@@ -14033,14 +13614,14 @@
       </p:sp>
       <p:sp>
         <p:nvSpPr>
-          <p:cNvPr id="5" name="CaixaDeTexto 4"/>
+          <p:cNvPr id="55" name="CaixaDeTexto 54"/>
           <p:cNvSpPr txBox="1"/>
           <p:nvPr/>
         </p:nvSpPr>
         <p:spPr>
           <a:xfrm>
-            <a:off x="3257104" y="908720"/>
-            <a:ext cx="2323008" cy="369332"/>
+            <a:off x="2987824" y="908720"/>
+            <a:ext cx="4154984" cy="369332"/>
           </a:xfrm>
           <a:prstGeom prst="rect">
             <a:avLst/>
@@ -14055,16 +13636,480 @@
           <a:p>
             <a:r>
               <a:rPr lang="pt-BR" b="1" dirty="0" smtClean="0"/>
-              <a:t>4.2) Nuvens de pontos</a:t>
+              <a:t>4.1) Criando um aplicativo VTK elementar</a:t>
             </a:r>
             <a:endParaRPr lang="pt-BR" b="1" dirty="0"/>
+          </a:p>
+        </p:txBody>
+      </p:sp>
+      <p:sp>
+        <p:nvSpPr>
+          <p:cNvPr id="14" name="CaixaDeTexto 13"/>
+          <p:cNvSpPr txBox="1"/>
+          <p:nvPr/>
+        </p:nvSpPr>
+        <p:spPr>
+          <a:xfrm>
+            <a:off x="251520" y="1700808"/>
+            <a:ext cx="8484768" cy="4770537"/>
+          </a:xfrm>
+          <a:prstGeom prst="rect">
+            <a:avLst/>
+          </a:prstGeom>
+          <a:noFill/>
+        </p:spPr>
+        <p:txBody>
+          <a:bodyPr wrap="square" rtlCol="0">
+            <a:spAutoFit/>
+          </a:bodyPr>
+          <a:lstStyle/>
+          <a:p>
+            <a:pPr marL="285750" indent="-285750" algn="just">
+              <a:buFont typeface="Wingdings" panose="05000000000000000000" pitchFamily="2" charset="2"/>
+              <a:buChar char="Ø"/>
+            </a:pPr>
+            <a:r>
+              <a:rPr lang="pt-BR" sz="1600" dirty="0" err="1" smtClean="0"/>
+              <a:t>Qt</a:t>
+            </a:r>
+            <a:r>
+              <a:rPr lang="pt-BR" sz="1600" dirty="0" smtClean="0"/>
+              <a:t> </a:t>
+            </a:r>
+            <a:r>
+              <a:rPr lang="pt-BR" sz="1600" dirty="0" err="1" smtClean="0"/>
+              <a:t>Creator</a:t>
+            </a:r>
+            <a:r>
+              <a:rPr lang="pt-BR" sz="1600" dirty="0" smtClean="0"/>
+              <a:t>: Ao executar (play) o programa pode </a:t>
+            </a:r>
+            <a:r>
+              <a:rPr lang="pt-BR" sz="1600" dirty="0" err="1" smtClean="0"/>
+              <a:t>abendar</a:t>
+            </a:r>
+            <a:r>
+              <a:rPr lang="pt-BR" sz="1600" dirty="0" smtClean="0"/>
+              <a:t> (crash).  Provavelmente porque os </a:t>
+            </a:r>
+            <a:r>
+              <a:rPr lang="pt-BR" sz="1600" dirty="0" err="1" smtClean="0"/>
+              <a:t>SOs</a:t>
+            </a:r>
+            <a:r>
+              <a:rPr lang="pt-BR" sz="1600" dirty="0" smtClean="0"/>
+              <a:t>/</a:t>
+            </a:r>
+            <a:r>
+              <a:rPr lang="pt-BR" sz="1600" dirty="0" err="1" smtClean="0"/>
+              <a:t>DLLs</a:t>
+            </a:r>
+            <a:r>
+              <a:rPr lang="pt-BR" sz="1600" dirty="0" smtClean="0"/>
+              <a:t> do VTK não estão visíveis (fora do </a:t>
+            </a:r>
+            <a:r>
+              <a:rPr lang="pt-BR" sz="1600" dirty="0" smtClean="0">
+                <a:latin typeface="Courier New" panose="02070309020205020404" pitchFamily="49" charset="0"/>
+                <a:cs typeface="Courier New" panose="02070309020205020404" pitchFamily="49" charset="0"/>
+              </a:rPr>
+              <a:t>PATH</a:t>
+            </a:r>
+            <a:r>
+              <a:rPr lang="pt-BR" sz="1600" dirty="0" smtClean="0"/>
+              <a:t> (Windows) ou </a:t>
+            </a:r>
+            <a:r>
+              <a:rPr lang="pt-BR" sz="1600" dirty="0" smtClean="0">
+                <a:latin typeface="Courier New" panose="02070309020205020404" pitchFamily="49" charset="0"/>
+                <a:cs typeface="Courier New" panose="02070309020205020404" pitchFamily="49" charset="0"/>
+              </a:rPr>
+              <a:t>LD_LIBRARY_PATH</a:t>
+            </a:r>
+            <a:r>
+              <a:rPr lang="pt-BR" sz="1600" dirty="0" smtClean="0"/>
+              <a:t> (Unix)).</a:t>
+            </a:r>
+          </a:p>
+          <a:p>
+            <a:pPr marL="285750" indent="-285750" algn="just">
+              <a:buFont typeface="Wingdings" panose="05000000000000000000" pitchFamily="2" charset="2"/>
+              <a:buChar char="Ø"/>
+            </a:pPr>
+            <a:endParaRPr lang="pt-BR" sz="1600" dirty="0"/>
+          </a:p>
+          <a:p>
+            <a:pPr marL="285750" indent="-285750" algn="just">
+              <a:buFont typeface="Wingdings" panose="05000000000000000000" pitchFamily="2" charset="2"/>
+              <a:buChar char="Ø"/>
+            </a:pPr>
+            <a:endParaRPr lang="pt-BR" sz="1600" dirty="0" smtClean="0"/>
+          </a:p>
+          <a:p>
+            <a:pPr marL="285750" indent="-285750" algn="just">
+              <a:buFont typeface="Wingdings" panose="05000000000000000000" pitchFamily="2" charset="2"/>
+              <a:buChar char="Ø"/>
+            </a:pPr>
+            <a:endParaRPr lang="pt-BR" sz="1600" dirty="0" smtClean="0">
+              <a:cs typeface="Courier New" panose="02070309020205020404" pitchFamily="49" charset="0"/>
+            </a:endParaRPr>
+          </a:p>
+          <a:p>
+            <a:pPr marL="285750" indent="-285750" algn="just">
+              <a:buFont typeface="Wingdings" panose="05000000000000000000" pitchFamily="2" charset="2"/>
+              <a:buChar char="Ø"/>
+            </a:pPr>
+            <a:r>
+              <a:rPr lang="pt-BR" sz="1600" dirty="0" smtClean="0">
+                <a:cs typeface="Courier New" panose="02070309020205020404" pitchFamily="49" charset="0"/>
+              </a:rPr>
+              <a:t>Ir a                 depois</a:t>
+            </a:r>
+          </a:p>
+          <a:p>
+            <a:pPr marL="285750" indent="-285750" algn="just">
+              <a:buFont typeface="Wingdings" panose="05000000000000000000" pitchFamily="2" charset="2"/>
+              <a:buChar char="Ø"/>
+            </a:pPr>
+            <a:endParaRPr lang="pt-BR" sz="1600" dirty="0">
+              <a:cs typeface="Courier New" panose="02070309020205020404" pitchFamily="49" charset="0"/>
+            </a:endParaRPr>
+          </a:p>
+          <a:p>
+            <a:pPr marL="285750" indent="-285750" algn="just">
+              <a:buFont typeface="Wingdings" panose="05000000000000000000" pitchFamily="2" charset="2"/>
+              <a:buChar char="Ø"/>
+            </a:pPr>
+            <a:endParaRPr lang="pt-BR" sz="1600" dirty="0" smtClean="0">
+              <a:cs typeface="Courier New" panose="02070309020205020404" pitchFamily="49" charset="0"/>
+            </a:endParaRPr>
+          </a:p>
+          <a:p>
+            <a:pPr marL="285750" indent="-285750" algn="just">
+              <a:buFont typeface="Wingdings" panose="05000000000000000000" pitchFamily="2" charset="2"/>
+              <a:buChar char="Ø"/>
+            </a:pPr>
+            <a:endParaRPr lang="pt-BR" sz="1600" dirty="0">
+              <a:cs typeface="Courier New" panose="02070309020205020404" pitchFamily="49" charset="0"/>
+            </a:endParaRPr>
+          </a:p>
+          <a:p>
+            <a:pPr marL="285750" indent="-285750" algn="just">
+              <a:buFont typeface="Wingdings" panose="05000000000000000000" pitchFamily="2" charset="2"/>
+              <a:buChar char="Ø"/>
+            </a:pPr>
+            <a:endParaRPr lang="pt-BR" sz="1600" dirty="0" smtClean="0">
+              <a:cs typeface="Courier New" panose="02070309020205020404" pitchFamily="49" charset="0"/>
+            </a:endParaRPr>
+          </a:p>
+          <a:p>
+            <a:pPr marL="285750" indent="-285750" algn="just">
+              <a:buFont typeface="Wingdings" panose="05000000000000000000" pitchFamily="2" charset="2"/>
+              <a:buChar char="Ø"/>
+            </a:pPr>
+            <a:endParaRPr lang="pt-BR" sz="1600" dirty="0">
+              <a:cs typeface="Courier New" panose="02070309020205020404" pitchFamily="49" charset="0"/>
+            </a:endParaRPr>
+          </a:p>
+          <a:p>
+            <a:pPr marL="285750" indent="-285750" algn="just">
+              <a:buFont typeface="Wingdings" panose="05000000000000000000" pitchFamily="2" charset="2"/>
+              <a:buChar char="Ø"/>
+            </a:pPr>
+            <a:endParaRPr lang="pt-BR" sz="1600" dirty="0" smtClean="0">
+              <a:cs typeface="Courier New" panose="02070309020205020404" pitchFamily="49" charset="0"/>
+            </a:endParaRPr>
+          </a:p>
+          <a:p>
+            <a:pPr marL="285750" indent="-285750" algn="just">
+              <a:buFont typeface="Wingdings" panose="05000000000000000000" pitchFamily="2" charset="2"/>
+              <a:buChar char="Ø"/>
+            </a:pPr>
+            <a:endParaRPr lang="pt-BR" sz="1600" dirty="0">
+              <a:cs typeface="Courier New" panose="02070309020205020404" pitchFamily="49" charset="0"/>
+            </a:endParaRPr>
+          </a:p>
+          <a:p>
+            <a:pPr marL="285750" indent="-285750" algn="just">
+              <a:buFont typeface="Wingdings" panose="05000000000000000000" pitchFamily="2" charset="2"/>
+              <a:buChar char="Ø"/>
+            </a:pPr>
+            <a:endParaRPr lang="pt-BR" sz="1600" dirty="0" smtClean="0">
+              <a:cs typeface="Courier New" panose="02070309020205020404" pitchFamily="49" charset="0"/>
+            </a:endParaRPr>
+          </a:p>
+          <a:p>
+            <a:pPr marL="285750" indent="-285750" algn="just">
+              <a:buFont typeface="Wingdings" panose="05000000000000000000" pitchFamily="2" charset="2"/>
+              <a:buChar char="Ø"/>
+            </a:pPr>
+            <a:endParaRPr lang="pt-BR" sz="1600" dirty="0">
+              <a:cs typeface="Courier New" panose="02070309020205020404" pitchFamily="49" charset="0"/>
+            </a:endParaRPr>
+          </a:p>
+          <a:p>
+            <a:pPr marL="285750" indent="-285750" algn="just">
+              <a:buFont typeface="Wingdings" panose="05000000000000000000" pitchFamily="2" charset="2"/>
+              <a:buChar char="Ø"/>
+            </a:pPr>
+            <a:endParaRPr lang="pt-BR" sz="1600" dirty="0" smtClean="0">
+              <a:cs typeface="Courier New" panose="02070309020205020404" pitchFamily="49" charset="0"/>
+            </a:endParaRPr>
+          </a:p>
+          <a:p>
+            <a:pPr marL="285750" indent="-285750" algn="just">
+              <a:buFont typeface="Wingdings" panose="05000000000000000000" pitchFamily="2" charset="2"/>
+              <a:buChar char="Ø"/>
+            </a:pPr>
+            <a:endParaRPr lang="pt-BR" sz="1600" dirty="0">
+              <a:cs typeface="Courier New" panose="02070309020205020404" pitchFamily="49" charset="0"/>
+            </a:endParaRPr>
+          </a:p>
+          <a:p>
+            <a:pPr marL="285750" indent="-285750" algn="just">
+              <a:buFont typeface="Wingdings" panose="05000000000000000000" pitchFamily="2" charset="2"/>
+              <a:buChar char="Ø"/>
+            </a:pPr>
+            <a:r>
+              <a:rPr lang="pt-BR" sz="1600" dirty="0" smtClean="0">
+                <a:cs typeface="Courier New" panose="02070309020205020404" pitchFamily="49" charset="0"/>
+              </a:rPr>
+              <a:t>Pode ser que não funcione de primeira.  Nesse caso, fecha e abra o </a:t>
+            </a:r>
+            <a:r>
+              <a:rPr lang="pt-BR" sz="1600" dirty="0" err="1" smtClean="0">
+                <a:cs typeface="Courier New" panose="02070309020205020404" pitchFamily="49" charset="0"/>
+              </a:rPr>
+              <a:t>QtCreator</a:t>
+            </a:r>
+            <a:r>
+              <a:rPr lang="pt-BR" sz="1600" dirty="0" smtClean="0">
+                <a:cs typeface="Courier New" panose="02070309020205020404" pitchFamily="49" charset="0"/>
+              </a:rPr>
+              <a:t> de novo.</a:t>
+            </a:r>
+            <a:endParaRPr lang="pt-BR" sz="1600" dirty="0">
+              <a:cs typeface="Courier New" panose="02070309020205020404" pitchFamily="49" charset="0"/>
+            </a:endParaRPr>
+          </a:p>
+          <a:p>
+            <a:pPr marL="285750" indent="-285750" algn="just">
+              <a:buFont typeface="Wingdings" panose="05000000000000000000" pitchFamily="2" charset="2"/>
+              <a:buChar char="Ø"/>
+            </a:pPr>
+            <a:endParaRPr lang="pt-BR" sz="1600" dirty="0">
+              <a:latin typeface="Courier New" panose="02070309020205020404" pitchFamily="49" charset="0"/>
+              <a:cs typeface="Courier New" panose="02070309020205020404" pitchFamily="49" charset="0"/>
+            </a:endParaRPr>
+          </a:p>
+        </p:txBody>
+      </p:sp>
+      <p:pic>
+        <p:nvPicPr>
+          <p:cNvPr id="15" name="Imagem 14"/>
+          <p:cNvPicPr>
+            <a:picLocks noChangeAspect="1"/>
+          </p:cNvPicPr>
+          <p:nvPr/>
+        </p:nvPicPr>
+        <p:blipFill>
+          <a:blip r:embed="rId4">
+            <a:clrChange>
+              <a:clrFrom>
+                <a:srgbClr val="FFFFFF"/>
+              </a:clrFrom>
+              <a:clrTo>
+                <a:srgbClr val="FFFFFF">
+                  <a:alpha val="0"/>
+                </a:srgbClr>
+              </a:clrTo>
+            </a:clrChange>
+          </a:blip>
+          <a:stretch>
+            <a:fillRect/>
+          </a:stretch>
+        </p:blipFill>
+        <p:spPr>
+          <a:xfrm flipH="1">
+            <a:off x="3226708" y="3090380"/>
+            <a:ext cx="547482" cy="421305"/>
+          </a:xfrm>
+          <a:prstGeom prst="rect">
+            <a:avLst/>
+          </a:prstGeom>
+        </p:spPr>
+      </p:pic>
+      <p:pic>
+        <p:nvPicPr>
+          <p:cNvPr id="3" name="Imagem 2"/>
+          <p:cNvPicPr>
+            <a:picLocks noChangeAspect="1"/>
+          </p:cNvPicPr>
+          <p:nvPr/>
+        </p:nvPicPr>
+        <p:blipFill>
+          <a:blip r:embed="rId5"/>
+          <a:stretch>
+            <a:fillRect/>
+          </a:stretch>
+        </p:blipFill>
+        <p:spPr>
+          <a:xfrm>
+            <a:off x="1043608" y="2838118"/>
+            <a:ext cx="523875" cy="485775"/>
+          </a:xfrm>
+          <a:prstGeom prst="rect">
+            <a:avLst/>
+          </a:prstGeom>
+        </p:spPr>
+      </p:pic>
+      <p:pic>
+        <p:nvPicPr>
+          <p:cNvPr id="6" name="Imagem 5"/>
+          <p:cNvPicPr>
+            <a:picLocks noChangeAspect="1"/>
+          </p:cNvPicPr>
+          <p:nvPr/>
+        </p:nvPicPr>
+        <p:blipFill>
+          <a:blip r:embed="rId6"/>
+          <a:stretch>
+            <a:fillRect/>
+          </a:stretch>
+        </p:blipFill>
+        <p:spPr>
+          <a:xfrm>
+            <a:off x="1247392" y="3645024"/>
+            <a:ext cx="6493024" cy="941795"/>
+          </a:xfrm>
+          <a:prstGeom prst="rect">
+            <a:avLst/>
+          </a:prstGeom>
+          <a:ln>
+            <a:noFill/>
+          </a:ln>
+          <a:effectLst>
+            <a:softEdge rad="112500"/>
+          </a:effectLst>
+        </p:spPr>
+      </p:pic>
+      <p:pic>
+        <p:nvPicPr>
+          <p:cNvPr id="13" name="Imagem 12"/>
+          <p:cNvPicPr>
+            <a:picLocks noChangeAspect="1"/>
+          </p:cNvPicPr>
+          <p:nvPr/>
+        </p:nvPicPr>
+        <p:blipFill>
+          <a:blip r:embed="rId4">
+            <a:clrChange>
+              <a:clrFrom>
+                <a:srgbClr val="FFFFFF"/>
+              </a:clrFrom>
+              <a:clrTo>
+                <a:srgbClr val="FFFFFF">
+                  <a:alpha val="0"/>
+                </a:srgbClr>
+              </a:clrTo>
+            </a:clrChange>
+          </a:blip>
+          <a:stretch>
+            <a:fillRect/>
+          </a:stretch>
+        </p:blipFill>
+        <p:spPr>
+          <a:xfrm flipH="1">
+            <a:off x="7408894" y="4100365"/>
+            <a:ext cx="547482" cy="421305"/>
+          </a:xfrm>
+          <a:prstGeom prst="rect">
+            <a:avLst/>
+          </a:prstGeom>
+        </p:spPr>
+      </p:pic>
+      <p:pic>
+        <p:nvPicPr>
+          <p:cNvPr id="7" name="Imagem 6"/>
+          <p:cNvPicPr>
+            <a:picLocks noChangeAspect="1"/>
+          </p:cNvPicPr>
+          <p:nvPr/>
+        </p:nvPicPr>
+        <p:blipFill>
+          <a:blip r:embed="rId7"/>
+          <a:stretch>
+            <a:fillRect/>
+          </a:stretch>
+        </p:blipFill>
+        <p:spPr>
+          <a:xfrm>
+            <a:off x="1449561" y="4653136"/>
+            <a:ext cx="6648450" cy="933450"/>
+          </a:xfrm>
+          <a:prstGeom prst="rect">
+            <a:avLst/>
+          </a:prstGeom>
+          <a:ln>
+            <a:noFill/>
+          </a:ln>
+          <a:effectLst>
+            <a:softEdge rad="112500"/>
+          </a:effectLst>
+        </p:spPr>
+      </p:pic>
+      <p:sp>
+        <p:nvSpPr>
+          <p:cNvPr id="8" name="Chave direita 7"/>
+          <p:cNvSpPr/>
+          <p:nvPr/>
+        </p:nvSpPr>
+        <p:spPr>
+          <a:xfrm rot="16200000">
+            <a:off x="4451804" y="3575802"/>
+            <a:ext cx="288032" cy="2664296"/>
+          </a:xfrm>
+          <a:prstGeom prst="rightBrace">
+            <a:avLst>
+              <a:gd name="adj1" fmla="val 8333"/>
+              <a:gd name="adj2" fmla="val 51144"/>
+            </a:avLst>
+          </a:prstGeom>
+          <a:ln w="28575">
+            <a:solidFill>
+              <a:srgbClr val="FF0000"/>
+            </a:solidFill>
+            <a:headEnd type="none" w="med" len="med"/>
+            <a:tailEnd type="none" w="med" len="med"/>
+          </a:ln>
+        </p:spPr>
+        <p:style>
+          <a:lnRef idx="1">
+            <a:schemeClr val="accent1"/>
+          </a:lnRef>
+          <a:fillRef idx="0">
+            <a:schemeClr val="accent1"/>
+          </a:fillRef>
+          <a:effectRef idx="0">
+            <a:schemeClr val="accent1"/>
+          </a:effectRef>
+          <a:fontRef idx="minor">
+            <a:schemeClr val="tx1"/>
+          </a:fontRef>
+        </p:style>
+        <p:txBody>
+          <a:bodyPr rtlCol="0" anchor="ctr"/>
+          <a:lstStyle/>
+          <a:p>
+            <a:pPr algn="ctr"/>
+            <a:endParaRPr lang="pt-BR"/>
           </a:p>
         </p:txBody>
       </p:sp>
     </p:spTree>
     <p:extLst>
       <p:ext uri="{BB962C8B-B14F-4D97-AF65-F5344CB8AC3E}">
-        <p14:creationId xmlns:p14="http://schemas.microsoft.com/office/powerpoint/2010/main" val="60893757"/>
+        <p14:creationId xmlns:p14="http://schemas.microsoft.com/office/powerpoint/2010/main" val="3675336364"/>
       </p:ext>
     </p:extLst>
   </p:cSld>
@@ -14138,14 +14183,14 @@
       </p:sp>
       <p:sp>
         <p:nvSpPr>
-          <p:cNvPr id="5" name="CaixaDeTexto 4"/>
+          <p:cNvPr id="54" name="CaixaDeTexto 53"/>
           <p:cNvSpPr txBox="1"/>
           <p:nvPr/>
         </p:nvSpPr>
         <p:spPr>
           <a:xfrm>
-            <a:off x="3851920" y="908720"/>
-            <a:ext cx="1564852" cy="369332"/>
+            <a:off x="4067944" y="1218238"/>
+            <a:ext cx="1608133" cy="338554"/>
           </a:xfrm>
           <a:prstGeom prst="rect">
             <a:avLst/>
@@ -14159,17 +14204,89 @@
           <a:lstStyle/>
           <a:p>
             <a:r>
+              <a:rPr lang="pt-BR" sz="1600" b="1" dirty="0" smtClean="0"/>
+              <a:t>4.1.3) </a:t>
+            </a:r>
+            <a:r>
+              <a:rPr lang="pt-BR" sz="1600" b="1" dirty="0" err="1" smtClean="0"/>
+              <a:t>Hello</a:t>
+            </a:r>
+            <a:r>
+              <a:rPr lang="pt-BR" sz="1600" b="1" dirty="0" smtClean="0"/>
+              <a:t> VTK!</a:t>
+            </a:r>
+            <a:endParaRPr lang="pt-BR" sz="1600" b="1" dirty="0"/>
+          </a:p>
+        </p:txBody>
+      </p:sp>
+      <p:sp>
+        <p:nvSpPr>
+          <p:cNvPr id="55" name="CaixaDeTexto 54"/>
+          <p:cNvSpPr txBox="1"/>
+          <p:nvPr/>
+        </p:nvSpPr>
+        <p:spPr>
+          <a:xfrm>
+            <a:off x="2987824" y="908720"/>
+            <a:ext cx="4154984" cy="369332"/>
+          </a:xfrm>
+          <a:prstGeom prst="rect">
+            <a:avLst/>
+          </a:prstGeom>
+          <a:noFill/>
+        </p:spPr>
+        <p:txBody>
+          <a:bodyPr wrap="none" rtlCol="0">
+            <a:spAutoFit/>
+          </a:bodyPr>
+          <a:lstStyle/>
+          <a:p>
+            <a:r>
               <a:rPr lang="pt-BR" b="1" dirty="0" smtClean="0"/>
-              <a:t>4.3) Mapas 2D</a:t>
+              <a:t>4.1) Criando um aplicativo VTK elementar</a:t>
             </a:r>
             <a:endParaRPr lang="pt-BR" b="1" dirty="0"/>
           </a:p>
         </p:txBody>
       </p:sp>
+      <p:pic>
+        <p:nvPicPr>
+          <p:cNvPr id="2" name="Imagem 1"/>
+          <p:cNvPicPr>
+            <a:picLocks noChangeAspect="1"/>
+          </p:cNvPicPr>
+          <p:nvPr/>
+        </p:nvPicPr>
+        <p:blipFill>
+          <a:blip r:embed="rId3"/>
+          <a:stretch>
+            <a:fillRect/>
+          </a:stretch>
+        </p:blipFill>
+        <p:spPr>
+          <a:xfrm>
+            <a:off x="2555776" y="1772816"/>
+            <a:ext cx="4096494" cy="4326399"/>
+          </a:xfrm>
+          <a:prstGeom prst="rect">
+            <a:avLst/>
+          </a:prstGeom>
+          <a:ln>
+            <a:noFill/>
+          </a:ln>
+          <a:effectLst>
+            <a:outerShdw blurRad="292100" dist="139700" dir="2700000" algn="tl" rotWithShape="0">
+              <a:srgbClr val="333333">
+                <a:alpha val="65000"/>
+              </a:srgbClr>
+            </a:outerShdw>
+          </a:effectLst>
+        </p:spPr>
+      </p:pic>
     </p:spTree>
     <p:extLst>
       <p:ext uri="{BB962C8B-B14F-4D97-AF65-F5344CB8AC3E}">
-        <p14:creationId xmlns:p14="http://schemas.microsoft.com/office/powerpoint/2010/main" val="4174760171"/>
+        <p14:creationId xmlns:p14="http://schemas.microsoft.com/office/powerpoint/2010/main" val="1382819145"/>
       </p:ext>
     </p:extLst>
   </p:cSld>
@@ -14243,14 +14360,14 @@
       </p:sp>
       <p:sp>
         <p:nvSpPr>
-          <p:cNvPr id="5" name="CaixaDeTexto 4"/>
+          <p:cNvPr id="54" name="CaixaDeTexto 53"/>
           <p:cNvSpPr txBox="1"/>
           <p:nvPr/>
         </p:nvSpPr>
         <p:spPr>
           <a:xfrm>
-            <a:off x="3851920" y="908720"/>
-            <a:ext cx="1564852" cy="369332"/>
+            <a:off x="2771800" y="1218238"/>
+            <a:ext cx="4612288" cy="338554"/>
           </a:xfrm>
           <a:prstGeom prst="rect">
             <a:avLst/>
@@ -14264,23 +14381,23 @@
           <a:lstStyle/>
           <a:p>
             <a:r>
-              <a:rPr lang="pt-BR" b="1" dirty="0" smtClean="0"/>
-              <a:t>4.3) Mapas 2D</a:t>
-            </a:r>
-            <a:endParaRPr lang="pt-BR" b="1" dirty="0"/>
-          </a:p>
-        </p:txBody>
-      </p:sp>
-      <p:sp>
-        <p:nvSpPr>
-          <p:cNvPr id="6" name="CaixaDeTexto 5"/>
+              <a:rPr lang="pt-BR" sz="1600" b="1" dirty="0" smtClean="0"/>
+              <a:t>4.1.4) Adicionando eixos para orientação do usuário</a:t>
+            </a:r>
+            <a:endParaRPr lang="pt-BR" sz="1600" b="1" dirty="0"/>
+          </a:p>
+        </p:txBody>
+      </p:sp>
+      <p:sp>
+        <p:nvSpPr>
+          <p:cNvPr id="55" name="CaixaDeTexto 54"/>
           <p:cNvSpPr txBox="1"/>
           <p:nvPr/>
         </p:nvSpPr>
         <p:spPr>
           <a:xfrm>
-            <a:off x="2267744" y="1218238"/>
-            <a:ext cx="4832157" cy="338554"/>
+            <a:off x="2987824" y="908720"/>
+            <a:ext cx="4154984" cy="369332"/>
           </a:xfrm>
           <a:prstGeom prst="rect">
             <a:avLst/>
@@ -14294,17 +14411,109 @@
           <a:lstStyle/>
           <a:p>
             <a:r>
-              <a:rPr lang="pt-BR" sz="1600" b="1" dirty="0" smtClean="0"/>
-              <a:t>4.3.1) Ocultando valores nulos e locais não amostrados</a:t>
-            </a:r>
-            <a:endParaRPr lang="pt-BR" sz="1600" b="1" dirty="0"/>
-          </a:p>
-        </p:txBody>
-      </p:sp>
+              <a:rPr lang="pt-BR" b="1" dirty="0" smtClean="0"/>
+              <a:t>4.1) Criando um aplicativo VTK elementar</a:t>
+            </a:r>
+            <a:endParaRPr lang="pt-BR" b="1" dirty="0"/>
+          </a:p>
+        </p:txBody>
+      </p:sp>
+      <p:sp>
+        <p:nvSpPr>
+          <p:cNvPr id="6" name="CaixaDeTexto 5"/>
+          <p:cNvSpPr txBox="1"/>
+          <p:nvPr/>
+        </p:nvSpPr>
+        <p:spPr>
+          <a:xfrm>
+            <a:off x="1501325" y="1938318"/>
+            <a:ext cx="5203156" cy="338554"/>
+          </a:xfrm>
+          <a:prstGeom prst="rect">
+            <a:avLst/>
+          </a:prstGeom>
+          <a:noFill/>
+        </p:spPr>
+        <p:txBody>
+          <a:bodyPr wrap="none" rtlCol="0">
+            <a:spAutoFit/>
+          </a:bodyPr>
+          <a:lstStyle/>
+          <a:p>
+            <a:pPr marL="285750" indent="-285750">
+              <a:buFont typeface="Wingdings" panose="05000000000000000000" pitchFamily="2" charset="2"/>
+              <a:buChar char="Ø"/>
+            </a:pPr>
+            <a:r>
+              <a:rPr lang="pt-BR" sz="1600" dirty="0" smtClean="0"/>
+              <a:t>Fontes: </a:t>
+            </a:r>
+            <a:r>
+              <a:rPr lang="pt-BR" sz="1600" dirty="0" smtClean="0">
+                <a:latin typeface="Courier New" panose="02070309020205020404" pitchFamily="49" charset="0"/>
+                <a:cs typeface="Courier New" panose="02070309020205020404" pitchFamily="49" charset="0"/>
+              </a:rPr>
+              <a:t>...\</a:t>
+            </a:r>
+            <a:r>
+              <a:rPr lang="pt-BR" sz="1600" dirty="0" err="1" smtClean="0">
+                <a:latin typeface="Courier New" panose="02070309020205020404" pitchFamily="49" charset="0"/>
+                <a:cs typeface="Courier New" panose="02070309020205020404" pitchFamily="49" charset="0"/>
+              </a:rPr>
+              <a:t>cursoVTKgeo</a:t>
+            </a:r>
+            <a:r>
+              <a:rPr lang="pt-BR" sz="1600" dirty="0" smtClean="0">
+                <a:latin typeface="Courier New" panose="02070309020205020404" pitchFamily="49" charset="0"/>
+                <a:cs typeface="Courier New" panose="02070309020205020404" pitchFamily="49" charset="0"/>
+              </a:rPr>
+              <a:t>\aulas_3dias\Eixos</a:t>
+            </a:r>
+            <a:endParaRPr lang="pt-BR" sz="1600" dirty="0">
+              <a:latin typeface="Courier New" panose="02070309020205020404" pitchFamily="49" charset="0"/>
+              <a:cs typeface="Courier New" panose="02070309020205020404" pitchFamily="49" charset="0"/>
+            </a:endParaRPr>
+          </a:p>
+        </p:txBody>
+      </p:sp>
+      <p:pic>
+        <p:nvPicPr>
+          <p:cNvPr id="3" name="Imagem 2"/>
+          <p:cNvPicPr>
+            <a:picLocks noChangeAspect="1"/>
+          </p:cNvPicPr>
+          <p:nvPr/>
+        </p:nvPicPr>
+        <p:blipFill>
+          <a:blip r:embed="rId3"/>
+          <a:stretch>
+            <a:fillRect/>
+          </a:stretch>
+        </p:blipFill>
+        <p:spPr>
+          <a:xfrm>
+            <a:off x="2767980" y="2492896"/>
+            <a:ext cx="3520430" cy="3718005"/>
+          </a:xfrm>
+          <a:prstGeom prst="rect">
+            <a:avLst/>
+          </a:prstGeom>
+          <a:ln>
+            <a:noFill/>
+          </a:ln>
+          <a:effectLst>
+            <a:outerShdw blurRad="292100" dist="139700" dir="2700000" algn="tl" rotWithShape="0">
+              <a:srgbClr val="333333">
+                <a:alpha val="65000"/>
+              </a:srgbClr>
+            </a:outerShdw>
+          </a:effectLst>
+        </p:spPr>
+      </p:pic>
     </p:spTree>
     <p:extLst>
       <p:ext uri="{BB962C8B-B14F-4D97-AF65-F5344CB8AC3E}">
-        <p14:creationId xmlns:p14="http://schemas.microsoft.com/office/powerpoint/2010/main" val="3585225282"/>
+        <p14:creationId xmlns:p14="http://schemas.microsoft.com/office/powerpoint/2010/main" val="3971569777"/>
       </p:ext>
     </p:extLst>
   </p:cSld>
@@ -14671,14 +14880,14 @@
       </p:sp>
       <p:sp>
         <p:nvSpPr>
-          <p:cNvPr id="5" name="CaixaDeTexto 4"/>
+          <p:cNvPr id="55" name="CaixaDeTexto 54"/>
           <p:cNvSpPr txBox="1"/>
           <p:nvPr/>
         </p:nvSpPr>
         <p:spPr>
           <a:xfrm>
-            <a:off x="3851920" y="908720"/>
-            <a:ext cx="1503938" cy="369332"/>
+            <a:off x="3257104" y="908720"/>
+            <a:ext cx="2323008" cy="369332"/>
           </a:xfrm>
           <a:prstGeom prst="rect">
             <a:avLst/>
@@ -14693,16 +14902,115 @@
           <a:p>
             <a:r>
               <a:rPr lang="pt-BR" b="1" dirty="0" smtClean="0"/>
-              <a:t>4.4) Cubos 3D</a:t>
+              <a:t>4.2) Nuvens de pontos</a:t>
             </a:r>
             <a:endParaRPr lang="pt-BR" b="1" dirty="0"/>
           </a:p>
         </p:txBody>
       </p:sp>
+      <p:sp>
+        <p:nvSpPr>
+          <p:cNvPr id="6" name="CaixaDeTexto 5"/>
+          <p:cNvSpPr txBox="1"/>
+          <p:nvPr/>
+        </p:nvSpPr>
+        <p:spPr>
+          <a:xfrm>
+            <a:off x="1501325" y="1412776"/>
+            <a:ext cx="5943743" cy="338554"/>
+          </a:xfrm>
+          <a:prstGeom prst="rect">
+            <a:avLst/>
+          </a:prstGeom>
+          <a:noFill/>
+        </p:spPr>
+        <p:txBody>
+          <a:bodyPr wrap="none" rtlCol="0">
+            <a:spAutoFit/>
+          </a:bodyPr>
+          <a:lstStyle/>
+          <a:p>
+            <a:pPr marL="285750" indent="-285750">
+              <a:buFont typeface="Wingdings" panose="05000000000000000000" pitchFamily="2" charset="2"/>
+              <a:buChar char="Ø"/>
+            </a:pPr>
+            <a:r>
+              <a:rPr lang="pt-BR" sz="1600" dirty="0" smtClean="0"/>
+              <a:t>Fontes: </a:t>
+            </a:r>
+            <a:r>
+              <a:rPr lang="pt-BR" sz="1600" dirty="0" smtClean="0">
+                <a:latin typeface="Courier New" panose="02070309020205020404" pitchFamily="49" charset="0"/>
+                <a:cs typeface="Courier New" panose="02070309020205020404" pitchFamily="49" charset="0"/>
+              </a:rPr>
+              <a:t>...\</a:t>
+            </a:r>
+            <a:r>
+              <a:rPr lang="pt-BR" sz="1600" dirty="0" err="1" smtClean="0">
+                <a:latin typeface="Courier New" panose="02070309020205020404" pitchFamily="49" charset="0"/>
+                <a:cs typeface="Courier New" panose="02070309020205020404" pitchFamily="49" charset="0"/>
+              </a:rPr>
+              <a:t>cursoVTKgeo</a:t>
+            </a:r>
+            <a:r>
+              <a:rPr lang="pt-BR" sz="1600" dirty="0" smtClean="0">
+                <a:latin typeface="Courier New" panose="02070309020205020404" pitchFamily="49" charset="0"/>
+                <a:cs typeface="Courier New" panose="02070309020205020404" pitchFamily="49" charset="0"/>
+              </a:rPr>
+              <a:t>\aulas_3dias\</a:t>
+            </a:r>
+            <a:r>
+              <a:rPr lang="pt-BR" sz="1600" dirty="0" err="1" smtClean="0">
+                <a:latin typeface="Courier New" panose="02070309020205020404" pitchFamily="49" charset="0"/>
+                <a:cs typeface="Courier New" panose="02070309020205020404" pitchFamily="49" charset="0"/>
+              </a:rPr>
+              <a:t>NuvemPontos</a:t>
+            </a:r>
+            <a:endParaRPr lang="pt-BR" sz="1600" dirty="0" smtClean="0">
+              <a:latin typeface="Courier New" panose="02070309020205020404" pitchFamily="49" charset="0"/>
+              <a:cs typeface="Courier New" panose="02070309020205020404" pitchFamily="49" charset="0"/>
+            </a:endParaRPr>
+          </a:p>
+        </p:txBody>
+      </p:sp>
+      <p:pic>
+        <p:nvPicPr>
+          <p:cNvPr id="2" name="Imagem 1"/>
+          <p:cNvPicPr>
+            <a:picLocks noChangeAspect="1"/>
+          </p:cNvPicPr>
+          <p:nvPr/>
+        </p:nvPicPr>
+        <p:blipFill>
+          <a:blip r:embed="rId3"/>
+          <a:stretch>
+            <a:fillRect/>
+          </a:stretch>
+        </p:blipFill>
+        <p:spPr>
+          <a:xfrm>
+            <a:off x="2195736" y="1988840"/>
+            <a:ext cx="4104456" cy="4334808"/>
+          </a:xfrm>
+          <a:prstGeom prst="rect">
+            <a:avLst/>
+          </a:prstGeom>
+          <a:ln>
+            <a:noFill/>
+          </a:ln>
+          <a:effectLst>
+            <a:outerShdw blurRad="292100" dist="139700" dir="2700000" algn="tl" rotWithShape="0">
+              <a:srgbClr val="333333">
+                <a:alpha val="65000"/>
+              </a:srgbClr>
+            </a:outerShdw>
+          </a:effectLst>
+        </p:spPr>
+      </p:pic>
     </p:spTree>
     <p:extLst>
       <p:ext uri="{BB962C8B-B14F-4D97-AF65-F5344CB8AC3E}">
-        <p14:creationId xmlns:p14="http://schemas.microsoft.com/office/powerpoint/2010/main" val="1653003107"/>
+        <p14:creationId xmlns:p14="http://schemas.microsoft.com/office/powerpoint/2010/main" val="3232042557"/>
       </p:ext>
     </p:extLst>
   </p:cSld>
@@ -14776,14 +15084,14 @@
       </p:sp>
       <p:sp>
         <p:nvSpPr>
-          <p:cNvPr id="5" name="CaixaDeTexto 4"/>
+          <p:cNvPr id="54" name="CaixaDeTexto 53"/>
           <p:cNvSpPr txBox="1"/>
           <p:nvPr/>
         </p:nvSpPr>
         <p:spPr>
           <a:xfrm>
-            <a:off x="3851920" y="908720"/>
-            <a:ext cx="1503938" cy="369332"/>
+            <a:off x="2763644" y="1218238"/>
+            <a:ext cx="3320524" cy="338554"/>
           </a:xfrm>
           <a:prstGeom prst="rect">
             <a:avLst/>
@@ -14797,23 +15105,23 @@
           <a:lstStyle/>
           <a:p>
             <a:r>
-              <a:rPr lang="pt-BR" b="1" dirty="0" smtClean="0"/>
-              <a:t>4.4) Cubos 3D</a:t>
-            </a:r>
-            <a:endParaRPr lang="pt-BR" b="1" dirty="0"/>
-          </a:p>
-        </p:txBody>
-      </p:sp>
-      <p:sp>
-        <p:nvSpPr>
-          <p:cNvPr id="6" name="CaixaDeTexto 5"/>
+              <a:rPr lang="pt-BR" sz="1600" b="1" dirty="0" smtClean="0"/>
+              <a:t>4.2.1) Associando valores aos pontos</a:t>
+            </a:r>
+            <a:endParaRPr lang="pt-BR" sz="1600" b="1" dirty="0"/>
+          </a:p>
+        </p:txBody>
+      </p:sp>
+      <p:sp>
+        <p:nvSpPr>
+          <p:cNvPr id="5" name="CaixaDeTexto 4"/>
           <p:cNvSpPr txBox="1"/>
           <p:nvPr/>
         </p:nvSpPr>
         <p:spPr>
           <a:xfrm>
-            <a:off x="2987824" y="1218238"/>
-            <a:ext cx="3371116" cy="338554"/>
+            <a:off x="3257104" y="908720"/>
+            <a:ext cx="2323008" cy="369332"/>
           </a:xfrm>
           <a:prstGeom prst="rect">
             <a:avLst/>
@@ -14827,37 +15135,82 @@
           <a:lstStyle/>
           <a:p>
             <a:r>
-              <a:rPr lang="pt-BR" sz="1600" b="1" dirty="0" smtClean="0"/>
-              <a:t>4.4.1) Seções </a:t>
-            </a:r>
-            <a:r>
-              <a:rPr lang="pt-BR" sz="1600" b="1" dirty="0" err="1" smtClean="0"/>
-              <a:t>inline</a:t>
-            </a:r>
-            <a:r>
-              <a:rPr lang="pt-BR" sz="1600" b="1" dirty="0" smtClean="0"/>
-              <a:t>, </a:t>
-            </a:r>
-            <a:r>
-              <a:rPr lang="pt-BR" sz="1600" b="1" dirty="0" err="1" smtClean="0"/>
-              <a:t>crossline</a:t>
-            </a:r>
-            <a:r>
-              <a:rPr lang="pt-BR" sz="1600" b="1" dirty="0" smtClean="0"/>
-              <a:t> e z-</a:t>
-            </a:r>
-            <a:r>
-              <a:rPr lang="pt-BR" sz="1600" b="1" dirty="0" err="1" smtClean="0"/>
-              <a:t>slice</a:t>
-            </a:r>
-            <a:endParaRPr lang="pt-BR" sz="1600" b="1" dirty="0"/>
+              <a:rPr lang="pt-BR" b="1" dirty="0" smtClean="0"/>
+              <a:t>4.2) Nuvens de pontos</a:t>
+            </a:r>
+            <a:endParaRPr lang="pt-BR" b="1" dirty="0"/>
+          </a:p>
+        </p:txBody>
+      </p:sp>
+      <p:sp>
+        <p:nvSpPr>
+          <p:cNvPr id="6" name="CaixaDeTexto 5"/>
+          <p:cNvSpPr txBox="1"/>
+          <p:nvPr/>
+        </p:nvSpPr>
+        <p:spPr>
+          <a:xfrm>
+            <a:off x="1501325" y="1578278"/>
+            <a:ext cx="6314036" cy="338554"/>
+          </a:xfrm>
+          <a:prstGeom prst="rect">
+            <a:avLst/>
+          </a:prstGeom>
+          <a:noFill/>
+        </p:spPr>
+        <p:txBody>
+          <a:bodyPr wrap="none" rtlCol="0">
+            <a:spAutoFit/>
+          </a:bodyPr>
+          <a:lstStyle/>
+          <a:p>
+            <a:pPr marL="285750" indent="-285750">
+              <a:buFont typeface="Wingdings" panose="05000000000000000000" pitchFamily="2" charset="2"/>
+              <a:buChar char="Ø"/>
+            </a:pPr>
+            <a:r>
+              <a:rPr lang="pt-BR" sz="1600" dirty="0" smtClean="0"/>
+              <a:t>Fontes: </a:t>
+            </a:r>
+            <a:r>
+              <a:rPr lang="pt-BR" sz="1600" dirty="0" smtClean="0">
+                <a:latin typeface="Courier New" panose="02070309020205020404" pitchFamily="49" charset="0"/>
+                <a:cs typeface="Courier New" panose="02070309020205020404" pitchFamily="49" charset="0"/>
+              </a:rPr>
+              <a:t>...\</a:t>
+            </a:r>
+            <a:r>
+              <a:rPr lang="pt-BR" sz="1600" dirty="0" err="1" smtClean="0">
+                <a:latin typeface="Courier New" panose="02070309020205020404" pitchFamily="49" charset="0"/>
+                <a:cs typeface="Courier New" panose="02070309020205020404" pitchFamily="49" charset="0"/>
+              </a:rPr>
+              <a:t>cursoVTKgeo</a:t>
+            </a:r>
+            <a:r>
+              <a:rPr lang="pt-BR" sz="1600" dirty="0" smtClean="0">
+                <a:latin typeface="Courier New" panose="02070309020205020404" pitchFamily="49" charset="0"/>
+                <a:cs typeface="Courier New" panose="02070309020205020404" pitchFamily="49" charset="0"/>
+              </a:rPr>
+              <a:t>\aulas_3dias\</a:t>
+            </a:r>
+            <a:r>
+              <a:rPr lang="pt-BR" sz="1600" dirty="0" err="1" smtClean="0">
+                <a:latin typeface="Courier New" panose="02070309020205020404" pitchFamily="49" charset="0"/>
+                <a:cs typeface="Courier New" panose="02070309020205020404" pitchFamily="49" charset="0"/>
+              </a:rPr>
+              <a:t>NuvemPontosVal</a:t>
+            </a:r>
+            <a:endParaRPr lang="pt-BR" sz="1600" dirty="0" smtClean="0">
+              <a:latin typeface="Courier New" panose="02070309020205020404" pitchFamily="49" charset="0"/>
+              <a:cs typeface="Courier New" panose="02070309020205020404" pitchFamily="49" charset="0"/>
+            </a:endParaRPr>
           </a:p>
         </p:txBody>
       </p:sp>
     </p:spTree>
     <p:extLst>
       <p:ext uri="{BB962C8B-B14F-4D97-AF65-F5344CB8AC3E}">
-        <p14:creationId xmlns:p14="http://schemas.microsoft.com/office/powerpoint/2010/main" val="760961505"/>
+        <p14:creationId xmlns:p14="http://schemas.microsoft.com/office/powerpoint/2010/main" val="311133971"/>
       </p:ext>
     </p:extLst>
   </p:cSld>
@@ -14931,14 +15284,14 @@
       </p:sp>
       <p:sp>
         <p:nvSpPr>
-          <p:cNvPr id="5" name="CaixaDeTexto 4"/>
+          <p:cNvPr id="54" name="CaixaDeTexto 53"/>
           <p:cNvSpPr txBox="1"/>
           <p:nvPr/>
         </p:nvSpPr>
         <p:spPr>
           <a:xfrm>
-            <a:off x="3851920" y="908720"/>
-            <a:ext cx="1503938" cy="369332"/>
+            <a:off x="2411760" y="1218238"/>
+            <a:ext cx="4341317" cy="338554"/>
           </a:xfrm>
           <a:prstGeom prst="rect">
             <a:avLst/>
@@ -14952,23 +15305,39 @@
           <a:lstStyle/>
           <a:p>
             <a:r>
-              <a:rPr lang="pt-BR" b="1" dirty="0" smtClean="0"/>
-              <a:t>4.4) Cubos 3D</a:t>
-            </a:r>
-            <a:endParaRPr lang="pt-BR" b="1" dirty="0"/>
-          </a:p>
-        </p:txBody>
-      </p:sp>
-      <p:sp>
-        <p:nvSpPr>
-          <p:cNvPr id="6" name="CaixaDeTexto 5"/>
+              <a:rPr lang="pt-BR" sz="1600" b="1" dirty="0" smtClean="0"/>
+              <a:t>4.2.2) Variáveis categóricas: a </a:t>
+            </a:r>
+            <a:r>
+              <a:rPr lang="pt-BR" sz="1600" b="1" dirty="0" err="1" smtClean="0"/>
+              <a:t>Lookup</a:t>
+            </a:r>
+            <a:r>
+              <a:rPr lang="pt-BR" sz="1600" b="1" dirty="0" smtClean="0"/>
+              <a:t> </a:t>
+            </a:r>
+            <a:r>
+              <a:rPr lang="pt-BR" sz="1600" b="1" dirty="0" err="1" smtClean="0"/>
+              <a:t>Table</a:t>
+            </a:r>
+            <a:r>
+              <a:rPr lang="pt-BR" sz="1600" b="1" dirty="0" smtClean="0"/>
+              <a:t> (LUT)</a:t>
+            </a:r>
+            <a:endParaRPr lang="pt-BR" sz="1600" b="1" dirty="0"/>
+          </a:p>
+        </p:txBody>
+      </p:sp>
+      <p:sp>
+        <p:nvSpPr>
+          <p:cNvPr id="5" name="CaixaDeTexto 4"/>
           <p:cNvSpPr txBox="1"/>
           <p:nvPr/>
         </p:nvSpPr>
         <p:spPr>
           <a:xfrm>
-            <a:off x="3624835" y="1218238"/>
-            <a:ext cx="2099293" cy="338554"/>
+            <a:off x="3257104" y="908720"/>
+            <a:ext cx="2323008" cy="369332"/>
           </a:xfrm>
           <a:prstGeom prst="rect">
             <a:avLst/>
@@ -14982,21 +15351,17 @@
           <a:lstStyle/>
           <a:p>
             <a:r>
-              <a:rPr lang="pt-BR" sz="1600" b="1" dirty="0" smtClean="0"/>
-              <a:t>4.4.2) </a:t>
-            </a:r>
-            <a:r>
-              <a:rPr lang="pt-BR" sz="1600" b="1" dirty="0" err="1" smtClean="0"/>
-              <a:t>Subamostragem</a:t>
-            </a:r>
-            <a:endParaRPr lang="pt-BR" sz="1600" b="1" dirty="0"/>
+              <a:rPr lang="pt-BR" b="1" dirty="0" smtClean="0"/>
+              <a:t>4.2) Nuvens de pontos</a:t>
+            </a:r>
+            <a:endParaRPr lang="pt-BR" b="1" dirty="0"/>
           </a:p>
         </p:txBody>
       </p:sp>
     </p:spTree>
     <p:extLst>
       <p:ext uri="{BB962C8B-B14F-4D97-AF65-F5344CB8AC3E}">
-        <p14:creationId xmlns:p14="http://schemas.microsoft.com/office/powerpoint/2010/main" val="2988628406"/>
+        <p14:creationId xmlns:p14="http://schemas.microsoft.com/office/powerpoint/2010/main" val="60893757"/>
       </p:ext>
     </p:extLst>
   </p:cSld>
@@ -15076,8 +15441,8 @@
         </p:nvSpPr>
         <p:spPr>
           <a:xfrm>
-            <a:off x="2843808" y="908720"/>
-            <a:ext cx="3865930" cy="369332"/>
+            <a:off x="3851920" y="908720"/>
+            <a:ext cx="1564852" cy="369332"/>
           </a:xfrm>
           <a:prstGeom prst="rect">
             <a:avLst/>
@@ -15092,46 +15457,16 @@
           <a:p>
             <a:r>
               <a:rPr lang="pt-BR" b="1" dirty="0" smtClean="0"/>
-              <a:t>4.5) Estruturas de geometria complexa</a:t>
+              <a:t>4.3) Mapas 2D</a:t>
             </a:r>
             <a:endParaRPr lang="pt-BR" b="1" dirty="0"/>
-          </a:p>
-        </p:txBody>
-      </p:sp>
-      <p:sp>
-        <p:nvSpPr>
-          <p:cNvPr id="6" name="CaixaDeTexto 5"/>
-          <p:cNvSpPr txBox="1"/>
-          <p:nvPr/>
-        </p:nvSpPr>
-        <p:spPr>
-          <a:xfrm>
-            <a:off x="3624835" y="1218238"/>
-            <a:ext cx="2091855" cy="338554"/>
-          </a:xfrm>
-          <a:prstGeom prst="rect">
-            <a:avLst/>
-          </a:prstGeom>
-          <a:noFill/>
-        </p:spPr>
-        <p:txBody>
-          <a:bodyPr wrap="none" rtlCol="0">
-            <a:spAutoFit/>
-          </a:bodyPr>
-          <a:lstStyle/>
-          <a:p>
-            <a:r>
-              <a:rPr lang="pt-BR" sz="1600" b="1" dirty="0" smtClean="0"/>
-              <a:t>4.5.1) Linha poligonais</a:t>
-            </a:r>
-            <a:endParaRPr lang="pt-BR" sz="1600" b="1" dirty="0"/>
           </a:p>
         </p:txBody>
       </p:sp>
     </p:spTree>
     <p:extLst>
       <p:ext uri="{BB962C8B-B14F-4D97-AF65-F5344CB8AC3E}">
-        <p14:creationId xmlns:p14="http://schemas.microsoft.com/office/powerpoint/2010/main" val="2161034562"/>
+        <p14:creationId xmlns:p14="http://schemas.microsoft.com/office/powerpoint/2010/main" val="4174760171"/>
       </p:ext>
     </p:extLst>
   </p:cSld>
@@ -15211,8 +15546,8 @@
         </p:nvSpPr>
         <p:spPr>
           <a:xfrm>
-            <a:off x="2843808" y="908720"/>
-            <a:ext cx="3865930" cy="369332"/>
+            <a:off x="3851920" y="908720"/>
+            <a:ext cx="1564852" cy="369332"/>
           </a:xfrm>
           <a:prstGeom prst="rect">
             <a:avLst/>
@@ -15227,7 +15562,7 @@
           <a:p>
             <a:r>
               <a:rPr lang="pt-BR" b="1" dirty="0" smtClean="0"/>
-              <a:t>4.5) Estruturas de geometria complexa</a:t>
+              <a:t>4.3) Mapas 2D</a:t>
             </a:r>
             <a:endParaRPr lang="pt-BR" b="1" dirty="0"/>
           </a:p>
@@ -15241,8 +15576,8 @@
         </p:nvSpPr>
         <p:spPr>
           <a:xfrm>
-            <a:off x="3859896" y="1218238"/>
-            <a:ext cx="1648208" cy="338554"/>
+            <a:off x="2267744" y="1218238"/>
+            <a:ext cx="4832157" cy="338554"/>
           </a:xfrm>
           <a:prstGeom prst="rect">
             <a:avLst/>
@@ -15257,7 +15592,7 @@
           <a:p>
             <a:r>
               <a:rPr lang="pt-BR" sz="1600" b="1" dirty="0" smtClean="0"/>
-              <a:t>4.5.2) Superfícies</a:t>
+              <a:t>4.3.1) Ocultando valores nulos e locais não amostrados</a:t>
             </a:r>
             <a:endParaRPr lang="pt-BR" sz="1600" b="1" dirty="0"/>
           </a:p>
@@ -15266,7 +15601,7 @@
     </p:spTree>
     <p:extLst>
       <p:ext uri="{BB962C8B-B14F-4D97-AF65-F5344CB8AC3E}">
-        <p14:creationId xmlns:p14="http://schemas.microsoft.com/office/powerpoint/2010/main" val="3812166210"/>
+        <p14:creationId xmlns:p14="http://schemas.microsoft.com/office/powerpoint/2010/main" val="3585225282"/>
       </p:ext>
     </p:extLst>
   </p:cSld>
@@ -15346,8 +15681,8 @@
         </p:nvSpPr>
         <p:spPr>
           <a:xfrm>
-            <a:off x="2421706" y="908720"/>
-            <a:ext cx="4670574" cy="369332"/>
+            <a:off x="3851920" y="908720"/>
+            <a:ext cx="1503938" cy="369332"/>
           </a:xfrm>
           <a:prstGeom prst="rect">
             <a:avLst/>
@@ -15362,28 +15697,16 @@
           <a:p>
             <a:r>
               <a:rPr lang="pt-BR" b="1" dirty="0" smtClean="0"/>
-              <a:t>4.6) Interação com o modelo: </a:t>
-            </a:r>
-            <a:r>
-              <a:rPr lang="pt-BR" b="1" i="1" dirty="0" err="1" smtClean="0"/>
-              <a:t>picking</a:t>
-            </a:r>
-            <a:r>
-              <a:rPr lang="pt-BR" b="1" dirty="0" smtClean="0"/>
-              <a:t> e </a:t>
-            </a:r>
-            <a:r>
-              <a:rPr lang="pt-BR" b="1" i="1" dirty="0" err="1" smtClean="0"/>
-              <a:t>probing</a:t>
-            </a:r>
-            <a:endParaRPr lang="pt-BR" b="1" i="1" dirty="0"/>
+              <a:t>4.4) Cubos 3D</a:t>
+            </a:r>
+            <a:endParaRPr lang="pt-BR" b="1" dirty="0"/>
           </a:p>
         </p:txBody>
       </p:sp>
     </p:spTree>
     <p:extLst>
       <p:ext uri="{BB962C8B-B14F-4D97-AF65-F5344CB8AC3E}">
-        <p14:creationId xmlns:p14="http://schemas.microsoft.com/office/powerpoint/2010/main" val="3321787556"/>
+        <p14:creationId xmlns:p14="http://schemas.microsoft.com/office/powerpoint/2010/main" val="1653003107"/>
       </p:ext>
     </p:extLst>
   </p:cSld>
@@ -15441,7 +15764,15 @@
           <a:p>
             <a:r>
               <a:rPr lang="pt-BR" sz="2400" dirty="0" smtClean="0"/>
-              <a:t>Mais sobre VTK</a:t>
+              <a:t>4) Aplicações C++/</a:t>
+            </a:r>
+            <a:r>
+              <a:rPr lang="pt-BR" sz="2400" dirty="0" err="1" smtClean="0"/>
+              <a:t>Qt</a:t>
+            </a:r>
+            <a:r>
+              <a:rPr lang="pt-BR" sz="2400" dirty="0" smtClean="0"/>
+              <a:t> com VTK</a:t>
             </a:r>
             <a:endParaRPr lang="pt-BR" sz="1400" dirty="0"/>
           </a:p>
@@ -15455,8 +15786,8 @@
         </p:nvSpPr>
         <p:spPr>
           <a:xfrm>
-            <a:off x="827584" y="1412776"/>
-            <a:ext cx="1002582" cy="369332"/>
+            <a:off x="3851920" y="908720"/>
+            <a:ext cx="1503938" cy="369332"/>
           </a:xfrm>
           <a:prstGeom prst="rect">
             <a:avLst/>
@@ -15469,93 +15800,68 @@
           </a:bodyPr>
           <a:lstStyle/>
           <a:p>
-            <a:pPr marL="285750" indent="-285750">
-              <a:buFont typeface="Wingdings" panose="05000000000000000000" pitchFamily="2" charset="2"/>
-              <a:buChar char="Ø"/>
-            </a:pPr>
             <a:r>
               <a:rPr lang="pt-BR" b="1" dirty="0" smtClean="0"/>
-              <a:t>Livro:</a:t>
-            </a:r>
-            <a:endParaRPr lang="pt-BR" b="1" i="1" dirty="0"/>
-          </a:p>
-        </p:txBody>
-      </p:sp>
-      <p:pic>
-        <p:nvPicPr>
-          <p:cNvPr id="2" name="Imagem 1"/>
-          <p:cNvPicPr>
-            <a:picLocks noChangeAspect="1"/>
-          </p:cNvPicPr>
-          <p:nvPr/>
-        </p:nvPicPr>
-        <p:blipFill>
-          <a:blip r:embed="rId3">
-            <a:extLst>
-              <a:ext uri="{28A0092B-C50C-407E-A947-70E740481C1C}">
-                <a14:useLocalDpi xmlns:a14="http://schemas.microsoft.com/office/drawing/2010/main" val="0"/>
-              </a:ext>
-            </a:extLst>
-          </a:blip>
-          <a:stretch>
-            <a:fillRect/>
-          </a:stretch>
-        </p:blipFill>
-        <p:spPr>
-          <a:xfrm>
-            <a:off x="3377711" y="1433165"/>
-            <a:ext cx="2706457" cy="3789040"/>
+              <a:t>4.4) Cubos 3D</a:t>
+            </a:r>
+            <a:endParaRPr lang="pt-BR" b="1" dirty="0"/>
+          </a:p>
+        </p:txBody>
+      </p:sp>
+      <p:sp>
+        <p:nvSpPr>
+          <p:cNvPr id="6" name="CaixaDeTexto 5"/>
+          <p:cNvSpPr txBox="1"/>
+          <p:nvPr/>
+        </p:nvSpPr>
+        <p:spPr>
+          <a:xfrm>
+            <a:off x="2987824" y="1218238"/>
+            <a:ext cx="3371116" cy="338554"/>
           </a:xfrm>
           <a:prstGeom prst="rect">
             <a:avLst/>
           </a:prstGeom>
-        </p:spPr>
-      </p:pic>
-      <p:sp>
-        <p:nvSpPr>
-          <p:cNvPr id="3" name="Retângulo 2"/>
-          <p:cNvSpPr/>
-          <p:nvPr/>
-        </p:nvSpPr>
-        <p:spPr>
-          <a:xfrm>
-            <a:off x="1565920" y="5147900"/>
-            <a:ext cx="6174432" cy="369332"/>
-          </a:xfrm>
-          <a:prstGeom prst="rect">
-            <a:avLst/>
-          </a:prstGeom>
-        </p:spPr>
-        <p:txBody>
-          <a:bodyPr wrap="square">
+          <a:noFill/>
+        </p:spPr>
+        <p:txBody>
+          <a:bodyPr wrap="none" rtlCol="0">
             <a:spAutoFit/>
           </a:bodyPr>
           <a:lstStyle/>
           <a:p>
             <a:r>
-              <a:rPr lang="pt-BR" dirty="0">
-                <a:hlinkClick r:id="rId4"/>
-              </a:rPr>
-              <a:t>https://</a:t>
-            </a:r>
-            <a:r>
-              <a:rPr lang="pt-BR" dirty="0" smtClean="0">
-                <a:hlinkClick r:id="rId4"/>
-              </a:rPr>
-              <a:t>www.kitware.com/products/books/VTKTextbook.pdf</a:t>
-            </a:r>
-            <a:r>
-              <a:rPr lang="pt-BR" dirty="0" smtClean="0"/>
-              <a:t> </a:t>
-            </a:r>
-            <a:endParaRPr lang="pt-BR" dirty="0"/>
+              <a:rPr lang="pt-BR" sz="1600" b="1" dirty="0" smtClean="0"/>
+              <a:t>4.4.1) Seções </a:t>
+            </a:r>
+            <a:r>
+              <a:rPr lang="pt-BR" sz="1600" b="1" dirty="0" err="1" smtClean="0"/>
+              <a:t>inline</a:t>
+            </a:r>
+            <a:r>
+              <a:rPr lang="pt-BR" sz="1600" b="1" dirty="0" smtClean="0"/>
+              <a:t>, </a:t>
+            </a:r>
+            <a:r>
+              <a:rPr lang="pt-BR" sz="1600" b="1" dirty="0" err="1" smtClean="0"/>
+              <a:t>crossline</a:t>
+            </a:r>
+            <a:r>
+              <a:rPr lang="pt-BR" sz="1600" b="1" dirty="0" smtClean="0"/>
+              <a:t> e z-</a:t>
+            </a:r>
+            <a:r>
+              <a:rPr lang="pt-BR" sz="1600" b="1" dirty="0" err="1" smtClean="0"/>
+              <a:t>slice</a:t>
+            </a:r>
+            <a:endParaRPr lang="pt-BR" sz="1600" b="1" dirty="0"/>
           </a:p>
         </p:txBody>
       </p:sp>
     </p:spTree>
     <p:extLst>
       <p:ext uri="{BB962C8B-B14F-4D97-AF65-F5344CB8AC3E}">
-        <p14:creationId xmlns:p14="http://schemas.microsoft.com/office/powerpoint/2010/main" val="3048172996"/>
+        <p14:creationId xmlns:p14="http://schemas.microsoft.com/office/powerpoint/2010/main" val="760961505"/>
       </p:ext>
     </p:extLst>
   </p:cSld>
@@ -15613,7 +15919,15 @@
           <a:p>
             <a:r>
               <a:rPr lang="pt-BR" sz="2400" dirty="0" smtClean="0"/>
-              <a:t>Mais sobre VTK</a:t>
+              <a:t>4) Aplicações C++/</a:t>
+            </a:r>
+            <a:r>
+              <a:rPr lang="pt-BR" sz="2400" dirty="0" err="1" smtClean="0"/>
+              <a:t>Qt</a:t>
+            </a:r>
+            <a:r>
+              <a:rPr lang="pt-BR" sz="2400" dirty="0" smtClean="0"/>
+              <a:t> com VTK</a:t>
             </a:r>
             <a:endParaRPr lang="pt-BR" sz="1400" dirty="0"/>
           </a:p>
@@ -15627,8 +15941,8 @@
         </p:nvSpPr>
         <p:spPr>
           <a:xfrm>
-            <a:off x="1808280" y="2549803"/>
-            <a:ext cx="5951181" cy="2585323"/>
+            <a:off x="3851920" y="908720"/>
+            <a:ext cx="1503938" cy="369332"/>
           </a:xfrm>
           <a:prstGeom prst="rect">
             <a:avLst/>
@@ -15641,189 +15955,52 @@
           </a:bodyPr>
           <a:lstStyle/>
           <a:p>
-            <a:pPr marL="285750" indent="-285750">
-              <a:buFont typeface="Wingdings" panose="05000000000000000000" pitchFamily="2" charset="2"/>
-              <a:buChar char="Ø"/>
-            </a:pPr>
             <a:r>
               <a:rPr lang="pt-BR" b="1" dirty="0" smtClean="0"/>
-              <a:t>                   :  </a:t>
-            </a:r>
-            <a:r>
-              <a:rPr lang="pt-BR" b="1" dirty="0">
-                <a:hlinkClick r:id="rId3"/>
-              </a:rPr>
-              <a:t>https://</a:t>
-            </a:r>
-            <a:r>
-              <a:rPr lang="pt-BR" b="1" dirty="0" smtClean="0">
-                <a:hlinkClick r:id="rId3"/>
-              </a:rPr>
-              <a:t>vtk.org/doc/nightly/html/index.html</a:t>
-            </a:r>
-            <a:endParaRPr lang="pt-BR" b="1" dirty="0" smtClean="0"/>
-          </a:p>
-          <a:p>
-            <a:pPr marL="285750" indent="-285750">
-              <a:buFont typeface="Wingdings" panose="05000000000000000000" pitchFamily="2" charset="2"/>
-              <a:buChar char="Ø"/>
-            </a:pPr>
-            <a:endParaRPr lang="pt-BR" b="1" dirty="0" smtClean="0"/>
-          </a:p>
-          <a:p>
-            <a:pPr marL="285750" indent="-285750">
-              <a:buFont typeface="Wingdings" panose="05000000000000000000" pitchFamily="2" charset="2"/>
-              <a:buChar char="Ø"/>
-            </a:pPr>
+              <a:t>4.4) Cubos 3D</a:t>
+            </a:r>
             <a:endParaRPr lang="pt-BR" b="1" dirty="0"/>
           </a:p>
-          <a:p>
-            <a:pPr marL="285750" indent="-285750">
-              <a:buFont typeface="Wingdings" panose="05000000000000000000" pitchFamily="2" charset="2"/>
-              <a:buChar char="Ø"/>
-            </a:pPr>
-            <a:r>
-              <a:rPr lang="pt-BR" b="1" dirty="0" smtClean="0"/>
-              <a:t>Fórum de discussão</a:t>
-            </a:r>
-            <a:r>
-              <a:rPr lang="pt-BR" b="1" dirty="0"/>
-              <a:t>: </a:t>
-            </a:r>
-            <a:r>
-              <a:rPr lang="pt-BR" b="1" dirty="0">
-                <a:hlinkClick r:id="rId4"/>
-              </a:rPr>
-              <a:t>https://discourse.vtk.org</a:t>
-            </a:r>
-            <a:r>
-              <a:rPr lang="pt-BR" b="1" dirty="0" smtClean="0">
-                <a:hlinkClick r:id="rId4"/>
-              </a:rPr>
-              <a:t>/</a:t>
-            </a:r>
-            <a:r>
-              <a:rPr lang="pt-BR" b="1" dirty="0" smtClean="0"/>
-              <a:t> </a:t>
-            </a:r>
-          </a:p>
-          <a:p>
-            <a:pPr marL="285750" indent="-285750">
-              <a:buFont typeface="Wingdings" panose="05000000000000000000" pitchFamily="2" charset="2"/>
-              <a:buChar char="Ø"/>
-            </a:pPr>
-            <a:endParaRPr lang="pt-BR" b="1" dirty="0" smtClean="0"/>
-          </a:p>
-          <a:p>
-            <a:pPr marL="285750" indent="-285750">
-              <a:buFont typeface="Wingdings" panose="05000000000000000000" pitchFamily="2" charset="2"/>
-              <a:buChar char="Ø"/>
-            </a:pPr>
-            <a:endParaRPr lang="pt-BR" b="1" dirty="0"/>
-          </a:p>
-          <a:p>
-            <a:pPr marL="285750" indent="-285750">
-              <a:buFont typeface="Wingdings" panose="05000000000000000000" pitchFamily="2" charset="2"/>
-              <a:buChar char="Ø"/>
-            </a:pPr>
-            <a:r>
-              <a:rPr lang="pt-BR" b="1" dirty="0" smtClean="0"/>
-              <a:t>               : </a:t>
-            </a:r>
-            <a:r>
-              <a:rPr lang="pt-BR" b="1" dirty="0">
-                <a:hlinkClick r:id="rId5"/>
-              </a:rPr>
-              <a:t>https://</a:t>
-            </a:r>
-            <a:r>
-              <a:rPr lang="pt-BR" b="1" dirty="0" smtClean="0">
-                <a:hlinkClick r:id="rId5"/>
-              </a:rPr>
-              <a:t>gitlab.kitware.com/vtk/vtk</a:t>
-            </a:r>
-            <a:r>
-              <a:rPr lang="pt-BR" b="1" dirty="0" smtClean="0"/>
-              <a:t> </a:t>
-            </a:r>
-          </a:p>
-          <a:p>
-            <a:endParaRPr lang="pt-BR" b="1" i="1" dirty="0"/>
-          </a:p>
-          <a:p>
-            <a:endParaRPr lang="pt-BR" b="1" i="1" dirty="0"/>
-          </a:p>
-        </p:txBody>
-      </p:sp>
-      <p:pic>
-        <p:nvPicPr>
-          <p:cNvPr id="6" name="Imagem 5"/>
-          <p:cNvPicPr>
-            <a:picLocks noChangeAspect="1"/>
-          </p:cNvPicPr>
-          <p:nvPr/>
-        </p:nvPicPr>
-        <p:blipFill>
-          <a:blip r:embed="rId6">
-            <a:extLst>
-              <a:ext uri="{28A0092B-C50C-407E-A947-70E740481C1C}">
-                <a14:useLocalDpi xmlns:a14="http://schemas.microsoft.com/office/drawing/2010/main" val="0"/>
-              </a:ext>
-            </a:extLst>
-          </a:blip>
-          <a:stretch>
-            <a:fillRect/>
-          </a:stretch>
-        </p:blipFill>
-        <p:spPr>
-          <a:xfrm>
-            <a:off x="2183068" y="2592315"/>
-            <a:ext cx="990600" cy="295275"/>
+        </p:txBody>
+      </p:sp>
+      <p:sp>
+        <p:nvSpPr>
+          <p:cNvPr id="6" name="CaixaDeTexto 5"/>
+          <p:cNvSpPr txBox="1"/>
+          <p:nvPr/>
+        </p:nvSpPr>
+        <p:spPr>
+          <a:xfrm>
+            <a:off x="3624835" y="1218238"/>
+            <a:ext cx="2099293" cy="338554"/>
           </a:xfrm>
           <a:prstGeom prst="rect">
             <a:avLst/>
           </a:prstGeom>
-        </p:spPr>
-      </p:pic>
-      <p:pic>
-        <p:nvPicPr>
-          <p:cNvPr id="9" name="Imagem 8"/>
-          <p:cNvPicPr>
-            <a:picLocks noChangeAspect="1"/>
-          </p:cNvPicPr>
-          <p:nvPr/>
-        </p:nvPicPr>
-        <p:blipFill>
-          <a:blip r:embed="rId7">
-            <a:clrChange>
-              <a:clrFrom>
-                <a:srgbClr val="FFFFFF"/>
-              </a:clrFrom>
-              <a:clrTo>
-                <a:srgbClr val="FFFFFF">
-                  <a:alpha val="0"/>
-                </a:srgbClr>
-              </a:clrTo>
-            </a:clrChange>
-          </a:blip>
-          <a:stretch>
-            <a:fillRect/>
-          </a:stretch>
-        </p:blipFill>
-        <p:spPr>
-          <a:xfrm>
-            <a:off x="2024304" y="4163828"/>
-            <a:ext cx="1008112" cy="443569"/>
-          </a:xfrm>
-          <a:prstGeom prst="rect">
-            <a:avLst/>
-          </a:prstGeom>
-        </p:spPr>
-      </p:pic>
+          <a:noFill/>
+        </p:spPr>
+        <p:txBody>
+          <a:bodyPr wrap="none" rtlCol="0">
+            <a:spAutoFit/>
+          </a:bodyPr>
+          <a:lstStyle/>
+          <a:p>
+            <a:r>
+              <a:rPr lang="pt-BR" sz="1600" b="1" dirty="0" smtClean="0"/>
+              <a:t>4.4.2) </a:t>
+            </a:r>
+            <a:r>
+              <a:rPr lang="pt-BR" sz="1600" b="1" dirty="0" err="1" smtClean="0"/>
+              <a:t>Subamostragem</a:t>
+            </a:r>
+            <a:endParaRPr lang="pt-BR" sz="1600" b="1" dirty="0"/>
+          </a:p>
+        </p:txBody>
+      </p:sp>
     </p:spTree>
     <p:extLst>
       <p:ext uri="{BB962C8B-B14F-4D97-AF65-F5344CB8AC3E}">
-        <p14:creationId xmlns:p14="http://schemas.microsoft.com/office/powerpoint/2010/main" val="1293738746"/>
+        <p14:creationId xmlns:p14="http://schemas.microsoft.com/office/powerpoint/2010/main" val="2988628406"/>
       </p:ext>
     </p:extLst>
   </p:cSld>
@@ -15869,7 +16046,7 @@
         </p:nvSpPr>
         <p:spPr>
           <a:xfrm>
-            <a:off x="2339752" y="3140968"/>
+            <a:off x="3275856" y="138754"/>
             <a:ext cx="4680520" cy="504056"/>
           </a:xfrm>
         </p:spPr>
@@ -15881,16 +16058,219 @@
           <a:p>
             <a:r>
               <a:rPr lang="pt-BR" sz="2400" dirty="0" smtClean="0"/>
-              <a:t>Obrigado!</a:t>
+              <a:t>4) Aplicações C++/</a:t>
+            </a:r>
+            <a:r>
+              <a:rPr lang="pt-BR" sz="2400" dirty="0" err="1" smtClean="0"/>
+              <a:t>Qt</a:t>
+            </a:r>
+            <a:r>
+              <a:rPr lang="pt-BR" sz="2400" dirty="0" smtClean="0"/>
+              <a:t> com VTK</a:t>
             </a:r>
             <a:endParaRPr lang="pt-BR" sz="1400" dirty="0"/>
+          </a:p>
+        </p:txBody>
+      </p:sp>
+      <p:sp>
+        <p:nvSpPr>
+          <p:cNvPr id="5" name="CaixaDeTexto 4"/>
+          <p:cNvSpPr txBox="1"/>
+          <p:nvPr/>
+        </p:nvSpPr>
+        <p:spPr>
+          <a:xfrm>
+            <a:off x="2843808" y="908720"/>
+            <a:ext cx="3865930" cy="369332"/>
+          </a:xfrm>
+          <a:prstGeom prst="rect">
+            <a:avLst/>
+          </a:prstGeom>
+          <a:noFill/>
+        </p:spPr>
+        <p:txBody>
+          <a:bodyPr wrap="none" rtlCol="0">
+            <a:spAutoFit/>
+          </a:bodyPr>
+          <a:lstStyle/>
+          <a:p>
+            <a:r>
+              <a:rPr lang="pt-BR" b="1" dirty="0" smtClean="0"/>
+              <a:t>4.5) Estruturas de geometria complexa</a:t>
+            </a:r>
+            <a:endParaRPr lang="pt-BR" b="1" dirty="0"/>
+          </a:p>
+        </p:txBody>
+      </p:sp>
+      <p:sp>
+        <p:nvSpPr>
+          <p:cNvPr id="6" name="CaixaDeTexto 5"/>
+          <p:cNvSpPr txBox="1"/>
+          <p:nvPr/>
+        </p:nvSpPr>
+        <p:spPr>
+          <a:xfrm>
+            <a:off x="3624835" y="1218238"/>
+            <a:ext cx="2091855" cy="338554"/>
+          </a:xfrm>
+          <a:prstGeom prst="rect">
+            <a:avLst/>
+          </a:prstGeom>
+          <a:noFill/>
+        </p:spPr>
+        <p:txBody>
+          <a:bodyPr wrap="none" rtlCol="0">
+            <a:spAutoFit/>
+          </a:bodyPr>
+          <a:lstStyle/>
+          <a:p>
+            <a:r>
+              <a:rPr lang="pt-BR" sz="1600" b="1" dirty="0" smtClean="0"/>
+              <a:t>4.5.1) Linha poligonais</a:t>
+            </a:r>
+            <a:endParaRPr lang="pt-BR" sz="1600" b="1" dirty="0"/>
           </a:p>
         </p:txBody>
       </p:sp>
     </p:spTree>
     <p:extLst>
       <p:ext uri="{BB962C8B-B14F-4D97-AF65-F5344CB8AC3E}">
-        <p14:creationId xmlns:p14="http://schemas.microsoft.com/office/powerpoint/2010/main" val="1307440721"/>
+        <p14:creationId xmlns:p14="http://schemas.microsoft.com/office/powerpoint/2010/main" val="2161034562"/>
+      </p:ext>
+    </p:extLst>
+  </p:cSld>
+  <p:clrMapOvr>
+    <a:masterClrMapping/>
+  </p:clrMapOvr>
+  <p:timing>
+    <p:tnLst>
+      <p:par>
+        <p:cTn id="1" dur="indefinite" restart="never" nodeType="tmRoot"/>
+      </p:par>
+    </p:tnLst>
+  </p:timing>
+</p:sld>
+</file>
+
+<file path=ppt/slides/slide39.xml><?xml version="1.0" encoding="utf-8"?>
+<p:sld xmlns:a="http://schemas.openxmlformats.org/drawingml/2006/main" xmlns:r="http://schemas.openxmlformats.org/officeDocument/2006/relationships" xmlns:p="http://schemas.openxmlformats.org/presentationml/2006/main">
+  <p:cSld>
+    <p:spTree>
+      <p:nvGrpSpPr>
+        <p:cNvPr id="1" name=""/>
+        <p:cNvGrpSpPr/>
+        <p:nvPr/>
+      </p:nvGrpSpPr>
+      <p:grpSpPr>
+        <a:xfrm>
+          <a:off x="0" y="0"/>
+          <a:ext cx="0" cy="0"/>
+          <a:chOff x="0" y="0"/>
+          <a:chExt cx="0" cy="0"/>
+        </a:xfrm>
+      </p:grpSpPr>
+      <p:sp>
+        <p:nvSpPr>
+          <p:cNvPr id="4" name="Título 3"/>
+          <p:cNvSpPr>
+            <a:spLocks noGrp="1"/>
+          </p:cNvSpPr>
+          <p:nvPr>
+            <p:ph type="ctrTitle"/>
+          </p:nvPr>
+        </p:nvSpPr>
+        <p:spPr>
+          <a:xfrm>
+            <a:off x="3275856" y="138754"/>
+            <a:ext cx="4680520" cy="504056"/>
+          </a:xfrm>
+        </p:spPr>
+        <p:txBody>
+          <a:bodyPr>
+            <a:normAutofit/>
+          </a:bodyPr>
+          <a:lstStyle/>
+          <a:p>
+            <a:r>
+              <a:rPr lang="pt-BR" sz="2400" dirty="0" smtClean="0"/>
+              <a:t>4) Aplicações C++/</a:t>
+            </a:r>
+            <a:r>
+              <a:rPr lang="pt-BR" sz="2400" dirty="0" err="1" smtClean="0"/>
+              <a:t>Qt</a:t>
+            </a:r>
+            <a:r>
+              <a:rPr lang="pt-BR" sz="2400" dirty="0" smtClean="0"/>
+              <a:t> com VTK</a:t>
+            </a:r>
+            <a:endParaRPr lang="pt-BR" sz="1400" dirty="0"/>
+          </a:p>
+        </p:txBody>
+      </p:sp>
+      <p:sp>
+        <p:nvSpPr>
+          <p:cNvPr id="5" name="CaixaDeTexto 4"/>
+          <p:cNvSpPr txBox="1"/>
+          <p:nvPr/>
+        </p:nvSpPr>
+        <p:spPr>
+          <a:xfrm>
+            <a:off x="2843808" y="908720"/>
+            <a:ext cx="3865930" cy="369332"/>
+          </a:xfrm>
+          <a:prstGeom prst="rect">
+            <a:avLst/>
+          </a:prstGeom>
+          <a:noFill/>
+        </p:spPr>
+        <p:txBody>
+          <a:bodyPr wrap="none" rtlCol="0">
+            <a:spAutoFit/>
+          </a:bodyPr>
+          <a:lstStyle/>
+          <a:p>
+            <a:r>
+              <a:rPr lang="pt-BR" b="1" dirty="0" smtClean="0"/>
+              <a:t>4.5) Estruturas de geometria complexa</a:t>
+            </a:r>
+            <a:endParaRPr lang="pt-BR" b="1" dirty="0"/>
+          </a:p>
+        </p:txBody>
+      </p:sp>
+      <p:sp>
+        <p:nvSpPr>
+          <p:cNvPr id="6" name="CaixaDeTexto 5"/>
+          <p:cNvSpPr txBox="1"/>
+          <p:nvPr/>
+        </p:nvSpPr>
+        <p:spPr>
+          <a:xfrm>
+            <a:off x="3859896" y="1218238"/>
+            <a:ext cx="1648208" cy="338554"/>
+          </a:xfrm>
+          <a:prstGeom prst="rect">
+            <a:avLst/>
+          </a:prstGeom>
+          <a:noFill/>
+        </p:spPr>
+        <p:txBody>
+          <a:bodyPr wrap="none" rtlCol="0">
+            <a:spAutoFit/>
+          </a:bodyPr>
+          <a:lstStyle/>
+          <a:p>
+            <a:r>
+              <a:rPr lang="pt-BR" sz="1600" b="1" dirty="0" smtClean="0"/>
+              <a:t>4.5.2) Superfícies</a:t>
+            </a:r>
+            <a:endParaRPr lang="pt-BR" sz="1600" b="1" dirty="0"/>
+          </a:p>
+        </p:txBody>
+      </p:sp>
+    </p:spTree>
+    <p:extLst>
+      <p:ext uri="{BB962C8B-B14F-4D97-AF65-F5344CB8AC3E}">
+        <p14:creationId xmlns:p14="http://schemas.microsoft.com/office/powerpoint/2010/main" val="3812166210"/>
       </p:ext>
     </p:extLst>
   </p:cSld>
@@ -16495,6 +16875,630 @@
 </p:sld>
 </file>
 
+<file path=ppt/slides/slide40.xml><?xml version="1.0" encoding="utf-8"?>
+<p:sld xmlns:a="http://schemas.openxmlformats.org/drawingml/2006/main" xmlns:r="http://schemas.openxmlformats.org/officeDocument/2006/relationships" xmlns:p="http://schemas.openxmlformats.org/presentationml/2006/main">
+  <p:cSld>
+    <p:spTree>
+      <p:nvGrpSpPr>
+        <p:cNvPr id="1" name=""/>
+        <p:cNvGrpSpPr/>
+        <p:nvPr/>
+      </p:nvGrpSpPr>
+      <p:grpSpPr>
+        <a:xfrm>
+          <a:off x="0" y="0"/>
+          <a:ext cx="0" cy="0"/>
+          <a:chOff x="0" y="0"/>
+          <a:chExt cx="0" cy="0"/>
+        </a:xfrm>
+      </p:grpSpPr>
+      <p:sp>
+        <p:nvSpPr>
+          <p:cNvPr id="4" name="Título 3"/>
+          <p:cNvSpPr>
+            <a:spLocks noGrp="1"/>
+          </p:cNvSpPr>
+          <p:nvPr>
+            <p:ph type="ctrTitle"/>
+          </p:nvPr>
+        </p:nvSpPr>
+        <p:spPr>
+          <a:xfrm>
+            <a:off x="3275856" y="138754"/>
+            <a:ext cx="4680520" cy="504056"/>
+          </a:xfrm>
+        </p:spPr>
+        <p:txBody>
+          <a:bodyPr>
+            <a:normAutofit/>
+          </a:bodyPr>
+          <a:lstStyle/>
+          <a:p>
+            <a:r>
+              <a:rPr lang="pt-BR" sz="2400" dirty="0" smtClean="0"/>
+              <a:t>4) Aplicações C++/</a:t>
+            </a:r>
+            <a:r>
+              <a:rPr lang="pt-BR" sz="2400" dirty="0" err="1" smtClean="0"/>
+              <a:t>Qt</a:t>
+            </a:r>
+            <a:r>
+              <a:rPr lang="pt-BR" sz="2400" dirty="0" smtClean="0"/>
+              <a:t> com VTK</a:t>
+            </a:r>
+            <a:endParaRPr lang="pt-BR" sz="1400" dirty="0"/>
+          </a:p>
+        </p:txBody>
+      </p:sp>
+      <p:sp>
+        <p:nvSpPr>
+          <p:cNvPr id="5" name="CaixaDeTexto 4"/>
+          <p:cNvSpPr txBox="1"/>
+          <p:nvPr/>
+        </p:nvSpPr>
+        <p:spPr>
+          <a:xfrm>
+            <a:off x="2421706" y="908720"/>
+            <a:ext cx="4670574" cy="369332"/>
+          </a:xfrm>
+          <a:prstGeom prst="rect">
+            <a:avLst/>
+          </a:prstGeom>
+          <a:noFill/>
+        </p:spPr>
+        <p:txBody>
+          <a:bodyPr wrap="none" rtlCol="0">
+            <a:spAutoFit/>
+          </a:bodyPr>
+          <a:lstStyle/>
+          <a:p>
+            <a:r>
+              <a:rPr lang="pt-BR" b="1" dirty="0" smtClean="0"/>
+              <a:t>4.6) Interação com o modelo: </a:t>
+            </a:r>
+            <a:r>
+              <a:rPr lang="pt-BR" b="1" i="1" dirty="0" err="1" smtClean="0"/>
+              <a:t>picking</a:t>
+            </a:r>
+            <a:r>
+              <a:rPr lang="pt-BR" b="1" dirty="0" smtClean="0"/>
+              <a:t> e </a:t>
+            </a:r>
+            <a:r>
+              <a:rPr lang="pt-BR" b="1" i="1" dirty="0" err="1" smtClean="0"/>
+              <a:t>probing</a:t>
+            </a:r>
+            <a:endParaRPr lang="pt-BR" b="1" i="1" dirty="0"/>
+          </a:p>
+        </p:txBody>
+      </p:sp>
+    </p:spTree>
+    <p:extLst>
+      <p:ext uri="{BB962C8B-B14F-4D97-AF65-F5344CB8AC3E}">
+        <p14:creationId xmlns:p14="http://schemas.microsoft.com/office/powerpoint/2010/main" val="3321787556"/>
+      </p:ext>
+    </p:extLst>
+  </p:cSld>
+  <p:clrMapOvr>
+    <a:masterClrMapping/>
+  </p:clrMapOvr>
+  <p:timing>
+    <p:tnLst>
+      <p:par>
+        <p:cTn id="1" dur="indefinite" restart="never" nodeType="tmRoot"/>
+      </p:par>
+    </p:tnLst>
+  </p:timing>
+</p:sld>
+</file>
+
+<file path=ppt/slides/slide41.xml><?xml version="1.0" encoding="utf-8"?>
+<p:sld xmlns:a="http://schemas.openxmlformats.org/drawingml/2006/main" xmlns:r="http://schemas.openxmlformats.org/officeDocument/2006/relationships" xmlns:p="http://schemas.openxmlformats.org/presentationml/2006/main">
+  <p:cSld>
+    <p:spTree>
+      <p:nvGrpSpPr>
+        <p:cNvPr id="1" name=""/>
+        <p:cNvGrpSpPr/>
+        <p:nvPr/>
+      </p:nvGrpSpPr>
+      <p:grpSpPr>
+        <a:xfrm>
+          <a:off x="0" y="0"/>
+          <a:ext cx="0" cy="0"/>
+          <a:chOff x="0" y="0"/>
+          <a:chExt cx="0" cy="0"/>
+        </a:xfrm>
+      </p:grpSpPr>
+      <p:sp>
+        <p:nvSpPr>
+          <p:cNvPr id="4" name="Título 3"/>
+          <p:cNvSpPr>
+            <a:spLocks noGrp="1"/>
+          </p:cNvSpPr>
+          <p:nvPr>
+            <p:ph type="ctrTitle"/>
+          </p:nvPr>
+        </p:nvSpPr>
+        <p:spPr>
+          <a:xfrm>
+            <a:off x="3275856" y="138754"/>
+            <a:ext cx="4680520" cy="504056"/>
+          </a:xfrm>
+        </p:spPr>
+        <p:txBody>
+          <a:bodyPr>
+            <a:normAutofit/>
+          </a:bodyPr>
+          <a:lstStyle/>
+          <a:p>
+            <a:r>
+              <a:rPr lang="pt-BR" sz="2400" dirty="0" smtClean="0"/>
+              <a:t>Mais sobre VTK</a:t>
+            </a:r>
+            <a:endParaRPr lang="pt-BR" sz="1400" dirty="0"/>
+          </a:p>
+        </p:txBody>
+      </p:sp>
+      <p:sp>
+        <p:nvSpPr>
+          <p:cNvPr id="5" name="CaixaDeTexto 4"/>
+          <p:cNvSpPr txBox="1"/>
+          <p:nvPr/>
+        </p:nvSpPr>
+        <p:spPr>
+          <a:xfrm>
+            <a:off x="827584" y="1412776"/>
+            <a:ext cx="1002582" cy="369332"/>
+          </a:xfrm>
+          <a:prstGeom prst="rect">
+            <a:avLst/>
+          </a:prstGeom>
+          <a:noFill/>
+        </p:spPr>
+        <p:txBody>
+          <a:bodyPr wrap="none" rtlCol="0">
+            <a:spAutoFit/>
+          </a:bodyPr>
+          <a:lstStyle/>
+          <a:p>
+            <a:pPr marL="285750" indent="-285750">
+              <a:buFont typeface="Wingdings" panose="05000000000000000000" pitchFamily="2" charset="2"/>
+              <a:buChar char="Ø"/>
+            </a:pPr>
+            <a:r>
+              <a:rPr lang="pt-BR" b="1" dirty="0" smtClean="0"/>
+              <a:t>Livro:</a:t>
+            </a:r>
+            <a:endParaRPr lang="pt-BR" b="1" i="1" dirty="0"/>
+          </a:p>
+        </p:txBody>
+      </p:sp>
+      <p:pic>
+        <p:nvPicPr>
+          <p:cNvPr id="2" name="Imagem 1"/>
+          <p:cNvPicPr>
+            <a:picLocks noChangeAspect="1"/>
+          </p:cNvPicPr>
+          <p:nvPr/>
+        </p:nvPicPr>
+        <p:blipFill>
+          <a:blip r:embed="rId3">
+            <a:extLst>
+              <a:ext uri="{28A0092B-C50C-407E-A947-70E740481C1C}">
+                <a14:useLocalDpi xmlns:a14="http://schemas.microsoft.com/office/drawing/2010/main" val="0"/>
+              </a:ext>
+            </a:extLst>
+          </a:blip>
+          <a:stretch>
+            <a:fillRect/>
+          </a:stretch>
+        </p:blipFill>
+        <p:spPr>
+          <a:xfrm>
+            <a:off x="3377711" y="1433165"/>
+            <a:ext cx="2706457" cy="3789040"/>
+          </a:xfrm>
+          <a:prstGeom prst="rect">
+            <a:avLst/>
+          </a:prstGeom>
+        </p:spPr>
+      </p:pic>
+      <p:sp>
+        <p:nvSpPr>
+          <p:cNvPr id="3" name="Retângulo 2"/>
+          <p:cNvSpPr/>
+          <p:nvPr/>
+        </p:nvSpPr>
+        <p:spPr>
+          <a:xfrm>
+            <a:off x="1565920" y="5147900"/>
+            <a:ext cx="6174432" cy="369332"/>
+          </a:xfrm>
+          <a:prstGeom prst="rect">
+            <a:avLst/>
+          </a:prstGeom>
+        </p:spPr>
+        <p:txBody>
+          <a:bodyPr wrap="square">
+            <a:spAutoFit/>
+          </a:bodyPr>
+          <a:lstStyle/>
+          <a:p>
+            <a:r>
+              <a:rPr lang="pt-BR" dirty="0">
+                <a:hlinkClick r:id="rId4"/>
+              </a:rPr>
+              <a:t>https://</a:t>
+            </a:r>
+            <a:r>
+              <a:rPr lang="pt-BR" dirty="0" smtClean="0">
+                <a:hlinkClick r:id="rId4"/>
+              </a:rPr>
+              <a:t>www.kitware.com/products/books/VTKTextbook.pdf</a:t>
+            </a:r>
+            <a:r>
+              <a:rPr lang="pt-BR" dirty="0" smtClean="0"/>
+              <a:t> </a:t>
+            </a:r>
+            <a:endParaRPr lang="pt-BR" dirty="0"/>
+          </a:p>
+        </p:txBody>
+      </p:sp>
+    </p:spTree>
+    <p:extLst>
+      <p:ext uri="{BB962C8B-B14F-4D97-AF65-F5344CB8AC3E}">
+        <p14:creationId xmlns:p14="http://schemas.microsoft.com/office/powerpoint/2010/main" val="3048172996"/>
+      </p:ext>
+    </p:extLst>
+  </p:cSld>
+  <p:clrMapOvr>
+    <a:masterClrMapping/>
+  </p:clrMapOvr>
+  <p:timing>
+    <p:tnLst>
+      <p:par>
+        <p:cTn id="1" dur="indefinite" restart="never" nodeType="tmRoot"/>
+      </p:par>
+    </p:tnLst>
+  </p:timing>
+</p:sld>
+</file>
+
+<file path=ppt/slides/slide42.xml><?xml version="1.0" encoding="utf-8"?>
+<p:sld xmlns:a="http://schemas.openxmlformats.org/drawingml/2006/main" xmlns:r="http://schemas.openxmlformats.org/officeDocument/2006/relationships" xmlns:p="http://schemas.openxmlformats.org/presentationml/2006/main">
+  <p:cSld>
+    <p:spTree>
+      <p:nvGrpSpPr>
+        <p:cNvPr id="1" name=""/>
+        <p:cNvGrpSpPr/>
+        <p:nvPr/>
+      </p:nvGrpSpPr>
+      <p:grpSpPr>
+        <a:xfrm>
+          <a:off x="0" y="0"/>
+          <a:ext cx="0" cy="0"/>
+          <a:chOff x="0" y="0"/>
+          <a:chExt cx="0" cy="0"/>
+        </a:xfrm>
+      </p:grpSpPr>
+      <p:sp>
+        <p:nvSpPr>
+          <p:cNvPr id="4" name="Título 3"/>
+          <p:cNvSpPr>
+            <a:spLocks noGrp="1"/>
+          </p:cNvSpPr>
+          <p:nvPr>
+            <p:ph type="ctrTitle"/>
+          </p:nvPr>
+        </p:nvSpPr>
+        <p:spPr>
+          <a:xfrm>
+            <a:off x="3275856" y="138754"/>
+            <a:ext cx="4680520" cy="504056"/>
+          </a:xfrm>
+        </p:spPr>
+        <p:txBody>
+          <a:bodyPr>
+            <a:normAutofit/>
+          </a:bodyPr>
+          <a:lstStyle/>
+          <a:p>
+            <a:r>
+              <a:rPr lang="pt-BR" sz="2400" dirty="0" smtClean="0"/>
+              <a:t>Mais sobre VTK</a:t>
+            </a:r>
+            <a:endParaRPr lang="pt-BR" sz="1400" dirty="0"/>
+          </a:p>
+        </p:txBody>
+      </p:sp>
+      <p:sp>
+        <p:nvSpPr>
+          <p:cNvPr id="5" name="CaixaDeTexto 4"/>
+          <p:cNvSpPr txBox="1"/>
+          <p:nvPr/>
+        </p:nvSpPr>
+        <p:spPr>
+          <a:xfrm>
+            <a:off x="1808280" y="2549803"/>
+            <a:ext cx="5951181" cy="2585323"/>
+          </a:xfrm>
+          <a:prstGeom prst="rect">
+            <a:avLst/>
+          </a:prstGeom>
+          <a:noFill/>
+        </p:spPr>
+        <p:txBody>
+          <a:bodyPr wrap="none" rtlCol="0">
+            <a:spAutoFit/>
+          </a:bodyPr>
+          <a:lstStyle/>
+          <a:p>
+            <a:pPr marL="285750" indent="-285750">
+              <a:buFont typeface="Wingdings" panose="05000000000000000000" pitchFamily="2" charset="2"/>
+              <a:buChar char="Ø"/>
+            </a:pPr>
+            <a:r>
+              <a:rPr lang="pt-BR" b="1" dirty="0" smtClean="0"/>
+              <a:t>                   :  </a:t>
+            </a:r>
+            <a:r>
+              <a:rPr lang="pt-BR" b="1" dirty="0">
+                <a:hlinkClick r:id="rId3"/>
+              </a:rPr>
+              <a:t>https://</a:t>
+            </a:r>
+            <a:r>
+              <a:rPr lang="pt-BR" b="1" dirty="0" smtClean="0">
+                <a:hlinkClick r:id="rId3"/>
+              </a:rPr>
+              <a:t>vtk.org/doc/nightly/html/index.html</a:t>
+            </a:r>
+            <a:endParaRPr lang="pt-BR" b="1" dirty="0" smtClean="0"/>
+          </a:p>
+          <a:p>
+            <a:pPr marL="285750" indent="-285750">
+              <a:buFont typeface="Wingdings" panose="05000000000000000000" pitchFamily="2" charset="2"/>
+              <a:buChar char="Ø"/>
+            </a:pPr>
+            <a:endParaRPr lang="pt-BR" b="1" dirty="0" smtClean="0"/>
+          </a:p>
+          <a:p>
+            <a:pPr marL="285750" indent="-285750">
+              <a:buFont typeface="Wingdings" panose="05000000000000000000" pitchFamily="2" charset="2"/>
+              <a:buChar char="Ø"/>
+            </a:pPr>
+            <a:endParaRPr lang="pt-BR" b="1" dirty="0"/>
+          </a:p>
+          <a:p>
+            <a:pPr marL="285750" indent="-285750">
+              <a:buFont typeface="Wingdings" panose="05000000000000000000" pitchFamily="2" charset="2"/>
+              <a:buChar char="Ø"/>
+            </a:pPr>
+            <a:r>
+              <a:rPr lang="pt-BR" b="1" dirty="0" smtClean="0"/>
+              <a:t>Fórum de discussão</a:t>
+            </a:r>
+            <a:r>
+              <a:rPr lang="pt-BR" b="1" dirty="0"/>
+              <a:t>: </a:t>
+            </a:r>
+            <a:r>
+              <a:rPr lang="pt-BR" b="1" dirty="0">
+                <a:hlinkClick r:id="rId4"/>
+              </a:rPr>
+              <a:t>https://discourse.vtk.org</a:t>
+            </a:r>
+            <a:r>
+              <a:rPr lang="pt-BR" b="1" dirty="0" smtClean="0">
+                <a:hlinkClick r:id="rId4"/>
+              </a:rPr>
+              <a:t>/</a:t>
+            </a:r>
+            <a:r>
+              <a:rPr lang="pt-BR" b="1" dirty="0" smtClean="0"/>
+              <a:t> </a:t>
+            </a:r>
+          </a:p>
+          <a:p>
+            <a:pPr marL="285750" indent="-285750">
+              <a:buFont typeface="Wingdings" panose="05000000000000000000" pitchFamily="2" charset="2"/>
+              <a:buChar char="Ø"/>
+            </a:pPr>
+            <a:endParaRPr lang="pt-BR" b="1" dirty="0" smtClean="0"/>
+          </a:p>
+          <a:p>
+            <a:pPr marL="285750" indent="-285750">
+              <a:buFont typeface="Wingdings" panose="05000000000000000000" pitchFamily="2" charset="2"/>
+              <a:buChar char="Ø"/>
+            </a:pPr>
+            <a:endParaRPr lang="pt-BR" b="1" dirty="0"/>
+          </a:p>
+          <a:p>
+            <a:pPr marL="285750" indent="-285750">
+              <a:buFont typeface="Wingdings" panose="05000000000000000000" pitchFamily="2" charset="2"/>
+              <a:buChar char="Ø"/>
+            </a:pPr>
+            <a:r>
+              <a:rPr lang="pt-BR" b="1" dirty="0" smtClean="0"/>
+              <a:t>               : </a:t>
+            </a:r>
+            <a:r>
+              <a:rPr lang="pt-BR" b="1" dirty="0">
+                <a:hlinkClick r:id="rId5"/>
+              </a:rPr>
+              <a:t>https://</a:t>
+            </a:r>
+            <a:r>
+              <a:rPr lang="pt-BR" b="1" dirty="0" smtClean="0">
+                <a:hlinkClick r:id="rId5"/>
+              </a:rPr>
+              <a:t>gitlab.kitware.com/vtk/vtk</a:t>
+            </a:r>
+            <a:r>
+              <a:rPr lang="pt-BR" b="1" dirty="0" smtClean="0"/>
+              <a:t> </a:t>
+            </a:r>
+          </a:p>
+          <a:p>
+            <a:endParaRPr lang="pt-BR" b="1" i="1" dirty="0"/>
+          </a:p>
+          <a:p>
+            <a:endParaRPr lang="pt-BR" b="1" i="1" dirty="0"/>
+          </a:p>
+        </p:txBody>
+      </p:sp>
+      <p:pic>
+        <p:nvPicPr>
+          <p:cNvPr id="6" name="Imagem 5"/>
+          <p:cNvPicPr>
+            <a:picLocks noChangeAspect="1"/>
+          </p:cNvPicPr>
+          <p:nvPr/>
+        </p:nvPicPr>
+        <p:blipFill>
+          <a:blip r:embed="rId6">
+            <a:extLst>
+              <a:ext uri="{28A0092B-C50C-407E-A947-70E740481C1C}">
+                <a14:useLocalDpi xmlns:a14="http://schemas.microsoft.com/office/drawing/2010/main" val="0"/>
+              </a:ext>
+            </a:extLst>
+          </a:blip>
+          <a:stretch>
+            <a:fillRect/>
+          </a:stretch>
+        </p:blipFill>
+        <p:spPr>
+          <a:xfrm>
+            <a:off x="2183068" y="2592315"/>
+            <a:ext cx="990600" cy="295275"/>
+          </a:xfrm>
+          <a:prstGeom prst="rect">
+            <a:avLst/>
+          </a:prstGeom>
+        </p:spPr>
+      </p:pic>
+      <p:pic>
+        <p:nvPicPr>
+          <p:cNvPr id="9" name="Imagem 8"/>
+          <p:cNvPicPr>
+            <a:picLocks noChangeAspect="1"/>
+          </p:cNvPicPr>
+          <p:nvPr/>
+        </p:nvPicPr>
+        <p:blipFill>
+          <a:blip r:embed="rId7">
+            <a:clrChange>
+              <a:clrFrom>
+                <a:srgbClr val="FFFFFF"/>
+              </a:clrFrom>
+              <a:clrTo>
+                <a:srgbClr val="FFFFFF">
+                  <a:alpha val="0"/>
+                </a:srgbClr>
+              </a:clrTo>
+            </a:clrChange>
+          </a:blip>
+          <a:stretch>
+            <a:fillRect/>
+          </a:stretch>
+        </p:blipFill>
+        <p:spPr>
+          <a:xfrm>
+            <a:off x="2024304" y="4163828"/>
+            <a:ext cx="1008112" cy="443569"/>
+          </a:xfrm>
+          <a:prstGeom prst="rect">
+            <a:avLst/>
+          </a:prstGeom>
+        </p:spPr>
+      </p:pic>
+    </p:spTree>
+    <p:extLst>
+      <p:ext uri="{BB962C8B-B14F-4D97-AF65-F5344CB8AC3E}">
+        <p14:creationId xmlns:p14="http://schemas.microsoft.com/office/powerpoint/2010/main" val="1293738746"/>
+      </p:ext>
+    </p:extLst>
+  </p:cSld>
+  <p:clrMapOvr>
+    <a:masterClrMapping/>
+  </p:clrMapOvr>
+  <p:timing>
+    <p:tnLst>
+      <p:par>
+        <p:cTn id="1" dur="indefinite" restart="never" nodeType="tmRoot"/>
+      </p:par>
+    </p:tnLst>
+  </p:timing>
+</p:sld>
+</file>
+
+<file path=ppt/slides/slide43.xml><?xml version="1.0" encoding="utf-8"?>
+<p:sld xmlns:a="http://schemas.openxmlformats.org/drawingml/2006/main" xmlns:r="http://schemas.openxmlformats.org/officeDocument/2006/relationships" xmlns:p="http://schemas.openxmlformats.org/presentationml/2006/main">
+  <p:cSld>
+    <p:spTree>
+      <p:nvGrpSpPr>
+        <p:cNvPr id="1" name=""/>
+        <p:cNvGrpSpPr/>
+        <p:nvPr/>
+      </p:nvGrpSpPr>
+      <p:grpSpPr>
+        <a:xfrm>
+          <a:off x="0" y="0"/>
+          <a:ext cx="0" cy="0"/>
+          <a:chOff x="0" y="0"/>
+          <a:chExt cx="0" cy="0"/>
+        </a:xfrm>
+      </p:grpSpPr>
+      <p:sp>
+        <p:nvSpPr>
+          <p:cNvPr id="4" name="Título 3"/>
+          <p:cNvSpPr>
+            <a:spLocks noGrp="1"/>
+          </p:cNvSpPr>
+          <p:nvPr>
+            <p:ph type="ctrTitle"/>
+          </p:nvPr>
+        </p:nvSpPr>
+        <p:spPr>
+          <a:xfrm>
+            <a:off x="2339752" y="3140968"/>
+            <a:ext cx="4680520" cy="504056"/>
+          </a:xfrm>
+        </p:spPr>
+        <p:txBody>
+          <a:bodyPr>
+            <a:normAutofit/>
+          </a:bodyPr>
+          <a:lstStyle/>
+          <a:p>
+            <a:r>
+              <a:rPr lang="pt-BR" sz="2400" dirty="0" smtClean="0"/>
+              <a:t>Obrigado!</a:t>
+            </a:r>
+            <a:endParaRPr lang="pt-BR" sz="1400" dirty="0"/>
+          </a:p>
+        </p:txBody>
+      </p:sp>
+    </p:spTree>
+    <p:extLst>
+      <p:ext uri="{BB962C8B-B14F-4D97-AF65-F5344CB8AC3E}">
+        <p14:creationId xmlns:p14="http://schemas.microsoft.com/office/powerpoint/2010/main" val="1307440721"/>
+      </p:ext>
+    </p:extLst>
+  </p:cSld>
+  <p:clrMapOvr>
+    <a:masterClrMapping/>
+  </p:clrMapOvr>
+  <p:timing>
+    <p:tnLst>
+      <p:par>
+        <p:cTn id="1" dur="indefinite" restart="never" nodeType="tmRoot"/>
+      </p:par>
+    </p:tnLst>
+  </p:timing>
+</p:sld>
+</file>
+
 <file path=ppt/slides/slide5.xml><?xml version="1.0" encoding="utf-8"?>
 <p:sld xmlns:a="http://schemas.openxmlformats.org/drawingml/2006/main" xmlns:r="http://schemas.openxmlformats.org/officeDocument/2006/relationships" xmlns:p="http://schemas.openxmlformats.org/presentationml/2006/main">
   <p:cSld>
@@ -16576,6 +17580,145 @@
           </a:p>
         </p:txBody>
       </p:sp>
+      <p:pic>
+        <p:nvPicPr>
+          <p:cNvPr id="2" name="Imagem 1"/>
+          <p:cNvPicPr>
+            <a:picLocks noChangeAspect="1"/>
+          </p:cNvPicPr>
+          <p:nvPr/>
+        </p:nvPicPr>
+        <p:blipFill>
+          <a:blip r:embed="rId2"/>
+          <a:stretch>
+            <a:fillRect/>
+          </a:stretch>
+        </p:blipFill>
+        <p:spPr>
+          <a:xfrm>
+            <a:off x="1619672" y="1535802"/>
+            <a:ext cx="5917083" cy="4773518"/>
+          </a:xfrm>
+          <a:prstGeom prst="rect">
+            <a:avLst/>
+          </a:prstGeom>
+          <a:ln>
+            <a:noFill/>
+          </a:ln>
+          <a:effectLst>
+            <a:outerShdw blurRad="292100" dist="139700" dir="2700000" algn="tl" rotWithShape="0">
+              <a:srgbClr val="333333">
+                <a:alpha val="65000"/>
+              </a:srgbClr>
+            </a:outerShdw>
+          </a:effectLst>
+        </p:spPr>
+      </p:pic>
+      <p:pic>
+        <p:nvPicPr>
+          <p:cNvPr id="5" name="Imagem 4"/>
+          <p:cNvPicPr>
+            <a:picLocks noChangeAspect="1"/>
+          </p:cNvPicPr>
+          <p:nvPr/>
+        </p:nvPicPr>
+        <p:blipFill>
+          <a:blip r:embed="rId3">
+            <a:clrChange>
+              <a:clrFrom>
+                <a:srgbClr val="FFFFFF"/>
+              </a:clrFrom>
+              <a:clrTo>
+                <a:srgbClr val="FFFFFF">
+                  <a:alpha val="0"/>
+                </a:srgbClr>
+              </a:clrTo>
+            </a:clrChange>
+          </a:blip>
+          <a:stretch>
+            <a:fillRect/>
+          </a:stretch>
+        </p:blipFill>
+        <p:spPr>
+          <a:xfrm>
+            <a:off x="1288214" y="4752440"/>
+            <a:ext cx="547482" cy="421305"/>
+          </a:xfrm>
+          <a:prstGeom prst="rect">
+            <a:avLst/>
+          </a:prstGeom>
+        </p:spPr>
+      </p:pic>
+      <p:pic>
+        <p:nvPicPr>
+          <p:cNvPr id="6" name="Imagem 5"/>
+          <p:cNvPicPr>
+            <a:picLocks noChangeAspect="1"/>
+          </p:cNvPicPr>
+          <p:nvPr/>
+        </p:nvPicPr>
+        <p:blipFill>
+          <a:blip r:embed="rId3">
+            <a:clrChange>
+              <a:clrFrom>
+                <a:srgbClr val="FFFFFF"/>
+              </a:clrFrom>
+              <a:clrTo>
+                <a:srgbClr val="FFFFFF">
+                  <a:alpha val="0"/>
+                </a:srgbClr>
+              </a:clrTo>
+            </a:clrChange>
+          </a:blip>
+          <a:stretch>
+            <a:fillRect/>
+          </a:stretch>
+        </p:blipFill>
+        <p:spPr>
+          <a:xfrm flipH="1">
+            <a:off x="5036923" y="2001335"/>
+            <a:ext cx="547482" cy="421305"/>
+          </a:xfrm>
+          <a:prstGeom prst="rect">
+            <a:avLst/>
+          </a:prstGeom>
+        </p:spPr>
+      </p:pic>
+      <p:pic>
+        <p:nvPicPr>
+          <p:cNvPr id="7" name="Imagem 6"/>
+          <p:cNvPicPr>
+            <a:picLocks noChangeAspect="1"/>
+          </p:cNvPicPr>
+          <p:nvPr/>
+        </p:nvPicPr>
+        <p:blipFill>
+          <a:blip r:embed="rId3">
+            <a:clrChange>
+              <a:clrFrom>
+                <a:srgbClr val="FFFFFF"/>
+              </a:clrFrom>
+              <a:clrTo>
+                <a:srgbClr val="FFFFFF">
+                  <a:alpha val="0"/>
+                </a:srgbClr>
+              </a:clrTo>
+            </a:clrChange>
+          </a:blip>
+          <a:stretch>
+            <a:fillRect/>
+          </a:stretch>
+        </p:blipFill>
+        <p:spPr>
+          <a:xfrm flipH="1">
+            <a:off x="5533827" y="2266994"/>
+            <a:ext cx="547482" cy="421305"/>
+          </a:xfrm>
+          <a:prstGeom prst="rect">
+            <a:avLst/>
+          </a:prstGeom>
+        </p:spPr>
+      </p:pic>
     </p:spTree>
     <p:extLst>
       <p:ext uri="{BB962C8B-B14F-4D97-AF65-F5344CB8AC3E}">
@@ -16613,73 +17756,9 @@
           <a:chExt cx="0" cy="0"/>
         </a:xfrm>
       </p:grpSpPr>
-      <p:sp>
-        <p:nvSpPr>
-          <p:cNvPr id="4" name="Título 3"/>
-          <p:cNvSpPr>
-            <a:spLocks noGrp="1"/>
-          </p:cNvSpPr>
-          <p:nvPr>
-            <p:ph type="ctrTitle"/>
-          </p:nvPr>
-        </p:nvSpPr>
-        <p:spPr>
-          <a:xfrm>
-            <a:off x="3275856" y="138754"/>
-            <a:ext cx="4680520" cy="504056"/>
-          </a:xfrm>
-        </p:spPr>
-        <p:txBody>
-          <a:bodyPr>
-            <a:normAutofit/>
-          </a:bodyPr>
-          <a:lstStyle/>
-          <a:p>
-            <a:r>
-              <a:rPr lang="pt-BR" sz="2400" dirty="0" smtClean="0"/>
-              <a:t>3) Compilação do VTK</a:t>
-            </a:r>
-            <a:endParaRPr lang="pt-BR" sz="1400" dirty="0"/>
-          </a:p>
-        </p:txBody>
-      </p:sp>
-      <p:sp>
-        <p:nvSpPr>
-          <p:cNvPr id="13" name="CaixaDeTexto 12"/>
-          <p:cNvSpPr txBox="1"/>
-          <p:nvPr/>
-        </p:nvSpPr>
-        <p:spPr>
-          <a:xfrm>
-            <a:off x="3203848" y="908720"/>
-            <a:ext cx="3026149" cy="369332"/>
-          </a:xfrm>
-          <a:prstGeom prst="rect">
-            <a:avLst/>
-          </a:prstGeom>
-          <a:noFill/>
-        </p:spPr>
-        <p:txBody>
-          <a:bodyPr wrap="none" rtlCol="0">
-            <a:spAutoFit/>
-          </a:bodyPr>
-          <a:lstStyle/>
-          <a:p>
-            <a:r>
-              <a:rPr lang="pt-BR" b="1" dirty="0" smtClean="0"/>
-              <a:t>3.1) Configuração com </a:t>
-            </a:r>
-            <a:r>
-              <a:rPr lang="pt-BR" b="1" dirty="0" err="1" smtClean="0"/>
-              <a:t>CMake</a:t>
-            </a:r>
-            <a:endParaRPr lang="pt-BR" b="1" dirty="0"/>
-          </a:p>
-        </p:txBody>
-      </p:sp>
       <p:pic>
         <p:nvPicPr>
-          <p:cNvPr id="14" name="Imagem 13"/>
+          <p:cNvPr id="3" name="Imagem 2"/>
           <p:cNvPicPr>
             <a:picLocks noChangeAspect="1"/>
           </p:cNvPicPr>
@@ -16693,8 +17772,8 @@
         </p:blipFill>
         <p:spPr>
           <a:xfrm>
-            <a:off x="1907704" y="1412776"/>
-            <a:ext cx="5600842" cy="4896544"/>
+            <a:off x="2114550" y="2156048"/>
+            <a:ext cx="4914900" cy="3505200"/>
           </a:xfrm>
           <a:prstGeom prst="rect">
             <a:avLst/>
@@ -16711,10 +17790,150 @@
           </a:effectLst>
         </p:spPr>
       </p:pic>
+      <p:sp>
+        <p:nvSpPr>
+          <p:cNvPr id="4" name="Título 3"/>
+          <p:cNvSpPr>
+            <a:spLocks noGrp="1"/>
+          </p:cNvSpPr>
+          <p:nvPr>
+            <p:ph type="ctrTitle"/>
+          </p:nvPr>
+        </p:nvSpPr>
+        <p:spPr>
+          <a:xfrm>
+            <a:off x="3275856" y="138754"/>
+            <a:ext cx="4680520" cy="504056"/>
+          </a:xfrm>
+        </p:spPr>
+        <p:txBody>
+          <a:bodyPr>
+            <a:normAutofit/>
+          </a:bodyPr>
+          <a:lstStyle/>
+          <a:p>
+            <a:r>
+              <a:rPr lang="pt-BR" sz="2400" dirty="0" smtClean="0"/>
+              <a:t>3) Compilação do VTK</a:t>
+            </a:r>
+            <a:endParaRPr lang="pt-BR" sz="1400" dirty="0"/>
+          </a:p>
+        </p:txBody>
+      </p:sp>
+      <p:sp>
+        <p:nvSpPr>
+          <p:cNvPr id="13" name="CaixaDeTexto 12"/>
+          <p:cNvSpPr txBox="1"/>
+          <p:nvPr/>
+        </p:nvSpPr>
+        <p:spPr>
+          <a:xfrm>
+            <a:off x="3203848" y="908720"/>
+            <a:ext cx="3026149" cy="369332"/>
+          </a:xfrm>
+          <a:prstGeom prst="rect">
+            <a:avLst/>
+          </a:prstGeom>
+          <a:noFill/>
+        </p:spPr>
+        <p:txBody>
+          <a:bodyPr wrap="none" rtlCol="0">
+            <a:spAutoFit/>
+          </a:bodyPr>
+          <a:lstStyle/>
+          <a:p>
+            <a:r>
+              <a:rPr lang="pt-BR" b="1" dirty="0" smtClean="0"/>
+              <a:t>3.1) Configuração com </a:t>
+            </a:r>
+            <a:r>
+              <a:rPr lang="pt-BR" b="1" dirty="0" err="1" smtClean="0"/>
+              <a:t>CMake</a:t>
+            </a:r>
+            <a:endParaRPr lang="pt-BR" b="1" dirty="0"/>
+          </a:p>
+        </p:txBody>
+      </p:sp>
+      <p:pic>
+        <p:nvPicPr>
+          <p:cNvPr id="6" name="Imagem 5"/>
+          <p:cNvPicPr>
+            <a:picLocks noChangeAspect="1"/>
+          </p:cNvPicPr>
+          <p:nvPr/>
+        </p:nvPicPr>
+        <p:blipFill>
+          <a:blip r:embed="rId3">
+            <a:clrChange>
+              <a:clrFrom>
+                <a:srgbClr val="FFFFFF"/>
+              </a:clrFrom>
+              <a:clrTo>
+                <a:srgbClr val="FFFFFF">
+                  <a:alpha val="0"/>
+                </a:srgbClr>
+              </a:clrTo>
+            </a:clrChange>
+          </a:blip>
+          <a:stretch>
+            <a:fillRect/>
+          </a:stretch>
+        </p:blipFill>
+        <p:spPr>
+          <a:xfrm flipH="1">
+            <a:off x="4443181" y="3223719"/>
+            <a:ext cx="547482" cy="421305"/>
+          </a:xfrm>
+          <a:prstGeom prst="rect">
+            <a:avLst/>
+          </a:prstGeom>
+        </p:spPr>
+      </p:pic>
+      <p:sp>
+        <p:nvSpPr>
+          <p:cNvPr id="9" name="CaixaDeTexto 8"/>
+          <p:cNvSpPr txBox="1"/>
+          <p:nvPr/>
+        </p:nvSpPr>
+        <p:spPr>
+          <a:xfrm>
+            <a:off x="611560" y="1268760"/>
+            <a:ext cx="7848872" cy="369332"/>
+          </a:xfrm>
+          <a:prstGeom prst="rect">
+            <a:avLst/>
+          </a:prstGeom>
+          <a:noFill/>
+        </p:spPr>
+        <p:txBody>
+          <a:bodyPr wrap="square" rtlCol="0">
+            <a:spAutoFit/>
+          </a:bodyPr>
+          <a:lstStyle/>
+          <a:p>
+            <a:pPr marL="285750" indent="-285750" algn="just">
+              <a:buFont typeface="Wingdings" panose="05000000000000000000" pitchFamily="2" charset="2"/>
+              <a:buChar char="Ø"/>
+            </a:pPr>
+            <a:r>
+              <a:rPr lang="pt-BR" dirty="0" smtClean="0"/>
+              <a:t>Escolhendo um </a:t>
+            </a:r>
+            <a:r>
+              <a:rPr lang="pt-BR" i="1" dirty="0" err="1" smtClean="0"/>
+              <a:t>toolchain</a:t>
+            </a:r>
+            <a:r>
+              <a:rPr lang="pt-BR" dirty="0" smtClean="0"/>
+              <a:t>.</a:t>
+            </a:r>
+          </a:p>
+        </p:txBody>
+      </p:sp>
     </p:spTree>
     <p:extLst>
       <p:ext uri="{BB962C8B-B14F-4D97-AF65-F5344CB8AC3E}">
-        <p14:creationId xmlns:p14="http://schemas.microsoft.com/office/powerpoint/2010/main" val="3677489221"/>
+        <p14:creationId xmlns:p14="http://schemas.microsoft.com/office/powerpoint/2010/main" val="3007082066"/>
       </p:ext>
     </p:extLst>
   </p:cSld>
@@ -16748,65 +17967,24 @@
           <a:chExt cx="0" cy="0"/>
         </a:xfrm>
       </p:grpSpPr>
-      <p:sp>
-        <p:nvSpPr>
-          <p:cNvPr id="4" name="Título 3"/>
-          <p:cNvSpPr>
-            <a:spLocks noGrp="1"/>
-          </p:cNvSpPr>
-          <p:nvPr>
-            <p:ph type="ctrTitle"/>
-          </p:nvPr>
-        </p:nvSpPr>
-        <p:spPr>
-          <a:xfrm>
-            <a:off x="3275856" y="138754"/>
-            <a:ext cx="4680520" cy="504056"/>
-          </a:xfrm>
-        </p:spPr>
-        <p:txBody>
-          <a:bodyPr>
-            <a:normAutofit/>
-          </a:bodyPr>
-          <a:lstStyle/>
-          <a:p>
-            <a:r>
-              <a:rPr lang="pt-BR" sz="2400" dirty="0" smtClean="0"/>
-              <a:t>Compilação do VTK</a:t>
-            </a:r>
-            <a:endParaRPr lang="pt-BR" sz="1400" dirty="0"/>
-          </a:p>
-        </p:txBody>
-      </p:sp>
       <p:pic>
         <p:nvPicPr>
-          <p:cNvPr id="11" name="Imagem 10"/>
+          <p:cNvPr id="2" name="Imagem 1"/>
           <p:cNvPicPr>
             <a:picLocks noChangeAspect="1"/>
           </p:cNvPicPr>
           <p:nvPr/>
         </p:nvPicPr>
         <p:blipFill>
-          <a:blip r:embed="rId2">
-            <a:clrChange>
-              <a:clrFrom>
-                <a:srgbClr val="FFFFFF"/>
-              </a:clrFrom>
-              <a:clrTo>
-                <a:srgbClr val="FFFFFF">
-                  <a:alpha val="0"/>
-                </a:srgbClr>
-              </a:clrTo>
-            </a:clrChange>
-          </a:blip>
+          <a:blip r:embed="rId2"/>
           <a:stretch>
             <a:fillRect/>
           </a:stretch>
         </p:blipFill>
         <p:spPr>
           <a:xfrm>
-            <a:off x="395536" y="1988840"/>
-            <a:ext cx="1092122" cy="1008112"/>
+            <a:off x="1907704" y="1794333"/>
+            <a:ext cx="5400600" cy="4356853"/>
           </a:xfrm>
           <a:prstGeom prst="rect">
             <a:avLst/>
@@ -16825,14 +18003,78 @@
       </p:pic>
       <p:sp>
         <p:nvSpPr>
-          <p:cNvPr id="12" name="CaixaDeTexto 11"/>
+          <p:cNvPr id="4" name="Título 3"/>
+          <p:cNvSpPr>
+            <a:spLocks noGrp="1"/>
+          </p:cNvSpPr>
+          <p:nvPr>
+            <p:ph type="ctrTitle"/>
+          </p:nvPr>
+        </p:nvSpPr>
+        <p:spPr>
+          <a:xfrm>
+            <a:off x="3275856" y="138754"/>
+            <a:ext cx="4680520" cy="504056"/>
+          </a:xfrm>
+        </p:spPr>
+        <p:txBody>
+          <a:bodyPr>
+            <a:normAutofit/>
+          </a:bodyPr>
+          <a:lstStyle/>
+          <a:p>
+            <a:r>
+              <a:rPr lang="pt-BR" sz="2400" dirty="0" smtClean="0"/>
+              <a:t>3) Compilação do VTK</a:t>
+            </a:r>
+            <a:endParaRPr lang="pt-BR" sz="1400" dirty="0"/>
+          </a:p>
+        </p:txBody>
+      </p:sp>
+      <p:sp>
+        <p:nvSpPr>
+          <p:cNvPr id="13" name="CaixaDeTexto 12"/>
           <p:cNvSpPr txBox="1"/>
           <p:nvPr/>
         </p:nvSpPr>
         <p:spPr>
           <a:xfrm>
-            <a:off x="1619672" y="1628800"/>
-            <a:ext cx="7200800" cy="2585323"/>
+            <a:off x="3203848" y="908720"/>
+            <a:ext cx="3026149" cy="369332"/>
+          </a:xfrm>
+          <a:prstGeom prst="rect">
+            <a:avLst/>
+          </a:prstGeom>
+          <a:noFill/>
+        </p:spPr>
+        <p:txBody>
+          <a:bodyPr wrap="none" rtlCol="0">
+            <a:spAutoFit/>
+          </a:bodyPr>
+          <a:lstStyle/>
+          <a:p>
+            <a:r>
+              <a:rPr lang="pt-BR" b="1" dirty="0" smtClean="0"/>
+              <a:t>3.1) Configuração com </a:t>
+            </a:r>
+            <a:r>
+              <a:rPr lang="pt-BR" b="1" dirty="0" err="1" smtClean="0"/>
+              <a:t>CMake</a:t>
+            </a:r>
+            <a:endParaRPr lang="pt-BR" b="1" dirty="0"/>
+          </a:p>
+        </p:txBody>
+      </p:sp>
+      <p:sp>
+        <p:nvSpPr>
+          <p:cNvPr id="7" name="CaixaDeTexto 6"/>
+          <p:cNvSpPr txBox="1"/>
+          <p:nvPr/>
+        </p:nvSpPr>
+        <p:spPr>
+          <a:xfrm>
+            <a:off x="611560" y="1268760"/>
+            <a:ext cx="7848872" cy="369332"/>
           </a:xfrm>
           <a:prstGeom prst="rect">
             <a:avLst/>
@@ -16845,439 +18087,37 @@
           </a:bodyPr>
           <a:lstStyle/>
           <a:p>
+            <a:pPr marL="285750" indent="-285750" algn="just">
+              <a:buFont typeface="Wingdings" panose="05000000000000000000" pitchFamily="2" charset="2"/>
+              <a:buChar char="Ø"/>
+            </a:pPr>
             <a:r>
               <a:rPr lang="pt-BR" dirty="0" smtClean="0"/>
-              <a:t>Campo “</a:t>
+              <a:t>O </a:t>
             </a:r>
             <a:r>
               <a:rPr lang="pt-BR" dirty="0" err="1" smtClean="0"/>
-              <a:t>Where</a:t>
+              <a:t>CMake</a:t>
             </a:r>
             <a:r>
               <a:rPr lang="pt-BR" dirty="0" smtClean="0"/>
-              <a:t> </a:t>
-            </a:r>
-            <a:r>
-              <a:rPr lang="pt-BR" dirty="0" err="1" smtClean="0"/>
-              <a:t>is</a:t>
+              <a:t> testa o </a:t>
+            </a:r>
+            <a:r>
+              <a:rPr lang="pt-BR" i="1" dirty="0" err="1" smtClean="0"/>
+              <a:t>toolchain</a:t>
             </a:r>
             <a:r>
               <a:rPr lang="pt-BR" dirty="0" smtClean="0"/>
-              <a:t> </a:t>
-            </a:r>
-            <a:r>
-              <a:rPr lang="pt-BR" dirty="0" err="1" smtClean="0"/>
-              <a:t>the</a:t>
-            </a:r>
-            <a:r>
-              <a:rPr lang="pt-BR" dirty="0" smtClean="0"/>
-              <a:t> </a:t>
-            </a:r>
-            <a:r>
-              <a:rPr lang="pt-BR" dirty="0" err="1" smtClean="0"/>
-              <a:t>source</a:t>
-            </a:r>
-            <a:r>
-              <a:rPr lang="pt-BR" dirty="0" smtClean="0"/>
-              <a:t> </a:t>
-            </a:r>
-            <a:r>
-              <a:rPr lang="pt-BR" dirty="0" err="1" smtClean="0"/>
-              <a:t>code</a:t>
-            </a:r>
-            <a:r>
-              <a:rPr lang="pt-BR" dirty="0" smtClean="0"/>
-              <a:t>” (</a:t>
-            </a:r>
-            <a:r>
-              <a:rPr lang="pt-BR" sz="1400" dirty="0">
-                <a:latin typeface="Courier New" panose="02070309020205020404" pitchFamily="49" charset="0"/>
-                <a:cs typeface="Courier New" panose="02070309020205020404" pitchFamily="49" charset="0"/>
-              </a:rPr>
-              <a:t>C:/acme</a:t>
-            </a:r>
-            <a:r>
-              <a:rPr lang="pt-BR" sz="1400" dirty="0" smtClean="0">
-                <a:latin typeface="Courier New" panose="02070309020205020404" pitchFamily="49" charset="0"/>
-                <a:cs typeface="Courier New" panose="02070309020205020404" pitchFamily="49" charset="0"/>
-              </a:rPr>
-              <a:t>/.../VTK-8.1.2</a:t>
-            </a:r>
-            <a:r>
-              <a:rPr lang="pt-BR" dirty="0" smtClean="0"/>
-              <a:t>)</a:t>
-            </a:r>
-          </a:p>
-          <a:p>
-            <a:r>
-              <a:rPr lang="pt-BR" dirty="0" smtClean="0"/>
-              <a:t>Campo “</a:t>
-            </a:r>
-            <a:r>
-              <a:rPr lang="pt-BR" dirty="0" err="1" smtClean="0"/>
-              <a:t>Where</a:t>
-            </a:r>
-            <a:r>
-              <a:rPr lang="pt-BR" dirty="0" smtClean="0"/>
-              <a:t> </a:t>
-            </a:r>
-            <a:r>
-              <a:rPr lang="pt-BR" dirty="0" err="1" smtClean="0"/>
-              <a:t>to</a:t>
-            </a:r>
-            <a:r>
-              <a:rPr lang="pt-BR" dirty="0" smtClean="0"/>
-              <a:t> build </a:t>
-            </a:r>
-            <a:r>
-              <a:rPr lang="pt-BR" dirty="0" err="1" smtClean="0"/>
-              <a:t>the</a:t>
-            </a:r>
-            <a:r>
-              <a:rPr lang="pt-BR" dirty="0" smtClean="0"/>
-              <a:t> </a:t>
-            </a:r>
-            <a:r>
-              <a:rPr lang="pt-BR" dirty="0" err="1" smtClean="0"/>
-              <a:t>binaries</a:t>
-            </a:r>
-            <a:r>
-              <a:rPr lang="pt-BR" dirty="0" smtClean="0"/>
-              <a:t>” </a:t>
-            </a:r>
-            <a:r>
-              <a:rPr lang="pt-BR" dirty="0"/>
-              <a:t>(</a:t>
-            </a:r>
-            <a:r>
-              <a:rPr lang="pt-BR" sz="1400" dirty="0">
-                <a:latin typeface="Courier New" panose="02070309020205020404" pitchFamily="49" charset="0"/>
-                <a:cs typeface="Courier New" panose="02070309020205020404" pitchFamily="49" charset="0"/>
-              </a:rPr>
-              <a:t>C:/acme</a:t>
-            </a:r>
-            <a:r>
-              <a:rPr lang="pt-BR" sz="1400" dirty="0" smtClean="0">
-                <a:latin typeface="Courier New" panose="02070309020205020404" pitchFamily="49" charset="0"/>
-                <a:cs typeface="Courier New" panose="02070309020205020404" pitchFamily="49" charset="0"/>
-              </a:rPr>
-              <a:t>/.../</a:t>
-            </a:r>
-            <a:r>
-              <a:rPr lang="pt-BR" sz="1400" dirty="0" err="1" smtClean="0">
-                <a:latin typeface="Courier New" panose="02070309020205020404" pitchFamily="49" charset="0"/>
-                <a:cs typeface="Courier New" panose="02070309020205020404" pitchFamily="49" charset="0"/>
-              </a:rPr>
-              <a:t>vtk_build_release</a:t>
-            </a:r>
-            <a:r>
-              <a:rPr lang="pt-BR" dirty="0" smtClean="0"/>
-              <a:t>)</a:t>
-            </a:r>
-            <a:endParaRPr lang="pt-BR" dirty="0"/>
-          </a:p>
-          <a:p>
-            <a:r>
-              <a:rPr lang="pt-BR" dirty="0" smtClean="0"/>
-              <a:t>Escolher o </a:t>
-            </a:r>
-            <a:r>
-              <a:rPr lang="pt-BR" i="1" dirty="0" err="1" smtClean="0"/>
-              <a:t>generator</a:t>
-            </a:r>
-            <a:r>
-              <a:rPr lang="pt-BR" dirty="0" smtClean="0"/>
-              <a:t> correto: Visual Studio 2015.</a:t>
-            </a:r>
-          </a:p>
-          <a:p>
-            <a:r>
-              <a:rPr lang="pt-BR" dirty="0" smtClean="0"/>
-              <a:t>CMAKE_INSTALL_PREFIX (</a:t>
-            </a:r>
-            <a:r>
-              <a:rPr lang="pt-BR" sz="1400" dirty="0" smtClean="0">
-                <a:latin typeface="Courier New" panose="02070309020205020404" pitchFamily="49" charset="0"/>
-                <a:cs typeface="Courier New" panose="02070309020205020404" pitchFamily="49" charset="0"/>
-              </a:rPr>
-              <a:t>C:/acme/.../</a:t>
-            </a:r>
-            <a:r>
-              <a:rPr lang="pt-BR" sz="1400" dirty="0" err="1" smtClean="0">
-                <a:latin typeface="Courier New" panose="02070309020205020404" pitchFamily="49" charset="0"/>
-                <a:cs typeface="Courier New" panose="02070309020205020404" pitchFamily="49" charset="0"/>
-              </a:rPr>
-              <a:t>vtk_install_release</a:t>
-            </a:r>
-            <a:r>
-              <a:rPr lang="pt-BR" dirty="0" smtClean="0"/>
-              <a:t>)</a:t>
-            </a:r>
-          </a:p>
-          <a:p>
-            <a:r>
-              <a:rPr lang="pt-BR" dirty="0" smtClean="0"/>
-              <a:t>CMAKE_BUILD_TYPE (</a:t>
-            </a:r>
-            <a:r>
-              <a:rPr lang="pt-BR" sz="1400" dirty="0" smtClean="0">
-                <a:latin typeface="Courier New" panose="02070309020205020404" pitchFamily="49" charset="0"/>
-                <a:cs typeface="Courier New" panose="02070309020205020404" pitchFamily="49" charset="0"/>
-              </a:rPr>
-              <a:t>Release</a:t>
-            </a:r>
-            <a:r>
-              <a:rPr lang="pt-BR" dirty="0" smtClean="0"/>
-              <a:t> ou </a:t>
-            </a:r>
-            <a:r>
-              <a:rPr lang="pt-BR" sz="1400" dirty="0" smtClean="0">
-                <a:latin typeface="Courier New" panose="02070309020205020404" pitchFamily="49" charset="0"/>
-                <a:cs typeface="Courier New" panose="02070309020205020404" pitchFamily="49" charset="0"/>
-              </a:rPr>
-              <a:t>Debug</a:t>
-            </a:r>
-            <a:r>
-              <a:rPr lang="pt-BR" dirty="0" smtClean="0"/>
-              <a:t>)</a:t>
-            </a:r>
-          </a:p>
-          <a:p>
-            <a:r>
-              <a:rPr lang="pt-BR" dirty="0" smtClean="0"/>
-              <a:t>VTK_QT_VERSION (</a:t>
-            </a:r>
-            <a:r>
-              <a:rPr lang="pt-BR" sz="1400" dirty="0" smtClean="0">
-                <a:latin typeface="Courier New" panose="02070309020205020404" pitchFamily="49" charset="0"/>
-                <a:cs typeface="Courier New" panose="02070309020205020404" pitchFamily="49" charset="0"/>
-              </a:rPr>
-              <a:t>5</a:t>
-            </a:r>
-            <a:r>
-              <a:rPr lang="pt-BR" dirty="0" smtClean="0"/>
-              <a:t>)</a:t>
-            </a:r>
-          </a:p>
-          <a:p>
-            <a:r>
-              <a:rPr lang="pt-BR" dirty="0" smtClean="0"/>
-              <a:t>VTK_RENDERING_BACKEND (</a:t>
-            </a:r>
-            <a:r>
-              <a:rPr lang="pt-BR" sz="1400" dirty="0" smtClean="0">
-                <a:latin typeface="Courier New" panose="02070309020205020404" pitchFamily="49" charset="0"/>
-                <a:cs typeface="Courier New" panose="02070309020205020404" pitchFamily="49" charset="0"/>
-              </a:rPr>
-              <a:t>OpenGL2</a:t>
-            </a:r>
-            <a:r>
-              <a:rPr lang="pt-BR" dirty="0" smtClean="0"/>
-              <a:t>)</a:t>
-            </a:r>
-          </a:p>
-          <a:p>
-            <a:r>
-              <a:rPr lang="pt-BR" dirty="0" err="1" smtClean="0"/>
-              <a:t>VTK_Group_Qt</a:t>
-            </a:r>
-            <a:r>
-              <a:rPr lang="pt-BR" dirty="0" smtClean="0"/>
-              <a:t> (</a:t>
-            </a:r>
-            <a:r>
-              <a:rPr lang="pt-BR" sz="1400" dirty="0" err="1" smtClean="0">
-                <a:latin typeface="Courier New" panose="02070309020205020404" pitchFamily="49" charset="0"/>
-                <a:cs typeface="Courier New" panose="02070309020205020404" pitchFamily="49" charset="0"/>
-              </a:rPr>
-              <a:t>true</a:t>
-            </a:r>
-            <a:r>
-              <a:rPr lang="pt-BR" dirty="0" smtClean="0"/>
-              <a:t>)</a:t>
-            </a:r>
-          </a:p>
-          <a:p>
-            <a:endParaRPr lang="pt-BR" dirty="0"/>
-          </a:p>
-        </p:txBody>
-      </p:sp>
-      <p:sp>
-        <p:nvSpPr>
-          <p:cNvPr id="13" name="CaixaDeTexto 12"/>
-          <p:cNvSpPr txBox="1"/>
-          <p:nvPr/>
-        </p:nvSpPr>
-        <p:spPr>
-          <a:xfrm>
-            <a:off x="3203848" y="908720"/>
-            <a:ext cx="3026149" cy="369332"/>
-          </a:xfrm>
-          <a:prstGeom prst="rect">
-            <a:avLst/>
-          </a:prstGeom>
-          <a:noFill/>
-        </p:spPr>
-        <p:txBody>
-          <a:bodyPr wrap="none" rtlCol="0">
-            <a:spAutoFit/>
-          </a:bodyPr>
-          <a:lstStyle/>
-          <a:p>
-            <a:r>
-              <a:rPr lang="pt-BR" b="1" dirty="0" smtClean="0"/>
-              <a:t>3.1) Configuração com </a:t>
-            </a:r>
-            <a:r>
-              <a:rPr lang="pt-BR" b="1" dirty="0" err="1" smtClean="0"/>
-              <a:t>CMake</a:t>
-            </a:r>
-            <a:endParaRPr lang="pt-BR" b="1" dirty="0"/>
-          </a:p>
-        </p:txBody>
-      </p:sp>
-      <p:pic>
-        <p:nvPicPr>
-          <p:cNvPr id="2" name="Imagem 1"/>
-          <p:cNvPicPr>
-            <a:picLocks noChangeAspect="1"/>
-          </p:cNvPicPr>
-          <p:nvPr/>
-        </p:nvPicPr>
-        <p:blipFill>
-          <a:blip r:embed="rId3"/>
-          <a:stretch>
-            <a:fillRect/>
-          </a:stretch>
-        </p:blipFill>
-        <p:spPr>
-          <a:xfrm>
-            <a:off x="1806200" y="4869160"/>
-            <a:ext cx="2781404" cy="800130"/>
-          </a:xfrm>
-          <a:prstGeom prst="rect">
-            <a:avLst/>
-          </a:prstGeom>
-          <a:ln>
-            <a:noFill/>
-          </a:ln>
-          <a:effectLst>
-            <a:outerShdw blurRad="292100" dist="139700" dir="2700000" algn="tl" rotWithShape="0">
-              <a:srgbClr val="333333">
-                <a:alpha val="65000"/>
-              </a:srgbClr>
-            </a:outerShdw>
-          </a:effectLst>
-        </p:spPr>
-      </p:pic>
-      <p:sp>
-        <p:nvSpPr>
-          <p:cNvPr id="3" name="Seta em curva para a direita 2"/>
-          <p:cNvSpPr/>
-          <p:nvPr/>
-        </p:nvSpPr>
-        <p:spPr>
-          <a:xfrm rot="10800000">
-            <a:off x="4640881" y="3933056"/>
-            <a:ext cx="720080" cy="1224136"/>
-          </a:xfrm>
-          <a:prstGeom prst="curvedRightArrow">
-            <a:avLst/>
-          </a:prstGeom>
-          <a:pattFill prst="pct25">
-            <a:fgClr>
-              <a:schemeClr val="dk1"/>
-            </a:fgClr>
-            <a:bgClr>
-              <a:schemeClr val="bg1"/>
-            </a:bgClr>
-          </a:pattFill>
-        </p:spPr>
-        <p:style>
-          <a:lnRef idx="2">
-            <a:schemeClr val="dk1">
-              <a:shade val="50000"/>
-            </a:schemeClr>
-          </a:lnRef>
-          <a:fillRef idx="1">
-            <a:schemeClr val="dk1"/>
-          </a:fillRef>
-          <a:effectRef idx="0">
-            <a:schemeClr val="dk1"/>
-          </a:effectRef>
-          <a:fontRef idx="minor">
-            <a:schemeClr val="lt1"/>
-          </a:fontRef>
-        </p:style>
-        <p:txBody>
-          <a:bodyPr rtlCol="0" anchor="ctr"/>
-          <a:lstStyle/>
-          <a:p>
-            <a:pPr algn="ctr"/>
-            <a:endParaRPr lang="pt-BR" dirty="0" smtClean="0">
-              <a:solidFill>
-                <a:schemeClr val="tx1"/>
-              </a:solidFill>
-            </a:endParaRPr>
-          </a:p>
-        </p:txBody>
-      </p:sp>
-      <p:sp>
-        <p:nvSpPr>
-          <p:cNvPr id="8" name="Seta em curva para a direita 7"/>
-          <p:cNvSpPr/>
-          <p:nvPr/>
-        </p:nvSpPr>
-        <p:spPr>
-          <a:xfrm>
-            <a:off x="1039815" y="3941440"/>
-            <a:ext cx="720080" cy="1224136"/>
-          </a:xfrm>
-          <a:prstGeom prst="curvedRightArrow">
-            <a:avLst/>
-          </a:prstGeom>
-          <a:pattFill prst="pct25">
-            <a:fgClr>
-              <a:schemeClr val="dk1"/>
-            </a:fgClr>
-            <a:bgClr>
-              <a:schemeClr val="bg1"/>
-            </a:bgClr>
-          </a:pattFill>
-        </p:spPr>
-        <p:style>
-          <a:lnRef idx="2">
-            <a:schemeClr val="dk1">
-              <a:shade val="50000"/>
-            </a:schemeClr>
-          </a:lnRef>
-          <a:fillRef idx="1">
-            <a:schemeClr val="dk1"/>
-          </a:fillRef>
-          <a:effectRef idx="0">
-            <a:schemeClr val="dk1"/>
-          </a:effectRef>
-          <a:fontRef idx="minor">
-            <a:schemeClr val="lt1"/>
-          </a:fontRef>
-        </p:style>
-        <p:txBody>
-          <a:bodyPr rtlCol="0" anchor="ctr"/>
-          <a:lstStyle/>
-          <a:p>
-            <a:pPr algn="ctr"/>
-            <a:endParaRPr lang="pt-BR" dirty="0" smtClean="0">
-              <a:solidFill>
-                <a:schemeClr val="tx1"/>
-              </a:solidFill>
-            </a:endParaRPr>
+              <a:t>.  Para o VTK demora muito tempo (vários minutos).</a:t>
+            </a:r>
           </a:p>
         </p:txBody>
       </p:sp>
     </p:spTree>
     <p:extLst>
       <p:ext uri="{BB962C8B-B14F-4D97-AF65-F5344CB8AC3E}">
-        <p14:creationId xmlns:p14="http://schemas.microsoft.com/office/powerpoint/2010/main" val="1344114479"/>
+        <p14:creationId xmlns:p14="http://schemas.microsoft.com/office/powerpoint/2010/main" val="3272823367"/>
       </p:ext>
     </p:extLst>
   </p:cSld>
@@ -17335,7 +18175,7 @@
           <a:p>
             <a:r>
               <a:rPr lang="pt-BR" sz="2400" dirty="0" smtClean="0"/>
-              <a:t>Compilação do VTK</a:t>
+              <a:t>3) Compilação do VTK</a:t>
             </a:r>
             <a:endParaRPr lang="pt-BR" sz="1400" dirty="0"/>
           </a:p>
@@ -17349,8 +18189,8 @@
         </p:nvSpPr>
         <p:spPr>
           <a:xfrm>
-            <a:off x="3365214" y="908720"/>
-            <a:ext cx="2850909" cy="369332"/>
+            <a:off x="3203848" y="908720"/>
+            <a:ext cx="3026149" cy="369332"/>
           </a:xfrm>
           <a:prstGeom prst="rect">
             <a:avLst/>
@@ -17365,16 +18205,87 @@
           <a:p>
             <a:r>
               <a:rPr lang="pt-BR" b="1" dirty="0" smtClean="0"/>
-              <a:t>3.2) Build com Visual Studio</a:t>
+              <a:t>3.1) Configuração com </a:t>
+            </a:r>
+            <a:r>
+              <a:rPr lang="pt-BR" b="1" dirty="0" err="1" smtClean="0"/>
+              <a:t>CMake</a:t>
             </a:r>
             <a:endParaRPr lang="pt-BR" b="1" dirty="0"/>
           </a:p>
         </p:txBody>
       </p:sp>
+      <p:sp>
+        <p:nvSpPr>
+          <p:cNvPr id="7" name="CaixaDeTexto 6"/>
+          <p:cNvSpPr txBox="1"/>
+          <p:nvPr/>
+        </p:nvSpPr>
+        <p:spPr>
+          <a:xfrm>
+            <a:off x="611560" y="1268760"/>
+            <a:ext cx="7848872" cy="369332"/>
+          </a:xfrm>
+          <a:prstGeom prst="rect">
+            <a:avLst/>
+          </a:prstGeom>
+          <a:noFill/>
+        </p:spPr>
+        <p:txBody>
+          <a:bodyPr wrap="square" rtlCol="0">
+            <a:spAutoFit/>
+          </a:bodyPr>
+          <a:lstStyle/>
+          <a:p>
+            <a:pPr marL="285750" indent="-285750" algn="just">
+              <a:buFont typeface="Wingdings" panose="05000000000000000000" pitchFamily="2" charset="2"/>
+              <a:buChar char="Ø"/>
+            </a:pPr>
+            <a:r>
+              <a:rPr lang="pt-BR" dirty="0" smtClean="0"/>
+              <a:t>VTK pronto para ser configurado.</a:t>
+            </a:r>
+          </a:p>
+        </p:txBody>
+      </p:sp>
+      <p:pic>
+        <p:nvPicPr>
+          <p:cNvPr id="3" name="Imagem 2"/>
+          <p:cNvPicPr>
+            <a:picLocks noChangeAspect="1"/>
+          </p:cNvPicPr>
+          <p:nvPr/>
+        </p:nvPicPr>
+        <p:blipFill>
+          <a:blip r:embed="rId2"/>
+          <a:stretch>
+            <a:fillRect/>
+          </a:stretch>
+        </p:blipFill>
+        <p:spPr>
+          <a:xfrm>
+            <a:off x="1829482" y="1772816"/>
+            <a:ext cx="5413027" cy="4366878"/>
+          </a:xfrm>
+          <a:prstGeom prst="rect">
+            <a:avLst/>
+          </a:prstGeom>
+          <a:ln>
+            <a:noFill/>
+          </a:ln>
+          <a:effectLst>
+            <a:outerShdw blurRad="292100" dist="139700" dir="2700000" algn="tl" rotWithShape="0">
+              <a:srgbClr val="333333">
+                <a:alpha val="65000"/>
+              </a:srgbClr>
+            </a:outerShdw>
+          </a:effectLst>
+        </p:spPr>
+      </p:pic>
     </p:spTree>
     <p:extLst>
       <p:ext uri="{BB962C8B-B14F-4D97-AF65-F5344CB8AC3E}">
-        <p14:creationId xmlns:p14="http://schemas.microsoft.com/office/powerpoint/2010/main" val="3891357202"/>
+        <p14:creationId xmlns:p14="http://schemas.microsoft.com/office/powerpoint/2010/main" val="1473622206"/>
       </p:ext>
     </p:extLst>
   </p:cSld>
@@ -17438,6 +18349,203 @@
           </a:p>
         </p:txBody>
       </p:sp>
+      <p:pic>
+        <p:nvPicPr>
+          <p:cNvPr id="11" name="Imagem 10"/>
+          <p:cNvPicPr>
+            <a:picLocks noChangeAspect="1"/>
+          </p:cNvPicPr>
+          <p:nvPr/>
+        </p:nvPicPr>
+        <p:blipFill>
+          <a:blip r:embed="rId2">
+            <a:clrChange>
+              <a:clrFrom>
+                <a:srgbClr val="FFFFFF"/>
+              </a:clrFrom>
+              <a:clrTo>
+                <a:srgbClr val="FFFFFF">
+                  <a:alpha val="0"/>
+                </a:srgbClr>
+              </a:clrTo>
+            </a:clrChange>
+          </a:blip>
+          <a:stretch>
+            <a:fillRect/>
+          </a:stretch>
+        </p:blipFill>
+        <p:spPr>
+          <a:xfrm>
+            <a:off x="827584" y="2204864"/>
+            <a:ext cx="1092122" cy="1008112"/>
+          </a:xfrm>
+          <a:prstGeom prst="rect">
+            <a:avLst/>
+          </a:prstGeom>
+          <a:ln>
+            <a:noFill/>
+          </a:ln>
+          <a:effectLst>
+            <a:outerShdw blurRad="292100" dist="139700" dir="2700000" algn="tl" rotWithShape="0">
+              <a:srgbClr val="333333">
+                <a:alpha val="65000"/>
+              </a:srgbClr>
+            </a:outerShdw>
+          </a:effectLst>
+        </p:spPr>
+      </p:pic>
+      <p:sp>
+        <p:nvSpPr>
+          <p:cNvPr id="12" name="CaixaDeTexto 11"/>
+          <p:cNvSpPr txBox="1"/>
+          <p:nvPr/>
+        </p:nvSpPr>
+        <p:spPr>
+          <a:xfrm>
+            <a:off x="2051720" y="1962706"/>
+            <a:ext cx="6336704" cy="2031325"/>
+          </a:xfrm>
+          <a:prstGeom prst="rect">
+            <a:avLst/>
+          </a:prstGeom>
+          <a:noFill/>
+        </p:spPr>
+        <p:txBody>
+          <a:bodyPr wrap="square" rtlCol="0">
+            <a:spAutoFit/>
+          </a:bodyPr>
+          <a:lstStyle/>
+          <a:p>
+            <a:r>
+              <a:rPr lang="pt-BR" dirty="0" smtClean="0"/>
+              <a:t>CMAKE_INSTALL_PREFIX (</a:t>
+            </a:r>
+            <a:r>
+              <a:rPr lang="pt-BR" sz="1400" dirty="0" smtClean="0">
+                <a:latin typeface="Courier New" panose="02070309020205020404" pitchFamily="49" charset="0"/>
+                <a:cs typeface="Courier New" panose="02070309020205020404" pitchFamily="49" charset="0"/>
+              </a:rPr>
+              <a:t>C:/acme/.../</a:t>
+            </a:r>
+            <a:r>
+              <a:rPr lang="pt-BR" sz="1400" dirty="0" err="1" smtClean="0">
+                <a:latin typeface="Courier New" panose="02070309020205020404" pitchFamily="49" charset="0"/>
+                <a:cs typeface="Courier New" panose="02070309020205020404" pitchFamily="49" charset="0"/>
+              </a:rPr>
+              <a:t>vtk_install_release</a:t>
+            </a:r>
+            <a:r>
+              <a:rPr lang="pt-BR" dirty="0" smtClean="0"/>
+              <a:t>)</a:t>
+            </a:r>
+          </a:p>
+          <a:p>
+            <a:r>
+              <a:rPr lang="pt-BR" dirty="0" smtClean="0"/>
+              <a:t>CMAKE_BUILD_TYPE (</a:t>
+            </a:r>
+            <a:r>
+              <a:rPr lang="pt-BR" sz="1400" dirty="0" smtClean="0">
+                <a:latin typeface="Courier New" panose="02070309020205020404" pitchFamily="49" charset="0"/>
+                <a:cs typeface="Courier New" panose="02070309020205020404" pitchFamily="49" charset="0"/>
+              </a:rPr>
+              <a:t>Release</a:t>
+            </a:r>
+            <a:r>
+              <a:rPr lang="pt-BR" dirty="0"/>
+              <a:t>,</a:t>
+            </a:r>
+            <a:r>
+              <a:rPr lang="pt-BR" dirty="0" smtClean="0"/>
+              <a:t> </a:t>
+            </a:r>
+            <a:r>
+              <a:rPr lang="pt-BR" sz="1400" dirty="0" smtClean="0">
+                <a:latin typeface="Courier New" panose="02070309020205020404" pitchFamily="49" charset="0"/>
+                <a:cs typeface="Courier New" panose="02070309020205020404" pitchFamily="49" charset="0"/>
+              </a:rPr>
+              <a:t>Debug, ...</a:t>
+            </a:r>
+            <a:r>
+              <a:rPr lang="pt-BR" dirty="0" smtClean="0"/>
+              <a:t>)</a:t>
+            </a:r>
+          </a:p>
+          <a:p>
+            <a:r>
+              <a:rPr lang="pt-BR" dirty="0" smtClean="0"/>
+              <a:t>VTK_QT_VERSION (</a:t>
+            </a:r>
+            <a:r>
+              <a:rPr lang="pt-BR" sz="1400" dirty="0" smtClean="0">
+                <a:latin typeface="Courier New" panose="02070309020205020404" pitchFamily="49" charset="0"/>
+                <a:cs typeface="Courier New" panose="02070309020205020404" pitchFamily="49" charset="0"/>
+              </a:rPr>
+              <a:t>5</a:t>
+            </a:r>
+            <a:r>
+              <a:rPr lang="pt-BR" dirty="0" smtClean="0"/>
+              <a:t>)</a:t>
+            </a:r>
+          </a:p>
+          <a:p>
+            <a:r>
+              <a:rPr lang="pt-BR" dirty="0" smtClean="0"/>
+              <a:t>VTK_RENDERING_BACKEND (</a:t>
+            </a:r>
+            <a:r>
+              <a:rPr lang="pt-BR" sz="1400" dirty="0" smtClean="0">
+                <a:latin typeface="Courier New" panose="02070309020205020404" pitchFamily="49" charset="0"/>
+                <a:cs typeface="Courier New" panose="02070309020205020404" pitchFamily="49" charset="0"/>
+              </a:rPr>
+              <a:t>OpenGL2</a:t>
+            </a:r>
+            <a:r>
+              <a:rPr lang="pt-BR" dirty="0" smtClean="0"/>
+              <a:t>)</a:t>
+            </a:r>
+          </a:p>
+          <a:p>
+            <a:r>
+              <a:rPr lang="pt-BR" dirty="0" err="1" smtClean="0"/>
+              <a:t>VTK_Group_Qt</a:t>
+            </a:r>
+            <a:r>
+              <a:rPr lang="pt-BR" dirty="0" smtClean="0"/>
+              <a:t> (</a:t>
+            </a:r>
+            <a:r>
+              <a:rPr lang="pt-BR" sz="1400" dirty="0" err="1" smtClean="0">
+                <a:latin typeface="Courier New" panose="02070309020205020404" pitchFamily="49" charset="0"/>
+                <a:cs typeface="Courier New" panose="02070309020205020404" pitchFamily="49" charset="0"/>
+              </a:rPr>
+              <a:t>true</a:t>
+            </a:r>
+            <a:r>
+              <a:rPr lang="pt-BR" dirty="0" smtClean="0"/>
+              <a:t>)</a:t>
+            </a:r>
+          </a:p>
+          <a:p>
+            <a:r>
+              <a:rPr lang="pt-BR" dirty="0" smtClean="0"/>
+              <a:t>Qt5*DIR (versão compilada com o </a:t>
+            </a:r>
+            <a:r>
+              <a:rPr lang="pt-BR" i="1" dirty="0" err="1" smtClean="0"/>
+              <a:t>toolchain</a:t>
+            </a:r>
+            <a:r>
+              <a:rPr lang="pt-BR" dirty="0" smtClean="0"/>
+              <a:t> alvo)</a:t>
+            </a:r>
+            <a:endParaRPr lang="pt-BR" dirty="0" smtClean="0"/>
+          </a:p>
+          <a:p>
+            <a:endParaRPr lang="pt-BR" dirty="0"/>
+          </a:p>
+        </p:txBody>
+      </p:sp>
       <p:sp>
         <p:nvSpPr>
           <p:cNvPr id="13" name="CaixaDeTexto 12"/>
@@ -17446,8 +18554,8 @@
         </p:nvSpPr>
         <p:spPr>
           <a:xfrm>
-            <a:off x="4147467" y="908720"/>
-            <a:ext cx="1276568" cy="369332"/>
+            <a:off x="3203848" y="908720"/>
+            <a:ext cx="3026149" cy="369332"/>
           </a:xfrm>
           <a:prstGeom prst="rect">
             <a:avLst/>
@@ -17462,20 +18570,191 @@
           <a:p>
             <a:r>
               <a:rPr lang="pt-BR" b="1" dirty="0" smtClean="0"/>
-              <a:t>3.3) </a:t>
+              <a:t>3.1) Configuração com </a:t>
             </a:r>
             <a:r>
               <a:rPr lang="pt-BR" b="1" dirty="0" err="1" smtClean="0"/>
-              <a:t>Deploy</a:t>
+              <a:t>CMake</a:t>
             </a:r>
             <a:endParaRPr lang="pt-BR" b="1" dirty="0"/>
+          </a:p>
+        </p:txBody>
+      </p:sp>
+      <p:pic>
+        <p:nvPicPr>
+          <p:cNvPr id="2" name="Imagem 1"/>
+          <p:cNvPicPr>
+            <a:picLocks noChangeAspect="1"/>
+          </p:cNvPicPr>
+          <p:nvPr/>
+        </p:nvPicPr>
+        <p:blipFill>
+          <a:blip r:embed="rId3"/>
+          <a:stretch>
+            <a:fillRect/>
+          </a:stretch>
+        </p:blipFill>
+        <p:spPr>
+          <a:xfrm>
+            <a:off x="2385391" y="4573086"/>
+            <a:ext cx="2781404" cy="800130"/>
+          </a:xfrm>
+          <a:prstGeom prst="rect">
+            <a:avLst/>
+          </a:prstGeom>
+          <a:ln>
+            <a:noFill/>
+          </a:ln>
+          <a:effectLst>
+            <a:outerShdw blurRad="292100" dist="139700" dir="2700000" algn="tl" rotWithShape="0">
+              <a:srgbClr val="333333">
+                <a:alpha val="65000"/>
+              </a:srgbClr>
+            </a:outerShdw>
+          </a:effectLst>
+        </p:spPr>
+      </p:pic>
+      <p:sp>
+        <p:nvSpPr>
+          <p:cNvPr id="3" name="Seta em curva para a direita 2"/>
+          <p:cNvSpPr/>
+          <p:nvPr/>
+        </p:nvSpPr>
+        <p:spPr>
+          <a:xfrm rot="10800000">
+            <a:off x="5220072" y="3636982"/>
+            <a:ext cx="720080" cy="1224136"/>
+          </a:xfrm>
+          <a:prstGeom prst="curvedRightArrow">
+            <a:avLst/>
+          </a:prstGeom>
+          <a:pattFill prst="pct25">
+            <a:fgClr>
+              <a:schemeClr val="dk1"/>
+            </a:fgClr>
+            <a:bgClr>
+              <a:schemeClr val="bg1"/>
+            </a:bgClr>
+          </a:pattFill>
+        </p:spPr>
+        <p:style>
+          <a:lnRef idx="2">
+            <a:schemeClr val="dk1">
+              <a:shade val="50000"/>
+            </a:schemeClr>
+          </a:lnRef>
+          <a:fillRef idx="1">
+            <a:schemeClr val="dk1"/>
+          </a:fillRef>
+          <a:effectRef idx="0">
+            <a:schemeClr val="dk1"/>
+          </a:effectRef>
+          <a:fontRef idx="minor">
+            <a:schemeClr val="lt1"/>
+          </a:fontRef>
+        </p:style>
+        <p:txBody>
+          <a:bodyPr rtlCol="0" anchor="ctr"/>
+          <a:lstStyle/>
+          <a:p>
+            <a:pPr algn="ctr"/>
+            <a:endParaRPr lang="pt-BR" dirty="0" smtClean="0">
+              <a:solidFill>
+                <a:schemeClr val="tx1"/>
+              </a:solidFill>
+            </a:endParaRPr>
+          </a:p>
+        </p:txBody>
+      </p:sp>
+      <p:sp>
+        <p:nvSpPr>
+          <p:cNvPr id="8" name="Seta em curva para a direita 7"/>
+          <p:cNvSpPr/>
+          <p:nvPr/>
+        </p:nvSpPr>
+        <p:spPr>
+          <a:xfrm>
+            <a:off x="1619006" y="3645366"/>
+            <a:ext cx="720080" cy="1224136"/>
+          </a:xfrm>
+          <a:prstGeom prst="curvedRightArrow">
+            <a:avLst/>
+          </a:prstGeom>
+          <a:pattFill prst="pct25">
+            <a:fgClr>
+              <a:schemeClr val="dk1"/>
+            </a:fgClr>
+            <a:bgClr>
+              <a:schemeClr val="bg1"/>
+            </a:bgClr>
+          </a:pattFill>
+        </p:spPr>
+        <p:style>
+          <a:lnRef idx="2">
+            <a:schemeClr val="dk1">
+              <a:shade val="50000"/>
+            </a:schemeClr>
+          </a:lnRef>
+          <a:fillRef idx="1">
+            <a:schemeClr val="dk1"/>
+          </a:fillRef>
+          <a:effectRef idx="0">
+            <a:schemeClr val="dk1"/>
+          </a:effectRef>
+          <a:fontRef idx="minor">
+            <a:schemeClr val="lt1"/>
+          </a:fontRef>
+        </p:style>
+        <p:txBody>
+          <a:bodyPr rtlCol="0" anchor="ctr"/>
+          <a:lstStyle/>
+          <a:p>
+            <a:pPr algn="ctr"/>
+            <a:endParaRPr lang="pt-BR" dirty="0" smtClean="0">
+              <a:solidFill>
+                <a:schemeClr val="tx1"/>
+              </a:solidFill>
+            </a:endParaRPr>
+          </a:p>
+        </p:txBody>
+      </p:sp>
+      <p:sp>
+        <p:nvSpPr>
+          <p:cNvPr id="9" name="CaixaDeTexto 8"/>
+          <p:cNvSpPr txBox="1"/>
+          <p:nvPr/>
+        </p:nvSpPr>
+        <p:spPr>
+          <a:xfrm>
+            <a:off x="611560" y="1268760"/>
+            <a:ext cx="7848872" cy="369332"/>
+          </a:xfrm>
+          <a:prstGeom prst="rect">
+            <a:avLst/>
+          </a:prstGeom>
+          <a:noFill/>
+        </p:spPr>
+        <p:txBody>
+          <a:bodyPr wrap="square" rtlCol="0">
+            <a:spAutoFit/>
+          </a:bodyPr>
+          <a:lstStyle/>
+          <a:p>
+            <a:pPr marL="285750" indent="-285750" algn="just">
+              <a:buFont typeface="Wingdings" panose="05000000000000000000" pitchFamily="2" charset="2"/>
+              <a:buChar char="Ø"/>
+            </a:pPr>
+            <a:r>
+              <a:rPr lang="pt-BR" dirty="0" smtClean="0"/>
+              <a:t>Variáveis importantes.</a:t>
+            </a:r>
           </a:p>
         </p:txBody>
       </p:sp>
     </p:spTree>
     <p:extLst>
       <p:ext uri="{BB962C8B-B14F-4D97-AF65-F5344CB8AC3E}">
-        <p14:creationId xmlns:p14="http://schemas.microsoft.com/office/powerpoint/2010/main" val="1158625077"/>
+        <p14:creationId xmlns:p14="http://schemas.microsoft.com/office/powerpoint/2010/main" val="1344114479"/>
       </p:ext>
     </p:extLst>
   </p:cSld>

--- a/aulas_3dias/slides_3dias.pptx
+++ b/aulas_3dias/slides_3dias.pptx
@@ -250,7 +250,7 @@
           <a:p>
             <a:fld id="{3FDA2B63-9726-4330-BBC3-D46B5CC46B61}" type="datetimeFigureOut">
               <a:rPr lang="pt-BR" smtClean="0"/>
-              <a:t>08/05/2019</a:t>
+              <a:t>09/05/2019</a:t>
             </a:fld>
             <a:endParaRPr lang="pt-BR"/>
           </a:p>
@@ -3054,7 +3054,7 @@
           <a:p>
             <a:fld id="{2E700DB3-DBF0-4086-B675-117E7A9610B8}" type="datetimeFigureOut">
               <a:rPr lang="pt-BR" smtClean="0"/>
-              <a:t>08/05/2019</a:t>
+              <a:t>09/05/2019</a:t>
             </a:fld>
             <a:endParaRPr lang="pt-BR"/>
           </a:p>
@@ -3515,7 +3515,7 @@
           <a:p>
             <a:fld id="{2E700DB3-DBF0-4086-B675-117E7A9610B8}" type="datetimeFigureOut">
               <a:rPr lang="pt-BR" smtClean="0"/>
-              <a:t>08/05/2019</a:t>
+              <a:t>09/05/2019</a:t>
             </a:fld>
             <a:endParaRPr lang="pt-BR"/>
           </a:p>
@@ -3690,7 +3690,7 @@
           <a:p>
             <a:fld id="{2E700DB3-DBF0-4086-B675-117E7A9610B8}" type="datetimeFigureOut">
               <a:rPr lang="pt-BR" smtClean="0"/>
-              <a:t>08/05/2019</a:t>
+              <a:t>09/05/2019</a:t>
             </a:fld>
             <a:endParaRPr lang="pt-BR"/>
           </a:p>
@@ -3855,7 +3855,7 @@
           <a:p>
             <a:fld id="{2E700DB3-DBF0-4086-B675-117E7A9610B8}" type="datetimeFigureOut">
               <a:rPr lang="pt-BR" smtClean="0"/>
-              <a:t>08/05/2019</a:t>
+              <a:t>09/05/2019</a:t>
             </a:fld>
             <a:endParaRPr lang="pt-BR"/>
           </a:p>
@@ -4222,7 +4222,7 @@
           <a:p>
             <a:fld id="{2E700DB3-DBF0-4086-B675-117E7A9610B8}" type="datetimeFigureOut">
               <a:rPr lang="pt-BR" smtClean="0"/>
-              <a:t>08/05/2019</a:t>
+              <a:t>09/05/2019</a:t>
             </a:fld>
             <a:endParaRPr lang="pt-BR"/>
           </a:p>
@@ -4505,7 +4505,7 @@
           <a:p>
             <a:fld id="{2E700DB3-DBF0-4086-B675-117E7A9610B8}" type="datetimeFigureOut">
               <a:rPr lang="pt-BR" smtClean="0"/>
-              <a:t>08/05/2019</a:t>
+              <a:t>09/05/2019</a:t>
             </a:fld>
             <a:endParaRPr lang="pt-BR"/>
           </a:p>
@@ -4922,7 +4922,7 @@
           <a:p>
             <a:fld id="{2E700DB3-DBF0-4086-B675-117E7A9610B8}" type="datetimeFigureOut">
               <a:rPr lang="pt-BR" smtClean="0"/>
-              <a:t>08/05/2019</a:t>
+              <a:t>09/05/2019</a:t>
             </a:fld>
             <a:endParaRPr lang="pt-BR"/>
           </a:p>
@@ -5035,7 +5035,7 @@
           <a:p>
             <a:fld id="{2E700DB3-DBF0-4086-B675-117E7A9610B8}" type="datetimeFigureOut">
               <a:rPr lang="pt-BR" smtClean="0"/>
-              <a:t>08/05/2019</a:t>
+              <a:t>09/05/2019</a:t>
             </a:fld>
             <a:endParaRPr lang="pt-BR"/>
           </a:p>
@@ -5125,7 +5125,7 @@
           <a:p>
             <a:fld id="{2E700DB3-DBF0-4086-B675-117E7A9610B8}" type="datetimeFigureOut">
               <a:rPr lang="pt-BR" smtClean="0"/>
-              <a:t>08/05/2019</a:t>
+              <a:t>09/05/2019</a:t>
             </a:fld>
             <a:endParaRPr lang="pt-BR"/>
           </a:p>
@@ -5397,7 +5397,7 @@
           <a:p>
             <a:fld id="{2E700DB3-DBF0-4086-B675-117E7A9610B8}" type="datetimeFigureOut">
               <a:rPr lang="pt-BR" smtClean="0"/>
-              <a:t>08/05/2019</a:t>
+              <a:t>09/05/2019</a:t>
             </a:fld>
             <a:endParaRPr lang="pt-BR"/>
           </a:p>
@@ -5645,7 +5645,7 @@
           <a:p>
             <a:fld id="{2E700DB3-DBF0-4086-B675-117E7A9610B8}" type="datetimeFigureOut">
               <a:rPr lang="pt-BR" smtClean="0"/>
-              <a:t>08/05/2019</a:t>
+              <a:t>09/05/2019</a:t>
             </a:fld>
             <a:endParaRPr lang="pt-BR"/>
           </a:p>
@@ -5853,7 +5853,7 @@
           <a:p>
             <a:fld id="{2E700DB3-DBF0-4086-B675-117E7A9610B8}" type="datetimeFigureOut">
               <a:rPr lang="pt-BR" smtClean="0"/>
-              <a:t>08/05/2019</a:t>
+              <a:t>09/05/2019</a:t>
             </a:fld>
             <a:endParaRPr lang="pt-BR"/>
           </a:p>
@@ -6510,7 +6510,6 @@
               <a:rPr lang="pt-BR" dirty="0" smtClean="0"/>
               <a:t> do VS.</a:t>
             </a:r>
-            <a:endParaRPr lang="pt-BR" dirty="0" smtClean="0"/>
           </a:p>
         </p:txBody>
       </p:sp>
@@ -6787,7 +6786,6 @@
               <a:rPr lang="pt-BR" dirty="0" smtClean="0"/>
               <a:t> no VS.  Demora alguns minutos para o VS processar os fontes.</a:t>
             </a:r>
-            <a:endParaRPr lang="pt-BR" dirty="0" smtClean="0"/>
           </a:p>
         </p:txBody>
       </p:sp>
@@ -6991,7 +6989,6 @@
               <a:rPr lang="pt-BR" dirty="0" smtClean="0"/>
               <a:t> ALL_BUILD.</a:t>
             </a:r>
-            <a:endParaRPr lang="pt-BR" dirty="0" smtClean="0"/>
           </a:p>
         </p:txBody>
       </p:sp>
@@ -7267,7 +7264,6 @@
               <a:rPr lang="pt-BR" dirty="0" smtClean="0"/>
               <a:t>Compilando...  demora até 1h, a depender das configurações e da máquina.</a:t>
             </a:r>
-            <a:endParaRPr lang="pt-BR" dirty="0" smtClean="0"/>
           </a:p>
         </p:txBody>
       </p:sp>
@@ -14916,8 +14912,8 @@
         </p:nvSpPr>
         <p:spPr>
           <a:xfrm>
-            <a:off x="1501325" y="1412776"/>
-            <a:ext cx="5943743" cy="338554"/>
+            <a:off x="539552" y="1412776"/>
+            <a:ext cx="8249374" cy="584775"/>
           </a:xfrm>
           <a:prstGeom prst="rect">
             <a:avLst/>
@@ -14965,6 +14961,70 @@
                 <a:cs typeface="Courier New" panose="02070309020205020404" pitchFamily="49" charset="0"/>
               </a:rPr>
               <a:t>NuvemPontos</a:t>
+            </a:r>
+            <a:endParaRPr lang="pt-BR" sz="1600" dirty="0" smtClean="0">
+              <a:latin typeface="Courier New" panose="02070309020205020404" pitchFamily="49" charset="0"/>
+              <a:cs typeface="Courier New" panose="02070309020205020404" pitchFamily="49" charset="0"/>
+            </a:endParaRPr>
+          </a:p>
+          <a:p>
+            <a:pPr marL="285750" indent="-285750">
+              <a:buFont typeface="Wingdings" panose="05000000000000000000" pitchFamily="2" charset="2"/>
+              <a:buChar char="Ø"/>
+            </a:pPr>
+            <a:r>
+              <a:rPr lang="pt-BR" sz="1600" dirty="0" smtClean="0">
+                <a:cs typeface="Courier New" panose="02070309020205020404" pitchFamily="49" charset="0"/>
+              </a:rPr>
+              <a:t>Dados</a:t>
+            </a:r>
+            <a:r>
+              <a:rPr lang="pt-BR" sz="1600" dirty="0">
+                <a:cs typeface="Courier New" panose="02070309020205020404" pitchFamily="49" charset="0"/>
+              </a:rPr>
+              <a:t>:</a:t>
+            </a:r>
+            <a:r>
+              <a:rPr lang="pt-BR" sz="1600" dirty="0">
+                <a:latin typeface="Courier New" panose="02070309020205020404" pitchFamily="49" charset="0"/>
+                <a:cs typeface="Courier New" panose="02070309020205020404" pitchFamily="49" charset="0"/>
+              </a:rPr>
+              <a:t> </a:t>
+            </a:r>
+            <a:r>
+              <a:rPr lang="pt-BR" sz="1600" dirty="0" smtClean="0">
+                <a:latin typeface="Courier New" panose="02070309020205020404" pitchFamily="49" charset="0"/>
+                <a:cs typeface="Courier New" panose="02070309020205020404" pitchFamily="49" charset="0"/>
+              </a:rPr>
+              <a:t>...\</a:t>
+            </a:r>
+            <a:r>
+              <a:rPr lang="pt-BR" sz="1600" dirty="0" err="1" smtClean="0">
+                <a:latin typeface="Courier New" panose="02070309020205020404" pitchFamily="49" charset="0"/>
+                <a:cs typeface="Courier New" panose="02070309020205020404" pitchFamily="49" charset="0"/>
+              </a:rPr>
+              <a:t>cursoVTKgeo</a:t>
+            </a:r>
+            <a:r>
+              <a:rPr lang="pt-BR" sz="1600" dirty="0" smtClean="0">
+                <a:latin typeface="Courier New" panose="02070309020205020404" pitchFamily="49" charset="0"/>
+                <a:cs typeface="Courier New" panose="02070309020205020404" pitchFamily="49" charset="0"/>
+              </a:rPr>
+              <a:t>\aulas_3dias\</a:t>
+            </a:r>
+            <a:r>
+              <a:rPr lang="pt-BR" sz="1600" dirty="0" err="1" smtClean="0">
+                <a:latin typeface="Courier New" panose="02070309020205020404" pitchFamily="49" charset="0"/>
+                <a:cs typeface="Courier New" panose="02070309020205020404" pitchFamily="49" charset="0"/>
+              </a:rPr>
+              <a:t>NuvemPontos</a:t>
+            </a:r>
+            <a:r>
+              <a:rPr lang="pt-BR" sz="1600" dirty="0" smtClean="0">
+                <a:latin typeface="Courier New" panose="02070309020205020404" pitchFamily="49" charset="0"/>
+                <a:cs typeface="Courier New" panose="02070309020205020404" pitchFamily="49" charset="0"/>
+              </a:rPr>
+              <a:t>\dados\walker.dat</a:t>
             </a:r>
             <a:endParaRPr lang="pt-BR" sz="1600" dirty="0" smtClean="0">
               <a:latin typeface="Courier New" panose="02070309020205020404" pitchFamily="49" charset="0"/>
@@ -14989,7 +15049,7 @@
         </p:blipFill>
         <p:spPr>
           <a:xfrm>
-            <a:off x="2195736" y="1988840"/>
+            <a:off x="2339752" y="2190536"/>
             <a:ext cx="4104456" cy="4334808"/>
           </a:xfrm>
           <a:prstGeom prst="rect">
@@ -15142,16 +15202,50 @@
           </a:p>
         </p:txBody>
       </p:sp>
-      <p:sp>
-        <p:nvSpPr>
-          <p:cNvPr id="6" name="CaixaDeTexto 5"/>
+      <p:pic>
+        <p:nvPicPr>
+          <p:cNvPr id="2" name="Imagem 1"/>
+          <p:cNvPicPr>
+            <a:picLocks noChangeAspect="1"/>
+          </p:cNvPicPr>
+          <p:nvPr/>
+        </p:nvPicPr>
+        <p:blipFill>
+          <a:blip r:embed="rId3"/>
+          <a:stretch>
+            <a:fillRect/>
+          </a:stretch>
+        </p:blipFill>
+        <p:spPr>
+          <a:xfrm>
+            <a:off x="2555776" y="2207027"/>
+            <a:ext cx="3952478" cy="4174301"/>
+          </a:xfrm>
+          <a:prstGeom prst="rect">
+            <a:avLst/>
+          </a:prstGeom>
+          <a:ln>
+            <a:noFill/>
+          </a:ln>
+          <a:effectLst>
+            <a:outerShdw blurRad="292100" dist="139700" dir="2700000" algn="tl" rotWithShape="0">
+              <a:srgbClr val="333333">
+                <a:alpha val="65000"/>
+              </a:srgbClr>
+            </a:outerShdw>
+          </a:effectLst>
+        </p:spPr>
+      </p:pic>
+      <p:sp>
+        <p:nvSpPr>
+          <p:cNvPr id="7" name="CaixaDeTexto 6"/>
           <p:cNvSpPr txBox="1"/>
           <p:nvPr/>
         </p:nvSpPr>
         <p:spPr>
           <a:xfrm>
-            <a:off x="1501325" y="1578278"/>
-            <a:ext cx="6314036" cy="338554"/>
+            <a:off x="323528" y="1484784"/>
+            <a:ext cx="8454559" cy="584775"/>
           </a:xfrm>
           <a:prstGeom prst="rect">
             <a:avLst/>
@@ -15199,6 +15293,70 @@
                 <a:cs typeface="Courier New" panose="02070309020205020404" pitchFamily="49" charset="0"/>
               </a:rPr>
               <a:t>NuvemPontosVal</a:t>
+            </a:r>
+            <a:endParaRPr lang="pt-BR" sz="1600" dirty="0" smtClean="0">
+              <a:latin typeface="Courier New" panose="02070309020205020404" pitchFamily="49" charset="0"/>
+              <a:cs typeface="Courier New" panose="02070309020205020404" pitchFamily="49" charset="0"/>
+            </a:endParaRPr>
+          </a:p>
+          <a:p>
+            <a:pPr marL="285750" indent="-285750">
+              <a:buFont typeface="Wingdings" panose="05000000000000000000" pitchFamily="2" charset="2"/>
+              <a:buChar char="Ø"/>
+            </a:pPr>
+            <a:r>
+              <a:rPr lang="pt-BR" sz="1600" dirty="0" smtClean="0">
+                <a:cs typeface="Courier New" panose="02070309020205020404" pitchFamily="49" charset="0"/>
+              </a:rPr>
+              <a:t>Dados</a:t>
+            </a:r>
+            <a:r>
+              <a:rPr lang="pt-BR" sz="1600" dirty="0">
+                <a:cs typeface="Courier New" panose="02070309020205020404" pitchFamily="49" charset="0"/>
+              </a:rPr>
+              <a:t>:</a:t>
+            </a:r>
+            <a:r>
+              <a:rPr lang="pt-BR" sz="1600" dirty="0">
+                <a:latin typeface="Courier New" panose="02070309020205020404" pitchFamily="49" charset="0"/>
+                <a:cs typeface="Courier New" panose="02070309020205020404" pitchFamily="49" charset="0"/>
+              </a:rPr>
+              <a:t> </a:t>
+            </a:r>
+            <a:r>
+              <a:rPr lang="pt-BR" sz="1600" dirty="0" smtClean="0">
+                <a:latin typeface="Courier New" panose="02070309020205020404" pitchFamily="49" charset="0"/>
+                <a:cs typeface="Courier New" panose="02070309020205020404" pitchFamily="49" charset="0"/>
+              </a:rPr>
+              <a:t>...\</a:t>
+            </a:r>
+            <a:r>
+              <a:rPr lang="pt-BR" sz="1600" dirty="0" err="1" smtClean="0">
+                <a:latin typeface="Courier New" panose="02070309020205020404" pitchFamily="49" charset="0"/>
+                <a:cs typeface="Courier New" panose="02070309020205020404" pitchFamily="49" charset="0"/>
+              </a:rPr>
+              <a:t>cursoVTKgeo</a:t>
+            </a:r>
+            <a:r>
+              <a:rPr lang="pt-BR" sz="1600" dirty="0" smtClean="0">
+                <a:latin typeface="Courier New" panose="02070309020205020404" pitchFamily="49" charset="0"/>
+                <a:cs typeface="Courier New" panose="02070309020205020404" pitchFamily="49" charset="0"/>
+              </a:rPr>
+              <a:t>\aulas_3dias\</a:t>
+            </a:r>
+            <a:r>
+              <a:rPr lang="pt-BR" sz="1600" dirty="0" err="1" smtClean="0">
+                <a:latin typeface="Courier New" panose="02070309020205020404" pitchFamily="49" charset="0"/>
+                <a:cs typeface="Courier New" panose="02070309020205020404" pitchFamily="49" charset="0"/>
+              </a:rPr>
+              <a:t>NuvemPontosVal</a:t>
+            </a:r>
+            <a:r>
+              <a:rPr lang="pt-BR" sz="1600" dirty="0" smtClean="0">
+                <a:latin typeface="Courier New" panose="02070309020205020404" pitchFamily="49" charset="0"/>
+                <a:cs typeface="Courier New" panose="02070309020205020404" pitchFamily="49" charset="0"/>
+              </a:rPr>
+              <a:t>\dados\walker.dat</a:t>
             </a:r>
             <a:endParaRPr lang="pt-BR" sz="1600" dirty="0" smtClean="0">
               <a:latin typeface="Courier New" panose="02070309020205020404" pitchFamily="49" charset="0"/>
@@ -18539,7 +18697,6 @@
               <a:rPr lang="pt-BR" dirty="0" smtClean="0"/>
               <a:t> alvo)</a:t>
             </a:r>
-            <a:endParaRPr lang="pt-BR" dirty="0" smtClean="0"/>
           </a:p>
           <a:p>
             <a:endParaRPr lang="pt-BR" dirty="0"/>

--- a/aulas_3dias/slides_3dias.pptx
+++ b/aulas_3dias/slides_3dias.pptx
@@ -5,7 +5,7 @@
     <p:sldMasterId id="2147483648" r:id="rId1"/>
   </p:sldMasterIdLst>
   <p:notesMasterIdLst>
-    <p:notesMasterId r:id="rId45"/>
+    <p:notesMasterId r:id="rId49"/>
   </p:notesMasterIdLst>
   <p:sldIdLst>
     <p:sldId id="258" r:id="rId2"/>
@@ -38,19 +38,23 @@
     <p:sldId id="293" r:id="rId29"/>
     <p:sldId id="296" r:id="rId30"/>
     <p:sldId id="270" r:id="rId31"/>
-    <p:sldId id="271" r:id="rId32"/>
-    <p:sldId id="272" r:id="rId33"/>
-    <p:sldId id="273" r:id="rId34"/>
-    <p:sldId id="274" r:id="rId35"/>
-    <p:sldId id="275" r:id="rId36"/>
-    <p:sldId id="276" r:id="rId37"/>
-    <p:sldId id="277" r:id="rId38"/>
-    <p:sldId id="278" r:id="rId39"/>
-    <p:sldId id="279" r:id="rId40"/>
-    <p:sldId id="280" r:id="rId41"/>
-    <p:sldId id="281" r:id="rId42"/>
-    <p:sldId id="282" r:id="rId43"/>
-    <p:sldId id="283" r:id="rId44"/>
+    <p:sldId id="303" r:id="rId32"/>
+    <p:sldId id="271" r:id="rId33"/>
+    <p:sldId id="272" r:id="rId34"/>
+    <p:sldId id="304" r:id="rId35"/>
+    <p:sldId id="273" r:id="rId36"/>
+    <p:sldId id="274" r:id="rId37"/>
+    <p:sldId id="275" r:id="rId38"/>
+    <p:sldId id="276" r:id="rId39"/>
+    <p:sldId id="277" r:id="rId40"/>
+    <p:sldId id="278" r:id="rId41"/>
+    <p:sldId id="305" r:id="rId42"/>
+    <p:sldId id="279" r:id="rId43"/>
+    <p:sldId id="306" r:id="rId44"/>
+    <p:sldId id="280" r:id="rId45"/>
+    <p:sldId id="281" r:id="rId46"/>
+    <p:sldId id="282" r:id="rId47"/>
+    <p:sldId id="283" r:id="rId48"/>
   </p:sldIdLst>
   <p:sldSz cx="9144000" cy="6858000" type="screen4x3"/>
   <p:notesSz cx="6858000" cy="9144000"/>
@@ -1264,7 +1268,7 @@
     </p:spTree>
     <p:extLst>
       <p:ext uri="{BB962C8B-B14F-4D97-AF65-F5344CB8AC3E}">
-        <p14:creationId xmlns:p14="http://schemas.microsoft.com/office/powerpoint/2010/main" val="1267129821"/>
+        <p14:creationId xmlns:p14="http://schemas.microsoft.com/office/powerpoint/2010/main" val="4190968496"/>
       </p:ext>
     </p:extLst>
   </p:cSld>
@@ -1348,7 +1352,7 @@
     </p:spTree>
     <p:extLst>
       <p:ext uri="{BB962C8B-B14F-4D97-AF65-F5344CB8AC3E}">
-        <p14:creationId xmlns:p14="http://schemas.microsoft.com/office/powerpoint/2010/main" val="2607924494"/>
+        <p14:creationId xmlns:p14="http://schemas.microsoft.com/office/powerpoint/2010/main" val="1267129821"/>
       </p:ext>
     </p:extLst>
   </p:cSld>
@@ -1432,7 +1436,7 @@
     </p:spTree>
     <p:extLst>
       <p:ext uri="{BB962C8B-B14F-4D97-AF65-F5344CB8AC3E}">
-        <p14:creationId xmlns:p14="http://schemas.microsoft.com/office/powerpoint/2010/main" val="3717476772"/>
+        <p14:creationId xmlns:p14="http://schemas.microsoft.com/office/powerpoint/2010/main" val="2607924494"/>
       </p:ext>
     </p:extLst>
   </p:cSld>
@@ -1600,7 +1604,7 @@
     </p:spTree>
     <p:extLst>
       <p:ext uri="{BB962C8B-B14F-4D97-AF65-F5344CB8AC3E}">
-        <p14:creationId xmlns:p14="http://schemas.microsoft.com/office/powerpoint/2010/main" val="3745824210"/>
+        <p14:creationId xmlns:p14="http://schemas.microsoft.com/office/powerpoint/2010/main" val="1744880423"/>
       </p:ext>
     </p:extLst>
   </p:cSld>
@@ -1684,7 +1688,7 @@
     </p:spTree>
     <p:extLst>
       <p:ext uri="{BB962C8B-B14F-4D97-AF65-F5344CB8AC3E}">
-        <p14:creationId xmlns:p14="http://schemas.microsoft.com/office/powerpoint/2010/main" val="2095654408"/>
+        <p14:creationId xmlns:p14="http://schemas.microsoft.com/office/powerpoint/2010/main" val="3717476772"/>
       </p:ext>
     </p:extLst>
   </p:cSld>
@@ -1768,7 +1772,7 @@
     </p:spTree>
     <p:extLst>
       <p:ext uri="{BB962C8B-B14F-4D97-AF65-F5344CB8AC3E}">
-        <p14:creationId xmlns:p14="http://schemas.microsoft.com/office/powerpoint/2010/main" val="3906118446"/>
+        <p14:creationId xmlns:p14="http://schemas.microsoft.com/office/powerpoint/2010/main" val="3745824210"/>
       </p:ext>
     </p:extLst>
   </p:cSld>
@@ -1852,7 +1856,7 @@
     </p:spTree>
     <p:extLst>
       <p:ext uri="{BB962C8B-B14F-4D97-AF65-F5344CB8AC3E}">
-        <p14:creationId xmlns:p14="http://schemas.microsoft.com/office/powerpoint/2010/main" val="3314503402"/>
+        <p14:creationId xmlns:p14="http://schemas.microsoft.com/office/powerpoint/2010/main" val="2095654408"/>
       </p:ext>
     </p:extLst>
   </p:cSld>
@@ -1936,7 +1940,7 @@
     </p:spTree>
     <p:extLst>
       <p:ext uri="{BB962C8B-B14F-4D97-AF65-F5344CB8AC3E}">
-        <p14:creationId xmlns:p14="http://schemas.microsoft.com/office/powerpoint/2010/main" val="3768046969"/>
+        <p14:creationId xmlns:p14="http://schemas.microsoft.com/office/powerpoint/2010/main" val="3906118446"/>
       </p:ext>
     </p:extLst>
   </p:cSld>
@@ -2020,7 +2024,7 @@
     </p:spTree>
     <p:extLst>
       <p:ext uri="{BB962C8B-B14F-4D97-AF65-F5344CB8AC3E}">
-        <p14:creationId xmlns:p14="http://schemas.microsoft.com/office/powerpoint/2010/main" val="4269829074"/>
+        <p14:creationId xmlns:p14="http://schemas.microsoft.com/office/powerpoint/2010/main" val="3314503402"/>
       </p:ext>
     </p:extLst>
   </p:cSld>
@@ -2104,7 +2108,7 @@
     </p:spTree>
     <p:extLst>
       <p:ext uri="{BB962C8B-B14F-4D97-AF65-F5344CB8AC3E}">
-        <p14:creationId xmlns:p14="http://schemas.microsoft.com/office/powerpoint/2010/main" val="785103576"/>
+        <p14:creationId xmlns:p14="http://schemas.microsoft.com/office/powerpoint/2010/main" val="3768046969"/>
       </p:ext>
     </p:extLst>
   </p:cSld>
@@ -2188,7 +2192,7 @@
     </p:spTree>
     <p:extLst>
       <p:ext uri="{BB962C8B-B14F-4D97-AF65-F5344CB8AC3E}">
-        <p14:creationId xmlns:p14="http://schemas.microsoft.com/office/powerpoint/2010/main" val="2568763623"/>
+        <p14:creationId xmlns:p14="http://schemas.microsoft.com/office/powerpoint/2010/main" val="3775256238"/>
       </p:ext>
     </p:extLst>
   </p:cSld>
@@ -2272,7 +2276,7 @@
     </p:spTree>
     <p:extLst>
       <p:ext uri="{BB962C8B-B14F-4D97-AF65-F5344CB8AC3E}">
-        <p14:creationId xmlns:p14="http://schemas.microsoft.com/office/powerpoint/2010/main" val="1276811389"/>
+        <p14:creationId xmlns:p14="http://schemas.microsoft.com/office/powerpoint/2010/main" val="4269829074"/>
       </p:ext>
     </p:extLst>
   </p:cSld>
@@ -2356,7 +2360,7 @@
     </p:spTree>
     <p:extLst>
       <p:ext uri="{BB962C8B-B14F-4D97-AF65-F5344CB8AC3E}">
-        <p14:creationId xmlns:p14="http://schemas.microsoft.com/office/powerpoint/2010/main" val="1460220967"/>
+        <p14:creationId xmlns:p14="http://schemas.microsoft.com/office/powerpoint/2010/main" val="3685137183"/>
       </p:ext>
     </p:extLst>
   </p:cSld>
@@ -2441,6 +2445,342 @@
     <p:extLst>
       <p:ext uri="{BB962C8B-B14F-4D97-AF65-F5344CB8AC3E}">
         <p14:creationId xmlns:p14="http://schemas.microsoft.com/office/powerpoint/2010/main" val="1195516631"/>
+      </p:ext>
+    </p:extLst>
+  </p:cSld>
+  <p:clrMapOvr>
+    <a:masterClrMapping/>
+  </p:clrMapOvr>
+</p:notes>
+</file>
+
+<file path=ppt/notesSlides/notesSlide30.xml><?xml version="1.0" encoding="utf-8"?>
+<p:notes xmlns:a="http://schemas.openxmlformats.org/drawingml/2006/main" xmlns:r="http://schemas.openxmlformats.org/officeDocument/2006/relationships" xmlns:p="http://schemas.openxmlformats.org/presentationml/2006/main">
+  <p:cSld>
+    <p:spTree>
+      <p:nvGrpSpPr>
+        <p:cNvPr id="1" name=""/>
+        <p:cNvGrpSpPr/>
+        <p:nvPr/>
+      </p:nvGrpSpPr>
+      <p:grpSpPr>
+        <a:xfrm>
+          <a:off x="0" y="0"/>
+          <a:ext cx="0" cy="0"/>
+          <a:chOff x="0" y="0"/>
+          <a:chExt cx="0" cy="0"/>
+        </a:xfrm>
+      </p:grpSpPr>
+      <p:sp>
+        <p:nvSpPr>
+          <p:cNvPr id="2" name="Espaço Reservado para Imagem de Slide 1"/>
+          <p:cNvSpPr>
+            <a:spLocks noGrp="1" noRot="1" noChangeAspect="1"/>
+          </p:cNvSpPr>
+          <p:nvPr>
+            <p:ph type="sldImg"/>
+          </p:nvPr>
+        </p:nvSpPr>
+        <p:spPr/>
+      </p:sp>
+      <p:sp>
+        <p:nvSpPr>
+          <p:cNvPr id="3" name="Espaço Reservado para Anotações 2"/>
+          <p:cNvSpPr>
+            <a:spLocks noGrp="1"/>
+          </p:cNvSpPr>
+          <p:nvPr>
+            <p:ph type="body" idx="1"/>
+          </p:nvPr>
+        </p:nvSpPr>
+        <p:spPr/>
+        <p:txBody>
+          <a:bodyPr/>
+          <a:lstStyle/>
+          <a:p>
+            <a:endParaRPr lang="pt-BR" dirty="0"/>
+          </a:p>
+        </p:txBody>
+      </p:sp>
+      <p:sp>
+        <p:nvSpPr>
+          <p:cNvPr id="4" name="Espaço Reservado para Número de Slide 3"/>
+          <p:cNvSpPr>
+            <a:spLocks noGrp="1"/>
+          </p:cNvSpPr>
+          <p:nvPr>
+            <p:ph type="sldNum" sz="quarter" idx="10"/>
+          </p:nvPr>
+        </p:nvSpPr>
+        <p:spPr/>
+        <p:txBody>
+          <a:bodyPr/>
+          <a:lstStyle/>
+          <a:p>
+            <a:fld id="{1A618A8B-0752-40D5-9454-79BB13FA29FA}" type="slidenum">
+              <a:rPr lang="pt-BR" smtClean="0"/>
+              <a:t>44</a:t>
+            </a:fld>
+            <a:endParaRPr lang="pt-BR"/>
+          </a:p>
+        </p:txBody>
+      </p:sp>
+    </p:spTree>
+    <p:extLst>
+      <p:ext uri="{BB962C8B-B14F-4D97-AF65-F5344CB8AC3E}">
+        <p14:creationId xmlns:p14="http://schemas.microsoft.com/office/powerpoint/2010/main" val="785103576"/>
+      </p:ext>
+    </p:extLst>
+  </p:cSld>
+  <p:clrMapOvr>
+    <a:masterClrMapping/>
+  </p:clrMapOvr>
+</p:notes>
+</file>
+
+<file path=ppt/notesSlides/notesSlide31.xml><?xml version="1.0" encoding="utf-8"?>
+<p:notes xmlns:a="http://schemas.openxmlformats.org/drawingml/2006/main" xmlns:r="http://schemas.openxmlformats.org/officeDocument/2006/relationships" xmlns:p="http://schemas.openxmlformats.org/presentationml/2006/main">
+  <p:cSld>
+    <p:spTree>
+      <p:nvGrpSpPr>
+        <p:cNvPr id="1" name=""/>
+        <p:cNvGrpSpPr/>
+        <p:nvPr/>
+      </p:nvGrpSpPr>
+      <p:grpSpPr>
+        <a:xfrm>
+          <a:off x="0" y="0"/>
+          <a:ext cx="0" cy="0"/>
+          <a:chOff x="0" y="0"/>
+          <a:chExt cx="0" cy="0"/>
+        </a:xfrm>
+      </p:grpSpPr>
+      <p:sp>
+        <p:nvSpPr>
+          <p:cNvPr id="2" name="Espaço Reservado para Imagem de Slide 1"/>
+          <p:cNvSpPr>
+            <a:spLocks noGrp="1" noRot="1" noChangeAspect="1"/>
+          </p:cNvSpPr>
+          <p:nvPr>
+            <p:ph type="sldImg"/>
+          </p:nvPr>
+        </p:nvSpPr>
+        <p:spPr/>
+      </p:sp>
+      <p:sp>
+        <p:nvSpPr>
+          <p:cNvPr id="3" name="Espaço Reservado para Anotações 2"/>
+          <p:cNvSpPr>
+            <a:spLocks noGrp="1"/>
+          </p:cNvSpPr>
+          <p:nvPr>
+            <p:ph type="body" idx="1"/>
+          </p:nvPr>
+        </p:nvSpPr>
+        <p:spPr/>
+        <p:txBody>
+          <a:bodyPr/>
+          <a:lstStyle/>
+          <a:p>
+            <a:endParaRPr lang="pt-BR" dirty="0"/>
+          </a:p>
+        </p:txBody>
+      </p:sp>
+      <p:sp>
+        <p:nvSpPr>
+          <p:cNvPr id="4" name="Espaço Reservado para Número de Slide 3"/>
+          <p:cNvSpPr>
+            <a:spLocks noGrp="1"/>
+          </p:cNvSpPr>
+          <p:nvPr>
+            <p:ph type="sldNum" sz="quarter" idx="10"/>
+          </p:nvPr>
+        </p:nvSpPr>
+        <p:spPr/>
+        <p:txBody>
+          <a:bodyPr/>
+          <a:lstStyle/>
+          <a:p>
+            <a:fld id="{1A618A8B-0752-40D5-9454-79BB13FA29FA}" type="slidenum">
+              <a:rPr lang="pt-BR" smtClean="0"/>
+              <a:t>45</a:t>
+            </a:fld>
+            <a:endParaRPr lang="pt-BR"/>
+          </a:p>
+        </p:txBody>
+      </p:sp>
+    </p:spTree>
+    <p:extLst>
+      <p:ext uri="{BB962C8B-B14F-4D97-AF65-F5344CB8AC3E}">
+        <p14:creationId xmlns:p14="http://schemas.microsoft.com/office/powerpoint/2010/main" val="2568763623"/>
+      </p:ext>
+    </p:extLst>
+  </p:cSld>
+  <p:clrMapOvr>
+    <a:masterClrMapping/>
+  </p:clrMapOvr>
+</p:notes>
+</file>
+
+<file path=ppt/notesSlides/notesSlide32.xml><?xml version="1.0" encoding="utf-8"?>
+<p:notes xmlns:a="http://schemas.openxmlformats.org/drawingml/2006/main" xmlns:r="http://schemas.openxmlformats.org/officeDocument/2006/relationships" xmlns:p="http://schemas.openxmlformats.org/presentationml/2006/main">
+  <p:cSld>
+    <p:spTree>
+      <p:nvGrpSpPr>
+        <p:cNvPr id="1" name=""/>
+        <p:cNvGrpSpPr/>
+        <p:nvPr/>
+      </p:nvGrpSpPr>
+      <p:grpSpPr>
+        <a:xfrm>
+          <a:off x="0" y="0"/>
+          <a:ext cx="0" cy="0"/>
+          <a:chOff x="0" y="0"/>
+          <a:chExt cx="0" cy="0"/>
+        </a:xfrm>
+      </p:grpSpPr>
+      <p:sp>
+        <p:nvSpPr>
+          <p:cNvPr id="2" name="Espaço Reservado para Imagem de Slide 1"/>
+          <p:cNvSpPr>
+            <a:spLocks noGrp="1" noRot="1" noChangeAspect="1"/>
+          </p:cNvSpPr>
+          <p:nvPr>
+            <p:ph type="sldImg"/>
+          </p:nvPr>
+        </p:nvSpPr>
+        <p:spPr/>
+      </p:sp>
+      <p:sp>
+        <p:nvSpPr>
+          <p:cNvPr id="3" name="Espaço Reservado para Anotações 2"/>
+          <p:cNvSpPr>
+            <a:spLocks noGrp="1"/>
+          </p:cNvSpPr>
+          <p:nvPr>
+            <p:ph type="body" idx="1"/>
+          </p:nvPr>
+        </p:nvSpPr>
+        <p:spPr/>
+        <p:txBody>
+          <a:bodyPr/>
+          <a:lstStyle/>
+          <a:p>
+            <a:endParaRPr lang="pt-BR" dirty="0"/>
+          </a:p>
+        </p:txBody>
+      </p:sp>
+      <p:sp>
+        <p:nvSpPr>
+          <p:cNvPr id="4" name="Espaço Reservado para Número de Slide 3"/>
+          <p:cNvSpPr>
+            <a:spLocks noGrp="1"/>
+          </p:cNvSpPr>
+          <p:nvPr>
+            <p:ph type="sldNum" sz="quarter" idx="10"/>
+          </p:nvPr>
+        </p:nvSpPr>
+        <p:spPr/>
+        <p:txBody>
+          <a:bodyPr/>
+          <a:lstStyle/>
+          <a:p>
+            <a:fld id="{1A618A8B-0752-40D5-9454-79BB13FA29FA}" type="slidenum">
+              <a:rPr lang="pt-BR" smtClean="0"/>
+              <a:t>46</a:t>
+            </a:fld>
+            <a:endParaRPr lang="pt-BR"/>
+          </a:p>
+        </p:txBody>
+      </p:sp>
+    </p:spTree>
+    <p:extLst>
+      <p:ext uri="{BB962C8B-B14F-4D97-AF65-F5344CB8AC3E}">
+        <p14:creationId xmlns:p14="http://schemas.microsoft.com/office/powerpoint/2010/main" val="1276811389"/>
+      </p:ext>
+    </p:extLst>
+  </p:cSld>
+  <p:clrMapOvr>
+    <a:masterClrMapping/>
+  </p:clrMapOvr>
+</p:notes>
+</file>
+
+<file path=ppt/notesSlides/notesSlide33.xml><?xml version="1.0" encoding="utf-8"?>
+<p:notes xmlns:a="http://schemas.openxmlformats.org/drawingml/2006/main" xmlns:r="http://schemas.openxmlformats.org/officeDocument/2006/relationships" xmlns:p="http://schemas.openxmlformats.org/presentationml/2006/main">
+  <p:cSld>
+    <p:spTree>
+      <p:nvGrpSpPr>
+        <p:cNvPr id="1" name=""/>
+        <p:cNvGrpSpPr/>
+        <p:nvPr/>
+      </p:nvGrpSpPr>
+      <p:grpSpPr>
+        <a:xfrm>
+          <a:off x="0" y="0"/>
+          <a:ext cx="0" cy="0"/>
+          <a:chOff x="0" y="0"/>
+          <a:chExt cx="0" cy="0"/>
+        </a:xfrm>
+      </p:grpSpPr>
+      <p:sp>
+        <p:nvSpPr>
+          <p:cNvPr id="2" name="Espaço Reservado para Imagem de Slide 1"/>
+          <p:cNvSpPr>
+            <a:spLocks noGrp="1" noRot="1" noChangeAspect="1"/>
+          </p:cNvSpPr>
+          <p:nvPr>
+            <p:ph type="sldImg"/>
+          </p:nvPr>
+        </p:nvSpPr>
+        <p:spPr/>
+      </p:sp>
+      <p:sp>
+        <p:nvSpPr>
+          <p:cNvPr id="3" name="Espaço Reservado para Anotações 2"/>
+          <p:cNvSpPr>
+            <a:spLocks noGrp="1"/>
+          </p:cNvSpPr>
+          <p:nvPr>
+            <p:ph type="body" idx="1"/>
+          </p:nvPr>
+        </p:nvSpPr>
+        <p:spPr/>
+        <p:txBody>
+          <a:bodyPr/>
+          <a:lstStyle/>
+          <a:p>
+            <a:endParaRPr lang="pt-BR" dirty="0"/>
+          </a:p>
+        </p:txBody>
+      </p:sp>
+      <p:sp>
+        <p:nvSpPr>
+          <p:cNvPr id="4" name="Espaço Reservado para Número de Slide 3"/>
+          <p:cNvSpPr>
+            <a:spLocks noGrp="1"/>
+          </p:cNvSpPr>
+          <p:nvPr>
+            <p:ph type="sldNum" sz="quarter" idx="10"/>
+          </p:nvPr>
+        </p:nvSpPr>
+        <p:spPr/>
+        <p:txBody>
+          <a:bodyPr/>
+          <a:lstStyle/>
+          <a:p>
+            <a:fld id="{1A618A8B-0752-40D5-9454-79BB13FA29FA}" type="slidenum">
+              <a:rPr lang="pt-BR" smtClean="0"/>
+              <a:t>47</a:t>
+            </a:fld>
+            <a:endParaRPr lang="pt-BR"/>
+          </a:p>
+        </p:txBody>
+      </p:sp>
+    </p:spTree>
+    <p:extLst>
+      <p:ext uri="{BB962C8B-B14F-4D97-AF65-F5344CB8AC3E}">
+        <p14:creationId xmlns:p14="http://schemas.microsoft.com/office/powerpoint/2010/main" val="1460220967"/>
       </p:ext>
     </p:extLst>
   </p:cSld>
@@ -11247,7 +11587,7 @@
         <p:spPr>
           <a:xfrm>
             <a:off x="4295133" y="5662989"/>
-            <a:ext cx="3906326" cy="646331"/>
+            <a:ext cx="3833037" cy="646331"/>
           </a:xfrm>
           <a:prstGeom prst="rect">
             <a:avLst/>
@@ -11268,7 +11608,15 @@
           <a:p>
             <a:r>
               <a:rPr lang="pt-BR" dirty="0" smtClean="0"/>
-              <a:t>compiladores (e.g. </a:t>
+              <a:t>compiladores </a:t>
+            </a:r>
+            <a:r>
+              <a:rPr lang="pt-BR" smtClean="0"/>
+              <a:t>(</a:t>
+            </a:r>
+            <a:r>
+              <a:rPr lang="pt-BR" smtClean="0"/>
+              <a:t>ex. </a:t>
             </a:r>
             <a:r>
               <a:rPr lang="pt-BR" dirty="0" err="1" smtClean="0">
@@ -14913,7 +15261,7 @@
         <p:spPr>
           <a:xfrm>
             <a:off x="539552" y="1412776"/>
-            <a:ext cx="8249374" cy="584775"/>
+            <a:ext cx="4872359" cy="338554"/>
           </a:xfrm>
           <a:prstGeom prst="rect">
             <a:avLst/>
@@ -14932,110 +15280,42 @@
             </a:pPr>
             <a:r>
               <a:rPr lang="pt-BR" sz="1600" dirty="0" smtClean="0"/>
-              <a:t>Fontes: </a:t>
-            </a:r>
-            <a:r>
-              <a:rPr lang="pt-BR" sz="1600" dirty="0" smtClean="0">
-                <a:latin typeface="Courier New" panose="02070309020205020404" pitchFamily="49" charset="0"/>
-                <a:cs typeface="Courier New" panose="02070309020205020404" pitchFamily="49" charset="0"/>
-              </a:rPr>
-              <a:t>...\</a:t>
-            </a:r>
-            <a:r>
-              <a:rPr lang="pt-BR" sz="1600" dirty="0" err="1" smtClean="0">
-                <a:latin typeface="Courier New" panose="02070309020205020404" pitchFamily="49" charset="0"/>
-                <a:cs typeface="Courier New" panose="02070309020205020404" pitchFamily="49" charset="0"/>
-              </a:rPr>
-              <a:t>cursoVTKgeo</a:t>
-            </a:r>
-            <a:r>
-              <a:rPr lang="pt-BR" sz="1600" dirty="0" smtClean="0">
-                <a:latin typeface="Courier New" panose="02070309020205020404" pitchFamily="49" charset="0"/>
-                <a:cs typeface="Courier New" panose="02070309020205020404" pitchFamily="49" charset="0"/>
-              </a:rPr>
-              <a:t>\aulas_3dias\</a:t>
-            </a:r>
-            <a:r>
-              <a:rPr lang="pt-BR" sz="1600" dirty="0" err="1" smtClean="0">
-                <a:latin typeface="Courier New" panose="02070309020205020404" pitchFamily="49" charset="0"/>
-                <a:cs typeface="Courier New" panose="02070309020205020404" pitchFamily="49" charset="0"/>
-              </a:rPr>
-              <a:t>NuvemPontos</a:t>
+              <a:t>O </a:t>
+            </a:r>
+            <a:r>
+              <a:rPr lang="pt-BR" sz="1600" i="1" dirty="0" smtClean="0"/>
+              <a:t>point set</a:t>
+            </a:r>
+            <a:r>
+              <a:rPr lang="pt-BR" sz="1600" dirty="0" smtClean="0"/>
+              <a:t> de Walker Lake (</a:t>
+            </a:r>
+            <a:r>
+              <a:rPr lang="pt-BR" sz="1600" dirty="0" err="1" smtClean="0"/>
+              <a:t>Issaks</a:t>
+            </a:r>
+            <a:r>
+              <a:rPr lang="pt-BR" sz="1600" dirty="0" smtClean="0"/>
+              <a:t> e </a:t>
+            </a:r>
+            <a:r>
+              <a:rPr lang="pt-BR" sz="1600" dirty="0" err="1" smtClean="0"/>
+              <a:t>Srivastava</a:t>
+            </a:r>
+            <a:r>
+              <a:rPr lang="pt-BR" sz="1600" dirty="0" smtClean="0"/>
+              <a:t>, 1989)</a:t>
             </a:r>
             <a:endParaRPr lang="pt-BR" sz="1600" dirty="0" smtClean="0">
               <a:latin typeface="Courier New" panose="02070309020205020404" pitchFamily="49" charset="0"/>
               <a:cs typeface="Courier New" panose="02070309020205020404" pitchFamily="49" charset="0"/>
             </a:endParaRPr>
           </a:p>
-          <a:p>
-            <a:pPr marL="285750" indent="-285750">
-              <a:buFont typeface="Wingdings" panose="05000000000000000000" pitchFamily="2" charset="2"/>
-              <a:buChar char="Ø"/>
-            </a:pPr>
-            <a:r>
-              <a:rPr lang="pt-BR" sz="1600" dirty="0" smtClean="0">
-                <a:cs typeface="Courier New" panose="02070309020205020404" pitchFamily="49" charset="0"/>
-              </a:rPr>
-              <a:t>Dados</a:t>
-            </a:r>
-            <a:r>
-              <a:rPr lang="pt-BR" sz="1600" dirty="0">
-                <a:cs typeface="Courier New" panose="02070309020205020404" pitchFamily="49" charset="0"/>
-              </a:rPr>
-              <a:t>:</a:t>
-            </a:r>
-            <a:r>
-              <a:rPr lang="pt-BR" sz="1600" dirty="0">
-                <a:latin typeface="Courier New" panose="02070309020205020404" pitchFamily="49" charset="0"/>
-                <a:cs typeface="Courier New" panose="02070309020205020404" pitchFamily="49" charset="0"/>
-              </a:rPr>
-              <a:t> </a:t>
-            </a:r>
-            <a:r>
-              <a:rPr lang="pt-BR" sz="1600" dirty="0" smtClean="0">
-                <a:latin typeface="Courier New" panose="02070309020205020404" pitchFamily="49" charset="0"/>
-                <a:cs typeface="Courier New" panose="02070309020205020404" pitchFamily="49" charset="0"/>
-              </a:rPr>
-              <a:t>...\</a:t>
-            </a:r>
-            <a:r>
-              <a:rPr lang="pt-BR" sz="1600" dirty="0" err="1" smtClean="0">
-                <a:latin typeface="Courier New" panose="02070309020205020404" pitchFamily="49" charset="0"/>
-                <a:cs typeface="Courier New" panose="02070309020205020404" pitchFamily="49" charset="0"/>
-              </a:rPr>
-              <a:t>cursoVTKgeo</a:t>
-            </a:r>
-            <a:r>
-              <a:rPr lang="pt-BR" sz="1600" dirty="0" smtClean="0">
-                <a:latin typeface="Courier New" panose="02070309020205020404" pitchFamily="49" charset="0"/>
-                <a:cs typeface="Courier New" panose="02070309020205020404" pitchFamily="49" charset="0"/>
-              </a:rPr>
-              <a:t>\aulas_3dias\</a:t>
-            </a:r>
-            <a:r>
-              <a:rPr lang="pt-BR" sz="1600" dirty="0" err="1" smtClean="0">
-                <a:latin typeface="Courier New" panose="02070309020205020404" pitchFamily="49" charset="0"/>
-                <a:cs typeface="Courier New" panose="02070309020205020404" pitchFamily="49" charset="0"/>
-              </a:rPr>
-              <a:t>NuvemPontos</a:t>
-            </a:r>
-            <a:r>
-              <a:rPr lang="pt-BR" sz="1600" dirty="0" smtClean="0">
-                <a:latin typeface="Courier New" panose="02070309020205020404" pitchFamily="49" charset="0"/>
-                <a:cs typeface="Courier New" panose="02070309020205020404" pitchFamily="49" charset="0"/>
-              </a:rPr>
-              <a:t>\dados\walker.dat</a:t>
-            </a:r>
-            <a:endParaRPr lang="pt-BR" sz="1600" dirty="0" smtClean="0">
-              <a:latin typeface="Courier New" panose="02070309020205020404" pitchFamily="49" charset="0"/>
-              <a:cs typeface="Courier New" panose="02070309020205020404" pitchFamily="49" charset="0"/>
-            </a:endParaRPr>
-          </a:p>
         </p:txBody>
       </p:sp>
       <p:pic>
         <p:nvPicPr>
-          <p:cNvPr id="2" name="Imagem 1"/>
+          <p:cNvPr id="5" name="Imagem 4"/>
           <p:cNvPicPr>
             <a:picLocks noChangeAspect="1"/>
           </p:cNvPicPr>
@@ -15049,19 +15329,23 @@
         </p:blipFill>
         <p:spPr>
           <a:xfrm>
-            <a:off x="2339752" y="2190536"/>
-            <a:ext cx="4104456" cy="4334808"/>
+            <a:off x="2411760" y="2132856"/>
+            <a:ext cx="3800475" cy="3724275"/>
           </a:xfrm>
           <a:prstGeom prst="rect">
             <a:avLst/>
           </a:prstGeom>
-          <a:ln>
-            <a:noFill/>
+          <a:ln w="38100" cap="sq">
+            <a:solidFill>
+              <a:srgbClr val="000000"/>
+            </a:solidFill>
+            <a:prstDash val="solid"/>
+            <a:miter lim="800000"/>
           </a:ln>
           <a:effectLst>
-            <a:outerShdw blurRad="292100" dist="139700" dir="2700000" algn="tl" rotWithShape="0">
-              <a:srgbClr val="333333">
-                <a:alpha val="65000"/>
+            <a:outerShdw blurRad="50800" dist="38100" dir="2700000" algn="tl" rotWithShape="0">
+              <a:srgbClr val="000000">
+                <a:alpha val="43000"/>
               </a:srgbClr>
             </a:outerShdw>
           </a:effectLst>
@@ -15144,14 +15428,14 @@
       </p:sp>
       <p:sp>
         <p:nvSpPr>
-          <p:cNvPr id="54" name="CaixaDeTexto 53"/>
+          <p:cNvPr id="55" name="CaixaDeTexto 54"/>
           <p:cNvSpPr txBox="1"/>
           <p:nvPr/>
         </p:nvSpPr>
         <p:spPr>
           <a:xfrm>
-            <a:off x="2763644" y="1218238"/>
-            <a:ext cx="3320524" cy="338554"/>
+            <a:off x="3257104" y="908720"/>
+            <a:ext cx="2323008" cy="369332"/>
           </a:xfrm>
           <a:prstGeom prst="rect">
             <a:avLst/>
@@ -15165,23 +15449,23 @@
           <a:lstStyle/>
           <a:p>
             <a:r>
-              <a:rPr lang="pt-BR" sz="1600" b="1" dirty="0" smtClean="0"/>
-              <a:t>4.2.1) Associando valores aos pontos</a:t>
-            </a:r>
-            <a:endParaRPr lang="pt-BR" sz="1600" b="1" dirty="0"/>
-          </a:p>
-        </p:txBody>
-      </p:sp>
-      <p:sp>
-        <p:nvSpPr>
-          <p:cNvPr id="5" name="CaixaDeTexto 4"/>
+              <a:rPr lang="pt-BR" b="1" dirty="0" smtClean="0"/>
+              <a:t>4.2) Nuvens de pontos</a:t>
+            </a:r>
+            <a:endParaRPr lang="pt-BR" b="1" dirty="0"/>
+          </a:p>
+        </p:txBody>
+      </p:sp>
+      <p:sp>
+        <p:nvSpPr>
+          <p:cNvPr id="6" name="CaixaDeTexto 5"/>
           <p:cNvSpPr txBox="1"/>
           <p:nvPr/>
         </p:nvSpPr>
         <p:spPr>
           <a:xfrm>
-            <a:off x="3257104" y="908720"/>
-            <a:ext cx="2323008" cy="369332"/>
+            <a:off x="539552" y="1412776"/>
+            <a:ext cx="8249374" cy="584775"/>
           </a:xfrm>
           <a:prstGeom prst="rect">
             <a:avLst/>
@@ -15194,11 +15478,106 @@
           </a:bodyPr>
           <a:lstStyle/>
           <a:p>
-            <a:r>
-              <a:rPr lang="pt-BR" b="1" dirty="0" smtClean="0"/>
-              <a:t>4.2) Nuvens de pontos</a:t>
-            </a:r>
-            <a:endParaRPr lang="pt-BR" b="1" dirty="0"/>
+            <a:pPr marL="285750" indent="-285750">
+              <a:buFont typeface="Wingdings" panose="05000000000000000000" pitchFamily="2" charset="2"/>
+              <a:buChar char="Ø"/>
+            </a:pPr>
+            <a:r>
+              <a:rPr lang="pt-BR" sz="1600" dirty="0" smtClean="0"/>
+              <a:t>Fontes: </a:t>
+            </a:r>
+            <a:r>
+              <a:rPr lang="pt-BR" sz="1600" dirty="0" smtClean="0">
+                <a:latin typeface="Courier New" panose="02070309020205020404" pitchFamily="49" charset="0"/>
+                <a:cs typeface="Courier New" panose="02070309020205020404" pitchFamily="49" charset="0"/>
+              </a:rPr>
+              <a:t>...\</a:t>
+            </a:r>
+            <a:r>
+              <a:rPr lang="pt-BR" sz="1600" dirty="0" err="1" smtClean="0">
+                <a:latin typeface="Courier New" panose="02070309020205020404" pitchFamily="49" charset="0"/>
+                <a:cs typeface="Courier New" panose="02070309020205020404" pitchFamily="49" charset="0"/>
+              </a:rPr>
+              <a:t>cursoVTKgeo</a:t>
+            </a:r>
+            <a:r>
+              <a:rPr lang="pt-BR" sz="1600" dirty="0" smtClean="0">
+                <a:latin typeface="Courier New" panose="02070309020205020404" pitchFamily="49" charset="0"/>
+                <a:cs typeface="Courier New" panose="02070309020205020404" pitchFamily="49" charset="0"/>
+              </a:rPr>
+              <a:t>\aulas_3dias\</a:t>
+            </a:r>
+            <a:r>
+              <a:rPr lang="pt-BR" sz="1600" dirty="0" err="1" smtClean="0">
+                <a:latin typeface="Courier New" panose="02070309020205020404" pitchFamily="49" charset="0"/>
+                <a:cs typeface="Courier New" panose="02070309020205020404" pitchFamily="49" charset="0"/>
+              </a:rPr>
+              <a:t>NuvemPontos</a:t>
+            </a:r>
+            <a:endParaRPr lang="pt-BR" sz="1600" dirty="0" smtClean="0">
+              <a:latin typeface="Courier New" panose="02070309020205020404" pitchFamily="49" charset="0"/>
+              <a:cs typeface="Courier New" panose="02070309020205020404" pitchFamily="49" charset="0"/>
+            </a:endParaRPr>
+          </a:p>
+          <a:p>
+            <a:pPr marL="285750" indent="-285750">
+              <a:buFont typeface="Wingdings" panose="05000000000000000000" pitchFamily="2" charset="2"/>
+              <a:buChar char="Ø"/>
+            </a:pPr>
+            <a:r>
+              <a:rPr lang="pt-BR" sz="1600" dirty="0" smtClean="0">
+                <a:cs typeface="Courier New" panose="02070309020205020404" pitchFamily="49" charset="0"/>
+              </a:rPr>
+              <a:t>Dados</a:t>
+            </a:r>
+            <a:r>
+              <a:rPr lang="pt-BR" sz="1600" dirty="0">
+                <a:cs typeface="Courier New" panose="02070309020205020404" pitchFamily="49" charset="0"/>
+              </a:rPr>
+              <a:t>:</a:t>
+            </a:r>
+            <a:r>
+              <a:rPr lang="pt-BR" sz="1600" dirty="0">
+                <a:latin typeface="Courier New" panose="02070309020205020404" pitchFamily="49" charset="0"/>
+                <a:cs typeface="Courier New" panose="02070309020205020404" pitchFamily="49" charset="0"/>
+              </a:rPr>
+              <a:t> </a:t>
+            </a:r>
+            <a:r>
+              <a:rPr lang="pt-BR" sz="1600" dirty="0" smtClean="0">
+                <a:latin typeface="Courier New" panose="02070309020205020404" pitchFamily="49" charset="0"/>
+                <a:cs typeface="Courier New" panose="02070309020205020404" pitchFamily="49" charset="0"/>
+              </a:rPr>
+              <a:t>...\</a:t>
+            </a:r>
+            <a:r>
+              <a:rPr lang="pt-BR" sz="1600" dirty="0" err="1" smtClean="0">
+                <a:latin typeface="Courier New" panose="02070309020205020404" pitchFamily="49" charset="0"/>
+                <a:cs typeface="Courier New" panose="02070309020205020404" pitchFamily="49" charset="0"/>
+              </a:rPr>
+              <a:t>cursoVTKgeo</a:t>
+            </a:r>
+            <a:r>
+              <a:rPr lang="pt-BR" sz="1600" dirty="0" smtClean="0">
+                <a:latin typeface="Courier New" panose="02070309020205020404" pitchFamily="49" charset="0"/>
+                <a:cs typeface="Courier New" panose="02070309020205020404" pitchFamily="49" charset="0"/>
+              </a:rPr>
+              <a:t>\aulas_3dias\</a:t>
+            </a:r>
+            <a:r>
+              <a:rPr lang="pt-BR" sz="1600" dirty="0" err="1" smtClean="0">
+                <a:latin typeface="Courier New" panose="02070309020205020404" pitchFamily="49" charset="0"/>
+                <a:cs typeface="Courier New" panose="02070309020205020404" pitchFamily="49" charset="0"/>
+              </a:rPr>
+              <a:t>NuvemPontos</a:t>
+            </a:r>
+            <a:r>
+              <a:rPr lang="pt-BR" sz="1600" dirty="0" smtClean="0">
+                <a:latin typeface="Courier New" panose="02070309020205020404" pitchFamily="49" charset="0"/>
+                <a:cs typeface="Courier New" panose="02070309020205020404" pitchFamily="49" charset="0"/>
+              </a:rPr>
+              <a:t>\dados\walker.dat</a:t>
+            </a:r>
           </a:p>
         </p:txBody>
       </p:sp>
@@ -15218,8 +15597,8 @@
         </p:blipFill>
         <p:spPr>
           <a:xfrm>
-            <a:off x="2555776" y="2207027"/>
-            <a:ext cx="3952478" cy="4174301"/>
+            <a:off x="2339752" y="2190536"/>
+            <a:ext cx="4104456" cy="4334808"/>
           </a:xfrm>
           <a:prstGeom prst="rect">
             <a:avLst/>
@@ -15236,139 +15615,10 @@
           </a:effectLst>
         </p:spPr>
       </p:pic>
-      <p:sp>
-        <p:nvSpPr>
-          <p:cNvPr id="7" name="CaixaDeTexto 6"/>
-          <p:cNvSpPr txBox="1"/>
-          <p:nvPr/>
-        </p:nvSpPr>
-        <p:spPr>
-          <a:xfrm>
-            <a:off x="323528" y="1484784"/>
-            <a:ext cx="8454559" cy="584775"/>
-          </a:xfrm>
-          <a:prstGeom prst="rect">
-            <a:avLst/>
-          </a:prstGeom>
-          <a:noFill/>
-        </p:spPr>
-        <p:txBody>
-          <a:bodyPr wrap="none" rtlCol="0">
-            <a:spAutoFit/>
-          </a:bodyPr>
-          <a:lstStyle/>
-          <a:p>
-            <a:pPr marL="285750" indent="-285750">
-              <a:buFont typeface="Wingdings" panose="05000000000000000000" pitchFamily="2" charset="2"/>
-              <a:buChar char="Ø"/>
-            </a:pPr>
-            <a:r>
-              <a:rPr lang="pt-BR" sz="1600" dirty="0" smtClean="0"/>
-              <a:t>Fontes: </a:t>
-            </a:r>
-            <a:r>
-              <a:rPr lang="pt-BR" sz="1600" dirty="0" smtClean="0">
-                <a:latin typeface="Courier New" panose="02070309020205020404" pitchFamily="49" charset="0"/>
-                <a:cs typeface="Courier New" panose="02070309020205020404" pitchFamily="49" charset="0"/>
-              </a:rPr>
-              <a:t>...\</a:t>
-            </a:r>
-            <a:r>
-              <a:rPr lang="pt-BR" sz="1600" dirty="0" err="1" smtClean="0">
-                <a:latin typeface="Courier New" panose="02070309020205020404" pitchFamily="49" charset="0"/>
-                <a:cs typeface="Courier New" panose="02070309020205020404" pitchFamily="49" charset="0"/>
-              </a:rPr>
-              <a:t>cursoVTKgeo</a:t>
-            </a:r>
-            <a:r>
-              <a:rPr lang="pt-BR" sz="1600" dirty="0" smtClean="0">
-                <a:latin typeface="Courier New" panose="02070309020205020404" pitchFamily="49" charset="0"/>
-                <a:cs typeface="Courier New" panose="02070309020205020404" pitchFamily="49" charset="0"/>
-              </a:rPr>
-              <a:t>\aulas_3dias\</a:t>
-            </a:r>
-            <a:r>
-              <a:rPr lang="pt-BR" sz="1600" dirty="0" err="1" smtClean="0">
-                <a:latin typeface="Courier New" panose="02070309020205020404" pitchFamily="49" charset="0"/>
-                <a:cs typeface="Courier New" panose="02070309020205020404" pitchFamily="49" charset="0"/>
-              </a:rPr>
-              <a:t>NuvemPontosVal</a:t>
-            </a:r>
-            <a:endParaRPr lang="pt-BR" sz="1600" dirty="0" smtClean="0">
-              <a:latin typeface="Courier New" panose="02070309020205020404" pitchFamily="49" charset="0"/>
-              <a:cs typeface="Courier New" panose="02070309020205020404" pitchFamily="49" charset="0"/>
-            </a:endParaRPr>
-          </a:p>
-          <a:p>
-            <a:pPr marL="285750" indent="-285750">
-              <a:buFont typeface="Wingdings" panose="05000000000000000000" pitchFamily="2" charset="2"/>
-              <a:buChar char="Ø"/>
-            </a:pPr>
-            <a:r>
-              <a:rPr lang="pt-BR" sz="1600" dirty="0" smtClean="0">
-                <a:cs typeface="Courier New" panose="02070309020205020404" pitchFamily="49" charset="0"/>
-              </a:rPr>
-              <a:t>Dados</a:t>
-            </a:r>
-            <a:r>
-              <a:rPr lang="pt-BR" sz="1600" dirty="0">
-                <a:cs typeface="Courier New" panose="02070309020205020404" pitchFamily="49" charset="0"/>
-              </a:rPr>
-              <a:t>:</a:t>
-            </a:r>
-            <a:r>
-              <a:rPr lang="pt-BR" sz="1600" dirty="0">
-                <a:latin typeface="Courier New" panose="02070309020205020404" pitchFamily="49" charset="0"/>
-                <a:cs typeface="Courier New" panose="02070309020205020404" pitchFamily="49" charset="0"/>
-              </a:rPr>
-              <a:t> </a:t>
-            </a:r>
-            <a:r>
-              <a:rPr lang="pt-BR" sz="1600" dirty="0" smtClean="0">
-                <a:latin typeface="Courier New" panose="02070309020205020404" pitchFamily="49" charset="0"/>
-                <a:cs typeface="Courier New" panose="02070309020205020404" pitchFamily="49" charset="0"/>
-              </a:rPr>
-              <a:t>...\</a:t>
-            </a:r>
-            <a:r>
-              <a:rPr lang="pt-BR" sz="1600" dirty="0" err="1" smtClean="0">
-                <a:latin typeface="Courier New" panose="02070309020205020404" pitchFamily="49" charset="0"/>
-                <a:cs typeface="Courier New" panose="02070309020205020404" pitchFamily="49" charset="0"/>
-              </a:rPr>
-              <a:t>cursoVTKgeo</a:t>
-            </a:r>
-            <a:r>
-              <a:rPr lang="pt-BR" sz="1600" dirty="0" smtClean="0">
-                <a:latin typeface="Courier New" panose="02070309020205020404" pitchFamily="49" charset="0"/>
-                <a:cs typeface="Courier New" panose="02070309020205020404" pitchFamily="49" charset="0"/>
-              </a:rPr>
-              <a:t>\aulas_3dias\</a:t>
-            </a:r>
-            <a:r>
-              <a:rPr lang="pt-BR" sz="1600" dirty="0" err="1" smtClean="0">
-                <a:latin typeface="Courier New" panose="02070309020205020404" pitchFamily="49" charset="0"/>
-                <a:cs typeface="Courier New" panose="02070309020205020404" pitchFamily="49" charset="0"/>
-              </a:rPr>
-              <a:t>NuvemPontosVal</a:t>
-            </a:r>
-            <a:r>
-              <a:rPr lang="pt-BR" sz="1600" dirty="0" smtClean="0">
-                <a:latin typeface="Courier New" panose="02070309020205020404" pitchFamily="49" charset="0"/>
-                <a:cs typeface="Courier New" panose="02070309020205020404" pitchFamily="49" charset="0"/>
-              </a:rPr>
-              <a:t>\dados\walker.dat</a:t>
-            </a:r>
-            <a:endParaRPr lang="pt-BR" sz="1600" dirty="0" smtClean="0">
-              <a:latin typeface="Courier New" panose="02070309020205020404" pitchFamily="49" charset="0"/>
-              <a:cs typeface="Courier New" panose="02070309020205020404" pitchFamily="49" charset="0"/>
-            </a:endParaRPr>
-          </a:p>
-        </p:txBody>
-      </p:sp>
     </p:spTree>
     <p:extLst>
       <p:ext uri="{BB962C8B-B14F-4D97-AF65-F5344CB8AC3E}">
-        <p14:creationId xmlns:p14="http://schemas.microsoft.com/office/powerpoint/2010/main" val="311133971"/>
+        <p14:creationId xmlns:p14="http://schemas.microsoft.com/office/powerpoint/2010/main" val="1374940492"/>
       </p:ext>
     </p:extLst>
   </p:cSld>
@@ -15448,8 +15698,8 @@
         </p:nvSpPr>
         <p:spPr>
           <a:xfrm>
-            <a:off x="2411760" y="1218238"/>
-            <a:ext cx="4341317" cy="338554"/>
+            <a:off x="2763644" y="1218238"/>
+            <a:ext cx="3320524" cy="338554"/>
           </a:xfrm>
           <a:prstGeom prst="rect">
             <a:avLst/>
@@ -15464,23 +15714,7 @@
           <a:p>
             <a:r>
               <a:rPr lang="pt-BR" sz="1600" b="1" dirty="0" smtClean="0"/>
-              <a:t>4.2.2) Variáveis categóricas: a </a:t>
-            </a:r>
-            <a:r>
-              <a:rPr lang="pt-BR" sz="1600" b="1" dirty="0" err="1" smtClean="0"/>
-              <a:t>Lookup</a:t>
-            </a:r>
-            <a:r>
-              <a:rPr lang="pt-BR" sz="1600" b="1" dirty="0" smtClean="0"/>
-              <a:t> </a:t>
-            </a:r>
-            <a:r>
-              <a:rPr lang="pt-BR" sz="1600" b="1" dirty="0" err="1" smtClean="0"/>
-              <a:t>Table</a:t>
-            </a:r>
-            <a:r>
-              <a:rPr lang="pt-BR" sz="1600" b="1" dirty="0" smtClean="0"/>
-              <a:t> (LUT)</a:t>
+              <a:t>4.2.1) Associando valores aos pontos</a:t>
             </a:r>
             <a:endParaRPr lang="pt-BR" sz="1600" b="1" dirty="0"/>
           </a:p>
@@ -15516,10 +15750,169 @@
           </a:p>
         </p:txBody>
       </p:sp>
+      <p:pic>
+        <p:nvPicPr>
+          <p:cNvPr id="2" name="Imagem 1"/>
+          <p:cNvPicPr>
+            <a:picLocks noChangeAspect="1"/>
+          </p:cNvPicPr>
+          <p:nvPr/>
+        </p:nvPicPr>
+        <p:blipFill>
+          <a:blip r:embed="rId3"/>
+          <a:stretch>
+            <a:fillRect/>
+          </a:stretch>
+        </p:blipFill>
+        <p:spPr>
+          <a:xfrm>
+            <a:off x="2555776" y="2207027"/>
+            <a:ext cx="3952478" cy="4174301"/>
+          </a:xfrm>
+          <a:prstGeom prst="rect">
+            <a:avLst/>
+          </a:prstGeom>
+          <a:ln>
+            <a:noFill/>
+          </a:ln>
+          <a:effectLst>
+            <a:outerShdw blurRad="292100" dist="139700" dir="2700000" algn="tl" rotWithShape="0">
+              <a:srgbClr val="333333">
+                <a:alpha val="65000"/>
+              </a:srgbClr>
+            </a:outerShdw>
+          </a:effectLst>
+        </p:spPr>
+      </p:pic>
+      <p:sp>
+        <p:nvSpPr>
+          <p:cNvPr id="7" name="CaixaDeTexto 6"/>
+          <p:cNvSpPr txBox="1"/>
+          <p:nvPr/>
+        </p:nvSpPr>
+        <p:spPr>
+          <a:xfrm>
+            <a:off x="323528" y="1484784"/>
+            <a:ext cx="8454559" cy="584775"/>
+          </a:xfrm>
+          <a:prstGeom prst="rect">
+            <a:avLst/>
+          </a:prstGeom>
+          <a:noFill/>
+        </p:spPr>
+        <p:txBody>
+          <a:bodyPr wrap="none" rtlCol="0">
+            <a:spAutoFit/>
+          </a:bodyPr>
+          <a:lstStyle/>
+          <a:p>
+            <a:pPr marL="285750" indent="-285750">
+              <a:buFont typeface="Wingdings" panose="05000000000000000000" pitchFamily="2" charset="2"/>
+              <a:buChar char="Ø"/>
+            </a:pPr>
+            <a:r>
+              <a:rPr lang="pt-BR" sz="1600" dirty="0" smtClean="0"/>
+              <a:t>Fontes: </a:t>
+            </a:r>
+            <a:r>
+              <a:rPr lang="pt-BR" sz="1600" dirty="0" smtClean="0">
+                <a:latin typeface="Courier New" panose="02070309020205020404" pitchFamily="49" charset="0"/>
+                <a:cs typeface="Courier New" panose="02070309020205020404" pitchFamily="49" charset="0"/>
+              </a:rPr>
+              <a:t>...\</a:t>
+            </a:r>
+            <a:r>
+              <a:rPr lang="pt-BR" sz="1600" dirty="0" err="1" smtClean="0">
+                <a:latin typeface="Courier New" panose="02070309020205020404" pitchFamily="49" charset="0"/>
+                <a:cs typeface="Courier New" panose="02070309020205020404" pitchFamily="49" charset="0"/>
+              </a:rPr>
+              <a:t>cursoVTKgeo</a:t>
+            </a:r>
+            <a:r>
+              <a:rPr lang="pt-BR" sz="1600" dirty="0" smtClean="0">
+                <a:latin typeface="Courier New" panose="02070309020205020404" pitchFamily="49" charset="0"/>
+                <a:cs typeface="Courier New" panose="02070309020205020404" pitchFamily="49" charset="0"/>
+              </a:rPr>
+              <a:t>\aulas_3dias\</a:t>
+            </a:r>
+            <a:r>
+              <a:rPr lang="pt-BR" sz="1600" dirty="0" err="1" smtClean="0">
+                <a:latin typeface="Courier New" panose="02070309020205020404" pitchFamily="49" charset="0"/>
+                <a:cs typeface="Courier New" panose="02070309020205020404" pitchFamily="49" charset="0"/>
+              </a:rPr>
+              <a:t>NuvemPontosVal</a:t>
+            </a:r>
+            <a:endParaRPr lang="pt-BR" sz="1600" dirty="0" smtClean="0">
+              <a:latin typeface="Courier New" panose="02070309020205020404" pitchFamily="49" charset="0"/>
+              <a:cs typeface="Courier New" panose="02070309020205020404" pitchFamily="49" charset="0"/>
+            </a:endParaRPr>
+          </a:p>
+          <a:p>
+            <a:pPr marL="285750" indent="-285750">
+              <a:buFont typeface="Wingdings" panose="05000000000000000000" pitchFamily="2" charset="2"/>
+              <a:buChar char="Ø"/>
+            </a:pPr>
+            <a:r>
+              <a:rPr lang="pt-BR" sz="1600" dirty="0" smtClean="0">
+                <a:cs typeface="Courier New" panose="02070309020205020404" pitchFamily="49" charset="0"/>
+              </a:rPr>
+              <a:t>Dados</a:t>
+            </a:r>
+            <a:r>
+              <a:rPr lang="pt-BR" sz="1600" dirty="0">
+                <a:cs typeface="Courier New" panose="02070309020205020404" pitchFamily="49" charset="0"/>
+              </a:rPr>
+              <a:t>:</a:t>
+            </a:r>
+            <a:r>
+              <a:rPr lang="pt-BR" sz="1600" dirty="0">
+                <a:latin typeface="Courier New" panose="02070309020205020404" pitchFamily="49" charset="0"/>
+                <a:cs typeface="Courier New" panose="02070309020205020404" pitchFamily="49" charset="0"/>
+              </a:rPr>
+              <a:t> </a:t>
+            </a:r>
+            <a:r>
+              <a:rPr lang="pt-BR" sz="1600" dirty="0" smtClean="0">
+                <a:latin typeface="Courier New" panose="02070309020205020404" pitchFamily="49" charset="0"/>
+                <a:cs typeface="Courier New" panose="02070309020205020404" pitchFamily="49" charset="0"/>
+              </a:rPr>
+              <a:t>...\</a:t>
+            </a:r>
+            <a:r>
+              <a:rPr lang="pt-BR" sz="1600" dirty="0" err="1" smtClean="0">
+                <a:latin typeface="Courier New" panose="02070309020205020404" pitchFamily="49" charset="0"/>
+                <a:cs typeface="Courier New" panose="02070309020205020404" pitchFamily="49" charset="0"/>
+              </a:rPr>
+              <a:t>cursoVTKgeo</a:t>
+            </a:r>
+            <a:r>
+              <a:rPr lang="pt-BR" sz="1600" dirty="0" smtClean="0">
+                <a:latin typeface="Courier New" panose="02070309020205020404" pitchFamily="49" charset="0"/>
+                <a:cs typeface="Courier New" panose="02070309020205020404" pitchFamily="49" charset="0"/>
+              </a:rPr>
+              <a:t>\aulas_3dias\</a:t>
+            </a:r>
+            <a:r>
+              <a:rPr lang="pt-BR" sz="1600" dirty="0" err="1" smtClean="0">
+                <a:latin typeface="Courier New" panose="02070309020205020404" pitchFamily="49" charset="0"/>
+                <a:cs typeface="Courier New" panose="02070309020205020404" pitchFamily="49" charset="0"/>
+              </a:rPr>
+              <a:t>NuvemPontosVal</a:t>
+            </a:r>
+            <a:r>
+              <a:rPr lang="pt-BR" sz="1600" dirty="0" smtClean="0">
+                <a:latin typeface="Courier New" panose="02070309020205020404" pitchFamily="49" charset="0"/>
+                <a:cs typeface="Courier New" panose="02070309020205020404" pitchFamily="49" charset="0"/>
+              </a:rPr>
+              <a:t>\dados\walker.dat</a:t>
+            </a:r>
+          </a:p>
+        </p:txBody>
+      </p:sp>
     </p:spTree>
     <p:extLst>
       <p:ext uri="{BB962C8B-B14F-4D97-AF65-F5344CB8AC3E}">
-        <p14:creationId xmlns:p14="http://schemas.microsoft.com/office/powerpoint/2010/main" val="60893757"/>
+        <p14:creationId xmlns:p14="http://schemas.microsoft.com/office/powerpoint/2010/main" val="311133971"/>
       </p:ext>
     </p:extLst>
   </p:cSld>
@@ -15593,14 +15986,14 @@
       </p:sp>
       <p:sp>
         <p:nvSpPr>
-          <p:cNvPr id="5" name="CaixaDeTexto 4"/>
+          <p:cNvPr id="54" name="CaixaDeTexto 53"/>
           <p:cNvSpPr txBox="1"/>
           <p:nvPr/>
         </p:nvSpPr>
         <p:spPr>
           <a:xfrm>
-            <a:off x="3851920" y="908720"/>
-            <a:ext cx="1564852" cy="369332"/>
+            <a:off x="2411760" y="1218238"/>
+            <a:ext cx="4341317" cy="338554"/>
           </a:xfrm>
           <a:prstGeom prst="rect">
             <a:avLst/>
@@ -15614,17 +16007,226 @@
           <a:lstStyle/>
           <a:p>
             <a:r>
+              <a:rPr lang="pt-BR" sz="1600" b="1" dirty="0" smtClean="0"/>
+              <a:t>4.2.2) Variáveis categóricas: a </a:t>
+            </a:r>
+            <a:r>
+              <a:rPr lang="pt-BR" sz="1600" b="1" dirty="0" err="1" smtClean="0"/>
+              <a:t>Lookup</a:t>
+            </a:r>
+            <a:r>
+              <a:rPr lang="pt-BR" sz="1600" b="1" dirty="0" smtClean="0"/>
+              <a:t> </a:t>
+            </a:r>
+            <a:r>
+              <a:rPr lang="pt-BR" sz="1600" b="1" dirty="0" err="1" smtClean="0"/>
+              <a:t>Table</a:t>
+            </a:r>
+            <a:r>
+              <a:rPr lang="pt-BR" sz="1600" b="1" dirty="0" smtClean="0"/>
+              <a:t> (LUT)</a:t>
+            </a:r>
+            <a:endParaRPr lang="pt-BR" sz="1600" b="1" dirty="0"/>
+          </a:p>
+        </p:txBody>
+      </p:sp>
+      <p:sp>
+        <p:nvSpPr>
+          <p:cNvPr id="5" name="CaixaDeTexto 4"/>
+          <p:cNvSpPr txBox="1"/>
+          <p:nvPr/>
+        </p:nvSpPr>
+        <p:spPr>
+          <a:xfrm>
+            <a:off x="3257104" y="908720"/>
+            <a:ext cx="2323008" cy="369332"/>
+          </a:xfrm>
+          <a:prstGeom prst="rect">
+            <a:avLst/>
+          </a:prstGeom>
+          <a:noFill/>
+        </p:spPr>
+        <p:txBody>
+          <a:bodyPr wrap="none" rtlCol="0">
+            <a:spAutoFit/>
+          </a:bodyPr>
+          <a:lstStyle/>
+          <a:p>
+            <a:r>
               <a:rPr lang="pt-BR" b="1" dirty="0" smtClean="0"/>
-              <a:t>4.3) Mapas 2D</a:t>
+              <a:t>4.2) Nuvens de pontos</a:t>
             </a:r>
             <a:endParaRPr lang="pt-BR" b="1" dirty="0"/>
           </a:p>
         </p:txBody>
       </p:sp>
+      <p:sp>
+        <p:nvSpPr>
+          <p:cNvPr id="6" name="CaixaDeTexto 5"/>
+          <p:cNvSpPr txBox="1"/>
+          <p:nvPr/>
+        </p:nvSpPr>
+        <p:spPr>
+          <a:xfrm>
+            <a:off x="323528" y="1484784"/>
+            <a:ext cx="8454559" cy="584775"/>
+          </a:xfrm>
+          <a:prstGeom prst="rect">
+            <a:avLst/>
+          </a:prstGeom>
+          <a:noFill/>
+        </p:spPr>
+        <p:txBody>
+          <a:bodyPr wrap="none" rtlCol="0">
+            <a:spAutoFit/>
+          </a:bodyPr>
+          <a:lstStyle/>
+          <a:p>
+            <a:pPr marL="285750" indent="-285750">
+              <a:buFont typeface="Wingdings" panose="05000000000000000000" pitchFamily="2" charset="2"/>
+              <a:buChar char="Ø"/>
+            </a:pPr>
+            <a:r>
+              <a:rPr lang="pt-BR" sz="1600" dirty="0" smtClean="0"/>
+              <a:t>Fontes: </a:t>
+            </a:r>
+            <a:r>
+              <a:rPr lang="pt-BR" sz="1600" dirty="0" smtClean="0">
+                <a:latin typeface="Courier New" panose="02070309020205020404" pitchFamily="49" charset="0"/>
+                <a:cs typeface="Courier New" panose="02070309020205020404" pitchFamily="49" charset="0"/>
+              </a:rPr>
+              <a:t>...\</a:t>
+            </a:r>
+            <a:r>
+              <a:rPr lang="pt-BR" sz="1600" dirty="0" err="1" smtClean="0">
+                <a:latin typeface="Courier New" panose="02070309020205020404" pitchFamily="49" charset="0"/>
+                <a:cs typeface="Courier New" panose="02070309020205020404" pitchFamily="49" charset="0"/>
+              </a:rPr>
+              <a:t>cursoVTKgeo</a:t>
+            </a:r>
+            <a:r>
+              <a:rPr lang="pt-BR" sz="1600" dirty="0" smtClean="0">
+                <a:latin typeface="Courier New" panose="02070309020205020404" pitchFamily="49" charset="0"/>
+                <a:cs typeface="Courier New" panose="02070309020205020404" pitchFamily="49" charset="0"/>
+              </a:rPr>
+              <a:t>\aulas_3dias\</a:t>
+            </a:r>
+            <a:r>
+              <a:rPr lang="pt-BR" sz="1600" dirty="0" err="1" smtClean="0">
+                <a:latin typeface="Courier New" panose="02070309020205020404" pitchFamily="49" charset="0"/>
+                <a:cs typeface="Courier New" panose="02070309020205020404" pitchFamily="49" charset="0"/>
+              </a:rPr>
+              <a:t>NuvemPontosCat</a:t>
+            </a:r>
+            <a:endParaRPr lang="pt-BR" sz="1600" dirty="0" smtClean="0">
+              <a:latin typeface="Courier New" panose="02070309020205020404" pitchFamily="49" charset="0"/>
+              <a:cs typeface="Courier New" panose="02070309020205020404" pitchFamily="49" charset="0"/>
+            </a:endParaRPr>
+          </a:p>
+          <a:p>
+            <a:pPr marL="285750" indent="-285750">
+              <a:buFont typeface="Wingdings" panose="05000000000000000000" pitchFamily="2" charset="2"/>
+              <a:buChar char="Ø"/>
+            </a:pPr>
+            <a:r>
+              <a:rPr lang="pt-BR" sz="1600" dirty="0" smtClean="0">
+                <a:cs typeface="Courier New" panose="02070309020205020404" pitchFamily="49" charset="0"/>
+              </a:rPr>
+              <a:t>Dados</a:t>
+            </a:r>
+            <a:r>
+              <a:rPr lang="pt-BR" sz="1600" dirty="0">
+                <a:cs typeface="Courier New" panose="02070309020205020404" pitchFamily="49" charset="0"/>
+              </a:rPr>
+              <a:t>:</a:t>
+            </a:r>
+            <a:r>
+              <a:rPr lang="pt-BR" sz="1600" dirty="0">
+                <a:latin typeface="Courier New" panose="02070309020205020404" pitchFamily="49" charset="0"/>
+                <a:cs typeface="Courier New" panose="02070309020205020404" pitchFamily="49" charset="0"/>
+              </a:rPr>
+              <a:t> </a:t>
+            </a:r>
+            <a:r>
+              <a:rPr lang="pt-BR" sz="1600" dirty="0" smtClean="0">
+                <a:latin typeface="Courier New" panose="02070309020205020404" pitchFamily="49" charset="0"/>
+                <a:cs typeface="Courier New" panose="02070309020205020404" pitchFamily="49" charset="0"/>
+              </a:rPr>
+              <a:t>...\</a:t>
+            </a:r>
+            <a:r>
+              <a:rPr lang="pt-BR" sz="1600" dirty="0" err="1" smtClean="0">
+                <a:latin typeface="Courier New" panose="02070309020205020404" pitchFamily="49" charset="0"/>
+                <a:cs typeface="Courier New" panose="02070309020205020404" pitchFamily="49" charset="0"/>
+              </a:rPr>
+              <a:t>cursoVTKgeo</a:t>
+            </a:r>
+            <a:r>
+              <a:rPr lang="pt-BR" sz="1600" dirty="0" smtClean="0">
+                <a:latin typeface="Courier New" panose="02070309020205020404" pitchFamily="49" charset="0"/>
+                <a:cs typeface="Courier New" panose="02070309020205020404" pitchFamily="49" charset="0"/>
+              </a:rPr>
+              <a:t>\aulas_3dias\</a:t>
+            </a:r>
+            <a:r>
+              <a:rPr lang="pt-BR" sz="1600" dirty="0" err="1" smtClean="0">
+                <a:latin typeface="Courier New" panose="02070309020205020404" pitchFamily="49" charset="0"/>
+                <a:cs typeface="Courier New" panose="02070309020205020404" pitchFamily="49" charset="0"/>
+              </a:rPr>
+              <a:t>NuvemPontosCat</a:t>
+            </a:r>
+            <a:r>
+              <a:rPr lang="pt-BR" sz="1600" dirty="0" smtClean="0">
+                <a:latin typeface="Courier New" panose="02070309020205020404" pitchFamily="49" charset="0"/>
+                <a:cs typeface="Courier New" panose="02070309020205020404" pitchFamily="49" charset="0"/>
+              </a:rPr>
+              <a:t>\dados\walker.dat</a:t>
+            </a:r>
+            <a:endParaRPr lang="pt-BR" sz="1600" dirty="0" smtClean="0">
+              <a:latin typeface="Courier New" panose="02070309020205020404" pitchFamily="49" charset="0"/>
+              <a:cs typeface="Courier New" panose="02070309020205020404" pitchFamily="49" charset="0"/>
+            </a:endParaRPr>
+          </a:p>
+        </p:txBody>
+      </p:sp>
+      <p:pic>
+        <p:nvPicPr>
+          <p:cNvPr id="2" name="Imagem 1"/>
+          <p:cNvPicPr>
+            <a:picLocks noChangeAspect="1"/>
+          </p:cNvPicPr>
+          <p:nvPr/>
+        </p:nvPicPr>
+        <p:blipFill>
+          <a:blip r:embed="rId3"/>
+          <a:stretch>
+            <a:fillRect/>
+          </a:stretch>
+        </p:blipFill>
+        <p:spPr>
+          <a:xfrm>
+            <a:off x="2627784" y="2276663"/>
+            <a:ext cx="3736454" cy="3946153"/>
+          </a:xfrm>
+          <a:prstGeom prst="rect">
+            <a:avLst/>
+          </a:prstGeom>
+          <a:ln>
+            <a:noFill/>
+          </a:ln>
+          <a:effectLst>
+            <a:outerShdw blurRad="292100" dist="139700" dir="2700000" algn="tl" rotWithShape="0">
+              <a:srgbClr val="333333">
+                <a:alpha val="65000"/>
+              </a:srgbClr>
+            </a:outerShdw>
+          </a:effectLst>
+        </p:spPr>
+      </p:pic>
     </p:spTree>
     <p:extLst>
       <p:ext uri="{BB962C8B-B14F-4D97-AF65-F5344CB8AC3E}">
-        <p14:creationId xmlns:p14="http://schemas.microsoft.com/office/powerpoint/2010/main" val="4174760171"/>
+        <p14:creationId xmlns:p14="http://schemas.microsoft.com/office/powerpoint/2010/main" val="60893757"/>
       </p:ext>
     </p:extLst>
   </p:cSld>
@@ -15734,8 +16336,8 @@
         </p:nvSpPr>
         <p:spPr>
           <a:xfrm>
-            <a:off x="2267744" y="1218238"/>
-            <a:ext cx="4832157" cy="338554"/>
+            <a:off x="323528" y="1260049"/>
+            <a:ext cx="4477893" cy="338554"/>
           </a:xfrm>
           <a:prstGeom prst="rect">
             <a:avLst/>
@@ -15748,18 +16350,91 @@
           </a:bodyPr>
           <a:lstStyle/>
           <a:p>
-            <a:r>
-              <a:rPr lang="pt-BR" sz="1600" b="1" dirty="0" smtClean="0"/>
-              <a:t>4.3.1) Ocultando valores nulos e locais não amostrados</a:t>
-            </a:r>
-            <a:endParaRPr lang="pt-BR" sz="1600" b="1" dirty="0"/>
-          </a:p>
-        </p:txBody>
-      </p:sp>
+            <a:pPr marL="285750" indent="-285750">
+              <a:buFont typeface="Wingdings" panose="05000000000000000000" pitchFamily="2" charset="2"/>
+              <a:buChar char="Ø"/>
+            </a:pPr>
+            <a:r>
+              <a:rPr lang="pt-BR" sz="1600" dirty="0"/>
+              <a:t>O </a:t>
+            </a:r>
+            <a:r>
+              <a:rPr lang="pt-BR" sz="1600" i="1" dirty="0" smtClean="0"/>
+              <a:t>grid </a:t>
+            </a:r>
+            <a:r>
+              <a:rPr lang="pt-BR" sz="1600" dirty="0" smtClean="0"/>
+              <a:t>de </a:t>
+            </a:r>
+            <a:r>
+              <a:rPr lang="pt-BR" sz="1600" dirty="0"/>
+              <a:t>Walker Lake (</a:t>
+            </a:r>
+            <a:r>
+              <a:rPr lang="pt-BR" sz="1600" dirty="0" err="1"/>
+              <a:t>Issaks</a:t>
+            </a:r>
+            <a:r>
+              <a:rPr lang="pt-BR" sz="1600" dirty="0"/>
+              <a:t> e </a:t>
+            </a:r>
+            <a:r>
+              <a:rPr lang="pt-BR" sz="1600" dirty="0" err="1"/>
+              <a:t>Srivastava</a:t>
+            </a:r>
+            <a:r>
+              <a:rPr lang="pt-BR" sz="1600" dirty="0"/>
+              <a:t>, 1989)</a:t>
+            </a:r>
+            <a:endParaRPr lang="pt-BR" sz="1600" dirty="0">
+              <a:latin typeface="Courier New" panose="02070309020205020404" pitchFamily="49" charset="0"/>
+              <a:cs typeface="Courier New" panose="02070309020205020404" pitchFamily="49" charset="0"/>
+            </a:endParaRPr>
+          </a:p>
+        </p:txBody>
+      </p:sp>
+      <p:pic>
+        <p:nvPicPr>
+          <p:cNvPr id="3" name="Imagem 2"/>
+          <p:cNvPicPr>
+            <a:picLocks noChangeAspect="1"/>
+          </p:cNvPicPr>
+          <p:nvPr/>
+        </p:nvPicPr>
+        <p:blipFill>
+          <a:blip r:embed="rId3"/>
+          <a:stretch>
+            <a:fillRect/>
+          </a:stretch>
+        </p:blipFill>
+        <p:spPr>
+          <a:xfrm>
+            <a:off x="971600" y="1895291"/>
+            <a:ext cx="7077075" cy="4229100"/>
+          </a:xfrm>
+          <a:prstGeom prst="rect">
+            <a:avLst/>
+          </a:prstGeom>
+          <a:ln w="38100" cap="sq">
+            <a:solidFill>
+              <a:srgbClr val="000000"/>
+            </a:solidFill>
+            <a:prstDash val="solid"/>
+            <a:miter lim="800000"/>
+          </a:ln>
+          <a:effectLst>
+            <a:outerShdw blurRad="50800" dist="38100" dir="2700000" algn="tl" rotWithShape="0">
+              <a:srgbClr val="000000">
+                <a:alpha val="43000"/>
+              </a:srgbClr>
+            </a:outerShdw>
+          </a:effectLst>
+        </p:spPr>
+      </p:pic>
     </p:spTree>
     <p:extLst>
       <p:ext uri="{BB962C8B-B14F-4D97-AF65-F5344CB8AC3E}">
-        <p14:creationId xmlns:p14="http://schemas.microsoft.com/office/powerpoint/2010/main" val="3585225282"/>
+        <p14:creationId xmlns:p14="http://schemas.microsoft.com/office/powerpoint/2010/main" val="754682723"/>
       </p:ext>
     </p:extLst>
   </p:cSld>
@@ -15840,7 +16515,7 @@
         <p:spPr>
           <a:xfrm>
             <a:off x="3851920" y="908720"/>
-            <a:ext cx="1503938" cy="369332"/>
+            <a:ext cx="1564852" cy="369332"/>
           </a:xfrm>
           <a:prstGeom prst="rect">
             <a:avLst/>
@@ -15855,16 +16530,158 @@
           <a:p>
             <a:r>
               <a:rPr lang="pt-BR" b="1" dirty="0" smtClean="0"/>
-              <a:t>4.4) Cubos 3D</a:t>
+              <a:t>4.3) Mapas 2D</a:t>
             </a:r>
             <a:endParaRPr lang="pt-BR" b="1" dirty="0"/>
           </a:p>
         </p:txBody>
       </p:sp>
+      <p:sp>
+        <p:nvSpPr>
+          <p:cNvPr id="6" name="CaixaDeTexto 5"/>
+          <p:cNvSpPr txBox="1"/>
+          <p:nvPr/>
+        </p:nvSpPr>
+        <p:spPr>
+          <a:xfrm>
+            <a:off x="323528" y="1260049"/>
+            <a:ext cx="8084264" cy="584775"/>
+          </a:xfrm>
+          <a:prstGeom prst="rect">
+            <a:avLst/>
+          </a:prstGeom>
+          <a:noFill/>
+        </p:spPr>
+        <p:txBody>
+          <a:bodyPr wrap="none" rtlCol="0">
+            <a:spAutoFit/>
+          </a:bodyPr>
+          <a:lstStyle/>
+          <a:p>
+            <a:pPr marL="285750" indent="-285750">
+              <a:buFont typeface="Wingdings" panose="05000000000000000000" pitchFamily="2" charset="2"/>
+              <a:buChar char="Ø"/>
+            </a:pPr>
+            <a:r>
+              <a:rPr lang="pt-BR" sz="1600" dirty="0" smtClean="0"/>
+              <a:t>Fontes: </a:t>
+            </a:r>
+            <a:r>
+              <a:rPr lang="pt-BR" sz="1600" dirty="0" smtClean="0">
+                <a:latin typeface="Courier New" panose="02070309020205020404" pitchFamily="49" charset="0"/>
+                <a:cs typeface="Courier New" panose="02070309020205020404" pitchFamily="49" charset="0"/>
+              </a:rPr>
+              <a:t>...\</a:t>
+            </a:r>
+            <a:r>
+              <a:rPr lang="pt-BR" sz="1600" dirty="0" err="1" smtClean="0">
+                <a:latin typeface="Courier New" panose="02070309020205020404" pitchFamily="49" charset="0"/>
+                <a:cs typeface="Courier New" panose="02070309020205020404" pitchFamily="49" charset="0"/>
+              </a:rPr>
+              <a:t>cursoVTKgeo</a:t>
+            </a:r>
+            <a:r>
+              <a:rPr lang="pt-BR" sz="1600" dirty="0" smtClean="0">
+                <a:latin typeface="Courier New" panose="02070309020205020404" pitchFamily="49" charset="0"/>
+                <a:cs typeface="Courier New" panose="02070309020205020404" pitchFamily="49" charset="0"/>
+              </a:rPr>
+              <a:t>\aulas_3dias\Grid2D</a:t>
+            </a:r>
+            <a:endParaRPr lang="pt-BR" sz="1600" dirty="0" smtClean="0">
+              <a:latin typeface="Courier New" panose="02070309020205020404" pitchFamily="49" charset="0"/>
+              <a:cs typeface="Courier New" panose="02070309020205020404" pitchFamily="49" charset="0"/>
+            </a:endParaRPr>
+          </a:p>
+          <a:p>
+            <a:pPr marL="285750" indent="-285750">
+              <a:buFont typeface="Wingdings" panose="05000000000000000000" pitchFamily="2" charset="2"/>
+              <a:buChar char="Ø"/>
+            </a:pPr>
+            <a:r>
+              <a:rPr lang="pt-BR" sz="1600" dirty="0" smtClean="0">
+                <a:cs typeface="Courier New" panose="02070309020205020404" pitchFamily="49" charset="0"/>
+              </a:rPr>
+              <a:t>Dados</a:t>
+            </a:r>
+            <a:r>
+              <a:rPr lang="pt-BR" sz="1600" dirty="0">
+                <a:cs typeface="Courier New" panose="02070309020205020404" pitchFamily="49" charset="0"/>
+              </a:rPr>
+              <a:t>:</a:t>
+            </a:r>
+            <a:r>
+              <a:rPr lang="pt-BR" sz="1600" dirty="0">
+                <a:latin typeface="Courier New" panose="02070309020205020404" pitchFamily="49" charset="0"/>
+                <a:cs typeface="Courier New" panose="02070309020205020404" pitchFamily="49" charset="0"/>
+              </a:rPr>
+              <a:t> </a:t>
+            </a:r>
+            <a:r>
+              <a:rPr lang="pt-BR" sz="1600" dirty="0" smtClean="0">
+                <a:latin typeface="Courier New" panose="02070309020205020404" pitchFamily="49" charset="0"/>
+                <a:cs typeface="Courier New" panose="02070309020205020404" pitchFamily="49" charset="0"/>
+              </a:rPr>
+              <a:t>...\</a:t>
+            </a:r>
+            <a:r>
+              <a:rPr lang="pt-BR" sz="1600" dirty="0" err="1" smtClean="0">
+                <a:latin typeface="Courier New" panose="02070309020205020404" pitchFamily="49" charset="0"/>
+                <a:cs typeface="Courier New" panose="02070309020205020404" pitchFamily="49" charset="0"/>
+              </a:rPr>
+              <a:t>cursoVTKgeo</a:t>
+            </a:r>
+            <a:r>
+              <a:rPr lang="pt-BR" sz="1600" dirty="0" smtClean="0">
+                <a:latin typeface="Courier New" panose="02070309020205020404" pitchFamily="49" charset="0"/>
+                <a:cs typeface="Courier New" panose="02070309020205020404" pitchFamily="49" charset="0"/>
+              </a:rPr>
+              <a:t>\aulas_3dias\Grid2D\dados\walker_grid.dat</a:t>
+            </a:r>
+            <a:endParaRPr lang="pt-BR" sz="1600" dirty="0" smtClean="0">
+              <a:latin typeface="Courier New" panose="02070309020205020404" pitchFamily="49" charset="0"/>
+              <a:cs typeface="Courier New" panose="02070309020205020404" pitchFamily="49" charset="0"/>
+            </a:endParaRPr>
+          </a:p>
+        </p:txBody>
+      </p:sp>
+      <p:pic>
+        <p:nvPicPr>
+          <p:cNvPr id="2" name="Imagem 1"/>
+          <p:cNvPicPr>
+            <a:picLocks noChangeAspect="1"/>
+          </p:cNvPicPr>
+          <p:nvPr/>
+        </p:nvPicPr>
+        <p:blipFill>
+          <a:blip r:embed="rId3"/>
+          <a:stretch>
+            <a:fillRect/>
+          </a:stretch>
+        </p:blipFill>
+        <p:spPr>
+          <a:xfrm>
+            <a:off x="2411760" y="2196153"/>
+            <a:ext cx="3754890" cy="3965624"/>
+          </a:xfrm>
+          <a:prstGeom prst="rect">
+            <a:avLst/>
+          </a:prstGeom>
+          <a:ln>
+            <a:noFill/>
+          </a:ln>
+          <a:effectLst>
+            <a:outerShdw blurRad="292100" dist="139700" dir="2700000" algn="tl" rotWithShape="0">
+              <a:srgbClr val="333333">
+                <a:alpha val="65000"/>
+              </a:srgbClr>
+            </a:outerShdw>
+          </a:effectLst>
+        </p:spPr>
+      </p:pic>
     </p:spTree>
     <p:extLst>
       <p:ext uri="{BB962C8B-B14F-4D97-AF65-F5344CB8AC3E}">
-        <p14:creationId xmlns:p14="http://schemas.microsoft.com/office/powerpoint/2010/main" val="1653003107"/>
+        <p14:creationId xmlns:p14="http://schemas.microsoft.com/office/powerpoint/2010/main" val="4174760171"/>
       </p:ext>
     </p:extLst>
   </p:cSld>
@@ -15945,7 +16762,7 @@
         <p:spPr>
           <a:xfrm>
             <a:off x="3851920" y="908720"/>
-            <a:ext cx="1503938" cy="369332"/>
+            <a:ext cx="1564852" cy="369332"/>
           </a:xfrm>
           <a:prstGeom prst="rect">
             <a:avLst/>
@@ -15960,7 +16777,7 @@
           <a:p>
             <a:r>
               <a:rPr lang="pt-BR" b="1" dirty="0" smtClean="0"/>
-              <a:t>4.4) Cubos 3D</a:t>
+              <a:t>4.3) Mapas 2D</a:t>
             </a:r>
             <a:endParaRPr lang="pt-BR" b="1" dirty="0"/>
           </a:p>
@@ -15974,8 +16791,8 @@
         </p:nvSpPr>
         <p:spPr>
           <a:xfrm>
-            <a:off x="2987824" y="1218238"/>
-            <a:ext cx="3371116" cy="338554"/>
+            <a:off x="2267744" y="1218238"/>
+            <a:ext cx="4832157" cy="338554"/>
           </a:xfrm>
           <a:prstGeom prst="rect">
             <a:avLst/>
@@ -15990,36 +16807,179 @@
           <a:p>
             <a:r>
               <a:rPr lang="pt-BR" sz="1600" b="1" dirty="0" smtClean="0"/>
-              <a:t>4.4.1) Seções </a:t>
-            </a:r>
-            <a:r>
-              <a:rPr lang="pt-BR" sz="1600" b="1" dirty="0" err="1" smtClean="0"/>
-              <a:t>inline</a:t>
-            </a:r>
-            <a:r>
-              <a:rPr lang="pt-BR" sz="1600" b="1" dirty="0" smtClean="0"/>
-              <a:t>, </a:t>
-            </a:r>
-            <a:r>
-              <a:rPr lang="pt-BR" sz="1600" b="1" dirty="0" err="1" smtClean="0"/>
-              <a:t>crossline</a:t>
-            </a:r>
-            <a:r>
-              <a:rPr lang="pt-BR" sz="1600" b="1" dirty="0" smtClean="0"/>
-              <a:t> e z-</a:t>
-            </a:r>
-            <a:r>
-              <a:rPr lang="pt-BR" sz="1600" b="1" dirty="0" err="1" smtClean="0"/>
-              <a:t>slice</a:t>
+              <a:t>4.3.1) Ocultando valores nulos e locais não amostrados</a:t>
             </a:r>
             <a:endParaRPr lang="pt-BR" sz="1600" b="1" dirty="0"/>
           </a:p>
         </p:txBody>
       </p:sp>
+      <p:sp>
+        <p:nvSpPr>
+          <p:cNvPr id="7" name="CaixaDeTexto 6"/>
+          <p:cNvSpPr txBox="1"/>
+          <p:nvPr/>
+        </p:nvSpPr>
+        <p:spPr>
+          <a:xfrm>
+            <a:off x="323528" y="1620089"/>
+            <a:ext cx="8207696" cy="584775"/>
+          </a:xfrm>
+          <a:prstGeom prst="rect">
+            <a:avLst/>
+          </a:prstGeom>
+          <a:noFill/>
+        </p:spPr>
+        <p:txBody>
+          <a:bodyPr wrap="none" rtlCol="0">
+            <a:spAutoFit/>
+          </a:bodyPr>
+          <a:lstStyle/>
+          <a:p>
+            <a:pPr marL="285750" indent="-285750">
+              <a:buFont typeface="Wingdings" panose="05000000000000000000" pitchFamily="2" charset="2"/>
+              <a:buChar char="Ø"/>
+            </a:pPr>
+            <a:r>
+              <a:rPr lang="pt-BR" sz="1600" dirty="0" smtClean="0"/>
+              <a:t>Fontes: </a:t>
+            </a:r>
+            <a:r>
+              <a:rPr lang="pt-BR" sz="1600" dirty="0" smtClean="0">
+                <a:latin typeface="Courier New" panose="02070309020205020404" pitchFamily="49" charset="0"/>
+                <a:cs typeface="Courier New" panose="02070309020205020404" pitchFamily="49" charset="0"/>
+              </a:rPr>
+              <a:t>...\</a:t>
+            </a:r>
+            <a:r>
+              <a:rPr lang="pt-BR" sz="1600" dirty="0" err="1" smtClean="0">
+                <a:latin typeface="Courier New" panose="02070309020205020404" pitchFamily="49" charset="0"/>
+                <a:cs typeface="Courier New" panose="02070309020205020404" pitchFamily="49" charset="0"/>
+              </a:rPr>
+              <a:t>cursoVTKgeo</a:t>
+            </a:r>
+            <a:r>
+              <a:rPr lang="pt-BR" sz="1600" dirty="0" smtClean="0">
+                <a:latin typeface="Courier New" panose="02070309020205020404" pitchFamily="49" charset="0"/>
+                <a:cs typeface="Courier New" panose="02070309020205020404" pitchFamily="49" charset="0"/>
+              </a:rPr>
+              <a:t>\aulas_3dias\</a:t>
+            </a:r>
+            <a:r>
+              <a:rPr lang="pt-BR" sz="1600" dirty="0" err="1" smtClean="0">
+                <a:latin typeface="Courier New" panose="02070309020205020404" pitchFamily="49" charset="0"/>
+                <a:cs typeface="Courier New" panose="02070309020205020404" pitchFamily="49" charset="0"/>
+              </a:rPr>
+              <a:t>GridNDV</a:t>
+            </a:r>
+            <a:endParaRPr lang="pt-BR" sz="1600" dirty="0" smtClean="0">
+              <a:latin typeface="Courier New" panose="02070309020205020404" pitchFamily="49" charset="0"/>
+              <a:cs typeface="Courier New" panose="02070309020205020404" pitchFamily="49" charset="0"/>
+            </a:endParaRPr>
+          </a:p>
+          <a:p>
+            <a:pPr marL="285750" indent="-285750">
+              <a:buFont typeface="Wingdings" panose="05000000000000000000" pitchFamily="2" charset="2"/>
+              <a:buChar char="Ø"/>
+            </a:pPr>
+            <a:r>
+              <a:rPr lang="pt-BR" sz="1600" dirty="0" smtClean="0">
+                <a:cs typeface="Courier New" panose="02070309020205020404" pitchFamily="49" charset="0"/>
+              </a:rPr>
+              <a:t>Dados</a:t>
+            </a:r>
+            <a:r>
+              <a:rPr lang="pt-BR" sz="1600" dirty="0">
+                <a:cs typeface="Courier New" panose="02070309020205020404" pitchFamily="49" charset="0"/>
+              </a:rPr>
+              <a:t>:</a:t>
+            </a:r>
+            <a:r>
+              <a:rPr lang="pt-BR" sz="1600" dirty="0">
+                <a:latin typeface="Courier New" panose="02070309020205020404" pitchFamily="49" charset="0"/>
+                <a:cs typeface="Courier New" panose="02070309020205020404" pitchFamily="49" charset="0"/>
+              </a:rPr>
+              <a:t> </a:t>
+            </a:r>
+            <a:r>
+              <a:rPr lang="pt-BR" sz="1600" dirty="0" smtClean="0">
+                <a:latin typeface="Courier New" panose="02070309020205020404" pitchFamily="49" charset="0"/>
+                <a:cs typeface="Courier New" panose="02070309020205020404" pitchFamily="49" charset="0"/>
+              </a:rPr>
+              <a:t>...\</a:t>
+            </a:r>
+            <a:r>
+              <a:rPr lang="pt-BR" sz="1600" dirty="0" err="1" smtClean="0">
+                <a:latin typeface="Courier New" panose="02070309020205020404" pitchFamily="49" charset="0"/>
+                <a:cs typeface="Courier New" panose="02070309020205020404" pitchFamily="49" charset="0"/>
+              </a:rPr>
+              <a:t>cursoVTKgeo</a:t>
+            </a:r>
+            <a:r>
+              <a:rPr lang="pt-BR" sz="1600" dirty="0" smtClean="0">
+                <a:latin typeface="Courier New" panose="02070309020205020404" pitchFamily="49" charset="0"/>
+                <a:cs typeface="Courier New" panose="02070309020205020404" pitchFamily="49" charset="0"/>
+              </a:rPr>
+              <a:t>\aulas_3dias\</a:t>
+            </a:r>
+            <a:r>
+              <a:rPr lang="pt-BR" sz="1600" dirty="0" err="1" smtClean="0">
+                <a:latin typeface="Courier New" panose="02070309020205020404" pitchFamily="49" charset="0"/>
+                <a:cs typeface="Courier New" panose="02070309020205020404" pitchFamily="49" charset="0"/>
+              </a:rPr>
+              <a:t>GridNDV</a:t>
+            </a:r>
+            <a:r>
+              <a:rPr lang="pt-BR" sz="1600" dirty="0" smtClean="0">
+                <a:latin typeface="Courier New" panose="02070309020205020404" pitchFamily="49" charset="0"/>
+                <a:cs typeface="Courier New" panose="02070309020205020404" pitchFamily="49" charset="0"/>
+              </a:rPr>
+              <a:t>\dados\walker_grid.dat</a:t>
+            </a:r>
+            <a:endParaRPr lang="pt-BR" sz="1600" dirty="0" smtClean="0">
+              <a:latin typeface="Courier New" panose="02070309020205020404" pitchFamily="49" charset="0"/>
+              <a:cs typeface="Courier New" panose="02070309020205020404" pitchFamily="49" charset="0"/>
+            </a:endParaRPr>
+          </a:p>
+        </p:txBody>
+      </p:sp>
+      <p:pic>
+        <p:nvPicPr>
+          <p:cNvPr id="3" name="Imagem 2"/>
+          <p:cNvPicPr>
+            <a:picLocks noChangeAspect="1"/>
+          </p:cNvPicPr>
+          <p:nvPr/>
+        </p:nvPicPr>
+        <p:blipFill>
+          <a:blip r:embed="rId3"/>
+          <a:stretch>
+            <a:fillRect/>
+          </a:stretch>
+        </p:blipFill>
+        <p:spPr>
+          <a:xfrm>
+            <a:off x="2483768" y="2348880"/>
+            <a:ext cx="3816424" cy="4030611"/>
+          </a:xfrm>
+          <a:prstGeom prst="rect">
+            <a:avLst/>
+          </a:prstGeom>
+          <a:ln>
+            <a:noFill/>
+          </a:ln>
+          <a:effectLst>
+            <a:outerShdw blurRad="292100" dist="139700" dir="2700000" algn="tl" rotWithShape="0">
+              <a:srgbClr val="333333">
+                <a:alpha val="65000"/>
+              </a:srgbClr>
+            </a:outerShdw>
+          </a:effectLst>
+        </p:spPr>
+      </p:pic>
     </p:spTree>
     <p:extLst>
       <p:ext uri="{BB962C8B-B14F-4D97-AF65-F5344CB8AC3E}">
-        <p14:creationId xmlns:p14="http://schemas.microsoft.com/office/powerpoint/2010/main" val="760961505"/>
+        <p14:creationId xmlns:p14="http://schemas.microsoft.com/office/powerpoint/2010/main" val="3585225282"/>
       </p:ext>
     </p:extLst>
   </p:cSld>
@@ -16121,44 +17081,10 @@
           </a:p>
         </p:txBody>
       </p:sp>
-      <p:sp>
-        <p:nvSpPr>
-          <p:cNvPr id="6" name="CaixaDeTexto 5"/>
-          <p:cNvSpPr txBox="1"/>
-          <p:nvPr/>
-        </p:nvSpPr>
-        <p:spPr>
-          <a:xfrm>
-            <a:off x="3624835" y="1218238"/>
-            <a:ext cx="2099293" cy="338554"/>
-          </a:xfrm>
-          <a:prstGeom prst="rect">
-            <a:avLst/>
-          </a:prstGeom>
-          <a:noFill/>
-        </p:spPr>
-        <p:txBody>
-          <a:bodyPr wrap="none" rtlCol="0">
-            <a:spAutoFit/>
-          </a:bodyPr>
-          <a:lstStyle/>
-          <a:p>
-            <a:r>
-              <a:rPr lang="pt-BR" sz="1600" b="1" dirty="0" smtClean="0"/>
-              <a:t>4.4.2) </a:t>
-            </a:r>
-            <a:r>
-              <a:rPr lang="pt-BR" sz="1600" b="1" dirty="0" err="1" smtClean="0"/>
-              <a:t>Subamostragem</a:t>
-            </a:r>
-            <a:endParaRPr lang="pt-BR" sz="1600" b="1" dirty="0"/>
-          </a:p>
-        </p:txBody>
-      </p:sp>
     </p:spTree>
     <p:extLst>
       <p:ext uri="{BB962C8B-B14F-4D97-AF65-F5344CB8AC3E}">
-        <p14:creationId xmlns:p14="http://schemas.microsoft.com/office/powerpoint/2010/main" val="2988628406"/>
+        <p14:creationId xmlns:p14="http://schemas.microsoft.com/office/powerpoint/2010/main" val="1653003107"/>
       </p:ext>
     </p:extLst>
   </p:cSld>
@@ -16238,8 +17164,8 @@
         </p:nvSpPr>
         <p:spPr>
           <a:xfrm>
-            <a:off x="2843808" y="908720"/>
-            <a:ext cx="3865930" cy="369332"/>
+            <a:off x="3851920" y="908720"/>
+            <a:ext cx="1503938" cy="369332"/>
           </a:xfrm>
           <a:prstGeom prst="rect">
             <a:avLst/>
@@ -16254,7 +17180,7 @@
           <a:p>
             <a:r>
               <a:rPr lang="pt-BR" b="1" dirty="0" smtClean="0"/>
-              <a:t>4.5) Estruturas de geometria complexa</a:t>
+              <a:t>4.4) Cubos 3D</a:t>
             </a:r>
             <a:endParaRPr lang="pt-BR" b="1" dirty="0"/>
           </a:p>
@@ -16268,8 +17194,8 @@
         </p:nvSpPr>
         <p:spPr>
           <a:xfrm>
-            <a:off x="3624835" y="1218238"/>
-            <a:ext cx="2091855" cy="338554"/>
+            <a:off x="2987824" y="1218238"/>
+            <a:ext cx="3371116" cy="338554"/>
           </a:xfrm>
           <a:prstGeom prst="rect">
             <a:avLst/>
@@ -16284,7 +17210,27 @@
           <a:p>
             <a:r>
               <a:rPr lang="pt-BR" sz="1600" b="1" dirty="0" smtClean="0"/>
-              <a:t>4.5.1) Linha poligonais</a:t>
+              <a:t>4.4.1) Seções </a:t>
+            </a:r>
+            <a:r>
+              <a:rPr lang="pt-BR" sz="1600" b="1" dirty="0" err="1" smtClean="0"/>
+              <a:t>inline</a:t>
+            </a:r>
+            <a:r>
+              <a:rPr lang="pt-BR" sz="1600" b="1" dirty="0" smtClean="0"/>
+              <a:t>, </a:t>
+            </a:r>
+            <a:r>
+              <a:rPr lang="pt-BR" sz="1600" b="1" dirty="0" err="1" smtClean="0"/>
+              <a:t>crossline</a:t>
+            </a:r>
+            <a:r>
+              <a:rPr lang="pt-BR" sz="1600" b="1" dirty="0" smtClean="0"/>
+              <a:t> e z-</a:t>
+            </a:r>
+            <a:r>
+              <a:rPr lang="pt-BR" sz="1600" b="1" dirty="0" err="1" smtClean="0"/>
+              <a:t>slice</a:t>
             </a:r>
             <a:endParaRPr lang="pt-BR" sz="1600" b="1" dirty="0"/>
           </a:p>
@@ -16293,7 +17239,7 @@
     </p:spTree>
     <p:extLst>
       <p:ext uri="{BB962C8B-B14F-4D97-AF65-F5344CB8AC3E}">
-        <p14:creationId xmlns:p14="http://schemas.microsoft.com/office/powerpoint/2010/main" val="2161034562"/>
+        <p14:creationId xmlns:p14="http://schemas.microsoft.com/office/powerpoint/2010/main" val="760961505"/>
       </p:ext>
     </p:extLst>
   </p:cSld>
@@ -16373,8 +17319,8 @@
         </p:nvSpPr>
         <p:spPr>
           <a:xfrm>
-            <a:off x="2843808" y="908720"/>
-            <a:ext cx="3865930" cy="369332"/>
+            <a:off x="3851920" y="908720"/>
+            <a:ext cx="1503938" cy="369332"/>
           </a:xfrm>
           <a:prstGeom prst="rect">
             <a:avLst/>
@@ -16389,7 +17335,7 @@
           <a:p>
             <a:r>
               <a:rPr lang="pt-BR" b="1" dirty="0" smtClean="0"/>
-              <a:t>4.5) Estruturas de geometria complexa</a:t>
+              <a:t>4.4) Cubos 3D</a:t>
             </a:r>
             <a:endParaRPr lang="pt-BR" b="1" dirty="0"/>
           </a:p>
@@ -16403,8 +17349,8 @@
         </p:nvSpPr>
         <p:spPr>
           <a:xfrm>
-            <a:off x="3859896" y="1218238"/>
-            <a:ext cx="1648208" cy="338554"/>
+            <a:off x="3624835" y="1218238"/>
+            <a:ext cx="2099293" cy="338554"/>
           </a:xfrm>
           <a:prstGeom prst="rect">
             <a:avLst/>
@@ -16419,7 +17365,11 @@
           <a:p>
             <a:r>
               <a:rPr lang="pt-BR" sz="1600" b="1" dirty="0" smtClean="0"/>
-              <a:t>4.5.2) Superfícies</a:t>
+              <a:t>4.4.2) </a:t>
+            </a:r>
+            <a:r>
+              <a:rPr lang="pt-BR" sz="1600" b="1" dirty="0" err="1" smtClean="0"/>
+              <a:t>Subamostragem</a:t>
             </a:r>
             <a:endParaRPr lang="pt-BR" sz="1600" b="1" dirty="0"/>
           </a:p>
@@ -16428,7 +17378,7 @@
     </p:spTree>
     <p:extLst>
       <p:ext uri="{BB962C8B-B14F-4D97-AF65-F5344CB8AC3E}">
-        <p14:creationId xmlns:p14="http://schemas.microsoft.com/office/powerpoint/2010/main" val="3812166210"/>
+        <p14:creationId xmlns:p14="http://schemas.microsoft.com/office/powerpoint/2010/main" val="2988628406"/>
       </p:ext>
     </p:extLst>
   </p:cSld>
@@ -17096,8 +18046,8 @@
         </p:nvSpPr>
         <p:spPr>
           <a:xfrm>
-            <a:off x="2421706" y="908720"/>
-            <a:ext cx="4670574" cy="369332"/>
+            <a:off x="2843808" y="908720"/>
+            <a:ext cx="3865930" cy="369332"/>
           </a:xfrm>
           <a:prstGeom prst="rect">
             <a:avLst/>
@@ -17112,28 +18062,132 @@
           <a:p>
             <a:r>
               <a:rPr lang="pt-BR" b="1" dirty="0" smtClean="0"/>
-              <a:t>4.6) Interação com o modelo: </a:t>
-            </a:r>
-            <a:r>
-              <a:rPr lang="pt-BR" b="1" i="1" dirty="0" err="1" smtClean="0"/>
-              <a:t>picking</a:t>
-            </a:r>
-            <a:r>
-              <a:rPr lang="pt-BR" b="1" dirty="0" smtClean="0"/>
-              <a:t> e </a:t>
-            </a:r>
-            <a:r>
-              <a:rPr lang="pt-BR" b="1" i="1" dirty="0" err="1" smtClean="0"/>
-              <a:t>probing</a:t>
-            </a:r>
-            <a:endParaRPr lang="pt-BR" b="1" i="1" dirty="0"/>
-          </a:p>
-        </p:txBody>
-      </p:sp>
+              <a:t>4.5) Estruturas de geometria complexa</a:t>
+            </a:r>
+            <a:endParaRPr lang="pt-BR" b="1" dirty="0"/>
+          </a:p>
+        </p:txBody>
+      </p:sp>
+      <p:sp>
+        <p:nvSpPr>
+          <p:cNvPr id="6" name="CaixaDeTexto 5"/>
+          <p:cNvSpPr txBox="1"/>
+          <p:nvPr/>
+        </p:nvSpPr>
+        <p:spPr>
+          <a:xfrm>
+            <a:off x="3624835" y="1218238"/>
+            <a:ext cx="2173608" cy="338554"/>
+          </a:xfrm>
+          <a:prstGeom prst="rect">
+            <a:avLst/>
+          </a:prstGeom>
+          <a:noFill/>
+        </p:spPr>
+        <p:txBody>
+          <a:bodyPr wrap="none" rtlCol="0">
+            <a:spAutoFit/>
+          </a:bodyPr>
+          <a:lstStyle/>
+          <a:p>
+            <a:r>
+              <a:rPr lang="pt-BR" sz="1600" b="1" dirty="0" smtClean="0"/>
+              <a:t>4.5.1) </a:t>
+            </a:r>
+            <a:r>
+              <a:rPr lang="pt-BR" sz="1600" b="1" dirty="0" smtClean="0"/>
+              <a:t>Linhas </a:t>
+            </a:r>
+            <a:r>
+              <a:rPr lang="pt-BR" sz="1600" b="1" dirty="0" smtClean="0"/>
+              <a:t>poligonais</a:t>
+            </a:r>
+            <a:endParaRPr lang="pt-BR" sz="1600" b="1" dirty="0"/>
+          </a:p>
+        </p:txBody>
+      </p:sp>
+      <p:sp>
+        <p:nvSpPr>
+          <p:cNvPr id="7" name="CaixaDeTexto 6"/>
+          <p:cNvSpPr txBox="1"/>
+          <p:nvPr/>
+        </p:nvSpPr>
+        <p:spPr>
+          <a:xfrm>
+            <a:off x="323528" y="1620089"/>
+            <a:ext cx="4900509" cy="338554"/>
+          </a:xfrm>
+          <a:prstGeom prst="rect">
+            <a:avLst/>
+          </a:prstGeom>
+          <a:noFill/>
+        </p:spPr>
+        <p:txBody>
+          <a:bodyPr wrap="none" rtlCol="0">
+            <a:spAutoFit/>
+          </a:bodyPr>
+          <a:lstStyle/>
+          <a:p>
+            <a:pPr marL="285750" indent="-285750">
+              <a:buFont typeface="Wingdings" panose="05000000000000000000" pitchFamily="2" charset="2"/>
+              <a:buChar char="Ø"/>
+            </a:pPr>
+            <a:r>
+              <a:rPr lang="pt-BR" sz="1600" dirty="0" smtClean="0">
+                <a:latin typeface="+mj-lt"/>
+                <a:cs typeface="Courier New" panose="02070309020205020404" pitchFamily="49" charset="0"/>
+              </a:rPr>
+              <a:t>Um dado de trajetória de poço em formato GEO-EAS.</a:t>
+            </a:r>
+            <a:endParaRPr lang="pt-BR" sz="1600" dirty="0" smtClean="0">
+              <a:latin typeface="+mj-lt"/>
+              <a:cs typeface="Courier New" panose="02070309020205020404" pitchFamily="49" charset="0"/>
+            </a:endParaRPr>
+          </a:p>
+        </p:txBody>
+      </p:sp>
+      <p:pic>
+        <p:nvPicPr>
+          <p:cNvPr id="3" name="Imagem 2"/>
+          <p:cNvPicPr>
+            <a:picLocks noChangeAspect="1"/>
+          </p:cNvPicPr>
+          <p:nvPr/>
+        </p:nvPicPr>
+        <p:blipFill>
+          <a:blip r:embed="rId3"/>
+          <a:stretch>
+            <a:fillRect/>
+          </a:stretch>
+        </p:blipFill>
+        <p:spPr>
+          <a:xfrm>
+            <a:off x="899592" y="2313256"/>
+            <a:ext cx="7353300" cy="3581400"/>
+          </a:xfrm>
+          <a:prstGeom prst="rect">
+            <a:avLst/>
+          </a:prstGeom>
+          <a:ln w="38100" cap="sq">
+            <a:solidFill>
+              <a:srgbClr val="000000"/>
+            </a:solidFill>
+            <a:prstDash val="solid"/>
+            <a:miter lim="800000"/>
+          </a:ln>
+          <a:effectLst>
+            <a:outerShdw blurRad="50800" dist="38100" dir="2700000" algn="tl" rotWithShape="0">
+              <a:srgbClr val="000000">
+                <a:alpha val="43000"/>
+              </a:srgbClr>
+            </a:outerShdw>
+          </a:effectLst>
+        </p:spPr>
+      </p:pic>
     </p:spTree>
     <p:extLst>
       <p:ext uri="{BB962C8B-B14F-4D97-AF65-F5344CB8AC3E}">
-        <p14:creationId xmlns:p14="http://schemas.microsoft.com/office/powerpoint/2010/main" val="3321787556"/>
+        <p14:creationId xmlns:p14="http://schemas.microsoft.com/office/powerpoint/2010/main" val="2161034562"/>
       </p:ext>
     </p:extLst>
   </p:cSld>
@@ -17191,7 +18245,15 @@
           <a:p>
             <a:r>
               <a:rPr lang="pt-BR" sz="2400" dirty="0" smtClean="0"/>
-              <a:t>Mais sobre VTK</a:t>
+              <a:t>4) Aplicações C++/</a:t>
+            </a:r>
+            <a:r>
+              <a:rPr lang="pt-BR" sz="2400" dirty="0" err="1" smtClean="0"/>
+              <a:t>Qt</a:t>
+            </a:r>
+            <a:r>
+              <a:rPr lang="pt-BR" sz="2400" dirty="0" smtClean="0"/>
+              <a:t> com VTK</a:t>
             </a:r>
             <a:endParaRPr lang="pt-BR" sz="1400" dirty="0"/>
           </a:p>
@@ -17205,8 +18267,76 @@
         </p:nvSpPr>
         <p:spPr>
           <a:xfrm>
-            <a:off x="827584" y="1412776"/>
-            <a:ext cx="1002582" cy="369332"/>
+            <a:off x="2843808" y="908720"/>
+            <a:ext cx="3865930" cy="369332"/>
+          </a:xfrm>
+          <a:prstGeom prst="rect">
+            <a:avLst/>
+          </a:prstGeom>
+          <a:noFill/>
+        </p:spPr>
+        <p:txBody>
+          <a:bodyPr wrap="none" rtlCol="0">
+            <a:spAutoFit/>
+          </a:bodyPr>
+          <a:lstStyle/>
+          <a:p>
+            <a:r>
+              <a:rPr lang="pt-BR" b="1" dirty="0" smtClean="0"/>
+              <a:t>4.5) Estruturas de geometria complexa</a:t>
+            </a:r>
+            <a:endParaRPr lang="pt-BR" b="1" dirty="0"/>
+          </a:p>
+        </p:txBody>
+      </p:sp>
+      <p:sp>
+        <p:nvSpPr>
+          <p:cNvPr id="6" name="CaixaDeTexto 5"/>
+          <p:cNvSpPr txBox="1"/>
+          <p:nvPr/>
+        </p:nvSpPr>
+        <p:spPr>
+          <a:xfrm>
+            <a:off x="3624835" y="1218238"/>
+            <a:ext cx="2173608" cy="338554"/>
+          </a:xfrm>
+          <a:prstGeom prst="rect">
+            <a:avLst/>
+          </a:prstGeom>
+          <a:noFill/>
+        </p:spPr>
+        <p:txBody>
+          <a:bodyPr wrap="none" rtlCol="0">
+            <a:spAutoFit/>
+          </a:bodyPr>
+          <a:lstStyle/>
+          <a:p>
+            <a:r>
+              <a:rPr lang="pt-BR" sz="1600" b="1" dirty="0" smtClean="0"/>
+              <a:t>4.5.1) </a:t>
+            </a:r>
+            <a:r>
+              <a:rPr lang="pt-BR" sz="1600" b="1" dirty="0" smtClean="0"/>
+              <a:t>Linhas </a:t>
+            </a:r>
+            <a:r>
+              <a:rPr lang="pt-BR" sz="1600" b="1" dirty="0" smtClean="0"/>
+              <a:t>poligonais</a:t>
+            </a:r>
+            <a:endParaRPr lang="pt-BR" sz="1600" b="1" dirty="0"/>
+          </a:p>
+        </p:txBody>
+      </p:sp>
+      <p:sp>
+        <p:nvSpPr>
+          <p:cNvPr id="7" name="CaixaDeTexto 6"/>
+          <p:cNvSpPr txBox="1"/>
+          <p:nvPr/>
+        </p:nvSpPr>
+        <p:spPr>
+          <a:xfrm>
+            <a:off x="323528" y="1620089"/>
+            <a:ext cx="8084264" cy="584775"/>
           </a:xfrm>
           <a:prstGeom prst="rect">
             <a:avLst/>
@@ -17224,10 +18354,105 @@
               <a:buChar char="Ø"/>
             </a:pPr>
             <a:r>
-              <a:rPr lang="pt-BR" b="1" dirty="0" smtClean="0"/>
-              <a:t>Livro:</a:t>
-            </a:r>
-            <a:endParaRPr lang="pt-BR" b="1" i="1" dirty="0"/>
+              <a:rPr lang="pt-BR" sz="1600" dirty="0" smtClean="0"/>
+              <a:t>Fontes: </a:t>
+            </a:r>
+            <a:r>
+              <a:rPr lang="pt-BR" sz="1600" dirty="0" smtClean="0">
+                <a:latin typeface="Courier New" panose="02070309020205020404" pitchFamily="49" charset="0"/>
+                <a:cs typeface="Courier New" panose="02070309020205020404" pitchFamily="49" charset="0"/>
+              </a:rPr>
+              <a:t>...\</a:t>
+            </a:r>
+            <a:r>
+              <a:rPr lang="pt-BR" sz="1600" dirty="0" err="1" smtClean="0">
+                <a:latin typeface="Courier New" panose="02070309020205020404" pitchFamily="49" charset="0"/>
+                <a:cs typeface="Courier New" panose="02070309020205020404" pitchFamily="49" charset="0"/>
+              </a:rPr>
+              <a:t>cursoVTKgeo</a:t>
+            </a:r>
+            <a:r>
+              <a:rPr lang="pt-BR" sz="1600" dirty="0" smtClean="0">
+                <a:latin typeface="Courier New" panose="02070309020205020404" pitchFamily="49" charset="0"/>
+                <a:cs typeface="Courier New" panose="02070309020205020404" pitchFamily="49" charset="0"/>
+              </a:rPr>
+              <a:t>\aulas_3dias\</a:t>
+            </a:r>
+            <a:r>
+              <a:rPr lang="pt-BR" sz="1600" dirty="0" err="1" smtClean="0">
+                <a:latin typeface="Courier New" panose="02070309020205020404" pitchFamily="49" charset="0"/>
+                <a:cs typeface="Courier New" panose="02070309020205020404" pitchFamily="49" charset="0"/>
+              </a:rPr>
+              <a:t>PocoLito</a:t>
+            </a:r>
+            <a:endParaRPr lang="pt-BR" sz="1600" dirty="0" smtClean="0">
+              <a:latin typeface="Courier New" panose="02070309020205020404" pitchFamily="49" charset="0"/>
+              <a:cs typeface="Courier New" panose="02070309020205020404" pitchFamily="49" charset="0"/>
+            </a:endParaRPr>
+          </a:p>
+          <a:p>
+            <a:pPr marL="285750" indent="-285750">
+              <a:buFont typeface="Wingdings" panose="05000000000000000000" pitchFamily="2" charset="2"/>
+              <a:buChar char="Ø"/>
+            </a:pPr>
+            <a:r>
+              <a:rPr lang="pt-BR" sz="1600" dirty="0" smtClean="0">
+                <a:cs typeface="Courier New" panose="02070309020205020404" pitchFamily="49" charset="0"/>
+              </a:rPr>
+              <a:t>Dados</a:t>
+            </a:r>
+            <a:r>
+              <a:rPr lang="pt-BR" sz="1600" dirty="0">
+                <a:cs typeface="Courier New" panose="02070309020205020404" pitchFamily="49" charset="0"/>
+              </a:rPr>
+              <a:t>:</a:t>
+            </a:r>
+            <a:r>
+              <a:rPr lang="pt-BR" sz="1600" dirty="0">
+                <a:latin typeface="Courier New" panose="02070309020205020404" pitchFamily="49" charset="0"/>
+                <a:cs typeface="Courier New" panose="02070309020205020404" pitchFamily="49" charset="0"/>
+              </a:rPr>
+              <a:t> </a:t>
+            </a:r>
+            <a:r>
+              <a:rPr lang="pt-BR" sz="1600" dirty="0" smtClean="0">
+                <a:latin typeface="Courier New" panose="02070309020205020404" pitchFamily="49" charset="0"/>
+                <a:cs typeface="Courier New" panose="02070309020205020404" pitchFamily="49" charset="0"/>
+              </a:rPr>
+              <a:t>...\</a:t>
+            </a:r>
+            <a:r>
+              <a:rPr lang="pt-BR" sz="1600" dirty="0" err="1" smtClean="0">
+                <a:latin typeface="Courier New" panose="02070309020205020404" pitchFamily="49" charset="0"/>
+                <a:cs typeface="Courier New" panose="02070309020205020404" pitchFamily="49" charset="0"/>
+              </a:rPr>
+              <a:t>cursoVTKgeo</a:t>
+            </a:r>
+            <a:r>
+              <a:rPr lang="pt-BR" sz="1600" dirty="0" smtClean="0">
+                <a:latin typeface="Courier New" panose="02070309020205020404" pitchFamily="49" charset="0"/>
+                <a:cs typeface="Courier New" panose="02070309020205020404" pitchFamily="49" charset="0"/>
+              </a:rPr>
+              <a:t>\aulas_3dias\</a:t>
+            </a:r>
+            <a:r>
+              <a:rPr lang="pt-BR" sz="1600" dirty="0" err="1" smtClean="0">
+                <a:latin typeface="Courier New" panose="02070309020205020404" pitchFamily="49" charset="0"/>
+                <a:cs typeface="Courier New" panose="02070309020205020404" pitchFamily="49" charset="0"/>
+              </a:rPr>
+              <a:t>PocoLito</a:t>
+            </a:r>
+            <a:r>
+              <a:rPr lang="pt-BR" sz="1600" dirty="0" smtClean="0">
+                <a:latin typeface="Courier New" panose="02070309020205020404" pitchFamily="49" charset="0"/>
+                <a:cs typeface="Courier New" panose="02070309020205020404" pitchFamily="49" charset="0"/>
+              </a:rPr>
+              <a:t>\dados\poco_lito.txt</a:t>
+            </a:r>
+            <a:endParaRPr lang="pt-BR" sz="1600" dirty="0" smtClean="0">
+              <a:latin typeface="Courier New" panose="02070309020205020404" pitchFamily="49" charset="0"/>
+              <a:cs typeface="Courier New" panose="02070309020205020404" pitchFamily="49" charset="0"/>
+            </a:endParaRPr>
           </a:p>
         </p:txBody>
       </p:sp>
@@ -17240,72 +18465,35 @@
           <p:nvPr/>
         </p:nvPicPr>
         <p:blipFill>
-          <a:blip r:embed="rId3">
-            <a:extLst>
-              <a:ext uri="{28A0092B-C50C-407E-A947-70E740481C1C}">
-                <a14:useLocalDpi xmlns:a14="http://schemas.microsoft.com/office/drawing/2010/main" val="0"/>
-              </a:ext>
-            </a:extLst>
-          </a:blip>
+          <a:blip r:embed="rId3"/>
           <a:stretch>
             <a:fillRect/>
           </a:stretch>
         </p:blipFill>
         <p:spPr>
           <a:xfrm>
-            <a:off x="3377711" y="1433165"/>
-            <a:ext cx="2706457" cy="3789040"/>
+            <a:off x="2339752" y="2297877"/>
+            <a:ext cx="3880470" cy="4098251"/>
           </a:xfrm>
           <a:prstGeom prst="rect">
             <a:avLst/>
           </a:prstGeom>
+          <a:ln>
+            <a:noFill/>
+          </a:ln>
+          <a:effectLst>
+            <a:outerShdw blurRad="292100" dist="139700" dir="2700000" algn="tl" rotWithShape="0">
+              <a:srgbClr val="333333">
+                <a:alpha val="65000"/>
+              </a:srgbClr>
+            </a:outerShdw>
+          </a:effectLst>
         </p:spPr>
       </p:pic>
-      <p:sp>
-        <p:nvSpPr>
-          <p:cNvPr id="3" name="Retângulo 2"/>
-          <p:cNvSpPr/>
-          <p:nvPr/>
-        </p:nvSpPr>
-        <p:spPr>
-          <a:xfrm>
-            <a:off x="1565920" y="5147900"/>
-            <a:ext cx="6174432" cy="369332"/>
-          </a:xfrm>
-          <a:prstGeom prst="rect">
-            <a:avLst/>
-          </a:prstGeom>
-        </p:spPr>
-        <p:txBody>
-          <a:bodyPr wrap="square">
-            <a:spAutoFit/>
-          </a:bodyPr>
-          <a:lstStyle/>
-          <a:p>
-            <a:r>
-              <a:rPr lang="pt-BR" dirty="0">
-                <a:hlinkClick r:id="rId4"/>
-              </a:rPr>
-              <a:t>https://</a:t>
-            </a:r>
-            <a:r>
-              <a:rPr lang="pt-BR" dirty="0" smtClean="0">
-                <a:hlinkClick r:id="rId4"/>
-              </a:rPr>
-              <a:t>www.kitware.com/products/books/VTKTextbook.pdf</a:t>
-            </a:r>
-            <a:r>
-              <a:rPr lang="pt-BR" dirty="0" smtClean="0"/>
-              <a:t> </a:t>
-            </a:r>
-            <a:endParaRPr lang="pt-BR" dirty="0"/>
-          </a:p>
-        </p:txBody>
-      </p:sp>
     </p:spTree>
     <p:extLst>
       <p:ext uri="{BB962C8B-B14F-4D97-AF65-F5344CB8AC3E}">
-        <p14:creationId xmlns:p14="http://schemas.microsoft.com/office/powerpoint/2010/main" val="3048172996"/>
+        <p14:creationId xmlns:p14="http://schemas.microsoft.com/office/powerpoint/2010/main" val="1857220638"/>
       </p:ext>
     </p:extLst>
   </p:cSld>
@@ -17363,6 +18551,792 @@
           <a:p>
             <a:r>
               <a:rPr lang="pt-BR" sz="2400" dirty="0" smtClean="0"/>
+              <a:t>4) Aplicações C++/</a:t>
+            </a:r>
+            <a:r>
+              <a:rPr lang="pt-BR" sz="2400" dirty="0" err="1" smtClean="0"/>
+              <a:t>Qt</a:t>
+            </a:r>
+            <a:r>
+              <a:rPr lang="pt-BR" sz="2400" dirty="0" smtClean="0"/>
+              <a:t> com VTK</a:t>
+            </a:r>
+            <a:endParaRPr lang="pt-BR" sz="1400" dirty="0"/>
+          </a:p>
+        </p:txBody>
+      </p:sp>
+      <p:sp>
+        <p:nvSpPr>
+          <p:cNvPr id="5" name="CaixaDeTexto 4"/>
+          <p:cNvSpPr txBox="1"/>
+          <p:nvPr/>
+        </p:nvSpPr>
+        <p:spPr>
+          <a:xfrm>
+            <a:off x="2843808" y="908720"/>
+            <a:ext cx="3865930" cy="369332"/>
+          </a:xfrm>
+          <a:prstGeom prst="rect">
+            <a:avLst/>
+          </a:prstGeom>
+          <a:noFill/>
+        </p:spPr>
+        <p:txBody>
+          <a:bodyPr wrap="none" rtlCol="0">
+            <a:spAutoFit/>
+          </a:bodyPr>
+          <a:lstStyle/>
+          <a:p>
+            <a:r>
+              <a:rPr lang="pt-BR" b="1" dirty="0" smtClean="0"/>
+              <a:t>4.5) Estruturas de geometria complexa</a:t>
+            </a:r>
+            <a:endParaRPr lang="pt-BR" b="1" dirty="0"/>
+          </a:p>
+        </p:txBody>
+      </p:sp>
+      <p:sp>
+        <p:nvSpPr>
+          <p:cNvPr id="6" name="CaixaDeTexto 5"/>
+          <p:cNvSpPr txBox="1"/>
+          <p:nvPr/>
+        </p:nvSpPr>
+        <p:spPr>
+          <a:xfrm>
+            <a:off x="3859896" y="1218238"/>
+            <a:ext cx="1648208" cy="338554"/>
+          </a:xfrm>
+          <a:prstGeom prst="rect">
+            <a:avLst/>
+          </a:prstGeom>
+          <a:noFill/>
+        </p:spPr>
+        <p:txBody>
+          <a:bodyPr wrap="none" rtlCol="0">
+            <a:spAutoFit/>
+          </a:bodyPr>
+          <a:lstStyle/>
+          <a:p>
+            <a:r>
+              <a:rPr lang="pt-BR" sz="1600" b="1" dirty="0" smtClean="0"/>
+              <a:t>4.5.2) Superfícies</a:t>
+            </a:r>
+            <a:endParaRPr lang="pt-BR" sz="1600" b="1" dirty="0"/>
+          </a:p>
+        </p:txBody>
+      </p:sp>
+      <p:sp>
+        <p:nvSpPr>
+          <p:cNvPr id="7" name="CaixaDeTexto 6"/>
+          <p:cNvSpPr txBox="1"/>
+          <p:nvPr/>
+        </p:nvSpPr>
+        <p:spPr>
+          <a:xfrm>
+            <a:off x="323528" y="1620089"/>
+            <a:ext cx="3299621" cy="338554"/>
+          </a:xfrm>
+          <a:prstGeom prst="rect">
+            <a:avLst/>
+          </a:prstGeom>
+          <a:noFill/>
+        </p:spPr>
+        <p:txBody>
+          <a:bodyPr wrap="none" rtlCol="0">
+            <a:spAutoFit/>
+          </a:bodyPr>
+          <a:lstStyle/>
+          <a:p>
+            <a:pPr marL="285750" indent="-285750">
+              <a:buFont typeface="Wingdings" panose="05000000000000000000" pitchFamily="2" charset="2"/>
+              <a:buChar char="Ø"/>
+            </a:pPr>
+            <a:r>
+              <a:rPr lang="pt-BR" sz="1600" dirty="0" smtClean="0">
+                <a:latin typeface="+mj-lt"/>
+                <a:cs typeface="Courier New" panose="02070309020205020404" pitchFamily="49" charset="0"/>
+              </a:rPr>
+              <a:t>Um grid GEO-EAS com horizontes.</a:t>
+            </a:r>
+            <a:endParaRPr lang="pt-BR" sz="1600" dirty="0" smtClean="0">
+              <a:latin typeface="+mj-lt"/>
+              <a:cs typeface="Courier New" panose="02070309020205020404" pitchFamily="49" charset="0"/>
+            </a:endParaRPr>
+          </a:p>
+        </p:txBody>
+      </p:sp>
+      <p:pic>
+        <p:nvPicPr>
+          <p:cNvPr id="3" name="Imagem 2"/>
+          <p:cNvPicPr>
+            <a:picLocks noChangeAspect="1"/>
+          </p:cNvPicPr>
+          <p:nvPr/>
+        </p:nvPicPr>
+        <p:blipFill>
+          <a:blip r:embed="rId3"/>
+          <a:stretch>
+            <a:fillRect/>
+          </a:stretch>
+        </p:blipFill>
+        <p:spPr>
+          <a:xfrm>
+            <a:off x="2093200" y="2132856"/>
+            <a:ext cx="5181600" cy="4067175"/>
+          </a:xfrm>
+          <a:prstGeom prst="rect">
+            <a:avLst/>
+          </a:prstGeom>
+          <a:ln w="38100" cap="sq">
+            <a:solidFill>
+              <a:srgbClr val="000000"/>
+            </a:solidFill>
+            <a:prstDash val="solid"/>
+            <a:miter lim="800000"/>
+          </a:ln>
+          <a:effectLst>
+            <a:outerShdw blurRad="50800" dist="38100" dir="2700000" algn="tl" rotWithShape="0">
+              <a:srgbClr val="000000">
+                <a:alpha val="43000"/>
+              </a:srgbClr>
+            </a:outerShdw>
+          </a:effectLst>
+        </p:spPr>
+      </p:pic>
+    </p:spTree>
+    <p:extLst>
+      <p:ext uri="{BB962C8B-B14F-4D97-AF65-F5344CB8AC3E}">
+        <p14:creationId xmlns:p14="http://schemas.microsoft.com/office/powerpoint/2010/main" val="3812166210"/>
+      </p:ext>
+    </p:extLst>
+  </p:cSld>
+  <p:clrMapOvr>
+    <a:masterClrMapping/>
+  </p:clrMapOvr>
+  <p:timing>
+    <p:tnLst>
+      <p:par>
+        <p:cTn id="1" dur="indefinite" restart="never" nodeType="tmRoot"/>
+      </p:par>
+    </p:tnLst>
+  </p:timing>
+</p:sld>
+</file>
+
+<file path=ppt/slides/slide43.xml><?xml version="1.0" encoding="utf-8"?>
+<p:sld xmlns:a="http://schemas.openxmlformats.org/drawingml/2006/main" xmlns:r="http://schemas.openxmlformats.org/officeDocument/2006/relationships" xmlns:p="http://schemas.openxmlformats.org/presentationml/2006/main">
+  <p:cSld>
+    <p:spTree>
+      <p:nvGrpSpPr>
+        <p:cNvPr id="1" name=""/>
+        <p:cNvGrpSpPr/>
+        <p:nvPr/>
+      </p:nvGrpSpPr>
+      <p:grpSpPr>
+        <a:xfrm>
+          <a:off x="0" y="0"/>
+          <a:ext cx="0" cy="0"/>
+          <a:chOff x="0" y="0"/>
+          <a:chExt cx="0" cy="0"/>
+        </a:xfrm>
+      </p:grpSpPr>
+      <p:sp>
+        <p:nvSpPr>
+          <p:cNvPr id="4" name="Título 3"/>
+          <p:cNvSpPr>
+            <a:spLocks noGrp="1"/>
+          </p:cNvSpPr>
+          <p:nvPr>
+            <p:ph type="ctrTitle"/>
+          </p:nvPr>
+        </p:nvSpPr>
+        <p:spPr>
+          <a:xfrm>
+            <a:off x="3275856" y="138754"/>
+            <a:ext cx="4680520" cy="504056"/>
+          </a:xfrm>
+        </p:spPr>
+        <p:txBody>
+          <a:bodyPr>
+            <a:normAutofit/>
+          </a:bodyPr>
+          <a:lstStyle/>
+          <a:p>
+            <a:r>
+              <a:rPr lang="pt-BR" sz="2400" dirty="0" smtClean="0"/>
+              <a:t>4) Aplicações C++/</a:t>
+            </a:r>
+            <a:r>
+              <a:rPr lang="pt-BR" sz="2400" dirty="0" err="1" smtClean="0"/>
+              <a:t>Qt</a:t>
+            </a:r>
+            <a:r>
+              <a:rPr lang="pt-BR" sz="2400" dirty="0" smtClean="0"/>
+              <a:t> com VTK</a:t>
+            </a:r>
+            <a:endParaRPr lang="pt-BR" sz="1400" dirty="0"/>
+          </a:p>
+        </p:txBody>
+      </p:sp>
+      <p:sp>
+        <p:nvSpPr>
+          <p:cNvPr id="5" name="CaixaDeTexto 4"/>
+          <p:cNvSpPr txBox="1"/>
+          <p:nvPr/>
+        </p:nvSpPr>
+        <p:spPr>
+          <a:xfrm>
+            <a:off x="2843808" y="908720"/>
+            <a:ext cx="3865930" cy="369332"/>
+          </a:xfrm>
+          <a:prstGeom prst="rect">
+            <a:avLst/>
+          </a:prstGeom>
+          <a:noFill/>
+        </p:spPr>
+        <p:txBody>
+          <a:bodyPr wrap="none" rtlCol="0">
+            <a:spAutoFit/>
+          </a:bodyPr>
+          <a:lstStyle/>
+          <a:p>
+            <a:r>
+              <a:rPr lang="pt-BR" b="1" dirty="0" smtClean="0"/>
+              <a:t>4.5) Estruturas de geometria complexa</a:t>
+            </a:r>
+            <a:endParaRPr lang="pt-BR" b="1" dirty="0"/>
+          </a:p>
+        </p:txBody>
+      </p:sp>
+      <p:sp>
+        <p:nvSpPr>
+          <p:cNvPr id="6" name="CaixaDeTexto 5"/>
+          <p:cNvSpPr txBox="1"/>
+          <p:nvPr/>
+        </p:nvSpPr>
+        <p:spPr>
+          <a:xfrm>
+            <a:off x="3859896" y="1218238"/>
+            <a:ext cx="1648208" cy="338554"/>
+          </a:xfrm>
+          <a:prstGeom prst="rect">
+            <a:avLst/>
+          </a:prstGeom>
+          <a:noFill/>
+        </p:spPr>
+        <p:txBody>
+          <a:bodyPr wrap="none" rtlCol="0">
+            <a:spAutoFit/>
+          </a:bodyPr>
+          <a:lstStyle/>
+          <a:p>
+            <a:r>
+              <a:rPr lang="pt-BR" sz="1600" b="1" dirty="0" smtClean="0"/>
+              <a:t>4.5.2) Superfícies</a:t>
+            </a:r>
+            <a:endParaRPr lang="pt-BR" sz="1600" b="1" dirty="0"/>
+          </a:p>
+        </p:txBody>
+      </p:sp>
+      <p:pic>
+        <p:nvPicPr>
+          <p:cNvPr id="2" name="Imagem 1"/>
+          <p:cNvPicPr>
+            <a:picLocks noChangeAspect="1"/>
+          </p:cNvPicPr>
+          <p:nvPr/>
+        </p:nvPicPr>
+        <p:blipFill>
+          <a:blip r:embed="rId3"/>
+          <a:stretch>
+            <a:fillRect/>
+          </a:stretch>
+        </p:blipFill>
+        <p:spPr>
+          <a:xfrm>
+            <a:off x="2491730" y="2268161"/>
+            <a:ext cx="4024486" cy="4250350"/>
+          </a:xfrm>
+          <a:prstGeom prst="rect">
+            <a:avLst/>
+          </a:prstGeom>
+          <a:ln>
+            <a:noFill/>
+          </a:ln>
+          <a:effectLst>
+            <a:outerShdw blurRad="292100" dist="139700" dir="2700000" algn="tl" rotWithShape="0">
+              <a:srgbClr val="333333">
+                <a:alpha val="65000"/>
+              </a:srgbClr>
+            </a:outerShdw>
+          </a:effectLst>
+        </p:spPr>
+      </p:pic>
+      <p:sp>
+        <p:nvSpPr>
+          <p:cNvPr id="8" name="CaixaDeTexto 7"/>
+          <p:cNvSpPr txBox="1"/>
+          <p:nvPr/>
+        </p:nvSpPr>
+        <p:spPr>
+          <a:xfrm>
+            <a:off x="179512" y="1620089"/>
+            <a:ext cx="8797601" cy="584775"/>
+          </a:xfrm>
+          <a:prstGeom prst="rect">
+            <a:avLst/>
+          </a:prstGeom>
+          <a:noFill/>
+        </p:spPr>
+        <p:txBody>
+          <a:bodyPr wrap="none" rtlCol="0">
+            <a:spAutoFit/>
+          </a:bodyPr>
+          <a:lstStyle/>
+          <a:p>
+            <a:pPr marL="285750" indent="-285750">
+              <a:buFont typeface="Wingdings" panose="05000000000000000000" pitchFamily="2" charset="2"/>
+              <a:buChar char="Ø"/>
+            </a:pPr>
+            <a:r>
+              <a:rPr lang="pt-BR" sz="1600" dirty="0" smtClean="0"/>
+              <a:t>Fontes: </a:t>
+            </a:r>
+            <a:r>
+              <a:rPr lang="pt-BR" sz="1600" dirty="0" smtClean="0">
+                <a:latin typeface="Courier New" panose="02070309020205020404" pitchFamily="49" charset="0"/>
+                <a:cs typeface="Courier New" panose="02070309020205020404" pitchFamily="49" charset="0"/>
+              </a:rPr>
+              <a:t>...\</a:t>
+            </a:r>
+            <a:r>
+              <a:rPr lang="pt-BR" sz="1600" dirty="0" err="1" smtClean="0">
+                <a:latin typeface="Courier New" panose="02070309020205020404" pitchFamily="49" charset="0"/>
+                <a:cs typeface="Courier New" panose="02070309020205020404" pitchFamily="49" charset="0"/>
+              </a:rPr>
+              <a:t>cursoVTKgeo</a:t>
+            </a:r>
+            <a:r>
+              <a:rPr lang="pt-BR" sz="1600" dirty="0" smtClean="0">
+                <a:latin typeface="Courier New" panose="02070309020205020404" pitchFamily="49" charset="0"/>
+                <a:cs typeface="Courier New" panose="02070309020205020404" pitchFamily="49" charset="0"/>
+              </a:rPr>
+              <a:t>\aulas_3dias\Horizontes</a:t>
+            </a:r>
+            <a:endParaRPr lang="pt-BR" sz="1600" dirty="0" smtClean="0">
+              <a:latin typeface="Courier New" panose="02070309020205020404" pitchFamily="49" charset="0"/>
+              <a:cs typeface="Courier New" panose="02070309020205020404" pitchFamily="49" charset="0"/>
+            </a:endParaRPr>
+          </a:p>
+          <a:p>
+            <a:pPr marL="285750" indent="-285750">
+              <a:buFont typeface="Wingdings" panose="05000000000000000000" pitchFamily="2" charset="2"/>
+              <a:buChar char="Ø"/>
+            </a:pPr>
+            <a:r>
+              <a:rPr lang="pt-BR" sz="1600" dirty="0" smtClean="0">
+                <a:cs typeface="Courier New" panose="02070309020205020404" pitchFamily="49" charset="0"/>
+              </a:rPr>
+              <a:t>Dados</a:t>
+            </a:r>
+            <a:r>
+              <a:rPr lang="pt-BR" sz="1600" dirty="0">
+                <a:cs typeface="Courier New" panose="02070309020205020404" pitchFamily="49" charset="0"/>
+              </a:rPr>
+              <a:t>:</a:t>
+            </a:r>
+            <a:r>
+              <a:rPr lang="pt-BR" sz="1600" dirty="0">
+                <a:latin typeface="Courier New" panose="02070309020205020404" pitchFamily="49" charset="0"/>
+                <a:cs typeface="Courier New" panose="02070309020205020404" pitchFamily="49" charset="0"/>
+              </a:rPr>
+              <a:t> </a:t>
+            </a:r>
+            <a:r>
+              <a:rPr lang="pt-BR" sz="1400" dirty="0" smtClean="0">
+                <a:latin typeface="Courier New" panose="02070309020205020404" pitchFamily="49" charset="0"/>
+                <a:cs typeface="Courier New" panose="02070309020205020404" pitchFamily="49" charset="0"/>
+              </a:rPr>
+              <a:t>...\</a:t>
+            </a:r>
+            <a:r>
+              <a:rPr lang="pt-BR" sz="1400" dirty="0" err="1" smtClean="0">
+                <a:latin typeface="Courier New" panose="02070309020205020404" pitchFamily="49" charset="0"/>
+                <a:cs typeface="Courier New" panose="02070309020205020404" pitchFamily="49" charset="0"/>
+              </a:rPr>
+              <a:t>cursoVTKgeo</a:t>
+            </a:r>
+            <a:r>
+              <a:rPr lang="pt-BR" sz="1400" dirty="0" smtClean="0">
+                <a:latin typeface="Courier New" panose="02070309020205020404" pitchFamily="49" charset="0"/>
+                <a:cs typeface="Courier New" panose="02070309020205020404" pitchFamily="49" charset="0"/>
+              </a:rPr>
+              <a:t>\aulas_3dias\Horizontes\dados\</a:t>
+            </a:r>
+            <a:r>
+              <a:rPr lang="pt-BR" sz="1400" dirty="0" err="1" smtClean="0">
+                <a:latin typeface="Courier New" panose="02070309020205020404" pitchFamily="49" charset="0"/>
+                <a:cs typeface="Courier New" panose="02070309020205020404" pitchFamily="49" charset="0"/>
+              </a:rPr>
+              <a:t>horizontes_zonas_prod.grid</a:t>
+            </a:r>
+            <a:endParaRPr lang="pt-BR" sz="1600" dirty="0" smtClean="0">
+              <a:latin typeface="Courier New" panose="02070309020205020404" pitchFamily="49" charset="0"/>
+              <a:cs typeface="Courier New" panose="02070309020205020404" pitchFamily="49" charset="0"/>
+            </a:endParaRPr>
+          </a:p>
+        </p:txBody>
+      </p:sp>
+    </p:spTree>
+    <p:extLst>
+      <p:ext uri="{BB962C8B-B14F-4D97-AF65-F5344CB8AC3E}">
+        <p14:creationId xmlns:p14="http://schemas.microsoft.com/office/powerpoint/2010/main" val="3740759107"/>
+      </p:ext>
+    </p:extLst>
+  </p:cSld>
+  <p:clrMapOvr>
+    <a:masterClrMapping/>
+  </p:clrMapOvr>
+  <p:timing>
+    <p:tnLst>
+      <p:par>
+        <p:cTn id="1" dur="indefinite" restart="never" nodeType="tmRoot"/>
+      </p:par>
+    </p:tnLst>
+  </p:timing>
+</p:sld>
+</file>
+
+<file path=ppt/slides/slide44.xml><?xml version="1.0" encoding="utf-8"?>
+<p:sld xmlns:a="http://schemas.openxmlformats.org/drawingml/2006/main" xmlns:r="http://schemas.openxmlformats.org/officeDocument/2006/relationships" xmlns:p="http://schemas.openxmlformats.org/presentationml/2006/main">
+  <p:cSld>
+    <p:spTree>
+      <p:nvGrpSpPr>
+        <p:cNvPr id="1" name=""/>
+        <p:cNvGrpSpPr/>
+        <p:nvPr/>
+      </p:nvGrpSpPr>
+      <p:grpSpPr>
+        <a:xfrm>
+          <a:off x="0" y="0"/>
+          <a:ext cx="0" cy="0"/>
+          <a:chOff x="0" y="0"/>
+          <a:chExt cx="0" cy="0"/>
+        </a:xfrm>
+      </p:grpSpPr>
+      <p:sp>
+        <p:nvSpPr>
+          <p:cNvPr id="4" name="Título 3"/>
+          <p:cNvSpPr>
+            <a:spLocks noGrp="1"/>
+          </p:cNvSpPr>
+          <p:nvPr>
+            <p:ph type="ctrTitle"/>
+          </p:nvPr>
+        </p:nvSpPr>
+        <p:spPr>
+          <a:xfrm>
+            <a:off x="3275856" y="138754"/>
+            <a:ext cx="4680520" cy="504056"/>
+          </a:xfrm>
+        </p:spPr>
+        <p:txBody>
+          <a:bodyPr>
+            <a:normAutofit/>
+          </a:bodyPr>
+          <a:lstStyle/>
+          <a:p>
+            <a:r>
+              <a:rPr lang="pt-BR" sz="2400" dirty="0" smtClean="0"/>
+              <a:t>4) Aplicações C++/</a:t>
+            </a:r>
+            <a:r>
+              <a:rPr lang="pt-BR" sz="2400" dirty="0" err="1" smtClean="0"/>
+              <a:t>Qt</a:t>
+            </a:r>
+            <a:r>
+              <a:rPr lang="pt-BR" sz="2400" dirty="0" smtClean="0"/>
+              <a:t> com VTK</a:t>
+            </a:r>
+            <a:endParaRPr lang="pt-BR" sz="1400" dirty="0"/>
+          </a:p>
+        </p:txBody>
+      </p:sp>
+      <p:sp>
+        <p:nvSpPr>
+          <p:cNvPr id="5" name="CaixaDeTexto 4"/>
+          <p:cNvSpPr txBox="1"/>
+          <p:nvPr/>
+        </p:nvSpPr>
+        <p:spPr>
+          <a:xfrm>
+            <a:off x="2421706" y="908720"/>
+            <a:ext cx="4670574" cy="369332"/>
+          </a:xfrm>
+          <a:prstGeom prst="rect">
+            <a:avLst/>
+          </a:prstGeom>
+          <a:noFill/>
+        </p:spPr>
+        <p:txBody>
+          <a:bodyPr wrap="none" rtlCol="0">
+            <a:spAutoFit/>
+          </a:bodyPr>
+          <a:lstStyle/>
+          <a:p>
+            <a:r>
+              <a:rPr lang="pt-BR" b="1" dirty="0" smtClean="0"/>
+              <a:t>4.6) Interação com o modelo: </a:t>
+            </a:r>
+            <a:r>
+              <a:rPr lang="pt-BR" b="1" i="1" dirty="0" err="1" smtClean="0"/>
+              <a:t>picking</a:t>
+            </a:r>
+            <a:r>
+              <a:rPr lang="pt-BR" b="1" dirty="0" smtClean="0"/>
+              <a:t> e </a:t>
+            </a:r>
+            <a:r>
+              <a:rPr lang="pt-BR" b="1" i="1" dirty="0" err="1" smtClean="0"/>
+              <a:t>probing</a:t>
+            </a:r>
+            <a:endParaRPr lang="pt-BR" b="1" i="1" dirty="0"/>
+          </a:p>
+        </p:txBody>
+      </p:sp>
+    </p:spTree>
+    <p:extLst>
+      <p:ext uri="{BB962C8B-B14F-4D97-AF65-F5344CB8AC3E}">
+        <p14:creationId xmlns:p14="http://schemas.microsoft.com/office/powerpoint/2010/main" val="3321787556"/>
+      </p:ext>
+    </p:extLst>
+  </p:cSld>
+  <p:clrMapOvr>
+    <a:masterClrMapping/>
+  </p:clrMapOvr>
+  <p:timing>
+    <p:tnLst>
+      <p:par>
+        <p:cTn id="1" dur="indefinite" restart="never" nodeType="tmRoot"/>
+      </p:par>
+    </p:tnLst>
+  </p:timing>
+</p:sld>
+</file>
+
+<file path=ppt/slides/slide45.xml><?xml version="1.0" encoding="utf-8"?>
+<p:sld xmlns:a="http://schemas.openxmlformats.org/drawingml/2006/main" xmlns:r="http://schemas.openxmlformats.org/officeDocument/2006/relationships" xmlns:p="http://schemas.openxmlformats.org/presentationml/2006/main">
+  <p:cSld>
+    <p:spTree>
+      <p:nvGrpSpPr>
+        <p:cNvPr id="1" name=""/>
+        <p:cNvGrpSpPr/>
+        <p:nvPr/>
+      </p:nvGrpSpPr>
+      <p:grpSpPr>
+        <a:xfrm>
+          <a:off x="0" y="0"/>
+          <a:ext cx="0" cy="0"/>
+          <a:chOff x="0" y="0"/>
+          <a:chExt cx="0" cy="0"/>
+        </a:xfrm>
+      </p:grpSpPr>
+      <p:sp>
+        <p:nvSpPr>
+          <p:cNvPr id="4" name="Título 3"/>
+          <p:cNvSpPr>
+            <a:spLocks noGrp="1"/>
+          </p:cNvSpPr>
+          <p:nvPr>
+            <p:ph type="ctrTitle"/>
+          </p:nvPr>
+        </p:nvSpPr>
+        <p:spPr>
+          <a:xfrm>
+            <a:off x="3275856" y="138754"/>
+            <a:ext cx="4680520" cy="504056"/>
+          </a:xfrm>
+        </p:spPr>
+        <p:txBody>
+          <a:bodyPr>
+            <a:normAutofit/>
+          </a:bodyPr>
+          <a:lstStyle/>
+          <a:p>
+            <a:r>
+              <a:rPr lang="pt-BR" sz="2400" dirty="0" smtClean="0"/>
+              <a:t>Mais sobre VTK</a:t>
+            </a:r>
+            <a:endParaRPr lang="pt-BR" sz="1400" dirty="0"/>
+          </a:p>
+        </p:txBody>
+      </p:sp>
+      <p:sp>
+        <p:nvSpPr>
+          <p:cNvPr id="5" name="CaixaDeTexto 4"/>
+          <p:cNvSpPr txBox="1"/>
+          <p:nvPr/>
+        </p:nvSpPr>
+        <p:spPr>
+          <a:xfrm>
+            <a:off x="827584" y="1412776"/>
+            <a:ext cx="1002582" cy="369332"/>
+          </a:xfrm>
+          <a:prstGeom prst="rect">
+            <a:avLst/>
+          </a:prstGeom>
+          <a:noFill/>
+        </p:spPr>
+        <p:txBody>
+          <a:bodyPr wrap="none" rtlCol="0">
+            <a:spAutoFit/>
+          </a:bodyPr>
+          <a:lstStyle/>
+          <a:p>
+            <a:pPr marL="285750" indent="-285750">
+              <a:buFont typeface="Wingdings" panose="05000000000000000000" pitchFamily="2" charset="2"/>
+              <a:buChar char="Ø"/>
+            </a:pPr>
+            <a:r>
+              <a:rPr lang="pt-BR" b="1" dirty="0" smtClean="0"/>
+              <a:t>Livro:</a:t>
+            </a:r>
+            <a:endParaRPr lang="pt-BR" b="1" i="1" dirty="0"/>
+          </a:p>
+        </p:txBody>
+      </p:sp>
+      <p:pic>
+        <p:nvPicPr>
+          <p:cNvPr id="2" name="Imagem 1"/>
+          <p:cNvPicPr>
+            <a:picLocks noChangeAspect="1"/>
+          </p:cNvPicPr>
+          <p:nvPr/>
+        </p:nvPicPr>
+        <p:blipFill>
+          <a:blip r:embed="rId3">
+            <a:extLst>
+              <a:ext uri="{28A0092B-C50C-407E-A947-70E740481C1C}">
+                <a14:useLocalDpi xmlns:a14="http://schemas.microsoft.com/office/drawing/2010/main" val="0"/>
+              </a:ext>
+            </a:extLst>
+          </a:blip>
+          <a:stretch>
+            <a:fillRect/>
+          </a:stretch>
+        </p:blipFill>
+        <p:spPr>
+          <a:xfrm>
+            <a:off x="3377711" y="1433165"/>
+            <a:ext cx="2706457" cy="3789040"/>
+          </a:xfrm>
+          <a:prstGeom prst="rect">
+            <a:avLst/>
+          </a:prstGeom>
+        </p:spPr>
+      </p:pic>
+      <p:sp>
+        <p:nvSpPr>
+          <p:cNvPr id="3" name="Retângulo 2"/>
+          <p:cNvSpPr/>
+          <p:nvPr/>
+        </p:nvSpPr>
+        <p:spPr>
+          <a:xfrm>
+            <a:off x="1565920" y="5147900"/>
+            <a:ext cx="6174432" cy="369332"/>
+          </a:xfrm>
+          <a:prstGeom prst="rect">
+            <a:avLst/>
+          </a:prstGeom>
+        </p:spPr>
+        <p:txBody>
+          <a:bodyPr wrap="square">
+            <a:spAutoFit/>
+          </a:bodyPr>
+          <a:lstStyle/>
+          <a:p>
+            <a:r>
+              <a:rPr lang="pt-BR" dirty="0">
+                <a:hlinkClick r:id="rId4"/>
+              </a:rPr>
+              <a:t>https://</a:t>
+            </a:r>
+            <a:r>
+              <a:rPr lang="pt-BR" dirty="0" smtClean="0">
+                <a:hlinkClick r:id="rId4"/>
+              </a:rPr>
+              <a:t>www.kitware.com/products/books/VTKTextbook.pdf</a:t>
+            </a:r>
+            <a:r>
+              <a:rPr lang="pt-BR" dirty="0" smtClean="0"/>
+              <a:t> </a:t>
+            </a:r>
+            <a:endParaRPr lang="pt-BR" dirty="0"/>
+          </a:p>
+        </p:txBody>
+      </p:sp>
+    </p:spTree>
+    <p:extLst>
+      <p:ext uri="{BB962C8B-B14F-4D97-AF65-F5344CB8AC3E}">
+        <p14:creationId xmlns:p14="http://schemas.microsoft.com/office/powerpoint/2010/main" val="3048172996"/>
+      </p:ext>
+    </p:extLst>
+  </p:cSld>
+  <p:clrMapOvr>
+    <a:masterClrMapping/>
+  </p:clrMapOvr>
+  <p:timing>
+    <p:tnLst>
+      <p:par>
+        <p:cTn id="1" dur="indefinite" restart="never" nodeType="tmRoot"/>
+      </p:par>
+    </p:tnLst>
+  </p:timing>
+</p:sld>
+</file>
+
+<file path=ppt/slides/slide46.xml><?xml version="1.0" encoding="utf-8"?>
+<p:sld xmlns:a="http://schemas.openxmlformats.org/drawingml/2006/main" xmlns:r="http://schemas.openxmlformats.org/officeDocument/2006/relationships" xmlns:p="http://schemas.openxmlformats.org/presentationml/2006/main">
+  <p:cSld>
+    <p:spTree>
+      <p:nvGrpSpPr>
+        <p:cNvPr id="1" name=""/>
+        <p:cNvGrpSpPr/>
+        <p:nvPr/>
+      </p:nvGrpSpPr>
+      <p:grpSpPr>
+        <a:xfrm>
+          <a:off x="0" y="0"/>
+          <a:ext cx="0" cy="0"/>
+          <a:chOff x="0" y="0"/>
+          <a:chExt cx="0" cy="0"/>
+        </a:xfrm>
+      </p:grpSpPr>
+      <p:sp>
+        <p:nvSpPr>
+          <p:cNvPr id="4" name="Título 3"/>
+          <p:cNvSpPr>
+            <a:spLocks noGrp="1"/>
+          </p:cNvSpPr>
+          <p:nvPr>
+            <p:ph type="ctrTitle"/>
+          </p:nvPr>
+        </p:nvSpPr>
+        <p:spPr>
+          <a:xfrm>
+            <a:off x="3275856" y="138754"/>
+            <a:ext cx="4680520" cy="504056"/>
+          </a:xfrm>
+        </p:spPr>
+        <p:txBody>
+          <a:bodyPr>
+            <a:normAutofit/>
+          </a:bodyPr>
+          <a:lstStyle/>
+          <a:p>
+            <a:r>
+              <a:rPr lang="pt-BR" sz="2400" dirty="0" smtClean="0"/>
               <a:t>Mais sobre VTK</a:t>
             </a:r>
             <a:endParaRPr lang="pt-BR" sz="1400" dirty="0"/>
@@ -17590,7 +19564,7 @@
 </p:sld>
 </file>
 
-<file path=ppt/slides/slide43.xml><?xml version="1.0" encoding="utf-8"?>
+<file path=ppt/slides/slide47.xml><?xml version="1.0" encoding="utf-8"?>
 <p:sld xmlns:a="http://schemas.openxmlformats.org/drawingml/2006/main" xmlns:r="http://schemas.openxmlformats.org/officeDocument/2006/relationships" xmlns:p="http://schemas.openxmlformats.org/presentationml/2006/main">
   <p:cSld>
     <p:spTree>

--- a/aulas_3dias/slides_3dias.pptx
+++ b/aulas_3dias/slides_3dias.pptx
@@ -7712,8 +7712,8 @@
         </p:nvSpPr>
         <p:spPr>
           <a:xfrm>
-            <a:off x="4147467" y="908720"/>
-            <a:ext cx="1276568" cy="369332"/>
+            <a:off x="3419872" y="908720"/>
+            <a:ext cx="2874761" cy="369332"/>
           </a:xfrm>
           <a:prstGeom prst="rect">
             <a:avLst/>
@@ -7734,7 +7734,182 @@
               <a:rPr lang="pt-BR" b="1" dirty="0" err="1" smtClean="0"/>
               <a:t>Deploy</a:t>
             </a:r>
+            <a:r>
+              <a:rPr lang="pt-BR" b="1" dirty="0" smtClean="0"/>
+              <a:t> no Visual Studio</a:t>
+            </a:r>
             <a:endParaRPr lang="pt-BR" b="1" dirty="0"/>
+          </a:p>
+        </p:txBody>
+      </p:sp>
+      <p:pic>
+        <p:nvPicPr>
+          <p:cNvPr id="2" name="Imagem 1"/>
+          <p:cNvPicPr>
+            <a:picLocks noChangeAspect="1"/>
+          </p:cNvPicPr>
+          <p:nvPr/>
+        </p:nvPicPr>
+        <p:blipFill>
+          <a:blip r:embed="rId2"/>
+          <a:stretch>
+            <a:fillRect/>
+          </a:stretch>
+        </p:blipFill>
+        <p:spPr>
+          <a:xfrm>
+            <a:off x="179512" y="1700808"/>
+            <a:ext cx="3377463" cy="3548234"/>
+          </a:xfrm>
+          <a:prstGeom prst="rect">
+            <a:avLst/>
+          </a:prstGeom>
+          <a:ln>
+            <a:noFill/>
+          </a:ln>
+          <a:effectLst>
+            <a:softEdge rad="112500"/>
+          </a:effectLst>
+        </p:spPr>
+      </p:pic>
+      <p:pic>
+        <p:nvPicPr>
+          <p:cNvPr id="3" name="Imagem 2"/>
+          <p:cNvPicPr>
+            <a:picLocks noChangeAspect="1"/>
+          </p:cNvPicPr>
+          <p:nvPr/>
+        </p:nvPicPr>
+        <p:blipFill>
+          <a:blip r:embed="rId3"/>
+          <a:stretch>
+            <a:fillRect/>
+          </a:stretch>
+        </p:blipFill>
+        <p:spPr>
+          <a:xfrm>
+            <a:off x="2210368" y="2933194"/>
+            <a:ext cx="2264338" cy="3175954"/>
+          </a:xfrm>
+          <a:prstGeom prst="rect">
+            <a:avLst/>
+          </a:prstGeom>
+        </p:spPr>
+      </p:pic>
+      <p:pic>
+        <p:nvPicPr>
+          <p:cNvPr id="7" name="Imagem 6"/>
+          <p:cNvPicPr>
+            <a:picLocks noChangeAspect="1"/>
+          </p:cNvPicPr>
+          <p:nvPr/>
+        </p:nvPicPr>
+        <p:blipFill>
+          <a:blip r:embed="rId4">
+            <a:clrChange>
+              <a:clrFrom>
+                <a:srgbClr val="FFFFFF"/>
+              </a:clrFrom>
+              <a:clrTo>
+                <a:srgbClr val="FFFFFF">
+                  <a:alpha val="0"/>
+                </a:srgbClr>
+              </a:clrTo>
+            </a:clrChange>
+          </a:blip>
+          <a:stretch>
+            <a:fillRect/>
+          </a:stretch>
+        </p:blipFill>
+        <p:spPr>
+          <a:xfrm flipH="1">
+            <a:off x="2712900" y="2893880"/>
+            <a:ext cx="547482" cy="421305"/>
+          </a:xfrm>
+          <a:prstGeom prst="rect">
+            <a:avLst/>
+          </a:prstGeom>
+        </p:spPr>
+      </p:pic>
+      <p:pic>
+        <p:nvPicPr>
+          <p:cNvPr id="6" name="Imagem 5"/>
+          <p:cNvPicPr>
+            <a:picLocks noChangeAspect="1"/>
+          </p:cNvPicPr>
+          <p:nvPr/>
+        </p:nvPicPr>
+        <p:blipFill>
+          <a:blip r:embed="rId5"/>
+          <a:stretch>
+            <a:fillRect/>
+          </a:stretch>
+        </p:blipFill>
+        <p:spPr>
+          <a:xfrm>
+            <a:off x="5164013" y="2002507"/>
+            <a:ext cx="3800475" cy="3514725"/>
+          </a:xfrm>
+          <a:prstGeom prst="rect">
+            <a:avLst/>
+          </a:prstGeom>
+          <a:ln>
+            <a:noFill/>
+          </a:ln>
+          <a:effectLst>
+            <a:softEdge rad="112500"/>
+          </a:effectLst>
+        </p:spPr>
+      </p:pic>
+      <p:sp>
+        <p:nvSpPr>
+          <p:cNvPr id="8" name="Seta para a direita 7"/>
+          <p:cNvSpPr/>
+          <p:nvPr/>
+        </p:nvSpPr>
+        <p:spPr>
+          <a:xfrm>
+            <a:off x="4572000" y="3501008"/>
+            <a:ext cx="592013" cy="720080"/>
+          </a:xfrm>
+          <a:prstGeom prst="rightArrow">
+            <a:avLst/>
+          </a:prstGeom>
+          <a:pattFill prst="pct25">
+            <a:fgClr>
+              <a:schemeClr val="dk1"/>
+            </a:fgClr>
+            <a:bgClr>
+              <a:schemeClr val="bg1"/>
+            </a:bgClr>
+          </a:pattFill>
+        </p:spPr>
+        <p:style>
+          <a:lnRef idx="2">
+            <a:schemeClr val="dk1">
+              <a:shade val="50000"/>
+            </a:schemeClr>
+          </a:lnRef>
+          <a:fillRef idx="1">
+            <a:schemeClr val="dk1"/>
+          </a:fillRef>
+          <a:effectRef idx="0">
+            <a:schemeClr val="dk1"/>
+          </a:effectRef>
+          <a:fontRef idx="minor">
+            <a:schemeClr val="lt1"/>
+          </a:fontRef>
+        </p:style>
+        <p:txBody>
+          <a:bodyPr rtlCol="0" anchor="ctr"/>
+          <a:lstStyle/>
+          <a:p>
+            <a:pPr algn="ctr"/>
+            <a:endParaRPr lang="pt-BR" dirty="0" smtClean="0">
+              <a:solidFill>
+                <a:schemeClr val="tx1"/>
+              </a:solidFill>
+            </a:endParaRPr>
           </a:p>
         </p:txBody>
       </p:sp>
@@ -11612,11 +11787,7 @@
             </a:r>
             <a:r>
               <a:rPr lang="pt-BR" smtClean="0"/>
-              <a:t>(</a:t>
-            </a:r>
-            <a:r>
-              <a:rPr lang="pt-BR" smtClean="0"/>
-              <a:t>ex. </a:t>
+              <a:t>(ex. </a:t>
             </a:r>
             <a:r>
               <a:rPr lang="pt-BR" dirty="0" err="1" smtClean="0">
@@ -12124,7 +12295,7 @@
         </p:blipFill>
         <p:spPr>
           <a:xfrm>
-            <a:off x="1903544" y="2328491"/>
+            <a:off x="3419872" y="2328491"/>
             <a:ext cx="5074146" cy="3553050"/>
           </a:xfrm>
           <a:prstGeom prst="rect">
@@ -12423,7 +12594,7 @@
         </p:blipFill>
         <p:spPr>
           <a:xfrm flipH="1">
-            <a:off x="4960622" y="3212975"/>
+            <a:off x="6476950" y="3212975"/>
             <a:ext cx="547482" cy="421305"/>
           </a:xfrm>
           <a:prstGeom prst="rect">
@@ -12458,12 +12629,115 @@
         </p:blipFill>
         <p:spPr>
           <a:xfrm rot="19147307" flipH="1">
-            <a:off x="5931868" y="3190853"/>
+            <a:off x="7448196" y="3190853"/>
             <a:ext cx="547482" cy="421305"/>
           </a:xfrm>
           <a:prstGeom prst="rect">
             <a:avLst/>
           </a:prstGeom>
+        </p:spPr>
+      </p:pic>
+      <p:sp>
+        <p:nvSpPr>
+          <p:cNvPr id="13" name="CaixaDeTexto 12"/>
+          <p:cNvSpPr txBox="1"/>
+          <p:nvPr/>
+        </p:nvSpPr>
+        <p:spPr>
+          <a:xfrm>
+            <a:off x="179512" y="3208129"/>
+            <a:ext cx="3125069" cy="2554545"/>
+          </a:xfrm>
+          <a:prstGeom prst="rect">
+            <a:avLst/>
+          </a:prstGeom>
+          <a:noFill/>
+        </p:spPr>
+        <p:txBody>
+          <a:bodyPr wrap="square" rtlCol="0">
+            <a:spAutoFit/>
+          </a:bodyPr>
+          <a:lstStyle/>
+          <a:p>
+            <a:pPr marL="285750" indent="-285750" algn="just">
+              <a:buFont typeface="Wingdings" panose="05000000000000000000" pitchFamily="2" charset="2"/>
+              <a:buChar char="Ø"/>
+            </a:pPr>
+            <a:r>
+              <a:rPr lang="pt-BR" sz="1600" dirty="0" smtClean="0"/>
+              <a:t>ATENÇÃO: Deve haver coerência entre as bibliotecas do </a:t>
+            </a:r>
+            <a:r>
+              <a:rPr lang="pt-BR" sz="1600" dirty="0" err="1" smtClean="0"/>
+              <a:t>Qt</a:t>
+            </a:r>
+            <a:r>
+              <a:rPr lang="pt-BR" sz="1600" dirty="0" smtClean="0"/>
+              <a:t> 5 e do VTK.  Deve-se escolher as mesmas bibliotecas do </a:t>
+            </a:r>
+            <a:r>
+              <a:rPr lang="pt-BR" sz="1600" dirty="0" err="1" smtClean="0"/>
+              <a:t>Qt</a:t>
+            </a:r>
+            <a:r>
+              <a:rPr lang="pt-BR" sz="1600" dirty="0" smtClean="0"/>
+              <a:t> que foram usadas para compilar o VTK.  Certificar-se de que todas foram compiladas com o mesmo </a:t>
+            </a:r>
+            <a:r>
+              <a:rPr lang="pt-BR" sz="1600" i="1" dirty="0" err="1" smtClean="0"/>
+              <a:t>toolchain</a:t>
+            </a:r>
+            <a:r>
+              <a:rPr lang="pt-BR" sz="1600" dirty="0" smtClean="0"/>
+              <a:t>, assim como se são todas Release/Debug, 32/64 bits, etc.</a:t>
+            </a:r>
+            <a:endParaRPr lang="pt-BR" sz="1600" dirty="0"/>
+          </a:p>
+        </p:txBody>
+      </p:sp>
+      <p:pic>
+        <p:nvPicPr>
+          <p:cNvPr id="15" name="Imagem 14"/>
+          <p:cNvPicPr>
+            <a:picLocks noChangeAspect="1"/>
+          </p:cNvPicPr>
+          <p:nvPr/>
+        </p:nvPicPr>
+        <p:blipFill>
+          <a:blip r:embed="rId6">
+            <a:clrChange>
+              <a:clrFrom>
+                <a:srgbClr val="FFFFFF"/>
+              </a:clrFrom>
+              <a:clrTo>
+                <a:srgbClr val="FFFFFF">
+                  <a:alpha val="0"/>
+                </a:srgbClr>
+              </a:clrTo>
+            </a:clrChange>
+          </a:blip>
+          <a:stretch>
+            <a:fillRect/>
+          </a:stretch>
+        </p:blipFill>
+        <p:spPr>
+          <a:xfrm>
+            <a:off x="1192134" y="2204864"/>
+            <a:ext cx="1092122" cy="1008112"/>
+          </a:xfrm>
+          <a:prstGeom prst="rect">
+            <a:avLst/>
+          </a:prstGeom>
+          <a:ln>
+            <a:noFill/>
+          </a:ln>
+          <a:effectLst>
+            <a:outerShdw blurRad="292100" dist="139700" dir="2700000" algn="tl" rotWithShape="0">
+              <a:srgbClr val="333333">
+                <a:alpha val="65000"/>
+              </a:srgbClr>
+            </a:outerShdw>
+          </a:effectLst>
         </p:spPr>
       </p:pic>
     </p:spTree>
@@ -16182,10 +16456,6 @@
               </a:rPr>
               <a:t>\dados\walker.dat</a:t>
             </a:r>
-            <a:endParaRPr lang="pt-BR" sz="1600" dirty="0" smtClean="0">
-              <a:latin typeface="Courier New" panose="02070309020205020404" pitchFamily="49" charset="0"/>
-              <a:cs typeface="Courier New" panose="02070309020205020404" pitchFamily="49" charset="0"/>
-            </a:endParaRPr>
           </a:p>
         </p:txBody>
       </p:sp>
@@ -16587,10 +16857,6 @@
               </a:rPr>
               <a:t>\aulas_3dias\Grid2D</a:t>
             </a:r>
-            <a:endParaRPr lang="pt-BR" sz="1600" dirty="0" smtClean="0">
-              <a:latin typeface="Courier New" panose="02070309020205020404" pitchFamily="49" charset="0"/>
-              <a:cs typeface="Courier New" panose="02070309020205020404" pitchFamily="49" charset="0"/>
-            </a:endParaRPr>
           </a:p>
           <a:p>
             <a:pPr marL="285750" indent="-285750">
@@ -16637,10 +16903,6 @@
               </a:rPr>
               <a:t>\aulas_3dias\Grid2D\dados\walker_grid.dat</a:t>
             </a:r>
-            <a:endParaRPr lang="pt-BR" sz="1600" dirty="0" smtClean="0">
-              <a:latin typeface="Courier New" panose="02070309020205020404" pitchFamily="49" charset="0"/>
-              <a:cs typeface="Courier New" panose="02070309020205020404" pitchFamily="49" charset="0"/>
-            </a:endParaRPr>
           </a:p>
         </p:txBody>
       </p:sp>
@@ -16935,10 +17197,6 @@
               </a:rPr>
               <a:t>\dados\walker_grid.dat</a:t>
             </a:r>
-            <a:endParaRPr lang="pt-BR" sz="1600" dirty="0" smtClean="0">
-              <a:latin typeface="Courier New" panose="02070309020205020404" pitchFamily="49" charset="0"/>
-              <a:cs typeface="Courier New" panose="02070309020205020404" pitchFamily="49" charset="0"/>
-            </a:endParaRPr>
           </a:p>
         </p:txBody>
       </p:sp>
@@ -18092,15 +18350,7 @@
           <a:p>
             <a:r>
               <a:rPr lang="pt-BR" sz="1600" b="1" dirty="0" smtClean="0"/>
-              <a:t>4.5.1) </a:t>
-            </a:r>
-            <a:r>
-              <a:rPr lang="pt-BR" sz="1600" b="1" dirty="0" smtClean="0"/>
-              <a:t>Linhas </a:t>
-            </a:r>
-            <a:r>
-              <a:rPr lang="pt-BR" sz="1600" b="1" dirty="0" smtClean="0"/>
-              <a:t>poligonais</a:t>
+              <a:t>4.5.1) Linhas poligonais</a:t>
             </a:r>
             <a:endParaRPr lang="pt-BR" sz="1600" b="1" dirty="0"/>
           </a:p>
@@ -18139,10 +18389,6 @@
               </a:rPr>
               <a:t>Um dado de trajetória de poço em formato GEO-EAS.</a:t>
             </a:r>
-            <a:endParaRPr lang="pt-BR" sz="1600" dirty="0" smtClean="0">
-              <a:latin typeface="+mj-lt"/>
-              <a:cs typeface="Courier New" panose="02070309020205020404" pitchFamily="49" charset="0"/>
-            </a:endParaRPr>
           </a:p>
         </p:txBody>
       </p:sp>
@@ -18313,15 +18559,7 @@
           <a:p>
             <a:r>
               <a:rPr lang="pt-BR" sz="1600" b="1" dirty="0" smtClean="0"/>
-              <a:t>4.5.1) </a:t>
-            </a:r>
-            <a:r>
-              <a:rPr lang="pt-BR" sz="1600" b="1" dirty="0" smtClean="0"/>
-              <a:t>Linhas </a:t>
-            </a:r>
-            <a:r>
-              <a:rPr lang="pt-BR" sz="1600" b="1" dirty="0" smtClean="0"/>
-              <a:t>poligonais</a:t>
+              <a:t>4.5.1) Linhas poligonais</a:t>
             </a:r>
             <a:endParaRPr lang="pt-BR" sz="1600" b="1" dirty="0"/>
           </a:p>
@@ -18449,10 +18687,6 @@
               </a:rPr>
               <a:t>\dados\poco_lito.txt</a:t>
             </a:r>
-            <a:endParaRPr lang="pt-BR" sz="1600" dirty="0" smtClean="0">
-              <a:latin typeface="Courier New" panose="02070309020205020404" pitchFamily="49" charset="0"/>
-              <a:cs typeface="Courier New" panose="02070309020205020404" pitchFamily="49" charset="0"/>
-            </a:endParaRPr>
           </a:p>
         </p:txBody>
       </p:sp>
@@ -18658,10 +18892,6 @@
               </a:rPr>
               <a:t>Um grid GEO-EAS com horizontes.</a:t>
             </a:r>
-            <a:endParaRPr lang="pt-BR" sz="1600" dirty="0" smtClean="0">
-              <a:latin typeface="+mj-lt"/>
-              <a:cs typeface="Courier New" panose="02070309020205020404" pitchFamily="49" charset="0"/>
-            </a:endParaRPr>
           </a:p>
         </p:txBody>
       </p:sp>
@@ -18923,10 +19153,6 @@
               </a:rPr>
               <a:t>\aulas_3dias\Horizontes</a:t>
             </a:r>
-            <a:endParaRPr lang="pt-BR" sz="1600" dirty="0" smtClean="0">
-              <a:latin typeface="Courier New" panose="02070309020205020404" pitchFamily="49" charset="0"/>
-              <a:cs typeface="Courier New" panose="02070309020205020404" pitchFamily="49" charset="0"/>
-            </a:endParaRPr>
           </a:p>
           <a:p>
             <a:pPr marL="285750" indent="-285750">

--- a/aulas_3dias/slides_3dias.pptx
+++ b/aulas_3dias/slides_3dias.pptx
@@ -5,7 +5,7 @@
     <p:sldMasterId id="2147483648" r:id="rId1"/>
   </p:sldMasterIdLst>
   <p:notesMasterIdLst>
-    <p:notesMasterId r:id="rId49"/>
+    <p:notesMasterId r:id="rId52"/>
   </p:notesMasterIdLst>
   <p:sldIdLst>
     <p:sldId id="258" r:id="rId2"/>
@@ -31,30 +31,33 @@
     <p:sldId id="286" r:id="rId22"/>
     <p:sldId id="287" r:id="rId23"/>
     <p:sldId id="288" r:id="rId24"/>
-    <p:sldId id="290" r:id="rId25"/>
-    <p:sldId id="291" r:id="rId26"/>
-    <p:sldId id="295" r:id="rId27"/>
-    <p:sldId id="292" r:id="rId28"/>
-    <p:sldId id="293" r:id="rId29"/>
-    <p:sldId id="296" r:id="rId30"/>
-    <p:sldId id="270" r:id="rId31"/>
-    <p:sldId id="303" r:id="rId32"/>
-    <p:sldId id="271" r:id="rId33"/>
-    <p:sldId id="272" r:id="rId34"/>
-    <p:sldId id="304" r:id="rId35"/>
-    <p:sldId id="273" r:id="rId36"/>
-    <p:sldId id="274" r:id="rId37"/>
-    <p:sldId id="275" r:id="rId38"/>
-    <p:sldId id="276" r:id="rId39"/>
-    <p:sldId id="277" r:id="rId40"/>
-    <p:sldId id="278" r:id="rId41"/>
-    <p:sldId id="305" r:id="rId42"/>
-    <p:sldId id="279" r:id="rId43"/>
-    <p:sldId id="306" r:id="rId44"/>
-    <p:sldId id="280" r:id="rId45"/>
-    <p:sldId id="281" r:id="rId46"/>
-    <p:sldId id="282" r:id="rId47"/>
-    <p:sldId id="283" r:id="rId48"/>
+    <p:sldId id="307" r:id="rId25"/>
+    <p:sldId id="308" r:id="rId26"/>
+    <p:sldId id="290" r:id="rId27"/>
+    <p:sldId id="291" r:id="rId28"/>
+    <p:sldId id="295" r:id="rId29"/>
+    <p:sldId id="292" r:id="rId30"/>
+    <p:sldId id="309" r:id="rId31"/>
+    <p:sldId id="293" r:id="rId32"/>
+    <p:sldId id="296" r:id="rId33"/>
+    <p:sldId id="270" r:id="rId34"/>
+    <p:sldId id="303" r:id="rId35"/>
+    <p:sldId id="271" r:id="rId36"/>
+    <p:sldId id="272" r:id="rId37"/>
+    <p:sldId id="304" r:id="rId38"/>
+    <p:sldId id="273" r:id="rId39"/>
+    <p:sldId id="274" r:id="rId40"/>
+    <p:sldId id="275" r:id="rId41"/>
+    <p:sldId id="276" r:id="rId42"/>
+    <p:sldId id="277" r:id="rId43"/>
+    <p:sldId id="278" r:id="rId44"/>
+    <p:sldId id="305" r:id="rId45"/>
+    <p:sldId id="279" r:id="rId46"/>
+    <p:sldId id="306" r:id="rId47"/>
+    <p:sldId id="280" r:id="rId48"/>
+    <p:sldId id="281" r:id="rId49"/>
+    <p:sldId id="282" r:id="rId50"/>
+    <p:sldId id="283" r:id="rId51"/>
   </p:sldIdLst>
   <p:sldSz cx="9144000" cy="6858000" type="screen4x3"/>
   <p:notesSz cx="6858000" cy="9144000"/>
@@ -680,7 +683,7 @@
     </p:spTree>
     <p:extLst>
       <p:ext uri="{BB962C8B-B14F-4D97-AF65-F5344CB8AC3E}">
-        <p14:creationId xmlns:p14="http://schemas.microsoft.com/office/powerpoint/2010/main" val="1740967797"/>
+        <p14:creationId xmlns:p14="http://schemas.microsoft.com/office/powerpoint/2010/main" val="2785675190"/>
       </p:ext>
     </p:extLst>
   </p:cSld>
@@ -764,7 +767,7 @@
     </p:spTree>
     <p:extLst>
       <p:ext uri="{BB962C8B-B14F-4D97-AF65-F5344CB8AC3E}">
-        <p14:creationId xmlns:p14="http://schemas.microsoft.com/office/powerpoint/2010/main" val="1856236287"/>
+        <p14:creationId xmlns:p14="http://schemas.microsoft.com/office/powerpoint/2010/main" val="2517139980"/>
       </p:ext>
     </p:extLst>
   </p:cSld>
@@ -848,7 +851,7 @@
     </p:spTree>
     <p:extLst>
       <p:ext uri="{BB962C8B-B14F-4D97-AF65-F5344CB8AC3E}">
-        <p14:creationId xmlns:p14="http://schemas.microsoft.com/office/powerpoint/2010/main" val="2267543212"/>
+        <p14:creationId xmlns:p14="http://schemas.microsoft.com/office/powerpoint/2010/main" val="1740967797"/>
       </p:ext>
     </p:extLst>
   </p:cSld>
@@ -932,7 +935,7 @@
     </p:spTree>
     <p:extLst>
       <p:ext uri="{BB962C8B-B14F-4D97-AF65-F5344CB8AC3E}">
-        <p14:creationId xmlns:p14="http://schemas.microsoft.com/office/powerpoint/2010/main" val="2323619707"/>
+        <p14:creationId xmlns:p14="http://schemas.microsoft.com/office/powerpoint/2010/main" val="1856236287"/>
       </p:ext>
     </p:extLst>
   </p:cSld>
@@ -1016,7 +1019,7 @@
     </p:spTree>
     <p:extLst>
       <p:ext uri="{BB962C8B-B14F-4D97-AF65-F5344CB8AC3E}">
-        <p14:creationId xmlns:p14="http://schemas.microsoft.com/office/powerpoint/2010/main" val="1076945236"/>
+        <p14:creationId xmlns:p14="http://schemas.microsoft.com/office/powerpoint/2010/main" val="2267543212"/>
       </p:ext>
     </p:extLst>
   </p:cSld>
@@ -1100,7 +1103,7 @@
     </p:spTree>
     <p:extLst>
       <p:ext uri="{BB962C8B-B14F-4D97-AF65-F5344CB8AC3E}">
-        <p14:creationId xmlns:p14="http://schemas.microsoft.com/office/powerpoint/2010/main" val="3400388235"/>
+        <p14:creationId xmlns:p14="http://schemas.microsoft.com/office/powerpoint/2010/main" val="2323619707"/>
       </p:ext>
     </p:extLst>
   </p:cSld>
@@ -1184,7 +1187,7 @@
     </p:spTree>
     <p:extLst>
       <p:ext uri="{BB962C8B-B14F-4D97-AF65-F5344CB8AC3E}">
-        <p14:creationId xmlns:p14="http://schemas.microsoft.com/office/powerpoint/2010/main" val="2366148113"/>
+        <p14:creationId xmlns:p14="http://schemas.microsoft.com/office/powerpoint/2010/main" val="2560811393"/>
       </p:ext>
     </p:extLst>
   </p:cSld>
@@ -1268,7 +1271,7 @@
     </p:spTree>
     <p:extLst>
       <p:ext uri="{BB962C8B-B14F-4D97-AF65-F5344CB8AC3E}">
-        <p14:creationId xmlns:p14="http://schemas.microsoft.com/office/powerpoint/2010/main" val="4190968496"/>
+        <p14:creationId xmlns:p14="http://schemas.microsoft.com/office/powerpoint/2010/main" val="1076945236"/>
       </p:ext>
     </p:extLst>
   </p:cSld>
@@ -1352,7 +1355,7 @@
     </p:spTree>
     <p:extLst>
       <p:ext uri="{BB962C8B-B14F-4D97-AF65-F5344CB8AC3E}">
-        <p14:creationId xmlns:p14="http://schemas.microsoft.com/office/powerpoint/2010/main" val="1267129821"/>
+        <p14:creationId xmlns:p14="http://schemas.microsoft.com/office/powerpoint/2010/main" val="3400388235"/>
       </p:ext>
     </p:extLst>
   </p:cSld>
@@ -1436,7 +1439,7 @@
     </p:spTree>
     <p:extLst>
       <p:ext uri="{BB962C8B-B14F-4D97-AF65-F5344CB8AC3E}">
-        <p14:creationId xmlns:p14="http://schemas.microsoft.com/office/powerpoint/2010/main" val="2607924494"/>
+        <p14:creationId xmlns:p14="http://schemas.microsoft.com/office/powerpoint/2010/main" val="2366148113"/>
       </p:ext>
     </p:extLst>
   </p:cSld>
@@ -1604,7 +1607,7 @@
     </p:spTree>
     <p:extLst>
       <p:ext uri="{BB962C8B-B14F-4D97-AF65-F5344CB8AC3E}">
-        <p14:creationId xmlns:p14="http://schemas.microsoft.com/office/powerpoint/2010/main" val="1744880423"/>
+        <p14:creationId xmlns:p14="http://schemas.microsoft.com/office/powerpoint/2010/main" val="4190968496"/>
       </p:ext>
     </p:extLst>
   </p:cSld>
@@ -1688,7 +1691,7 @@
     </p:spTree>
     <p:extLst>
       <p:ext uri="{BB962C8B-B14F-4D97-AF65-F5344CB8AC3E}">
-        <p14:creationId xmlns:p14="http://schemas.microsoft.com/office/powerpoint/2010/main" val="3717476772"/>
+        <p14:creationId xmlns:p14="http://schemas.microsoft.com/office/powerpoint/2010/main" val="1267129821"/>
       </p:ext>
     </p:extLst>
   </p:cSld>
@@ -1772,7 +1775,7 @@
     </p:spTree>
     <p:extLst>
       <p:ext uri="{BB962C8B-B14F-4D97-AF65-F5344CB8AC3E}">
-        <p14:creationId xmlns:p14="http://schemas.microsoft.com/office/powerpoint/2010/main" val="3745824210"/>
+        <p14:creationId xmlns:p14="http://schemas.microsoft.com/office/powerpoint/2010/main" val="2607924494"/>
       </p:ext>
     </p:extLst>
   </p:cSld>
@@ -1856,7 +1859,7 @@
     </p:spTree>
     <p:extLst>
       <p:ext uri="{BB962C8B-B14F-4D97-AF65-F5344CB8AC3E}">
-        <p14:creationId xmlns:p14="http://schemas.microsoft.com/office/powerpoint/2010/main" val="2095654408"/>
+        <p14:creationId xmlns:p14="http://schemas.microsoft.com/office/powerpoint/2010/main" val="1744880423"/>
       </p:ext>
     </p:extLst>
   </p:cSld>
@@ -1940,7 +1943,7 @@
     </p:spTree>
     <p:extLst>
       <p:ext uri="{BB962C8B-B14F-4D97-AF65-F5344CB8AC3E}">
-        <p14:creationId xmlns:p14="http://schemas.microsoft.com/office/powerpoint/2010/main" val="3906118446"/>
+        <p14:creationId xmlns:p14="http://schemas.microsoft.com/office/powerpoint/2010/main" val="3717476772"/>
       </p:ext>
     </p:extLst>
   </p:cSld>
@@ -2024,7 +2027,7 @@
     </p:spTree>
     <p:extLst>
       <p:ext uri="{BB962C8B-B14F-4D97-AF65-F5344CB8AC3E}">
-        <p14:creationId xmlns:p14="http://schemas.microsoft.com/office/powerpoint/2010/main" val="3314503402"/>
+        <p14:creationId xmlns:p14="http://schemas.microsoft.com/office/powerpoint/2010/main" val="3745824210"/>
       </p:ext>
     </p:extLst>
   </p:cSld>
@@ -2108,7 +2111,7 @@
     </p:spTree>
     <p:extLst>
       <p:ext uri="{BB962C8B-B14F-4D97-AF65-F5344CB8AC3E}">
-        <p14:creationId xmlns:p14="http://schemas.microsoft.com/office/powerpoint/2010/main" val="3768046969"/>
+        <p14:creationId xmlns:p14="http://schemas.microsoft.com/office/powerpoint/2010/main" val="2095654408"/>
       </p:ext>
     </p:extLst>
   </p:cSld>
@@ -2192,7 +2195,7 @@
     </p:spTree>
     <p:extLst>
       <p:ext uri="{BB962C8B-B14F-4D97-AF65-F5344CB8AC3E}">
-        <p14:creationId xmlns:p14="http://schemas.microsoft.com/office/powerpoint/2010/main" val="3775256238"/>
+        <p14:creationId xmlns:p14="http://schemas.microsoft.com/office/powerpoint/2010/main" val="3906118446"/>
       </p:ext>
     </p:extLst>
   </p:cSld>
@@ -2276,7 +2279,7 @@
     </p:spTree>
     <p:extLst>
       <p:ext uri="{BB962C8B-B14F-4D97-AF65-F5344CB8AC3E}">
-        <p14:creationId xmlns:p14="http://schemas.microsoft.com/office/powerpoint/2010/main" val="4269829074"/>
+        <p14:creationId xmlns:p14="http://schemas.microsoft.com/office/powerpoint/2010/main" val="3314503402"/>
       </p:ext>
     </p:extLst>
   </p:cSld>
@@ -2360,7 +2363,7 @@
     </p:spTree>
     <p:extLst>
       <p:ext uri="{BB962C8B-B14F-4D97-AF65-F5344CB8AC3E}">
-        <p14:creationId xmlns:p14="http://schemas.microsoft.com/office/powerpoint/2010/main" val="3685137183"/>
+        <p14:creationId xmlns:p14="http://schemas.microsoft.com/office/powerpoint/2010/main" val="3768046969"/>
       </p:ext>
     </p:extLst>
   </p:cSld>
@@ -2528,7 +2531,7 @@
     </p:spTree>
     <p:extLst>
       <p:ext uri="{BB962C8B-B14F-4D97-AF65-F5344CB8AC3E}">
-        <p14:creationId xmlns:p14="http://schemas.microsoft.com/office/powerpoint/2010/main" val="785103576"/>
+        <p14:creationId xmlns:p14="http://schemas.microsoft.com/office/powerpoint/2010/main" val="3775256238"/>
       </p:ext>
     </p:extLst>
   </p:cSld>
@@ -2612,7 +2615,7 @@
     </p:spTree>
     <p:extLst>
       <p:ext uri="{BB962C8B-B14F-4D97-AF65-F5344CB8AC3E}">
-        <p14:creationId xmlns:p14="http://schemas.microsoft.com/office/powerpoint/2010/main" val="2568763623"/>
+        <p14:creationId xmlns:p14="http://schemas.microsoft.com/office/powerpoint/2010/main" val="4269829074"/>
       </p:ext>
     </p:extLst>
   </p:cSld>
@@ -2696,7 +2699,7 @@
     </p:spTree>
     <p:extLst>
       <p:ext uri="{BB962C8B-B14F-4D97-AF65-F5344CB8AC3E}">
-        <p14:creationId xmlns:p14="http://schemas.microsoft.com/office/powerpoint/2010/main" val="1276811389"/>
+        <p14:creationId xmlns:p14="http://schemas.microsoft.com/office/powerpoint/2010/main" val="3685137183"/>
       </p:ext>
     </p:extLst>
   </p:cSld>
@@ -2772,6 +2775,258 @@
             <a:fld id="{1A618A8B-0752-40D5-9454-79BB13FA29FA}" type="slidenum">
               <a:rPr lang="pt-BR" smtClean="0"/>
               <a:t>47</a:t>
+            </a:fld>
+            <a:endParaRPr lang="pt-BR"/>
+          </a:p>
+        </p:txBody>
+      </p:sp>
+    </p:spTree>
+    <p:extLst>
+      <p:ext uri="{BB962C8B-B14F-4D97-AF65-F5344CB8AC3E}">
+        <p14:creationId xmlns:p14="http://schemas.microsoft.com/office/powerpoint/2010/main" val="785103576"/>
+      </p:ext>
+    </p:extLst>
+  </p:cSld>
+  <p:clrMapOvr>
+    <a:masterClrMapping/>
+  </p:clrMapOvr>
+</p:notes>
+</file>
+
+<file path=ppt/notesSlides/notesSlide34.xml><?xml version="1.0" encoding="utf-8"?>
+<p:notes xmlns:a="http://schemas.openxmlformats.org/drawingml/2006/main" xmlns:r="http://schemas.openxmlformats.org/officeDocument/2006/relationships" xmlns:p="http://schemas.openxmlformats.org/presentationml/2006/main">
+  <p:cSld>
+    <p:spTree>
+      <p:nvGrpSpPr>
+        <p:cNvPr id="1" name=""/>
+        <p:cNvGrpSpPr/>
+        <p:nvPr/>
+      </p:nvGrpSpPr>
+      <p:grpSpPr>
+        <a:xfrm>
+          <a:off x="0" y="0"/>
+          <a:ext cx="0" cy="0"/>
+          <a:chOff x="0" y="0"/>
+          <a:chExt cx="0" cy="0"/>
+        </a:xfrm>
+      </p:grpSpPr>
+      <p:sp>
+        <p:nvSpPr>
+          <p:cNvPr id="2" name="Espaço Reservado para Imagem de Slide 1"/>
+          <p:cNvSpPr>
+            <a:spLocks noGrp="1" noRot="1" noChangeAspect="1"/>
+          </p:cNvSpPr>
+          <p:nvPr>
+            <p:ph type="sldImg"/>
+          </p:nvPr>
+        </p:nvSpPr>
+        <p:spPr/>
+      </p:sp>
+      <p:sp>
+        <p:nvSpPr>
+          <p:cNvPr id="3" name="Espaço Reservado para Anotações 2"/>
+          <p:cNvSpPr>
+            <a:spLocks noGrp="1"/>
+          </p:cNvSpPr>
+          <p:nvPr>
+            <p:ph type="body" idx="1"/>
+          </p:nvPr>
+        </p:nvSpPr>
+        <p:spPr/>
+        <p:txBody>
+          <a:bodyPr/>
+          <a:lstStyle/>
+          <a:p>
+            <a:endParaRPr lang="pt-BR" dirty="0"/>
+          </a:p>
+        </p:txBody>
+      </p:sp>
+      <p:sp>
+        <p:nvSpPr>
+          <p:cNvPr id="4" name="Espaço Reservado para Número de Slide 3"/>
+          <p:cNvSpPr>
+            <a:spLocks noGrp="1"/>
+          </p:cNvSpPr>
+          <p:nvPr>
+            <p:ph type="sldNum" sz="quarter" idx="10"/>
+          </p:nvPr>
+        </p:nvSpPr>
+        <p:spPr/>
+        <p:txBody>
+          <a:bodyPr/>
+          <a:lstStyle/>
+          <a:p>
+            <a:fld id="{1A618A8B-0752-40D5-9454-79BB13FA29FA}" type="slidenum">
+              <a:rPr lang="pt-BR" smtClean="0"/>
+              <a:t>48</a:t>
+            </a:fld>
+            <a:endParaRPr lang="pt-BR"/>
+          </a:p>
+        </p:txBody>
+      </p:sp>
+    </p:spTree>
+    <p:extLst>
+      <p:ext uri="{BB962C8B-B14F-4D97-AF65-F5344CB8AC3E}">
+        <p14:creationId xmlns:p14="http://schemas.microsoft.com/office/powerpoint/2010/main" val="2568763623"/>
+      </p:ext>
+    </p:extLst>
+  </p:cSld>
+  <p:clrMapOvr>
+    <a:masterClrMapping/>
+  </p:clrMapOvr>
+</p:notes>
+</file>
+
+<file path=ppt/notesSlides/notesSlide35.xml><?xml version="1.0" encoding="utf-8"?>
+<p:notes xmlns:a="http://schemas.openxmlformats.org/drawingml/2006/main" xmlns:r="http://schemas.openxmlformats.org/officeDocument/2006/relationships" xmlns:p="http://schemas.openxmlformats.org/presentationml/2006/main">
+  <p:cSld>
+    <p:spTree>
+      <p:nvGrpSpPr>
+        <p:cNvPr id="1" name=""/>
+        <p:cNvGrpSpPr/>
+        <p:nvPr/>
+      </p:nvGrpSpPr>
+      <p:grpSpPr>
+        <a:xfrm>
+          <a:off x="0" y="0"/>
+          <a:ext cx="0" cy="0"/>
+          <a:chOff x="0" y="0"/>
+          <a:chExt cx="0" cy="0"/>
+        </a:xfrm>
+      </p:grpSpPr>
+      <p:sp>
+        <p:nvSpPr>
+          <p:cNvPr id="2" name="Espaço Reservado para Imagem de Slide 1"/>
+          <p:cNvSpPr>
+            <a:spLocks noGrp="1" noRot="1" noChangeAspect="1"/>
+          </p:cNvSpPr>
+          <p:nvPr>
+            <p:ph type="sldImg"/>
+          </p:nvPr>
+        </p:nvSpPr>
+        <p:spPr/>
+      </p:sp>
+      <p:sp>
+        <p:nvSpPr>
+          <p:cNvPr id="3" name="Espaço Reservado para Anotações 2"/>
+          <p:cNvSpPr>
+            <a:spLocks noGrp="1"/>
+          </p:cNvSpPr>
+          <p:nvPr>
+            <p:ph type="body" idx="1"/>
+          </p:nvPr>
+        </p:nvSpPr>
+        <p:spPr/>
+        <p:txBody>
+          <a:bodyPr/>
+          <a:lstStyle/>
+          <a:p>
+            <a:endParaRPr lang="pt-BR" dirty="0"/>
+          </a:p>
+        </p:txBody>
+      </p:sp>
+      <p:sp>
+        <p:nvSpPr>
+          <p:cNvPr id="4" name="Espaço Reservado para Número de Slide 3"/>
+          <p:cNvSpPr>
+            <a:spLocks noGrp="1"/>
+          </p:cNvSpPr>
+          <p:nvPr>
+            <p:ph type="sldNum" sz="quarter" idx="10"/>
+          </p:nvPr>
+        </p:nvSpPr>
+        <p:spPr/>
+        <p:txBody>
+          <a:bodyPr/>
+          <a:lstStyle/>
+          <a:p>
+            <a:fld id="{1A618A8B-0752-40D5-9454-79BB13FA29FA}" type="slidenum">
+              <a:rPr lang="pt-BR" smtClean="0"/>
+              <a:t>49</a:t>
+            </a:fld>
+            <a:endParaRPr lang="pt-BR"/>
+          </a:p>
+        </p:txBody>
+      </p:sp>
+    </p:spTree>
+    <p:extLst>
+      <p:ext uri="{BB962C8B-B14F-4D97-AF65-F5344CB8AC3E}">
+        <p14:creationId xmlns:p14="http://schemas.microsoft.com/office/powerpoint/2010/main" val="1276811389"/>
+      </p:ext>
+    </p:extLst>
+  </p:cSld>
+  <p:clrMapOvr>
+    <a:masterClrMapping/>
+  </p:clrMapOvr>
+</p:notes>
+</file>
+
+<file path=ppt/notesSlides/notesSlide36.xml><?xml version="1.0" encoding="utf-8"?>
+<p:notes xmlns:a="http://schemas.openxmlformats.org/drawingml/2006/main" xmlns:r="http://schemas.openxmlformats.org/officeDocument/2006/relationships" xmlns:p="http://schemas.openxmlformats.org/presentationml/2006/main">
+  <p:cSld>
+    <p:spTree>
+      <p:nvGrpSpPr>
+        <p:cNvPr id="1" name=""/>
+        <p:cNvGrpSpPr/>
+        <p:nvPr/>
+      </p:nvGrpSpPr>
+      <p:grpSpPr>
+        <a:xfrm>
+          <a:off x="0" y="0"/>
+          <a:ext cx="0" cy="0"/>
+          <a:chOff x="0" y="0"/>
+          <a:chExt cx="0" cy="0"/>
+        </a:xfrm>
+      </p:grpSpPr>
+      <p:sp>
+        <p:nvSpPr>
+          <p:cNvPr id="2" name="Espaço Reservado para Imagem de Slide 1"/>
+          <p:cNvSpPr>
+            <a:spLocks noGrp="1" noRot="1" noChangeAspect="1"/>
+          </p:cNvSpPr>
+          <p:nvPr>
+            <p:ph type="sldImg"/>
+          </p:nvPr>
+        </p:nvSpPr>
+        <p:spPr/>
+      </p:sp>
+      <p:sp>
+        <p:nvSpPr>
+          <p:cNvPr id="3" name="Espaço Reservado para Anotações 2"/>
+          <p:cNvSpPr>
+            <a:spLocks noGrp="1"/>
+          </p:cNvSpPr>
+          <p:nvPr>
+            <p:ph type="body" idx="1"/>
+          </p:nvPr>
+        </p:nvSpPr>
+        <p:spPr/>
+        <p:txBody>
+          <a:bodyPr/>
+          <a:lstStyle/>
+          <a:p>
+            <a:endParaRPr lang="pt-BR" dirty="0"/>
+          </a:p>
+        </p:txBody>
+      </p:sp>
+      <p:sp>
+        <p:nvSpPr>
+          <p:cNvPr id="4" name="Espaço Reservado para Número de Slide 3"/>
+          <p:cNvSpPr>
+            <a:spLocks noGrp="1"/>
+          </p:cNvSpPr>
+          <p:nvPr>
+            <p:ph type="sldNum" sz="quarter" idx="10"/>
+          </p:nvPr>
+        </p:nvSpPr>
+        <p:spPr/>
+        <p:txBody>
+          <a:bodyPr/>
+          <a:lstStyle/>
+          <a:p>
+            <a:fld id="{1A618A8B-0752-40D5-9454-79BB13FA29FA}" type="slidenum">
+              <a:rPr lang="pt-BR" smtClean="0"/>
+              <a:t>50</a:t>
             </a:fld>
             <a:endParaRPr lang="pt-BR"/>
           </a:p>
@@ -13082,7 +13337,7 @@
       </p:grpSpPr>
       <p:pic>
         <p:nvPicPr>
-          <p:cNvPr id="7" name="Imagem 6"/>
+          <p:cNvPr id="3" name="Imagem 2"/>
           <p:cNvPicPr>
             <a:picLocks noChangeAspect="1"/>
           </p:cNvPicPr>
@@ -13096,8 +13351,8 @@
         </p:blipFill>
         <p:spPr>
           <a:xfrm>
-            <a:off x="467544" y="3183829"/>
-            <a:ext cx="5961672" cy="3341515"/>
+            <a:off x="1579125" y="2092344"/>
+            <a:ext cx="5729179" cy="3599682"/>
           </a:xfrm>
           <a:prstGeom prst="rect">
             <a:avLst/>
@@ -13229,7 +13484,7 @@
         <p:spPr>
           <a:xfrm>
             <a:off x="263696" y="1700808"/>
-            <a:ext cx="8484768" cy="1569660"/>
+            <a:ext cx="2275366" cy="338554"/>
           </a:xfrm>
           <a:prstGeom prst="rect">
             <a:avLst/>
@@ -13237,221 +13492,33 @@
           <a:noFill/>
         </p:spPr>
         <p:txBody>
-          <a:bodyPr wrap="square" rtlCol="0">
+          <a:bodyPr wrap="none" rtlCol="0">
             <a:spAutoFit/>
           </a:bodyPr>
           <a:lstStyle/>
           <a:p>
-            <a:pPr marL="285750" indent="-285750" algn="just">
+            <a:pPr marL="285750" indent="-285750">
               <a:buFont typeface="Wingdings" panose="05000000000000000000" pitchFamily="2" charset="2"/>
               <a:buChar char="Ø"/>
             </a:pPr>
             <a:r>
               <a:rPr lang="pt-BR" sz="1600" dirty="0" smtClean="0"/>
-              <a:t>Disparar a compilação de acordo com o procedimento do </a:t>
-            </a:r>
-            <a:r>
-              <a:rPr lang="pt-BR" sz="1600" i="1" dirty="0" err="1" smtClean="0"/>
-              <a:t>toolset</a:t>
-            </a:r>
-            <a:r>
-              <a:rPr lang="pt-BR" sz="1600" dirty="0" smtClean="0"/>
-              <a:t> escolhido, por exemplo:</a:t>
-            </a:r>
-          </a:p>
-          <a:p>
-            <a:pPr lvl="1" algn="just"/>
-            <a:r>
-              <a:rPr lang="pt-BR" sz="1600" dirty="0" smtClean="0">
-                <a:latin typeface="Courier New" panose="02070309020205020404" pitchFamily="49" charset="0"/>
-                <a:cs typeface="Courier New" panose="02070309020205020404" pitchFamily="49" charset="0"/>
-              </a:rPr>
-              <a:t>$ </a:t>
-            </a:r>
-            <a:r>
-              <a:rPr lang="pt-BR" sz="1600" dirty="0" err="1" smtClean="0">
-                <a:latin typeface="Courier New" panose="02070309020205020404" pitchFamily="49" charset="0"/>
-                <a:cs typeface="Courier New" panose="02070309020205020404" pitchFamily="49" charset="0"/>
-              </a:rPr>
-              <a:t>cd</a:t>
-            </a:r>
-            <a:r>
-              <a:rPr lang="pt-BR" sz="1600" dirty="0" smtClean="0">
-                <a:latin typeface="Courier New" panose="02070309020205020404" pitchFamily="49" charset="0"/>
-                <a:cs typeface="Courier New" panose="02070309020205020404" pitchFamily="49" charset="0"/>
-              </a:rPr>
-              <a:t> &lt;</a:t>
-            </a:r>
-            <a:r>
-              <a:rPr lang="pt-BR" sz="1600" dirty="0" err="1" smtClean="0">
-                <a:latin typeface="Courier New" panose="02070309020205020404" pitchFamily="49" charset="0"/>
-                <a:cs typeface="Courier New" panose="02070309020205020404" pitchFamily="49" charset="0"/>
-              </a:rPr>
-              <a:t>build_dir</a:t>
-            </a:r>
-            <a:r>
-              <a:rPr lang="pt-BR" sz="1600" dirty="0" smtClean="0">
-                <a:latin typeface="Courier New" panose="02070309020205020404" pitchFamily="49" charset="0"/>
-                <a:cs typeface="Courier New" panose="02070309020205020404" pitchFamily="49" charset="0"/>
-              </a:rPr>
-              <a:t>&gt;; </a:t>
-            </a:r>
-            <a:r>
-              <a:rPr lang="pt-BR" sz="1600" dirty="0" err="1" smtClean="0">
-                <a:latin typeface="Courier New" panose="02070309020205020404" pitchFamily="49" charset="0"/>
-                <a:cs typeface="Courier New" panose="02070309020205020404" pitchFamily="49" charset="0"/>
-              </a:rPr>
-              <a:t>make</a:t>
-            </a:r>
-            <a:r>
-              <a:rPr lang="pt-BR" sz="1600" dirty="0" smtClean="0">
-                <a:latin typeface="Courier New" panose="02070309020205020404" pitchFamily="49" charset="0"/>
-                <a:cs typeface="Courier New" panose="02070309020205020404" pitchFamily="49" charset="0"/>
-              </a:rPr>
-              <a:t>; </a:t>
-            </a:r>
-            <a:r>
-              <a:rPr lang="pt-BR" sz="1600" dirty="0" err="1" smtClean="0">
-                <a:latin typeface="Courier New" panose="02070309020205020404" pitchFamily="49" charset="0"/>
-                <a:cs typeface="Courier New" panose="02070309020205020404" pitchFamily="49" charset="0"/>
-              </a:rPr>
-              <a:t>make</a:t>
-            </a:r>
-            <a:r>
-              <a:rPr lang="pt-BR" sz="1600" dirty="0" smtClean="0">
-                <a:latin typeface="Courier New" panose="02070309020205020404" pitchFamily="49" charset="0"/>
-                <a:cs typeface="Courier New" panose="02070309020205020404" pitchFamily="49" charset="0"/>
-              </a:rPr>
-              <a:t> </a:t>
-            </a:r>
-            <a:r>
-              <a:rPr lang="pt-BR" sz="1600" dirty="0" err="1" smtClean="0">
-                <a:latin typeface="Courier New" panose="02070309020205020404" pitchFamily="49" charset="0"/>
-                <a:cs typeface="Courier New" panose="02070309020205020404" pitchFamily="49" charset="0"/>
-              </a:rPr>
-              <a:t>install</a:t>
-            </a:r>
-            <a:r>
-              <a:rPr lang="pt-BR" sz="1600" dirty="0" smtClean="0"/>
-              <a:t> para GNU ou clique no botão                     .                do </a:t>
-            </a:r>
-            <a:r>
-              <a:rPr lang="pt-BR" sz="1600" dirty="0" err="1" smtClean="0"/>
-              <a:t>CMake</a:t>
-            </a:r>
-            <a:r>
-              <a:rPr lang="pt-BR" sz="1600" dirty="0" smtClean="0"/>
-              <a:t> GUI para abrir a </a:t>
-            </a:r>
-            <a:r>
-              <a:rPr lang="pt-BR" sz="1600" dirty="0" err="1" smtClean="0"/>
-              <a:t>Solution</a:t>
-            </a:r>
-            <a:r>
-              <a:rPr lang="pt-BR" sz="1600" dirty="0" smtClean="0"/>
-              <a:t> no VS e disparar a compilação e instalação.</a:t>
-            </a:r>
-          </a:p>
-          <a:p>
-            <a:pPr lvl="1" algn="just"/>
+              <a:t>Abrir o projeto no VS.</a:t>
+            </a:r>
             <a:endParaRPr lang="pt-BR" sz="1600" dirty="0"/>
-          </a:p>
-          <a:p>
-            <a:pPr marL="285750" indent="-285750" algn="just">
-              <a:buFont typeface="Wingdings" panose="05000000000000000000" pitchFamily="2" charset="2"/>
-              <a:buChar char="Ø"/>
-            </a:pPr>
-            <a:r>
-              <a:rPr lang="pt-BR" sz="1600" dirty="0" smtClean="0"/>
-              <a:t>Configurar o projeto no </a:t>
-            </a:r>
-            <a:r>
-              <a:rPr lang="pt-BR" sz="1600" dirty="0" err="1" smtClean="0"/>
-              <a:t>Qt</a:t>
-            </a:r>
-            <a:r>
-              <a:rPr lang="pt-BR" sz="1600" dirty="0" smtClean="0"/>
-              <a:t> </a:t>
-            </a:r>
-            <a:r>
-              <a:rPr lang="pt-BR" sz="1600" dirty="0" err="1" smtClean="0"/>
-              <a:t>Creator</a:t>
-            </a:r>
-            <a:r>
-              <a:rPr lang="pt-BR" sz="1600" dirty="0" smtClean="0"/>
-              <a:t>: File </a:t>
-            </a:r>
-            <a:r>
-              <a:rPr lang="pt-BR" sz="1600" dirty="0" smtClean="0">
-                <a:sym typeface="Wingdings" panose="05000000000000000000" pitchFamily="2" charset="2"/>
-              </a:rPr>
-              <a:t> Open File </a:t>
-            </a:r>
-            <a:r>
-              <a:rPr lang="pt-BR" sz="1600" dirty="0" err="1" smtClean="0">
-                <a:sym typeface="Wingdings" panose="05000000000000000000" pitchFamily="2" charset="2"/>
-              </a:rPr>
-              <a:t>or</a:t>
-            </a:r>
-            <a:r>
-              <a:rPr lang="pt-BR" sz="1600" dirty="0" smtClean="0">
-                <a:sym typeface="Wingdings" panose="05000000000000000000" pitchFamily="2" charset="2"/>
-              </a:rPr>
-              <a:t> Project  </a:t>
-            </a:r>
-            <a:r>
-              <a:rPr lang="pt-BR" sz="1600" dirty="0" smtClean="0">
-                <a:latin typeface="Courier New" panose="02070309020205020404" pitchFamily="49" charset="0"/>
-                <a:cs typeface="Courier New" panose="02070309020205020404" pitchFamily="49" charset="0"/>
-                <a:sym typeface="Wingdings" panose="05000000000000000000" pitchFamily="2" charset="2"/>
-              </a:rPr>
-              <a:t>CMakeLists.txt</a:t>
-            </a:r>
-            <a:endParaRPr lang="pt-BR" sz="1600" dirty="0">
-              <a:latin typeface="Courier New" panose="02070309020205020404" pitchFamily="49" charset="0"/>
-              <a:cs typeface="Courier New" panose="02070309020205020404" pitchFamily="49" charset="0"/>
-            </a:endParaRPr>
-          </a:p>
-          <a:p>
-            <a:pPr lvl="1" algn="just"/>
-            <a:endParaRPr lang="pt-BR" sz="1600" dirty="0" smtClean="0"/>
           </a:p>
         </p:txBody>
       </p:sp>
       <p:pic>
         <p:nvPicPr>
-          <p:cNvPr id="2" name="Imagem 1"/>
+          <p:cNvPr id="18" name="Imagem 17"/>
           <p:cNvPicPr>
             <a:picLocks noChangeAspect="1"/>
           </p:cNvPicPr>
           <p:nvPr/>
         </p:nvPicPr>
         <p:blipFill>
-          <a:blip r:embed="rId4"/>
-          <a:stretch>
-            <a:fillRect/>
-          </a:stretch>
-        </p:blipFill>
-        <p:spPr>
-          <a:xfrm>
-            <a:off x="827584" y="2276872"/>
-            <a:ext cx="695325" cy="200025"/>
-          </a:xfrm>
-          <a:prstGeom prst="rect">
-            <a:avLst/>
-          </a:prstGeom>
-        </p:spPr>
-      </p:pic>
-      <p:pic>
-        <p:nvPicPr>
-          <p:cNvPr id="13" name="Imagem 12"/>
-          <p:cNvPicPr>
-            <a:picLocks noChangeAspect="1"/>
-          </p:cNvPicPr>
-          <p:nvPr/>
-        </p:nvPicPr>
-        <p:blipFill>
-          <a:blip r:embed="rId5">
+          <a:blip r:embed="rId4">
             <a:clrChange>
               <a:clrFrom>
                 <a:srgbClr val="FFFFFF"/>
@@ -13469,7 +13536,7 @@
         </p:blipFill>
         <p:spPr>
           <a:xfrm rot="2513887" flipH="1">
-            <a:off x="2714083" y="5975089"/>
+            <a:off x="3233748" y="4606937"/>
             <a:ext cx="547482" cy="421305"/>
           </a:xfrm>
           <a:prstGeom prst="rect">
@@ -13477,45 +13544,67 @@
           </a:prstGeom>
         </p:spPr>
       </p:pic>
-      <p:pic>
-        <p:nvPicPr>
-          <p:cNvPr id="16" name="Imagem 15"/>
-          <p:cNvPicPr>
-            <a:picLocks noChangeAspect="1"/>
-          </p:cNvPicPr>
-          <p:nvPr/>
-        </p:nvPicPr>
-        <p:blipFill>
-          <a:blip r:embed="rId5">
-            <a:clrChange>
-              <a:clrFrom>
-                <a:srgbClr val="FFFFFF"/>
-              </a:clrFrom>
-              <a:clrTo>
-                <a:srgbClr val="FFFFFF">
-                  <a:alpha val="0"/>
-                </a:srgbClr>
-              </a:clrTo>
-            </a:clrChange>
-          </a:blip>
-          <a:stretch>
-            <a:fillRect/>
-          </a:stretch>
-        </p:blipFill>
-        <p:spPr>
-          <a:xfrm flipH="1">
-            <a:off x="6201195" y="6225195"/>
-            <a:ext cx="547482" cy="421305"/>
-          </a:xfrm>
-          <a:prstGeom prst="rect">
-            <a:avLst/>
-          </a:prstGeom>
-        </p:spPr>
-      </p:pic>
+      <p:sp>
+        <p:nvSpPr>
+          <p:cNvPr id="20" name="CaixaDeTexto 19"/>
+          <p:cNvSpPr txBox="1"/>
+          <p:nvPr/>
+        </p:nvSpPr>
+        <p:spPr>
+          <a:xfrm>
+            <a:off x="266268" y="5970766"/>
+            <a:ext cx="8775351" cy="338554"/>
+          </a:xfrm>
+          <a:prstGeom prst="rect">
+            <a:avLst/>
+          </a:prstGeom>
+          <a:noFill/>
+        </p:spPr>
+        <p:txBody>
+          <a:bodyPr wrap="none" rtlCol="0">
+            <a:spAutoFit/>
+          </a:bodyPr>
+          <a:lstStyle/>
+          <a:p>
+            <a:pPr marL="285750" indent="-285750">
+              <a:buFont typeface="Wingdings" panose="05000000000000000000" pitchFamily="2" charset="2"/>
+              <a:buChar char="Ø"/>
+            </a:pPr>
+            <a:r>
+              <a:rPr lang="pt-BR" sz="1600" dirty="0" smtClean="0"/>
+              <a:t>O botão “</a:t>
+            </a:r>
+            <a:r>
+              <a:rPr lang="pt-BR" sz="1600" dirty="0" err="1" smtClean="0"/>
+              <a:t>Generate</a:t>
+            </a:r>
+            <a:r>
+              <a:rPr lang="pt-BR" sz="1600" dirty="0" smtClean="0"/>
+              <a:t>” gera um </a:t>
+            </a:r>
+            <a:r>
+              <a:rPr lang="pt-BR" sz="1600" dirty="0" err="1" smtClean="0"/>
+              <a:t>Makefile</a:t>
+            </a:r>
+            <a:r>
+              <a:rPr lang="pt-BR" sz="1600" dirty="0" smtClean="0"/>
+              <a:t> ou um </a:t>
+            </a:r>
+            <a:r>
+              <a:rPr lang="pt-BR" sz="1600" dirty="0" err="1" smtClean="0"/>
+              <a:t>Solution</a:t>
+            </a:r>
+            <a:r>
+              <a:rPr lang="pt-BR" sz="1600" dirty="0" smtClean="0"/>
+              <a:t> pronto para compilação no diretório de build.</a:t>
+            </a:r>
+          </a:p>
+        </p:txBody>
+      </p:sp>
     </p:spTree>
     <p:extLst>
       <p:ext uri="{BB962C8B-B14F-4D97-AF65-F5344CB8AC3E}">
-        <p14:creationId xmlns:p14="http://schemas.microsoft.com/office/powerpoint/2010/main" val="3852235901"/>
+        <p14:creationId xmlns:p14="http://schemas.microsoft.com/office/powerpoint/2010/main" val="2837526382"/>
       </p:ext>
     </p:extLst>
   </p:cSld>
@@ -13549,6 +13638,162 @@
           <a:chExt cx="0" cy="0"/>
         </a:xfrm>
       </p:grpSpPr>
+      <p:sp>
+        <p:nvSpPr>
+          <p:cNvPr id="4" name="Título 3"/>
+          <p:cNvSpPr>
+            <a:spLocks noGrp="1"/>
+          </p:cNvSpPr>
+          <p:nvPr>
+            <p:ph type="ctrTitle"/>
+          </p:nvPr>
+        </p:nvSpPr>
+        <p:spPr>
+          <a:xfrm>
+            <a:off x="3275856" y="138754"/>
+            <a:ext cx="4680520" cy="504056"/>
+          </a:xfrm>
+        </p:spPr>
+        <p:txBody>
+          <a:bodyPr>
+            <a:normAutofit/>
+          </a:bodyPr>
+          <a:lstStyle/>
+          <a:p>
+            <a:r>
+              <a:rPr lang="pt-BR" sz="2400" dirty="0" smtClean="0"/>
+              <a:t>4) Aplicações C++/</a:t>
+            </a:r>
+            <a:r>
+              <a:rPr lang="pt-BR" sz="2400" dirty="0" err="1" smtClean="0"/>
+              <a:t>Qt</a:t>
+            </a:r>
+            <a:r>
+              <a:rPr lang="pt-BR" sz="2400" dirty="0" smtClean="0"/>
+              <a:t> com VTK</a:t>
+            </a:r>
+            <a:endParaRPr lang="pt-BR" sz="1400" dirty="0"/>
+          </a:p>
+        </p:txBody>
+      </p:sp>
+      <p:sp>
+        <p:nvSpPr>
+          <p:cNvPr id="54" name="CaixaDeTexto 53"/>
+          <p:cNvSpPr txBox="1"/>
+          <p:nvPr/>
+        </p:nvSpPr>
+        <p:spPr>
+          <a:xfrm>
+            <a:off x="4067944" y="1218238"/>
+            <a:ext cx="1608133" cy="338554"/>
+          </a:xfrm>
+          <a:prstGeom prst="rect">
+            <a:avLst/>
+          </a:prstGeom>
+          <a:noFill/>
+        </p:spPr>
+        <p:txBody>
+          <a:bodyPr wrap="none" rtlCol="0">
+            <a:spAutoFit/>
+          </a:bodyPr>
+          <a:lstStyle/>
+          <a:p>
+            <a:r>
+              <a:rPr lang="pt-BR" sz="1600" b="1" dirty="0" smtClean="0"/>
+              <a:t>4.1.3) </a:t>
+            </a:r>
+            <a:r>
+              <a:rPr lang="pt-BR" sz="1600" b="1" dirty="0" err="1" smtClean="0"/>
+              <a:t>Hello</a:t>
+            </a:r>
+            <a:r>
+              <a:rPr lang="pt-BR" sz="1600" b="1" dirty="0" smtClean="0"/>
+              <a:t> VTK!</a:t>
+            </a:r>
+            <a:endParaRPr lang="pt-BR" sz="1600" b="1" dirty="0"/>
+          </a:p>
+        </p:txBody>
+      </p:sp>
+      <p:sp>
+        <p:nvSpPr>
+          <p:cNvPr id="55" name="CaixaDeTexto 54"/>
+          <p:cNvSpPr txBox="1"/>
+          <p:nvPr/>
+        </p:nvSpPr>
+        <p:spPr>
+          <a:xfrm>
+            <a:off x="2987824" y="908720"/>
+            <a:ext cx="4154984" cy="369332"/>
+          </a:xfrm>
+          <a:prstGeom prst="rect">
+            <a:avLst/>
+          </a:prstGeom>
+          <a:noFill/>
+        </p:spPr>
+        <p:txBody>
+          <a:bodyPr wrap="none" rtlCol="0">
+            <a:spAutoFit/>
+          </a:bodyPr>
+          <a:lstStyle/>
+          <a:p>
+            <a:r>
+              <a:rPr lang="pt-BR" b="1" dirty="0" smtClean="0"/>
+              <a:t>4.1) Criando um aplicativo VTK elementar</a:t>
+            </a:r>
+            <a:endParaRPr lang="pt-BR" b="1" dirty="0"/>
+          </a:p>
+        </p:txBody>
+      </p:sp>
+      <p:sp>
+        <p:nvSpPr>
+          <p:cNvPr id="14" name="CaixaDeTexto 13"/>
+          <p:cNvSpPr txBox="1"/>
+          <p:nvPr/>
+        </p:nvSpPr>
+        <p:spPr>
+          <a:xfrm>
+            <a:off x="263696" y="1700808"/>
+            <a:ext cx="7116628" cy="338554"/>
+          </a:xfrm>
+          <a:prstGeom prst="rect">
+            <a:avLst/>
+          </a:prstGeom>
+          <a:noFill/>
+        </p:spPr>
+        <p:txBody>
+          <a:bodyPr wrap="none" rtlCol="0">
+            <a:spAutoFit/>
+          </a:bodyPr>
+          <a:lstStyle/>
+          <a:p>
+            <a:pPr marL="285750" indent="-285750">
+              <a:buFont typeface="Wingdings" panose="05000000000000000000" pitchFamily="2" charset="2"/>
+              <a:buChar char="Ø"/>
+            </a:pPr>
+            <a:r>
+              <a:rPr lang="pt-BR" sz="1600" dirty="0" smtClean="0"/>
+              <a:t>Compilar no Visual Studio – a compilação no </a:t>
+            </a:r>
+            <a:r>
+              <a:rPr lang="pt-BR" sz="1600" dirty="0" err="1" smtClean="0"/>
+              <a:t>Qt</a:t>
+            </a:r>
+            <a:r>
+              <a:rPr lang="pt-BR" sz="1600" dirty="0" smtClean="0"/>
+              <a:t> </a:t>
+            </a:r>
+            <a:r>
+              <a:rPr lang="pt-BR" sz="1600" dirty="0" err="1" smtClean="0"/>
+              <a:t>Creator</a:t>
+            </a:r>
+            <a:r>
+              <a:rPr lang="pt-BR" sz="1600" dirty="0" smtClean="0"/>
+              <a:t> por vezes não funciona.</a:t>
+            </a:r>
+            <a:endParaRPr lang="pt-BR" sz="1600" dirty="0"/>
+          </a:p>
+        </p:txBody>
+      </p:sp>
       <p:pic>
         <p:nvPicPr>
           <p:cNvPr id="2" name="Imagem 1"/>
@@ -13565,8 +13810,8 @@
         </p:blipFill>
         <p:spPr>
           <a:xfrm>
-            <a:off x="3101360" y="3418789"/>
-            <a:ext cx="2901402" cy="3171300"/>
+            <a:off x="2195736" y="2348880"/>
+            <a:ext cx="4819650" cy="2819400"/>
           </a:xfrm>
           <a:prstGeom prst="rect">
             <a:avLst/>
@@ -13579,191 +13824,9 @@
           </a:effectLst>
         </p:spPr>
       </p:pic>
-      <p:sp>
-        <p:nvSpPr>
-          <p:cNvPr id="4" name="Título 3"/>
-          <p:cNvSpPr>
-            <a:spLocks noGrp="1"/>
-          </p:cNvSpPr>
-          <p:nvPr>
-            <p:ph type="ctrTitle"/>
-          </p:nvPr>
-        </p:nvSpPr>
-        <p:spPr>
-          <a:xfrm>
-            <a:off x="3275856" y="138754"/>
-            <a:ext cx="4680520" cy="504056"/>
-          </a:xfrm>
-        </p:spPr>
-        <p:txBody>
-          <a:bodyPr>
-            <a:normAutofit/>
-          </a:bodyPr>
-          <a:lstStyle/>
-          <a:p>
-            <a:r>
-              <a:rPr lang="pt-BR" sz="2400" dirty="0" smtClean="0"/>
-              <a:t>4) Aplicações C++/</a:t>
-            </a:r>
-            <a:r>
-              <a:rPr lang="pt-BR" sz="2400" dirty="0" err="1" smtClean="0"/>
-              <a:t>Qt</a:t>
-            </a:r>
-            <a:r>
-              <a:rPr lang="pt-BR" sz="2400" dirty="0" smtClean="0"/>
-              <a:t> com VTK</a:t>
-            </a:r>
-            <a:endParaRPr lang="pt-BR" sz="1400" dirty="0"/>
-          </a:p>
-        </p:txBody>
-      </p:sp>
-      <p:sp>
-        <p:nvSpPr>
-          <p:cNvPr id="54" name="CaixaDeTexto 53"/>
-          <p:cNvSpPr txBox="1"/>
-          <p:nvPr/>
-        </p:nvSpPr>
-        <p:spPr>
-          <a:xfrm>
-            <a:off x="4067944" y="1218238"/>
-            <a:ext cx="1608133" cy="338554"/>
-          </a:xfrm>
-          <a:prstGeom prst="rect">
-            <a:avLst/>
-          </a:prstGeom>
-          <a:noFill/>
-        </p:spPr>
-        <p:txBody>
-          <a:bodyPr wrap="none" rtlCol="0">
-            <a:spAutoFit/>
-          </a:bodyPr>
-          <a:lstStyle/>
-          <a:p>
-            <a:r>
-              <a:rPr lang="pt-BR" sz="1600" b="1" dirty="0" smtClean="0"/>
-              <a:t>4.1.3) </a:t>
-            </a:r>
-            <a:r>
-              <a:rPr lang="pt-BR" sz="1600" b="1" dirty="0" err="1" smtClean="0"/>
-              <a:t>Hello</a:t>
-            </a:r>
-            <a:r>
-              <a:rPr lang="pt-BR" sz="1600" b="1" dirty="0" smtClean="0"/>
-              <a:t> VTK!</a:t>
-            </a:r>
-            <a:endParaRPr lang="pt-BR" sz="1600" b="1" dirty="0"/>
-          </a:p>
-        </p:txBody>
-      </p:sp>
-      <p:sp>
-        <p:nvSpPr>
-          <p:cNvPr id="55" name="CaixaDeTexto 54"/>
-          <p:cNvSpPr txBox="1"/>
-          <p:nvPr/>
-        </p:nvSpPr>
-        <p:spPr>
-          <a:xfrm>
-            <a:off x="2987824" y="908720"/>
-            <a:ext cx="4154984" cy="369332"/>
-          </a:xfrm>
-          <a:prstGeom prst="rect">
-            <a:avLst/>
-          </a:prstGeom>
-          <a:noFill/>
-        </p:spPr>
-        <p:txBody>
-          <a:bodyPr wrap="none" rtlCol="0">
-            <a:spAutoFit/>
-          </a:bodyPr>
-          <a:lstStyle/>
-          <a:p>
-            <a:r>
-              <a:rPr lang="pt-BR" b="1" dirty="0" smtClean="0"/>
-              <a:t>4.1) Criando um aplicativo VTK elementar</a:t>
-            </a:r>
-            <a:endParaRPr lang="pt-BR" b="1" dirty="0"/>
-          </a:p>
-        </p:txBody>
-      </p:sp>
-      <p:sp>
-        <p:nvSpPr>
-          <p:cNvPr id="14" name="CaixaDeTexto 13"/>
-          <p:cNvSpPr txBox="1"/>
-          <p:nvPr/>
-        </p:nvSpPr>
-        <p:spPr>
-          <a:xfrm>
-            <a:off x="263696" y="2814027"/>
-            <a:ext cx="8484768" cy="584775"/>
-          </a:xfrm>
-          <a:prstGeom prst="rect">
-            <a:avLst/>
-          </a:prstGeom>
-          <a:noFill/>
-        </p:spPr>
-        <p:txBody>
-          <a:bodyPr wrap="square" rtlCol="0">
-            <a:spAutoFit/>
-          </a:bodyPr>
-          <a:lstStyle/>
-          <a:p>
-            <a:pPr marL="285750" indent="-285750" algn="just">
-              <a:buFont typeface="Wingdings" panose="05000000000000000000" pitchFamily="2" charset="2"/>
-              <a:buChar char="Ø"/>
-            </a:pPr>
-            <a:r>
-              <a:rPr lang="pt-BR" sz="1600" dirty="0" err="1" smtClean="0"/>
-              <a:t>Qt</a:t>
-            </a:r>
-            <a:r>
-              <a:rPr lang="pt-BR" sz="1600" dirty="0" smtClean="0"/>
-              <a:t> </a:t>
-            </a:r>
-            <a:r>
-              <a:rPr lang="pt-BR" sz="1600" dirty="0" err="1" smtClean="0"/>
-              <a:t>Creator</a:t>
-            </a:r>
-            <a:r>
-              <a:rPr lang="pt-BR" sz="1600" dirty="0" smtClean="0"/>
-              <a:t>: sempre que houver alterações no projeto (via alterações no </a:t>
-            </a:r>
-            <a:r>
-              <a:rPr lang="pt-BR" sz="1600" dirty="0" smtClean="0">
-                <a:latin typeface="Courier New" panose="02070309020205020404" pitchFamily="49" charset="0"/>
-                <a:cs typeface="Courier New" panose="02070309020205020404" pitchFamily="49" charset="0"/>
-              </a:rPr>
-              <a:t>CMakeLists.txt</a:t>
-            </a:r>
-            <a:r>
-              <a:rPr lang="pt-BR" sz="1600" dirty="0" smtClean="0"/>
-              <a:t>), deve-se chamar o menu de contexto do projeto e acionar a opção </a:t>
-            </a:r>
-            <a:r>
-              <a:rPr lang="pt-BR" sz="1600" b="1" dirty="0" err="1" smtClean="0"/>
-              <a:t>Run</a:t>
-            </a:r>
-            <a:r>
-              <a:rPr lang="pt-BR" sz="1600" b="1" dirty="0" smtClean="0"/>
-              <a:t> </a:t>
-            </a:r>
-            <a:r>
-              <a:rPr lang="pt-BR" sz="1600" b="1" dirty="0" err="1" smtClean="0"/>
-              <a:t>CMake</a:t>
-            </a:r>
-            <a:r>
-              <a:rPr lang="pt-BR" sz="1600" dirty="0"/>
-              <a:t>.</a:t>
-            </a:r>
-            <a:endParaRPr lang="pt-BR" sz="1600" dirty="0">
-              <a:latin typeface="Courier New" panose="02070309020205020404" pitchFamily="49" charset="0"/>
-              <a:cs typeface="Courier New" panose="02070309020205020404" pitchFamily="49" charset="0"/>
-            </a:endParaRPr>
-          </a:p>
-        </p:txBody>
-      </p:sp>
       <p:pic>
         <p:nvPicPr>
-          <p:cNvPr id="12" name="Imagem 11"/>
+          <p:cNvPr id="10" name="Imagem 9"/>
           <p:cNvPicPr>
             <a:picLocks noChangeAspect="1"/>
           </p:cNvPicPr>
@@ -13787,53 +13850,8 @@
           </a:stretch>
         </p:blipFill>
         <p:spPr>
-          <a:xfrm>
-            <a:off x="4127950" y="1628800"/>
-            <a:ext cx="1092122" cy="1008112"/>
-          </a:xfrm>
-          <a:prstGeom prst="rect">
-            <a:avLst/>
-          </a:prstGeom>
-          <a:ln>
-            <a:noFill/>
-          </a:ln>
-          <a:effectLst>
-            <a:outerShdw blurRad="292100" dist="139700" dir="2700000" algn="tl" rotWithShape="0">
-              <a:srgbClr val="333333">
-                <a:alpha val="65000"/>
-              </a:srgbClr>
-            </a:outerShdw>
-          </a:effectLst>
-        </p:spPr>
-      </p:pic>
-      <p:pic>
-        <p:nvPicPr>
-          <p:cNvPr id="15" name="Imagem 14"/>
-          <p:cNvPicPr>
-            <a:picLocks noChangeAspect="1"/>
-          </p:cNvPicPr>
-          <p:nvPr/>
-        </p:nvPicPr>
-        <p:blipFill>
-          <a:blip r:embed="rId5">
-            <a:clrChange>
-              <a:clrFrom>
-                <a:srgbClr val="FFFFFF"/>
-              </a:clrFrom>
-              <a:clrTo>
-                <a:srgbClr val="FFFFFF">
-                  <a:alpha val="0"/>
-                </a:srgbClr>
-              </a:clrTo>
-            </a:clrChange>
-          </a:blip>
-          <a:stretch>
-            <a:fillRect/>
-          </a:stretch>
-        </p:blipFill>
-        <p:spPr>
           <a:xfrm flipH="1">
-            <a:off x="5105504" y="4030555"/>
+            <a:off x="3546060" y="3432811"/>
             <a:ext cx="547482" cy="421305"/>
           </a:xfrm>
           <a:prstGeom prst="rect">
@@ -13844,7 +13862,7 @@
     </p:spTree>
     <p:extLst>
       <p:ext uri="{BB962C8B-B14F-4D97-AF65-F5344CB8AC3E}">
-        <p14:creationId xmlns:p14="http://schemas.microsoft.com/office/powerpoint/2010/main" val="3160225612"/>
+        <p14:creationId xmlns:p14="http://schemas.microsoft.com/office/powerpoint/2010/main" val="1806368246"/>
       </p:ext>
     </p:extLst>
   </p:cSld>
@@ -13878,6 +13896,40 @@
           <a:chExt cx="0" cy="0"/>
         </a:xfrm>
       </p:grpSpPr>
+      <p:pic>
+        <p:nvPicPr>
+          <p:cNvPr id="7" name="Imagem 6"/>
+          <p:cNvPicPr>
+            <a:picLocks noChangeAspect="1"/>
+          </p:cNvPicPr>
+          <p:nvPr/>
+        </p:nvPicPr>
+        <p:blipFill>
+          <a:blip r:embed="rId3"/>
+          <a:stretch>
+            <a:fillRect/>
+          </a:stretch>
+        </p:blipFill>
+        <p:spPr>
+          <a:xfrm>
+            <a:off x="467544" y="3183829"/>
+            <a:ext cx="5961672" cy="3341515"/>
+          </a:xfrm>
+          <a:prstGeom prst="rect">
+            <a:avLst/>
+          </a:prstGeom>
+          <a:ln>
+            <a:noFill/>
+          </a:ln>
+          <a:effectLst>
+            <a:outerShdw blurRad="292100" dist="139700" dir="2700000" algn="tl" rotWithShape="0">
+              <a:srgbClr val="333333">
+                <a:alpha val="65000"/>
+              </a:srgbClr>
+            </a:outerShdw>
+          </a:effectLst>
+        </p:spPr>
+      </p:pic>
       <p:sp>
         <p:nvSpPr>
           <p:cNvPr id="4" name="Título 3"/>
@@ -13992,8 +14044,8 @@
         </p:nvSpPr>
         <p:spPr>
           <a:xfrm>
-            <a:off x="263696" y="2814027"/>
-            <a:ext cx="8484768" cy="338554"/>
+            <a:off x="263696" y="1700808"/>
+            <a:ext cx="8484768" cy="1569660"/>
           </a:xfrm>
           <a:prstGeom prst="rect">
             <a:avLst/>
@@ -14011,6 +14063,125 @@
               <a:buChar char="Ø"/>
             </a:pPr>
             <a:r>
+              <a:rPr lang="pt-BR" sz="1600" dirty="0" smtClean="0"/>
+              <a:t>Disparar a compilação de acordo com o procedimento do </a:t>
+            </a:r>
+            <a:r>
+              <a:rPr lang="pt-BR" sz="1600" i="1" dirty="0" err="1" smtClean="0"/>
+              <a:t>toolset</a:t>
+            </a:r>
+            <a:r>
+              <a:rPr lang="pt-BR" sz="1600" dirty="0" smtClean="0"/>
+              <a:t> escolhido, por exemplo:</a:t>
+            </a:r>
+          </a:p>
+          <a:p>
+            <a:pPr lvl="1" algn="just"/>
+            <a:r>
+              <a:rPr lang="pt-BR" sz="1600" dirty="0" smtClean="0">
+                <a:latin typeface="Courier New" panose="02070309020205020404" pitchFamily="49" charset="0"/>
+                <a:cs typeface="Courier New" panose="02070309020205020404" pitchFamily="49" charset="0"/>
+              </a:rPr>
+              <a:t>$ </a:t>
+            </a:r>
+            <a:r>
+              <a:rPr lang="pt-BR" sz="1600" dirty="0" err="1" smtClean="0">
+                <a:latin typeface="Courier New" panose="02070309020205020404" pitchFamily="49" charset="0"/>
+                <a:cs typeface="Courier New" panose="02070309020205020404" pitchFamily="49" charset="0"/>
+              </a:rPr>
+              <a:t>cd</a:t>
+            </a:r>
+            <a:r>
+              <a:rPr lang="pt-BR" sz="1600" dirty="0" smtClean="0">
+                <a:latin typeface="Courier New" panose="02070309020205020404" pitchFamily="49" charset="0"/>
+                <a:cs typeface="Courier New" panose="02070309020205020404" pitchFamily="49" charset="0"/>
+              </a:rPr>
+              <a:t> &lt;</a:t>
+            </a:r>
+            <a:r>
+              <a:rPr lang="pt-BR" sz="1600" dirty="0" err="1" smtClean="0">
+                <a:latin typeface="Courier New" panose="02070309020205020404" pitchFamily="49" charset="0"/>
+                <a:cs typeface="Courier New" panose="02070309020205020404" pitchFamily="49" charset="0"/>
+              </a:rPr>
+              <a:t>build_dir</a:t>
+            </a:r>
+            <a:r>
+              <a:rPr lang="pt-BR" sz="1600" dirty="0" smtClean="0">
+                <a:latin typeface="Courier New" panose="02070309020205020404" pitchFamily="49" charset="0"/>
+                <a:cs typeface="Courier New" panose="02070309020205020404" pitchFamily="49" charset="0"/>
+              </a:rPr>
+              <a:t>&gt;; </a:t>
+            </a:r>
+            <a:r>
+              <a:rPr lang="pt-BR" sz="1600" dirty="0" err="1" smtClean="0">
+                <a:latin typeface="Courier New" panose="02070309020205020404" pitchFamily="49" charset="0"/>
+                <a:cs typeface="Courier New" panose="02070309020205020404" pitchFamily="49" charset="0"/>
+              </a:rPr>
+              <a:t>make</a:t>
+            </a:r>
+            <a:r>
+              <a:rPr lang="pt-BR" sz="1600" dirty="0" smtClean="0">
+                <a:latin typeface="Courier New" panose="02070309020205020404" pitchFamily="49" charset="0"/>
+                <a:cs typeface="Courier New" panose="02070309020205020404" pitchFamily="49" charset="0"/>
+              </a:rPr>
+              <a:t>; </a:t>
+            </a:r>
+            <a:r>
+              <a:rPr lang="pt-BR" sz="1600" dirty="0" err="1" smtClean="0">
+                <a:latin typeface="Courier New" panose="02070309020205020404" pitchFamily="49" charset="0"/>
+                <a:cs typeface="Courier New" panose="02070309020205020404" pitchFamily="49" charset="0"/>
+              </a:rPr>
+              <a:t>make</a:t>
+            </a:r>
+            <a:r>
+              <a:rPr lang="pt-BR" sz="1600" dirty="0" smtClean="0">
+                <a:latin typeface="Courier New" panose="02070309020205020404" pitchFamily="49" charset="0"/>
+                <a:cs typeface="Courier New" panose="02070309020205020404" pitchFamily="49" charset="0"/>
+              </a:rPr>
+              <a:t> </a:t>
+            </a:r>
+            <a:r>
+              <a:rPr lang="pt-BR" sz="1600" dirty="0" err="1" smtClean="0">
+                <a:latin typeface="Courier New" panose="02070309020205020404" pitchFamily="49" charset="0"/>
+                <a:cs typeface="Courier New" panose="02070309020205020404" pitchFamily="49" charset="0"/>
+              </a:rPr>
+              <a:t>install</a:t>
+            </a:r>
+            <a:r>
+              <a:rPr lang="pt-BR" sz="1600" dirty="0" smtClean="0"/>
+              <a:t> para GNU ou clique no botão                     .                do </a:t>
+            </a:r>
+            <a:r>
+              <a:rPr lang="pt-BR" sz="1600" dirty="0" err="1" smtClean="0"/>
+              <a:t>CMake</a:t>
+            </a:r>
+            <a:r>
+              <a:rPr lang="pt-BR" sz="1600" dirty="0" smtClean="0"/>
+              <a:t> GUI para abrir a </a:t>
+            </a:r>
+            <a:r>
+              <a:rPr lang="pt-BR" sz="1600" dirty="0" err="1" smtClean="0"/>
+              <a:t>Solution</a:t>
+            </a:r>
+            <a:r>
+              <a:rPr lang="pt-BR" sz="1600" dirty="0" smtClean="0"/>
+              <a:t> no VS e disparar a compilação e instalação.</a:t>
+            </a:r>
+          </a:p>
+          <a:p>
+            <a:pPr lvl="1" algn="just"/>
+            <a:endParaRPr lang="pt-BR" sz="1600" dirty="0"/>
+          </a:p>
+          <a:p>
+            <a:pPr marL="285750" indent="-285750" algn="just">
+              <a:buFont typeface="Wingdings" panose="05000000000000000000" pitchFamily="2" charset="2"/>
+              <a:buChar char="Ø"/>
+            </a:pPr>
+            <a:r>
+              <a:rPr lang="pt-BR" sz="1600" dirty="0" smtClean="0"/>
+              <a:t>Configurar o projeto no </a:t>
+            </a:r>
+            <a:r>
               <a:rPr lang="pt-BR" sz="1600" dirty="0" err="1" smtClean="0"/>
               <a:t>Qt</a:t>
             </a:r>
@@ -14024,48 +14195,48 @@
             </a:r>
             <a:r>
               <a:rPr lang="pt-BR" sz="1600" dirty="0" smtClean="0"/>
-              <a:t>: compile clicando em </a:t>
+              <a:t>: File </a:t>
+            </a:r>
+            <a:r>
+              <a:rPr lang="pt-BR" sz="1600" dirty="0" smtClean="0">
+                <a:sym typeface="Wingdings" panose="05000000000000000000" pitchFamily="2" charset="2"/>
+              </a:rPr>
+              <a:t> Open File </a:t>
+            </a:r>
+            <a:r>
+              <a:rPr lang="pt-BR" sz="1600" dirty="0" err="1" smtClean="0">
+                <a:sym typeface="Wingdings" panose="05000000000000000000" pitchFamily="2" charset="2"/>
+              </a:rPr>
+              <a:t>or</a:t>
+            </a:r>
+            <a:r>
+              <a:rPr lang="pt-BR" sz="1600" dirty="0" smtClean="0">
+                <a:sym typeface="Wingdings" panose="05000000000000000000" pitchFamily="2" charset="2"/>
+              </a:rPr>
+              <a:t> Project  </a:t>
+            </a:r>
+            <a:r>
+              <a:rPr lang="pt-BR" sz="1600" dirty="0" smtClean="0">
+                <a:latin typeface="Courier New" panose="02070309020205020404" pitchFamily="49" charset="0"/>
+                <a:cs typeface="Courier New" panose="02070309020205020404" pitchFamily="49" charset="0"/>
+                <a:sym typeface="Wingdings" panose="05000000000000000000" pitchFamily="2" charset="2"/>
+              </a:rPr>
+              <a:t>CMakeLists.txt</a:t>
             </a:r>
             <a:endParaRPr lang="pt-BR" sz="1600" dirty="0">
               <a:latin typeface="Courier New" panose="02070309020205020404" pitchFamily="49" charset="0"/>
               <a:cs typeface="Courier New" panose="02070309020205020404" pitchFamily="49" charset="0"/>
             </a:endParaRPr>
           </a:p>
+          <a:p>
+            <a:pPr lvl="1" algn="just"/>
+            <a:endParaRPr lang="pt-BR" sz="1600" dirty="0" smtClean="0"/>
+          </a:p>
         </p:txBody>
       </p:sp>
       <p:pic>
         <p:nvPicPr>
-          <p:cNvPr id="3" name="Imagem 2"/>
-          <p:cNvPicPr>
-            <a:picLocks noChangeAspect="1"/>
-          </p:cNvPicPr>
-          <p:nvPr/>
-        </p:nvPicPr>
-        <p:blipFill>
-          <a:blip r:embed="rId3"/>
-          <a:stretch>
-            <a:fillRect/>
-          </a:stretch>
-        </p:blipFill>
-        <p:spPr>
-          <a:xfrm>
-            <a:off x="1847674" y="3861048"/>
-            <a:ext cx="6048672" cy="1896796"/>
-          </a:xfrm>
-          <a:prstGeom prst="rect">
-            <a:avLst/>
-          </a:prstGeom>
-          <a:ln>
-            <a:noFill/>
-          </a:ln>
-          <a:effectLst>
-            <a:softEdge rad="112500"/>
-          </a:effectLst>
-        </p:spPr>
-      </p:pic>
-      <p:pic>
-        <p:nvPicPr>
-          <p:cNvPr id="5" name="Imagem 4"/>
+          <p:cNvPr id="2" name="Imagem 1"/>
           <p:cNvPicPr>
             <a:picLocks noChangeAspect="1"/>
           </p:cNvPicPr>
@@ -14079,8 +14250,78 @@
         </p:blipFill>
         <p:spPr>
           <a:xfrm>
-            <a:off x="3419872" y="2814027"/>
-            <a:ext cx="571500" cy="381000"/>
+            <a:off x="827584" y="2276872"/>
+            <a:ext cx="695325" cy="200025"/>
+          </a:xfrm>
+          <a:prstGeom prst="rect">
+            <a:avLst/>
+          </a:prstGeom>
+        </p:spPr>
+      </p:pic>
+      <p:pic>
+        <p:nvPicPr>
+          <p:cNvPr id="13" name="Imagem 12"/>
+          <p:cNvPicPr>
+            <a:picLocks noChangeAspect="1"/>
+          </p:cNvPicPr>
+          <p:nvPr/>
+        </p:nvPicPr>
+        <p:blipFill>
+          <a:blip r:embed="rId5">
+            <a:clrChange>
+              <a:clrFrom>
+                <a:srgbClr val="FFFFFF"/>
+              </a:clrFrom>
+              <a:clrTo>
+                <a:srgbClr val="FFFFFF">
+                  <a:alpha val="0"/>
+                </a:srgbClr>
+              </a:clrTo>
+            </a:clrChange>
+          </a:blip>
+          <a:stretch>
+            <a:fillRect/>
+          </a:stretch>
+        </p:blipFill>
+        <p:spPr>
+          <a:xfrm rot="2513887" flipH="1">
+            <a:off x="2714083" y="5975089"/>
+            <a:ext cx="547482" cy="421305"/>
+          </a:xfrm>
+          <a:prstGeom prst="rect">
+            <a:avLst/>
+          </a:prstGeom>
+        </p:spPr>
+      </p:pic>
+      <p:pic>
+        <p:nvPicPr>
+          <p:cNvPr id="16" name="Imagem 15"/>
+          <p:cNvPicPr>
+            <a:picLocks noChangeAspect="1"/>
+          </p:cNvPicPr>
+          <p:nvPr/>
+        </p:nvPicPr>
+        <p:blipFill>
+          <a:blip r:embed="rId5">
+            <a:clrChange>
+              <a:clrFrom>
+                <a:srgbClr val="FFFFFF"/>
+              </a:clrFrom>
+              <a:clrTo>
+                <a:srgbClr val="FFFFFF">
+                  <a:alpha val="0"/>
+                </a:srgbClr>
+              </a:clrTo>
+            </a:clrChange>
+          </a:blip>
+          <a:stretch>
+            <a:fillRect/>
+          </a:stretch>
+        </p:blipFill>
+        <p:spPr>
+          <a:xfrm flipH="1">
+            <a:off x="6201195" y="6225195"/>
+            <a:ext cx="547482" cy="421305"/>
           </a:xfrm>
           <a:prstGeom prst="rect">
             <a:avLst/>
@@ -14090,7 +14331,7 @@
     </p:spTree>
     <p:extLst>
       <p:ext uri="{BB962C8B-B14F-4D97-AF65-F5344CB8AC3E}">
-        <p14:creationId xmlns:p14="http://schemas.microsoft.com/office/powerpoint/2010/main" val="3796531025"/>
+        <p14:creationId xmlns:p14="http://schemas.microsoft.com/office/powerpoint/2010/main" val="3852235901"/>
       </p:ext>
     </p:extLst>
   </p:cSld>
@@ -14126,7 +14367,7 @@
       </p:grpSpPr>
       <p:pic>
         <p:nvPicPr>
-          <p:cNvPr id="5" name="Imagem 4"/>
+          <p:cNvPr id="2" name="Imagem 1"/>
           <p:cNvPicPr>
             <a:picLocks noChangeAspect="1"/>
           </p:cNvPicPr>
@@ -14140,8 +14381,8 @@
         </p:blipFill>
         <p:spPr>
           <a:xfrm>
-            <a:off x="2374007" y="2538080"/>
-            <a:ext cx="2486025" cy="1085850"/>
+            <a:off x="3101360" y="3418789"/>
+            <a:ext cx="2901402" cy="3171300"/>
           </a:xfrm>
           <a:prstGeom prst="rect">
             <a:avLst/>
@@ -14268,8 +14509,8 @@
         </p:nvSpPr>
         <p:spPr>
           <a:xfrm>
-            <a:off x="251520" y="1700808"/>
-            <a:ext cx="8484768" cy="4770537"/>
+            <a:off x="263696" y="2814027"/>
+            <a:ext cx="8484768" cy="584775"/>
           </a:xfrm>
           <a:prstGeom prst="rect">
             <a:avLst/>
@@ -14300,221 +14541,35 @@
             </a:r>
             <a:r>
               <a:rPr lang="pt-BR" sz="1600" dirty="0" smtClean="0"/>
-              <a:t>: Ao executar (play) o programa pode </a:t>
-            </a:r>
-            <a:r>
-              <a:rPr lang="pt-BR" sz="1600" dirty="0" err="1" smtClean="0"/>
-              <a:t>abendar</a:t>
-            </a:r>
-            <a:r>
-              <a:rPr lang="pt-BR" sz="1600" dirty="0" smtClean="0"/>
-              <a:t> (crash).  Provavelmente porque os </a:t>
-            </a:r>
-            <a:r>
-              <a:rPr lang="pt-BR" sz="1600" dirty="0" err="1" smtClean="0"/>
-              <a:t>SOs</a:t>
-            </a:r>
-            <a:r>
-              <a:rPr lang="pt-BR" sz="1600" dirty="0" smtClean="0"/>
-              <a:t>/</a:t>
-            </a:r>
-            <a:r>
-              <a:rPr lang="pt-BR" sz="1600" dirty="0" err="1" smtClean="0"/>
-              <a:t>DLLs</a:t>
-            </a:r>
-            <a:r>
-              <a:rPr lang="pt-BR" sz="1600" dirty="0" smtClean="0"/>
-              <a:t> do VTK não estão visíveis (fora do </a:t>
+              <a:t>: sempre que houver alterações no projeto (via alterações no </a:t>
             </a:r>
             <a:r>
               <a:rPr lang="pt-BR" sz="1600" dirty="0" smtClean="0">
                 <a:latin typeface="Courier New" panose="02070309020205020404" pitchFamily="49" charset="0"/>
                 <a:cs typeface="Courier New" panose="02070309020205020404" pitchFamily="49" charset="0"/>
               </a:rPr>
-              <a:t>PATH</a:t>
+              <a:t>CMakeLists.txt</a:t>
             </a:r>
             <a:r>
               <a:rPr lang="pt-BR" sz="1600" dirty="0" smtClean="0"/>
-              <a:t> (Windows) ou </a:t>
-            </a:r>
-            <a:r>
-              <a:rPr lang="pt-BR" sz="1600" dirty="0" smtClean="0">
-                <a:latin typeface="Courier New" panose="02070309020205020404" pitchFamily="49" charset="0"/>
-                <a:cs typeface="Courier New" panose="02070309020205020404" pitchFamily="49" charset="0"/>
-              </a:rPr>
-              <a:t>LD_LIBRARY_PATH</a:t>
-            </a:r>
-            <a:r>
-              <a:rPr lang="pt-BR" sz="1600" dirty="0" smtClean="0"/>
-              <a:t> (Unix)).</a:t>
-            </a:r>
-          </a:p>
-          <a:p>
-            <a:pPr marL="285750" indent="-285750" algn="just">
-              <a:buFont typeface="Wingdings" panose="05000000000000000000" pitchFamily="2" charset="2"/>
-              <a:buChar char="Ø"/>
-            </a:pPr>
-            <a:endParaRPr lang="pt-BR" sz="1600" dirty="0"/>
-          </a:p>
-          <a:p>
-            <a:pPr marL="285750" indent="-285750" algn="just">
-              <a:buFont typeface="Wingdings" panose="05000000000000000000" pitchFamily="2" charset="2"/>
-              <a:buChar char="Ø"/>
-            </a:pPr>
-            <a:endParaRPr lang="pt-BR" sz="1600" dirty="0" smtClean="0"/>
-          </a:p>
-          <a:p>
-            <a:pPr marL="285750" indent="-285750" algn="just">
-              <a:buFont typeface="Wingdings" panose="05000000000000000000" pitchFamily="2" charset="2"/>
-              <a:buChar char="Ø"/>
-            </a:pPr>
-            <a:endParaRPr lang="pt-BR" sz="1600" dirty="0" smtClean="0">
-              <a:cs typeface="Courier New" panose="02070309020205020404" pitchFamily="49" charset="0"/>
-            </a:endParaRPr>
-          </a:p>
-          <a:p>
-            <a:pPr marL="285750" indent="-285750" algn="just">
-              <a:buFont typeface="Wingdings" panose="05000000000000000000" pitchFamily="2" charset="2"/>
-              <a:buChar char="Ø"/>
-            </a:pPr>
-            <a:r>
-              <a:rPr lang="pt-BR" sz="1600" dirty="0" smtClean="0">
-                <a:cs typeface="Courier New" panose="02070309020205020404" pitchFamily="49" charset="0"/>
-              </a:rPr>
-              <a:t>Ir a                 depois</a:t>
-            </a:r>
-          </a:p>
-          <a:p>
-            <a:pPr marL="285750" indent="-285750" algn="just">
-              <a:buFont typeface="Wingdings" panose="05000000000000000000" pitchFamily="2" charset="2"/>
-              <a:buChar char="Ø"/>
-            </a:pPr>
-            <a:endParaRPr lang="pt-BR" sz="1600" dirty="0">
-              <a:cs typeface="Courier New" panose="02070309020205020404" pitchFamily="49" charset="0"/>
-            </a:endParaRPr>
-          </a:p>
-          <a:p>
-            <a:pPr marL="285750" indent="-285750" algn="just">
-              <a:buFont typeface="Wingdings" panose="05000000000000000000" pitchFamily="2" charset="2"/>
-              <a:buChar char="Ø"/>
-            </a:pPr>
-            <a:endParaRPr lang="pt-BR" sz="1600" dirty="0" smtClean="0">
-              <a:cs typeface="Courier New" panose="02070309020205020404" pitchFamily="49" charset="0"/>
-            </a:endParaRPr>
-          </a:p>
-          <a:p>
-            <a:pPr marL="285750" indent="-285750" algn="just">
-              <a:buFont typeface="Wingdings" panose="05000000000000000000" pitchFamily="2" charset="2"/>
-              <a:buChar char="Ø"/>
-            </a:pPr>
-            <a:endParaRPr lang="pt-BR" sz="1600" dirty="0">
-              <a:cs typeface="Courier New" panose="02070309020205020404" pitchFamily="49" charset="0"/>
-            </a:endParaRPr>
-          </a:p>
-          <a:p>
-            <a:pPr marL="285750" indent="-285750" algn="just">
-              <a:buFont typeface="Wingdings" panose="05000000000000000000" pitchFamily="2" charset="2"/>
-              <a:buChar char="Ø"/>
-            </a:pPr>
-            <a:endParaRPr lang="pt-BR" sz="1600" dirty="0" smtClean="0">
-              <a:cs typeface="Courier New" panose="02070309020205020404" pitchFamily="49" charset="0"/>
-            </a:endParaRPr>
-          </a:p>
-          <a:p>
-            <a:pPr marL="285750" indent="-285750" algn="just">
-              <a:buFont typeface="Wingdings" panose="05000000000000000000" pitchFamily="2" charset="2"/>
-              <a:buChar char="Ø"/>
-            </a:pPr>
-            <a:endParaRPr lang="pt-BR" sz="1600" dirty="0">
-              <a:cs typeface="Courier New" panose="02070309020205020404" pitchFamily="49" charset="0"/>
-            </a:endParaRPr>
-          </a:p>
-          <a:p>
-            <a:pPr marL="285750" indent="-285750" algn="just">
-              <a:buFont typeface="Wingdings" panose="05000000000000000000" pitchFamily="2" charset="2"/>
-              <a:buChar char="Ø"/>
-            </a:pPr>
-            <a:endParaRPr lang="pt-BR" sz="1600" dirty="0" smtClean="0">
-              <a:cs typeface="Courier New" panose="02070309020205020404" pitchFamily="49" charset="0"/>
-            </a:endParaRPr>
-          </a:p>
-          <a:p>
-            <a:pPr marL="285750" indent="-285750" algn="just">
-              <a:buFont typeface="Wingdings" panose="05000000000000000000" pitchFamily="2" charset="2"/>
-              <a:buChar char="Ø"/>
-            </a:pPr>
-            <a:endParaRPr lang="pt-BR" sz="1600" dirty="0">
-              <a:cs typeface="Courier New" panose="02070309020205020404" pitchFamily="49" charset="0"/>
-            </a:endParaRPr>
-          </a:p>
-          <a:p>
-            <a:pPr marL="285750" indent="-285750" algn="just">
-              <a:buFont typeface="Wingdings" panose="05000000000000000000" pitchFamily="2" charset="2"/>
-              <a:buChar char="Ø"/>
-            </a:pPr>
-            <a:endParaRPr lang="pt-BR" sz="1600" dirty="0" smtClean="0">
-              <a:cs typeface="Courier New" panose="02070309020205020404" pitchFamily="49" charset="0"/>
-            </a:endParaRPr>
-          </a:p>
-          <a:p>
-            <a:pPr marL="285750" indent="-285750" algn="just">
-              <a:buFont typeface="Wingdings" panose="05000000000000000000" pitchFamily="2" charset="2"/>
-              <a:buChar char="Ø"/>
-            </a:pPr>
-            <a:endParaRPr lang="pt-BR" sz="1600" dirty="0">
-              <a:cs typeface="Courier New" panose="02070309020205020404" pitchFamily="49" charset="0"/>
-            </a:endParaRPr>
-          </a:p>
-          <a:p>
-            <a:pPr marL="285750" indent="-285750" algn="just">
-              <a:buFont typeface="Wingdings" panose="05000000000000000000" pitchFamily="2" charset="2"/>
-              <a:buChar char="Ø"/>
-            </a:pPr>
-            <a:endParaRPr lang="pt-BR" sz="1600" dirty="0" smtClean="0">
-              <a:cs typeface="Courier New" panose="02070309020205020404" pitchFamily="49" charset="0"/>
-            </a:endParaRPr>
-          </a:p>
-          <a:p>
-            <a:pPr marL="285750" indent="-285750" algn="just">
-              <a:buFont typeface="Wingdings" panose="05000000000000000000" pitchFamily="2" charset="2"/>
-              <a:buChar char="Ø"/>
-            </a:pPr>
-            <a:endParaRPr lang="pt-BR" sz="1600" dirty="0">
-              <a:cs typeface="Courier New" panose="02070309020205020404" pitchFamily="49" charset="0"/>
-            </a:endParaRPr>
-          </a:p>
-          <a:p>
-            <a:pPr marL="285750" indent="-285750" algn="just">
-              <a:buFont typeface="Wingdings" panose="05000000000000000000" pitchFamily="2" charset="2"/>
-              <a:buChar char="Ø"/>
-            </a:pPr>
-            <a:r>
-              <a:rPr lang="pt-BR" sz="1600" dirty="0" smtClean="0">
-                <a:cs typeface="Courier New" panose="02070309020205020404" pitchFamily="49" charset="0"/>
-              </a:rPr>
-              <a:t>Pode ser que não funcione de primeira.  Nesse caso, fecha e abra o </a:t>
-            </a:r>
-            <a:r>
-              <a:rPr lang="pt-BR" sz="1600" dirty="0" err="1" smtClean="0">
-                <a:cs typeface="Courier New" panose="02070309020205020404" pitchFamily="49" charset="0"/>
-              </a:rPr>
-              <a:t>QtCreator</a:t>
-            </a:r>
-            <a:r>
-              <a:rPr lang="pt-BR" sz="1600" dirty="0" smtClean="0">
-                <a:cs typeface="Courier New" panose="02070309020205020404" pitchFamily="49" charset="0"/>
-              </a:rPr>
-              <a:t> de novo.</a:t>
-            </a:r>
-            <a:endParaRPr lang="pt-BR" sz="1600" dirty="0">
-              <a:cs typeface="Courier New" panose="02070309020205020404" pitchFamily="49" charset="0"/>
-            </a:endParaRPr>
-          </a:p>
-          <a:p>
-            <a:pPr marL="285750" indent="-285750" algn="just">
-              <a:buFont typeface="Wingdings" panose="05000000000000000000" pitchFamily="2" charset="2"/>
-              <a:buChar char="Ø"/>
-            </a:pPr>
+              <a:t>), deve-se chamar o menu de contexto do projeto e acionar a opção </a:t>
+            </a:r>
+            <a:r>
+              <a:rPr lang="pt-BR" sz="1600" b="1" dirty="0" err="1" smtClean="0"/>
+              <a:t>Run</a:t>
+            </a:r>
+            <a:r>
+              <a:rPr lang="pt-BR" sz="1600" b="1" dirty="0" smtClean="0"/>
+              <a:t> </a:t>
+            </a:r>
+            <a:r>
+              <a:rPr lang="pt-BR" sz="1600" b="1" dirty="0" err="1" smtClean="0"/>
+              <a:t>CMake</a:t>
+            </a:r>
+            <a:r>
+              <a:rPr lang="pt-BR" sz="1600" dirty="0"/>
+              <a:t>.</a:t>
+            </a:r>
             <a:endParaRPr lang="pt-BR" sz="1600" dirty="0">
               <a:latin typeface="Courier New" panose="02070309020205020404" pitchFamily="49" charset="0"/>
               <a:cs typeface="Courier New" panose="02070309020205020404" pitchFamily="49" charset="0"/>
@@ -14524,7 +14579,7 @@
       </p:sp>
       <p:pic>
         <p:nvPicPr>
-          <p:cNvPr id="15" name="Imagem 14"/>
+          <p:cNvPr id="12" name="Imagem 11"/>
           <p:cNvPicPr>
             <a:picLocks noChangeAspect="1"/>
           </p:cNvPicPr>
@@ -14548,57 +14603,9 @@
           </a:stretch>
         </p:blipFill>
         <p:spPr>
-          <a:xfrm flipH="1">
-            <a:off x="3226708" y="3090380"/>
-            <a:ext cx="547482" cy="421305"/>
-          </a:xfrm>
-          <a:prstGeom prst="rect">
-            <a:avLst/>
-          </a:prstGeom>
-        </p:spPr>
-      </p:pic>
-      <p:pic>
-        <p:nvPicPr>
-          <p:cNvPr id="3" name="Imagem 2"/>
-          <p:cNvPicPr>
-            <a:picLocks noChangeAspect="1"/>
-          </p:cNvPicPr>
-          <p:nvPr/>
-        </p:nvPicPr>
-        <p:blipFill>
-          <a:blip r:embed="rId5"/>
-          <a:stretch>
-            <a:fillRect/>
-          </a:stretch>
-        </p:blipFill>
-        <p:spPr>
-          <a:xfrm>
-            <a:off x="1043608" y="2838118"/>
-            <a:ext cx="523875" cy="485775"/>
-          </a:xfrm>
-          <a:prstGeom prst="rect">
-            <a:avLst/>
-          </a:prstGeom>
-        </p:spPr>
-      </p:pic>
-      <p:pic>
-        <p:nvPicPr>
-          <p:cNvPr id="6" name="Imagem 5"/>
-          <p:cNvPicPr>
-            <a:picLocks noChangeAspect="1"/>
-          </p:cNvPicPr>
-          <p:nvPr/>
-        </p:nvPicPr>
-        <p:blipFill>
-          <a:blip r:embed="rId6"/>
-          <a:stretch>
-            <a:fillRect/>
-          </a:stretch>
-        </p:blipFill>
-        <p:spPr>
-          <a:xfrm>
-            <a:off x="1247392" y="3645024"/>
-            <a:ext cx="6493024" cy="941795"/>
+          <a:xfrm>
+            <a:off x="4127950" y="1628800"/>
+            <a:ext cx="1092122" cy="1008112"/>
           </a:xfrm>
           <a:prstGeom prst="rect">
             <a:avLst/>
@@ -14607,20 +14614,24 @@
             <a:noFill/>
           </a:ln>
           <a:effectLst>
-            <a:softEdge rad="112500"/>
+            <a:outerShdw blurRad="292100" dist="139700" dir="2700000" algn="tl" rotWithShape="0">
+              <a:srgbClr val="333333">
+                <a:alpha val="65000"/>
+              </a:srgbClr>
+            </a:outerShdw>
           </a:effectLst>
         </p:spPr>
       </p:pic>
       <p:pic>
         <p:nvPicPr>
-          <p:cNvPr id="13" name="Imagem 12"/>
+          <p:cNvPr id="15" name="Imagem 14"/>
           <p:cNvPicPr>
             <a:picLocks noChangeAspect="1"/>
           </p:cNvPicPr>
           <p:nvPr/>
         </p:nvPicPr>
         <p:blipFill>
-          <a:blip r:embed="rId4">
+          <a:blip r:embed="rId5">
             <a:clrChange>
               <a:clrFrom>
                 <a:srgbClr val="FFFFFF"/>
@@ -14638,7 +14649,7 @@
         </p:blipFill>
         <p:spPr>
           <a:xfrm flipH="1">
-            <a:off x="7408894" y="4100365"/>
+            <a:off x="5105504" y="4030555"/>
             <a:ext cx="547482" cy="421305"/>
           </a:xfrm>
           <a:prstGeom prst="rect">
@@ -14646,88 +14657,10 @@
           </a:prstGeom>
         </p:spPr>
       </p:pic>
-      <p:pic>
-        <p:nvPicPr>
-          <p:cNvPr id="7" name="Imagem 6"/>
-          <p:cNvPicPr>
-            <a:picLocks noChangeAspect="1"/>
-          </p:cNvPicPr>
-          <p:nvPr/>
-        </p:nvPicPr>
-        <p:blipFill>
-          <a:blip r:embed="rId7"/>
-          <a:stretch>
-            <a:fillRect/>
-          </a:stretch>
-        </p:blipFill>
-        <p:spPr>
-          <a:xfrm>
-            <a:off x="1449561" y="4653136"/>
-            <a:ext cx="6648450" cy="933450"/>
-          </a:xfrm>
-          <a:prstGeom prst="rect">
-            <a:avLst/>
-          </a:prstGeom>
-          <a:ln>
-            <a:noFill/>
-          </a:ln>
-          <a:effectLst>
-            <a:softEdge rad="112500"/>
-          </a:effectLst>
-        </p:spPr>
-      </p:pic>
-      <p:sp>
-        <p:nvSpPr>
-          <p:cNvPr id="8" name="Chave direita 7"/>
-          <p:cNvSpPr/>
-          <p:nvPr/>
-        </p:nvSpPr>
-        <p:spPr>
-          <a:xfrm rot="16200000">
-            <a:off x="4451804" y="3575802"/>
-            <a:ext cx="288032" cy="2664296"/>
-          </a:xfrm>
-          <a:prstGeom prst="rightBrace">
-            <a:avLst>
-              <a:gd name="adj1" fmla="val 8333"/>
-              <a:gd name="adj2" fmla="val 51144"/>
-            </a:avLst>
-          </a:prstGeom>
-          <a:ln w="28575">
-            <a:solidFill>
-              <a:srgbClr val="FF0000"/>
-            </a:solidFill>
-            <a:headEnd type="none" w="med" len="med"/>
-            <a:tailEnd type="none" w="med" len="med"/>
-          </a:ln>
-        </p:spPr>
-        <p:style>
-          <a:lnRef idx="1">
-            <a:schemeClr val="accent1"/>
-          </a:lnRef>
-          <a:fillRef idx="0">
-            <a:schemeClr val="accent1"/>
-          </a:fillRef>
-          <a:effectRef idx="0">
-            <a:schemeClr val="accent1"/>
-          </a:effectRef>
-          <a:fontRef idx="minor">
-            <a:schemeClr val="tx1"/>
-          </a:fontRef>
-        </p:style>
-        <p:txBody>
-          <a:bodyPr rtlCol="0" anchor="ctr"/>
-          <a:lstStyle/>
-          <a:p>
-            <a:pPr algn="ctr"/>
-            <a:endParaRPr lang="pt-BR"/>
-          </a:p>
-        </p:txBody>
-      </p:sp>
     </p:spTree>
     <p:extLst>
       <p:ext uri="{BB962C8B-B14F-4D97-AF65-F5344CB8AC3E}">
-        <p14:creationId xmlns:p14="http://schemas.microsoft.com/office/powerpoint/2010/main" val="3675336364"/>
+        <p14:creationId xmlns:p14="http://schemas.microsoft.com/office/powerpoint/2010/main" val="3160225612"/>
       </p:ext>
     </p:extLst>
   </p:cSld>
@@ -14867,9 +14800,58 @@
           </a:p>
         </p:txBody>
       </p:sp>
+      <p:sp>
+        <p:nvSpPr>
+          <p:cNvPr id="14" name="CaixaDeTexto 13"/>
+          <p:cNvSpPr txBox="1"/>
+          <p:nvPr/>
+        </p:nvSpPr>
+        <p:spPr>
+          <a:xfrm>
+            <a:off x="263696" y="2814027"/>
+            <a:ext cx="8484768" cy="338554"/>
+          </a:xfrm>
+          <a:prstGeom prst="rect">
+            <a:avLst/>
+          </a:prstGeom>
+          <a:noFill/>
+        </p:spPr>
+        <p:txBody>
+          <a:bodyPr wrap="square" rtlCol="0">
+            <a:spAutoFit/>
+          </a:bodyPr>
+          <a:lstStyle/>
+          <a:p>
+            <a:pPr marL="285750" indent="-285750" algn="just">
+              <a:buFont typeface="Wingdings" panose="05000000000000000000" pitchFamily="2" charset="2"/>
+              <a:buChar char="Ø"/>
+            </a:pPr>
+            <a:r>
+              <a:rPr lang="pt-BR" sz="1600" dirty="0" err="1" smtClean="0"/>
+              <a:t>Qt</a:t>
+            </a:r>
+            <a:r>
+              <a:rPr lang="pt-BR" sz="1600" dirty="0" smtClean="0"/>
+              <a:t> </a:t>
+            </a:r>
+            <a:r>
+              <a:rPr lang="pt-BR" sz="1600" dirty="0" err="1" smtClean="0"/>
+              <a:t>Creator</a:t>
+            </a:r>
+            <a:r>
+              <a:rPr lang="pt-BR" sz="1600" dirty="0" smtClean="0"/>
+              <a:t>: compile clicando em </a:t>
+            </a:r>
+            <a:endParaRPr lang="pt-BR" sz="1600" dirty="0">
+              <a:latin typeface="Courier New" panose="02070309020205020404" pitchFamily="49" charset="0"/>
+              <a:cs typeface="Courier New" panose="02070309020205020404" pitchFamily="49" charset="0"/>
+            </a:endParaRPr>
+          </a:p>
+        </p:txBody>
+      </p:sp>
       <p:pic>
         <p:nvPicPr>
-          <p:cNvPr id="2" name="Imagem 1"/>
+          <p:cNvPr id="3" name="Imagem 2"/>
           <p:cNvPicPr>
             <a:picLocks noChangeAspect="1"/>
           </p:cNvPicPr>
@@ -14883,8 +14865,8 @@
         </p:blipFill>
         <p:spPr>
           <a:xfrm>
-            <a:off x="2555776" y="1772816"/>
-            <a:ext cx="4096494" cy="4326399"/>
+            <a:off x="1847674" y="3861048"/>
+            <a:ext cx="6048672" cy="1896796"/>
           </a:xfrm>
           <a:prstGeom prst="rect">
             <a:avLst/>
@@ -14893,18 +14875,96 @@
             <a:noFill/>
           </a:ln>
           <a:effectLst>
-            <a:outerShdw blurRad="292100" dist="139700" dir="2700000" algn="tl" rotWithShape="0">
-              <a:srgbClr val="333333">
-                <a:alpha val="65000"/>
-              </a:srgbClr>
-            </a:outerShdw>
+            <a:softEdge rad="112500"/>
           </a:effectLst>
         </p:spPr>
       </p:pic>
+      <p:pic>
+        <p:nvPicPr>
+          <p:cNvPr id="5" name="Imagem 4"/>
+          <p:cNvPicPr>
+            <a:picLocks noChangeAspect="1"/>
+          </p:cNvPicPr>
+          <p:nvPr/>
+        </p:nvPicPr>
+        <p:blipFill>
+          <a:blip r:embed="rId4"/>
+          <a:stretch>
+            <a:fillRect/>
+          </a:stretch>
+        </p:blipFill>
+        <p:spPr>
+          <a:xfrm>
+            <a:off x="3419872" y="2814027"/>
+            <a:ext cx="571500" cy="381000"/>
+          </a:xfrm>
+          <a:prstGeom prst="rect">
+            <a:avLst/>
+          </a:prstGeom>
+        </p:spPr>
+      </p:pic>
+      <p:sp>
+        <p:nvSpPr>
+          <p:cNvPr id="8" name="CaixaDeTexto 7"/>
+          <p:cNvSpPr txBox="1"/>
+          <p:nvPr/>
+        </p:nvSpPr>
+        <p:spPr>
+          <a:xfrm>
+            <a:off x="263696" y="1700808"/>
+            <a:ext cx="6177781" cy="338554"/>
+          </a:xfrm>
+          <a:prstGeom prst="rect">
+            <a:avLst/>
+          </a:prstGeom>
+          <a:noFill/>
+        </p:spPr>
+        <p:txBody>
+          <a:bodyPr wrap="none" rtlCol="0">
+            <a:spAutoFit/>
+          </a:bodyPr>
+          <a:lstStyle/>
+          <a:p>
+            <a:pPr marL="285750" indent="-285750">
+              <a:buFont typeface="Wingdings" panose="05000000000000000000" pitchFamily="2" charset="2"/>
+              <a:buChar char="Ø"/>
+            </a:pPr>
+            <a:r>
+              <a:rPr lang="pt-BR" sz="1600" dirty="0" smtClean="0"/>
+              <a:t>Compilar no </a:t>
+            </a:r>
+            <a:r>
+              <a:rPr lang="pt-BR" sz="1600" dirty="0" err="1" smtClean="0"/>
+              <a:t>Qt</a:t>
+            </a:r>
+            <a:r>
+              <a:rPr lang="pt-BR" sz="1600" dirty="0" smtClean="0"/>
+              <a:t> </a:t>
+            </a:r>
+            <a:r>
+              <a:rPr lang="pt-BR" sz="1600" dirty="0" err="1" smtClean="0"/>
+              <a:t>Creator</a:t>
+            </a:r>
+            <a:r>
+              <a:rPr lang="pt-BR" sz="1600" dirty="0" smtClean="0"/>
+              <a:t> (compiladores GNU – </a:t>
+            </a:r>
+            <a:r>
+              <a:rPr lang="pt-BR" sz="1600" dirty="0" err="1" smtClean="0"/>
+              <a:t>MinGW</a:t>
+            </a:r>
+            <a:r>
+              <a:rPr lang="pt-BR" sz="1600" dirty="0" smtClean="0"/>
+              <a:t>, GCC, ICC, etc.)</a:t>
+            </a:r>
+            <a:endParaRPr lang="pt-BR" sz="1600" dirty="0"/>
+          </a:p>
+        </p:txBody>
+      </p:sp>
     </p:spTree>
     <p:extLst>
       <p:ext uri="{BB962C8B-B14F-4D97-AF65-F5344CB8AC3E}">
-        <p14:creationId xmlns:p14="http://schemas.microsoft.com/office/powerpoint/2010/main" val="1382819145"/>
+        <p14:creationId xmlns:p14="http://schemas.microsoft.com/office/powerpoint/2010/main" val="3796531025"/>
       </p:ext>
     </p:extLst>
   </p:cSld>
@@ -14938,6 +14998,36 @@
           <a:chExt cx="0" cy="0"/>
         </a:xfrm>
       </p:grpSpPr>
+      <p:pic>
+        <p:nvPicPr>
+          <p:cNvPr id="5" name="Imagem 4"/>
+          <p:cNvPicPr>
+            <a:picLocks noChangeAspect="1"/>
+          </p:cNvPicPr>
+          <p:nvPr/>
+        </p:nvPicPr>
+        <p:blipFill>
+          <a:blip r:embed="rId3"/>
+          <a:stretch>
+            <a:fillRect/>
+          </a:stretch>
+        </p:blipFill>
+        <p:spPr>
+          <a:xfrm>
+            <a:off x="2374007" y="2538080"/>
+            <a:ext cx="2486025" cy="1085850"/>
+          </a:xfrm>
+          <a:prstGeom prst="rect">
+            <a:avLst/>
+          </a:prstGeom>
+          <a:ln>
+            <a:noFill/>
+          </a:ln>
+          <a:effectLst>
+            <a:softEdge rad="112500"/>
+          </a:effectLst>
+        </p:spPr>
+      </p:pic>
       <p:sp>
         <p:nvSpPr>
           <p:cNvPr id="4" name="Título 3"/>
@@ -14984,8 +15074,8 @@
         </p:nvSpPr>
         <p:spPr>
           <a:xfrm>
-            <a:off x="2771800" y="1218238"/>
-            <a:ext cx="4612288" cy="338554"/>
+            <a:off x="4067944" y="1218238"/>
+            <a:ext cx="1608133" cy="338554"/>
           </a:xfrm>
           <a:prstGeom prst="rect">
             <a:avLst/>
@@ -15000,7 +15090,15 @@
           <a:p>
             <a:r>
               <a:rPr lang="pt-BR" sz="1600" b="1" dirty="0" smtClean="0"/>
-              <a:t>4.1.4) Adicionando eixos para orientação do usuário</a:t>
+              <a:t>4.1.3) </a:t>
+            </a:r>
+            <a:r>
+              <a:rPr lang="pt-BR" sz="1600" b="1" dirty="0" err="1" smtClean="0"/>
+              <a:t>Hello</a:t>
+            </a:r>
+            <a:r>
+              <a:rPr lang="pt-BR" sz="1600" b="1" dirty="0" smtClean="0"/>
+              <a:t> VTK!</a:t>
             </a:r>
             <a:endParaRPr lang="pt-BR" sz="1600" b="1" dirty="0"/>
           </a:p>
@@ -15038,14 +15136,14 @@
       </p:sp>
       <p:sp>
         <p:nvSpPr>
-          <p:cNvPr id="6" name="CaixaDeTexto 5"/>
+          <p:cNvPr id="14" name="CaixaDeTexto 13"/>
           <p:cNvSpPr txBox="1"/>
           <p:nvPr/>
         </p:nvSpPr>
         <p:spPr>
           <a:xfrm>
-            <a:off x="1501325" y="1938318"/>
-            <a:ext cx="5203156" cy="338554"/>
+            <a:off x="251520" y="1700808"/>
+            <a:ext cx="8484768" cy="4770537"/>
           </a:xfrm>
           <a:prstGeom prst="rect">
             <a:avLst/>
@@ -15053,40 +15151,244 @@
           <a:noFill/>
         </p:spPr>
         <p:txBody>
-          <a:bodyPr wrap="none" rtlCol="0">
+          <a:bodyPr wrap="square" rtlCol="0">
             <a:spAutoFit/>
           </a:bodyPr>
           <a:lstStyle/>
           <a:p>
-            <a:pPr marL="285750" indent="-285750">
+            <a:pPr marL="285750" indent="-285750" algn="just">
               <a:buFont typeface="Wingdings" panose="05000000000000000000" pitchFamily="2" charset="2"/>
               <a:buChar char="Ø"/>
             </a:pPr>
             <a:r>
+              <a:rPr lang="pt-BR" sz="1600" dirty="0" err="1" smtClean="0"/>
+              <a:t>Qt</a:t>
+            </a:r>
+            <a:r>
               <a:rPr lang="pt-BR" sz="1600" dirty="0" smtClean="0"/>
-              <a:t>Fontes: </a:t>
+              <a:t> </a:t>
+            </a:r>
+            <a:r>
+              <a:rPr lang="pt-BR" sz="1600" dirty="0" err="1" smtClean="0"/>
+              <a:t>Creator</a:t>
+            </a:r>
+            <a:r>
+              <a:rPr lang="pt-BR" sz="1600" dirty="0" smtClean="0"/>
+              <a:t>: Ao executar (play) o programa pode </a:t>
+            </a:r>
+            <a:r>
+              <a:rPr lang="pt-BR" sz="1600" dirty="0" err="1" smtClean="0"/>
+              <a:t>abendar</a:t>
+            </a:r>
+            <a:r>
+              <a:rPr lang="pt-BR" sz="1600" dirty="0" smtClean="0"/>
+              <a:t> (crash).  Provavelmente porque os </a:t>
+            </a:r>
+            <a:r>
+              <a:rPr lang="pt-BR" sz="1600" dirty="0" err="1" smtClean="0"/>
+              <a:t>SOs</a:t>
+            </a:r>
+            <a:r>
+              <a:rPr lang="pt-BR" sz="1600" dirty="0" smtClean="0"/>
+              <a:t>/</a:t>
+            </a:r>
+            <a:r>
+              <a:rPr lang="pt-BR" sz="1600" dirty="0" err="1" smtClean="0"/>
+              <a:t>DLLs</a:t>
+            </a:r>
+            <a:r>
+              <a:rPr lang="pt-BR" sz="1600" dirty="0" smtClean="0"/>
+              <a:t> do VTK não estão visíveis (fora do </a:t>
             </a:r>
             <a:r>
               <a:rPr lang="pt-BR" sz="1600" dirty="0" smtClean="0">
                 <a:latin typeface="Courier New" panose="02070309020205020404" pitchFamily="49" charset="0"/>
                 <a:cs typeface="Courier New" panose="02070309020205020404" pitchFamily="49" charset="0"/>
               </a:rPr>
-              <a:t>...\</a:t>
-            </a:r>
-            <a:r>
-              <a:rPr lang="pt-BR" sz="1600" dirty="0" err="1" smtClean="0">
-                <a:latin typeface="Courier New" panose="02070309020205020404" pitchFamily="49" charset="0"/>
-                <a:cs typeface="Courier New" panose="02070309020205020404" pitchFamily="49" charset="0"/>
-              </a:rPr>
-              <a:t>cursoVTKgeo</a:t>
+              <a:t>PATH</a:t>
+            </a:r>
+            <a:r>
+              <a:rPr lang="pt-BR" sz="1600" dirty="0" smtClean="0"/>
+              <a:t> (Windows) ou </a:t>
             </a:r>
             <a:r>
               <a:rPr lang="pt-BR" sz="1600" dirty="0" smtClean="0">
                 <a:latin typeface="Courier New" panose="02070309020205020404" pitchFamily="49" charset="0"/>
                 <a:cs typeface="Courier New" panose="02070309020205020404" pitchFamily="49" charset="0"/>
               </a:rPr>
-              <a:t>\aulas_3dias\Eixos</a:t>
-            </a:r>
+              <a:t>LD_LIBRARY_PATH</a:t>
+            </a:r>
+            <a:r>
+              <a:rPr lang="pt-BR" sz="1600" dirty="0" smtClean="0"/>
+              <a:t> (Unix)).</a:t>
+            </a:r>
+          </a:p>
+          <a:p>
+            <a:pPr marL="285750" indent="-285750" algn="just">
+              <a:buFont typeface="Wingdings" panose="05000000000000000000" pitchFamily="2" charset="2"/>
+              <a:buChar char="Ø"/>
+            </a:pPr>
+            <a:endParaRPr lang="pt-BR" sz="1600" dirty="0"/>
+          </a:p>
+          <a:p>
+            <a:pPr marL="285750" indent="-285750" algn="just">
+              <a:buFont typeface="Wingdings" panose="05000000000000000000" pitchFamily="2" charset="2"/>
+              <a:buChar char="Ø"/>
+            </a:pPr>
+            <a:endParaRPr lang="pt-BR" sz="1600" dirty="0" smtClean="0"/>
+          </a:p>
+          <a:p>
+            <a:pPr marL="285750" indent="-285750" algn="just">
+              <a:buFont typeface="Wingdings" panose="05000000000000000000" pitchFamily="2" charset="2"/>
+              <a:buChar char="Ø"/>
+            </a:pPr>
+            <a:endParaRPr lang="pt-BR" sz="1600" dirty="0" smtClean="0">
+              <a:cs typeface="Courier New" panose="02070309020205020404" pitchFamily="49" charset="0"/>
+            </a:endParaRPr>
+          </a:p>
+          <a:p>
+            <a:pPr marL="285750" indent="-285750" algn="just">
+              <a:buFont typeface="Wingdings" panose="05000000000000000000" pitchFamily="2" charset="2"/>
+              <a:buChar char="Ø"/>
+            </a:pPr>
+            <a:r>
+              <a:rPr lang="pt-BR" sz="1600" dirty="0" smtClean="0">
+                <a:cs typeface="Courier New" panose="02070309020205020404" pitchFamily="49" charset="0"/>
+              </a:rPr>
+              <a:t>Ir a                 depois</a:t>
+            </a:r>
+          </a:p>
+          <a:p>
+            <a:pPr marL="285750" indent="-285750" algn="just">
+              <a:buFont typeface="Wingdings" panose="05000000000000000000" pitchFamily="2" charset="2"/>
+              <a:buChar char="Ø"/>
+            </a:pPr>
+            <a:endParaRPr lang="pt-BR" sz="1600" dirty="0">
+              <a:cs typeface="Courier New" panose="02070309020205020404" pitchFamily="49" charset="0"/>
+            </a:endParaRPr>
+          </a:p>
+          <a:p>
+            <a:pPr marL="285750" indent="-285750" algn="just">
+              <a:buFont typeface="Wingdings" panose="05000000000000000000" pitchFamily="2" charset="2"/>
+              <a:buChar char="Ø"/>
+            </a:pPr>
+            <a:endParaRPr lang="pt-BR" sz="1600" dirty="0" smtClean="0">
+              <a:cs typeface="Courier New" panose="02070309020205020404" pitchFamily="49" charset="0"/>
+            </a:endParaRPr>
+          </a:p>
+          <a:p>
+            <a:pPr marL="285750" indent="-285750" algn="just">
+              <a:buFont typeface="Wingdings" panose="05000000000000000000" pitchFamily="2" charset="2"/>
+              <a:buChar char="Ø"/>
+            </a:pPr>
+            <a:endParaRPr lang="pt-BR" sz="1600" dirty="0">
+              <a:cs typeface="Courier New" panose="02070309020205020404" pitchFamily="49" charset="0"/>
+            </a:endParaRPr>
+          </a:p>
+          <a:p>
+            <a:pPr marL="285750" indent="-285750" algn="just">
+              <a:buFont typeface="Wingdings" panose="05000000000000000000" pitchFamily="2" charset="2"/>
+              <a:buChar char="Ø"/>
+            </a:pPr>
+            <a:endParaRPr lang="pt-BR" sz="1600" dirty="0" smtClean="0">
+              <a:cs typeface="Courier New" panose="02070309020205020404" pitchFamily="49" charset="0"/>
+            </a:endParaRPr>
+          </a:p>
+          <a:p>
+            <a:pPr marL="285750" indent="-285750" algn="just">
+              <a:buFont typeface="Wingdings" panose="05000000000000000000" pitchFamily="2" charset="2"/>
+              <a:buChar char="Ø"/>
+            </a:pPr>
+            <a:endParaRPr lang="pt-BR" sz="1600" dirty="0">
+              <a:cs typeface="Courier New" panose="02070309020205020404" pitchFamily="49" charset="0"/>
+            </a:endParaRPr>
+          </a:p>
+          <a:p>
+            <a:pPr marL="285750" indent="-285750" algn="just">
+              <a:buFont typeface="Wingdings" panose="05000000000000000000" pitchFamily="2" charset="2"/>
+              <a:buChar char="Ø"/>
+            </a:pPr>
+            <a:endParaRPr lang="pt-BR" sz="1600" dirty="0" smtClean="0">
+              <a:cs typeface="Courier New" panose="02070309020205020404" pitchFamily="49" charset="0"/>
+            </a:endParaRPr>
+          </a:p>
+          <a:p>
+            <a:pPr marL="285750" indent="-285750" algn="just">
+              <a:buFont typeface="Wingdings" panose="05000000000000000000" pitchFamily="2" charset="2"/>
+              <a:buChar char="Ø"/>
+            </a:pPr>
+            <a:endParaRPr lang="pt-BR" sz="1600" dirty="0">
+              <a:cs typeface="Courier New" panose="02070309020205020404" pitchFamily="49" charset="0"/>
+            </a:endParaRPr>
+          </a:p>
+          <a:p>
+            <a:pPr marL="285750" indent="-285750" algn="just">
+              <a:buFont typeface="Wingdings" panose="05000000000000000000" pitchFamily="2" charset="2"/>
+              <a:buChar char="Ø"/>
+            </a:pPr>
+            <a:endParaRPr lang="pt-BR" sz="1600" dirty="0" smtClean="0">
+              <a:cs typeface="Courier New" panose="02070309020205020404" pitchFamily="49" charset="0"/>
+            </a:endParaRPr>
+          </a:p>
+          <a:p>
+            <a:pPr marL="285750" indent="-285750" algn="just">
+              <a:buFont typeface="Wingdings" panose="05000000000000000000" pitchFamily="2" charset="2"/>
+              <a:buChar char="Ø"/>
+            </a:pPr>
+            <a:endParaRPr lang="pt-BR" sz="1600" dirty="0">
+              <a:cs typeface="Courier New" panose="02070309020205020404" pitchFamily="49" charset="0"/>
+            </a:endParaRPr>
+          </a:p>
+          <a:p>
+            <a:pPr marL="285750" indent="-285750" algn="just">
+              <a:buFont typeface="Wingdings" panose="05000000000000000000" pitchFamily="2" charset="2"/>
+              <a:buChar char="Ø"/>
+            </a:pPr>
+            <a:endParaRPr lang="pt-BR" sz="1600" dirty="0" smtClean="0">
+              <a:cs typeface="Courier New" panose="02070309020205020404" pitchFamily="49" charset="0"/>
+            </a:endParaRPr>
+          </a:p>
+          <a:p>
+            <a:pPr marL="285750" indent="-285750" algn="just">
+              <a:buFont typeface="Wingdings" panose="05000000000000000000" pitchFamily="2" charset="2"/>
+              <a:buChar char="Ø"/>
+            </a:pPr>
+            <a:endParaRPr lang="pt-BR" sz="1600" dirty="0">
+              <a:cs typeface="Courier New" panose="02070309020205020404" pitchFamily="49" charset="0"/>
+            </a:endParaRPr>
+          </a:p>
+          <a:p>
+            <a:pPr marL="285750" indent="-285750" algn="just">
+              <a:buFont typeface="Wingdings" panose="05000000000000000000" pitchFamily="2" charset="2"/>
+              <a:buChar char="Ø"/>
+            </a:pPr>
+            <a:r>
+              <a:rPr lang="pt-BR" sz="1600" dirty="0" smtClean="0">
+                <a:cs typeface="Courier New" panose="02070309020205020404" pitchFamily="49" charset="0"/>
+              </a:rPr>
+              <a:t>Pode ser que não funcione de primeira.  Nesse caso, fecha e abra o </a:t>
+            </a:r>
+            <a:r>
+              <a:rPr lang="pt-BR" sz="1600" dirty="0" err="1" smtClean="0">
+                <a:cs typeface="Courier New" panose="02070309020205020404" pitchFamily="49" charset="0"/>
+              </a:rPr>
+              <a:t>QtCreator</a:t>
+            </a:r>
+            <a:r>
+              <a:rPr lang="pt-BR" sz="1600" dirty="0" smtClean="0">
+                <a:cs typeface="Courier New" panose="02070309020205020404" pitchFamily="49" charset="0"/>
+              </a:rPr>
+              <a:t> de novo.</a:t>
+            </a:r>
+            <a:endParaRPr lang="pt-BR" sz="1600" dirty="0">
+              <a:cs typeface="Courier New" panose="02070309020205020404" pitchFamily="49" charset="0"/>
+            </a:endParaRPr>
+          </a:p>
+          <a:p>
+            <a:pPr marL="285750" indent="-285750" algn="just">
+              <a:buFont typeface="Wingdings" panose="05000000000000000000" pitchFamily="2" charset="2"/>
+              <a:buChar char="Ø"/>
+            </a:pPr>
             <a:endParaRPr lang="pt-BR" sz="1600" dirty="0">
               <a:latin typeface="Courier New" panose="02070309020205020404" pitchFamily="49" charset="0"/>
               <a:cs typeface="Courier New" panose="02070309020205020404" pitchFamily="49" charset="0"/>
@@ -15094,6 +15396,41 @@
           </a:p>
         </p:txBody>
       </p:sp>
+      <p:pic>
+        <p:nvPicPr>
+          <p:cNvPr id="15" name="Imagem 14"/>
+          <p:cNvPicPr>
+            <a:picLocks noChangeAspect="1"/>
+          </p:cNvPicPr>
+          <p:nvPr/>
+        </p:nvPicPr>
+        <p:blipFill>
+          <a:blip r:embed="rId4">
+            <a:clrChange>
+              <a:clrFrom>
+                <a:srgbClr val="FFFFFF"/>
+              </a:clrFrom>
+              <a:clrTo>
+                <a:srgbClr val="FFFFFF">
+                  <a:alpha val="0"/>
+                </a:srgbClr>
+              </a:clrTo>
+            </a:clrChange>
+          </a:blip>
+          <a:stretch>
+            <a:fillRect/>
+          </a:stretch>
+        </p:blipFill>
+        <p:spPr>
+          <a:xfrm flipH="1">
+            <a:off x="3226708" y="3090380"/>
+            <a:ext cx="547482" cy="421305"/>
+          </a:xfrm>
+          <a:prstGeom prst="rect">
+            <a:avLst/>
+          </a:prstGeom>
+        </p:spPr>
+      </p:pic>
       <p:pic>
         <p:nvPicPr>
           <p:cNvPr id="3" name="Imagem 2"/>
@@ -15103,15 +15440,39 @@
           <p:nvPr/>
         </p:nvPicPr>
         <p:blipFill>
-          <a:blip r:embed="rId3"/>
+          <a:blip r:embed="rId5"/>
           <a:stretch>
             <a:fillRect/>
           </a:stretch>
         </p:blipFill>
         <p:spPr>
           <a:xfrm>
-            <a:off x="2767980" y="2492896"/>
-            <a:ext cx="3520430" cy="3718005"/>
+            <a:off x="1043608" y="2838118"/>
+            <a:ext cx="523875" cy="485775"/>
+          </a:xfrm>
+          <a:prstGeom prst="rect">
+            <a:avLst/>
+          </a:prstGeom>
+        </p:spPr>
+      </p:pic>
+      <p:pic>
+        <p:nvPicPr>
+          <p:cNvPr id="6" name="Imagem 5"/>
+          <p:cNvPicPr>
+            <a:picLocks noChangeAspect="1"/>
+          </p:cNvPicPr>
+          <p:nvPr/>
+        </p:nvPicPr>
+        <p:blipFill>
+          <a:blip r:embed="rId6"/>
+          <a:stretch>
+            <a:fillRect/>
+          </a:stretch>
+        </p:blipFill>
+        <p:spPr>
+          <a:xfrm>
+            <a:off x="1247392" y="3645024"/>
+            <a:ext cx="6493024" cy="941795"/>
           </a:xfrm>
           <a:prstGeom prst="rect">
             <a:avLst/>
@@ -15120,18 +15481,127 @@
             <a:noFill/>
           </a:ln>
           <a:effectLst>
-            <a:outerShdw blurRad="292100" dist="139700" dir="2700000" algn="tl" rotWithShape="0">
-              <a:srgbClr val="333333">
-                <a:alpha val="65000"/>
-              </a:srgbClr>
-            </a:outerShdw>
+            <a:softEdge rad="112500"/>
           </a:effectLst>
         </p:spPr>
       </p:pic>
+      <p:pic>
+        <p:nvPicPr>
+          <p:cNvPr id="13" name="Imagem 12"/>
+          <p:cNvPicPr>
+            <a:picLocks noChangeAspect="1"/>
+          </p:cNvPicPr>
+          <p:nvPr/>
+        </p:nvPicPr>
+        <p:blipFill>
+          <a:blip r:embed="rId4">
+            <a:clrChange>
+              <a:clrFrom>
+                <a:srgbClr val="FFFFFF"/>
+              </a:clrFrom>
+              <a:clrTo>
+                <a:srgbClr val="FFFFFF">
+                  <a:alpha val="0"/>
+                </a:srgbClr>
+              </a:clrTo>
+            </a:clrChange>
+          </a:blip>
+          <a:stretch>
+            <a:fillRect/>
+          </a:stretch>
+        </p:blipFill>
+        <p:spPr>
+          <a:xfrm flipH="1">
+            <a:off x="7408894" y="4100365"/>
+            <a:ext cx="547482" cy="421305"/>
+          </a:xfrm>
+          <a:prstGeom prst="rect">
+            <a:avLst/>
+          </a:prstGeom>
+        </p:spPr>
+      </p:pic>
+      <p:pic>
+        <p:nvPicPr>
+          <p:cNvPr id="7" name="Imagem 6"/>
+          <p:cNvPicPr>
+            <a:picLocks noChangeAspect="1"/>
+          </p:cNvPicPr>
+          <p:nvPr/>
+        </p:nvPicPr>
+        <p:blipFill>
+          <a:blip r:embed="rId7"/>
+          <a:stretch>
+            <a:fillRect/>
+          </a:stretch>
+        </p:blipFill>
+        <p:spPr>
+          <a:xfrm>
+            <a:off x="1449561" y="4653136"/>
+            <a:ext cx="6648450" cy="933450"/>
+          </a:xfrm>
+          <a:prstGeom prst="rect">
+            <a:avLst/>
+          </a:prstGeom>
+          <a:ln>
+            <a:noFill/>
+          </a:ln>
+          <a:effectLst>
+            <a:softEdge rad="112500"/>
+          </a:effectLst>
+        </p:spPr>
+      </p:pic>
+      <p:sp>
+        <p:nvSpPr>
+          <p:cNvPr id="8" name="Chave direita 7"/>
+          <p:cNvSpPr/>
+          <p:nvPr/>
+        </p:nvSpPr>
+        <p:spPr>
+          <a:xfrm rot="16200000">
+            <a:off x="4451804" y="3575802"/>
+            <a:ext cx="288032" cy="2664296"/>
+          </a:xfrm>
+          <a:prstGeom prst="rightBrace">
+            <a:avLst>
+              <a:gd name="adj1" fmla="val 8333"/>
+              <a:gd name="adj2" fmla="val 51144"/>
+            </a:avLst>
+          </a:prstGeom>
+          <a:ln w="28575">
+            <a:solidFill>
+              <a:srgbClr val="FF0000"/>
+            </a:solidFill>
+            <a:headEnd type="none" w="med" len="med"/>
+            <a:tailEnd type="none" w="med" len="med"/>
+          </a:ln>
+        </p:spPr>
+        <p:style>
+          <a:lnRef idx="1">
+            <a:schemeClr val="accent1"/>
+          </a:lnRef>
+          <a:fillRef idx="0">
+            <a:schemeClr val="accent1"/>
+          </a:fillRef>
+          <a:effectRef idx="0">
+            <a:schemeClr val="accent1"/>
+          </a:effectRef>
+          <a:fontRef idx="minor">
+            <a:schemeClr val="tx1"/>
+          </a:fontRef>
+        </p:style>
+        <p:txBody>
+          <a:bodyPr rtlCol="0" anchor="ctr"/>
+          <a:lstStyle/>
+          <a:p>
+            <a:pPr algn="ctr"/>
+            <a:endParaRPr lang="pt-BR"/>
+          </a:p>
+        </p:txBody>
+      </p:sp>
     </p:spTree>
     <p:extLst>
       <p:ext uri="{BB962C8B-B14F-4D97-AF65-F5344CB8AC3E}">
-        <p14:creationId xmlns:p14="http://schemas.microsoft.com/office/powerpoint/2010/main" val="3971569777"/>
+        <p14:creationId xmlns:p14="http://schemas.microsoft.com/office/powerpoint/2010/main" val="3675336364"/>
       </p:ext>
     </p:extLst>
   </p:cSld>
@@ -15498,14 +15968,14 @@
       </p:sp>
       <p:sp>
         <p:nvSpPr>
-          <p:cNvPr id="55" name="CaixaDeTexto 54"/>
+          <p:cNvPr id="54" name="CaixaDeTexto 53"/>
           <p:cNvSpPr txBox="1"/>
           <p:nvPr/>
         </p:nvSpPr>
         <p:spPr>
           <a:xfrm>
-            <a:off x="3257104" y="908720"/>
-            <a:ext cx="2323008" cy="369332"/>
+            <a:off x="4067944" y="1218238"/>
+            <a:ext cx="1608133" cy="338554"/>
           </a:xfrm>
           <a:prstGeom prst="rect">
             <a:avLst/>
@@ -15519,23 +15989,31 @@
           <a:lstStyle/>
           <a:p>
             <a:r>
-              <a:rPr lang="pt-BR" b="1" dirty="0" smtClean="0"/>
-              <a:t>4.2) Nuvens de pontos</a:t>
-            </a:r>
-            <a:endParaRPr lang="pt-BR" b="1" dirty="0"/>
-          </a:p>
-        </p:txBody>
-      </p:sp>
-      <p:sp>
-        <p:nvSpPr>
-          <p:cNvPr id="6" name="CaixaDeTexto 5"/>
+              <a:rPr lang="pt-BR" sz="1600" b="1" dirty="0" smtClean="0"/>
+              <a:t>4.1.3) </a:t>
+            </a:r>
+            <a:r>
+              <a:rPr lang="pt-BR" sz="1600" b="1" dirty="0" err="1" smtClean="0"/>
+              <a:t>Hello</a:t>
+            </a:r>
+            <a:r>
+              <a:rPr lang="pt-BR" sz="1600" b="1" dirty="0" smtClean="0"/>
+              <a:t> VTK!</a:t>
+            </a:r>
+            <a:endParaRPr lang="pt-BR" sz="1600" b="1" dirty="0"/>
+          </a:p>
+        </p:txBody>
+      </p:sp>
+      <p:sp>
+        <p:nvSpPr>
+          <p:cNvPr id="55" name="CaixaDeTexto 54"/>
           <p:cNvSpPr txBox="1"/>
           <p:nvPr/>
         </p:nvSpPr>
         <p:spPr>
           <a:xfrm>
-            <a:off x="539552" y="1412776"/>
-            <a:ext cx="4872359" cy="338554"/>
+            <a:off x="2987824" y="908720"/>
+            <a:ext cx="4154984" cy="369332"/>
           </a:xfrm>
           <a:prstGeom prst="rect">
             <a:avLst/>
@@ -15548,87 +16026,257 @@
           </a:bodyPr>
           <a:lstStyle/>
           <a:p>
-            <a:pPr marL="285750" indent="-285750">
+            <a:r>
+              <a:rPr lang="pt-BR" b="1" dirty="0" smtClean="0"/>
+              <a:t>4.1) Criando um aplicativo VTK elementar</a:t>
+            </a:r>
+            <a:endParaRPr lang="pt-BR" b="1" dirty="0"/>
+          </a:p>
+        </p:txBody>
+      </p:sp>
+      <p:sp>
+        <p:nvSpPr>
+          <p:cNvPr id="16" name="CaixaDeTexto 15"/>
+          <p:cNvSpPr txBox="1"/>
+          <p:nvPr/>
+        </p:nvSpPr>
+        <p:spPr>
+          <a:xfrm>
+            <a:off x="263697" y="1700808"/>
+            <a:ext cx="8628784" cy="584775"/>
+          </a:xfrm>
+          <a:prstGeom prst="rect">
+            <a:avLst/>
+          </a:prstGeom>
+          <a:noFill/>
+        </p:spPr>
+        <p:txBody>
+          <a:bodyPr wrap="square" rtlCol="0">
+            <a:spAutoFit/>
+          </a:bodyPr>
+          <a:lstStyle/>
+          <a:p>
+            <a:pPr marL="285750" indent="-285750" algn="just">
               <a:buFont typeface="Wingdings" panose="05000000000000000000" pitchFamily="2" charset="2"/>
               <a:buChar char="Ø"/>
             </a:pPr>
             <a:r>
               <a:rPr lang="pt-BR" sz="1600" dirty="0" smtClean="0"/>
-              <a:t>O </a:t>
-            </a:r>
-            <a:r>
-              <a:rPr lang="pt-BR" sz="1600" i="1" dirty="0" smtClean="0"/>
-              <a:t>point set</a:t>
+              <a:t>Alternativamente, pode-se executar </a:t>
+            </a:r>
+            <a:r>
+              <a:rPr lang="pt-BR" sz="1600" dirty="0" smtClean="0">
+                <a:latin typeface="Courier New" panose="02070309020205020404" pitchFamily="49" charset="0"/>
+                <a:cs typeface="Courier New" panose="02070309020205020404" pitchFamily="49" charset="0"/>
+              </a:rPr>
+              <a:t>HelloVTK.exe</a:t>
             </a:r>
             <a:r>
               <a:rPr lang="pt-BR" sz="1600" dirty="0" smtClean="0"/>
-              <a:t> de Walker Lake (</a:t>
+              <a:t> com um arquivo .BAT que coloque os caminhos das bibliotecas do </a:t>
             </a:r>
             <a:r>
               <a:rPr lang="pt-BR" sz="1600" dirty="0" err="1" smtClean="0"/>
-              <a:t>Issaks</a:t>
+              <a:t>Qt</a:t>
             </a:r>
             <a:r>
               <a:rPr lang="pt-BR" sz="1600" dirty="0" smtClean="0"/>
-              <a:t> e </a:t>
-            </a:r>
-            <a:r>
-              <a:rPr lang="pt-BR" sz="1600" dirty="0" err="1" smtClean="0"/>
-              <a:t>Srivastava</a:t>
-            </a:r>
-            <a:r>
-              <a:rPr lang="pt-BR" sz="1600" dirty="0" smtClean="0"/>
-              <a:t>, 1989)</a:t>
-            </a:r>
-            <a:endParaRPr lang="pt-BR" sz="1600" dirty="0" smtClean="0">
+              <a:t> e do VTK no PATH.</a:t>
+            </a:r>
+            <a:endParaRPr lang="pt-BR" sz="1600" dirty="0"/>
+          </a:p>
+        </p:txBody>
+      </p:sp>
+      <p:sp>
+        <p:nvSpPr>
+          <p:cNvPr id="2" name="Retângulo 1"/>
+          <p:cNvSpPr/>
+          <p:nvPr/>
+        </p:nvSpPr>
+        <p:spPr>
+          <a:xfrm>
+            <a:off x="263697" y="3636313"/>
+            <a:ext cx="8628784" cy="600164"/>
+          </a:xfrm>
+          <a:prstGeom prst="rect">
+            <a:avLst/>
+          </a:prstGeom>
+          <a:solidFill>
+            <a:srgbClr val="FFFFFF"/>
+          </a:solidFill>
+          <a:ln w="12700">
+            <a:solidFill>
+              <a:schemeClr val="tx1"/>
+            </a:solidFill>
+          </a:ln>
+        </p:spPr>
+        <p:txBody>
+          <a:bodyPr wrap="square">
+            <a:spAutoFit/>
+          </a:bodyPr>
+          <a:lstStyle/>
+          <a:p>
+            <a:r>
+              <a:rPr lang="pt-BR" sz="1100" b="1" dirty="0">
+                <a:latin typeface="Courier New" panose="02070309020205020404" pitchFamily="49" charset="0"/>
+                <a:cs typeface="Courier New" panose="02070309020205020404" pitchFamily="49" charset="0"/>
+              </a:rPr>
+              <a:t>SETLOCAL</a:t>
+            </a:r>
+          </a:p>
+          <a:p>
+            <a:r>
+              <a:rPr lang="pt-BR" sz="1100" b="1" dirty="0">
+                <a:latin typeface="Courier New" panose="02070309020205020404" pitchFamily="49" charset="0"/>
+                <a:cs typeface="Courier New" panose="02070309020205020404" pitchFamily="49" charset="0"/>
+              </a:rPr>
+              <a:t>set PATH=C:\</a:t>
+            </a:r>
+            <a:r>
+              <a:rPr lang="pt-BR" sz="1100" b="1" dirty="0" smtClean="0">
+                <a:latin typeface="Courier New" panose="02070309020205020404" pitchFamily="49" charset="0"/>
+                <a:cs typeface="Courier New" panose="02070309020205020404" pitchFamily="49" charset="0"/>
+              </a:rPr>
+              <a:t>W64\vtk-8.1.0-install_release_VS\</a:t>
+            </a:r>
+            <a:r>
+              <a:rPr lang="pt-BR" sz="1100" b="1" dirty="0" err="1" smtClean="0">
+                <a:latin typeface="Courier New" panose="02070309020205020404" pitchFamily="49" charset="0"/>
+                <a:cs typeface="Courier New" panose="02070309020205020404" pitchFamily="49" charset="0"/>
+              </a:rPr>
+              <a:t>bin;C</a:t>
+            </a:r>
+            <a:r>
+              <a:rPr lang="pt-BR" sz="1100" b="1" dirty="0">
+                <a:latin typeface="Courier New" panose="02070309020205020404" pitchFamily="49" charset="0"/>
+                <a:cs typeface="Courier New" panose="02070309020205020404" pitchFamily="49" charset="0"/>
+              </a:rPr>
+              <a:t>:\Qt5.12_VS2015\5.12.2\msvc2015_64\bin;%PATH%</a:t>
+            </a:r>
+          </a:p>
+          <a:p>
+            <a:r>
+              <a:rPr lang="pt-BR" sz="1100" b="1" dirty="0">
+                <a:latin typeface="Courier New" panose="02070309020205020404" pitchFamily="49" charset="0"/>
+                <a:cs typeface="Courier New" panose="02070309020205020404" pitchFamily="49" charset="0"/>
+              </a:rPr>
+              <a:t>...\</a:t>
+            </a:r>
+            <a:r>
+              <a:rPr lang="pt-BR" sz="1100" b="1" dirty="0" err="1" smtClean="0">
+                <a:latin typeface="Courier New" panose="02070309020205020404" pitchFamily="49" charset="0"/>
+                <a:cs typeface="Courier New" panose="02070309020205020404" pitchFamily="49" charset="0"/>
+              </a:rPr>
+              <a:t>HelloVTK_build</a:t>
+            </a:r>
+            <a:r>
+              <a:rPr lang="pt-BR" sz="1100" b="1" dirty="0" smtClean="0">
+                <a:latin typeface="Courier New" panose="02070309020205020404" pitchFamily="49" charset="0"/>
+                <a:cs typeface="Courier New" panose="02070309020205020404" pitchFamily="49" charset="0"/>
+              </a:rPr>
+              <a:t>\Release\HelloVTK.exe</a:t>
+            </a:r>
+            <a:endParaRPr lang="pt-BR" sz="1100" b="1" dirty="0">
               <a:latin typeface="Courier New" panose="02070309020205020404" pitchFamily="49" charset="0"/>
               <a:cs typeface="Courier New" panose="02070309020205020404" pitchFamily="49" charset="0"/>
             </a:endParaRPr>
           </a:p>
         </p:txBody>
       </p:sp>
-      <p:pic>
-        <p:nvPicPr>
-          <p:cNvPr id="5" name="Imagem 4"/>
-          <p:cNvPicPr>
-            <a:picLocks noChangeAspect="1"/>
-          </p:cNvPicPr>
-          <p:nvPr/>
-        </p:nvPicPr>
-        <p:blipFill>
-          <a:blip r:embed="rId3"/>
-          <a:stretch>
-            <a:fillRect/>
-          </a:stretch>
-        </p:blipFill>
-        <p:spPr>
-          <a:xfrm>
-            <a:off x="2411760" y="2132856"/>
-            <a:ext cx="3800475" cy="3724275"/>
-          </a:xfrm>
-          <a:prstGeom prst="rect">
-            <a:avLst/>
-          </a:prstGeom>
-          <a:ln w="38100" cap="sq">
-            <a:solidFill>
-              <a:srgbClr val="000000"/>
-            </a:solidFill>
-            <a:prstDash val="solid"/>
-            <a:miter lim="800000"/>
-          </a:ln>
-          <a:effectLst>
-            <a:outerShdw blurRad="50800" dist="38100" dir="2700000" algn="tl" rotWithShape="0">
-              <a:srgbClr val="000000">
-                <a:alpha val="43000"/>
-              </a:srgbClr>
-            </a:outerShdw>
-          </a:effectLst>
-        </p:spPr>
-      </p:pic>
+      <p:sp>
+        <p:nvSpPr>
+          <p:cNvPr id="9" name="CaixaDeTexto 8"/>
+          <p:cNvSpPr txBox="1"/>
+          <p:nvPr/>
+        </p:nvSpPr>
+        <p:spPr>
+          <a:xfrm>
+            <a:off x="4067944" y="3266981"/>
+            <a:ext cx="980333" cy="369332"/>
+          </a:xfrm>
+          <a:prstGeom prst="rect">
+            <a:avLst/>
+          </a:prstGeom>
+          <a:noFill/>
+        </p:spPr>
+        <p:txBody>
+          <a:bodyPr wrap="none" rtlCol="0">
+            <a:spAutoFit/>
+          </a:bodyPr>
+          <a:lstStyle/>
+          <a:p>
+            <a:r>
+              <a:rPr lang="pt-BR" dirty="0"/>
+              <a:t>r</a:t>
+            </a:r>
+            <a:r>
+              <a:rPr lang="pt-BR" dirty="0" smtClean="0"/>
+              <a:t>oda.bat</a:t>
+            </a:r>
+            <a:endParaRPr lang="pt-BR" dirty="0"/>
+          </a:p>
+        </p:txBody>
+      </p:sp>
+      <p:sp>
+        <p:nvSpPr>
+          <p:cNvPr id="10" name="Retângulo 9"/>
+          <p:cNvSpPr/>
+          <p:nvPr/>
+        </p:nvSpPr>
+        <p:spPr>
+          <a:xfrm>
+            <a:off x="613950" y="2460957"/>
+            <a:ext cx="7053534" cy="369332"/>
+          </a:xfrm>
+          <a:prstGeom prst="rect">
+            <a:avLst/>
+          </a:prstGeom>
+        </p:spPr>
+        <p:txBody>
+          <a:bodyPr wrap="none">
+            <a:spAutoFit/>
+          </a:bodyPr>
+          <a:lstStyle/>
+          <a:p>
+            <a:r>
+              <a:rPr lang="pt-BR" dirty="0" smtClean="0">
+                <a:latin typeface="Courier New" panose="02070309020205020404" pitchFamily="49" charset="0"/>
+                <a:cs typeface="Courier New" panose="02070309020205020404" pitchFamily="49" charset="0"/>
+              </a:rPr>
+              <a:t>...\</a:t>
+            </a:r>
+            <a:r>
+              <a:rPr lang="pt-BR" dirty="0" err="1" smtClean="0">
+                <a:latin typeface="Courier New" panose="02070309020205020404" pitchFamily="49" charset="0"/>
+                <a:cs typeface="Courier New" panose="02070309020205020404" pitchFamily="49" charset="0"/>
+              </a:rPr>
+              <a:t>HelloVTK_build</a:t>
+            </a:r>
+            <a:r>
+              <a:rPr lang="pt-BR" dirty="0" smtClean="0">
+                <a:latin typeface="Courier New" panose="02070309020205020404" pitchFamily="49" charset="0"/>
+                <a:cs typeface="Courier New" panose="02070309020205020404" pitchFamily="49" charset="0"/>
+              </a:rPr>
+              <a:t>\Release\HelloVTK.exe </a:t>
+            </a:r>
+            <a:r>
+              <a:rPr lang="pt-BR" dirty="0" smtClean="0">
+                <a:latin typeface="+mj-lt"/>
+                <a:cs typeface="Courier New" panose="02070309020205020404" pitchFamily="49" charset="0"/>
+              </a:rPr>
+              <a:t>(Visual Studio)</a:t>
+            </a:r>
+            <a:endParaRPr lang="pt-BR" dirty="0">
+              <a:latin typeface="+mj-lt"/>
+              <a:cs typeface="Courier New" panose="02070309020205020404" pitchFamily="49" charset="0"/>
+            </a:endParaRPr>
+          </a:p>
+        </p:txBody>
+      </p:sp>
     </p:spTree>
     <p:extLst>
       <p:ext uri="{BB962C8B-B14F-4D97-AF65-F5344CB8AC3E}">
-        <p14:creationId xmlns:p14="http://schemas.microsoft.com/office/powerpoint/2010/main" val="3232042557"/>
+        <p14:creationId xmlns:p14="http://schemas.microsoft.com/office/powerpoint/2010/main" val="3528927572"/>
       </p:ext>
     </p:extLst>
   </p:cSld>
@@ -15702,14 +16350,14 @@
       </p:sp>
       <p:sp>
         <p:nvSpPr>
-          <p:cNvPr id="55" name="CaixaDeTexto 54"/>
+          <p:cNvPr id="54" name="CaixaDeTexto 53"/>
           <p:cNvSpPr txBox="1"/>
           <p:nvPr/>
         </p:nvSpPr>
         <p:spPr>
           <a:xfrm>
-            <a:off x="3257104" y="908720"/>
-            <a:ext cx="2323008" cy="369332"/>
+            <a:off x="4067944" y="1218238"/>
+            <a:ext cx="1608133" cy="338554"/>
           </a:xfrm>
           <a:prstGeom prst="rect">
             <a:avLst/>
@@ -15723,23 +16371,31 @@
           <a:lstStyle/>
           <a:p>
             <a:r>
-              <a:rPr lang="pt-BR" b="1" dirty="0" smtClean="0"/>
-              <a:t>4.2) Nuvens de pontos</a:t>
-            </a:r>
-            <a:endParaRPr lang="pt-BR" b="1" dirty="0"/>
-          </a:p>
-        </p:txBody>
-      </p:sp>
-      <p:sp>
-        <p:nvSpPr>
-          <p:cNvPr id="6" name="CaixaDeTexto 5"/>
+              <a:rPr lang="pt-BR" sz="1600" b="1" dirty="0" smtClean="0"/>
+              <a:t>4.1.3) </a:t>
+            </a:r>
+            <a:r>
+              <a:rPr lang="pt-BR" sz="1600" b="1" dirty="0" err="1" smtClean="0"/>
+              <a:t>Hello</a:t>
+            </a:r>
+            <a:r>
+              <a:rPr lang="pt-BR" sz="1600" b="1" dirty="0" smtClean="0"/>
+              <a:t> VTK!</a:t>
+            </a:r>
+            <a:endParaRPr lang="pt-BR" sz="1600" b="1" dirty="0"/>
+          </a:p>
+        </p:txBody>
+      </p:sp>
+      <p:sp>
+        <p:nvSpPr>
+          <p:cNvPr id="55" name="CaixaDeTexto 54"/>
           <p:cNvSpPr txBox="1"/>
           <p:nvPr/>
         </p:nvSpPr>
         <p:spPr>
           <a:xfrm>
-            <a:off x="539552" y="1412776"/>
-            <a:ext cx="8249374" cy="584775"/>
+            <a:off x="2987824" y="908720"/>
+            <a:ext cx="4154984" cy="369332"/>
           </a:xfrm>
           <a:prstGeom prst="rect">
             <a:avLst/>
@@ -15752,106 +16408,11 @@
           </a:bodyPr>
           <a:lstStyle/>
           <a:p>
-            <a:pPr marL="285750" indent="-285750">
-              <a:buFont typeface="Wingdings" panose="05000000000000000000" pitchFamily="2" charset="2"/>
-              <a:buChar char="Ø"/>
-            </a:pPr>
-            <a:r>
-              <a:rPr lang="pt-BR" sz="1600" dirty="0" smtClean="0"/>
-              <a:t>Fontes: </a:t>
-            </a:r>
-            <a:r>
-              <a:rPr lang="pt-BR" sz="1600" dirty="0" smtClean="0">
-                <a:latin typeface="Courier New" panose="02070309020205020404" pitchFamily="49" charset="0"/>
-                <a:cs typeface="Courier New" panose="02070309020205020404" pitchFamily="49" charset="0"/>
-              </a:rPr>
-              <a:t>...\</a:t>
-            </a:r>
-            <a:r>
-              <a:rPr lang="pt-BR" sz="1600" dirty="0" err="1" smtClean="0">
-                <a:latin typeface="Courier New" panose="02070309020205020404" pitchFamily="49" charset="0"/>
-                <a:cs typeface="Courier New" panose="02070309020205020404" pitchFamily="49" charset="0"/>
-              </a:rPr>
-              <a:t>cursoVTKgeo</a:t>
-            </a:r>
-            <a:r>
-              <a:rPr lang="pt-BR" sz="1600" dirty="0" smtClean="0">
-                <a:latin typeface="Courier New" panose="02070309020205020404" pitchFamily="49" charset="0"/>
-                <a:cs typeface="Courier New" panose="02070309020205020404" pitchFamily="49" charset="0"/>
-              </a:rPr>
-              <a:t>\aulas_3dias\</a:t>
-            </a:r>
-            <a:r>
-              <a:rPr lang="pt-BR" sz="1600" dirty="0" err="1" smtClean="0">
-                <a:latin typeface="Courier New" panose="02070309020205020404" pitchFamily="49" charset="0"/>
-                <a:cs typeface="Courier New" panose="02070309020205020404" pitchFamily="49" charset="0"/>
-              </a:rPr>
-              <a:t>NuvemPontos</a:t>
-            </a:r>
-            <a:endParaRPr lang="pt-BR" sz="1600" dirty="0" smtClean="0">
-              <a:latin typeface="Courier New" panose="02070309020205020404" pitchFamily="49" charset="0"/>
-              <a:cs typeface="Courier New" panose="02070309020205020404" pitchFamily="49" charset="0"/>
-            </a:endParaRPr>
-          </a:p>
-          <a:p>
-            <a:pPr marL="285750" indent="-285750">
-              <a:buFont typeface="Wingdings" panose="05000000000000000000" pitchFamily="2" charset="2"/>
-              <a:buChar char="Ø"/>
-            </a:pPr>
-            <a:r>
-              <a:rPr lang="pt-BR" sz="1600" dirty="0" smtClean="0">
-                <a:cs typeface="Courier New" panose="02070309020205020404" pitchFamily="49" charset="0"/>
-              </a:rPr>
-              <a:t>Dados</a:t>
-            </a:r>
-            <a:r>
-              <a:rPr lang="pt-BR" sz="1600" dirty="0">
-                <a:cs typeface="Courier New" panose="02070309020205020404" pitchFamily="49" charset="0"/>
-              </a:rPr>
-              <a:t>:</a:t>
-            </a:r>
-            <a:r>
-              <a:rPr lang="pt-BR" sz="1600" dirty="0">
-                <a:latin typeface="Courier New" panose="02070309020205020404" pitchFamily="49" charset="0"/>
-                <a:cs typeface="Courier New" panose="02070309020205020404" pitchFamily="49" charset="0"/>
-              </a:rPr>
-              <a:t> </a:t>
-            </a:r>
-            <a:r>
-              <a:rPr lang="pt-BR" sz="1600" dirty="0" smtClean="0">
-                <a:latin typeface="Courier New" panose="02070309020205020404" pitchFamily="49" charset="0"/>
-                <a:cs typeface="Courier New" panose="02070309020205020404" pitchFamily="49" charset="0"/>
-              </a:rPr>
-              <a:t>...\</a:t>
-            </a:r>
-            <a:r>
-              <a:rPr lang="pt-BR" sz="1600" dirty="0" err="1" smtClean="0">
-                <a:latin typeface="Courier New" panose="02070309020205020404" pitchFamily="49" charset="0"/>
-                <a:cs typeface="Courier New" panose="02070309020205020404" pitchFamily="49" charset="0"/>
-              </a:rPr>
-              <a:t>cursoVTKgeo</a:t>
-            </a:r>
-            <a:r>
-              <a:rPr lang="pt-BR" sz="1600" dirty="0" smtClean="0">
-                <a:latin typeface="Courier New" panose="02070309020205020404" pitchFamily="49" charset="0"/>
-                <a:cs typeface="Courier New" panose="02070309020205020404" pitchFamily="49" charset="0"/>
-              </a:rPr>
-              <a:t>\aulas_3dias\</a:t>
-            </a:r>
-            <a:r>
-              <a:rPr lang="pt-BR" sz="1600" dirty="0" err="1" smtClean="0">
-                <a:latin typeface="Courier New" panose="02070309020205020404" pitchFamily="49" charset="0"/>
-                <a:cs typeface="Courier New" panose="02070309020205020404" pitchFamily="49" charset="0"/>
-              </a:rPr>
-              <a:t>NuvemPontos</a:t>
-            </a:r>
-            <a:r>
-              <a:rPr lang="pt-BR" sz="1600" dirty="0" smtClean="0">
-                <a:latin typeface="Courier New" panose="02070309020205020404" pitchFamily="49" charset="0"/>
-                <a:cs typeface="Courier New" panose="02070309020205020404" pitchFamily="49" charset="0"/>
-              </a:rPr>
-              <a:t>\dados\walker.dat</a:t>
-            </a:r>
+            <a:r>
+              <a:rPr lang="pt-BR" b="1" dirty="0" smtClean="0"/>
+              <a:t>4.1) Criando um aplicativo VTK elementar</a:t>
+            </a:r>
+            <a:endParaRPr lang="pt-BR" b="1" dirty="0"/>
           </a:p>
         </p:txBody>
       </p:sp>
@@ -15871,8 +16432,8 @@
         </p:blipFill>
         <p:spPr>
           <a:xfrm>
-            <a:off x="2339752" y="2190536"/>
-            <a:ext cx="4104456" cy="4334808"/>
+            <a:off x="2555776" y="1772816"/>
+            <a:ext cx="4096494" cy="4326399"/>
           </a:xfrm>
           <a:prstGeom prst="rect">
             <a:avLst/>
@@ -15892,7 +16453,7 @@
     </p:spTree>
     <p:extLst>
       <p:ext uri="{BB962C8B-B14F-4D97-AF65-F5344CB8AC3E}">
-        <p14:creationId xmlns:p14="http://schemas.microsoft.com/office/powerpoint/2010/main" val="1374940492"/>
+        <p14:creationId xmlns:p14="http://schemas.microsoft.com/office/powerpoint/2010/main" val="1382819145"/>
       </p:ext>
     </p:extLst>
   </p:cSld>
@@ -15972,8 +16533,8 @@
         </p:nvSpPr>
         <p:spPr>
           <a:xfrm>
-            <a:off x="2763644" y="1218238"/>
-            <a:ext cx="3320524" cy="338554"/>
+            <a:off x="2771800" y="1218238"/>
+            <a:ext cx="4612288" cy="338554"/>
           </a:xfrm>
           <a:prstGeom prst="rect">
             <a:avLst/>
@@ -15988,7 +16549,7 @@
           <a:p>
             <a:r>
               <a:rPr lang="pt-BR" sz="1600" b="1" dirty="0" smtClean="0"/>
-              <a:t>4.2.1) Associando valores aos pontos</a:t>
+              <a:t>4.1.4) Adicionando eixos para orientação do usuário</a:t>
             </a:r>
             <a:endParaRPr lang="pt-BR" sz="1600" b="1" dirty="0"/>
           </a:p>
@@ -15996,14 +16557,14 @@
       </p:sp>
       <p:sp>
         <p:nvSpPr>
-          <p:cNvPr id="5" name="CaixaDeTexto 4"/>
+          <p:cNvPr id="55" name="CaixaDeTexto 54"/>
           <p:cNvSpPr txBox="1"/>
           <p:nvPr/>
         </p:nvSpPr>
         <p:spPr>
           <a:xfrm>
-            <a:off x="3257104" y="908720"/>
-            <a:ext cx="2323008" cy="369332"/>
+            <a:off x="2987824" y="908720"/>
+            <a:ext cx="4154984" cy="369332"/>
           </a:xfrm>
           <a:prstGeom prst="rect">
             <a:avLst/>
@@ -16018,15 +16579,73 @@
           <a:p>
             <a:r>
               <a:rPr lang="pt-BR" b="1" dirty="0" smtClean="0"/>
-              <a:t>4.2) Nuvens de pontos</a:t>
+              <a:t>4.1) Criando um aplicativo VTK elementar</a:t>
             </a:r>
             <a:endParaRPr lang="pt-BR" b="1" dirty="0"/>
+          </a:p>
+        </p:txBody>
+      </p:sp>
+      <p:sp>
+        <p:nvSpPr>
+          <p:cNvPr id="6" name="CaixaDeTexto 5"/>
+          <p:cNvSpPr txBox="1"/>
+          <p:nvPr/>
+        </p:nvSpPr>
+        <p:spPr>
+          <a:xfrm>
+            <a:off x="1501325" y="1938318"/>
+            <a:ext cx="5203156" cy="338554"/>
+          </a:xfrm>
+          <a:prstGeom prst="rect">
+            <a:avLst/>
+          </a:prstGeom>
+          <a:noFill/>
+        </p:spPr>
+        <p:txBody>
+          <a:bodyPr wrap="none" rtlCol="0">
+            <a:spAutoFit/>
+          </a:bodyPr>
+          <a:lstStyle/>
+          <a:p>
+            <a:pPr marL="285750" indent="-285750">
+              <a:buFont typeface="Wingdings" panose="05000000000000000000" pitchFamily="2" charset="2"/>
+              <a:buChar char="Ø"/>
+            </a:pPr>
+            <a:r>
+              <a:rPr lang="pt-BR" sz="1600" dirty="0" smtClean="0"/>
+              <a:t>Fontes: </a:t>
+            </a:r>
+            <a:r>
+              <a:rPr lang="pt-BR" sz="1600" dirty="0" smtClean="0">
+                <a:latin typeface="Courier New" panose="02070309020205020404" pitchFamily="49" charset="0"/>
+                <a:cs typeface="Courier New" panose="02070309020205020404" pitchFamily="49" charset="0"/>
+              </a:rPr>
+              <a:t>...\</a:t>
+            </a:r>
+            <a:r>
+              <a:rPr lang="pt-BR" sz="1600" dirty="0" err="1" smtClean="0">
+                <a:latin typeface="Courier New" panose="02070309020205020404" pitchFamily="49" charset="0"/>
+                <a:cs typeface="Courier New" panose="02070309020205020404" pitchFamily="49" charset="0"/>
+              </a:rPr>
+              <a:t>cursoVTKgeo</a:t>
+            </a:r>
+            <a:r>
+              <a:rPr lang="pt-BR" sz="1600" dirty="0" smtClean="0">
+                <a:latin typeface="Courier New" panose="02070309020205020404" pitchFamily="49" charset="0"/>
+                <a:cs typeface="Courier New" panose="02070309020205020404" pitchFamily="49" charset="0"/>
+              </a:rPr>
+              <a:t>\aulas_3dias\Eixos</a:t>
+            </a:r>
+            <a:endParaRPr lang="pt-BR" sz="1600" dirty="0">
+              <a:latin typeface="Courier New" panose="02070309020205020404" pitchFamily="49" charset="0"/>
+              <a:cs typeface="Courier New" panose="02070309020205020404" pitchFamily="49" charset="0"/>
+            </a:endParaRPr>
           </a:p>
         </p:txBody>
       </p:sp>
       <p:pic>
         <p:nvPicPr>
-          <p:cNvPr id="2" name="Imagem 1"/>
+          <p:cNvPr id="3" name="Imagem 2"/>
           <p:cNvPicPr>
             <a:picLocks noChangeAspect="1"/>
           </p:cNvPicPr>
@@ -16040,8 +16659,8 @@
         </p:blipFill>
         <p:spPr>
           <a:xfrm>
-            <a:off x="2555776" y="2207027"/>
-            <a:ext cx="3952478" cy="4174301"/>
+            <a:off x="2767980" y="2492896"/>
+            <a:ext cx="3520430" cy="3718005"/>
           </a:xfrm>
           <a:prstGeom prst="rect">
             <a:avLst/>
@@ -16058,135 +16677,10 @@
           </a:effectLst>
         </p:spPr>
       </p:pic>
-      <p:sp>
-        <p:nvSpPr>
-          <p:cNvPr id="7" name="CaixaDeTexto 6"/>
-          <p:cNvSpPr txBox="1"/>
-          <p:nvPr/>
-        </p:nvSpPr>
-        <p:spPr>
-          <a:xfrm>
-            <a:off x="323528" y="1484784"/>
-            <a:ext cx="8454559" cy="584775"/>
-          </a:xfrm>
-          <a:prstGeom prst="rect">
-            <a:avLst/>
-          </a:prstGeom>
-          <a:noFill/>
-        </p:spPr>
-        <p:txBody>
-          <a:bodyPr wrap="none" rtlCol="0">
-            <a:spAutoFit/>
-          </a:bodyPr>
-          <a:lstStyle/>
-          <a:p>
-            <a:pPr marL="285750" indent="-285750">
-              <a:buFont typeface="Wingdings" panose="05000000000000000000" pitchFamily="2" charset="2"/>
-              <a:buChar char="Ø"/>
-            </a:pPr>
-            <a:r>
-              <a:rPr lang="pt-BR" sz="1600" dirty="0" smtClean="0"/>
-              <a:t>Fontes: </a:t>
-            </a:r>
-            <a:r>
-              <a:rPr lang="pt-BR" sz="1600" dirty="0" smtClean="0">
-                <a:latin typeface="Courier New" panose="02070309020205020404" pitchFamily="49" charset="0"/>
-                <a:cs typeface="Courier New" panose="02070309020205020404" pitchFamily="49" charset="0"/>
-              </a:rPr>
-              <a:t>...\</a:t>
-            </a:r>
-            <a:r>
-              <a:rPr lang="pt-BR" sz="1600" dirty="0" err="1" smtClean="0">
-                <a:latin typeface="Courier New" panose="02070309020205020404" pitchFamily="49" charset="0"/>
-                <a:cs typeface="Courier New" panose="02070309020205020404" pitchFamily="49" charset="0"/>
-              </a:rPr>
-              <a:t>cursoVTKgeo</a:t>
-            </a:r>
-            <a:r>
-              <a:rPr lang="pt-BR" sz="1600" dirty="0" smtClean="0">
-                <a:latin typeface="Courier New" panose="02070309020205020404" pitchFamily="49" charset="0"/>
-                <a:cs typeface="Courier New" panose="02070309020205020404" pitchFamily="49" charset="0"/>
-              </a:rPr>
-              <a:t>\aulas_3dias\</a:t>
-            </a:r>
-            <a:r>
-              <a:rPr lang="pt-BR" sz="1600" dirty="0" err="1" smtClean="0">
-                <a:latin typeface="Courier New" panose="02070309020205020404" pitchFamily="49" charset="0"/>
-                <a:cs typeface="Courier New" panose="02070309020205020404" pitchFamily="49" charset="0"/>
-              </a:rPr>
-              <a:t>NuvemPontosVal</a:t>
-            </a:r>
-            <a:endParaRPr lang="pt-BR" sz="1600" dirty="0" smtClean="0">
-              <a:latin typeface="Courier New" panose="02070309020205020404" pitchFamily="49" charset="0"/>
-              <a:cs typeface="Courier New" panose="02070309020205020404" pitchFamily="49" charset="0"/>
-            </a:endParaRPr>
-          </a:p>
-          <a:p>
-            <a:pPr marL="285750" indent="-285750">
-              <a:buFont typeface="Wingdings" panose="05000000000000000000" pitchFamily="2" charset="2"/>
-              <a:buChar char="Ø"/>
-            </a:pPr>
-            <a:r>
-              <a:rPr lang="pt-BR" sz="1600" dirty="0" smtClean="0">
-                <a:cs typeface="Courier New" panose="02070309020205020404" pitchFamily="49" charset="0"/>
-              </a:rPr>
-              <a:t>Dados</a:t>
-            </a:r>
-            <a:r>
-              <a:rPr lang="pt-BR" sz="1600" dirty="0">
-                <a:cs typeface="Courier New" panose="02070309020205020404" pitchFamily="49" charset="0"/>
-              </a:rPr>
-              <a:t>:</a:t>
-            </a:r>
-            <a:r>
-              <a:rPr lang="pt-BR" sz="1600" dirty="0">
-                <a:latin typeface="Courier New" panose="02070309020205020404" pitchFamily="49" charset="0"/>
-                <a:cs typeface="Courier New" panose="02070309020205020404" pitchFamily="49" charset="0"/>
-              </a:rPr>
-              <a:t> </a:t>
-            </a:r>
-            <a:r>
-              <a:rPr lang="pt-BR" sz="1600" dirty="0" smtClean="0">
-                <a:latin typeface="Courier New" panose="02070309020205020404" pitchFamily="49" charset="0"/>
-                <a:cs typeface="Courier New" panose="02070309020205020404" pitchFamily="49" charset="0"/>
-              </a:rPr>
-              <a:t>...\</a:t>
-            </a:r>
-            <a:r>
-              <a:rPr lang="pt-BR" sz="1600" dirty="0" err="1" smtClean="0">
-                <a:latin typeface="Courier New" panose="02070309020205020404" pitchFamily="49" charset="0"/>
-                <a:cs typeface="Courier New" panose="02070309020205020404" pitchFamily="49" charset="0"/>
-              </a:rPr>
-              <a:t>cursoVTKgeo</a:t>
-            </a:r>
-            <a:r>
-              <a:rPr lang="pt-BR" sz="1600" dirty="0" smtClean="0">
-                <a:latin typeface="Courier New" panose="02070309020205020404" pitchFamily="49" charset="0"/>
-                <a:cs typeface="Courier New" panose="02070309020205020404" pitchFamily="49" charset="0"/>
-              </a:rPr>
-              <a:t>\aulas_3dias\</a:t>
-            </a:r>
-            <a:r>
-              <a:rPr lang="pt-BR" sz="1600" dirty="0" err="1" smtClean="0">
-                <a:latin typeface="Courier New" panose="02070309020205020404" pitchFamily="49" charset="0"/>
-                <a:cs typeface="Courier New" panose="02070309020205020404" pitchFamily="49" charset="0"/>
-              </a:rPr>
-              <a:t>NuvemPontosVal</a:t>
-            </a:r>
-            <a:r>
-              <a:rPr lang="pt-BR" sz="1600" dirty="0" smtClean="0">
-                <a:latin typeface="Courier New" panose="02070309020205020404" pitchFamily="49" charset="0"/>
-                <a:cs typeface="Courier New" panose="02070309020205020404" pitchFamily="49" charset="0"/>
-              </a:rPr>
-              <a:t>\dados\walker.dat</a:t>
-            </a:r>
-          </a:p>
-        </p:txBody>
-      </p:sp>
     </p:spTree>
     <p:extLst>
       <p:ext uri="{BB962C8B-B14F-4D97-AF65-F5344CB8AC3E}">
-        <p14:creationId xmlns:p14="http://schemas.microsoft.com/office/powerpoint/2010/main" val="311133971"/>
+        <p14:creationId xmlns:p14="http://schemas.microsoft.com/office/powerpoint/2010/main" val="3971569777"/>
       </p:ext>
     </p:extLst>
   </p:cSld>
@@ -16260,14 +16754,14 @@
       </p:sp>
       <p:sp>
         <p:nvSpPr>
-          <p:cNvPr id="54" name="CaixaDeTexto 53"/>
+          <p:cNvPr id="55" name="CaixaDeTexto 54"/>
           <p:cNvSpPr txBox="1"/>
           <p:nvPr/>
         </p:nvSpPr>
         <p:spPr>
           <a:xfrm>
-            <a:off x="2411760" y="1218238"/>
-            <a:ext cx="4341317" cy="338554"/>
+            <a:off x="3257104" y="908720"/>
+            <a:ext cx="2323008" cy="369332"/>
           </a:xfrm>
           <a:prstGeom prst="rect">
             <a:avLst/>
@@ -16281,52 +16775,6 @@
           <a:lstStyle/>
           <a:p>
             <a:r>
-              <a:rPr lang="pt-BR" sz="1600" b="1" dirty="0" smtClean="0"/>
-              <a:t>4.2.2) Variáveis categóricas: a </a:t>
-            </a:r>
-            <a:r>
-              <a:rPr lang="pt-BR" sz="1600" b="1" dirty="0" err="1" smtClean="0"/>
-              <a:t>Lookup</a:t>
-            </a:r>
-            <a:r>
-              <a:rPr lang="pt-BR" sz="1600" b="1" dirty="0" smtClean="0"/>
-              <a:t> </a:t>
-            </a:r>
-            <a:r>
-              <a:rPr lang="pt-BR" sz="1600" b="1" dirty="0" err="1" smtClean="0"/>
-              <a:t>Table</a:t>
-            </a:r>
-            <a:r>
-              <a:rPr lang="pt-BR" sz="1600" b="1" dirty="0" smtClean="0"/>
-              <a:t> (LUT)</a:t>
-            </a:r>
-            <a:endParaRPr lang="pt-BR" sz="1600" b="1" dirty="0"/>
-          </a:p>
-        </p:txBody>
-      </p:sp>
-      <p:sp>
-        <p:nvSpPr>
-          <p:cNvPr id="5" name="CaixaDeTexto 4"/>
-          <p:cNvSpPr txBox="1"/>
-          <p:nvPr/>
-        </p:nvSpPr>
-        <p:spPr>
-          <a:xfrm>
-            <a:off x="3257104" y="908720"/>
-            <a:ext cx="2323008" cy="369332"/>
-          </a:xfrm>
-          <a:prstGeom prst="rect">
-            <a:avLst/>
-          </a:prstGeom>
-          <a:noFill/>
-        </p:spPr>
-        <p:txBody>
-          <a:bodyPr wrap="none" rtlCol="0">
-            <a:spAutoFit/>
-          </a:bodyPr>
-          <a:lstStyle/>
-          <a:p>
-            <a:r>
               <a:rPr lang="pt-BR" b="1" dirty="0" smtClean="0"/>
               <a:t>4.2) Nuvens de pontos</a:t>
             </a:r>
@@ -16342,8 +16790,8 @@
         </p:nvSpPr>
         <p:spPr>
           <a:xfrm>
-            <a:off x="323528" y="1484784"/>
-            <a:ext cx="8454559" cy="584775"/>
+            <a:off x="539552" y="1412776"/>
+            <a:ext cx="4872359" cy="338554"/>
           </a:xfrm>
           <a:prstGeom prst="rect">
             <a:avLst/>
@@ -16362,106 +16810,42 @@
             </a:pPr>
             <a:r>
               <a:rPr lang="pt-BR" sz="1600" dirty="0" smtClean="0"/>
-              <a:t>Fontes: </a:t>
-            </a:r>
-            <a:r>
-              <a:rPr lang="pt-BR" sz="1600" dirty="0" smtClean="0">
-                <a:latin typeface="Courier New" panose="02070309020205020404" pitchFamily="49" charset="0"/>
-                <a:cs typeface="Courier New" panose="02070309020205020404" pitchFamily="49" charset="0"/>
-              </a:rPr>
-              <a:t>...\</a:t>
-            </a:r>
-            <a:r>
-              <a:rPr lang="pt-BR" sz="1600" dirty="0" err="1" smtClean="0">
-                <a:latin typeface="Courier New" panose="02070309020205020404" pitchFamily="49" charset="0"/>
-                <a:cs typeface="Courier New" panose="02070309020205020404" pitchFamily="49" charset="0"/>
-              </a:rPr>
-              <a:t>cursoVTKgeo</a:t>
-            </a:r>
-            <a:r>
-              <a:rPr lang="pt-BR" sz="1600" dirty="0" smtClean="0">
-                <a:latin typeface="Courier New" panose="02070309020205020404" pitchFamily="49" charset="0"/>
-                <a:cs typeface="Courier New" panose="02070309020205020404" pitchFamily="49" charset="0"/>
-              </a:rPr>
-              <a:t>\aulas_3dias\</a:t>
-            </a:r>
-            <a:r>
-              <a:rPr lang="pt-BR" sz="1600" dirty="0" err="1" smtClean="0">
-                <a:latin typeface="Courier New" panose="02070309020205020404" pitchFamily="49" charset="0"/>
-                <a:cs typeface="Courier New" panose="02070309020205020404" pitchFamily="49" charset="0"/>
-              </a:rPr>
-              <a:t>NuvemPontosCat</a:t>
+              <a:t>O </a:t>
+            </a:r>
+            <a:r>
+              <a:rPr lang="pt-BR" sz="1600" i="1" dirty="0" smtClean="0"/>
+              <a:t>point set</a:t>
+            </a:r>
+            <a:r>
+              <a:rPr lang="pt-BR" sz="1600" dirty="0" smtClean="0"/>
+              <a:t> de Walker Lake (</a:t>
+            </a:r>
+            <a:r>
+              <a:rPr lang="pt-BR" sz="1600" dirty="0" err="1" smtClean="0"/>
+              <a:t>Issaks</a:t>
+            </a:r>
+            <a:r>
+              <a:rPr lang="pt-BR" sz="1600" dirty="0" smtClean="0"/>
+              <a:t> e </a:t>
+            </a:r>
+            <a:r>
+              <a:rPr lang="pt-BR" sz="1600" dirty="0" err="1" smtClean="0"/>
+              <a:t>Srivastava</a:t>
+            </a:r>
+            <a:r>
+              <a:rPr lang="pt-BR" sz="1600" dirty="0" smtClean="0"/>
+              <a:t>, 1989)</a:t>
             </a:r>
             <a:endParaRPr lang="pt-BR" sz="1600" dirty="0" smtClean="0">
               <a:latin typeface="Courier New" panose="02070309020205020404" pitchFamily="49" charset="0"/>
               <a:cs typeface="Courier New" panose="02070309020205020404" pitchFamily="49" charset="0"/>
             </a:endParaRPr>
           </a:p>
-          <a:p>
-            <a:pPr marL="285750" indent="-285750">
-              <a:buFont typeface="Wingdings" panose="05000000000000000000" pitchFamily="2" charset="2"/>
-              <a:buChar char="Ø"/>
-            </a:pPr>
-            <a:r>
-              <a:rPr lang="pt-BR" sz="1600" dirty="0" smtClean="0">
-                <a:cs typeface="Courier New" panose="02070309020205020404" pitchFamily="49" charset="0"/>
-              </a:rPr>
-              <a:t>Dados</a:t>
-            </a:r>
-            <a:r>
-              <a:rPr lang="pt-BR" sz="1600" dirty="0">
-                <a:cs typeface="Courier New" panose="02070309020205020404" pitchFamily="49" charset="0"/>
-              </a:rPr>
-              <a:t>:</a:t>
-            </a:r>
-            <a:r>
-              <a:rPr lang="pt-BR" sz="1600" dirty="0">
-                <a:latin typeface="Courier New" panose="02070309020205020404" pitchFamily="49" charset="0"/>
-                <a:cs typeface="Courier New" panose="02070309020205020404" pitchFamily="49" charset="0"/>
-              </a:rPr>
-              <a:t> </a:t>
-            </a:r>
-            <a:r>
-              <a:rPr lang="pt-BR" sz="1600" dirty="0" smtClean="0">
-                <a:latin typeface="Courier New" panose="02070309020205020404" pitchFamily="49" charset="0"/>
-                <a:cs typeface="Courier New" panose="02070309020205020404" pitchFamily="49" charset="0"/>
-              </a:rPr>
-              <a:t>...\</a:t>
-            </a:r>
-            <a:r>
-              <a:rPr lang="pt-BR" sz="1600" dirty="0" err="1" smtClean="0">
-                <a:latin typeface="Courier New" panose="02070309020205020404" pitchFamily="49" charset="0"/>
-                <a:cs typeface="Courier New" panose="02070309020205020404" pitchFamily="49" charset="0"/>
-              </a:rPr>
-              <a:t>cursoVTKgeo</a:t>
-            </a:r>
-            <a:r>
-              <a:rPr lang="pt-BR" sz="1600" dirty="0" smtClean="0">
-                <a:latin typeface="Courier New" panose="02070309020205020404" pitchFamily="49" charset="0"/>
-                <a:cs typeface="Courier New" panose="02070309020205020404" pitchFamily="49" charset="0"/>
-              </a:rPr>
-              <a:t>\aulas_3dias\</a:t>
-            </a:r>
-            <a:r>
-              <a:rPr lang="pt-BR" sz="1600" dirty="0" err="1" smtClean="0">
-                <a:latin typeface="Courier New" panose="02070309020205020404" pitchFamily="49" charset="0"/>
-                <a:cs typeface="Courier New" panose="02070309020205020404" pitchFamily="49" charset="0"/>
-              </a:rPr>
-              <a:t>NuvemPontosCat</a:t>
-            </a:r>
-            <a:r>
-              <a:rPr lang="pt-BR" sz="1600" dirty="0" smtClean="0">
-                <a:latin typeface="Courier New" panose="02070309020205020404" pitchFamily="49" charset="0"/>
-                <a:cs typeface="Courier New" panose="02070309020205020404" pitchFamily="49" charset="0"/>
-              </a:rPr>
-              <a:t>\dados\walker.dat</a:t>
-            </a:r>
-          </a:p>
         </p:txBody>
       </p:sp>
       <p:pic>
         <p:nvPicPr>
-          <p:cNvPr id="2" name="Imagem 1"/>
+          <p:cNvPr id="5" name="Imagem 4"/>
           <p:cNvPicPr>
             <a:picLocks noChangeAspect="1"/>
           </p:cNvPicPr>
@@ -16475,19 +16859,23 @@
         </p:blipFill>
         <p:spPr>
           <a:xfrm>
-            <a:off x="2627784" y="2276663"/>
-            <a:ext cx="3736454" cy="3946153"/>
-          </a:xfrm>
-          <a:prstGeom prst="rect">
-            <a:avLst/>
-          </a:prstGeom>
-          <a:ln>
-            <a:noFill/>
+            <a:off x="2411760" y="2132856"/>
+            <a:ext cx="3800475" cy="3724275"/>
+          </a:xfrm>
+          <a:prstGeom prst="rect">
+            <a:avLst/>
+          </a:prstGeom>
+          <a:ln w="38100" cap="sq">
+            <a:solidFill>
+              <a:srgbClr val="000000"/>
+            </a:solidFill>
+            <a:prstDash val="solid"/>
+            <a:miter lim="800000"/>
           </a:ln>
           <a:effectLst>
-            <a:outerShdw blurRad="292100" dist="139700" dir="2700000" algn="tl" rotWithShape="0">
-              <a:srgbClr val="333333">
-                <a:alpha val="65000"/>
+            <a:outerShdw blurRad="50800" dist="38100" dir="2700000" algn="tl" rotWithShape="0">
+              <a:srgbClr val="000000">
+                <a:alpha val="43000"/>
               </a:srgbClr>
             </a:outerShdw>
           </a:effectLst>
@@ -16496,7 +16884,7 @@
     </p:spTree>
     <p:extLst>
       <p:ext uri="{BB962C8B-B14F-4D97-AF65-F5344CB8AC3E}">
-        <p14:creationId xmlns:p14="http://schemas.microsoft.com/office/powerpoint/2010/main" val="60893757"/>
+        <p14:creationId xmlns:p14="http://schemas.microsoft.com/office/powerpoint/2010/main" val="3232042557"/>
       </p:ext>
     </p:extLst>
   </p:cSld>
@@ -16570,14 +16958,14 @@
       </p:sp>
       <p:sp>
         <p:nvSpPr>
-          <p:cNvPr id="5" name="CaixaDeTexto 4"/>
+          <p:cNvPr id="55" name="CaixaDeTexto 54"/>
           <p:cNvSpPr txBox="1"/>
           <p:nvPr/>
         </p:nvSpPr>
         <p:spPr>
           <a:xfrm>
-            <a:off x="3851920" y="908720"/>
-            <a:ext cx="1564852" cy="369332"/>
+            <a:off x="3257104" y="908720"/>
+            <a:ext cx="2323008" cy="369332"/>
           </a:xfrm>
           <a:prstGeom prst="rect">
             <a:avLst/>
@@ -16592,7 +16980,7 @@
           <a:p>
             <a:r>
               <a:rPr lang="pt-BR" b="1" dirty="0" smtClean="0"/>
-              <a:t>4.3) Mapas 2D</a:t>
+              <a:t>4.2) Nuvens de pontos</a:t>
             </a:r>
             <a:endParaRPr lang="pt-BR" b="1" dirty="0"/>
           </a:p>
@@ -16606,8 +16994,8 @@
         </p:nvSpPr>
         <p:spPr>
           <a:xfrm>
-            <a:off x="323528" y="1260049"/>
-            <a:ext cx="4477893" cy="338554"/>
+            <a:off x="539552" y="1412776"/>
+            <a:ext cx="8249374" cy="584775"/>
           </a:xfrm>
           <a:prstGeom prst="rect">
             <a:avLst/>
@@ -16625,47 +17013,107 @@
               <a:buChar char="Ø"/>
             </a:pPr>
             <a:r>
-              <a:rPr lang="pt-BR" sz="1600" dirty="0"/>
-              <a:t>O </a:t>
-            </a:r>
-            <a:r>
-              <a:rPr lang="pt-BR" sz="1600" i="1" dirty="0" smtClean="0"/>
-              <a:t>grid </a:t>
-            </a:r>
-            <a:r>
               <a:rPr lang="pt-BR" sz="1600" dirty="0" smtClean="0"/>
-              <a:t>de </a:t>
-            </a:r>
-            <a:r>
-              <a:rPr lang="pt-BR" sz="1600" dirty="0"/>
-              <a:t>Walker Lake (</a:t>
-            </a:r>
-            <a:r>
-              <a:rPr lang="pt-BR" sz="1600" dirty="0" err="1"/>
-              <a:t>Issaks</a:t>
-            </a:r>
-            <a:r>
-              <a:rPr lang="pt-BR" sz="1600" dirty="0"/>
-              <a:t> e </a:t>
-            </a:r>
-            <a:r>
-              <a:rPr lang="pt-BR" sz="1600" dirty="0" err="1"/>
-              <a:t>Srivastava</a:t>
-            </a:r>
-            <a:r>
-              <a:rPr lang="pt-BR" sz="1600" dirty="0"/>
-              <a:t>, 1989)</a:t>
-            </a:r>
-            <a:endParaRPr lang="pt-BR" sz="1600" dirty="0">
+              <a:t>Fontes: </a:t>
+            </a:r>
+            <a:r>
+              <a:rPr lang="pt-BR" sz="1600" dirty="0" smtClean="0">
+                <a:latin typeface="Courier New" panose="02070309020205020404" pitchFamily="49" charset="0"/>
+                <a:cs typeface="Courier New" panose="02070309020205020404" pitchFamily="49" charset="0"/>
+              </a:rPr>
+              <a:t>...\</a:t>
+            </a:r>
+            <a:r>
+              <a:rPr lang="pt-BR" sz="1600" dirty="0" err="1" smtClean="0">
+                <a:latin typeface="Courier New" panose="02070309020205020404" pitchFamily="49" charset="0"/>
+                <a:cs typeface="Courier New" panose="02070309020205020404" pitchFamily="49" charset="0"/>
+              </a:rPr>
+              <a:t>cursoVTKgeo</a:t>
+            </a:r>
+            <a:r>
+              <a:rPr lang="pt-BR" sz="1600" dirty="0" smtClean="0">
+                <a:latin typeface="Courier New" panose="02070309020205020404" pitchFamily="49" charset="0"/>
+                <a:cs typeface="Courier New" panose="02070309020205020404" pitchFamily="49" charset="0"/>
+              </a:rPr>
+              <a:t>\aulas_3dias\</a:t>
+            </a:r>
+            <a:r>
+              <a:rPr lang="pt-BR" sz="1600" dirty="0" err="1" smtClean="0">
+                <a:latin typeface="Courier New" panose="02070309020205020404" pitchFamily="49" charset="0"/>
+                <a:cs typeface="Courier New" panose="02070309020205020404" pitchFamily="49" charset="0"/>
+              </a:rPr>
+              <a:t>NuvemPontos</a:t>
+            </a:r>
+            <a:endParaRPr lang="pt-BR" sz="1600" dirty="0" smtClean="0">
               <a:latin typeface="Courier New" panose="02070309020205020404" pitchFamily="49" charset="0"/>
               <a:cs typeface="Courier New" panose="02070309020205020404" pitchFamily="49" charset="0"/>
             </a:endParaRPr>
           </a:p>
+          <a:p>
+            <a:pPr marL="285750" indent="-285750">
+              <a:buFont typeface="Wingdings" panose="05000000000000000000" pitchFamily="2" charset="2"/>
+              <a:buChar char="Ø"/>
+            </a:pPr>
+            <a:r>
+              <a:rPr lang="pt-BR" sz="1600" dirty="0" smtClean="0">
+                <a:cs typeface="Courier New" panose="02070309020205020404" pitchFamily="49" charset="0"/>
+              </a:rPr>
+              <a:t>Dados</a:t>
+            </a:r>
+            <a:r>
+              <a:rPr lang="pt-BR" sz="1600" dirty="0">
+                <a:cs typeface="Courier New" panose="02070309020205020404" pitchFamily="49" charset="0"/>
+              </a:rPr>
+              <a:t>:</a:t>
+            </a:r>
+            <a:r>
+              <a:rPr lang="pt-BR" sz="1600" dirty="0">
+                <a:latin typeface="Courier New" panose="02070309020205020404" pitchFamily="49" charset="0"/>
+                <a:cs typeface="Courier New" panose="02070309020205020404" pitchFamily="49" charset="0"/>
+              </a:rPr>
+              <a:t> </a:t>
+            </a:r>
+            <a:r>
+              <a:rPr lang="pt-BR" sz="1600" dirty="0" smtClean="0">
+                <a:latin typeface="Courier New" panose="02070309020205020404" pitchFamily="49" charset="0"/>
+                <a:cs typeface="Courier New" panose="02070309020205020404" pitchFamily="49" charset="0"/>
+              </a:rPr>
+              <a:t>...\</a:t>
+            </a:r>
+            <a:r>
+              <a:rPr lang="pt-BR" sz="1600" dirty="0" err="1" smtClean="0">
+                <a:latin typeface="Courier New" panose="02070309020205020404" pitchFamily="49" charset="0"/>
+                <a:cs typeface="Courier New" panose="02070309020205020404" pitchFamily="49" charset="0"/>
+              </a:rPr>
+              <a:t>cursoVTKgeo</a:t>
+            </a:r>
+            <a:r>
+              <a:rPr lang="pt-BR" sz="1600" dirty="0" smtClean="0">
+                <a:latin typeface="Courier New" panose="02070309020205020404" pitchFamily="49" charset="0"/>
+                <a:cs typeface="Courier New" panose="02070309020205020404" pitchFamily="49" charset="0"/>
+              </a:rPr>
+              <a:t>\aulas_3dias\</a:t>
+            </a:r>
+            <a:r>
+              <a:rPr lang="pt-BR" sz="1600" dirty="0" err="1" smtClean="0">
+                <a:latin typeface="Courier New" panose="02070309020205020404" pitchFamily="49" charset="0"/>
+                <a:cs typeface="Courier New" panose="02070309020205020404" pitchFamily="49" charset="0"/>
+              </a:rPr>
+              <a:t>NuvemPontos</a:t>
+            </a:r>
+            <a:r>
+              <a:rPr lang="pt-BR" sz="1600" dirty="0" smtClean="0">
+                <a:latin typeface="Courier New" panose="02070309020205020404" pitchFamily="49" charset="0"/>
+                <a:cs typeface="Courier New" panose="02070309020205020404" pitchFamily="49" charset="0"/>
+              </a:rPr>
+              <a:t>\dados\walker.dat</a:t>
+            </a:r>
+          </a:p>
         </p:txBody>
       </p:sp>
       <p:pic>
         <p:nvPicPr>
-          <p:cNvPr id="3" name="Imagem 2"/>
+          <p:cNvPr id="2" name="Imagem 1"/>
           <p:cNvPicPr>
             <a:picLocks noChangeAspect="1"/>
           </p:cNvPicPr>
@@ -16679,23 +17127,19 @@
         </p:blipFill>
         <p:spPr>
           <a:xfrm>
-            <a:off x="971600" y="1895291"/>
-            <a:ext cx="7077075" cy="4229100"/>
-          </a:xfrm>
-          <a:prstGeom prst="rect">
-            <a:avLst/>
-          </a:prstGeom>
-          <a:ln w="38100" cap="sq">
-            <a:solidFill>
-              <a:srgbClr val="000000"/>
-            </a:solidFill>
-            <a:prstDash val="solid"/>
-            <a:miter lim="800000"/>
+            <a:off x="2339752" y="2190536"/>
+            <a:ext cx="4104456" cy="4334808"/>
+          </a:xfrm>
+          <a:prstGeom prst="rect">
+            <a:avLst/>
+          </a:prstGeom>
+          <a:ln>
+            <a:noFill/>
           </a:ln>
           <a:effectLst>
-            <a:outerShdw blurRad="50800" dist="38100" dir="2700000" algn="tl" rotWithShape="0">
-              <a:srgbClr val="000000">
-                <a:alpha val="43000"/>
+            <a:outerShdw blurRad="292100" dist="139700" dir="2700000" algn="tl" rotWithShape="0">
+              <a:srgbClr val="333333">
+                <a:alpha val="65000"/>
               </a:srgbClr>
             </a:outerShdw>
           </a:effectLst>
@@ -16704,7 +17148,7 @@
     </p:spTree>
     <p:extLst>
       <p:ext uri="{BB962C8B-B14F-4D97-AF65-F5344CB8AC3E}">
-        <p14:creationId xmlns:p14="http://schemas.microsoft.com/office/powerpoint/2010/main" val="754682723"/>
+        <p14:creationId xmlns:p14="http://schemas.microsoft.com/office/powerpoint/2010/main" val="1374940492"/>
       </p:ext>
     </p:extLst>
   </p:cSld>
@@ -16778,14 +17222,14 @@
       </p:sp>
       <p:sp>
         <p:nvSpPr>
-          <p:cNvPr id="5" name="CaixaDeTexto 4"/>
+          <p:cNvPr id="54" name="CaixaDeTexto 53"/>
           <p:cNvSpPr txBox="1"/>
           <p:nvPr/>
         </p:nvSpPr>
         <p:spPr>
           <a:xfrm>
-            <a:off x="3851920" y="908720"/>
-            <a:ext cx="1564852" cy="369332"/>
+            <a:off x="2763644" y="1218238"/>
+            <a:ext cx="3320524" cy="338554"/>
           </a:xfrm>
           <a:prstGeom prst="rect">
             <a:avLst/>
@@ -16799,23 +17243,23 @@
           <a:lstStyle/>
           <a:p>
             <a:r>
-              <a:rPr lang="pt-BR" b="1" dirty="0" smtClean="0"/>
-              <a:t>4.3) Mapas 2D</a:t>
-            </a:r>
-            <a:endParaRPr lang="pt-BR" b="1" dirty="0"/>
-          </a:p>
-        </p:txBody>
-      </p:sp>
-      <p:sp>
-        <p:nvSpPr>
-          <p:cNvPr id="6" name="CaixaDeTexto 5"/>
+              <a:rPr lang="pt-BR" sz="1600" b="1" dirty="0" smtClean="0"/>
+              <a:t>4.2.1) Associando valores aos pontos</a:t>
+            </a:r>
+            <a:endParaRPr lang="pt-BR" sz="1600" b="1" dirty="0"/>
+          </a:p>
+        </p:txBody>
+      </p:sp>
+      <p:sp>
+        <p:nvSpPr>
+          <p:cNvPr id="5" name="CaixaDeTexto 4"/>
           <p:cNvSpPr txBox="1"/>
           <p:nvPr/>
         </p:nvSpPr>
         <p:spPr>
           <a:xfrm>
-            <a:off x="323528" y="1260049"/>
-            <a:ext cx="8084264" cy="584775"/>
+            <a:off x="3257104" y="908720"/>
+            <a:ext cx="2323008" cy="369332"/>
           </a:xfrm>
           <a:prstGeom prst="rect">
             <a:avLst/>
@@ -16828,81 +17272,11 @@
           </a:bodyPr>
           <a:lstStyle/>
           <a:p>
-            <a:pPr marL="285750" indent="-285750">
-              <a:buFont typeface="Wingdings" panose="05000000000000000000" pitchFamily="2" charset="2"/>
-              <a:buChar char="Ø"/>
-            </a:pPr>
-            <a:r>
-              <a:rPr lang="pt-BR" sz="1600" dirty="0" smtClean="0"/>
-              <a:t>Fontes: </a:t>
-            </a:r>
-            <a:r>
-              <a:rPr lang="pt-BR" sz="1600" dirty="0" smtClean="0">
-                <a:latin typeface="Courier New" panose="02070309020205020404" pitchFamily="49" charset="0"/>
-                <a:cs typeface="Courier New" panose="02070309020205020404" pitchFamily="49" charset="0"/>
-              </a:rPr>
-              <a:t>...\</a:t>
-            </a:r>
-            <a:r>
-              <a:rPr lang="pt-BR" sz="1600" dirty="0" err="1" smtClean="0">
-                <a:latin typeface="Courier New" panose="02070309020205020404" pitchFamily="49" charset="0"/>
-                <a:cs typeface="Courier New" panose="02070309020205020404" pitchFamily="49" charset="0"/>
-              </a:rPr>
-              <a:t>cursoVTKgeo</a:t>
-            </a:r>
-            <a:r>
-              <a:rPr lang="pt-BR" sz="1600" dirty="0" smtClean="0">
-                <a:latin typeface="Courier New" panose="02070309020205020404" pitchFamily="49" charset="0"/>
-                <a:cs typeface="Courier New" panose="02070309020205020404" pitchFamily="49" charset="0"/>
-              </a:rPr>
-              <a:t>\aulas_3dias\Grid2D</a:t>
-            </a:r>
-          </a:p>
-          <a:p>
-            <a:pPr marL="285750" indent="-285750">
-              <a:buFont typeface="Wingdings" panose="05000000000000000000" pitchFamily="2" charset="2"/>
-              <a:buChar char="Ø"/>
-            </a:pPr>
-            <a:r>
-              <a:rPr lang="pt-BR" sz="1600" dirty="0" smtClean="0">
-                <a:cs typeface="Courier New" panose="02070309020205020404" pitchFamily="49" charset="0"/>
-              </a:rPr>
-              <a:t>Dados</a:t>
-            </a:r>
-            <a:r>
-              <a:rPr lang="pt-BR" sz="1600" dirty="0">
-                <a:cs typeface="Courier New" panose="02070309020205020404" pitchFamily="49" charset="0"/>
-              </a:rPr>
-              <a:t>:</a:t>
-            </a:r>
-            <a:r>
-              <a:rPr lang="pt-BR" sz="1600" dirty="0">
-                <a:latin typeface="Courier New" panose="02070309020205020404" pitchFamily="49" charset="0"/>
-                <a:cs typeface="Courier New" panose="02070309020205020404" pitchFamily="49" charset="0"/>
-              </a:rPr>
-              <a:t> </a:t>
-            </a:r>
-            <a:r>
-              <a:rPr lang="pt-BR" sz="1600" dirty="0" smtClean="0">
-                <a:latin typeface="Courier New" panose="02070309020205020404" pitchFamily="49" charset="0"/>
-                <a:cs typeface="Courier New" panose="02070309020205020404" pitchFamily="49" charset="0"/>
-              </a:rPr>
-              <a:t>...\</a:t>
-            </a:r>
-            <a:r>
-              <a:rPr lang="pt-BR" sz="1600" dirty="0" err="1" smtClean="0">
-                <a:latin typeface="Courier New" panose="02070309020205020404" pitchFamily="49" charset="0"/>
-                <a:cs typeface="Courier New" panose="02070309020205020404" pitchFamily="49" charset="0"/>
-              </a:rPr>
-              <a:t>cursoVTKgeo</a:t>
-            </a:r>
-            <a:r>
-              <a:rPr lang="pt-BR" sz="1600" dirty="0" smtClean="0">
-                <a:latin typeface="Courier New" panose="02070309020205020404" pitchFamily="49" charset="0"/>
-                <a:cs typeface="Courier New" panose="02070309020205020404" pitchFamily="49" charset="0"/>
-              </a:rPr>
-              <a:t>\aulas_3dias\Grid2D\dados\walker_grid.dat</a:t>
-            </a:r>
+            <a:r>
+              <a:rPr lang="pt-BR" b="1" dirty="0" smtClean="0"/>
+              <a:t>4.2) Nuvens de pontos</a:t>
+            </a:r>
+            <a:endParaRPr lang="pt-BR" b="1" dirty="0"/>
           </a:p>
         </p:txBody>
       </p:sp>
@@ -16922,8 +17296,8 @@
         </p:blipFill>
         <p:spPr>
           <a:xfrm>
-            <a:off x="2411760" y="2196153"/>
-            <a:ext cx="3754890" cy="3965624"/>
+            <a:off x="2555776" y="2207027"/>
+            <a:ext cx="3952478" cy="4174301"/>
           </a:xfrm>
           <a:prstGeom prst="rect">
             <a:avLst/>
@@ -16940,10 +17314,135 @@
           </a:effectLst>
         </p:spPr>
       </p:pic>
+      <p:sp>
+        <p:nvSpPr>
+          <p:cNvPr id="7" name="CaixaDeTexto 6"/>
+          <p:cNvSpPr txBox="1"/>
+          <p:nvPr/>
+        </p:nvSpPr>
+        <p:spPr>
+          <a:xfrm>
+            <a:off x="323528" y="1484784"/>
+            <a:ext cx="8454559" cy="584775"/>
+          </a:xfrm>
+          <a:prstGeom prst="rect">
+            <a:avLst/>
+          </a:prstGeom>
+          <a:noFill/>
+        </p:spPr>
+        <p:txBody>
+          <a:bodyPr wrap="none" rtlCol="0">
+            <a:spAutoFit/>
+          </a:bodyPr>
+          <a:lstStyle/>
+          <a:p>
+            <a:pPr marL="285750" indent="-285750">
+              <a:buFont typeface="Wingdings" panose="05000000000000000000" pitchFamily="2" charset="2"/>
+              <a:buChar char="Ø"/>
+            </a:pPr>
+            <a:r>
+              <a:rPr lang="pt-BR" sz="1600" dirty="0" smtClean="0"/>
+              <a:t>Fontes: </a:t>
+            </a:r>
+            <a:r>
+              <a:rPr lang="pt-BR" sz="1600" dirty="0" smtClean="0">
+                <a:latin typeface="Courier New" panose="02070309020205020404" pitchFamily="49" charset="0"/>
+                <a:cs typeface="Courier New" panose="02070309020205020404" pitchFamily="49" charset="0"/>
+              </a:rPr>
+              <a:t>...\</a:t>
+            </a:r>
+            <a:r>
+              <a:rPr lang="pt-BR" sz="1600" dirty="0" err="1" smtClean="0">
+                <a:latin typeface="Courier New" panose="02070309020205020404" pitchFamily="49" charset="0"/>
+                <a:cs typeface="Courier New" panose="02070309020205020404" pitchFamily="49" charset="0"/>
+              </a:rPr>
+              <a:t>cursoVTKgeo</a:t>
+            </a:r>
+            <a:r>
+              <a:rPr lang="pt-BR" sz="1600" dirty="0" smtClean="0">
+                <a:latin typeface="Courier New" panose="02070309020205020404" pitchFamily="49" charset="0"/>
+                <a:cs typeface="Courier New" panose="02070309020205020404" pitchFamily="49" charset="0"/>
+              </a:rPr>
+              <a:t>\aulas_3dias\</a:t>
+            </a:r>
+            <a:r>
+              <a:rPr lang="pt-BR" sz="1600" dirty="0" err="1" smtClean="0">
+                <a:latin typeface="Courier New" panose="02070309020205020404" pitchFamily="49" charset="0"/>
+                <a:cs typeface="Courier New" panose="02070309020205020404" pitchFamily="49" charset="0"/>
+              </a:rPr>
+              <a:t>NuvemPontosVal</a:t>
+            </a:r>
+            <a:endParaRPr lang="pt-BR" sz="1600" dirty="0" smtClean="0">
+              <a:latin typeface="Courier New" panose="02070309020205020404" pitchFamily="49" charset="0"/>
+              <a:cs typeface="Courier New" panose="02070309020205020404" pitchFamily="49" charset="0"/>
+            </a:endParaRPr>
+          </a:p>
+          <a:p>
+            <a:pPr marL="285750" indent="-285750">
+              <a:buFont typeface="Wingdings" panose="05000000000000000000" pitchFamily="2" charset="2"/>
+              <a:buChar char="Ø"/>
+            </a:pPr>
+            <a:r>
+              <a:rPr lang="pt-BR" sz="1600" dirty="0" smtClean="0">
+                <a:cs typeface="Courier New" panose="02070309020205020404" pitchFamily="49" charset="0"/>
+              </a:rPr>
+              <a:t>Dados</a:t>
+            </a:r>
+            <a:r>
+              <a:rPr lang="pt-BR" sz="1600" dirty="0">
+                <a:cs typeface="Courier New" panose="02070309020205020404" pitchFamily="49" charset="0"/>
+              </a:rPr>
+              <a:t>:</a:t>
+            </a:r>
+            <a:r>
+              <a:rPr lang="pt-BR" sz="1600" dirty="0">
+                <a:latin typeface="Courier New" panose="02070309020205020404" pitchFamily="49" charset="0"/>
+                <a:cs typeface="Courier New" panose="02070309020205020404" pitchFamily="49" charset="0"/>
+              </a:rPr>
+              <a:t> </a:t>
+            </a:r>
+            <a:r>
+              <a:rPr lang="pt-BR" sz="1600" dirty="0" smtClean="0">
+                <a:latin typeface="Courier New" panose="02070309020205020404" pitchFamily="49" charset="0"/>
+                <a:cs typeface="Courier New" panose="02070309020205020404" pitchFamily="49" charset="0"/>
+              </a:rPr>
+              <a:t>...\</a:t>
+            </a:r>
+            <a:r>
+              <a:rPr lang="pt-BR" sz="1600" dirty="0" err="1" smtClean="0">
+                <a:latin typeface="Courier New" panose="02070309020205020404" pitchFamily="49" charset="0"/>
+                <a:cs typeface="Courier New" panose="02070309020205020404" pitchFamily="49" charset="0"/>
+              </a:rPr>
+              <a:t>cursoVTKgeo</a:t>
+            </a:r>
+            <a:r>
+              <a:rPr lang="pt-BR" sz="1600" dirty="0" smtClean="0">
+                <a:latin typeface="Courier New" panose="02070309020205020404" pitchFamily="49" charset="0"/>
+                <a:cs typeface="Courier New" panose="02070309020205020404" pitchFamily="49" charset="0"/>
+              </a:rPr>
+              <a:t>\aulas_3dias\</a:t>
+            </a:r>
+            <a:r>
+              <a:rPr lang="pt-BR" sz="1600" dirty="0" err="1" smtClean="0">
+                <a:latin typeface="Courier New" panose="02070309020205020404" pitchFamily="49" charset="0"/>
+                <a:cs typeface="Courier New" panose="02070309020205020404" pitchFamily="49" charset="0"/>
+              </a:rPr>
+              <a:t>NuvemPontosVal</a:t>
+            </a:r>
+            <a:r>
+              <a:rPr lang="pt-BR" sz="1600" dirty="0" smtClean="0">
+                <a:latin typeface="Courier New" panose="02070309020205020404" pitchFamily="49" charset="0"/>
+                <a:cs typeface="Courier New" panose="02070309020205020404" pitchFamily="49" charset="0"/>
+              </a:rPr>
+              <a:t>\dados\walker.dat</a:t>
+            </a:r>
+          </a:p>
+        </p:txBody>
+      </p:sp>
     </p:spTree>
     <p:extLst>
       <p:ext uri="{BB962C8B-B14F-4D97-AF65-F5344CB8AC3E}">
-        <p14:creationId xmlns:p14="http://schemas.microsoft.com/office/powerpoint/2010/main" val="4174760171"/>
+        <p14:creationId xmlns:p14="http://schemas.microsoft.com/office/powerpoint/2010/main" val="311133971"/>
       </p:ext>
     </p:extLst>
   </p:cSld>
@@ -17017,14 +17516,14 @@
       </p:sp>
       <p:sp>
         <p:nvSpPr>
-          <p:cNvPr id="5" name="CaixaDeTexto 4"/>
+          <p:cNvPr id="54" name="CaixaDeTexto 53"/>
           <p:cNvSpPr txBox="1"/>
           <p:nvPr/>
         </p:nvSpPr>
         <p:spPr>
           <a:xfrm>
-            <a:off x="3851920" y="908720"/>
-            <a:ext cx="1564852" cy="369332"/>
+            <a:off x="2411760" y="1218238"/>
+            <a:ext cx="4341317" cy="338554"/>
           </a:xfrm>
           <a:prstGeom prst="rect">
             <a:avLst/>
@@ -17038,23 +17537,39 @@
           <a:lstStyle/>
           <a:p>
             <a:r>
-              <a:rPr lang="pt-BR" b="1" dirty="0" smtClean="0"/>
-              <a:t>4.3) Mapas 2D</a:t>
-            </a:r>
-            <a:endParaRPr lang="pt-BR" b="1" dirty="0"/>
-          </a:p>
-        </p:txBody>
-      </p:sp>
-      <p:sp>
-        <p:nvSpPr>
-          <p:cNvPr id="6" name="CaixaDeTexto 5"/>
+              <a:rPr lang="pt-BR" sz="1600" b="1" dirty="0" smtClean="0"/>
+              <a:t>4.2.2) Variáveis categóricas: a </a:t>
+            </a:r>
+            <a:r>
+              <a:rPr lang="pt-BR" sz="1600" b="1" dirty="0" err="1" smtClean="0"/>
+              <a:t>Lookup</a:t>
+            </a:r>
+            <a:r>
+              <a:rPr lang="pt-BR" sz="1600" b="1" dirty="0" smtClean="0"/>
+              <a:t> </a:t>
+            </a:r>
+            <a:r>
+              <a:rPr lang="pt-BR" sz="1600" b="1" dirty="0" err="1" smtClean="0"/>
+              <a:t>Table</a:t>
+            </a:r>
+            <a:r>
+              <a:rPr lang="pt-BR" sz="1600" b="1" dirty="0" smtClean="0"/>
+              <a:t> (LUT)</a:t>
+            </a:r>
+            <a:endParaRPr lang="pt-BR" sz="1600" b="1" dirty="0"/>
+          </a:p>
+        </p:txBody>
+      </p:sp>
+      <p:sp>
+        <p:nvSpPr>
+          <p:cNvPr id="5" name="CaixaDeTexto 4"/>
           <p:cNvSpPr txBox="1"/>
           <p:nvPr/>
         </p:nvSpPr>
         <p:spPr>
           <a:xfrm>
-            <a:off x="2267744" y="1218238"/>
-            <a:ext cx="4832157" cy="338554"/>
+            <a:off x="3257104" y="908720"/>
+            <a:ext cx="2323008" cy="369332"/>
           </a:xfrm>
           <a:prstGeom prst="rect">
             <a:avLst/>
@@ -17068,23 +17583,23 @@
           <a:lstStyle/>
           <a:p>
             <a:r>
-              <a:rPr lang="pt-BR" sz="1600" b="1" dirty="0" smtClean="0"/>
-              <a:t>4.3.1) Ocultando valores nulos e locais não amostrados</a:t>
-            </a:r>
-            <a:endParaRPr lang="pt-BR" sz="1600" b="1" dirty="0"/>
-          </a:p>
-        </p:txBody>
-      </p:sp>
-      <p:sp>
-        <p:nvSpPr>
-          <p:cNvPr id="7" name="CaixaDeTexto 6"/>
+              <a:rPr lang="pt-BR" b="1" dirty="0" smtClean="0"/>
+              <a:t>4.2) Nuvens de pontos</a:t>
+            </a:r>
+            <a:endParaRPr lang="pt-BR" b="1" dirty="0"/>
+          </a:p>
+        </p:txBody>
+      </p:sp>
+      <p:sp>
+        <p:nvSpPr>
+          <p:cNvPr id="6" name="CaixaDeTexto 5"/>
           <p:cNvSpPr txBox="1"/>
           <p:nvPr/>
         </p:nvSpPr>
         <p:spPr>
           <a:xfrm>
-            <a:off x="323528" y="1620089"/>
-            <a:ext cx="8207696" cy="584775"/>
+            <a:off x="323528" y="1484784"/>
+            <a:ext cx="8454559" cy="584775"/>
           </a:xfrm>
           <a:prstGeom prst="rect">
             <a:avLst/>
@@ -17131,7 +17646,7 @@
                 <a:latin typeface="Courier New" panose="02070309020205020404" pitchFamily="49" charset="0"/>
                 <a:cs typeface="Courier New" panose="02070309020205020404" pitchFamily="49" charset="0"/>
               </a:rPr>
-              <a:t>GridNDV</a:t>
+              <a:t>NuvemPontosCat</a:t>
             </a:r>
             <a:endParaRPr lang="pt-BR" sz="1600" dirty="0" smtClean="0">
               <a:latin typeface="Courier New" panose="02070309020205020404" pitchFamily="49" charset="0"/>
@@ -17188,21 +17703,21 @@
                 <a:latin typeface="Courier New" panose="02070309020205020404" pitchFamily="49" charset="0"/>
                 <a:cs typeface="Courier New" panose="02070309020205020404" pitchFamily="49" charset="0"/>
               </a:rPr>
-              <a:t>GridNDV</a:t>
+              <a:t>NuvemPontosCat</a:t>
             </a:r>
             <a:r>
               <a:rPr lang="pt-BR" sz="1600" dirty="0" smtClean="0">
                 <a:latin typeface="Courier New" panose="02070309020205020404" pitchFamily="49" charset="0"/>
                 <a:cs typeface="Courier New" panose="02070309020205020404" pitchFamily="49" charset="0"/>
               </a:rPr>
-              <a:t>\dados\walker_grid.dat</a:t>
+              <a:t>\dados\walker.dat</a:t>
             </a:r>
           </a:p>
         </p:txBody>
       </p:sp>
       <p:pic>
         <p:nvPicPr>
-          <p:cNvPr id="3" name="Imagem 2"/>
+          <p:cNvPr id="2" name="Imagem 1"/>
           <p:cNvPicPr>
             <a:picLocks noChangeAspect="1"/>
           </p:cNvPicPr>
@@ -17216,8 +17731,8 @@
         </p:blipFill>
         <p:spPr>
           <a:xfrm>
-            <a:off x="2483768" y="2348880"/>
-            <a:ext cx="3816424" cy="4030611"/>
+            <a:off x="2627784" y="2276663"/>
+            <a:ext cx="3736454" cy="3946153"/>
           </a:xfrm>
           <a:prstGeom prst="rect">
             <a:avLst/>
@@ -17237,7 +17752,7 @@
     </p:spTree>
     <p:extLst>
       <p:ext uri="{BB962C8B-B14F-4D97-AF65-F5344CB8AC3E}">
-        <p14:creationId xmlns:p14="http://schemas.microsoft.com/office/powerpoint/2010/main" val="3585225282"/>
+        <p14:creationId xmlns:p14="http://schemas.microsoft.com/office/powerpoint/2010/main" val="60893757"/>
       </p:ext>
     </p:extLst>
   </p:cSld>
@@ -17318,7 +17833,7 @@
         <p:spPr>
           <a:xfrm>
             <a:off x="3851920" y="908720"/>
-            <a:ext cx="1503938" cy="369332"/>
+            <a:ext cx="1564852" cy="369332"/>
           </a:xfrm>
           <a:prstGeom prst="rect">
             <a:avLst/>
@@ -17333,16 +17848,119 @@
           <a:p>
             <a:r>
               <a:rPr lang="pt-BR" b="1" dirty="0" smtClean="0"/>
-              <a:t>4.4) Cubos 3D</a:t>
+              <a:t>4.3) Mapas 2D</a:t>
             </a:r>
             <a:endParaRPr lang="pt-BR" b="1" dirty="0"/>
           </a:p>
         </p:txBody>
       </p:sp>
+      <p:sp>
+        <p:nvSpPr>
+          <p:cNvPr id="6" name="CaixaDeTexto 5"/>
+          <p:cNvSpPr txBox="1"/>
+          <p:nvPr/>
+        </p:nvSpPr>
+        <p:spPr>
+          <a:xfrm>
+            <a:off x="323528" y="1260049"/>
+            <a:ext cx="4477893" cy="338554"/>
+          </a:xfrm>
+          <a:prstGeom prst="rect">
+            <a:avLst/>
+          </a:prstGeom>
+          <a:noFill/>
+        </p:spPr>
+        <p:txBody>
+          <a:bodyPr wrap="none" rtlCol="0">
+            <a:spAutoFit/>
+          </a:bodyPr>
+          <a:lstStyle/>
+          <a:p>
+            <a:pPr marL="285750" indent="-285750">
+              <a:buFont typeface="Wingdings" panose="05000000000000000000" pitchFamily="2" charset="2"/>
+              <a:buChar char="Ø"/>
+            </a:pPr>
+            <a:r>
+              <a:rPr lang="pt-BR" sz="1600" dirty="0"/>
+              <a:t>O </a:t>
+            </a:r>
+            <a:r>
+              <a:rPr lang="pt-BR" sz="1600" i="1" dirty="0" smtClean="0"/>
+              <a:t>grid </a:t>
+            </a:r>
+            <a:r>
+              <a:rPr lang="pt-BR" sz="1600" dirty="0" smtClean="0"/>
+              <a:t>de </a:t>
+            </a:r>
+            <a:r>
+              <a:rPr lang="pt-BR" sz="1600" dirty="0"/>
+              <a:t>Walker Lake (</a:t>
+            </a:r>
+            <a:r>
+              <a:rPr lang="pt-BR" sz="1600" dirty="0" err="1"/>
+              <a:t>Issaks</a:t>
+            </a:r>
+            <a:r>
+              <a:rPr lang="pt-BR" sz="1600" dirty="0"/>
+              <a:t> e </a:t>
+            </a:r>
+            <a:r>
+              <a:rPr lang="pt-BR" sz="1600" dirty="0" err="1"/>
+              <a:t>Srivastava</a:t>
+            </a:r>
+            <a:r>
+              <a:rPr lang="pt-BR" sz="1600" dirty="0"/>
+              <a:t>, 1989)</a:t>
+            </a:r>
+            <a:endParaRPr lang="pt-BR" sz="1600" dirty="0">
+              <a:latin typeface="Courier New" panose="02070309020205020404" pitchFamily="49" charset="0"/>
+              <a:cs typeface="Courier New" panose="02070309020205020404" pitchFamily="49" charset="0"/>
+            </a:endParaRPr>
+          </a:p>
+        </p:txBody>
+      </p:sp>
+      <p:pic>
+        <p:nvPicPr>
+          <p:cNvPr id="3" name="Imagem 2"/>
+          <p:cNvPicPr>
+            <a:picLocks noChangeAspect="1"/>
+          </p:cNvPicPr>
+          <p:nvPr/>
+        </p:nvPicPr>
+        <p:blipFill>
+          <a:blip r:embed="rId3"/>
+          <a:stretch>
+            <a:fillRect/>
+          </a:stretch>
+        </p:blipFill>
+        <p:spPr>
+          <a:xfrm>
+            <a:off x="971600" y="1895291"/>
+            <a:ext cx="7077075" cy="4229100"/>
+          </a:xfrm>
+          <a:prstGeom prst="rect">
+            <a:avLst/>
+          </a:prstGeom>
+          <a:ln w="38100" cap="sq">
+            <a:solidFill>
+              <a:srgbClr val="000000"/>
+            </a:solidFill>
+            <a:prstDash val="solid"/>
+            <a:miter lim="800000"/>
+          </a:ln>
+          <a:effectLst>
+            <a:outerShdw blurRad="50800" dist="38100" dir="2700000" algn="tl" rotWithShape="0">
+              <a:srgbClr val="000000">
+                <a:alpha val="43000"/>
+              </a:srgbClr>
+            </a:outerShdw>
+          </a:effectLst>
+        </p:spPr>
+      </p:pic>
     </p:spTree>
     <p:extLst>
       <p:ext uri="{BB962C8B-B14F-4D97-AF65-F5344CB8AC3E}">
-        <p14:creationId xmlns:p14="http://schemas.microsoft.com/office/powerpoint/2010/main" val="1653003107"/>
+        <p14:creationId xmlns:p14="http://schemas.microsoft.com/office/powerpoint/2010/main" val="754682723"/>
       </p:ext>
     </p:extLst>
   </p:cSld>
@@ -17423,7 +18041,7 @@
         <p:spPr>
           <a:xfrm>
             <a:off x="3851920" y="908720"/>
-            <a:ext cx="1503938" cy="369332"/>
+            <a:ext cx="1564852" cy="369332"/>
           </a:xfrm>
           <a:prstGeom prst="rect">
             <a:avLst/>
@@ -17438,7 +18056,7 @@
           <a:p>
             <a:r>
               <a:rPr lang="pt-BR" b="1" dirty="0" smtClean="0"/>
-              <a:t>4.4) Cubos 3D</a:t>
+              <a:t>4.3) Mapas 2D</a:t>
             </a:r>
             <a:endParaRPr lang="pt-BR" b="1" dirty="0"/>
           </a:p>
@@ -17452,8 +18070,8 @@
         </p:nvSpPr>
         <p:spPr>
           <a:xfrm>
-            <a:off x="2987824" y="1218238"/>
-            <a:ext cx="3371116" cy="338554"/>
+            <a:off x="323528" y="1260049"/>
+            <a:ext cx="8084264" cy="584775"/>
           </a:xfrm>
           <a:prstGeom prst="rect">
             <a:avLst/>
@@ -17466,38 +18084,122 @@
           </a:bodyPr>
           <a:lstStyle/>
           <a:p>
-            <a:r>
-              <a:rPr lang="pt-BR" sz="1600" b="1" dirty="0" smtClean="0"/>
-              <a:t>4.4.1) Seções </a:t>
-            </a:r>
-            <a:r>
-              <a:rPr lang="pt-BR" sz="1600" b="1" dirty="0" err="1" smtClean="0"/>
-              <a:t>inline</a:t>
-            </a:r>
-            <a:r>
-              <a:rPr lang="pt-BR" sz="1600" b="1" dirty="0" smtClean="0"/>
-              <a:t>, </a:t>
-            </a:r>
-            <a:r>
-              <a:rPr lang="pt-BR" sz="1600" b="1" dirty="0" err="1" smtClean="0"/>
-              <a:t>crossline</a:t>
-            </a:r>
-            <a:r>
-              <a:rPr lang="pt-BR" sz="1600" b="1" dirty="0" smtClean="0"/>
-              <a:t> e z-</a:t>
-            </a:r>
-            <a:r>
-              <a:rPr lang="pt-BR" sz="1600" b="1" dirty="0" err="1" smtClean="0"/>
-              <a:t>slice</a:t>
-            </a:r>
-            <a:endParaRPr lang="pt-BR" sz="1600" b="1" dirty="0"/>
-          </a:p>
-        </p:txBody>
-      </p:sp>
+            <a:pPr marL="285750" indent="-285750">
+              <a:buFont typeface="Wingdings" panose="05000000000000000000" pitchFamily="2" charset="2"/>
+              <a:buChar char="Ø"/>
+            </a:pPr>
+            <a:r>
+              <a:rPr lang="pt-BR" sz="1600" dirty="0" smtClean="0"/>
+              <a:t>Fontes: </a:t>
+            </a:r>
+            <a:r>
+              <a:rPr lang="pt-BR" sz="1600" dirty="0" smtClean="0">
+                <a:latin typeface="Courier New" panose="02070309020205020404" pitchFamily="49" charset="0"/>
+                <a:cs typeface="Courier New" panose="02070309020205020404" pitchFamily="49" charset="0"/>
+              </a:rPr>
+              <a:t>...\</a:t>
+            </a:r>
+            <a:r>
+              <a:rPr lang="pt-BR" sz="1600" dirty="0" err="1" smtClean="0">
+                <a:latin typeface="Courier New" panose="02070309020205020404" pitchFamily="49" charset="0"/>
+                <a:cs typeface="Courier New" panose="02070309020205020404" pitchFamily="49" charset="0"/>
+              </a:rPr>
+              <a:t>cursoVTKgeo</a:t>
+            </a:r>
+            <a:r>
+              <a:rPr lang="pt-BR" sz="1600" dirty="0" smtClean="0">
+                <a:latin typeface="Courier New" panose="02070309020205020404" pitchFamily="49" charset="0"/>
+                <a:cs typeface="Courier New" panose="02070309020205020404" pitchFamily="49" charset="0"/>
+              </a:rPr>
+              <a:t>\aulas_3dias\Grid2D</a:t>
+            </a:r>
+          </a:p>
+          <a:p>
+            <a:pPr marL="285750" indent="-285750">
+              <a:buFont typeface="Wingdings" panose="05000000000000000000" pitchFamily="2" charset="2"/>
+              <a:buChar char="Ø"/>
+            </a:pPr>
+            <a:r>
+              <a:rPr lang="pt-BR" sz="1600" dirty="0" smtClean="0">
+                <a:cs typeface="Courier New" panose="02070309020205020404" pitchFamily="49" charset="0"/>
+              </a:rPr>
+              <a:t>Dados</a:t>
+            </a:r>
+            <a:r>
+              <a:rPr lang="pt-BR" sz="1600" dirty="0">
+                <a:cs typeface="Courier New" panose="02070309020205020404" pitchFamily="49" charset="0"/>
+              </a:rPr>
+              <a:t>:</a:t>
+            </a:r>
+            <a:r>
+              <a:rPr lang="pt-BR" sz="1600" dirty="0">
+                <a:latin typeface="Courier New" panose="02070309020205020404" pitchFamily="49" charset="0"/>
+                <a:cs typeface="Courier New" panose="02070309020205020404" pitchFamily="49" charset="0"/>
+              </a:rPr>
+              <a:t> </a:t>
+            </a:r>
+            <a:r>
+              <a:rPr lang="pt-BR" sz="1600" dirty="0" smtClean="0">
+                <a:latin typeface="Courier New" panose="02070309020205020404" pitchFamily="49" charset="0"/>
+                <a:cs typeface="Courier New" panose="02070309020205020404" pitchFamily="49" charset="0"/>
+              </a:rPr>
+              <a:t>...\</a:t>
+            </a:r>
+            <a:r>
+              <a:rPr lang="pt-BR" sz="1600" dirty="0" err="1" smtClean="0">
+                <a:latin typeface="Courier New" panose="02070309020205020404" pitchFamily="49" charset="0"/>
+                <a:cs typeface="Courier New" panose="02070309020205020404" pitchFamily="49" charset="0"/>
+              </a:rPr>
+              <a:t>cursoVTKgeo</a:t>
+            </a:r>
+            <a:r>
+              <a:rPr lang="pt-BR" sz="1600" dirty="0" smtClean="0">
+                <a:latin typeface="Courier New" panose="02070309020205020404" pitchFamily="49" charset="0"/>
+                <a:cs typeface="Courier New" panose="02070309020205020404" pitchFamily="49" charset="0"/>
+              </a:rPr>
+              <a:t>\aulas_3dias\Grid2D\dados\walker_grid.dat</a:t>
+            </a:r>
+          </a:p>
+        </p:txBody>
+      </p:sp>
+      <p:pic>
+        <p:nvPicPr>
+          <p:cNvPr id="2" name="Imagem 1"/>
+          <p:cNvPicPr>
+            <a:picLocks noChangeAspect="1"/>
+          </p:cNvPicPr>
+          <p:nvPr/>
+        </p:nvPicPr>
+        <p:blipFill>
+          <a:blip r:embed="rId3"/>
+          <a:stretch>
+            <a:fillRect/>
+          </a:stretch>
+        </p:blipFill>
+        <p:spPr>
+          <a:xfrm>
+            <a:off x="2411760" y="2196153"/>
+            <a:ext cx="3754890" cy="3965624"/>
+          </a:xfrm>
+          <a:prstGeom prst="rect">
+            <a:avLst/>
+          </a:prstGeom>
+          <a:ln>
+            <a:noFill/>
+          </a:ln>
+          <a:effectLst>
+            <a:outerShdw blurRad="292100" dist="139700" dir="2700000" algn="tl" rotWithShape="0">
+              <a:srgbClr val="333333">
+                <a:alpha val="65000"/>
+              </a:srgbClr>
+            </a:outerShdw>
+          </a:effectLst>
+        </p:spPr>
+      </p:pic>
     </p:spTree>
     <p:extLst>
       <p:ext uri="{BB962C8B-B14F-4D97-AF65-F5344CB8AC3E}">
-        <p14:creationId xmlns:p14="http://schemas.microsoft.com/office/powerpoint/2010/main" val="760961505"/>
+        <p14:creationId xmlns:p14="http://schemas.microsoft.com/office/powerpoint/2010/main" val="4174760171"/>
       </p:ext>
     </p:extLst>
   </p:cSld>
@@ -17578,7 +18280,7 @@
         <p:spPr>
           <a:xfrm>
             <a:off x="3851920" y="908720"/>
-            <a:ext cx="1503938" cy="369332"/>
+            <a:ext cx="1564852" cy="369332"/>
           </a:xfrm>
           <a:prstGeom prst="rect">
             <a:avLst/>
@@ -17593,7 +18295,7 @@
           <a:p>
             <a:r>
               <a:rPr lang="pt-BR" b="1" dirty="0" smtClean="0"/>
-              <a:t>4.4) Cubos 3D</a:t>
+              <a:t>4.3) Mapas 2D</a:t>
             </a:r>
             <a:endParaRPr lang="pt-BR" b="1" dirty="0"/>
           </a:p>
@@ -17607,8 +18309,8 @@
         </p:nvSpPr>
         <p:spPr>
           <a:xfrm>
-            <a:off x="3624835" y="1218238"/>
-            <a:ext cx="2099293" cy="338554"/>
+            <a:off x="2267744" y="1218238"/>
+            <a:ext cx="4832157" cy="338554"/>
           </a:xfrm>
           <a:prstGeom prst="rect">
             <a:avLst/>
@@ -17623,20 +18325,175 @@
           <a:p>
             <a:r>
               <a:rPr lang="pt-BR" sz="1600" b="1" dirty="0" smtClean="0"/>
-              <a:t>4.4.2) </a:t>
-            </a:r>
-            <a:r>
-              <a:rPr lang="pt-BR" sz="1600" b="1" dirty="0" err="1" smtClean="0"/>
-              <a:t>Subamostragem</a:t>
+              <a:t>4.3.1) Ocultando valores nulos e locais não amostrados</a:t>
             </a:r>
             <a:endParaRPr lang="pt-BR" sz="1600" b="1" dirty="0"/>
           </a:p>
         </p:txBody>
       </p:sp>
+      <p:sp>
+        <p:nvSpPr>
+          <p:cNvPr id="7" name="CaixaDeTexto 6"/>
+          <p:cNvSpPr txBox="1"/>
+          <p:nvPr/>
+        </p:nvSpPr>
+        <p:spPr>
+          <a:xfrm>
+            <a:off x="323528" y="1620089"/>
+            <a:ext cx="8207696" cy="584775"/>
+          </a:xfrm>
+          <a:prstGeom prst="rect">
+            <a:avLst/>
+          </a:prstGeom>
+          <a:noFill/>
+        </p:spPr>
+        <p:txBody>
+          <a:bodyPr wrap="none" rtlCol="0">
+            <a:spAutoFit/>
+          </a:bodyPr>
+          <a:lstStyle/>
+          <a:p>
+            <a:pPr marL="285750" indent="-285750">
+              <a:buFont typeface="Wingdings" panose="05000000000000000000" pitchFamily="2" charset="2"/>
+              <a:buChar char="Ø"/>
+            </a:pPr>
+            <a:r>
+              <a:rPr lang="pt-BR" sz="1600" dirty="0" smtClean="0"/>
+              <a:t>Fontes: </a:t>
+            </a:r>
+            <a:r>
+              <a:rPr lang="pt-BR" sz="1600" dirty="0" smtClean="0">
+                <a:latin typeface="Courier New" panose="02070309020205020404" pitchFamily="49" charset="0"/>
+                <a:cs typeface="Courier New" panose="02070309020205020404" pitchFamily="49" charset="0"/>
+              </a:rPr>
+              <a:t>...\</a:t>
+            </a:r>
+            <a:r>
+              <a:rPr lang="pt-BR" sz="1600" dirty="0" err="1" smtClean="0">
+                <a:latin typeface="Courier New" panose="02070309020205020404" pitchFamily="49" charset="0"/>
+                <a:cs typeface="Courier New" panose="02070309020205020404" pitchFamily="49" charset="0"/>
+              </a:rPr>
+              <a:t>cursoVTKgeo</a:t>
+            </a:r>
+            <a:r>
+              <a:rPr lang="pt-BR" sz="1600" dirty="0" smtClean="0">
+                <a:latin typeface="Courier New" panose="02070309020205020404" pitchFamily="49" charset="0"/>
+                <a:cs typeface="Courier New" panose="02070309020205020404" pitchFamily="49" charset="0"/>
+              </a:rPr>
+              <a:t>\aulas_3dias\</a:t>
+            </a:r>
+            <a:r>
+              <a:rPr lang="pt-BR" sz="1600" dirty="0" err="1" smtClean="0">
+                <a:latin typeface="Courier New" panose="02070309020205020404" pitchFamily="49" charset="0"/>
+                <a:cs typeface="Courier New" panose="02070309020205020404" pitchFamily="49" charset="0"/>
+              </a:rPr>
+              <a:t>GridNDV</a:t>
+            </a:r>
+            <a:endParaRPr lang="pt-BR" sz="1600" dirty="0" smtClean="0">
+              <a:latin typeface="Courier New" panose="02070309020205020404" pitchFamily="49" charset="0"/>
+              <a:cs typeface="Courier New" panose="02070309020205020404" pitchFamily="49" charset="0"/>
+            </a:endParaRPr>
+          </a:p>
+          <a:p>
+            <a:pPr marL="285750" indent="-285750">
+              <a:buFont typeface="Wingdings" panose="05000000000000000000" pitchFamily="2" charset="2"/>
+              <a:buChar char="Ø"/>
+            </a:pPr>
+            <a:r>
+              <a:rPr lang="pt-BR" sz="1600" dirty="0" smtClean="0">
+                <a:cs typeface="Courier New" panose="02070309020205020404" pitchFamily="49" charset="0"/>
+              </a:rPr>
+              <a:t>Dados</a:t>
+            </a:r>
+            <a:r>
+              <a:rPr lang="pt-BR" sz="1600" dirty="0">
+                <a:cs typeface="Courier New" panose="02070309020205020404" pitchFamily="49" charset="0"/>
+              </a:rPr>
+              <a:t>:</a:t>
+            </a:r>
+            <a:r>
+              <a:rPr lang="pt-BR" sz="1600" dirty="0">
+                <a:latin typeface="Courier New" panose="02070309020205020404" pitchFamily="49" charset="0"/>
+                <a:cs typeface="Courier New" panose="02070309020205020404" pitchFamily="49" charset="0"/>
+              </a:rPr>
+              <a:t> </a:t>
+            </a:r>
+            <a:r>
+              <a:rPr lang="pt-BR" sz="1600" dirty="0" smtClean="0">
+                <a:latin typeface="Courier New" panose="02070309020205020404" pitchFamily="49" charset="0"/>
+                <a:cs typeface="Courier New" panose="02070309020205020404" pitchFamily="49" charset="0"/>
+              </a:rPr>
+              <a:t>...\</a:t>
+            </a:r>
+            <a:r>
+              <a:rPr lang="pt-BR" sz="1600" dirty="0" err="1" smtClean="0">
+                <a:latin typeface="Courier New" panose="02070309020205020404" pitchFamily="49" charset="0"/>
+                <a:cs typeface="Courier New" panose="02070309020205020404" pitchFamily="49" charset="0"/>
+              </a:rPr>
+              <a:t>cursoVTKgeo</a:t>
+            </a:r>
+            <a:r>
+              <a:rPr lang="pt-BR" sz="1600" dirty="0" smtClean="0">
+                <a:latin typeface="Courier New" panose="02070309020205020404" pitchFamily="49" charset="0"/>
+                <a:cs typeface="Courier New" panose="02070309020205020404" pitchFamily="49" charset="0"/>
+              </a:rPr>
+              <a:t>\aulas_3dias\</a:t>
+            </a:r>
+            <a:r>
+              <a:rPr lang="pt-BR" sz="1600" dirty="0" err="1" smtClean="0">
+                <a:latin typeface="Courier New" panose="02070309020205020404" pitchFamily="49" charset="0"/>
+                <a:cs typeface="Courier New" panose="02070309020205020404" pitchFamily="49" charset="0"/>
+              </a:rPr>
+              <a:t>GridNDV</a:t>
+            </a:r>
+            <a:r>
+              <a:rPr lang="pt-BR" sz="1600" dirty="0" smtClean="0">
+                <a:latin typeface="Courier New" panose="02070309020205020404" pitchFamily="49" charset="0"/>
+                <a:cs typeface="Courier New" panose="02070309020205020404" pitchFamily="49" charset="0"/>
+              </a:rPr>
+              <a:t>\dados\walker_grid.dat</a:t>
+            </a:r>
+          </a:p>
+        </p:txBody>
+      </p:sp>
+      <p:pic>
+        <p:nvPicPr>
+          <p:cNvPr id="3" name="Imagem 2"/>
+          <p:cNvPicPr>
+            <a:picLocks noChangeAspect="1"/>
+          </p:cNvPicPr>
+          <p:nvPr/>
+        </p:nvPicPr>
+        <p:blipFill>
+          <a:blip r:embed="rId3"/>
+          <a:stretch>
+            <a:fillRect/>
+          </a:stretch>
+        </p:blipFill>
+        <p:spPr>
+          <a:xfrm>
+            <a:off x="2483768" y="2348880"/>
+            <a:ext cx="3816424" cy="4030611"/>
+          </a:xfrm>
+          <a:prstGeom prst="rect">
+            <a:avLst/>
+          </a:prstGeom>
+          <a:ln>
+            <a:noFill/>
+          </a:ln>
+          <a:effectLst>
+            <a:outerShdw blurRad="292100" dist="139700" dir="2700000" algn="tl" rotWithShape="0">
+              <a:srgbClr val="333333">
+                <a:alpha val="65000"/>
+              </a:srgbClr>
+            </a:outerShdw>
+          </a:effectLst>
+        </p:spPr>
+      </p:pic>
     </p:spTree>
     <p:extLst>
       <p:ext uri="{BB962C8B-B14F-4D97-AF65-F5344CB8AC3E}">
-        <p14:creationId xmlns:p14="http://schemas.microsoft.com/office/powerpoint/2010/main" val="2988628406"/>
+        <p14:creationId xmlns:p14="http://schemas.microsoft.com/office/powerpoint/2010/main" val="3585225282"/>
       </p:ext>
     </p:extLst>
   </p:cSld>
@@ -18304,8 +19161,8 @@
         </p:nvSpPr>
         <p:spPr>
           <a:xfrm>
-            <a:off x="2843808" y="908720"/>
-            <a:ext cx="3865930" cy="369332"/>
+            <a:off x="3851920" y="908720"/>
+            <a:ext cx="1503938" cy="369332"/>
           </a:xfrm>
           <a:prstGeom prst="rect">
             <a:avLst/>
@@ -18320,120 +19177,16 @@
           <a:p>
             <a:r>
               <a:rPr lang="pt-BR" b="1" dirty="0" smtClean="0"/>
-              <a:t>4.5) Estruturas de geometria complexa</a:t>
+              <a:t>4.4) Cubos 3D</a:t>
             </a:r>
             <a:endParaRPr lang="pt-BR" b="1" dirty="0"/>
           </a:p>
         </p:txBody>
       </p:sp>
-      <p:sp>
-        <p:nvSpPr>
-          <p:cNvPr id="6" name="CaixaDeTexto 5"/>
-          <p:cNvSpPr txBox="1"/>
-          <p:nvPr/>
-        </p:nvSpPr>
-        <p:spPr>
-          <a:xfrm>
-            <a:off x="3624835" y="1218238"/>
-            <a:ext cx="2173608" cy="338554"/>
-          </a:xfrm>
-          <a:prstGeom prst="rect">
-            <a:avLst/>
-          </a:prstGeom>
-          <a:noFill/>
-        </p:spPr>
-        <p:txBody>
-          <a:bodyPr wrap="none" rtlCol="0">
-            <a:spAutoFit/>
-          </a:bodyPr>
-          <a:lstStyle/>
-          <a:p>
-            <a:r>
-              <a:rPr lang="pt-BR" sz="1600" b="1" dirty="0" smtClean="0"/>
-              <a:t>4.5.1) Linhas poligonais</a:t>
-            </a:r>
-            <a:endParaRPr lang="pt-BR" sz="1600" b="1" dirty="0"/>
-          </a:p>
-        </p:txBody>
-      </p:sp>
-      <p:sp>
-        <p:nvSpPr>
-          <p:cNvPr id="7" name="CaixaDeTexto 6"/>
-          <p:cNvSpPr txBox="1"/>
-          <p:nvPr/>
-        </p:nvSpPr>
-        <p:spPr>
-          <a:xfrm>
-            <a:off x="323528" y="1620089"/>
-            <a:ext cx="4900509" cy="338554"/>
-          </a:xfrm>
-          <a:prstGeom prst="rect">
-            <a:avLst/>
-          </a:prstGeom>
-          <a:noFill/>
-        </p:spPr>
-        <p:txBody>
-          <a:bodyPr wrap="none" rtlCol="0">
-            <a:spAutoFit/>
-          </a:bodyPr>
-          <a:lstStyle/>
-          <a:p>
-            <a:pPr marL="285750" indent="-285750">
-              <a:buFont typeface="Wingdings" panose="05000000000000000000" pitchFamily="2" charset="2"/>
-              <a:buChar char="Ø"/>
-            </a:pPr>
-            <a:r>
-              <a:rPr lang="pt-BR" sz="1600" dirty="0" smtClean="0">
-                <a:latin typeface="+mj-lt"/>
-                <a:cs typeface="Courier New" panose="02070309020205020404" pitchFamily="49" charset="0"/>
-              </a:rPr>
-              <a:t>Um dado de trajetória de poço em formato GEO-EAS.</a:t>
-            </a:r>
-          </a:p>
-        </p:txBody>
-      </p:sp>
-      <p:pic>
-        <p:nvPicPr>
-          <p:cNvPr id="3" name="Imagem 2"/>
-          <p:cNvPicPr>
-            <a:picLocks noChangeAspect="1"/>
-          </p:cNvPicPr>
-          <p:nvPr/>
-        </p:nvPicPr>
-        <p:blipFill>
-          <a:blip r:embed="rId3"/>
-          <a:stretch>
-            <a:fillRect/>
-          </a:stretch>
-        </p:blipFill>
-        <p:spPr>
-          <a:xfrm>
-            <a:off x="899592" y="2313256"/>
-            <a:ext cx="7353300" cy="3581400"/>
-          </a:xfrm>
-          <a:prstGeom prst="rect">
-            <a:avLst/>
-          </a:prstGeom>
-          <a:ln w="38100" cap="sq">
-            <a:solidFill>
-              <a:srgbClr val="000000"/>
-            </a:solidFill>
-            <a:prstDash val="solid"/>
-            <a:miter lim="800000"/>
-          </a:ln>
-          <a:effectLst>
-            <a:outerShdw blurRad="50800" dist="38100" dir="2700000" algn="tl" rotWithShape="0">
-              <a:srgbClr val="000000">
-                <a:alpha val="43000"/>
-              </a:srgbClr>
-            </a:outerShdw>
-          </a:effectLst>
-        </p:spPr>
-      </p:pic>
     </p:spTree>
     <p:extLst>
       <p:ext uri="{BB962C8B-B14F-4D97-AF65-F5344CB8AC3E}">
-        <p14:creationId xmlns:p14="http://schemas.microsoft.com/office/powerpoint/2010/main" val="2161034562"/>
+        <p14:creationId xmlns:p14="http://schemas.microsoft.com/office/powerpoint/2010/main" val="1653003107"/>
       </p:ext>
     </p:extLst>
   </p:cSld>
@@ -18513,8 +19266,8 @@
         </p:nvSpPr>
         <p:spPr>
           <a:xfrm>
-            <a:off x="2843808" y="908720"/>
-            <a:ext cx="3865930" cy="369332"/>
+            <a:off x="3851920" y="908720"/>
+            <a:ext cx="1503938" cy="369332"/>
           </a:xfrm>
           <a:prstGeom prst="rect">
             <a:avLst/>
@@ -18529,7 +19282,7 @@
           <a:p>
             <a:r>
               <a:rPr lang="pt-BR" b="1" dirty="0" smtClean="0"/>
-              <a:t>4.5) Estruturas de geometria complexa</a:t>
+              <a:t>4.4) Cubos 3D</a:t>
             </a:r>
             <a:endParaRPr lang="pt-BR" b="1" dirty="0"/>
           </a:p>
@@ -18543,8 +19296,8 @@
         </p:nvSpPr>
         <p:spPr>
           <a:xfrm>
-            <a:off x="3624835" y="1218238"/>
-            <a:ext cx="2173608" cy="338554"/>
+            <a:off x="2987824" y="1218238"/>
+            <a:ext cx="3371116" cy="338554"/>
           </a:xfrm>
           <a:prstGeom prst="rect">
             <a:avLst/>
@@ -18559,175 +19312,36 @@
           <a:p>
             <a:r>
               <a:rPr lang="pt-BR" sz="1600" b="1" dirty="0" smtClean="0"/>
-              <a:t>4.5.1) Linhas poligonais</a:t>
+              <a:t>4.4.1) Seções </a:t>
+            </a:r>
+            <a:r>
+              <a:rPr lang="pt-BR" sz="1600" b="1" dirty="0" err="1" smtClean="0"/>
+              <a:t>inline</a:t>
+            </a:r>
+            <a:r>
+              <a:rPr lang="pt-BR" sz="1600" b="1" dirty="0" smtClean="0"/>
+              <a:t>, </a:t>
+            </a:r>
+            <a:r>
+              <a:rPr lang="pt-BR" sz="1600" b="1" dirty="0" err="1" smtClean="0"/>
+              <a:t>crossline</a:t>
+            </a:r>
+            <a:r>
+              <a:rPr lang="pt-BR" sz="1600" b="1" dirty="0" smtClean="0"/>
+              <a:t> e z-</a:t>
+            </a:r>
+            <a:r>
+              <a:rPr lang="pt-BR" sz="1600" b="1" dirty="0" err="1" smtClean="0"/>
+              <a:t>slice</a:t>
             </a:r>
             <a:endParaRPr lang="pt-BR" sz="1600" b="1" dirty="0"/>
           </a:p>
         </p:txBody>
       </p:sp>
-      <p:sp>
-        <p:nvSpPr>
-          <p:cNvPr id="7" name="CaixaDeTexto 6"/>
-          <p:cNvSpPr txBox="1"/>
-          <p:nvPr/>
-        </p:nvSpPr>
-        <p:spPr>
-          <a:xfrm>
-            <a:off x="323528" y="1620089"/>
-            <a:ext cx="8084264" cy="584775"/>
-          </a:xfrm>
-          <a:prstGeom prst="rect">
-            <a:avLst/>
-          </a:prstGeom>
-          <a:noFill/>
-        </p:spPr>
-        <p:txBody>
-          <a:bodyPr wrap="none" rtlCol="0">
-            <a:spAutoFit/>
-          </a:bodyPr>
-          <a:lstStyle/>
-          <a:p>
-            <a:pPr marL="285750" indent="-285750">
-              <a:buFont typeface="Wingdings" panose="05000000000000000000" pitchFamily="2" charset="2"/>
-              <a:buChar char="Ø"/>
-            </a:pPr>
-            <a:r>
-              <a:rPr lang="pt-BR" sz="1600" dirty="0" smtClean="0"/>
-              <a:t>Fontes: </a:t>
-            </a:r>
-            <a:r>
-              <a:rPr lang="pt-BR" sz="1600" dirty="0" smtClean="0">
-                <a:latin typeface="Courier New" panose="02070309020205020404" pitchFamily="49" charset="0"/>
-                <a:cs typeface="Courier New" panose="02070309020205020404" pitchFamily="49" charset="0"/>
-              </a:rPr>
-              <a:t>...\</a:t>
-            </a:r>
-            <a:r>
-              <a:rPr lang="pt-BR" sz="1600" dirty="0" err="1" smtClean="0">
-                <a:latin typeface="Courier New" panose="02070309020205020404" pitchFamily="49" charset="0"/>
-                <a:cs typeface="Courier New" panose="02070309020205020404" pitchFamily="49" charset="0"/>
-              </a:rPr>
-              <a:t>cursoVTKgeo</a:t>
-            </a:r>
-            <a:r>
-              <a:rPr lang="pt-BR" sz="1600" dirty="0" smtClean="0">
-                <a:latin typeface="Courier New" panose="02070309020205020404" pitchFamily="49" charset="0"/>
-                <a:cs typeface="Courier New" panose="02070309020205020404" pitchFamily="49" charset="0"/>
-              </a:rPr>
-              <a:t>\aulas_3dias\</a:t>
-            </a:r>
-            <a:r>
-              <a:rPr lang="pt-BR" sz="1600" dirty="0" err="1" smtClean="0">
-                <a:latin typeface="Courier New" panose="02070309020205020404" pitchFamily="49" charset="0"/>
-                <a:cs typeface="Courier New" panose="02070309020205020404" pitchFamily="49" charset="0"/>
-              </a:rPr>
-              <a:t>PocoLito</a:t>
-            </a:r>
-            <a:endParaRPr lang="pt-BR" sz="1600" dirty="0" smtClean="0">
-              <a:latin typeface="Courier New" panose="02070309020205020404" pitchFamily="49" charset="0"/>
-              <a:cs typeface="Courier New" panose="02070309020205020404" pitchFamily="49" charset="0"/>
-            </a:endParaRPr>
-          </a:p>
-          <a:p>
-            <a:pPr marL="285750" indent="-285750">
-              <a:buFont typeface="Wingdings" panose="05000000000000000000" pitchFamily="2" charset="2"/>
-              <a:buChar char="Ø"/>
-            </a:pPr>
-            <a:r>
-              <a:rPr lang="pt-BR" sz="1600" dirty="0" smtClean="0">
-                <a:cs typeface="Courier New" panose="02070309020205020404" pitchFamily="49" charset="0"/>
-              </a:rPr>
-              <a:t>Dados</a:t>
-            </a:r>
-            <a:r>
-              <a:rPr lang="pt-BR" sz="1600" dirty="0">
-                <a:cs typeface="Courier New" panose="02070309020205020404" pitchFamily="49" charset="0"/>
-              </a:rPr>
-              <a:t>:</a:t>
-            </a:r>
-            <a:r>
-              <a:rPr lang="pt-BR" sz="1600" dirty="0">
-                <a:latin typeface="Courier New" panose="02070309020205020404" pitchFamily="49" charset="0"/>
-                <a:cs typeface="Courier New" panose="02070309020205020404" pitchFamily="49" charset="0"/>
-              </a:rPr>
-              <a:t> </a:t>
-            </a:r>
-            <a:r>
-              <a:rPr lang="pt-BR" sz="1600" dirty="0" smtClean="0">
-                <a:latin typeface="Courier New" panose="02070309020205020404" pitchFamily="49" charset="0"/>
-                <a:cs typeface="Courier New" panose="02070309020205020404" pitchFamily="49" charset="0"/>
-              </a:rPr>
-              <a:t>...\</a:t>
-            </a:r>
-            <a:r>
-              <a:rPr lang="pt-BR" sz="1600" dirty="0" err="1" smtClean="0">
-                <a:latin typeface="Courier New" panose="02070309020205020404" pitchFamily="49" charset="0"/>
-                <a:cs typeface="Courier New" panose="02070309020205020404" pitchFamily="49" charset="0"/>
-              </a:rPr>
-              <a:t>cursoVTKgeo</a:t>
-            </a:r>
-            <a:r>
-              <a:rPr lang="pt-BR" sz="1600" dirty="0" smtClean="0">
-                <a:latin typeface="Courier New" panose="02070309020205020404" pitchFamily="49" charset="0"/>
-                <a:cs typeface="Courier New" panose="02070309020205020404" pitchFamily="49" charset="0"/>
-              </a:rPr>
-              <a:t>\aulas_3dias\</a:t>
-            </a:r>
-            <a:r>
-              <a:rPr lang="pt-BR" sz="1600" dirty="0" err="1" smtClean="0">
-                <a:latin typeface="Courier New" panose="02070309020205020404" pitchFamily="49" charset="0"/>
-                <a:cs typeface="Courier New" panose="02070309020205020404" pitchFamily="49" charset="0"/>
-              </a:rPr>
-              <a:t>PocoLito</a:t>
-            </a:r>
-            <a:r>
-              <a:rPr lang="pt-BR" sz="1600" dirty="0" smtClean="0">
-                <a:latin typeface="Courier New" panose="02070309020205020404" pitchFamily="49" charset="0"/>
-                <a:cs typeface="Courier New" panose="02070309020205020404" pitchFamily="49" charset="0"/>
-              </a:rPr>
-              <a:t>\dados\poco_lito.txt</a:t>
-            </a:r>
-          </a:p>
-        </p:txBody>
-      </p:sp>
-      <p:pic>
-        <p:nvPicPr>
-          <p:cNvPr id="2" name="Imagem 1"/>
-          <p:cNvPicPr>
-            <a:picLocks noChangeAspect="1"/>
-          </p:cNvPicPr>
-          <p:nvPr/>
-        </p:nvPicPr>
-        <p:blipFill>
-          <a:blip r:embed="rId3"/>
-          <a:stretch>
-            <a:fillRect/>
-          </a:stretch>
-        </p:blipFill>
-        <p:spPr>
-          <a:xfrm>
-            <a:off x="2339752" y="2297877"/>
-            <a:ext cx="3880470" cy="4098251"/>
-          </a:xfrm>
-          <a:prstGeom prst="rect">
-            <a:avLst/>
-          </a:prstGeom>
-          <a:ln>
-            <a:noFill/>
-          </a:ln>
-          <a:effectLst>
-            <a:outerShdw blurRad="292100" dist="139700" dir="2700000" algn="tl" rotWithShape="0">
-              <a:srgbClr val="333333">
-                <a:alpha val="65000"/>
-              </a:srgbClr>
-            </a:outerShdw>
-          </a:effectLst>
-        </p:spPr>
-      </p:pic>
     </p:spTree>
     <p:extLst>
       <p:ext uri="{BB962C8B-B14F-4D97-AF65-F5344CB8AC3E}">
-        <p14:creationId xmlns:p14="http://schemas.microsoft.com/office/powerpoint/2010/main" val="1857220638"/>
+        <p14:creationId xmlns:p14="http://schemas.microsoft.com/office/powerpoint/2010/main" val="760961505"/>
       </p:ext>
     </p:extLst>
   </p:cSld>
@@ -18807,8 +19421,8 @@
         </p:nvSpPr>
         <p:spPr>
           <a:xfrm>
-            <a:off x="2843808" y="908720"/>
-            <a:ext cx="3865930" cy="369332"/>
+            <a:off x="3851920" y="908720"/>
+            <a:ext cx="1503938" cy="369332"/>
           </a:xfrm>
           <a:prstGeom prst="rect">
             <a:avLst/>
@@ -18823,7 +19437,7 @@
           <a:p>
             <a:r>
               <a:rPr lang="pt-BR" b="1" dirty="0" smtClean="0"/>
-              <a:t>4.5) Estruturas de geometria complexa</a:t>
+              <a:t>4.4) Cubos 3D</a:t>
             </a:r>
             <a:endParaRPr lang="pt-BR" b="1" dirty="0"/>
           </a:p>
@@ -18837,8 +19451,8 @@
         </p:nvSpPr>
         <p:spPr>
           <a:xfrm>
-            <a:off x="3859896" y="1218238"/>
-            <a:ext cx="1648208" cy="338554"/>
+            <a:off x="3624835" y="1218238"/>
+            <a:ext cx="2099293" cy="338554"/>
           </a:xfrm>
           <a:prstGeom prst="rect">
             <a:avLst/>
@@ -18853,90 +19467,20 @@
           <a:p>
             <a:r>
               <a:rPr lang="pt-BR" sz="1600" b="1" dirty="0" smtClean="0"/>
-              <a:t>4.5.2) Superfícies</a:t>
+              <a:t>4.4.2) </a:t>
+            </a:r>
+            <a:r>
+              <a:rPr lang="pt-BR" sz="1600" b="1" dirty="0" err="1" smtClean="0"/>
+              <a:t>Subamostragem</a:t>
             </a:r>
             <a:endParaRPr lang="pt-BR" sz="1600" b="1" dirty="0"/>
           </a:p>
         </p:txBody>
       </p:sp>
-      <p:sp>
-        <p:nvSpPr>
-          <p:cNvPr id="7" name="CaixaDeTexto 6"/>
-          <p:cNvSpPr txBox="1"/>
-          <p:nvPr/>
-        </p:nvSpPr>
-        <p:spPr>
-          <a:xfrm>
-            <a:off x="323528" y="1620089"/>
-            <a:ext cx="3299621" cy="338554"/>
-          </a:xfrm>
-          <a:prstGeom prst="rect">
-            <a:avLst/>
-          </a:prstGeom>
-          <a:noFill/>
-        </p:spPr>
-        <p:txBody>
-          <a:bodyPr wrap="none" rtlCol="0">
-            <a:spAutoFit/>
-          </a:bodyPr>
-          <a:lstStyle/>
-          <a:p>
-            <a:pPr marL="285750" indent="-285750">
-              <a:buFont typeface="Wingdings" panose="05000000000000000000" pitchFamily="2" charset="2"/>
-              <a:buChar char="Ø"/>
-            </a:pPr>
-            <a:r>
-              <a:rPr lang="pt-BR" sz="1600" dirty="0" smtClean="0">
-                <a:latin typeface="+mj-lt"/>
-                <a:cs typeface="Courier New" panose="02070309020205020404" pitchFamily="49" charset="0"/>
-              </a:rPr>
-              <a:t>Um grid GEO-EAS com horizontes.</a:t>
-            </a:r>
-          </a:p>
-        </p:txBody>
-      </p:sp>
-      <p:pic>
-        <p:nvPicPr>
-          <p:cNvPr id="3" name="Imagem 2"/>
-          <p:cNvPicPr>
-            <a:picLocks noChangeAspect="1"/>
-          </p:cNvPicPr>
-          <p:nvPr/>
-        </p:nvPicPr>
-        <p:blipFill>
-          <a:blip r:embed="rId3"/>
-          <a:stretch>
-            <a:fillRect/>
-          </a:stretch>
-        </p:blipFill>
-        <p:spPr>
-          <a:xfrm>
-            <a:off x="2093200" y="2132856"/>
-            <a:ext cx="5181600" cy="4067175"/>
-          </a:xfrm>
-          <a:prstGeom prst="rect">
-            <a:avLst/>
-          </a:prstGeom>
-          <a:ln w="38100" cap="sq">
-            <a:solidFill>
-              <a:srgbClr val="000000"/>
-            </a:solidFill>
-            <a:prstDash val="solid"/>
-            <a:miter lim="800000"/>
-          </a:ln>
-          <a:effectLst>
-            <a:outerShdw blurRad="50800" dist="38100" dir="2700000" algn="tl" rotWithShape="0">
-              <a:srgbClr val="000000">
-                <a:alpha val="43000"/>
-              </a:srgbClr>
-            </a:outerShdw>
-          </a:effectLst>
-        </p:spPr>
-      </p:pic>
     </p:spTree>
     <p:extLst>
       <p:ext uri="{BB962C8B-B14F-4D97-AF65-F5344CB8AC3E}">
-        <p14:creationId xmlns:p14="http://schemas.microsoft.com/office/powerpoint/2010/main" val="3812166210"/>
+        <p14:creationId xmlns:p14="http://schemas.microsoft.com/office/powerpoint/2010/main" val="2988628406"/>
       </p:ext>
     </p:extLst>
   </p:cSld>
@@ -19046,8 +19590,8 @@
         </p:nvSpPr>
         <p:spPr>
           <a:xfrm>
-            <a:off x="3859896" y="1218238"/>
-            <a:ext cx="1648208" cy="338554"/>
+            <a:off x="3624835" y="1218238"/>
+            <a:ext cx="2173608" cy="338554"/>
           </a:xfrm>
           <a:prstGeom prst="rect">
             <a:avLst/>
@@ -19062,15 +19606,51 @@
           <a:p>
             <a:r>
               <a:rPr lang="pt-BR" sz="1600" b="1" dirty="0" smtClean="0"/>
-              <a:t>4.5.2) Superfícies</a:t>
+              <a:t>4.5.1) Linhas poligonais</a:t>
             </a:r>
             <a:endParaRPr lang="pt-BR" sz="1600" b="1" dirty="0"/>
+          </a:p>
+        </p:txBody>
+      </p:sp>
+      <p:sp>
+        <p:nvSpPr>
+          <p:cNvPr id="7" name="CaixaDeTexto 6"/>
+          <p:cNvSpPr txBox="1"/>
+          <p:nvPr/>
+        </p:nvSpPr>
+        <p:spPr>
+          <a:xfrm>
+            <a:off x="323528" y="1620089"/>
+            <a:ext cx="4900509" cy="338554"/>
+          </a:xfrm>
+          <a:prstGeom prst="rect">
+            <a:avLst/>
+          </a:prstGeom>
+          <a:noFill/>
+        </p:spPr>
+        <p:txBody>
+          <a:bodyPr wrap="none" rtlCol="0">
+            <a:spAutoFit/>
+          </a:bodyPr>
+          <a:lstStyle/>
+          <a:p>
+            <a:pPr marL="285750" indent="-285750">
+              <a:buFont typeface="Wingdings" panose="05000000000000000000" pitchFamily="2" charset="2"/>
+              <a:buChar char="Ø"/>
+            </a:pPr>
+            <a:r>
+              <a:rPr lang="pt-BR" sz="1600" dirty="0" smtClean="0">
+                <a:latin typeface="+mj-lt"/>
+                <a:cs typeface="Courier New" panose="02070309020205020404" pitchFamily="49" charset="0"/>
+              </a:rPr>
+              <a:t>Um dado de trajetória de poço em formato GEO-EAS.</a:t>
+            </a:r>
           </a:p>
         </p:txBody>
       </p:sp>
       <p:pic>
         <p:nvPicPr>
-          <p:cNvPr id="2" name="Imagem 1"/>
+          <p:cNvPr id="3" name="Imagem 2"/>
           <p:cNvPicPr>
             <a:picLocks noChangeAspect="1"/>
           </p:cNvPicPr>
@@ -19084,139 +19664,32 @@
         </p:blipFill>
         <p:spPr>
           <a:xfrm>
-            <a:off x="2491730" y="2268161"/>
-            <a:ext cx="4024486" cy="4250350"/>
-          </a:xfrm>
-          <a:prstGeom prst="rect">
-            <a:avLst/>
-          </a:prstGeom>
-          <a:ln>
-            <a:noFill/>
+            <a:off x="899592" y="2313256"/>
+            <a:ext cx="7353300" cy="3581400"/>
+          </a:xfrm>
+          <a:prstGeom prst="rect">
+            <a:avLst/>
+          </a:prstGeom>
+          <a:ln w="38100" cap="sq">
+            <a:solidFill>
+              <a:srgbClr val="000000"/>
+            </a:solidFill>
+            <a:prstDash val="solid"/>
+            <a:miter lim="800000"/>
           </a:ln>
           <a:effectLst>
-            <a:outerShdw blurRad="292100" dist="139700" dir="2700000" algn="tl" rotWithShape="0">
-              <a:srgbClr val="333333">
-                <a:alpha val="65000"/>
+            <a:outerShdw blurRad="50800" dist="38100" dir="2700000" algn="tl" rotWithShape="0">
+              <a:srgbClr val="000000">
+                <a:alpha val="43000"/>
               </a:srgbClr>
             </a:outerShdw>
           </a:effectLst>
         </p:spPr>
       </p:pic>
-      <p:sp>
-        <p:nvSpPr>
-          <p:cNvPr id="8" name="CaixaDeTexto 7"/>
-          <p:cNvSpPr txBox="1"/>
-          <p:nvPr/>
-        </p:nvSpPr>
-        <p:spPr>
-          <a:xfrm>
-            <a:off x="179512" y="1620089"/>
-            <a:ext cx="8797601" cy="584775"/>
-          </a:xfrm>
-          <a:prstGeom prst="rect">
-            <a:avLst/>
-          </a:prstGeom>
-          <a:noFill/>
-        </p:spPr>
-        <p:txBody>
-          <a:bodyPr wrap="none" rtlCol="0">
-            <a:spAutoFit/>
-          </a:bodyPr>
-          <a:lstStyle/>
-          <a:p>
-            <a:pPr marL="285750" indent="-285750">
-              <a:buFont typeface="Wingdings" panose="05000000000000000000" pitchFamily="2" charset="2"/>
-              <a:buChar char="Ø"/>
-            </a:pPr>
-            <a:r>
-              <a:rPr lang="pt-BR" sz="1600" dirty="0" smtClean="0"/>
-              <a:t>Fontes: </a:t>
-            </a:r>
-            <a:r>
-              <a:rPr lang="pt-BR" sz="1600" dirty="0" smtClean="0">
-                <a:latin typeface="Courier New" panose="02070309020205020404" pitchFamily="49" charset="0"/>
-                <a:cs typeface="Courier New" panose="02070309020205020404" pitchFamily="49" charset="0"/>
-              </a:rPr>
-              <a:t>...\</a:t>
-            </a:r>
-            <a:r>
-              <a:rPr lang="pt-BR" sz="1600" dirty="0" err="1" smtClean="0">
-                <a:latin typeface="Courier New" panose="02070309020205020404" pitchFamily="49" charset="0"/>
-                <a:cs typeface="Courier New" panose="02070309020205020404" pitchFamily="49" charset="0"/>
-              </a:rPr>
-              <a:t>cursoVTKgeo</a:t>
-            </a:r>
-            <a:r>
-              <a:rPr lang="pt-BR" sz="1600" dirty="0" smtClean="0">
-                <a:latin typeface="Courier New" panose="02070309020205020404" pitchFamily="49" charset="0"/>
-                <a:cs typeface="Courier New" panose="02070309020205020404" pitchFamily="49" charset="0"/>
-              </a:rPr>
-              <a:t>\aulas_3dias\Horizontes</a:t>
-            </a:r>
-          </a:p>
-          <a:p>
-            <a:pPr marL="285750" indent="-285750">
-              <a:buFont typeface="Wingdings" panose="05000000000000000000" pitchFamily="2" charset="2"/>
-              <a:buChar char="Ø"/>
-            </a:pPr>
-            <a:r>
-              <a:rPr lang="pt-BR" sz="1600" dirty="0" smtClean="0">
-                <a:cs typeface="Courier New" panose="02070309020205020404" pitchFamily="49" charset="0"/>
-              </a:rPr>
-              <a:t>Dados</a:t>
-            </a:r>
-            <a:r>
-              <a:rPr lang="pt-BR" sz="1600" dirty="0">
-                <a:cs typeface="Courier New" panose="02070309020205020404" pitchFamily="49" charset="0"/>
-              </a:rPr>
-              <a:t>:</a:t>
-            </a:r>
-            <a:r>
-              <a:rPr lang="pt-BR" sz="1600" dirty="0">
-                <a:latin typeface="Courier New" panose="02070309020205020404" pitchFamily="49" charset="0"/>
-                <a:cs typeface="Courier New" panose="02070309020205020404" pitchFamily="49" charset="0"/>
-              </a:rPr>
-              <a:t> </a:t>
-            </a:r>
-            <a:r>
-              <a:rPr lang="pt-BR" sz="1400" dirty="0" smtClean="0">
-                <a:latin typeface="Courier New" panose="02070309020205020404" pitchFamily="49" charset="0"/>
-                <a:cs typeface="Courier New" panose="02070309020205020404" pitchFamily="49" charset="0"/>
-              </a:rPr>
-              <a:t>...\</a:t>
-            </a:r>
-            <a:r>
-              <a:rPr lang="pt-BR" sz="1400" dirty="0" err="1" smtClean="0">
-                <a:latin typeface="Courier New" panose="02070309020205020404" pitchFamily="49" charset="0"/>
-                <a:cs typeface="Courier New" panose="02070309020205020404" pitchFamily="49" charset="0"/>
-              </a:rPr>
-              <a:t>cursoVTKgeo</a:t>
-            </a:r>
-            <a:r>
-              <a:rPr lang="pt-BR" sz="1400" dirty="0" smtClean="0">
-                <a:latin typeface="Courier New" panose="02070309020205020404" pitchFamily="49" charset="0"/>
-                <a:cs typeface="Courier New" panose="02070309020205020404" pitchFamily="49" charset="0"/>
-              </a:rPr>
-              <a:t>\aulas_3dias\Horizontes\dados\</a:t>
-            </a:r>
-            <a:r>
-              <a:rPr lang="pt-BR" sz="1400" dirty="0" err="1" smtClean="0">
-                <a:latin typeface="Courier New" panose="02070309020205020404" pitchFamily="49" charset="0"/>
-                <a:cs typeface="Courier New" panose="02070309020205020404" pitchFamily="49" charset="0"/>
-              </a:rPr>
-              <a:t>horizontes_zonas_prod.grid</a:t>
-            </a:r>
-            <a:endParaRPr lang="pt-BR" sz="1600" dirty="0" smtClean="0">
-              <a:latin typeface="Courier New" panose="02070309020205020404" pitchFamily="49" charset="0"/>
-              <a:cs typeface="Courier New" panose="02070309020205020404" pitchFamily="49" charset="0"/>
-            </a:endParaRPr>
-          </a:p>
-        </p:txBody>
-      </p:sp>
     </p:spTree>
     <p:extLst>
       <p:ext uri="{BB962C8B-B14F-4D97-AF65-F5344CB8AC3E}">
-        <p14:creationId xmlns:p14="http://schemas.microsoft.com/office/powerpoint/2010/main" val="3740759107"/>
+        <p14:creationId xmlns:p14="http://schemas.microsoft.com/office/powerpoint/2010/main" val="2161034562"/>
       </p:ext>
     </p:extLst>
   </p:cSld>
@@ -19296,8 +19769,8 @@
         </p:nvSpPr>
         <p:spPr>
           <a:xfrm>
-            <a:off x="2421706" y="908720"/>
-            <a:ext cx="4670574" cy="369332"/>
+            <a:off x="2843808" y="908720"/>
+            <a:ext cx="3865930" cy="369332"/>
           </a:xfrm>
           <a:prstGeom prst="rect">
             <a:avLst/>
@@ -19312,28 +19785,205 @@
           <a:p>
             <a:r>
               <a:rPr lang="pt-BR" b="1" dirty="0" smtClean="0"/>
-              <a:t>4.6) Interação com o modelo: </a:t>
-            </a:r>
-            <a:r>
-              <a:rPr lang="pt-BR" b="1" i="1" dirty="0" err="1" smtClean="0"/>
-              <a:t>picking</a:t>
-            </a:r>
-            <a:r>
-              <a:rPr lang="pt-BR" b="1" dirty="0" smtClean="0"/>
-              <a:t> e </a:t>
-            </a:r>
-            <a:r>
-              <a:rPr lang="pt-BR" b="1" i="1" dirty="0" err="1" smtClean="0"/>
-              <a:t>probing</a:t>
-            </a:r>
-            <a:endParaRPr lang="pt-BR" b="1" i="1" dirty="0"/>
-          </a:p>
-        </p:txBody>
-      </p:sp>
+              <a:t>4.5) Estruturas de geometria complexa</a:t>
+            </a:r>
+            <a:endParaRPr lang="pt-BR" b="1" dirty="0"/>
+          </a:p>
+        </p:txBody>
+      </p:sp>
+      <p:sp>
+        <p:nvSpPr>
+          <p:cNvPr id="6" name="CaixaDeTexto 5"/>
+          <p:cNvSpPr txBox="1"/>
+          <p:nvPr/>
+        </p:nvSpPr>
+        <p:spPr>
+          <a:xfrm>
+            <a:off x="3624835" y="1218238"/>
+            <a:ext cx="2173608" cy="338554"/>
+          </a:xfrm>
+          <a:prstGeom prst="rect">
+            <a:avLst/>
+          </a:prstGeom>
+          <a:noFill/>
+        </p:spPr>
+        <p:txBody>
+          <a:bodyPr wrap="none" rtlCol="0">
+            <a:spAutoFit/>
+          </a:bodyPr>
+          <a:lstStyle/>
+          <a:p>
+            <a:r>
+              <a:rPr lang="pt-BR" sz="1600" b="1" dirty="0" smtClean="0"/>
+              <a:t>4.5.1) Linhas poligonais</a:t>
+            </a:r>
+            <a:endParaRPr lang="pt-BR" sz="1600" b="1" dirty="0"/>
+          </a:p>
+        </p:txBody>
+      </p:sp>
+      <p:sp>
+        <p:nvSpPr>
+          <p:cNvPr id="7" name="CaixaDeTexto 6"/>
+          <p:cNvSpPr txBox="1"/>
+          <p:nvPr/>
+        </p:nvSpPr>
+        <p:spPr>
+          <a:xfrm>
+            <a:off x="323528" y="1620089"/>
+            <a:ext cx="8084264" cy="584775"/>
+          </a:xfrm>
+          <a:prstGeom prst="rect">
+            <a:avLst/>
+          </a:prstGeom>
+          <a:noFill/>
+        </p:spPr>
+        <p:txBody>
+          <a:bodyPr wrap="none" rtlCol="0">
+            <a:spAutoFit/>
+          </a:bodyPr>
+          <a:lstStyle/>
+          <a:p>
+            <a:pPr marL="285750" indent="-285750">
+              <a:buFont typeface="Wingdings" panose="05000000000000000000" pitchFamily="2" charset="2"/>
+              <a:buChar char="Ø"/>
+            </a:pPr>
+            <a:r>
+              <a:rPr lang="pt-BR" sz="1600" dirty="0" smtClean="0"/>
+              <a:t>Fontes: </a:t>
+            </a:r>
+            <a:r>
+              <a:rPr lang="pt-BR" sz="1600" dirty="0" smtClean="0">
+                <a:latin typeface="Courier New" panose="02070309020205020404" pitchFamily="49" charset="0"/>
+                <a:cs typeface="Courier New" panose="02070309020205020404" pitchFamily="49" charset="0"/>
+              </a:rPr>
+              <a:t>...\</a:t>
+            </a:r>
+            <a:r>
+              <a:rPr lang="pt-BR" sz="1600" dirty="0" err="1" smtClean="0">
+                <a:latin typeface="Courier New" panose="02070309020205020404" pitchFamily="49" charset="0"/>
+                <a:cs typeface="Courier New" panose="02070309020205020404" pitchFamily="49" charset="0"/>
+              </a:rPr>
+              <a:t>cursoVTKgeo</a:t>
+            </a:r>
+            <a:r>
+              <a:rPr lang="pt-BR" sz="1600" dirty="0" smtClean="0">
+                <a:latin typeface="Courier New" panose="02070309020205020404" pitchFamily="49" charset="0"/>
+                <a:cs typeface="Courier New" panose="02070309020205020404" pitchFamily="49" charset="0"/>
+              </a:rPr>
+              <a:t>\aulas_3dias\</a:t>
+            </a:r>
+            <a:r>
+              <a:rPr lang="pt-BR" sz="1600" dirty="0" err="1" smtClean="0">
+                <a:latin typeface="Courier New" panose="02070309020205020404" pitchFamily="49" charset="0"/>
+                <a:cs typeface="Courier New" panose="02070309020205020404" pitchFamily="49" charset="0"/>
+              </a:rPr>
+              <a:t>PocoLito</a:t>
+            </a:r>
+            <a:endParaRPr lang="pt-BR" sz="1600" dirty="0" smtClean="0">
+              <a:latin typeface="Courier New" panose="02070309020205020404" pitchFamily="49" charset="0"/>
+              <a:cs typeface="Courier New" panose="02070309020205020404" pitchFamily="49" charset="0"/>
+            </a:endParaRPr>
+          </a:p>
+          <a:p>
+            <a:pPr marL="285750" indent="-285750">
+              <a:buFont typeface="Wingdings" panose="05000000000000000000" pitchFamily="2" charset="2"/>
+              <a:buChar char="Ø"/>
+            </a:pPr>
+            <a:r>
+              <a:rPr lang="pt-BR" sz="1600" dirty="0" smtClean="0">
+                <a:cs typeface="Courier New" panose="02070309020205020404" pitchFamily="49" charset="0"/>
+              </a:rPr>
+              <a:t>Dados</a:t>
+            </a:r>
+            <a:r>
+              <a:rPr lang="pt-BR" sz="1600" dirty="0">
+                <a:cs typeface="Courier New" panose="02070309020205020404" pitchFamily="49" charset="0"/>
+              </a:rPr>
+              <a:t>:</a:t>
+            </a:r>
+            <a:r>
+              <a:rPr lang="pt-BR" sz="1600" dirty="0">
+                <a:latin typeface="Courier New" panose="02070309020205020404" pitchFamily="49" charset="0"/>
+                <a:cs typeface="Courier New" panose="02070309020205020404" pitchFamily="49" charset="0"/>
+              </a:rPr>
+              <a:t> </a:t>
+            </a:r>
+            <a:r>
+              <a:rPr lang="pt-BR" sz="1600" dirty="0" smtClean="0">
+                <a:latin typeface="Courier New" panose="02070309020205020404" pitchFamily="49" charset="0"/>
+                <a:cs typeface="Courier New" panose="02070309020205020404" pitchFamily="49" charset="0"/>
+              </a:rPr>
+              <a:t>...\</a:t>
+            </a:r>
+            <a:r>
+              <a:rPr lang="pt-BR" sz="1600" dirty="0" err="1" smtClean="0">
+                <a:latin typeface="Courier New" panose="02070309020205020404" pitchFamily="49" charset="0"/>
+                <a:cs typeface="Courier New" panose="02070309020205020404" pitchFamily="49" charset="0"/>
+              </a:rPr>
+              <a:t>cursoVTKgeo</a:t>
+            </a:r>
+            <a:r>
+              <a:rPr lang="pt-BR" sz="1600" dirty="0" smtClean="0">
+                <a:latin typeface="Courier New" panose="02070309020205020404" pitchFamily="49" charset="0"/>
+                <a:cs typeface="Courier New" panose="02070309020205020404" pitchFamily="49" charset="0"/>
+              </a:rPr>
+              <a:t>\aulas_3dias\</a:t>
+            </a:r>
+            <a:r>
+              <a:rPr lang="pt-BR" sz="1600" dirty="0" err="1" smtClean="0">
+                <a:latin typeface="Courier New" panose="02070309020205020404" pitchFamily="49" charset="0"/>
+                <a:cs typeface="Courier New" panose="02070309020205020404" pitchFamily="49" charset="0"/>
+              </a:rPr>
+              <a:t>PocoLito</a:t>
+            </a:r>
+            <a:r>
+              <a:rPr lang="pt-BR" sz="1600" dirty="0" smtClean="0">
+                <a:latin typeface="Courier New" panose="02070309020205020404" pitchFamily="49" charset="0"/>
+                <a:cs typeface="Courier New" panose="02070309020205020404" pitchFamily="49" charset="0"/>
+              </a:rPr>
+              <a:t>\dados\poco_lito.txt</a:t>
+            </a:r>
+          </a:p>
+        </p:txBody>
+      </p:sp>
+      <p:pic>
+        <p:nvPicPr>
+          <p:cNvPr id="2" name="Imagem 1"/>
+          <p:cNvPicPr>
+            <a:picLocks noChangeAspect="1"/>
+          </p:cNvPicPr>
+          <p:nvPr/>
+        </p:nvPicPr>
+        <p:blipFill>
+          <a:blip r:embed="rId3"/>
+          <a:stretch>
+            <a:fillRect/>
+          </a:stretch>
+        </p:blipFill>
+        <p:spPr>
+          <a:xfrm>
+            <a:off x="2339752" y="2297877"/>
+            <a:ext cx="3880470" cy="4098251"/>
+          </a:xfrm>
+          <a:prstGeom prst="rect">
+            <a:avLst/>
+          </a:prstGeom>
+          <a:ln>
+            <a:noFill/>
+          </a:ln>
+          <a:effectLst>
+            <a:outerShdw blurRad="292100" dist="139700" dir="2700000" algn="tl" rotWithShape="0">
+              <a:srgbClr val="333333">
+                <a:alpha val="65000"/>
+              </a:srgbClr>
+            </a:outerShdw>
+          </a:effectLst>
+        </p:spPr>
+      </p:pic>
     </p:spTree>
     <p:extLst>
       <p:ext uri="{BB962C8B-B14F-4D97-AF65-F5344CB8AC3E}">
-        <p14:creationId xmlns:p14="http://schemas.microsoft.com/office/powerpoint/2010/main" val="3321787556"/>
+        <p14:creationId xmlns:p14="http://schemas.microsoft.com/office/powerpoint/2010/main" val="1857220638"/>
       </p:ext>
     </p:extLst>
   </p:cSld>
@@ -19391,7 +20041,15 @@
           <a:p>
             <a:r>
               <a:rPr lang="pt-BR" sz="2400" dirty="0" smtClean="0"/>
-              <a:t>Mais sobre VTK</a:t>
+              <a:t>4) Aplicações C++/</a:t>
+            </a:r>
+            <a:r>
+              <a:rPr lang="pt-BR" sz="2400" dirty="0" err="1" smtClean="0"/>
+              <a:t>Qt</a:t>
+            </a:r>
+            <a:r>
+              <a:rPr lang="pt-BR" sz="2400" dirty="0" smtClean="0"/>
+              <a:t> com VTK</a:t>
             </a:r>
             <a:endParaRPr lang="pt-BR" sz="1400" dirty="0"/>
           </a:p>
@@ -19405,8 +20063,68 @@
         </p:nvSpPr>
         <p:spPr>
           <a:xfrm>
-            <a:off x="827584" y="1412776"/>
-            <a:ext cx="1002582" cy="369332"/>
+            <a:off x="2843808" y="908720"/>
+            <a:ext cx="3865930" cy="369332"/>
+          </a:xfrm>
+          <a:prstGeom prst="rect">
+            <a:avLst/>
+          </a:prstGeom>
+          <a:noFill/>
+        </p:spPr>
+        <p:txBody>
+          <a:bodyPr wrap="none" rtlCol="0">
+            <a:spAutoFit/>
+          </a:bodyPr>
+          <a:lstStyle/>
+          <a:p>
+            <a:r>
+              <a:rPr lang="pt-BR" b="1" dirty="0" smtClean="0"/>
+              <a:t>4.5) Estruturas de geometria complexa</a:t>
+            </a:r>
+            <a:endParaRPr lang="pt-BR" b="1" dirty="0"/>
+          </a:p>
+        </p:txBody>
+      </p:sp>
+      <p:sp>
+        <p:nvSpPr>
+          <p:cNvPr id="6" name="CaixaDeTexto 5"/>
+          <p:cNvSpPr txBox="1"/>
+          <p:nvPr/>
+        </p:nvSpPr>
+        <p:spPr>
+          <a:xfrm>
+            <a:off x="3859896" y="1218238"/>
+            <a:ext cx="1648208" cy="338554"/>
+          </a:xfrm>
+          <a:prstGeom prst="rect">
+            <a:avLst/>
+          </a:prstGeom>
+          <a:noFill/>
+        </p:spPr>
+        <p:txBody>
+          <a:bodyPr wrap="none" rtlCol="0">
+            <a:spAutoFit/>
+          </a:bodyPr>
+          <a:lstStyle/>
+          <a:p>
+            <a:r>
+              <a:rPr lang="pt-BR" sz="1600" b="1" dirty="0" smtClean="0"/>
+              <a:t>4.5.2) Superfícies</a:t>
+            </a:r>
+            <a:endParaRPr lang="pt-BR" sz="1600" b="1" dirty="0"/>
+          </a:p>
+        </p:txBody>
+      </p:sp>
+      <p:sp>
+        <p:nvSpPr>
+          <p:cNvPr id="7" name="CaixaDeTexto 6"/>
+          <p:cNvSpPr txBox="1"/>
+          <p:nvPr/>
+        </p:nvSpPr>
+        <p:spPr>
+          <a:xfrm>
+            <a:off x="323528" y="1620089"/>
+            <a:ext cx="3299621" cy="338554"/>
           </a:xfrm>
           <a:prstGeom prst="rect">
             <a:avLst/>
@@ -19424,88 +20142,57 @@
               <a:buChar char="Ø"/>
             </a:pPr>
             <a:r>
-              <a:rPr lang="pt-BR" b="1" dirty="0" smtClean="0"/>
-              <a:t>Livro:</a:t>
-            </a:r>
-            <a:endParaRPr lang="pt-BR" b="1" i="1" dirty="0"/>
+              <a:rPr lang="pt-BR" sz="1600" dirty="0" smtClean="0">
+                <a:latin typeface="+mj-lt"/>
+                <a:cs typeface="Courier New" panose="02070309020205020404" pitchFamily="49" charset="0"/>
+              </a:rPr>
+              <a:t>Um grid GEO-EAS com horizontes.</a:t>
+            </a:r>
           </a:p>
         </p:txBody>
       </p:sp>
       <p:pic>
         <p:nvPicPr>
-          <p:cNvPr id="2" name="Imagem 1"/>
+          <p:cNvPr id="3" name="Imagem 2"/>
           <p:cNvPicPr>
             <a:picLocks noChangeAspect="1"/>
           </p:cNvPicPr>
           <p:nvPr/>
         </p:nvPicPr>
         <p:blipFill>
-          <a:blip r:embed="rId3">
-            <a:extLst>
-              <a:ext uri="{28A0092B-C50C-407E-A947-70E740481C1C}">
-                <a14:useLocalDpi xmlns:a14="http://schemas.microsoft.com/office/drawing/2010/main" val="0"/>
-              </a:ext>
-            </a:extLst>
-          </a:blip>
+          <a:blip r:embed="rId3"/>
           <a:stretch>
             <a:fillRect/>
           </a:stretch>
         </p:blipFill>
         <p:spPr>
           <a:xfrm>
-            <a:off x="3377711" y="1433165"/>
-            <a:ext cx="2706457" cy="3789040"/>
-          </a:xfrm>
-          <a:prstGeom prst="rect">
-            <a:avLst/>
-          </a:prstGeom>
+            <a:off x="2093200" y="2132856"/>
+            <a:ext cx="5181600" cy="4067175"/>
+          </a:xfrm>
+          <a:prstGeom prst="rect">
+            <a:avLst/>
+          </a:prstGeom>
+          <a:ln w="38100" cap="sq">
+            <a:solidFill>
+              <a:srgbClr val="000000"/>
+            </a:solidFill>
+            <a:prstDash val="solid"/>
+            <a:miter lim="800000"/>
+          </a:ln>
+          <a:effectLst>
+            <a:outerShdw blurRad="50800" dist="38100" dir="2700000" algn="tl" rotWithShape="0">
+              <a:srgbClr val="000000">
+                <a:alpha val="43000"/>
+              </a:srgbClr>
+            </a:outerShdw>
+          </a:effectLst>
         </p:spPr>
       </p:pic>
-      <p:sp>
-        <p:nvSpPr>
-          <p:cNvPr id="3" name="Retângulo 2"/>
-          <p:cNvSpPr/>
-          <p:nvPr/>
-        </p:nvSpPr>
-        <p:spPr>
-          <a:xfrm>
-            <a:off x="1565920" y="5147900"/>
-            <a:ext cx="6174432" cy="369332"/>
-          </a:xfrm>
-          <a:prstGeom prst="rect">
-            <a:avLst/>
-          </a:prstGeom>
-        </p:spPr>
-        <p:txBody>
-          <a:bodyPr wrap="square">
-            <a:spAutoFit/>
-          </a:bodyPr>
-          <a:lstStyle/>
-          <a:p>
-            <a:r>
-              <a:rPr lang="pt-BR" dirty="0">
-                <a:hlinkClick r:id="rId4"/>
-              </a:rPr>
-              <a:t>https://</a:t>
-            </a:r>
-            <a:r>
-              <a:rPr lang="pt-BR" dirty="0" smtClean="0">
-                <a:hlinkClick r:id="rId4"/>
-              </a:rPr>
-              <a:t>www.kitware.com/products/books/VTKTextbook.pdf</a:t>
-            </a:r>
-            <a:r>
-              <a:rPr lang="pt-BR" dirty="0" smtClean="0"/>
-              <a:t> </a:t>
-            </a:r>
-            <a:endParaRPr lang="pt-BR" dirty="0"/>
-          </a:p>
-        </p:txBody>
-      </p:sp>
     </p:spTree>
     <p:extLst>
       <p:ext uri="{BB962C8B-B14F-4D97-AF65-F5344CB8AC3E}">
-        <p14:creationId xmlns:p14="http://schemas.microsoft.com/office/powerpoint/2010/main" val="3048172996"/>
+        <p14:creationId xmlns:p14="http://schemas.microsoft.com/office/powerpoint/2010/main" val="3812166210"/>
       </p:ext>
     </p:extLst>
   </p:cSld>
@@ -19563,7 +20250,15 @@
           <a:p>
             <a:r>
               <a:rPr lang="pt-BR" sz="2400" dirty="0" smtClean="0"/>
-              <a:t>Mais sobre VTK</a:t>
+              <a:t>4) Aplicações C++/</a:t>
+            </a:r>
+            <a:r>
+              <a:rPr lang="pt-BR" sz="2400" dirty="0" err="1" smtClean="0"/>
+              <a:t>Qt</a:t>
+            </a:r>
+            <a:r>
+              <a:rPr lang="pt-BR" sz="2400" dirty="0" smtClean="0"/>
+              <a:t> com VTK</a:t>
             </a:r>
             <a:endParaRPr lang="pt-BR" sz="1400" dirty="0"/>
           </a:p>
@@ -19577,8 +20272,102 @@
         </p:nvSpPr>
         <p:spPr>
           <a:xfrm>
-            <a:off x="1808280" y="2549803"/>
-            <a:ext cx="5951181" cy="2585323"/>
+            <a:off x="2843808" y="908720"/>
+            <a:ext cx="3865930" cy="369332"/>
+          </a:xfrm>
+          <a:prstGeom prst="rect">
+            <a:avLst/>
+          </a:prstGeom>
+          <a:noFill/>
+        </p:spPr>
+        <p:txBody>
+          <a:bodyPr wrap="none" rtlCol="0">
+            <a:spAutoFit/>
+          </a:bodyPr>
+          <a:lstStyle/>
+          <a:p>
+            <a:r>
+              <a:rPr lang="pt-BR" b="1" dirty="0" smtClean="0"/>
+              <a:t>4.5) Estruturas de geometria complexa</a:t>
+            </a:r>
+            <a:endParaRPr lang="pt-BR" b="1" dirty="0"/>
+          </a:p>
+        </p:txBody>
+      </p:sp>
+      <p:sp>
+        <p:nvSpPr>
+          <p:cNvPr id="6" name="CaixaDeTexto 5"/>
+          <p:cNvSpPr txBox="1"/>
+          <p:nvPr/>
+        </p:nvSpPr>
+        <p:spPr>
+          <a:xfrm>
+            <a:off x="3859896" y="1218238"/>
+            <a:ext cx="1648208" cy="338554"/>
+          </a:xfrm>
+          <a:prstGeom prst="rect">
+            <a:avLst/>
+          </a:prstGeom>
+          <a:noFill/>
+        </p:spPr>
+        <p:txBody>
+          <a:bodyPr wrap="none" rtlCol="0">
+            <a:spAutoFit/>
+          </a:bodyPr>
+          <a:lstStyle/>
+          <a:p>
+            <a:r>
+              <a:rPr lang="pt-BR" sz="1600" b="1" dirty="0" smtClean="0"/>
+              <a:t>4.5.2) Superfícies</a:t>
+            </a:r>
+            <a:endParaRPr lang="pt-BR" sz="1600" b="1" dirty="0"/>
+          </a:p>
+        </p:txBody>
+      </p:sp>
+      <p:pic>
+        <p:nvPicPr>
+          <p:cNvPr id="2" name="Imagem 1"/>
+          <p:cNvPicPr>
+            <a:picLocks noChangeAspect="1"/>
+          </p:cNvPicPr>
+          <p:nvPr/>
+        </p:nvPicPr>
+        <p:blipFill>
+          <a:blip r:embed="rId3"/>
+          <a:stretch>
+            <a:fillRect/>
+          </a:stretch>
+        </p:blipFill>
+        <p:spPr>
+          <a:xfrm>
+            <a:off x="2491730" y="2268161"/>
+            <a:ext cx="4024486" cy="4250350"/>
+          </a:xfrm>
+          <a:prstGeom prst="rect">
+            <a:avLst/>
+          </a:prstGeom>
+          <a:ln>
+            <a:noFill/>
+          </a:ln>
+          <a:effectLst>
+            <a:outerShdw blurRad="292100" dist="139700" dir="2700000" algn="tl" rotWithShape="0">
+              <a:srgbClr val="333333">
+                <a:alpha val="65000"/>
+              </a:srgbClr>
+            </a:outerShdw>
+          </a:effectLst>
+        </p:spPr>
+      </p:pic>
+      <p:sp>
+        <p:nvSpPr>
+          <p:cNvPr id="8" name="CaixaDeTexto 7"/>
+          <p:cNvSpPr txBox="1"/>
+          <p:nvPr/>
+        </p:nvSpPr>
+        <p:spPr>
+          <a:xfrm>
+            <a:off x="179512" y="1620089"/>
+            <a:ext cx="8797601" cy="584775"/>
           </a:xfrm>
           <a:prstGeom prst="rect">
             <a:avLst/>
@@ -19596,184 +20385,94 @@
               <a:buChar char="Ø"/>
             </a:pPr>
             <a:r>
-              <a:rPr lang="pt-BR" b="1" dirty="0" smtClean="0"/>
-              <a:t>                   :  </a:t>
-            </a:r>
-            <a:r>
-              <a:rPr lang="pt-BR" b="1" dirty="0">
-                <a:hlinkClick r:id="rId3"/>
+              <a:rPr lang="pt-BR" sz="1600" dirty="0" smtClean="0"/>
+              <a:t>Fontes: </a:t>
+            </a:r>
+            <a:r>
+              <a:rPr lang="pt-BR" sz="1600" dirty="0" smtClean="0">
+                <a:latin typeface="Courier New" panose="02070309020205020404" pitchFamily="49" charset="0"/>
+                <a:cs typeface="Courier New" panose="02070309020205020404" pitchFamily="49" charset="0"/>
               </a:rPr>
-              <a:t>https://</a:t>
-            </a:r>
-            <a:r>
-              <a:rPr lang="pt-BR" b="1" dirty="0" smtClean="0">
-                <a:hlinkClick r:id="rId3"/>
+              <a:t>...\</a:t>
+            </a:r>
+            <a:r>
+              <a:rPr lang="pt-BR" sz="1600" dirty="0" err="1" smtClean="0">
+                <a:latin typeface="Courier New" panose="02070309020205020404" pitchFamily="49" charset="0"/>
+                <a:cs typeface="Courier New" panose="02070309020205020404" pitchFamily="49" charset="0"/>
               </a:rPr>
-              <a:t>vtk.org/doc/nightly/html/index.html</a:t>
-            </a:r>
-            <a:endParaRPr lang="pt-BR" b="1" dirty="0" smtClean="0"/>
+              <a:t>cursoVTKgeo</a:t>
+            </a:r>
+            <a:r>
+              <a:rPr lang="pt-BR" sz="1600" dirty="0" smtClean="0">
+                <a:latin typeface="Courier New" panose="02070309020205020404" pitchFamily="49" charset="0"/>
+                <a:cs typeface="Courier New" panose="02070309020205020404" pitchFamily="49" charset="0"/>
+              </a:rPr>
+              <a:t>\aulas_3dias\Horizontes</a:t>
+            </a:r>
           </a:p>
           <a:p>
             <a:pPr marL="285750" indent="-285750">
               <a:buFont typeface="Wingdings" panose="05000000000000000000" pitchFamily="2" charset="2"/>
               <a:buChar char="Ø"/>
             </a:pPr>
-            <a:endParaRPr lang="pt-BR" b="1" dirty="0" smtClean="0"/>
-          </a:p>
-          <a:p>
-            <a:pPr marL="285750" indent="-285750">
-              <a:buFont typeface="Wingdings" panose="05000000000000000000" pitchFamily="2" charset="2"/>
-              <a:buChar char="Ø"/>
-            </a:pPr>
-            <a:endParaRPr lang="pt-BR" b="1" dirty="0"/>
-          </a:p>
-          <a:p>
-            <a:pPr marL="285750" indent="-285750">
-              <a:buFont typeface="Wingdings" panose="05000000000000000000" pitchFamily="2" charset="2"/>
-              <a:buChar char="Ø"/>
-            </a:pPr>
-            <a:r>
-              <a:rPr lang="pt-BR" b="1" dirty="0" smtClean="0"/>
-              <a:t>Fórum de discussão</a:t>
-            </a:r>
-            <a:r>
-              <a:rPr lang="pt-BR" b="1" dirty="0"/>
-              <a:t>: </a:t>
-            </a:r>
-            <a:r>
-              <a:rPr lang="pt-BR" b="1" dirty="0">
-                <a:hlinkClick r:id="rId4"/>
+            <a:r>
+              <a:rPr lang="pt-BR" sz="1600" dirty="0" smtClean="0">
+                <a:cs typeface="Courier New" panose="02070309020205020404" pitchFamily="49" charset="0"/>
               </a:rPr>
-              <a:t>https://discourse.vtk.org</a:t>
-            </a:r>
-            <a:r>
-              <a:rPr lang="pt-BR" b="1" dirty="0" smtClean="0">
-                <a:hlinkClick r:id="rId4"/>
+              <a:t>Dados</a:t>
+            </a:r>
+            <a:r>
+              <a:rPr lang="pt-BR" sz="1600" dirty="0">
+                <a:cs typeface="Courier New" panose="02070309020205020404" pitchFamily="49" charset="0"/>
               </a:rPr>
-              <a:t>/</a:t>
-            </a:r>
-            <a:r>
-              <a:rPr lang="pt-BR" b="1" dirty="0" smtClean="0"/>
+              <a:t>:</a:t>
+            </a:r>
+            <a:r>
+              <a:rPr lang="pt-BR" sz="1600" dirty="0">
+                <a:latin typeface="Courier New" panose="02070309020205020404" pitchFamily="49" charset="0"/>
+                <a:cs typeface="Courier New" panose="02070309020205020404" pitchFamily="49" charset="0"/>
+              </a:rPr>
               <a:t> </a:t>
             </a:r>
-          </a:p>
-          <a:p>
-            <a:pPr marL="285750" indent="-285750">
-              <a:buFont typeface="Wingdings" panose="05000000000000000000" pitchFamily="2" charset="2"/>
-              <a:buChar char="Ø"/>
-            </a:pPr>
-            <a:endParaRPr lang="pt-BR" b="1" dirty="0" smtClean="0"/>
-          </a:p>
-          <a:p>
-            <a:pPr marL="285750" indent="-285750">
-              <a:buFont typeface="Wingdings" panose="05000000000000000000" pitchFamily="2" charset="2"/>
-              <a:buChar char="Ø"/>
-            </a:pPr>
-            <a:endParaRPr lang="pt-BR" b="1" dirty="0"/>
-          </a:p>
-          <a:p>
-            <a:pPr marL="285750" indent="-285750">
-              <a:buFont typeface="Wingdings" panose="05000000000000000000" pitchFamily="2" charset="2"/>
-              <a:buChar char="Ø"/>
-            </a:pPr>
-            <a:r>
-              <a:rPr lang="pt-BR" b="1" dirty="0" smtClean="0"/>
-              <a:t>               : </a:t>
-            </a:r>
-            <a:r>
-              <a:rPr lang="pt-BR" b="1" dirty="0">
-                <a:hlinkClick r:id="rId5"/>
+            <a:r>
+              <a:rPr lang="pt-BR" sz="1400" dirty="0" smtClean="0">
+                <a:latin typeface="Courier New" panose="02070309020205020404" pitchFamily="49" charset="0"/>
+                <a:cs typeface="Courier New" panose="02070309020205020404" pitchFamily="49" charset="0"/>
               </a:rPr>
-              <a:t>https://</a:t>
-            </a:r>
-            <a:r>
-              <a:rPr lang="pt-BR" b="1" dirty="0" smtClean="0">
-                <a:hlinkClick r:id="rId5"/>
+              <a:t>...\</a:t>
+            </a:r>
+            <a:r>
+              <a:rPr lang="pt-BR" sz="1400" dirty="0" err="1" smtClean="0">
+                <a:latin typeface="Courier New" panose="02070309020205020404" pitchFamily="49" charset="0"/>
+                <a:cs typeface="Courier New" panose="02070309020205020404" pitchFamily="49" charset="0"/>
               </a:rPr>
-              <a:t>gitlab.kitware.com/vtk/vtk</a:t>
-            </a:r>
-            <a:r>
-              <a:rPr lang="pt-BR" b="1" dirty="0" smtClean="0"/>
-              <a:t> </a:t>
-            </a:r>
-          </a:p>
-          <a:p>
-            <a:endParaRPr lang="pt-BR" b="1" i="1" dirty="0"/>
-          </a:p>
-          <a:p>
-            <a:endParaRPr lang="pt-BR" b="1" i="1" dirty="0"/>
-          </a:p>
-        </p:txBody>
-      </p:sp>
-      <p:pic>
-        <p:nvPicPr>
-          <p:cNvPr id="6" name="Imagem 5"/>
-          <p:cNvPicPr>
-            <a:picLocks noChangeAspect="1"/>
-          </p:cNvPicPr>
-          <p:nvPr/>
-        </p:nvPicPr>
-        <p:blipFill>
-          <a:blip r:embed="rId6">
-            <a:extLst>
-              <a:ext uri="{28A0092B-C50C-407E-A947-70E740481C1C}">
-                <a14:useLocalDpi xmlns:a14="http://schemas.microsoft.com/office/drawing/2010/main" val="0"/>
-              </a:ext>
-            </a:extLst>
-          </a:blip>
-          <a:stretch>
-            <a:fillRect/>
-          </a:stretch>
-        </p:blipFill>
-        <p:spPr>
-          <a:xfrm>
-            <a:off x="2183068" y="2592315"/>
-            <a:ext cx="990600" cy="295275"/>
-          </a:xfrm>
-          <a:prstGeom prst="rect">
-            <a:avLst/>
-          </a:prstGeom>
-        </p:spPr>
-      </p:pic>
-      <p:pic>
-        <p:nvPicPr>
-          <p:cNvPr id="9" name="Imagem 8"/>
-          <p:cNvPicPr>
-            <a:picLocks noChangeAspect="1"/>
-          </p:cNvPicPr>
-          <p:nvPr/>
-        </p:nvPicPr>
-        <p:blipFill>
-          <a:blip r:embed="rId7">
-            <a:clrChange>
-              <a:clrFrom>
-                <a:srgbClr val="FFFFFF"/>
-              </a:clrFrom>
-              <a:clrTo>
-                <a:srgbClr val="FFFFFF">
-                  <a:alpha val="0"/>
-                </a:srgbClr>
-              </a:clrTo>
-            </a:clrChange>
-          </a:blip>
-          <a:stretch>
-            <a:fillRect/>
-          </a:stretch>
-        </p:blipFill>
-        <p:spPr>
-          <a:xfrm>
-            <a:off x="2024304" y="4163828"/>
-            <a:ext cx="1008112" cy="443569"/>
-          </a:xfrm>
-          <a:prstGeom prst="rect">
-            <a:avLst/>
-          </a:prstGeom>
-        </p:spPr>
-      </p:pic>
+              <a:t>cursoVTKgeo</a:t>
+            </a:r>
+            <a:r>
+              <a:rPr lang="pt-BR" sz="1400" dirty="0" smtClean="0">
+                <a:latin typeface="Courier New" panose="02070309020205020404" pitchFamily="49" charset="0"/>
+                <a:cs typeface="Courier New" panose="02070309020205020404" pitchFamily="49" charset="0"/>
+              </a:rPr>
+              <a:t>\aulas_3dias\Horizontes\dados\</a:t>
+            </a:r>
+            <a:r>
+              <a:rPr lang="pt-BR" sz="1400" dirty="0" err="1" smtClean="0">
+                <a:latin typeface="Courier New" panose="02070309020205020404" pitchFamily="49" charset="0"/>
+                <a:cs typeface="Courier New" panose="02070309020205020404" pitchFamily="49" charset="0"/>
+              </a:rPr>
+              <a:t>horizontes_zonas_prod.grid</a:t>
+            </a:r>
+            <a:endParaRPr lang="pt-BR" sz="1600" dirty="0" smtClean="0">
+              <a:latin typeface="Courier New" panose="02070309020205020404" pitchFamily="49" charset="0"/>
+              <a:cs typeface="Courier New" panose="02070309020205020404" pitchFamily="49" charset="0"/>
+            </a:endParaRPr>
+          </a:p>
+        </p:txBody>
+      </p:sp>
     </p:spTree>
     <p:extLst>
       <p:ext uri="{BB962C8B-B14F-4D97-AF65-F5344CB8AC3E}">
-        <p14:creationId xmlns:p14="http://schemas.microsoft.com/office/powerpoint/2010/main" val="1293738746"/>
+        <p14:creationId xmlns:p14="http://schemas.microsoft.com/office/powerpoint/2010/main" val="3740759107"/>
       </p:ext>
     </p:extLst>
   </p:cSld>
@@ -19819,7 +20518,7 @@
         </p:nvSpPr>
         <p:spPr>
           <a:xfrm>
-            <a:off x="2339752" y="3140968"/>
+            <a:off x="3275856" y="138754"/>
             <a:ext cx="4680520" cy="504056"/>
           </a:xfrm>
         </p:spPr>
@@ -19831,16 +20530,506 @@
           <a:p>
             <a:r>
               <a:rPr lang="pt-BR" sz="2400" dirty="0" smtClean="0"/>
-              <a:t>Obrigado!</a:t>
+              <a:t>4) Aplicações C++/</a:t>
+            </a:r>
+            <a:r>
+              <a:rPr lang="pt-BR" sz="2400" dirty="0" err="1" smtClean="0"/>
+              <a:t>Qt</a:t>
+            </a:r>
+            <a:r>
+              <a:rPr lang="pt-BR" sz="2400" dirty="0" smtClean="0"/>
+              <a:t> com VTK</a:t>
             </a:r>
             <a:endParaRPr lang="pt-BR" sz="1400" dirty="0"/>
+          </a:p>
+        </p:txBody>
+      </p:sp>
+      <p:sp>
+        <p:nvSpPr>
+          <p:cNvPr id="5" name="CaixaDeTexto 4"/>
+          <p:cNvSpPr txBox="1"/>
+          <p:nvPr/>
+        </p:nvSpPr>
+        <p:spPr>
+          <a:xfrm>
+            <a:off x="2421706" y="908720"/>
+            <a:ext cx="4670574" cy="369332"/>
+          </a:xfrm>
+          <a:prstGeom prst="rect">
+            <a:avLst/>
+          </a:prstGeom>
+          <a:noFill/>
+        </p:spPr>
+        <p:txBody>
+          <a:bodyPr wrap="none" rtlCol="0">
+            <a:spAutoFit/>
+          </a:bodyPr>
+          <a:lstStyle/>
+          <a:p>
+            <a:r>
+              <a:rPr lang="pt-BR" b="1" dirty="0" smtClean="0"/>
+              <a:t>4.6) Interação com o modelo: </a:t>
+            </a:r>
+            <a:r>
+              <a:rPr lang="pt-BR" b="1" i="1" dirty="0" err="1" smtClean="0"/>
+              <a:t>picking</a:t>
+            </a:r>
+            <a:r>
+              <a:rPr lang="pt-BR" b="1" dirty="0" smtClean="0"/>
+              <a:t> e </a:t>
+            </a:r>
+            <a:r>
+              <a:rPr lang="pt-BR" b="1" i="1" dirty="0" err="1" smtClean="0"/>
+              <a:t>probing</a:t>
+            </a:r>
+            <a:endParaRPr lang="pt-BR" b="1" i="1" dirty="0"/>
           </a:p>
         </p:txBody>
       </p:sp>
     </p:spTree>
     <p:extLst>
       <p:ext uri="{BB962C8B-B14F-4D97-AF65-F5344CB8AC3E}">
-        <p14:creationId xmlns:p14="http://schemas.microsoft.com/office/powerpoint/2010/main" val="1307440721"/>
+        <p14:creationId xmlns:p14="http://schemas.microsoft.com/office/powerpoint/2010/main" val="3321787556"/>
+      </p:ext>
+    </p:extLst>
+  </p:cSld>
+  <p:clrMapOvr>
+    <a:masterClrMapping/>
+  </p:clrMapOvr>
+  <p:timing>
+    <p:tnLst>
+      <p:par>
+        <p:cTn id="1" dur="indefinite" restart="never" nodeType="tmRoot"/>
+      </p:par>
+    </p:tnLst>
+  </p:timing>
+</p:sld>
+</file>
+
+<file path=ppt/slides/slide48.xml><?xml version="1.0" encoding="utf-8"?>
+<p:sld xmlns:a="http://schemas.openxmlformats.org/drawingml/2006/main" xmlns:r="http://schemas.openxmlformats.org/officeDocument/2006/relationships" xmlns:p="http://schemas.openxmlformats.org/presentationml/2006/main">
+  <p:cSld>
+    <p:spTree>
+      <p:nvGrpSpPr>
+        <p:cNvPr id="1" name=""/>
+        <p:cNvGrpSpPr/>
+        <p:nvPr/>
+      </p:nvGrpSpPr>
+      <p:grpSpPr>
+        <a:xfrm>
+          <a:off x="0" y="0"/>
+          <a:ext cx="0" cy="0"/>
+          <a:chOff x="0" y="0"/>
+          <a:chExt cx="0" cy="0"/>
+        </a:xfrm>
+      </p:grpSpPr>
+      <p:sp>
+        <p:nvSpPr>
+          <p:cNvPr id="4" name="Título 3"/>
+          <p:cNvSpPr>
+            <a:spLocks noGrp="1"/>
+          </p:cNvSpPr>
+          <p:nvPr>
+            <p:ph type="ctrTitle"/>
+          </p:nvPr>
+        </p:nvSpPr>
+        <p:spPr>
+          <a:xfrm>
+            <a:off x="3275856" y="138754"/>
+            <a:ext cx="4680520" cy="504056"/>
+          </a:xfrm>
+        </p:spPr>
+        <p:txBody>
+          <a:bodyPr>
+            <a:normAutofit/>
+          </a:bodyPr>
+          <a:lstStyle/>
+          <a:p>
+            <a:r>
+              <a:rPr lang="pt-BR" sz="2400" dirty="0" smtClean="0"/>
+              <a:t>Mais sobre VTK</a:t>
+            </a:r>
+            <a:endParaRPr lang="pt-BR" sz="1400" dirty="0"/>
+          </a:p>
+        </p:txBody>
+      </p:sp>
+      <p:sp>
+        <p:nvSpPr>
+          <p:cNvPr id="5" name="CaixaDeTexto 4"/>
+          <p:cNvSpPr txBox="1"/>
+          <p:nvPr/>
+        </p:nvSpPr>
+        <p:spPr>
+          <a:xfrm>
+            <a:off x="827584" y="1412776"/>
+            <a:ext cx="1002582" cy="369332"/>
+          </a:xfrm>
+          <a:prstGeom prst="rect">
+            <a:avLst/>
+          </a:prstGeom>
+          <a:noFill/>
+        </p:spPr>
+        <p:txBody>
+          <a:bodyPr wrap="none" rtlCol="0">
+            <a:spAutoFit/>
+          </a:bodyPr>
+          <a:lstStyle/>
+          <a:p>
+            <a:pPr marL="285750" indent="-285750">
+              <a:buFont typeface="Wingdings" panose="05000000000000000000" pitchFamily="2" charset="2"/>
+              <a:buChar char="Ø"/>
+            </a:pPr>
+            <a:r>
+              <a:rPr lang="pt-BR" b="1" dirty="0" smtClean="0"/>
+              <a:t>Livro:</a:t>
+            </a:r>
+            <a:endParaRPr lang="pt-BR" b="1" i="1" dirty="0"/>
+          </a:p>
+        </p:txBody>
+      </p:sp>
+      <p:pic>
+        <p:nvPicPr>
+          <p:cNvPr id="2" name="Imagem 1"/>
+          <p:cNvPicPr>
+            <a:picLocks noChangeAspect="1"/>
+          </p:cNvPicPr>
+          <p:nvPr/>
+        </p:nvPicPr>
+        <p:blipFill>
+          <a:blip r:embed="rId3">
+            <a:extLst>
+              <a:ext uri="{28A0092B-C50C-407E-A947-70E740481C1C}">
+                <a14:useLocalDpi xmlns:a14="http://schemas.microsoft.com/office/drawing/2010/main" val="0"/>
+              </a:ext>
+            </a:extLst>
+          </a:blip>
+          <a:stretch>
+            <a:fillRect/>
+          </a:stretch>
+        </p:blipFill>
+        <p:spPr>
+          <a:xfrm>
+            <a:off x="3377711" y="1433165"/>
+            <a:ext cx="2706457" cy="3789040"/>
+          </a:xfrm>
+          <a:prstGeom prst="rect">
+            <a:avLst/>
+          </a:prstGeom>
+        </p:spPr>
+      </p:pic>
+      <p:sp>
+        <p:nvSpPr>
+          <p:cNvPr id="3" name="Retângulo 2"/>
+          <p:cNvSpPr/>
+          <p:nvPr/>
+        </p:nvSpPr>
+        <p:spPr>
+          <a:xfrm>
+            <a:off x="1565920" y="5147900"/>
+            <a:ext cx="6174432" cy="369332"/>
+          </a:xfrm>
+          <a:prstGeom prst="rect">
+            <a:avLst/>
+          </a:prstGeom>
+        </p:spPr>
+        <p:txBody>
+          <a:bodyPr wrap="square">
+            <a:spAutoFit/>
+          </a:bodyPr>
+          <a:lstStyle/>
+          <a:p>
+            <a:r>
+              <a:rPr lang="pt-BR" dirty="0">
+                <a:hlinkClick r:id="rId4"/>
+              </a:rPr>
+              <a:t>https://</a:t>
+            </a:r>
+            <a:r>
+              <a:rPr lang="pt-BR" dirty="0" smtClean="0">
+                <a:hlinkClick r:id="rId4"/>
+              </a:rPr>
+              <a:t>www.kitware.com/products/books/VTKTextbook.pdf</a:t>
+            </a:r>
+            <a:r>
+              <a:rPr lang="pt-BR" dirty="0" smtClean="0"/>
+              <a:t> </a:t>
+            </a:r>
+            <a:endParaRPr lang="pt-BR" dirty="0"/>
+          </a:p>
+        </p:txBody>
+      </p:sp>
+    </p:spTree>
+    <p:extLst>
+      <p:ext uri="{BB962C8B-B14F-4D97-AF65-F5344CB8AC3E}">
+        <p14:creationId xmlns:p14="http://schemas.microsoft.com/office/powerpoint/2010/main" val="3048172996"/>
+      </p:ext>
+    </p:extLst>
+  </p:cSld>
+  <p:clrMapOvr>
+    <a:masterClrMapping/>
+  </p:clrMapOvr>
+  <p:timing>
+    <p:tnLst>
+      <p:par>
+        <p:cTn id="1" dur="indefinite" restart="never" nodeType="tmRoot"/>
+      </p:par>
+    </p:tnLst>
+  </p:timing>
+</p:sld>
+</file>
+
+<file path=ppt/slides/slide49.xml><?xml version="1.0" encoding="utf-8"?>
+<p:sld xmlns:a="http://schemas.openxmlformats.org/drawingml/2006/main" xmlns:r="http://schemas.openxmlformats.org/officeDocument/2006/relationships" xmlns:p="http://schemas.openxmlformats.org/presentationml/2006/main">
+  <p:cSld>
+    <p:spTree>
+      <p:nvGrpSpPr>
+        <p:cNvPr id="1" name=""/>
+        <p:cNvGrpSpPr/>
+        <p:nvPr/>
+      </p:nvGrpSpPr>
+      <p:grpSpPr>
+        <a:xfrm>
+          <a:off x="0" y="0"/>
+          <a:ext cx="0" cy="0"/>
+          <a:chOff x="0" y="0"/>
+          <a:chExt cx="0" cy="0"/>
+        </a:xfrm>
+      </p:grpSpPr>
+      <p:sp>
+        <p:nvSpPr>
+          <p:cNvPr id="4" name="Título 3"/>
+          <p:cNvSpPr>
+            <a:spLocks noGrp="1"/>
+          </p:cNvSpPr>
+          <p:nvPr>
+            <p:ph type="ctrTitle"/>
+          </p:nvPr>
+        </p:nvSpPr>
+        <p:spPr>
+          <a:xfrm>
+            <a:off x="3275856" y="138754"/>
+            <a:ext cx="4680520" cy="504056"/>
+          </a:xfrm>
+        </p:spPr>
+        <p:txBody>
+          <a:bodyPr>
+            <a:normAutofit/>
+          </a:bodyPr>
+          <a:lstStyle/>
+          <a:p>
+            <a:r>
+              <a:rPr lang="pt-BR" sz="2400" dirty="0" smtClean="0"/>
+              <a:t>Mais sobre VTK</a:t>
+            </a:r>
+            <a:endParaRPr lang="pt-BR" sz="1400" dirty="0"/>
+          </a:p>
+        </p:txBody>
+      </p:sp>
+      <p:sp>
+        <p:nvSpPr>
+          <p:cNvPr id="5" name="CaixaDeTexto 4"/>
+          <p:cNvSpPr txBox="1"/>
+          <p:nvPr/>
+        </p:nvSpPr>
+        <p:spPr>
+          <a:xfrm>
+            <a:off x="1808280" y="2549803"/>
+            <a:ext cx="5951181" cy="2585323"/>
+          </a:xfrm>
+          <a:prstGeom prst="rect">
+            <a:avLst/>
+          </a:prstGeom>
+          <a:noFill/>
+        </p:spPr>
+        <p:txBody>
+          <a:bodyPr wrap="none" rtlCol="0">
+            <a:spAutoFit/>
+          </a:bodyPr>
+          <a:lstStyle/>
+          <a:p>
+            <a:pPr marL="285750" indent="-285750">
+              <a:buFont typeface="Wingdings" panose="05000000000000000000" pitchFamily="2" charset="2"/>
+              <a:buChar char="Ø"/>
+            </a:pPr>
+            <a:r>
+              <a:rPr lang="pt-BR" b="1" dirty="0" smtClean="0"/>
+              <a:t>                   :  </a:t>
+            </a:r>
+            <a:r>
+              <a:rPr lang="pt-BR" b="1" dirty="0">
+                <a:hlinkClick r:id="rId3"/>
+              </a:rPr>
+              <a:t>https://</a:t>
+            </a:r>
+            <a:r>
+              <a:rPr lang="pt-BR" b="1" dirty="0" smtClean="0">
+                <a:hlinkClick r:id="rId3"/>
+              </a:rPr>
+              <a:t>vtk.org/doc/nightly/html/index.html</a:t>
+            </a:r>
+            <a:endParaRPr lang="pt-BR" b="1" dirty="0" smtClean="0"/>
+          </a:p>
+          <a:p>
+            <a:pPr marL="285750" indent="-285750">
+              <a:buFont typeface="Wingdings" panose="05000000000000000000" pitchFamily="2" charset="2"/>
+              <a:buChar char="Ø"/>
+            </a:pPr>
+            <a:endParaRPr lang="pt-BR" b="1" dirty="0" smtClean="0"/>
+          </a:p>
+          <a:p>
+            <a:pPr marL="285750" indent="-285750">
+              <a:buFont typeface="Wingdings" panose="05000000000000000000" pitchFamily="2" charset="2"/>
+              <a:buChar char="Ø"/>
+            </a:pPr>
+            <a:endParaRPr lang="pt-BR" b="1" dirty="0"/>
+          </a:p>
+          <a:p>
+            <a:pPr marL="285750" indent="-285750">
+              <a:buFont typeface="Wingdings" panose="05000000000000000000" pitchFamily="2" charset="2"/>
+              <a:buChar char="Ø"/>
+            </a:pPr>
+            <a:r>
+              <a:rPr lang="pt-BR" b="1" dirty="0" smtClean="0"/>
+              <a:t>Fórum de discussão</a:t>
+            </a:r>
+            <a:r>
+              <a:rPr lang="pt-BR" b="1" dirty="0"/>
+              <a:t>: </a:t>
+            </a:r>
+            <a:r>
+              <a:rPr lang="pt-BR" b="1" dirty="0">
+                <a:hlinkClick r:id="rId4"/>
+              </a:rPr>
+              <a:t>https://discourse.vtk.org</a:t>
+            </a:r>
+            <a:r>
+              <a:rPr lang="pt-BR" b="1" dirty="0" smtClean="0">
+                <a:hlinkClick r:id="rId4"/>
+              </a:rPr>
+              <a:t>/</a:t>
+            </a:r>
+            <a:r>
+              <a:rPr lang="pt-BR" b="1" dirty="0" smtClean="0"/>
+              <a:t> </a:t>
+            </a:r>
+          </a:p>
+          <a:p>
+            <a:pPr marL="285750" indent="-285750">
+              <a:buFont typeface="Wingdings" panose="05000000000000000000" pitchFamily="2" charset="2"/>
+              <a:buChar char="Ø"/>
+            </a:pPr>
+            <a:endParaRPr lang="pt-BR" b="1" dirty="0" smtClean="0"/>
+          </a:p>
+          <a:p>
+            <a:pPr marL="285750" indent="-285750">
+              <a:buFont typeface="Wingdings" panose="05000000000000000000" pitchFamily="2" charset="2"/>
+              <a:buChar char="Ø"/>
+            </a:pPr>
+            <a:endParaRPr lang="pt-BR" b="1" dirty="0"/>
+          </a:p>
+          <a:p>
+            <a:pPr marL="285750" indent="-285750">
+              <a:buFont typeface="Wingdings" panose="05000000000000000000" pitchFamily="2" charset="2"/>
+              <a:buChar char="Ø"/>
+            </a:pPr>
+            <a:r>
+              <a:rPr lang="pt-BR" b="1" dirty="0" smtClean="0"/>
+              <a:t>               : </a:t>
+            </a:r>
+            <a:r>
+              <a:rPr lang="pt-BR" b="1" dirty="0">
+                <a:hlinkClick r:id="rId5"/>
+              </a:rPr>
+              <a:t>https://</a:t>
+            </a:r>
+            <a:r>
+              <a:rPr lang="pt-BR" b="1" dirty="0" smtClean="0">
+                <a:hlinkClick r:id="rId5"/>
+              </a:rPr>
+              <a:t>gitlab.kitware.com/vtk/vtk</a:t>
+            </a:r>
+            <a:r>
+              <a:rPr lang="pt-BR" b="1" dirty="0" smtClean="0"/>
+              <a:t> </a:t>
+            </a:r>
+          </a:p>
+          <a:p>
+            <a:endParaRPr lang="pt-BR" b="1" i="1" dirty="0"/>
+          </a:p>
+          <a:p>
+            <a:endParaRPr lang="pt-BR" b="1" i="1" dirty="0"/>
+          </a:p>
+        </p:txBody>
+      </p:sp>
+      <p:pic>
+        <p:nvPicPr>
+          <p:cNvPr id="6" name="Imagem 5"/>
+          <p:cNvPicPr>
+            <a:picLocks noChangeAspect="1"/>
+          </p:cNvPicPr>
+          <p:nvPr/>
+        </p:nvPicPr>
+        <p:blipFill>
+          <a:blip r:embed="rId6">
+            <a:extLst>
+              <a:ext uri="{28A0092B-C50C-407E-A947-70E740481C1C}">
+                <a14:useLocalDpi xmlns:a14="http://schemas.microsoft.com/office/drawing/2010/main" val="0"/>
+              </a:ext>
+            </a:extLst>
+          </a:blip>
+          <a:stretch>
+            <a:fillRect/>
+          </a:stretch>
+        </p:blipFill>
+        <p:spPr>
+          <a:xfrm>
+            <a:off x="2183068" y="2592315"/>
+            <a:ext cx="990600" cy="295275"/>
+          </a:xfrm>
+          <a:prstGeom prst="rect">
+            <a:avLst/>
+          </a:prstGeom>
+        </p:spPr>
+      </p:pic>
+      <p:pic>
+        <p:nvPicPr>
+          <p:cNvPr id="9" name="Imagem 8"/>
+          <p:cNvPicPr>
+            <a:picLocks noChangeAspect="1"/>
+          </p:cNvPicPr>
+          <p:nvPr/>
+        </p:nvPicPr>
+        <p:blipFill>
+          <a:blip r:embed="rId7">
+            <a:clrChange>
+              <a:clrFrom>
+                <a:srgbClr val="FFFFFF"/>
+              </a:clrFrom>
+              <a:clrTo>
+                <a:srgbClr val="FFFFFF">
+                  <a:alpha val="0"/>
+                </a:srgbClr>
+              </a:clrTo>
+            </a:clrChange>
+          </a:blip>
+          <a:stretch>
+            <a:fillRect/>
+          </a:stretch>
+        </p:blipFill>
+        <p:spPr>
+          <a:xfrm>
+            <a:off x="2024304" y="4163828"/>
+            <a:ext cx="1008112" cy="443569"/>
+          </a:xfrm>
+          <a:prstGeom prst="rect">
+            <a:avLst/>
+          </a:prstGeom>
+        </p:spPr>
+      </p:pic>
+    </p:spTree>
+    <p:extLst>
+      <p:ext uri="{BB962C8B-B14F-4D97-AF65-F5344CB8AC3E}">
+        <p14:creationId xmlns:p14="http://schemas.microsoft.com/office/powerpoint/2010/main" val="1293738746"/>
       </p:ext>
     </p:extLst>
   </p:cSld>
@@ -20081,6 +21270,73 @@
     <p:extLst>
       <p:ext uri="{BB962C8B-B14F-4D97-AF65-F5344CB8AC3E}">
         <p14:creationId xmlns:p14="http://schemas.microsoft.com/office/powerpoint/2010/main" val="3803776990"/>
+      </p:ext>
+    </p:extLst>
+  </p:cSld>
+  <p:clrMapOvr>
+    <a:masterClrMapping/>
+  </p:clrMapOvr>
+  <p:timing>
+    <p:tnLst>
+      <p:par>
+        <p:cTn id="1" dur="indefinite" restart="never" nodeType="tmRoot"/>
+      </p:par>
+    </p:tnLst>
+  </p:timing>
+</p:sld>
+</file>
+
+<file path=ppt/slides/slide50.xml><?xml version="1.0" encoding="utf-8"?>
+<p:sld xmlns:a="http://schemas.openxmlformats.org/drawingml/2006/main" xmlns:r="http://schemas.openxmlformats.org/officeDocument/2006/relationships" xmlns:p="http://schemas.openxmlformats.org/presentationml/2006/main">
+  <p:cSld>
+    <p:spTree>
+      <p:nvGrpSpPr>
+        <p:cNvPr id="1" name=""/>
+        <p:cNvGrpSpPr/>
+        <p:nvPr/>
+      </p:nvGrpSpPr>
+      <p:grpSpPr>
+        <a:xfrm>
+          <a:off x="0" y="0"/>
+          <a:ext cx="0" cy="0"/>
+          <a:chOff x="0" y="0"/>
+          <a:chExt cx="0" cy="0"/>
+        </a:xfrm>
+      </p:grpSpPr>
+      <p:sp>
+        <p:nvSpPr>
+          <p:cNvPr id="4" name="Título 3"/>
+          <p:cNvSpPr>
+            <a:spLocks noGrp="1"/>
+          </p:cNvSpPr>
+          <p:nvPr>
+            <p:ph type="ctrTitle"/>
+          </p:nvPr>
+        </p:nvSpPr>
+        <p:spPr>
+          <a:xfrm>
+            <a:off x="2339752" y="3140968"/>
+            <a:ext cx="4680520" cy="504056"/>
+          </a:xfrm>
+        </p:spPr>
+        <p:txBody>
+          <a:bodyPr>
+            <a:normAutofit/>
+          </a:bodyPr>
+          <a:lstStyle/>
+          <a:p>
+            <a:r>
+              <a:rPr lang="pt-BR" sz="2400" dirty="0" smtClean="0"/>
+              <a:t>Obrigado!</a:t>
+            </a:r>
+            <a:endParaRPr lang="pt-BR" sz="1400" dirty="0"/>
+          </a:p>
+        </p:txBody>
+      </p:sp>
+    </p:spTree>
+    <p:extLst>
+      <p:ext uri="{BB962C8B-B14F-4D97-AF65-F5344CB8AC3E}">
+        <p14:creationId xmlns:p14="http://schemas.microsoft.com/office/powerpoint/2010/main" val="1307440721"/>
       </p:ext>
     </p:extLst>
   </p:cSld>

--- a/aulas_3dias/slides_3dias.pptx
+++ b/aulas_3dias/slides_3dias.pptx
@@ -5,7 +5,7 @@
     <p:sldMasterId id="2147483648" r:id="rId1"/>
   </p:sldMasterIdLst>
   <p:notesMasterIdLst>
-    <p:notesMasterId r:id="rId54"/>
+    <p:notesMasterId r:id="rId55"/>
   </p:notesMasterIdLst>
   <p:sldIdLst>
     <p:sldId id="258" r:id="rId2"/>
@@ -52,14 +52,15 @@
     <p:sldId id="275" r:id="rId43"/>
     <p:sldId id="276" r:id="rId44"/>
     <p:sldId id="277" r:id="rId45"/>
-    <p:sldId id="278" r:id="rId46"/>
-    <p:sldId id="305" r:id="rId47"/>
-    <p:sldId id="279" r:id="rId48"/>
-    <p:sldId id="306" r:id="rId49"/>
-    <p:sldId id="280" r:id="rId50"/>
-    <p:sldId id="281" r:id="rId51"/>
-    <p:sldId id="282" r:id="rId52"/>
-    <p:sldId id="283" r:id="rId53"/>
+    <p:sldId id="312" r:id="rId46"/>
+    <p:sldId id="278" r:id="rId47"/>
+    <p:sldId id="305" r:id="rId48"/>
+    <p:sldId id="279" r:id="rId49"/>
+    <p:sldId id="306" r:id="rId50"/>
+    <p:sldId id="280" r:id="rId51"/>
+    <p:sldId id="281" r:id="rId52"/>
+    <p:sldId id="282" r:id="rId53"/>
+    <p:sldId id="283" r:id="rId54"/>
   </p:sldIdLst>
   <p:sldSz cx="9144000" cy="6858000" type="screen4x3"/>
   <p:notesSz cx="6858000" cy="9144000"/>
@@ -2365,7 +2366,7 @@
     </p:spTree>
     <p:extLst>
       <p:ext uri="{BB962C8B-B14F-4D97-AF65-F5344CB8AC3E}">
-        <p14:creationId xmlns:p14="http://schemas.microsoft.com/office/powerpoint/2010/main" val="3768046969"/>
+        <p14:creationId xmlns:p14="http://schemas.microsoft.com/office/powerpoint/2010/main" val="1231110911"/>
       </p:ext>
     </p:extLst>
   </p:cSld>
@@ -2533,7 +2534,7 @@
     </p:spTree>
     <p:extLst>
       <p:ext uri="{BB962C8B-B14F-4D97-AF65-F5344CB8AC3E}">
-        <p14:creationId xmlns:p14="http://schemas.microsoft.com/office/powerpoint/2010/main" val="3775256238"/>
+        <p14:creationId xmlns:p14="http://schemas.microsoft.com/office/powerpoint/2010/main" val="3768046969"/>
       </p:ext>
     </p:extLst>
   </p:cSld>
@@ -2617,7 +2618,7 @@
     </p:spTree>
     <p:extLst>
       <p:ext uri="{BB962C8B-B14F-4D97-AF65-F5344CB8AC3E}">
-        <p14:creationId xmlns:p14="http://schemas.microsoft.com/office/powerpoint/2010/main" val="4269829074"/>
+        <p14:creationId xmlns:p14="http://schemas.microsoft.com/office/powerpoint/2010/main" val="3775256238"/>
       </p:ext>
     </p:extLst>
   </p:cSld>
@@ -2701,7 +2702,7 @@
     </p:spTree>
     <p:extLst>
       <p:ext uri="{BB962C8B-B14F-4D97-AF65-F5344CB8AC3E}">
-        <p14:creationId xmlns:p14="http://schemas.microsoft.com/office/powerpoint/2010/main" val="3685137183"/>
+        <p14:creationId xmlns:p14="http://schemas.microsoft.com/office/powerpoint/2010/main" val="4269829074"/>
       </p:ext>
     </p:extLst>
   </p:cSld>
@@ -2785,7 +2786,7 @@
     </p:spTree>
     <p:extLst>
       <p:ext uri="{BB962C8B-B14F-4D97-AF65-F5344CB8AC3E}">
-        <p14:creationId xmlns:p14="http://schemas.microsoft.com/office/powerpoint/2010/main" val="785103576"/>
+        <p14:creationId xmlns:p14="http://schemas.microsoft.com/office/powerpoint/2010/main" val="3685137183"/>
       </p:ext>
     </p:extLst>
   </p:cSld>
@@ -2869,7 +2870,7 @@
     </p:spTree>
     <p:extLst>
       <p:ext uri="{BB962C8B-B14F-4D97-AF65-F5344CB8AC3E}">
-        <p14:creationId xmlns:p14="http://schemas.microsoft.com/office/powerpoint/2010/main" val="2568763623"/>
+        <p14:creationId xmlns:p14="http://schemas.microsoft.com/office/powerpoint/2010/main" val="785103576"/>
       </p:ext>
     </p:extLst>
   </p:cSld>
@@ -2953,7 +2954,7 @@
     </p:spTree>
     <p:extLst>
       <p:ext uri="{BB962C8B-B14F-4D97-AF65-F5344CB8AC3E}">
-        <p14:creationId xmlns:p14="http://schemas.microsoft.com/office/powerpoint/2010/main" val="1276811389"/>
+        <p14:creationId xmlns:p14="http://schemas.microsoft.com/office/powerpoint/2010/main" val="2568763623"/>
       </p:ext>
     </p:extLst>
   </p:cSld>
@@ -3029,6 +3030,90 @@
             <a:fld id="{1A618A8B-0752-40D5-9454-79BB13FA29FA}" type="slidenum">
               <a:rPr lang="pt-BR" smtClean="0"/>
               <a:t>52</a:t>
+            </a:fld>
+            <a:endParaRPr lang="pt-BR"/>
+          </a:p>
+        </p:txBody>
+      </p:sp>
+    </p:spTree>
+    <p:extLst>
+      <p:ext uri="{BB962C8B-B14F-4D97-AF65-F5344CB8AC3E}">
+        <p14:creationId xmlns:p14="http://schemas.microsoft.com/office/powerpoint/2010/main" val="1276811389"/>
+      </p:ext>
+    </p:extLst>
+  </p:cSld>
+  <p:clrMapOvr>
+    <a:masterClrMapping/>
+  </p:clrMapOvr>
+</p:notes>
+</file>
+
+<file path=ppt/notesSlides/notesSlide37.xml><?xml version="1.0" encoding="utf-8"?>
+<p:notes xmlns:a="http://schemas.openxmlformats.org/drawingml/2006/main" xmlns:r="http://schemas.openxmlformats.org/officeDocument/2006/relationships" xmlns:p="http://schemas.openxmlformats.org/presentationml/2006/main">
+  <p:cSld>
+    <p:spTree>
+      <p:nvGrpSpPr>
+        <p:cNvPr id="1" name=""/>
+        <p:cNvGrpSpPr/>
+        <p:nvPr/>
+      </p:nvGrpSpPr>
+      <p:grpSpPr>
+        <a:xfrm>
+          <a:off x="0" y="0"/>
+          <a:ext cx="0" cy="0"/>
+          <a:chOff x="0" y="0"/>
+          <a:chExt cx="0" cy="0"/>
+        </a:xfrm>
+      </p:grpSpPr>
+      <p:sp>
+        <p:nvSpPr>
+          <p:cNvPr id="2" name="Espaço Reservado para Imagem de Slide 1"/>
+          <p:cNvSpPr>
+            <a:spLocks noGrp="1" noRot="1" noChangeAspect="1"/>
+          </p:cNvSpPr>
+          <p:nvPr>
+            <p:ph type="sldImg"/>
+          </p:nvPr>
+        </p:nvSpPr>
+        <p:spPr/>
+      </p:sp>
+      <p:sp>
+        <p:nvSpPr>
+          <p:cNvPr id="3" name="Espaço Reservado para Anotações 2"/>
+          <p:cNvSpPr>
+            <a:spLocks noGrp="1"/>
+          </p:cNvSpPr>
+          <p:nvPr>
+            <p:ph type="body" idx="1"/>
+          </p:nvPr>
+        </p:nvSpPr>
+        <p:spPr/>
+        <p:txBody>
+          <a:bodyPr/>
+          <a:lstStyle/>
+          <a:p>
+            <a:endParaRPr lang="pt-BR" dirty="0"/>
+          </a:p>
+        </p:txBody>
+      </p:sp>
+      <p:sp>
+        <p:nvSpPr>
+          <p:cNvPr id="4" name="Espaço Reservado para Número de Slide 3"/>
+          <p:cNvSpPr>
+            <a:spLocks noGrp="1"/>
+          </p:cNvSpPr>
+          <p:nvPr>
+            <p:ph type="sldNum" sz="quarter" idx="10"/>
+          </p:nvPr>
+        </p:nvSpPr>
+        <p:spPr/>
+        <p:txBody>
+          <a:bodyPr/>
+          <a:lstStyle/>
+          <a:p>
+            <a:fld id="{1A618A8B-0752-40D5-9454-79BB13FA29FA}" type="slidenum">
+              <a:rPr lang="pt-BR" smtClean="0"/>
+              <a:t>53</a:t>
             </a:fld>
             <a:endParaRPr lang="pt-BR"/>
           </a:p>
@@ -3849,7 +3934,15 @@
                   <a:schemeClr val="tx1"/>
                 </a:solidFill>
               </a:rPr>
-              <a:t>/52 </a:t>
+              <a:t>/</a:t>
+            </a:r>
+            <a:r>
+              <a:rPr lang="pt-BR" sz="1200" dirty="0" smtClean="0">
+                <a:solidFill>
+                  <a:schemeClr val="tx1"/>
+                </a:solidFill>
+              </a:rPr>
+              <a:t>53 </a:t>
             </a:r>
             <a:r>
               <a:rPr lang="pt-BR" sz="1200" dirty="0" smtClean="0">
@@ -11646,11 +11739,7 @@
             </a:pPr>
             <a:r>
               <a:rPr lang="pt-BR" dirty="0" smtClean="0"/>
-              <a:t>1º dia</a:t>
-            </a:r>
-            <a:r>
-              <a:rPr lang="pt-BR" dirty="0" smtClean="0"/>
-              <a:t>:</a:t>
+              <a:t>1º dia:</a:t>
             </a:r>
             <a:endParaRPr lang="pt-BR" dirty="0"/>
           </a:p>
@@ -15727,15 +15816,7 @@
             </a:pPr>
             <a:r>
               <a:rPr lang="pt-BR" dirty="0" smtClean="0"/>
-              <a:t>2º </a:t>
-            </a:r>
-            <a:r>
-              <a:rPr lang="pt-BR" dirty="0" smtClean="0"/>
-              <a:t>dia</a:t>
-            </a:r>
-            <a:r>
-              <a:rPr lang="pt-BR" dirty="0" smtClean="0"/>
-              <a:t>:</a:t>
+              <a:t>2º dia:</a:t>
             </a:r>
             <a:endParaRPr lang="pt-BR" dirty="0"/>
           </a:p>
@@ -17181,14 +17262,7 @@
                 <a:latin typeface="+mj-lt"/>
                 <a:cs typeface="Courier New" panose="02070309020205020404" pitchFamily="49" charset="0"/>
               </a:rPr>
-              <a:t>(Visual Studio</a:t>
-            </a:r>
-            <a:r>
-              <a:rPr lang="pt-BR" dirty="0" smtClean="0">
-                <a:latin typeface="+mj-lt"/>
-                <a:cs typeface="Courier New" panose="02070309020205020404" pitchFamily="49" charset="0"/>
-              </a:rPr>
-              <a:t>)</a:t>
+              <a:t>(Visual Studio)</a:t>
             </a:r>
           </a:p>
           <a:p>
@@ -17384,7 +17458,7 @@
         </p:blipFill>
         <p:spPr>
           <a:xfrm>
-            <a:off x="2555776" y="1772816"/>
+            <a:off x="755576" y="1772816"/>
             <a:ext cx="4096494" cy="4326399"/>
           </a:xfrm>
           <a:prstGeom prst="rect">
@@ -17402,6 +17476,116 @@
           </a:effectLst>
         </p:spPr>
       </p:pic>
+      <p:grpSp>
+        <p:nvGrpSpPr>
+          <p:cNvPr id="6" name="Grupo 5"/>
+          <p:cNvGrpSpPr/>
+          <p:nvPr/>
+        </p:nvGrpSpPr>
+        <p:grpSpPr>
+          <a:xfrm>
+            <a:off x="5940152" y="1988840"/>
+            <a:ext cx="1704230" cy="563447"/>
+            <a:chOff x="5724128" y="1988840"/>
+            <a:chExt cx="1704230" cy="563447"/>
+          </a:xfrm>
+        </p:grpSpPr>
+        <p:pic>
+          <p:nvPicPr>
+            <p:cNvPr id="3" name="Imagem 2"/>
+            <p:cNvPicPr>
+              <a:picLocks noChangeAspect="1"/>
+            </p:cNvPicPr>
+            <p:nvPr/>
+          </p:nvPicPr>
+          <p:blipFill>
+            <a:blip r:embed="rId4">
+              <a:clrChange>
+                <a:clrFrom>
+                  <a:srgbClr val="FFFFFF"/>
+                </a:clrFrom>
+                <a:clrTo>
+                  <a:srgbClr val="FFFFFF">
+                    <a:alpha val="0"/>
+                  </a:srgbClr>
+                </a:clrTo>
+              </a:clrChange>
+            </a:blip>
+            <a:stretch>
+              <a:fillRect/>
+            </a:stretch>
+          </p:blipFill>
+          <p:spPr>
+            <a:xfrm>
+              <a:off x="5724128" y="1988840"/>
+              <a:ext cx="563447" cy="563447"/>
+            </a:xfrm>
+            <a:prstGeom prst="rect">
+              <a:avLst/>
+            </a:prstGeom>
+          </p:spPr>
+        </p:pic>
+        <p:sp>
+          <p:nvSpPr>
+            <p:cNvPr id="5" name="CaixaDeTexto 4"/>
+            <p:cNvSpPr txBox="1"/>
+            <p:nvPr/>
+          </p:nvSpPr>
+          <p:spPr>
+            <a:xfrm>
+              <a:off x="6198982" y="2110947"/>
+              <a:ext cx="1229376" cy="369332"/>
+            </a:xfrm>
+            <a:prstGeom prst="rect">
+              <a:avLst/>
+            </a:prstGeom>
+            <a:noFill/>
+          </p:spPr>
+          <p:txBody>
+            <a:bodyPr wrap="none" rtlCol="0">
+              <a:spAutoFit/>
+            </a:bodyPr>
+            <a:lstStyle/>
+            <a:p>
+              <a:r>
+                <a:rPr lang="pt-BR" dirty="0" smtClean="0"/>
+                <a:t>EXERCÍCIO:</a:t>
+              </a:r>
+              <a:endParaRPr lang="pt-BR" dirty="0"/>
+            </a:p>
+          </p:txBody>
+        </p:sp>
+      </p:grpSp>
+      <p:sp>
+        <p:nvSpPr>
+          <p:cNvPr id="7" name="CaixaDeTexto 6"/>
+          <p:cNvSpPr txBox="1"/>
+          <p:nvPr/>
+        </p:nvSpPr>
+        <p:spPr>
+          <a:xfrm>
+            <a:off x="5436096" y="2627620"/>
+            <a:ext cx="3033716" cy="369332"/>
+          </a:xfrm>
+          <a:prstGeom prst="rect">
+            <a:avLst/>
+          </a:prstGeom>
+          <a:noFill/>
+        </p:spPr>
+        <p:txBody>
+          <a:bodyPr wrap="none" rtlCol="0">
+            <a:spAutoFit/>
+          </a:bodyPr>
+          <a:lstStyle/>
+          <a:p>
+            <a:r>
+              <a:rPr lang="pt-BR" dirty="0" smtClean="0"/>
+              <a:t>Atribuir uma cor para a esfera.</a:t>
+            </a:r>
+            <a:endParaRPr lang="pt-BR" dirty="0"/>
+          </a:p>
+        </p:txBody>
+      </p:sp>
     </p:spTree>
     <p:extLst>
       <p:ext uri="{BB962C8B-B14F-4D97-AF65-F5344CB8AC3E}">
@@ -17545,7 +17729,7 @@
         </p:nvSpPr>
         <p:spPr>
           <a:xfrm>
-            <a:off x="1501325" y="1938318"/>
+            <a:off x="1961132" y="1556792"/>
             <a:ext cx="5203156" cy="338554"/>
           </a:xfrm>
           <a:prstGeom prst="rect">
@@ -17611,8 +17795,8 @@
         </p:blipFill>
         <p:spPr>
           <a:xfrm>
-            <a:off x="2767980" y="2492896"/>
-            <a:ext cx="3520430" cy="3718005"/>
+            <a:off x="755576" y="2028192"/>
+            <a:ext cx="3960440" cy="4182709"/>
           </a:xfrm>
           <a:prstGeom prst="rect">
             <a:avLst/>
@@ -17629,6 +17813,117 @@
           </a:effectLst>
         </p:spPr>
       </p:pic>
+      <p:grpSp>
+        <p:nvGrpSpPr>
+          <p:cNvPr id="7" name="Grupo 6"/>
+          <p:cNvGrpSpPr/>
+          <p:nvPr/>
+        </p:nvGrpSpPr>
+        <p:grpSpPr>
+          <a:xfrm>
+            <a:off x="5940152" y="1988840"/>
+            <a:ext cx="1704230" cy="563447"/>
+            <a:chOff x="5724128" y="1988840"/>
+            <a:chExt cx="1704230" cy="563447"/>
+          </a:xfrm>
+        </p:grpSpPr>
+        <p:pic>
+          <p:nvPicPr>
+            <p:cNvPr id="8" name="Imagem 7"/>
+            <p:cNvPicPr>
+              <a:picLocks noChangeAspect="1"/>
+            </p:cNvPicPr>
+            <p:nvPr/>
+          </p:nvPicPr>
+          <p:blipFill>
+            <a:blip r:embed="rId4">
+              <a:clrChange>
+                <a:clrFrom>
+                  <a:srgbClr val="FFFFFF"/>
+                </a:clrFrom>
+                <a:clrTo>
+                  <a:srgbClr val="FFFFFF">
+                    <a:alpha val="0"/>
+                  </a:srgbClr>
+                </a:clrTo>
+              </a:clrChange>
+            </a:blip>
+            <a:stretch>
+              <a:fillRect/>
+            </a:stretch>
+          </p:blipFill>
+          <p:spPr>
+            <a:xfrm>
+              <a:off x="5724128" y="1988840"/>
+              <a:ext cx="563447" cy="563447"/>
+            </a:xfrm>
+            <a:prstGeom prst="rect">
+              <a:avLst/>
+            </a:prstGeom>
+          </p:spPr>
+        </p:pic>
+        <p:sp>
+          <p:nvSpPr>
+            <p:cNvPr id="9" name="CaixaDeTexto 8"/>
+            <p:cNvSpPr txBox="1"/>
+            <p:nvPr/>
+          </p:nvSpPr>
+          <p:spPr>
+            <a:xfrm>
+              <a:off x="6198982" y="2110947"/>
+              <a:ext cx="1229376" cy="369332"/>
+            </a:xfrm>
+            <a:prstGeom prst="rect">
+              <a:avLst/>
+            </a:prstGeom>
+            <a:noFill/>
+          </p:spPr>
+          <p:txBody>
+            <a:bodyPr wrap="none" rtlCol="0">
+              <a:spAutoFit/>
+            </a:bodyPr>
+            <a:lstStyle/>
+            <a:p>
+              <a:r>
+                <a:rPr lang="pt-BR" dirty="0" smtClean="0"/>
+                <a:t>EXERCÍCIO:</a:t>
+              </a:r>
+              <a:endParaRPr lang="pt-BR" dirty="0"/>
+            </a:p>
+          </p:txBody>
+        </p:sp>
+      </p:grpSp>
+      <p:sp>
+        <p:nvSpPr>
+          <p:cNvPr id="10" name="CaixaDeTexto 9"/>
+          <p:cNvSpPr txBox="1"/>
+          <p:nvPr/>
+        </p:nvSpPr>
+        <p:spPr>
+          <a:xfrm>
+            <a:off x="5436096" y="2627620"/>
+            <a:ext cx="3384376" cy="646331"/>
+          </a:xfrm>
+          <a:prstGeom prst="rect">
+            <a:avLst/>
+          </a:prstGeom>
+          <a:noFill/>
+        </p:spPr>
+        <p:txBody>
+          <a:bodyPr wrap="square" rtlCol="0">
+            <a:spAutoFit/>
+          </a:bodyPr>
+          <a:lstStyle/>
+          <a:p>
+            <a:pPr algn="just"/>
+            <a:r>
+              <a:rPr lang="pt-BR" dirty="0" smtClean="0"/>
+              <a:t>Substituir os eixos por um cubo para servir como bússola.</a:t>
+            </a:r>
+            <a:endParaRPr lang="pt-BR" dirty="0"/>
+          </a:p>
+        </p:txBody>
+      </p:sp>
     </p:spTree>
     <p:extLst>
       <p:ext uri="{BB962C8B-B14F-4D97-AF65-F5344CB8AC3E}">
@@ -18079,7 +18374,7 @@
         </p:blipFill>
         <p:spPr>
           <a:xfrm>
-            <a:off x="2339752" y="2190536"/>
+            <a:off x="899592" y="2190536"/>
             <a:ext cx="4104456" cy="4334808"/>
           </a:xfrm>
           <a:prstGeom prst="rect">
@@ -18097,6 +18392,117 @@
           </a:effectLst>
         </p:spPr>
       </p:pic>
+      <p:grpSp>
+        <p:nvGrpSpPr>
+          <p:cNvPr id="7" name="Grupo 6"/>
+          <p:cNvGrpSpPr/>
+          <p:nvPr/>
+        </p:nvGrpSpPr>
+        <p:grpSpPr>
+          <a:xfrm>
+            <a:off x="5940152" y="2287905"/>
+            <a:ext cx="1704230" cy="563447"/>
+            <a:chOff x="5724128" y="1988840"/>
+            <a:chExt cx="1704230" cy="563447"/>
+          </a:xfrm>
+        </p:grpSpPr>
+        <p:pic>
+          <p:nvPicPr>
+            <p:cNvPr id="8" name="Imagem 7"/>
+            <p:cNvPicPr>
+              <a:picLocks noChangeAspect="1"/>
+            </p:cNvPicPr>
+            <p:nvPr/>
+          </p:nvPicPr>
+          <p:blipFill>
+            <a:blip r:embed="rId4">
+              <a:clrChange>
+                <a:clrFrom>
+                  <a:srgbClr val="FFFFFF"/>
+                </a:clrFrom>
+                <a:clrTo>
+                  <a:srgbClr val="FFFFFF">
+                    <a:alpha val="0"/>
+                  </a:srgbClr>
+                </a:clrTo>
+              </a:clrChange>
+            </a:blip>
+            <a:stretch>
+              <a:fillRect/>
+            </a:stretch>
+          </p:blipFill>
+          <p:spPr>
+            <a:xfrm>
+              <a:off x="5724128" y="1988840"/>
+              <a:ext cx="563447" cy="563447"/>
+            </a:xfrm>
+            <a:prstGeom prst="rect">
+              <a:avLst/>
+            </a:prstGeom>
+          </p:spPr>
+        </p:pic>
+        <p:sp>
+          <p:nvSpPr>
+            <p:cNvPr id="9" name="CaixaDeTexto 8"/>
+            <p:cNvSpPr txBox="1"/>
+            <p:nvPr/>
+          </p:nvSpPr>
+          <p:spPr>
+            <a:xfrm>
+              <a:off x="6198982" y="2110947"/>
+              <a:ext cx="1229376" cy="369332"/>
+            </a:xfrm>
+            <a:prstGeom prst="rect">
+              <a:avLst/>
+            </a:prstGeom>
+            <a:noFill/>
+          </p:spPr>
+          <p:txBody>
+            <a:bodyPr wrap="none" rtlCol="0">
+              <a:spAutoFit/>
+            </a:bodyPr>
+            <a:lstStyle/>
+            <a:p>
+              <a:r>
+                <a:rPr lang="pt-BR" dirty="0" smtClean="0"/>
+                <a:t>EXERCÍCIO:</a:t>
+              </a:r>
+              <a:endParaRPr lang="pt-BR" dirty="0"/>
+            </a:p>
+          </p:txBody>
+        </p:sp>
+      </p:grpSp>
+      <p:sp>
+        <p:nvSpPr>
+          <p:cNvPr id="10" name="CaixaDeTexto 9"/>
+          <p:cNvSpPr txBox="1"/>
+          <p:nvPr/>
+        </p:nvSpPr>
+        <p:spPr>
+          <a:xfrm>
+            <a:off x="5436096" y="2926685"/>
+            <a:ext cx="3384376" cy="646331"/>
+          </a:xfrm>
+          <a:prstGeom prst="rect">
+            <a:avLst/>
+          </a:prstGeom>
+          <a:noFill/>
+        </p:spPr>
+        <p:txBody>
+          <a:bodyPr wrap="square" rtlCol="0">
+            <a:spAutoFit/>
+          </a:bodyPr>
+          <a:lstStyle/>
+          <a:p>
+            <a:pPr algn="just"/>
+            <a:r>
+              <a:rPr lang="pt-BR" dirty="0" smtClean="0"/>
+              <a:t>Mudar a forma dos pontos para esferas.</a:t>
+            </a:r>
+            <a:endParaRPr lang="pt-BR" dirty="0"/>
+          </a:p>
+        </p:txBody>
+      </p:sp>
     </p:spTree>
     <p:extLst>
       <p:ext uri="{BB962C8B-B14F-4D97-AF65-F5344CB8AC3E}">
@@ -18248,7 +18654,7 @@
         </p:blipFill>
         <p:spPr>
           <a:xfrm>
-            <a:off x="2555776" y="2207027"/>
+            <a:off x="907554" y="2207027"/>
             <a:ext cx="3952478" cy="4174301"/>
           </a:xfrm>
           <a:prstGeom prst="rect">
@@ -18388,6 +18794,127 @@
               </a:rPr>
               <a:t>\dados\walker.dat</a:t>
             </a:r>
+          </a:p>
+        </p:txBody>
+      </p:sp>
+      <p:grpSp>
+        <p:nvGrpSpPr>
+          <p:cNvPr id="8" name="Grupo 7"/>
+          <p:cNvGrpSpPr/>
+          <p:nvPr/>
+        </p:nvGrpSpPr>
+        <p:grpSpPr>
+          <a:xfrm>
+            <a:off x="5940152" y="2287905"/>
+            <a:ext cx="1704230" cy="563447"/>
+            <a:chOff x="5724128" y="1988840"/>
+            <a:chExt cx="1704230" cy="563447"/>
+          </a:xfrm>
+        </p:grpSpPr>
+        <p:pic>
+          <p:nvPicPr>
+            <p:cNvPr id="9" name="Imagem 8"/>
+            <p:cNvPicPr>
+              <a:picLocks noChangeAspect="1"/>
+            </p:cNvPicPr>
+            <p:nvPr/>
+          </p:nvPicPr>
+          <p:blipFill>
+            <a:blip r:embed="rId4">
+              <a:clrChange>
+                <a:clrFrom>
+                  <a:srgbClr val="FFFFFF"/>
+                </a:clrFrom>
+                <a:clrTo>
+                  <a:srgbClr val="FFFFFF">
+                    <a:alpha val="0"/>
+                  </a:srgbClr>
+                </a:clrTo>
+              </a:clrChange>
+            </a:blip>
+            <a:stretch>
+              <a:fillRect/>
+            </a:stretch>
+          </p:blipFill>
+          <p:spPr>
+            <a:xfrm>
+              <a:off x="5724128" y="1988840"/>
+              <a:ext cx="563447" cy="563447"/>
+            </a:xfrm>
+            <a:prstGeom prst="rect">
+              <a:avLst/>
+            </a:prstGeom>
+          </p:spPr>
+        </p:pic>
+        <p:sp>
+          <p:nvSpPr>
+            <p:cNvPr id="10" name="CaixaDeTexto 9"/>
+            <p:cNvSpPr txBox="1"/>
+            <p:nvPr/>
+          </p:nvSpPr>
+          <p:spPr>
+            <a:xfrm>
+              <a:off x="6198982" y="2110947"/>
+              <a:ext cx="1229376" cy="369332"/>
+            </a:xfrm>
+            <a:prstGeom prst="rect">
+              <a:avLst/>
+            </a:prstGeom>
+            <a:noFill/>
+          </p:spPr>
+          <p:txBody>
+            <a:bodyPr wrap="none" rtlCol="0">
+              <a:spAutoFit/>
+            </a:bodyPr>
+            <a:lstStyle/>
+            <a:p>
+              <a:r>
+                <a:rPr lang="pt-BR" dirty="0" smtClean="0"/>
+                <a:t>EXERCÍCIO:</a:t>
+              </a:r>
+              <a:endParaRPr lang="pt-BR" dirty="0"/>
+            </a:p>
+          </p:txBody>
+        </p:sp>
+      </p:grpSp>
+      <p:sp>
+        <p:nvSpPr>
+          <p:cNvPr id="11" name="CaixaDeTexto 10"/>
+          <p:cNvSpPr txBox="1"/>
+          <p:nvPr/>
+        </p:nvSpPr>
+        <p:spPr>
+          <a:xfrm>
+            <a:off x="5436096" y="2926685"/>
+            <a:ext cx="3384376" cy="646331"/>
+          </a:xfrm>
+          <a:prstGeom prst="rect">
+            <a:avLst/>
+          </a:prstGeom>
+          <a:noFill/>
+        </p:spPr>
+        <p:txBody>
+          <a:bodyPr wrap="square" rtlCol="0">
+            <a:spAutoFit/>
+          </a:bodyPr>
+          <a:lstStyle/>
+          <a:p>
+            <a:pPr algn="just"/>
+            <a:r>
+              <a:rPr lang="pt-BR" dirty="0" smtClean="0"/>
+              <a:t>Mudar a escala de cores para que varie de branco </a:t>
+            </a:r>
+            <a:r>
+              <a:rPr lang="pt-BR" dirty="0" smtClean="0">
+                <a:sym typeface="Wingdings" panose="05000000000000000000" pitchFamily="2" charset="2"/>
+              </a:rPr>
+              <a:t>a azul</a:t>
+            </a:r>
+            <a:r>
+              <a:rPr lang="pt-BR" dirty="0" smtClean="0"/>
+              <a:t>.</a:t>
+            </a:r>
+            <a:endParaRPr lang="pt-BR" dirty="0"/>
           </a:p>
         </p:txBody>
       </p:sp>
@@ -18683,7 +19210,7 @@
         </p:blipFill>
         <p:spPr>
           <a:xfrm>
-            <a:off x="2627784" y="2276663"/>
+            <a:off x="979562" y="2276663"/>
             <a:ext cx="3736454" cy="3946153"/>
           </a:xfrm>
           <a:prstGeom prst="rect">
@@ -18701,6 +19228,169 @@
           </a:effectLst>
         </p:spPr>
       </p:pic>
+      <p:grpSp>
+        <p:nvGrpSpPr>
+          <p:cNvPr id="7" name="Grupo 6"/>
+          <p:cNvGrpSpPr/>
+          <p:nvPr/>
+        </p:nvGrpSpPr>
+        <p:grpSpPr>
+          <a:xfrm>
+            <a:off x="5940152" y="2287905"/>
+            <a:ext cx="1704230" cy="563447"/>
+            <a:chOff x="5724128" y="1988840"/>
+            <a:chExt cx="1704230" cy="563447"/>
+          </a:xfrm>
+        </p:grpSpPr>
+        <p:pic>
+          <p:nvPicPr>
+            <p:cNvPr id="8" name="Imagem 7"/>
+            <p:cNvPicPr>
+              <a:picLocks noChangeAspect="1"/>
+            </p:cNvPicPr>
+            <p:nvPr/>
+          </p:nvPicPr>
+          <p:blipFill>
+            <a:blip r:embed="rId4">
+              <a:clrChange>
+                <a:clrFrom>
+                  <a:srgbClr val="FFFFFF"/>
+                </a:clrFrom>
+                <a:clrTo>
+                  <a:srgbClr val="FFFFFF">
+                    <a:alpha val="0"/>
+                  </a:srgbClr>
+                </a:clrTo>
+              </a:clrChange>
+            </a:blip>
+            <a:stretch>
+              <a:fillRect/>
+            </a:stretch>
+          </p:blipFill>
+          <p:spPr>
+            <a:xfrm>
+              <a:off x="5724128" y="1988840"/>
+              <a:ext cx="563447" cy="563447"/>
+            </a:xfrm>
+            <a:prstGeom prst="rect">
+              <a:avLst/>
+            </a:prstGeom>
+          </p:spPr>
+        </p:pic>
+        <p:sp>
+          <p:nvSpPr>
+            <p:cNvPr id="9" name="CaixaDeTexto 8"/>
+            <p:cNvSpPr txBox="1"/>
+            <p:nvPr/>
+          </p:nvSpPr>
+          <p:spPr>
+            <a:xfrm>
+              <a:off x="6198982" y="2110947"/>
+              <a:ext cx="1229376" cy="369332"/>
+            </a:xfrm>
+            <a:prstGeom prst="rect">
+              <a:avLst/>
+            </a:prstGeom>
+            <a:noFill/>
+          </p:spPr>
+          <p:txBody>
+            <a:bodyPr wrap="none" rtlCol="0">
+              <a:spAutoFit/>
+            </a:bodyPr>
+            <a:lstStyle/>
+            <a:p>
+              <a:r>
+                <a:rPr lang="pt-BR" dirty="0" smtClean="0"/>
+                <a:t>EXERCÍCIO:</a:t>
+              </a:r>
+              <a:endParaRPr lang="pt-BR" dirty="0"/>
+            </a:p>
+          </p:txBody>
+        </p:sp>
+      </p:grpSp>
+      <p:sp>
+        <p:nvSpPr>
+          <p:cNvPr id="10" name="CaixaDeTexto 9"/>
+          <p:cNvSpPr txBox="1"/>
+          <p:nvPr/>
+        </p:nvSpPr>
+        <p:spPr>
+          <a:xfrm>
+            <a:off x="5436096" y="2926685"/>
+            <a:ext cx="3384376" cy="646331"/>
+          </a:xfrm>
+          <a:prstGeom prst="rect">
+            <a:avLst/>
+          </a:prstGeom>
+          <a:noFill/>
+        </p:spPr>
+        <p:txBody>
+          <a:bodyPr wrap="square" rtlCol="0">
+            <a:spAutoFit/>
+          </a:bodyPr>
+          <a:lstStyle/>
+          <a:p>
+            <a:pPr algn="just"/>
+            <a:r>
+              <a:rPr lang="pt-BR" dirty="0" smtClean="0"/>
+              <a:t>Mudar a cor da categoria 1 para marrom e a da 2 para laranja.</a:t>
+            </a:r>
+            <a:endParaRPr lang="pt-BR" dirty="0"/>
+          </a:p>
+        </p:txBody>
+      </p:sp>
+      <p:sp>
+        <p:nvSpPr>
+          <p:cNvPr id="3" name="CaixaDeTexto 2"/>
+          <p:cNvSpPr txBox="1"/>
+          <p:nvPr/>
+        </p:nvSpPr>
+        <p:spPr>
+          <a:xfrm>
+            <a:off x="5436096" y="3834914"/>
+            <a:ext cx="3384376" cy="1477328"/>
+          </a:xfrm>
+          <a:prstGeom prst="rect">
+            <a:avLst/>
+          </a:prstGeom>
+          <a:noFill/>
+        </p:spPr>
+        <p:txBody>
+          <a:bodyPr wrap="square" rtlCol="0">
+            <a:spAutoFit/>
+          </a:bodyPr>
+          <a:lstStyle/>
+          <a:p>
+            <a:r>
+              <a:rPr lang="pt-BR" dirty="0" smtClean="0"/>
+              <a:t>DICA:</a:t>
+            </a:r>
+          </a:p>
+          <a:p>
+            <a:r>
+              <a:rPr lang="pt-BR" dirty="0" smtClean="0"/>
+              <a:t>O site </a:t>
+            </a:r>
+            <a:r>
+              <a:rPr lang="pt-BR" dirty="0">
+                <a:hlinkClick r:id="rId5"/>
+              </a:rPr>
+              <a:t>https://</a:t>
+            </a:r>
+            <a:r>
+              <a:rPr lang="pt-BR" dirty="0" smtClean="0">
+                <a:hlinkClick r:id="rId5"/>
+              </a:rPr>
+              <a:t>www.rapidtables.com/web/color/index.html</a:t>
+            </a:r>
+            <a:r>
+              <a:rPr lang="pt-BR" dirty="0" smtClean="0"/>
+              <a:t> tem palhetas de cores com valores RGB.</a:t>
+            </a:r>
+            <a:endParaRPr lang="pt-BR" dirty="0"/>
+          </a:p>
+        </p:txBody>
+      </p:sp>
     </p:spTree>
     <p:extLst>
       <p:ext uri="{BB962C8B-B14F-4D97-AF65-F5344CB8AC3E}">
@@ -19004,15 +19694,7 @@
             </a:pPr>
             <a:r>
               <a:rPr lang="pt-BR" dirty="0" smtClean="0"/>
-              <a:t>3º </a:t>
-            </a:r>
-            <a:r>
-              <a:rPr lang="pt-BR" dirty="0" smtClean="0"/>
-              <a:t>dia</a:t>
-            </a:r>
-            <a:r>
-              <a:rPr lang="pt-BR" dirty="0" smtClean="0"/>
-              <a:t>:</a:t>
+              <a:t>3º dia:</a:t>
             </a:r>
             <a:endParaRPr lang="pt-BR" dirty="0"/>
           </a:p>
@@ -19309,8 +19991,255 @@
         </p:blipFill>
         <p:spPr>
           <a:xfrm>
-            <a:off x="2411760" y="2196153"/>
+            <a:off x="251520" y="2196153"/>
             <a:ext cx="3754890" cy="3965624"/>
+          </a:xfrm>
+          <a:prstGeom prst="rect">
+            <a:avLst/>
+          </a:prstGeom>
+          <a:ln>
+            <a:noFill/>
+          </a:ln>
+          <a:effectLst>
+            <a:outerShdw blurRad="292100" dist="139700" dir="2700000" algn="tl" rotWithShape="0">
+              <a:srgbClr val="333333">
+                <a:alpha val="65000"/>
+              </a:srgbClr>
+            </a:outerShdw>
+          </a:effectLst>
+        </p:spPr>
+      </p:pic>
+      <p:grpSp>
+        <p:nvGrpSpPr>
+          <p:cNvPr id="7" name="Grupo 6"/>
+          <p:cNvGrpSpPr/>
+          <p:nvPr/>
+        </p:nvGrpSpPr>
+        <p:grpSpPr>
+          <a:xfrm>
+            <a:off x="5508104" y="2287905"/>
+            <a:ext cx="1704230" cy="563447"/>
+            <a:chOff x="5724128" y="1988840"/>
+            <a:chExt cx="1704230" cy="563447"/>
+          </a:xfrm>
+        </p:grpSpPr>
+        <p:pic>
+          <p:nvPicPr>
+            <p:cNvPr id="8" name="Imagem 7"/>
+            <p:cNvPicPr>
+              <a:picLocks noChangeAspect="1"/>
+            </p:cNvPicPr>
+            <p:nvPr/>
+          </p:nvPicPr>
+          <p:blipFill>
+            <a:blip r:embed="rId4">
+              <a:clrChange>
+                <a:clrFrom>
+                  <a:srgbClr val="FFFFFF"/>
+                </a:clrFrom>
+                <a:clrTo>
+                  <a:srgbClr val="FFFFFF">
+                    <a:alpha val="0"/>
+                  </a:srgbClr>
+                </a:clrTo>
+              </a:clrChange>
+            </a:blip>
+            <a:stretch>
+              <a:fillRect/>
+            </a:stretch>
+          </p:blipFill>
+          <p:spPr>
+            <a:xfrm>
+              <a:off x="5724128" y="1988840"/>
+              <a:ext cx="563447" cy="563447"/>
+            </a:xfrm>
+            <a:prstGeom prst="rect">
+              <a:avLst/>
+            </a:prstGeom>
+          </p:spPr>
+        </p:pic>
+        <p:sp>
+          <p:nvSpPr>
+            <p:cNvPr id="9" name="CaixaDeTexto 8"/>
+            <p:cNvSpPr txBox="1"/>
+            <p:nvPr/>
+          </p:nvSpPr>
+          <p:spPr>
+            <a:xfrm>
+              <a:off x="6198982" y="2110947"/>
+              <a:ext cx="1229376" cy="369332"/>
+            </a:xfrm>
+            <a:prstGeom prst="rect">
+              <a:avLst/>
+            </a:prstGeom>
+            <a:noFill/>
+          </p:spPr>
+          <p:txBody>
+            <a:bodyPr wrap="none" rtlCol="0">
+              <a:spAutoFit/>
+            </a:bodyPr>
+            <a:lstStyle/>
+            <a:p>
+              <a:r>
+                <a:rPr lang="pt-BR" dirty="0" smtClean="0"/>
+                <a:t>EXERCÍCIO:</a:t>
+              </a:r>
+              <a:endParaRPr lang="pt-BR" dirty="0"/>
+            </a:p>
+          </p:txBody>
+        </p:sp>
+      </p:grpSp>
+      <p:sp>
+        <p:nvSpPr>
+          <p:cNvPr id="10" name="CaixaDeTexto 9"/>
+          <p:cNvSpPr txBox="1"/>
+          <p:nvPr/>
+        </p:nvSpPr>
+        <p:spPr>
+          <a:xfrm>
+            <a:off x="5004048" y="2926685"/>
+            <a:ext cx="3384376" cy="923330"/>
+          </a:xfrm>
+          <a:prstGeom prst="rect">
+            <a:avLst/>
+          </a:prstGeom>
+          <a:noFill/>
+        </p:spPr>
+        <p:txBody>
+          <a:bodyPr wrap="square" rtlCol="0">
+            <a:spAutoFit/>
+          </a:bodyPr>
+          <a:lstStyle/>
+          <a:p>
+            <a:pPr algn="just"/>
+            <a:r>
+              <a:rPr lang="pt-BR" dirty="0" smtClean="0"/>
+              <a:t>Mudar o alinhamento da propriedade de </a:t>
+            </a:r>
+            <a:r>
+              <a:rPr lang="pt-BR" i="1" dirty="0" err="1" smtClean="0"/>
+              <a:t>cell-centered</a:t>
+            </a:r>
+            <a:r>
+              <a:rPr lang="pt-BR" dirty="0" smtClean="0"/>
+              <a:t> para </a:t>
+            </a:r>
+            <a:r>
+              <a:rPr lang="pt-BR" i="1" dirty="0" smtClean="0"/>
+              <a:t>corner-point</a:t>
+            </a:r>
+            <a:r>
+              <a:rPr lang="pt-BR" dirty="0" smtClean="0"/>
+              <a:t>.</a:t>
+            </a:r>
+            <a:endParaRPr lang="pt-BR" dirty="0"/>
+          </a:p>
+        </p:txBody>
+      </p:sp>
+      <p:pic>
+        <p:nvPicPr>
+          <p:cNvPr id="11" name="Imagem 10"/>
+          <p:cNvPicPr>
+            <a:picLocks noChangeAspect="1"/>
+          </p:cNvPicPr>
+          <p:nvPr/>
+        </p:nvPicPr>
+        <p:blipFill>
+          <a:blip r:embed="rId5"/>
+          <a:stretch>
+            <a:fillRect/>
+          </a:stretch>
+        </p:blipFill>
+        <p:spPr>
+          <a:xfrm>
+            <a:off x="4355976" y="4135606"/>
+            <a:ext cx="1915416" cy="2026171"/>
+          </a:xfrm>
+          <a:prstGeom prst="rect">
+            <a:avLst/>
+          </a:prstGeom>
+          <a:ln>
+            <a:noFill/>
+          </a:ln>
+          <a:effectLst>
+            <a:outerShdw blurRad="292100" dist="139700" dir="2700000" algn="tl" rotWithShape="0">
+              <a:srgbClr val="333333">
+                <a:alpha val="65000"/>
+              </a:srgbClr>
+            </a:outerShdw>
+          </a:effectLst>
+        </p:spPr>
+      </p:pic>
+      <p:sp>
+        <p:nvSpPr>
+          <p:cNvPr id="13" name="Seta para a direita 12"/>
+          <p:cNvSpPr/>
+          <p:nvPr/>
+        </p:nvSpPr>
+        <p:spPr>
+          <a:xfrm>
+            <a:off x="6413144" y="4931876"/>
+            <a:ext cx="504056" cy="585356"/>
+          </a:xfrm>
+          <a:prstGeom prst="rightArrow">
+            <a:avLst/>
+          </a:prstGeom>
+          <a:pattFill prst="pct25">
+            <a:fgClr>
+              <a:schemeClr val="dk1"/>
+            </a:fgClr>
+            <a:bgClr>
+              <a:schemeClr val="bg1"/>
+            </a:bgClr>
+          </a:pattFill>
+        </p:spPr>
+        <p:style>
+          <a:lnRef idx="2">
+            <a:schemeClr val="dk1">
+              <a:shade val="50000"/>
+            </a:schemeClr>
+          </a:lnRef>
+          <a:fillRef idx="1">
+            <a:schemeClr val="dk1"/>
+          </a:fillRef>
+          <a:effectRef idx="0">
+            <a:schemeClr val="dk1"/>
+          </a:effectRef>
+          <a:fontRef idx="minor">
+            <a:schemeClr val="lt1"/>
+          </a:fontRef>
+        </p:style>
+        <p:txBody>
+          <a:bodyPr rtlCol="0" anchor="ctr"/>
+          <a:lstStyle/>
+          <a:p>
+            <a:pPr algn="ctr"/>
+            <a:endParaRPr lang="pt-BR" dirty="0" smtClean="0">
+              <a:solidFill>
+                <a:schemeClr val="tx1"/>
+              </a:solidFill>
+            </a:endParaRPr>
+          </a:p>
+        </p:txBody>
+      </p:sp>
+      <p:pic>
+        <p:nvPicPr>
+          <p:cNvPr id="14" name="Imagem 13"/>
+          <p:cNvPicPr>
+            <a:picLocks noChangeAspect="1"/>
+          </p:cNvPicPr>
+          <p:nvPr/>
+        </p:nvPicPr>
+        <p:blipFill>
+          <a:blip r:embed="rId6"/>
+          <a:stretch>
+            <a:fillRect/>
+          </a:stretch>
+        </p:blipFill>
+        <p:spPr>
+          <a:xfrm>
+            <a:off x="7020272" y="4135605"/>
+            <a:ext cx="1915416" cy="2026171"/>
           </a:xfrm>
           <a:prstGeom prst="rect">
             <a:avLst/>
@@ -19603,7 +20532,7 @@
         </p:blipFill>
         <p:spPr>
           <a:xfrm>
-            <a:off x="2483768" y="2348880"/>
+            <a:off x="467544" y="2348880"/>
             <a:ext cx="3816424" cy="4030611"/>
           </a:xfrm>
           <a:prstGeom prst="rect">
@@ -19621,6 +20550,165 @@
           </a:effectLst>
         </p:spPr>
       </p:pic>
+      <p:grpSp>
+        <p:nvGrpSpPr>
+          <p:cNvPr id="8" name="Grupo 7"/>
+          <p:cNvGrpSpPr/>
+          <p:nvPr/>
+        </p:nvGrpSpPr>
+        <p:grpSpPr>
+          <a:xfrm>
+            <a:off x="5508104" y="2287905"/>
+            <a:ext cx="1704230" cy="563447"/>
+            <a:chOff x="5724128" y="1988840"/>
+            <a:chExt cx="1704230" cy="563447"/>
+          </a:xfrm>
+        </p:grpSpPr>
+        <p:pic>
+          <p:nvPicPr>
+            <p:cNvPr id="9" name="Imagem 8"/>
+            <p:cNvPicPr>
+              <a:picLocks noChangeAspect="1"/>
+            </p:cNvPicPr>
+            <p:nvPr/>
+          </p:nvPicPr>
+          <p:blipFill>
+            <a:blip r:embed="rId4">
+              <a:clrChange>
+                <a:clrFrom>
+                  <a:srgbClr val="FFFFFF"/>
+                </a:clrFrom>
+                <a:clrTo>
+                  <a:srgbClr val="FFFFFF">
+                    <a:alpha val="0"/>
+                  </a:srgbClr>
+                </a:clrTo>
+              </a:clrChange>
+            </a:blip>
+            <a:stretch>
+              <a:fillRect/>
+            </a:stretch>
+          </p:blipFill>
+          <p:spPr>
+            <a:xfrm>
+              <a:off x="5724128" y="1988840"/>
+              <a:ext cx="563447" cy="563447"/>
+            </a:xfrm>
+            <a:prstGeom prst="rect">
+              <a:avLst/>
+            </a:prstGeom>
+          </p:spPr>
+        </p:pic>
+        <p:sp>
+          <p:nvSpPr>
+            <p:cNvPr id="10" name="CaixaDeTexto 9"/>
+            <p:cNvSpPr txBox="1"/>
+            <p:nvPr/>
+          </p:nvSpPr>
+          <p:spPr>
+            <a:xfrm>
+              <a:off x="6198982" y="2110947"/>
+              <a:ext cx="1229376" cy="369332"/>
+            </a:xfrm>
+            <a:prstGeom prst="rect">
+              <a:avLst/>
+            </a:prstGeom>
+            <a:noFill/>
+          </p:spPr>
+          <p:txBody>
+            <a:bodyPr wrap="none" rtlCol="0">
+              <a:spAutoFit/>
+            </a:bodyPr>
+            <a:lstStyle/>
+            <a:p>
+              <a:r>
+                <a:rPr lang="pt-BR" dirty="0" smtClean="0"/>
+                <a:t>EXERCÍCIO:</a:t>
+              </a:r>
+              <a:endParaRPr lang="pt-BR" dirty="0"/>
+            </a:p>
+          </p:txBody>
+        </p:sp>
+      </p:grpSp>
+      <p:sp>
+        <p:nvSpPr>
+          <p:cNvPr id="11" name="CaixaDeTexto 10"/>
+          <p:cNvSpPr txBox="1"/>
+          <p:nvPr/>
+        </p:nvSpPr>
+        <p:spPr>
+          <a:xfrm>
+            <a:off x="5004048" y="2926685"/>
+            <a:ext cx="3384376" cy="2862322"/>
+          </a:xfrm>
+          <a:prstGeom prst="rect">
+            <a:avLst/>
+          </a:prstGeom>
+          <a:noFill/>
+        </p:spPr>
+        <p:txBody>
+          <a:bodyPr wrap="square" rtlCol="0">
+            <a:spAutoFit/>
+          </a:bodyPr>
+          <a:lstStyle/>
+          <a:p>
+            <a:pPr marL="342900" indent="-342900" algn="just">
+              <a:buAutoNum type="alphaLcParenR"/>
+            </a:pPr>
+            <a:r>
+              <a:rPr lang="pt-BR" dirty="0" smtClean="0"/>
+              <a:t>Mudar o alinhamento da propriedade de </a:t>
+            </a:r>
+            <a:r>
+              <a:rPr lang="pt-BR" i="1" dirty="0" err="1" smtClean="0"/>
+              <a:t>cell-centered</a:t>
+            </a:r>
+            <a:r>
+              <a:rPr lang="pt-BR" dirty="0" smtClean="0"/>
+              <a:t> para </a:t>
+            </a:r>
+            <a:r>
+              <a:rPr lang="pt-BR" i="1" dirty="0" smtClean="0"/>
+              <a:t>corner-point</a:t>
+            </a:r>
+            <a:r>
+              <a:rPr lang="pt-BR" dirty="0" smtClean="0"/>
+              <a:t>.</a:t>
+            </a:r>
+          </a:p>
+          <a:p>
+            <a:pPr marL="342900" indent="-342900" algn="just">
+              <a:buAutoNum type="alphaLcParenR"/>
+            </a:pPr>
+            <a:endParaRPr lang="pt-BR" dirty="0"/>
+          </a:p>
+          <a:p>
+            <a:pPr marL="342900" indent="-342900" algn="just">
+              <a:buAutoNum type="alphaLcParenR"/>
+            </a:pPr>
+            <a:r>
+              <a:rPr lang="pt-BR" dirty="0" smtClean="0"/>
+              <a:t>Mudar o critério de corte para todos os valores maiores que 50.</a:t>
+            </a:r>
+          </a:p>
+          <a:p>
+            <a:pPr marL="342900" indent="-342900" algn="just">
+              <a:buAutoNum type="alphaLcParenR"/>
+            </a:pPr>
+            <a:endParaRPr lang="pt-BR" dirty="0"/>
+          </a:p>
+          <a:p>
+            <a:pPr marL="342900" indent="-342900" algn="just">
+              <a:buAutoNum type="alphaLcParenR"/>
+            </a:pPr>
+            <a:r>
+              <a:rPr lang="pt-BR" dirty="0" smtClean="0"/>
+              <a:t>Ajustar a escala de cores para entre 0.0 e 50.0.</a:t>
+            </a:r>
+            <a:endParaRPr lang="pt-BR" dirty="0"/>
+          </a:p>
+        </p:txBody>
+      </p:sp>
     </p:spTree>
     <p:extLst>
       <p:ext uri="{BB962C8B-B14F-4D97-AF65-F5344CB8AC3E}">
@@ -19742,7 +20830,7 @@
         </p:blipFill>
         <p:spPr>
           <a:xfrm>
-            <a:off x="2627784" y="2348880"/>
+            <a:off x="467544" y="2420888"/>
             <a:ext cx="3618527" cy="3821608"/>
           </a:xfrm>
           <a:prstGeom prst="rect">
@@ -19811,67 +20899,224 @@
               </a:rPr>
               <a:t>\aulas_3dias\Cubo</a:t>
             </a:r>
+          </a:p>
+          <a:p>
+            <a:pPr marL="285750" indent="-285750">
+              <a:buFont typeface="Wingdings" panose="05000000000000000000" pitchFamily="2" charset="2"/>
+              <a:buChar char="Ø"/>
+            </a:pPr>
+            <a:r>
+              <a:rPr lang="pt-BR" sz="1600" dirty="0" smtClean="0">
+                <a:cs typeface="Courier New" panose="02070309020205020404" pitchFamily="49" charset="0"/>
+              </a:rPr>
+              <a:t>Dados</a:t>
+            </a:r>
+            <a:r>
+              <a:rPr lang="pt-BR" sz="1600" dirty="0">
+                <a:cs typeface="Courier New" panose="02070309020205020404" pitchFamily="49" charset="0"/>
+              </a:rPr>
+              <a:t>:</a:t>
+            </a:r>
+            <a:r>
+              <a:rPr lang="pt-BR" sz="1600" dirty="0">
+                <a:latin typeface="Courier New" panose="02070309020205020404" pitchFamily="49" charset="0"/>
+                <a:cs typeface="Courier New" panose="02070309020205020404" pitchFamily="49" charset="0"/>
+              </a:rPr>
+              <a:t> </a:t>
+            </a:r>
+            <a:r>
+              <a:rPr lang="pt-BR" sz="1600" dirty="0" smtClean="0">
+                <a:latin typeface="Courier New" panose="02070309020205020404" pitchFamily="49" charset="0"/>
+                <a:cs typeface="Courier New" panose="02070309020205020404" pitchFamily="49" charset="0"/>
+              </a:rPr>
+              <a:t>...\</a:t>
+            </a:r>
+            <a:r>
+              <a:rPr lang="pt-BR" sz="1600" dirty="0" err="1" smtClean="0">
+                <a:latin typeface="Courier New" panose="02070309020205020404" pitchFamily="49" charset="0"/>
+                <a:cs typeface="Courier New" panose="02070309020205020404" pitchFamily="49" charset="0"/>
+              </a:rPr>
+              <a:t>cursoVTKgeo</a:t>
+            </a:r>
+            <a:r>
+              <a:rPr lang="pt-BR" sz="1600" dirty="0" smtClean="0">
+                <a:latin typeface="Courier New" panose="02070309020205020404" pitchFamily="49" charset="0"/>
+                <a:cs typeface="Courier New" panose="02070309020205020404" pitchFamily="49" charset="0"/>
+              </a:rPr>
+              <a:t>\aulas_3dias\Cubo\dados\</a:t>
+            </a:r>
+            <a:r>
+              <a:rPr lang="pt-BR" sz="1600" dirty="0" err="1" smtClean="0">
+                <a:latin typeface="Courier New" panose="02070309020205020404" pitchFamily="49" charset="0"/>
+                <a:cs typeface="Courier New" panose="02070309020205020404" pitchFamily="49" charset="0"/>
+              </a:rPr>
+              <a:t>cubo.grid</a:t>
+            </a:r>
             <a:endParaRPr lang="pt-BR" sz="1600" dirty="0" smtClean="0">
               <a:latin typeface="Courier New" panose="02070309020205020404" pitchFamily="49" charset="0"/>
               <a:cs typeface="Courier New" panose="02070309020205020404" pitchFamily="49" charset="0"/>
             </a:endParaRPr>
           </a:p>
-          <a:p>
-            <a:pPr marL="285750" indent="-285750">
-              <a:buFont typeface="Wingdings" panose="05000000000000000000" pitchFamily="2" charset="2"/>
-              <a:buChar char="Ø"/>
-            </a:pPr>
-            <a:r>
-              <a:rPr lang="pt-BR" sz="1600" dirty="0" smtClean="0">
-                <a:cs typeface="Courier New" panose="02070309020205020404" pitchFamily="49" charset="0"/>
-              </a:rPr>
-              <a:t>Dados</a:t>
-            </a:r>
-            <a:r>
-              <a:rPr lang="pt-BR" sz="1600" dirty="0">
-                <a:cs typeface="Courier New" panose="02070309020205020404" pitchFamily="49" charset="0"/>
-              </a:rPr>
-              <a:t>:</a:t>
-            </a:r>
-            <a:r>
-              <a:rPr lang="pt-BR" sz="1600" dirty="0">
+        </p:txBody>
+      </p:sp>
+      <p:grpSp>
+        <p:nvGrpSpPr>
+          <p:cNvPr id="7" name="Grupo 6"/>
+          <p:cNvGrpSpPr/>
+          <p:nvPr/>
+        </p:nvGrpSpPr>
+        <p:grpSpPr>
+          <a:xfrm>
+            <a:off x="5508104" y="2287905"/>
+            <a:ext cx="1704230" cy="563447"/>
+            <a:chOff x="5724128" y="1988840"/>
+            <a:chExt cx="1704230" cy="563447"/>
+          </a:xfrm>
+        </p:grpSpPr>
+        <p:pic>
+          <p:nvPicPr>
+            <p:cNvPr id="8" name="Imagem 7"/>
+            <p:cNvPicPr>
+              <a:picLocks noChangeAspect="1"/>
+            </p:cNvPicPr>
+            <p:nvPr/>
+          </p:nvPicPr>
+          <p:blipFill>
+            <a:blip r:embed="rId4">
+              <a:clrChange>
+                <a:clrFrom>
+                  <a:srgbClr val="FFFFFF"/>
+                </a:clrFrom>
+                <a:clrTo>
+                  <a:srgbClr val="FFFFFF">
+                    <a:alpha val="0"/>
+                  </a:srgbClr>
+                </a:clrTo>
+              </a:clrChange>
+            </a:blip>
+            <a:stretch>
+              <a:fillRect/>
+            </a:stretch>
+          </p:blipFill>
+          <p:spPr>
+            <a:xfrm>
+              <a:off x="5724128" y="1988840"/>
+              <a:ext cx="563447" cy="563447"/>
+            </a:xfrm>
+            <a:prstGeom prst="rect">
+              <a:avLst/>
+            </a:prstGeom>
+          </p:spPr>
+        </p:pic>
+        <p:sp>
+          <p:nvSpPr>
+            <p:cNvPr id="9" name="CaixaDeTexto 8"/>
+            <p:cNvSpPr txBox="1"/>
+            <p:nvPr/>
+          </p:nvSpPr>
+          <p:spPr>
+            <a:xfrm>
+              <a:off x="6198982" y="2110947"/>
+              <a:ext cx="1229376" cy="369332"/>
+            </a:xfrm>
+            <a:prstGeom prst="rect">
+              <a:avLst/>
+            </a:prstGeom>
+            <a:noFill/>
+          </p:spPr>
+          <p:txBody>
+            <a:bodyPr wrap="none" rtlCol="0">
+              <a:spAutoFit/>
+            </a:bodyPr>
+            <a:lstStyle/>
+            <a:p>
+              <a:r>
+                <a:rPr lang="pt-BR" dirty="0" smtClean="0"/>
+                <a:t>EXERCÍCIO:</a:t>
+              </a:r>
+              <a:endParaRPr lang="pt-BR" dirty="0"/>
+            </a:p>
+          </p:txBody>
+        </p:sp>
+      </p:grpSp>
+      <p:sp>
+        <p:nvSpPr>
+          <p:cNvPr id="10" name="CaixaDeTexto 9"/>
+          <p:cNvSpPr txBox="1"/>
+          <p:nvPr/>
+        </p:nvSpPr>
+        <p:spPr>
+          <a:xfrm>
+            <a:off x="5004048" y="2926685"/>
+            <a:ext cx="3384376" cy="2308324"/>
+          </a:xfrm>
+          <a:prstGeom prst="rect">
+            <a:avLst/>
+          </a:prstGeom>
+          <a:noFill/>
+        </p:spPr>
+        <p:txBody>
+          <a:bodyPr wrap="square" rtlCol="0">
+            <a:spAutoFit/>
+          </a:bodyPr>
+          <a:lstStyle/>
+          <a:p>
+            <a:pPr algn="just"/>
+            <a:r>
+              <a:rPr lang="pt-BR" dirty="0" smtClean="0"/>
+              <a:t>Modificar o programa para carregar os dados </a:t>
+            </a:r>
+            <a:r>
+              <a:rPr lang="pt-BR" dirty="0"/>
+              <a:t>do arquivo </a:t>
+            </a:r>
+            <a:r>
+              <a:rPr lang="pt-BR" dirty="0" smtClean="0">
                 <a:latin typeface="Courier New" panose="02070309020205020404" pitchFamily="49" charset="0"/>
                 <a:cs typeface="Courier New" panose="02070309020205020404" pitchFamily="49" charset="0"/>
               </a:rPr>
-              <a:t> </a:t>
-            </a:r>
-            <a:r>
-              <a:rPr lang="pt-BR" sz="1600" dirty="0" smtClean="0">
-                <a:latin typeface="Courier New" panose="02070309020205020404" pitchFamily="49" charset="0"/>
-                <a:cs typeface="Courier New" panose="02070309020205020404" pitchFamily="49" charset="0"/>
-              </a:rPr>
-              <a:t>...\</a:t>
-            </a:r>
-            <a:r>
-              <a:rPr lang="pt-BR" sz="1600" dirty="0" err="1" smtClean="0">
-                <a:latin typeface="Courier New" panose="02070309020205020404" pitchFamily="49" charset="0"/>
-                <a:cs typeface="Courier New" panose="02070309020205020404" pitchFamily="49" charset="0"/>
-              </a:rPr>
-              <a:t>cursoVTKgeo</a:t>
-            </a:r>
-            <a:r>
-              <a:rPr lang="pt-BR" sz="1600" dirty="0" smtClean="0">
-                <a:latin typeface="Courier New" panose="02070309020205020404" pitchFamily="49" charset="0"/>
-                <a:cs typeface="Courier New" panose="02070309020205020404" pitchFamily="49" charset="0"/>
-              </a:rPr>
-              <a:t>\aulas_3dias\Cubo\dados\</a:t>
-            </a:r>
-            <a:r>
-              <a:rPr lang="pt-BR" sz="1600" dirty="0" err="1" smtClean="0">
-                <a:latin typeface="Courier New" panose="02070309020205020404" pitchFamily="49" charset="0"/>
-                <a:cs typeface="Courier New" panose="02070309020205020404" pitchFamily="49" charset="0"/>
-              </a:rPr>
-              <a:t>cubo.grid</a:t>
-            </a:r>
-            <a:endParaRPr lang="pt-BR" sz="1600" dirty="0" smtClean="0">
-              <a:latin typeface="Courier New" panose="02070309020205020404" pitchFamily="49" charset="0"/>
-              <a:cs typeface="Courier New" panose="02070309020205020404" pitchFamily="49" charset="0"/>
-            </a:endParaRPr>
+              <a:t>Cobre.dat.</a:t>
+            </a:r>
+          </a:p>
+          <a:p>
+            <a:pPr algn="just"/>
+            <a:endParaRPr lang="pt-BR" dirty="0"/>
+          </a:p>
+          <a:p>
+            <a:pPr algn="just"/>
+            <a:r>
+              <a:rPr lang="pt-BR" dirty="0" smtClean="0"/>
+              <a:t>Dimensões do grid:</a:t>
+            </a:r>
+          </a:p>
+          <a:p>
+            <a:r>
+              <a:rPr lang="pt-BR" dirty="0" smtClean="0"/>
+              <a:t>NX = 134</a:t>
+            </a:r>
+            <a:r>
+              <a:rPr lang="pt-BR" dirty="0"/>
+              <a:t/>
+            </a:r>
+            <a:br>
+              <a:rPr lang="pt-BR" dirty="0"/>
+            </a:br>
+            <a:r>
+              <a:rPr lang="pt-BR" dirty="0" smtClean="0"/>
+              <a:t>NY = 95</a:t>
+            </a:r>
+            <a:r>
+              <a:rPr lang="pt-BR" dirty="0"/>
+              <a:t/>
+            </a:r>
+            <a:br>
+              <a:rPr lang="pt-BR" dirty="0"/>
+            </a:br>
+            <a:r>
+              <a:rPr lang="pt-BR" dirty="0" smtClean="0"/>
+              <a:t>NZ = 94</a:t>
+            </a:r>
+            <a:endParaRPr lang="pt-BR" dirty="0"/>
           </a:p>
         </p:txBody>
       </p:sp>
@@ -20046,7 +21291,7 @@
         </p:blipFill>
         <p:spPr>
           <a:xfrm>
-            <a:off x="3131840" y="2287118"/>
+            <a:off x="395536" y="2287118"/>
             <a:ext cx="3808462" cy="4022202"/>
           </a:xfrm>
           <a:prstGeom prst="rect">
@@ -20208,7 +21453,7 @@
         </p:nvSpPr>
         <p:spPr>
           <a:xfrm>
-            <a:off x="323528" y="2618102"/>
+            <a:off x="5292080" y="2276872"/>
             <a:ext cx="2592288" cy="1323439"/>
           </a:xfrm>
           <a:prstGeom prst="rect">
@@ -20234,6 +21479,133 @@
               <a:latin typeface="Courier New" panose="02070309020205020404" pitchFamily="49" charset="0"/>
               <a:cs typeface="Courier New" panose="02070309020205020404" pitchFamily="49" charset="0"/>
             </a:endParaRPr>
+          </a:p>
+        </p:txBody>
+      </p:sp>
+      <p:grpSp>
+        <p:nvGrpSpPr>
+          <p:cNvPr id="9" name="Grupo 8"/>
+          <p:cNvGrpSpPr/>
+          <p:nvPr/>
+        </p:nvGrpSpPr>
+        <p:grpSpPr>
+          <a:xfrm>
+            <a:off x="5508104" y="3794264"/>
+            <a:ext cx="1704230" cy="563447"/>
+            <a:chOff x="5724128" y="1988840"/>
+            <a:chExt cx="1704230" cy="563447"/>
+          </a:xfrm>
+        </p:grpSpPr>
+        <p:pic>
+          <p:nvPicPr>
+            <p:cNvPr id="10" name="Imagem 9"/>
+            <p:cNvPicPr>
+              <a:picLocks noChangeAspect="1"/>
+            </p:cNvPicPr>
+            <p:nvPr/>
+          </p:nvPicPr>
+          <p:blipFill>
+            <a:blip r:embed="rId4">
+              <a:clrChange>
+                <a:clrFrom>
+                  <a:srgbClr val="FFFFFF"/>
+                </a:clrFrom>
+                <a:clrTo>
+                  <a:srgbClr val="FFFFFF">
+                    <a:alpha val="0"/>
+                  </a:srgbClr>
+                </a:clrTo>
+              </a:clrChange>
+            </a:blip>
+            <a:stretch>
+              <a:fillRect/>
+            </a:stretch>
+          </p:blipFill>
+          <p:spPr>
+            <a:xfrm>
+              <a:off x="5724128" y="1988840"/>
+              <a:ext cx="563447" cy="563447"/>
+            </a:xfrm>
+            <a:prstGeom prst="rect">
+              <a:avLst/>
+            </a:prstGeom>
+          </p:spPr>
+        </p:pic>
+        <p:sp>
+          <p:nvSpPr>
+            <p:cNvPr id="11" name="CaixaDeTexto 10"/>
+            <p:cNvSpPr txBox="1"/>
+            <p:nvPr/>
+          </p:nvSpPr>
+          <p:spPr>
+            <a:xfrm>
+              <a:off x="6198982" y="2110947"/>
+              <a:ext cx="1229376" cy="369332"/>
+            </a:xfrm>
+            <a:prstGeom prst="rect">
+              <a:avLst/>
+            </a:prstGeom>
+            <a:noFill/>
+          </p:spPr>
+          <p:txBody>
+            <a:bodyPr wrap="none" rtlCol="0">
+              <a:spAutoFit/>
+            </a:bodyPr>
+            <a:lstStyle/>
+            <a:p>
+              <a:r>
+                <a:rPr lang="pt-BR" dirty="0" smtClean="0"/>
+                <a:t>EXERCÍCIO:</a:t>
+              </a:r>
+              <a:endParaRPr lang="pt-BR" dirty="0"/>
+            </a:p>
+          </p:txBody>
+        </p:sp>
+      </p:grpSp>
+      <p:sp>
+        <p:nvSpPr>
+          <p:cNvPr id="12" name="CaixaDeTexto 11"/>
+          <p:cNvSpPr txBox="1"/>
+          <p:nvPr/>
+        </p:nvSpPr>
+        <p:spPr>
+          <a:xfrm>
+            <a:off x="5004048" y="4433044"/>
+            <a:ext cx="3384376" cy="1200329"/>
+          </a:xfrm>
+          <a:prstGeom prst="rect">
+            <a:avLst/>
+          </a:prstGeom>
+          <a:noFill/>
+        </p:spPr>
+        <p:txBody>
+          <a:bodyPr wrap="square" rtlCol="0">
+            <a:spAutoFit/>
+          </a:bodyPr>
+          <a:lstStyle/>
+          <a:p>
+            <a:pPr algn="just"/>
+            <a:r>
+              <a:rPr lang="pt-BR" dirty="0" smtClean="0"/>
+              <a:t>Modificar o programa para mostrar apenas um z-</a:t>
+            </a:r>
+            <a:r>
+              <a:rPr lang="pt-BR" dirty="0" err="1" smtClean="0"/>
+              <a:t>slice</a:t>
+            </a:r>
+            <a:r>
+              <a:rPr lang="pt-BR" dirty="0" smtClean="0"/>
+              <a:t> por vez ao invés de mostrar todo o volume da base até um z-</a:t>
+            </a:r>
+            <a:r>
+              <a:rPr lang="pt-BR" dirty="0" err="1" smtClean="0"/>
+              <a:t>slice</a:t>
+            </a:r>
+            <a:r>
+              <a:rPr lang="pt-BR" dirty="0" smtClean="0"/>
+              <a:t>.</a:t>
+            </a:r>
+            <a:endParaRPr lang="pt-BR" dirty="0"/>
           </a:p>
         </p:txBody>
       </p:sp>
@@ -20715,8 +22087,8 @@
         </p:nvSpPr>
         <p:spPr>
           <a:xfrm>
-            <a:off x="2843808" y="908720"/>
-            <a:ext cx="3865930" cy="369332"/>
+            <a:off x="3851920" y="908720"/>
+            <a:ext cx="1503938" cy="369332"/>
           </a:xfrm>
           <a:prstGeom prst="rect">
             <a:avLst/>
@@ -20731,7 +22103,7 @@
           <a:p>
             <a:r>
               <a:rPr lang="pt-BR" b="1" dirty="0" smtClean="0"/>
-              <a:t>4.5) Estruturas de geometria complexa</a:t>
+              <a:t>4.4) Cubos 3D</a:t>
             </a:r>
             <a:endParaRPr lang="pt-BR" b="1" dirty="0"/>
           </a:p>
@@ -20746,7 +22118,7 @@
         <p:spPr>
           <a:xfrm>
             <a:off x="3624835" y="1218238"/>
-            <a:ext cx="2173608" cy="338554"/>
+            <a:ext cx="2099293" cy="338554"/>
           </a:xfrm>
           <a:prstGeom prst="rect">
             <a:avLst/>
@@ -20761,22 +22133,106 @@
           <a:p>
             <a:r>
               <a:rPr lang="pt-BR" sz="1600" b="1" dirty="0" smtClean="0"/>
-              <a:t>4.5.1) Linhas poligonais</a:t>
+              <a:t>4.4.2) </a:t>
+            </a:r>
+            <a:r>
+              <a:rPr lang="pt-BR" sz="1600" b="1" dirty="0" err="1" smtClean="0"/>
+              <a:t>Subamostragem</a:t>
             </a:r>
             <a:endParaRPr lang="pt-BR" sz="1600" b="1" dirty="0"/>
           </a:p>
         </p:txBody>
       </p:sp>
-      <p:sp>
-        <p:nvSpPr>
-          <p:cNvPr id="7" name="CaixaDeTexto 6"/>
+      <p:grpSp>
+        <p:nvGrpSpPr>
+          <p:cNvPr id="11" name="Grupo 10"/>
+          <p:cNvGrpSpPr/>
+          <p:nvPr/>
+        </p:nvGrpSpPr>
+        <p:grpSpPr>
+          <a:xfrm>
+            <a:off x="3491880" y="2287905"/>
+            <a:ext cx="1704230" cy="563447"/>
+            <a:chOff x="5724128" y="1988840"/>
+            <a:chExt cx="1704230" cy="563447"/>
+          </a:xfrm>
+        </p:grpSpPr>
+        <p:pic>
+          <p:nvPicPr>
+            <p:cNvPr id="12" name="Imagem 11"/>
+            <p:cNvPicPr>
+              <a:picLocks noChangeAspect="1"/>
+            </p:cNvPicPr>
+            <p:nvPr/>
+          </p:nvPicPr>
+          <p:blipFill>
+            <a:blip r:embed="rId3">
+              <a:clrChange>
+                <a:clrFrom>
+                  <a:srgbClr val="FFFFFF"/>
+                </a:clrFrom>
+                <a:clrTo>
+                  <a:srgbClr val="FFFFFF">
+                    <a:alpha val="0"/>
+                  </a:srgbClr>
+                </a:clrTo>
+              </a:clrChange>
+            </a:blip>
+            <a:stretch>
+              <a:fillRect/>
+            </a:stretch>
+          </p:blipFill>
+          <p:spPr>
+            <a:xfrm>
+              <a:off x="5724128" y="1988840"/>
+              <a:ext cx="563447" cy="563447"/>
+            </a:xfrm>
+            <a:prstGeom prst="rect">
+              <a:avLst/>
+            </a:prstGeom>
+          </p:spPr>
+        </p:pic>
+        <p:sp>
+          <p:nvSpPr>
+            <p:cNvPr id="13" name="CaixaDeTexto 12"/>
+            <p:cNvSpPr txBox="1"/>
+            <p:nvPr/>
+          </p:nvSpPr>
+          <p:spPr>
+            <a:xfrm>
+              <a:off x="6198982" y="2110947"/>
+              <a:ext cx="1229376" cy="369332"/>
+            </a:xfrm>
+            <a:prstGeom prst="rect">
+              <a:avLst/>
+            </a:prstGeom>
+            <a:noFill/>
+          </p:spPr>
+          <p:txBody>
+            <a:bodyPr wrap="none" rtlCol="0">
+              <a:spAutoFit/>
+            </a:bodyPr>
+            <a:lstStyle/>
+            <a:p>
+              <a:r>
+                <a:rPr lang="pt-BR" dirty="0" smtClean="0"/>
+                <a:t>EXERCÍCIO:</a:t>
+              </a:r>
+              <a:endParaRPr lang="pt-BR" dirty="0"/>
+            </a:p>
+          </p:txBody>
+        </p:sp>
+      </p:grpSp>
+      <p:sp>
+        <p:nvSpPr>
+          <p:cNvPr id="14" name="CaixaDeTexto 13"/>
           <p:cNvSpPr txBox="1"/>
           <p:nvPr/>
         </p:nvSpPr>
         <p:spPr>
           <a:xfrm>
-            <a:off x="323528" y="1620089"/>
-            <a:ext cx="4900509" cy="338554"/>
+            <a:off x="2987824" y="2926685"/>
+            <a:ext cx="3384376" cy="2308324"/>
           </a:xfrm>
           <a:prstGeom prst="rect">
             <a:avLst/>
@@ -20784,67 +22240,74 @@
           <a:noFill/>
         </p:spPr>
         <p:txBody>
-          <a:bodyPr wrap="none" rtlCol="0">
+          <a:bodyPr wrap="square" rtlCol="0">
             <a:spAutoFit/>
           </a:bodyPr>
           <a:lstStyle/>
           <a:p>
-            <a:pPr marL="285750" indent="-285750">
-              <a:buFont typeface="Wingdings" panose="05000000000000000000" pitchFamily="2" charset="2"/>
-              <a:buChar char="Ø"/>
-            </a:pPr>
-            <a:r>
-              <a:rPr lang="pt-BR" sz="1600" dirty="0" smtClean="0">
-                <a:latin typeface="+mj-lt"/>
+            <a:pPr algn="just"/>
+            <a:r>
+              <a:rPr lang="pt-BR" dirty="0" smtClean="0"/>
+              <a:t>Modificar o programa para carregar os dados </a:t>
+            </a:r>
+            <a:r>
+              <a:rPr lang="pt-BR" dirty="0"/>
+              <a:t>do arquivo </a:t>
+            </a:r>
+            <a:r>
+              <a:rPr lang="pt-BR" dirty="0" smtClean="0">
+                <a:latin typeface="Courier New" panose="02070309020205020404" pitchFamily="49" charset="0"/>
                 <a:cs typeface="Courier New" panose="02070309020205020404" pitchFamily="49" charset="0"/>
               </a:rPr>
-              <a:t>Um dado de trajetória de poço em formato GEO-EAS.</a:t>
-            </a:r>
-          </a:p>
-        </p:txBody>
-      </p:sp>
-      <p:pic>
-        <p:nvPicPr>
-          <p:cNvPr id="3" name="Imagem 2"/>
-          <p:cNvPicPr>
-            <a:picLocks noChangeAspect="1"/>
-          </p:cNvPicPr>
-          <p:nvPr/>
-        </p:nvPicPr>
-        <p:blipFill>
-          <a:blip r:embed="rId3"/>
-          <a:stretch>
-            <a:fillRect/>
-          </a:stretch>
-        </p:blipFill>
-        <p:spPr>
-          <a:xfrm>
-            <a:off x="899592" y="2313256"/>
-            <a:ext cx="7353300" cy="3581400"/>
-          </a:xfrm>
-          <a:prstGeom prst="rect">
-            <a:avLst/>
-          </a:prstGeom>
-          <a:ln w="38100" cap="sq">
-            <a:solidFill>
-              <a:srgbClr val="000000"/>
-            </a:solidFill>
-            <a:prstDash val="solid"/>
-            <a:miter lim="800000"/>
-          </a:ln>
-          <a:effectLst>
-            <a:outerShdw blurRad="50800" dist="38100" dir="2700000" algn="tl" rotWithShape="0">
-              <a:srgbClr val="000000">
-                <a:alpha val="43000"/>
-              </a:srgbClr>
-            </a:outerShdw>
-          </a:effectLst>
-        </p:spPr>
-      </p:pic>
+              <a:t>Cobre.dat.</a:t>
+            </a:r>
+          </a:p>
+          <a:p>
+            <a:pPr algn="just"/>
+            <a:endParaRPr lang="pt-BR" dirty="0"/>
+          </a:p>
+          <a:p>
+            <a:pPr algn="just"/>
+            <a:r>
+              <a:rPr lang="pt-BR" dirty="0" smtClean="0"/>
+              <a:t>Dimensões do grid:</a:t>
+            </a:r>
+          </a:p>
+          <a:p>
+            <a:r>
+              <a:rPr lang="pt-BR" dirty="0" smtClean="0"/>
+              <a:t>NX = 134</a:t>
+            </a:r>
+            <a:r>
+              <a:rPr lang="pt-BR" dirty="0"/>
+              <a:t/>
+            </a:r>
+            <a:br>
+              <a:rPr lang="pt-BR" dirty="0"/>
+            </a:br>
+            <a:r>
+              <a:rPr lang="pt-BR" dirty="0" smtClean="0"/>
+              <a:t>NY = 95</a:t>
+            </a:r>
+            <a:r>
+              <a:rPr lang="pt-BR" dirty="0"/>
+              <a:t/>
+            </a:r>
+            <a:br>
+              <a:rPr lang="pt-BR" dirty="0"/>
+            </a:br>
+            <a:r>
+              <a:rPr lang="pt-BR" dirty="0" smtClean="0"/>
+              <a:t>NZ = 94</a:t>
+            </a:r>
+            <a:endParaRPr lang="pt-BR" dirty="0"/>
+          </a:p>
+        </p:txBody>
+      </p:sp>
     </p:spTree>
     <p:extLst>
       <p:ext uri="{BB962C8B-B14F-4D97-AF65-F5344CB8AC3E}">
-        <p14:creationId xmlns:p14="http://schemas.microsoft.com/office/powerpoint/2010/main" val="2161034562"/>
+        <p14:creationId xmlns:p14="http://schemas.microsoft.com/office/powerpoint/2010/main" val="951356412"/>
       </p:ext>
     </p:extLst>
   </p:cSld>
@@ -20985,7 +22448,7 @@
         <p:spPr>
           <a:xfrm>
             <a:off x="323528" y="1620089"/>
-            <a:ext cx="8084264" cy="584775"/>
+            <a:ext cx="4900509" cy="338554"/>
           </a:xfrm>
           <a:prstGeom prst="rect">
             <a:avLst/>
@@ -21003,107 +22466,18 @@
               <a:buChar char="Ø"/>
             </a:pPr>
             <a:r>
-              <a:rPr lang="pt-BR" sz="1600" dirty="0" smtClean="0"/>
-              <a:t>Fontes: </a:t>
-            </a:r>
-            <a:r>
               <a:rPr lang="pt-BR" sz="1600" dirty="0" smtClean="0">
-                <a:latin typeface="Courier New" panose="02070309020205020404" pitchFamily="49" charset="0"/>
+                <a:latin typeface="+mj-lt"/>
                 <a:cs typeface="Courier New" panose="02070309020205020404" pitchFamily="49" charset="0"/>
               </a:rPr>
-              <a:t>...\</a:t>
-            </a:r>
-            <a:r>
-              <a:rPr lang="pt-BR" sz="1600" dirty="0" err="1" smtClean="0">
-                <a:latin typeface="Courier New" panose="02070309020205020404" pitchFamily="49" charset="0"/>
-                <a:cs typeface="Courier New" panose="02070309020205020404" pitchFamily="49" charset="0"/>
-              </a:rPr>
-              <a:t>cursoVTKgeo</a:t>
-            </a:r>
-            <a:r>
-              <a:rPr lang="pt-BR" sz="1600" dirty="0" smtClean="0">
-                <a:latin typeface="Courier New" panose="02070309020205020404" pitchFamily="49" charset="0"/>
-                <a:cs typeface="Courier New" panose="02070309020205020404" pitchFamily="49" charset="0"/>
-              </a:rPr>
-              <a:t>\aulas_3dias\</a:t>
-            </a:r>
-            <a:r>
-              <a:rPr lang="pt-BR" sz="1600" dirty="0" err="1" smtClean="0">
-                <a:latin typeface="Courier New" panose="02070309020205020404" pitchFamily="49" charset="0"/>
-                <a:cs typeface="Courier New" panose="02070309020205020404" pitchFamily="49" charset="0"/>
-              </a:rPr>
-              <a:t>PocoLito</a:t>
-            </a:r>
-            <a:endParaRPr lang="pt-BR" sz="1600" dirty="0" smtClean="0">
-              <a:latin typeface="Courier New" panose="02070309020205020404" pitchFamily="49" charset="0"/>
-              <a:cs typeface="Courier New" panose="02070309020205020404" pitchFamily="49" charset="0"/>
-            </a:endParaRPr>
-          </a:p>
-          <a:p>
-            <a:pPr marL="285750" indent="-285750">
-              <a:buFont typeface="Wingdings" panose="05000000000000000000" pitchFamily="2" charset="2"/>
-              <a:buChar char="Ø"/>
-            </a:pPr>
-            <a:r>
-              <a:rPr lang="pt-BR" sz="1600" dirty="0" smtClean="0">
-                <a:cs typeface="Courier New" panose="02070309020205020404" pitchFamily="49" charset="0"/>
-              </a:rPr>
-              <a:t>Dados</a:t>
-            </a:r>
-            <a:r>
-              <a:rPr lang="pt-BR" sz="1600" dirty="0">
-                <a:cs typeface="Courier New" panose="02070309020205020404" pitchFamily="49" charset="0"/>
-              </a:rPr>
-              <a:t>:</a:t>
-            </a:r>
-            <a:r>
-              <a:rPr lang="pt-BR" sz="1600" dirty="0">
-                <a:latin typeface="Courier New" panose="02070309020205020404" pitchFamily="49" charset="0"/>
-                <a:cs typeface="Courier New" panose="02070309020205020404" pitchFamily="49" charset="0"/>
-              </a:rPr>
-              <a:t> </a:t>
-            </a:r>
-            <a:r>
-              <a:rPr lang="pt-BR" sz="1600" dirty="0" smtClean="0">
-                <a:latin typeface="Courier New" panose="02070309020205020404" pitchFamily="49" charset="0"/>
-                <a:cs typeface="Courier New" panose="02070309020205020404" pitchFamily="49" charset="0"/>
-              </a:rPr>
-              <a:t>...\</a:t>
-            </a:r>
-            <a:r>
-              <a:rPr lang="pt-BR" sz="1600" dirty="0" err="1" smtClean="0">
-                <a:latin typeface="Courier New" panose="02070309020205020404" pitchFamily="49" charset="0"/>
-                <a:cs typeface="Courier New" panose="02070309020205020404" pitchFamily="49" charset="0"/>
-              </a:rPr>
-              <a:t>cursoVTKgeo</a:t>
-            </a:r>
-            <a:r>
-              <a:rPr lang="pt-BR" sz="1600" dirty="0" smtClean="0">
-                <a:latin typeface="Courier New" panose="02070309020205020404" pitchFamily="49" charset="0"/>
-                <a:cs typeface="Courier New" panose="02070309020205020404" pitchFamily="49" charset="0"/>
-              </a:rPr>
-              <a:t>\aulas_3dias\</a:t>
-            </a:r>
-            <a:r>
-              <a:rPr lang="pt-BR" sz="1600" dirty="0" err="1" smtClean="0">
-                <a:latin typeface="Courier New" panose="02070309020205020404" pitchFamily="49" charset="0"/>
-                <a:cs typeface="Courier New" panose="02070309020205020404" pitchFamily="49" charset="0"/>
-              </a:rPr>
-              <a:t>PocoLito</a:t>
-            </a:r>
-            <a:r>
-              <a:rPr lang="pt-BR" sz="1600" dirty="0" smtClean="0">
-                <a:latin typeface="Courier New" panose="02070309020205020404" pitchFamily="49" charset="0"/>
-                <a:cs typeface="Courier New" panose="02070309020205020404" pitchFamily="49" charset="0"/>
-              </a:rPr>
-              <a:t>\dados\poco_lito.txt</a:t>
+              <a:t>Um dado de trajetória de poço em formato GEO-EAS.</a:t>
             </a:r>
           </a:p>
         </p:txBody>
       </p:sp>
       <p:pic>
         <p:nvPicPr>
-          <p:cNvPr id="2" name="Imagem 1"/>
+          <p:cNvPr id="3" name="Imagem 2"/>
           <p:cNvPicPr>
             <a:picLocks noChangeAspect="1"/>
           </p:cNvPicPr>
@@ -21117,19 +22491,23 @@
         </p:blipFill>
         <p:spPr>
           <a:xfrm>
-            <a:off x="2339752" y="2297877"/>
-            <a:ext cx="3880470" cy="4098251"/>
-          </a:xfrm>
-          <a:prstGeom prst="rect">
-            <a:avLst/>
-          </a:prstGeom>
-          <a:ln>
-            <a:noFill/>
+            <a:off x="899592" y="2313256"/>
+            <a:ext cx="7353300" cy="3581400"/>
+          </a:xfrm>
+          <a:prstGeom prst="rect">
+            <a:avLst/>
+          </a:prstGeom>
+          <a:ln w="38100" cap="sq">
+            <a:solidFill>
+              <a:srgbClr val="000000"/>
+            </a:solidFill>
+            <a:prstDash val="solid"/>
+            <a:miter lim="800000"/>
           </a:ln>
           <a:effectLst>
-            <a:outerShdw blurRad="292100" dist="139700" dir="2700000" algn="tl" rotWithShape="0">
-              <a:srgbClr val="333333">
-                <a:alpha val="65000"/>
+            <a:outerShdw blurRad="50800" dist="38100" dir="2700000" algn="tl" rotWithShape="0">
+              <a:srgbClr val="000000">
+                <a:alpha val="43000"/>
               </a:srgbClr>
             </a:outerShdw>
           </a:effectLst>
@@ -21138,7 +22516,7 @@
     </p:spTree>
     <p:extLst>
       <p:ext uri="{BB962C8B-B14F-4D97-AF65-F5344CB8AC3E}">
-        <p14:creationId xmlns:p14="http://schemas.microsoft.com/office/powerpoint/2010/main" val="1857220638"/>
+        <p14:creationId xmlns:p14="http://schemas.microsoft.com/office/powerpoint/2010/main" val="2161034562"/>
       </p:ext>
     </p:extLst>
   </p:cSld>
@@ -21248,8 +22626,8 @@
         </p:nvSpPr>
         <p:spPr>
           <a:xfrm>
-            <a:off x="3859896" y="1218238"/>
-            <a:ext cx="1648208" cy="338554"/>
+            <a:off x="3624835" y="1218238"/>
+            <a:ext cx="2173608" cy="338554"/>
           </a:xfrm>
           <a:prstGeom prst="rect">
             <a:avLst/>
@@ -21264,7 +22642,7 @@
           <a:p>
             <a:r>
               <a:rPr lang="pt-BR" sz="1600" b="1" dirty="0" smtClean="0"/>
-              <a:t>4.5.2) Superfícies</a:t>
+              <a:t>4.5.1) Linhas poligonais</a:t>
             </a:r>
             <a:endParaRPr lang="pt-BR" sz="1600" b="1" dirty="0"/>
           </a:p>
@@ -21279,7 +22657,7 @@
         <p:spPr>
           <a:xfrm>
             <a:off x="323528" y="1620089"/>
-            <a:ext cx="3299621" cy="338554"/>
+            <a:ext cx="8084264" cy="584775"/>
           </a:xfrm>
           <a:prstGeom prst="rect">
             <a:avLst/>
@@ -21297,18 +22675,107 @@
               <a:buChar char="Ø"/>
             </a:pPr>
             <a:r>
+              <a:rPr lang="pt-BR" sz="1600" dirty="0" smtClean="0"/>
+              <a:t>Fontes: </a:t>
+            </a:r>
+            <a:r>
               <a:rPr lang="pt-BR" sz="1600" dirty="0" smtClean="0">
-                <a:latin typeface="+mj-lt"/>
+                <a:latin typeface="Courier New" panose="02070309020205020404" pitchFamily="49" charset="0"/>
                 <a:cs typeface="Courier New" panose="02070309020205020404" pitchFamily="49" charset="0"/>
               </a:rPr>
-              <a:t>Um grid GEO-EAS com horizontes.</a:t>
+              <a:t>...\</a:t>
+            </a:r>
+            <a:r>
+              <a:rPr lang="pt-BR" sz="1600" dirty="0" err="1" smtClean="0">
+                <a:latin typeface="Courier New" panose="02070309020205020404" pitchFamily="49" charset="0"/>
+                <a:cs typeface="Courier New" panose="02070309020205020404" pitchFamily="49" charset="0"/>
+              </a:rPr>
+              <a:t>cursoVTKgeo</a:t>
+            </a:r>
+            <a:r>
+              <a:rPr lang="pt-BR" sz="1600" dirty="0" smtClean="0">
+                <a:latin typeface="Courier New" panose="02070309020205020404" pitchFamily="49" charset="0"/>
+                <a:cs typeface="Courier New" panose="02070309020205020404" pitchFamily="49" charset="0"/>
+              </a:rPr>
+              <a:t>\aulas_3dias\</a:t>
+            </a:r>
+            <a:r>
+              <a:rPr lang="pt-BR" sz="1600" dirty="0" err="1" smtClean="0">
+                <a:latin typeface="Courier New" panose="02070309020205020404" pitchFamily="49" charset="0"/>
+                <a:cs typeface="Courier New" panose="02070309020205020404" pitchFamily="49" charset="0"/>
+              </a:rPr>
+              <a:t>PocoLito</a:t>
+            </a:r>
+            <a:endParaRPr lang="pt-BR" sz="1600" dirty="0" smtClean="0">
+              <a:latin typeface="Courier New" panose="02070309020205020404" pitchFamily="49" charset="0"/>
+              <a:cs typeface="Courier New" panose="02070309020205020404" pitchFamily="49" charset="0"/>
+            </a:endParaRPr>
+          </a:p>
+          <a:p>
+            <a:pPr marL="285750" indent="-285750">
+              <a:buFont typeface="Wingdings" panose="05000000000000000000" pitchFamily="2" charset="2"/>
+              <a:buChar char="Ø"/>
+            </a:pPr>
+            <a:r>
+              <a:rPr lang="pt-BR" sz="1600" dirty="0" smtClean="0">
+                <a:cs typeface="Courier New" panose="02070309020205020404" pitchFamily="49" charset="0"/>
+              </a:rPr>
+              <a:t>Dados</a:t>
+            </a:r>
+            <a:r>
+              <a:rPr lang="pt-BR" sz="1600" dirty="0">
+                <a:cs typeface="Courier New" panose="02070309020205020404" pitchFamily="49" charset="0"/>
+              </a:rPr>
+              <a:t>:</a:t>
+            </a:r>
+            <a:r>
+              <a:rPr lang="pt-BR" sz="1600" dirty="0">
+                <a:latin typeface="Courier New" panose="02070309020205020404" pitchFamily="49" charset="0"/>
+                <a:cs typeface="Courier New" panose="02070309020205020404" pitchFamily="49" charset="0"/>
+              </a:rPr>
+              <a:t> </a:t>
+            </a:r>
+            <a:r>
+              <a:rPr lang="pt-BR" sz="1600" dirty="0" smtClean="0">
+                <a:latin typeface="Courier New" panose="02070309020205020404" pitchFamily="49" charset="0"/>
+                <a:cs typeface="Courier New" panose="02070309020205020404" pitchFamily="49" charset="0"/>
+              </a:rPr>
+              <a:t>...\</a:t>
+            </a:r>
+            <a:r>
+              <a:rPr lang="pt-BR" sz="1600" dirty="0" err="1" smtClean="0">
+                <a:latin typeface="Courier New" panose="02070309020205020404" pitchFamily="49" charset="0"/>
+                <a:cs typeface="Courier New" panose="02070309020205020404" pitchFamily="49" charset="0"/>
+              </a:rPr>
+              <a:t>cursoVTKgeo</a:t>
+            </a:r>
+            <a:r>
+              <a:rPr lang="pt-BR" sz="1600" dirty="0" smtClean="0">
+                <a:latin typeface="Courier New" panose="02070309020205020404" pitchFamily="49" charset="0"/>
+                <a:cs typeface="Courier New" panose="02070309020205020404" pitchFamily="49" charset="0"/>
+              </a:rPr>
+              <a:t>\aulas_3dias\</a:t>
+            </a:r>
+            <a:r>
+              <a:rPr lang="pt-BR" sz="1600" dirty="0" err="1" smtClean="0">
+                <a:latin typeface="Courier New" panose="02070309020205020404" pitchFamily="49" charset="0"/>
+                <a:cs typeface="Courier New" panose="02070309020205020404" pitchFamily="49" charset="0"/>
+              </a:rPr>
+              <a:t>PocoLito</a:t>
+            </a:r>
+            <a:r>
+              <a:rPr lang="pt-BR" sz="1600" dirty="0" smtClean="0">
+                <a:latin typeface="Courier New" panose="02070309020205020404" pitchFamily="49" charset="0"/>
+                <a:cs typeface="Courier New" panose="02070309020205020404" pitchFamily="49" charset="0"/>
+              </a:rPr>
+              <a:t>\dados\poco_lito.txt</a:t>
             </a:r>
           </a:p>
         </p:txBody>
       </p:sp>
       <p:pic>
         <p:nvPicPr>
-          <p:cNvPr id="3" name="Imagem 2"/>
+          <p:cNvPr id="2" name="Imagem 1"/>
           <p:cNvPicPr>
             <a:picLocks noChangeAspect="1"/>
           </p:cNvPicPr>
@@ -21322,32 +22789,139 @@
         </p:blipFill>
         <p:spPr>
           <a:xfrm>
-            <a:off x="2093200" y="2132856"/>
-            <a:ext cx="5181600" cy="4067175"/>
-          </a:xfrm>
-          <a:prstGeom prst="rect">
-            <a:avLst/>
-          </a:prstGeom>
-          <a:ln w="38100" cap="sq">
-            <a:solidFill>
-              <a:srgbClr val="000000"/>
-            </a:solidFill>
-            <a:prstDash val="solid"/>
-            <a:miter lim="800000"/>
+            <a:off x="395536" y="2297877"/>
+            <a:ext cx="3880470" cy="4098251"/>
+          </a:xfrm>
+          <a:prstGeom prst="rect">
+            <a:avLst/>
+          </a:prstGeom>
+          <a:ln>
+            <a:noFill/>
           </a:ln>
           <a:effectLst>
-            <a:outerShdw blurRad="50800" dist="38100" dir="2700000" algn="tl" rotWithShape="0">
-              <a:srgbClr val="000000">
-                <a:alpha val="43000"/>
+            <a:outerShdw blurRad="292100" dist="139700" dir="2700000" algn="tl" rotWithShape="0">
+              <a:srgbClr val="333333">
+                <a:alpha val="65000"/>
               </a:srgbClr>
             </a:outerShdw>
           </a:effectLst>
         </p:spPr>
       </p:pic>
+      <p:grpSp>
+        <p:nvGrpSpPr>
+          <p:cNvPr id="8" name="Grupo 7"/>
+          <p:cNvGrpSpPr/>
+          <p:nvPr/>
+        </p:nvGrpSpPr>
+        <p:grpSpPr>
+          <a:xfrm>
+            <a:off x="5508104" y="2420888"/>
+            <a:ext cx="1704230" cy="563447"/>
+            <a:chOff x="5724128" y="1988840"/>
+            <a:chExt cx="1704230" cy="563447"/>
+          </a:xfrm>
+        </p:grpSpPr>
+        <p:pic>
+          <p:nvPicPr>
+            <p:cNvPr id="9" name="Imagem 8"/>
+            <p:cNvPicPr>
+              <a:picLocks noChangeAspect="1"/>
+            </p:cNvPicPr>
+            <p:nvPr/>
+          </p:nvPicPr>
+          <p:blipFill>
+            <a:blip r:embed="rId4">
+              <a:clrChange>
+                <a:clrFrom>
+                  <a:srgbClr val="FFFFFF"/>
+                </a:clrFrom>
+                <a:clrTo>
+                  <a:srgbClr val="FFFFFF">
+                    <a:alpha val="0"/>
+                  </a:srgbClr>
+                </a:clrTo>
+              </a:clrChange>
+            </a:blip>
+            <a:stretch>
+              <a:fillRect/>
+            </a:stretch>
+          </p:blipFill>
+          <p:spPr>
+            <a:xfrm>
+              <a:off x="5724128" y="1988840"/>
+              <a:ext cx="563447" cy="563447"/>
+            </a:xfrm>
+            <a:prstGeom prst="rect">
+              <a:avLst/>
+            </a:prstGeom>
+          </p:spPr>
+        </p:pic>
+        <p:sp>
+          <p:nvSpPr>
+            <p:cNvPr id="10" name="CaixaDeTexto 9"/>
+            <p:cNvSpPr txBox="1"/>
+            <p:nvPr/>
+          </p:nvSpPr>
+          <p:spPr>
+            <a:xfrm>
+              <a:off x="6198982" y="2110947"/>
+              <a:ext cx="1229376" cy="369332"/>
+            </a:xfrm>
+            <a:prstGeom prst="rect">
+              <a:avLst/>
+            </a:prstGeom>
+            <a:noFill/>
+          </p:spPr>
+          <p:txBody>
+            <a:bodyPr wrap="none" rtlCol="0">
+              <a:spAutoFit/>
+            </a:bodyPr>
+            <a:lstStyle/>
+            <a:p>
+              <a:r>
+                <a:rPr lang="pt-BR" dirty="0" smtClean="0"/>
+                <a:t>EXERCÍCIO:</a:t>
+              </a:r>
+              <a:endParaRPr lang="pt-BR" dirty="0"/>
+            </a:p>
+          </p:txBody>
+        </p:sp>
+      </p:grpSp>
+      <p:sp>
+        <p:nvSpPr>
+          <p:cNvPr id="11" name="CaixaDeTexto 10"/>
+          <p:cNvSpPr txBox="1"/>
+          <p:nvPr/>
+        </p:nvSpPr>
+        <p:spPr>
+          <a:xfrm>
+            <a:off x="5004048" y="3059668"/>
+            <a:ext cx="3384376" cy="923330"/>
+          </a:xfrm>
+          <a:prstGeom prst="rect">
+            <a:avLst/>
+          </a:prstGeom>
+          <a:noFill/>
+        </p:spPr>
+        <p:txBody>
+          <a:bodyPr wrap="square" rtlCol="0">
+            <a:spAutoFit/>
+          </a:bodyPr>
+          <a:lstStyle/>
+          <a:p>
+            <a:pPr algn="just"/>
+            <a:r>
+              <a:rPr lang="pt-BR" dirty="0" smtClean="0"/>
+              <a:t>Desenhar o poço como uma linha com espessura 5.0 ao invés de como um tubo.</a:t>
+            </a:r>
+            <a:endParaRPr lang="pt-BR" dirty="0"/>
+          </a:p>
+        </p:txBody>
+      </p:sp>
     </p:spTree>
     <p:extLst>
       <p:ext uri="{BB962C8B-B14F-4D97-AF65-F5344CB8AC3E}">
-        <p14:creationId xmlns:p14="http://schemas.microsoft.com/office/powerpoint/2010/main" val="3812166210"/>
+        <p14:creationId xmlns:p14="http://schemas.microsoft.com/office/powerpoint/2010/main" val="1857220638"/>
       </p:ext>
     </p:extLst>
   </p:cSld>
@@ -21479,9 +23053,45 @@
           </a:p>
         </p:txBody>
       </p:sp>
+      <p:sp>
+        <p:nvSpPr>
+          <p:cNvPr id="7" name="CaixaDeTexto 6"/>
+          <p:cNvSpPr txBox="1"/>
+          <p:nvPr/>
+        </p:nvSpPr>
+        <p:spPr>
+          <a:xfrm>
+            <a:off x="323528" y="1620089"/>
+            <a:ext cx="3299621" cy="338554"/>
+          </a:xfrm>
+          <a:prstGeom prst="rect">
+            <a:avLst/>
+          </a:prstGeom>
+          <a:noFill/>
+        </p:spPr>
+        <p:txBody>
+          <a:bodyPr wrap="none" rtlCol="0">
+            <a:spAutoFit/>
+          </a:bodyPr>
+          <a:lstStyle/>
+          <a:p>
+            <a:pPr marL="285750" indent="-285750">
+              <a:buFont typeface="Wingdings" panose="05000000000000000000" pitchFamily="2" charset="2"/>
+              <a:buChar char="Ø"/>
+            </a:pPr>
+            <a:r>
+              <a:rPr lang="pt-BR" sz="1600" dirty="0" smtClean="0">
+                <a:latin typeface="+mj-lt"/>
+                <a:cs typeface="Courier New" panose="02070309020205020404" pitchFamily="49" charset="0"/>
+              </a:rPr>
+              <a:t>Um grid GEO-EAS com horizontes.</a:t>
+            </a:r>
+          </a:p>
+        </p:txBody>
+      </p:sp>
       <p:pic>
         <p:nvPicPr>
-          <p:cNvPr id="2" name="Imagem 1"/>
+          <p:cNvPr id="3" name="Imagem 2"/>
           <p:cNvPicPr>
             <a:picLocks noChangeAspect="1"/>
           </p:cNvPicPr>
@@ -21495,139 +23105,32 @@
         </p:blipFill>
         <p:spPr>
           <a:xfrm>
-            <a:off x="2491730" y="2268161"/>
-            <a:ext cx="4024486" cy="4250350"/>
-          </a:xfrm>
-          <a:prstGeom prst="rect">
-            <a:avLst/>
-          </a:prstGeom>
-          <a:ln>
-            <a:noFill/>
+            <a:off x="2093200" y="2132856"/>
+            <a:ext cx="5181600" cy="4067175"/>
+          </a:xfrm>
+          <a:prstGeom prst="rect">
+            <a:avLst/>
+          </a:prstGeom>
+          <a:ln w="38100" cap="sq">
+            <a:solidFill>
+              <a:srgbClr val="000000"/>
+            </a:solidFill>
+            <a:prstDash val="solid"/>
+            <a:miter lim="800000"/>
           </a:ln>
           <a:effectLst>
-            <a:outerShdw blurRad="292100" dist="139700" dir="2700000" algn="tl" rotWithShape="0">
-              <a:srgbClr val="333333">
-                <a:alpha val="65000"/>
+            <a:outerShdw blurRad="50800" dist="38100" dir="2700000" algn="tl" rotWithShape="0">
+              <a:srgbClr val="000000">
+                <a:alpha val="43000"/>
               </a:srgbClr>
             </a:outerShdw>
           </a:effectLst>
         </p:spPr>
       </p:pic>
-      <p:sp>
-        <p:nvSpPr>
-          <p:cNvPr id="8" name="CaixaDeTexto 7"/>
-          <p:cNvSpPr txBox="1"/>
-          <p:nvPr/>
-        </p:nvSpPr>
-        <p:spPr>
-          <a:xfrm>
-            <a:off x="179512" y="1620089"/>
-            <a:ext cx="8797601" cy="584775"/>
-          </a:xfrm>
-          <a:prstGeom prst="rect">
-            <a:avLst/>
-          </a:prstGeom>
-          <a:noFill/>
-        </p:spPr>
-        <p:txBody>
-          <a:bodyPr wrap="none" rtlCol="0">
-            <a:spAutoFit/>
-          </a:bodyPr>
-          <a:lstStyle/>
-          <a:p>
-            <a:pPr marL="285750" indent="-285750">
-              <a:buFont typeface="Wingdings" panose="05000000000000000000" pitchFamily="2" charset="2"/>
-              <a:buChar char="Ø"/>
-            </a:pPr>
-            <a:r>
-              <a:rPr lang="pt-BR" sz="1600" dirty="0" smtClean="0"/>
-              <a:t>Fontes: </a:t>
-            </a:r>
-            <a:r>
-              <a:rPr lang="pt-BR" sz="1600" dirty="0" smtClean="0">
-                <a:latin typeface="Courier New" panose="02070309020205020404" pitchFamily="49" charset="0"/>
-                <a:cs typeface="Courier New" panose="02070309020205020404" pitchFamily="49" charset="0"/>
-              </a:rPr>
-              <a:t>...\</a:t>
-            </a:r>
-            <a:r>
-              <a:rPr lang="pt-BR" sz="1600" dirty="0" err="1" smtClean="0">
-                <a:latin typeface="Courier New" panose="02070309020205020404" pitchFamily="49" charset="0"/>
-                <a:cs typeface="Courier New" panose="02070309020205020404" pitchFamily="49" charset="0"/>
-              </a:rPr>
-              <a:t>cursoVTKgeo</a:t>
-            </a:r>
-            <a:r>
-              <a:rPr lang="pt-BR" sz="1600" dirty="0" smtClean="0">
-                <a:latin typeface="Courier New" panose="02070309020205020404" pitchFamily="49" charset="0"/>
-                <a:cs typeface="Courier New" panose="02070309020205020404" pitchFamily="49" charset="0"/>
-              </a:rPr>
-              <a:t>\aulas_3dias\Horizontes</a:t>
-            </a:r>
-          </a:p>
-          <a:p>
-            <a:pPr marL="285750" indent="-285750">
-              <a:buFont typeface="Wingdings" panose="05000000000000000000" pitchFamily="2" charset="2"/>
-              <a:buChar char="Ø"/>
-            </a:pPr>
-            <a:r>
-              <a:rPr lang="pt-BR" sz="1600" dirty="0" smtClean="0">
-                <a:cs typeface="Courier New" panose="02070309020205020404" pitchFamily="49" charset="0"/>
-              </a:rPr>
-              <a:t>Dados</a:t>
-            </a:r>
-            <a:r>
-              <a:rPr lang="pt-BR" sz="1600" dirty="0">
-                <a:cs typeface="Courier New" panose="02070309020205020404" pitchFamily="49" charset="0"/>
-              </a:rPr>
-              <a:t>:</a:t>
-            </a:r>
-            <a:r>
-              <a:rPr lang="pt-BR" sz="1600" dirty="0">
-                <a:latin typeface="Courier New" panose="02070309020205020404" pitchFamily="49" charset="0"/>
-                <a:cs typeface="Courier New" panose="02070309020205020404" pitchFamily="49" charset="0"/>
-              </a:rPr>
-              <a:t> </a:t>
-            </a:r>
-            <a:r>
-              <a:rPr lang="pt-BR" sz="1400" dirty="0" smtClean="0">
-                <a:latin typeface="Courier New" panose="02070309020205020404" pitchFamily="49" charset="0"/>
-                <a:cs typeface="Courier New" panose="02070309020205020404" pitchFamily="49" charset="0"/>
-              </a:rPr>
-              <a:t>...\</a:t>
-            </a:r>
-            <a:r>
-              <a:rPr lang="pt-BR" sz="1400" dirty="0" err="1" smtClean="0">
-                <a:latin typeface="Courier New" panose="02070309020205020404" pitchFamily="49" charset="0"/>
-                <a:cs typeface="Courier New" panose="02070309020205020404" pitchFamily="49" charset="0"/>
-              </a:rPr>
-              <a:t>cursoVTKgeo</a:t>
-            </a:r>
-            <a:r>
-              <a:rPr lang="pt-BR" sz="1400" dirty="0" smtClean="0">
-                <a:latin typeface="Courier New" panose="02070309020205020404" pitchFamily="49" charset="0"/>
-                <a:cs typeface="Courier New" panose="02070309020205020404" pitchFamily="49" charset="0"/>
-              </a:rPr>
-              <a:t>\aulas_3dias\Horizontes\dados\</a:t>
-            </a:r>
-            <a:r>
-              <a:rPr lang="pt-BR" sz="1400" dirty="0" err="1" smtClean="0">
-                <a:latin typeface="Courier New" panose="02070309020205020404" pitchFamily="49" charset="0"/>
-                <a:cs typeface="Courier New" panose="02070309020205020404" pitchFamily="49" charset="0"/>
-              </a:rPr>
-              <a:t>horizontes_zonas_prod.grid</a:t>
-            </a:r>
-            <a:endParaRPr lang="pt-BR" sz="1600" dirty="0" smtClean="0">
-              <a:latin typeface="Courier New" panose="02070309020205020404" pitchFamily="49" charset="0"/>
-              <a:cs typeface="Courier New" panose="02070309020205020404" pitchFamily="49" charset="0"/>
-            </a:endParaRPr>
-          </a:p>
-        </p:txBody>
-      </p:sp>
     </p:spTree>
     <p:extLst>
       <p:ext uri="{BB962C8B-B14F-4D97-AF65-F5344CB8AC3E}">
-        <p14:creationId xmlns:p14="http://schemas.microsoft.com/office/powerpoint/2010/main" val="3740759107"/>
+        <p14:creationId xmlns:p14="http://schemas.microsoft.com/office/powerpoint/2010/main" val="3812166210"/>
       </p:ext>
     </p:extLst>
   </p:cSld>
@@ -21707,8 +23210,8 @@
         </p:nvSpPr>
         <p:spPr>
           <a:xfrm>
-            <a:off x="2421706" y="908720"/>
-            <a:ext cx="4670574" cy="369332"/>
+            <a:off x="2843808" y="908720"/>
+            <a:ext cx="3865930" cy="369332"/>
           </a:xfrm>
           <a:prstGeom prst="rect">
             <a:avLst/>
@@ -21723,21 +23226,39 @@
           <a:p>
             <a:r>
               <a:rPr lang="pt-BR" b="1" dirty="0" smtClean="0"/>
-              <a:t>4.6) Interação com o modelo: </a:t>
-            </a:r>
-            <a:r>
-              <a:rPr lang="pt-BR" b="1" i="1" dirty="0" err="1" smtClean="0"/>
-              <a:t>picking</a:t>
-            </a:r>
-            <a:r>
-              <a:rPr lang="pt-BR" b="1" dirty="0" smtClean="0"/>
-              <a:t> e </a:t>
-            </a:r>
-            <a:r>
-              <a:rPr lang="pt-BR" b="1" i="1" dirty="0" err="1" smtClean="0"/>
-              <a:t>probing</a:t>
-            </a:r>
-            <a:endParaRPr lang="pt-BR" b="1" i="1" dirty="0"/>
+              <a:t>4.5) Estruturas de geometria complexa</a:t>
+            </a:r>
+            <a:endParaRPr lang="pt-BR" b="1" dirty="0"/>
+          </a:p>
+        </p:txBody>
+      </p:sp>
+      <p:sp>
+        <p:nvSpPr>
+          <p:cNvPr id="6" name="CaixaDeTexto 5"/>
+          <p:cNvSpPr txBox="1"/>
+          <p:nvPr/>
+        </p:nvSpPr>
+        <p:spPr>
+          <a:xfrm>
+            <a:off x="3859896" y="1218238"/>
+            <a:ext cx="1648208" cy="338554"/>
+          </a:xfrm>
+          <a:prstGeom prst="rect">
+            <a:avLst/>
+          </a:prstGeom>
+          <a:noFill/>
+        </p:spPr>
+        <p:txBody>
+          <a:bodyPr wrap="none" rtlCol="0">
+            <a:spAutoFit/>
+          </a:bodyPr>
+          <a:lstStyle/>
+          <a:p>
+            <a:r>
+              <a:rPr lang="pt-BR" sz="1600" b="1" dirty="0" smtClean="0"/>
+              <a:t>4.5.2) Superfícies</a:t>
+            </a:r>
+            <a:endParaRPr lang="pt-BR" sz="1600" b="1" dirty="0"/>
           </a:p>
         </p:txBody>
       </p:sp>
@@ -21757,8 +23278,8 @@
         </p:blipFill>
         <p:spPr>
           <a:xfrm>
-            <a:off x="2923778" y="1895482"/>
-            <a:ext cx="3088382" cy="3261710"/>
+            <a:off x="539552" y="2268161"/>
+            <a:ext cx="4024486" cy="4250350"/>
           </a:xfrm>
           <a:prstGeom prst="rect">
             <a:avLst/>
@@ -21777,102 +23298,14 @@
       </p:pic>
       <p:sp>
         <p:nvSpPr>
-          <p:cNvPr id="3" name="Seta para a direita 2"/>
-          <p:cNvSpPr/>
-          <p:nvPr/>
-        </p:nvSpPr>
-        <p:spPr>
-          <a:xfrm rot="13698008">
-            <a:off x="4562658" y="3760448"/>
-            <a:ext cx="293169" cy="134999"/>
-          </a:xfrm>
-          <a:prstGeom prst="rightArrow">
-            <a:avLst>
-              <a:gd name="adj1" fmla="val 50000"/>
-              <a:gd name="adj2" fmla="val 166673"/>
-            </a:avLst>
-          </a:prstGeom>
-          <a:solidFill>
-            <a:srgbClr val="FFFFFF"/>
-          </a:solidFill>
-        </p:spPr>
-        <p:style>
-          <a:lnRef idx="2">
-            <a:schemeClr val="dk1">
-              <a:shade val="50000"/>
-            </a:schemeClr>
-          </a:lnRef>
-          <a:fillRef idx="1">
-            <a:schemeClr val="dk1"/>
-          </a:fillRef>
-          <a:effectRef idx="0">
-            <a:schemeClr val="dk1"/>
-          </a:effectRef>
-          <a:fontRef idx="minor">
-            <a:schemeClr val="lt1"/>
-          </a:fontRef>
-        </p:style>
-        <p:txBody>
-          <a:bodyPr rtlCol="0" anchor="ctr"/>
-          <a:lstStyle/>
-          <a:p>
-            <a:pPr algn="ctr"/>
-            <a:endParaRPr lang="pt-BR" dirty="0" smtClean="0">
-              <a:solidFill>
-                <a:schemeClr val="tx1"/>
-              </a:solidFill>
-            </a:endParaRPr>
-          </a:p>
-        </p:txBody>
-      </p:sp>
-      <p:pic>
-        <p:nvPicPr>
-          <p:cNvPr id="7" name="Imagem 6"/>
-          <p:cNvPicPr>
-            <a:picLocks noChangeAspect="1"/>
-          </p:cNvPicPr>
-          <p:nvPr/>
-        </p:nvPicPr>
-        <p:blipFill>
-          <a:blip r:embed="rId4"/>
-          <a:stretch>
-            <a:fillRect/>
-          </a:stretch>
-        </p:blipFill>
-        <p:spPr>
-          <a:xfrm>
-            <a:off x="971600" y="5404445"/>
-            <a:ext cx="7010400" cy="904875"/>
-          </a:xfrm>
-          <a:prstGeom prst="rect">
-            <a:avLst/>
-          </a:prstGeom>
-          <a:ln w="38100" cap="sq">
-            <a:solidFill>
-              <a:srgbClr val="000000"/>
-            </a:solidFill>
-            <a:prstDash val="solid"/>
-            <a:miter lim="800000"/>
-          </a:ln>
-          <a:effectLst>
-            <a:outerShdw blurRad="50800" dist="38100" dir="2700000" algn="tl" rotWithShape="0">
-              <a:srgbClr val="000000">
-                <a:alpha val="43000"/>
-              </a:srgbClr>
-            </a:outerShdw>
-          </a:effectLst>
-        </p:spPr>
-      </p:pic>
-      <p:sp>
-        <p:nvSpPr>
           <p:cNvPr id="8" name="CaixaDeTexto 7"/>
           <p:cNvSpPr txBox="1"/>
           <p:nvPr/>
         </p:nvSpPr>
         <p:spPr>
           <a:xfrm>
-            <a:off x="179512" y="1196752"/>
-            <a:ext cx="8610049" cy="584775"/>
+            <a:off x="179512" y="1620089"/>
+            <a:ext cx="8797601" cy="584775"/>
           </a:xfrm>
           <a:prstGeom prst="rect">
             <a:avLst/>
@@ -21912,97 +23345,218 @@
                 <a:latin typeface="Courier New" panose="02070309020205020404" pitchFamily="49" charset="0"/>
                 <a:cs typeface="Courier New" panose="02070309020205020404" pitchFamily="49" charset="0"/>
               </a:rPr>
-              <a:t>\aulas_3dias\</a:t>
-            </a:r>
-            <a:r>
-              <a:rPr lang="pt-BR" sz="1600" dirty="0" err="1" smtClean="0">
+              <a:t>\aulas_3dias\Horizontes</a:t>
+            </a:r>
+          </a:p>
+          <a:p>
+            <a:pPr marL="285750" indent="-285750">
+              <a:buFont typeface="Wingdings" panose="05000000000000000000" pitchFamily="2" charset="2"/>
+              <a:buChar char="Ø"/>
+            </a:pPr>
+            <a:r>
+              <a:rPr lang="pt-BR" sz="1600" dirty="0" smtClean="0">
+                <a:cs typeface="Courier New" panose="02070309020205020404" pitchFamily="49" charset="0"/>
+              </a:rPr>
+              <a:t>Dados</a:t>
+            </a:r>
+            <a:r>
+              <a:rPr lang="pt-BR" sz="1600" dirty="0">
+                <a:cs typeface="Courier New" panose="02070309020205020404" pitchFamily="49" charset="0"/>
+              </a:rPr>
+              <a:t>:</a:t>
+            </a:r>
+            <a:r>
+              <a:rPr lang="pt-BR" sz="1600" dirty="0">
                 <a:latin typeface="Courier New" panose="02070309020205020404" pitchFamily="49" charset="0"/>
                 <a:cs typeface="Courier New" panose="02070309020205020404" pitchFamily="49" charset="0"/>
               </a:rPr>
-              <a:t>HorizontesPickProbe</a:t>
+              <a:t> </a:t>
+            </a:r>
+            <a:r>
+              <a:rPr lang="pt-BR" sz="1400" dirty="0" smtClean="0">
+                <a:latin typeface="Courier New" panose="02070309020205020404" pitchFamily="49" charset="0"/>
+                <a:cs typeface="Courier New" panose="02070309020205020404" pitchFamily="49" charset="0"/>
+              </a:rPr>
+              <a:t>...\</a:t>
+            </a:r>
+            <a:r>
+              <a:rPr lang="pt-BR" sz="1400" dirty="0" err="1" smtClean="0">
+                <a:latin typeface="Courier New" panose="02070309020205020404" pitchFamily="49" charset="0"/>
+                <a:cs typeface="Courier New" panose="02070309020205020404" pitchFamily="49" charset="0"/>
+              </a:rPr>
+              <a:t>cursoVTKgeo</a:t>
+            </a:r>
+            <a:r>
+              <a:rPr lang="pt-BR" sz="1400" dirty="0" smtClean="0">
+                <a:latin typeface="Courier New" panose="02070309020205020404" pitchFamily="49" charset="0"/>
+                <a:cs typeface="Courier New" panose="02070309020205020404" pitchFamily="49" charset="0"/>
+              </a:rPr>
+              <a:t>\aulas_3dias\Horizontes\dados\</a:t>
+            </a:r>
+            <a:r>
+              <a:rPr lang="pt-BR" sz="1400" dirty="0" err="1" smtClean="0">
+                <a:latin typeface="Courier New" panose="02070309020205020404" pitchFamily="49" charset="0"/>
+                <a:cs typeface="Courier New" panose="02070309020205020404" pitchFamily="49" charset="0"/>
+              </a:rPr>
+              <a:t>horizontes_zonas_prod.grid</a:t>
             </a:r>
             <a:endParaRPr lang="pt-BR" sz="1600" dirty="0" smtClean="0">
               <a:latin typeface="Courier New" panose="02070309020205020404" pitchFamily="49" charset="0"/>
               <a:cs typeface="Courier New" panose="02070309020205020404" pitchFamily="49" charset="0"/>
             </a:endParaRPr>
           </a:p>
-          <a:p>
-            <a:pPr marL="285750" indent="-285750">
-              <a:buFont typeface="Wingdings" panose="05000000000000000000" pitchFamily="2" charset="2"/>
-              <a:buChar char="Ø"/>
-            </a:pPr>
-            <a:r>
-              <a:rPr lang="pt-BR" sz="1600" dirty="0" smtClean="0">
-                <a:cs typeface="Courier New" panose="02070309020205020404" pitchFamily="49" charset="0"/>
-              </a:rPr>
-              <a:t>Dados</a:t>
-            </a:r>
-            <a:r>
-              <a:rPr lang="pt-BR" sz="1600" dirty="0">
-                <a:cs typeface="Courier New" panose="02070309020205020404" pitchFamily="49" charset="0"/>
-              </a:rPr>
-              <a:t>:</a:t>
-            </a:r>
-            <a:r>
-              <a:rPr lang="pt-BR" sz="1600" dirty="0">
+        </p:txBody>
+      </p:sp>
+      <p:grpSp>
+        <p:nvGrpSpPr>
+          <p:cNvPr id="7" name="Grupo 6"/>
+          <p:cNvGrpSpPr/>
+          <p:nvPr/>
+        </p:nvGrpSpPr>
+        <p:grpSpPr>
+          <a:xfrm>
+            <a:off x="5508104" y="2420888"/>
+            <a:ext cx="1704230" cy="563447"/>
+            <a:chOff x="5724128" y="1988840"/>
+            <a:chExt cx="1704230" cy="563447"/>
+          </a:xfrm>
+        </p:grpSpPr>
+        <p:pic>
+          <p:nvPicPr>
+            <p:cNvPr id="9" name="Imagem 8"/>
+            <p:cNvPicPr>
+              <a:picLocks noChangeAspect="1"/>
+            </p:cNvPicPr>
+            <p:nvPr/>
+          </p:nvPicPr>
+          <p:blipFill>
+            <a:blip r:embed="rId4">
+              <a:clrChange>
+                <a:clrFrom>
+                  <a:srgbClr val="FFFFFF"/>
+                </a:clrFrom>
+                <a:clrTo>
+                  <a:srgbClr val="FFFFFF">
+                    <a:alpha val="0"/>
+                  </a:srgbClr>
+                </a:clrTo>
+              </a:clrChange>
+            </a:blip>
+            <a:stretch>
+              <a:fillRect/>
+            </a:stretch>
+          </p:blipFill>
+          <p:spPr>
+            <a:xfrm>
+              <a:off x="5724128" y="1988840"/>
+              <a:ext cx="563447" cy="563447"/>
+            </a:xfrm>
+            <a:prstGeom prst="rect">
+              <a:avLst/>
+            </a:prstGeom>
+          </p:spPr>
+        </p:pic>
+        <p:sp>
+          <p:nvSpPr>
+            <p:cNvPr id="10" name="CaixaDeTexto 9"/>
+            <p:cNvSpPr txBox="1"/>
+            <p:nvPr/>
+          </p:nvSpPr>
+          <p:spPr>
+            <a:xfrm>
+              <a:off x="6198982" y="2110947"/>
+              <a:ext cx="1229376" cy="369332"/>
+            </a:xfrm>
+            <a:prstGeom prst="rect">
+              <a:avLst/>
+            </a:prstGeom>
+            <a:noFill/>
+          </p:spPr>
+          <p:txBody>
+            <a:bodyPr wrap="none" rtlCol="0">
+              <a:spAutoFit/>
+            </a:bodyPr>
+            <a:lstStyle/>
+            <a:p>
+              <a:r>
+                <a:rPr lang="pt-BR" dirty="0" smtClean="0"/>
+                <a:t>EXERCÍCIO:</a:t>
+              </a:r>
+              <a:endParaRPr lang="pt-BR" dirty="0"/>
+            </a:p>
+          </p:txBody>
+        </p:sp>
+      </p:grpSp>
+      <p:sp>
+        <p:nvSpPr>
+          <p:cNvPr id="11" name="CaixaDeTexto 10"/>
+          <p:cNvSpPr txBox="1"/>
+          <p:nvPr/>
+        </p:nvSpPr>
+        <p:spPr>
+          <a:xfrm>
+            <a:off x="5004048" y="3059668"/>
+            <a:ext cx="3384376" cy="2585323"/>
+          </a:xfrm>
+          <a:prstGeom prst="rect">
+            <a:avLst/>
+          </a:prstGeom>
+          <a:noFill/>
+        </p:spPr>
+        <p:txBody>
+          <a:bodyPr wrap="square" rtlCol="0">
+            <a:spAutoFit/>
+          </a:bodyPr>
+          <a:lstStyle/>
+          <a:p>
+            <a:pPr algn="just"/>
+            <a:r>
+              <a:rPr lang="pt-BR" dirty="0" smtClean="0"/>
+              <a:t>Colorir a superfície com o valor da profundidade (z).  Para facilitar, alinhe os valores com os vértices (</a:t>
+            </a:r>
+            <a:r>
+              <a:rPr lang="pt-BR" i="1" dirty="0" smtClean="0"/>
+              <a:t>corner-point</a:t>
+            </a:r>
+            <a:r>
+              <a:rPr lang="pt-BR" dirty="0" smtClean="0"/>
+              <a:t>).  Os valores de z já estão carregados no </a:t>
+            </a:r>
+            <a:r>
+              <a:rPr lang="pt-BR" dirty="0" err="1" smtClean="0"/>
+              <a:t>vtkFloatArray</a:t>
+            </a:r>
+            <a:r>
+              <a:rPr lang="pt-BR" dirty="0" smtClean="0"/>
+              <a:t> </a:t>
+            </a:r>
+            <a:r>
+              <a:rPr lang="pt-BR" dirty="0" err="1" smtClean="0">
                 <a:latin typeface="Courier New" panose="02070309020205020404" pitchFamily="49" charset="0"/>
                 <a:cs typeface="Courier New" panose="02070309020205020404" pitchFamily="49" charset="0"/>
               </a:rPr>
-              <a:t> </a:t>
-            </a:r>
-            <a:r>
-              <a:rPr lang="pt-BR" sz="1200" dirty="0" smtClean="0">
-                <a:latin typeface="Courier New" panose="02070309020205020404" pitchFamily="49" charset="0"/>
-                <a:cs typeface="Courier New" panose="02070309020205020404" pitchFamily="49" charset="0"/>
-              </a:rPr>
-              <a:t>...\</a:t>
-            </a:r>
-            <a:r>
-              <a:rPr lang="pt-BR" sz="1200" dirty="0" err="1" smtClean="0">
-                <a:latin typeface="Courier New" panose="02070309020205020404" pitchFamily="49" charset="0"/>
-                <a:cs typeface="Courier New" panose="02070309020205020404" pitchFamily="49" charset="0"/>
-              </a:rPr>
-              <a:t>cursoVTKgeo</a:t>
-            </a:r>
-            <a:r>
-              <a:rPr lang="pt-BR" sz="1200" dirty="0" smtClean="0">
-                <a:latin typeface="Courier New" panose="02070309020205020404" pitchFamily="49" charset="0"/>
-                <a:cs typeface="Courier New" panose="02070309020205020404" pitchFamily="49" charset="0"/>
-              </a:rPr>
-              <a:t>\aulas_3dias\</a:t>
-            </a:r>
-            <a:r>
-              <a:rPr lang="pt-BR" sz="1200" dirty="0" err="1" smtClean="0">
-                <a:latin typeface="Courier New" panose="02070309020205020404" pitchFamily="49" charset="0"/>
-                <a:cs typeface="Courier New" panose="02070309020205020404" pitchFamily="49" charset="0"/>
-              </a:rPr>
-              <a:t>HorizontesPickProbe</a:t>
-            </a:r>
-            <a:r>
-              <a:rPr lang="pt-BR" sz="1200" dirty="0" smtClean="0">
-                <a:latin typeface="Courier New" panose="02070309020205020404" pitchFamily="49" charset="0"/>
-                <a:cs typeface="Courier New" panose="02070309020205020404" pitchFamily="49" charset="0"/>
-              </a:rPr>
-              <a:t>\dados\</a:t>
-            </a:r>
-            <a:r>
-              <a:rPr lang="pt-BR" sz="1200" dirty="0" err="1" smtClean="0">
-                <a:latin typeface="Courier New" panose="02070309020205020404" pitchFamily="49" charset="0"/>
-                <a:cs typeface="Courier New" panose="02070309020205020404" pitchFamily="49" charset="0"/>
-              </a:rPr>
-              <a:t>horizontes_zonas_prod.grid</a:t>
-            </a:r>
-            <a:endParaRPr lang="pt-BR" sz="1400" dirty="0" smtClean="0">
-              <a:latin typeface="Courier New" panose="02070309020205020404" pitchFamily="49" charset="0"/>
-              <a:cs typeface="Courier New" panose="02070309020205020404" pitchFamily="49" charset="0"/>
-            </a:endParaRPr>
+              <a:t>values</a:t>
+            </a:r>
+            <a:r>
+              <a:rPr lang="pt-BR" dirty="0" smtClean="0"/>
+              <a:t>, falta atribuir esses valores aos vértices da superfície e alterar o seu </a:t>
+            </a:r>
+            <a:r>
+              <a:rPr lang="pt-BR" dirty="0" err="1" smtClean="0"/>
+              <a:t>vtkMapper</a:t>
+            </a:r>
+            <a:r>
+              <a:rPr lang="pt-BR" dirty="0" smtClean="0"/>
+              <a:t> para usar uma tabela de cores.</a:t>
+            </a:r>
+            <a:endParaRPr lang="pt-BR" dirty="0"/>
           </a:p>
         </p:txBody>
       </p:sp>
     </p:spTree>
     <p:extLst>
       <p:ext uri="{BB962C8B-B14F-4D97-AF65-F5344CB8AC3E}">
-        <p14:creationId xmlns:p14="http://schemas.microsoft.com/office/powerpoint/2010/main" val="3321787556"/>
+        <p14:creationId xmlns:p14="http://schemas.microsoft.com/office/powerpoint/2010/main" val="3740759107"/>
       </p:ext>
     </p:extLst>
   </p:cSld>
@@ -22353,7 +23907,15 @@
           <a:p>
             <a:r>
               <a:rPr lang="pt-BR" sz="2400" dirty="0" smtClean="0"/>
-              <a:t>Mais sobre VTK</a:t>
+              <a:t>4) Aplicações C++/</a:t>
+            </a:r>
+            <a:r>
+              <a:rPr lang="pt-BR" sz="2400" dirty="0" err="1" smtClean="0"/>
+              <a:t>Qt</a:t>
+            </a:r>
+            <a:r>
+              <a:rPr lang="pt-BR" sz="2400" dirty="0" smtClean="0"/>
+              <a:t> com VTK</a:t>
             </a:r>
             <a:endParaRPr lang="pt-BR" sz="1400" dirty="0"/>
           </a:p>
@@ -22367,8 +23929,8 @@
         </p:nvSpPr>
         <p:spPr>
           <a:xfrm>
-            <a:off x="827584" y="1412776"/>
-            <a:ext cx="1002582" cy="369332"/>
+            <a:off x="2421706" y="908720"/>
+            <a:ext cx="4670574" cy="369332"/>
           </a:xfrm>
           <a:prstGeom prst="rect">
             <a:avLst/>
@@ -22381,13 +23943,21 @@
           </a:bodyPr>
           <a:lstStyle/>
           <a:p>
-            <a:pPr marL="285750" indent="-285750">
-              <a:buFont typeface="Wingdings" panose="05000000000000000000" pitchFamily="2" charset="2"/>
-              <a:buChar char="Ø"/>
-            </a:pPr>
             <a:r>
               <a:rPr lang="pt-BR" b="1" dirty="0" smtClean="0"/>
-              <a:t>Livro:</a:t>
+              <a:t>4.6) Interação com o modelo: </a:t>
+            </a:r>
+            <a:r>
+              <a:rPr lang="pt-BR" b="1" i="1" dirty="0" err="1" smtClean="0"/>
+              <a:t>picking</a:t>
+            </a:r>
+            <a:r>
+              <a:rPr lang="pt-BR" b="1" dirty="0" smtClean="0"/>
+              <a:t> e </a:t>
+            </a:r>
+            <a:r>
+              <a:rPr lang="pt-BR" b="1" i="1" dirty="0" err="1" smtClean="0"/>
+              <a:t>probing</a:t>
             </a:r>
             <a:endParaRPr lang="pt-BR" b="1" i="1" dirty="0"/>
           </a:p>
@@ -22402,63 +23972,377 @@
           <p:nvPr/>
         </p:nvPicPr>
         <p:blipFill>
-          <a:blip r:embed="rId3">
-            <a:extLst>
-              <a:ext uri="{28A0092B-C50C-407E-A947-70E740481C1C}">
-                <a14:useLocalDpi xmlns:a14="http://schemas.microsoft.com/office/drawing/2010/main" val="0"/>
-              </a:ext>
-            </a:extLst>
-          </a:blip>
+          <a:blip r:embed="rId3"/>
           <a:stretch>
             <a:fillRect/>
           </a:stretch>
         </p:blipFill>
         <p:spPr>
           <a:xfrm>
-            <a:off x="3377711" y="1433165"/>
-            <a:ext cx="2706457" cy="3789040"/>
-          </a:xfrm>
-          <a:prstGeom prst="rect">
-            <a:avLst/>
-          </a:prstGeom>
+            <a:off x="899592" y="1895482"/>
+            <a:ext cx="3088382" cy="3261710"/>
+          </a:xfrm>
+          <a:prstGeom prst="rect">
+            <a:avLst/>
+          </a:prstGeom>
+          <a:ln>
+            <a:noFill/>
+          </a:ln>
+          <a:effectLst>
+            <a:outerShdw blurRad="292100" dist="139700" dir="2700000" algn="tl" rotWithShape="0">
+              <a:srgbClr val="333333">
+                <a:alpha val="65000"/>
+              </a:srgbClr>
+            </a:outerShdw>
+          </a:effectLst>
         </p:spPr>
       </p:pic>
       <p:sp>
         <p:nvSpPr>
-          <p:cNvPr id="3" name="Retângulo 2"/>
+          <p:cNvPr id="3" name="Seta para a direita 2"/>
           <p:cNvSpPr/>
           <p:nvPr/>
         </p:nvSpPr>
         <p:spPr>
-          <a:xfrm>
-            <a:off x="1565920" y="5147900"/>
-            <a:ext cx="6174432" cy="369332"/>
-          </a:xfrm>
-          <a:prstGeom prst="rect">
-            <a:avLst/>
-          </a:prstGeom>
-        </p:spPr>
-        <p:txBody>
-          <a:bodyPr wrap="square">
+          <a:xfrm rot="13698008">
+            <a:off x="2538472" y="3760448"/>
+            <a:ext cx="293169" cy="134999"/>
+          </a:xfrm>
+          <a:prstGeom prst="rightArrow">
+            <a:avLst>
+              <a:gd name="adj1" fmla="val 50000"/>
+              <a:gd name="adj2" fmla="val 166673"/>
+            </a:avLst>
+          </a:prstGeom>
+          <a:solidFill>
+            <a:srgbClr val="FFFFFF"/>
+          </a:solidFill>
+        </p:spPr>
+        <p:style>
+          <a:lnRef idx="2">
+            <a:schemeClr val="dk1">
+              <a:shade val="50000"/>
+            </a:schemeClr>
+          </a:lnRef>
+          <a:fillRef idx="1">
+            <a:schemeClr val="dk1"/>
+          </a:fillRef>
+          <a:effectRef idx="0">
+            <a:schemeClr val="dk1"/>
+          </a:effectRef>
+          <a:fontRef idx="minor">
+            <a:schemeClr val="lt1"/>
+          </a:fontRef>
+        </p:style>
+        <p:txBody>
+          <a:bodyPr rtlCol="0" anchor="ctr"/>
+          <a:lstStyle/>
+          <a:p>
+            <a:pPr algn="ctr"/>
+            <a:endParaRPr lang="pt-BR" dirty="0" smtClean="0">
+              <a:solidFill>
+                <a:schemeClr val="tx1"/>
+              </a:solidFill>
+            </a:endParaRPr>
+          </a:p>
+        </p:txBody>
+      </p:sp>
+      <p:pic>
+        <p:nvPicPr>
+          <p:cNvPr id="7" name="Imagem 6"/>
+          <p:cNvPicPr>
+            <a:picLocks noChangeAspect="1"/>
+          </p:cNvPicPr>
+          <p:nvPr/>
+        </p:nvPicPr>
+        <p:blipFill>
+          <a:blip r:embed="rId4"/>
+          <a:stretch>
+            <a:fillRect/>
+          </a:stretch>
+        </p:blipFill>
+        <p:spPr>
+          <a:xfrm>
+            <a:off x="971600" y="5404445"/>
+            <a:ext cx="7010400" cy="904875"/>
+          </a:xfrm>
+          <a:prstGeom prst="rect">
+            <a:avLst/>
+          </a:prstGeom>
+          <a:ln w="38100" cap="sq">
+            <a:solidFill>
+              <a:srgbClr val="000000"/>
+            </a:solidFill>
+            <a:prstDash val="solid"/>
+            <a:miter lim="800000"/>
+          </a:ln>
+          <a:effectLst>
+            <a:outerShdw blurRad="50800" dist="38100" dir="2700000" algn="tl" rotWithShape="0">
+              <a:srgbClr val="000000">
+                <a:alpha val="43000"/>
+              </a:srgbClr>
+            </a:outerShdw>
+          </a:effectLst>
+        </p:spPr>
+      </p:pic>
+      <p:sp>
+        <p:nvSpPr>
+          <p:cNvPr id="8" name="CaixaDeTexto 7"/>
+          <p:cNvSpPr txBox="1"/>
+          <p:nvPr/>
+        </p:nvSpPr>
+        <p:spPr>
+          <a:xfrm>
+            <a:off x="179512" y="1196752"/>
+            <a:ext cx="8610049" cy="584775"/>
+          </a:xfrm>
+          <a:prstGeom prst="rect">
+            <a:avLst/>
+          </a:prstGeom>
+          <a:noFill/>
+        </p:spPr>
+        <p:txBody>
+          <a:bodyPr wrap="none" rtlCol="0">
             <a:spAutoFit/>
           </a:bodyPr>
           <a:lstStyle/>
           <a:p>
-            <a:r>
-              <a:rPr lang="pt-BR" dirty="0">
-                <a:hlinkClick r:id="rId4"/>
-              </a:rPr>
-              <a:t>https://</a:t>
-            </a:r>
-            <a:r>
-              <a:rPr lang="pt-BR" dirty="0" smtClean="0">
-                <a:hlinkClick r:id="rId4"/>
-              </a:rPr>
-              <a:t>www.kitware.com/products/books/VTKTextbook.pdf</a:t>
-            </a:r>
+            <a:pPr marL="285750" indent="-285750">
+              <a:buFont typeface="Wingdings" panose="05000000000000000000" pitchFamily="2" charset="2"/>
+              <a:buChar char="Ø"/>
+            </a:pPr>
+            <a:r>
+              <a:rPr lang="pt-BR" sz="1600" dirty="0" smtClean="0"/>
+              <a:t>Fontes: </a:t>
+            </a:r>
+            <a:r>
+              <a:rPr lang="pt-BR" sz="1600" dirty="0" smtClean="0">
+                <a:latin typeface="Courier New" panose="02070309020205020404" pitchFamily="49" charset="0"/>
+                <a:cs typeface="Courier New" panose="02070309020205020404" pitchFamily="49" charset="0"/>
+              </a:rPr>
+              <a:t>...\</a:t>
+            </a:r>
+            <a:r>
+              <a:rPr lang="pt-BR" sz="1600" dirty="0" err="1" smtClean="0">
+                <a:latin typeface="Courier New" panose="02070309020205020404" pitchFamily="49" charset="0"/>
+                <a:cs typeface="Courier New" panose="02070309020205020404" pitchFamily="49" charset="0"/>
+              </a:rPr>
+              <a:t>cursoVTKgeo</a:t>
+            </a:r>
+            <a:r>
+              <a:rPr lang="pt-BR" sz="1600" dirty="0" smtClean="0">
+                <a:latin typeface="Courier New" panose="02070309020205020404" pitchFamily="49" charset="0"/>
+                <a:cs typeface="Courier New" panose="02070309020205020404" pitchFamily="49" charset="0"/>
+              </a:rPr>
+              <a:t>\aulas_3dias\</a:t>
+            </a:r>
+            <a:r>
+              <a:rPr lang="pt-BR" sz="1600" dirty="0" err="1" smtClean="0">
+                <a:latin typeface="Courier New" panose="02070309020205020404" pitchFamily="49" charset="0"/>
+                <a:cs typeface="Courier New" panose="02070309020205020404" pitchFamily="49" charset="0"/>
+              </a:rPr>
+              <a:t>HorizontesPickProbe</a:t>
+            </a:r>
+            <a:endParaRPr lang="pt-BR" sz="1600" dirty="0" smtClean="0">
+              <a:latin typeface="Courier New" panose="02070309020205020404" pitchFamily="49" charset="0"/>
+              <a:cs typeface="Courier New" panose="02070309020205020404" pitchFamily="49" charset="0"/>
+            </a:endParaRPr>
+          </a:p>
+          <a:p>
+            <a:pPr marL="285750" indent="-285750">
+              <a:buFont typeface="Wingdings" panose="05000000000000000000" pitchFamily="2" charset="2"/>
+              <a:buChar char="Ø"/>
+            </a:pPr>
+            <a:r>
+              <a:rPr lang="pt-BR" sz="1600" dirty="0" smtClean="0">
+                <a:cs typeface="Courier New" panose="02070309020205020404" pitchFamily="49" charset="0"/>
+              </a:rPr>
+              <a:t>Dados</a:t>
+            </a:r>
+            <a:r>
+              <a:rPr lang="pt-BR" sz="1600" dirty="0">
+                <a:cs typeface="Courier New" panose="02070309020205020404" pitchFamily="49" charset="0"/>
+              </a:rPr>
+              <a:t>:</a:t>
+            </a:r>
+            <a:r>
+              <a:rPr lang="pt-BR" sz="1600" dirty="0">
+                <a:latin typeface="Courier New" panose="02070309020205020404" pitchFamily="49" charset="0"/>
+                <a:cs typeface="Courier New" panose="02070309020205020404" pitchFamily="49" charset="0"/>
+              </a:rPr>
+              <a:t> </a:t>
+            </a:r>
+            <a:r>
+              <a:rPr lang="pt-BR" sz="1200" dirty="0" smtClean="0">
+                <a:latin typeface="Courier New" panose="02070309020205020404" pitchFamily="49" charset="0"/>
+                <a:cs typeface="Courier New" panose="02070309020205020404" pitchFamily="49" charset="0"/>
+              </a:rPr>
+              <a:t>...\</a:t>
+            </a:r>
+            <a:r>
+              <a:rPr lang="pt-BR" sz="1200" dirty="0" err="1" smtClean="0">
+                <a:latin typeface="Courier New" panose="02070309020205020404" pitchFamily="49" charset="0"/>
+                <a:cs typeface="Courier New" panose="02070309020205020404" pitchFamily="49" charset="0"/>
+              </a:rPr>
+              <a:t>cursoVTKgeo</a:t>
+            </a:r>
+            <a:r>
+              <a:rPr lang="pt-BR" sz="1200" dirty="0" smtClean="0">
+                <a:latin typeface="Courier New" panose="02070309020205020404" pitchFamily="49" charset="0"/>
+                <a:cs typeface="Courier New" panose="02070309020205020404" pitchFamily="49" charset="0"/>
+              </a:rPr>
+              <a:t>\aulas_3dias\</a:t>
+            </a:r>
+            <a:r>
+              <a:rPr lang="pt-BR" sz="1200" dirty="0" err="1" smtClean="0">
+                <a:latin typeface="Courier New" panose="02070309020205020404" pitchFamily="49" charset="0"/>
+                <a:cs typeface="Courier New" panose="02070309020205020404" pitchFamily="49" charset="0"/>
+              </a:rPr>
+              <a:t>HorizontesPickProbe</a:t>
+            </a:r>
+            <a:r>
+              <a:rPr lang="pt-BR" sz="1200" dirty="0" smtClean="0">
+                <a:latin typeface="Courier New" panose="02070309020205020404" pitchFamily="49" charset="0"/>
+                <a:cs typeface="Courier New" panose="02070309020205020404" pitchFamily="49" charset="0"/>
+              </a:rPr>
+              <a:t>\dados\</a:t>
+            </a:r>
+            <a:r>
+              <a:rPr lang="pt-BR" sz="1200" dirty="0" err="1" smtClean="0">
+                <a:latin typeface="Courier New" panose="02070309020205020404" pitchFamily="49" charset="0"/>
+                <a:cs typeface="Courier New" panose="02070309020205020404" pitchFamily="49" charset="0"/>
+              </a:rPr>
+              <a:t>horizontes_zonas_prod.grid</a:t>
+            </a:r>
+            <a:endParaRPr lang="pt-BR" sz="1400" dirty="0" smtClean="0">
+              <a:latin typeface="Courier New" panose="02070309020205020404" pitchFamily="49" charset="0"/>
+              <a:cs typeface="Courier New" panose="02070309020205020404" pitchFamily="49" charset="0"/>
+            </a:endParaRPr>
+          </a:p>
+        </p:txBody>
+      </p:sp>
+      <p:grpSp>
+        <p:nvGrpSpPr>
+          <p:cNvPr id="9" name="Grupo 8"/>
+          <p:cNvGrpSpPr/>
+          <p:nvPr/>
+        </p:nvGrpSpPr>
+        <p:grpSpPr>
+          <a:xfrm>
+            <a:off x="5292080" y="2420888"/>
+            <a:ext cx="1704230" cy="563447"/>
+            <a:chOff x="5724128" y="1988840"/>
+            <a:chExt cx="1704230" cy="563447"/>
+          </a:xfrm>
+        </p:grpSpPr>
+        <p:pic>
+          <p:nvPicPr>
+            <p:cNvPr id="10" name="Imagem 9"/>
+            <p:cNvPicPr>
+              <a:picLocks noChangeAspect="1"/>
+            </p:cNvPicPr>
+            <p:nvPr/>
+          </p:nvPicPr>
+          <p:blipFill>
+            <a:blip r:embed="rId5">
+              <a:clrChange>
+                <a:clrFrom>
+                  <a:srgbClr val="FFFFFF"/>
+                </a:clrFrom>
+                <a:clrTo>
+                  <a:srgbClr val="FFFFFF">
+                    <a:alpha val="0"/>
+                  </a:srgbClr>
+                </a:clrTo>
+              </a:clrChange>
+            </a:blip>
+            <a:stretch>
+              <a:fillRect/>
+            </a:stretch>
+          </p:blipFill>
+          <p:spPr>
+            <a:xfrm>
+              <a:off x="5724128" y="1988840"/>
+              <a:ext cx="563447" cy="563447"/>
+            </a:xfrm>
+            <a:prstGeom prst="rect">
+              <a:avLst/>
+            </a:prstGeom>
+          </p:spPr>
+        </p:pic>
+        <p:sp>
+          <p:nvSpPr>
+            <p:cNvPr id="11" name="CaixaDeTexto 10"/>
+            <p:cNvSpPr txBox="1"/>
+            <p:nvPr/>
+          </p:nvSpPr>
+          <p:spPr>
+            <a:xfrm>
+              <a:off x="6198982" y="2110947"/>
+              <a:ext cx="1229376" cy="369332"/>
+            </a:xfrm>
+            <a:prstGeom prst="rect">
+              <a:avLst/>
+            </a:prstGeom>
+            <a:noFill/>
+          </p:spPr>
+          <p:txBody>
+            <a:bodyPr wrap="none" rtlCol="0">
+              <a:spAutoFit/>
+            </a:bodyPr>
+            <a:lstStyle/>
+            <a:p>
+              <a:r>
+                <a:rPr lang="pt-BR" dirty="0" smtClean="0"/>
+                <a:t>EXERCÍCIO:</a:t>
+              </a:r>
+              <a:endParaRPr lang="pt-BR" dirty="0"/>
+            </a:p>
+          </p:txBody>
+        </p:sp>
+      </p:grpSp>
+      <p:sp>
+        <p:nvSpPr>
+          <p:cNvPr id="12" name="CaixaDeTexto 11"/>
+          <p:cNvSpPr txBox="1"/>
+          <p:nvPr/>
+        </p:nvSpPr>
+        <p:spPr>
+          <a:xfrm>
+            <a:off x="4788024" y="3059668"/>
+            <a:ext cx="3384376" cy="1754326"/>
+          </a:xfrm>
+          <a:prstGeom prst="rect">
+            <a:avLst/>
+          </a:prstGeom>
+          <a:noFill/>
+        </p:spPr>
+        <p:txBody>
+          <a:bodyPr wrap="square" rtlCol="0">
+            <a:spAutoFit/>
+          </a:bodyPr>
+          <a:lstStyle/>
+          <a:p>
+            <a:pPr algn="just"/>
             <a:r>
               <a:rPr lang="pt-BR" dirty="0" smtClean="0"/>
-              <a:t> </a:t>
+              <a:t>Modificar o comportamento do </a:t>
+            </a:r>
+            <a:r>
+              <a:rPr lang="pt-BR" i="1" dirty="0" err="1" smtClean="0"/>
+              <a:t>interactor</a:t>
+            </a:r>
+            <a:r>
+              <a:rPr lang="pt-BR" dirty="0" smtClean="0"/>
+              <a:t> de forma que, ao invés de criar um nova esfera indicadora a cada </a:t>
+            </a:r>
+            <a:r>
+              <a:rPr lang="pt-BR" i="1" dirty="0" err="1" smtClean="0"/>
+              <a:t>pick</a:t>
+            </a:r>
+            <a:r>
+              <a:rPr lang="pt-BR" dirty="0" smtClean="0"/>
+              <a:t>, apenas atualizar a posição de uma única esfera.</a:t>
             </a:r>
             <a:endParaRPr lang="pt-BR" dirty="0"/>
           </a:p>
@@ -22467,7 +24351,7 @@
     </p:spTree>
     <p:extLst>
       <p:ext uri="{BB962C8B-B14F-4D97-AF65-F5344CB8AC3E}">
-        <p14:creationId xmlns:p14="http://schemas.microsoft.com/office/powerpoint/2010/main" val="3048172996"/>
+        <p14:creationId xmlns:p14="http://schemas.microsoft.com/office/powerpoint/2010/main" val="3321787556"/>
       </p:ext>
     </p:extLst>
   </p:cSld>
@@ -22539,6 +24423,178 @@
         </p:nvSpPr>
         <p:spPr>
           <a:xfrm>
+            <a:off x="827584" y="1412776"/>
+            <a:ext cx="1002582" cy="369332"/>
+          </a:xfrm>
+          <a:prstGeom prst="rect">
+            <a:avLst/>
+          </a:prstGeom>
+          <a:noFill/>
+        </p:spPr>
+        <p:txBody>
+          <a:bodyPr wrap="none" rtlCol="0">
+            <a:spAutoFit/>
+          </a:bodyPr>
+          <a:lstStyle/>
+          <a:p>
+            <a:pPr marL="285750" indent="-285750">
+              <a:buFont typeface="Wingdings" panose="05000000000000000000" pitchFamily="2" charset="2"/>
+              <a:buChar char="Ø"/>
+            </a:pPr>
+            <a:r>
+              <a:rPr lang="pt-BR" b="1" dirty="0" smtClean="0"/>
+              <a:t>Livro:</a:t>
+            </a:r>
+            <a:endParaRPr lang="pt-BR" b="1" i="1" dirty="0"/>
+          </a:p>
+        </p:txBody>
+      </p:sp>
+      <p:pic>
+        <p:nvPicPr>
+          <p:cNvPr id="2" name="Imagem 1"/>
+          <p:cNvPicPr>
+            <a:picLocks noChangeAspect="1"/>
+          </p:cNvPicPr>
+          <p:nvPr/>
+        </p:nvPicPr>
+        <p:blipFill>
+          <a:blip r:embed="rId3">
+            <a:extLst>
+              <a:ext uri="{28A0092B-C50C-407E-A947-70E740481C1C}">
+                <a14:useLocalDpi xmlns:a14="http://schemas.microsoft.com/office/drawing/2010/main" val="0"/>
+              </a:ext>
+            </a:extLst>
+          </a:blip>
+          <a:stretch>
+            <a:fillRect/>
+          </a:stretch>
+        </p:blipFill>
+        <p:spPr>
+          <a:xfrm>
+            <a:off x="3377711" y="1433165"/>
+            <a:ext cx="2706457" cy="3789040"/>
+          </a:xfrm>
+          <a:prstGeom prst="rect">
+            <a:avLst/>
+          </a:prstGeom>
+        </p:spPr>
+      </p:pic>
+      <p:sp>
+        <p:nvSpPr>
+          <p:cNvPr id="3" name="Retângulo 2"/>
+          <p:cNvSpPr/>
+          <p:nvPr/>
+        </p:nvSpPr>
+        <p:spPr>
+          <a:xfrm>
+            <a:off x="1565920" y="5147900"/>
+            <a:ext cx="6174432" cy="369332"/>
+          </a:xfrm>
+          <a:prstGeom prst="rect">
+            <a:avLst/>
+          </a:prstGeom>
+        </p:spPr>
+        <p:txBody>
+          <a:bodyPr wrap="square">
+            <a:spAutoFit/>
+          </a:bodyPr>
+          <a:lstStyle/>
+          <a:p>
+            <a:r>
+              <a:rPr lang="pt-BR" dirty="0">
+                <a:hlinkClick r:id="rId4"/>
+              </a:rPr>
+              <a:t>https://</a:t>
+            </a:r>
+            <a:r>
+              <a:rPr lang="pt-BR" dirty="0" smtClean="0">
+                <a:hlinkClick r:id="rId4"/>
+              </a:rPr>
+              <a:t>www.kitware.com/products/books/VTKTextbook.pdf</a:t>
+            </a:r>
+            <a:r>
+              <a:rPr lang="pt-BR" dirty="0" smtClean="0"/>
+              <a:t> </a:t>
+            </a:r>
+            <a:endParaRPr lang="pt-BR" dirty="0"/>
+          </a:p>
+        </p:txBody>
+      </p:sp>
+    </p:spTree>
+    <p:extLst>
+      <p:ext uri="{BB962C8B-B14F-4D97-AF65-F5344CB8AC3E}">
+        <p14:creationId xmlns:p14="http://schemas.microsoft.com/office/powerpoint/2010/main" val="3048172996"/>
+      </p:ext>
+    </p:extLst>
+  </p:cSld>
+  <p:clrMapOvr>
+    <a:masterClrMapping/>
+  </p:clrMapOvr>
+  <p:timing>
+    <p:tnLst>
+      <p:par>
+        <p:cTn id="1" dur="indefinite" restart="never" nodeType="tmRoot"/>
+      </p:par>
+    </p:tnLst>
+  </p:timing>
+</p:sld>
+</file>
+
+<file path=ppt/slides/slide52.xml><?xml version="1.0" encoding="utf-8"?>
+<p:sld xmlns:a="http://schemas.openxmlformats.org/drawingml/2006/main" xmlns:r="http://schemas.openxmlformats.org/officeDocument/2006/relationships" xmlns:p="http://schemas.openxmlformats.org/presentationml/2006/main">
+  <p:cSld>
+    <p:spTree>
+      <p:nvGrpSpPr>
+        <p:cNvPr id="1" name=""/>
+        <p:cNvGrpSpPr/>
+        <p:nvPr/>
+      </p:nvGrpSpPr>
+      <p:grpSpPr>
+        <a:xfrm>
+          <a:off x="0" y="0"/>
+          <a:ext cx="0" cy="0"/>
+          <a:chOff x="0" y="0"/>
+          <a:chExt cx="0" cy="0"/>
+        </a:xfrm>
+      </p:grpSpPr>
+      <p:sp>
+        <p:nvSpPr>
+          <p:cNvPr id="4" name="Título 3"/>
+          <p:cNvSpPr>
+            <a:spLocks noGrp="1"/>
+          </p:cNvSpPr>
+          <p:nvPr>
+            <p:ph type="ctrTitle"/>
+          </p:nvPr>
+        </p:nvSpPr>
+        <p:spPr>
+          <a:xfrm>
+            <a:off x="3275856" y="138754"/>
+            <a:ext cx="4680520" cy="504056"/>
+          </a:xfrm>
+        </p:spPr>
+        <p:txBody>
+          <a:bodyPr>
+            <a:normAutofit/>
+          </a:bodyPr>
+          <a:lstStyle/>
+          <a:p>
+            <a:r>
+              <a:rPr lang="pt-BR" sz="2400" dirty="0" smtClean="0"/>
+              <a:t>Mais sobre VTK</a:t>
+            </a:r>
+            <a:endParaRPr lang="pt-BR" sz="1400" dirty="0"/>
+          </a:p>
+        </p:txBody>
+      </p:sp>
+      <p:sp>
+        <p:nvSpPr>
+          <p:cNvPr id="5" name="CaixaDeTexto 4"/>
+          <p:cNvSpPr txBox="1"/>
+          <p:nvPr/>
+        </p:nvSpPr>
+        <p:spPr>
+          <a:xfrm>
             <a:off x="1808280" y="2549803"/>
             <a:ext cx="5951181" cy="2585323"/>
           </a:xfrm>
@@ -22752,7 +24808,7 @@
 </p:sld>
 </file>
 
-<file path=ppt/slides/slide52.xml><?xml version="1.0" encoding="utf-8"?>
+<file path=ppt/slides/slide53.xml><?xml version="1.0" encoding="utf-8"?>
 <p:sld xmlns:a="http://schemas.openxmlformats.org/drawingml/2006/main" xmlns:r="http://schemas.openxmlformats.org/officeDocument/2006/relationships" xmlns:p="http://schemas.openxmlformats.org/presentationml/2006/main">
   <p:cSld>
     <p:spTree>

--- a/aulas_3dias/slides_3dias.pptx
+++ b/aulas_3dias/slides_3dias.pptx
@@ -5,7 +5,7 @@
     <p:sldMasterId id="2147483648" r:id="rId1"/>
   </p:sldMasterIdLst>
   <p:notesMasterIdLst>
-    <p:notesMasterId r:id="rId55"/>
+    <p:notesMasterId r:id="rId57"/>
   </p:notesMasterIdLst>
   <p:sldIdLst>
     <p:sldId id="258" r:id="rId2"/>
@@ -26,41 +26,43 @@
     <p:sldId id="265" r:id="rId17"/>
     <p:sldId id="266" r:id="rId18"/>
     <p:sldId id="267" r:id="rId19"/>
-    <p:sldId id="268" r:id="rId20"/>
-    <p:sldId id="289" r:id="rId21"/>
-    <p:sldId id="294" r:id="rId22"/>
-    <p:sldId id="285" r:id="rId23"/>
-    <p:sldId id="286" r:id="rId24"/>
-    <p:sldId id="287" r:id="rId25"/>
-    <p:sldId id="288" r:id="rId26"/>
-    <p:sldId id="307" r:id="rId27"/>
-    <p:sldId id="308" r:id="rId28"/>
-    <p:sldId id="290" r:id="rId29"/>
-    <p:sldId id="291" r:id="rId30"/>
-    <p:sldId id="295" r:id="rId31"/>
-    <p:sldId id="292" r:id="rId32"/>
-    <p:sldId id="309" r:id="rId33"/>
-    <p:sldId id="293" r:id="rId34"/>
-    <p:sldId id="296" r:id="rId35"/>
-    <p:sldId id="270" r:id="rId36"/>
-    <p:sldId id="303" r:id="rId37"/>
-    <p:sldId id="271" r:id="rId38"/>
-    <p:sldId id="272" r:id="rId39"/>
-    <p:sldId id="304" r:id="rId40"/>
-    <p:sldId id="273" r:id="rId41"/>
-    <p:sldId id="274" r:id="rId42"/>
-    <p:sldId id="275" r:id="rId43"/>
-    <p:sldId id="276" r:id="rId44"/>
-    <p:sldId id="277" r:id="rId45"/>
-    <p:sldId id="312" r:id="rId46"/>
-    <p:sldId id="278" r:id="rId47"/>
-    <p:sldId id="305" r:id="rId48"/>
-    <p:sldId id="279" r:id="rId49"/>
-    <p:sldId id="306" r:id="rId50"/>
-    <p:sldId id="280" r:id="rId51"/>
-    <p:sldId id="281" r:id="rId52"/>
-    <p:sldId id="282" r:id="rId53"/>
-    <p:sldId id="283" r:id="rId54"/>
+    <p:sldId id="313" r:id="rId20"/>
+    <p:sldId id="268" r:id="rId21"/>
+    <p:sldId id="314" r:id="rId22"/>
+    <p:sldId id="289" r:id="rId23"/>
+    <p:sldId id="294" r:id="rId24"/>
+    <p:sldId id="285" r:id="rId25"/>
+    <p:sldId id="286" r:id="rId26"/>
+    <p:sldId id="287" r:id="rId27"/>
+    <p:sldId id="288" r:id="rId28"/>
+    <p:sldId id="307" r:id="rId29"/>
+    <p:sldId id="308" r:id="rId30"/>
+    <p:sldId id="290" r:id="rId31"/>
+    <p:sldId id="291" r:id="rId32"/>
+    <p:sldId id="295" r:id="rId33"/>
+    <p:sldId id="292" r:id="rId34"/>
+    <p:sldId id="309" r:id="rId35"/>
+    <p:sldId id="293" r:id="rId36"/>
+    <p:sldId id="296" r:id="rId37"/>
+    <p:sldId id="270" r:id="rId38"/>
+    <p:sldId id="303" r:id="rId39"/>
+    <p:sldId id="271" r:id="rId40"/>
+    <p:sldId id="272" r:id="rId41"/>
+    <p:sldId id="304" r:id="rId42"/>
+    <p:sldId id="273" r:id="rId43"/>
+    <p:sldId id="274" r:id="rId44"/>
+    <p:sldId id="275" r:id="rId45"/>
+    <p:sldId id="276" r:id="rId46"/>
+    <p:sldId id="277" r:id="rId47"/>
+    <p:sldId id="312" r:id="rId48"/>
+    <p:sldId id="278" r:id="rId49"/>
+    <p:sldId id="305" r:id="rId50"/>
+    <p:sldId id="279" r:id="rId51"/>
+    <p:sldId id="306" r:id="rId52"/>
+    <p:sldId id="280" r:id="rId53"/>
+    <p:sldId id="281" r:id="rId54"/>
+    <p:sldId id="282" r:id="rId55"/>
+    <p:sldId id="283" r:id="rId56"/>
   </p:sldIdLst>
   <p:sldSz cx="9144000" cy="6858000" type="screen4x3"/>
   <p:notesSz cx="6858000" cy="9144000"/>
@@ -260,7 +262,7 @@
           <a:p>
             <a:fld id="{3FDA2B63-9726-4330-BBC3-D46B5CC46B61}" type="datetimeFigureOut">
               <a:rPr lang="pt-BR" smtClean="0"/>
-              <a:t>10/05/2019</a:t>
+              <a:t>12/05/2019</a:t>
             </a:fld>
             <a:endParaRPr lang="pt-BR"/>
           </a:p>
@@ -686,7 +688,7 @@
     </p:spTree>
     <p:extLst>
       <p:ext uri="{BB962C8B-B14F-4D97-AF65-F5344CB8AC3E}">
-        <p14:creationId xmlns:p14="http://schemas.microsoft.com/office/powerpoint/2010/main" val="2785675190"/>
+        <p14:creationId xmlns:p14="http://schemas.microsoft.com/office/powerpoint/2010/main" val="400615553"/>
       </p:ext>
     </p:extLst>
   </p:cSld>
@@ -770,7 +772,7 @@
     </p:spTree>
     <p:extLst>
       <p:ext uri="{BB962C8B-B14F-4D97-AF65-F5344CB8AC3E}">
-        <p14:creationId xmlns:p14="http://schemas.microsoft.com/office/powerpoint/2010/main" val="2517139980"/>
+        <p14:creationId xmlns:p14="http://schemas.microsoft.com/office/powerpoint/2010/main" val="425529066"/>
       </p:ext>
     </p:extLst>
   </p:cSld>
@@ -854,7 +856,7 @@
     </p:spTree>
     <p:extLst>
       <p:ext uri="{BB962C8B-B14F-4D97-AF65-F5344CB8AC3E}">
-        <p14:creationId xmlns:p14="http://schemas.microsoft.com/office/powerpoint/2010/main" val="1740967797"/>
+        <p14:creationId xmlns:p14="http://schemas.microsoft.com/office/powerpoint/2010/main" val="2785675190"/>
       </p:ext>
     </p:extLst>
   </p:cSld>
@@ -938,7 +940,7 @@
     </p:spTree>
     <p:extLst>
       <p:ext uri="{BB962C8B-B14F-4D97-AF65-F5344CB8AC3E}">
-        <p14:creationId xmlns:p14="http://schemas.microsoft.com/office/powerpoint/2010/main" val="1856236287"/>
+        <p14:creationId xmlns:p14="http://schemas.microsoft.com/office/powerpoint/2010/main" val="2517139980"/>
       </p:ext>
     </p:extLst>
   </p:cSld>
@@ -1022,7 +1024,7 @@
     </p:spTree>
     <p:extLst>
       <p:ext uri="{BB962C8B-B14F-4D97-AF65-F5344CB8AC3E}">
-        <p14:creationId xmlns:p14="http://schemas.microsoft.com/office/powerpoint/2010/main" val="2267543212"/>
+        <p14:creationId xmlns:p14="http://schemas.microsoft.com/office/powerpoint/2010/main" val="1740967797"/>
       </p:ext>
     </p:extLst>
   </p:cSld>
@@ -1106,7 +1108,7 @@
     </p:spTree>
     <p:extLst>
       <p:ext uri="{BB962C8B-B14F-4D97-AF65-F5344CB8AC3E}">
-        <p14:creationId xmlns:p14="http://schemas.microsoft.com/office/powerpoint/2010/main" val="2323619707"/>
+        <p14:creationId xmlns:p14="http://schemas.microsoft.com/office/powerpoint/2010/main" val="1856236287"/>
       </p:ext>
     </p:extLst>
   </p:cSld>
@@ -1190,7 +1192,7 @@
     </p:spTree>
     <p:extLst>
       <p:ext uri="{BB962C8B-B14F-4D97-AF65-F5344CB8AC3E}">
-        <p14:creationId xmlns:p14="http://schemas.microsoft.com/office/powerpoint/2010/main" val="2560811393"/>
+        <p14:creationId xmlns:p14="http://schemas.microsoft.com/office/powerpoint/2010/main" val="2267543212"/>
       </p:ext>
     </p:extLst>
   </p:cSld>
@@ -1274,7 +1276,7 @@
     </p:spTree>
     <p:extLst>
       <p:ext uri="{BB962C8B-B14F-4D97-AF65-F5344CB8AC3E}">
-        <p14:creationId xmlns:p14="http://schemas.microsoft.com/office/powerpoint/2010/main" val="1076945236"/>
+        <p14:creationId xmlns:p14="http://schemas.microsoft.com/office/powerpoint/2010/main" val="2323619707"/>
       </p:ext>
     </p:extLst>
   </p:cSld>
@@ -1358,7 +1360,7 @@
     </p:spTree>
     <p:extLst>
       <p:ext uri="{BB962C8B-B14F-4D97-AF65-F5344CB8AC3E}">
-        <p14:creationId xmlns:p14="http://schemas.microsoft.com/office/powerpoint/2010/main" val="3400388235"/>
+        <p14:creationId xmlns:p14="http://schemas.microsoft.com/office/powerpoint/2010/main" val="2560811393"/>
       </p:ext>
     </p:extLst>
   </p:cSld>
@@ -1442,7 +1444,7 @@
     </p:spTree>
     <p:extLst>
       <p:ext uri="{BB962C8B-B14F-4D97-AF65-F5344CB8AC3E}">
-        <p14:creationId xmlns:p14="http://schemas.microsoft.com/office/powerpoint/2010/main" val="2366148113"/>
+        <p14:creationId xmlns:p14="http://schemas.microsoft.com/office/powerpoint/2010/main" val="1076945236"/>
       </p:ext>
     </p:extLst>
   </p:cSld>
@@ -1610,7 +1612,7 @@
     </p:spTree>
     <p:extLst>
       <p:ext uri="{BB962C8B-B14F-4D97-AF65-F5344CB8AC3E}">
-        <p14:creationId xmlns:p14="http://schemas.microsoft.com/office/powerpoint/2010/main" val="4190968496"/>
+        <p14:creationId xmlns:p14="http://schemas.microsoft.com/office/powerpoint/2010/main" val="3400388235"/>
       </p:ext>
     </p:extLst>
   </p:cSld>
@@ -1694,7 +1696,7 @@
     </p:spTree>
     <p:extLst>
       <p:ext uri="{BB962C8B-B14F-4D97-AF65-F5344CB8AC3E}">
-        <p14:creationId xmlns:p14="http://schemas.microsoft.com/office/powerpoint/2010/main" val="1267129821"/>
+        <p14:creationId xmlns:p14="http://schemas.microsoft.com/office/powerpoint/2010/main" val="2366148113"/>
       </p:ext>
     </p:extLst>
   </p:cSld>
@@ -1778,7 +1780,7 @@
     </p:spTree>
     <p:extLst>
       <p:ext uri="{BB962C8B-B14F-4D97-AF65-F5344CB8AC3E}">
-        <p14:creationId xmlns:p14="http://schemas.microsoft.com/office/powerpoint/2010/main" val="2607924494"/>
+        <p14:creationId xmlns:p14="http://schemas.microsoft.com/office/powerpoint/2010/main" val="4190968496"/>
       </p:ext>
     </p:extLst>
   </p:cSld>
@@ -1862,7 +1864,7 @@
     </p:spTree>
     <p:extLst>
       <p:ext uri="{BB962C8B-B14F-4D97-AF65-F5344CB8AC3E}">
-        <p14:creationId xmlns:p14="http://schemas.microsoft.com/office/powerpoint/2010/main" val="1744880423"/>
+        <p14:creationId xmlns:p14="http://schemas.microsoft.com/office/powerpoint/2010/main" val="1267129821"/>
       </p:ext>
     </p:extLst>
   </p:cSld>
@@ -1946,7 +1948,7 @@
     </p:spTree>
     <p:extLst>
       <p:ext uri="{BB962C8B-B14F-4D97-AF65-F5344CB8AC3E}">
-        <p14:creationId xmlns:p14="http://schemas.microsoft.com/office/powerpoint/2010/main" val="3717476772"/>
+        <p14:creationId xmlns:p14="http://schemas.microsoft.com/office/powerpoint/2010/main" val="2607924494"/>
       </p:ext>
     </p:extLst>
   </p:cSld>
@@ -2030,7 +2032,7 @@
     </p:spTree>
     <p:extLst>
       <p:ext uri="{BB962C8B-B14F-4D97-AF65-F5344CB8AC3E}">
-        <p14:creationId xmlns:p14="http://schemas.microsoft.com/office/powerpoint/2010/main" val="3745824210"/>
+        <p14:creationId xmlns:p14="http://schemas.microsoft.com/office/powerpoint/2010/main" val="1744880423"/>
       </p:ext>
     </p:extLst>
   </p:cSld>
@@ -2114,7 +2116,7 @@
     </p:spTree>
     <p:extLst>
       <p:ext uri="{BB962C8B-B14F-4D97-AF65-F5344CB8AC3E}">
-        <p14:creationId xmlns:p14="http://schemas.microsoft.com/office/powerpoint/2010/main" val="2095654408"/>
+        <p14:creationId xmlns:p14="http://schemas.microsoft.com/office/powerpoint/2010/main" val="3717476772"/>
       </p:ext>
     </p:extLst>
   </p:cSld>
@@ -2198,7 +2200,7 @@
     </p:spTree>
     <p:extLst>
       <p:ext uri="{BB962C8B-B14F-4D97-AF65-F5344CB8AC3E}">
-        <p14:creationId xmlns:p14="http://schemas.microsoft.com/office/powerpoint/2010/main" val="3906118446"/>
+        <p14:creationId xmlns:p14="http://schemas.microsoft.com/office/powerpoint/2010/main" val="3745824210"/>
       </p:ext>
     </p:extLst>
   </p:cSld>
@@ -2282,7 +2284,7 @@
     </p:spTree>
     <p:extLst>
       <p:ext uri="{BB962C8B-B14F-4D97-AF65-F5344CB8AC3E}">
-        <p14:creationId xmlns:p14="http://schemas.microsoft.com/office/powerpoint/2010/main" val="3314503402"/>
+        <p14:creationId xmlns:p14="http://schemas.microsoft.com/office/powerpoint/2010/main" val="2095654408"/>
       </p:ext>
     </p:extLst>
   </p:cSld>
@@ -2366,7 +2368,7 @@
     </p:spTree>
     <p:extLst>
       <p:ext uri="{BB962C8B-B14F-4D97-AF65-F5344CB8AC3E}">
-        <p14:creationId xmlns:p14="http://schemas.microsoft.com/office/powerpoint/2010/main" val="1231110911"/>
+        <p14:creationId xmlns:p14="http://schemas.microsoft.com/office/powerpoint/2010/main" val="3906118446"/>
       </p:ext>
     </p:extLst>
   </p:cSld>
@@ -2450,7 +2452,7 @@
     </p:spTree>
     <p:extLst>
       <p:ext uri="{BB962C8B-B14F-4D97-AF65-F5344CB8AC3E}">
-        <p14:creationId xmlns:p14="http://schemas.microsoft.com/office/powerpoint/2010/main" val="1195516631"/>
+        <p14:creationId xmlns:p14="http://schemas.microsoft.com/office/powerpoint/2010/main" val="2872875054"/>
       </p:ext>
     </p:extLst>
   </p:cSld>
@@ -2534,7 +2536,7 @@
     </p:spTree>
     <p:extLst>
       <p:ext uri="{BB962C8B-B14F-4D97-AF65-F5344CB8AC3E}">
-        <p14:creationId xmlns:p14="http://schemas.microsoft.com/office/powerpoint/2010/main" val="3768046969"/>
+        <p14:creationId xmlns:p14="http://schemas.microsoft.com/office/powerpoint/2010/main" val="3314503402"/>
       </p:ext>
     </p:extLst>
   </p:cSld>
@@ -2618,7 +2620,7 @@
     </p:spTree>
     <p:extLst>
       <p:ext uri="{BB962C8B-B14F-4D97-AF65-F5344CB8AC3E}">
-        <p14:creationId xmlns:p14="http://schemas.microsoft.com/office/powerpoint/2010/main" val="3775256238"/>
+        <p14:creationId xmlns:p14="http://schemas.microsoft.com/office/powerpoint/2010/main" val="1231110911"/>
       </p:ext>
     </p:extLst>
   </p:cSld>
@@ -2702,7 +2704,7 @@
     </p:spTree>
     <p:extLst>
       <p:ext uri="{BB962C8B-B14F-4D97-AF65-F5344CB8AC3E}">
-        <p14:creationId xmlns:p14="http://schemas.microsoft.com/office/powerpoint/2010/main" val="4269829074"/>
+        <p14:creationId xmlns:p14="http://schemas.microsoft.com/office/powerpoint/2010/main" val="3768046969"/>
       </p:ext>
     </p:extLst>
   </p:cSld>
@@ -2786,7 +2788,7 @@
     </p:spTree>
     <p:extLst>
       <p:ext uri="{BB962C8B-B14F-4D97-AF65-F5344CB8AC3E}">
-        <p14:creationId xmlns:p14="http://schemas.microsoft.com/office/powerpoint/2010/main" val="3685137183"/>
+        <p14:creationId xmlns:p14="http://schemas.microsoft.com/office/powerpoint/2010/main" val="3775256238"/>
       </p:ext>
     </p:extLst>
   </p:cSld>
@@ -2870,7 +2872,7 @@
     </p:spTree>
     <p:extLst>
       <p:ext uri="{BB962C8B-B14F-4D97-AF65-F5344CB8AC3E}">
-        <p14:creationId xmlns:p14="http://schemas.microsoft.com/office/powerpoint/2010/main" val="785103576"/>
+        <p14:creationId xmlns:p14="http://schemas.microsoft.com/office/powerpoint/2010/main" val="4269829074"/>
       </p:ext>
     </p:extLst>
   </p:cSld>
@@ -2954,7 +2956,7 @@
     </p:spTree>
     <p:extLst>
       <p:ext uri="{BB962C8B-B14F-4D97-AF65-F5344CB8AC3E}">
-        <p14:creationId xmlns:p14="http://schemas.microsoft.com/office/powerpoint/2010/main" val="2568763623"/>
+        <p14:creationId xmlns:p14="http://schemas.microsoft.com/office/powerpoint/2010/main" val="3685137183"/>
       </p:ext>
     </p:extLst>
   </p:cSld>
@@ -3038,7 +3040,7 @@
     </p:spTree>
     <p:extLst>
       <p:ext uri="{BB962C8B-B14F-4D97-AF65-F5344CB8AC3E}">
-        <p14:creationId xmlns:p14="http://schemas.microsoft.com/office/powerpoint/2010/main" val="1276811389"/>
+        <p14:creationId xmlns:p14="http://schemas.microsoft.com/office/powerpoint/2010/main" val="785103576"/>
       </p:ext>
     </p:extLst>
   </p:cSld>
@@ -3114,6 +3116,174 @@
             <a:fld id="{1A618A8B-0752-40D5-9454-79BB13FA29FA}" type="slidenum">
               <a:rPr lang="pt-BR" smtClean="0"/>
               <a:t>53</a:t>
+            </a:fld>
+            <a:endParaRPr lang="pt-BR"/>
+          </a:p>
+        </p:txBody>
+      </p:sp>
+    </p:spTree>
+    <p:extLst>
+      <p:ext uri="{BB962C8B-B14F-4D97-AF65-F5344CB8AC3E}">
+        <p14:creationId xmlns:p14="http://schemas.microsoft.com/office/powerpoint/2010/main" val="2568763623"/>
+      </p:ext>
+    </p:extLst>
+  </p:cSld>
+  <p:clrMapOvr>
+    <a:masterClrMapping/>
+  </p:clrMapOvr>
+</p:notes>
+</file>
+
+<file path=ppt/notesSlides/notesSlide38.xml><?xml version="1.0" encoding="utf-8"?>
+<p:notes xmlns:a="http://schemas.openxmlformats.org/drawingml/2006/main" xmlns:r="http://schemas.openxmlformats.org/officeDocument/2006/relationships" xmlns:p="http://schemas.openxmlformats.org/presentationml/2006/main">
+  <p:cSld>
+    <p:spTree>
+      <p:nvGrpSpPr>
+        <p:cNvPr id="1" name=""/>
+        <p:cNvGrpSpPr/>
+        <p:nvPr/>
+      </p:nvGrpSpPr>
+      <p:grpSpPr>
+        <a:xfrm>
+          <a:off x="0" y="0"/>
+          <a:ext cx="0" cy="0"/>
+          <a:chOff x="0" y="0"/>
+          <a:chExt cx="0" cy="0"/>
+        </a:xfrm>
+      </p:grpSpPr>
+      <p:sp>
+        <p:nvSpPr>
+          <p:cNvPr id="2" name="Espaço Reservado para Imagem de Slide 1"/>
+          <p:cNvSpPr>
+            <a:spLocks noGrp="1" noRot="1" noChangeAspect="1"/>
+          </p:cNvSpPr>
+          <p:nvPr>
+            <p:ph type="sldImg"/>
+          </p:nvPr>
+        </p:nvSpPr>
+        <p:spPr/>
+      </p:sp>
+      <p:sp>
+        <p:nvSpPr>
+          <p:cNvPr id="3" name="Espaço Reservado para Anotações 2"/>
+          <p:cNvSpPr>
+            <a:spLocks noGrp="1"/>
+          </p:cNvSpPr>
+          <p:nvPr>
+            <p:ph type="body" idx="1"/>
+          </p:nvPr>
+        </p:nvSpPr>
+        <p:spPr/>
+        <p:txBody>
+          <a:bodyPr/>
+          <a:lstStyle/>
+          <a:p>
+            <a:endParaRPr lang="pt-BR" dirty="0"/>
+          </a:p>
+        </p:txBody>
+      </p:sp>
+      <p:sp>
+        <p:nvSpPr>
+          <p:cNvPr id="4" name="Espaço Reservado para Número de Slide 3"/>
+          <p:cNvSpPr>
+            <a:spLocks noGrp="1"/>
+          </p:cNvSpPr>
+          <p:nvPr>
+            <p:ph type="sldNum" sz="quarter" idx="10"/>
+          </p:nvPr>
+        </p:nvSpPr>
+        <p:spPr/>
+        <p:txBody>
+          <a:bodyPr/>
+          <a:lstStyle/>
+          <a:p>
+            <a:fld id="{1A618A8B-0752-40D5-9454-79BB13FA29FA}" type="slidenum">
+              <a:rPr lang="pt-BR" smtClean="0"/>
+              <a:t>54</a:t>
+            </a:fld>
+            <a:endParaRPr lang="pt-BR"/>
+          </a:p>
+        </p:txBody>
+      </p:sp>
+    </p:spTree>
+    <p:extLst>
+      <p:ext uri="{BB962C8B-B14F-4D97-AF65-F5344CB8AC3E}">
+        <p14:creationId xmlns:p14="http://schemas.microsoft.com/office/powerpoint/2010/main" val="1276811389"/>
+      </p:ext>
+    </p:extLst>
+  </p:cSld>
+  <p:clrMapOvr>
+    <a:masterClrMapping/>
+  </p:clrMapOvr>
+</p:notes>
+</file>
+
+<file path=ppt/notesSlides/notesSlide39.xml><?xml version="1.0" encoding="utf-8"?>
+<p:notes xmlns:a="http://schemas.openxmlformats.org/drawingml/2006/main" xmlns:r="http://schemas.openxmlformats.org/officeDocument/2006/relationships" xmlns:p="http://schemas.openxmlformats.org/presentationml/2006/main">
+  <p:cSld>
+    <p:spTree>
+      <p:nvGrpSpPr>
+        <p:cNvPr id="1" name=""/>
+        <p:cNvGrpSpPr/>
+        <p:nvPr/>
+      </p:nvGrpSpPr>
+      <p:grpSpPr>
+        <a:xfrm>
+          <a:off x="0" y="0"/>
+          <a:ext cx="0" cy="0"/>
+          <a:chOff x="0" y="0"/>
+          <a:chExt cx="0" cy="0"/>
+        </a:xfrm>
+      </p:grpSpPr>
+      <p:sp>
+        <p:nvSpPr>
+          <p:cNvPr id="2" name="Espaço Reservado para Imagem de Slide 1"/>
+          <p:cNvSpPr>
+            <a:spLocks noGrp="1" noRot="1" noChangeAspect="1"/>
+          </p:cNvSpPr>
+          <p:nvPr>
+            <p:ph type="sldImg"/>
+          </p:nvPr>
+        </p:nvSpPr>
+        <p:spPr/>
+      </p:sp>
+      <p:sp>
+        <p:nvSpPr>
+          <p:cNvPr id="3" name="Espaço Reservado para Anotações 2"/>
+          <p:cNvSpPr>
+            <a:spLocks noGrp="1"/>
+          </p:cNvSpPr>
+          <p:nvPr>
+            <p:ph type="body" idx="1"/>
+          </p:nvPr>
+        </p:nvSpPr>
+        <p:spPr/>
+        <p:txBody>
+          <a:bodyPr/>
+          <a:lstStyle/>
+          <a:p>
+            <a:endParaRPr lang="pt-BR" dirty="0"/>
+          </a:p>
+        </p:txBody>
+      </p:sp>
+      <p:sp>
+        <p:nvSpPr>
+          <p:cNvPr id="4" name="Espaço Reservado para Número de Slide 3"/>
+          <p:cNvSpPr>
+            <a:spLocks noGrp="1"/>
+          </p:cNvSpPr>
+          <p:nvPr>
+            <p:ph type="sldNum" sz="quarter" idx="10"/>
+          </p:nvPr>
+        </p:nvSpPr>
+        <p:spPr/>
+        <p:txBody>
+          <a:bodyPr/>
+          <a:lstStyle/>
+          <a:p>
+            <a:fld id="{1A618A8B-0752-40D5-9454-79BB13FA29FA}" type="slidenum">
+              <a:rPr lang="pt-BR" smtClean="0"/>
+              <a:t>55</a:t>
             </a:fld>
             <a:endParaRPr lang="pt-BR"/>
           </a:p>
@@ -3206,7 +3376,7 @@
     </p:spTree>
     <p:extLst>
       <p:ext uri="{BB962C8B-B14F-4D97-AF65-F5344CB8AC3E}">
-        <p14:creationId xmlns:p14="http://schemas.microsoft.com/office/powerpoint/2010/main" val="2737498223"/>
+        <p14:creationId xmlns:p14="http://schemas.microsoft.com/office/powerpoint/2010/main" val="1195516631"/>
       </p:ext>
     </p:extLst>
   </p:cSld>
@@ -3290,7 +3460,7 @@
     </p:spTree>
     <p:extLst>
       <p:ext uri="{BB962C8B-B14F-4D97-AF65-F5344CB8AC3E}">
-        <p14:creationId xmlns:p14="http://schemas.microsoft.com/office/powerpoint/2010/main" val="3783503954"/>
+        <p14:creationId xmlns:p14="http://schemas.microsoft.com/office/powerpoint/2010/main" val="465014692"/>
       </p:ext>
     </p:extLst>
   </p:cSld>
@@ -3374,7 +3544,7 @@
     </p:spTree>
     <p:extLst>
       <p:ext uri="{BB962C8B-B14F-4D97-AF65-F5344CB8AC3E}">
-        <p14:creationId xmlns:p14="http://schemas.microsoft.com/office/powerpoint/2010/main" val="2321915418"/>
+        <p14:creationId xmlns:p14="http://schemas.microsoft.com/office/powerpoint/2010/main" val="2737498223"/>
       </p:ext>
     </p:extLst>
   </p:cSld>
@@ -3458,7 +3628,7 @@
     </p:spTree>
     <p:extLst>
       <p:ext uri="{BB962C8B-B14F-4D97-AF65-F5344CB8AC3E}">
-        <p14:creationId xmlns:p14="http://schemas.microsoft.com/office/powerpoint/2010/main" val="3985887250"/>
+        <p14:creationId xmlns:p14="http://schemas.microsoft.com/office/powerpoint/2010/main" val="3783503954"/>
       </p:ext>
     </p:extLst>
   </p:cSld>
@@ -3542,7 +3712,7 @@
     </p:spTree>
     <p:extLst>
       <p:ext uri="{BB962C8B-B14F-4D97-AF65-F5344CB8AC3E}">
-        <p14:creationId xmlns:p14="http://schemas.microsoft.com/office/powerpoint/2010/main" val="400615553"/>
+        <p14:creationId xmlns:p14="http://schemas.microsoft.com/office/powerpoint/2010/main" val="2321915418"/>
       </p:ext>
     </p:extLst>
   </p:cSld>
@@ -3626,7 +3796,7 @@
     </p:spTree>
     <p:extLst>
       <p:ext uri="{BB962C8B-B14F-4D97-AF65-F5344CB8AC3E}">
-        <p14:creationId xmlns:p14="http://schemas.microsoft.com/office/powerpoint/2010/main" val="425529066"/>
+        <p14:creationId xmlns:p14="http://schemas.microsoft.com/office/powerpoint/2010/main" val="3985887250"/>
       </p:ext>
     </p:extLst>
   </p:cSld>
@@ -3736,7 +3906,7 @@
           <a:p>
             <a:fld id="{2E700DB3-DBF0-4086-B675-117E7A9610B8}" type="datetimeFigureOut">
               <a:rPr lang="pt-BR" smtClean="0"/>
-              <a:t>10/05/2019</a:t>
+              <a:t>12/05/2019</a:t>
             </a:fld>
             <a:endParaRPr lang="pt-BR"/>
           </a:p>
@@ -3942,7 +4112,7 @@
                   <a:schemeClr val="tx1"/>
                 </a:solidFill>
               </a:rPr>
-              <a:t>53 </a:t>
+              <a:t>55 – 13 </a:t>
             </a:r>
             <a:r>
               <a:rPr lang="pt-BR" sz="1200" dirty="0" smtClean="0">
@@ -3950,7 +4120,7 @@
                   <a:schemeClr val="tx1"/>
                 </a:solidFill>
               </a:rPr>
-              <a:t>– 13 a 15/05/2019</a:t>
+              <a:t>a 15/05/2019</a:t>
             </a:r>
             <a:endParaRPr lang="pt-BR" sz="1200" dirty="0">
               <a:solidFill>
@@ -4213,7 +4383,7 @@
           <a:p>
             <a:fld id="{2E700DB3-DBF0-4086-B675-117E7A9610B8}" type="datetimeFigureOut">
               <a:rPr lang="pt-BR" smtClean="0"/>
-              <a:t>10/05/2019</a:t>
+              <a:t>12/05/2019</a:t>
             </a:fld>
             <a:endParaRPr lang="pt-BR"/>
           </a:p>
@@ -4388,7 +4558,7 @@
           <a:p>
             <a:fld id="{2E700DB3-DBF0-4086-B675-117E7A9610B8}" type="datetimeFigureOut">
               <a:rPr lang="pt-BR" smtClean="0"/>
-              <a:t>10/05/2019</a:t>
+              <a:t>12/05/2019</a:t>
             </a:fld>
             <a:endParaRPr lang="pt-BR"/>
           </a:p>
@@ -4553,7 +4723,7 @@
           <a:p>
             <a:fld id="{2E700DB3-DBF0-4086-B675-117E7A9610B8}" type="datetimeFigureOut">
               <a:rPr lang="pt-BR" smtClean="0"/>
-              <a:t>10/05/2019</a:t>
+              <a:t>12/05/2019</a:t>
             </a:fld>
             <a:endParaRPr lang="pt-BR"/>
           </a:p>
@@ -4920,7 +5090,7 @@
           <a:p>
             <a:fld id="{2E700DB3-DBF0-4086-B675-117E7A9610B8}" type="datetimeFigureOut">
               <a:rPr lang="pt-BR" smtClean="0"/>
-              <a:t>10/05/2019</a:t>
+              <a:t>12/05/2019</a:t>
             </a:fld>
             <a:endParaRPr lang="pt-BR"/>
           </a:p>
@@ -5203,7 +5373,7 @@
           <a:p>
             <a:fld id="{2E700DB3-DBF0-4086-B675-117E7A9610B8}" type="datetimeFigureOut">
               <a:rPr lang="pt-BR" smtClean="0"/>
-              <a:t>10/05/2019</a:t>
+              <a:t>12/05/2019</a:t>
             </a:fld>
             <a:endParaRPr lang="pt-BR"/>
           </a:p>
@@ -5620,7 +5790,7 @@
           <a:p>
             <a:fld id="{2E700DB3-DBF0-4086-B675-117E7A9610B8}" type="datetimeFigureOut">
               <a:rPr lang="pt-BR" smtClean="0"/>
-              <a:t>10/05/2019</a:t>
+              <a:t>12/05/2019</a:t>
             </a:fld>
             <a:endParaRPr lang="pt-BR"/>
           </a:p>
@@ -5733,7 +5903,7 @@
           <a:p>
             <a:fld id="{2E700DB3-DBF0-4086-B675-117E7A9610B8}" type="datetimeFigureOut">
               <a:rPr lang="pt-BR" smtClean="0"/>
-              <a:t>10/05/2019</a:t>
+              <a:t>12/05/2019</a:t>
             </a:fld>
             <a:endParaRPr lang="pt-BR"/>
           </a:p>
@@ -5823,7 +5993,7 @@
           <a:p>
             <a:fld id="{2E700DB3-DBF0-4086-B675-117E7A9610B8}" type="datetimeFigureOut">
               <a:rPr lang="pt-BR" smtClean="0"/>
-              <a:t>10/05/2019</a:t>
+              <a:t>12/05/2019</a:t>
             </a:fld>
             <a:endParaRPr lang="pt-BR"/>
           </a:p>
@@ -6095,7 +6265,7 @@
           <a:p>
             <a:fld id="{2E700DB3-DBF0-4086-B675-117E7A9610B8}" type="datetimeFigureOut">
               <a:rPr lang="pt-BR" smtClean="0"/>
-              <a:t>10/05/2019</a:t>
+              <a:t>12/05/2019</a:t>
             </a:fld>
             <a:endParaRPr lang="pt-BR"/>
           </a:p>
@@ -6343,7 +6513,7 @@
           <a:p>
             <a:fld id="{2E700DB3-DBF0-4086-B675-117E7A9610B8}" type="datetimeFigureOut">
               <a:rPr lang="pt-BR" smtClean="0"/>
-              <a:t>10/05/2019</a:t>
+              <a:t>12/05/2019</a:t>
             </a:fld>
             <a:endParaRPr lang="pt-BR"/>
           </a:p>
@@ -6551,7 +6721,7 @@
           <a:p>
             <a:fld id="{2E700DB3-DBF0-4086-B675-117E7A9610B8}" type="datetimeFigureOut">
               <a:rPr lang="pt-BR" smtClean="0"/>
-              <a:t>10/05/2019</a:t>
+              <a:t>12/05/2019</a:t>
             </a:fld>
             <a:endParaRPr lang="pt-BR"/>
           </a:p>
@@ -11644,10 +11814,47 @@
           </a:p>
         </p:txBody>
       </p:sp>
+      <p:sp>
+        <p:nvSpPr>
+          <p:cNvPr id="23" name="CaixaDeTexto 22"/>
+          <p:cNvSpPr txBox="1"/>
+          <p:nvPr/>
+        </p:nvSpPr>
+        <p:spPr>
+          <a:xfrm>
+            <a:off x="5163551" y="1893892"/>
+            <a:ext cx="965329" cy="369332"/>
+          </a:xfrm>
+          <a:prstGeom prst="rect">
+            <a:avLst/>
+          </a:prstGeom>
+          <a:noFill/>
+        </p:spPr>
+        <p:txBody>
+          <a:bodyPr wrap="none" rtlCol="0">
+            <a:spAutoFit/>
+          </a:bodyPr>
+          <a:lstStyle/>
+          <a:p>
+            <a:r>
+              <a:rPr lang="pt-BR" dirty="0"/>
+              <a:t>m</a:t>
+            </a:r>
+            <a:r>
+              <a:rPr lang="pt-BR" dirty="0" smtClean="0"/>
+              <a:t>odelo:</a:t>
+            </a:r>
+            <a:endParaRPr lang="pt-BR" dirty="0">
+              <a:latin typeface="Courier New" panose="02070309020205020404" pitchFamily="49" charset="0"/>
+              <a:cs typeface="Courier New" panose="02070309020205020404" pitchFamily="49" charset="0"/>
+            </a:endParaRPr>
+          </a:p>
+        </p:txBody>
+      </p:sp>
     </p:spTree>
     <p:extLst>
       <p:ext uri="{BB962C8B-B14F-4D97-AF65-F5344CB8AC3E}">
-        <p14:creationId xmlns:p14="http://schemas.microsoft.com/office/powerpoint/2010/main" val="1643701177"/>
+        <p14:creationId xmlns:p14="http://schemas.microsoft.com/office/powerpoint/2010/main" val="3149828741"/>
       </p:ext>
     </p:extLst>
   </p:cSld>
@@ -12143,14 +12350,57 @@
       </p:sp>
       <p:sp>
         <p:nvSpPr>
+          <p:cNvPr id="53" name="Retângulo 52"/>
+          <p:cNvSpPr/>
+          <p:nvPr/>
+        </p:nvSpPr>
+        <p:spPr>
+          <a:xfrm>
+            <a:off x="3783236" y="1844824"/>
+            <a:ext cx="1258678" cy="307777"/>
+          </a:xfrm>
+          <a:prstGeom prst="rect">
+            <a:avLst/>
+          </a:prstGeom>
+          <a:ln>
+            <a:solidFill>
+              <a:schemeClr val="tx1"/>
+            </a:solidFill>
+          </a:ln>
+        </p:spPr>
+        <p:txBody>
+          <a:bodyPr wrap="none">
+            <a:spAutoFit/>
+          </a:bodyPr>
+          <a:lstStyle/>
+          <a:p>
+            <a:r>
+              <a:rPr lang="pt-BR" sz="1400" b="1" dirty="0" err="1" smtClean="0">
+                <a:solidFill>
+                  <a:srgbClr val="800080"/>
+                </a:solidFill>
+                <a:latin typeface="Courier New" panose="02070309020205020404" pitchFamily="49" charset="0"/>
+                <a:cs typeface="Courier New" panose="02070309020205020404" pitchFamily="49" charset="0"/>
+              </a:rPr>
+              <a:t>vtkDataSet</a:t>
+            </a:r>
+            <a:endParaRPr lang="pt-BR" sz="1400" b="1" dirty="0">
+              <a:latin typeface="Courier New" panose="02070309020205020404" pitchFamily="49" charset="0"/>
+              <a:cs typeface="Courier New" panose="02070309020205020404" pitchFamily="49" charset="0"/>
+            </a:endParaRPr>
+          </a:p>
+        </p:txBody>
+      </p:sp>
+      <p:sp>
+        <p:nvSpPr>
           <p:cNvPr id="54" name="CaixaDeTexto 53"/>
           <p:cNvSpPr txBox="1"/>
           <p:nvPr/>
         </p:nvSpPr>
         <p:spPr>
           <a:xfrm>
-            <a:off x="4067944" y="1218238"/>
-            <a:ext cx="1608133" cy="338554"/>
+            <a:off x="2190498" y="1218238"/>
+            <a:ext cx="5477846" cy="338554"/>
           </a:xfrm>
           <a:prstGeom prst="rect">
             <a:avLst/>
@@ -12165,15 +12415,11 @@
           <a:p>
             <a:r>
               <a:rPr lang="pt-BR" sz="1600" b="1" dirty="0" smtClean="0"/>
-              <a:t>4.1.3) </a:t>
-            </a:r>
-            <a:r>
-              <a:rPr lang="pt-BR" sz="1600" b="1" dirty="0" err="1" smtClean="0"/>
-              <a:t>Hello</a:t>
+              <a:t>4.1.2) Modelo de visualização: </a:t>
             </a:r>
             <a:r>
               <a:rPr lang="pt-BR" sz="1600" b="1" dirty="0" smtClean="0"/>
-              <a:t> VTK!</a:t>
+              <a:t>tipos de dado e de propriedade</a:t>
             </a:r>
             <a:endParaRPr lang="pt-BR" sz="1600" b="1" dirty="0"/>
           </a:p>
@@ -12209,16 +12455,277 @@
           </a:p>
         </p:txBody>
       </p:sp>
-      <p:sp>
-        <p:nvSpPr>
-          <p:cNvPr id="14" name="CaixaDeTexto 13"/>
+      <p:pic>
+        <p:nvPicPr>
+          <p:cNvPr id="1026" name="Picture 2" descr="Resultado de imagem para vtk data types"/>
+          <p:cNvPicPr>
+            <a:picLocks noChangeAspect="1" noChangeArrowheads="1"/>
+          </p:cNvPicPr>
+          <p:nvPr/>
+        </p:nvPicPr>
+        <p:blipFill>
+          <a:blip r:embed="rId3">
+            <a:clrChange>
+              <a:clrFrom>
+                <a:srgbClr val="FFFFFF"/>
+              </a:clrFrom>
+              <a:clrTo>
+                <a:srgbClr val="FFFFFF">
+                  <a:alpha val="0"/>
+                </a:srgbClr>
+              </a:clrTo>
+            </a:clrChange>
+            <a:extLst>
+              <a:ext uri="{28A0092B-C50C-407E-A947-70E740481C1C}">
+                <a14:useLocalDpi xmlns:a14="http://schemas.microsoft.com/office/drawing/2010/main" val="0"/>
+              </a:ext>
+            </a:extLst>
+          </a:blip>
+          <a:srcRect/>
+          <a:stretch>
+            <a:fillRect/>
+          </a:stretch>
+        </p:blipFill>
+        <p:spPr bwMode="auto">
+          <a:xfrm>
+            <a:off x="1893212" y="2452494"/>
+            <a:ext cx="5038725" cy="3276601"/>
+          </a:xfrm>
+          <a:prstGeom prst="rect">
+            <a:avLst/>
+          </a:prstGeom>
+          <a:noFill/>
+          <a:extLst>
+            <a:ext uri="{909E8E84-426E-40DD-AFC4-6F175D3DCCD1}">
+              <a14:hiddenFill xmlns:a14="http://schemas.microsoft.com/office/drawing/2010/main">
+                <a:solidFill>
+                  <a:srgbClr val="FFFFFF"/>
+                </a:solidFill>
+              </a14:hiddenFill>
+            </a:ext>
+          </a:extLst>
+        </p:spPr>
+      </p:pic>
+      <p:sp>
+        <p:nvSpPr>
+          <p:cNvPr id="24" name="Retângulo 23"/>
+          <p:cNvSpPr/>
+          <p:nvPr/>
+        </p:nvSpPr>
+        <p:spPr>
+          <a:xfrm>
+            <a:off x="1043608" y="5775639"/>
+            <a:ext cx="2384371" cy="307777"/>
+          </a:xfrm>
+          <a:prstGeom prst="rect">
+            <a:avLst/>
+          </a:prstGeom>
+        </p:spPr>
+        <p:txBody>
+          <a:bodyPr wrap="none">
+            <a:spAutoFit/>
+          </a:bodyPr>
+          <a:lstStyle/>
+          <a:p>
+            <a:r>
+              <a:rPr lang="pt-BR" sz="1400" b="1" dirty="0" smtClean="0">
+                <a:latin typeface="+mj-lt"/>
+                <a:cs typeface="Courier New" panose="02070309020205020404" pitchFamily="49" charset="0"/>
+              </a:rPr>
+              <a:t>ex.:</a:t>
+            </a:r>
+            <a:r>
+              <a:rPr lang="pt-BR" sz="1400" b="1" dirty="0" smtClean="0">
+                <a:solidFill>
+                  <a:srgbClr val="800080"/>
+                </a:solidFill>
+                <a:latin typeface="Courier New" panose="02070309020205020404" pitchFamily="49" charset="0"/>
+                <a:cs typeface="Courier New" panose="02070309020205020404" pitchFamily="49" charset="0"/>
+              </a:rPr>
+              <a:t> </a:t>
+            </a:r>
+            <a:r>
+              <a:rPr lang="pt-BR" sz="1400" b="1" dirty="0" err="1" smtClean="0">
+                <a:solidFill>
+                  <a:srgbClr val="800080"/>
+                </a:solidFill>
+                <a:latin typeface="Courier New" panose="02070309020205020404" pitchFamily="49" charset="0"/>
+                <a:cs typeface="Courier New" panose="02070309020205020404" pitchFamily="49" charset="0"/>
+              </a:rPr>
+              <a:t>vtkStructuredGrid</a:t>
+            </a:r>
+            <a:endParaRPr lang="pt-BR" sz="1400" b="1" dirty="0">
+              <a:latin typeface="Courier New" panose="02070309020205020404" pitchFamily="49" charset="0"/>
+              <a:cs typeface="Courier New" panose="02070309020205020404" pitchFamily="49" charset="0"/>
+            </a:endParaRPr>
+          </a:p>
+        </p:txBody>
+      </p:sp>
+      <p:sp>
+        <p:nvSpPr>
+          <p:cNvPr id="25" name="Retângulo 24"/>
+          <p:cNvSpPr/>
+          <p:nvPr/>
+        </p:nvSpPr>
+        <p:spPr>
+          <a:xfrm>
+            <a:off x="179512" y="4869160"/>
+            <a:ext cx="2599173" cy="307777"/>
+          </a:xfrm>
+          <a:prstGeom prst="rect">
+            <a:avLst/>
+          </a:prstGeom>
+        </p:spPr>
+        <p:txBody>
+          <a:bodyPr wrap="none">
+            <a:spAutoFit/>
+          </a:bodyPr>
+          <a:lstStyle/>
+          <a:p>
+            <a:r>
+              <a:rPr lang="pt-BR" sz="1400" b="1" dirty="0" smtClean="0">
+                <a:latin typeface="+mj-lt"/>
+                <a:cs typeface="Courier New" panose="02070309020205020404" pitchFamily="49" charset="0"/>
+              </a:rPr>
+              <a:t>ex.:</a:t>
+            </a:r>
+            <a:r>
+              <a:rPr lang="pt-BR" sz="1400" b="1" dirty="0" smtClean="0">
+                <a:solidFill>
+                  <a:srgbClr val="800080"/>
+                </a:solidFill>
+                <a:latin typeface="Courier New" panose="02070309020205020404" pitchFamily="49" charset="0"/>
+                <a:cs typeface="Courier New" panose="02070309020205020404" pitchFamily="49" charset="0"/>
+              </a:rPr>
+              <a:t> </a:t>
+            </a:r>
+            <a:r>
+              <a:rPr lang="pt-BR" sz="1400" b="1" dirty="0" err="1" smtClean="0">
+                <a:solidFill>
+                  <a:srgbClr val="800080"/>
+                </a:solidFill>
+                <a:latin typeface="Courier New" panose="02070309020205020404" pitchFamily="49" charset="0"/>
+                <a:cs typeface="Courier New" panose="02070309020205020404" pitchFamily="49" charset="0"/>
+              </a:rPr>
+              <a:t>vtkUnstructuredGrid</a:t>
+            </a:r>
+            <a:endParaRPr lang="pt-BR" sz="1400" b="1" dirty="0">
+              <a:latin typeface="Courier New" panose="02070309020205020404" pitchFamily="49" charset="0"/>
+              <a:cs typeface="Courier New" panose="02070309020205020404" pitchFamily="49" charset="0"/>
+            </a:endParaRPr>
+          </a:p>
+        </p:txBody>
+      </p:sp>
+      <p:sp>
+        <p:nvSpPr>
+          <p:cNvPr id="26" name="Retângulo 25"/>
+          <p:cNvSpPr/>
+          <p:nvPr/>
+        </p:nvSpPr>
+        <p:spPr>
+          <a:xfrm>
+            <a:off x="467544" y="2348880"/>
+            <a:ext cx="2813975" cy="307777"/>
+          </a:xfrm>
+          <a:prstGeom prst="rect">
+            <a:avLst/>
+          </a:prstGeom>
+        </p:spPr>
+        <p:txBody>
+          <a:bodyPr wrap="none">
+            <a:spAutoFit/>
+          </a:bodyPr>
+          <a:lstStyle/>
+          <a:p>
+            <a:r>
+              <a:rPr lang="pt-BR" sz="1400" b="1" dirty="0" smtClean="0">
+                <a:latin typeface="+mj-lt"/>
+                <a:cs typeface="Courier New" panose="02070309020205020404" pitchFamily="49" charset="0"/>
+              </a:rPr>
+              <a:t>ex.:</a:t>
+            </a:r>
+            <a:r>
+              <a:rPr lang="pt-BR" sz="1400" b="1" dirty="0" smtClean="0">
+                <a:solidFill>
+                  <a:srgbClr val="800080"/>
+                </a:solidFill>
+                <a:latin typeface="Courier New" panose="02070309020205020404" pitchFamily="49" charset="0"/>
+                <a:cs typeface="Courier New" panose="02070309020205020404" pitchFamily="49" charset="0"/>
+              </a:rPr>
+              <a:t> </a:t>
+            </a:r>
+            <a:r>
+              <a:rPr lang="pt-BR" sz="1400" b="1" dirty="0" err="1" smtClean="0">
+                <a:solidFill>
+                  <a:srgbClr val="800080"/>
+                </a:solidFill>
+                <a:latin typeface="Courier New" panose="02070309020205020404" pitchFamily="49" charset="0"/>
+                <a:cs typeface="Courier New" panose="02070309020205020404" pitchFamily="49" charset="0"/>
+              </a:rPr>
+              <a:t>vtkUnstructuredPoints</a:t>
+            </a:r>
+            <a:endParaRPr lang="pt-BR" sz="1400" b="1" dirty="0">
+              <a:latin typeface="Courier New" panose="02070309020205020404" pitchFamily="49" charset="0"/>
+              <a:cs typeface="Courier New" panose="02070309020205020404" pitchFamily="49" charset="0"/>
+            </a:endParaRPr>
+          </a:p>
+        </p:txBody>
+      </p:sp>
+      <p:sp>
+        <p:nvSpPr>
+          <p:cNvPr id="5" name="Chave direita 4"/>
+          <p:cNvSpPr/>
+          <p:nvPr/>
+        </p:nvSpPr>
+        <p:spPr>
+          <a:xfrm>
+            <a:off x="6916591" y="2348880"/>
+            <a:ext cx="288032" cy="1984618"/>
+          </a:xfrm>
+          <a:prstGeom prst="rightBrace">
+            <a:avLst/>
+          </a:prstGeom>
+          <a:ln w="28575">
+            <a:solidFill>
+              <a:schemeClr val="tx1"/>
+            </a:solidFill>
+            <a:headEnd type="none" w="med" len="med"/>
+            <a:tailEnd type="none" w="med" len="med"/>
+          </a:ln>
+        </p:spPr>
+        <p:style>
+          <a:lnRef idx="1">
+            <a:schemeClr val="accent1"/>
+          </a:lnRef>
+          <a:fillRef idx="0">
+            <a:schemeClr val="accent1"/>
+          </a:fillRef>
+          <a:effectRef idx="0">
+            <a:schemeClr val="accent1"/>
+          </a:effectRef>
+          <a:fontRef idx="minor">
+            <a:schemeClr val="tx1"/>
+          </a:fontRef>
+        </p:style>
+        <p:txBody>
+          <a:bodyPr rtlCol="0" anchor="ctr"/>
+          <a:lstStyle/>
+          <a:p>
+            <a:pPr algn="ctr"/>
+            <a:endParaRPr lang="pt-BR"/>
+          </a:p>
+        </p:txBody>
+      </p:sp>
+      <p:sp>
+        <p:nvSpPr>
+          <p:cNvPr id="6" name="CaixaDeTexto 5"/>
           <p:cNvSpPr txBox="1"/>
           <p:nvPr/>
         </p:nvSpPr>
         <p:spPr>
           <a:xfrm>
-            <a:off x="1501325" y="3140968"/>
-            <a:ext cx="5573449" cy="338554"/>
+            <a:off x="7308304" y="3068960"/>
+            <a:ext cx="1136530" cy="646331"/>
           </a:xfrm>
           <a:prstGeom prst="rect">
             <a:avLst/>
@@ -12231,35 +12738,216 @@
           </a:bodyPr>
           <a:lstStyle/>
           <a:p>
-            <a:pPr marL="285750" indent="-285750">
-              <a:buFont typeface="Wingdings" panose="05000000000000000000" pitchFamily="2" charset="2"/>
-              <a:buChar char="Ø"/>
-            </a:pPr>
-            <a:r>
-              <a:rPr lang="pt-BR" sz="1600" dirty="0" smtClean="0"/>
-              <a:t>Fontes: </a:t>
-            </a:r>
-            <a:r>
-              <a:rPr lang="pt-BR" sz="1600" dirty="0" smtClean="0">
-                <a:latin typeface="Courier New" panose="02070309020205020404" pitchFamily="49" charset="0"/>
-                <a:cs typeface="Courier New" panose="02070309020205020404" pitchFamily="49" charset="0"/>
-              </a:rPr>
-              <a:t>...\</a:t>
-            </a:r>
-            <a:r>
-              <a:rPr lang="pt-BR" sz="1600" dirty="0">
-                <a:latin typeface="Courier New" panose="02070309020205020404" pitchFamily="49" charset="0"/>
-                <a:cs typeface="Courier New" panose="02070309020205020404" pitchFamily="49" charset="0"/>
-              </a:rPr>
-              <a:t>cursoVTKgeo\aulas_3dias\HelloVTK</a:t>
-            </a:r>
+            <a:r>
+              <a:rPr lang="pt-BR" dirty="0"/>
+              <a:t>e</a:t>
+            </a:r>
+            <a:r>
+              <a:rPr lang="pt-BR" dirty="0" smtClean="0"/>
+              <a:t>scalar ou</a:t>
+            </a:r>
+          </a:p>
+          <a:p>
+            <a:r>
+              <a:rPr lang="pt-BR" dirty="0" smtClean="0"/>
+              <a:t>vetorial</a:t>
+            </a:r>
+            <a:endParaRPr lang="pt-BR" dirty="0"/>
+          </a:p>
+        </p:txBody>
+      </p:sp>
+      <p:sp>
+        <p:nvSpPr>
+          <p:cNvPr id="29" name="Chave direita 28"/>
+          <p:cNvSpPr/>
+          <p:nvPr/>
+        </p:nvSpPr>
+        <p:spPr>
+          <a:xfrm>
+            <a:off x="6916591" y="4460873"/>
+            <a:ext cx="288032" cy="1128367"/>
+          </a:xfrm>
+          <a:prstGeom prst="rightBrace">
+            <a:avLst/>
+          </a:prstGeom>
+          <a:ln w="28575">
+            <a:solidFill>
+              <a:schemeClr val="tx1"/>
+            </a:solidFill>
+            <a:headEnd type="none" w="med" len="med"/>
+            <a:tailEnd type="none" w="med" len="med"/>
+          </a:ln>
+        </p:spPr>
+        <p:style>
+          <a:lnRef idx="1">
+            <a:schemeClr val="accent1"/>
+          </a:lnRef>
+          <a:fillRef idx="0">
+            <a:schemeClr val="accent1"/>
+          </a:fillRef>
+          <a:effectRef idx="0">
+            <a:schemeClr val="accent1"/>
+          </a:effectRef>
+          <a:fontRef idx="minor">
+            <a:schemeClr val="tx1"/>
+          </a:fontRef>
+        </p:style>
+        <p:txBody>
+          <a:bodyPr rtlCol="0" anchor="ctr"/>
+          <a:lstStyle/>
+          <a:p>
+            <a:pPr algn="ctr"/>
+            <a:endParaRPr lang="pt-BR"/>
+          </a:p>
+        </p:txBody>
+      </p:sp>
+      <p:sp>
+        <p:nvSpPr>
+          <p:cNvPr id="30" name="CaixaDeTexto 29"/>
+          <p:cNvSpPr txBox="1"/>
+          <p:nvPr/>
+        </p:nvSpPr>
+        <p:spPr>
+          <a:xfrm>
+            <a:off x="7308304" y="4653136"/>
+            <a:ext cx="1656184" cy="646331"/>
+          </a:xfrm>
+          <a:prstGeom prst="rect">
+            <a:avLst/>
+          </a:prstGeom>
+          <a:noFill/>
+        </p:spPr>
+        <p:txBody>
+          <a:bodyPr wrap="square" rtlCol="0">
+            <a:spAutoFit/>
+          </a:bodyPr>
+          <a:lstStyle/>
+          <a:p>
+            <a:r>
+              <a:rPr lang="pt-BR" dirty="0" smtClean="0"/>
+              <a:t>alinhamento da propriedade</a:t>
+            </a:r>
+            <a:endParaRPr lang="pt-BR" dirty="0"/>
+          </a:p>
+        </p:txBody>
+      </p:sp>
+      <p:sp>
+        <p:nvSpPr>
+          <p:cNvPr id="7" name="Elipse 6"/>
+          <p:cNvSpPr/>
+          <p:nvPr/>
+        </p:nvSpPr>
+        <p:spPr>
+          <a:xfrm>
+            <a:off x="4945688" y="5472520"/>
+            <a:ext cx="504056" cy="330415"/>
+          </a:xfrm>
+          <a:prstGeom prst="ellipse">
+            <a:avLst/>
+          </a:prstGeom>
+          <a:noFill/>
+        </p:spPr>
+        <p:style>
+          <a:lnRef idx="2">
+            <a:schemeClr val="dk1">
+              <a:shade val="50000"/>
+            </a:schemeClr>
+          </a:lnRef>
+          <a:fillRef idx="1">
+            <a:schemeClr val="dk1"/>
+          </a:fillRef>
+          <a:effectRef idx="0">
+            <a:schemeClr val="dk1"/>
+          </a:effectRef>
+          <a:fontRef idx="minor">
+            <a:schemeClr val="lt1"/>
+          </a:fontRef>
+        </p:style>
+        <p:txBody>
+          <a:bodyPr rtlCol="0" anchor="ctr"/>
+          <a:lstStyle/>
+          <a:p>
+            <a:pPr algn="ctr"/>
+            <a:endParaRPr lang="pt-BR" dirty="0" smtClean="0">
+              <a:solidFill>
+                <a:schemeClr val="tx1"/>
+              </a:solidFill>
+            </a:endParaRPr>
+          </a:p>
+        </p:txBody>
+      </p:sp>
+      <p:cxnSp>
+        <p:nvCxnSpPr>
+          <p:cNvPr id="9" name="Conector de seta reta 8"/>
+          <p:cNvCxnSpPr>
+            <a:stCxn id="7" idx="5"/>
+          </p:cNvCxnSpPr>
+          <p:nvPr/>
+        </p:nvCxnSpPr>
+        <p:spPr>
+          <a:xfrm>
+            <a:off x="5375927" y="5754547"/>
+            <a:ext cx="564225" cy="328869"/>
+          </a:xfrm>
+          <a:prstGeom prst="straightConnector1">
+            <a:avLst/>
+          </a:prstGeom>
+          <a:ln w="28575">
+            <a:solidFill>
+              <a:schemeClr val="tx1"/>
+            </a:solidFill>
+            <a:tailEnd type="triangle"/>
+          </a:ln>
+        </p:spPr>
+        <p:style>
+          <a:lnRef idx="1">
+            <a:schemeClr val="accent1"/>
+          </a:lnRef>
+          <a:fillRef idx="0">
+            <a:schemeClr val="accent1"/>
+          </a:fillRef>
+          <a:effectRef idx="0">
+            <a:schemeClr val="accent1"/>
+          </a:effectRef>
+          <a:fontRef idx="minor">
+            <a:schemeClr val="tx1"/>
+          </a:fontRef>
+        </p:style>
+      </p:cxnSp>
+      <p:sp>
+        <p:nvSpPr>
+          <p:cNvPr id="10" name="CaixaDeTexto 9"/>
+          <p:cNvSpPr txBox="1"/>
+          <p:nvPr/>
+        </p:nvSpPr>
+        <p:spPr>
+          <a:xfrm>
+            <a:off x="5940152" y="6021288"/>
+            <a:ext cx="506870" cy="369332"/>
+          </a:xfrm>
+          <a:prstGeom prst="rect">
+            <a:avLst/>
+          </a:prstGeom>
+          <a:noFill/>
+        </p:spPr>
+        <p:txBody>
+          <a:bodyPr wrap="none" rtlCol="0">
+            <a:spAutoFit/>
+          </a:bodyPr>
+          <a:lstStyle/>
+          <a:p>
+            <a:r>
+              <a:rPr lang="pt-BR" dirty="0" smtClean="0"/>
+              <a:t>???</a:t>
+            </a:r>
+            <a:endParaRPr lang="pt-BR" dirty="0"/>
           </a:p>
         </p:txBody>
       </p:sp>
     </p:spTree>
     <p:extLst>
       <p:ext uri="{BB962C8B-B14F-4D97-AF65-F5344CB8AC3E}">
-        <p14:creationId xmlns:p14="http://schemas.microsoft.com/office/powerpoint/2010/main" val="3420052842"/>
+        <p14:creationId xmlns:p14="http://schemas.microsoft.com/office/powerpoint/2010/main" val="1643701177"/>
       </p:ext>
     </p:extLst>
   </p:cSld>
@@ -12293,40 +12981,6 @@
           <a:chExt cx="0" cy="0"/>
         </a:xfrm>
       </p:grpSpPr>
-      <p:pic>
-        <p:nvPicPr>
-          <p:cNvPr id="7" name="Imagem 6"/>
-          <p:cNvPicPr>
-            <a:picLocks noChangeAspect="1"/>
-          </p:cNvPicPr>
-          <p:nvPr/>
-        </p:nvPicPr>
-        <p:blipFill>
-          <a:blip r:embed="rId3"/>
-          <a:stretch>
-            <a:fillRect/>
-          </a:stretch>
-        </p:blipFill>
-        <p:spPr>
-          <a:xfrm>
-            <a:off x="250334" y="2298994"/>
-            <a:ext cx="5152248" cy="4104456"/>
-          </a:xfrm>
-          <a:prstGeom prst="rect">
-            <a:avLst/>
-          </a:prstGeom>
-          <a:ln>
-            <a:noFill/>
-          </a:ln>
-          <a:effectLst>
-            <a:outerShdw blurRad="292100" dist="139700" dir="2700000" algn="tl" rotWithShape="0">
-              <a:srgbClr val="333333">
-                <a:alpha val="65000"/>
-              </a:srgbClr>
-            </a:outerShdw>
-          </a:effectLst>
-        </p:spPr>
-      </p:pic>
       <p:sp>
         <p:nvSpPr>
           <p:cNvPr id="4" name="Título 3"/>
@@ -12367,14 +13021,57 @@
       </p:sp>
       <p:sp>
         <p:nvSpPr>
+          <p:cNvPr id="53" name="Retângulo 52"/>
+          <p:cNvSpPr/>
+          <p:nvPr/>
+        </p:nvSpPr>
+        <p:spPr>
+          <a:xfrm>
+            <a:off x="3783236" y="1844824"/>
+            <a:ext cx="936475" cy="307777"/>
+          </a:xfrm>
+          <a:prstGeom prst="rect">
+            <a:avLst/>
+          </a:prstGeom>
+          <a:ln>
+            <a:solidFill>
+              <a:schemeClr val="tx1"/>
+            </a:solidFill>
+          </a:ln>
+        </p:spPr>
+        <p:txBody>
+          <a:bodyPr wrap="none">
+            <a:spAutoFit/>
+          </a:bodyPr>
+          <a:lstStyle/>
+          <a:p>
+            <a:r>
+              <a:rPr lang="pt-BR" sz="1400" b="1" dirty="0" err="1" smtClean="0">
+                <a:solidFill>
+                  <a:srgbClr val="800080"/>
+                </a:solidFill>
+                <a:latin typeface="Courier New" panose="02070309020205020404" pitchFamily="49" charset="0"/>
+                <a:cs typeface="Courier New" panose="02070309020205020404" pitchFamily="49" charset="0"/>
+              </a:rPr>
+              <a:t>vtkCell</a:t>
+            </a:r>
+            <a:endParaRPr lang="pt-BR" sz="1400" b="1" dirty="0">
+              <a:latin typeface="Courier New" panose="02070309020205020404" pitchFamily="49" charset="0"/>
+              <a:cs typeface="Courier New" panose="02070309020205020404" pitchFamily="49" charset="0"/>
+            </a:endParaRPr>
+          </a:p>
+        </p:txBody>
+      </p:sp>
+      <p:sp>
+        <p:nvSpPr>
           <p:cNvPr id="54" name="CaixaDeTexto 53"/>
           <p:cNvSpPr txBox="1"/>
           <p:nvPr/>
         </p:nvSpPr>
         <p:spPr>
           <a:xfrm>
-            <a:off x="4067944" y="1218238"/>
-            <a:ext cx="1608133" cy="338554"/>
+            <a:off x="1763688" y="1218238"/>
+            <a:ext cx="6253507" cy="338554"/>
           </a:xfrm>
           <a:prstGeom prst="rect">
             <a:avLst/>
@@ -12389,15 +13086,11 @@
           <a:p>
             <a:r>
               <a:rPr lang="pt-BR" sz="1600" b="1" dirty="0" smtClean="0"/>
-              <a:t>4.1.3) </a:t>
-            </a:r>
-            <a:r>
-              <a:rPr lang="pt-BR" sz="1600" b="1" dirty="0" err="1" smtClean="0"/>
-              <a:t>Hello</a:t>
+              <a:t>4.1.2) Modelo de visualização: </a:t>
             </a:r>
             <a:r>
               <a:rPr lang="pt-BR" sz="1600" b="1" dirty="0" smtClean="0"/>
-              <a:t> VTK!</a:t>
+              <a:t>o suporte amostral e o conceito de célula</a:t>
             </a:r>
             <a:endParaRPr lang="pt-BR" sz="1600" b="1" dirty="0"/>
           </a:p>
@@ -12433,92 +13126,76 @@
           </a:p>
         </p:txBody>
       </p:sp>
-      <p:sp>
-        <p:nvSpPr>
-          <p:cNvPr id="3" name="Seta para baixo 2"/>
+      <p:pic>
+        <p:nvPicPr>
+          <p:cNvPr id="2" name="Imagem 1"/>
+          <p:cNvPicPr>
+            <a:picLocks noChangeAspect="1"/>
+          </p:cNvPicPr>
+          <p:nvPr/>
+        </p:nvPicPr>
+        <p:blipFill>
+          <a:blip r:embed="rId3">
+            <a:clrChange>
+              <a:clrFrom>
+                <a:srgbClr val="FFFFFF"/>
+              </a:clrFrom>
+              <a:clrTo>
+                <a:srgbClr val="FFFFFF">
+                  <a:alpha val="0"/>
+                </a:srgbClr>
+              </a:clrTo>
+            </a:clrChange>
+          </a:blip>
+          <a:stretch>
+            <a:fillRect/>
+          </a:stretch>
+        </p:blipFill>
+        <p:spPr>
+          <a:xfrm>
+            <a:off x="607640" y="2708920"/>
+            <a:ext cx="7924800" cy="3076575"/>
+          </a:xfrm>
+          <a:prstGeom prst="rect">
+            <a:avLst/>
+          </a:prstGeom>
+        </p:spPr>
+      </p:pic>
+      <p:sp>
+        <p:nvSpPr>
+          <p:cNvPr id="18" name="Retângulo 17"/>
           <p:cNvSpPr/>
           <p:nvPr/>
         </p:nvSpPr>
         <p:spPr>
-          <a:xfrm rot="6517891">
-            <a:off x="4876821" y="2213448"/>
-            <a:ext cx="207162" cy="1704016"/>
-          </a:xfrm>
-          <a:prstGeom prst="downArrow">
-            <a:avLst/>
-          </a:prstGeom>
-          <a:pattFill prst="pct25">
-            <a:fgClr>
-              <a:schemeClr val="dk1"/>
-            </a:fgClr>
-            <a:bgClr>
-              <a:schemeClr val="bg1"/>
-            </a:bgClr>
-          </a:pattFill>
-        </p:spPr>
-        <p:style>
-          <a:lnRef idx="2">
-            <a:schemeClr val="dk1">
-              <a:shade val="50000"/>
-            </a:schemeClr>
-          </a:lnRef>
-          <a:fillRef idx="1">
-            <a:schemeClr val="dk1"/>
-          </a:fillRef>
-          <a:effectRef idx="0">
-            <a:schemeClr val="dk1"/>
-          </a:effectRef>
-          <a:fontRef idx="minor">
-            <a:schemeClr val="lt1"/>
-          </a:fontRef>
-        </p:style>
-        <p:txBody>
-          <a:bodyPr rtlCol="0" anchor="ctr"/>
-          <a:lstStyle/>
-          <a:p>
-            <a:pPr algn="ctr"/>
-            <a:endParaRPr lang="pt-BR" dirty="0" smtClean="0">
-              <a:solidFill>
-                <a:schemeClr val="tx1"/>
-              </a:solidFill>
-            </a:endParaRPr>
-          </a:p>
-        </p:txBody>
-      </p:sp>
-      <p:sp>
-        <p:nvSpPr>
-          <p:cNvPr id="5" name="CaixaDeTexto 4"/>
-          <p:cNvSpPr txBox="1"/>
-          <p:nvPr/>
-        </p:nvSpPr>
-        <p:spPr>
-          <a:xfrm>
-            <a:off x="5796136" y="3212976"/>
-            <a:ext cx="3088731" cy="369332"/>
-          </a:xfrm>
-          <a:prstGeom prst="rect">
-            <a:avLst/>
-          </a:prstGeom>
-          <a:noFill/>
-        </p:spPr>
-        <p:txBody>
-          <a:bodyPr wrap="none" rtlCol="0">
+          <a:xfrm>
+            <a:off x="607640" y="3645024"/>
+            <a:ext cx="1151277" cy="307777"/>
+          </a:xfrm>
+          <a:prstGeom prst="rect">
+            <a:avLst/>
+          </a:prstGeom>
+        </p:spPr>
+        <p:txBody>
+          <a:bodyPr wrap="none">
             <a:spAutoFit/>
           </a:bodyPr>
           <a:lstStyle/>
           <a:p>
             <a:r>
-              <a:rPr lang="pt-BR" dirty="0" smtClean="0"/>
-              <a:t>onde está </a:t>
-            </a:r>
-            <a:r>
-              <a:rPr lang="pt-BR" dirty="0" smtClean="0">
+              <a:rPr lang="pt-BR" sz="1400" b="1" dirty="0" err="1" smtClean="0">
+                <a:solidFill>
+                  <a:srgbClr val="7030A0"/>
+                </a:solidFill>
                 <a:latin typeface="Courier New" panose="02070309020205020404" pitchFamily="49" charset="0"/>
                 <a:cs typeface="Courier New" panose="02070309020205020404" pitchFamily="49" charset="0"/>
               </a:rPr>
-              <a:t>CMakeLists.txt</a:t>
-            </a:r>
-            <a:endParaRPr lang="pt-BR" dirty="0">
+              <a:t>vtkVertex</a:t>
+            </a:r>
+            <a:endParaRPr lang="pt-BR" sz="1400" b="1" dirty="0">
+              <a:solidFill>
+                <a:srgbClr val="7030A0"/>
+              </a:solidFill>
               <a:latin typeface="Courier New" panose="02070309020205020404" pitchFamily="49" charset="0"/>
               <a:cs typeface="Courier New" panose="02070309020205020404" pitchFamily="49" charset="0"/>
             </a:endParaRPr>
@@ -12527,99 +13204,39 @@
       </p:sp>
       <p:sp>
         <p:nvSpPr>
-          <p:cNvPr id="8" name="Seta para baixo 7"/>
+          <p:cNvPr id="19" name="Retângulo 18"/>
           <p:cNvSpPr/>
           <p:nvPr/>
         </p:nvSpPr>
         <p:spPr>
-          <a:xfrm rot="6517891">
-            <a:off x="4768430" y="2492187"/>
-            <a:ext cx="207162" cy="1704016"/>
-          </a:xfrm>
-          <a:prstGeom prst="downArrow">
-            <a:avLst/>
-          </a:prstGeom>
-          <a:pattFill prst="pct25">
-            <a:fgClr>
-              <a:schemeClr val="dk1"/>
-            </a:fgClr>
-            <a:bgClr>
-              <a:schemeClr val="bg1"/>
-            </a:bgClr>
-          </a:pattFill>
-        </p:spPr>
-        <p:style>
-          <a:lnRef idx="2">
-            <a:schemeClr val="dk1">
-              <a:shade val="50000"/>
-            </a:schemeClr>
-          </a:lnRef>
-          <a:fillRef idx="1">
-            <a:schemeClr val="dk1"/>
-          </a:fillRef>
-          <a:effectRef idx="0">
-            <a:schemeClr val="dk1"/>
-          </a:effectRef>
-          <a:fontRef idx="minor">
-            <a:schemeClr val="lt1"/>
-          </a:fontRef>
-        </p:style>
-        <p:txBody>
-          <a:bodyPr rtlCol="0" anchor="ctr"/>
-          <a:lstStyle/>
-          <a:p>
-            <a:pPr algn="ctr"/>
-            <a:endParaRPr lang="pt-BR" dirty="0" smtClean="0">
-              <a:solidFill>
-                <a:schemeClr val="tx1"/>
-              </a:solidFill>
-            </a:endParaRPr>
-          </a:p>
-        </p:txBody>
-      </p:sp>
-      <p:sp>
-        <p:nvSpPr>
-          <p:cNvPr id="9" name="CaixaDeTexto 8"/>
-          <p:cNvSpPr txBox="1"/>
-          <p:nvPr/>
-        </p:nvSpPr>
-        <p:spPr>
-          <a:xfrm>
-            <a:off x="5652120" y="3545433"/>
-            <a:ext cx="2977610" cy="369332"/>
-          </a:xfrm>
-          <a:prstGeom prst="rect">
-            <a:avLst/>
-          </a:prstGeom>
-          <a:noFill/>
-        </p:spPr>
-        <p:txBody>
-          <a:bodyPr wrap="none" rtlCol="0">
+          <a:xfrm>
+            <a:off x="2055014" y="3645023"/>
+            <a:ext cx="1580882" cy="307777"/>
+          </a:xfrm>
+          <a:prstGeom prst="rect">
+            <a:avLst/>
+          </a:prstGeom>
+        </p:spPr>
+        <p:txBody>
+          <a:bodyPr wrap="none">
             <a:spAutoFit/>
           </a:bodyPr>
           <a:lstStyle/>
           <a:p>
             <a:r>
-              <a:rPr lang="pt-BR" dirty="0" smtClean="0"/>
-              <a:t>onde </a:t>
-            </a:r>
-            <a:r>
-              <a:rPr lang="pt-BR" dirty="0" err="1" smtClean="0"/>
-              <a:t>MOCs</a:t>
-            </a:r>
-            <a:r>
-              <a:rPr lang="pt-BR" dirty="0" smtClean="0"/>
-              <a:t>, </a:t>
-            </a:r>
-            <a:r>
-              <a:rPr lang="pt-BR" dirty="0" err="1" smtClean="0"/>
-              <a:t>OBJs</a:t>
-            </a:r>
-            <a:r>
-              <a:rPr lang="pt-BR" dirty="0" smtClean="0"/>
-              <a:t>, etc. ficarão</a:t>
-            </a:r>
-            <a:endParaRPr lang="pt-BR" dirty="0">
+              <a:rPr lang="pt-BR" sz="1400" b="1" dirty="0" err="1" smtClean="0">
+                <a:solidFill>
+                  <a:srgbClr val="7030A0"/>
+                </a:solidFill>
+                <a:latin typeface="Courier New" panose="02070309020205020404" pitchFamily="49" charset="0"/>
+                <a:cs typeface="Courier New" panose="02070309020205020404" pitchFamily="49" charset="0"/>
+              </a:rPr>
+              <a:t>vtkPolyVertex</a:t>
+            </a:r>
+            <a:endParaRPr lang="pt-BR" sz="1400" b="1" dirty="0">
+              <a:solidFill>
+                <a:srgbClr val="7030A0"/>
+              </a:solidFill>
               <a:latin typeface="Courier New" panose="02070309020205020404" pitchFamily="49" charset="0"/>
               <a:cs typeface="Courier New" panose="02070309020205020404" pitchFamily="49" charset="0"/>
             </a:endParaRPr>
@@ -12628,91 +13245,39 @@
       </p:sp>
       <p:sp>
         <p:nvSpPr>
-          <p:cNvPr id="10" name="Seta para baixo 9"/>
+          <p:cNvPr id="20" name="Retângulo 19"/>
           <p:cNvSpPr/>
           <p:nvPr/>
         </p:nvSpPr>
         <p:spPr>
-          <a:xfrm rot="6517891">
-            <a:off x="1601322" y="4171481"/>
-            <a:ext cx="207162" cy="1704016"/>
-          </a:xfrm>
-          <a:prstGeom prst="downArrow">
-            <a:avLst/>
-          </a:prstGeom>
-          <a:pattFill prst="pct25">
-            <a:fgClr>
-              <a:schemeClr val="dk1"/>
-            </a:fgClr>
-            <a:bgClr>
-              <a:schemeClr val="bg1"/>
-            </a:bgClr>
-          </a:pattFill>
-        </p:spPr>
-        <p:style>
-          <a:lnRef idx="2">
-            <a:schemeClr val="dk1">
-              <a:shade val="50000"/>
-            </a:schemeClr>
-          </a:lnRef>
-          <a:fillRef idx="1">
-            <a:schemeClr val="dk1"/>
-          </a:fillRef>
-          <a:effectRef idx="0">
-            <a:schemeClr val="dk1"/>
-          </a:effectRef>
-          <a:fontRef idx="minor">
-            <a:schemeClr val="lt1"/>
-          </a:fontRef>
-        </p:style>
-        <p:txBody>
-          <a:bodyPr rtlCol="0" anchor="ctr"/>
-          <a:lstStyle/>
-          <a:p>
-            <a:pPr algn="ctr"/>
-            <a:endParaRPr lang="pt-BR" dirty="0" smtClean="0">
-              <a:solidFill>
-                <a:schemeClr val="tx1"/>
-              </a:solidFill>
-            </a:endParaRPr>
-          </a:p>
-        </p:txBody>
-      </p:sp>
-      <p:sp>
-        <p:nvSpPr>
-          <p:cNvPr id="11" name="CaixaDeTexto 10"/>
-          <p:cNvSpPr txBox="1"/>
-          <p:nvPr/>
-        </p:nvSpPr>
-        <p:spPr>
-          <a:xfrm>
-            <a:off x="1192746" y="5301208"/>
-            <a:ext cx="3122586" cy="646331"/>
-          </a:xfrm>
-          <a:prstGeom prst="rect">
-            <a:avLst/>
-          </a:prstGeom>
-          <a:noFill/>
-        </p:spPr>
-        <p:txBody>
-          <a:bodyPr wrap="none" rtlCol="0">
+          <a:xfrm>
+            <a:off x="4067944" y="3625279"/>
+            <a:ext cx="936475" cy="307777"/>
+          </a:xfrm>
+          <a:prstGeom prst="rect">
+            <a:avLst/>
+          </a:prstGeom>
+        </p:spPr>
+        <p:txBody>
+          <a:bodyPr wrap="none">
             <a:spAutoFit/>
           </a:bodyPr>
           <a:lstStyle/>
           <a:p>
-            <a:pPr algn="ctr"/>
-            <a:r>
-              <a:rPr lang="pt-BR" dirty="0" smtClean="0"/>
-              <a:t>pressione para começar o ciclo </a:t>
-            </a:r>
-          </a:p>
-          <a:p>
-            <a:pPr algn="ctr"/>
-            <a:r>
-              <a:rPr lang="pt-BR" dirty="0" smtClean="0"/>
-              <a:t>de configuração</a:t>
-            </a:r>
-            <a:endParaRPr lang="pt-BR" dirty="0">
+            <a:r>
+              <a:rPr lang="pt-BR" sz="1400" b="1" dirty="0" err="1" smtClean="0">
+                <a:solidFill>
+                  <a:srgbClr val="7030A0"/>
+                </a:solidFill>
+                <a:latin typeface="Courier New" panose="02070309020205020404" pitchFamily="49" charset="0"/>
+                <a:cs typeface="Courier New" panose="02070309020205020404" pitchFamily="49" charset="0"/>
+              </a:rPr>
+              <a:t>vtkLine</a:t>
+            </a:r>
+            <a:endParaRPr lang="pt-BR" sz="1400" b="1" dirty="0">
+              <a:solidFill>
+                <a:srgbClr val="7030A0"/>
+              </a:solidFill>
               <a:latin typeface="Courier New" panose="02070309020205020404" pitchFamily="49" charset="0"/>
               <a:cs typeface="Courier New" panose="02070309020205020404" pitchFamily="49" charset="0"/>
             </a:endParaRPr>
@@ -12721,132 +13286,288 @@
       </p:sp>
       <p:sp>
         <p:nvSpPr>
-          <p:cNvPr id="12" name="Seta para baixo 11"/>
+          <p:cNvPr id="21" name="Retângulo 20"/>
           <p:cNvSpPr/>
           <p:nvPr/>
         </p:nvSpPr>
         <p:spPr>
           <a:xfrm>
-            <a:off x="7596336" y="2764921"/>
-            <a:ext cx="207162" cy="521576"/>
-          </a:xfrm>
-          <a:prstGeom prst="downArrow">
-            <a:avLst/>
-          </a:prstGeom>
-          <a:pattFill prst="pct25">
-            <a:fgClr>
-              <a:schemeClr val="dk1"/>
-            </a:fgClr>
-            <a:bgClr>
-              <a:schemeClr val="bg1"/>
-            </a:bgClr>
-          </a:pattFill>
-        </p:spPr>
-        <p:style>
-          <a:lnRef idx="2">
-            <a:schemeClr val="dk1">
-              <a:shade val="50000"/>
-            </a:schemeClr>
-          </a:lnRef>
-          <a:fillRef idx="1">
-            <a:schemeClr val="dk1"/>
-          </a:fillRef>
-          <a:effectRef idx="0">
-            <a:schemeClr val="dk1"/>
-          </a:effectRef>
-          <a:fontRef idx="minor">
-            <a:schemeClr val="lt1"/>
-          </a:fontRef>
-        </p:style>
-        <p:txBody>
-          <a:bodyPr rtlCol="0" anchor="ctr"/>
-          <a:lstStyle/>
-          <a:p>
-            <a:pPr algn="ctr"/>
-            <a:endParaRPr lang="pt-BR" dirty="0" smtClean="0">
-              <a:solidFill>
-                <a:schemeClr val="tx1"/>
-              </a:solidFill>
-            </a:endParaRPr>
-          </a:p>
-        </p:txBody>
-      </p:sp>
-      <p:sp>
-        <p:nvSpPr>
-          <p:cNvPr id="6" name="CaixaDeTexto 5"/>
-          <p:cNvSpPr txBox="1"/>
-          <p:nvPr/>
-        </p:nvSpPr>
-        <p:spPr>
-          <a:xfrm>
-            <a:off x="6667381" y="2411596"/>
-            <a:ext cx="2081083" cy="369332"/>
-          </a:xfrm>
-          <a:prstGeom prst="rect">
-            <a:avLst/>
-          </a:prstGeom>
-          <a:noFill/>
-        </p:spPr>
-        <p:txBody>
-          <a:bodyPr wrap="none" rtlCol="0">
+            <a:off x="5294152" y="3622902"/>
+            <a:ext cx="1366080" cy="307777"/>
+          </a:xfrm>
+          <a:prstGeom prst="rect">
+            <a:avLst/>
+          </a:prstGeom>
+        </p:spPr>
+        <p:txBody>
+          <a:bodyPr wrap="none">
             <a:spAutoFit/>
           </a:bodyPr>
           <a:lstStyle/>
           <a:p>
             <a:r>
-              <a:rPr lang="pt-BR" dirty="0" smtClean="0"/>
-              <a:t>definição do projeto</a:t>
-            </a:r>
-            <a:endParaRPr lang="pt-BR" dirty="0"/>
-          </a:p>
-        </p:txBody>
-      </p:sp>
-      <p:sp>
-        <p:nvSpPr>
-          <p:cNvPr id="14" name="CaixaDeTexto 13"/>
-          <p:cNvSpPr txBox="1"/>
-          <p:nvPr/>
-        </p:nvSpPr>
-        <p:spPr>
-          <a:xfrm>
-            <a:off x="263696" y="1650286"/>
-            <a:ext cx="5654177" cy="338554"/>
-          </a:xfrm>
-          <a:prstGeom prst="rect">
-            <a:avLst/>
-          </a:prstGeom>
-          <a:noFill/>
-        </p:spPr>
-        <p:txBody>
-          <a:bodyPr wrap="none" rtlCol="0">
+              <a:rPr lang="pt-BR" sz="1400" b="1" dirty="0" err="1" smtClean="0">
+                <a:solidFill>
+                  <a:srgbClr val="7030A0"/>
+                </a:solidFill>
+                <a:latin typeface="Courier New" panose="02070309020205020404" pitchFamily="49" charset="0"/>
+                <a:cs typeface="Courier New" panose="02070309020205020404" pitchFamily="49" charset="0"/>
+              </a:rPr>
+              <a:t>vtkPolyLine</a:t>
+            </a:r>
+            <a:endParaRPr lang="pt-BR" sz="1400" b="1" dirty="0">
+              <a:solidFill>
+                <a:srgbClr val="7030A0"/>
+              </a:solidFill>
+              <a:latin typeface="Courier New" panose="02070309020205020404" pitchFamily="49" charset="0"/>
+              <a:cs typeface="Courier New" panose="02070309020205020404" pitchFamily="49" charset="0"/>
+            </a:endParaRPr>
+          </a:p>
+        </p:txBody>
+      </p:sp>
+      <p:sp>
+        <p:nvSpPr>
+          <p:cNvPr id="22" name="Retângulo 21"/>
+          <p:cNvSpPr/>
+          <p:nvPr/>
+        </p:nvSpPr>
+        <p:spPr>
+          <a:xfrm>
+            <a:off x="6950336" y="3645024"/>
+            <a:ext cx="1366080" cy="307777"/>
+          </a:xfrm>
+          <a:prstGeom prst="rect">
+            <a:avLst/>
+          </a:prstGeom>
+        </p:spPr>
+        <p:txBody>
+          <a:bodyPr wrap="none">
             <a:spAutoFit/>
           </a:bodyPr>
           <a:lstStyle/>
           <a:p>
-            <a:pPr marL="285750" indent="-285750">
+            <a:r>
+              <a:rPr lang="pt-BR" sz="1400" b="1" dirty="0" err="1" smtClean="0">
+                <a:solidFill>
+                  <a:srgbClr val="7030A0"/>
+                </a:solidFill>
+                <a:latin typeface="Courier New" panose="02070309020205020404" pitchFamily="49" charset="0"/>
+                <a:cs typeface="Courier New" panose="02070309020205020404" pitchFamily="49" charset="0"/>
+              </a:rPr>
+              <a:t>vtkTriangle</a:t>
+            </a:r>
+            <a:endParaRPr lang="pt-BR" sz="1400" b="1" dirty="0">
+              <a:solidFill>
+                <a:srgbClr val="7030A0"/>
+              </a:solidFill>
+              <a:latin typeface="Courier New" panose="02070309020205020404" pitchFamily="49" charset="0"/>
+              <a:cs typeface="Courier New" panose="02070309020205020404" pitchFamily="49" charset="0"/>
+            </a:endParaRPr>
+          </a:p>
+        </p:txBody>
+      </p:sp>
+      <p:sp>
+        <p:nvSpPr>
+          <p:cNvPr id="23" name="Retângulo 22"/>
+          <p:cNvSpPr/>
+          <p:nvPr/>
+        </p:nvSpPr>
+        <p:spPr>
+          <a:xfrm>
+            <a:off x="755576" y="5713154"/>
+            <a:ext cx="936475" cy="307777"/>
+          </a:xfrm>
+          <a:prstGeom prst="rect">
+            <a:avLst/>
+          </a:prstGeom>
+        </p:spPr>
+        <p:txBody>
+          <a:bodyPr wrap="none">
+            <a:spAutoFit/>
+          </a:bodyPr>
+          <a:lstStyle/>
+          <a:p>
+            <a:r>
+              <a:rPr lang="pt-BR" sz="1400" b="1" dirty="0" err="1" smtClean="0">
+                <a:solidFill>
+                  <a:srgbClr val="7030A0"/>
+                </a:solidFill>
+                <a:latin typeface="Courier New" panose="02070309020205020404" pitchFamily="49" charset="0"/>
+                <a:cs typeface="Courier New" panose="02070309020205020404" pitchFamily="49" charset="0"/>
+              </a:rPr>
+              <a:t>vtkQuad</a:t>
+            </a:r>
+            <a:endParaRPr lang="pt-BR" sz="1400" b="1" dirty="0">
+              <a:solidFill>
+                <a:srgbClr val="7030A0"/>
+              </a:solidFill>
+              <a:latin typeface="Courier New" panose="02070309020205020404" pitchFamily="49" charset="0"/>
+              <a:cs typeface="Courier New" panose="02070309020205020404" pitchFamily="49" charset="0"/>
+            </a:endParaRPr>
+          </a:p>
+        </p:txBody>
+      </p:sp>
+      <p:sp>
+        <p:nvSpPr>
+          <p:cNvPr id="27" name="Retângulo 26"/>
+          <p:cNvSpPr/>
+          <p:nvPr/>
+        </p:nvSpPr>
+        <p:spPr>
+          <a:xfrm>
+            <a:off x="2843808" y="5713154"/>
+            <a:ext cx="1258678" cy="307777"/>
+          </a:xfrm>
+          <a:prstGeom prst="rect">
+            <a:avLst/>
+          </a:prstGeom>
+        </p:spPr>
+        <p:txBody>
+          <a:bodyPr wrap="none">
+            <a:spAutoFit/>
+          </a:bodyPr>
+          <a:lstStyle/>
+          <a:p>
+            <a:r>
+              <a:rPr lang="pt-BR" sz="1400" b="1" dirty="0" err="1" smtClean="0">
+                <a:solidFill>
+                  <a:srgbClr val="7030A0"/>
+                </a:solidFill>
+                <a:latin typeface="Courier New" panose="02070309020205020404" pitchFamily="49" charset="0"/>
+                <a:cs typeface="Courier New" panose="02070309020205020404" pitchFamily="49" charset="0"/>
+              </a:rPr>
+              <a:t>vtkPolygon</a:t>
+            </a:r>
+            <a:endParaRPr lang="pt-BR" sz="1400" b="1" dirty="0">
+              <a:solidFill>
+                <a:srgbClr val="7030A0"/>
+              </a:solidFill>
+              <a:latin typeface="Courier New" panose="02070309020205020404" pitchFamily="49" charset="0"/>
+              <a:cs typeface="Courier New" panose="02070309020205020404" pitchFamily="49" charset="0"/>
+            </a:endParaRPr>
+          </a:p>
+        </p:txBody>
+      </p:sp>
+      <p:sp>
+        <p:nvSpPr>
+          <p:cNvPr id="28" name="Retângulo 27"/>
+          <p:cNvSpPr/>
+          <p:nvPr/>
+        </p:nvSpPr>
+        <p:spPr>
+          <a:xfrm>
+            <a:off x="4951825" y="5713511"/>
+            <a:ext cx="1043876" cy="307777"/>
+          </a:xfrm>
+          <a:prstGeom prst="rect">
+            <a:avLst/>
+          </a:prstGeom>
+        </p:spPr>
+        <p:txBody>
+          <a:bodyPr wrap="none">
+            <a:spAutoFit/>
+          </a:bodyPr>
+          <a:lstStyle/>
+          <a:p>
+            <a:r>
+              <a:rPr lang="pt-BR" sz="1400" b="1" dirty="0" err="1" smtClean="0">
+                <a:solidFill>
+                  <a:srgbClr val="7030A0"/>
+                </a:solidFill>
+                <a:latin typeface="Courier New" panose="02070309020205020404" pitchFamily="49" charset="0"/>
+                <a:cs typeface="Courier New" panose="02070309020205020404" pitchFamily="49" charset="0"/>
+              </a:rPr>
+              <a:t>vtkTetra</a:t>
+            </a:r>
+            <a:endParaRPr lang="pt-BR" sz="1400" b="1" dirty="0">
+              <a:solidFill>
+                <a:srgbClr val="7030A0"/>
+              </a:solidFill>
+              <a:latin typeface="Courier New" panose="02070309020205020404" pitchFamily="49" charset="0"/>
+              <a:cs typeface="Courier New" panose="02070309020205020404" pitchFamily="49" charset="0"/>
+            </a:endParaRPr>
+          </a:p>
+        </p:txBody>
+      </p:sp>
+      <p:sp>
+        <p:nvSpPr>
+          <p:cNvPr id="31" name="Retângulo 30"/>
+          <p:cNvSpPr/>
+          <p:nvPr/>
+        </p:nvSpPr>
+        <p:spPr>
+          <a:xfrm>
+            <a:off x="6879550" y="5713153"/>
+            <a:ext cx="1580882" cy="307777"/>
+          </a:xfrm>
+          <a:prstGeom prst="rect">
+            <a:avLst/>
+          </a:prstGeom>
+        </p:spPr>
+        <p:txBody>
+          <a:bodyPr wrap="none">
+            <a:spAutoFit/>
+          </a:bodyPr>
+          <a:lstStyle/>
+          <a:p>
+            <a:r>
+              <a:rPr lang="pt-BR" sz="1400" b="1" dirty="0" err="1" smtClean="0">
+                <a:solidFill>
+                  <a:srgbClr val="7030A0"/>
+                </a:solidFill>
+                <a:latin typeface="Courier New" panose="02070309020205020404" pitchFamily="49" charset="0"/>
+                <a:cs typeface="Courier New" panose="02070309020205020404" pitchFamily="49" charset="0"/>
+              </a:rPr>
+              <a:t>vtkHexahedron</a:t>
+            </a:r>
+            <a:endParaRPr lang="pt-BR" sz="1400" b="1" dirty="0">
+              <a:solidFill>
+                <a:srgbClr val="7030A0"/>
+              </a:solidFill>
+              <a:latin typeface="Courier New" panose="02070309020205020404" pitchFamily="49" charset="0"/>
+              <a:cs typeface="Courier New" panose="02070309020205020404" pitchFamily="49" charset="0"/>
+            </a:endParaRPr>
+          </a:p>
+        </p:txBody>
+      </p:sp>
+      <p:sp>
+        <p:nvSpPr>
+          <p:cNvPr id="32" name="CaixaDeTexto 31"/>
+          <p:cNvSpPr txBox="1"/>
+          <p:nvPr/>
+        </p:nvSpPr>
+        <p:spPr>
+          <a:xfrm>
+            <a:off x="607640" y="2218496"/>
+            <a:ext cx="7848872" cy="369332"/>
+          </a:xfrm>
+          <a:prstGeom prst="rect">
+            <a:avLst/>
+          </a:prstGeom>
+          <a:noFill/>
+        </p:spPr>
+        <p:txBody>
+          <a:bodyPr wrap="square" rtlCol="0">
+            <a:spAutoFit/>
+          </a:bodyPr>
+          <a:lstStyle/>
+          <a:p>
+            <a:pPr marL="285750" indent="-285750" algn="just">
               <a:buFont typeface="Wingdings" panose="05000000000000000000" pitchFamily="2" charset="2"/>
               <a:buChar char="Ø"/>
             </a:pPr>
             <a:r>
-              <a:rPr lang="pt-BR" sz="1600" dirty="0" smtClean="0"/>
-              <a:t>Iniciar a configuração da compilação do aplicativo no </a:t>
-            </a:r>
-            <a:r>
-              <a:rPr lang="pt-BR" sz="1600" dirty="0" err="1" smtClean="0"/>
-              <a:t>CMake</a:t>
-            </a:r>
-            <a:r>
-              <a:rPr lang="pt-BR" sz="1600" dirty="0" smtClean="0"/>
-              <a:t>.</a:t>
-            </a:r>
-            <a:endParaRPr lang="pt-BR" sz="1600" dirty="0"/>
+              <a:rPr lang="pt-BR" dirty="0" smtClean="0"/>
+              <a:t>Principais tipos:</a:t>
+            </a:r>
+            <a:endParaRPr lang="pt-BR" dirty="0" smtClean="0"/>
           </a:p>
         </p:txBody>
       </p:sp>
     </p:spTree>
     <p:extLst>
       <p:ext uri="{BB962C8B-B14F-4D97-AF65-F5344CB8AC3E}">
-        <p14:creationId xmlns:p14="http://schemas.microsoft.com/office/powerpoint/2010/main" val="381147001"/>
+        <p14:creationId xmlns:p14="http://schemas.microsoft.com/office/powerpoint/2010/main" val="1073586328"/>
       </p:ext>
     </p:extLst>
   </p:cSld>
@@ -12880,6 +13601,783 @@
           <a:chExt cx="0" cy="0"/>
         </a:xfrm>
       </p:grpSpPr>
+      <p:sp>
+        <p:nvSpPr>
+          <p:cNvPr id="4" name="Título 3"/>
+          <p:cNvSpPr>
+            <a:spLocks noGrp="1"/>
+          </p:cNvSpPr>
+          <p:nvPr>
+            <p:ph type="ctrTitle"/>
+          </p:nvPr>
+        </p:nvSpPr>
+        <p:spPr>
+          <a:xfrm>
+            <a:off x="3275856" y="138754"/>
+            <a:ext cx="4680520" cy="504056"/>
+          </a:xfrm>
+        </p:spPr>
+        <p:txBody>
+          <a:bodyPr>
+            <a:normAutofit/>
+          </a:bodyPr>
+          <a:lstStyle/>
+          <a:p>
+            <a:r>
+              <a:rPr lang="pt-BR" sz="2400" dirty="0" smtClean="0"/>
+              <a:t>4) Aplicações C++/</a:t>
+            </a:r>
+            <a:r>
+              <a:rPr lang="pt-BR" sz="2400" dirty="0" err="1" smtClean="0"/>
+              <a:t>Qt</a:t>
+            </a:r>
+            <a:r>
+              <a:rPr lang="pt-BR" sz="2400" dirty="0" smtClean="0"/>
+              <a:t> com VTK</a:t>
+            </a:r>
+            <a:endParaRPr lang="pt-BR" sz="1400" dirty="0"/>
+          </a:p>
+        </p:txBody>
+      </p:sp>
+      <p:sp>
+        <p:nvSpPr>
+          <p:cNvPr id="54" name="CaixaDeTexto 53"/>
+          <p:cNvSpPr txBox="1"/>
+          <p:nvPr/>
+        </p:nvSpPr>
+        <p:spPr>
+          <a:xfrm>
+            <a:off x="4067944" y="1218238"/>
+            <a:ext cx="1608133" cy="338554"/>
+          </a:xfrm>
+          <a:prstGeom prst="rect">
+            <a:avLst/>
+          </a:prstGeom>
+          <a:noFill/>
+        </p:spPr>
+        <p:txBody>
+          <a:bodyPr wrap="none" rtlCol="0">
+            <a:spAutoFit/>
+          </a:bodyPr>
+          <a:lstStyle/>
+          <a:p>
+            <a:r>
+              <a:rPr lang="pt-BR" sz="1600" b="1" dirty="0" smtClean="0"/>
+              <a:t>4.1.3) </a:t>
+            </a:r>
+            <a:r>
+              <a:rPr lang="pt-BR" sz="1600" b="1" dirty="0" err="1" smtClean="0"/>
+              <a:t>Hello</a:t>
+            </a:r>
+            <a:r>
+              <a:rPr lang="pt-BR" sz="1600" b="1" dirty="0" smtClean="0"/>
+              <a:t> VTK!</a:t>
+            </a:r>
+            <a:endParaRPr lang="pt-BR" sz="1600" b="1" dirty="0"/>
+          </a:p>
+        </p:txBody>
+      </p:sp>
+      <p:sp>
+        <p:nvSpPr>
+          <p:cNvPr id="55" name="CaixaDeTexto 54"/>
+          <p:cNvSpPr txBox="1"/>
+          <p:nvPr/>
+        </p:nvSpPr>
+        <p:spPr>
+          <a:xfrm>
+            <a:off x="2987824" y="908720"/>
+            <a:ext cx="4154984" cy="369332"/>
+          </a:xfrm>
+          <a:prstGeom prst="rect">
+            <a:avLst/>
+          </a:prstGeom>
+          <a:noFill/>
+        </p:spPr>
+        <p:txBody>
+          <a:bodyPr wrap="none" rtlCol="0">
+            <a:spAutoFit/>
+          </a:bodyPr>
+          <a:lstStyle/>
+          <a:p>
+            <a:r>
+              <a:rPr lang="pt-BR" b="1" dirty="0" smtClean="0"/>
+              <a:t>4.1) Criando um aplicativo VTK elementar</a:t>
+            </a:r>
+            <a:endParaRPr lang="pt-BR" b="1" dirty="0"/>
+          </a:p>
+        </p:txBody>
+      </p:sp>
+      <p:sp>
+        <p:nvSpPr>
+          <p:cNvPr id="14" name="CaixaDeTexto 13"/>
+          <p:cNvSpPr txBox="1"/>
+          <p:nvPr/>
+        </p:nvSpPr>
+        <p:spPr>
+          <a:xfrm>
+            <a:off x="1501325" y="3140968"/>
+            <a:ext cx="5573449" cy="338554"/>
+          </a:xfrm>
+          <a:prstGeom prst="rect">
+            <a:avLst/>
+          </a:prstGeom>
+          <a:noFill/>
+        </p:spPr>
+        <p:txBody>
+          <a:bodyPr wrap="none" rtlCol="0">
+            <a:spAutoFit/>
+          </a:bodyPr>
+          <a:lstStyle/>
+          <a:p>
+            <a:pPr marL="285750" indent="-285750">
+              <a:buFont typeface="Wingdings" panose="05000000000000000000" pitchFamily="2" charset="2"/>
+              <a:buChar char="Ø"/>
+            </a:pPr>
+            <a:r>
+              <a:rPr lang="pt-BR" sz="1600" dirty="0" smtClean="0"/>
+              <a:t>Fontes: </a:t>
+            </a:r>
+            <a:r>
+              <a:rPr lang="pt-BR" sz="1600" dirty="0" smtClean="0">
+                <a:latin typeface="Courier New" panose="02070309020205020404" pitchFamily="49" charset="0"/>
+                <a:cs typeface="Courier New" panose="02070309020205020404" pitchFamily="49" charset="0"/>
+              </a:rPr>
+              <a:t>...\</a:t>
+            </a:r>
+            <a:r>
+              <a:rPr lang="pt-BR" sz="1600" dirty="0">
+                <a:latin typeface="Courier New" panose="02070309020205020404" pitchFamily="49" charset="0"/>
+                <a:cs typeface="Courier New" panose="02070309020205020404" pitchFamily="49" charset="0"/>
+              </a:rPr>
+              <a:t>cursoVTKgeo\aulas_3dias\HelloVTK</a:t>
+            </a:r>
+          </a:p>
+        </p:txBody>
+      </p:sp>
+    </p:spTree>
+    <p:extLst>
+      <p:ext uri="{BB962C8B-B14F-4D97-AF65-F5344CB8AC3E}">
+        <p14:creationId xmlns:p14="http://schemas.microsoft.com/office/powerpoint/2010/main" val="3420052842"/>
+      </p:ext>
+    </p:extLst>
+  </p:cSld>
+  <p:clrMapOvr>
+    <a:masterClrMapping/>
+  </p:clrMapOvr>
+  <p:timing>
+    <p:tnLst>
+      <p:par>
+        <p:cTn id="1" dur="indefinite" restart="never" nodeType="tmRoot"/>
+      </p:par>
+    </p:tnLst>
+  </p:timing>
+</p:sld>
+</file>
+
+<file path=ppt/slides/slide23.xml><?xml version="1.0" encoding="utf-8"?>
+<p:sld xmlns:a="http://schemas.openxmlformats.org/drawingml/2006/main" xmlns:r="http://schemas.openxmlformats.org/officeDocument/2006/relationships" xmlns:p="http://schemas.openxmlformats.org/presentationml/2006/main">
+  <p:cSld>
+    <p:spTree>
+      <p:nvGrpSpPr>
+        <p:cNvPr id="1" name=""/>
+        <p:cNvGrpSpPr/>
+        <p:nvPr/>
+      </p:nvGrpSpPr>
+      <p:grpSpPr>
+        <a:xfrm>
+          <a:off x="0" y="0"/>
+          <a:ext cx="0" cy="0"/>
+          <a:chOff x="0" y="0"/>
+          <a:chExt cx="0" cy="0"/>
+        </a:xfrm>
+      </p:grpSpPr>
+      <p:pic>
+        <p:nvPicPr>
+          <p:cNvPr id="7" name="Imagem 6"/>
+          <p:cNvPicPr>
+            <a:picLocks noChangeAspect="1"/>
+          </p:cNvPicPr>
+          <p:nvPr/>
+        </p:nvPicPr>
+        <p:blipFill>
+          <a:blip r:embed="rId3"/>
+          <a:stretch>
+            <a:fillRect/>
+          </a:stretch>
+        </p:blipFill>
+        <p:spPr>
+          <a:xfrm>
+            <a:off x="250334" y="2298994"/>
+            <a:ext cx="5152248" cy="4104456"/>
+          </a:xfrm>
+          <a:prstGeom prst="rect">
+            <a:avLst/>
+          </a:prstGeom>
+          <a:ln>
+            <a:noFill/>
+          </a:ln>
+          <a:effectLst>
+            <a:outerShdw blurRad="292100" dist="139700" dir="2700000" algn="tl" rotWithShape="0">
+              <a:srgbClr val="333333">
+                <a:alpha val="65000"/>
+              </a:srgbClr>
+            </a:outerShdw>
+          </a:effectLst>
+        </p:spPr>
+      </p:pic>
+      <p:sp>
+        <p:nvSpPr>
+          <p:cNvPr id="4" name="Título 3"/>
+          <p:cNvSpPr>
+            <a:spLocks noGrp="1"/>
+          </p:cNvSpPr>
+          <p:nvPr>
+            <p:ph type="ctrTitle"/>
+          </p:nvPr>
+        </p:nvSpPr>
+        <p:spPr>
+          <a:xfrm>
+            <a:off x="3275856" y="138754"/>
+            <a:ext cx="4680520" cy="504056"/>
+          </a:xfrm>
+        </p:spPr>
+        <p:txBody>
+          <a:bodyPr>
+            <a:normAutofit/>
+          </a:bodyPr>
+          <a:lstStyle/>
+          <a:p>
+            <a:r>
+              <a:rPr lang="pt-BR" sz="2400" dirty="0" smtClean="0"/>
+              <a:t>4) Aplicações C++/</a:t>
+            </a:r>
+            <a:r>
+              <a:rPr lang="pt-BR" sz="2400" dirty="0" err="1" smtClean="0"/>
+              <a:t>Qt</a:t>
+            </a:r>
+            <a:r>
+              <a:rPr lang="pt-BR" sz="2400" dirty="0" smtClean="0"/>
+              <a:t> com VTK</a:t>
+            </a:r>
+            <a:endParaRPr lang="pt-BR" sz="1400" dirty="0"/>
+          </a:p>
+        </p:txBody>
+      </p:sp>
+      <p:sp>
+        <p:nvSpPr>
+          <p:cNvPr id="54" name="CaixaDeTexto 53"/>
+          <p:cNvSpPr txBox="1"/>
+          <p:nvPr/>
+        </p:nvSpPr>
+        <p:spPr>
+          <a:xfrm>
+            <a:off x="4067944" y="1218238"/>
+            <a:ext cx="1608133" cy="338554"/>
+          </a:xfrm>
+          <a:prstGeom prst="rect">
+            <a:avLst/>
+          </a:prstGeom>
+          <a:noFill/>
+        </p:spPr>
+        <p:txBody>
+          <a:bodyPr wrap="none" rtlCol="0">
+            <a:spAutoFit/>
+          </a:bodyPr>
+          <a:lstStyle/>
+          <a:p>
+            <a:r>
+              <a:rPr lang="pt-BR" sz="1600" b="1" dirty="0" smtClean="0"/>
+              <a:t>4.1.3) </a:t>
+            </a:r>
+            <a:r>
+              <a:rPr lang="pt-BR" sz="1600" b="1" dirty="0" err="1" smtClean="0"/>
+              <a:t>Hello</a:t>
+            </a:r>
+            <a:r>
+              <a:rPr lang="pt-BR" sz="1600" b="1" dirty="0" smtClean="0"/>
+              <a:t> VTK!</a:t>
+            </a:r>
+            <a:endParaRPr lang="pt-BR" sz="1600" b="1" dirty="0"/>
+          </a:p>
+        </p:txBody>
+      </p:sp>
+      <p:sp>
+        <p:nvSpPr>
+          <p:cNvPr id="55" name="CaixaDeTexto 54"/>
+          <p:cNvSpPr txBox="1"/>
+          <p:nvPr/>
+        </p:nvSpPr>
+        <p:spPr>
+          <a:xfrm>
+            <a:off x="2987824" y="908720"/>
+            <a:ext cx="4154984" cy="369332"/>
+          </a:xfrm>
+          <a:prstGeom prst="rect">
+            <a:avLst/>
+          </a:prstGeom>
+          <a:noFill/>
+        </p:spPr>
+        <p:txBody>
+          <a:bodyPr wrap="none" rtlCol="0">
+            <a:spAutoFit/>
+          </a:bodyPr>
+          <a:lstStyle/>
+          <a:p>
+            <a:r>
+              <a:rPr lang="pt-BR" b="1" dirty="0" smtClean="0"/>
+              <a:t>4.1) Criando um aplicativo VTK elementar</a:t>
+            </a:r>
+            <a:endParaRPr lang="pt-BR" b="1" dirty="0"/>
+          </a:p>
+        </p:txBody>
+      </p:sp>
+      <p:sp>
+        <p:nvSpPr>
+          <p:cNvPr id="3" name="Seta para baixo 2"/>
+          <p:cNvSpPr/>
+          <p:nvPr/>
+        </p:nvSpPr>
+        <p:spPr>
+          <a:xfrm rot="6517891">
+            <a:off x="4876821" y="2213448"/>
+            <a:ext cx="207162" cy="1704016"/>
+          </a:xfrm>
+          <a:prstGeom prst="downArrow">
+            <a:avLst/>
+          </a:prstGeom>
+          <a:pattFill prst="pct25">
+            <a:fgClr>
+              <a:schemeClr val="dk1"/>
+            </a:fgClr>
+            <a:bgClr>
+              <a:schemeClr val="bg1"/>
+            </a:bgClr>
+          </a:pattFill>
+        </p:spPr>
+        <p:style>
+          <a:lnRef idx="2">
+            <a:schemeClr val="dk1">
+              <a:shade val="50000"/>
+            </a:schemeClr>
+          </a:lnRef>
+          <a:fillRef idx="1">
+            <a:schemeClr val="dk1"/>
+          </a:fillRef>
+          <a:effectRef idx="0">
+            <a:schemeClr val="dk1"/>
+          </a:effectRef>
+          <a:fontRef idx="minor">
+            <a:schemeClr val="lt1"/>
+          </a:fontRef>
+        </p:style>
+        <p:txBody>
+          <a:bodyPr rtlCol="0" anchor="ctr"/>
+          <a:lstStyle/>
+          <a:p>
+            <a:pPr algn="ctr"/>
+            <a:endParaRPr lang="pt-BR" dirty="0" smtClean="0">
+              <a:solidFill>
+                <a:schemeClr val="tx1"/>
+              </a:solidFill>
+            </a:endParaRPr>
+          </a:p>
+        </p:txBody>
+      </p:sp>
+      <p:sp>
+        <p:nvSpPr>
+          <p:cNvPr id="5" name="CaixaDeTexto 4"/>
+          <p:cNvSpPr txBox="1"/>
+          <p:nvPr/>
+        </p:nvSpPr>
+        <p:spPr>
+          <a:xfrm>
+            <a:off x="5796136" y="3212976"/>
+            <a:ext cx="3088731" cy="369332"/>
+          </a:xfrm>
+          <a:prstGeom prst="rect">
+            <a:avLst/>
+          </a:prstGeom>
+          <a:noFill/>
+        </p:spPr>
+        <p:txBody>
+          <a:bodyPr wrap="none" rtlCol="0">
+            <a:spAutoFit/>
+          </a:bodyPr>
+          <a:lstStyle/>
+          <a:p>
+            <a:r>
+              <a:rPr lang="pt-BR" dirty="0" smtClean="0"/>
+              <a:t>onde está </a:t>
+            </a:r>
+            <a:r>
+              <a:rPr lang="pt-BR" dirty="0" smtClean="0">
+                <a:latin typeface="Courier New" panose="02070309020205020404" pitchFamily="49" charset="0"/>
+                <a:cs typeface="Courier New" panose="02070309020205020404" pitchFamily="49" charset="0"/>
+              </a:rPr>
+              <a:t>CMakeLists.txt</a:t>
+            </a:r>
+            <a:endParaRPr lang="pt-BR" dirty="0">
+              <a:latin typeface="Courier New" panose="02070309020205020404" pitchFamily="49" charset="0"/>
+              <a:cs typeface="Courier New" panose="02070309020205020404" pitchFamily="49" charset="0"/>
+            </a:endParaRPr>
+          </a:p>
+        </p:txBody>
+      </p:sp>
+      <p:sp>
+        <p:nvSpPr>
+          <p:cNvPr id="8" name="Seta para baixo 7"/>
+          <p:cNvSpPr/>
+          <p:nvPr/>
+        </p:nvSpPr>
+        <p:spPr>
+          <a:xfrm rot="6517891">
+            <a:off x="4768430" y="2492187"/>
+            <a:ext cx="207162" cy="1704016"/>
+          </a:xfrm>
+          <a:prstGeom prst="downArrow">
+            <a:avLst/>
+          </a:prstGeom>
+          <a:pattFill prst="pct25">
+            <a:fgClr>
+              <a:schemeClr val="dk1"/>
+            </a:fgClr>
+            <a:bgClr>
+              <a:schemeClr val="bg1"/>
+            </a:bgClr>
+          </a:pattFill>
+        </p:spPr>
+        <p:style>
+          <a:lnRef idx="2">
+            <a:schemeClr val="dk1">
+              <a:shade val="50000"/>
+            </a:schemeClr>
+          </a:lnRef>
+          <a:fillRef idx="1">
+            <a:schemeClr val="dk1"/>
+          </a:fillRef>
+          <a:effectRef idx="0">
+            <a:schemeClr val="dk1"/>
+          </a:effectRef>
+          <a:fontRef idx="minor">
+            <a:schemeClr val="lt1"/>
+          </a:fontRef>
+        </p:style>
+        <p:txBody>
+          <a:bodyPr rtlCol="0" anchor="ctr"/>
+          <a:lstStyle/>
+          <a:p>
+            <a:pPr algn="ctr"/>
+            <a:endParaRPr lang="pt-BR" dirty="0" smtClean="0">
+              <a:solidFill>
+                <a:schemeClr val="tx1"/>
+              </a:solidFill>
+            </a:endParaRPr>
+          </a:p>
+        </p:txBody>
+      </p:sp>
+      <p:sp>
+        <p:nvSpPr>
+          <p:cNvPr id="9" name="CaixaDeTexto 8"/>
+          <p:cNvSpPr txBox="1"/>
+          <p:nvPr/>
+        </p:nvSpPr>
+        <p:spPr>
+          <a:xfrm>
+            <a:off x="5652120" y="3545433"/>
+            <a:ext cx="2977610" cy="369332"/>
+          </a:xfrm>
+          <a:prstGeom prst="rect">
+            <a:avLst/>
+          </a:prstGeom>
+          <a:noFill/>
+        </p:spPr>
+        <p:txBody>
+          <a:bodyPr wrap="none" rtlCol="0">
+            <a:spAutoFit/>
+          </a:bodyPr>
+          <a:lstStyle/>
+          <a:p>
+            <a:r>
+              <a:rPr lang="pt-BR" dirty="0" smtClean="0"/>
+              <a:t>onde </a:t>
+            </a:r>
+            <a:r>
+              <a:rPr lang="pt-BR" dirty="0" err="1" smtClean="0"/>
+              <a:t>MOCs</a:t>
+            </a:r>
+            <a:r>
+              <a:rPr lang="pt-BR" dirty="0" smtClean="0"/>
+              <a:t>, </a:t>
+            </a:r>
+            <a:r>
+              <a:rPr lang="pt-BR" dirty="0" err="1" smtClean="0"/>
+              <a:t>OBJs</a:t>
+            </a:r>
+            <a:r>
+              <a:rPr lang="pt-BR" dirty="0" smtClean="0"/>
+              <a:t>, etc. ficarão</a:t>
+            </a:r>
+            <a:endParaRPr lang="pt-BR" dirty="0">
+              <a:latin typeface="Courier New" panose="02070309020205020404" pitchFamily="49" charset="0"/>
+              <a:cs typeface="Courier New" panose="02070309020205020404" pitchFamily="49" charset="0"/>
+            </a:endParaRPr>
+          </a:p>
+        </p:txBody>
+      </p:sp>
+      <p:sp>
+        <p:nvSpPr>
+          <p:cNvPr id="10" name="Seta para baixo 9"/>
+          <p:cNvSpPr/>
+          <p:nvPr/>
+        </p:nvSpPr>
+        <p:spPr>
+          <a:xfrm rot="6517891">
+            <a:off x="1601322" y="4171481"/>
+            <a:ext cx="207162" cy="1704016"/>
+          </a:xfrm>
+          <a:prstGeom prst="downArrow">
+            <a:avLst/>
+          </a:prstGeom>
+          <a:pattFill prst="pct25">
+            <a:fgClr>
+              <a:schemeClr val="dk1"/>
+            </a:fgClr>
+            <a:bgClr>
+              <a:schemeClr val="bg1"/>
+            </a:bgClr>
+          </a:pattFill>
+        </p:spPr>
+        <p:style>
+          <a:lnRef idx="2">
+            <a:schemeClr val="dk1">
+              <a:shade val="50000"/>
+            </a:schemeClr>
+          </a:lnRef>
+          <a:fillRef idx="1">
+            <a:schemeClr val="dk1"/>
+          </a:fillRef>
+          <a:effectRef idx="0">
+            <a:schemeClr val="dk1"/>
+          </a:effectRef>
+          <a:fontRef idx="minor">
+            <a:schemeClr val="lt1"/>
+          </a:fontRef>
+        </p:style>
+        <p:txBody>
+          <a:bodyPr rtlCol="0" anchor="ctr"/>
+          <a:lstStyle/>
+          <a:p>
+            <a:pPr algn="ctr"/>
+            <a:endParaRPr lang="pt-BR" dirty="0" smtClean="0">
+              <a:solidFill>
+                <a:schemeClr val="tx1"/>
+              </a:solidFill>
+            </a:endParaRPr>
+          </a:p>
+        </p:txBody>
+      </p:sp>
+      <p:sp>
+        <p:nvSpPr>
+          <p:cNvPr id="11" name="CaixaDeTexto 10"/>
+          <p:cNvSpPr txBox="1"/>
+          <p:nvPr/>
+        </p:nvSpPr>
+        <p:spPr>
+          <a:xfrm>
+            <a:off x="1192746" y="5301208"/>
+            <a:ext cx="3122586" cy="646331"/>
+          </a:xfrm>
+          <a:prstGeom prst="rect">
+            <a:avLst/>
+          </a:prstGeom>
+          <a:noFill/>
+        </p:spPr>
+        <p:txBody>
+          <a:bodyPr wrap="none" rtlCol="0">
+            <a:spAutoFit/>
+          </a:bodyPr>
+          <a:lstStyle/>
+          <a:p>
+            <a:pPr algn="ctr"/>
+            <a:r>
+              <a:rPr lang="pt-BR" dirty="0" smtClean="0"/>
+              <a:t>pressione para começar o ciclo </a:t>
+            </a:r>
+          </a:p>
+          <a:p>
+            <a:pPr algn="ctr"/>
+            <a:r>
+              <a:rPr lang="pt-BR" dirty="0" smtClean="0"/>
+              <a:t>de configuração</a:t>
+            </a:r>
+            <a:endParaRPr lang="pt-BR" dirty="0">
+              <a:latin typeface="Courier New" panose="02070309020205020404" pitchFamily="49" charset="0"/>
+              <a:cs typeface="Courier New" panose="02070309020205020404" pitchFamily="49" charset="0"/>
+            </a:endParaRPr>
+          </a:p>
+        </p:txBody>
+      </p:sp>
+      <p:sp>
+        <p:nvSpPr>
+          <p:cNvPr id="12" name="Seta para baixo 11"/>
+          <p:cNvSpPr/>
+          <p:nvPr/>
+        </p:nvSpPr>
+        <p:spPr>
+          <a:xfrm>
+            <a:off x="7596336" y="2764921"/>
+            <a:ext cx="207162" cy="521576"/>
+          </a:xfrm>
+          <a:prstGeom prst="downArrow">
+            <a:avLst/>
+          </a:prstGeom>
+          <a:pattFill prst="pct25">
+            <a:fgClr>
+              <a:schemeClr val="dk1"/>
+            </a:fgClr>
+            <a:bgClr>
+              <a:schemeClr val="bg1"/>
+            </a:bgClr>
+          </a:pattFill>
+        </p:spPr>
+        <p:style>
+          <a:lnRef idx="2">
+            <a:schemeClr val="dk1">
+              <a:shade val="50000"/>
+            </a:schemeClr>
+          </a:lnRef>
+          <a:fillRef idx="1">
+            <a:schemeClr val="dk1"/>
+          </a:fillRef>
+          <a:effectRef idx="0">
+            <a:schemeClr val="dk1"/>
+          </a:effectRef>
+          <a:fontRef idx="minor">
+            <a:schemeClr val="lt1"/>
+          </a:fontRef>
+        </p:style>
+        <p:txBody>
+          <a:bodyPr rtlCol="0" anchor="ctr"/>
+          <a:lstStyle/>
+          <a:p>
+            <a:pPr algn="ctr"/>
+            <a:endParaRPr lang="pt-BR" dirty="0" smtClean="0">
+              <a:solidFill>
+                <a:schemeClr val="tx1"/>
+              </a:solidFill>
+            </a:endParaRPr>
+          </a:p>
+        </p:txBody>
+      </p:sp>
+      <p:sp>
+        <p:nvSpPr>
+          <p:cNvPr id="6" name="CaixaDeTexto 5"/>
+          <p:cNvSpPr txBox="1"/>
+          <p:nvPr/>
+        </p:nvSpPr>
+        <p:spPr>
+          <a:xfrm>
+            <a:off x="6667381" y="2411596"/>
+            <a:ext cx="2081083" cy="369332"/>
+          </a:xfrm>
+          <a:prstGeom prst="rect">
+            <a:avLst/>
+          </a:prstGeom>
+          <a:noFill/>
+        </p:spPr>
+        <p:txBody>
+          <a:bodyPr wrap="none" rtlCol="0">
+            <a:spAutoFit/>
+          </a:bodyPr>
+          <a:lstStyle/>
+          <a:p>
+            <a:r>
+              <a:rPr lang="pt-BR" dirty="0" smtClean="0"/>
+              <a:t>definição do projeto</a:t>
+            </a:r>
+            <a:endParaRPr lang="pt-BR" dirty="0"/>
+          </a:p>
+        </p:txBody>
+      </p:sp>
+      <p:sp>
+        <p:nvSpPr>
+          <p:cNvPr id="14" name="CaixaDeTexto 13"/>
+          <p:cNvSpPr txBox="1"/>
+          <p:nvPr/>
+        </p:nvSpPr>
+        <p:spPr>
+          <a:xfrm>
+            <a:off x="263696" y="1650286"/>
+            <a:ext cx="5654177" cy="338554"/>
+          </a:xfrm>
+          <a:prstGeom prst="rect">
+            <a:avLst/>
+          </a:prstGeom>
+          <a:noFill/>
+        </p:spPr>
+        <p:txBody>
+          <a:bodyPr wrap="none" rtlCol="0">
+            <a:spAutoFit/>
+          </a:bodyPr>
+          <a:lstStyle/>
+          <a:p>
+            <a:pPr marL="285750" indent="-285750">
+              <a:buFont typeface="Wingdings" panose="05000000000000000000" pitchFamily="2" charset="2"/>
+              <a:buChar char="Ø"/>
+            </a:pPr>
+            <a:r>
+              <a:rPr lang="pt-BR" sz="1600" dirty="0" smtClean="0"/>
+              <a:t>Iniciar a configuração da compilação do aplicativo no </a:t>
+            </a:r>
+            <a:r>
+              <a:rPr lang="pt-BR" sz="1600" dirty="0" err="1" smtClean="0"/>
+              <a:t>CMake</a:t>
+            </a:r>
+            <a:r>
+              <a:rPr lang="pt-BR" sz="1600" dirty="0" smtClean="0"/>
+              <a:t>.</a:t>
+            </a:r>
+            <a:endParaRPr lang="pt-BR" sz="1600" dirty="0"/>
+          </a:p>
+        </p:txBody>
+      </p:sp>
+    </p:spTree>
+    <p:extLst>
+      <p:ext uri="{BB962C8B-B14F-4D97-AF65-F5344CB8AC3E}">
+        <p14:creationId xmlns:p14="http://schemas.microsoft.com/office/powerpoint/2010/main" val="381147001"/>
+      </p:ext>
+    </p:extLst>
+  </p:cSld>
+  <p:clrMapOvr>
+    <a:masterClrMapping/>
+  </p:clrMapOvr>
+  <p:timing>
+    <p:tnLst>
+      <p:par>
+        <p:cTn id="1" dur="indefinite" restart="never" nodeType="tmRoot"/>
+      </p:par>
+    </p:tnLst>
+  </p:timing>
+</p:sld>
+</file>
+
+<file path=ppt/slides/slide24.xml><?xml version="1.0" encoding="utf-8"?>
+<p:sld xmlns:a="http://schemas.openxmlformats.org/drawingml/2006/main" xmlns:r="http://schemas.openxmlformats.org/officeDocument/2006/relationships" xmlns:p="http://schemas.openxmlformats.org/presentationml/2006/main">
+  <p:cSld>
+    <p:spTree>
+      <p:nvGrpSpPr>
+        <p:cNvPr id="1" name=""/>
+        <p:cNvGrpSpPr/>
+        <p:nvPr/>
+      </p:nvGrpSpPr>
+      <p:grpSpPr>
+        <a:xfrm>
+          <a:off x="0" y="0"/>
+          <a:ext cx="0" cy="0"/>
+          <a:chOff x="0" y="0"/>
+          <a:chExt cx="0" cy="0"/>
+        </a:xfrm>
+      </p:grpSpPr>
       <p:pic>
         <p:nvPicPr>
           <p:cNvPr id="13" name="Imagem 12"/>
@@ -13248,7 +14746,7 @@
 </p:sld>
 </file>
 
-<file path=ppt/slides/slide23.xml><?xml version="1.0" encoding="utf-8"?>
+<file path=ppt/slides/slide25.xml><?xml version="1.0" encoding="utf-8"?>
 <p:sld xmlns:a="http://schemas.openxmlformats.org/drawingml/2006/main" xmlns:r="http://schemas.openxmlformats.org/officeDocument/2006/relationships" xmlns:p="http://schemas.openxmlformats.org/presentationml/2006/main">
   <p:cSld>
     <p:spTree>
@@ -13581,7 +15079,7 @@
 </p:sld>
 </file>
 
-<file path=ppt/slides/slide24.xml><?xml version="1.0" encoding="utf-8"?>
+<file path=ppt/slides/slide26.xml><?xml version="1.0" encoding="utf-8"?>
 <p:sld xmlns:a="http://schemas.openxmlformats.org/drawingml/2006/main" xmlns:r="http://schemas.openxmlformats.org/officeDocument/2006/relationships" xmlns:p="http://schemas.openxmlformats.org/presentationml/2006/main">
   <p:cSld>
     <p:spTree>
@@ -14079,7 +15577,7 @@
 </p:sld>
 </file>
 
-<file path=ppt/slides/slide25.xml><?xml version="1.0" encoding="utf-8"?>
+<file path=ppt/slides/slide27.xml><?xml version="1.0" encoding="utf-8"?>
 <p:sld xmlns:a="http://schemas.openxmlformats.org/drawingml/2006/main" xmlns:r="http://schemas.openxmlformats.org/officeDocument/2006/relationships" xmlns:p="http://schemas.openxmlformats.org/presentationml/2006/main">
   <p:cSld>
     <p:spTree>
@@ -14366,567 +15864,6 @@
     <p:extLst>
       <p:ext uri="{BB962C8B-B14F-4D97-AF65-F5344CB8AC3E}">
         <p14:creationId xmlns:p14="http://schemas.microsoft.com/office/powerpoint/2010/main" val="1560415685"/>
-      </p:ext>
-    </p:extLst>
-  </p:cSld>
-  <p:clrMapOvr>
-    <a:masterClrMapping/>
-  </p:clrMapOvr>
-  <p:timing>
-    <p:tnLst>
-      <p:par>
-        <p:cTn id="1" dur="indefinite" restart="never" nodeType="tmRoot"/>
-      </p:par>
-    </p:tnLst>
-  </p:timing>
-</p:sld>
-</file>
-
-<file path=ppt/slides/slide26.xml><?xml version="1.0" encoding="utf-8"?>
-<p:sld xmlns:a="http://schemas.openxmlformats.org/drawingml/2006/main" xmlns:r="http://schemas.openxmlformats.org/officeDocument/2006/relationships" xmlns:p="http://schemas.openxmlformats.org/presentationml/2006/main">
-  <p:cSld>
-    <p:spTree>
-      <p:nvGrpSpPr>
-        <p:cNvPr id="1" name=""/>
-        <p:cNvGrpSpPr/>
-        <p:nvPr/>
-      </p:nvGrpSpPr>
-      <p:grpSpPr>
-        <a:xfrm>
-          <a:off x="0" y="0"/>
-          <a:ext cx="0" cy="0"/>
-          <a:chOff x="0" y="0"/>
-          <a:chExt cx="0" cy="0"/>
-        </a:xfrm>
-      </p:grpSpPr>
-      <p:pic>
-        <p:nvPicPr>
-          <p:cNvPr id="3" name="Imagem 2"/>
-          <p:cNvPicPr>
-            <a:picLocks noChangeAspect="1"/>
-          </p:cNvPicPr>
-          <p:nvPr/>
-        </p:nvPicPr>
-        <p:blipFill>
-          <a:blip r:embed="rId3"/>
-          <a:stretch>
-            <a:fillRect/>
-          </a:stretch>
-        </p:blipFill>
-        <p:spPr>
-          <a:xfrm>
-            <a:off x="1579125" y="2092344"/>
-            <a:ext cx="5729179" cy="3599682"/>
-          </a:xfrm>
-          <a:prstGeom prst="rect">
-            <a:avLst/>
-          </a:prstGeom>
-          <a:ln>
-            <a:noFill/>
-          </a:ln>
-          <a:effectLst>
-            <a:outerShdw blurRad="292100" dist="139700" dir="2700000" algn="tl" rotWithShape="0">
-              <a:srgbClr val="333333">
-                <a:alpha val="65000"/>
-              </a:srgbClr>
-            </a:outerShdw>
-          </a:effectLst>
-        </p:spPr>
-      </p:pic>
-      <p:sp>
-        <p:nvSpPr>
-          <p:cNvPr id="4" name="Título 3"/>
-          <p:cNvSpPr>
-            <a:spLocks noGrp="1"/>
-          </p:cNvSpPr>
-          <p:nvPr>
-            <p:ph type="ctrTitle"/>
-          </p:nvPr>
-        </p:nvSpPr>
-        <p:spPr>
-          <a:xfrm>
-            <a:off x="3275856" y="138754"/>
-            <a:ext cx="4680520" cy="504056"/>
-          </a:xfrm>
-        </p:spPr>
-        <p:txBody>
-          <a:bodyPr>
-            <a:normAutofit/>
-          </a:bodyPr>
-          <a:lstStyle/>
-          <a:p>
-            <a:r>
-              <a:rPr lang="pt-BR" sz="2400" dirty="0" smtClean="0"/>
-              <a:t>4) Aplicações C++/</a:t>
-            </a:r>
-            <a:r>
-              <a:rPr lang="pt-BR" sz="2400" dirty="0" err="1" smtClean="0"/>
-              <a:t>Qt</a:t>
-            </a:r>
-            <a:r>
-              <a:rPr lang="pt-BR" sz="2400" dirty="0" smtClean="0"/>
-              <a:t> com VTK</a:t>
-            </a:r>
-            <a:endParaRPr lang="pt-BR" sz="1400" dirty="0"/>
-          </a:p>
-        </p:txBody>
-      </p:sp>
-      <p:sp>
-        <p:nvSpPr>
-          <p:cNvPr id="54" name="CaixaDeTexto 53"/>
-          <p:cNvSpPr txBox="1"/>
-          <p:nvPr/>
-        </p:nvSpPr>
-        <p:spPr>
-          <a:xfrm>
-            <a:off x="4067944" y="1218238"/>
-            <a:ext cx="1608133" cy="338554"/>
-          </a:xfrm>
-          <a:prstGeom prst="rect">
-            <a:avLst/>
-          </a:prstGeom>
-          <a:noFill/>
-        </p:spPr>
-        <p:txBody>
-          <a:bodyPr wrap="none" rtlCol="0">
-            <a:spAutoFit/>
-          </a:bodyPr>
-          <a:lstStyle/>
-          <a:p>
-            <a:r>
-              <a:rPr lang="pt-BR" sz="1600" b="1" dirty="0" smtClean="0"/>
-              <a:t>4.1.3) </a:t>
-            </a:r>
-            <a:r>
-              <a:rPr lang="pt-BR" sz="1600" b="1" dirty="0" err="1" smtClean="0"/>
-              <a:t>Hello</a:t>
-            </a:r>
-            <a:r>
-              <a:rPr lang="pt-BR" sz="1600" b="1" dirty="0" smtClean="0"/>
-              <a:t> VTK!</a:t>
-            </a:r>
-            <a:endParaRPr lang="pt-BR" sz="1600" b="1" dirty="0"/>
-          </a:p>
-        </p:txBody>
-      </p:sp>
-      <p:sp>
-        <p:nvSpPr>
-          <p:cNvPr id="55" name="CaixaDeTexto 54"/>
-          <p:cNvSpPr txBox="1"/>
-          <p:nvPr/>
-        </p:nvSpPr>
-        <p:spPr>
-          <a:xfrm>
-            <a:off x="2987824" y="908720"/>
-            <a:ext cx="4154984" cy="369332"/>
-          </a:xfrm>
-          <a:prstGeom prst="rect">
-            <a:avLst/>
-          </a:prstGeom>
-          <a:noFill/>
-        </p:spPr>
-        <p:txBody>
-          <a:bodyPr wrap="none" rtlCol="0">
-            <a:spAutoFit/>
-          </a:bodyPr>
-          <a:lstStyle/>
-          <a:p>
-            <a:r>
-              <a:rPr lang="pt-BR" b="1" dirty="0" smtClean="0"/>
-              <a:t>4.1) Criando um aplicativo VTK elementar</a:t>
-            </a:r>
-            <a:endParaRPr lang="pt-BR" b="1" dirty="0"/>
-          </a:p>
-        </p:txBody>
-      </p:sp>
-      <p:sp>
-        <p:nvSpPr>
-          <p:cNvPr id="14" name="CaixaDeTexto 13"/>
-          <p:cNvSpPr txBox="1"/>
-          <p:nvPr/>
-        </p:nvSpPr>
-        <p:spPr>
-          <a:xfrm>
-            <a:off x="263696" y="1700808"/>
-            <a:ext cx="2275366" cy="338554"/>
-          </a:xfrm>
-          <a:prstGeom prst="rect">
-            <a:avLst/>
-          </a:prstGeom>
-          <a:noFill/>
-        </p:spPr>
-        <p:txBody>
-          <a:bodyPr wrap="none" rtlCol="0">
-            <a:spAutoFit/>
-          </a:bodyPr>
-          <a:lstStyle/>
-          <a:p>
-            <a:pPr marL="285750" indent="-285750">
-              <a:buFont typeface="Wingdings" panose="05000000000000000000" pitchFamily="2" charset="2"/>
-              <a:buChar char="Ø"/>
-            </a:pPr>
-            <a:r>
-              <a:rPr lang="pt-BR" sz="1600" dirty="0" smtClean="0"/>
-              <a:t>Abrir o projeto no VS.</a:t>
-            </a:r>
-            <a:endParaRPr lang="pt-BR" sz="1600" dirty="0"/>
-          </a:p>
-        </p:txBody>
-      </p:sp>
-      <p:pic>
-        <p:nvPicPr>
-          <p:cNvPr id="18" name="Imagem 17"/>
-          <p:cNvPicPr>
-            <a:picLocks noChangeAspect="1"/>
-          </p:cNvPicPr>
-          <p:nvPr/>
-        </p:nvPicPr>
-        <p:blipFill>
-          <a:blip r:embed="rId4">
-            <a:clrChange>
-              <a:clrFrom>
-                <a:srgbClr val="FFFFFF"/>
-              </a:clrFrom>
-              <a:clrTo>
-                <a:srgbClr val="FFFFFF">
-                  <a:alpha val="0"/>
-                </a:srgbClr>
-              </a:clrTo>
-            </a:clrChange>
-          </a:blip>
-          <a:stretch>
-            <a:fillRect/>
-          </a:stretch>
-        </p:blipFill>
-        <p:spPr>
-          <a:xfrm rot="2513887" flipH="1">
-            <a:off x="3233748" y="4606937"/>
-            <a:ext cx="547482" cy="421305"/>
-          </a:xfrm>
-          <a:prstGeom prst="rect">
-            <a:avLst/>
-          </a:prstGeom>
-        </p:spPr>
-      </p:pic>
-      <p:sp>
-        <p:nvSpPr>
-          <p:cNvPr id="20" name="CaixaDeTexto 19"/>
-          <p:cNvSpPr txBox="1"/>
-          <p:nvPr/>
-        </p:nvSpPr>
-        <p:spPr>
-          <a:xfrm>
-            <a:off x="266268" y="5970766"/>
-            <a:ext cx="8775351" cy="338554"/>
-          </a:xfrm>
-          <a:prstGeom prst="rect">
-            <a:avLst/>
-          </a:prstGeom>
-          <a:noFill/>
-        </p:spPr>
-        <p:txBody>
-          <a:bodyPr wrap="none" rtlCol="0">
-            <a:spAutoFit/>
-          </a:bodyPr>
-          <a:lstStyle/>
-          <a:p>
-            <a:pPr marL="285750" indent="-285750">
-              <a:buFont typeface="Wingdings" panose="05000000000000000000" pitchFamily="2" charset="2"/>
-              <a:buChar char="Ø"/>
-            </a:pPr>
-            <a:r>
-              <a:rPr lang="pt-BR" sz="1600" dirty="0" smtClean="0"/>
-              <a:t>O botão “</a:t>
-            </a:r>
-            <a:r>
-              <a:rPr lang="pt-BR" sz="1600" dirty="0" err="1" smtClean="0"/>
-              <a:t>Generate</a:t>
-            </a:r>
-            <a:r>
-              <a:rPr lang="pt-BR" sz="1600" dirty="0" smtClean="0"/>
-              <a:t>” gera um </a:t>
-            </a:r>
-            <a:r>
-              <a:rPr lang="pt-BR" sz="1600" dirty="0" err="1" smtClean="0"/>
-              <a:t>Makefile</a:t>
-            </a:r>
-            <a:r>
-              <a:rPr lang="pt-BR" sz="1600" dirty="0" smtClean="0"/>
-              <a:t> ou um </a:t>
-            </a:r>
-            <a:r>
-              <a:rPr lang="pt-BR" sz="1600" dirty="0" err="1" smtClean="0"/>
-              <a:t>Solution</a:t>
-            </a:r>
-            <a:r>
-              <a:rPr lang="pt-BR" sz="1600" dirty="0" smtClean="0"/>
-              <a:t> pronto para compilação no diretório de build.</a:t>
-            </a:r>
-          </a:p>
-        </p:txBody>
-      </p:sp>
-    </p:spTree>
-    <p:extLst>
-      <p:ext uri="{BB962C8B-B14F-4D97-AF65-F5344CB8AC3E}">
-        <p14:creationId xmlns:p14="http://schemas.microsoft.com/office/powerpoint/2010/main" val="2837526382"/>
-      </p:ext>
-    </p:extLst>
-  </p:cSld>
-  <p:clrMapOvr>
-    <a:masterClrMapping/>
-  </p:clrMapOvr>
-  <p:timing>
-    <p:tnLst>
-      <p:par>
-        <p:cTn id="1" dur="indefinite" restart="never" nodeType="tmRoot"/>
-      </p:par>
-    </p:tnLst>
-  </p:timing>
-</p:sld>
-</file>
-
-<file path=ppt/slides/slide27.xml><?xml version="1.0" encoding="utf-8"?>
-<p:sld xmlns:a="http://schemas.openxmlformats.org/drawingml/2006/main" xmlns:r="http://schemas.openxmlformats.org/officeDocument/2006/relationships" xmlns:p="http://schemas.openxmlformats.org/presentationml/2006/main">
-  <p:cSld>
-    <p:spTree>
-      <p:nvGrpSpPr>
-        <p:cNvPr id="1" name=""/>
-        <p:cNvGrpSpPr/>
-        <p:nvPr/>
-      </p:nvGrpSpPr>
-      <p:grpSpPr>
-        <a:xfrm>
-          <a:off x="0" y="0"/>
-          <a:ext cx="0" cy="0"/>
-          <a:chOff x="0" y="0"/>
-          <a:chExt cx="0" cy="0"/>
-        </a:xfrm>
-      </p:grpSpPr>
-      <p:sp>
-        <p:nvSpPr>
-          <p:cNvPr id="4" name="Título 3"/>
-          <p:cNvSpPr>
-            <a:spLocks noGrp="1"/>
-          </p:cNvSpPr>
-          <p:nvPr>
-            <p:ph type="ctrTitle"/>
-          </p:nvPr>
-        </p:nvSpPr>
-        <p:spPr>
-          <a:xfrm>
-            <a:off x="3275856" y="138754"/>
-            <a:ext cx="4680520" cy="504056"/>
-          </a:xfrm>
-        </p:spPr>
-        <p:txBody>
-          <a:bodyPr>
-            <a:normAutofit/>
-          </a:bodyPr>
-          <a:lstStyle/>
-          <a:p>
-            <a:r>
-              <a:rPr lang="pt-BR" sz="2400" dirty="0" smtClean="0"/>
-              <a:t>4) Aplicações C++/</a:t>
-            </a:r>
-            <a:r>
-              <a:rPr lang="pt-BR" sz="2400" dirty="0" err="1" smtClean="0"/>
-              <a:t>Qt</a:t>
-            </a:r>
-            <a:r>
-              <a:rPr lang="pt-BR" sz="2400" dirty="0" smtClean="0"/>
-              <a:t> com VTK</a:t>
-            </a:r>
-            <a:endParaRPr lang="pt-BR" sz="1400" dirty="0"/>
-          </a:p>
-        </p:txBody>
-      </p:sp>
-      <p:sp>
-        <p:nvSpPr>
-          <p:cNvPr id="54" name="CaixaDeTexto 53"/>
-          <p:cNvSpPr txBox="1"/>
-          <p:nvPr/>
-        </p:nvSpPr>
-        <p:spPr>
-          <a:xfrm>
-            <a:off x="4067944" y="1218238"/>
-            <a:ext cx="1608133" cy="338554"/>
-          </a:xfrm>
-          <a:prstGeom prst="rect">
-            <a:avLst/>
-          </a:prstGeom>
-          <a:noFill/>
-        </p:spPr>
-        <p:txBody>
-          <a:bodyPr wrap="none" rtlCol="0">
-            <a:spAutoFit/>
-          </a:bodyPr>
-          <a:lstStyle/>
-          <a:p>
-            <a:r>
-              <a:rPr lang="pt-BR" sz="1600" b="1" dirty="0" smtClean="0"/>
-              <a:t>4.1.3) </a:t>
-            </a:r>
-            <a:r>
-              <a:rPr lang="pt-BR" sz="1600" b="1" dirty="0" err="1" smtClean="0"/>
-              <a:t>Hello</a:t>
-            </a:r>
-            <a:r>
-              <a:rPr lang="pt-BR" sz="1600" b="1" dirty="0" smtClean="0"/>
-              <a:t> VTK!</a:t>
-            </a:r>
-            <a:endParaRPr lang="pt-BR" sz="1600" b="1" dirty="0"/>
-          </a:p>
-        </p:txBody>
-      </p:sp>
-      <p:sp>
-        <p:nvSpPr>
-          <p:cNvPr id="55" name="CaixaDeTexto 54"/>
-          <p:cNvSpPr txBox="1"/>
-          <p:nvPr/>
-        </p:nvSpPr>
-        <p:spPr>
-          <a:xfrm>
-            <a:off x="2987824" y="908720"/>
-            <a:ext cx="4154984" cy="369332"/>
-          </a:xfrm>
-          <a:prstGeom prst="rect">
-            <a:avLst/>
-          </a:prstGeom>
-          <a:noFill/>
-        </p:spPr>
-        <p:txBody>
-          <a:bodyPr wrap="none" rtlCol="0">
-            <a:spAutoFit/>
-          </a:bodyPr>
-          <a:lstStyle/>
-          <a:p>
-            <a:r>
-              <a:rPr lang="pt-BR" b="1" dirty="0" smtClean="0"/>
-              <a:t>4.1) Criando um aplicativo VTK elementar</a:t>
-            </a:r>
-            <a:endParaRPr lang="pt-BR" b="1" dirty="0"/>
-          </a:p>
-        </p:txBody>
-      </p:sp>
-      <p:sp>
-        <p:nvSpPr>
-          <p:cNvPr id="14" name="CaixaDeTexto 13"/>
-          <p:cNvSpPr txBox="1"/>
-          <p:nvPr/>
-        </p:nvSpPr>
-        <p:spPr>
-          <a:xfrm>
-            <a:off x="263696" y="1700808"/>
-            <a:ext cx="7116628" cy="338554"/>
-          </a:xfrm>
-          <a:prstGeom prst="rect">
-            <a:avLst/>
-          </a:prstGeom>
-          <a:noFill/>
-        </p:spPr>
-        <p:txBody>
-          <a:bodyPr wrap="none" rtlCol="0">
-            <a:spAutoFit/>
-          </a:bodyPr>
-          <a:lstStyle/>
-          <a:p>
-            <a:pPr marL="285750" indent="-285750">
-              <a:buFont typeface="Wingdings" panose="05000000000000000000" pitchFamily="2" charset="2"/>
-              <a:buChar char="Ø"/>
-            </a:pPr>
-            <a:r>
-              <a:rPr lang="pt-BR" sz="1600" dirty="0" smtClean="0"/>
-              <a:t>Compilar no Visual Studio – a compilação no </a:t>
-            </a:r>
-            <a:r>
-              <a:rPr lang="pt-BR" sz="1600" dirty="0" err="1" smtClean="0"/>
-              <a:t>Qt</a:t>
-            </a:r>
-            <a:r>
-              <a:rPr lang="pt-BR" sz="1600" dirty="0" smtClean="0"/>
-              <a:t> </a:t>
-            </a:r>
-            <a:r>
-              <a:rPr lang="pt-BR" sz="1600" dirty="0" err="1" smtClean="0"/>
-              <a:t>Creator</a:t>
-            </a:r>
-            <a:r>
-              <a:rPr lang="pt-BR" sz="1600" dirty="0" smtClean="0"/>
-              <a:t> por vezes não funciona.</a:t>
-            </a:r>
-            <a:endParaRPr lang="pt-BR" sz="1600" dirty="0"/>
-          </a:p>
-        </p:txBody>
-      </p:sp>
-      <p:pic>
-        <p:nvPicPr>
-          <p:cNvPr id="2" name="Imagem 1"/>
-          <p:cNvPicPr>
-            <a:picLocks noChangeAspect="1"/>
-          </p:cNvPicPr>
-          <p:nvPr/>
-        </p:nvPicPr>
-        <p:blipFill>
-          <a:blip r:embed="rId3"/>
-          <a:stretch>
-            <a:fillRect/>
-          </a:stretch>
-        </p:blipFill>
-        <p:spPr>
-          <a:xfrm>
-            <a:off x="2195736" y="2348880"/>
-            <a:ext cx="4819650" cy="2819400"/>
-          </a:xfrm>
-          <a:prstGeom prst="rect">
-            <a:avLst/>
-          </a:prstGeom>
-          <a:ln>
-            <a:noFill/>
-          </a:ln>
-          <a:effectLst>
-            <a:softEdge rad="112500"/>
-          </a:effectLst>
-        </p:spPr>
-      </p:pic>
-      <p:pic>
-        <p:nvPicPr>
-          <p:cNvPr id="10" name="Imagem 9"/>
-          <p:cNvPicPr>
-            <a:picLocks noChangeAspect="1"/>
-          </p:cNvPicPr>
-          <p:nvPr/>
-        </p:nvPicPr>
-        <p:blipFill>
-          <a:blip r:embed="rId4">
-            <a:clrChange>
-              <a:clrFrom>
-                <a:srgbClr val="FFFFFF"/>
-              </a:clrFrom>
-              <a:clrTo>
-                <a:srgbClr val="FFFFFF">
-                  <a:alpha val="0"/>
-                </a:srgbClr>
-              </a:clrTo>
-            </a:clrChange>
-          </a:blip>
-          <a:stretch>
-            <a:fillRect/>
-          </a:stretch>
-        </p:blipFill>
-        <p:spPr>
-          <a:xfrm flipH="1">
-            <a:off x="3546060" y="3409951"/>
-            <a:ext cx="547482" cy="421305"/>
-          </a:xfrm>
-          <a:prstGeom prst="rect">
-            <a:avLst/>
-          </a:prstGeom>
-        </p:spPr>
-      </p:pic>
-    </p:spTree>
-    <p:extLst>
-      <p:ext uri="{BB962C8B-B14F-4D97-AF65-F5344CB8AC3E}">
-        <p14:creationId xmlns:p14="http://schemas.microsoft.com/office/powerpoint/2010/main" val="1806368246"/>
       </p:ext>
     </p:extLst>
   </p:cSld>
@@ -14962,7 +15899,7 @@
       </p:grpSpPr>
       <p:pic>
         <p:nvPicPr>
-          <p:cNvPr id="7" name="Imagem 6"/>
+          <p:cNvPr id="3" name="Imagem 2"/>
           <p:cNvPicPr>
             <a:picLocks noChangeAspect="1"/>
           </p:cNvPicPr>
@@ -14976,8 +15913,8 @@
         </p:blipFill>
         <p:spPr>
           <a:xfrm>
-            <a:off x="467544" y="3183829"/>
-            <a:ext cx="5961672" cy="3341515"/>
+            <a:off x="1579125" y="2092344"/>
+            <a:ext cx="5729179" cy="3599682"/>
           </a:xfrm>
           <a:prstGeom prst="rect">
             <a:avLst/>
@@ -15109,7 +16046,7 @@
         <p:spPr>
           <a:xfrm>
             <a:off x="263696" y="1700808"/>
-            <a:ext cx="8484768" cy="1569660"/>
+            <a:ext cx="2275366" cy="338554"/>
           </a:xfrm>
           <a:prstGeom prst="rect">
             <a:avLst/>
@@ -15117,221 +16054,33 @@
           <a:noFill/>
         </p:spPr>
         <p:txBody>
-          <a:bodyPr wrap="square" rtlCol="0">
+          <a:bodyPr wrap="none" rtlCol="0">
             <a:spAutoFit/>
           </a:bodyPr>
           <a:lstStyle/>
           <a:p>
-            <a:pPr marL="285750" indent="-285750" algn="just">
+            <a:pPr marL="285750" indent="-285750">
               <a:buFont typeface="Wingdings" panose="05000000000000000000" pitchFamily="2" charset="2"/>
               <a:buChar char="Ø"/>
             </a:pPr>
             <a:r>
               <a:rPr lang="pt-BR" sz="1600" dirty="0" smtClean="0"/>
-              <a:t>Disparar a compilação de acordo com o procedimento do </a:t>
-            </a:r>
-            <a:r>
-              <a:rPr lang="pt-BR" sz="1600" i="1" dirty="0" err="1" smtClean="0"/>
-              <a:t>toolset</a:t>
-            </a:r>
-            <a:r>
-              <a:rPr lang="pt-BR" sz="1600" dirty="0" smtClean="0"/>
-              <a:t> escolhido, por exemplo:</a:t>
-            </a:r>
-          </a:p>
-          <a:p>
-            <a:pPr lvl="1" algn="just"/>
-            <a:r>
-              <a:rPr lang="pt-BR" sz="1600" dirty="0" smtClean="0">
-                <a:latin typeface="Courier New" panose="02070309020205020404" pitchFamily="49" charset="0"/>
-                <a:cs typeface="Courier New" panose="02070309020205020404" pitchFamily="49" charset="0"/>
-              </a:rPr>
-              <a:t>$ </a:t>
-            </a:r>
-            <a:r>
-              <a:rPr lang="pt-BR" sz="1600" dirty="0" err="1" smtClean="0">
-                <a:latin typeface="Courier New" panose="02070309020205020404" pitchFamily="49" charset="0"/>
-                <a:cs typeface="Courier New" panose="02070309020205020404" pitchFamily="49" charset="0"/>
-              </a:rPr>
-              <a:t>cd</a:t>
-            </a:r>
-            <a:r>
-              <a:rPr lang="pt-BR" sz="1600" dirty="0" smtClean="0">
-                <a:latin typeface="Courier New" panose="02070309020205020404" pitchFamily="49" charset="0"/>
-                <a:cs typeface="Courier New" panose="02070309020205020404" pitchFamily="49" charset="0"/>
-              </a:rPr>
-              <a:t> &lt;</a:t>
-            </a:r>
-            <a:r>
-              <a:rPr lang="pt-BR" sz="1600" dirty="0" err="1" smtClean="0">
-                <a:latin typeface="Courier New" panose="02070309020205020404" pitchFamily="49" charset="0"/>
-                <a:cs typeface="Courier New" panose="02070309020205020404" pitchFamily="49" charset="0"/>
-              </a:rPr>
-              <a:t>build_dir</a:t>
-            </a:r>
-            <a:r>
-              <a:rPr lang="pt-BR" sz="1600" dirty="0" smtClean="0">
-                <a:latin typeface="Courier New" panose="02070309020205020404" pitchFamily="49" charset="0"/>
-                <a:cs typeface="Courier New" panose="02070309020205020404" pitchFamily="49" charset="0"/>
-              </a:rPr>
-              <a:t>&gt;; </a:t>
-            </a:r>
-            <a:r>
-              <a:rPr lang="pt-BR" sz="1600" dirty="0" err="1" smtClean="0">
-                <a:latin typeface="Courier New" panose="02070309020205020404" pitchFamily="49" charset="0"/>
-                <a:cs typeface="Courier New" panose="02070309020205020404" pitchFamily="49" charset="0"/>
-              </a:rPr>
-              <a:t>make</a:t>
-            </a:r>
-            <a:r>
-              <a:rPr lang="pt-BR" sz="1600" dirty="0" smtClean="0">
-                <a:latin typeface="Courier New" panose="02070309020205020404" pitchFamily="49" charset="0"/>
-                <a:cs typeface="Courier New" panose="02070309020205020404" pitchFamily="49" charset="0"/>
-              </a:rPr>
-              <a:t>; </a:t>
-            </a:r>
-            <a:r>
-              <a:rPr lang="pt-BR" sz="1600" dirty="0" err="1" smtClean="0">
-                <a:latin typeface="Courier New" panose="02070309020205020404" pitchFamily="49" charset="0"/>
-                <a:cs typeface="Courier New" panose="02070309020205020404" pitchFamily="49" charset="0"/>
-              </a:rPr>
-              <a:t>make</a:t>
-            </a:r>
-            <a:r>
-              <a:rPr lang="pt-BR" sz="1600" dirty="0" smtClean="0">
-                <a:latin typeface="Courier New" panose="02070309020205020404" pitchFamily="49" charset="0"/>
-                <a:cs typeface="Courier New" panose="02070309020205020404" pitchFamily="49" charset="0"/>
-              </a:rPr>
-              <a:t> </a:t>
-            </a:r>
-            <a:r>
-              <a:rPr lang="pt-BR" sz="1600" dirty="0" err="1" smtClean="0">
-                <a:latin typeface="Courier New" panose="02070309020205020404" pitchFamily="49" charset="0"/>
-                <a:cs typeface="Courier New" panose="02070309020205020404" pitchFamily="49" charset="0"/>
-              </a:rPr>
-              <a:t>install</a:t>
-            </a:r>
-            <a:r>
-              <a:rPr lang="pt-BR" sz="1600" dirty="0" smtClean="0"/>
-              <a:t> para GNU ou clique no botão                     .                do </a:t>
-            </a:r>
-            <a:r>
-              <a:rPr lang="pt-BR" sz="1600" dirty="0" err="1" smtClean="0"/>
-              <a:t>CMake</a:t>
-            </a:r>
-            <a:r>
-              <a:rPr lang="pt-BR" sz="1600" dirty="0" smtClean="0"/>
-              <a:t> GUI para abrir a </a:t>
-            </a:r>
-            <a:r>
-              <a:rPr lang="pt-BR" sz="1600" dirty="0" err="1" smtClean="0"/>
-              <a:t>Solution</a:t>
-            </a:r>
-            <a:r>
-              <a:rPr lang="pt-BR" sz="1600" dirty="0" smtClean="0"/>
-              <a:t> no VS e disparar a compilação e instalação.</a:t>
-            </a:r>
-          </a:p>
-          <a:p>
-            <a:pPr lvl="1" algn="just"/>
+              <a:t>Abrir o projeto no VS.</a:t>
+            </a:r>
             <a:endParaRPr lang="pt-BR" sz="1600" dirty="0"/>
-          </a:p>
-          <a:p>
-            <a:pPr marL="285750" indent="-285750" algn="just">
-              <a:buFont typeface="Wingdings" panose="05000000000000000000" pitchFamily="2" charset="2"/>
-              <a:buChar char="Ø"/>
-            </a:pPr>
-            <a:r>
-              <a:rPr lang="pt-BR" sz="1600" dirty="0" smtClean="0"/>
-              <a:t>Configurar o projeto no </a:t>
-            </a:r>
-            <a:r>
-              <a:rPr lang="pt-BR" sz="1600" dirty="0" err="1" smtClean="0"/>
-              <a:t>Qt</a:t>
-            </a:r>
-            <a:r>
-              <a:rPr lang="pt-BR" sz="1600" dirty="0" smtClean="0"/>
-              <a:t> </a:t>
-            </a:r>
-            <a:r>
-              <a:rPr lang="pt-BR" sz="1600" dirty="0" err="1" smtClean="0"/>
-              <a:t>Creator</a:t>
-            </a:r>
-            <a:r>
-              <a:rPr lang="pt-BR" sz="1600" dirty="0" smtClean="0"/>
-              <a:t>: File </a:t>
-            </a:r>
-            <a:r>
-              <a:rPr lang="pt-BR" sz="1600" dirty="0" smtClean="0">
-                <a:sym typeface="Wingdings" panose="05000000000000000000" pitchFamily="2" charset="2"/>
-              </a:rPr>
-              <a:t> Open File </a:t>
-            </a:r>
-            <a:r>
-              <a:rPr lang="pt-BR" sz="1600" dirty="0" err="1" smtClean="0">
-                <a:sym typeface="Wingdings" panose="05000000000000000000" pitchFamily="2" charset="2"/>
-              </a:rPr>
-              <a:t>or</a:t>
-            </a:r>
-            <a:r>
-              <a:rPr lang="pt-BR" sz="1600" dirty="0" smtClean="0">
-                <a:sym typeface="Wingdings" panose="05000000000000000000" pitchFamily="2" charset="2"/>
-              </a:rPr>
-              <a:t> Project  </a:t>
-            </a:r>
-            <a:r>
-              <a:rPr lang="pt-BR" sz="1600" dirty="0" smtClean="0">
-                <a:latin typeface="Courier New" panose="02070309020205020404" pitchFamily="49" charset="0"/>
-                <a:cs typeface="Courier New" panose="02070309020205020404" pitchFamily="49" charset="0"/>
-                <a:sym typeface="Wingdings" panose="05000000000000000000" pitchFamily="2" charset="2"/>
-              </a:rPr>
-              <a:t>CMakeLists.txt</a:t>
-            </a:r>
-            <a:endParaRPr lang="pt-BR" sz="1600" dirty="0">
-              <a:latin typeface="Courier New" panose="02070309020205020404" pitchFamily="49" charset="0"/>
-              <a:cs typeface="Courier New" panose="02070309020205020404" pitchFamily="49" charset="0"/>
-            </a:endParaRPr>
-          </a:p>
-          <a:p>
-            <a:pPr lvl="1" algn="just"/>
-            <a:endParaRPr lang="pt-BR" sz="1600" dirty="0" smtClean="0"/>
           </a:p>
         </p:txBody>
       </p:sp>
       <p:pic>
         <p:nvPicPr>
-          <p:cNvPr id="2" name="Imagem 1"/>
+          <p:cNvPr id="18" name="Imagem 17"/>
           <p:cNvPicPr>
             <a:picLocks noChangeAspect="1"/>
           </p:cNvPicPr>
           <p:nvPr/>
         </p:nvPicPr>
         <p:blipFill>
-          <a:blip r:embed="rId4"/>
-          <a:stretch>
-            <a:fillRect/>
-          </a:stretch>
-        </p:blipFill>
-        <p:spPr>
-          <a:xfrm>
-            <a:off x="827584" y="2276872"/>
-            <a:ext cx="695325" cy="200025"/>
-          </a:xfrm>
-          <a:prstGeom prst="rect">
-            <a:avLst/>
-          </a:prstGeom>
-        </p:spPr>
-      </p:pic>
-      <p:pic>
-        <p:nvPicPr>
-          <p:cNvPr id="13" name="Imagem 12"/>
-          <p:cNvPicPr>
-            <a:picLocks noChangeAspect="1"/>
-          </p:cNvPicPr>
-          <p:nvPr/>
-        </p:nvPicPr>
-        <p:blipFill>
-          <a:blip r:embed="rId5">
+          <a:blip r:embed="rId4">
             <a:clrChange>
               <a:clrFrom>
                 <a:srgbClr val="FFFFFF"/>
@@ -15349,7 +16098,7 @@
         </p:blipFill>
         <p:spPr>
           <a:xfrm rot="2513887" flipH="1">
-            <a:off x="2714083" y="5975089"/>
+            <a:off x="3233748" y="4606937"/>
             <a:ext cx="547482" cy="421305"/>
           </a:xfrm>
           <a:prstGeom prst="rect">
@@ -15357,45 +16106,67 @@
           </a:prstGeom>
         </p:spPr>
       </p:pic>
-      <p:pic>
-        <p:nvPicPr>
-          <p:cNvPr id="16" name="Imagem 15"/>
-          <p:cNvPicPr>
-            <a:picLocks noChangeAspect="1"/>
-          </p:cNvPicPr>
-          <p:nvPr/>
-        </p:nvPicPr>
-        <p:blipFill>
-          <a:blip r:embed="rId5">
-            <a:clrChange>
-              <a:clrFrom>
-                <a:srgbClr val="FFFFFF"/>
-              </a:clrFrom>
-              <a:clrTo>
-                <a:srgbClr val="FFFFFF">
-                  <a:alpha val="0"/>
-                </a:srgbClr>
-              </a:clrTo>
-            </a:clrChange>
-          </a:blip>
-          <a:stretch>
-            <a:fillRect/>
-          </a:stretch>
-        </p:blipFill>
-        <p:spPr>
-          <a:xfrm flipH="1">
-            <a:off x="6201195" y="6225195"/>
-            <a:ext cx="547482" cy="421305"/>
-          </a:xfrm>
-          <a:prstGeom prst="rect">
-            <a:avLst/>
-          </a:prstGeom>
-        </p:spPr>
-      </p:pic>
+      <p:sp>
+        <p:nvSpPr>
+          <p:cNvPr id="20" name="CaixaDeTexto 19"/>
+          <p:cNvSpPr txBox="1"/>
+          <p:nvPr/>
+        </p:nvSpPr>
+        <p:spPr>
+          <a:xfrm>
+            <a:off x="266268" y="5970766"/>
+            <a:ext cx="8775351" cy="338554"/>
+          </a:xfrm>
+          <a:prstGeom prst="rect">
+            <a:avLst/>
+          </a:prstGeom>
+          <a:noFill/>
+        </p:spPr>
+        <p:txBody>
+          <a:bodyPr wrap="none" rtlCol="0">
+            <a:spAutoFit/>
+          </a:bodyPr>
+          <a:lstStyle/>
+          <a:p>
+            <a:pPr marL="285750" indent="-285750">
+              <a:buFont typeface="Wingdings" panose="05000000000000000000" pitchFamily="2" charset="2"/>
+              <a:buChar char="Ø"/>
+            </a:pPr>
+            <a:r>
+              <a:rPr lang="pt-BR" sz="1600" dirty="0" smtClean="0"/>
+              <a:t>O botão “</a:t>
+            </a:r>
+            <a:r>
+              <a:rPr lang="pt-BR" sz="1600" dirty="0" err="1" smtClean="0"/>
+              <a:t>Generate</a:t>
+            </a:r>
+            <a:r>
+              <a:rPr lang="pt-BR" sz="1600" dirty="0" smtClean="0"/>
+              <a:t>” gera um </a:t>
+            </a:r>
+            <a:r>
+              <a:rPr lang="pt-BR" sz="1600" dirty="0" err="1" smtClean="0"/>
+              <a:t>Makefile</a:t>
+            </a:r>
+            <a:r>
+              <a:rPr lang="pt-BR" sz="1600" dirty="0" smtClean="0"/>
+              <a:t> ou um </a:t>
+            </a:r>
+            <a:r>
+              <a:rPr lang="pt-BR" sz="1600" dirty="0" err="1" smtClean="0"/>
+              <a:t>Solution</a:t>
+            </a:r>
+            <a:r>
+              <a:rPr lang="pt-BR" sz="1600" dirty="0" smtClean="0"/>
+              <a:t> pronto para compilação no diretório de build.</a:t>
+            </a:r>
+          </a:p>
+        </p:txBody>
+      </p:sp>
     </p:spTree>
     <p:extLst>
       <p:ext uri="{BB962C8B-B14F-4D97-AF65-F5344CB8AC3E}">
-        <p14:creationId xmlns:p14="http://schemas.microsoft.com/office/powerpoint/2010/main" val="3852235901"/>
+        <p14:creationId xmlns:p14="http://schemas.microsoft.com/office/powerpoint/2010/main" val="2837526382"/>
       </p:ext>
     </p:extLst>
   </p:cSld>
@@ -15429,6 +16200,162 @@
           <a:chExt cx="0" cy="0"/>
         </a:xfrm>
       </p:grpSpPr>
+      <p:sp>
+        <p:nvSpPr>
+          <p:cNvPr id="4" name="Título 3"/>
+          <p:cNvSpPr>
+            <a:spLocks noGrp="1"/>
+          </p:cNvSpPr>
+          <p:nvPr>
+            <p:ph type="ctrTitle"/>
+          </p:nvPr>
+        </p:nvSpPr>
+        <p:spPr>
+          <a:xfrm>
+            <a:off x="3275856" y="138754"/>
+            <a:ext cx="4680520" cy="504056"/>
+          </a:xfrm>
+        </p:spPr>
+        <p:txBody>
+          <a:bodyPr>
+            <a:normAutofit/>
+          </a:bodyPr>
+          <a:lstStyle/>
+          <a:p>
+            <a:r>
+              <a:rPr lang="pt-BR" sz="2400" dirty="0" smtClean="0"/>
+              <a:t>4) Aplicações C++/</a:t>
+            </a:r>
+            <a:r>
+              <a:rPr lang="pt-BR" sz="2400" dirty="0" err="1" smtClean="0"/>
+              <a:t>Qt</a:t>
+            </a:r>
+            <a:r>
+              <a:rPr lang="pt-BR" sz="2400" dirty="0" smtClean="0"/>
+              <a:t> com VTK</a:t>
+            </a:r>
+            <a:endParaRPr lang="pt-BR" sz="1400" dirty="0"/>
+          </a:p>
+        </p:txBody>
+      </p:sp>
+      <p:sp>
+        <p:nvSpPr>
+          <p:cNvPr id="54" name="CaixaDeTexto 53"/>
+          <p:cNvSpPr txBox="1"/>
+          <p:nvPr/>
+        </p:nvSpPr>
+        <p:spPr>
+          <a:xfrm>
+            <a:off x="4067944" y="1218238"/>
+            <a:ext cx="1608133" cy="338554"/>
+          </a:xfrm>
+          <a:prstGeom prst="rect">
+            <a:avLst/>
+          </a:prstGeom>
+          <a:noFill/>
+        </p:spPr>
+        <p:txBody>
+          <a:bodyPr wrap="none" rtlCol="0">
+            <a:spAutoFit/>
+          </a:bodyPr>
+          <a:lstStyle/>
+          <a:p>
+            <a:r>
+              <a:rPr lang="pt-BR" sz="1600" b="1" dirty="0" smtClean="0"/>
+              <a:t>4.1.3) </a:t>
+            </a:r>
+            <a:r>
+              <a:rPr lang="pt-BR" sz="1600" b="1" dirty="0" err="1" smtClean="0"/>
+              <a:t>Hello</a:t>
+            </a:r>
+            <a:r>
+              <a:rPr lang="pt-BR" sz="1600" b="1" dirty="0" smtClean="0"/>
+              <a:t> VTK!</a:t>
+            </a:r>
+            <a:endParaRPr lang="pt-BR" sz="1600" b="1" dirty="0"/>
+          </a:p>
+        </p:txBody>
+      </p:sp>
+      <p:sp>
+        <p:nvSpPr>
+          <p:cNvPr id="55" name="CaixaDeTexto 54"/>
+          <p:cNvSpPr txBox="1"/>
+          <p:nvPr/>
+        </p:nvSpPr>
+        <p:spPr>
+          <a:xfrm>
+            <a:off x="2987824" y="908720"/>
+            <a:ext cx="4154984" cy="369332"/>
+          </a:xfrm>
+          <a:prstGeom prst="rect">
+            <a:avLst/>
+          </a:prstGeom>
+          <a:noFill/>
+        </p:spPr>
+        <p:txBody>
+          <a:bodyPr wrap="none" rtlCol="0">
+            <a:spAutoFit/>
+          </a:bodyPr>
+          <a:lstStyle/>
+          <a:p>
+            <a:r>
+              <a:rPr lang="pt-BR" b="1" dirty="0" smtClean="0"/>
+              <a:t>4.1) Criando um aplicativo VTK elementar</a:t>
+            </a:r>
+            <a:endParaRPr lang="pt-BR" b="1" dirty="0"/>
+          </a:p>
+        </p:txBody>
+      </p:sp>
+      <p:sp>
+        <p:nvSpPr>
+          <p:cNvPr id="14" name="CaixaDeTexto 13"/>
+          <p:cNvSpPr txBox="1"/>
+          <p:nvPr/>
+        </p:nvSpPr>
+        <p:spPr>
+          <a:xfrm>
+            <a:off x="263696" y="1700808"/>
+            <a:ext cx="7116628" cy="338554"/>
+          </a:xfrm>
+          <a:prstGeom prst="rect">
+            <a:avLst/>
+          </a:prstGeom>
+          <a:noFill/>
+        </p:spPr>
+        <p:txBody>
+          <a:bodyPr wrap="none" rtlCol="0">
+            <a:spAutoFit/>
+          </a:bodyPr>
+          <a:lstStyle/>
+          <a:p>
+            <a:pPr marL="285750" indent="-285750">
+              <a:buFont typeface="Wingdings" panose="05000000000000000000" pitchFamily="2" charset="2"/>
+              <a:buChar char="Ø"/>
+            </a:pPr>
+            <a:r>
+              <a:rPr lang="pt-BR" sz="1600" dirty="0" smtClean="0"/>
+              <a:t>Compilar no Visual Studio – a compilação no </a:t>
+            </a:r>
+            <a:r>
+              <a:rPr lang="pt-BR" sz="1600" dirty="0" err="1" smtClean="0"/>
+              <a:t>Qt</a:t>
+            </a:r>
+            <a:r>
+              <a:rPr lang="pt-BR" sz="1600" dirty="0" smtClean="0"/>
+              <a:t> </a:t>
+            </a:r>
+            <a:r>
+              <a:rPr lang="pt-BR" sz="1600" dirty="0" err="1" smtClean="0"/>
+              <a:t>Creator</a:t>
+            </a:r>
+            <a:r>
+              <a:rPr lang="pt-BR" sz="1600" dirty="0" smtClean="0"/>
+              <a:t> por vezes não funciona.</a:t>
+            </a:r>
+            <a:endParaRPr lang="pt-BR" sz="1600" dirty="0"/>
+          </a:p>
+        </p:txBody>
+      </p:sp>
       <p:pic>
         <p:nvPicPr>
           <p:cNvPr id="2" name="Imagem 1"/>
@@ -15445,8 +16372,8 @@
         </p:blipFill>
         <p:spPr>
           <a:xfrm>
-            <a:off x="3101360" y="3418789"/>
-            <a:ext cx="2901402" cy="3171300"/>
+            <a:off x="2195736" y="2348880"/>
+            <a:ext cx="4819650" cy="2819400"/>
           </a:xfrm>
           <a:prstGeom prst="rect">
             <a:avLst/>
@@ -15459,191 +16386,9 @@
           </a:effectLst>
         </p:spPr>
       </p:pic>
-      <p:sp>
-        <p:nvSpPr>
-          <p:cNvPr id="4" name="Título 3"/>
-          <p:cNvSpPr>
-            <a:spLocks noGrp="1"/>
-          </p:cNvSpPr>
-          <p:nvPr>
-            <p:ph type="ctrTitle"/>
-          </p:nvPr>
-        </p:nvSpPr>
-        <p:spPr>
-          <a:xfrm>
-            <a:off x="3275856" y="138754"/>
-            <a:ext cx="4680520" cy="504056"/>
-          </a:xfrm>
-        </p:spPr>
-        <p:txBody>
-          <a:bodyPr>
-            <a:normAutofit/>
-          </a:bodyPr>
-          <a:lstStyle/>
-          <a:p>
-            <a:r>
-              <a:rPr lang="pt-BR" sz="2400" dirty="0" smtClean="0"/>
-              <a:t>4) Aplicações C++/</a:t>
-            </a:r>
-            <a:r>
-              <a:rPr lang="pt-BR" sz="2400" dirty="0" err="1" smtClean="0"/>
-              <a:t>Qt</a:t>
-            </a:r>
-            <a:r>
-              <a:rPr lang="pt-BR" sz="2400" dirty="0" smtClean="0"/>
-              <a:t> com VTK</a:t>
-            </a:r>
-            <a:endParaRPr lang="pt-BR" sz="1400" dirty="0"/>
-          </a:p>
-        </p:txBody>
-      </p:sp>
-      <p:sp>
-        <p:nvSpPr>
-          <p:cNvPr id="54" name="CaixaDeTexto 53"/>
-          <p:cNvSpPr txBox="1"/>
-          <p:nvPr/>
-        </p:nvSpPr>
-        <p:spPr>
-          <a:xfrm>
-            <a:off x="4067944" y="1218238"/>
-            <a:ext cx="1608133" cy="338554"/>
-          </a:xfrm>
-          <a:prstGeom prst="rect">
-            <a:avLst/>
-          </a:prstGeom>
-          <a:noFill/>
-        </p:spPr>
-        <p:txBody>
-          <a:bodyPr wrap="none" rtlCol="0">
-            <a:spAutoFit/>
-          </a:bodyPr>
-          <a:lstStyle/>
-          <a:p>
-            <a:r>
-              <a:rPr lang="pt-BR" sz="1600" b="1" dirty="0" smtClean="0"/>
-              <a:t>4.1.3) </a:t>
-            </a:r>
-            <a:r>
-              <a:rPr lang="pt-BR" sz="1600" b="1" dirty="0" err="1" smtClean="0"/>
-              <a:t>Hello</a:t>
-            </a:r>
-            <a:r>
-              <a:rPr lang="pt-BR" sz="1600" b="1" dirty="0" smtClean="0"/>
-              <a:t> VTK!</a:t>
-            </a:r>
-            <a:endParaRPr lang="pt-BR" sz="1600" b="1" dirty="0"/>
-          </a:p>
-        </p:txBody>
-      </p:sp>
-      <p:sp>
-        <p:nvSpPr>
-          <p:cNvPr id="55" name="CaixaDeTexto 54"/>
-          <p:cNvSpPr txBox="1"/>
-          <p:nvPr/>
-        </p:nvSpPr>
-        <p:spPr>
-          <a:xfrm>
-            <a:off x="2987824" y="908720"/>
-            <a:ext cx="4154984" cy="369332"/>
-          </a:xfrm>
-          <a:prstGeom prst="rect">
-            <a:avLst/>
-          </a:prstGeom>
-          <a:noFill/>
-        </p:spPr>
-        <p:txBody>
-          <a:bodyPr wrap="none" rtlCol="0">
-            <a:spAutoFit/>
-          </a:bodyPr>
-          <a:lstStyle/>
-          <a:p>
-            <a:r>
-              <a:rPr lang="pt-BR" b="1" dirty="0" smtClean="0"/>
-              <a:t>4.1) Criando um aplicativo VTK elementar</a:t>
-            </a:r>
-            <a:endParaRPr lang="pt-BR" b="1" dirty="0"/>
-          </a:p>
-        </p:txBody>
-      </p:sp>
-      <p:sp>
-        <p:nvSpPr>
-          <p:cNvPr id="14" name="CaixaDeTexto 13"/>
-          <p:cNvSpPr txBox="1"/>
-          <p:nvPr/>
-        </p:nvSpPr>
-        <p:spPr>
-          <a:xfrm>
-            <a:off x="263696" y="2814027"/>
-            <a:ext cx="8484768" cy="584775"/>
-          </a:xfrm>
-          <a:prstGeom prst="rect">
-            <a:avLst/>
-          </a:prstGeom>
-          <a:noFill/>
-        </p:spPr>
-        <p:txBody>
-          <a:bodyPr wrap="square" rtlCol="0">
-            <a:spAutoFit/>
-          </a:bodyPr>
-          <a:lstStyle/>
-          <a:p>
-            <a:pPr marL="285750" indent="-285750" algn="just">
-              <a:buFont typeface="Wingdings" panose="05000000000000000000" pitchFamily="2" charset="2"/>
-              <a:buChar char="Ø"/>
-            </a:pPr>
-            <a:r>
-              <a:rPr lang="pt-BR" sz="1600" dirty="0" err="1" smtClean="0"/>
-              <a:t>Qt</a:t>
-            </a:r>
-            <a:r>
-              <a:rPr lang="pt-BR" sz="1600" dirty="0" smtClean="0"/>
-              <a:t> </a:t>
-            </a:r>
-            <a:r>
-              <a:rPr lang="pt-BR" sz="1600" dirty="0" err="1" smtClean="0"/>
-              <a:t>Creator</a:t>
-            </a:r>
-            <a:r>
-              <a:rPr lang="pt-BR" sz="1600" dirty="0" smtClean="0"/>
-              <a:t>: sempre que houver alterações no projeto (via alterações no </a:t>
-            </a:r>
-            <a:r>
-              <a:rPr lang="pt-BR" sz="1600" dirty="0" smtClean="0">
-                <a:latin typeface="Courier New" panose="02070309020205020404" pitchFamily="49" charset="0"/>
-                <a:cs typeface="Courier New" panose="02070309020205020404" pitchFamily="49" charset="0"/>
-              </a:rPr>
-              <a:t>CMakeLists.txt</a:t>
-            </a:r>
-            <a:r>
-              <a:rPr lang="pt-BR" sz="1600" dirty="0" smtClean="0"/>
-              <a:t>), deve-se chamar o menu de contexto do projeto e acionar a opção </a:t>
-            </a:r>
-            <a:r>
-              <a:rPr lang="pt-BR" sz="1600" b="1" dirty="0" err="1" smtClean="0"/>
-              <a:t>Run</a:t>
-            </a:r>
-            <a:r>
-              <a:rPr lang="pt-BR" sz="1600" b="1" dirty="0" smtClean="0"/>
-              <a:t> </a:t>
-            </a:r>
-            <a:r>
-              <a:rPr lang="pt-BR" sz="1600" b="1" dirty="0" err="1" smtClean="0"/>
-              <a:t>CMake</a:t>
-            </a:r>
-            <a:r>
-              <a:rPr lang="pt-BR" sz="1600" dirty="0"/>
-              <a:t>.</a:t>
-            </a:r>
-            <a:endParaRPr lang="pt-BR" sz="1600" dirty="0">
-              <a:latin typeface="Courier New" panose="02070309020205020404" pitchFamily="49" charset="0"/>
-              <a:cs typeface="Courier New" panose="02070309020205020404" pitchFamily="49" charset="0"/>
-            </a:endParaRPr>
-          </a:p>
-        </p:txBody>
-      </p:sp>
       <p:pic>
         <p:nvPicPr>
-          <p:cNvPr id="12" name="Imagem 11"/>
+          <p:cNvPr id="10" name="Imagem 9"/>
           <p:cNvPicPr>
             <a:picLocks noChangeAspect="1"/>
           </p:cNvPicPr>
@@ -15667,53 +16412,8 @@
           </a:stretch>
         </p:blipFill>
         <p:spPr>
-          <a:xfrm>
-            <a:off x="4127950" y="1628800"/>
-            <a:ext cx="1092122" cy="1008112"/>
-          </a:xfrm>
-          <a:prstGeom prst="rect">
-            <a:avLst/>
-          </a:prstGeom>
-          <a:ln>
-            <a:noFill/>
-          </a:ln>
-          <a:effectLst>
-            <a:outerShdw blurRad="292100" dist="139700" dir="2700000" algn="tl" rotWithShape="0">
-              <a:srgbClr val="333333">
-                <a:alpha val="65000"/>
-              </a:srgbClr>
-            </a:outerShdw>
-          </a:effectLst>
-        </p:spPr>
-      </p:pic>
-      <p:pic>
-        <p:nvPicPr>
-          <p:cNvPr id="15" name="Imagem 14"/>
-          <p:cNvPicPr>
-            <a:picLocks noChangeAspect="1"/>
-          </p:cNvPicPr>
-          <p:nvPr/>
-        </p:nvPicPr>
-        <p:blipFill>
-          <a:blip r:embed="rId5">
-            <a:clrChange>
-              <a:clrFrom>
-                <a:srgbClr val="FFFFFF"/>
-              </a:clrFrom>
-              <a:clrTo>
-                <a:srgbClr val="FFFFFF">
-                  <a:alpha val="0"/>
-                </a:srgbClr>
-              </a:clrTo>
-            </a:clrChange>
-          </a:blip>
-          <a:stretch>
-            <a:fillRect/>
-          </a:stretch>
-        </p:blipFill>
-        <p:spPr>
           <a:xfrm flipH="1">
-            <a:off x="5105504" y="4030555"/>
+            <a:off x="3546060" y="3409951"/>
             <a:ext cx="547482" cy="421305"/>
           </a:xfrm>
           <a:prstGeom prst="rect">
@@ -15724,7 +16424,7 @@
     </p:spTree>
     <p:extLst>
       <p:ext uri="{BB962C8B-B14F-4D97-AF65-F5344CB8AC3E}">
-        <p14:creationId xmlns:p14="http://schemas.microsoft.com/office/powerpoint/2010/main" val="3160225612"/>
+        <p14:creationId xmlns:p14="http://schemas.microsoft.com/office/powerpoint/2010/main" val="1806368246"/>
       </p:ext>
     </p:extLst>
   </p:cSld>
@@ -15985,6 +16685,40 @@
           <a:chExt cx="0" cy="0"/>
         </a:xfrm>
       </p:grpSpPr>
+      <p:pic>
+        <p:nvPicPr>
+          <p:cNvPr id="7" name="Imagem 6"/>
+          <p:cNvPicPr>
+            <a:picLocks noChangeAspect="1"/>
+          </p:cNvPicPr>
+          <p:nvPr/>
+        </p:nvPicPr>
+        <p:blipFill>
+          <a:blip r:embed="rId3"/>
+          <a:stretch>
+            <a:fillRect/>
+          </a:stretch>
+        </p:blipFill>
+        <p:spPr>
+          <a:xfrm>
+            <a:off x="467544" y="3183829"/>
+            <a:ext cx="5961672" cy="3341515"/>
+          </a:xfrm>
+          <a:prstGeom prst="rect">
+            <a:avLst/>
+          </a:prstGeom>
+          <a:ln>
+            <a:noFill/>
+          </a:ln>
+          <a:effectLst>
+            <a:outerShdw blurRad="292100" dist="139700" dir="2700000" algn="tl" rotWithShape="0">
+              <a:srgbClr val="333333">
+                <a:alpha val="65000"/>
+              </a:srgbClr>
+            </a:outerShdw>
+          </a:effectLst>
+        </p:spPr>
+      </p:pic>
       <p:sp>
         <p:nvSpPr>
           <p:cNvPr id="4" name="Título 3"/>
@@ -16099,8 +16833,8 @@
         </p:nvSpPr>
         <p:spPr>
           <a:xfrm>
-            <a:off x="263696" y="2814027"/>
-            <a:ext cx="8484768" cy="338554"/>
+            <a:off x="263696" y="1700808"/>
+            <a:ext cx="8484768" cy="1569660"/>
           </a:xfrm>
           <a:prstGeom prst="rect">
             <a:avLst/>
@@ -16118,6 +16852,125 @@
               <a:buChar char="Ø"/>
             </a:pPr>
             <a:r>
+              <a:rPr lang="pt-BR" sz="1600" dirty="0" smtClean="0"/>
+              <a:t>Disparar a compilação de acordo com o procedimento do </a:t>
+            </a:r>
+            <a:r>
+              <a:rPr lang="pt-BR" sz="1600" i="1" dirty="0" err="1" smtClean="0"/>
+              <a:t>toolset</a:t>
+            </a:r>
+            <a:r>
+              <a:rPr lang="pt-BR" sz="1600" dirty="0" smtClean="0"/>
+              <a:t> escolhido, por exemplo:</a:t>
+            </a:r>
+          </a:p>
+          <a:p>
+            <a:pPr lvl="1" algn="just"/>
+            <a:r>
+              <a:rPr lang="pt-BR" sz="1600" dirty="0" smtClean="0">
+                <a:latin typeface="Courier New" panose="02070309020205020404" pitchFamily="49" charset="0"/>
+                <a:cs typeface="Courier New" panose="02070309020205020404" pitchFamily="49" charset="0"/>
+              </a:rPr>
+              <a:t>$ </a:t>
+            </a:r>
+            <a:r>
+              <a:rPr lang="pt-BR" sz="1600" dirty="0" err="1" smtClean="0">
+                <a:latin typeface="Courier New" panose="02070309020205020404" pitchFamily="49" charset="0"/>
+                <a:cs typeface="Courier New" panose="02070309020205020404" pitchFamily="49" charset="0"/>
+              </a:rPr>
+              <a:t>cd</a:t>
+            </a:r>
+            <a:r>
+              <a:rPr lang="pt-BR" sz="1600" dirty="0" smtClean="0">
+                <a:latin typeface="Courier New" panose="02070309020205020404" pitchFamily="49" charset="0"/>
+                <a:cs typeface="Courier New" panose="02070309020205020404" pitchFamily="49" charset="0"/>
+              </a:rPr>
+              <a:t> &lt;</a:t>
+            </a:r>
+            <a:r>
+              <a:rPr lang="pt-BR" sz="1600" dirty="0" err="1" smtClean="0">
+                <a:latin typeface="Courier New" panose="02070309020205020404" pitchFamily="49" charset="0"/>
+                <a:cs typeface="Courier New" panose="02070309020205020404" pitchFamily="49" charset="0"/>
+              </a:rPr>
+              <a:t>build_dir</a:t>
+            </a:r>
+            <a:r>
+              <a:rPr lang="pt-BR" sz="1600" dirty="0" smtClean="0">
+                <a:latin typeface="Courier New" panose="02070309020205020404" pitchFamily="49" charset="0"/>
+                <a:cs typeface="Courier New" panose="02070309020205020404" pitchFamily="49" charset="0"/>
+              </a:rPr>
+              <a:t>&gt;; </a:t>
+            </a:r>
+            <a:r>
+              <a:rPr lang="pt-BR" sz="1600" dirty="0" err="1" smtClean="0">
+                <a:latin typeface="Courier New" panose="02070309020205020404" pitchFamily="49" charset="0"/>
+                <a:cs typeface="Courier New" panose="02070309020205020404" pitchFamily="49" charset="0"/>
+              </a:rPr>
+              <a:t>make</a:t>
+            </a:r>
+            <a:r>
+              <a:rPr lang="pt-BR" sz="1600" dirty="0" smtClean="0">
+                <a:latin typeface="Courier New" panose="02070309020205020404" pitchFamily="49" charset="0"/>
+                <a:cs typeface="Courier New" panose="02070309020205020404" pitchFamily="49" charset="0"/>
+              </a:rPr>
+              <a:t>; </a:t>
+            </a:r>
+            <a:r>
+              <a:rPr lang="pt-BR" sz="1600" dirty="0" err="1" smtClean="0">
+                <a:latin typeface="Courier New" panose="02070309020205020404" pitchFamily="49" charset="0"/>
+                <a:cs typeface="Courier New" panose="02070309020205020404" pitchFamily="49" charset="0"/>
+              </a:rPr>
+              <a:t>make</a:t>
+            </a:r>
+            <a:r>
+              <a:rPr lang="pt-BR" sz="1600" dirty="0" smtClean="0">
+                <a:latin typeface="Courier New" panose="02070309020205020404" pitchFamily="49" charset="0"/>
+                <a:cs typeface="Courier New" panose="02070309020205020404" pitchFamily="49" charset="0"/>
+              </a:rPr>
+              <a:t> </a:t>
+            </a:r>
+            <a:r>
+              <a:rPr lang="pt-BR" sz="1600" dirty="0" err="1" smtClean="0">
+                <a:latin typeface="Courier New" panose="02070309020205020404" pitchFamily="49" charset="0"/>
+                <a:cs typeface="Courier New" panose="02070309020205020404" pitchFamily="49" charset="0"/>
+              </a:rPr>
+              <a:t>install</a:t>
+            </a:r>
+            <a:r>
+              <a:rPr lang="pt-BR" sz="1600" dirty="0" smtClean="0"/>
+              <a:t> para GNU ou clique no botão                     .                do </a:t>
+            </a:r>
+            <a:r>
+              <a:rPr lang="pt-BR" sz="1600" dirty="0" err="1" smtClean="0"/>
+              <a:t>CMake</a:t>
+            </a:r>
+            <a:r>
+              <a:rPr lang="pt-BR" sz="1600" dirty="0" smtClean="0"/>
+              <a:t> GUI para abrir a </a:t>
+            </a:r>
+            <a:r>
+              <a:rPr lang="pt-BR" sz="1600" dirty="0" err="1" smtClean="0"/>
+              <a:t>Solution</a:t>
+            </a:r>
+            <a:r>
+              <a:rPr lang="pt-BR" sz="1600" dirty="0" smtClean="0"/>
+              <a:t> no VS e disparar a compilação e instalação.</a:t>
+            </a:r>
+          </a:p>
+          <a:p>
+            <a:pPr lvl="1" algn="just"/>
+            <a:endParaRPr lang="pt-BR" sz="1600" dirty="0"/>
+          </a:p>
+          <a:p>
+            <a:pPr marL="285750" indent="-285750" algn="just">
+              <a:buFont typeface="Wingdings" panose="05000000000000000000" pitchFamily="2" charset="2"/>
+              <a:buChar char="Ø"/>
+            </a:pPr>
+            <a:r>
+              <a:rPr lang="pt-BR" sz="1600" dirty="0" smtClean="0"/>
+              <a:t>Configurar o projeto no </a:t>
+            </a:r>
+            <a:r>
               <a:rPr lang="pt-BR" sz="1600" dirty="0" err="1" smtClean="0"/>
               <a:t>Qt</a:t>
             </a:r>
@@ -16131,48 +16984,48 @@
             </a:r>
             <a:r>
               <a:rPr lang="pt-BR" sz="1600" dirty="0" smtClean="0"/>
-              <a:t>: compile clicando em </a:t>
+              <a:t>: File </a:t>
+            </a:r>
+            <a:r>
+              <a:rPr lang="pt-BR" sz="1600" dirty="0" smtClean="0">
+                <a:sym typeface="Wingdings" panose="05000000000000000000" pitchFamily="2" charset="2"/>
+              </a:rPr>
+              <a:t> Open File </a:t>
+            </a:r>
+            <a:r>
+              <a:rPr lang="pt-BR" sz="1600" dirty="0" err="1" smtClean="0">
+                <a:sym typeface="Wingdings" panose="05000000000000000000" pitchFamily="2" charset="2"/>
+              </a:rPr>
+              <a:t>or</a:t>
+            </a:r>
+            <a:r>
+              <a:rPr lang="pt-BR" sz="1600" dirty="0" smtClean="0">
+                <a:sym typeface="Wingdings" panose="05000000000000000000" pitchFamily="2" charset="2"/>
+              </a:rPr>
+              <a:t> Project  </a:t>
+            </a:r>
+            <a:r>
+              <a:rPr lang="pt-BR" sz="1600" dirty="0" smtClean="0">
+                <a:latin typeface="Courier New" panose="02070309020205020404" pitchFamily="49" charset="0"/>
+                <a:cs typeface="Courier New" panose="02070309020205020404" pitchFamily="49" charset="0"/>
+                <a:sym typeface="Wingdings" panose="05000000000000000000" pitchFamily="2" charset="2"/>
+              </a:rPr>
+              <a:t>CMakeLists.txt</a:t>
             </a:r>
             <a:endParaRPr lang="pt-BR" sz="1600" dirty="0">
               <a:latin typeface="Courier New" panose="02070309020205020404" pitchFamily="49" charset="0"/>
               <a:cs typeface="Courier New" panose="02070309020205020404" pitchFamily="49" charset="0"/>
             </a:endParaRPr>
           </a:p>
+          <a:p>
+            <a:pPr lvl="1" algn="just"/>
+            <a:endParaRPr lang="pt-BR" sz="1600" dirty="0" smtClean="0"/>
+          </a:p>
         </p:txBody>
       </p:sp>
       <p:pic>
         <p:nvPicPr>
-          <p:cNvPr id="3" name="Imagem 2"/>
-          <p:cNvPicPr>
-            <a:picLocks noChangeAspect="1"/>
-          </p:cNvPicPr>
-          <p:nvPr/>
-        </p:nvPicPr>
-        <p:blipFill>
-          <a:blip r:embed="rId3"/>
-          <a:stretch>
-            <a:fillRect/>
-          </a:stretch>
-        </p:blipFill>
-        <p:spPr>
-          <a:xfrm>
-            <a:off x="1847674" y="3861048"/>
-            <a:ext cx="6048672" cy="1896796"/>
-          </a:xfrm>
-          <a:prstGeom prst="rect">
-            <a:avLst/>
-          </a:prstGeom>
-          <a:ln>
-            <a:noFill/>
-          </a:ln>
-          <a:effectLst>
-            <a:softEdge rad="112500"/>
-          </a:effectLst>
-        </p:spPr>
-      </p:pic>
-      <p:pic>
-        <p:nvPicPr>
-          <p:cNvPr id="5" name="Imagem 4"/>
+          <p:cNvPr id="2" name="Imagem 1"/>
           <p:cNvPicPr>
             <a:picLocks noChangeAspect="1"/>
           </p:cNvPicPr>
@@ -16186,76 +17039,88 @@
         </p:blipFill>
         <p:spPr>
           <a:xfrm>
-            <a:off x="3419872" y="2814027"/>
-            <a:ext cx="571500" cy="381000"/>
+            <a:off x="827584" y="2276872"/>
+            <a:ext cx="695325" cy="200025"/>
           </a:xfrm>
           <a:prstGeom prst="rect">
             <a:avLst/>
           </a:prstGeom>
         </p:spPr>
       </p:pic>
-      <p:sp>
-        <p:nvSpPr>
-          <p:cNvPr id="8" name="CaixaDeTexto 7"/>
-          <p:cNvSpPr txBox="1"/>
-          <p:nvPr/>
-        </p:nvSpPr>
-        <p:spPr>
-          <a:xfrm>
-            <a:off x="263696" y="1700808"/>
-            <a:ext cx="6177781" cy="338554"/>
-          </a:xfrm>
-          <a:prstGeom prst="rect">
-            <a:avLst/>
-          </a:prstGeom>
-          <a:noFill/>
-        </p:spPr>
-        <p:txBody>
-          <a:bodyPr wrap="none" rtlCol="0">
-            <a:spAutoFit/>
-          </a:bodyPr>
-          <a:lstStyle/>
-          <a:p>
-            <a:pPr marL="285750" indent="-285750">
-              <a:buFont typeface="Wingdings" panose="05000000000000000000" pitchFamily="2" charset="2"/>
-              <a:buChar char="Ø"/>
-            </a:pPr>
-            <a:r>
-              <a:rPr lang="pt-BR" sz="1600" dirty="0" smtClean="0"/>
-              <a:t>Compilar no </a:t>
-            </a:r>
-            <a:r>
-              <a:rPr lang="pt-BR" sz="1600" dirty="0" err="1" smtClean="0"/>
-              <a:t>Qt</a:t>
-            </a:r>
-            <a:r>
-              <a:rPr lang="pt-BR" sz="1600" dirty="0" smtClean="0"/>
-              <a:t> </a:t>
-            </a:r>
-            <a:r>
-              <a:rPr lang="pt-BR" sz="1600" dirty="0" err="1" smtClean="0"/>
-              <a:t>Creator</a:t>
-            </a:r>
-            <a:r>
-              <a:rPr lang="pt-BR" sz="1600" dirty="0" smtClean="0"/>
-              <a:t> (compiladores GNU – </a:t>
-            </a:r>
-            <a:r>
-              <a:rPr lang="pt-BR" sz="1600" dirty="0" err="1" smtClean="0"/>
-              <a:t>MinGW</a:t>
-            </a:r>
-            <a:r>
-              <a:rPr lang="pt-BR" sz="1600" dirty="0" smtClean="0"/>
-              <a:t>, GCC, ICC, etc.)</a:t>
-            </a:r>
-            <a:endParaRPr lang="pt-BR" sz="1600" dirty="0"/>
-          </a:p>
-        </p:txBody>
-      </p:sp>
+      <p:pic>
+        <p:nvPicPr>
+          <p:cNvPr id="13" name="Imagem 12"/>
+          <p:cNvPicPr>
+            <a:picLocks noChangeAspect="1"/>
+          </p:cNvPicPr>
+          <p:nvPr/>
+        </p:nvPicPr>
+        <p:blipFill>
+          <a:blip r:embed="rId5">
+            <a:clrChange>
+              <a:clrFrom>
+                <a:srgbClr val="FFFFFF"/>
+              </a:clrFrom>
+              <a:clrTo>
+                <a:srgbClr val="FFFFFF">
+                  <a:alpha val="0"/>
+                </a:srgbClr>
+              </a:clrTo>
+            </a:clrChange>
+          </a:blip>
+          <a:stretch>
+            <a:fillRect/>
+          </a:stretch>
+        </p:blipFill>
+        <p:spPr>
+          <a:xfrm rot="2513887" flipH="1">
+            <a:off x="2714083" y="5975089"/>
+            <a:ext cx="547482" cy="421305"/>
+          </a:xfrm>
+          <a:prstGeom prst="rect">
+            <a:avLst/>
+          </a:prstGeom>
+        </p:spPr>
+      </p:pic>
+      <p:pic>
+        <p:nvPicPr>
+          <p:cNvPr id="16" name="Imagem 15"/>
+          <p:cNvPicPr>
+            <a:picLocks noChangeAspect="1"/>
+          </p:cNvPicPr>
+          <p:nvPr/>
+        </p:nvPicPr>
+        <p:blipFill>
+          <a:blip r:embed="rId5">
+            <a:clrChange>
+              <a:clrFrom>
+                <a:srgbClr val="FFFFFF"/>
+              </a:clrFrom>
+              <a:clrTo>
+                <a:srgbClr val="FFFFFF">
+                  <a:alpha val="0"/>
+                </a:srgbClr>
+              </a:clrTo>
+            </a:clrChange>
+          </a:blip>
+          <a:stretch>
+            <a:fillRect/>
+          </a:stretch>
+        </p:blipFill>
+        <p:spPr>
+          <a:xfrm flipH="1">
+            <a:off x="6201195" y="6225195"/>
+            <a:ext cx="547482" cy="421305"/>
+          </a:xfrm>
+          <a:prstGeom prst="rect">
+            <a:avLst/>
+          </a:prstGeom>
+        </p:spPr>
+      </p:pic>
     </p:spTree>
     <p:extLst>
       <p:ext uri="{BB962C8B-B14F-4D97-AF65-F5344CB8AC3E}">
-        <p14:creationId xmlns:p14="http://schemas.microsoft.com/office/powerpoint/2010/main" val="3796531025"/>
+        <p14:creationId xmlns:p14="http://schemas.microsoft.com/office/powerpoint/2010/main" val="3852235901"/>
       </p:ext>
     </p:extLst>
   </p:cSld>
@@ -16291,7 +17156,7 @@
       </p:grpSpPr>
       <p:pic>
         <p:nvPicPr>
-          <p:cNvPr id="5" name="Imagem 4"/>
+          <p:cNvPr id="2" name="Imagem 1"/>
           <p:cNvPicPr>
             <a:picLocks noChangeAspect="1"/>
           </p:cNvPicPr>
@@ -16305,8 +17170,8 @@
         </p:blipFill>
         <p:spPr>
           <a:xfrm>
-            <a:off x="2374007" y="2538080"/>
-            <a:ext cx="2486025" cy="1085850"/>
+            <a:off x="3101360" y="3418789"/>
+            <a:ext cx="2901402" cy="3171300"/>
           </a:xfrm>
           <a:prstGeom prst="rect">
             <a:avLst/>
@@ -16433,8 +17298,8 @@
         </p:nvSpPr>
         <p:spPr>
           <a:xfrm>
-            <a:off x="251520" y="1700808"/>
-            <a:ext cx="8484768" cy="4770537"/>
+            <a:off x="263696" y="2814027"/>
+            <a:ext cx="8484768" cy="584775"/>
           </a:xfrm>
           <a:prstGeom prst="rect">
             <a:avLst/>
@@ -16465,221 +17330,35 @@
             </a:r>
             <a:r>
               <a:rPr lang="pt-BR" sz="1600" dirty="0" smtClean="0"/>
-              <a:t>: Ao executar (play) o programa pode </a:t>
-            </a:r>
-            <a:r>
-              <a:rPr lang="pt-BR" sz="1600" dirty="0" err="1" smtClean="0"/>
-              <a:t>abendar</a:t>
-            </a:r>
-            <a:r>
-              <a:rPr lang="pt-BR" sz="1600" dirty="0" smtClean="0"/>
-              <a:t> (crash).  Provavelmente porque os </a:t>
-            </a:r>
-            <a:r>
-              <a:rPr lang="pt-BR" sz="1600" dirty="0" err="1" smtClean="0"/>
-              <a:t>SOs</a:t>
-            </a:r>
-            <a:r>
-              <a:rPr lang="pt-BR" sz="1600" dirty="0" smtClean="0"/>
-              <a:t>/</a:t>
-            </a:r>
-            <a:r>
-              <a:rPr lang="pt-BR" sz="1600" dirty="0" err="1" smtClean="0"/>
-              <a:t>DLLs</a:t>
-            </a:r>
-            <a:r>
-              <a:rPr lang="pt-BR" sz="1600" dirty="0" smtClean="0"/>
-              <a:t> do VTK não estão visíveis (fora do </a:t>
+              <a:t>: sempre que houver alterações no projeto (via alterações no </a:t>
             </a:r>
             <a:r>
               <a:rPr lang="pt-BR" sz="1600" dirty="0" smtClean="0">
                 <a:latin typeface="Courier New" panose="02070309020205020404" pitchFamily="49" charset="0"/>
                 <a:cs typeface="Courier New" panose="02070309020205020404" pitchFamily="49" charset="0"/>
               </a:rPr>
-              <a:t>PATH</a:t>
+              <a:t>CMakeLists.txt</a:t>
             </a:r>
             <a:r>
               <a:rPr lang="pt-BR" sz="1600" dirty="0" smtClean="0"/>
-              <a:t> (Windows) ou </a:t>
-            </a:r>
-            <a:r>
-              <a:rPr lang="pt-BR" sz="1600" dirty="0" smtClean="0">
-                <a:latin typeface="Courier New" panose="02070309020205020404" pitchFamily="49" charset="0"/>
-                <a:cs typeface="Courier New" panose="02070309020205020404" pitchFamily="49" charset="0"/>
-              </a:rPr>
-              <a:t>LD_LIBRARY_PATH</a:t>
-            </a:r>
-            <a:r>
-              <a:rPr lang="pt-BR" sz="1600" dirty="0" smtClean="0"/>
-              <a:t> (Unix)).</a:t>
-            </a:r>
-          </a:p>
-          <a:p>
-            <a:pPr marL="285750" indent="-285750" algn="just">
-              <a:buFont typeface="Wingdings" panose="05000000000000000000" pitchFamily="2" charset="2"/>
-              <a:buChar char="Ø"/>
-            </a:pPr>
-            <a:endParaRPr lang="pt-BR" sz="1600" dirty="0"/>
-          </a:p>
-          <a:p>
-            <a:pPr marL="285750" indent="-285750" algn="just">
-              <a:buFont typeface="Wingdings" panose="05000000000000000000" pitchFamily="2" charset="2"/>
-              <a:buChar char="Ø"/>
-            </a:pPr>
-            <a:endParaRPr lang="pt-BR" sz="1600" dirty="0" smtClean="0"/>
-          </a:p>
-          <a:p>
-            <a:pPr marL="285750" indent="-285750" algn="just">
-              <a:buFont typeface="Wingdings" panose="05000000000000000000" pitchFamily="2" charset="2"/>
-              <a:buChar char="Ø"/>
-            </a:pPr>
-            <a:endParaRPr lang="pt-BR" sz="1600" dirty="0" smtClean="0">
-              <a:cs typeface="Courier New" panose="02070309020205020404" pitchFamily="49" charset="0"/>
-            </a:endParaRPr>
-          </a:p>
-          <a:p>
-            <a:pPr marL="285750" indent="-285750" algn="just">
-              <a:buFont typeface="Wingdings" panose="05000000000000000000" pitchFamily="2" charset="2"/>
-              <a:buChar char="Ø"/>
-            </a:pPr>
-            <a:r>
-              <a:rPr lang="pt-BR" sz="1600" dirty="0" smtClean="0">
-                <a:cs typeface="Courier New" panose="02070309020205020404" pitchFamily="49" charset="0"/>
-              </a:rPr>
-              <a:t>Ir a                 depois</a:t>
-            </a:r>
-          </a:p>
-          <a:p>
-            <a:pPr marL="285750" indent="-285750" algn="just">
-              <a:buFont typeface="Wingdings" panose="05000000000000000000" pitchFamily="2" charset="2"/>
-              <a:buChar char="Ø"/>
-            </a:pPr>
-            <a:endParaRPr lang="pt-BR" sz="1600" dirty="0">
-              <a:cs typeface="Courier New" panose="02070309020205020404" pitchFamily="49" charset="0"/>
-            </a:endParaRPr>
-          </a:p>
-          <a:p>
-            <a:pPr marL="285750" indent="-285750" algn="just">
-              <a:buFont typeface="Wingdings" panose="05000000000000000000" pitchFamily="2" charset="2"/>
-              <a:buChar char="Ø"/>
-            </a:pPr>
-            <a:endParaRPr lang="pt-BR" sz="1600" dirty="0" smtClean="0">
-              <a:cs typeface="Courier New" panose="02070309020205020404" pitchFamily="49" charset="0"/>
-            </a:endParaRPr>
-          </a:p>
-          <a:p>
-            <a:pPr marL="285750" indent="-285750" algn="just">
-              <a:buFont typeface="Wingdings" panose="05000000000000000000" pitchFamily="2" charset="2"/>
-              <a:buChar char="Ø"/>
-            </a:pPr>
-            <a:endParaRPr lang="pt-BR" sz="1600" dirty="0">
-              <a:cs typeface="Courier New" panose="02070309020205020404" pitchFamily="49" charset="0"/>
-            </a:endParaRPr>
-          </a:p>
-          <a:p>
-            <a:pPr marL="285750" indent="-285750" algn="just">
-              <a:buFont typeface="Wingdings" panose="05000000000000000000" pitchFamily="2" charset="2"/>
-              <a:buChar char="Ø"/>
-            </a:pPr>
-            <a:endParaRPr lang="pt-BR" sz="1600" dirty="0" smtClean="0">
-              <a:cs typeface="Courier New" panose="02070309020205020404" pitchFamily="49" charset="0"/>
-            </a:endParaRPr>
-          </a:p>
-          <a:p>
-            <a:pPr marL="285750" indent="-285750" algn="just">
-              <a:buFont typeface="Wingdings" panose="05000000000000000000" pitchFamily="2" charset="2"/>
-              <a:buChar char="Ø"/>
-            </a:pPr>
-            <a:endParaRPr lang="pt-BR" sz="1600" dirty="0">
-              <a:cs typeface="Courier New" panose="02070309020205020404" pitchFamily="49" charset="0"/>
-            </a:endParaRPr>
-          </a:p>
-          <a:p>
-            <a:pPr marL="285750" indent="-285750" algn="just">
-              <a:buFont typeface="Wingdings" panose="05000000000000000000" pitchFamily="2" charset="2"/>
-              <a:buChar char="Ø"/>
-            </a:pPr>
-            <a:endParaRPr lang="pt-BR" sz="1600" dirty="0" smtClean="0">
-              <a:cs typeface="Courier New" panose="02070309020205020404" pitchFamily="49" charset="0"/>
-            </a:endParaRPr>
-          </a:p>
-          <a:p>
-            <a:pPr marL="285750" indent="-285750" algn="just">
-              <a:buFont typeface="Wingdings" panose="05000000000000000000" pitchFamily="2" charset="2"/>
-              <a:buChar char="Ø"/>
-            </a:pPr>
-            <a:endParaRPr lang="pt-BR" sz="1600" dirty="0">
-              <a:cs typeface="Courier New" panose="02070309020205020404" pitchFamily="49" charset="0"/>
-            </a:endParaRPr>
-          </a:p>
-          <a:p>
-            <a:pPr marL="285750" indent="-285750" algn="just">
-              <a:buFont typeface="Wingdings" panose="05000000000000000000" pitchFamily="2" charset="2"/>
-              <a:buChar char="Ø"/>
-            </a:pPr>
-            <a:endParaRPr lang="pt-BR" sz="1600" dirty="0" smtClean="0">
-              <a:cs typeface="Courier New" panose="02070309020205020404" pitchFamily="49" charset="0"/>
-            </a:endParaRPr>
-          </a:p>
-          <a:p>
-            <a:pPr marL="285750" indent="-285750" algn="just">
-              <a:buFont typeface="Wingdings" panose="05000000000000000000" pitchFamily="2" charset="2"/>
-              <a:buChar char="Ø"/>
-            </a:pPr>
-            <a:endParaRPr lang="pt-BR" sz="1600" dirty="0">
-              <a:cs typeface="Courier New" panose="02070309020205020404" pitchFamily="49" charset="0"/>
-            </a:endParaRPr>
-          </a:p>
-          <a:p>
-            <a:pPr marL="285750" indent="-285750" algn="just">
-              <a:buFont typeface="Wingdings" panose="05000000000000000000" pitchFamily="2" charset="2"/>
-              <a:buChar char="Ø"/>
-            </a:pPr>
-            <a:endParaRPr lang="pt-BR" sz="1600" dirty="0" smtClean="0">
-              <a:cs typeface="Courier New" panose="02070309020205020404" pitchFamily="49" charset="0"/>
-            </a:endParaRPr>
-          </a:p>
-          <a:p>
-            <a:pPr marL="285750" indent="-285750" algn="just">
-              <a:buFont typeface="Wingdings" panose="05000000000000000000" pitchFamily="2" charset="2"/>
-              <a:buChar char="Ø"/>
-            </a:pPr>
-            <a:endParaRPr lang="pt-BR" sz="1600" dirty="0">
-              <a:cs typeface="Courier New" panose="02070309020205020404" pitchFamily="49" charset="0"/>
-            </a:endParaRPr>
-          </a:p>
-          <a:p>
-            <a:pPr marL="285750" indent="-285750" algn="just">
-              <a:buFont typeface="Wingdings" panose="05000000000000000000" pitchFamily="2" charset="2"/>
-              <a:buChar char="Ø"/>
-            </a:pPr>
-            <a:r>
-              <a:rPr lang="pt-BR" sz="1600" dirty="0" smtClean="0">
-                <a:cs typeface="Courier New" panose="02070309020205020404" pitchFamily="49" charset="0"/>
-              </a:rPr>
-              <a:t>Pode ser que não funcione de primeira.  Nesse caso, fecha e abra o </a:t>
-            </a:r>
-            <a:r>
-              <a:rPr lang="pt-BR" sz="1600" dirty="0" err="1" smtClean="0">
-                <a:cs typeface="Courier New" panose="02070309020205020404" pitchFamily="49" charset="0"/>
-              </a:rPr>
-              <a:t>QtCreator</a:t>
-            </a:r>
-            <a:r>
-              <a:rPr lang="pt-BR" sz="1600" dirty="0" smtClean="0">
-                <a:cs typeface="Courier New" panose="02070309020205020404" pitchFamily="49" charset="0"/>
-              </a:rPr>
-              <a:t> de novo.</a:t>
-            </a:r>
-            <a:endParaRPr lang="pt-BR" sz="1600" dirty="0">
-              <a:cs typeface="Courier New" panose="02070309020205020404" pitchFamily="49" charset="0"/>
-            </a:endParaRPr>
-          </a:p>
-          <a:p>
-            <a:pPr marL="285750" indent="-285750" algn="just">
-              <a:buFont typeface="Wingdings" panose="05000000000000000000" pitchFamily="2" charset="2"/>
-              <a:buChar char="Ø"/>
-            </a:pPr>
+              <a:t>), deve-se chamar o menu de contexto do projeto e acionar a opção </a:t>
+            </a:r>
+            <a:r>
+              <a:rPr lang="pt-BR" sz="1600" b="1" dirty="0" err="1" smtClean="0"/>
+              <a:t>Run</a:t>
+            </a:r>
+            <a:r>
+              <a:rPr lang="pt-BR" sz="1600" b="1" dirty="0" smtClean="0"/>
+              <a:t> </a:t>
+            </a:r>
+            <a:r>
+              <a:rPr lang="pt-BR" sz="1600" b="1" dirty="0" err="1" smtClean="0"/>
+              <a:t>CMake</a:t>
+            </a:r>
+            <a:r>
+              <a:rPr lang="pt-BR" sz="1600" dirty="0"/>
+              <a:t>.</a:t>
+            </a:r>
             <a:endParaRPr lang="pt-BR" sz="1600" dirty="0">
               <a:latin typeface="Courier New" panose="02070309020205020404" pitchFamily="49" charset="0"/>
               <a:cs typeface="Courier New" panose="02070309020205020404" pitchFamily="49" charset="0"/>
@@ -16689,7 +17368,7 @@
       </p:sp>
       <p:pic>
         <p:nvPicPr>
-          <p:cNvPr id="15" name="Imagem 14"/>
+          <p:cNvPr id="12" name="Imagem 11"/>
           <p:cNvPicPr>
             <a:picLocks noChangeAspect="1"/>
           </p:cNvPicPr>
@@ -16713,57 +17392,9 @@
           </a:stretch>
         </p:blipFill>
         <p:spPr>
-          <a:xfrm flipH="1">
-            <a:off x="3226708" y="3090380"/>
-            <a:ext cx="547482" cy="421305"/>
-          </a:xfrm>
-          <a:prstGeom prst="rect">
-            <a:avLst/>
-          </a:prstGeom>
-        </p:spPr>
-      </p:pic>
-      <p:pic>
-        <p:nvPicPr>
-          <p:cNvPr id="3" name="Imagem 2"/>
-          <p:cNvPicPr>
-            <a:picLocks noChangeAspect="1"/>
-          </p:cNvPicPr>
-          <p:nvPr/>
-        </p:nvPicPr>
-        <p:blipFill>
-          <a:blip r:embed="rId5"/>
-          <a:stretch>
-            <a:fillRect/>
-          </a:stretch>
-        </p:blipFill>
-        <p:spPr>
-          <a:xfrm>
-            <a:off x="1043608" y="2838118"/>
-            <a:ext cx="523875" cy="485775"/>
-          </a:xfrm>
-          <a:prstGeom prst="rect">
-            <a:avLst/>
-          </a:prstGeom>
-        </p:spPr>
-      </p:pic>
-      <p:pic>
-        <p:nvPicPr>
-          <p:cNvPr id="6" name="Imagem 5"/>
-          <p:cNvPicPr>
-            <a:picLocks noChangeAspect="1"/>
-          </p:cNvPicPr>
-          <p:nvPr/>
-        </p:nvPicPr>
-        <p:blipFill>
-          <a:blip r:embed="rId6"/>
-          <a:stretch>
-            <a:fillRect/>
-          </a:stretch>
-        </p:blipFill>
-        <p:spPr>
-          <a:xfrm>
-            <a:off x="1247392" y="3645024"/>
-            <a:ext cx="6493024" cy="941795"/>
+          <a:xfrm>
+            <a:off x="4127950" y="1628800"/>
+            <a:ext cx="1092122" cy="1008112"/>
           </a:xfrm>
           <a:prstGeom prst="rect">
             <a:avLst/>
@@ -16772,20 +17403,24 @@
             <a:noFill/>
           </a:ln>
           <a:effectLst>
-            <a:softEdge rad="112500"/>
+            <a:outerShdw blurRad="292100" dist="139700" dir="2700000" algn="tl" rotWithShape="0">
+              <a:srgbClr val="333333">
+                <a:alpha val="65000"/>
+              </a:srgbClr>
+            </a:outerShdw>
           </a:effectLst>
         </p:spPr>
       </p:pic>
       <p:pic>
         <p:nvPicPr>
-          <p:cNvPr id="13" name="Imagem 12"/>
+          <p:cNvPr id="15" name="Imagem 14"/>
           <p:cNvPicPr>
             <a:picLocks noChangeAspect="1"/>
           </p:cNvPicPr>
           <p:nvPr/>
         </p:nvPicPr>
         <p:blipFill>
-          <a:blip r:embed="rId4">
+          <a:blip r:embed="rId5">
             <a:clrChange>
               <a:clrFrom>
                 <a:srgbClr val="FFFFFF"/>
@@ -16803,7 +17438,7 @@
         </p:blipFill>
         <p:spPr>
           <a:xfrm flipH="1">
-            <a:off x="7408894" y="4100365"/>
+            <a:off x="5105504" y="4030555"/>
             <a:ext cx="547482" cy="421305"/>
           </a:xfrm>
           <a:prstGeom prst="rect">
@@ -16811,88 +17446,10 @@
           </a:prstGeom>
         </p:spPr>
       </p:pic>
-      <p:pic>
-        <p:nvPicPr>
-          <p:cNvPr id="7" name="Imagem 6"/>
-          <p:cNvPicPr>
-            <a:picLocks noChangeAspect="1"/>
-          </p:cNvPicPr>
-          <p:nvPr/>
-        </p:nvPicPr>
-        <p:blipFill>
-          <a:blip r:embed="rId7"/>
-          <a:stretch>
-            <a:fillRect/>
-          </a:stretch>
-        </p:blipFill>
-        <p:spPr>
-          <a:xfrm>
-            <a:off x="1449561" y="4653136"/>
-            <a:ext cx="6648450" cy="933450"/>
-          </a:xfrm>
-          <a:prstGeom prst="rect">
-            <a:avLst/>
-          </a:prstGeom>
-          <a:ln>
-            <a:noFill/>
-          </a:ln>
-          <a:effectLst>
-            <a:softEdge rad="112500"/>
-          </a:effectLst>
-        </p:spPr>
-      </p:pic>
-      <p:sp>
-        <p:nvSpPr>
-          <p:cNvPr id="8" name="Chave direita 7"/>
-          <p:cNvSpPr/>
-          <p:nvPr/>
-        </p:nvSpPr>
-        <p:spPr>
-          <a:xfrm rot="16200000">
-            <a:off x="4451804" y="3575802"/>
-            <a:ext cx="288032" cy="2664296"/>
-          </a:xfrm>
-          <a:prstGeom prst="rightBrace">
-            <a:avLst>
-              <a:gd name="adj1" fmla="val 8333"/>
-              <a:gd name="adj2" fmla="val 51144"/>
-            </a:avLst>
-          </a:prstGeom>
-          <a:ln w="28575">
-            <a:solidFill>
-              <a:srgbClr val="FF0000"/>
-            </a:solidFill>
-            <a:headEnd type="none" w="med" len="med"/>
-            <a:tailEnd type="none" w="med" len="med"/>
-          </a:ln>
-        </p:spPr>
-        <p:style>
-          <a:lnRef idx="1">
-            <a:schemeClr val="accent1"/>
-          </a:lnRef>
-          <a:fillRef idx="0">
-            <a:schemeClr val="accent1"/>
-          </a:fillRef>
-          <a:effectRef idx="0">
-            <a:schemeClr val="accent1"/>
-          </a:effectRef>
-          <a:fontRef idx="minor">
-            <a:schemeClr val="tx1"/>
-          </a:fontRef>
-        </p:style>
-        <p:txBody>
-          <a:bodyPr rtlCol="0" anchor="ctr"/>
-          <a:lstStyle/>
-          <a:p>
-            <a:pPr algn="ctr"/>
-            <a:endParaRPr lang="pt-BR"/>
-          </a:p>
-        </p:txBody>
-      </p:sp>
     </p:spTree>
     <p:extLst>
       <p:ext uri="{BB962C8B-B14F-4D97-AF65-F5344CB8AC3E}">
-        <p14:creationId xmlns:p14="http://schemas.microsoft.com/office/powerpoint/2010/main" val="3675336364"/>
+        <p14:creationId xmlns:p14="http://schemas.microsoft.com/office/powerpoint/2010/main" val="3160225612"/>
       </p:ext>
     </p:extLst>
   </p:cSld>
@@ -17034,6 +17591,947 @@
       </p:sp>
       <p:sp>
         <p:nvSpPr>
+          <p:cNvPr id="14" name="CaixaDeTexto 13"/>
+          <p:cNvSpPr txBox="1"/>
+          <p:nvPr/>
+        </p:nvSpPr>
+        <p:spPr>
+          <a:xfrm>
+            <a:off x="263696" y="2814027"/>
+            <a:ext cx="8484768" cy="338554"/>
+          </a:xfrm>
+          <a:prstGeom prst="rect">
+            <a:avLst/>
+          </a:prstGeom>
+          <a:noFill/>
+        </p:spPr>
+        <p:txBody>
+          <a:bodyPr wrap="square" rtlCol="0">
+            <a:spAutoFit/>
+          </a:bodyPr>
+          <a:lstStyle/>
+          <a:p>
+            <a:pPr marL="285750" indent="-285750" algn="just">
+              <a:buFont typeface="Wingdings" panose="05000000000000000000" pitchFamily="2" charset="2"/>
+              <a:buChar char="Ø"/>
+            </a:pPr>
+            <a:r>
+              <a:rPr lang="pt-BR" sz="1600" dirty="0" err="1" smtClean="0"/>
+              <a:t>Qt</a:t>
+            </a:r>
+            <a:r>
+              <a:rPr lang="pt-BR" sz="1600" dirty="0" smtClean="0"/>
+              <a:t> </a:t>
+            </a:r>
+            <a:r>
+              <a:rPr lang="pt-BR" sz="1600" dirty="0" err="1" smtClean="0"/>
+              <a:t>Creator</a:t>
+            </a:r>
+            <a:r>
+              <a:rPr lang="pt-BR" sz="1600" dirty="0" smtClean="0"/>
+              <a:t>: compile clicando em </a:t>
+            </a:r>
+            <a:endParaRPr lang="pt-BR" sz="1600" dirty="0">
+              <a:latin typeface="Courier New" panose="02070309020205020404" pitchFamily="49" charset="0"/>
+              <a:cs typeface="Courier New" panose="02070309020205020404" pitchFamily="49" charset="0"/>
+            </a:endParaRPr>
+          </a:p>
+        </p:txBody>
+      </p:sp>
+      <p:pic>
+        <p:nvPicPr>
+          <p:cNvPr id="3" name="Imagem 2"/>
+          <p:cNvPicPr>
+            <a:picLocks noChangeAspect="1"/>
+          </p:cNvPicPr>
+          <p:nvPr/>
+        </p:nvPicPr>
+        <p:blipFill>
+          <a:blip r:embed="rId3"/>
+          <a:stretch>
+            <a:fillRect/>
+          </a:stretch>
+        </p:blipFill>
+        <p:spPr>
+          <a:xfrm>
+            <a:off x="1847674" y="3861048"/>
+            <a:ext cx="6048672" cy="1896796"/>
+          </a:xfrm>
+          <a:prstGeom prst="rect">
+            <a:avLst/>
+          </a:prstGeom>
+          <a:ln>
+            <a:noFill/>
+          </a:ln>
+          <a:effectLst>
+            <a:softEdge rad="112500"/>
+          </a:effectLst>
+        </p:spPr>
+      </p:pic>
+      <p:pic>
+        <p:nvPicPr>
+          <p:cNvPr id="5" name="Imagem 4"/>
+          <p:cNvPicPr>
+            <a:picLocks noChangeAspect="1"/>
+          </p:cNvPicPr>
+          <p:nvPr/>
+        </p:nvPicPr>
+        <p:blipFill>
+          <a:blip r:embed="rId4"/>
+          <a:stretch>
+            <a:fillRect/>
+          </a:stretch>
+        </p:blipFill>
+        <p:spPr>
+          <a:xfrm>
+            <a:off x="3419872" y="2814027"/>
+            <a:ext cx="571500" cy="381000"/>
+          </a:xfrm>
+          <a:prstGeom prst="rect">
+            <a:avLst/>
+          </a:prstGeom>
+        </p:spPr>
+      </p:pic>
+      <p:sp>
+        <p:nvSpPr>
+          <p:cNvPr id="8" name="CaixaDeTexto 7"/>
+          <p:cNvSpPr txBox="1"/>
+          <p:nvPr/>
+        </p:nvSpPr>
+        <p:spPr>
+          <a:xfrm>
+            <a:off x="263696" y="1700808"/>
+            <a:ext cx="6177781" cy="338554"/>
+          </a:xfrm>
+          <a:prstGeom prst="rect">
+            <a:avLst/>
+          </a:prstGeom>
+          <a:noFill/>
+        </p:spPr>
+        <p:txBody>
+          <a:bodyPr wrap="none" rtlCol="0">
+            <a:spAutoFit/>
+          </a:bodyPr>
+          <a:lstStyle/>
+          <a:p>
+            <a:pPr marL="285750" indent="-285750">
+              <a:buFont typeface="Wingdings" panose="05000000000000000000" pitchFamily="2" charset="2"/>
+              <a:buChar char="Ø"/>
+            </a:pPr>
+            <a:r>
+              <a:rPr lang="pt-BR" sz="1600" dirty="0" smtClean="0"/>
+              <a:t>Compilar no </a:t>
+            </a:r>
+            <a:r>
+              <a:rPr lang="pt-BR" sz="1600" dirty="0" err="1" smtClean="0"/>
+              <a:t>Qt</a:t>
+            </a:r>
+            <a:r>
+              <a:rPr lang="pt-BR" sz="1600" dirty="0" smtClean="0"/>
+              <a:t> </a:t>
+            </a:r>
+            <a:r>
+              <a:rPr lang="pt-BR" sz="1600" dirty="0" err="1" smtClean="0"/>
+              <a:t>Creator</a:t>
+            </a:r>
+            <a:r>
+              <a:rPr lang="pt-BR" sz="1600" dirty="0" smtClean="0"/>
+              <a:t> (compiladores GNU – </a:t>
+            </a:r>
+            <a:r>
+              <a:rPr lang="pt-BR" sz="1600" dirty="0" err="1" smtClean="0"/>
+              <a:t>MinGW</a:t>
+            </a:r>
+            <a:r>
+              <a:rPr lang="pt-BR" sz="1600" dirty="0" smtClean="0"/>
+              <a:t>, GCC, ICC, etc.)</a:t>
+            </a:r>
+            <a:endParaRPr lang="pt-BR" sz="1600" dirty="0"/>
+          </a:p>
+        </p:txBody>
+      </p:sp>
+    </p:spTree>
+    <p:extLst>
+      <p:ext uri="{BB962C8B-B14F-4D97-AF65-F5344CB8AC3E}">
+        <p14:creationId xmlns:p14="http://schemas.microsoft.com/office/powerpoint/2010/main" val="3796531025"/>
+      </p:ext>
+    </p:extLst>
+  </p:cSld>
+  <p:clrMapOvr>
+    <a:masterClrMapping/>
+  </p:clrMapOvr>
+  <p:timing>
+    <p:tnLst>
+      <p:par>
+        <p:cTn id="1" dur="indefinite" restart="never" nodeType="tmRoot"/>
+      </p:par>
+    </p:tnLst>
+  </p:timing>
+</p:sld>
+</file>
+
+<file path=ppt/slides/slide33.xml><?xml version="1.0" encoding="utf-8"?>
+<p:sld xmlns:a="http://schemas.openxmlformats.org/drawingml/2006/main" xmlns:r="http://schemas.openxmlformats.org/officeDocument/2006/relationships" xmlns:p="http://schemas.openxmlformats.org/presentationml/2006/main">
+  <p:cSld>
+    <p:spTree>
+      <p:nvGrpSpPr>
+        <p:cNvPr id="1" name=""/>
+        <p:cNvGrpSpPr/>
+        <p:nvPr/>
+      </p:nvGrpSpPr>
+      <p:grpSpPr>
+        <a:xfrm>
+          <a:off x="0" y="0"/>
+          <a:ext cx="0" cy="0"/>
+          <a:chOff x="0" y="0"/>
+          <a:chExt cx="0" cy="0"/>
+        </a:xfrm>
+      </p:grpSpPr>
+      <p:pic>
+        <p:nvPicPr>
+          <p:cNvPr id="5" name="Imagem 4"/>
+          <p:cNvPicPr>
+            <a:picLocks noChangeAspect="1"/>
+          </p:cNvPicPr>
+          <p:nvPr/>
+        </p:nvPicPr>
+        <p:blipFill>
+          <a:blip r:embed="rId3"/>
+          <a:stretch>
+            <a:fillRect/>
+          </a:stretch>
+        </p:blipFill>
+        <p:spPr>
+          <a:xfrm>
+            <a:off x="2374007" y="2538080"/>
+            <a:ext cx="2486025" cy="1085850"/>
+          </a:xfrm>
+          <a:prstGeom prst="rect">
+            <a:avLst/>
+          </a:prstGeom>
+          <a:ln>
+            <a:noFill/>
+          </a:ln>
+          <a:effectLst>
+            <a:softEdge rad="112500"/>
+          </a:effectLst>
+        </p:spPr>
+      </p:pic>
+      <p:sp>
+        <p:nvSpPr>
+          <p:cNvPr id="4" name="Título 3"/>
+          <p:cNvSpPr>
+            <a:spLocks noGrp="1"/>
+          </p:cNvSpPr>
+          <p:nvPr>
+            <p:ph type="ctrTitle"/>
+          </p:nvPr>
+        </p:nvSpPr>
+        <p:spPr>
+          <a:xfrm>
+            <a:off x="3275856" y="138754"/>
+            <a:ext cx="4680520" cy="504056"/>
+          </a:xfrm>
+        </p:spPr>
+        <p:txBody>
+          <a:bodyPr>
+            <a:normAutofit/>
+          </a:bodyPr>
+          <a:lstStyle/>
+          <a:p>
+            <a:r>
+              <a:rPr lang="pt-BR" sz="2400" dirty="0" smtClean="0"/>
+              <a:t>4) Aplicações C++/</a:t>
+            </a:r>
+            <a:r>
+              <a:rPr lang="pt-BR" sz="2400" dirty="0" err="1" smtClean="0"/>
+              <a:t>Qt</a:t>
+            </a:r>
+            <a:r>
+              <a:rPr lang="pt-BR" sz="2400" dirty="0" smtClean="0"/>
+              <a:t> com VTK</a:t>
+            </a:r>
+            <a:endParaRPr lang="pt-BR" sz="1400" dirty="0"/>
+          </a:p>
+        </p:txBody>
+      </p:sp>
+      <p:sp>
+        <p:nvSpPr>
+          <p:cNvPr id="54" name="CaixaDeTexto 53"/>
+          <p:cNvSpPr txBox="1"/>
+          <p:nvPr/>
+        </p:nvSpPr>
+        <p:spPr>
+          <a:xfrm>
+            <a:off x="4067944" y="1218238"/>
+            <a:ext cx="1608133" cy="338554"/>
+          </a:xfrm>
+          <a:prstGeom prst="rect">
+            <a:avLst/>
+          </a:prstGeom>
+          <a:noFill/>
+        </p:spPr>
+        <p:txBody>
+          <a:bodyPr wrap="none" rtlCol="0">
+            <a:spAutoFit/>
+          </a:bodyPr>
+          <a:lstStyle/>
+          <a:p>
+            <a:r>
+              <a:rPr lang="pt-BR" sz="1600" b="1" dirty="0" smtClean="0"/>
+              <a:t>4.1.3) </a:t>
+            </a:r>
+            <a:r>
+              <a:rPr lang="pt-BR" sz="1600" b="1" dirty="0" err="1" smtClean="0"/>
+              <a:t>Hello</a:t>
+            </a:r>
+            <a:r>
+              <a:rPr lang="pt-BR" sz="1600" b="1" dirty="0" smtClean="0"/>
+              <a:t> VTK!</a:t>
+            </a:r>
+            <a:endParaRPr lang="pt-BR" sz="1600" b="1" dirty="0"/>
+          </a:p>
+        </p:txBody>
+      </p:sp>
+      <p:sp>
+        <p:nvSpPr>
+          <p:cNvPr id="55" name="CaixaDeTexto 54"/>
+          <p:cNvSpPr txBox="1"/>
+          <p:nvPr/>
+        </p:nvSpPr>
+        <p:spPr>
+          <a:xfrm>
+            <a:off x="2987824" y="908720"/>
+            <a:ext cx="4154984" cy="369332"/>
+          </a:xfrm>
+          <a:prstGeom prst="rect">
+            <a:avLst/>
+          </a:prstGeom>
+          <a:noFill/>
+        </p:spPr>
+        <p:txBody>
+          <a:bodyPr wrap="none" rtlCol="0">
+            <a:spAutoFit/>
+          </a:bodyPr>
+          <a:lstStyle/>
+          <a:p>
+            <a:r>
+              <a:rPr lang="pt-BR" b="1" dirty="0" smtClean="0"/>
+              <a:t>4.1) Criando um aplicativo VTK elementar</a:t>
+            </a:r>
+            <a:endParaRPr lang="pt-BR" b="1" dirty="0"/>
+          </a:p>
+        </p:txBody>
+      </p:sp>
+      <p:sp>
+        <p:nvSpPr>
+          <p:cNvPr id="14" name="CaixaDeTexto 13"/>
+          <p:cNvSpPr txBox="1"/>
+          <p:nvPr/>
+        </p:nvSpPr>
+        <p:spPr>
+          <a:xfrm>
+            <a:off x="251520" y="1700808"/>
+            <a:ext cx="8484768" cy="4770537"/>
+          </a:xfrm>
+          <a:prstGeom prst="rect">
+            <a:avLst/>
+          </a:prstGeom>
+          <a:noFill/>
+        </p:spPr>
+        <p:txBody>
+          <a:bodyPr wrap="square" rtlCol="0">
+            <a:spAutoFit/>
+          </a:bodyPr>
+          <a:lstStyle/>
+          <a:p>
+            <a:pPr marL="285750" indent="-285750" algn="just">
+              <a:buFont typeface="Wingdings" panose="05000000000000000000" pitchFamily="2" charset="2"/>
+              <a:buChar char="Ø"/>
+            </a:pPr>
+            <a:r>
+              <a:rPr lang="pt-BR" sz="1600" dirty="0" err="1" smtClean="0"/>
+              <a:t>Qt</a:t>
+            </a:r>
+            <a:r>
+              <a:rPr lang="pt-BR" sz="1600" dirty="0" smtClean="0"/>
+              <a:t> </a:t>
+            </a:r>
+            <a:r>
+              <a:rPr lang="pt-BR" sz="1600" dirty="0" err="1" smtClean="0"/>
+              <a:t>Creator</a:t>
+            </a:r>
+            <a:r>
+              <a:rPr lang="pt-BR" sz="1600" dirty="0" smtClean="0"/>
+              <a:t>: Ao executar (play) o programa pode </a:t>
+            </a:r>
+            <a:r>
+              <a:rPr lang="pt-BR" sz="1600" dirty="0" err="1" smtClean="0"/>
+              <a:t>abendar</a:t>
+            </a:r>
+            <a:r>
+              <a:rPr lang="pt-BR" sz="1600" dirty="0" smtClean="0"/>
+              <a:t> (crash).  Provavelmente porque os </a:t>
+            </a:r>
+            <a:r>
+              <a:rPr lang="pt-BR" sz="1600" dirty="0" err="1" smtClean="0"/>
+              <a:t>SOs</a:t>
+            </a:r>
+            <a:r>
+              <a:rPr lang="pt-BR" sz="1600" dirty="0" smtClean="0"/>
+              <a:t>/</a:t>
+            </a:r>
+            <a:r>
+              <a:rPr lang="pt-BR" sz="1600" dirty="0" err="1" smtClean="0"/>
+              <a:t>DLLs</a:t>
+            </a:r>
+            <a:r>
+              <a:rPr lang="pt-BR" sz="1600" dirty="0" smtClean="0"/>
+              <a:t> do VTK não estão visíveis (fora do </a:t>
+            </a:r>
+            <a:r>
+              <a:rPr lang="pt-BR" sz="1600" dirty="0" smtClean="0">
+                <a:latin typeface="Courier New" panose="02070309020205020404" pitchFamily="49" charset="0"/>
+                <a:cs typeface="Courier New" panose="02070309020205020404" pitchFamily="49" charset="0"/>
+              </a:rPr>
+              <a:t>PATH</a:t>
+            </a:r>
+            <a:r>
+              <a:rPr lang="pt-BR" sz="1600" dirty="0" smtClean="0"/>
+              <a:t> (Windows) ou </a:t>
+            </a:r>
+            <a:r>
+              <a:rPr lang="pt-BR" sz="1600" dirty="0" smtClean="0">
+                <a:latin typeface="Courier New" panose="02070309020205020404" pitchFamily="49" charset="0"/>
+                <a:cs typeface="Courier New" panose="02070309020205020404" pitchFamily="49" charset="0"/>
+              </a:rPr>
+              <a:t>LD_LIBRARY_PATH</a:t>
+            </a:r>
+            <a:r>
+              <a:rPr lang="pt-BR" sz="1600" dirty="0" smtClean="0"/>
+              <a:t> (Unix)).</a:t>
+            </a:r>
+          </a:p>
+          <a:p>
+            <a:pPr marL="285750" indent="-285750" algn="just">
+              <a:buFont typeface="Wingdings" panose="05000000000000000000" pitchFamily="2" charset="2"/>
+              <a:buChar char="Ø"/>
+            </a:pPr>
+            <a:endParaRPr lang="pt-BR" sz="1600" dirty="0"/>
+          </a:p>
+          <a:p>
+            <a:pPr marL="285750" indent="-285750" algn="just">
+              <a:buFont typeface="Wingdings" panose="05000000000000000000" pitchFamily="2" charset="2"/>
+              <a:buChar char="Ø"/>
+            </a:pPr>
+            <a:endParaRPr lang="pt-BR" sz="1600" dirty="0" smtClean="0"/>
+          </a:p>
+          <a:p>
+            <a:pPr marL="285750" indent="-285750" algn="just">
+              <a:buFont typeface="Wingdings" panose="05000000000000000000" pitchFamily="2" charset="2"/>
+              <a:buChar char="Ø"/>
+            </a:pPr>
+            <a:endParaRPr lang="pt-BR" sz="1600" dirty="0" smtClean="0">
+              <a:cs typeface="Courier New" panose="02070309020205020404" pitchFamily="49" charset="0"/>
+            </a:endParaRPr>
+          </a:p>
+          <a:p>
+            <a:pPr marL="285750" indent="-285750" algn="just">
+              <a:buFont typeface="Wingdings" panose="05000000000000000000" pitchFamily="2" charset="2"/>
+              <a:buChar char="Ø"/>
+            </a:pPr>
+            <a:r>
+              <a:rPr lang="pt-BR" sz="1600" dirty="0" smtClean="0">
+                <a:cs typeface="Courier New" panose="02070309020205020404" pitchFamily="49" charset="0"/>
+              </a:rPr>
+              <a:t>Ir a                 depois</a:t>
+            </a:r>
+          </a:p>
+          <a:p>
+            <a:pPr marL="285750" indent="-285750" algn="just">
+              <a:buFont typeface="Wingdings" panose="05000000000000000000" pitchFamily="2" charset="2"/>
+              <a:buChar char="Ø"/>
+            </a:pPr>
+            <a:endParaRPr lang="pt-BR" sz="1600" dirty="0">
+              <a:cs typeface="Courier New" panose="02070309020205020404" pitchFamily="49" charset="0"/>
+            </a:endParaRPr>
+          </a:p>
+          <a:p>
+            <a:pPr marL="285750" indent="-285750" algn="just">
+              <a:buFont typeface="Wingdings" panose="05000000000000000000" pitchFamily="2" charset="2"/>
+              <a:buChar char="Ø"/>
+            </a:pPr>
+            <a:endParaRPr lang="pt-BR" sz="1600" dirty="0" smtClean="0">
+              <a:cs typeface="Courier New" panose="02070309020205020404" pitchFamily="49" charset="0"/>
+            </a:endParaRPr>
+          </a:p>
+          <a:p>
+            <a:pPr marL="285750" indent="-285750" algn="just">
+              <a:buFont typeface="Wingdings" panose="05000000000000000000" pitchFamily="2" charset="2"/>
+              <a:buChar char="Ø"/>
+            </a:pPr>
+            <a:endParaRPr lang="pt-BR" sz="1600" dirty="0">
+              <a:cs typeface="Courier New" panose="02070309020205020404" pitchFamily="49" charset="0"/>
+            </a:endParaRPr>
+          </a:p>
+          <a:p>
+            <a:pPr marL="285750" indent="-285750" algn="just">
+              <a:buFont typeface="Wingdings" panose="05000000000000000000" pitchFamily="2" charset="2"/>
+              <a:buChar char="Ø"/>
+            </a:pPr>
+            <a:endParaRPr lang="pt-BR" sz="1600" dirty="0" smtClean="0">
+              <a:cs typeface="Courier New" panose="02070309020205020404" pitchFamily="49" charset="0"/>
+            </a:endParaRPr>
+          </a:p>
+          <a:p>
+            <a:pPr marL="285750" indent="-285750" algn="just">
+              <a:buFont typeface="Wingdings" panose="05000000000000000000" pitchFamily="2" charset="2"/>
+              <a:buChar char="Ø"/>
+            </a:pPr>
+            <a:endParaRPr lang="pt-BR" sz="1600" dirty="0">
+              <a:cs typeface="Courier New" panose="02070309020205020404" pitchFamily="49" charset="0"/>
+            </a:endParaRPr>
+          </a:p>
+          <a:p>
+            <a:pPr marL="285750" indent="-285750" algn="just">
+              <a:buFont typeface="Wingdings" panose="05000000000000000000" pitchFamily="2" charset="2"/>
+              <a:buChar char="Ø"/>
+            </a:pPr>
+            <a:endParaRPr lang="pt-BR" sz="1600" dirty="0" smtClean="0">
+              <a:cs typeface="Courier New" panose="02070309020205020404" pitchFamily="49" charset="0"/>
+            </a:endParaRPr>
+          </a:p>
+          <a:p>
+            <a:pPr marL="285750" indent="-285750" algn="just">
+              <a:buFont typeface="Wingdings" panose="05000000000000000000" pitchFamily="2" charset="2"/>
+              <a:buChar char="Ø"/>
+            </a:pPr>
+            <a:endParaRPr lang="pt-BR" sz="1600" dirty="0">
+              <a:cs typeface="Courier New" panose="02070309020205020404" pitchFamily="49" charset="0"/>
+            </a:endParaRPr>
+          </a:p>
+          <a:p>
+            <a:pPr marL="285750" indent="-285750" algn="just">
+              <a:buFont typeface="Wingdings" panose="05000000000000000000" pitchFamily="2" charset="2"/>
+              <a:buChar char="Ø"/>
+            </a:pPr>
+            <a:endParaRPr lang="pt-BR" sz="1600" dirty="0" smtClean="0">
+              <a:cs typeface="Courier New" panose="02070309020205020404" pitchFamily="49" charset="0"/>
+            </a:endParaRPr>
+          </a:p>
+          <a:p>
+            <a:pPr marL="285750" indent="-285750" algn="just">
+              <a:buFont typeface="Wingdings" panose="05000000000000000000" pitchFamily="2" charset="2"/>
+              <a:buChar char="Ø"/>
+            </a:pPr>
+            <a:endParaRPr lang="pt-BR" sz="1600" dirty="0">
+              <a:cs typeface="Courier New" panose="02070309020205020404" pitchFamily="49" charset="0"/>
+            </a:endParaRPr>
+          </a:p>
+          <a:p>
+            <a:pPr marL="285750" indent="-285750" algn="just">
+              <a:buFont typeface="Wingdings" panose="05000000000000000000" pitchFamily="2" charset="2"/>
+              <a:buChar char="Ø"/>
+            </a:pPr>
+            <a:endParaRPr lang="pt-BR" sz="1600" dirty="0" smtClean="0">
+              <a:cs typeface="Courier New" panose="02070309020205020404" pitchFamily="49" charset="0"/>
+            </a:endParaRPr>
+          </a:p>
+          <a:p>
+            <a:pPr marL="285750" indent="-285750" algn="just">
+              <a:buFont typeface="Wingdings" panose="05000000000000000000" pitchFamily="2" charset="2"/>
+              <a:buChar char="Ø"/>
+            </a:pPr>
+            <a:endParaRPr lang="pt-BR" sz="1600" dirty="0">
+              <a:cs typeface="Courier New" panose="02070309020205020404" pitchFamily="49" charset="0"/>
+            </a:endParaRPr>
+          </a:p>
+          <a:p>
+            <a:pPr marL="285750" indent="-285750" algn="just">
+              <a:buFont typeface="Wingdings" panose="05000000000000000000" pitchFamily="2" charset="2"/>
+              <a:buChar char="Ø"/>
+            </a:pPr>
+            <a:r>
+              <a:rPr lang="pt-BR" sz="1600" dirty="0" smtClean="0">
+                <a:cs typeface="Courier New" panose="02070309020205020404" pitchFamily="49" charset="0"/>
+              </a:rPr>
+              <a:t>Pode ser que não funcione de primeira.  Nesse caso, fecha e abra o </a:t>
+            </a:r>
+            <a:r>
+              <a:rPr lang="pt-BR" sz="1600" dirty="0" err="1" smtClean="0">
+                <a:cs typeface="Courier New" panose="02070309020205020404" pitchFamily="49" charset="0"/>
+              </a:rPr>
+              <a:t>QtCreator</a:t>
+            </a:r>
+            <a:r>
+              <a:rPr lang="pt-BR" sz="1600" dirty="0" smtClean="0">
+                <a:cs typeface="Courier New" panose="02070309020205020404" pitchFamily="49" charset="0"/>
+              </a:rPr>
+              <a:t> de novo.</a:t>
+            </a:r>
+            <a:endParaRPr lang="pt-BR" sz="1600" dirty="0">
+              <a:cs typeface="Courier New" panose="02070309020205020404" pitchFamily="49" charset="0"/>
+            </a:endParaRPr>
+          </a:p>
+          <a:p>
+            <a:pPr marL="285750" indent="-285750" algn="just">
+              <a:buFont typeface="Wingdings" panose="05000000000000000000" pitchFamily="2" charset="2"/>
+              <a:buChar char="Ø"/>
+            </a:pPr>
+            <a:endParaRPr lang="pt-BR" sz="1600" dirty="0">
+              <a:latin typeface="Courier New" panose="02070309020205020404" pitchFamily="49" charset="0"/>
+              <a:cs typeface="Courier New" panose="02070309020205020404" pitchFamily="49" charset="0"/>
+            </a:endParaRPr>
+          </a:p>
+        </p:txBody>
+      </p:sp>
+      <p:pic>
+        <p:nvPicPr>
+          <p:cNvPr id="15" name="Imagem 14"/>
+          <p:cNvPicPr>
+            <a:picLocks noChangeAspect="1"/>
+          </p:cNvPicPr>
+          <p:nvPr/>
+        </p:nvPicPr>
+        <p:blipFill>
+          <a:blip r:embed="rId4">
+            <a:clrChange>
+              <a:clrFrom>
+                <a:srgbClr val="FFFFFF"/>
+              </a:clrFrom>
+              <a:clrTo>
+                <a:srgbClr val="FFFFFF">
+                  <a:alpha val="0"/>
+                </a:srgbClr>
+              </a:clrTo>
+            </a:clrChange>
+          </a:blip>
+          <a:stretch>
+            <a:fillRect/>
+          </a:stretch>
+        </p:blipFill>
+        <p:spPr>
+          <a:xfrm flipH="1">
+            <a:off x="3226708" y="3090380"/>
+            <a:ext cx="547482" cy="421305"/>
+          </a:xfrm>
+          <a:prstGeom prst="rect">
+            <a:avLst/>
+          </a:prstGeom>
+        </p:spPr>
+      </p:pic>
+      <p:pic>
+        <p:nvPicPr>
+          <p:cNvPr id="3" name="Imagem 2"/>
+          <p:cNvPicPr>
+            <a:picLocks noChangeAspect="1"/>
+          </p:cNvPicPr>
+          <p:nvPr/>
+        </p:nvPicPr>
+        <p:blipFill>
+          <a:blip r:embed="rId5"/>
+          <a:stretch>
+            <a:fillRect/>
+          </a:stretch>
+        </p:blipFill>
+        <p:spPr>
+          <a:xfrm>
+            <a:off x="1043608" y="2838118"/>
+            <a:ext cx="523875" cy="485775"/>
+          </a:xfrm>
+          <a:prstGeom prst="rect">
+            <a:avLst/>
+          </a:prstGeom>
+        </p:spPr>
+      </p:pic>
+      <p:pic>
+        <p:nvPicPr>
+          <p:cNvPr id="6" name="Imagem 5"/>
+          <p:cNvPicPr>
+            <a:picLocks noChangeAspect="1"/>
+          </p:cNvPicPr>
+          <p:nvPr/>
+        </p:nvPicPr>
+        <p:blipFill>
+          <a:blip r:embed="rId6"/>
+          <a:stretch>
+            <a:fillRect/>
+          </a:stretch>
+        </p:blipFill>
+        <p:spPr>
+          <a:xfrm>
+            <a:off x="1247392" y="3645024"/>
+            <a:ext cx="6493024" cy="941795"/>
+          </a:xfrm>
+          <a:prstGeom prst="rect">
+            <a:avLst/>
+          </a:prstGeom>
+          <a:ln>
+            <a:noFill/>
+          </a:ln>
+          <a:effectLst>
+            <a:softEdge rad="112500"/>
+          </a:effectLst>
+        </p:spPr>
+      </p:pic>
+      <p:pic>
+        <p:nvPicPr>
+          <p:cNvPr id="13" name="Imagem 12"/>
+          <p:cNvPicPr>
+            <a:picLocks noChangeAspect="1"/>
+          </p:cNvPicPr>
+          <p:nvPr/>
+        </p:nvPicPr>
+        <p:blipFill>
+          <a:blip r:embed="rId4">
+            <a:clrChange>
+              <a:clrFrom>
+                <a:srgbClr val="FFFFFF"/>
+              </a:clrFrom>
+              <a:clrTo>
+                <a:srgbClr val="FFFFFF">
+                  <a:alpha val="0"/>
+                </a:srgbClr>
+              </a:clrTo>
+            </a:clrChange>
+          </a:blip>
+          <a:stretch>
+            <a:fillRect/>
+          </a:stretch>
+        </p:blipFill>
+        <p:spPr>
+          <a:xfrm flipH="1">
+            <a:off x="7408894" y="4100365"/>
+            <a:ext cx="547482" cy="421305"/>
+          </a:xfrm>
+          <a:prstGeom prst="rect">
+            <a:avLst/>
+          </a:prstGeom>
+        </p:spPr>
+      </p:pic>
+      <p:pic>
+        <p:nvPicPr>
+          <p:cNvPr id="7" name="Imagem 6"/>
+          <p:cNvPicPr>
+            <a:picLocks noChangeAspect="1"/>
+          </p:cNvPicPr>
+          <p:nvPr/>
+        </p:nvPicPr>
+        <p:blipFill>
+          <a:blip r:embed="rId7"/>
+          <a:stretch>
+            <a:fillRect/>
+          </a:stretch>
+        </p:blipFill>
+        <p:spPr>
+          <a:xfrm>
+            <a:off x="1449561" y="4653136"/>
+            <a:ext cx="6648450" cy="933450"/>
+          </a:xfrm>
+          <a:prstGeom prst="rect">
+            <a:avLst/>
+          </a:prstGeom>
+          <a:ln>
+            <a:noFill/>
+          </a:ln>
+          <a:effectLst>
+            <a:softEdge rad="112500"/>
+          </a:effectLst>
+        </p:spPr>
+      </p:pic>
+      <p:sp>
+        <p:nvSpPr>
+          <p:cNvPr id="8" name="Chave direita 7"/>
+          <p:cNvSpPr/>
+          <p:nvPr/>
+        </p:nvSpPr>
+        <p:spPr>
+          <a:xfrm rot="16200000">
+            <a:off x="4451804" y="3575802"/>
+            <a:ext cx="288032" cy="2664296"/>
+          </a:xfrm>
+          <a:prstGeom prst="rightBrace">
+            <a:avLst>
+              <a:gd name="adj1" fmla="val 8333"/>
+              <a:gd name="adj2" fmla="val 51144"/>
+            </a:avLst>
+          </a:prstGeom>
+          <a:ln w="28575">
+            <a:solidFill>
+              <a:srgbClr val="FF0000"/>
+            </a:solidFill>
+            <a:headEnd type="none" w="med" len="med"/>
+            <a:tailEnd type="none" w="med" len="med"/>
+          </a:ln>
+        </p:spPr>
+        <p:style>
+          <a:lnRef idx="1">
+            <a:schemeClr val="accent1"/>
+          </a:lnRef>
+          <a:fillRef idx="0">
+            <a:schemeClr val="accent1"/>
+          </a:fillRef>
+          <a:effectRef idx="0">
+            <a:schemeClr val="accent1"/>
+          </a:effectRef>
+          <a:fontRef idx="minor">
+            <a:schemeClr val="tx1"/>
+          </a:fontRef>
+        </p:style>
+        <p:txBody>
+          <a:bodyPr rtlCol="0" anchor="ctr"/>
+          <a:lstStyle/>
+          <a:p>
+            <a:pPr algn="ctr"/>
+            <a:endParaRPr lang="pt-BR"/>
+          </a:p>
+        </p:txBody>
+      </p:sp>
+    </p:spTree>
+    <p:extLst>
+      <p:ext uri="{BB962C8B-B14F-4D97-AF65-F5344CB8AC3E}">
+        <p14:creationId xmlns:p14="http://schemas.microsoft.com/office/powerpoint/2010/main" val="3675336364"/>
+      </p:ext>
+    </p:extLst>
+  </p:cSld>
+  <p:clrMapOvr>
+    <a:masterClrMapping/>
+  </p:clrMapOvr>
+  <p:timing>
+    <p:tnLst>
+      <p:par>
+        <p:cTn id="1" dur="indefinite" restart="never" nodeType="tmRoot"/>
+      </p:par>
+    </p:tnLst>
+  </p:timing>
+</p:sld>
+</file>
+
+<file path=ppt/slides/slide34.xml><?xml version="1.0" encoding="utf-8"?>
+<p:sld xmlns:a="http://schemas.openxmlformats.org/drawingml/2006/main" xmlns:r="http://schemas.openxmlformats.org/officeDocument/2006/relationships" xmlns:p="http://schemas.openxmlformats.org/presentationml/2006/main">
+  <p:cSld>
+    <p:spTree>
+      <p:nvGrpSpPr>
+        <p:cNvPr id="1" name=""/>
+        <p:cNvGrpSpPr/>
+        <p:nvPr/>
+      </p:nvGrpSpPr>
+      <p:grpSpPr>
+        <a:xfrm>
+          <a:off x="0" y="0"/>
+          <a:ext cx="0" cy="0"/>
+          <a:chOff x="0" y="0"/>
+          <a:chExt cx="0" cy="0"/>
+        </a:xfrm>
+      </p:grpSpPr>
+      <p:sp>
+        <p:nvSpPr>
+          <p:cNvPr id="4" name="Título 3"/>
+          <p:cNvSpPr>
+            <a:spLocks noGrp="1"/>
+          </p:cNvSpPr>
+          <p:nvPr>
+            <p:ph type="ctrTitle"/>
+          </p:nvPr>
+        </p:nvSpPr>
+        <p:spPr>
+          <a:xfrm>
+            <a:off x="3275856" y="138754"/>
+            <a:ext cx="4680520" cy="504056"/>
+          </a:xfrm>
+        </p:spPr>
+        <p:txBody>
+          <a:bodyPr>
+            <a:normAutofit/>
+          </a:bodyPr>
+          <a:lstStyle/>
+          <a:p>
+            <a:r>
+              <a:rPr lang="pt-BR" sz="2400" dirty="0" smtClean="0"/>
+              <a:t>4) Aplicações C++/</a:t>
+            </a:r>
+            <a:r>
+              <a:rPr lang="pt-BR" sz="2400" dirty="0" err="1" smtClean="0"/>
+              <a:t>Qt</a:t>
+            </a:r>
+            <a:r>
+              <a:rPr lang="pt-BR" sz="2400" dirty="0" smtClean="0"/>
+              <a:t> com VTK</a:t>
+            </a:r>
+            <a:endParaRPr lang="pt-BR" sz="1400" dirty="0"/>
+          </a:p>
+        </p:txBody>
+      </p:sp>
+      <p:sp>
+        <p:nvSpPr>
+          <p:cNvPr id="54" name="CaixaDeTexto 53"/>
+          <p:cNvSpPr txBox="1"/>
+          <p:nvPr/>
+        </p:nvSpPr>
+        <p:spPr>
+          <a:xfrm>
+            <a:off x="4067944" y="1218238"/>
+            <a:ext cx="1608133" cy="338554"/>
+          </a:xfrm>
+          <a:prstGeom prst="rect">
+            <a:avLst/>
+          </a:prstGeom>
+          <a:noFill/>
+        </p:spPr>
+        <p:txBody>
+          <a:bodyPr wrap="none" rtlCol="0">
+            <a:spAutoFit/>
+          </a:bodyPr>
+          <a:lstStyle/>
+          <a:p>
+            <a:r>
+              <a:rPr lang="pt-BR" sz="1600" b="1" dirty="0" smtClean="0"/>
+              <a:t>4.1.3) </a:t>
+            </a:r>
+            <a:r>
+              <a:rPr lang="pt-BR" sz="1600" b="1" dirty="0" err="1" smtClean="0"/>
+              <a:t>Hello</a:t>
+            </a:r>
+            <a:r>
+              <a:rPr lang="pt-BR" sz="1600" b="1" dirty="0" smtClean="0"/>
+              <a:t> VTK!</a:t>
+            </a:r>
+            <a:endParaRPr lang="pt-BR" sz="1600" b="1" dirty="0"/>
+          </a:p>
+        </p:txBody>
+      </p:sp>
+      <p:sp>
+        <p:nvSpPr>
+          <p:cNvPr id="55" name="CaixaDeTexto 54"/>
+          <p:cNvSpPr txBox="1"/>
+          <p:nvPr/>
+        </p:nvSpPr>
+        <p:spPr>
+          <a:xfrm>
+            <a:off x="2987824" y="908720"/>
+            <a:ext cx="4154984" cy="369332"/>
+          </a:xfrm>
+          <a:prstGeom prst="rect">
+            <a:avLst/>
+          </a:prstGeom>
+          <a:noFill/>
+        </p:spPr>
+        <p:txBody>
+          <a:bodyPr wrap="none" rtlCol="0">
+            <a:spAutoFit/>
+          </a:bodyPr>
+          <a:lstStyle/>
+          <a:p>
+            <a:r>
+              <a:rPr lang="pt-BR" b="1" dirty="0" smtClean="0"/>
+              <a:t>4.1) Criando um aplicativo VTK elementar</a:t>
+            </a:r>
+            <a:endParaRPr lang="pt-BR" b="1" dirty="0"/>
+          </a:p>
+        </p:txBody>
+      </p:sp>
+      <p:sp>
+        <p:nvSpPr>
           <p:cNvPr id="16" name="CaixaDeTexto 15"/>
           <p:cNvSpPr txBox="1"/>
           <p:nvPr/>
@@ -17319,7 +18817,7 @@
 </p:sld>
 </file>
 
-<file path=ppt/slides/slide33.xml><?xml version="1.0" encoding="utf-8"?>
+<file path=ppt/slides/slide35.xml><?xml version="1.0" encoding="utf-8"?>
 <p:sld xmlns:a="http://schemas.openxmlformats.org/drawingml/2006/main" xmlns:r="http://schemas.openxmlformats.org/officeDocument/2006/relationships" xmlns:p="http://schemas.openxmlformats.org/presentationml/2006/main">
   <p:cSld>
     <p:spTree>
@@ -17606,7 +19104,7 @@
 </p:sld>
 </file>
 
-<file path=ppt/slides/slide34.xml><?xml version="1.0" encoding="utf-8"?>
+<file path=ppt/slides/slide36.xml><?xml version="1.0" encoding="utf-8"?>
 <p:sld xmlns:a="http://schemas.openxmlformats.org/drawingml/2006/main" xmlns:r="http://schemas.openxmlformats.org/officeDocument/2006/relationships" xmlns:p="http://schemas.openxmlformats.org/presentationml/2006/main">
   <p:cSld>
     <p:spTree>
@@ -17944,7 +19442,7 @@
 </p:sld>
 </file>
 
-<file path=ppt/slides/slide35.xml><?xml version="1.0" encoding="utf-8"?>
+<file path=ppt/slides/slide37.xml><?xml version="1.0" encoding="utf-8"?>
 <p:sld xmlns:a="http://schemas.openxmlformats.org/drawingml/2006/main" xmlns:r="http://schemas.openxmlformats.org/officeDocument/2006/relationships" xmlns:p="http://schemas.openxmlformats.org/presentationml/2006/main">
   <p:cSld>
     <p:spTree>
@@ -18148,7 +19646,7 @@
 </p:sld>
 </file>
 
-<file path=ppt/slides/slide36.xml><?xml version="1.0" encoding="utf-8"?>
+<file path=ppt/slides/slide38.xml><?xml version="1.0" encoding="utf-8"?>
 <p:sld xmlns:a="http://schemas.openxmlformats.org/drawingml/2006/main" xmlns:r="http://schemas.openxmlformats.org/officeDocument/2006/relationships" xmlns:p="http://schemas.openxmlformats.org/presentationml/2006/main">
   <p:cSld>
     <p:spTree>
@@ -18523,7 +20021,7 @@
 </p:sld>
 </file>
 
-<file path=ppt/slides/slide37.xml><?xml version="1.0" encoding="utf-8"?>
+<file path=ppt/slides/slide39.xml><?xml version="1.0" encoding="utf-8"?>
 <p:sld xmlns:a="http://schemas.openxmlformats.org/drawingml/2006/main" xmlns:r="http://schemas.openxmlformats.org/officeDocument/2006/relationships" xmlns:p="http://schemas.openxmlformats.org/presentationml/2006/main">
   <p:cSld>
     <p:spTree>
@@ -18938,7 +20436,178 @@
 </p:sld>
 </file>
 
-<file path=ppt/slides/slide38.xml><?xml version="1.0" encoding="utf-8"?>
+<file path=ppt/slides/slide4.xml><?xml version="1.0" encoding="utf-8"?>
+<p:sld xmlns:a="http://schemas.openxmlformats.org/drawingml/2006/main" xmlns:r="http://schemas.openxmlformats.org/officeDocument/2006/relationships" xmlns:p="http://schemas.openxmlformats.org/presentationml/2006/main">
+  <p:cSld>
+    <p:spTree>
+      <p:nvGrpSpPr>
+        <p:cNvPr id="1" name=""/>
+        <p:cNvGrpSpPr/>
+        <p:nvPr/>
+      </p:nvGrpSpPr>
+      <p:grpSpPr>
+        <a:xfrm>
+          <a:off x="0" y="0"/>
+          <a:ext cx="0" cy="0"/>
+          <a:chOff x="0" y="0"/>
+          <a:chExt cx="0" cy="0"/>
+        </a:xfrm>
+      </p:grpSpPr>
+      <p:sp>
+        <p:nvSpPr>
+          <p:cNvPr id="4" name="Título 3"/>
+          <p:cNvSpPr>
+            <a:spLocks noGrp="1"/>
+          </p:cNvSpPr>
+          <p:nvPr>
+            <p:ph type="ctrTitle"/>
+          </p:nvPr>
+        </p:nvSpPr>
+        <p:spPr>
+          <a:xfrm>
+            <a:off x="3347864" y="188640"/>
+            <a:ext cx="4680520" cy="504056"/>
+          </a:xfrm>
+        </p:spPr>
+        <p:txBody>
+          <a:bodyPr>
+            <a:normAutofit/>
+          </a:bodyPr>
+          <a:lstStyle/>
+          <a:p>
+            <a:r>
+              <a:rPr lang="pt-BR" sz="2400" dirty="0" smtClean="0"/>
+              <a:t>Estrutura do curso</a:t>
+            </a:r>
+            <a:endParaRPr lang="pt-BR" sz="1400" dirty="0"/>
+          </a:p>
+        </p:txBody>
+      </p:sp>
+      <p:sp>
+        <p:nvSpPr>
+          <p:cNvPr id="2" name="CaixaDeTexto 1"/>
+          <p:cNvSpPr txBox="1"/>
+          <p:nvPr/>
+        </p:nvSpPr>
+        <p:spPr>
+          <a:xfrm>
+            <a:off x="1413198" y="1628800"/>
+            <a:ext cx="4608512" cy="369332"/>
+          </a:xfrm>
+          <a:prstGeom prst="rect">
+            <a:avLst/>
+          </a:prstGeom>
+          <a:noFill/>
+        </p:spPr>
+        <p:txBody>
+          <a:bodyPr wrap="square" rtlCol="0">
+            <a:spAutoFit/>
+          </a:bodyPr>
+          <a:lstStyle/>
+          <a:p>
+            <a:pPr marL="285750" indent="-285750">
+              <a:buFont typeface="Wingdings" panose="05000000000000000000" pitchFamily="2" charset="2"/>
+              <a:buChar char="Ø"/>
+            </a:pPr>
+            <a:r>
+              <a:rPr lang="pt-BR" dirty="0" smtClean="0"/>
+              <a:t>3º dia:</a:t>
+            </a:r>
+            <a:endParaRPr lang="pt-BR" dirty="0"/>
+          </a:p>
+        </p:txBody>
+      </p:sp>
+      <p:sp>
+        <p:nvSpPr>
+          <p:cNvPr id="3" name="Retângulo 2"/>
+          <p:cNvSpPr/>
+          <p:nvPr/>
+        </p:nvSpPr>
+        <p:spPr>
+          <a:xfrm>
+            <a:off x="1547664" y="2132856"/>
+            <a:ext cx="5832648" cy="1600438"/>
+          </a:xfrm>
+          <a:prstGeom prst="rect">
+            <a:avLst/>
+          </a:prstGeom>
+        </p:spPr>
+        <p:txBody>
+          <a:bodyPr wrap="square">
+            <a:spAutoFit/>
+          </a:bodyPr>
+          <a:lstStyle/>
+          <a:p>
+            <a:r>
+              <a:rPr lang="pt-BR" sz="1400" dirty="0"/>
+              <a:t>  4.5) Estruturas de geometria complexa</a:t>
+            </a:r>
+          </a:p>
+          <a:p>
+            <a:endParaRPr lang="pt-BR" sz="1400" dirty="0"/>
+          </a:p>
+          <a:p>
+            <a:r>
+              <a:rPr lang="pt-BR" sz="1400" dirty="0"/>
+              <a:t>       4.5.1) Trajetórias de poço, limites políticos e outras linhas</a:t>
+            </a:r>
+          </a:p>
+          <a:p>
+            <a:endParaRPr lang="pt-BR" sz="1400" dirty="0"/>
+          </a:p>
+          <a:p>
+            <a:r>
+              <a:rPr lang="pt-BR" sz="1400" dirty="0"/>
+              <a:t>       4.5.2) Horizontes, falhas, modelos de terreno e outras superfícies</a:t>
+            </a:r>
+          </a:p>
+          <a:p>
+            <a:endParaRPr lang="pt-BR" sz="1400" dirty="0"/>
+          </a:p>
+          <a:p>
+            <a:r>
+              <a:rPr lang="pt-BR" sz="1400" dirty="0"/>
+              <a:t>   4.6) Interagindo com o modelo 3D: </a:t>
+            </a:r>
+            <a:r>
+              <a:rPr lang="pt-BR" sz="1400" dirty="0" err="1"/>
+              <a:t>picking</a:t>
+            </a:r>
+            <a:r>
+              <a:rPr lang="pt-BR" sz="1400" dirty="0"/>
+              <a:t> e </a:t>
+            </a:r>
+            <a:r>
+              <a:rPr lang="pt-BR" sz="1400" dirty="0" err="1"/>
+              <a:t>probing</a:t>
+            </a:r>
+            <a:endParaRPr lang="pt-BR" sz="1400" dirty="0">
+              <a:latin typeface="+mj-lt"/>
+            </a:endParaRPr>
+          </a:p>
+        </p:txBody>
+      </p:sp>
+    </p:spTree>
+    <p:extLst>
+      <p:ext uri="{BB962C8B-B14F-4D97-AF65-F5344CB8AC3E}">
+        <p14:creationId xmlns:p14="http://schemas.microsoft.com/office/powerpoint/2010/main" val="754162583"/>
+      </p:ext>
+    </p:extLst>
+  </p:cSld>
+  <p:clrMapOvr>
+    <a:masterClrMapping/>
+  </p:clrMapOvr>
+  <p:timing>
+    <p:tnLst>
+      <p:par>
+        <p:cTn id="1" dur="indefinite" restart="never" nodeType="tmRoot"/>
+      </p:par>
+    </p:tnLst>
+  </p:timing>
+</p:sld>
+</file>
+
+<file path=ppt/slides/slide40.xml><?xml version="1.0" encoding="utf-8"?>
 <p:sld xmlns:a="http://schemas.openxmlformats.org/drawingml/2006/main" xmlns:r="http://schemas.openxmlformats.org/officeDocument/2006/relationships" xmlns:p="http://schemas.openxmlformats.org/presentationml/2006/main">
   <p:cSld>
     <p:spTree>
@@ -19411,7 +21080,7 @@
 </p:sld>
 </file>
 
-<file path=ppt/slides/slide39.xml><?xml version="1.0" encoding="utf-8"?>
+<file path=ppt/slides/slide41.xml><?xml version="1.0" encoding="utf-8"?>
 <p:sld xmlns:a="http://schemas.openxmlformats.org/drawingml/2006/main" xmlns:r="http://schemas.openxmlformats.org/officeDocument/2006/relationships" xmlns:p="http://schemas.openxmlformats.org/presentationml/2006/main">
   <p:cSld>
     <p:spTree>
@@ -19619,178 +21288,7 @@
 </p:sld>
 </file>
 
-<file path=ppt/slides/slide4.xml><?xml version="1.0" encoding="utf-8"?>
-<p:sld xmlns:a="http://schemas.openxmlformats.org/drawingml/2006/main" xmlns:r="http://schemas.openxmlformats.org/officeDocument/2006/relationships" xmlns:p="http://schemas.openxmlformats.org/presentationml/2006/main">
-  <p:cSld>
-    <p:spTree>
-      <p:nvGrpSpPr>
-        <p:cNvPr id="1" name=""/>
-        <p:cNvGrpSpPr/>
-        <p:nvPr/>
-      </p:nvGrpSpPr>
-      <p:grpSpPr>
-        <a:xfrm>
-          <a:off x="0" y="0"/>
-          <a:ext cx="0" cy="0"/>
-          <a:chOff x="0" y="0"/>
-          <a:chExt cx="0" cy="0"/>
-        </a:xfrm>
-      </p:grpSpPr>
-      <p:sp>
-        <p:nvSpPr>
-          <p:cNvPr id="4" name="Título 3"/>
-          <p:cNvSpPr>
-            <a:spLocks noGrp="1"/>
-          </p:cNvSpPr>
-          <p:nvPr>
-            <p:ph type="ctrTitle"/>
-          </p:nvPr>
-        </p:nvSpPr>
-        <p:spPr>
-          <a:xfrm>
-            <a:off x="3347864" y="188640"/>
-            <a:ext cx="4680520" cy="504056"/>
-          </a:xfrm>
-        </p:spPr>
-        <p:txBody>
-          <a:bodyPr>
-            <a:normAutofit/>
-          </a:bodyPr>
-          <a:lstStyle/>
-          <a:p>
-            <a:r>
-              <a:rPr lang="pt-BR" sz="2400" dirty="0" smtClean="0"/>
-              <a:t>Estrutura do curso</a:t>
-            </a:r>
-            <a:endParaRPr lang="pt-BR" sz="1400" dirty="0"/>
-          </a:p>
-        </p:txBody>
-      </p:sp>
-      <p:sp>
-        <p:nvSpPr>
-          <p:cNvPr id="2" name="CaixaDeTexto 1"/>
-          <p:cNvSpPr txBox="1"/>
-          <p:nvPr/>
-        </p:nvSpPr>
-        <p:spPr>
-          <a:xfrm>
-            <a:off x="1413198" y="1628800"/>
-            <a:ext cx="4608512" cy="369332"/>
-          </a:xfrm>
-          <a:prstGeom prst="rect">
-            <a:avLst/>
-          </a:prstGeom>
-          <a:noFill/>
-        </p:spPr>
-        <p:txBody>
-          <a:bodyPr wrap="square" rtlCol="0">
-            <a:spAutoFit/>
-          </a:bodyPr>
-          <a:lstStyle/>
-          <a:p>
-            <a:pPr marL="285750" indent="-285750">
-              <a:buFont typeface="Wingdings" panose="05000000000000000000" pitchFamily="2" charset="2"/>
-              <a:buChar char="Ø"/>
-            </a:pPr>
-            <a:r>
-              <a:rPr lang="pt-BR" dirty="0" smtClean="0"/>
-              <a:t>3º dia:</a:t>
-            </a:r>
-            <a:endParaRPr lang="pt-BR" dirty="0"/>
-          </a:p>
-        </p:txBody>
-      </p:sp>
-      <p:sp>
-        <p:nvSpPr>
-          <p:cNvPr id="3" name="Retângulo 2"/>
-          <p:cNvSpPr/>
-          <p:nvPr/>
-        </p:nvSpPr>
-        <p:spPr>
-          <a:xfrm>
-            <a:off x="1547664" y="2132856"/>
-            <a:ext cx="5832648" cy="1600438"/>
-          </a:xfrm>
-          <a:prstGeom prst="rect">
-            <a:avLst/>
-          </a:prstGeom>
-        </p:spPr>
-        <p:txBody>
-          <a:bodyPr wrap="square">
-            <a:spAutoFit/>
-          </a:bodyPr>
-          <a:lstStyle/>
-          <a:p>
-            <a:r>
-              <a:rPr lang="pt-BR" sz="1400" dirty="0"/>
-              <a:t>  4.5) Estruturas de geometria complexa</a:t>
-            </a:r>
-          </a:p>
-          <a:p>
-            <a:endParaRPr lang="pt-BR" sz="1400" dirty="0"/>
-          </a:p>
-          <a:p>
-            <a:r>
-              <a:rPr lang="pt-BR" sz="1400" dirty="0"/>
-              <a:t>       4.5.1) Trajetórias de poço, limites políticos e outras linhas</a:t>
-            </a:r>
-          </a:p>
-          <a:p>
-            <a:endParaRPr lang="pt-BR" sz="1400" dirty="0"/>
-          </a:p>
-          <a:p>
-            <a:r>
-              <a:rPr lang="pt-BR" sz="1400" dirty="0"/>
-              <a:t>       4.5.2) Horizontes, falhas, modelos de terreno e outras superfícies</a:t>
-            </a:r>
-          </a:p>
-          <a:p>
-            <a:endParaRPr lang="pt-BR" sz="1400" dirty="0"/>
-          </a:p>
-          <a:p>
-            <a:r>
-              <a:rPr lang="pt-BR" sz="1400" dirty="0"/>
-              <a:t>   4.6) Interagindo com o modelo 3D: </a:t>
-            </a:r>
-            <a:r>
-              <a:rPr lang="pt-BR" sz="1400" dirty="0" err="1"/>
-              <a:t>picking</a:t>
-            </a:r>
-            <a:r>
-              <a:rPr lang="pt-BR" sz="1400" dirty="0"/>
-              <a:t> e </a:t>
-            </a:r>
-            <a:r>
-              <a:rPr lang="pt-BR" sz="1400" dirty="0" err="1"/>
-              <a:t>probing</a:t>
-            </a:r>
-            <a:endParaRPr lang="pt-BR" sz="1400" dirty="0">
-              <a:latin typeface="+mj-lt"/>
-            </a:endParaRPr>
-          </a:p>
-        </p:txBody>
-      </p:sp>
-    </p:spTree>
-    <p:extLst>
-      <p:ext uri="{BB962C8B-B14F-4D97-AF65-F5344CB8AC3E}">
-        <p14:creationId xmlns:p14="http://schemas.microsoft.com/office/powerpoint/2010/main" val="754162583"/>
-      </p:ext>
-    </p:extLst>
-  </p:cSld>
-  <p:clrMapOvr>
-    <a:masterClrMapping/>
-  </p:clrMapOvr>
-  <p:timing>
-    <p:tnLst>
-      <p:par>
-        <p:cTn id="1" dur="indefinite" restart="never" nodeType="tmRoot"/>
-      </p:par>
-    </p:tnLst>
-  </p:timing>
-</p:sld>
-</file>
-
-<file path=ppt/slides/slide40.xml><?xml version="1.0" encoding="utf-8"?>
+<file path=ppt/slides/slide42.xml><?xml version="1.0" encoding="utf-8"?>
 <p:sld xmlns:a="http://schemas.openxmlformats.org/drawingml/2006/main" xmlns:r="http://schemas.openxmlformats.org/officeDocument/2006/relationships" xmlns:p="http://schemas.openxmlformats.org/presentationml/2006/main">
   <p:cSld>
     <p:spTree>
@@ -20276,7 +21774,7 @@
 </p:sld>
 </file>
 
-<file path=ppt/slides/slide41.xml><?xml version="1.0" encoding="utf-8"?>
+<file path=ppt/slides/slide43.xml><?xml version="1.0" encoding="utf-8"?>
 <p:sld xmlns:a="http://schemas.openxmlformats.org/drawingml/2006/main" xmlns:r="http://schemas.openxmlformats.org/officeDocument/2006/relationships" xmlns:p="http://schemas.openxmlformats.org/presentationml/2006/main">
   <p:cSld>
     <p:spTree>
@@ -20729,7 +22227,7 @@
 </p:sld>
 </file>
 
-<file path=ppt/slides/slide42.xml><?xml version="1.0" encoding="utf-8"?>
+<file path=ppt/slides/slide44.xml><?xml version="1.0" encoding="utf-8"?>
 <p:sld xmlns:a="http://schemas.openxmlformats.org/drawingml/2006/main" xmlns:r="http://schemas.openxmlformats.org/officeDocument/2006/relationships" xmlns:p="http://schemas.openxmlformats.org/presentationml/2006/main">
   <p:cSld>
     <p:spTree>
@@ -21140,7 +22638,7 @@
 </p:sld>
 </file>
 
-<file path=ppt/slides/slide43.xml><?xml version="1.0" encoding="utf-8"?>
+<file path=ppt/slides/slide45.xml><?xml version="1.0" encoding="utf-8"?>
 <p:sld xmlns:a="http://schemas.openxmlformats.org/drawingml/2006/main" xmlns:r="http://schemas.openxmlformats.org/officeDocument/2006/relationships" xmlns:p="http://schemas.openxmlformats.org/presentationml/2006/main">
   <p:cSld>
     <p:spTree>
@@ -21629,7 +23127,7 @@
 </p:sld>
 </file>
 
-<file path=ppt/slides/slide44.xml><?xml version="1.0" encoding="utf-8"?>
+<file path=ppt/slides/slide46.xml><?xml version="1.0" encoding="utf-8"?>
 <p:sld xmlns:a="http://schemas.openxmlformats.org/drawingml/2006/main" xmlns:r="http://schemas.openxmlformats.org/officeDocument/2006/relationships" xmlns:p="http://schemas.openxmlformats.org/presentationml/2006/main">
   <p:cSld>
     <p:spTree>
@@ -22024,7 +23522,7 @@
 </p:sld>
 </file>
 
-<file path=ppt/slides/slide45.xml><?xml version="1.0" encoding="utf-8"?>
+<file path=ppt/slides/slide47.xml><?xml version="1.0" encoding="utf-8"?>
 <p:sld xmlns:a="http://schemas.openxmlformats.org/drawingml/2006/main" xmlns:r="http://schemas.openxmlformats.org/officeDocument/2006/relationships" xmlns:p="http://schemas.openxmlformats.org/presentationml/2006/main">
   <p:cSld>
     <p:spTree>
@@ -22324,7 +23822,7 @@
 </p:sld>
 </file>
 
-<file path=ppt/slides/slide46.xml><?xml version="1.0" encoding="utf-8"?>
+<file path=ppt/slides/slide48.xml><?xml version="1.0" encoding="utf-8"?>
 <p:sld xmlns:a="http://schemas.openxmlformats.org/drawingml/2006/main" xmlns:r="http://schemas.openxmlformats.org/officeDocument/2006/relationships" xmlns:p="http://schemas.openxmlformats.org/presentationml/2006/main">
   <p:cSld>
     <p:spTree>
@@ -22533,7 +24031,7 @@
 </p:sld>
 </file>
 
-<file path=ppt/slides/slide47.xml><?xml version="1.0" encoding="utf-8"?>
+<file path=ppt/slides/slide49.xml><?xml version="1.0" encoding="utf-8"?>
 <p:sld xmlns:a="http://schemas.openxmlformats.org/drawingml/2006/main" xmlns:r="http://schemas.openxmlformats.org/officeDocument/2006/relationships" xmlns:p="http://schemas.openxmlformats.org/presentationml/2006/main">
   <p:cSld>
     <p:spTree>
@@ -22938,7 +24436,300 @@
 </p:sld>
 </file>
 
-<file path=ppt/slides/slide48.xml><?xml version="1.0" encoding="utf-8"?>
+<file path=ppt/slides/slide5.xml><?xml version="1.0" encoding="utf-8"?>
+<p:sld xmlns:a="http://schemas.openxmlformats.org/drawingml/2006/main" xmlns:r="http://schemas.openxmlformats.org/officeDocument/2006/relationships" xmlns:p="http://schemas.openxmlformats.org/presentationml/2006/main">
+  <p:cSld>
+    <p:spTree>
+      <p:nvGrpSpPr>
+        <p:cNvPr id="1" name=""/>
+        <p:cNvGrpSpPr/>
+        <p:nvPr/>
+      </p:nvGrpSpPr>
+      <p:grpSpPr>
+        <a:xfrm>
+          <a:off x="0" y="0"/>
+          <a:ext cx="0" cy="0"/>
+          <a:chOff x="0" y="0"/>
+          <a:chExt cx="0" cy="0"/>
+        </a:xfrm>
+      </p:grpSpPr>
+      <p:sp>
+        <p:nvSpPr>
+          <p:cNvPr id="4" name="Título 3"/>
+          <p:cNvSpPr>
+            <a:spLocks noGrp="1"/>
+          </p:cNvSpPr>
+          <p:nvPr>
+            <p:ph type="ctrTitle"/>
+          </p:nvPr>
+        </p:nvSpPr>
+        <p:spPr>
+          <a:xfrm>
+            <a:off x="3275856" y="138754"/>
+            <a:ext cx="4680520" cy="504056"/>
+          </a:xfrm>
+        </p:spPr>
+        <p:txBody>
+          <a:bodyPr>
+            <a:normAutofit/>
+          </a:bodyPr>
+          <a:lstStyle/>
+          <a:p>
+            <a:r>
+              <a:rPr lang="pt-BR" sz="2400" dirty="0" smtClean="0"/>
+              <a:t>1) Introdução</a:t>
+            </a:r>
+            <a:endParaRPr lang="pt-BR" sz="1400" dirty="0"/>
+          </a:p>
+        </p:txBody>
+      </p:sp>
+      <p:sp>
+        <p:nvSpPr>
+          <p:cNvPr id="6" name="CaixaDeTexto 5"/>
+          <p:cNvSpPr txBox="1"/>
+          <p:nvPr/>
+        </p:nvSpPr>
+        <p:spPr>
+          <a:xfrm>
+            <a:off x="755576" y="1454581"/>
+            <a:ext cx="7848872" cy="4339650"/>
+          </a:xfrm>
+          <a:prstGeom prst="rect">
+            <a:avLst/>
+          </a:prstGeom>
+          <a:noFill/>
+        </p:spPr>
+        <p:txBody>
+          <a:bodyPr wrap="square" rtlCol="0">
+            <a:spAutoFit/>
+          </a:bodyPr>
+          <a:lstStyle/>
+          <a:p>
+            <a:pPr algn="just"/>
+            <a:r>
+              <a:rPr lang="pt-BR" dirty="0" smtClean="0"/>
+              <a:t>VTK: </a:t>
+            </a:r>
+            <a:r>
+              <a:rPr lang="pt-BR" dirty="0" err="1" smtClean="0"/>
+              <a:t>the</a:t>
+            </a:r>
+            <a:r>
+              <a:rPr lang="pt-BR" dirty="0" smtClean="0"/>
+              <a:t> </a:t>
+            </a:r>
+            <a:r>
+              <a:rPr lang="pt-BR" sz="2400" b="1" dirty="0" err="1" smtClean="0"/>
+              <a:t>V</a:t>
+            </a:r>
+            <a:r>
+              <a:rPr lang="pt-BR" dirty="0" err="1" smtClean="0"/>
+              <a:t>isualization</a:t>
+            </a:r>
+            <a:r>
+              <a:rPr lang="pt-BR" dirty="0" smtClean="0"/>
+              <a:t> </a:t>
+            </a:r>
+            <a:r>
+              <a:rPr lang="pt-BR" sz="2400" b="1" dirty="0" smtClean="0"/>
+              <a:t>T</a:t>
+            </a:r>
+            <a:r>
+              <a:rPr lang="pt-BR" dirty="0" smtClean="0"/>
+              <a:t>ool</a:t>
+            </a:r>
+            <a:r>
+              <a:rPr lang="pt-BR" sz="2400" b="1" dirty="0" smtClean="0"/>
+              <a:t>k</a:t>
+            </a:r>
+            <a:r>
+              <a:rPr lang="pt-BR" dirty="0" smtClean="0"/>
+              <a:t>it</a:t>
+            </a:r>
+          </a:p>
+          <a:p>
+            <a:pPr algn="just"/>
+            <a:endParaRPr lang="pt-BR" dirty="0" smtClean="0"/>
+          </a:p>
+          <a:p>
+            <a:pPr algn="just"/>
+            <a:endParaRPr lang="pt-BR" dirty="0"/>
+          </a:p>
+          <a:p>
+            <a:pPr marL="285750" indent="-285750" algn="just">
+              <a:buFont typeface="Wingdings" panose="05000000000000000000" pitchFamily="2" charset="2"/>
+              <a:buChar char="Ø"/>
+            </a:pPr>
+            <a:r>
+              <a:rPr lang="pt-BR" dirty="0" smtClean="0"/>
+              <a:t>Camada de software para visualização 3D sobre </a:t>
+            </a:r>
+            <a:r>
+              <a:rPr lang="pt-BR" dirty="0" err="1" smtClean="0"/>
+              <a:t>OpenGL</a:t>
+            </a:r>
+            <a:r>
+              <a:rPr lang="pt-BR" dirty="0" smtClean="0"/>
+              <a:t> ou Mesa desenvolvida pela </a:t>
+            </a:r>
+            <a:r>
+              <a:rPr lang="pt-BR" dirty="0" err="1" smtClean="0"/>
+              <a:t>Kitware</a:t>
+            </a:r>
+            <a:r>
+              <a:rPr lang="pt-BR" dirty="0" smtClean="0"/>
+              <a:t>.</a:t>
+            </a:r>
+          </a:p>
+          <a:p>
+            <a:pPr marL="285750" indent="-285750" algn="just">
+              <a:buFont typeface="Wingdings" panose="05000000000000000000" pitchFamily="2" charset="2"/>
+              <a:buChar char="Ø"/>
+            </a:pPr>
+            <a:endParaRPr lang="pt-BR" dirty="0" smtClean="0"/>
+          </a:p>
+          <a:p>
+            <a:pPr marL="285750" indent="-285750" algn="just">
+              <a:buFont typeface="Wingdings" panose="05000000000000000000" pitchFamily="2" charset="2"/>
+              <a:buChar char="Ø"/>
+            </a:pPr>
+            <a:endParaRPr lang="pt-BR" dirty="0" smtClean="0"/>
+          </a:p>
+          <a:p>
+            <a:pPr marL="285750" indent="-285750" algn="just">
+              <a:buFont typeface="Wingdings" panose="05000000000000000000" pitchFamily="2" charset="2"/>
+              <a:buChar char="Ø"/>
+            </a:pPr>
+            <a:r>
+              <a:rPr lang="pt-BR" dirty="0" smtClean="0"/>
+              <a:t>Classes de mais alto nível (ex.: </a:t>
+            </a:r>
+            <a:r>
+              <a:rPr lang="pt-BR" dirty="0" err="1" smtClean="0">
+                <a:latin typeface="Courier New" panose="02070309020205020404" pitchFamily="49" charset="0"/>
+                <a:cs typeface="Courier New" panose="02070309020205020404" pitchFamily="49" charset="0"/>
+              </a:rPr>
+              <a:t>vtkStructuredGrid</a:t>
+            </a:r>
+            <a:r>
+              <a:rPr lang="pt-BR" dirty="0" smtClean="0"/>
+              <a:t>) no lugar de primitivas geométricas do </a:t>
+            </a:r>
+            <a:r>
+              <a:rPr lang="pt-BR" dirty="0" err="1" smtClean="0"/>
+              <a:t>back</a:t>
+            </a:r>
+            <a:r>
+              <a:rPr lang="pt-BR" dirty="0" smtClean="0"/>
+              <a:t>-end.</a:t>
+            </a:r>
+          </a:p>
+          <a:p>
+            <a:pPr marL="285750" indent="-285750" algn="just">
+              <a:buFont typeface="Wingdings" panose="05000000000000000000" pitchFamily="2" charset="2"/>
+              <a:buChar char="Ø"/>
+            </a:pPr>
+            <a:endParaRPr lang="pt-BR" dirty="0" smtClean="0"/>
+          </a:p>
+          <a:p>
+            <a:pPr marL="285750" indent="-285750" algn="just">
+              <a:buFont typeface="Wingdings" panose="05000000000000000000" pitchFamily="2" charset="2"/>
+              <a:buChar char="Ø"/>
+            </a:pPr>
+            <a:endParaRPr lang="pt-BR" dirty="0"/>
+          </a:p>
+          <a:p>
+            <a:pPr marL="285750" indent="-285750" algn="just">
+              <a:buFont typeface="Wingdings" panose="05000000000000000000" pitchFamily="2" charset="2"/>
+              <a:buChar char="Ø"/>
+            </a:pPr>
+            <a:r>
+              <a:rPr lang="pt-BR" dirty="0" smtClean="0"/>
+              <a:t>Algoritmos (hierarquia de </a:t>
+            </a:r>
+            <a:r>
+              <a:rPr lang="pt-BR" dirty="0" err="1" smtClean="0">
+                <a:latin typeface="Courier New" panose="02070309020205020404" pitchFamily="49" charset="0"/>
+                <a:cs typeface="Courier New" panose="02070309020205020404" pitchFamily="49" charset="0"/>
+              </a:rPr>
+              <a:t>vtkAlgorithm</a:t>
+            </a:r>
+            <a:r>
+              <a:rPr lang="pt-BR" dirty="0" smtClean="0"/>
+              <a:t>), gráficos 2D (hierarquia de </a:t>
+            </a:r>
+            <a:r>
+              <a:rPr lang="pt-BR" dirty="0" err="1" smtClean="0">
+                <a:latin typeface="Courier New" panose="02070309020205020404" pitchFamily="49" charset="0"/>
+                <a:cs typeface="Courier New" panose="02070309020205020404" pitchFamily="49" charset="0"/>
+              </a:rPr>
+              <a:t>vtkChart</a:t>
+            </a:r>
+            <a:r>
+              <a:rPr lang="pt-BR" dirty="0" smtClean="0"/>
+              <a:t>), captura de interatividade do usuário (hierarquia de </a:t>
+            </a:r>
+            <a:r>
+              <a:rPr lang="pt-BR" dirty="0" err="1" smtClean="0">
+                <a:latin typeface="Courier New" panose="02070309020205020404" pitchFamily="49" charset="0"/>
+                <a:cs typeface="Courier New" panose="02070309020205020404" pitchFamily="49" charset="0"/>
+              </a:rPr>
+              <a:t>vtkRenderWindowInteractor</a:t>
+            </a:r>
+            <a:r>
+              <a:rPr lang="pt-BR" dirty="0" smtClean="0"/>
+              <a:t>), HUD (hierarquias de </a:t>
+            </a:r>
+            <a:r>
+              <a:rPr lang="pt-BR" dirty="0" err="1" smtClean="0">
+                <a:latin typeface="Courier New" panose="02070309020205020404" pitchFamily="49" charset="0"/>
+                <a:cs typeface="Courier New" panose="02070309020205020404" pitchFamily="49" charset="0"/>
+              </a:rPr>
+              <a:t>vtk</a:t>
+            </a:r>
+            <a:r>
+              <a:rPr lang="pt-BR" dirty="0" smtClean="0">
+                <a:latin typeface="Courier New" panose="02070309020205020404" pitchFamily="49" charset="0"/>
+                <a:cs typeface="Courier New" panose="02070309020205020404" pitchFamily="49" charset="0"/>
+              </a:rPr>
+              <a:t>*</a:t>
+            </a:r>
+            <a:r>
+              <a:rPr lang="pt-BR" dirty="0" err="1" smtClean="0">
+                <a:latin typeface="Courier New" panose="02070309020205020404" pitchFamily="49" charset="0"/>
+                <a:cs typeface="Courier New" panose="02070309020205020404" pitchFamily="49" charset="0"/>
+              </a:rPr>
+              <a:t>Widget</a:t>
+            </a:r>
+            <a:r>
+              <a:rPr lang="pt-BR" dirty="0" smtClean="0"/>
+              <a:t>), etc.</a:t>
+            </a:r>
+            <a:endParaRPr lang="pt-BR" dirty="0"/>
+          </a:p>
+        </p:txBody>
+      </p:sp>
+    </p:spTree>
+    <p:extLst>
+      <p:ext uri="{BB962C8B-B14F-4D97-AF65-F5344CB8AC3E}">
+        <p14:creationId xmlns:p14="http://schemas.microsoft.com/office/powerpoint/2010/main" val="1091311224"/>
+      </p:ext>
+    </p:extLst>
+  </p:cSld>
+  <p:clrMapOvr>
+    <a:masterClrMapping/>
+  </p:clrMapOvr>
+  <p:timing>
+    <p:tnLst>
+      <p:par>
+        <p:cTn id="1" dur="indefinite" restart="never" nodeType="tmRoot"/>
+      </p:par>
+    </p:tnLst>
+  </p:timing>
+</p:sld>
+</file>
+
+<file path=ppt/slides/slide50.xml><?xml version="1.0" encoding="utf-8"?>
 <p:sld xmlns:a="http://schemas.openxmlformats.org/drawingml/2006/main" xmlns:r="http://schemas.openxmlformats.org/officeDocument/2006/relationships" xmlns:p="http://schemas.openxmlformats.org/presentationml/2006/main">
   <p:cSld>
     <p:spTree>
@@ -23147,7 +24938,7 @@
 </p:sld>
 </file>
 
-<file path=ppt/slides/slide49.xml><?xml version="1.0" encoding="utf-8"?>
+<file path=ppt/slides/slide51.xml><?xml version="1.0" encoding="utf-8"?>
 <p:sld xmlns:a="http://schemas.openxmlformats.org/drawingml/2006/main" xmlns:r="http://schemas.openxmlformats.org/officeDocument/2006/relationships" xmlns:p="http://schemas.openxmlformats.org/presentationml/2006/main">
   <p:cSld>
     <p:spTree>
@@ -23573,300 +25364,7 @@
 </p:sld>
 </file>
 
-<file path=ppt/slides/slide5.xml><?xml version="1.0" encoding="utf-8"?>
-<p:sld xmlns:a="http://schemas.openxmlformats.org/drawingml/2006/main" xmlns:r="http://schemas.openxmlformats.org/officeDocument/2006/relationships" xmlns:p="http://schemas.openxmlformats.org/presentationml/2006/main">
-  <p:cSld>
-    <p:spTree>
-      <p:nvGrpSpPr>
-        <p:cNvPr id="1" name=""/>
-        <p:cNvGrpSpPr/>
-        <p:nvPr/>
-      </p:nvGrpSpPr>
-      <p:grpSpPr>
-        <a:xfrm>
-          <a:off x="0" y="0"/>
-          <a:ext cx="0" cy="0"/>
-          <a:chOff x="0" y="0"/>
-          <a:chExt cx="0" cy="0"/>
-        </a:xfrm>
-      </p:grpSpPr>
-      <p:sp>
-        <p:nvSpPr>
-          <p:cNvPr id="4" name="Título 3"/>
-          <p:cNvSpPr>
-            <a:spLocks noGrp="1"/>
-          </p:cNvSpPr>
-          <p:nvPr>
-            <p:ph type="ctrTitle"/>
-          </p:nvPr>
-        </p:nvSpPr>
-        <p:spPr>
-          <a:xfrm>
-            <a:off x="3275856" y="138754"/>
-            <a:ext cx="4680520" cy="504056"/>
-          </a:xfrm>
-        </p:spPr>
-        <p:txBody>
-          <a:bodyPr>
-            <a:normAutofit/>
-          </a:bodyPr>
-          <a:lstStyle/>
-          <a:p>
-            <a:r>
-              <a:rPr lang="pt-BR" sz="2400" dirty="0" smtClean="0"/>
-              <a:t>1) Introdução</a:t>
-            </a:r>
-            <a:endParaRPr lang="pt-BR" sz="1400" dirty="0"/>
-          </a:p>
-        </p:txBody>
-      </p:sp>
-      <p:sp>
-        <p:nvSpPr>
-          <p:cNvPr id="6" name="CaixaDeTexto 5"/>
-          <p:cNvSpPr txBox="1"/>
-          <p:nvPr/>
-        </p:nvSpPr>
-        <p:spPr>
-          <a:xfrm>
-            <a:off x="755576" y="1454581"/>
-            <a:ext cx="7848872" cy="4339650"/>
-          </a:xfrm>
-          <a:prstGeom prst="rect">
-            <a:avLst/>
-          </a:prstGeom>
-          <a:noFill/>
-        </p:spPr>
-        <p:txBody>
-          <a:bodyPr wrap="square" rtlCol="0">
-            <a:spAutoFit/>
-          </a:bodyPr>
-          <a:lstStyle/>
-          <a:p>
-            <a:pPr algn="just"/>
-            <a:r>
-              <a:rPr lang="pt-BR" dirty="0" smtClean="0"/>
-              <a:t>VTK: </a:t>
-            </a:r>
-            <a:r>
-              <a:rPr lang="pt-BR" dirty="0" err="1" smtClean="0"/>
-              <a:t>the</a:t>
-            </a:r>
-            <a:r>
-              <a:rPr lang="pt-BR" dirty="0" smtClean="0"/>
-              <a:t> </a:t>
-            </a:r>
-            <a:r>
-              <a:rPr lang="pt-BR" sz="2400" b="1" dirty="0" err="1" smtClean="0"/>
-              <a:t>V</a:t>
-            </a:r>
-            <a:r>
-              <a:rPr lang="pt-BR" dirty="0" err="1" smtClean="0"/>
-              <a:t>isualization</a:t>
-            </a:r>
-            <a:r>
-              <a:rPr lang="pt-BR" dirty="0" smtClean="0"/>
-              <a:t> </a:t>
-            </a:r>
-            <a:r>
-              <a:rPr lang="pt-BR" sz="2400" b="1" dirty="0" smtClean="0"/>
-              <a:t>T</a:t>
-            </a:r>
-            <a:r>
-              <a:rPr lang="pt-BR" dirty="0" smtClean="0"/>
-              <a:t>ool</a:t>
-            </a:r>
-            <a:r>
-              <a:rPr lang="pt-BR" sz="2400" b="1" dirty="0" smtClean="0"/>
-              <a:t>k</a:t>
-            </a:r>
-            <a:r>
-              <a:rPr lang="pt-BR" dirty="0" smtClean="0"/>
-              <a:t>it</a:t>
-            </a:r>
-          </a:p>
-          <a:p>
-            <a:pPr algn="just"/>
-            <a:endParaRPr lang="pt-BR" dirty="0" smtClean="0"/>
-          </a:p>
-          <a:p>
-            <a:pPr algn="just"/>
-            <a:endParaRPr lang="pt-BR" dirty="0"/>
-          </a:p>
-          <a:p>
-            <a:pPr marL="285750" indent="-285750" algn="just">
-              <a:buFont typeface="Wingdings" panose="05000000000000000000" pitchFamily="2" charset="2"/>
-              <a:buChar char="Ø"/>
-            </a:pPr>
-            <a:r>
-              <a:rPr lang="pt-BR" dirty="0" smtClean="0"/>
-              <a:t>Camada de software para visualização 3D sobre </a:t>
-            </a:r>
-            <a:r>
-              <a:rPr lang="pt-BR" dirty="0" err="1" smtClean="0"/>
-              <a:t>OpenGL</a:t>
-            </a:r>
-            <a:r>
-              <a:rPr lang="pt-BR" dirty="0" smtClean="0"/>
-              <a:t> ou Mesa desenvolvida pela </a:t>
-            </a:r>
-            <a:r>
-              <a:rPr lang="pt-BR" dirty="0" err="1" smtClean="0"/>
-              <a:t>Kitware</a:t>
-            </a:r>
-            <a:r>
-              <a:rPr lang="pt-BR" dirty="0" smtClean="0"/>
-              <a:t>.</a:t>
-            </a:r>
-          </a:p>
-          <a:p>
-            <a:pPr marL="285750" indent="-285750" algn="just">
-              <a:buFont typeface="Wingdings" panose="05000000000000000000" pitchFamily="2" charset="2"/>
-              <a:buChar char="Ø"/>
-            </a:pPr>
-            <a:endParaRPr lang="pt-BR" dirty="0" smtClean="0"/>
-          </a:p>
-          <a:p>
-            <a:pPr marL="285750" indent="-285750" algn="just">
-              <a:buFont typeface="Wingdings" panose="05000000000000000000" pitchFamily="2" charset="2"/>
-              <a:buChar char="Ø"/>
-            </a:pPr>
-            <a:endParaRPr lang="pt-BR" dirty="0" smtClean="0"/>
-          </a:p>
-          <a:p>
-            <a:pPr marL="285750" indent="-285750" algn="just">
-              <a:buFont typeface="Wingdings" panose="05000000000000000000" pitchFamily="2" charset="2"/>
-              <a:buChar char="Ø"/>
-            </a:pPr>
-            <a:r>
-              <a:rPr lang="pt-BR" dirty="0" smtClean="0"/>
-              <a:t>Classes de mais alto nível (ex.: </a:t>
-            </a:r>
-            <a:r>
-              <a:rPr lang="pt-BR" dirty="0" err="1" smtClean="0">
-                <a:latin typeface="Courier New" panose="02070309020205020404" pitchFamily="49" charset="0"/>
-                <a:cs typeface="Courier New" panose="02070309020205020404" pitchFamily="49" charset="0"/>
-              </a:rPr>
-              <a:t>vtkStructuredGrid</a:t>
-            </a:r>
-            <a:r>
-              <a:rPr lang="pt-BR" dirty="0" smtClean="0"/>
-              <a:t>) no lugar de primitivas geométricas do </a:t>
-            </a:r>
-            <a:r>
-              <a:rPr lang="pt-BR" dirty="0" err="1" smtClean="0"/>
-              <a:t>back</a:t>
-            </a:r>
-            <a:r>
-              <a:rPr lang="pt-BR" dirty="0" smtClean="0"/>
-              <a:t>-end.</a:t>
-            </a:r>
-          </a:p>
-          <a:p>
-            <a:pPr marL="285750" indent="-285750" algn="just">
-              <a:buFont typeface="Wingdings" panose="05000000000000000000" pitchFamily="2" charset="2"/>
-              <a:buChar char="Ø"/>
-            </a:pPr>
-            <a:endParaRPr lang="pt-BR" dirty="0" smtClean="0"/>
-          </a:p>
-          <a:p>
-            <a:pPr marL="285750" indent="-285750" algn="just">
-              <a:buFont typeface="Wingdings" panose="05000000000000000000" pitchFamily="2" charset="2"/>
-              <a:buChar char="Ø"/>
-            </a:pPr>
-            <a:endParaRPr lang="pt-BR" dirty="0"/>
-          </a:p>
-          <a:p>
-            <a:pPr marL="285750" indent="-285750" algn="just">
-              <a:buFont typeface="Wingdings" panose="05000000000000000000" pitchFamily="2" charset="2"/>
-              <a:buChar char="Ø"/>
-            </a:pPr>
-            <a:r>
-              <a:rPr lang="pt-BR" dirty="0" smtClean="0"/>
-              <a:t>Algoritmos (hierarquia de </a:t>
-            </a:r>
-            <a:r>
-              <a:rPr lang="pt-BR" dirty="0" err="1" smtClean="0">
-                <a:latin typeface="Courier New" panose="02070309020205020404" pitchFamily="49" charset="0"/>
-                <a:cs typeface="Courier New" panose="02070309020205020404" pitchFamily="49" charset="0"/>
-              </a:rPr>
-              <a:t>vtkAlgorithm</a:t>
-            </a:r>
-            <a:r>
-              <a:rPr lang="pt-BR" dirty="0" smtClean="0"/>
-              <a:t>), gráficos 2D (hierarquia de </a:t>
-            </a:r>
-            <a:r>
-              <a:rPr lang="pt-BR" dirty="0" err="1" smtClean="0">
-                <a:latin typeface="Courier New" panose="02070309020205020404" pitchFamily="49" charset="0"/>
-                <a:cs typeface="Courier New" panose="02070309020205020404" pitchFamily="49" charset="0"/>
-              </a:rPr>
-              <a:t>vtkChart</a:t>
-            </a:r>
-            <a:r>
-              <a:rPr lang="pt-BR" dirty="0" smtClean="0"/>
-              <a:t>), captura de interatividade do usuário (hierarquia de </a:t>
-            </a:r>
-            <a:r>
-              <a:rPr lang="pt-BR" dirty="0" err="1" smtClean="0">
-                <a:latin typeface="Courier New" panose="02070309020205020404" pitchFamily="49" charset="0"/>
-                <a:cs typeface="Courier New" panose="02070309020205020404" pitchFamily="49" charset="0"/>
-              </a:rPr>
-              <a:t>vtkRenderWindowInteractor</a:t>
-            </a:r>
-            <a:r>
-              <a:rPr lang="pt-BR" dirty="0" smtClean="0"/>
-              <a:t>), HUD (hierarquias de </a:t>
-            </a:r>
-            <a:r>
-              <a:rPr lang="pt-BR" dirty="0" err="1" smtClean="0">
-                <a:latin typeface="Courier New" panose="02070309020205020404" pitchFamily="49" charset="0"/>
-                <a:cs typeface="Courier New" panose="02070309020205020404" pitchFamily="49" charset="0"/>
-              </a:rPr>
-              <a:t>vtk</a:t>
-            </a:r>
-            <a:r>
-              <a:rPr lang="pt-BR" dirty="0" smtClean="0">
-                <a:latin typeface="Courier New" panose="02070309020205020404" pitchFamily="49" charset="0"/>
-                <a:cs typeface="Courier New" panose="02070309020205020404" pitchFamily="49" charset="0"/>
-              </a:rPr>
-              <a:t>*</a:t>
-            </a:r>
-            <a:r>
-              <a:rPr lang="pt-BR" dirty="0" err="1" smtClean="0">
-                <a:latin typeface="Courier New" panose="02070309020205020404" pitchFamily="49" charset="0"/>
-                <a:cs typeface="Courier New" panose="02070309020205020404" pitchFamily="49" charset="0"/>
-              </a:rPr>
-              <a:t>Widget</a:t>
-            </a:r>
-            <a:r>
-              <a:rPr lang="pt-BR" dirty="0" smtClean="0"/>
-              <a:t>), etc.</a:t>
-            </a:r>
-            <a:endParaRPr lang="pt-BR" dirty="0"/>
-          </a:p>
-        </p:txBody>
-      </p:sp>
-    </p:spTree>
-    <p:extLst>
-      <p:ext uri="{BB962C8B-B14F-4D97-AF65-F5344CB8AC3E}">
-        <p14:creationId xmlns:p14="http://schemas.microsoft.com/office/powerpoint/2010/main" val="1091311224"/>
-      </p:ext>
-    </p:extLst>
-  </p:cSld>
-  <p:clrMapOvr>
-    <a:masterClrMapping/>
-  </p:clrMapOvr>
-  <p:timing>
-    <p:tnLst>
-      <p:par>
-        <p:cTn id="1" dur="indefinite" restart="never" nodeType="tmRoot"/>
-      </p:par>
-    </p:tnLst>
-  </p:timing>
-</p:sld>
-</file>
-
-<file path=ppt/slides/slide50.xml><?xml version="1.0" encoding="utf-8"?>
+<file path=ppt/slides/slide52.xml><?xml version="1.0" encoding="utf-8"?>
 <p:sld xmlns:a="http://schemas.openxmlformats.org/drawingml/2006/main" xmlns:r="http://schemas.openxmlformats.org/officeDocument/2006/relationships" xmlns:p="http://schemas.openxmlformats.org/presentationml/2006/main">
   <p:cSld>
     <p:spTree>
@@ -24368,7 +25866,7 @@
 </p:sld>
 </file>
 
-<file path=ppt/slides/slide51.xml><?xml version="1.0" encoding="utf-8"?>
+<file path=ppt/slides/slide53.xml><?xml version="1.0" encoding="utf-8"?>
 <p:sld xmlns:a="http://schemas.openxmlformats.org/drawingml/2006/main" xmlns:r="http://schemas.openxmlformats.org/officeDocument/2006/relationships" xmlns:p="http://schemas.openxmlformats.org/presentationml/2006/main">
   <p:cSld>
     <p:spTree>
@@ -24540,7 +26038,7 @@
 </p:sld>
 </file>
 
-<file path=ppt/slides/slide52.xml><?xml version="1.0" encoding="utf-8"?>
+<file path=ppt/slides/slide54.xml><?xml version="1.0" encoding="utf-8"?>
 <p:sld xmlns:a="http://schemas.openxmlformats.org/drawingml/2006/main" xmlns:r="http://schemas.openxmlformats.org/officeDocument/2006/relationships" xmlns:p="http://schemas.openxmlformats.org/presentationml/2006/main">
   <p:cSld>
     <p:spTree>
@@ -24808,7 +26306,7 @@
 </p:sld>
 </file>
 
-<file path=ppt/slides/slide53.xml><?xml version="1.0" encoding="utf-8"?>
+<file path=ppt/slides/slide55.xml><?xml version="1.0" encoding="utf-8"?>
 <p:sld xmlns:a="http://schemas.openxmlformats.org/drawingml/2006/main" xmlns:r="http://schemas.openxmlformats.org/officeDocument/2006/relationships" xmlns:p="http://schemas.openxmlformats.org/presentationml/2006/main">
   <p:cSld>
     <p:spTree>
